--- a/luigiBennardisMicroservices.pptx
+++ b/luigiBennardisMicroservices.pptx
@@ -18,12 +18,20 @@
     <p:sldId id="266" r:id="rId12"/>
     <p:sldId id="267" r:id="rId13"/>
     <p:sldId id="274" r:id="rId14"/>
-    <p:sldId id="275" r:id="rId15"/>
-    <p:sldId id="268" r:id="rId16"/>
-    <p:sldId id="269" r:id="rId17"/>
-    <p:sldId id="271" r:id="rId18"/>
-    <p:sldId id="270" r:id="rId19"/>
-    <p:sldId id="265" r:id="rId20"/>
+    <p:sldId id="278" r:id="rId15"/>
+    <p:sldId id="279" r:id="rId16"/>
+    <p:sldId id="280" r:id="rId17"/>
+    <p:sldId id="283" r:id="rId18"/>
+    <p:sldId id="282" r:id="rId19"/>
+    <p:sldId id="281" r:id="rId20"/>
+    <p:sldId id="275" r:id="rId21"/>
+    <p:sldId id="268" r:id="rId22"/>
+    <p:sldId id="269" r:id="rId23"/>
+    <p:sldId id="271" r:id="rId24"/>
+    <p:sldId id="270" r:id="rId25"/>
+    <p:sldId id="276" r:id="rId26"/>
+    <p:sldId id="277" r:id="rId27"/>
+    <p:sldId id="265" r:id="rId28"/>
   </p:sldIdLst>
   <p:sldSz cx="24384000" cy="13716000"/>
   <p:notesSz cx="6858000" cy="9144000"/>
@@ -3331,6 +3339,572 @@
           <a:bodyPr/>
           <a:lstStyle/>
           <a:p>
+            <a:endParaRPr lang="it-IT" dirty="0"/>
+          </a:p>
+        </p:txBody>
+      </p:sp>
+      <p:sp>
+        <p:nvSpPr>
+          <p:cNvPr id="3" name="Segnaposto contenuto 2"/>
+          <p:cNvSpPr>
+            <a:spLocks noGrp="1"/>
+          </p:cNvSpPr>
+          <p:nvPr>
+            <p:ph idx="1"/>
+          </p:nvPr>
+        </p:nvSpPr>
+        <p:spPr/>
+        <p:txBody>
+          <a:bodyPr/>
+          <a:lstStyle/>
+          <a:p>
+            <a:r>
+              <a:rPr lang="it-IT" dirty="0" smtClean="0"/>
+              <a:t>DEVELOPMENT / UNIT TEST</a:t>
+            </a:r>
+          </a:p>
+          <a:p>
+            <a:r>
+              <a:rPr lang="it-IT" dirty="0" smtClean="0"/>
+              <a:t>INTEGRATION TEST</a:t>
+            </a:r>
+          </a:p>
+          <a:p>
+            <a:r>
+              <a:rPr lang="it-IT" dirty="0" smtClean="0"/>
+              <a:t>QUALITY ASSURANCE</a:t>
+            </a:r>
+          </a:p>
+          <a:p>
+            <a:r>
+              <a:rPr lang="it-IT" dirty="0" smtClean="0"/>
+              <a:t>PRODUCTION</a:t>
+            </a:r>
+          </a:p>
+          <a:p>
+            <a:endParaRPr lang="it-IT" dirty="0"/>
+          </a:p>
+        </p:txBody>
+      </p:sp>
+    </p:spTree>
+    <p:extLst>
+      <p:ext uri="{BB962C8B-B14F-4D97-AF65-F5344CB8AC3E}">
+        <p14:creationId xmlns:p14="http://schemas.microsoft.com/office/powerpoint/2010/main" val="2936166252"/>
+      </p:ext>
+    </p:extLst>
+  </p:cSld>
+  <p:clrMapOvr>
+    <a:masterClrMapping/>
+  </p:clrMapOvr>
+  <p:transition/>
+  <p:timing>
+    <p:tnLst>
+      <p:par>
+        <p:cTn id="1" dur="indefinite" restart="never" nodeType="tmRoot"/>
+      </p:par>
+    </p:tnLst>
+  </p:timing>
+</p:sld>
+</file>
+
+<file path=ppt/slides/slide11.xml><?xml version="1.0" encoding="utf-8"?>
+<p:sld xmlns:a="http://schemas.openxmlformats.org/drawingml/2006/main" xmlns:r="http://schemas.openxmlformats.org/officeDocument/2006/relationships" xmlns:p="http://schemas.openxmlformats.org/presentationml/2006/main">
+  <p:cSld>
+    <p:spTree>
+      <p:nvGrpSpPr>
+        <p:cNvPr id="1" name=""/>
+        <p:cNvGrpSpPr/>
+        <p:nvPr/>
+      </p:nvGrpSpPr>
+      <p:grpSpPr>
+        <a:xfrm>
+          <a:off x="0" y="0"/>
+          <a:ext cx="0" cy="0"/>
+          <a:chOff x="0" y="0"/>
+          <a:chExt cx="0" cy="0"/>
+        </a:xfrm>
+      </p:grpSpPr>
+      <p:sp>
+        <p:nvSpPr>
+          <p:cNvPr id="2" name="Titolo 1"/>
+          <p:cNvSpPr>
+            <a:spLocks noGrp="1"/>
+          </p:cNvSpPr>
+          <p:nvPr>
+            <p:ph type="title"/>
+          </p:nvPr>
+        </p:nvSpPr>
+        <p:spPr/>
+        <p:txBody>
+          <a:bodyPr/>
+          <a:lstStyle/>
+          <a:p>
+            <a:r>
+              <a:rPr lang="it-IT" dirty="0" smtClean="0"/>
+              <a:t>DEVELOPMENT / UNIT TEST</a:t>
+            </a:r>
+            <a:endParaRPr lang="it-IT" dirty="0"/>
+          </a:p>
+        </p:txBody>
+      </p:sp>
+      <p:sp>
+        <p:nvSpPr>
+          <p:cNvPr id="3" name="Segnaposto contenuto 2"/>
+          <p:cNvSpPr>
+            <a:spLocks noGrp="1"/>
+          </p:cNvSpPr>
+          <p:nvPr>
+            <p:ph idx="1"/>
+          </p:nvPr>
+        </p:nvSpPr>
+        <p:spPr/>
+        <p:txBody>
+          <a:bodyPr/>
+          <a:lstStyle/>
+          <a:p>
+            <a:r>
+              <a:rPr lang="it-IT" dirty="0" smtClean="0"/>
+              <a:t> </a:t>
+            </a:r>
+          </a:p>
+          <a:p>
+            <a:endParaRPr lang="it-IT" dirty="0"/>
+          </a:p>
+        </p:txBody>
+      </p:sp>
+    </p:spTree>
+    <p:extLst>
+      <p:ext uri="{BB962C8B-B14F-4D97-AF65-F5344CB8AC3E}">
+        <p14:creationId xmlns:p14="http://schemas.microsoft.com/office/powerpoint/2010/main" val="2341997884"/>
+      </p:ext>
+    </p:extLst>
+  </p:cSld>
+  <p:clrMapOvr>
+    <a:masterClrMapping/>
+  </p:clrMapOvr>
+  <p:transition/>
+  <p:timing>
+    <p:tnLst>
+      <p:par>
+        <p:cTn id="1" dur="indefinite" restart="never" nodeType="tmRoot"/>
+      </p:par>
+    </p:tnLst>
+  </p:timing>
+</p:sld>
+</file>
+
+<file path=ppt/slides/slide12.xml><?xml version="1.0" encoding="utf-8"?>
+<p:sld xmlns:a="http://schemas.openxmlformats.org/drawingml/2006/main" xmlns:r="http://schemas.openxmlformats.org/officeDocument/2006/relationships" xmlns:p="http://schemas.openxmlformats.org/presentationml/2006/main">
+  <p:cSld>
+    <p:spTree>
+      <p:nvGrpSpPr>
+        <p:cNvPr id="1" name=""/>
+        <p:cNvGrpSpPr/>
+        <p:nvPr/>
+      </p:nvGrpSpPr>
+      <p:grpSpPr>
+        <a:xfrm>
+          <a:off x="0" y="0"/>
+          <a:ext cx="0" cy="0"/>
+          <a:chOff x="0" y="0"/>
+          <a:chExt cx="0" cy="0"/>
+        </a:xfrm>
+      </p:grpSpPr>
+      <p:sp>
+        <p:nvSpPr>
+          <p:cNvPr id="2" name="Titolo 1"/>
+          <p:cNvSpPr>
+            <a:spLocks noGrp="1"/>
+          </p:cNvSpPr>
+          <p:nvPr>
+            <p:ph type="title"/>
+          </p:nvPr>
+        </p:nvSpPr>
+        <p:spPr/>
+        <p:txBody>
+          <a:bodyPr/>
+          <a:lstStyle/>
+          <a:p>
+            <a:r>
+              <a:rPr lang="it-IT" dirty="0" smtClean="0"/>
+              <a:t>INTEGRATION TEST</a:t>
+            </a:r>
+            <a:endParaRPr lang="it-IT" dirty="0"/>
+          </a:p>
+        </p:txBody>
+      </p:sp>
+      <p:sp>
+        <p:nvSpPr>
+          <p:cNvPr id="3" name="Segnaposto contenuto 2"/>
+          <p:cNvSpPr>
+            <a:spLocks noGrp="1"/>
+          </p:cNvSpPr>
+          <p:nvPr>
+            <p:ph idx="1"/>
+          </p:nvPr>
+        </p:nvSpPr>
+        <p:spPr/>
+        <p:txBody>
+          <a:bodyPr/>
+          <a:lstStyle/>
+          <a:p>
+            <a:r>
+              <a:rPr lang="it-IT" dirty="0" smtClean="0"/>
+              <a:t> </a:t>
+            </a:r>
+          </a:p>
+          <a:p>
+            <a:endParaRPr lang="it-IT" dirty="0"/>
+          </a:p>
+        </p:txBody>
+      </p:sp>
+    </p:spTree>
+    <p:extLst>
+      <p:ext uri="{BB962C8B-B14F-4D97-AF65-F5344CB8AC3E}">
+        <p14:creationId xmlns:p14="http://schemas.microsoft.com/office/powerpoint/2010/main" val="3161300423"/>
+      </p:ext>
+    </p:extLst>
+  </p:cSld>
+  <p:clrMapOvr>
+    <a:masterClrMapping/>
+  </p:clrMapOvr>
+  <p:transition/>
+  <p:timing>
+    <p:tnLst>
+      <p:par>
+        <p:cTn id="1" dur="indefinite" restart="never" nodeType="tmRoot"/>
+      </p:par>
+    </p:tnLst>
+  </p:timing>
+</p:sld>
+</file>
+
+<file path=ppt/slides/slide13.xml><?xml version="1.0" encoding="utf-8"?>
+<p:sld xmlns:a="http://schemas.openxmlformats.org/drawingml/2006/main" xmlns:r="http://schemas.openxmlformats.org/officeDocument/2006/relationships" xmlns:p="http://schemas.openxmlformats.org/presentationml/2006/main">
+  <p:cSld>
+    <p:spTree>
+      <p:nvGrpSpPr>
+        <p:cNvPr id="1" name=""/>
+        <p:cNvGrpSpPr/>
+        <p:nvPr/>
+      </p:nvGrpSpPr>
+      <p:grpSpPr>
+        <a:xfrm>
+          <a:off x="0" y="0"/>
+          <a:ext cx="0" cy="0"/>
+          <a:chOff x="0" y="0"/>
+          <a:chExt cx="0" cy="0"/>
+        </a:xfrm>
+      </p:grpSpPr>
+      <p:sp>
+        <p:nvSpPr>
+          <p:cNvPr id="2" name="Titolo 1"/>
+          <p:cNvSpPr>
+            <a:spLocks noGrp="1"/>
+          </p:cNvSpPr>
+          <p:nvPr>
+            <p:ph type="title"/>
+          </p:nvPr>
+        </p:nvSpPr>
+        <p:spPr/>
+        <p:txBody>
+          <a:bodyPr/>
+          <a:lstStyle/>
+          <a:p>
+            <a:r>
+              <a:rPr lang="it-IT" dirty="0" smtClean="0"/>
+              <a:t>QUALITY ASSURANCE</a:t>
+            </a:r>
+            <a:endParaRPr lang="it-IT" dirty="0"/>
+          </a:p>
+        </p:txBody>
+      </p:sp>
+      <p:sp>
+        <p:nvSpPr>
+          <p:cNvPr id="3" name="Segnaposto contenuto 2"/>
+          <p:cNvSpPr>
+            <a:spLocks noGrp="1"/>
+          </p:cNvSpPr>
+          <p:nvPr>
+            <p:ph idx="1"/>
+          </p:nvPr>
+        </p:nvSpPr>
+        <p:spPr/>
+        <p:txBody>
+          <a:bodyPr/>
+          <a:lstStyle/>
+          <a:p>
+            <a:r>
+              <a:rPr lang="it-IT" dirty="0" err="1" smtClean="0"/>
+              <a:t>Docker</a:t>
+            </a:r>
+            <a:r>
+              <a:rPr lang="it-IT" dirty="0" smtClean="0"/>
+              <a:t> </a:t>
+            </a:r>
+          </a:p>
+          <a:p>
+            <a:endParaRPr lang="it-IT" dirty="0"/>
+          </a:p>
+        </p:txBody>
+      </p:sp>
+    </p:spTree>
+    <p:extLst>
+      <p:ext uri="{BB962C8B-B14F-4D97-AF65-F5344CB8AC3E}">
+        <p14:creationId xmlns:p14="http://schemas.microsoft.com/office/powerpoint/2010/main" val="880952961"/>
+      </p:ext>
+    </p:extLst>
+  </p:cSld>
+  <p:clrMapOvr>
+    <a:masterClrMapping/>
+  </p:clrMapOvr>
+  <p:transition/>
+  <p:timing>
+    <p:tnLst>
+      <p:par>
+        <p:cTn id="1" dur="indefinite" restart="never" nodeType="tmRoot"/>
+      </p:par>
+    </p:tnLst>
+  </p:timing>
+</p:sld>
+</file>
+
+<file path=ppt/slides/slide14.xml><?xml version="1.0" encoding="utf-8"?>
+<p:sld xmlns:a="http://schemas.openxmlformats.org/drawingml/2006/main" xmlns:r="http://schemas.openxmlformats.org/officeDocument/2006/relationships" xmlns:p="http://schemas.openxmlformats.org/presentationml/2006/main">
+  <p:cSld>
+    <p:spTree>
+      <p:nvGrpSpPr>
+        <p:cNvPr id="1" name=""/>
+        <p:cNvGrpSpPr/>
+        <p:nvPr/>
+      </p:nvGrpSpPr>
+      <p:grpSpPr>
+        <a:xfrm>
+          <a:off x="0" y="0"/>
+          <a:ext cx="0" cy="0"/>
+          <a:chOff x="0" y="0"/>
+          <a:chExt cx="0" cy="0"/>
+        </a:xfrm>
+      </p:grpSpPr>
+      <p:sp>
+        <p:nvSpPr>
+          <p:cNvPr id="2" name="Titolo 1"/>
+          <p:cNvSpPr>
+            <a:spLocks noGrp="1"/>
+          </p:cNvSpPr>
+          <p:nvPr>
+            <p:ph type="title"/>
+          </p:nvPr>
+        </p:nvSpPr>
+        <p:spPr/>
+        <p:txBody>
+          <a:bodyPr/>
+          <a:lstStyle/>
+          <a:p>
+            <a:r>
+              <a:rPr lang="it-IT" dirty="0" smtClean="0"/>
+              <a:t>QUALITY ASSURANCE</a:t>
+            </a:r>
+            <a:endParaRPr lang="it-IT" dirty="0"/>
+          </a:p>
+        </p:txBody>
+      </p:sp>
+      <p:sp>
+        <p:nvSpPr>
+          <p:cNvPr id="3" name="Segnaposto contenuto 2"/>
+          <p:cNvSpPr>
+            <a:spLocks noGrp="1"/>
+          </p:cNvSpPr>
+          <p:nvPr>
+            <p:ph idx="1"/>
+          </p:nvPr>
+        </p:nvSpPr>
+        <p:spPr/>
+        <p:txBody>
+          <a:bodyPr/>
+          <a:lstStyle/>
+          <a:p>
+            <a:r>
+              <a:rPr lang="it-IT" dirty="0" err="1" smtClean="0"/>
+              <a:t>Docker</a:t>
+            </a:r>
+            <a:r>
+              <a:rPr lang="it-IT" dirty="0" smtClean="0"/>
+              <a:t> Hub</a:t>
+            </a:r>
+          </a:p>
+          <a:p>
+            <a:r>
+              <a:rPr lang="it-IT" smtClean="0"/>
+              <a:t>Jenkins@openshift </a:t>
+            </a:r>
+            <a:endParaRPr lang="it-IT" dirty="0" smtClean="0"/>
+          </a:p>
+          <a:p>
+            <a:endParaRPr lang="it-IT" dirty="0"/>
+          </a:p>
+        </p:txBody>
+      </p:sp>
+    </p:spTree>
+    <p:extLst>
+      <p:ext uri="{BB962C8B-B14F-4D97-AF65-F5344CB8AC3E}">
+        <p14:creationId xmlns:p14="http://schemas.microsoft.com/office/powerpoint/2010/main" val="3205254146"/>
+      </p:ext>
+    </p:extLst>
+  </p:cSld>
+  <p:clrMapOvr>
+    <a:masterClrMapping/>
+  </p:clrMapOvr>
+  <p:transition/>
+  <p:timing>
+    <p:tnLst>
+      <p:par>
+        <p:cTn id="1" dur="indefinite" restart="never" nodeType="tmRoot"/>
+      </p:par>
+    </p:tnLst>
+  </p:timing>
+</p:sld>
+</file>
+
+<file path=ppt/slides/slide15.xml><?xml version="1.0" encoding="utf-8"?>
+<p:sld xmlns:a="http://schemas.openxmlformats.org/drawingml/2006/main" xmlns:r="http://schemas.openxmlformats.org/officeDocument/2006/relationships" xmlns:p="http://schemas.openxmlformats.org/presentationml/2006/main">
+  <p:cSld>
+    <p:spTree>
+      <p:nvGrpSpPr>
+        <p:cNvPr id="1" name=""/>
+        <p:cNvGrpSpPr/>
+        <p:nvPr/>
+      </p:nvGrpSpPr>
+      <p:grpSpPr>
+        <a:xfrm>
+          <a:off x="0" y="0"/>
+          <a:ext cx="0" cy="0"/>
+          <a:chOff x="0" y="0"/>
+          <a:chExt cx="0" cy="0"/>
+        </a:xfrm>
+      </p:grpSpPr>
+      <p:sp>
+        <p:nvSpPr>
+          <p:cNvPr id="2" name="Titolo 1"/>
+          <p:cNvSpPr>
+            <a:spLocks noGrp="1"/>
+          </p:cNvSpPr>
+          <p:nvPr>
+            <p:ph type="title"/>
+          </p:nvPr>
+        </p:nvSpPr>
+        <p:spPr/>
+        <p:txBody>
+          <a:bodyPr/>
+          <a:lstStyle/>
+          <a:p>
+            <a:r>
+              <a:rPr lang="it-IT" dirty="0" smtClean="0"/>
+              <a:t>PRODUCTION</a:t>
+            </a:r>
+            <a:endParaRPr lang="it-IT" dirty="0"/>
+          </a:p>
+        </p:txBody>
+      </p:sp>
+      <p:sp>
+        <p:nvSpPr>
+          <p:cNvPr id="3" name="Segnaposto contenuto 2"/>
+          <p:cNvSpPr>
+            <a:spLocks noGrp="1"/>
+          </p:cNvSpPr>
+          <p:nvPr>
+            <p:ph idx="1"/>
+          </p:nvPr>
+        </p:nvSpPr>
+        <p:spPr/>
+        <p:txBody>
+          <a:bodyPr/>
+          <a:lstStyle/>
+          <a:p>
+            <a:r>
+              <a:rPr lang="it-IT" dirty="0" err="1" smtClean="0"/>
+              <a:t>Pivotal</a:t>
+            </a:r>
+            <a:r>
+              <a:rPr lang="it-IT" dirty="0" smtClean="0"/>
+              <a:t> Web Services</a:t>
+            </a:r>
+          </a:p>
+          <a:p>
+            <a:r>
+              <a:rPr lang="it-IT" dirty="0" smtClean="0"/>
+              <a:t>Database </a:t>
+            </a:r>
+            <a:r>
+              <a:rPr lang="it-IT" dirty="0" err="1" smtClean="0"/>
+              <a:t>as</a:t>
+            </a:r>
+            <a:r>
+              <a:rPr lang="it-IT" dirty="0" smtClean="0"/>
+              <a:t> a Service Pattern</a:t>
+            </a:r>
+          </a:p>
+          <a:p>
+            <a:endParaRPr lang="it-IT" dirty="0" smtClean="0"/>
+          </a:p>
+          <a:p>
+            <a:endParaRPr lang="it-IT" dirty="0"/>
+          </a:p>
+        </p:txBody>
+      </p:sp>
+    </p:spTree>
+    <p:extLst>
+      <p:ext uri="{BB962C8B-B14F-4D97-AF65-F5344CB8AC3E}">
+        <p14:creationId xmlns:p14="http://schemas.microsoft.com/office/powerpoint/2010/main" val="2130358231"/>
+      </p:ext>
+    </p:extLst>
+  </p:cSld>
+  <p:clrMapOvr>
+    <a:masterClrMapping/>
+  </p:clrMapOvr>
+  <p:transition/>
+  <p:timing>
+    <p:tnLst>
+      <p:par>
+        <p:cTn id="1" dur="indefinite" restart="never" nodeType="tmRoot"/>
+      </p:par>
+    </p:tnLst>
+  </p:timing>
+</p:sld>
+</file>
+
+<file path=ppt/slides/slide16.xml><?xml version="1.0" encoding="utf-8"?>
+<p:sld xmlns:a="http://schemas.openxmlformats.org/drawingml/2006/main" xmlns:r="http://schemas.openxmlformats.org/officeDocument/2006/relationships" xmlns:p="http://schemas.openxmlformats.org/presentationml/2006/main">
+  <p:cSld>
+    <p:spTree>
+      <p:nvGrpSpPr>
+        <p:cNvPr id="1" name=""/>
+        <p:cNvGrpSpPr/>
+        <p:nvPr/>
+      </p:nvGrpSpPr>
+      <p:grpSpPr>
+        <a:xfrm>
+          <a:off x="0" y="0"/>
+          <a:ext cx="0" cy="0"/>
+          <a:chOff x="0" y="0"/>
+          <a:chExt cx="0" cy="0"/>
+        </a:xfrm>
+      </p:grpSpPr>
+      <p:sp>
+        <p:nvSpPr>
+          <p:cNvPr id="2" name="Titolo 1"/>
+          <p:cNvSpPr>
+            <a:spLocks noGrp="1"/>
+          </p:cNvSpPr>
+          <p:nvPr>
+            <p:ph type="title"/>
+          </p:nvPr>
+        </p:nvSpPr>
+        <p:spPr/>
+        <p:txBody>
+          <a:bodyPr/>
+          <a:lstStyle/>
+          <a:p>
             <a:endParaRPr lang="it-IT"/>
           </a:p>
         </p:txBody>
@@ -3357,7 +3931,7 @@
     </p:spTree>
     <p:extLst>
       <p:ext uri="{BB962C8B-B14F-4D97-AF65-F5344CB8AC3E}">
-        <p14:creationId xmlns:p14="http://schemas.microsoft.com/office/powerpoint/2010/main" val="2936166252"/>
+        <p14:creationId xmlns:p14="http://schemas.microsoft.com/office/powerpoint/2010/main" val="2730314115"/>
       </p:ext>
     </p:extLst>
   </p:cSld>
@@ -3375,7 +3949,7 @@
 </p:sld>
 </file>
 
-<file path=ppt/slides/slide11.xml><?xml version="1.0" encoding="utf-8"?>
+<file path=ppt/slides/slide17.xml><?xml version="1.0" encoding="utf-8"?>
 <p:sld xmlns:a="http://schemas.openxmlformats.org/drawingml/2006/main" xmlns:r="http://schemas.openxmlformats.org/officeDocument/2006/relationships" xmlns:p="http://schemas.openxmlformats.org/presentationml/2006/main">
   <p:cSld>
     <p:spTree>
@@ -3451,7 +4025,7 @@
 </p:sld>
 </file>
 
-<file path=ppt/slides/slide12.xml><?xml version="1.0" encoding="utf-8"?>
+<file path=ppt/slides/slide18.xml><?xml version="1.0" encoding="utf-8"?>
 <p:sld xmlns:a="http://schemas.openxmlformats.org/drawingml/2006/main" xmlns:r="http://schemas.openxmlformats.org/officeDocument/2006/relationships" xmlns:p="http://schemas.openxmlformats.org/presentationml/2006/main">
   <p:cSld>
     <p:spTree>
@@ -3686,9 +4260,14 @@
             <a:p>
               <a:pPr algn="ctr" eaLnBrk="1" hangingPunct="1"/>
               <a:r>
-                <a:rPr lang="it-IT" sz="2400"/>
-                <a:t>INTEGRATION MANAGER</a:t>
+                <a:rPr lang="it-IT" sz="2400" dirty="0"/>
+                <a:t>INTEGRATION </a:t>
               </a:r>
+              <a:r>
+                <a:rPr lang="it-IT" sz="2400" dirty="0" smtClean="0"/>
+                <a:t>MANAGER</a:t>
+              </a:r>
+              <a:endParaRPr lang="it-IT" sz="2400" dirty="0"/>
             </a:p>
           </p:txBody>
         </p:sp>
@@ -7221,7 +7800,7 @@
 </p:sld>
 </file>
 
-<file path=ppt/slides/slide13.xml><?xml version="1.0" encoding="utf-8"?>
+<file path=ppt/slides/slide19.xml><?xml version="1.0" encoding="utf-8"?>
 <p:sld xmlns:a="http://schemas.openxmlformats.org/drawingml/2006/main" xmlns:r="http://schemas.openxmlformats.org/officeDocument/2006/relationships" xmlns:p="http://schemas.openxmlformats.org/presentationml/2006/main">
   <p:cSld>
     <p:spTree>
@@ -10378,7 +10957,85 @@
 </p:sld>
 </file>
 
-<file path=ppt/slides/slide14.xml><?xml version="1.0" encoding="utf-8"?>
+<file path=ppt/slides/slide2.xml><?xml version="1.0" encoding="utf-8"?>
+<p:sld xmlns:a="http://schemas.openxmlformats.org/drawingml/2006/main" xmlns:r="http://schemas.openxmlformats.org/officeDocument/2006/relationships" xmlns:p="http://schemas.openxmlformats.org/presentationml/2006/main">
+  <p:cSld>
+    <p:spTree>
+      <p:nvGrpSpPr>
+        <p:cNvPr id="1" name=""/>
+        <p:cNvGrpSpPr/>
+        <p:nvPr/>
+      </p:nvGrpSpPr>
+      <p:grpSpPr>
+        <a:xfrm>
+          <a:off x="0" y="0"/>
+          <a:ext cx="0" cy="0"/>
+          <a:chOff x="0" y="0"/>
+          <a:chExt cx="0" cy="0"/>
+        </a:xfrm>
+      </p:grpSpPr>
+      <p:sp>
+        <p:nvSpPr>
+          <p:cNvPr id="6146" name="Rectangle 1"/>
+          <p:cNvSpPr>
+            <a:spLocks noGrp="1" noChangeArrowheads="1"/>
+          </p:cNvSpPr>
+          <p:nvPr>
+            <p:ph type="title"/>
+          </p:nvPr>
+        </p:nvSpPr>
+        <p:spPr/>
+        <p:txBody>
+          <a:bodyPr/>
+          <a:lstStyle/>
+          <a:p>
+            <a:pPr eaLnBrk="1" hangingPunct="1"/>
+            <a:endParaRPr lang="it-IT" smtClean="0"/>
+          </a:p>
+        </p:txBody>
+      </p:sp>
+      <p:sp>
+        <p:nvSpPr>
+          <p:cNvPr id="6147" name="Rectangle 2"/>
+          <p:cNvSpPr>
+            <a:spLocks noGrp="1" noChangeArrowheads="1"/>
+          </p:cNvSpPr>
+          <p:nvPr>
+            <p:ph type="body" idx="1"/>
+          </p:nvPr>
+        </p:nvSpPr>
+        <p:spPr>
+          <a:xfrm>
+            <a:off x="617538" y="1676400"/>
+            <a:ext cx="23134637" cy="10591800"/>
+          </a:xfrm>
+        </p:spPr>
+        <p:txBody>
+          <a:bodyPr/>
+          <a:lstStyle/>
+          <a:p>
+            <a:pPr eaLnBrk="1" hangingPunct="1"/>
+            <a:endParaRPr lang="it-IT" smtClean="0"/>
+          </a:p>
+        </p:txBody>
+      </p:sp>
+    </p:spTree>
+  </p:cSld>
+  <p:clrMapOvr>
+    <a:masterClrMapping/>
+  </p:clrMapOvr>
+  <p:transition/>
+  <p:timing>
+    <p:tnLst>
+      <p:par>
+        <p:cTn id="1" dur="indefinite" restart="never" nodeType="tmRoot"/>
+      </p:par>
+    </p:tnLst>
+  </p:timing>
+</p:sld>
+</file>
+
+<file path=ppt/slides/slide20.xml><?xml version="1.0" encoding="utf-8"?>
 <p:sld xmlns:a="http://schemas.openxmlformats.org/drawingml/2006/main" xmlns:r="http://schemas.openxmlformats.org/officeDocument/2006/relationships" xmlns:p="http://schemas.openxmlformats.org/presentationml/2006/main">
   <p:cSld>
     <p:spTree>
@@ -11718,7 +12375,7 @@
 </p:sld>
 </file>
 
-<file path=ppt/slides/slide15.xml><?xml version="1.0" encoding="utf-8"?>
+<file path=ppt/slides/slide21.xml><?xml version="1.0" encoding="utf-8"?>
 <p:sld xmlns:a="http://schemas.openxmlformats.org/drawingml/2006/main" xmlns:r="http://schemas.openxmlformats.org/officeDocument/2006/relationships" xmlns:p="http://schemas.openxmlformats.org/presentationml/2006/main">
   <p:cSld>
     <p:spTree>
@@ -13876,7 +14533,187 @@
 </p:sld>
 </file>
 
-<file path=ppt/slides/slide16.xml><?xml version="1.0" encoding="utf-8"?>
+<file path=ppt/slides/slide22.xml><?xml version="1.0" encoding="utf-8"?>
+<p:sld xmlns:a="http://schemas.openxmlformats.org/drawingml/2006/main" xmlns:r="http://schemas.openxmlformats.org/officeDocument/2006/relationships" xmlns:p="http://schemas.openxmlformats.org/presentationml/2006/main">
+  <p:cSld>
+    <p:spTree>
+      <p:nvGrpSpPr>
+        <p:cNvPr id="1" name=""/>
+        <p:cNvGrpSpPr/>
+        <p:nvPr/>
+      </p:nvGrpSpPr>
+      <p:grpSpPr>
+        <a:xfrm>
+          <a:off x="0" y="0"/>
+          <a:ext cx="0" cy="0"/>
+          <a:chOff x="0" y="0"/>
+          <a:chExt cx="0" cy="0"/>
+        </a:xfrm>
+      </p:grpSpPr>
+      <p:sp>
+        <p:nvSpPr>
+          <p:cNvPr id="2" name="Titolo 1"/>
+          <p:cNvSpPr>
+            <a:spLocks noGrp="1"/>
+          </p:cNvSpPr>
+          <p:nvPr>
+            <p:ph type="title"/>
+          </p:nvPr>
+        </p:nvSpPr>
+        <p:spPr/>
+        <p:txBody>
+          <a:bodyPr/>
+          <a:lstStyle/>
+          <a:p>
+            <a:r>
+              <a:rPr lang="it-IT" dirty="0" smtClean="0"/>
+              <a:t>Service </a:t>
+            </a:r>
+            <a:r>
+              <a:rPr lang="it-IT" dirty="0" err="1" smtClean="0"/>
+              <a:t>Discovery</a:t>
+            </a:r>
+            <a:r>
+              <a:rPr lang="it-IT" dirty="0" smtClean="0"/>
+              <a:t> </a:t>
+            </a:r>
+            <a:endParaRPr lang="it-IT" dirty="0"/>
+          </a:p>
+        </p:txBody>
+      </p:sp>
+      <p:sp>
+        <p:nvSpPr>
+          <p:cNvPr id="3" name="Segnaposto contenuto 2"/>
+          <p:cNvSpPr>
+            <a:spLocks noGrp="1"/>
+          </p:cNvSpPr>
+          <p:nvPr>
+            <p:ph idx="1"/>
+          </p:nvPr>
+        </p:nvSpPr>
+        <p:spPr/>
+        <p:txBody>
+          <a:bodyPr/>
+          <a:lstStyle/>
+          <a:p>
+            <a:endParaRPr lang="it-IT" dirty="0"/>
+          </a:p>
+        </p:txBody>
+      </p:sp>
+    </p:spTree>
+    <p:extLst>
+      <p:ext uri="{BB962C8B-B14F-4D97-AF65-F5344CB8AC3E}">
+        <p14:creationId xmlns:p14="http://schemas.microsoft.com/office/powerpoint/2010/main" val="2540019730"/>
+      </p:ext>
+    </p:extLst>
+  </p:cSld>
+  <p:clrMapOvr>
+    <a:masterClrMapping/>
+  </p:clrMapOvr>
+  <p:transition/>
+  <p:timing>
+    <p:tnLst>
+      <p:par>
+        <p:cTn id="1" dur="indefinite" restart="never" nodeType="tmRoot"/>
+      </p:par>
+    </p:tnLst>
+  </p:timing>
+</p:sld>
+</file>
+
+<file path=ppt/slides/slide23.xml><?xml version="1.0" encoding="utf-8"?>
+<p:sld xmlns:a="http://schemas.openxmlformats.org/drawingml/2006/main" xmlns:r="http://schemas.openxmlformats.org/officeDocument/2006/relationships" xmlns:p="http://schemas.openxmlformats.org/presentationml/2006/main">
+  <p:cSld>
+    <p:spTree>
+      <p:nvGrpSpPr>
+        <p:cNvPr id="1" name=""/>
+        <p:cNvGrpSpPr/>
+        <p:nvPr/>
+      </p:nvGrpSpPr>
+      <p:grpSpPr>
+        <a:xfrm>
+          <a:off x="0" y="0"/>
+          <a:ext cx="0" cy="0"/>
+          <a:chOff x="0" y="0"/>
+          <a:chExt cx="0" cy="0"/>
+        </a:xfrm>
+      </p:grpSpPr>
+      <p:sp>
+        <p:nvSpPr>
+          <p:cNvPr id="2" name="Titolo 1"/>
+          <p:cNvSpPr>
+            <a:spLocks noGrp="1"/>
+          </p:cNvSpPr>
+          <p:nvPr>
+            <p:ph type="title"/>
+          </p:nvPr>
+        </p:nvSpPr>
+        <p:spPr/>
+        <p:txBody>
+          <a:bodyPr/>
+          <a:lstStyle/>
+          <a:p>
+            <a:r>
+              <a:rPr lang="it-IT" dirty="0" err="1" smtClean="0"/>
+              <a:t>Load</a:t>
+            </a:r>
+            <a:r>
+              <a:rPr lang="it-IT" dirty="0" smtClean="0"/>
+              <a:t> </a:t>
+            </a:r>
+            <a:r>
+              <a:rPr lang="it-IT" dirty="0" err="1" smtClean="0"/>
+              <a:t>Balancing</a:t>
+            </a:r>
+            <a:r>
+              <a:rPr lang="it-IT" dirty="0" smtClean="0"/>
+              <a:t> </a:t>
+            </a:r>
+            <a:endParaRPr lang="it-IT" dirty="0"/>
+          </a:p>
+        </p:txBody>
+      </p:sp>
+      <p:sp>
+        <p:nvSpPr>
+          <p:cNvPr id="3" name="Segnaposto contenuto 2"/>
+          <p:cNvSpPr>
+            <a:spLocks noGrp="1"/>
+          </p:cNvSpPr>
+          <p:nvPr>
+            <p:ph idx="1"/>
+          </p:nvPr>
+        </p:nvSpPr>
+        <p:spPr/>
+        <p:txBody>
+          <a:bodyPr/>
+          <a:lstStyle/>
+          <a:p>
+            <a:endParaRPr lang="it-IT" dirty="0"/>
+          </a:p>
+        </p:txBody>
+      </p:sp>
+    </p:spTree>
+    <p:extLst>
+      <p:ext uri="{BB962C8B-B14F-4D97-AF65-F5344CB8AC3E}">
+        <p14:creationId xmlns:p14="http://schemas.microsoft.com/office/powerpoint/2010/main" val="1006668081"/>
+      </p:ext>
+    </p:extLst>
+  </p:cSld>
+  <p:clrMapOvr>
+    <a:masterClrMapping/>
+  </p:clrMapOvr>
+  <p:transition/>
+  <p:timing>
+    <p:tnLst>
+      <p:par>
+        <p:cTn id="1" dur="indefinite" restart="never" nodeType="tmRoot"/>
+      </p:par>
+    </p:tnLst>
+  </p:timing>
+</p:sld>
+</file>
+
+<file path=ppt/slides/slide24.xml><?xml version="1.0" encoding="utf-8"?>
 <p:sld xmlns:a="http://schemas.openxmlformats.org/drawingml/2006/main" xmlns:r="http://schemas.openxmlformats.org/officeDocument/2006/relationships" xmlns:p="http://schemas.openxmlformats.org/presentationml/2006/main">
   <p:cSld>
     <p:bg>
@@ -13901,84 +14738,6 @@
           <a:chExt cx="0" cy="0"/>
         </a:xfrm>
       </p:grpSpPr>
-    </p:spTree>
-  </p:cSld>
-  <p:clrMapOvr>
-    <a:masterClrMapping/>
-  </p:clrMapOvr>
-  <p:transition/>
-  <p:timing>
-    <p:tnLst>
-      <p:par>
-        <p:cTn id="1" dur="indefinite" restart="never" nodeType="tmRoot"/>
-      </p:par>
-    </p:tnLst>
-  </p:timing>
-</p:sld>
-</file>
-
-<file path=ppt/slides/slide2.xml><?xml version="1.0" encoding="utf-8"?>
-<p:sld xmlns:a="http://schemas.openxmlformats.org/drawingml/2006/main" xmlns:r="http://schemas.openxmlformats.org/officeDocument/2006/relationships" xmlns:p="http://schemas.openxmlformats.org/presentationml/2006/main">
-  <p:cSld>
-    <p:spTree>
-      <p:nvGrpSpPr>
-        <p:cNvPr id="1" name=""/>
-        <p:cNvGrpSpPr/>
-        <p:nvPr/>
-      </p:nvGrpSpPr>
-      <p:grpSpPr>
-        <a:xfrm>
-          <a:off x="0" y="0"/>
-          <a:ext cx="0" cy="0"/>
-          <a:chOff x="0" y="0"/>
-          <a:chExt cx="0" cy="0"/>
-        </a:xfrm>
-      </p:grpSpPr>
-      <p:sp>
-        <p:nvSpPr>
-          <p:cNvPr id="6146" name="Rectangle 1"/>
-          <p:cNvSpPr>
-            <a:spLocks noGrp="1" noChangeArrowheads="1"/>
-          </p:cNvSpPr>
-          <p:nvPr>
-            <p:ph type="title"/>
-          </p:nvPr>
-        </p:nvSpPr>
-        <p:spPr/>
-        <p:txBody>
-          <a:bodyPr/>
-          <a:lstStyle/>
-          <a:p>
-            <a:pPr eaLnBrk="1" hangingPunct="1"/>
-            <a:endParaRPr lang="it-IT" smtClean="0"/>
-          </a:p>
-        </p:txBody>
-      </p:sp>
-      <p:sp>
-        <p:nvSpPr>
-          <p:cNvPr id="6147" name="Rectangle 2"/>
-          <p:cNvSpPr>
-            <a:spLocks noGrp="1" noChangeArrowheads="1"/>
-          </p:cNvSpPr>
-          <p:nvPr>
-            <p:ph type="body" idx="1"/>
-          </p:nvPr>
-        </p:nvSpPr>
-        <p:spPr>
-          <a:xfrm>
-            <a:off x="617538" y="1676400"/>
-            <a:ext cx="23134637" cy="10591800"/>
-          </a:xfrm>
-        </p:spPr>
-        <p:txBody>
-          <a:bodyPr/>
-          <a:lstStyle/>
-          <a:p>
-            <a:pPr eaLnBrk="1" hangingPunct="1"/>
-            <a:endParaRPr lang="it-IT" smtClean="0"/>
-          </a:p>
-        </p:txBody>
-      </p:sp>
     </p:spTree>
   </p:cSld>
   <p:clrMapOvr>
@@ -14298,6 +15057,26 @@
             <a:endParaRPr lang="it-IT" dirty="0" smtClean="0"/>
           </a:p>
           <a:p>
+            <a:pPr lvl="2" eaLnBrk="1" hangingPunct="1"/>
+            <a:r>
+              <a:rPr lang="it-IT" dirty="0" err="1" smtClean="0"/>
+              <a:t>Cloud</a:t>
+            </a:r>
+            <a:r>
+              <a:rPr lang="it-IT" dirty="0" smtClean="0"/>
+              <a:t> </a:t>
+            </a:r>
+            <a:r>
+              <a:rPr lang="it-IT" dirty="0" err="1" smtClean="0"/>
+              <a:t>based</a:t>
+            </a:r>
+            <a:endParaRPr lang="it-IT" dirty="0" smtClean="0"/>
+          </a:p>
+          <a:p>
+            <a:pPr lvl="2" eaLnBrk="1" hangingPunct="1"/>
+            <a:endParaRPr lang="it-IT" dirty="0" smtClean="0"/>
+          </a:p>
+          <a:p>
             <a:pPr lvl="1" eaLnBrk="1" hangingPunct="1"/>
             <a:r>
               <a:rPr lang="it-IT" dirty="0" smtClean="0"/>
@@ -14459,7 +15238,7 @@
         </p:nvGraphicFramePr>
         <p:xfrm>
           <a:off x="609600" y="1600200"/>
-          <a:ext cx="23088600" cy="10766447"/>
+          <a:ext cx="23088600" cy="10085389"/>
         </p:xfrm>
         <a:graphic>
           <a:graphicData uri="http://schemas.openxmlformats.org/drawingml/2006/table">
@@ -14580,38 +15359,6 @@
                         <a:rPr lang="it-IT" sz="2800" dirty="0" smtClean="0"/>
                         <a:t>SPRING BOOT</a:t>
                       </a:r>
-                      <a:endParaRPr lang="it-IT" sz="2800" dirty="0"/>
-                    </a:p>
-                  </a:txBody>
-                  <a:tcPr marT="45717" marB="45717"/>
-                </a:tc>
-              </a:tr>
-              <a:tr h="681058">
-                <a:tc gridSpan="2">
-                  <a:txBody>
-                    <a:bodyPr/>
-                    <a:lstStyle/>
-                    <a:p>
-                      <a:endParaRPr lang="it-IT" sz="2800" dirty="0"/>
-                    </a:p>
-                  </a:txBody>
-                  <a:tcPr marT="45717" marB="45717"/>
-                </a:tc>
-                <a:tc hMerge="1">
-                  <a:txBody>
-                    <a:bodyPr/>
-                    <a:lstStyle/>
-                    <a:p>
-                      <a:endParaRPr lang="it-IT"/>
-                    </a:p>
-                  </a:txBody>
-                  <a:tcPr/>
-                </a:tc>
-                <a:tc>
-                  <a:txBody>
-                    <a:bodyPr/>
-                    <a:lstStyle/>
-                    <a:p>
                       <a:endParaRPr lang="it-IT" sz="2800" dirty="0"/>
                     </a:p>
                   </a:txBody>

--- a/luigiBennardisMicroservices.pptx
+++ b/luigiBennardisMicroservices.pptx
@@ -23712,7 +23712,9 @@
             </a:r>
           </a:p>
           <a:p>
-            <a:pPr lvl="2" eaLnBrk="1" hangingPunct="1"/>
+            <a:pPr marL="876300" lvl="2" indent="0" eaLnBrk="1" hangingPunct="1">
+              <a:buNone/>
+            </a:pPr>
             <a:r>
               <a:rPr lang="it-IT" dirty="0" smtClean="0"/>
               <a:t>Microservices Database per service</a:t>

--- a/luigiBennardisMicroservices.pptx
+++ b/luigiBennardisMicroservices.pptx
@@ -272,7 +272,7 @@
     </p:spTree>
     <p:extLst>
       <p:ext uri="{BB962C8B-B14F-4D97-AF65-F5344CB8AC3E}">
-        <p14:creationId xmlns:p14="http://schemas.microsoft.com/office/powerpoint/2010/main" val="1488138082"/>
+        <p14:creationId xmlns:p14="http://schemas.microsoft.com/office/powerpoint/2010/main" xmlns="" val="1488138082"/>
       </p:ext>
     </p:extLst>
   </p:cSld>
@@ -418,7 +418,7 @@
     </p:spTree>
     <p:extLst>
       <p:ext uri="{BB962C8B-B14F-4D97-AF65-F5344CB8AC3E}">
-        <p14:creationId xmlns:p14="http://schemas.microsoft.com/office/powerpoint/2010/main" val="4014933588"/>
+        <p14:creationId xmlns:p14="http://schemas.microsoft.com/office/powerpoint/2010/main" xmlns="" val="4014933588"/>
       </p:ext>
     </p:extLst>
   </p:cSld>
@@ -524,7 +524,7 @@
     </p:spTree>
     <p:extLst>
       <p:ext uri="{BB962C8B-B14F-4D97-AF65-F5344CB8AC3E}">
-        <p14:creationId xmlns:p14="http://schemas.microsoft.com/office/powerpoint/2010/main" val="2935278078"/>
+        <p14:creationId xmlns:p14="http://schemas.microsoft.com/office/powerpoint/2010/main" xmlns="" val="2935278078"/>
       </p:ext>
     </p:extLst>
   </p:cSld>
@@ -630,7 +630,7 @@
     </p:spTree>
     <p:extLst>
       <p:ext uri="{BB962C8B-B14F-4D97-AF65-F5344CB8AC3E}">
-        <p14:creationId xmlns:p14="http://schemas.microsoft.com/office/powerpoint/2010/main" val="2257783360"/>
+        <p14:creationId xmlns:p14="http://schemas.microsoft.com/office/powerpoint/2010/main" xmlns="" val="2257783360"/>
       </p:ext>
     </p:extLst>
   </p:cSld>
@@ -694,14 +694,14 @@
           </a:ln>
           <a:extLst>
             <a:ext uri="{909E8E84-426E-40DD-AFC4-6F175D3DCCD1}">
-              <a14:hiddenFill xmlns:a14="http://schemas.microsoft.com/office/drawing/2010/main">
+              <a14:hiddenFill xmlns:a14="http://schemas.microsoft.com/office/drawing/2010/main" xmlns="">
                 <a:solidFill>
                   <a:srgbClr val="FFFFFF"/>
                 </a:solidFill>
               </a14:hiddenFill>
             </a:ext>
             <a:ext uri="{91240B29-F687-4F45-9708-019B960494DF}">
-              <a14:hiddenLine xmlns:a14="http://schemas.microsoft.com/office/drawing/2010/main" w="9525">
+              <a14:hiddenLine xmlns:a14="http://schemas.microsoft.com/office/drawing/2010/main" xmlns="" w="9525">
                 <a:solidFill>
                   <a:srgbClr val="000000"/>
                 </a:solidFill>
@@ -754,14 +754,14 @@
           </a:ln>
           <a:extLst>
             <a:ext uri="{909E8E84-426E-40DD-AFC4-6F175D3DCCD1}">
-              <a14:hiddenFill xmlns:a14="http://schemas.microsoft.com/office/drawing/2010/main">
+              <a14:hiddenFill xmlns:a14="http://schemas.microsoft.com/office/drawing/2010/main" xmlns="">
                 <a:solidFill>
                   <a:srgbClr val="FFFFFF"/>
                 </a:solidFill>
               </a14:hiddenFill>
             </a:ext>
             <a:ext uri="{91240B29-F687-4F45-9708-019B960494DF}">
-              <a14:hiddenLine xmlns:a14="http://schemas.microsoft.com/office/drawing/2010/main" w="9525">
+              <a14:hiddenLine xmlns:a14="http://schemas.microsoft.com/office/drawing/2010/main" xmlns="" w="9525">
                 <a:solidFill>
                   <a:srgbClr val="000000"/>
                 </a:solidFill>
@@ -1328,14 +1328,14 @@
           </a:ln>
           <a:extLst>
             <a:ext uri="{909E8E84-426E-40DD-AFC4-6F175D3DCCD1}">
-              <a14:hiddenFill xmlns:a14="http://schemas.microsoft.com/office/drawing/2010/main">
+              <a14:hiddenFill xmlns:a14="http://schemas.microsoft.com/office/drawing/2010/main" xmlns="">
                 <a:solidFill>
                   <a:srgbClr val="FFFFFF"/>
                 </a:solidFill>
               </a14:hiddenFill>
             </a:ext>
             <a:ext uri="{91240B29-F687-4F45-9708-019B960494DF}">
-              <a14:hiddenLine xmlns:a14="http://schemas.microsoft.com/office/drawing/2010/main" w="9525">
+              <a14:hiddenLine xmlns:a14="http://schemas.microsoft.com/office/drawing/2010/main" xmlns="" w="9525">
                 <a:solidFill>
                   <a:srgbClr val="000000"/>
                 </a:solidFill>
@@ -1388,14 +1388,14 @@
           </a:ln>
           <a:extLst>
             <a:ext uri="{909E8E84-426E-40DD-AFC4-6F175D3DCCD1}">
-              <a14:hiddenFill xmlns:a14="http://schemas.microsoft.com/office/drawing/2010/main">
+              <a14:hiddenFill xmlns:a14="http://schemas.microsoft.com/office/drawing/2010/main" xmlns="">
                 <a:solidFill>
                   <a:srgbClr val="FFFFFF"/>
                 </a:solidFill>
               </a14:hiddenFill>
             </a:ext>
             <a:ext uri="{91240B29-F687-4F45-9708-019B960494DF}">
-              <a14:hiddenLine xmlns:a14="http://schemas.microsoft.com/office/drawing/2010/main" w="9525">
+              <a14:hiddenLine xmlns:a14="http://schemas.microsoft.com/office/drawing/2010/main" xmlns="" w="9525">
                 <a:solidFill>
                   <a:srgbClr val="000000"/>
                 </a:solidFill>
@@ -1984,14 +1984,14 @@
           </a:ln>
           <a:extLst>
             <a:ext uri="{909E8E84-426E-40DD-AFC4-6F175D3DCCD1}">
-              <a14:hiddenFill xmlns:a14="http://schemas.microsoft.com/office/drawing/2010/main">
+              <a14:hiddenFill xmlns:a14="http://schemas.microsoft.com/office/drawing/2010/main" xmlns="">
                 <a:solidFill>
                   <a:srgbClr val="FFFFFF"/>
                 </a:solidFill>
               </a14:hiddenFill>
             </a:ext>
             <a:ext uri="{91240B29-F687-4F45-9708-019B960494DF}">
-              <a14:hiddenLine xmlns:a14="http://schemas.microsoft.com/office/drawing/2010/main" w="9525">
+              <a14:hiddenLine xmlns:a14="http://schemas.microsoft.com/office/drawing/2010/main" xmlns="" w="9525">
                 <a:solidFill>
                   <a:srgbClr val="000000"/>
                 </a:solidFill>
@@ -2044,14 +2044,14 @@
           </a:ln>
           <a:extLst>
             <a:ext uri="{909E8E84-426E-40DD-AFC4-6F175D3DCCD1}">
-              <a14:hiddenFill xmlns:a14="http://schemas.microsoft.com/office/drawing/2010/main">
+              <a14:hiddenFill xmlns:a14="http://schemas.microsoft.com/office/drawing/2010/main" xmlns="">
                 <a:solidFill>
                   <a:srgbClr val="FFFFFF"/>
                 </a:solidFill>
               </a14:hiddenFill>
             </a:ext>
             <a:ext uri="{91240B29-F687-4F45-9708-019B960494DF}">
-              <a14:hiddenLine xmlns:a14="http://schemas.microsoft.com/office/drawing/2010/main" w="9525">
+              <a14:hiddenLine xmlns:a14="http://schemas.microsoft.com/office/drawing/2010/main" xmlns="" w="9525">
                 <a:solidFill>
                   <a:srgbClr val="000000"/>
                 </a:solidFill>
@@ -2618,14 +2618,14 @@
           </a:ln>
           <a:extLst>
             <a:ext uri="{909E8E84-426E-40DD-AFC4-6F175D3DCCD1}">
-              <a14:hiddenFill xmlns:a14="http://schemas.microsoft.com/office/drawing/2010/main">
+              <a14:hiddenFill xmlns:a14="http://schemas.microsoft.com/office/drawing/2010/main" xmlns="">
                 <a:solidFill>
                   <a:srgbClr val="FFFFFF"/>
                 </a:solidFill>
               </a14:hiddenFill>
             </a:ext>
             <a:ext uri="{91240B29-F687-4F45-9708-019B960494DF}">
-              <a14:hiddenLine xmlns:a14="http://schemas.microsoft.com/office/drawing/2010/main" w="9525">
+              <a14:hiddenLine xmlns:a14="http://schemas.microsoft.com/office/drawing/2010/main" xmlns="" w="9525">
                 <a:solidFill>
                   <a:srgbClr val="000000"/>
                 </a:solidFill>
@@ -2678,14 +2678,14 @@
           </a:ln>
           <a:extLst>
             <a:ext uri="{909E8E84-426E-40DD-AFC4-6F175D3DCCD1}">
-              <a14:hiddenFill xmlns:a14="http://schemas.microsoft.com/office/drawing/2010/main">
+              <a14:hiddenFill xmlns:a14="http://schemas.microsoft.com/office/drawing/2010/main" xmlns="">
                 <a:solidFill>
                   <a:srgbClr val="FFFFFF"/>
                 </a:solidFill>
               </a14:hiddenFill>
             </a:ext>
             <a:ext uri="{91240B29-F687-4F45-9708-019B960494DF}">
-              <a14:hiddenLine xmlns:a14="http://schemas.microsoft.com/office/drawing/2010/main" w="9525">
+              <a14:hiddenLine xmlns:a14="http://schemas.microsoft.com/office/drawing/2010/main" xmlns="" w="9525">
                 <a:solidFill>
                   <a:srgbClr val="000000"/>
                 </a:solidFill>
@@ -3346,15 +3346,7 @@
           <a:p>
             <a:r>
               <a:rPr lang="it-IT" sz="5400" dirty="0" smtClean="0"/>
-              <a:t>Pattern: </a:t>
-            </a:r>
-            <a:r>
-              <a:rPr lang="it-IT" sz="5400" dirty="0" smtClean="0"/>
-              <a:t>Database per </a:t>
-            </a:r>
-            <a:r>
-              <a:rPr lang="it-IT" sz="5400" dirty="0" smtClean="0"/>
-              <a:t>service /MICROSERVICE : IMPLEMENTING THE DATABASE PER SERVICE PATTERN</a:t>
+              <a:t>Pattern: Database per service /MICROSERVICE : IMPLEMENTING THE DATABASE PER SERVICE PATTERN</a:t>
             </a:r>
             <a:endParaRPr lang="it-IT" sz="5400" dirty="0"/>
           </a:p>
@@ -3441,7 +3433,7 @@
     </p:spTree>
     <p:extLst>
       <p:ext uri="{BB962C8B-B14F-4D97-AF65-F5344CB8AC3E}">
-        <p14:creationId xmlns:p14="http://schemas.microsoft.com/office/powerpoint/2010/main" val="3233602758"/>
+        <p14:creationId xmlns:p14="http://schemas.microsoft.com/office/powerpoint/2010/main" xmlns="" val="3233602758"/>
       </p:ext>
     </p:extLst>
   </p:cSld>
@@ -3493,15 +3485,7 @@
           <a:p>
             <a:r>
               <a:rPr lang="it-IT" sz="5400" dirty="0" smtClean="0"/>
-              <a:t>Pattern: </a:t>
-            </a:r>
-            <a:r>
-              <a:rPr lang="it-IT" sz="5400" dirty="0" smtClean="0"/>
-              <a:t>Database per </a:t>
-            </a:r>
-            <a:r>
-              <a:rPr lang="it-IT" sz="5400" dirty="0" smtClean="0"/>
-              <a:t>service /MICROSERVICE : IMPLEMENTING THE DATABASE PER SERVICE PATTERN</a:t>
+              <a:t>Pattern: Database per service /MICROSERVICE : IMPLEMENTING THE DATABASE PER SERVICE PATTERN</a:t>
             </a:r>
             <a:endParaRPr lang="it-IT" sz="5400" dirty="0"/>
           </a:p>
@@ -3848,7 +3832,7 @@
               <a:effectLst/>
               <a:extLst>
                 <a:ext uri="{AF507438-7753-43E0-B8FC-AC1667EBCBE1}">
-                  <a14:hiddenEffects xmlns:a14="http://schemas.microsoft.com/office/drawing/2010/main">
+                  <a14:hiddenEffects xmlns:a14="http://schemas.microsoft.com/office/drawing/2010/main" xmlns="">
                     <a:effectLst>
                       <a:outerShdw blurRad="63500" dist="38099" dir="2700000" algn="ctr" rotWithShape="0">
                         <a:schemeClr val="bg2">
@@ -3893,7 +3877,7 @@
               <a:effectLst/>
               <a:extLst>
                 <a:ext uri="{AF507438-7753-43E0-B8FC-AC1667EBCBE1}">
-                  <a14:hiddenEffects xmlns:a14="http://schemas.microsoft.com/office/drawing/2010/main">
+                  <a14:hiddenEffects xmlns:a14="http://schemas.microsoft.com/office/drawing/2010/main" xmlns="">
                     <a:effectLst>
                       <a:outerShdw blurRad="63500" dist="38099" dir="2700000" algn="ctr" rotWithShape="0">
                         <a:schemeClr val="bg2">
@@ -4010,7 +3994,7 @@
     </p:spTree>
     <p:extLst>
       <p:ext uri="{BB962C8B-B14F-4D97-AF65-F5344CB8AC3E}">
-        <p14:creationId xmlns:p14="http://schemas.microsoft.com/office/powerpoint/2010/main" val="3932113593"/>
+        <p14:creationId xmlns:p14="http://schemas.microsoft.com/office/powerpoint/2010/main" xmlns="" val="3932113593"/>
       </p:ext>
     </p:extLst>
   </p:cSld>
@@ -4054,7 +4038,7 @@
           <p:nvPr>
             <p:extLst>
               <p:ext uri="{D42A27DB-BD31-4B8C-83A1-F6EECF244321}">
-                <p14:modId xmlns:p14="http://schemas.microsoft.com/office/powerpoint/2010/main" val="1958196305"/>
+                <p14:modId xmlns:p14="http://schemas.microsoft.com/office/powerpoint/2010/main" xmlns="" val="1958196305"/>
               </p:ext>
             </p:extLst>
           </p:nvPr>
@@ -4792,7 +4776,7 @@
             </a:ln>
             <a:extLst>
               <a:ext uri="{909E8E84-426E-40DD-AFC4-6F175D3DCCD1}">
-                <a14:hiddenFill xmlns:a14="http://schemas.microsoft.com/office/drawing/2010/main">
+                <a14:hiddenFill xmlns:a14="http://schemas.microsoft.com/office/drawing/2010/main" xmlns="">
                   <a:noFill/>
                 </a14:hiddenFill>
               </a:ext>
@@ -4826,7 +4810,7 @@
             </a:ln>
             <a:extLst>
               <a:ext uri="{909E8E84-426E-40DD-AFC4-6F175D3DCCD1}">
-                <a14:hiddenFill xmlns:a14="http://schemas.microsoft.com/office/drawing/2010/main">
+                <a14:hiddenFill xmlns:a14="http://schemas.microsoft.com/office/drawing/2010/main" xmlns="">
                   <a:noFill/>
                 </a14:hiddenFill>
               </a:ext>
@@ -4860,7 +4844,7 @@
             </a:ln>
             <a:extLst>
               <a:ext uri="{909E8E84-426E-40DD-AFC4-6F175D3DCCD1}">
-                <a14:hiddenFill xmlns:a14="http://schemas.microsoft.com/office/drawing/2010/main">
+                <a14:hiddenFill xmlns:a14="http://schemas.microsoft.com/office/drawing/2010/main" xmlns="">
                   <a:noFill/>
                 </a14:hiddenFill>
               </a:ext>
@@ -4894,7 +4878,7 @@
             </a:ln>
             <a:extLst>
               <a:ext uri="{909E8E84-426E-40DD-AFC4-6F175D3DCCD1}">
-                <a14:hiddenFill xmlns:a14="http://schemas.microsoft.com/office/drawing/2010/main">
+                <a14:hiddenFill xmlns:a14="http://schemas.microsoft.com/office/drawing/2010/main" xmlns="">
                   <a:noFill/>
                 </a14:hiddenFill>
               </a:ext>
@@ -4928,7 +4912,7 @@
             </a:ln>
             <a:extLst>
               <a:ext uri="{909E8E84-426E-40DD-AFC4-6F175D3DCCD1}">
-                <a14:hiddenFill xmlns:a14="http://schemas.microsoft.com/office/drawing/2010/main">
+                <a14:hiddenFill xmlns:a14="http://schemas.microsoft.com/office/drawing/2010/main" xmlns="">
                   <a:noFill/>
                 </a14:hiddenFill>
               </a:ext>
@@ -4962,7 +4946,7 @@
             </a:ln>
             <a:extLst>
               <a:ext uri="{909E8E84-426E-40DD-AFC4-6F175D3DCCD1}">
-                <a14:hiddenFill xmlns:a14="http://schemas.microsoft.com/office/drawing/2010/main">
+                <a14:hiddenFill xmlns:a14="http://schemas.microsoft.com/office/drawing/2010/main" xmlns="">
                   <a:noFill/>
                 </a14:hiddenFill>
               </a:ext>
@@ -4996,7 +4980,7 @@
             </a:ln>
             <a:extLst>
               <a:ext uri="{909E8E84-426E-40DD-AFC4-6F175D3DCCD1}">
-                <a14:hiddenFill xmlns:a14="http://schemas.microsoft.com/office/drawing/2010/main">
+                <a14:hiddenFill xmlns:a14="http://schemas.microsoft.com/office/drawing/2010/main" xmlns="">
                   <a:noFill/>
                 </a14:hiddenFill>
               </a:ext>
@@ -5025,14 +5009,14 @@
             </a:ln>
             <a:extLst>
               <a:ext uri="{909E8E84-426E-40DD-AFC4-6F175D3DCCD1}">
-                <a14:hiddenFill xmlns:a14="http://schemas.microsoft.com/office/drawing/2010/main">
+                <a14:hiddenFill xmlns:a14="http://schemas.microsoft.com/office/drawing/2010/main" xmlns="">
                   <a:solidFill>
                     <a:srgbClr val="FFFFFF"/>
                   </a:solidFill>
                 </a14:hiddenFill>
               </a:ext>
               <a:ext uri="{91240B29-F687-4F45-9708-019B960494DF}">
-                <a14:hiddenLine xmlns:a14="http://schemas.microsoft.com/office/drawing/2010/main" w="9525">
+                <a14:hiddenLine xmlns:a14="http://schemas.microsoft.com/office/drawing/2010/main" xmlns="" w="9525">
                   <a:solidFill>
                     <a:srgbClr val="000000"/>
                   </a:solidFill>
@@ -5193,14 +5177,14 @@
             </a:ln>
             <a:extLst>
               <a:ext uri="{909E8E84-426E-40DD-AFC4-6F175D3DCCD1}">
-                <a14:hiddenFill xmlns:a14="http://schemas.microsoft.com/office/drawing/2010/main">
+                <a14:hiddenFill xmlns:a14="http://schemas.microsoft.com/office/drawing/2010/main" xmlns="">
                   <a:solidFill>
                     <a:srgbClr val="FFFFFF"/>
                   </a:solidFill>
                 </a14:hiddenFill>
               </a:ext>
               <a:ext uri="{91240B29-F687-4F45-9708-019B960494DF}">
-                <a14:hiddenLine xmlns:a14="http://schemas.microsoft.com/office/drawing/2010/main" w="9525">
+                <a14:hiddenLine xmlns:a14="http://schemas.microsoft.com/office/drawing/2010/main" xmlns="" w="9525">
                   <a:solidFill>
                     <a:srgbClr val="000000"/>
                   </a:solidFill>
@@ -5365,14 +5349,14 @@
             </a:ln>
             <a:extLst>
               <a:ext uri="{909E8E84-426E-40DD-AFC4-6F175D3DCCD1}">
-                <a14:hiddenFill xmlns:a14="http://schemas.microsoft.com/office/drawing/2010/main">
+                <a14:hiddenFill xmlns:a14="http://schemas.microsoft.com/office/drawing/2010/main" xmlns="">
                   <a:solidFill>
                     <a:srgbClr val="FFFFFF"/>
                   </a:solidFill>
                 </a14:hiddenFill>
               </a:ext>
               <a:ext uri="{91240B29-F687-4F45-9708-019B960494DF}">
-                <a14:hiddenLine xmlns:a14="http://schemas.microsoft.com/office/drawing/2010/main" w="9525">
+                <a14:hiddenLine xmlns:a14="http://schemas.microsoft.com/office/drawing/2010/main" xmlns="" w="9525">
                   <a:solidFill>
                     <a:srgbClr val="000000"/>
                   </a:solidFill>
@@ -5539,14 +5523,14 @@
             </a:ln>
             <a:extLst>
               <a:ext uri="{909E8E84-426E-40DD-AFC4-6F175D3DCCD1}">
-                <a14:hiddenFill xmlns:a14="http://schemas.microsoft.com/office/drawing/2010/main">
+                <a14:hiddenFill xmlns:a14="http://schemas.microsoft.com/office/drawing/2010/main" xmlns="">
                   <a:solidFill>
                     <a:srgbClr val="FFFFFF"/>
                   </a:solidFill>
                 </a14:hiddenFill>
               </a:ext>
               <a:ext uri="{91240B29-F687-4F45-9708-019B960494DF}">
-                <a14:hiddenLine xmlns:a14="http://schemas.microsoft.com/office/drawing/2010/main" w="9525">
+                <a14:hiddenLine xmlns:a14="http://schemas.microsoft.com/office/drawing/2010/main" xmlns="" w="9525">
                   <a:solidFill>
                     <a:srgbClr val="000000"/>
                   </a:solidFill>
@@ -5715,14 +5699,14 @@
             </a:ln>
             <a:extLst>
               <a:ext uri="{909E8E84-426E-40DD-AFC4-6F175D3DCCD1}">
-                <a14:hiddenFill xmlns:a14="http://schemas.microsoft.com/office/drawing/2010/main">
+                <a14:hiddenFill xmlns:a14="http://schemas.microsoft.com/office/drawing/2010/main" xmlns="">
                   <a:solidFill>
                     <a:srgbClr val="FFFFFF"/>
                   </a:solidFill>
                 </a14:hiddenFill>
               </a:ext>
               <a:ext uri="{91240B29-F687-4F45-9708-019B960494DF}">
-                <a14:hiddenLine xmlns:a14="http://schemas.microsoft.com/office/drawing/2010/main" w="9525">
+                <a14:hiddenLine xmlns:a14="http://schemas.microsoft.com/office/drawing/2010/main" xmlns="" w="9525">
                   <a:solidFill>
                     <a:srgbClr val="000000"/>
                   </a:solidFill>
@@ -5897,14 +5881,14 @@
             </a:ln>
             <a:extLst>
               <a:ext uri="{909E8E84-426E-40DD-AFC4-6F175D3DCCD1}">
-                <a14:hiddenFill xmlns:a14="http://schemas.microsoft.com/office/drawing/2010/main">
+                <a14:hiddenFill xmlns:a14="http://schemas.microsoft.com/office/drawing/2010/main" xmlns="">
                   <a:solidFill>
                     <a:srgbClr val="FFFFFF"/>
                   </a:solidFill>
                 </a14:hiddenFill>
               </a:ext>
               <a:ext uri="{91240B29-F687-4F45-9708-019B960494DF}">
-                <a14:hiddenLine xmlns:a14="http://schemas.microsoft.com/office/drawing/2010/main" w="9525">
+                <a14:hiddenLine xmlns:a14="http://schemas.microsoft.com/office/drawing/2010/main" xmlns="" w="9525">
                   <a:solidFill>
                     <a:srgbClr val="000000"/>
                   </a:solidFill>
@@ -6076,7 +6060,7 @@
             </a:ln>
             <a:extLst>
               <a:ext uri="{909E8E84-426E-40DD-AFC4-6F175D3DCCD1}">
-                <a14:hiddenFill xmlns:a14="http://schemas.microsoft.com/office/drawing/2010/main">
+                <a14:hiddenFill xmlns:a14="http://schemas.microsoft.com/office/drawing/2010/main" xmlns="">
                   <a:noFill/>
                 </a14:hiddenFill>
               </a:ext>
@@ -6105,14 +6089,14 @@
             </a:ln>
             <a:extLst>
               <a:ext uri="{909E8E84-426E-40DD-AFC4-6F175D3DCCD1}">
-                <a14:hiddenFill xmlns:a14="http://schemas.microsoft.com/office/drawing/2010/main">
+                <a14:hiddenFill xmlns:a14="http://schemas.microsoft.com/office/drawing/2010/main" xmlns="">
                   <a:solidFill>
                     <a:srgbClr val="FFFFFF"/>
                   </a:solidFill>
                 </a14:hiddenFill>
               </a:ext>
               <a:ext uri="{91240B29-F687-4F45-9708-019B960494DF}">
-                <a14:hiddenLine xmlns:a14="http://schemas.microsoft.com/office/drawing/2010/main" w="9525">
+                <a14:hiddenLine xmlns:a14="http://schemas.microsoft.com/office/drawing/2010/main" xmlns="" w="9525">
                   <a:solidFill>
                     <a:srgbClr val="000000"/>
                   </a:solidFill>
@@ -6284,7 +6268,7 @@
             </a:ln>
             <a:extLst>
               <a:ext uri="{909E8E84-426E-40DD-AFC4-6F175D3DCCD1}">
-                <a14:hiddenFill xmlns:a14="http://schemas.microsoft.com/office/drawing/2010/main">
+                <a14:hiddenFill xmlns:a14="http://schemas.microsoft.com/office/drawing/2010/main" xmlns="">
                   <a:noFill/>
                 </a14:hiddenFill>
               </a:ext>
@@ -6313,14 +6297,14 @@
             </a:ln>
             <a:extLst>
               <a:ext uri="{909E8E84-426E-40DD-AFC4-6F175D3DCCD1}">
-                <a14:hiddenFill xmlns:a14="http://schemas.microsoft.com/office/drawing/2010/main">
+                <a14:hiddenFill xmlns:a14="http://schemas.microsoft.com/office/drawing/2010/main" xmlns="">
                   <a:solidFill>
                     <a:srgbClr val="FFFFFF"/>
                   </a:solidFill>
                 </a14:hiddenFill>
               </a:ext>
               <a:ext uri="{91240B29-F687-4F45-9708-019B960494DF}">
-                <a14:hiddenLine xmlns:a14="http://schemas.microsoft.com/office/drawing/2010/main" w="9525">
+                <a14:hiddenLine xmlns:a14="http://schemas.microsoft.com/office/drawing/2010/main" xmlns="" w="9525">
                   <a:solidFill>
                     <a:srgbClr val="000000"/>
                   </a:solidFill>
@@ -6492,7 +6476,7 @@
             </a:ln>
             <a:extLst>
               <a:ext uri="{909E8E84-426E-40DD-AFC4-6F175D3DCCD1}">
-                <a14:hiddenFill xmlns:a14="http://schemas.microsoft.com/office/drawing/2010/main">
+                <a14:hiddenFill xmlns:a14="http://schemas.microsoft.com/office/drawing/2010/main" xmlns="">
                   <a:noFill/>
                 </a14:hiddenFill>
               </a:ext>
@@ -6521,14 +6505,14 @@
             </a:ln>
             <a:extLst>
               <a:ext uri="{909E8E84-426E-40DD-AFC4-6F175D3DCCD1}">
-                <a14:hiddenFill xmlns:a14="http://schemas.microsoft.com/office/drawing/2010/main">
+                <a14:hiddenFill xmlns:a14="http://schemas.microsoft.com/office/drawing/2010/main" xmlns="">
                   <a:solidFill>
                     <a:srgbClr val="FFFFFF"/>
                   </a:solidFill>
                 </a14:hiddenFill>
               </a:ext>
               <a:ext uri="{91240B29-F687-4F45-9708-019B960494DF}">
-                <a14:hiddenLine xmlns:a14="http://schemas.microsoft.com/office/drawing/2010/main" w="9525">
+                <a14:hiddenLine xmlns:a14="http://schemas.microsoft.com/office/drawing/2010/main" xmlns="" w="9525">
                   <a:solidFill>
                     <a:srgbClr val="000000"/>
                   </a:solidFill>
@@ -6700,7 +6684,7 @@
             </a:ln>
             <a:extLst>
               <a:ext uri="{909E8E84-426E-40DD-AFC4-6F175D3DCCD1}">
-                <a14:hiddenFill xmlns:a14="http://schemas.microsoft.com/office/drawing/2010/main">
+                <a14:hiddenFill xmlns:a14="http://schemas.microsoft.com/office/drawing/2010/main" xmlns="">
                   <a:noFill/>
                 </a14:hiddenFill>
               </a:ext>
@@ -6734,7 +6718,7 @@
             </a:ln>
             <a:extLst>
               <a:ext uri="{909E8E84-426E-40DD-AFC4-6F175D3DCCD1}">
-                <a14:hiddenFill xmlns:a14="http://schemas.microsoft.com/office/drawing/2010/main">
+                <a14:hiddenFill xmlns:a14="http://schemas.microsoft.com/office/drawing/2010/main" xmlns="">
                   <a:noFill/>
                 </a14:hiddenFill>
               </a:ext>
@@ -6763,14 +6747,14 @@
             </a:ln>
             <a:extLst>
               <a:ext uri="{909E8E84-426E-40DD-AFC4-6F175D3DCCD1}">
-                <a14:hiddenFill xmlns:a14="http://schemas.microsoft.com/office/drawing/2010/main">
+                <a14:hiddenFill xmlns:a14="http://schemas.microsoft.com/office/drawing/2010/main" xmlns="">
                   <a:solidFill>
                     <a:srgbClr val="FFFFFF"/>
                   </a:solidFill>
                 </a14:hiddenFill>
               </a:ext>
               <a:ext uri="{91240B29-F687-4F45-9708-019B960494DF}">
-                <a14:hiddenLine xmlns:a14="http://schemas.microsoft.com/office/drawing/2010/main" w="9525">
+                <a14:hiddenLine xmlns:a14="http://schemas.microsoft.com/office/drawing/2010/main" xmlns="" w="9525">
                   <a:solidFill>
                     <a:srgbClr val="000000"/>
                   </a:solidFill>
@@ -6931,14 +6915,14 @@
             </a:ln>
             <a:extLst>
               <a:ext uri="{909E8E84-426E-40DD-AFC4-6F175D3DCCD1}">
-                <a14:hiddenFill xmlns:a14="http://schemas.microsoft.com/office/drawing/2010/main">
+                <a14:hiddenFill xmlns:a14="http://schemas.microsoft.com/office/drawing/2010/main" xmlns="">
                   <a:solidFill>
                     <a:srgbClr val="FFFFFF"/>
                   </a:solidFill>
                 </a14:hiddenFill>
               </a:ext>
               <a:ext uri="{91240B29-F687-4F45-9708-019B960494DF}">
-                <a14:hiddenLine xmlns:a14="http://schemas.microsoft.com/office/drawing/2010/main" w="9525">
+                <a14:hiddenLine xmlns:a14="http://schemas.microsoft.com/office/drawing/2010/main" xmlns="" w="9525">
                   <a:solidFill>
                     <a:srgbClr val="000000"/>
                   </a:solidFill>
@@ -7184,7 +7168,7 @@
             </a:ln>
             <a:extLst>
               <a:ext uri="{909E8E84-426E-40DD-AFC4-6F175D3DCCD1}">
-                <a14:hiddenFill xmlns:a14="http://schemas.microsoft.com/office/drawing/2010/main">
+                <a14:hiddenFill xmlns:a14="http://schemas.microsoft.com/office/drawing/2010/main" xmlns="">
                   <a:noFill/>
                 </a14:hiddenFill>
               </a:ext>
@@ -7218,7 +7202,7 @@
             </a:ln>
             <a:extLst>
               <a:ext uri="{909E8E84-426E-40DD-AFC4-6F175D3DCCD1}">
-                <a14:hiddenFill xmlns:a14="http://schemas.microsoft.com/office/drawing/2010/main">
+                <a14:hiddenFill xmlns:a14="http://schemas.microsoft.com/office/drawing/2010/main" xmlns="">
                   <a:noFill/>
                 </a14:hiddenFill>
               </a:ext>
@@ -8330,7 +8314,7 @@
     </p:spTree>
     <p:extLst>
       <p:ext uri="{BB962C8B-B14F-4D97-AF65-F5344CB8AC3E}">
-        <p14:creationId xmlns:p14="http://schemas.microsoft.com/office/powerpoint/2010/main" val="2936166252"/>
+        <p14:creationId xmlns:p14="http://schemas.microsoft.com/office/powerpoint/2010/main" xmlns="" val="2936166252"/>
       </p:ext>
     </p:extLst>
   </p:cSld>
@@ -8416,7 +8400,7 @@
     </p:spTree>
     <p:extLst>
       <p:ext uri="{BB962C8B-B14F-4D97-AF65-F5344CB8AC3E}">
-        <p14:creationId xmlns:p14="http://schemas.microsoft.com/office/powerpoint/2010/main" val="2341997884"/>
+        <p14:creationId xmlns:p14="http://schemas.microsoft.com/office/powerpoint/2010/main" xmlns="" val="2341997884"/>
       </p:ext>
     </p:extLst>
   </p:cSld>
@@ -8502,7 +8486,7 @@
     </p:spTree>
     <p:extLst>
       <p:ext uri="{BB962C8B-B14F-4D97-AF65-F5344CB8AC3E}">
-        <p14:creationId xmlns:p14="http://schemas.microsoft.com/office/powerpoint/2010/main" val="3161300423"/>
+        <p14:creationId xmlns:p14="http://schemas.microsoft.com/office/powerpoint/2010/main" xmlns="" val="3161300423"/>
       </p:ext>
     </p:extLst>
   </p:cSld>
@@ -8579,10 +8563,249 @@
               <a:rPr lang="it-IT" dirty="0" err="1" smtClean="0"/>
               <a:t>Docker</a:t>
             </a:r>
+            <a:endParaRPr lang="it-IT" dirty="0" smtClean="0"/>
+          </a:p>
+          <a:p>
+            <a:pPr lvl="1"/>
+            <a:r>
+              <a:rPr lang="it-IT" dirty="0" err="1" smtClean="0"/>
+              <a:t>Description</a:t>
+            </a:r>
+            <a:endParaRPr lang="it-IT" dirty="0" smtClean="0"/>
+          </a:p>
+          <a:p>
+            <a:pPr lvl="1"/>
+            <a:r>
+              <a:rPr lang="it-IT" dirty="0" err="1" smtClean="0"/>
+              <a:t>Images</a:t>
+            </a:r>
+            <a:endParaRPr lang="it-IT" dirty="0" smtClean="0"/>
+          </a:p>
+          <a:p>
+            <a:pPr lvl="1"/>
+            <a:r>
+              <a:rPr lang="it-IT" dirty="0" smtClean="0"/>
+              <a:t>Container</a:t>
+            </a:r>
+          </a:p>
+          <a:p>
+            <a:pPr lvl="1"/>
+            <a:r>
+              <a:rPr lang="it-IT" dirty="0" err="1" smtClean="0"/>
+              <a:t>Porpouse</a:t>
+            </a:r>
+            <a:endParaRPr lang="it-IT" dirty="0" smtClean="0"/>
+          </a:p>
+          <a:p>
+            <a:pPr lvl="2"/>
+            <a:r>
+              <a:rPr lang="it-IT" dirty="0" err="1" smtClean="0"/>
+              <a:t>Specific</a:t>
+            </a:r>
+            <a:r>
+              <a:rPr lang="it-IT" dirty="0" smtClean="0"/>
+              <a:t> database </a:t>
+            </a:r>
+            <a:r>
+              <a:rPr lang="it-IT" dirty="0" err="1" smtClean="0"/>
+              <a:t>images</a:t>
+            </a:r>
             <a:r>
               <a:rPr lang="it-IT" dirty="0" smtClean="0"/>
               <a:t> </a:t>
             </a:r>
+            <a:r>
+              <a:rPr lang="it-IT" dirty="0" err="1" smtClean="0"/>
+              <a:t>with</a:t>
+            </a:r>
+            <a:r>
+              <a:rPr lang="it-IT" dirty="0" smtClean="0"/>
+              <a:t> data </a:t>
+            </a:r>
+            <a:r>
+              <a:rPr lang="it-IT" dirty="0" err="1" smtClean="0"/>
+              <a:t>ready</a:t>
+            </a:r>
+            <a:r>
+              <a:rPr lang="it-IT" dirty="0" smtClean="0"/>
+              <a:t> </a:t>
+            </a:r>
+            <a:r>
+              <a:rPr lang="it-IT" dirty="0" err="1" smtClean="0"/>
+              <a:t>to</a:t>
+            </a:r>
+            <a:r>
+              <a:rPr lang="it-IT" dirty="0" smtClean="0"/>
+              <a:t> </a:t>
+            </a:r>
+            <a:r>
+              <a:rPr lang="it-IT" dirty="0" err="1" smtClean="0"/>
+              <a:t>be</a:t>
+            </a:r>
+            <a:r>
+              <a:rPr lang="it-IT" dirty="0" smtClean="0"/>
+              <a:t> </a:t>
+            </a:r>
+            <a:r>
+              <a:rPr lang="it-IT" dirty="0" err="1" smtClean="0"/>
+              <a:t>used</a:t>
+            </a:r>
+            <a:r>
+              <a:rPr lang="it-IT" dirty="0" smtClean="0"/>
+              <a:t> </a:t>
+            </a:r>
+            <a:r>
+              <a:rPr lang="it-IT" dirty="0" err="1" smtClean="0"/>
+              <a:t>for</a:t>
+            </a:r>
+            <a:r>
+              <a:rPr lang="it-IT" dirty="0" smtClean="0"/>
+              <a:t> </a:t>
+            </a:r>
+            <a:r>
+              <a:rPr lang="it-IT" dirty="0" err="1" smtClean="0"/>
+              <a:t>specific</a:t>
+            </a:r>
+            <a:r>
+              <a:rPr lang="it-IT" dirty="0" smtClean="0"/>
+              <a:t> </a:t>
+            </a:r>
+            <a:r>
+              <a:rPr lang="it-IT" dirty="0" err="1" smtClean="0"/>
+              <a:t>unit</a:t>
+            </a:r>
+            <a:r>
+              <a:rPr lang="it-IT" dirty="0" smtClean="0"/>
+              <a:t> or </a:t>
+            </a:r>
+            <a:r>
+              <a:rPr lang="it-IT" dirty="0" err="1" smtClean="0"/>
+              <a:t>integration</a:t>
+            </a:r>
+            <a:r>
+              <a:rPr lang="it-IT" dirty="0" smtClean="0"/>
+              <a:t> </a:t>
+            </a:r>
+            <a:r>
+              <a:rPr lang="it-IT" dirty="0" err="1" smtClean="0"/>
+              <a:t>tests</a:t>
+            </a:r>
+            <a:endParaRPr lang="it-IT" dirty="0" smtClean="0"/>
+          </a:p>
+          <a:p>
+            <a:pPr lvl="2"/>
+            <a:r>
+              <a:rPr lang="it-IT" dirty="0" err="1" smtClean="0"/>
+              <a:t>Improve</a:t>
+            </a:r>
+            <a:r>
+              <a:rPr lang="it-IT" dirty="0" smtClean="0"/>
+              <a:t> the </a:t>
+            </a:r>
+            <a:r>
+              <a:rPr lang="it-IT" dirty="0" err="1" smtClean="0"/>
+              <a:t>response</a:t>
+            </a:r>
+            <a:r>
+              <a:rPr lang="it-IT" dirty="0" smtClean="0"/>
+              <a:t> </a:t>
+            </a:r>
+            <a:r>
+              <a:rPr lang="it-IT" dirty="0" err="1" smtClean="0"/>
+              <a:t>to</a:t>
+            </a:r>
+            <a:r>
+              <a:rPr lang="it-IT" dirty="0" smtClean="0"/>
+              <a:t> </a:t>
+            </a:r>
+            <a:r>
+              <a:rPr lang="it-IT" dirty="0" err="1" smtClean="0"/>
+              <a:t>critic</a:t>
+            </a:r>
+            <a:r>
+              <a:rPr lang="it-IT" dirty="0" smtClean="0"/>
+              <a:t> bug fixing and </a:t>
+            </a:r>
+            <a:r>
+              <a:rPr lang="it-IT" dirty="0" err="1" smtClean="0"/>
+              <a:t>realize</a:t>
+            </a:r>
+            <a:r>
+              <a:rPr lang="it-IT" dirty="0" smtClean="0"/>
+              <a:t> a </a:t>
+            </a:r>
+            <a:r>
+              <a:rPr lang="it-IT" dirty="0" err="1" smtClean="0"/>
+              <a:t>faster</a:t>
+            </a:r>
+            <a:r>
+              <a:rPr lang="it-IT" dirty="0" smtClean="0"/>
+              <a:t> fixing</a:t>
+            </a:r>
+          </a:p>
+          <a:p>
+            <a:pPr lvl="2"/>
+            <a:r>
+              <a:rPr lang="it-IT" dirty="0" err="1" smtClean="0"/>
+              <a:t>Collection</a:t>
+            </a:r>
+            <a:r>
+              <a:rPr lang="it-IT" dirty="0" smtClean="0"/>
+              <a:t> </a:t>
+            </a:r>
+            <a:r>
+              <a:rPr lang="it-IT" dirty="0" err="1" smtClean="0"/>
+              <a:t>of</a:t>
+            </a:r>
+            <a:r>
+              <a:rPr lang="it-IT" dirty="0" smtClean="0"/>
+              <a:t> </a:t>
+            </a:r>
+            <a:r>
+              <a:rPr lang="it-IT" dirty="0" err="1" smtClean="0"/>
+              <a:t>specific</a:t>
+            </a:r>
+            <a:r>
+              <a:rPr lang="it-IT" dirty="0" smtClean="0"/>
+              <a:t> container </a:t>
+            </a:r>
+            <a:r>
+              <a:rPr lang="it-IT" dirty="0" err="1" smtClean="0"/>
+              <a:t>to</a:t>
+            </a:r>
+            <a:r>
+              <a:rPr lang="it-IT" dirty="0" smtClean="0"/>
+              <a:t> face </a:t>
+            </a:r>
+            <a:r>
+              <a:rPr lang="it-IT" dirty="0" err="1" smtClean="0"/>
+              <a:t>different</a:t>
+            </a:r>
+            <a:r>
+              <a:rPr lang="it-IT" dirty="0" smtClean="0"/>
+              <a:t> bug fixing or non </a:t>
+            </a:r>
+            <a:r>
+              <a:rPr lang="it-IT" dirty="0" err="1" smtClean="0"/>
+              <a:t>regression</a:t>
+            </a:r>
+            <a:r>
+              <a:rPr lang="it-IT" dirty="0" smtClean="0"/>
+              <a:t> </a:t>
+            </a:r>
+            <a:r>
+              <a:rPr lang="it-IT" dirty="0" err="1" smtClean="0"/>
+              <a:t>scenarios</a:t>
+            </a:r>
+            <a:endParaRPr lang="it-IT" dirty="0" smtClean="0"/>
+          </a:p>
+          <a:p>
+            <a:pPr lvl="2"/>
+            <a:r>
+              <a:rPr lang="it-IT" dirty="0" smtClean="0"/>
+              <a:t> </a:t>
+            </a:r>
+            <a:endParaRPr lang="it-IT" dirty="0" smtClean="0"/>
           </a:p>
           <a:p>
             <a:endParaRPr lang="it-IT" dirty="0"/>
@@ -8592,7 +8815,7 @@
     </p:spTree>
     <p:extLst>
       <p:ext uri="{BB962C8B-B14F-4D97-AF65-F5344CB8AC3E}">
-        <p14:creationId xmlns:p14="http://schemas.microsoft.com/office/powerpoint/2010/main" val="880952961"/>
+        <p14:creationId xmlns:p14="http://schemas.microsoft.com/office/powerpoint/2010/main" xmlns="" val="880952961"/>
       </p:ext>
     </p:extLst>
   </p:cSld>
@@ -8689,7 +8912,7 @@
     </p:spTree>
     <p:extLst>
       <p:ext uri="{BB962C8B-B14F-4D97-AF65-F5344CB8AC3E}">
-        <p14:creationId xmlns:p14="http://schemas.microsoft.com/office/powerpoint/2010/main" val="3205254146"/>
+        <p14:creationId xmlns:p14="http://schemas.microsoft.com/office/powerpoint/2010/main" xmlns="" val="3205254146"/>
       </p:ext>
     </p:extLst>
   </p:cSld>
@@ -8796,7 +9019,7 @@
     </p:spTree>
     <p:extLst>
       <p:ext uri="{BB962C8B-B14F-4D97-AF65-F5344CB8AC3E}">
-        <p14:creationId xmlns:p14="http://schemas.microsoft.com/office/powerpoint/2010/main" val="2130358231"/>
+        <p14:creationId xmlns:p14="http://schemas.microsoft.com/office/powerpoint/2010/main" xmlns="" val="2130358231"/>
       </p:ext>
     </p:extLst>
   </p:cSld>
@@ -8950,7 +9173,7 @@
     </p:spTree>
     <p:extLst>
       <p:ext uri="{BB962C8B-B14F-4D97-AF65-F5344CB8AC3E}">
-        <p14:creationId xmlns:p14="http://schemas.microsoft.com/office/powerpoint/2010/main" val="2730314115"/>
+        <p14:creationId xmlns:p14="http://schemas.microsoft.com/office/powerpoint/2010/main" xmlns="" val="2730314115"/>
       </p:ext>
     </p:extLst>
   </p:cSld>
@@ -9088,7 +9311,7 @@
     </p:spTree>
     <p:extLst>
       <p:ext uri="{BB962C8B-B14F-4D97-AF65-F5344CB8AC3E}">
-        <p14:creationId xmlns:p14="http://schemas.microsoft.com/office/powerpoint/2010/main" val="1198612420"/>
+        <p14:creationId xmlns:p14="http://schemas.microsoft.com/office/powerpoint/2010/main" xmlns="" val="1198612420"/>
       </p:ext>
     </p:extLst>
   </p:cSld>
@@ -9210,7 +9433,7 @@
             <a:effectLst/>
             <a:extLst>
               <a:ext uri="{AF507438-7753-43E0-B8FC-AC1667EBCBE1}">
-                <a14:hiddenEffects xmlns:a14="http://schemas.microsoft.com/office/drawing/2010/main">
+                <a14:hiddenEffects xmlns:a14="http://schemas.microsoft.com/office/drawing/2010/main" xmlns="">
                   <a:effectLst>
                     <a:outerShdw blurRad="63500" dist="38099" dir="2700000" algn="ctr" rotWithShape="0">
                       <a:schemeClr val="bg2">
@@ -9294,7 +9517,7 @@
             <a:effectLst/>
             <a:extLst>
               <a:ext uri="{AF507438-7753-43E0-B8FC-AC1667EBCBE1}">
-                <a14:hiddenEffects xmlns:a14="http://schemas.microsoft.com/office/drawing/2010/main">
+                <a14:hiddenEffects xmlns:a14="http://schemas.microsoft.com/office/drawing/2010/main" xmlns="">
                   <a:effectLst>
                     <a:outerShdw blurRad="63500" dist="38099" dir="2700000" algn="ctr" rotWithShape="0">
                       <a:schemeClr val="bg2">
@@ -9383,7 +9606,7 @@
             <a:effectLst/>
             <a:extLst>
               <a:ext uri="{AF507438-7753-43E0-B8FC-AC1667EBCBE1}">
-                <a14:hiddenEffects xmlns:a14="http://schemas.microsoft.com/office/drawing/2010/main">
+                <a14:hiddenEffects xmlns:a14="http://schemas.microsoft.com/office/drawing/2010/main" xmlns="">
                   <a:effectLst>
                     <a:outerShdw blurRad="63500" dist="38099" dir="2700000" algn="ctr" rotWithShape="0">
                       <a:schemeClr val="bg2">
@@ -9474,7 +9697,7 @@
             <a:effectLst/>
             <a:extLst>
               <a:ext uri="{AF507438-7753-43E0-B8FC-AC1667EBCBE1}">
-                <a14:hiddenEffects xmlns:a14="http://schemas.microsoft.com/office/drawing/2010/main">
+                <a14:hiddenEffects xmlns:a14="http://schemas.microsoft.com/office/drawing/2010/main" xmlns="">
                   <a:effectLst>
                     <a:outerShdw blurRad="63500" dist="38099" dir="2700000" algn="ctr" rotWithShape="0">
                       <a:schemeClr val="bg2">
@@ -9558,7 +9781,7 @@
             <a:effectLst/>
             <a:extLst>
               <a:ext uri="{AF507438-7753-43E0-B8FC-AC1667EBCBE1}">
-                <a14:hiddenEffects xmlns:a14="http://schemas.microsoft.com/office/drawing/2010/main">
+                <a14:hiddenEffects xmlns:a14="http://schemas.microsoft.com/office/drawing/2010/main" xmlns="">
                   <a:effectLst>
                     <a:outerShdw blurRad="63500" dist="38099" dir="2700000" algn="ctr" rotWithShape="0">
                       <a:schemeClr val="bg2">
@@ -9642,7 +9865,7 @@
             <a:effectLst/>
             <a:extLst>
               <a:ext uri="{AF507438-7753-43E0-B8FC-AC1667EBCBE1}">
-                <a14:hiddenEffects xmlns:a14="http://schemas.microsoft.com/office/drawing/2010/main">
+                <a14:hiddenEffects xmlns:a14="http://schemas.microsoft.com/office/drawing/2010/main" xmlns="">
                   <a:effectLst>
                     <a:outerShdw blurRad="63500" dist="38099" dir="2700000" algn="ctr" rotWithShape="0">
                       <a:schemeClr val="bg2">
@@ -9726,7 +9949,7 @@
             <a:effectLst/>
             <a:extLst>
               <a:ext uri="{AF507438-7753-43E0-B8FC-AC1667EBCBE1}">
-                <a14:hiddenEffects xmlns:a14="http://schemas.microsoft.com/office/drawing/2010/main">
+                <a14:hiddenEffects xmlns:a14="http://schemas.microsoft.com/office/drawing/2010/main" xmlns="">
                   <a:effectLst>
                     <a:outerShdw blurRad="63500" dist="38099" dir="2700000" algn="ctr" rotWithShape="0">
                       <a:schemeClr val="bg2">
@@ -9764,7 +9987,7 @@
           </a:ln>
           <a:extLst>
             <a:ext uri="{91240B29-F687-4F45-9708-019B960494DF}">
-              <a14:hiddenLine xmlns:a14="http://schemas.microsoft.com/office/drawing/2010/main" w="25400" algn="ctr">
+              <a14:hiddenLine xmlns:a14="http://schemas.microsoft.com/office/drawing/2010/main" xmlns="" w="25400" algn="ctr">
                 <a:solidFill>
                   <a:srgbClr val="000000"/>
                 </a:solidFill>
@@ -9808,7 +10031,7 @@
           </a:ln>
           <a:extLst>
             <a:ext uri="{91240B29-F687-4F45-9708-019B960494DF}">
-              <a14:hiddenLine xmlns:a14="http://schemas.microsoft.com/office/drawing/2010/main" w="25400" algn="ctr">
+              <a14:hiddenLine xmlns:a14="http://schemas.microsoft.com/office/drawing/2010/main" xmlns="" w="25400" algn="ctr">
                 <a:solidFill>
                   <a:srgbClr val="000000"/>
                 </a:solidFill>
@@ -9852,7 +10075,7 @@
           </a:ln>
           <a:extLst>
             <a:ext uri="{91240B29-F687-4F45-9708-019B960494DF}">
-              <a14:hiddenLine xmlns:a14="http://schemas.microsoft.com/office/drawing/2010/main" w="25400" algn="ctr">
+              <a14:hiddenLine xmlns:a14="http://schemas.microsoft.com/office/drawing/2010/main" xmlns="" w="25400" algn="ctr">
                 <a:solidFill>
                   <a:srgbClr val="000000"/>
                 </a:solidFill>
@@ -9896,7 +10119,7 @@
           </a:ln>
           <a:extLst>
             <a:ext uri="{91240B29-F687-4F45-9708-019B960494DF}">
-              <a14:hiddenLine xmlns:a14="http://schemas.microsoft.com/office/drawing/2010/main" w="25400" algn="ctr">
+              <a14:hiddenLine xmlns:a14="http://schemas.microsoft.com/office/drawing/2010/main" xmlns="" w="25400" algn="ctr">
                 <a:solidFill>
                   <a:srgbClr val="000000"/>
                 </a:solidFill>
@@ -9943,7 +10166,7 @@
           </a:ln>
           <a:extLst>
             <a:ext uri="{91240B29-F687-4F45-9708-019B960494DF}">
-              <a14:hiddenLine xmlns:a14="http://schemas.microsoft.com/office/drawing/2010/main" w="25400" algn="ctr">
+              <a14:hiddenLine xmlns:a14="http://schemas.microsoft.com/office/drawing/2010/main" xmlns="" w="25400" algn="ctr">
                 <a:solidFill>
                   <a:srgbClr val="000000"/>
                 </a:solidFill>
@@ -9987,7 +10210,7 @@
           </a:ln>
           <a:extLst>
             <a:ext uri="{91240B29-F687-4F45-9708-019B960494DF}">
-              <a14:hiddenLine xmlns:a14="http://schemas.microsoft.com/office/drawing/2010/main" w="25400" algn="ctr">
+              <a14:hiddenLine xmlns:a14="http://schemas.microsoft.com/office/drawing/2010/main" xmlns="" w="25400" algn="ctr">
                 <a:solidFill>
                   <a:srgbClr val="000000"/>
                 </a:solidFill>
@@ -10050,7 +10273,7 @@
             </a:ln>
             <a:extLst>
               <a:ext uri="{91240B29-F687-4F45-9708-019B960494DF}">
-                <a14:hiddenLine xmlns:a14="http://schemas.microsoft.com/office/drawing/2010/main" w="25400" algn="ctr">
+                <a14:hiddenLine xmlns:a14="http://schemas.microsoft.com/office/drawing/2010/main" xmlns="" w="25400" algn="ctr">
                   <a:solidFill>
                     <a:srgbClr val="000000"/>
                   </a:solidFill>
@@ -10092,14 +10315,14 @@
             </a:ln>
             <a:extLst>
               <a:ext uri="{909E8E84-426E-40DD-AFC4-6F175D3DCCD1}">
-                <a14:hiddenFill xmlns:a14="http://schemas.microsoft.com/office/drawing/2010/main">
+                <a14:hiddenFill xmlns:a14="http://schemas.microsoft.com/office/drawing/2010/main" xmlns="">
                   <a:solidFill>
                     <a:srgbClr val="FFFFFF"/>
                   </a:solidFill>
                 </a14:hiddenFill>
               </a:ext>
               <a:ext uri="{91240B29-F687-4F45-9708-019B960494DF}">
-                <a14:hiddenLine xmlns:a14="http://schemas.microsoft.com/office/drawing/2010/main" w="9525">
+                <a14:hiddenLine xmlns:a14="http://schemas.microsoft.com/office/drawing/2010/main" xmlns="" w="9525">
                   <a:solidFill>
                     <a:srgbClr val="000000"/>
                   </a:solidFill>
@@ -10282,7 +10505,7 @@
             </a:ln>
             <a:extLst>
               <a:ext uri="{91240B29-F687-4F45-9708-019B960494DF}">
-                <a14:hiddenLine xmlns:a14="http://schemas.microsoft.com/office/drawing/2010/main" w="25400" algn="ctr">
+                <a14:hiddenLine xmlns:a14="http://schemas.microsoft.com/office/drawing/2010/main" xmlns="" w="25400" algn="ctr">
                   <a:solidFill>
                     <a:srgbClr val="000000"/>
                   </a:solidFill>
@@ -10324,14 +10547,14 @@
             </a:ln>
             <a:extLst>
               <a:ext uri="{909E8E84-426E-40DD-AFC4-6F175D3DCCD1}">
-                <a14:hiddenFill xmlns:a14="http://schemas.microsoft.com/office/drawing/2010/main">
+                <a14:hiddenFill xmlns:a14="http://schemas.microsoft.com/office/drawing/2010/main" xmlns="">
                   <a:solidFill>
                     <a:srgbClr val="FFFFFF"/>
                   </a:solidFill>
                 </a14:hiddenFill>
               </a:ext>
               <a:ext uri="{91240B29-F687-4F45-9708-019B960494DF}">
-                <a14:hiddenLine xmlns:a14="http://schemas.microsoft.com/office/drawing/2010/main" w="9525">
+                <a14:hiddenLine xmlns:a14="http://schemas.microsoft.com/office/drawing/2010/main" xmlns="" w="9525">
                   <a:solidFill>
                     <a:srgbClr val="000000"/>
                   </a:solidFill>
@@ -10520,7 +10743,7 @@
             </a:ln>
             <a:extLst>
               <a:ext uri="{91240B29-F687-4F45-9708-019B960494DF}">
-                <a14:hiddenLine xmlns:a14="http://schemas.microsoft.com/office/drawing/2010/main" w="25400" algn="ctr">
+                <a14:hiddenLine xmlns:a14="http://schemas.microsoft.com/office/drawing/2010/main" xmlns="" w="25400" algn="ctr">
                   <a:solidFill>
                     <a:srgbClr val="000000"/>
                   </a:solidFill>
@@ -10562,14 +10785,14 @@
             </a:ln>
             <a:extLst>
               <a:ext uri="{909E8E84-426E-40DD-AFC4-6F175D3DCCD1}">
-                <a14:hiddenFill xmlns:a14="http://schemas.microsoft.com/office/drawing/2010/main">
+                <a14:hiddenFill xmlns:a14="http://schemas.microsoft.com/office/drawing/2010/main" xmlns="">
                   <a:solidFill>
                     <a:srgbClr val="FFFFFF"/>
                   </a:solidFill>
                 </a14:hiddenFill>
               </a:ext>
               <a:ext uri="{91240B29-F687-4F45-9708-019B960494DF}">
-                <a14:hiddenLine xmlns:a14="http://schemas.microsoft.com/office/drawing/2010/main" w="9525">
+                <a14:hiddenLine xmlns:a14="http://schemas.microsoft.com/office/drawing/2010/main" xmlns="" w="9525">
                   <a:solidFill>
                     <a:srgbClr val="000000"/>
                   </a:solidFill>
@@ -10752,7 +10975,7 @@
             </a:ln>
             <a:extLst>
               <a:ext uri="{91240B29-F687-4F45-9708-019B960494DF}">
-                <a14:hiddenLine xmlns:a14="http://schemas.microsoft.com/office/drawing/2010/main" w="25400" algn="ctr">
+                <a14:hiddenLine xmlns:a14="http://schemas.microsoft.com/office/drawing/2010/main" xmlns="" w="25400" algn="ctr">
                   <a:solidFill>
                     <a:srgbClr val="000000"/>
                   </a:solidFill>
@@ -10794,14 +11017,14 @@
             </a:ln>
             <a:extLst>
               <a:ext uri="{909E8E84-426E-40DD-AFC4-6F175D3DCCD1}">
-                <a14:hiddenFill xmlns:a14="http://schemas.microsoft.com/office/drawing/2010/main">
+                <a14:hiddenFill xmlns:a14="http://schemas.microsoft.com/office/drawing/2010/main" xmlns="">
                   <a:solidFill>
                     <a:srgbClr val="FFFFFF"/>
                   </a:solidFill>
                 </a14:hiddenFill>
               </a:ext>
               <a:ext uri="{91240B29-F687-4F45-9708-019B960494DF}">
-                <a14:hiddenLine xmlns:a14="http://schemas.microsoft.com/office/drawing/2010/main" w="9525">
+                <a14:hiddenLine xmlns:a14="http://schemas.microsoft.com/office/drawing/2010/main" xmlns="" w="9525">
                   <a:solidFill>
                     <a:srgbClr val="000000"/>
                   </a:solidFill>
@@ -10963,14 +11186,14 @@
           </a:ln>
           <a:extLst>
             <a:ext uri="{909E8E84-426E-40DD-AFC4-6F175D3DCCD1}">
-              <a14:hiddenFill xmlns:a14="http://schemas.microsoft.com/office/drawing/2010/main">
+              <a14:hiddenFill xmlns:a14="http://schemas.microsoft.com/office/drawing/2010/main" xmlns="">
                 <a:solidFill>
                   <a:srgbClr val="FFFFFF"/>
                 </a:solidFill>
               </a14:hiddenFill>
             </a:ext>
             <a:ext uri="{91240B29-F687-4F45-9708-019B960494DF}">
-              <a14:hiddenLine xmlns:a14="http://schemas.microsoft.com/office/drawing/2010/main" w="9525">
+              <a14:hiddenLine xmlns:a14="http://schemas.microsoft.com/office/drawing/2010/main" xmlns="" w="9525">
                 <a:solidFill>
                   <a:srgbClr val="000000"/>
                 </a:solidFill>
@@ -11133,7 +11356,7 @@
           </a:ln>
           <a:extLst>
             <a:ext uri="{91240B29-F687-4F45-9708-019B960494DF}">
-              <a14:hiddenLine xmlns:a14="http://schemas.microsoft.com/office/drawing/2010/main" w="25400" algn="ctr">
+              <a14:hiddenLine xmlns:a14="http://schemas.microsoft.com/office/drawing/2010/main" xmlns="" w="25400" algn="ctr">
                 <a:solidFill>
                   <a:srgbClr val="000000"/>
                 </a:solidFill>
@@ -11196,7 +11419,7 @@
             </a:ln>
             <a:extLst>
               <a:ext uri="{91240B29-F687-4F45-9708-019B960494DF}">
-                <a14:hiddenLine xmlns:a14="http://schemas.microsoft.com/office/drawing/2010/main" w="25400" algn="ctr">
+                <a14:hiddenLine xmlns:a14="http://schemas.microsoft.com/office/drawing/2010/main" xmlns="" w="25400" algn="ctr">
                   <a:solidFill>
                     <a:srgbClr val="000000"/>
                   </a:solidFill>
@@ -11238,14 +11461,14 @@
             </a:ln>
             <a:extLst>
               <a:ext uri="{909E8E84-426E-40DD-AFC4-6F175D3DCCD1}">
-                <a14:hiddenFill xmlns:a14="http://schemas.microsoft.com/office/drawing/2010/main">
+                <a14:hiddenFill xmlns:a14="http://schemas.microsoft.com/office/drawing/2010/main" xmlns="">
                   <a:solidFill>
                     <a:srgbClr val="FFFFFF"/>
                   </a:solidFill>
                 </a14:hiddenFill>
               </a:ext>
               <a:ext uri="{91240B29-F687-4F45-9708-019B960494DF}">
-                <a14:hiddenLine xmlns:a14="http://schemas.microsoft.com/office/drawing/2010/main" w="9525">
+                <a14:hiddenLine xmlns:a14="http://schemas.microsoft.com/office/drawing/2010/main" xmlns="" w="9525">
                   <a:solidFill>
                     <a:srgbClr val="000000"/>
                   </a:solidFill>
@@ -11409,7 +11632,7 @@
           </a:ln>
           <a:extLst>
             <a:ext uri="{91240B29-F687-4F45-9708-019B960494DF}">
-              <a14:hiddenLine xmlns:a14="http://schemas.microsoft.com/office/drawing/2010/main" w="25400" algn="ctr">
+              <a14:hiddenLine xmlns:a14="http://schemas.microsoft.com/office/drawing/2010/main" xmlns="" w="25400" algn="ctr">
                 <a:solidFill>
                   <a:srgbClr val="000000"/>
                 </a:solidFill>
@@ -11472,7 +11695,7 @@
             </a:ln>
             <a:extLst>
               <a:ext uri="{91240B29-F687-4F45-9708-019B960494DF}">
-                <a14:hiddenLine xmlns:a14="http://schemas.microsoft.com/office/drawing/2010/main" w="25400" algn="ctr">
+                <a14:hiddenLine xmlns:a14="http://schemas.microsoft.com/office/drawing/2010/main" xmlns="" w="25400" algn="ctr">
                   <a:solidFill>
                     <a:srgbClr val="000000"/>
                   </a:solidFill>
@@ -11514,14 +11737,14 @@
             </a:ln>
             <a:extLst>
               <a:ext uri="{909E8E84-426E-40DD-AFC4-6F175D3DCCD1}">
-                <a14:hiddenFill xmlns:a14="http://schemas.microsoft.com/office/drawing/2010/main">
+                <a14:hiddenFill xmlns:a14="http://schemas.microsoft.com/office/drawing/2010/main" xmlns="">
                   <a:solidFill>
                     <a:srgbClr val="FFFFFF"/>
                   </a:solidFill>
                 </a14:hiddenFill>
               </a:ext>
               <a:ext uri="{91240B29-F687-4F45-9708-019B960494DF}">
-                <a14:hiddenLine xmlns:a14="http://schemas.microsoft.com/office/drawing/2010/main" w="9525">
+                <a14:hiddenLine xmlns:a14="http://schemas.microsoft.com/office/drawing/2010/main" xmlns="" w="9525">
                   <a:solidFill>
                     <a:srgbClr val="000000"/>
                   </a:solidFill>
@@ -11704,7 +11927,7 @@
             </a:ln>
             <a:extLst>
               <a:ext uri="{91240B29-F687-4F45-9708-019B960494DF}">
-                <a14:hiddenLine xmlns:a14="http://schemas.microsoft.com/office/drawing/2010/main" w="25400" algn="ctr">
+                <a14:hiddenLine xmlns:a14="http://schemas.microsoft.com/office/drawing/2010/main" xmlns="" w="25400" algn="ctr">
                   <a:solidFill>
                     <a:srgbClr val="000000"/>
                   </a:solidFill>
@@ -11746,14 +11969,14 @@
             </a:ln>
             <a:extLst>
               <a:ext uri="{909E8E84-426E-40DD-AFC4-6F175D3DCCD1}">
-                <a14:hiddenFill xmlns:a14="http://schemas.microsoft.com/office/drawing/2010/main">
+                <a14:hiddenFill xmlns:a14="http://schemas.microsoft.com/office/drawing/2010/main" xmlns="">
                   <a:solidFill>
                     <a:srgbClr val="FFFFFF"/>
                   </a:solidFill>
                 </a14:hiddenFill>
               </a:ext>
               <a:ext uri="{91240B29-F687-4F45-9708-019B960494DF}">
-                <a14:hiddenLine xmlns:a14="http://schemas.microsoft.com/office/drawing/2010/main" w="9525">
+                <a14:hiddenLine xmlns:a14="http://schemas.microsoft.com/office/drawing/2010/main" xmlns="" w="9525">
                   <a:solidFill>
                     <a:srgbClr val="000000"/>
                   </a:solidFill>
@@ -11936,7 +12159,7 @@
             </a:ln>
             <a:extLst>
               <a:ext uri="{91240B29-F687-4F45-9708-019B960494DF}">
-                <a14:hiddenLine xmlns:a14="http://schemas.microsoft.com/office/drawing/2010/main" w="25400" algn="ctr">
+                <a14:hiddenLine xmlns:a14="http://schemas.microsoft.com/office/drawing/2010/main" xmlns="" w="25400" algn="ctr">
                   <a:solidFill>
                     <a:srgbClr val="000000"/>
                   </a:solidFill>
@@ -11978,14 +12201,14 @@
             </a:ln>
             <a:extLst>
               <a:ext uri="{909E8E84-426E-40DD-AFC4-6F175D3DCCD1}">
-                <a14:hiddenFill xmlns:a14="http://schemas.microsoft.com/office/drawing/2010/main">
+                <a14:hiddenFill xmlns:a14="http://schemas.microsoft.com/office/drawing/2010/main" xmlns="">
                   <a:solidFill>
                     <a:srgbClr val="FFFFFF"/>
                   </a:solidFill>
                 </a14:hiddenFill>
               </a:ext>
               <a:ext uri="{91240B29-F687-4F45-9708-019B960494DF}">
-                <a14:hiddenLine xmlns:a14="http://schemas.microsoft.com/office/drawing/2010/main" w="9525">
+                <a14:hiddenLine xmlns:a14="http://schemas.microsoft.com/office/drawing/2010/main" xmlns="" w="9525">
                   <a:solidFill>
                     <a:srgbClr val="000000"/>
                   </a:solidFill>
@@ -12149,7 +12372,7 @@
           </a:ln>
           <a:extLst>
             <a:ext uri="{91240B29-F687-4F45-9708-019B960494DF}">
-              <a14:hiddenLine xmlns:a14="http://schemas.microsoft.com/office/drawing/2010/main" w="25400" algn="ctr">
+              <a14:hiddenLine xmlns:a14="http://schemas.microsoft.com/office/drawing/2010/main" xmlns="" w="25400" algn="ctr">
                 <a:solidFill>
                   <a:srgbClr val="000000"/>
                 </a:solidFill>
@@ -12212,7 +12435,7 @@
             </a:ln>
             <a:extLst>
               <a:ext uri="{91240B29-F687-4F45-9708-019B960494DF}">
-                <a14:hiddenLine xmlns:a14="http://schemas.microsoft.com/office/drawing/2010/main" w="25400" algn="ctr">
+                <a14:hiddenLine xmlns:a14="http://schemas.microsoft.com/office/drawing/2010/main" xmlns="" w="25400" algn="ctr">
                   <a:solidFill>
                     <a:srgbClr val="000000"/>
                   </a:solidFill>
@@ -12254,14 +12477,14 @@
             </a:ln>
             <a:extLst>
               <a:ext uri="{909E8E84-426E-40DD-AFC4-6F175D3DCCD1}">
-                <a14:hiddenFill xmlns:a14="http://schemas.microsoft.com/office/drawing/2010/main">
+                <a14:hiddenFill xmlns:a14="http://schemas.microsoft.com/office/drawing/2010/main" xmlns="">
                   <a:solidFill>
                     <a:srgbClr val="FFFFFF"/>
                   </a:solidFill>
                 </a14:hiddenFill>
               </a:ext>
               <a:ext uri="{91240B29-F687-4F45-9708-019B960494DF}">
-                <a14:hiddenLine xmlns:a14="http://schemas.microsoft.com/office/drawing/2010/main" w="9525">
+                <a14:hiddenLine xmlns:a14="http://schemas.microsoft.com/office/drawing/2010/main" xmlns="" w="9525">
                   <a:solidFill>
                     <a:srgbClr val="000000"/>
                   </a:solidFill>
@@ -12439,14 +12662,14 @@
             </a:ln>
             <a:extLst>
               <a:ext uri="{909E8E84-426E-40DD-AFC4-6F175D3DCCD1}">
-                <a14:hiddenFill xmlns:a14="http://schemas.microsoft.com/office/drawing/2010/main">
+                <a14:hiddenFill xmlns:a14="http://schemas.microsoft.com/office/drawing/2010/main" xmlns="">
                   <a:solidFill>
                     <a:srgbClr val="FFFFFF"/>
                   </a:solidFill>
                 </a14:hiddenFill>
               </a:ext>
               <a:ext uri="{91240B29-F687-4F45-9708-019B960494DF}">
-                <a14:hiddenLine xmlns:a14="http://schemas.microsoft.com/office/drawing/2010/main" w="9525">
+                <a14:hiddenLine xmlns:a14="http://schemas.microsoft.com/office/drawing/2010/main" xmlns="" w="9525">
                   <a:solidFill>
                     <a:srgbClr val="000000"/>
                   </a:solidFill>
@@ -12612,7 +12835,7 @@
             </a:ln>
             <a:extLst>
               <a:ext uri="{91240B29-F687-4F45-9708-019B960494DF}">
-                <a14:hiddenLine xmlns:a14="http://schemas.microsoft.com/office/drawing/2010/main" w="25400" algn="ctr">
+                <a14:hiddenLine xmlns:a14="http://schemas.microsoft.com/office/drawing/2010/main" xmlns="" w="25400" algn="ctr">
                   <a:solidFill>
                     <a:srgbClr val="000000"/>
                   </a:solidFill>
@@ -12676,7 +12899,7 @@
             </a:ln>
             <a:extLst>
               <a:ext uri="{91240B29-F687-4F45-9708-019B960494DF}">
-                <a14:hiddenLine xmlns:a14="http://schemas.microsoft.com/office/drawing/2010/main" w="25400" algn="ctr">
+                <a14:hiddenLine xmlns:a14="http://schemas.microsoft.com/office/drawing/2010/main" xmlns="" w="25400" algn="ctr">
                   <a:solidFill>
                     <a:srgbClr val="000000"/>
                   </a:solidFill>
@@ -12718,14 +12941,14 @@
             </a:ln>
             <a:extLst>
               <a:ext uri="{909E8E84-426E-40DD-AFC4-6F175D3DCCD1}">
-                <a14:hiddenFill xmlns:a14="http://schemas.microsoft.com/office/drawing/2010/main">
+                <a14:hiddenFill xmlns:a14="http://schemas.microsoft.com/office/drawing/2010/main" xmlns="">
                   <a:solidFill>
                     <a:srgbClr val="FFFFFF"/>
                   </a:solidFill>
                 </a14:hiddenFill>
               </a:ext>
               <a:ext uri="{91240B29-F687-4F45-9708-019B960494DF}">
-                <a14:hiddenLine xmlns:a14="http://schemas.microsoft.com/office/drawing/2010/main" w="9525">
+                <a14:hiddenLine xmlns:a14="http://schemas.microsoft.com/office/drawing/2010/main" xmlns="" w="9525">
                   <a:solidFill>
                     <a:srgbClr val="000000"/>
                   </a:solidFill>
@@ -13109,7 +13332,7 @@
             <a:effectLst/>
             <a:extLst>
               <a:ext uri="{AF507438-7753-43E0-B8FC-AC1667EBCBE1}">
-                <a14:hiddenEffects xmlns:a14="http://schemas.microsoft.com/office/drawing/2010/main">
+                <a14:hiddenEffects xmlns:a14="http://schemas.microsoft.com/office/drawing/2010/main" xmlns="">
                   <a:effectLst>
                     <a:outerShdw blurRad="63500" dist="38099" dir="2700000" algn="ctr" rotWithShape="0">
                       <a:schemeClr val="bg2">
@@ -13200,7 +13423,7 @@
             <a:effectLst/>
             <a:extLst>
               <a:ext uri="{AF507438-7753-43E0-B8FC-AC1667EBCBE1}">
-                <a14:hiddenEffects xmlns:a14="http://schemas.microsoft.com/office/drawing/2010/main">
+                <a14:hiddenEffects xmlns:a14="http://schemas.microsoft.com/office/drawing/2010/main" xmlns="">
                   <a:effectLst>
                     <a:outerShdw blurRad="63500" dist="38099" dir="2700000" algn="ctr" rotWithShape="0">
                       <a:schemeClr val="bg2">
@@ -13291,7 +13514,7 @@
             <a:effectLst/>
             <a:extLst>
               <a:ext uri="{AF507438-7753-43E0-B8FC-AC1667EBCBE1}">
-                <a14:hiddenEffects xmlns:a14="http://schemas.microsoft.com/office/drawing/2010/main">
+                <a14:hiddenEffects xmlns:a14="http://schemas.microsoft.com/office/drawing/2010/main" xmlns="">
                   <a:effectLst>
                     <a:outerShdw blurRad="63500" dist="38099" dir="2700000" algn="ctr" rotWithShape="0">
                       <a:schemeClr val="bg2">
@@ -13375,7 +13598,7 @@
             <a:effectLst/>
             <a:extLst>
               <a:ext uri="{AF507438-7753-43E0-B8FC-AC1667EBCBE1}">
-                <a14:hiddenEffects xmlns:a14="http://schemas.microsoft.com/office/drawing/2010/main">
+                <a14:hiddenEffects xmlns:a14="http://schemas.microsoft.com/office/drawing/2010/main" xmlns="">
                   <a:effectLst>
                     <a:outerShdw blurRad="63500" dist="38099" dir="2700000" algn="ctr" rotWithShape="0">
                       <a:schemeClr val="bg2">
@@ -13459,7 +13682,7 @@
             <a:effectLst/>
             <a:extLst>
               <a:ext uri="{AF507438-7753-43E0-B8FC-AC1667EBCBE1}">
-                <a14:hiddenEffects xmlns:a14="http://schemas.microsoft.com/office/drawing/2010/main">
+                <a14:hiddenEffects xmlns:a14="http://schemas.microsoft.com/office/drawing/2010/main" xmlns="">
                   <a:effectLst>
                     <a:outerShdw blurRad="63500" dist="38099" dir="2700000" algn="ctr" rotWithShape="0">
                       <a:schemeClr val="bg2">
@@ -13543,7 +13766,7 @@
             <a:effectLst/>
             <a:extLst>
               <a:ext uri="{AF507438-7753-43E0-B8FC-AC1667EBCBE1}">
-                <a14:hiddenEffects xmlns:a14="http://schemas.microsoft.com/office/drawing/2010/main">
+                <a14:hiddenEffects xmlns:a14="http://schemas.microsoft.com/office/drawing/2010/main" xmlns="">
                   <a:effectLst>
                     <a:outerShdw blurRad="63500" dist="38099" dir="2700000" algn="ctr" rotWithShape="0">
                       <a:schemeClr val="bg2">
@@ -13581,7 +13804,7 @@
           </a:ln>
           <a:extLst>
             <a:ext uri="{91240B29-F687-4F45-9708-019B960494DF}">
-              <a14:hiddenLine xmlns:a14="http://schemas.microsoft.com/office/drawing/2010/main" w="25400" algn="ctr">
+              <a14:hiddenLine xmlns:a14="http://schemas.microsoft.com/office/drawing/2010/main" xmlns="" w="25400" algn="ctr">
                 <a:solidFill>
                   <a:srgbClr val="000000"/>
                 </a:solidFill>
@@ -13628,7 +13851,7 @@
           </a:ln>
           <a:extLst>
             <a:ext uri="{91240B29-F687-4F45-9708-019B960494DF}">
-              <a14:hiddenLine xmlns:a14="http://schemas.microsoft.com/office/drawing/2010/main" w="25400" algn="ctr">
+              <a14:hiddenLine xmlns:a14="http://schemas.microsoft.com/office/drawing/2010/main" xmlns="" w="25400" algn="ctr">
                 <a:solidFill>
                   <a:srgbClr val="000000"/>
                 </a:solidFill>
@@ -13670,14 +13893,14 @@
           </a:ln>
           <a:extLst>
             <a:ext uri="{909E8E84-426E-40DD-AFC4-6F175D3DCCD1}">
-              <a14:hiddenFill xmlns:a14="http://schemas.microsoft.com/office/drawing/2010/main">
+              <a14:hiddenFill xmlns:a14="http://schemas.microsoft.com/office/drawing/2010/main" xmlns="">
                 <a:solidFill>
                   <a:srgbClr val="FFFFFF"/>
                 </a:solidFill>
               </a14:hiddenFill>
             </a:ext>
             <a:ext uri="{91240B29-F687-4F45-9708-019B960494DF}">
-              <a14:hiddenLine xmlns:a14="http://schemas.microsoft.com/office/drawing/2010/main" w="9525">
+              <a14:hiddenLine xmlns:a14="http://schemas.microsoft.com/office/drawing/2010/main" xmlns="" w="9525">
                 <a:solidFill>
                   <a:srgbClr val="000000"/>
                 </a:solidFill>
@@ -13844,7 +14067,7 @@
           </a:ln>
           <a:extLst>
             <a:ext uri="{91240B29-F687-4F45-9708-019B960494DF}">
-              <a14:hiddenLine xmlns:a14="http://schemas.microsoft.com/office/drawing/2010/main" w="9525">
+              <a14:hiddenLine xmlns:a14="http://schemas.microsoft.com/office/drawing/2010/main" xmlns="" w="9525">
                 <a:solidFill>
                   <a:srgbClr val="000000"/>
                 </a:solidFill>
@@ -13886,14 +14109,14 @@
           </a:ln>
           <a:extLst>
             <a:ext uri="{909E8E84-426E-40DD-AFC4-6F175D3DCCD1}">
-              <a14:hiddenFill xmlns:a14="http://schemas.microsoft.com/office/drawing/2010/main">
+              <a14:hiddenFill xmlns:a14="http://schemas.microsoft.com/office/drawing/2010/main" xmlns="">
                 <a:solidFill>
                   <a:srgbClr val="FFFFFF"/>
                 </a:solidFill>
               </a14:hiddenFill>
             </a:ext>
             <a:ext uri="{91240B29-F687-4F45-9708-019B960494DF}">
-              <a14:hiddenLine xmlns:a14="http://schemas.microsoft.com/office/drawing/2010/main" w="9525">
+              <a14:hiddenLine xmlns:a14="http://schemas.microsoft.com/office/drawing/2010/main" xmlns="" w="9525">
                 <a:solidFill>
                   <a:srgbClr val="000000"/>
                 </a:solidFill>
@@ -14056,7 +14279,7 @@
           </a:ln>
           <a:extLst>
             <a:ext uri="{91240B29-F687-4F45-9708-019B960494DF}">
-              <a14:hiddenLine xmlns:a14="http://schemas.microsoft.com/office/drawing/2010/main" w="25400" algn="ctr">
+              <a14:hiddenLine xmlns:a14="http://schemas.microsoft.com/office/drawing/2010/main" xmlns="" w="25400" algn="ctr">
                 <a:solidFill>
                   <a:srgbClr val="000000"/>
                 </a:solidFill>
@@ -14100,7 +14323,7 @@
           </a:ln>
           <a:extLst>
             <a:ext uri="{91240B29-F687-4F45-9708-019B960494DF}">
-              <a14:hiddenLine xmlns:a14="http://schemas.microsoft.com/office/drawing/2010/main" w="25400" algn="ctr">
+              <a14:hiddenLine xmlns:a14="http://schemas.microsoft.com/office/drawing/2010/main" xmlns="" w="25400" algn="ctr">
                 <a:solidFill>
                   <a:srgbClr val="000000"/>
                 </a:solidFill>
@@ -14147,7 +14370,7 @@
           </a:ln>
           <a:extLst>
             <a:ext uri="{91240B29-F687-4F45-9708-019B960494DF}">
-              <a14:hiddenLine xmlns:a14="http://schemas.microsoft.com/office/drawing/2010/main" w="9525">
+              <a14:hiddenLine xmlns:a14="http://schemas.microsoft.com/office/drawing/2010/main" xmlns="" w="9525">
                 <a:solidFill>
                   <a:srgbClr val="000000"/>
                 </a:solidFill>
@@ -14189,14 +14412,14 @@
           </a:ln>
           <a:extLst>
             <a:ext uri="{909E8E84-426E-40DD-AFC4-6F175D3DCCD1}">
-              <a14:hiddenFill xmlns:a14="http://schemas.microsoft.com/office/drawing/2010/main">
+              <a14:hiddenFill xmlns:a14="http://schemas.microsoft.com/office/drawing/2010/main" xmlns="">
                 <a:solidFill>
                   <a:srgbClr val="FFFFFF"/>
                 </a:solidFill>
               </a14:hiddenFill>
             </a:ext>
             <a:ext uri="{91240B29-F687-4F45-9708-019B960494DF}">
-              <a14:hiddenLine xmlns:a14="http://schemas.microsoft.com/office/drawing/2010/main" w="9525">
+              <a14:hiddenLine xmlns:a14="http://schemas.microsoft.com/office/drawing/2010/main" xmlns="" w="9525">
                 <a:solidFill>
                   <a:srgbClr val="000000"/>
                 </a:solidFill>
@@ -14359,7 +14582,7 @@
           </a:ln>
           <a:extLst>
             <a:ext uri="{91240B29-F687-4F45-9708-019B960494DF}">
-              <a14:hiddenLine xmlns:a14="http://schemas.microsoft.com/office/drawing/2010/main" w="25400" algn="ctr">
+              <a14:hiddenLine xmlns:a14="http://schemas.microsoft.com/office/drawing/2010/main" xmlns="" w="25400" algn="ctr">
                 <a:solidFill>
                   <a:srgbClr val="000000"/>
                 </a:solidFill>
@@ -14406,7 +14629,7 @@
           </a:ln>
           <a:extLst>
             <a:ext uri="{91240B29-F687-4F45-9708-019B960494DF}">
-              <a14:hiddenLine xmlns:a14="http://schemas.microsoft.com/office/drawing/2010/main" w="25400" algn="ctr">
+              <a14:hiddenLine xmlns:a14="http://schemas.microsoft.com/office/drawing/2010/main" xmlns="" w="25400" algn="ctr">
                 <a:solidFill>
                   <a:srgbClr val="000000"/>
                 </a:solidFill>
@@ -14448,14 +14671,14 @@
           </a:ln>
           <a:extLst>
             <a:ext uri="{909E8E84-426E-40DD-AFC4-6F175D3DCCD1}">
-              <a14:hiddenFill xmlns:a14="http://schemas.microsoft.com/office/drawing/2010/main">
+              <a14:hiddenFill xmlns:a14="http://schemas.microsoft.com/office/drawing/2010/main" xmlns="">
                 <a:solidFill>
                   <a:srgbClr val="FFFFFF"/>
                 </a:solidFill>
               </a14:hiddenFill>
             </a:ext>
             <a:ext uri="{91240B29-F687-4F45-9708-019B960494DF}">
-              <a14:hiddenLine xmlns:a14="http://schemas.microsoft.com/office/drawing/2010/main" w="9525">
+              <a14:hiddenLine xmlns:a14="http://schemas.microsoft.com/office/drawing/2010/main" xmlns="" w="9525">
                 <a:solidFill>
                   <a:srgbClr val="000000"/>
                 </a:solidFill>
@@ -14619,7 +14842,7 @@
           </a:ln>
           <a:extLst>
             <a:ext uri="{91240B29-F687-4F45-9708-019B960494DF}">
-              <a14:hiddenLine xmlns:a14="http://schemas.microsoft.com/office/drawing/2010/main" w="25400" algn="ctr">
+              <a14:hiddenLine xmlns:a14="http://schemas.microsoft.com/office/drawing/2010/main" xmlns="" w="25400" algn="ctr">
                 <a:solidFill>
                   <a:srgbClr val="000000"/>
                 </a:solidFill>
@@ -14666,7 +14889,7 @@
           </a:ln>
           <a:extLst>
             <a:ext uri="{91240B29-F687-4F45-9708-019B960494DF}">
-              <a14:hiddenLine xmlns:a14="http://schemas.microsoft.com/office/drawing/2010/main" w="9525">
+              <a14:hiddenLine xmlns:a14="http://schemas.microsoft.com/office/drawing/2010/main" xmlns="" w="9525">
                 <a:solidFill>
                   <a:srgbClr val="000000"/>
                 </a:solidFill>
@@ -14708,14 +14931,14 @@
           </a:ln>
           <a:extLst>
             <a:ext uri="{909E8E84-426E-40DD-AFC4-6F175D3DCCD1}">
-              <a14:hiddenFill xmlns:a14="http://schemas.microsoft.com/office/drawing/2010/main">
+              <a14:hiddenFill xmlns:a14="http://schemas.microsoft.com/office/drawing/2010/main" xmlns="">
                 <a:solidFill>
                   <a:srgbClr val="FFFFFF"/>
                 </a:solidFill>
               </a14:hiddenFill>
             </a:ext>
             <a:ext uri="{91240B29-F687-4F45-9708-019B960494DF}">
-              <a14:hiddenLine xmlns:a14="http://schemas.microsoft.com/office/drawing/2010/main" w="9525">
+              <a14:hiddenLine xmlns:a14="http://schemas.microsoft.com/office/drawing/2010/main" xmlns="" w="9525">
                 <a:solidFill>
                   <a:srgbClr val="000000"/>
                 </a:solidFill>
@@ -14878,7 +15101,7 @@
           </a:ln>
           <a:extLst>
             <a:ext uri="{91240B29-F687-4F45-9708-019B960494DF}">
-              <a14:hiddenLine xmlns:a14="http://schemas.microsoft.com/office/drawing/2010/main" w="25400" algn="ctr">
+              <a14:hiddenLine xmlns:a14="http://schemas.microsoft.com/office/drawing/2010/main" xmlns="" w="25400" algn="ctr">
                 <a:solidFill>
                   <a:srgbClr val="000000"/>
                 </a:solidFill>
@@ -14922,7 +15145,7 @@
           </a:ln>
           <a:extLst>
             <a:ext uri="{91240B29-F687-4F45-9708-019B960494DF}">
-              <a14:hiddenLine xmlns:a14="http://schemas.microsoft.com/office/drawing/2010/main" w="25400" algn="ctr">
+              <a14:hiddenLine xmlns:a14="http://schemas.microsoft.com/office/drawing/2010/main" xmlns="" w="25400" algn="ctr">
                 <a:solidFill>
                   <a:srgbClr val="000000"/>
                 </a:solidFill>
@@ -14964,14 +15187,14 @@
           </a:ln>
           <a:extLst>
             <a:ext uri="{909E8E84-426E-40DD-AFC4-6F175D3DCCD1}">
-              <a14:hiddenFill xmlns:a14="http://schemas.microsoft.com/office/drawing/2010/main">
+              <a14:hiddenFill xmlns:a14="http://schemas.microsoft.com/office/drawing/2010/main" xmlns="">
                 <a:solidFill>
                   <a:srgbClr val="FFFFFF"/>
                 </a:solidFill>
               </a14:hiddenFill>
             </a:ext>
             <a:ext uri="{91240B29-F687-4F45-9708-019B960494DF}">
-              <a14:hiddenLine xmlns:a14="http://schemas.microsoft.com/office/drawing/2010/main" w="9525">
+              <a14:hiddenLine xmlns:a14="http://schemas.microsoft.com/office/drawing/2010/main" xmlns="" w="9525">
                 <a:solidFill>
                   <a:srgbClr val="000000"/>
                 </a:solidFill>
@@ -15134,7 +15357,7 @@
           </a:ln>
           <a:extLst>
             <a:ext uri="{91240B29-F687-4F45-9708-019B960494DF}">
-              <a14:hiddenLine xmlns:a14="http://schemas.microsoft.com/office/drawing/2010/main" w="25400" algn="ctr">
+              <a14:hiddenLine xmlns:a14="http://schemas.microsoft.com/office/drawing/2010/main" xmlns="" w="25400" algn="ctr">
                 <a:solidFill>
                   <a:srgbClr val="000000"/>
                 </a:solidFill>
@@ -15176,14 +15399,14 @@
           </a:ln>
           <a:extLst>
             <a:ext uri="{909E8E84-426E-40DD-AFC4-6F175D3DCCD1}">
-              <a14:hiddenFill xmlns:a14="http://schemas.microsoft.com/office/drawing/2010/main">
+              <a14:hiddenFill xmlns:a14="http://schemas.microsoft.com/office/drawing/2010/main" xmlns="">
                 <a:solidFill>
                   <a:srgbClr val="FFFFFF"/>
                 </a:solidFill>
               </a14:hiddenFill>
             </a:ext>
             <a:ext uri="{91240B29-F687-4F45-9708-019B960494DF}">
-              <a14:hiddenLine xmlns:a14="http://schemas.microsoft.com/office/drawing/2010/main" w="9525">
+              <a14:hiddenLine xmlns:a14="http://schemas.microsoft.com/office/drawing/2010/main" xmlns="" w="9525">
                 <a:solidFill>
                   <a:srgbClr val="000000"/>
                 </a:solidFill>
@@ -15347,7 +15570,7 @@
           </a:ln>
           <a:extLst>
             <a:ext uri="{91240B29-F687-4F45-9708-019B960494DF}">
-              <a14:hiddenLine xmlns:a14="http://schemas.microsoft.com/office/drawing/2010/main" w="25400" algn="ctr">
+              <a14:hiddenLine xmlns:a14="http://schemas.microsoft.com/office/drawing/2010/main" xmlns="" w="25400" algn="ctr">
                 <a:solidFill>
                   <a:srgbClr val="000000"/>
                 </a:solidFill>
@@ -15389,14 +15612,14 @@
           </a:ln>
           <a:extLst>
             <a:ext uri="{909E8E84-426E-40DD-AFC4-6F175D3DCCD1}">
-              <a14:hiddenFill xmlns:a14="http://schemas.microsoft.com/office/drawing/2010/main">
+              <a14:hiddenFill xmlns:a14="http://schemas.microsoft.com/office/drawing/2010/main" xmlns="">
                 <a:solidFill>
                   <a:srgbClr val="FFFFFF"/>
                 </a:solidFill>
               </a14:hiddenFill>
             </a:ext>
             <a:ext uri="{91240B29-F687-4F45-9708-019B960494DF}">
-              <a14:hiddenLine xmlns:a14="http://schemas.microsoft.com/office/drawing/2010/main" w="9525">
+              <a14:hiddenLine xmlns:a14="http://schemas.microsoft.com/office/drawing/2010/main" xmlns="" w="9525">
                 <a:solidFill>
                   <a:srgbClr val="000000"/>
                 </a:solidFill>
@@ -15562,7 +15785,7 @@
           </a:ln>
           <a:extLst>
             <a:ext uri="{91240B29-F687-4F45-9708-019B960494DF}">
-              <a14:hiddenLine xmlns:a14="http://schemas.microsoft.com/office/drawing/2010/main" w="9525">
+              <a14:hiddenLine xmlns:a14="http://schemas.microsoft.com/office/drawing/2010/main" xmlns="" w="9525">
                 <a:solidFill>
                   <a:srgbClr val="000000"/>
                 </a:solidFill>
@@ -15606,7 +15829,7 @@
           </a:ln>
           <a:extLst>
             <a:ext uri="{91240B29-F687-4F45-9708-019B960494DF}">
-              <a14:hiddenLine xmlns:a14="http://schemas.microsoft.com/office/drawing/2010/main" w="25400" algn="ctr">
+              <a14:hiddenLine xmlns:a14="http://schemas.microsoft.com/office/drawing/2010/main" xmlns="" w="25400" algn="ctr">
                 <a:solidFill>
                   <a:srgbClr val="000000"/>
                 </a:solidFill>
@@ -15648,14 +15871,14 @@
           </a:ln>
           <a:extLst>
             <a:ext uri="{909E8E84-426E-40DD-AFC4-6F175D3DCCD1}">
-              <a14:hiddenFill xmlns:a14="http://schemas.microsoft.com/office/drawing/2010/main">
+              <a14:hiddenFill xmlns:a14="http://schemas.microsoft.com/office/drawing/2010/main" xmlns="">
                 <a:solidFill>
                   <a:srgbClr val="FFFFFF"/>
                 </a:solidFill>
               </a14:hiddenFill>
             </a:ext>
             <a:ext uri="{91240B29-F687-4F45-9708-019B960494DF}">
-              <a14:hiddenLine xmlns:a14="http://schemas.microsoft.com/office/drawing/2010/main" w="9525">
+              <a14:hiddenLine xmlns:a14="http://schemas.microsoft.com/office/drawing/2010/main" xmlns="" w="9525">
                 <a:solidFill>
                   <a:srgbClr val="000000"/>
                 </a:solidFill>
@@ -15842,7 +16065,7 @@
             </a:ln>
             <a:extLst>
               <a:ext uri="{91240B29-F687-4F45-9708-019B960494DF}">
-                <a14:hiddenLine xmlns:a14="http://schemas.microsoft.com/office/drawing/2010/main" w="9525">
+                <a14:hiddenLine xmlns:a14="http://schemas.microsoft.com/office/drawing/2010/main" xmlns="" w="9525">
                   <a:solidFill>
                     <a:srgbClr val="000000"/>
                   </a:solidFill>
@@ -15889,7 +16112,7 @@
             </a:ln>
             <a:extLst>
               <a:ext uri="{91240B29-F687-4F45-9708-019B960494DF}">
-                <a14:hiddenLine xmlns:a14="http://schemas.microsoft.com/office/drawing/2010/main" w="9525">
+                <a14:hiddenLine xmlns:a14="http://schemas.microsoft.com/office/drawing/2010/main" xmlns="" w="9525">
                   <a:solidFill>
                     <a:srgbClr val="000000"/>
                   </a:solidFill>
@@ -15958,7 +16181,7 @@
             </a:ln>
             <a:extLst>
               <a:ext uri="{91240B29-F687-4F45-9708-019B960494DF}">
-                <a14:hiddenLine xmlns:a14="http://schemas.microsoft.com/office/drawing/2010/main" w="9525">
+                <a14:hiddenLine xmlns:a14="http://schemas.microsoft.com/office/drawing/2010/main" xmlns="" w="9525">
                   <a:solidFill>
                     <a:srgbClr val="000000"/>
                   </a:solidFill>
@@ -16005,7 +16228,7 @@
             </a:ln>
             <a:extLst>
               <a:ext uri="{91240B29-F687-4F45-9708-019B960494DF}">
-                <a14:hiddenLine xmlns:a14="http://schemas.microsoft.com/office/drawing/2010/main" w="9525">
+                <a14:hiddenLine xmlns:a14="http://schemas.microsoft.com/office/drawing/2010/main" xmlns="" w="9525">
                   <a:solidFill>
                     <a:srgbClr val="000000"/>
                   </a:solidFill>
@@ -16074,7 +16297,7 @@
             </a:ln>
             <a:extLst>
               <a:ext uri="{91240B29-F687-4F45-9708-019B960494DF}">
-                <a14:hiddenLine xmlns:a14="http://schemas.microsoft.com/office/drawing/2010/main" w="9525">
+                <a14:hiddenLine xmlns:a14="http://schemas.microsoft.com/office/drawing/2010/main" xmlns="" w="9525">
                   <a:solidFill>
                     <a:srgbClr val="000000"/>
                   </a:solidFill>
@@ -16121,7 +16344,7 @@
             </a:ln>
             <a:extLst>
               <a:ext uri="{91240B29-F687-4F45-9708-019B960494DF}">
-                <a14:hiddenLine xmlns:a14="http://schemas.microsoft.com/office/drawing/2010/main" w="25400" algn="ctr">
+                <a14:hiddenLine xmlns:a14="http://schemas.microsoft.com/office/drawing/2010/main" xmlns="" w="25400" algn="ctr">
                   <a:solidFill>
                     <a:srgbClr val="000000"/>
                   </a:solidFill>
@@ -16247,7 +16470,7 @@
           <a:effectLst/>
           <a:extLst>
             <a:ext uri="{AF507438-7753-43E0-B8FC-AC1667EBCBE1}">
-              <a14:hiddenEffects xmlns:a14="http://schemas.microsoft.com/office/drawing/2010/main">
+              <a14:hiddenEffects xmlns:a14="http://schemas.microsoft.com/office/drawing/2010/main" xmlns="">
                 <a:effectLst>
                   <a:outerShdw blurRad="63500" dist="38099" dir="2700000" algn="ctr" rotWithShape="0">
                     <a:schemeClr val="bg2">
@@ -16458,7 +16681,7 @@
             <a:effectLst/>
             <a:extLst>
               <a:ext uri="{AF507438-7753-43E0-B8FC-AC1667EBCBE1}">
-                <a14:hiddenEffects xmlns:a14="http://schemas.microsoft.com/office/drawing/2010/main">
+                <a14:hiddenEffects xmlns:a14="http://schemas.microsoft.com/office/drawing/2010/main" xmlns="">
                   <a:effectLst>
                     <a:outerShdw blurRad="63500" dist="38099" dir="2700000" algn="ctr" rotWithShape="0">
                       <a:schemeClr val="bg2">
@@ -16503,7 +16726,7 @@
             <a:effectLst/>
             <a:extLst>
               <a:ext uri="{AF507438-7753-43E0-B8FC-AC1667EBCBE1}">
-                <a14:hiddenEffects xmlns:a14="http://schemas.microsoft.com/office/drawing/2010/main">
+                <a14:hiddenEffects xmlns:a14="http://schemas.microsoft.com/office/drawing/2010/main" xmlns="">
                   <a:effectLst>
                     <a:outerShdw blurRad="63500" dist="38099" dir="2700000" algn="ctr" rotWithShape="0">
                       <a:schemeClr val="bg2">
@@ -16784,7 +17007,7 @@
             <a:effectLst/>
             <a:extLst>
               <a:ext uri="{AF507438-7753-43E0-B8FC-AC1667EBCBE1}">
-                <a14:hiddenEffects xmlns:a14="http://schemas.microsoft.com/office/drawing/2010/main">
+                <a14:hiddenEffects xmlns:a14="http://schemas.microsoft.com/office/drawing/2010/main" xmlns="">
                   <a:effectLst>
                     <a:outerShdw blurRad="63500" dist="38099" dir="2700000" algn="ctr" rotWithShape="0">
                       <a:schemeClr val="bg2">
@@ -16829,7 +17052,7 @@
             <a:effectLst/>
             <a:extLst>
               <a:ext uri="{AF507438-7753-43E0-B8FC-AC1667EBCBE1}">
-                <a14:hiddenEffects xmlns:a14="http://schemas.microsoft.com/office/drawing/2010/main">
+                <a14:hiddenEffects xmlns:a14="http://schemas.microsoft.com/office/drawing/2010/main" xmlns="">
                   <a:effectLst>
                     <a:outerShdw blurRad="63500" dist="38099" dir="2700000" algn="ctr" rotWithShape="0">
                       <a:schemeClr val="bg2">
@@ -17110,7 +17333,7 @@
             <a:effectLst/>
             <a:extLst>
               <a:ext uri="{AF507438-7753-43E0-B8FC-AC1667EBCBE1}">
-                <a14:hiddenEffects xmlns:a14="http://schemas.microsoft.com/office/drawing/2010/main">
+                <a14:hiddenEffects xmlns:a14="http://schemas.microsoft.com/office/drawing/2010/main" xmlns="">
                   <a:effectLst>
                     <a:outerShdw blurRad="63500" dist="38099" dir="2700000" algn="ctr" rotWithShape="0">
                       <a:schemeClr val="bg2">
@@ -17155,7 +17378,7 @@
             <a:effectLst/>
             <a:extLst>
               <a:ext uri="{AF507438-7753-43E0-B8FC-AC1667EBCBE1}">
-                <a14:hiddenEffects xmlns:a14="http://schemas.microsoft.com/office/drawing/2010/main">
+                <a14:hiddenEffects xmlns:a14="http://schemas.microsoft.com/office/drawing/2010/main" xmlns="">
                   <a:effectLst>
                     <a:outerShdw blurRad="63500" dist="38099" dir="2700000" algn="ctr" rotWithShape="0">
                       <a:schemeClr val="bg2">
@@ -17374,7 +17597,7 @@
           <a:effectLst/>
           <a:extLst>
             <a:ext uri="{AF507438-7753-43E0-B8FC-AC1667EBCBE1}">
-              <a14:hiddenEffects xmlns:a14="http://schemas.microsoft.com/office/drawing/2010/main">
+              <a14:hiddenEffects xmlns:a14="http://schemas.microsoft.com/office/drawing/2010/main" xmlns="">
                 <a:effectLst>
                   <a:outerShdw blurRad="63500" dist="38099" dir="2700000" algn="ctr" rotWithShape="0">
                     <a:schemeClr val="bg2">
@@ -17419,7 +17642,7 @@
           <a:effectLst/>
           <a:extLst>
             <a:ext uri="{AF507438-7753-43E0-B8FC-AC1667EBCBE1}">
-              <a14:hiddenEffects xmlns:a14="http://schemas.microsoft.com/office/drawing/2010/main">
+              <a14:hiddenEffects xmlns:a14="http://schemas.microsoft.com/office/drawing/2010/main" xmlns="">
                 <a:effectLst>
                   <a:outerShdw blurRad="63500" dist="38099" dir="2700000" algn="ctr" rotWithShape="0">
                     <a:schemeClr val="bg2">
@@ -17464,7 +17687,7 @@
           <a:effectLst/>
           <a:extLst>
             <a:ext uri="{AF507438-7753-43E0-B8FC-AC1667EBCBE1}">
-              <a14:hiddenEffects xmlns:a14="http://schemas.microsoft.com/office/drawing/2010/main">
+              <a14:hiddenEffects xmlns:a14="http://schemas.microsoft.com/office/drawing/2010/main" xmlns="">
                 <a:effectLst>
                   <a:outerShdw blurRad="63500" dist="38099" dir="2700000" algn="ctr" rotWithShape="0">
                     <a:schemeClr val="bg2">
@@ -17477,10 +17700,42 @@
           </a:extLst>
         </p:spPr>
       </p:cxnSp>
+      <p:sp>
+        <p:nvSpPr>
+          <p:cNvPr id="26" name="Titolo 1"/>
+          <p:cNvSpPr>
+            <a:spLocks noGrp="1"/>
+          </p:cNvSpPr>
+          <p:nvPr>
+            <p:ph type="title"/>
+          </p:nvPr>
+        </p:nvSpPr>
+        <p:spPr>
+          <a:xfrm>
+            <a:off x="617538" y="241300"/>
+            <a:ext cx="23134637" cy="1358900"/>
+          </a:xfrm>
+        </p:spPr>
+        <p:txBody>
+          <a:bodyPr/>
+          <a:lstStyle/>
+          <a:p>
+            <a:r>
+              <a:rPr lang="it-IT" dirty="0" smtClean="0"/>
+              <a:t>System </a:t>
+            </a:r>
+            <a:r>
+              <a:rPr lang="it-IT" dirty="0" err="1" smtClean="0"/>
+              <a:t>landscape</a:t>
+            </a:r>
+            <a:endParaRPr lang="it-IT" dirty="0"/>
+          </a:p>
+        </p:txBody>
+      </p:sp>
     </p:spTree>
     <p:extLst>
       <p:ext uri="{BB962C8B-B14F-4D97-AF65-F5344CB8AC3E}">
-        <p14:creationId xmlns:p14="http://schemas.microsoft.com/office/powerpoint/2010/main" val="1008352687"/>
+        <p14:creationId xmlns:p14="http://schemas.microsoft.com/office/powerpoint/2010/main" xmlns="" val="1008352687"/>
       </p:ext>
     </p:extLst>
   </p:cSld>
@@ -17587,7 +17842,7 @@
           <a:effectLst/>
           <a:extLst>
             <a:ext uri="{AF507438-7753-43E0-B8FC-AC1667EBCBE1}">
-              <a14:hiddenEffects xmlns:a14="http://schemas.microsoft.com/office/drawing/2010/main">
+              <a14:hiddenEffects xmlns:a14="http://schemas.microsoft.com/office/drawing/2010/main" xmlns="">
                 <a:effectLst>
                   <a:outerShdw blurRad="63500" dist="38099" dir="2700000" algn="ctr" rotWithShape="0">
                     <a:schemeClr val="bg2">
@@ -17798,7 +18053,7 @@
             <a:effectLst/>
             <a:extLst>
               <a:ext uri="{AF507438-7753-43E0-B8FC-AC1667EBCBE1}">
-                <a14:hiddenEffects xmlns:a14="http://schemas.microsoft.com/office/drawing/2010/main">
+                <a14:hiddenEffects xmlns:a14="http://schemas.microsoft.com/office/drawing/2010/main" xmlns="">
                   <a:effectLst>
                     <a:outerShdw blurRad="63500" dist="38099" dir="2700000" algn="ctr" rotWithShape="0">
                       <a:schemeClr val="bg2">
@@ -17843,7 +18098,7 @@
             <a:effectLst/>
             <a:extLst>
               <a:ext uri="{AF507438-7753-43E0-B8FC-AC1667EBCBE1}">
-                <a14:hiddenEffects xmlns:a14="http://schemas.microsoft.com/office/drawing/2010/main">
+                <a14:hiddenEffects xmlns:a14="http://schemas.microsoft.com/office/drawing/2010/main" xmlns="">
                   <a:effectLst>
                     <a:outerShdw blurRad="63500" dist="38099" dir="2700000" algn="ctr" rotWithShape="0">
                       <a:schemeClr val="bg2">
@@ -18124,7 +18379,7 @@
             <a:effectLst/>
             <a:extLst>
               <a:ext uri="{AF507438-7753-43E0-B8FC-AC1667EBCBE1}">
-                <a14:hiddenEffects xmlns:a14="http://schemas.microsoft.com/office/drawing/2010/main">
+                <a14:hiddenEffects xmlns:a14="http://schemas.microsoft.com/office/drawing/2010/main" xmlns="">
                   <a:effectLst>
                     <a:outerShdw blurRad="63500" dist="38099" dir="2700000" algn="ctr" rotWithShape="0">
                       <a:schemeClr val="bg2">
@@ -18169,7 +18424,7 @@
             <a:effectLst/>
             <a:extLst>
               <a:ext uri="{AF507438-7753-43E0-B8FC-AC1667EBCBE1}">
-                <a14:hiddenEffects xmlns:a14="http://schemas.microsoft.com/office/drawing/2010/main">
+                <a14:hiddenEffects xmlns:a14="http://schemas.microsoft.com/office/drawing/2010/main" xmlns="">
                   <a:effectLst>
                     <a:outerShdw blurRad="63500" dist="38099" dir="2700000" algn="ctr" rotWithShape="0">
                       <a:schemeClr val="bg2">
@@ -18450,7 +18705,7 @@
             <a:effectLst/>
             <a:extLst>
               <a:ext uri="{AF507438-7753-43E0-B8FC-AC1667EBCBE1}">
-                <a14:hiddenEffects xmlns:a14="http://schemas.microsoft.com/office/drawing/2010/main">
+                <a14:hiddenEffects xmlns:a14="http://schemas.microsoft.com/office/drawing/2010/main" xmlns="">
                   <a:effectLst>
                     <a:outerShdw blurRad="63500" dist="38099" dir="2700000" algn="ctr" rotWithShape="0">
                       <a:schemeClr val="bg2">
@@ -18495,7 +18750,7 @@
             <a:effectLst/>
             <a:extLst>
               <a:ext uri="{AF507438-7753-43E0-B8FC-AC1667EBCBE1}">
-                <a14:hiddenEffects xmlns:a14="http://schemas.microsoft.com/office/drawing/2010/main">
+                <a14:hiddenEffects xmlns:a14="http://schemas.microsoft.com/office/drawing/2010/main" xmlns="">
                   <a:effectLst>
                     <a:outerShdw blurRad="63500" dist="38099" dir="2700000" algn="ctr" rotWithShape="0">
                       <a:schemeClr val="bg2">
@@ -18624,7 +18879,7 @@
             <a:effectLst/>
             <a:extLst>
               <a:ext uri="{AF507438-7753-43E0-B8FC-AC1667EBCBE1}">
-                <a14:hiddenEffects xmlns:a14="http://schemas.microsoft.com/office/drawing/2010/main">
+                <a14:hiddenEffects xmlns:a14="http://schemas.microsoft.com/office/drawing/2010/main" xmlns="">
                   <a:effectLst>
                     <a:outerShdw blurRad="63500" dist="38099" dir="2700000" algn="ctr" rotWithShape="0">
                       <a:schemeClr val="bg2">
@@ -18669,7 +18924,7 @@
             <a:effectLst/>
             <a:extLst>
               <a:ext uri="{AF507438-7753-43E0-B8FC-AC1667EBCBE1}">
-                <a14:hiddenEffects xmlns:a14="http://schemas.microsoft.com/office/drawing/2010/main">
+                <a14:hiddenEffects xmlns:a14="http://schemas.microsoft.com/office/drawing/2010/main" xmlns="">
                   <a:effectLst>
                     <a:outerShdw blurRad="63500" dist="38099" dir="2700000" algn="ctr" rotWithShape="0">
                       <a:schemeClr val="bg2">
@@ -18714,7 +18969,7 @@
             <a:effectLst/>
             <a:extLst>
               <a:ext uri="{AF507438-7753-43E0-B8FC-AC1667EBCBE1}">
-                <a14:hiddenEffects xmlns:a14="http://schemas.microsoft.com/office/drawing/2010/main">
+                <a14:hiddenEffects xmlns:a14="http://schemas.microsoft.com/office/drawing/2010/main" xmlns="">
                   <a:effectLst>
                     <a:outerShdw blurRad="63500" dist="38099" dir="2700000" algn="ctr" rotWithShape="0">
                       <a:schemeClr val="bg2">
@@ -18857,7 +19112,7 @@
             <a:effectLst/>
             <a:extLst>
               <a:ext uri="{AF507438-7753-43E0-B8FC-AC1667EBCBE1}">
-                <a14:hiddenEffects xmlns:a14="http://schemas.microsoft.com/office/drawing/2010/main">
+                <a14:hiddenEffects xmlns:a14="http://schemas.microsoft.com/office/drawing/2010/main" xmlns="">
                   <a:effectLst>
                     <a:outerShdw blurRad="63500" dist="38099" dir="2700000" algn="ctr" rotWithShape="0">
                       <a:schemeClr val="bg2">
@@ -19040,7 +19295,7 @@
             <a:effectLst/>
             <a:extLst>
               <a:ext uri="{AF507438-7753-43E0-B8FC-AC1667EBCBE1}">
-                <a14:hiddenEffects xmlns:a14="http://schemas.microsoft.com/office/drawing/2010/main">
+                <a14:hiddenEffects xmlns:a14="http://schemas.microsoft.com/office/drawing/2010/main" xmlns="">
                   <a:effectLst>
                     <a:outerShdw blurRad="63500" dist="38099" dir="2700000" algn="ctr" rotWithShape="0">
                       <a:schemeClr val="bg2">
@@ -19372,7 +19627,7 @@
             <a:effectLst/>
             <a:extLst>
               <a:ext uri="{AF507438-7753-43E0-B8FC-AC1667EBCBE1}">
-                <a14:hiddenEffects xmlns:a14="http://schemas.microsoft.com/office/drawing/2010/main">
+                <a14:hiddenEffects xmlns:a14="http://schemas.microsoft.com/office/drawing/2010/main" xmlns="">
                   <a:effectLst>
                     <a:outerShdw blurRad="63500" dist="38099" dir="2700000" algn="ctr" rotWithShape="0">
                       <a:schemeClr val="bg2">
@@ -19414,7 +19669,7 @@
             <a:effectLst/>
             <a:extLst>
               <a:ext uri="{AF507438-7753-43E0-B8FC-AC1667EBCBE1}">
-                <a14:hiddenEffects xmlns:a14="http://schemas.microsoft.com/office/drawing/2010/main">
+                <a14:hiddenEffects xmlns:a14="http://schemas.microsoft.com/office/drawing/2010/main" xmlns="">
                   <a:effectLst>
                     <a:outerShdw blurRad="63500" dist="38099" dir="2700000" algn="ctr" rotWithShape="0">
                       <a:schemeClr val="bg2">
@@ -19428,10 +19683,42 @@
           </p:spPr>
         </p:cxnSp>
       </p:grpSp>
+      <p:sp>
+        <p:nvSpPr>
+          <p:cNvPr id="38" name="Titolo 1"/>
+          <p:cNvSpPr>
+            <a:spLocks noGrp="1"/>
+          </p:cNvSpPr>
+          <p:nvPr>
+            <p:ph type="title"/>
+          </p:nvPr>
+        </p:nvSpPr>
+        <p:spPr>
+          <a:xfrm>
+            <a:off x="617538" y="241300"/>
+            <a:ext cx="23134637" cy="1358900"/>
+          </a:xfrm>
+        </p:spPr>
+        <p:txBody>
+          <a:bodyPr/>
+          <a:lstStyle/>
+          <a:p>
+            <a:r>
+              <a:rPr lang="it-IT" dirty="0" smtClean="0"/>
+              <a:t>System </a:t>
+            </a:r>
+            <a:r>
+              <a:rPr lang="it-IT" dirty="0" err="1" smtClean="0"/>
+              <a:t>landscape</a:t>
+            </a:r>
+            <a:endParaRPr lang="it-IT" dirty="0"/>
+          </a:p>
+        </p:txBody>
+      </p:sp>
     </p:spTree>
     <p:extLst>
       <p:ext uri="{BB962C8B-B14F-4D97-AF65-F5344CB8AC3E}">
-        <p14:creationId xmlns:p14="http://schemas.microsoft.com/office/powerpoint/2010/main" val="2320115777"/>
+        <p14:creationId xmlns:p14="http://schemas.microsoft.com/office/powerpoint/2010/main" xmlns="" val="2320115777"/>
       </p:ext>
     </p:extLst>
   </p:cSld>
@@ -19702,7 +19989,7 @@
           <a:effectLst/>
           <a:extLst>
             <a:ext uri="{AF507438-7753-43E0-B8FC-AC1667EBCBE1}">
-              <a14:hiddenEffects xmlns:a14="http://schemas.microsoft.com/office/drawing/2010/main">
+              <a14:hiddenEffects xmlns:a14="http://schemas.microsoft.com/office/drawing/2010/main" xmlns="">
                 <a:effectLst>
                   <a:outerShdw blurRad="63500" dist="38099" dir="2700000" algn="ctr" rotWithShape="0">
                     <a:schemeClr val="bg2">
@@ -19787,7 +20074,7 @@
           <a:effectLst/>
           <a:extLst>
             <a:ext uri="{AF507438-7753-43E0-B8FC-AC1667EBCBE1}">
-              <a14:hiddenEffects xmlns:a14="http://schemas.microsoft.com/office/drawing/2010/main">
+              <a14:hiddenEffects xmlns:a14="http://schemas.microsoft.com/office/drawing/2010/main" xmlns="">
                 <a:effectLst>
                   <a:outerShdw blurRad="63500" dist="38099" dir="2700000" algn="ctr" rotWithShape="0">
                     <a:schemeClr val="bg2">
@@ -19998,7 +20285,7 @@
             <a:effectLst/>
             <a:extLst>
               <a:ext uri="{AF507438-7753-43E0-B8FC-AC1667EBCBE1}">
-                <a14:hiddenEffects xmlns:a14="http://schemas.microsoft.com/office/drawing/2010/main">
+                <a14:hiddenEffects xmlns:a14="http://schemas.microsoft.com/office/drawing/2010/main" xmlns="">
                   <a:effectLst>
                     <a:outerShdw blurRad="63500" dist="38099" dir="2700000" algn="ctr" rotWithShape="0">
                       <a:schemeClr val="bg2">
@@ -20043,7 +20330,7 @@
             <a:effectLst/>
             <a:extLst>
               <a:ext uri="{AF507438-7753-43E0-B8FC-AC1667EBCBE1}">
-                <a14:hiddenEffects xmlns:a14="http://schemas.microsoft.com/office/drawing/2010/main">
+                <a14:hiddenEffects xmlns:a14="http://schemas.microsoft.com/office/drawing/2010/main" xmlns="">
                   <a:effectLst>
                     <a:outerShdw blurRad="63500" dist="38099" dir="2700000" algn="ctr" rotWithShape="0">
                       <a:schemeClr val="bg2">
@@ -20324,7 +20611,7 @@
             <a:effectLst/>
             <a:extLst>
               <a:ext uri="{AF507438-7753-43E0-B8FC-AC1667EBCBE1}">
-                <a14:hiddenEffects xmlns:a14="http://schemas.microsoft.com/office/drawing/2010/main">
+                <a14:hiddenEffects xmlns:a14="http://schemas.microsoft.com/office/drawing/2010/main" xmlns="">
                   <a:effectLst>
                     <a:outerShdw blurRad="63500" dist="38099" dir="2700000" algn="ctr" rotWithShape="0">
                       <a:schemeClr val="bg2">
@@ -20369,7 +20656,7 @@
             <a:effectLst/>
             <a:extLst>
               <a:ext uri="{AF507438-7753-43E0-B8FC-AC1667EBCBE1}">
-                <a14:hiddenEffects xmlns:a14="http://schemas.microsoft.com/office/drawing/2010/main">
+                <a14:hiddenEffects xmlns:a14="http://schemas.microsoft.com/office/drawing/2010/main" xmlns="">
                   <a:effectLst>
                     <a:outerShdw blurRad="63500" dist="38099" dir="2700000" algn="ctr" rotWithShape="0">
                       <a:schemeClr val="bg2">
@@ -20484,7 +20771,7 @@
           <a:effectLst/>
           <a:extLst>
             <a:ext uri="{AF507438-7753-43E0-B8FC-AC1667EBCBE1}">
-              <a14:hiddenEffects xmlns:a14="http://schemas.microsoft.com/office/drawing/2010/main">
+              <a14:hiddenEffects xmlns:a14="http://schemas.microsoft.com/office/drawing/2010/main" xmlns="">
                 <a:effectLst>
                   <a:outerShdw blurRad="63500" dist="38099" dir="2700000" algn="ctr" rotWithShape="0">
                     <a:schemeClr val="bg2">
@@ -20529,7 +20816,7 @@
           <a:effectLst/>
           <a:extLst>
             <a:ext uri="{AF507438-7753-43E0-B8FC-AC1667EBCBE1}">
-              <a14:hiddenEffects xmlns:a14="http://schemas.microsoft.com/office/drawing/2010/main">
+              <a14:hiddenEffects xmlns:a14="http://schemas.microsoft.com/office/drawing/2010/main" xmlns="">
                 <a:effectLst>
                   <a:outerShdw blurRad="63500" dist="38099" dir="2700000" algn="ctr" rotWithShape="0">
                     <a:schemeClr val="bg2">
@@ -20574,7 +20861,7 @@
           <a:effectLst/>
           <a:extLst>
             <a:ext uri="{AF507438-7753-43E0-B8FC-AC1667EBCBE1}">
-              <a14:hiddenEffects xmlns:a14="http://schemas.microsoft.com/office/drawing/2010/main">
+              <a14:hiddenEffects xmlns:a14="http://schemas.microsoft.com/office/drawing/2010/main" xmlns="">
                 <a:effectLst>
                   <a:outerShdw blurRad="63500" dist="38099" dir="2700000" algn="ctr" rotWithShape="0">
                     <a:schemeClr val="bg2">
@@ -20716,7 +21003,7 @@
             <a:effectLst/>
             <a:extLst>
               <a:ext uri="{AF507438-7753-43E0-B8FC-AC1667EBCBE1}">
-                <a14:hiddenEffects xmlns:a14="http://schemas.microsoft.com/office/drawing/2010/main">
+                <a14:hiddenEffects xmlns:a14="http://schemas.microsoft.com/office/drawing/2010/main" xmlns="">
                   <a:effectLst>
                     <a:outerShdw blurRad="63500" dist="38099" dir="2700000" algn="ctr" rotWithShape="0">
                       <a:schemeClr val="bg2">
@@ -20899,7 +21186,7 @@
             <a:effectLst/>
             <a:extLst>
               <a:ext uri="{AF507438-7753-43E0-B8FC-AC1667EBCBE1}">
-                <a14:hiddenEffects xmlns:a14="http://schemas.microsoft.com/office/drawing/2010/main">
+                <a14:hiddenEffects xmlns:a14="http://schemas.microsoft.com/office/drawing/2010/main" xmlns="">
                   <a:effectLst>
                     <a:outerShdw blurRad="63500" dist="38099" dir="2700000" algn="ctr" rotWithShape="0">
                       <a:schemeClr val="bg2">
@@ -21217,7 +21504,7 @@
           <a:effectLst/>
           <a:extLst>
             <a:ext uri="{AF507438-7753-43E0-B8FC-AC1667EBCBE1}">
-              <a14:hiddenEffects xmlns:a14="http://schemas.microsoft.com/office/drawing/2010/main">
+              <a14:hiddenEffects xmlns:a14="http://schemas.microsoft.com/office/drawing/2010/main" xmlns="">
                 <a:effectLst>
                   <a:outerShdw blurRad="63500" dist="38099" dir="2700000" algn="ctr" rotWithShape="0">
                     <a:schemeClr val="bg2">
@@ -21428,7 +21715,7 @@
             <a:effectLst/>
             <a:extLst>
               <a:ext uri="{AF507438-7753-43E0-B8FC-AC1667EBCBE1}">
-                <a14:hiddenEffects xmlns:a14="http://schemas.microsoft.com/office/drawing/2010/main">
+                <a14:hiddenEffects xmlns:a14="http://schemas.microsoft.com/office/drawing/2010/main" xmlns="">
                   <a:effectLst>
                     <a:outerShdw blurRad="63500" dist="38099" dir="2700000" algn="ctr" rotWithShape="0">
                       <a:schemeClr val="bg2">
@@ -21473,7 +21760,7 @@
             <a:effectLst/>
             <a:extLst>
               <a:ext uri="{AF507438-7753-43E0-B8FC-AC1667EBCBE1}">
-                <a14:hiddenEffects xmlns:a14="http://schemas.microsoft.com/office/drawing/2010/main">
+                <a14:hiddenEffects xmlns:a14="http://schemas.microsoft.com/office/drawing/2010/main" xmlns="">
                   <a:effectLst>
                     <a:outerShdw blurRad="63500" dist="38099" dir="2700000" algn="ctr" rotWithShape="0">
                       <a:schemeClr val="bg2">
@@ -21784,7 +22071,7 @@
             <a:effectLst/>
             <a:extLst>
               <a:ext uri="{AF507438-7753-43E0-B8FC-AC1667EBCBE1}">
-                <a14:hiddenEffects xmlns:a14="http://schemas.microsoft.com/office/drawing/2010/main">
+                <a14:hiddenEffects xmlns:a14="http://schemas.microsoft.com/office/drawing/2010/main" xmlns="">
                   <a:effectLst>
                     <a:outerShdw blurRad="63500" dist="38099" dir="2700000" algn="ctr" rotWithShape="0">
                       <a:schemeClr val="bg2">
@@ -21829,7 +22116,7 @@
             <a:effectLst/>
             <a:extLst>
               <a:ext uri="{AF507438-7753-43E0-B8FC-AC1667EBCBE1}">
-                <a14:hiddenEffects xmlns:a14="http://schemas.microsoft.com/office/drawing/2010/main">
+                <a14:hiddenEffects xmlns:a14="http://schemas.microsoft.com/office/drawing/2010/main" xmlns="">
                   <a:effectLst>
                     <a:outerShdw blurRad="63500" dist="38099" dir="2700000" algn="ctr" rotWithShape="0">
                       <a:schemeClr val="bg2">
@@ -22140,7 +22427,7 @@
             <a:effectLst/>
             <a:extLst>
               <a:ext uri="{AF507438-7753-43E0-B8FC-AC1667EBCBE1}">
-                <a14:hiddenEffects xmlns:a14="http://schemas.microsoft.com/office/drawing/2010/main">
+                <a14:hiddenEffects xmlns:a14="http://schemas.microsoft.com/office/drawing/2010/main" xmlns="">
                   <a:effectLst>
                     <a:outerShdw blurRad="63500" dist="38099" dir="2700000" algn="ctr" rotWithShape="0">
                       <a:schemeClr val="bg2">
@@ -22185,7 +22472,7 @@
             <a:effectLst/>
             <a:extLst>
               <a:ext uri="{AF507438-7753-43E0-B8FC-AC1667EBCBE1}">
-                <a14:hiddenEffects xmlns:a14="http://schemas.microsoft.com/office/drawing/2010/main">
+                <a14:hiddenEffects xmlns:a14="http://schemas.microsoft.com/office/drawing/2010/main" xmlns="">
                   <a:effectLst>
                     <a:outerShdw blurRad="63500" dist="38099" dir="2700000" algn="ctr" rotWithShape="0">
                       <a:schemeClr val="bg2">
@@ -22329,7 +22616,7 @@
           <a:effectLst/>
           <a:extLst>
             <a:ext uri="{AF507438-7753-43E0-B8FC-AC1667EBCBE1}">
-              <a14:hiddenEffects xmlns:a14="http://schemas.microsoft.com/office/drawing/2010/main">
+              <a14:hiddenEffects xmlns:a14="http://schemas.microsoft.com/office/drawing/2010/main" xmlns="">
                 <a:effectLst>
                   <a:outerShdw blurRad="63500" dist="38099" dir="2700000" algn="ctr" rotWithShape="0">
                     <a:schemeClr val="bg2">
@@ -22374,7 +22661,7 @@
           <a:effectLst/>
           <a:extLst>
             <a:ext uri="{AF507438-7753-43E0-B8FC-AC1667EBCBE1}">
-              <a14:hiddenEffects xmlns:a14="http://schemas.microsoft.com/office/drawing/2010/main">
+              <a14:hiddenEffects xmlns:a14="http://schemas.microsoft.com/office/drawing/2010/main" xmlns="">
                 <a:effectLst>
                   <a:outerShdw blurRad="63500" dist="38099" dir="2700000" algn="ctr" rotWithShape="0">
                     <a:schemeClr val="bg2">
@@ -22387,10 +22674,42 @@
           </a:extLst>
         </p:spPr>
       </p:cxnSp>
+      <p:sp>
+        <p:nvSpPr>
+          <p:cNvPr id="57" name="Titolo 1"/>
+          <p:cNvSpPr>
+            <a:spLocks noGrp="1"/>
+          </p:cNvSpPr>
+          <p:nvPr>
+            <p:ph type="title"/>
+          </p:nvPr>
+        </p:nvSpPr>
+        <p:spPr>
+          <a:xfrm>
+            <a:off x="617538" y="241300"/>
+            <a:ext cx="23134637" cy="1358900"/>
+          </a:xfrm>
+        </p:spPr>
+        <p:txBody>
+          <a:bodyPr/>
+          <a:lstStyle/>
+          <a:p>
+            <a:r>
+              <a:rPr lang="it-IT" dirty="0" smtClean="0"/>
+              <a:t>System </a:t>
+            </a:r>
+            <a:r>
+              <a:rPr lang="it-IT" dirty="0" err="1" smtClean="0"/>
+              <a:t>landscape</a:t>
+            </a:r>
+            <a:endParaRPr lang="it-IT" dirty="0"/>
+          </a:p>
+        </p:txBody>
+      </p:sp>
     </p:spTree>
     <p:extLst>
       <p:ext uri="{BB962C8B-B14F-4D97-AF65-F5344CB8AC3E}">
-        <p14:creationId xmlns:p14="http://schemas.microsoft.com/office/powerpoint/2010/main" val="3941702573"/>
+        <p14:creationId xmlns:p14="http://schemas.microsoft.com/office/powerpoint/2010/main" xmlns="" val="3941702573"/>
       </p:ext>
     </p:extLst>
   </p:cSld>
@@ -22441,8 +22760,20 @@
           <a:lstStyle/>
           <a:p>
             <a:r>
+              <a:rPr lang="it-IT" dirty="0" err="1" smtClean="0"/>
+              <a:t>Wiring</a:t>
+            </a:r>
+            <a:r>
               <a:rPr lang="it-IT" dirty="0" smtClean="0"/>
-              <a:t>Service </a:t>
+              <a:t> </a:t>
+            </a:r>
+            <a:r>
+              <a:rPr lang="it-IT" dirty="0" err="1" smtClean="0"/>
+              <a:t>microservice</a:t>
+            </a:r>
+            <a:r>
+              <a:rPr lang="it-IT" dirty="0" smtClean="0"/>
+              <a:t>: Service </a:t>
             </a:r>
             <a:r>
               <a:rPr lang="it-IT" dirty="0" err="1" smtClean="0"/>
@@ -22473,13 +22804,42 @@
           <a:p>
             <a:r>
               <a:rPr lang="it-IT" dirty="0" smtClean="0"/>
-              <a:t>PROBLEM:</a:t>
-            </a:r>
+              <a:t>PROBLEM</a:t>
+            </a:r>
+            <a:r>
+              <a:rPr lang="it-IT" dirty="0" smtClean="0"/>
+              <a:t>: DECOUPLIG REALIZED ALSO WITH SERVICE DISCOVERY WITHOUT P2P WIRING</a:t>
+            </a:r>
+            <a:endParaRPr lang="it-IT" dirty="0" smtClean="0"/>
           </a:p>
           <a:p>
             <a:r>
               <a:rPr lang="it-IT" dirty="0" smtClean="0"/>
-              <a:t>EUREKA: DEFINIZTION</a:t>
+              <a:t>Go </a:t>
+            </a:r>
+            <a:r>
+              <a:rPr lang="it-IT" dirty="0" err="1" smtClean="0"/>
+              <a:t>ahead</a:t>
+            </a:r>
+            <a:r>
+              <a:rPr lang="it-IT" dirty="0" smtClean="0"/>
+              <a:t> p2p </a:t>
+            </a:r>
+            <a:r>
+              <a:rPr lang="it-IT" dirty="0" err="1" smtClean="0"/>
+              <a:t>wiring</a:t>
+            </a:r>
+            <a:r>
+              <a:rPr lang="it-IT" dirty="0" smtClean="0"/>
+              <a:t> :EUREKA</a:t>
+            </a:r>
+            <a:r>
+              <a:rPr lang="it-IT" dirty="0" smtClean="0"/>
+              <a:t>: </a:t>
+            </a:r>
+            <a:r>
+              <a:rPr lang="it-IT" dirty="0" smtClean="0"/>
+              <a:t>DEFINITION</a:t>
             </a:r>
             <a:endParaRPr lang="it-IT" dirty="0"/>
           </a:p>
@@ -22488,7 +22848,7 @@
     </p:spTree>
     <p:extLst>
       <p:ext uri="{BB962C8B-B14F-4D97-AF65-F5344CB8AC3E}">
-        <p14:creationId xmlns:p14="http://schemas.microsoft.com/office/powerpoint/2010/main" val="2540019730"/>
+        <p14:creationId xmlns:p14="http://schemas.microsoft.com/office/powerpoint/2010/main" xmlns="" val="2540019730"/>
       </p:ext>
     </p:extLst>
   </p:cSld>
@@ -22580,7 +22940,7 @@
     </p:spTree>
     <p:extLst>
       <p:ext uri="{BB962C8B-B14F-4D97-AF65-F5344CB8AC3E}">
-        <p14:creationId xmlns:p14="http://schemas.microsoft.com/office/powerpoint/2010/main" val="1006668081"/>
+        <p14:creationId xmlns:p14="http://schemas.microsoft.com/office/powerpoint/2010/main" xmlns="" val="1006668081"/>
       </p:ext>
     </p:extLst>
   </p:cSld>
@@ -22837,7 +23197,7 @@
     </p:spTree>
     <p:extLst>
       <p:ext uri="{BB962C8B-B14F-4D97-AF65-F5344CB8AC3E}">
-        <p14:creationId xmlns:p14="http://schemas.microsoft.com/office/powerpoint/2010/main" val="1421563975"/>
+        <p14:creationId xmlns:p14="http://schemas.microsoft.com/office/powerpoint/2010/main" xmlns="" val="1421563975"/>
       </p:ext>
     </p:extLst>
   </p:cSld>
@@ -22921,7 +23281,7 @@
     </p:spTree>
     <p:extLst>
       <p:ext uri="{BB962C8B-B14F-4D97-AF65-F5344CB8AC3E}">
-        <p14:creationId xmlns:p14="http://schemas.microsoft.com/office/powerpoint/2010/main" val="2375553756"/>
+        <p14:creationId xmlns:p14="http://schemas.microsoft.com/office/powerpoint/2010/main" xmlns="" val="2375553756"/>
       </p:ext>
     </p:extLst>
   </p:cSld>
@@ -23080,11 +23440,7 @@
             </a:r>
             <a:r>
               <a:rPr lang="it-IT" sz="2800" dirty="0" smtClean="0"/>
-              <a:t>, </a:t>
-            </a:r>
-            <a:r>
-              <a:rPr lang="it-IT" sz="2800" dirty="0" smtClean="0"/>
-              <a:t>deploy and scale out time</a:t>
+              <a:t>, deploy and scale out time</a:t>
             </a:r>
           </a:p>
           <a:p>
@@ -23571,7 +23927,7 @@
     </p:spTree>
     <p:extLst>
       <p:ext uri="{BB962C8B-B14F-4D97-AF65-F5344CB8AC3E}">
-        <p14:creationId xmlns:p14="http://schemas.microsoft.com/office/powerpoint/2010/main" val="3177257595"/>
+        <p14:creationId xmlns:p14="http://schemas.microsoft.com/office/powerpoint/2010/main" xmlns="" val="3177257595"/>
       </p:ext>
     </p:extLst>
   </p:cSld>
@@ -23638,7 +23994,6 @@
               <a:rPr lang="it-IT" dirty="0" smtClean="0"/>
               <a:t>: Design Pattern</a:t>
             </a:r>
-            <a:endParaRPr lang="it-IT" dirty="0" smtClean="0"/>
           </a:p>
         </p:txBody>
       </p:sp>
@@ -23733,7 +24088,7 @@
     </p:spTree>
     <p:extLst>
       <p:ext uri="{BB962C8B-B14F-4D97-AF65-F5344CB8AC3E}">
-        <p14:creationId xmlns:p14="http://schemas.microsoft.com/office/powerpoint/2010/main" val="4158961700"/>
+        <p14:creationId xmlns:p14="http://schemas.microsoft.com/office/powerpoint/2010/main" xmlns="" val="4158961700"/>
       </p:ext>
     </p:extLst>
   </p:cSld>
@@ -23997,7 +24352,7 @@
         <a:effectLst/>
         <a:extLst>
           <a:ext uri="{AF507438-7753-43E0-B8FC-AC1667EBCBE1}">
-            <a14:hiddenEffects xmlns:a14="http://schemas.microsoft.com/office/drawing/2010/main">
+            <a14:hiddenEffects xmlns:a14="http://schemas.microsoft.com/office/drawing/2010/main" xmlns="">
               <a:effectLst>
                 <a:outerShdw blurRad="63500" dist="38099" dir="2700000" algn="ctr" rotWithShape="0">
                   <a:schemeClr val="bg2">
@@ -24075,7 +24430,7 @@
         <a:effectLst/>
         <a:extLst>
           <a:ext uri="{AF507438-7753-43E0-B8FC-AC1667EBCBE1}">
-            <a14:hiddenEffects xmlns:a14="http://schemas.microsoft.com/office/drawing/2010/main">
+            <a14:hiddenEffects xmlns:a14="http://schemas.microsoft.com/office/drawing/2010/main" xmlns="">
               <a:effectLst>
                 <a:outerShdw blurRad="63500" dist="38099" dir="2700000" algn="ctr" rotWithShape="0">
                   <a:schemeClr val="bg2">
@@ -24417,7 +24772,7 @@
         <a:effectLst/>
         <a:extLst>
           <a:ext uri="{AF507438-7753-43E0-B8FC-AC1667EBCBE1}">
-            <a14:hiddenEffects xmlns:a14="http://schemas.microsoft.com/office/drawing/2010/main">
+            <a14:hiddenEffects xmlns:a14="http://schemas.microsoft.com/office/drawing/2010/main" xmlns="">
               <a:effectLst>
                 <a:outerShdw blurRad="63500" dist="38099" dir="2700000" algn="ctr" rotWithShape="0">
                   <a:schemeClr val="bg2">
@@ -24495,7 +24850,7 @@
         <a:effectLst/>
         <a:extLst>
           <a:ext uri="{AF507438-7753-43E0-B8FC-AC1667EBCBE1}">
-            <a14:hiddenEffects xmlns:a14="http://schemas.microsoft.com/office/drawing/2010/main">
+            <a14:hiddenEffects xmlns:a14="http://schemas.microsoft.com/office/drawing/2010/main" xmlns="">
               <a:effectLst>
                 <a:outerShdw blurRad="63500" dist="38099" dir="2700000" algn="ctr" rotWithShape="0">
                   <a:schemeClr val="bg2">
@@ -24837,7 +25192,7 @@
         <a:effectLst/>
         <a:extLst>
           <a:ext uri="{AF507438-7753-43E0-B8FC-AC1667EBCBE1}">
-            <a14:hiddenEffects xmlns:a14="http://schemas.microsoft.com/office/drawing/2010/main">
+            <a14:hiddenEffects xmlns:a14="http://schemas.microsoft.com/office/drawing/2010/main" xmlns="">
               <a:effectLst>
                 <a:outerShdw blurRad="63500" dist="38099" dir="2700000" algn="ctr" rotWithShape="0">
                   <a:schemeClr val="bg2">
@@ -24915,7 +25270,7 @@
         <a:effectLst/>
         <a:extLst>
           <a:ext uri="{AF507438-7753-43E0-B8FC-AC1667EBCBE1}">
-            <a14:hiddenEffects xmlns:a14="http://schemas.microsoft.com/office/drawing/2010/main">
+            <a14:hiddenEffects xmlns:a14="http://schemas.microsoft.com/office/drawing/2010/main" xmlns="">
               <a:effectLst>
                 <a:outerShdw blurRad="63500" dist="38099" dir="2700000" algn="ctr" rotWithShape="0">
                   <a:schemeClr val="bg2">
@@ -25257,7 +25612,7 @@
         <a:effectLst/>
         <a:extLst>
           <a:ext uri="{AF507438-7753-43E0-B8FC-AC1667EBCBE1}">
-            <a14:hiddenEffects xmlns:a14="http://schemas.microsoft.com/office/drawing/2010/main">
+            <a14:hiddenEffects xmlns:a14="http://schemas.microsoft.com/office/drawing/2010/main" xmlns="">
               <a:effectLst>
                 <a:outerShdw blurRad="63500" dist="38099" dir="2700000" algn="ctr" rotWithShape="0">
                   <a:schemeClr val="bg2">
@@ -25335,7 +25690,7 @@
         <a:effectLst/>
         <a:extLst>
           <a:ext uri="{AF507438-7753-43E0-B8FC-AC1667EBCBE1}">
-            <a14:hiddenEffects xmlns:a14="http://schemas.microsoft.com/office/drawing/2010/main">
+            <a14:hiddenEffects xmlns:a14="http://schemas.microsoft.com/office/drawing/2010/main" xmlns="">
               <a:effectLst>
                 <a:outerShdw blurRad="63500" dist="38099" dir="2700000" algn="ctr" rotWithShape="0">
                   <a:schemeClr val="bg2">

--- a/luigiBennardisMicroservices.pptx
+++ b/luigiBennardisMicroservices.pptx
@@ -18,25 +18,26 @@
     <p:sldId id="284" r:id="rId12"/>
     <p:sldId id="285" r:id="rId13"/>
     <p:sldId id="273" r:id="rId14"/>
-    <p:sldId id="287" r:id="rId15"/>
-    <p:sldId id="266" r:id="rId16"/>
-    <p:sldId id="267" r:id="rId17"/>
-    <p:sldId id="274" r:id="rId18"/>
-    <p:sldId id="278" r:id="rId19"/>
-    <p:sldId id="279" r:id="rId20"/>
-    <p:sldId id="280" r:id="rId21"/>
-    <p:sldId id="283" r:id="rId22"/>
-    <p:sldId id="282" r:id="rId23"/>
-    <p:sldId id="281" r:id="rId24"/>
-    <p:sldId id="275" r:id="rId25"/>
-    <p:sldId id="268" r:id="rId26"/>
-    <p:sldId id="269" r:id="rId27"/>
-    <p:sldId id="271" r:id="rId28"/>
-    <p:sldId id="270" r:id="rId29"/>
-    <p:sldId id="286" r:id="rId30"/>
-    <p:sldId id="276" r:id="rId31"/>
-    <p:sldId id="277" r:id="rId32"/>
-    <p:sldId id="265" r:id="rId33"/>
+    <p:sldId id="289" r:id="rId15"/>
+    <p:sldId id="287" r:id="rId16"/>
+    <p:sldId id="266" r:id="rId17"/>
+    <p:sldId id="267" r:id="rId18"/>
+    <p:sldId id="274" r:id="rId19"/>
+    <p:sldId id="278" r:id="rId20"/>
+    <p:sldId id="279" r:id="rId21"/>
+    <p:sldId id="280" r:id="rId22"/>
+    <p:sldId id="283" r:id="rId23"/>
+    <p:sldId id="282" r:id="rId24"/>
+    <p:sldId id="281" r:id="rId25"/>
+    <p:sldId id="275" r:id="rId26"/>
+    <p:sldId id="268" r:id="rId27"/>
+    <p:sldId id="269" r:id="rId28"/>
+    <p:sldId id="271" r:id="rId29"/>
+    <p:sldId id="270" r:id="rId30"/>
+    <p:sldId id="286" r:id="rId31"/>
+    <p:sldId id="276" r:id="rId32"/>
+    <p:sldId id="277" r:id="rId33"/>
+    <p:sldId id="265" r:id="rId34"/>
   </p:sldIdLst>
   <p:sldSz cx="24384000" cy="13716000"/>
   <p:notesSz cx="6858000" cy="9144000"/>
@@ -272,7 +273,7 @@
     </p:spTree>
     <p:extLst>
       <p:ext uri="{BB962C8B-B14F-4D97-AF65-F5344CB8AC3E}">
-        <p14:creationId xmlns:p14="http://schemas.microsoft.com/office/powerpoint/2010/main" xmlns="" val="1488138082"/>
+        <p14:creationId xmlns:p14="http://schemas.microsoft.com/office/powerpoint/2010/main" val="1488138082"/>
       </p:ext>
     </p:extLst>
   </p:cSld>
@@ -418,7 +419,7 @@
     </p:spTree>
     <p:extLst>
       <p:ext uri="{BB962C8B-B14F-4D97-AF65-F5344CB8AC3E}">
-        <p14:creationId xmlns:p14="http://schemas.microsoft.com/office/powerpoint/2010/main" xmlns="" val="4014933588"/>
+        <p14:creationId xmlns:p14="http://schemas.microsoft.com/office/powerpoint/2010/main" val="4014933588"/>
       </p:ext>
     </p:extLst>
   </p:cSld>
@@ -524,7 +525,7 @@
     </p:spTree>
     <p:extLst>
       <p:ext uri="{BB962C8B-B14F-4D97-AF65-F5344CB8AC3E}">
-        <p14:creationId xmlns:p14="http://schemas.microsoft.com/office/powerpoint/2010/main" xmlns="" val="2935278078"/>
+        <p14:creationId xmlns:p14="http://schemas.microsoft.com/office/powerpoint/2010/main" val="2935278078"/>
       </p:ext>
     </p:extLst>
   </p:cSld>
@@ -630,7 +631,7 @@
     </p:spTree>
     <p:extLst>
       <p:ext uri="{BB962C8B-B14F-4D97-AF65-F5344CB8AC3E}">
-        <p14:creationId xmlns:p14="http://schemas.microsoft.com/office/powerpoint/2010/main" xmlns="" val="2257783360"/>
+        <p14:creationId xmlns:p14="http://schemas.microsoft.com/office/powerpoint/2010/main" val="2257783360"/>
       </p:ext>
     </p:extLst>
   </p:cSld>
@@ -694,14 +695,14 @@
           </a:ln>
           <a:extLst>
             <a:ext uri="{909E8E84-426E-40DD-AFC4-6F175D3DCCD1}">
-              <a14:hiddenFill xmlns:a14="http://schemas.microsoft.com/office/drawing/2010/main" xmlns="">
+              <a14:hiddenFill xmlns:a14="http://schemas.microsoft.com/office/drawing/2010/main">
                 <a:solidFill>
                   <a:srgbClr val="FFFFFF"/>
                 </a:solidFill>
               </a14:hiddenFill>
             </a:ext>
             <a:ext uri="{91240B29-F687-4F45-9708-019B960494DF}">
-              <a14:hiddenLine xmlns:a14="http://schemas.microsoft.com/office/drawing/2010/main" xmlns="" w="9525">
+              <a14:hiddenLine xmlns:a14="http://schemas.microsoft.com/office/drawing/2010/main" w="9525">
                 <a:solidFill>
                   <a:srgbClr val="000000"/>
                 </a:solidFill>
@@ -754,14 +755,14 @@
           </a:ln>
           <a:extLst>
             <a:ext uri="{909E8E84-426E-40DD-AFC4-6F175D3DCCD1}">
-              <a14:hiddenFill xmlns:a14="http://schemas.microsoft.com/office/drawing/2010/main" xmlns="">
+              <a14:hiddenFill xmlns:a14="http://schemas.microsoft.com/office/drawing/2010/main">
                 <a:solidFill>
                   <a:srgbClr val="FFFFFF"/>
                 </a:solidFill>
               </a14:hiddenFill>
             </a:ext>
             <a:ext uri="{91240B29-F687-4F45-9708-019B960494DF}">
-              <a14:hiddenLine xmlns:a14="http://schemas.microsoft.com/office/drawing/2010/main" xmlns="" w="9525">
+              <a14:hiddenLine xmlns:a14="http://schemas.microsoft.com/office/drawing/2010/main" w="9525">
                 <a:solidFill>
                   <a:srgbClr val="000000"/>
                 </a:solidFill>
@@ -1328,14 +1329,14 @@
           </a:ln>
           <a:extLst>
             <a:ext uri="{909E8E84-426E-40DD-AFC4-6F175D3DCCD1}">
-              <a14:hiddenFill xmlns:a14="http://schemas.microsoft.com/office/drawing/2010/main" xmlns="">
+              <a14:hiddenFill xmlns:a14="http://schemas.microsoft.com/office/drawing/2010/main">
                 <a:solidFill>
                   <a:srgbClr val="FFFFFF"/>
                 </a:solidFill>
               </a14:hiddenFill>
             </a:ext>
             <a:ext uri="{91240B29-F687-4F45-9708-019B960494DF}">
-              <a14:hiddenLine xmlns:a14="http://schemas.microsoft.com/office/drawing/2010/main" xmlns="" w="9525">
+              <a14:hiddenLine xmlns:a14="http://schemas.microsoft.com/office/drawing/2010/main" w="9525">
                 <a:solidFill>
                   <a:srgbClr val="000000"/>
                 </a:solidFill>
@@ -1388,14 +1389,14 @@
           </a:ln>
           <a:extLst>
             <a:ext uri="{909E8E84-426E-40DD-AFC4-6F175D3DCCD1}">
-              <a14:hiddenFill xmlns:a14="http://schemas.microsoft.com/office/drawing/2010/main" xmlns="">
+              <a14:hiddenFill xmlns:a14="http://schemas.microsoft.com/office/drawing/2010/main">
                 <a:solidFill>
                   <a:srgbClr val="FFFFFF"/>
                 </a:solidFill>
               </a14:hiddenFill>
             </a:ext>
             <a:ext uri="{91240B29-F687-4F45-9708-019B960494DF}">
-              <a14:hiddenLine xmlns:a14="http://schemas.microsoft.com/office/drawing/2010/main" xmlns="" w="9525">
+              <a14:hiddenLine xmlns:a14="http://schemas.microsoft.com/office/drawing/2010/main" w="9525">
                 <a:solidFill>
                   <a:srgbClr val="000000"/>
                 </a:solidFill>
@@ -1984,14 +1985,14 @@
           </a:ln>
           <a:extLst>
             <a:ext uri="{909E8E84-426E-40DD-AFC4-6F175D3DCCD1}">
-              <a14:hiddenFill xmlns:a14="http://schemas.microsoft.com/office/drawing/2010/main" xmlns="">
+              <a14:hiddenFill xmlns:a14="http://schemas.microsoft.com/office/drawing/2010/main">
                 <a:solidFill>
                   <a:srgbClr val="FFFFFF"/>
                 </a:solidFill>
               </a14:hiddenFill>
             </a:ext>
             <a:ext uri="{91240B29-F687-4F45-9708-019B960494DF}">
-              <a14:hiddenLine xmlns:a14="http://schemas.microsoft.com/office/drawing/2010/main" xmlns="" w="9525">
+              <a14:hiddenLine xmlns:a14="http://schemas.microsoft.com/office/drawing/2010/main" w="9525">
                 <a:solidFill>
                   <a:srgbClr val="000000"/>
                 </a:solidFill>
@@ -2044,14 +2045,14 @@
           </a:ln>
           <a:extLst>
             <a:ext uri="{909E8E84-426E-40DD-AFC4-6F175D3DCCD1}">
-              <a14:hiddenFill xmlns:a14="http://schemas.microsoft.com/office/drawing/2010/main" xmlns="">
+              <a14:hiddenFill xmlns:a14="http://schemas.microsoft.com/office/drawing/2010/main">
                 <a:solidFill>
                   <a:srgbClr val="FFFFFF"/>
                 </a:solidFill>
               </a14:hiddenFill>
             </a:ext>
             <a:ext uri="{91240B29-F687-4F45-9708-019B960494DF}">
-              <a14:hiddenLine xmlns:a14="http://schemas.microsoft.com/office/drawing/2010/main" xmlns="" w="9525">
+              <a14:hiddenLine xmlns:a14="http://schemas.microsoft.com/office/drawing/2010/main" w="9525">
                 <a:solidFill>
                   <a:srgbClr val="000000"/>
                 </a:solidFill>
@@ -2618,14 +2619,14 @@
           </a:ln>
           <a:extLst>
             <a:ext uri="{909E8E84-426E-40DD-AFC4-6F175D3DCCD1}">
-              <a14:hiddenFill xmlns:a14="http://schemas.microsoft.com/office/drawing/2010/main" xmlns="">
+              <a14:hiddenFill xmlns:a14="http://schemas.microsoft.com/office/drawing/2010/main">
                 <a:solidFill>
                   <a:srgbClr val="FFFFFF"/>
                 </a:solidFill>
               </a14:hiddenFill>
             </a:ext>
             <a:ext uri="{91240B29-F687-4F45-9708-019B960494DF}">
-              <a14:hiddenLine xmlns:a14="http://schemas.microsoft.com/office/drawing/2010/main" xmlns="" w="9525">
+              <a14:hiddenLine xmlns:a14="http://schemas.microsoft.com/office/drawing/2010/main" w="9525">
                 <a:solidFill>
                   <a:srgbClr val="000000"/>
                 </a:solidFill>
@@ -2678,14 +2679,14 @@
           </a:ln>
           <a:extLst>
             <a:ext uri="{909E8E84-426E-40DD-AFC4-6F175D3DCCD1}">
-              <a14:hiddenFill xmlns:a14="http://schemas.microsoft.com/office/drawing/2010/main" xmlns="">
+              <a14:hiddenFill xmlns:a14="http://schemas.microsoft.com/office/drawing/2010/main">
                 <a:solidFill>
                   <a:srgbClr val="FFFFFF"/>
                 </a:solidFill>
               </a14:hiddenFill>
             </a:ext>
             <a:ext uri="{91240B29-F687-4F45-9708-019B960494DF}">
-              <a14:hiddenLine xmlns:a14="http://schemas.microsoft.com/office/drawing/2010/main" xmlns="" w="9525">
+              <a14:hiddenLine xmlns:a14="http://schemas.microsoft.com/office/drawing/2010/main" w="9525">
                 <a:solidFill>
                   <a:srgbClr val="000000"/>
                 </a:solidFill>
@@ -3368,72 +3369,1156 @@
           <a:lstStyle/>
           <a:p>
             <a:r>
-              <a:rPr lang="it-IT" dirty="0" smtClean="0"/>
-              <a:t>MICROSERVICE: OVERVIEW</a:t>
+              <a:rPr lang="it-IT" sz="2000" dirty="0" err="1" smtClean="0"/>
+              <a:t>Which</a:t>
+            </a:r>
+            <a:r>
+              <a:rPr lang="it-IT" sz="2000" dirty="0" smtClean="0"/>
+              <a:t> database </a:t>
+            </a:r>
+            <a:r>
+              <a:rPr lang="it-IT" sz="2000" dirty="0" err="1" smtClean="0"/>
+              <a:t>architecture</a:t>
+            </a:r>
+            <a:r>
+              <a:rPr lang="it-IT" sz="2000" dirty="0" smtClean="0"/>
+              <a:t> for a microservice design pattern: DATABASE </a:t>
+            </a:r>
+            <a:r>
+              <a:rPr lang="it-IT" sz="2000" dirty="0" smtClean="0"/>
+              <a:t>PER SERVICE PATTERN</a:t>
             </a:r>
           </a:p>
           <a:p>
             <a:pPr lvl="1"/>
             <a:r>
-              <a:rPr lang="it-IT" dirty="0" err="1" smtClean="0"/>
-              <a:t>Blah</a:t>
-            </a:r>
-            <a:endParaRPr lang="it-IT" dirty="0" smtClean="0"/>
+              <a:rPr lang="it-IT" sz="2000" dirty="0" err="1" smtClean="0"/>
+              <a:t>We</a:t>
+            </a:r>
+            <a:r>
+              <a:rPr lang="it-IT" sz="2000" dirty="0" smtClean="0"/>
+              <a:t> </a:t>
+            </a:r>
+            <a:r>
+              <a:rPr lang="it-IT" sz="2000" dirty="0" err="1" smtClean="0"/>
+              <a:t>want</a:t>
+            </a:r>
+            <a:r>
+              <a:rPr lang="it-IT" sz="2000" dirty="0" smtClean="0"/>
+              <a:t> to </a:t>
+            </a:r>
+            <a:r>
+              <a:rPr lang="it-IT" sz="2000" dirty="0" err="1" smtClean="0"/>
+              <a:t>realize</a:t>
+            </a:r>
+            <a:r>
+              <a:rPr lang="it-IT" sz="2000" dirty="0" smtClean="0"/>
+              <a:t>:</a:t>
+            </a:r>
+          </a:p>
+          <a:p>
+            <a:pPr lvl="2"/>
+            <a:r>
+              <a:rPr lang="it-IT" sz="2000" dirty="0" smtClean="0"/>
+              <a:t>Services </a:t>
+            </a:r>
+            <a:r>
+              <a:rPr lang="it-IT" sz="2000" dirty="0" err="1" smtClean="0"/>
+              <a:t>loosely</a:t>
+            </a:r>
+            <a:r>
+              <a:rPr lang="it-IT" sz="2000" dirty="0" smtClean="0"/>
+              <a:t> </a:t>
+            </a:r>
+            <a:r>
+              <a:rPr lang="it-IT" sz="2000" dirty="0" err="1" smtClean="0"/>
+              <a:t>coupled</a:t>
+            </a:r>
+            <a:r>
+              <a:rPr lang="it-IT" sz="2000" dirty="0" smtClean="0"/>
+              <a:t> </a:t>
+            </a:r>
+            <a:r>
+              <a:rPr lang="it-IT" sz="2000" dirty="0" err="1" smtClean="0"/>
+              <a:t>that</a:t>
+            </a:r>
+            <a:r>
+              <a:rPr lang="it-IT" sz="2000" dirty="0" smtClean="0"/>
+              <a:t> can </a:t>
+            </a:r>
+            <a:r>
+              <a:rPr lang="it-IT" sz="2000" dirty="0" err="1" smtClean="0"/>
+              <a:t>develop</a:t>
+            </a:r>
+            <a:r>
+              <a:rPr lang="it-IT" sz="2000" dirty="0" smtClean="0"/>
+              <a:t>, </a:t>
+            </a:r>
+            <a:r>
+              <a:rPr lang="it-IT" sz="2000" dirty="0" err="1" smtClean="0"/>
+              <a:t>deployed</a:t>
+            </a:r>
+            <a:r>
+              <a:rPr lang="it-IT" sz="2000" dirty="0" smtClean="0"/>
+              <a:t> and </a:t>
+            </a:r>
+            <a:r>
+              <a:rPr lang="it-IT" sz="2000" dirty="0" err="1" smtClean="0"/>
+              <a:t>scaled</a:t>
+            </a:r>
+            <a:r>
+              <a:rPr lang="it-IT" sz="2000" dirty="0" smtClean="0"/>
+              <a:t> </a:t>
+            </a:r>
+            <a:r>
+              <a:rPr lang="it-IT" sz="2000" dirty="0" err="1" smtClean="0"/>
+              <a:t>indipendently</a:t>
+            </a:r>
+            <a:r>
+              <a:rPr lang="it-IT" sz="2000" dirty="0" smtClean="0"/>
+              <a:t> </a:t>
+            </a:r>
+          </a:p>
+          <a:p>
+            <a:pPr lvl="2"/>
+            <a:r>
+              <a:rPr lang="it-IT" sz="2000" dirty="0" smtClean="0"/>
+              <a:t>Business </a:t>
+            </a:r>
+            <a:r>
+              <a:rPr lang="it-IT" sz="2000" dirty="0" err="1" smtClean="0"/>
+              <a:t>transactions</a:t>
+            </a:r>
+            <a:r>
+              <a:rPr lang="it-IT" sz="2000" dirty="0" smtClean="0"/>
+              <a:t> </a:t>
+            </a:r>
+            <a:r>
+              <a:rPr lang="it-IT" sz="2000" dirty="0" err="1" smtClean="0"/>
+              <a:t>that</a:t>
+            </a:r>
+            <a:r>
+              <a:rPr lang="it-IT" sz="2000" dirty="0" smtClean="0"/>
+              <a:t> </a:t>
+            </a:r>
+            <a:r>
+              <a:rPr lang="it-IT" sz="2000" dirty="0" err="1" smtClean="0"/>
+              <a:t>need</a:t>
+            </a:r>
+            <a:r>
+              <a:rPr lang="it-IT" sz="2000" dirty="0" smtClean="0"/>
+              <a:t> to update data </a:t>
+            </a:r>
+            <a:r>
+              <a:rPr lang="it-IT" sz="2000" dirty="0" err="1" smtClean="0"/>
+              <a:t>ownd</a:t>
+            </a:r>
+            <a:r>
+              <a:rPr lang="it-IT" sz="2000" dirty="0" smtClean="0"/>
+              <a:t> by multiple </a:t>
+            </a:r>
+            <a:r>
+              <a:rPr lang="it-IT" sz="2000" dirty="0" err="1" smtClean="0"/>
+              <a:t>services</a:t>
+            </a:r>
+            <a:endParaRPr lang="it-IT" sz="2000" dirty="0" smtClean="0"/>
+          </a:p>
+          <a:p>
+            <a:pPr lvl="2"/>
+            <a:r>
+              <a:rPr lang="it-IT" sz="2000" dirty="0" smtClean="0"/>
+              <a:t>Some </a:t>
+            </a:r>
+            <a:r>
+              <a:rPr lang="it-IT" sz="2000" dirty="0" err="1" smtClean="0"/>
+              <a:t>queries</a:t>
+            </a:r>
+            <a:r>
+              <a:rPr lang="it-IT" sz="2000" dirty="0" err="1" smtClean="0"/>
+              <a:t>must</a:t>
+            </a:r>
+            <a:r>
+              <a:rPr lang="it-IT" sz="2000" dirty="0" smtClean="0"/>
+              <a:t> join data </a:t>
+            </a:r>
+            <a:r>
+              <a:rPr lang="it-IT" sz="2000" dirty="0" err="1" smtClean="0"/>
+              <a:t>owned</a:t>
+            </a:r>
+            <a:r>
+              <a:rPr lang="it-IT" sz="2000" dirty="0" smtClean="0"/>
+              <a:t> by multiple </a:t>
+            </a:r>
+            <a:r>
+              <a:rPr lang="it-IT" sz="2000" dirty="0" err="1" smtClean="0"/>
+              <a:t>services</a:t>
+            </a:r>
+            <a:endParaRPr lang="it-IT" sz="2000" dirty="0" smtClean="0"/>
+          </a:p>
+          <a:p>
+            <a:pPr lvl="2"/>
+            <a:r>
+              <a:rPr lang="it-IT" sz="2000" dirty="0" err="1" smtClean="0"/>
+              <a:t>Different</a:t>
+            </a:r>
+            <a:r>
+              <a:rPr lang="it-IT" sz="2000" dirty="0" smtClean="0"/>
+              <a:t> service </a:t>
+            </a:r>
+            <a:r>
+              <a:rPr lang="it-IT" sz="2000" dirty="0" err="1" smtClean="0"/>
+              <a:t>have</a:t>
+            </a:r>
+            <a:r>
+              <a:rPr lang="it-IT" sz="2000" dirty="0" smtClean="0"/>
+              <a:t> </a:t>
+            </a:r>
+            <a:r>
+              <a:rPr lang="it-IT" sz="2000" dirty="0" err="1" smtClean="0"/>
+              <a:t>different</a:t>
+            </a:r>
+            <a:r>
+              <a:rPr lang="it-IT" sz="2000" dirty="0" smtClean="0"/>
+              <a:t> data </a:t>
+            </a:r>
+            <a:r>
+              <a:rPr lang="it-IT" sz="2000" dirty="0" err="1" smtClean="0"/>
+              <a:t>store</a:t>
+            </a:r>
+            <a:r>
+              <a:rPr lang="it-IT" sz="2000" dirty="0" smtClean="0"/>
+              <a:t> </a:t>
+            </a:r>
+            <a:r>
+              <a:rPr lang="it-IT" sz="2000" dirty="0" err="1" smtClean="0"/>
+              <a:t>requirements</a:t>
+            </a:r>
+            <a:endParaRPr lang="it-IT" sz="2000" dirty="0" smtClean="0"/>
           </a:p>
           <a:p>
             <a:pPr lvl="1"/>
             <a:r>
-              <a:rPr lang="it-IT" dirty="0" err="1" smtClean="0"/>
-              <a:t>blah</a:t>
-            </a:r>
-            <a:endParaRPr lang="it-IT" dirty="0" smtClean="0"/>
+              <a:rPr lang="it-IT" sz="2000" dirty="0" smtClean="0"/>
+              <a:t>With a Database per service pattern </a:t>
+            </a:r>
+            <a:r>
+              <a:rPr lang="it-IT" sz="2000" dirty="0" err="1" smtClean="0"/>
+              <a:t>it</a:t>
+            </a:r>
+            <a:r>
+              <a:rPr lang="it-IT" sz="2000" dirty="0" smtClean="0"/>
+              <a:t> </a:t>
+            </a:r>
+            <a:r>
+              <a:rPr lang="it-IT" sz="2000" dirty="0" err="1" smtClean="0"/>
+              <a:t>is</a:t>
+            </a:r>
+            <a:r>
+              <a:rPr lang="it-IT" sz="2000" dirty="0" smtClean="0"/>
+              <a:t> </a:t>
+            </a:r>
+            <a:r>
+              <a:rPr lang="it-IT" sz="2000" dirty="0" err="1" smtClean="0"/>
+              <a:t>possible</a:t>
+            </a:r>
+            <a:r>
+              <a:rPr lang="it-IT" sz="2000" dirty="0" smtClean="0"/>
+              <a:t> to </a:t>
+            </a:r>
+            <a:r>
+              <a:rPr lang="it-IT" sz="2000" dirty="0" err="1" smtClean="0"/>
+              <a:t>achieve</a:t>
+            </a:r>
+            <a:r>
+              <a:rPr lang="it-IT" sz="2000" dirty="0" smtClean="0"/>
+              <a:t>:</a:t>
+            </a:r>
           </a:p>
           <a:p>
-            <a:r>
-              <a:rPr lang="it-IT" dirty="0" smtClean="0"/>
-              <a:t>DATABASE PER SERVICE PATTERN</a:t>
+            <a:pPr lvl="2"/>
+            <a:r>
+              <a:rPr lang="it-IT" sz="2000" dirty="0" err="1" smtClean="0"/>
+              <a:t>Each</a:t>
+            </a:r>
+            <a:r>
+              <a:rPr lang="it-IT" sz="2000" dirty="0" smtClean="0"/>
+              <a:t> </a:t>
+            </a:r>
+            <a:r>
+              <a:rPr lang="it-IT" sz="2000" dirty="0" err="1" smtClean="0"/>
+              <a:t>microservice’s</a:t>
+            </a:r>
+            <a:r>
+              <a:rPr lang="it-IT" sz="2000" dirty="0" smtClean="0"/>
+              <a:t> </a:t>
+            </a:r>
+            <a:r>
+              <a:rPr lang="it-IT" sz="2000" dirty="0" err="1" smtClean="0"/>
+              <a:t>persistence</a:t>
+            </a:r>
+            <a:r>
+              <a:rPr lang="it-IT" sz="2000" dirty="0" smtClean="0"/>
+              <a:t> data private to </a:t>
+            </a:r>
+            <a:r>
+              <a:rPr lang="it-IT" sz="2000" dirty="0" err="1" smtClean="0"/>
+              <a:t>that</a:t>
+            </a:r>
+            <a:r>
+              <a:rPr lang="it-IT" sz="2000" dirty="0" smtClean="0"/>
+              <a:t> service </a:t>
+            </a:r>
+            <a:r>
+              <a:rPr lang="it-IT" sz="2000" dirty="0" err="1" smtClean="0"/>
+              <a:t>accessible</a:t>
+            </a:r>
+            <a:r>
+              <a:rPr lang="it-IT" sz="2000" dirty="0" smtClean="0"/>
+              <a:t> </a:t>
+            </a:r>
+            <a:r>
+              <a:rPr lang="it-IT" sz="2000" dirty="0" err="1" smtClean="0"/>
+              <a:t>only</a:t>
+            </a:r>
+            <a:r>
+              <a:rPr lang="it-IT" sz="2000" dirty="0" smtClean="0"/>
+              <a:t> via </a:t>
+            </a:r>
+            <a:r>
+              <a:rPr lang="it-IT" sz="2000" dirty="0" err="1" smtClean="0"/>
+              <a:t>its</a:t>
+            </a:r>
+            <a:r>
+              <a:rPr lang="it-IT" sz="2000" dirty="0" smtClean="0"/>
+              <a:t> API</a:t>
             </a:r>
           </a:p>
           <a:p>
-            <a:pPr lvl="1"/>
-            <a:r>
-              <a:rPr lang="it-IT" dirty="0" err="1" smtClean="0"/>
-              <a:t>Blah</a:t>
-            </a:r>
-            <a:r>
-              <a:rPr lang="it-IT" dirty="0" smtClean="0"/>
-              <a:t> </a:t>
+            <a:pPr lvl="3"/>
+            <a:r>
+              <a:rPr lang="it-IT" sz="2000" dirty="0" smtClean="0"/>
+              <a:t>To </a:t>
+            </a:r>
+            <a:r>
+              <a:rPr lang="it-IT" sz="2000" dirty="0" err="1" smtClean="0"/>
+              <a:t>keep</a:t>
+            </a:r>
+            <a:r>
+              <a:rPr lang="it-IT" sz="2000" dirty="0" smtClean="0"/>
+              <a:t> data private in case of </a:t>
+            </a:r>
+            <a:r>
+              <a:rPr lang="it-IT" sz="2000" dirty="0" err="1" smtClean="0"/>
+              <a:t>relational</a:t>
+            </a:r>
+            <a:r>
+              <a:rPr lang="it-IT" sz="2000" dirty="0" smtClean="0"/>
+              <a:t> database </a:t>
+            </a:r>
+            <a:r>
+              <a:rPr lang="it-IT" sz="2000" dirty="0" err="1" smtClean="0"/>
+              <a:t>such</a:t>
+            </a:r>
+            <a:r>
+              <a:rPr lang="it-IT" sz="2000" dirty="0" smtClean="0"/>
+              <a:t> are the option:</a:t>
             </a:r>
           </a:p>
           <a:p>
-            <a:pPr lvl="1"/>
-            <a:r>
-              <a:rPr lang="it-IT" dirty="0" err="1" smtClean="0"/>
-              <a:t>Blah</a:t>
-            </a:r>
-            <a:r>
-              <a:rPr lang="it-IT" dirty="0" smtClean="0"/>
-              <a:t> </a:t>
+            <a:pPr lvl="4"/>
+            <a:r>
+              <a:rPr lang="it-IT" sz="2000" dirty="0" smtClean="0"/>
+              <a:t>Private-</a:t>
+            </a:r>
+            <a:r>
+              <a:rPr lang="it-IT" sz="2000" dirty="0" err="1" smtClean="0"/>
+              <a:t>table</a:t>
+            </a:r>
+            <a:r>
+              <a:rPr lang="it-IT" sz="2000" dirty="0" smtClean="0"/>
+              <a:t>-per service (</a:t>
+            </a:r>
+            <a:r>
+              <a:rPr lang="it-IT" sz="2000" dirty="0" err="1" smtClean="0"/>
+              <a:t>lowest</a:t>
+            </a:r>
+            <a:r>
+              <a:rPr lang="it-IT" sz="2000" dirty="0" smtClean="0"/>
+              <a:t> overhead)</a:t>
             </a:r>
           </a:p>
           <a:p>
-            <a:pPr lvl="1"/>
-            <a:r>
-              <a:rPr lang="it-IT" dirty="0" err="1" smtClean="0"/>
-              <a:t>Blah</a:t>
-            </a:r>
-            <a:r>
-              <a:rPr lang="it-IT" dirty="0" smtClean="0"/>
+            <a:pPr lvl="4"/>
+            <a:r>
+              <a:rPr lang="it-IT" sz="2000" dirty="0" smtClean="0"/>
+              <a:t>Schema-</a:t>
+            </a:r>
+            <a:r>
+              <a:rPr lang="it-IT" sz="2000" dirty="0" err="1" smtClean="0"/>
+              <a:t>per_service</a:t>
+            </a:r>
+            <a:r>
+              <a:rPr lang="it-IT" sz="2000" dirty="0" smtClean="0"/>
+              <a:t> (</a:t>
+            </a:r>
+            <a:r>
+              <a:rPr lang="it-IT" sz="2000" dirty="0" err="1" smtClean="0"/>
+              <a:t>makes</a:t>
+            </a:r>
+            <a:r>
+              <a:rPr lang="it-IT" sz="2000" dirty="0" smtClean="0"/>
               <a:t> </a:t>
             </a:r>
-            <a:endParaRPr lang="it-IT" dirty="0"/>
+            <a:r>
+              <a:rPr lang="it-IT" sz="2000" dirty="0" err="1" smtClean="0"/>
+              <a:t>clear</a:t>
+            </a:r>
+            <a:r>
+              <a:rPr lang="it-IT" sz="2000" dirty="0" smtClean="0"/>
+              <a:t> </a:t>
+            </a:r>
+            <a:r>
+              <a:rPr lang="it-IT" sz="2000" dirty="0" err="1" smtClean="0"/>
+              <a:t>ownership</a:t>
+            </a:r>
+            <a:r>
+              <a:rPr lang="it-IT" sz="2000" dirty="0" smtClean="0"/>
+              <a:t>)</a:t>
+            </a:r>
+          </a:p>
+          <a:p>
+            <a:pPr lvl="4"/>
+            <a:r>
+              <a:rPr lang="it-IT" sz="2000" dirty="0" smtClean="0"/>
+              <a:t>Database-server-per-service (for </a:t>
+            </a:r>
+            <a:r>
+              <a:rPr lang="it-IT" sz="2000" dirty="0" err="1" smtClean="0"/>
+              <a:t>highly</a:t>
+            </a:r>
+            <a:r>
+              <a:rPr lang="it-IT" sz="2000" dirty="0" smtClean="0"/>
+              <a:t> </a:t>
+            </a:r>
+            <a:r>
+              <a:rPr lang="it-IT" sz="2000" dirty="0" err="1" smtClean="0"/>
+              <a:t>throughput</a:t>
+            </a:r>
+            <a:r>
+              <a:rPr lang="it-IT" sz="2000" dirty="0" smtClean="0"/>
+              <a:t> service – </a:t>
+            </a:r>
+            <a:r>
+              <a:rPr lang="it-IT" sz="2000" dirty="0" err="1" smtClean="0"/>
+              <a:t>nee</a:t>
+            </a:r>
+            <a:endParaRPr lang="it-IT" sz="2000" dirty="0" smtClean="0"/>
+          </a:p>
+          <a:p>
+            <a:pPr lvl="3"/>
+            <a:r>
+              <a:rPr lang="it-IT" sz="2000" dirty="0" smtClean="0"/>
+              <a:t>To </a:t>
+            </a:r>
+            <a:r>
+              <a:rPr lang="it-IT" sz="2000" dirty="0" err="1" smtClean="0"/>
+              <a:t>enforce</a:t>
+            </a:r>
+            <a:r>
+              <a:rPr lang="it-IT" sz="2000" dirty="0" smtClean="0"/>
+              <a:t> </a:t>
+            </a:r>
+            <a:r>
+              <a:rPr lang="it-IT" sz="2000" dirty="0" err="1" smtClean="0"/>
+              <a:t>encapsulation</a:t>
+            </a:r>
+            <a:r>
+              <a:rPr lang="it-IT" sz="2000" dirty="0" smtClean="0"/>
+              <a:t> with </a:t>
+            </a:r>
+            <a:r>
+              <a:rPr lang="it-IT" sz="2000" dirty="0" err="1" smtClean="0"/>
+              <a:t>different</a:t>
+            </a:r>
+            <a:r>
+              <a:rPr lang="it-IT" sz="2000" dirty="0" smtClean="0"/>
+              <a:t> database </a:t>
+            </a:r>
+            <a:r>
+              <a:rPr lang="it-IT" sz="2000" dirty="0" err="1" smtClean="0"/>
+              <a:t>user</a:t>
+            </a:r>
+            <a:r>
+              <a:rPr lang="it-IT" sz="2000" dirty="0" smtClean="0"/>
+              <a:t> id to </a:t>
+            </a:r>
+            <a:r>
+              <a:rPr lang="it-IT" sz="2000" dirty="0" err="1" smtClean="0"/>
+              <a:t>each</a:t>
+            </a:r>
+            <a:r>
+              <a:rPr lang="it-IT" sz="2000" dirty="0" smtClean="0"/>
+              <a:t> service so </a:t>
+            </a:r>
+            <a:r>
+              <a:rPr lang="it-IT" sz="2000" dirty="0" err="1" smtClean="0"/>
+              <a:t>developers</a:t>
+            </a:r>
+            <a:r>
+              <a:rPr lang="it-IT" sz="2000" dirty="0" smtClean="0"/>
+              <a:t> </a:t>
+            </a:r>
+            <a:r>
+              <a:rPr lang="it-IT" sz="2000" dirty="0" err="1" smtClean="0"/>
+              <a:t>wil</a:t>
+            </a:r>
+            <a:r>
+              <a:rPr lang="it-IT" sz="2000" dirty="0" smtClean="0"/>
+              <a:t> </a:t>
+            </a:r>
+            <a:r>
+              <a:rPr lang="it-IT" sz="2000" dirty="0" err="1" smtClean="0"/>
+              <a:t>not</a:t>
+            </a:r>
+            <a:r>
+              <a:rPr lang="it-IT" sz="2000" dirty="0" smtClean="0"/>
+              <a:t> </a:t>
+            </a:r>
+            <a:r>
+              <a:rPr lang="it-IT" sz="2000" dirty="0" err="1" smtClean="0"/>
+              <a:t>temped</a:t>
+            </a:r>
+            <a:r>
+              <a:rPr lang="it-IT" sz="2000" dirty="0" smtClean="0"/>
+              <a:t> to bypass a service api and </a:t>
+            </a:r>
+            <a:r>
+              <a:rPr lang="it-IT" sz="2000" dirty="0" err="1" smtClean="0"/>
+              <a:t>access</a:t>
+            </a:r>
+            <a:r>
+              <a:rPr lang="it-IT" sz="2000" dirty="0" smtClean="0"/>
+              <a:t> </a:t>
+            </a:r>
+            <a:r>
+              <a:rPr lang="it-IT" sz="2000" dirty="0" err="1" smtClean="0"/>
+              <a:t>it’s</a:t>
+            </a:r>
+            <a:r>
+              <a:rPr lang="it-IT" sz="2000" dirty="0" smtClean="0"/>
+              <a:t> data </a:t>
+            </a:r>
+            <a:r>
+              <a:rPr lang="it-IT" sz="2000" dirty="0" err="1" smtClean="0"/>
+              <a:t>directly</a:t>
+            </a:r>
+            <a:endParaRPr lang="it-IT" sz="2000" dirty="0" smtClean="0"/>
+          </a:p>
+          <a:p>
+            <a:pPr lvl="3"/>
+            <a:endParaRPr lang="it-IT" sz="2000" dirty="0"/>
+          </a:p>
+          <a:p>
+            <a:pPr lvl="2"/>
+            <a:r>
+              <a:rPr lang="it-IT" sz="2000" dirty="0" smtClean="0"/>
+              <a:t>Benefits of </a:t>
+            </a:r>
+            <a:r>
+              <a:rPr lang="it-IT" sz="2000" dirty="0" err="1" smtClean="0"/>
+              <a:t>this</a:t>
+            </a:r>
+            <a:r>
+              <a:rPr lang="it-IT" sz="2000" dirty="0" smtClean="0"/>
+              <a:t> pattern</a:t>
+            </a:r>
+          </a:p>
+          <a:p>
+            <a:pPr lvl="3"/>
+            <a:r>
+              <a:rPr lang="it-IT" sz="2000" dirty="0" err="1" smtClean="0"/>
+              <a:t>Ensure</a:t>
+            </a:r>
+            <a:r>
+              <a:rPr lang="it-IT" sz="2000" dirty="0" smtClean="0"/>
+              <a:t> </a:t>
+            </a:r>
+            <a:r>
+              <a:rPr lang="it-IT" sz="2000" dirty="0" err="1" smtClean="0"/>
+              <a:t>that</a:t>
+            </a:r>
+            <a:r>
+              <a:rPr lang="it-IT" sz="2000" dirty="0" smtClean="0"/>
+              <a:t> the </a:t>
+            </a:r>
+            <a:r>
+              <a:rPr lang="it-IT" sz="2000" dirty="0" err="1" smtClean="0"/>
+              <a:t>servicesa</a:t>
+            </a:r>
+            <a:r>
+              <a:rPr lang="it-IT" sz="2000" dirty="0" smtClean="0"/>
+              <a:t> are </a:t>
+            </a:r>
+            <a:r>
+              <a:rPr lang="it-IT" sz="2000" dirty="0" err="1" smtClean="0"/>
+              <a:t>loosely</a:t>
+            </a:r>
+            <a:r>
+              <a:rPr lang="it-IT" sz="2000" dirty="0" smtClean="0"/>
+              <a:t> </a:t>
+            </a:r>
+            <a:r>
+              <a:rPr lang="it-IT" sz="2000" dirty="0" err="1" smtClean="0"/>
+              <a:t>couples</a:t>
+            </a:r>
+            <a:r>
+              <a:rPr lang="it-IT" sz="2000" dirty="0" smtClean="0"/>
+              <a:t> </a:t>
+            </a:r>
+            <a:r>
+              <a:rPr lang="it-IT" sz="2000" dirty="0" err="1" smtClean="0"/>
+              <a:t>changes</a:t>
+            </a:r>
+            <a:r>
+              <a:rPr lang="it-IT" sz="2000" dirty="0" smtClean="0"/>
+              <a:t> to </a:t>
+            </a:r>
+            <a:r>
+              <a:rPr lang="it-IT" sz="2000" dirty="0" err="1" smtClean="0"/>
+              <a:t>one</a:t>
+            </a:r>
+            <a:r>
+              <a:rPr lang="it-IT" sz="2000" dirty="0" smtClean="0"/>
+              <a:t> </a:t>
+            </a:r>
+            <a:r>
+              <a:rPr lang="it-IT" sz="2000" dirty="0" err="1" smtClean="0"/>
+              <a:t>service’s</a:t>
+            </a:r>
+            <a:r>
+              <a:rPr lang="it-IT" sz="2000" dirty="0" smtClean="0"/>
+              <a:t> database </a:t>
+            </a:r>
+            <a:r>
+              <a:rPr lang="it-IT" sz="2000" dirty="0" err="1" smtClean="0"/>
+              <a:t>dos</a:t>
+            </a:r>
+            <a:r>
+              <a:rPr lang="it-IT" sz="2000" dirty="0" smtClean="0"/>
+              <a:t> </a:t>
+            </a:r>
+            <a:r>
+              <a:rPr lang="it-IT" sz="2000" dirty="0" err="1" smtClean="0"/>
+              <a:t>not</a:t>
+            </a:r>
+            <a:r>
+              <a:rPr lang="it-IT" sz="2000" dirty="0" smtClean="0"/>
+              <a:t> impact </a:t>
+            </a:r>
+            <a:r>
+              <a:rPr lang="it-IT" sz="2000" dirty="0" err="1" smtClean="0"/>
+              <a:t>any</a:t>
+            </a:r>
+            <a:r>
+              <a:rPr lang="it-IT" sz="2000" dirty="0" smtClean="0"/>
+              <a:t> </a:t>
+            </a:r>
+            <a:r>
+              <a:rPr lang="it-IT" sz="2000" dirty="0" err="1" smtClean="0"/>
+              <a:t>other</a:t>
+            </a:r>
+            <a:r>
+              <a:rPr lang="it-IT" sz="2000" dirty="0" smtClean="0"/>
+              <a:t> </a:t>
+            </a:r>
+            <a:r>
+              <a:rPr lang="it-IT" sz="2000" dirty="0" err="1" smtClean="0"/>
+              <a:t>services</a:t>
+            </a:r>
+            <a:endParaRPr lang="it-IT" sz="2000" dirty="0" smtClean="0"/>
+          </a:p>
+          <a:p>
+            <a:pPr lvl="3"/>
+            <a:r>
+              <a:rPr lang="it-IT" sz="2000" dirty="0" err="1" smtClean="0"/>
+              <a:t>Each</a:t>
+            </a:r>
+            <a:r>
+              <a:rPr lang="it-IT" sz="2000" dirty="0" smtClean="0"/>
+              <a:t> service can use the </a:t>
+            </a:r>
+            <a:r>
+              <a:rPr lang="it-IT" sz="2000" dirty="0" err="1" smtClean="0"/>
+              <a:t>type</a:t>
+            </a:r>
+            <a:r>
+              <a:rPr lang="it-IT" sz="2000" dirty="0" smtClean="0"/>
+              <a:t> of database </a:t>
+            </a:r>
+            <a:r>
+              <a:rPr lang="it-IT" sz="2000" dirty="0" err="1" smtClean="0"/>
+              <a:t>that</a:t>
+            </a:r>
+            <a:r>
+              <a:rPr lang="it-IT" sz="2000" dirty="0" smtClean="0"/>
+              <a:t> </a:t>
+            </a:r>
+            <a:r>
+              <a:rPr lang="it-IT" sz="2000" dirty="0" err="1" smtClean="0"/>
+              <a:t>is</a:t>
+            </a:r>
+            <a:r>
+              <a:rPr lang="it-IT" sz="2000" dirty="0" smtClean="0"/>
+              <a:t> best </a:t>
+            </a:r>
+            <a:r>
+              <a:rPr lang="it-IT" sz="2000" dirty="0" err="1" smtClean="0"/>
+              <a:t>suited</a:t>
+            </a:r>
+            <a:r>
+              <a:rPr lang="it-IT" sz="2000" dirty="0" smtClean="0"/>
+              <a:t> to </a:t>
+            </a:r>
+            <a:r>
+              <a:rPr lang="it-IT" sz="2000" dirty="0" err="1" smtClean="0"/>
+              <a:t>its</a:t>
+            </a:r>
+            <a:r>
+              <a:rPr lang="it-IT" sz="2000" dirty="0" smtClean="0"/>
+              <a:t> </a:t>
+            </a:r>
+            <a:r>
+              <a:rPr lang="it-IT" sz="2000" dirty="0" err="1" smtClean="0"/>
+              <a:t>need</a:t>
+            </a:r>
+            <a:r>
+              <a:rPr lang="it-IT" sz="2000" dirty="0" smtClean="0"/>
+              <a:t> (neo4j social </a:t>
+            </a:r>
+            <a:r>
+              <a:rPr lang="it-IT" sz="2000" dirty="0" err="1" smtClean="0"/>
+              <a:t>graph</a:t>
+            </a:r>
+            <a:r>
+              <a:rPr lang="it-IT" sz="2000" dirty="0" smtClean="0"/>
+              <a:t>, </a:t>
+            </a:r>
+            <a:r>
+              <a:rPr lang="it-IT" sz="2000" dirty="0" err="1" smtClean="0"/>
+              <a:t>elasticsearch</a:t>
+            </a:r>
+            <a:r>
+              <a:rPr lang="it-IT" sz="2000" dirty="0" smtClean="0"/>
+              <a:t> for text </a:t>
+            </a:r>
+            <a:r>
+              <a:rPr lang="it-IT" sz="2000" dirty="0" err="1" smtClean="0"/>
+              <a:t>serches,etc</a:t>
+            </a:r>
+            <a:r>
+              <a:rPr lang="it-IT" sz="2000" dirty="0" smtClean="0"/>
+              <a:t>)</a:t>
+            </a:r>
+          </a:p>
+          <a:p>
+            <a:pPr lvl="2"/>
+            <a:r>
+              <a:rPr lang="it-IT" sz="2000" dirty="0" err="1" smtClean="0"/>
+              <a:t>Drawbacks</a:t>
+            </a:r>
+            <a:endParaRPr lang="it-IT" sz="2000" dirty="0" smtClean="0"/>
+          </a:p>
+          <a:p>
+            <a:pPr lvl="3"/>
+            <a:r>
+              <a:rPr lang="it-IT" sz="2000" dirty="0" smtClean="0"/>
+              <a:t>Distributed business </a:t>
+            </a:r>
+            <a:r>
+              <a:rPr lang="it-IT" sz="2000" dirty="0" err="1" smtClean="0"/>
+              <a:t>transaction</a:t>
+            </a:r>
+            <a:r>
+              <a:rPr lang="it-IT" sz="2000" dirty="0" smtClean="0"/>
+              <a:t> </a:t>
+            </a:r>
+            <a:r>
+              <a:rPr lang="it-IT" sz="2000" dirty="0" err="1" smtClean="0"/>
+              <a:t>that</a:t>
+            </a:r>
+            <a:r>
+              <a:rPr lang="it-IT" sz="2000" dirty="0" smtClean="0"/>
+              <a:t> </a:t>
+            </a:r>
+            <a:r>
+              <a:rPr lang="it-IT" sz="2000" dirty="0" err="1" smtClean="0"/>
+              <a:t>span</a:t>
+            </a:r>
+            <a:r>
+              <a:rPr lang="it-IT" sz="2000" dirty="0" smtClean="0"/>
+              <a:t> multiple </a:t>
+            </a:r>
+            <a:r>
+              <a:rPr lang="it-IT" sz="2000" dirty="0" err="1" smtClean="0"/>
+              <a:t>services</a:t>
+            </a:r>
+            <a:r>
+              <a:rPr lang="it-IT" sz="2000" dirty="0" smtClean="0"/>
+              <a:t> </a:t>
+            </a:r>
+            <a:r>
+              <a:rPr lang="it-IT" sz="2000" dirty="0" err="1" smtClean="0"/>
+              <a:t>could</a:t>
+            </a:r>
+            <a:r>
+              <a:rPr lang="it-IT" sz="2000" dirty="0" smtClean="0"/>
+              <a:t> be </a:t>
+            </a:r>
+            <a:r>
+              <a:rPr lang="it-IT" sz="2000" dirty="0" err="1" smtClean="0"/>
+              <a:t>not</a:t>
+            </a:r>
+            <a:r>
+              <a:rPr lang="it-IT" sz="2000" dirty="0" smtClean="0"/>
+              <a:t> </a:t>
+            </a:r>
+            <a:r>
+              <a:rPr lang="it-IT" sz="2000" dirty="0" err="1" smtClean="0"/>
+              <a:t>implemented</a:t>
+            </a:r>
+            <a:r>
+              <a:rPr lang="it-IT" sz="2000" dirty="0" smtClean="0"/>
+              <a:t> (CAP </a:t>
+            </a:r>
+            <a:r>
+              <a:rPr lang="it-IT" sz="2000" dirty="0" err="1" smtClean="0"/>
+              <a:t>theorem</a:t>
+            </a:r>
+            <a:r>
+              <a:rPr lang="it-IT" sz="2000" dirty="0" smtClean="0"/>
+              <a:t> and </a:t>
+            </a:r>
+            <a:r>
+              <a:rPr lang="it-IT" sz="2000" dirty="0" err="1" smtClean="0"/>
+              <a:t>many</a:t>
+            </a:r>
+            <a:r>
+              <a:rPr lang="it-IT" sz="2000" dirty="0" smtClean="0"/>
+              <a:t> </a:t>
+            </a:r>
+            <a:r>
+              <a:rPr lang="it-IT" sz="2000" dirty="0" err="1" smtClean="0"/>
+              <a:t>modern</a:t>
+            </a:r>
+            <a:r>
+              <a:rPr lang="it-IT" sz="2000" dirty="0" smtClean="0"/>
+              <a:t> database </a:t>
+            </a:r>
+            <a:r>
+              <a:rPr lang="it-IT" sz="2000" dirty="0" err="1" smtClean="0"/>
+              <a:t>does</a:t>
+            </a:r>
+            <a:r>
+              <a:rPr lang="it-IT" sz="2000" dirty="0" smtClean="0"/>
+              <a:t> </a:t>
+            </a:r>
+            <a:r>
+              <a:rPr lang="it-IT" sz="2000" dirty="0" err="1" smtClean="0"/>
+              <a:t>not</a:t>
+            </a:r>
+            <a:r>
+              <a:rPr lang="it-IT" sz="2000" dirty="0" smtClean="0"/>
+              <a:t> </a:t>
+            </a:r>
+            <a:r>
+              <a:rPr lang="it-IT" sz="2000" dirty="0" err="1" smtClean="0"/>
+              <a:t>support</a:t>
+            </a:r>
+            <a:r>
+              <a:rPr lang="it-IT" sz="2000" dirty="0" smtClean="0"/>
+              <a:t> </a:t>
+            </a:r>
+            <a:r>
+              <a:rPr lang="it-IT" sz="2000" dirty="0" err="1" smtClean="0"/>
+              <a:t>them</a:t>
+            </a:r>
+            <a:r>
+              <a:rPr lang="it-IT" sz="2000" dirty="0" smtClean="0"/>
+              <a:t> </a:t>
+            </a:r>
+            <a:r>
+              <a:rPr lang="it-IT" sz="2000" dirty="0" err="1" smtClean="0"/>
+              <a:t>NoSql</a:t>
+            </a:r>
+            <a:r>
+              <a:rPr lang="it-IT" sz="2000" dirty="0" smtClean="0"/>
+              <a:t>)</a:t>
+            </a:r>
+          </a:p>
+          <a:p>
+            <a:pPr lvl="3"/>
+            <a:r>
+              <a:rPr lang="it-IT" sz="2000" dirty="0" err="1" smtClean="0"/>
+              <a:t>Implementing</a:t>
+            </a:r>
+            <a:r>
+              <a:rPr lang="it-IT" sz="2000" dirty="0" smtClean="0"/>
+              <a:t> </a:t>
+            </a:r>
+            <a:r>
+              <a:rPr lang="it-IT" sz="2000" dirty="0" err="1" smtClean="0"/>
+              <a:t>queries</a:t>
+            </a:r>
+            <a:r>
+              <a:rPr lang="it-IT" sz="2000" dirty="0" smtClean="0"/>
+              <a:t> </a:t>
+            </a:r>
+            <a:r>
+              <a:rPr lang="it-IT" sz="2000" dirty="0" err="1" smtClean="0"/>
+              <a:t>that</a:t>
+            </a:r>
+            <a:r>
+              <a:rPr lang="it-IT" sz="2000" dirty="0" smtClean="0"/>
+              <a:t> join data </a:t>
+            </a:r>
+            <a:r>
+              <a:rPr lang="it-IT" sz="2000" dirty="0" err="1" smtClean="0"/>
+              <a:t>that</a:t>
+            </a:r>
+            <a:r>
+              <a:rPr lang="it-IT" sz="2000" dirty="0" smtClean="0"/>
+              <a:t> are </a:t>
+            </a:r>
+            <a:r>
+              <a:rPr lang="it-IT" sz="2000" dirty="0" err="1" smtClean="0"/>
+              <a:t>now</a:t>
+            </a:r>
+            <a:r>
+              <a:rPr lang="it-IT" sz="2000" dirty="0" smtClean="0"/>
+              <a:t> in multiple </a:t>
+            </a:r>
+            <a:r>
+              <a:rPr lang="it-IT" sz="2000" dirty="0" err="1" smtClean="0"/>
+              <a:t>datanìbase</a:t>
+            </a:r>
+            <a:r>
+              <a:rPr lang="it-IT" sz="2000" dirty="0" smtClean="0"/>
+              <a:t> </a:t>
+            </a:r>
+            <a:r>
+              <a:rPr lang="it-IT" sz="2000" dirty="0" err="1" smtClean="0"/>
+              <a:t>is</a:t>
+            </a:r>
+            <a:r>
+              <a:rPr lang="it-IT" sz="2000" dirty="0" smtClean="0"/>
+              <a:t> </a:t>
+            </a:r>
+            <a:r>
+              <a:rPr lang="it-IT" sz="2000" dirty="0" err="1" smtClean="0"/>
+              <a:t>challenging</a:t>
+            </a:r>
+            <a:r>
+              <a:rPr lang="it-IT" sz="2000" dirty="0" smtClean="0"/>
+              <a:t> </a:t>
+            </a:r>
+          </a:p>
+          <a:p>
+            <a:pPr lvl="2"/>
+            <a:r>
+              <a:rPr lang="it-IT" sz="2000" dirty="0" smtClean="0"/>
+              <a:t>Solution to </a:t>
+            </a:r>
+            <a:r>
+              <a:rPr lang="it-IT" sz="2000" dirty="0" err="1" smtClean="0"/>
+              <a:t>drawbacks</a:t>
+            </a:r>
+            <a:r>
+              <a:rPr lang="it-IT" sz="2000" dirty="0" smtClean="0"/>
+              <a:t>:</a:t>
+            </a:r>
+          </a:p>
+          <a:p>
+            <a:pPr lvl="3"/>
+            <a:r>
+              <a:rPr lang="it-IT" sz="2000" dirty="0" smtClean="0"/>
+              <a:t>Distributed </a:t>
+            </a:r>
+            <a:r>
+              <a:rPr lang="it-IT" sz="2000" dirty="0" err="1" smtClean="0"/>
+              <a:t>transaction</a:t>
+            </a:r>
+            <a:r>
+              <a:rPr lang="it-IT" sz="2000" dirty="0" smtClean="0"/>
+              <a:t> </a:t>
+            </a:r>
+            <a:r>
+              <a:rPr lang="it-IT" sz="2000" dirty="0" err="1" smtClean="0"/>
+              <a:t>could</a:t>
+            </a:r>
+            <a:r>
+              <a:rPr lang="it-IT" sz="2000" dirty="0" smtClean="0"/>
+              <a:t> be </a:t>
+            </a:r>
+            <a:r>
+              <a:rPr lang="it-IT" sz="2000" dirty="0" err="1" smtClean="0"/>
+              <a:t>realized</a:t>
+            </a:r>
+            <a:r>
+              <a:rPr lang="it-IT" sz="2000" dirty="0" smtClean="0"/>
+              <a:t> </a:t>
+            </a:r>
+            <a:r>
+              <a:rPr lang="it-IT" sz="2000" dirty="0" err="1" smtClean="0"/>
+              <a:t>witha</a:t>
+            </a:r>
+            <a:r>
+              <a:rPr lang="it-IT" sz="2000" dirty="0" smtClean="0"/>
+              <a:t> </a:t>
+            </a:r>
+            <a:r>
+              <a:rPr lang="it-IT" sz="2000" dirty="0" err="1" smtClean="0"/>
+              <a:t>Event</a:t>
+            </a:r>
+            <a:r>
+              <a:rPr lang="it-IT" sz="2000" dirty="0" smtClean="0"/>
+              <a:t> </a:t>
+            </a:r>
+            <a:r>
+              <a:rPr lang="it-IT" sz="2000" dirty="0" err="1" smtClean="0"/>
+              <a:t>Driven</a:t>
+            </a:r>
+            <a:r>
+              <a:rPr lang="it-IT" sz="2000" dirty="0" smtClean="0"/>
+              <a:t> Architecture with </a:t>
+            </a:r>
+            <a:r>
+              <a:rPr lang="it-IT" sz="2000" dirty="0" err="1" smtClean="0"/>
+              <a:t>services</a:t>
+            </a:r>
+            <a:r>
+              <a:rPr lang="it-IT" sz="2000" dirty="0" smtClean="0"/>
+              <a:t> </a:t>
+            </a:r>
+            <a:r>
+              <a:rPr lang="it-IT" sz="2000" dirty="0" err="1" smtClean="0"/>
+              <a:t>that</a:t>
+            </a:r>
+            <a:r>
+              <a:rPr lang="it-IT" sz="2000" dirty="0" smtClean="0"/>
+              <a:t> </a:t>
+            </a:r>
+            <a:r>
+              <a:rPr lang="it-IT" sz="2000" dirty="0" err="1" smtClean="0"/>
+              <a:t>publish</a:t>
+            </a:r>
+            <a:r>
+              <a:rPr lang="it-IT" sz="2000" dirty="0" smtClean="0"/>
+              <a:t> </a:t>
+            </a:r>
+            <a:r>
+              <a:rPr lang="it-IT" sz="2000" dirty="0" err="1" smtClean="0"/>
+              <a:t>events</a:t>
+            </a:r>
+            <a:r>
+              <a:rPr lang="it-IT" sz="2000" dirty="0" smtClean="0"/>
+              <a:t> </a:t>
+            </a:r>
+            <a:r>
+              <a:rPr lang="it-IT" sz="2000" dirty="0" err="1" smtClean="0"/>
+              <a:t>when</a:t>
+            </a:r>
+            <a:r>
+              <a:rPr lang="it-IT" sz="2000" dirty="0" smtClean="0"/>
+              <a:t> update </a:t>
+            </a:r>
+            <a:r>
+              <a:rPr lang="it-IT" sz="2000" dirty="0" err="1" smtClean="0"/>
+              <a:t>their</a:t>
+            </a:r>
+            <a:r>
+              <a:rPr lang="it-IT" sz="2000" dirty="0" smtClean="0"/>
+              <a:t> data and </a:t>
+            </a:r>
+            <a:r>
+              <a:rPr lang="it-IT" sz="2000" dirty="0" err="1" smtClean="0"/>
+              <a:t>other</a:t>
+            </a:r>
+            <a:r>
+              <a:rPr lang="it-IT" sz="2000" dirty="0" smtClean="0"/>
+              <a:t> </a:t>
+            </a:r>
+            <a:r>
+              <a:rPr lang="it-IT" sz="2000" dirty="0" err="1" smtClean="0"/>
+              <a:t>services</a:t>
+            </a:r>
+            <a:r>
+              <a:rPr lang="it-IT" sz="2000" dirty="0" smtClean="0"/>
+              <a:t> </a:t>
+            </a:r>
+            <a:r>
+              <a:rPr lang="it-IT" sz="2000" dirty="0" err="1" smtClean="0"/>
+              <a:t>that</a:t>
+            </a:r>
+            <a:r>
+              <a:rPr lang="it-IT" sz="2000" dirty="0" smtClean="0"/>
+              <a:t> update </a:t>
+            </a:r>
+            <a:r>
+              <a:rPr lang="it-IT" sz="2000" dirty="0" err="1" smtClean="0"/>
+              <a:t>their</a:t>
+            </a:r>
+            <a:r>
+              <a:rPr lang="it-IT" sz="2000" dirty="0" smtClean="0"/>
+              <a:t> </a:t>
+            </a:r>
+            <a:r>
+              <a:rPr lang="it-IT" sz="2000" dirty="0" err="1" smtClean="0"/>
+              <a:t>own</a:t>
+            </a:r>
+            <a:r>
+              <a:rPr lang="it-IT" sz="2000" dirty="0" smtClean="0"/>
+              <a:t> data </a:t>
+            </a:r>
+            <a:r>
+              <a:rPr lang="it-IT" sz="2000" dirty="0" err="1" smtClean="0"/>
+              <a:t>isubscribing</a:t>
+            </a:r>
+            <a:r>
+              <a:rPr lang="it-IT" sz="2000" dirty="0" smtClean="0"/>
+              <a:t> </a:t>
+            </a:r>
+            <a:r>
+              <a:rPr lang="it-IT" sz="2000" dirty="0" err="1" smtClean="0"/>
+              <a:t>these</a:t>
+            </a:r>
+            <a:r>
+              <a:rPr lang="it-IT" sz="2000" dirty="0" smtClean="0"/>
+              <a:t> </a:t>
+            </a:r>
+            <a:r>
+              <a:rPr lang="it-IT" sz="2000" dirty="0" err="1" smtClean="0"/>
+              <a:t>events</a:t>
+            </a:r>
+            <a:endParaRPr lang="it-IT" sz="2000" smtClean="0"/>
+          </a:p>
+          <a:p>
+            <a:pPr lvl="3"/>
+            <a:endParaRPr lang="it-IT" sz="2000" dirty="0" smtClean="0"/>
+          </a:p>
+          <a:p>
+            <a:pPr lvl="2"/>
+            <a:endParaRPr lang="it-IT" sz="2400" dirty="0"/>
+          </a:p>
+          <a:p>
+            <a:pPr lvl="3"/>
+            <a:endParaRPr lang="it-IT" sz="2400" dirty="0"/>
           </a:p>
         </p:txBody>
       </p:sp>
     </p:spTree>
     <p:extLst>
       <p:ext uri="{BB962C8B-B14F-4D97-AF65-F5344CB8AC3E}">
-        <p14:creationId xmlns:p14="http://schemas.microsoft.com/office/powerpoint/2010/main" xmlns="" val="3233602758"/>
+        <p14:creationId xmlns:p14="http://schemas.microsoft.com/office/powerpoint/2010/main" val="3233602758"/>
       </p:ext>
     </p:extLst>
   </p:cSld>
@@ -3452,6 +4537,75 @@
 </file>
 
 <file path=ppt/slides/slide11.xml><?xml version="1.0" encoding="utf-8"?>
+<p:sld xmlns:a="http://schemas.openxmlformats.org/drawingml/2006/main" xmlns:r="http://schemas.openxmlformats.org/officeDocument/2006/relationships" xmlns:p="http://schemas.openxmlformats.org/presentationml/2006/main">
+  <p:cSld>
+    <p:spTree>
+      <p:nvGrpSpPr>
+        <p:cNvPr id="1" name=""/>
+        <p:cNvGrpSpPr/>
+        <p:nvPr/>
+      </p:nvGrpSpPr>
+      <p:grpSpPr>
+        <a:xfrm>
+          <a:off x="0" y="0"/>
+          <a:ext cx="0" cy="0"/>
+          <a:chOff x="0" y="0"/>
+          <a:chExt cx="0" cy="0"/>
+        </a:xfrm>
+      </p:grpSpPr>
+      <p:sp>
+        <p:nvSpPr>
+          <p:cNvPr id="2" name="Titolo 1"/>
+          <p:cNvSpPr>
+            <a:spLocks noGrp="1"/>
+          </p:cNvSpPr>
+          <p:nvPr>
+            <p:ph type="title"/>
+          </p:nvPr>
+        </p:nvSpPr>
+        <p:spPr/>
+        <p:txBody>
+          <a:bodyPr/>
+          <a:lstStyle/>
+          <a:p>
+            <a:endParaRPr lang="it-IT"/>
+          </a:p>
+        </p:txBody>
+      </p:sp>
+      <p:sp>
+        <p:nvSpPr>
+          <p:cNvPr id="3" name="Segnaposto contenuto 2"/>
+          <p:cNvSpPr>
+            <a:spLocks noGrp="1"/>
+          </p:cNvSpPr>
+          <p:nvPr>
+            <p:ph idx="1"/>
+          </p:nvPr>
+        </p:nvSpPr>
+        <p:spPr/>
+        <p:txBody>
+          <a:bodyPr/>
+          <a:lstStyle/>
+          <a:p>
+            <a:endParaRPr lang="it-IT"/>
+          </a:p>
+        </p:txBody>
+      </p:sp>
+    </p:spTree>
+    <p:extLst>
+      <p:ext uri="{BB962C8B-B14F-4D97-AF65-F5344CB8AC3E}">
+        <p14:creationId xmlns:p14="http://schemas.microsoft.com/office/powerpoint/2010/main" val="1554925972"/>
+      </p:ext>
+    </p:extLst>
+  </p:cSld>
+  <p:clrMapOvr>
+    <a:masterClrMapping/>
+  </p:clrMapOvr>
+  <p:transition/>
+</p:sld>
+</file>
+
+<file path=ppt/slides/slide12.xml><?xml version="1.0" encoding="utf-8"?>
 <p:sld xmlns:a="http://schemas.openxmlformats.org/drawingml/2006/main" xmlns:r="http://schemas.openxmlformats.org/officeDocument/2006/relationships" xmlns:p="http://schemas.openxmlformats.org/presentationml/2006/main">
   <p:cSld>
     <p:spTree>
@@ -3832,7 +4986,7 @@
               <a:effectLst/>
               <a:extLst>
                 <a:ext uri="{AF507438-7753-43E0-B8FC-AC1667EBCBE1}">
-                  <a14:hiddenEffects xmlns:a14="http://schemas.microsoft.com/office/drawing/2010/main" xmlns="">
+                  <a14:hiddenEffects xmlns:a14="http://schemas.microsoft.com/office/drawing/2010/main">
                     <a:effectLst>
                       <a:outerShdw blurRad="63500" dist="38099" dir="2700000" algn="ctr" rotWithShape="0">
                         <a:schemeClr val="bg2">
@@ -3877,7 +5031,7 @@
               <a:effectLst/>
               <a:extLst>
                 <a:ext uri="{AF507438-7753-43E0-B8FC-AC1667EBCBE1}">
-                  <a14:hiddenEffects xmlns:a14="http://schemas.microsoft.com/office/drawing/2010/main" xmlns="">
+                  <a14:hiddenEffects xmlns:a14="http://schemas.microsoft.com/office/drawing/2010/main">
                     <a:effectLst>
                       <a:outerShdw blurRad="63500" dist="38099" dir="2700000" algn="ctr" rotWithShape="0">
                         <a:schemeClr val="bg2">
@@ -3994,7 +5148,7 @@
     </p:spTree>
     <p:extLst>
       <p:ext uri="{BB962C8B-B14F-4D97-AF65-F5344CB8AC3E}">
-        <p14:creationId xmlns:p14="http://schemas.microsoft.com/office/powerpoint/2010/main" xmlns="" val="3932113593"/>
+        <p14:creationId xmlns:p14="http://schemas.microsoft.com/office/powerpoint/2010/main" val="3932113593"/>
       </p:ext>
     </p:extLst>
   </p:cSld>
@@ -4012,7 +5166,7 @@
 </p:sld>
 </file>
 
-<file path=ppt/slides/slide12.xml><?xml version="1.0" encoding="utf-8"?>
+<file path=ppt/slides/slide13.xml><?xml version="1.0" encoding="utf-8"?>
 <p:sld xmlns:a="http://schemas.openxmlformats.org/drawingml/2006/main" xmlns:r="http://schemas.openxmlformats.org/officeDocument/2006/relationships" xmlns:p="http://schemas.openxmlformats.org/presentationml/2006/main">
   <p:cSld>
     <p:spTree>
@@ -4038,7 +5192,7 @@
           <p:nvPr>
             <p:extLst>
               <p:ext uri="{D42A27DB-BD31-4B8C-83A1-F6EECF244321}">
-                <p14:modId xmlns:p14="http://schemas.microsoft.com/office/powerpoint/2010/main" xmlns="" val="1958196305"/>
+                <p14:modId xmlns:p14="http://schemas.microsoft.com/office/powerpoint/2010/main" val="1958196305"/>
               </p:ext>
             </p:extLst>
           </p:nvPr>
@@ -4718,7 +5872,7 @@
 </p:sld>
 </file>
 
-<file path=ppt/slides/slide13.xml><?xml version="1.0" encoding="utf-8"?>
+<file path=ppt/slides/slide14.xml><?xml version="1.0" encoding="utf-8"?>
 <p:sld xmlns:a="http://schemas.openxmlformats.org/drawingml/2006/main" xmlns:r="http://schemas.openxmlformats.org/officeDocument/2006/relationships" xmlns:p="http://schemas.openxmlformats.org/presentationml/2006/main">
   <p:cSld>
     <p:spTree>
@@ -4776,7 +5930,7 @@
             </a:ln>
             <a:extLst>
               <a:ext uri="{909E8E84-426E-40DD-AFC4-6F175D3DCCD1}">
-                <a14:hiddenFill xmlns:a14="http://schemas.microsoft.com/office/drawing/2010/main" xmlns="">
+                <a14:hiddenFill xmlns:a14="http://schemas.microsoft.com/office/drawing/2010/main">
                   <a:noFill/>
                 </a14:hiddenFill>
               </a:ext>
@@ -4810,7 +5964,7 @@
             </a:ln>
             <a:extLst>
               <a:ext uri="{909E8E84-426E-40DD-AFC4-6F175D3DCCD1}">
-                <a14:hiddenFill xmlns:a14="http://schemas.microsoft.com/office/drawing/2010/main" xmlns="">
+                <a14:hiddenFill xmlns:a14="http://schemas.microsoft.com/office/drawing/2010/main">
                   <a:noFill/>
                 </a14:hiddenFill>
               </a:ext>
@@ -4844,7 +5998,7 @@
             </a:ln>
             <a:extLst>
               <a:ext uri="{909E8E84-426E-40DD-AFC4-6F175D3DCCD1}">
-                <a14:hiddenFill xmlns:a14="http://schemas.microsoft.com/office/drawing/2010/main" xmlns="">
+                <a14:hiddenFill xmlns:a14="http://schemas.microsoft.com/office/drawing/2010/main">
                   <a:noFill/>
                 </a14:hiddenFill>
               </a:ext>
@@ -4878,7 +6032,7 @@
             </a:ln>
             <a:extLst>
               <a:ext uri="{909E8E84-426E-40DD-AFC4-6F175D3DCCD1}">
-                <a14:hiddenFill xmlns:a14="http://schemas.microsoft.com/office/drawing/2010/main" xmlns="">
+                <a14:hiddenFill xmlns:a14="http://schemas.microsoft.com/office/drawing/2010/main">
                   <a:noFill/>
                 </a14:hiddenFill>
               </a:ext>
@@ -4912,7 +6066,7 @@
             </a:ln>
             <a:extLst>
               <a:ext uri="{909E8E84-426E-40DD-AFC4-6F175D3DCCD1}">
-                <a14:hiddenFill xmlns:a14="http://schemas.microsoft.com/office/drawing/2010/main" xmlns="">
+                <a14:hiddenFill xmlns:a14="http://schemas.microsoft.com/office/drawing/2010/main">
                   <a:noFill/>
                 </a14:hiddenFill>
               </a:ext>
@@ -4946,7 +6100,7 @@
             </a:ln>
             <a:extLst>
               <a:ext uri="{909E8E84-426E-40DD-AFC4-6F175D3DCCD1}">
-                <a14:hiddenFill xmlns:a14="http://schemas.microsoft.com/office/drawing/2010/main" xmlns="">
+                <a14:hiddenFill xmlns:a14="http://schemas.microsoft.com/office/drawing/2010/main">
                   <a:noFill/>
                 </a14:hiddenFill>
               </a:ext>
@@ -4980,7 +6134,7 @@
             </a:ln>
             <a:extLst>
               <a:ext uri="{909E8E84-426E-40DD-AFC4-6F175D3DCCD1}">
-                <a14:hiddenFill xmlns:a14="http://schemas.microsoft.com/office/drawing/2010/main" xmlns="">
+                <a14:hiddenFill xmlns:a14="http://schemas.microsoft.com/office/drawing/2010/main">
                   <a:noFill/>
                 </a14:hiddenFill>
               </a:ext>
@@ -5009,14 +6163,14 @@
             </a:ln>
             <a:extLst>
               <a:ext uri="{909E8E84-426E-40DD-AFC4-6F175D3DCCD1}">
-                <a14:hiddenFill xmlns:a14="http://schemas.microsoft.com/office/drawing/2010/main" xmlns="">
+                <a14:hiddenFill xmlns:a14="http://schemas.microsoft.com/office/drawing/2010/main">
                   <a:solidFill>
                     <a:srgbClr val="FFFFFF"/>
                   </a:solidFill>
                 </a14:hiddenFill>
               </a:ext>
               <a:ext uri="{91240B29-F687-4F45-9708-019B960494DF}">
-                <a14:hiddenLine xmlns:a14="http://schemas.microsoft.com/office/drawing/2010/main" xmlns="" w="9525">
+                <a14:hiddenLine xmlns:a14="http://schemas.microsoft.com/office/drawing/2010/main" w="9525">
                   <a:solidFill>
                     <a:srgbClr val="000000"/>
                   </a:solidFill>
@@ -5177,14 +6331,14 @@
             </a:ln>
             <a:extLst>
               <a:ext uri="{909E8E84-426E-40DD-AFC4-6F175D3DCCD1}">
-                <a14:hiddenFill xmlns:a14="http://schemas.microsoft.com/office/drawing/2010/main" xmlns="">
+                <a14:hiddenFill xmlns:a14="http://schemas.microsoft.com/office/drawing/2010/main">
                   <a:solidFill>
                     <a:srgbClr val="FFFFFF"/>
                   </a:solidFill>
                 </a14:hiddenFill>
               </a:ext>
               <a:ext uri="{91240B29-F687-4F45-9708-019B960494DF}">
-                <a14:hiddenLine xmlns:a14="http://schemas.microsoft.com/office/drawing/2010/main" xmlns="" w="9525">
+                <a14:hiddenLine xmlns:a14="http://schemas.microsoft.com/office/drawing/2010/main" w="9525">
                   <a:solidFill>
                     <a:srgbClr val="000000"/>
                   </a:solidFill>
@@ -5349,14 +6503,14 @@
             </a:ln>
             <a:extLst>
               <a:ext uri="{909E8E84-426E-40DD-AFC4-6F175D3DCCD1}">
-                <a14:hiddenFill xmlns:a14="http://schemas.microsoft.com/office/drawing/2010/main" xmlns="">
+                <a14:hiddenFill xmlns:a14="http://schemas.microsoft.com/office/drawing/2010/main">
                   <a:solidFill>
                     <a:srgbClr val="FFFFFF"/>
                   </a:solidFill>
                 </a14:hiddenFill>
               </a:ext>
               <a:ext uri="{91240B29-F687-4F45-9708-019B960494DF}">
-                <a14:hiddenLine xmlns:a14="http://schemas.microsoft.com/office/drawing/2010/main" xmlns="" w="9525">
+                <a14:hiddenLine xmlns:a14="http://schemas.microsoft.com/office/drawing/2010/main" w="9525">
                   <a:solidFill>
                     <a:srgbClr val="000000"/>
                   </a:solidFill>
@@ -5523,14 +6677,14 @@
             </a:ln>
             <a:extLst>
               <a:ext uri="{909E8E84-426E-40DD-AFC4-6F175D3DCCD1}">
-                <a14:hiddenFill xmlns:a14="http://schemas.microsoft.com/office/drawing/2010/main" xmlns="">
+                <a14:hiddenFill xmlns:a14="http://schemas.microsoft.com/office/drawing/2010/main">
                   <a:solidFill>
                     <a:srgbClr val="FFFFFF"/>
                   </a:solidFill>
                 </a14:hiddenFill>
               </a:ext>
               <a:ext uri="{91240B29-F687-4F45-9708-019B960494DF}">
-                <a14:hiddenLine xmlns:a14="http://schemas.microsoft.com/office/drawing/2010/main" xmlns="" w="9525">
+                <a14:hiddenLine xmlns:a14="http://schemas.microsoft.com/office/drawing/2010/main" w="9525">
                   <a:solidFill>
                     <a:srgbClr val="000000"/>
                   </a:solidFill>
@@ -5699,14 +6853,14 @@
             </a:ln>
             <a:extLst>
               <a:ext uri="{909E8E84-426E-40DD-AFC4-6F175D3DCCD1}">
-                <a14:hiddenFill xmlns:a14="http://schemas.microsoft.com/office/drawing/2010/main" xmlns="">
+                <a14:hiddenFill xmlns:a14="http://schemas.microsoft.com/office/drawing/2010/main">
                   <a:solidFill>
                     <a:srgbClr val="FFFFFF"/>
                   </a:solidFill>
                 </a14:hiddenFill>
               </a:ext>
               <a:ext uri="{91240B29-F687-4F45-9708-019B960494DF}">
-                <a14:hiddenLine xmlns:a14="http://schemas.microsoft.com/office/drawing/2010/main" xmlns="" w="9525">
+                <a14:hiddenLine xmlns:a14="http://schemas.microsoft.com/office/drawing/2010/main" w="9525">
                   <a:solidFill>
                     <a:srgbClr val="000000"/>
                   </a:solidFill>
@@ -5881,14 +7035,14 @@
             </a:ln>
             <a:extLst>
               <a:ext uri="{909E8E84-426E-40DD-AFC4-6F175D3DCCD1}">
-                <a14:hiddenFill xmlns:a14="http://schemas.microsoft.com/office/drawing/2010/main" xmlns="">
+                <a14:hiddenFill xmlns:a14="http://schemas.microsoft.com/office/drawing/2010/main">
                   <a:solidFill>
                     <a:srgbClr val="FFFFFF"/>
                   </a:solidFill>
                 </a14:hiddenFill>
               </a:ext>
               <a:ext uri="{91240B29-F687-4F45-9708-019B960494DF}">
-                <a14:hiddenLine xmlns:a14="http://schemas.microsoft.com/office/drawing/2010/main" xmlns="" w="9525">
+                <a14:hiddenLine xmlns:a14="http://schemas.microsoft.com/office/drawing/2010/main" w="9525">
                   <a:solidFill>
                     <a:srgbClr val="000000"/>
                   </a:solidFill>
@@ -6060,7 +7214,7 @@
             </a:ln>
             <a:extLst>
               <a:ext uri="{909E8E84-426E-40DD-AFC4-6F175D3DCCD1}">
-                <a14:hiddenFill xmlns:a14="http://schemas.microsoft.com/office/drawing/2010/main" xmlns="">
+                <a14:hiddenFill xmlns:a14="http://schemas.microsoft.com/office/drawing/2010/main">
                   <a:noFill/>
                 </a14:hiddenFill>
               </a:ext>
@@ -6089,14 +7243,14 @@
             </a:ln>
             <a:extLst>
               <a:ext uri="{909E8E84-426E-40DD-AFC4-6F175D3DCCD1}">
-                <a14:hiddenFill xmlns:a14="http://schemas.microsoft.com/office/drawing/2010/main" xmlns="">
+                <a14:hiddenFill xmlns:a14="http://schemas.microsoft.com/office/drawing/2010/main">
                   <a:solidFill>
                     <a:srgbClr val="FFFFFF"/>
                   </a:solidFill>
                 </a14:hiddenFill>
               </a:ext>
               <a:ext uri="{91240B29-F687-4F45-9708-019B960494DF}">
-                <a14:hiddenLine xmlns:a14="http://schemas.microsoft.com/office/drawing/2010/main" xmlns="" w="9525">
+                <a14:hiddenLine xmlns:a14="http://schemas.microsoft.com/office/drawing/2010/main" w="9525">
                   <a:solidFill>
                     <a:srgbClr val="000000"/>
                   </a:solidFill>
@@ -6268,7 +7422,7 @@
             </a:ln>
             <a:extLst>
               <a:ext uri="{909E8E84-426E-40DD-AFC4-6F175D3DCCD1}">
-                <a14:hiddenFill xmlns:a14="http://schemas.microsoft.com/office/drawing/2010/main" xmlns="">
+                <a14:hiddenFill xmlns:a14="http://schemas.microsoft.com/office/drawing/2010/main">
                   <a:noFill/>
                 </a14:hiddenFill>
               </a:ext>
@@ -6297,14 +7451,14 @@
             </a:ln>
             <a:extLst>
               <a:ext uri="{909E8E84-426E-40DD-AFC4-6F175D3DCCD1}">
-                <a14:hiddenFill xmlns:a14="http://schemas.microsoft.com/office/drawing/2010/main" xmlns="">
+                <a14:hiddenFill xmlns:a14="http://schemas.microsoft.com/office/drawing/2010/main">
                   <a:solidFill>
                     <a:srgbClr val="FFFFFF"/>
                   </a:solidFill>
                 </a14:hiddenFill>
               </a:ext>
               <a:ext uri="{91240B29-F687-4F45-9708-019B960494DF}">
-                <a14:hiddenLine xmlns:a14="http://schemas.microsoft.com/office/drawing/2010/main" xmlns="" w="9525">
+                <a14:hiddenLine xmlns:a14="http://schemas.microsoft.com/office/drawing/2010/main" w="9525">
                   <a:solidFill>
                     <a:srgbClr val="000000"/>
                   </a:solidFill>
@@ -6476,7 +7630,7 @@
             </a:ln>
             <a:extLst>
               <a:ext uri="{909E8E84-426E-40DD-AFC4-6F175D3DCCD1}">
-                <a14:hiddenFill xmlns:a14="http://schemas.microsoft.com/office/drawing/2010/main" xmlns="">
+                <a14:hiddenFill xmlns:a14="http://schemas.microsoft.com/office/drawing/2010/main">
                   <a:noFill/>
                 </a14:hiddenFill>
               </a:ext>
@@ -6505,14 +7659,14 @@
             </a:ln>
             <a:extLst>
               <a:ext uri="{909E8E84-426E-40DD-AFC4-6F175D3DCCD1}">
-                <a14:hiddenFill xmlns:a14="http://schemas.microsoft.com/office/drawing/2010/main" xmlns="">
+                <a14:hiddenFill xmlns:a14="http://schemas.microsoft.com/office/drawing/2010/main">
                   <a:solidFill>
                     <a:srgbClr val="FFFFFF"/>
                   </a:solidFill>
                 </a14:hiddenFill>
               </a:ext>
               <a:ext uri="{91240B29-F687-4F45-9708-019B960494DF}">
-                <a14:hiddenLine xmlns:a14="http://schemas.microsoft.com/office/drawing/2010/main" xmlns="" w="9525">
+                <a14:hiddenLine xmlns:a14="http://schemas.microsoft.com/office/drawing/2010/main" w="9525">
                   <a:solidFill>
                     <a:srgbClr val="000000"/>
                   </a:solidFill>
@@ -6684,7 +7838,7 @@
             </a:ln>
             <a:extLst>
               <a:ext uri="{909E8E84-426E-40DD-AFC4-6F175D3DCCD1}">
-                <a14:hiddenFill xmlns:a14="http://schemas.microsoft.com/office/drawing/2010/main" xmlns="">
+                <a14:hiddenFill xmlns:a14="http://schemas.microsoft.com/office/drawing/2010/main">
                   <a:noFill/>
                 </a14:hiddenFill>
               </a:ext>
@@ -6718,7 +7872,7 @@
             </a:ln>
             <a:extLst>
               <a:ext uri="{909E8E84-426E-40DD-AFC4-6F175D3DCCD1}">
-                <a14:hiddenFill xmlns:a14="http://schemas.microsoft.com/office/drawing/2010/main" xmlns="">
+                <a14:hiddenFill xmlns:a14="http://schemas.microsoft.com/office/drawing/2010/main">
                   <a:noFill/>
                 </a14:hiddenFill>
               </a:ext>
@@ -6747,14 +7901,14 @@
             </a:ln>
             <a:extLst>
               <a:ext uri="{909E8E84-426E-40DD-AFC4-6F175D3DCCD1}">
-                <a14:hiddenFill xmlns:a14="http://schemas.microsoft.com/office/drawing/2010/main" xmlns="">
+                <a14:hiddenFill xmlns:a14="http://schemas.microsoft.com/office/drawing/2010/main">
                   <a:solidFill>
                     <a:srgbClr val="FFFFFF"/>
                   </a:solidFill>
                 </a14:hiddenFill>
               </a:ext>
               <a:ext uri="{91240B29-F687-4F45-9708-019B960494DF}">
-                <a14:hiddenLine xmlns:a14="http://schemas.microsoft.com/office/drawing/2010/main" xmlns="" w="9525">
+                <a14:hiddenLine xmlns:a14="http://schemas.microsoft.com/office/drawing/2010/main" w="9525">
                   <a:solidFill>
                     <a:srgbClr val="000000"/>
                   </a:solidFill>
@@ -6915,14 +8069,14 @@
             </a:ln>
             <a:extLst>
               <a:ext uri="{909E8E84-426E-40DD-AFC4-6F175D3DCCD1}">
-                <a14:hiddenFill xmlns:a14="http://schemas.microsoft.com/office/drawing/2010/main" xmlns="">
+                <a14:hiddenFill xmlns:a14="http://schemas.microsoft.com/office/drawing/2010/main">
                   <a:solidFill>
                     <a:srgbClr val="FFFFFF"/>
                   </a:solidFill>
                 </a14:hiddenFill>
               </a:ext>
               <a:ext uri="{91240B29-F687-4F45-9708-019B960494DF}">
-                <a14:hiddenLine xmlns:a14="http://schemas.microsoft.com/office/drawing/2010/main" xmlns="" w="9525">
+                <a14:hiddenLine xmlns:a14="http://schemas.microsoft.com/office/drawing/2010/main" w="9525">
                   <a:solidFill>
                     <a:srgbClr val="000000"/>
                   </a:solidFill>
@@ -7168,7 +8322,7 @@
             </a:ln>
             <a:extLst>
               <a:ext uri="{909E8E84-426E-40DD-AFC4-6F175D3DCCD1}">
-                <a14:hiddenFill xmlns:a14="http://schemas.microsoft.com/office/drawing/2010/main" xmlns="">
+                <a14:hiddenFill xmlns:a14="http://schemas.microsoft.com/office/drawing/2010/main">
                   <a:noFill/>
                 </a14:hiddenFill>
               </a:ext>
@@ -7202,7 +8356,7 @@
             </a:ln>
             <a:extLst>
               <a:ext uri="{909E8E84-426E-40DD-AFC4-6F175D3DCCD1}">
-                <a14:hiddenFill xmlns:a14="http://schemas.microsoft.com/office/drawing/2010/main" xmlns="">
+                <a14:hiddenFill xmlns:a14="http://schemas.microsoft.com/office/drawing/2010/main">
                   <a:noFill/>
                 </a14:hiddenFill>
               </a:ext>
@@ -8220,118 +9374,6 @@
 </p:sld>
 </file>
 
-<file path=ppt/slides/slide14.xml><?xml version="1.0" encoding="utf-8"?>
-<p:sld xmlns:a="http://schemas.openxmlformats.org/drawingml/2006/main" xmlns:r="http://schemas.openxmlformats.org/officeDocument/2006/relationships" xmlns:p="http://schemas.openxmlformats.org/presentationml/2006/main">
-  <p:cSld>
-    <p:spTree>
-      <p:nvGrpSpPr>
-        <p:cNvPr id="1" name=""/>
-        <p:cNvGrpSpPr/>
-        <p:nvPr/>
-      </p:nvGrpSpPr>
-      <p:grpSpPr>
-        <a:xfrm>
-          <a:off x="0" y="0"/>
-          <a:ext cx="0" cy="0"/>
-          <a:chOff x="0" y="0"/>
-          <a:chExt cx="0" cy="0"/>
-        </a:xfrm>
-      </p:grpSpPr>
-      <p:sp>
-        <p:nvSpPr>
-          <p:cNvPr id="2" name="Titolo 1"/>
-          <p:cNvSpPr>
-            <a:spLocks noGrp="1"/>
-          </p:cNvSpPr>
-          <p:nvPr>
-            <p:ph type="title"/>
-          </p:nvPr>
-        </p:nvSpPr>
-        <p:spPr/>
-        <p:txBody>
-          <a:bodyPr/>
-          <a:lstStyle/>
-          <a:p>
-            <a:r>
-              <a:rPr lang="it-IT" dirty="0" err="1" smtClean="0"/>
-              <a:t>Lifecycle</a:t>
-            </a:r>
-            <a:r>
-              <a:rPr lang="it-IT" dirty="0" smtClean="0"/>
-              <a:t> </a:t>
-            </a:r>
-            <a:r>
-              <a:rPr lang="it-IT" dirty="0" err="1" smtClean="0"/>
-              <a:t>process</a:t>
-            </a:r>
-            <a:endParaRPr lang="it-IT" dirty="0"/>
-          </a:p>
-        </p:txBody>
-      </p:sp>
-      <p:sp>
-        <p:nvSpPr>
-          <p:cNvPr id="3" name="Segnaposto contenuto 2"/>
-          <p:cNvSpPr>
-            <a:spLocks noGrp="1"/>
-          </p:cNvSpPr>
-          <p:nvPr>
-            <p:ph idx="1"/>
-          </p:nvPr>
-        </p:nvSpPr>
-        <p:spPr/>
-        <p:txBody>
-          <a:bodyPr/>
-          <a:lstStyle/>
-          <a:p>
-            <a:r>
-              <a:rPr lang="it-IT" dirty="0" smtClean="0"/>
-              <a:t>DEVELOPMENT / UNIT TEST</a:t>
-            </a:r>
-          </a:p>
-          <a:p>
-            <a:r>
-              <a:rPr lang="it-IT" dirty="0" smtClean="0"/>
-              <a:t>INTEGRATION TEST</a:t>
-            </a:r>
-          </a:p>
-          <a:p>
-            <a:r>
-              <a:rPr lang="it-IT" dirty="0" smtClean="0"/>
-              <a:t>QUALITY ASSURANCE</a:t>
-            </a:r>
-          </a:p>
-          <a:p>
-            <a:r>
-              <a:rPr lang="it-IT" dirty="0" smtClean="0"/>
-              <a:t>PRODUCTION</a:t>
-            </a:r>
-          </a:p>
-          <a:p>
-            <a:endParaRPr lang="it-IT" dirty="0"/>
-          </a:p>
-        </p:txBody>
-      </p:sp>
-    </p:spTree>
-    <p:extLst>
-      <p:ext uri="{BB962C8B-B14F-4D97-AF65-F5344CB8AC3E}">
-        <p14:creationId xmlns:p14="http://schemas.microsoft.com/office/powerpoint/2010/main" xmlns="" val="2936166252"/>
-      </p:ext>
-    </p:extLst>
-  </p:cSld>
-  <p:clrMapOvr>
-    <a:masterClrMapping/>
-  </p:clrMapOvr>
-  <p:transition/>
-  <p:timing>
-    <p:tnLst>
-      <p:par>
-        <p:cTn id="1" dur="indefinite" restart="never" nodeType="tmRoot"/>
-      </p:par>
-    </p:tnLst>
-  </p:timing>
-</p:sld>
-</file>
-
 <file path=ppt/slides/slide15.xml><?xml version="1.0" encoding="utf-8"?>
 <p:sld xmlns:a="http://schemas.openxmlformats.org/drawingml/2006/main" xmlns:r="http://schemas.openxmlformats.org/officeDocument/2006/relationships" xmlns:p="http://schemas.openxmlformats.org/presentationml/2006/main">
   <p:cSld>
@@ -8365,8 +9407,16 @@
           <a:lstStyle/>
           <a:p>
             <a:r>
+              <a:rPr lang="it-IT" dirty="0" err="1" smtClean="0"/>
+              <a:t>Lifecycle</a:t>
+            </a:r>
+            <a:r>
               <a:rPr lang="it-IT" dirty="0" smtClean="0"/>
-              <a:t>DEVELOPMENT / UNIT TEST</a:t>
+              <a:t> </a:t>
+            </a:r>
+            <a:r>
+              <a:rPr lang="it-IT" dirty="0" err="1" smtClean="0"/>
+              <a:t>process</a:t>
             </a:r>
             <a:endParaRPr lang="it-IT" dirty="0"/>
           </a:p>
@@ -8389,7 +9439,25 @@
           <a:p>
             <a:r>
               <a:rPr lang="it-IT" dirty="0" smtClean="0"/>
-              <a:t> </a:t>
+              <a:t>DEVELOPMENT / UNIT TEST</a:t>
+            </a:r>
+          </a:p>
+          <a:p>
+            <a:r>
+              <a:rPr lang="it-IT" dirty="0" smtClean="0"/>
+              <a:t>INTEGRATION TEST</a:t>
+            </a:r>
+          </a:p>
+          <a:p>
+            <a:r>
+              <a:rPr lang="it-IT" dirty="0" smtClean="0"/>
+              <a:t>QUALITY ASSURANCE</a:t>
+            </a:r>
+          </a:p>
+          <a:p>
+            <a:r>
+              <a:rPr lang="it-IT" dirty="0" smtClean="0"/>
+              <a:t>PRODUCTION</a:t>
             </a:r>
           </a:p>
           <a:p>
@@ -8400,7 +9468,7 @@
     </p:spTree>
     <p:extLst>
       <p:ext uri="{BB962C8B-B14F-4D97-AF65-F5344CB8AC3E}">
-        <p14:creationId xmlns:p14="http://schemas.microsoft.com/office/powerpoint/2010/main" xmlns="" val="2341997884"/>
+        <p14:creationId xmlns:p14="http://schemas.microsoft.com/office/powerpoint/2010/main" val="2936166252"/>
       </p:ext>
     </p:extLst>
   </p:cSld>
@@ -8452,7 +9520,7 @@
           <a:p>
             <a:r>
               <a:rPr lang="it-IT" dirty="0" smtClean="0"/>
-              <a:t>INTEGRATION TEST</a:t>
+              <a:t>DEVELOPMENT / UNIT TEST</a:t>
             </a:r>
             <a:endParaRPr lang="it-IT" dirty="0"/>
           </a:p>
@@ -8486,7 +9554,7 @@
     </p:spTree>
     <p:extLst>
       <p:ext uri="{BB962C8B-B14F-4D97-AF65-F5344CB8AC3E}">
-        <p14:creationId xmlns:p14="http://schemas.microsoft.com/office/powerpoint/2010/main" xmlns="" val="3161300423"/>
+        <p14:creationId xmlns:p14="http://schemas.microsoft.com/office/powerpoint/2010/main" val="2341997884"/>
       </p:ext>
     </p:extLst>
   </p:cSld>
@@ -8538,7 +9606,7 @@
           <a:p>
             <a:r>
               <a:rPr lang="it-IT" dirty="0" smtClean="0"/>
-              <a:t>QUALITY ASSURANCE</a:t>
+              <a:t>INTEGRATION TEST</a:t>
             </a:r>
             <a:endParaRPr lang="it-IT" dirty="0"/>
           </a:p>
@@ -8560,252 +9628,9 @@
           <a:lstStyle/>
           <a:p>
             <a:r>
-              <a:rPr lang="it-IT" dirty="0" err="1" smtClean="0"/>
-              <a:t>Docker</a:t>
-            </a:r>
-            <a:endParaRPr lang="it-IT" dirty="0" smtClean="0"/>
-          </a:p>
-          <a:p>
-            <a:pPr lvl="1"/>
-            <a:r>
-              <a:rPr lang="it-IT" dirty="0" err="1" smtClean="0"/>
-              <a:t>Description</a:t>
-            </a:r>
-            <a:endParaRPr lang="it-IT" dirty="0" smtClean="0"/>
-          </a:p>
-          <a:p>
-            <a:pPr lvl="1"/>
-            <a:r>
-              <a:rPr lang="it-IT" dirty="0" err="1" smtClean="0"/>
-              <a:t>Images</a:t>
-            </a:r>
-            <a:endParaRPr lang="it-IT" dirty="0" smtClean="0"/>
-          </a:p>
-          <a:p>
-            <a:pPr lvl="1"/>
-            <a:r>
-              <a:rPr lang="it-IT" dirty="0" smtClean="0"/>
-              <a:t>Container</a:t>
-            </a:r>
-          </a:p>
-          <a:p>
-            <a:pPr lvl="1"/>
-            <a:r>
-              <a:rPr lang="it-IT" dirty="0" err="1" smtClean="0"/>
-              <a:t>Porpouse</a:t>
-            </a:r>
-            <a:endParaRPr lang="it-IT" dirty="0" smtClean="0"/>
-          </a:p>
-          <a:p>
-            <a:pPr lvl="2"/>
-            <a:r>
-              <a:rPr lang="it-IT" dirty="0" err="1" smtClean="0"/>
-              <a:t>Specific</a:t>
-            </a:r>
-            <a:r>
-              <a:rPr lang="it-IT" dirty="0" smtClean="0"/>
-              <a:t> database </a:t>
-            </a:r>
-            <a:r>
-              <a:rPr lang="it-IT" dirty="0" err="1" smtClean="0"/>
-              <a:t>images</a:t>
-            </a:r>
-            <a:r>
               <a:rPr lang="it-IT" dirty="0" smtClean="0"/>
               <a:t> </a:t>
             </a:r>
-            <a:r>
-              <a:rPr lang="it-IT" dirty="0" err="1" smtClean="0"/>
-              <a:t>with</a:t>
-            </a:r>
-            <a:r>
-              <a:rPr lang="it-IT" dirty="0" smtClean="0"/>
-              <a:t> data </a:t>
-            </a:r>
-            <a:r>
-              <a:rPr lang="it-IT" dirty="0" err="1" smtClean="0"/>
-              <a:t>ready</a:t>
-            </a:r>
-            <a:r>
-              <a:rPr lang="it-IT" dirty="0" smtClean="0"/>
-              <a:t> </a:t>
-            </a:r>
-            <a:r>
-              <a:rPr lang="it-IT" dirty="0" err="1" smtClean="0"/>
-              <a:t>to</a:t>
-            </a:r>
-            <a:r>
-              <a:rPr lang="it-IT" dirty="0" smtClean="0"/>
-              <a:t> </a:t>
-            </a:r>
-            <a:r>
-              <a:rPr lang="it-IT" dirty="0" err="1" smtClean="0"/>
-              <a:t>be</a:t>
-            </a:r>
-            <a:r>
-              <a:rPr lang="it-IT" dirty="0" smtClean="0"/>
-              <a:t> </a:t>
-            </a:r>
-            <a:r>
-              <a:rPr lang="it-IT" dirty="0" err="1" smtClean="0"/>
-              <a:t>used</a:t>
-            </a:r>
-            <a:r>
-              <a:rPr lang="it-IT" dirty="0" smtClean="0"/>
-              <a:t> </a:t>
-            </a:r>
-            <a:r>
-              <a:rPr lang="it-IT" dirty="0" err="1" smtClean="0"/>
-              <a:t>for</a:t>
-            </a:r>
-            <a:r>
-              <a:rPr lang="it-IT" dirty="0" smtClean="0"/>
-              <a:t> </a:t>
-            </a:r>
-            <a:r>
-              <a:rPr lang="it-IT" dirty="0" err="1" smtClean="0"/>
-              <a:t>specific</a:t>
-            </a:r>
-            <a:r>
-              <a:rPr lang="it-IT" dirty="0" smtClean="0"/>
-              <a:t> </a:t>
-            </a:r>
-            <a:r>
-              <a:rPr lang="it-IT" dirty="0" err="1" smtClean="0"/>
-              <a:t>unit</a:t>
-            </a:r>
-            <a:r>
-              <a:rPr lang="it-IT" dirty="0" smtClean="0"/>
-              <a:t> or </a:t>
-            </a:r>
-            <a:r>
-              <a:rPr lang="it-IT" dirty="0" err="1" smtClean="0"/>
-              <a:t>integration</a:t>
-            </a:r>
-            <a:r>
-              <a:rPr lang="it-IT" dirty="0" smtClean="0"/>
-              <a:t> </a:t>
-            </a:r>
-            <a:r>
-              <a:rPr lang="it-IT" dirty="0" err="1" smtClean="0"/>
-              <a:t>tests</a:t>
-            </a:r>
-            <a:endParaRPr lang="it-IT" dirty="0" smtClean="0"/>
-          </a:p>
-          <a:p>
-            <a:pPr lvl="2"/>
-            <a:r>
-              <a:rPr lang="it-IT" dirty="0" err="1" smtClean="0"/>
-              <a:t>Improve</a:t>
-            </a:r>
-            <a:r>
-              <a:rPr lang="it-IT" dirty="0" smtClean="0"/>
-              <a:t> the </a:t>
-            </a:r>
-            <a:r>
-              <a:rPr lang="it-IT" dirty="0" err="1" smtClean="0"/>
-              <a:t>response</a:t>
-            </a:r>
-            <a:r>
-              <a:rPr lang="it-IT" dirty="0" smtClean="0"/>
-              <a:t> </a:t>
-            </a:r>
-            <a:r>
-              <a:rPr lang="it-IT" dirty="0" err="1" smtClean="0"/>
-              <a:t>to</a:t>
-            </a:r>
-            <a:r>
-              <a:rPr lang="it-IT" dirty="0" smtClean="0"/>
-              <a:t> </a:t>
-            </a:r>
-            <a:r>
-              <a:rPr lang="it-IT" dirty="0" err="1" smtClean="0"/>
-              <a:t>critic</a:t>
-            </a:r>
-            <a:r>
-              <a:rPr lang="it-IT" dirty="0" smtClean="0"/>
-              <a:t> bug fixing and </a:t>
-            </a:r>
-            <a:r>
-              <a:rPr lang="it-IT" dirty="0" err="1" smtClean="0"/>
-              <a:t>realize</a:t>
-            </a:r>
-            <a:r>
-              <a:rPr lang="it-IT" dirty="0" smtClean="0"/>
-              <a:t> a </a:t>
-            </a:r>
-            <a:r>
-              <a:rPr lang="it-IT" dirty="0" err="1" smtClean="0"/>
-              <a:t>faster</a:t>
-            </a:r>
-            <a:r>
-              <a:rPr lang="it-IT" dirty="0" smtClean="0"/>
-              <a:t> fixing</a:t>
-            </a:r>
-          </a:p>
-          <a:p>
-            <a:pPr lvl="2"/>
-            <a:r>
-              <a:rPr lang="it-IT" dirty="0" err="1" smtClean="0"/>
-              <a:t>Collection</a:t>
-            </a:r>
-            <a:r>
-              <a:rPr lang="it-IT" dirty="0" smtClean="0"/>
-              <a:t> </a:t>
-            </a:r>
-            <a:r>
-              <a:rPr lang="it-IT" dirty="0" err="1" smtClean="0"/>
-              <a:t>of</a:t>
-            </a:r>
-            <a:r>
-              <a:rPr lang="it-IT" dirty="0" smtClean="0"/>
-              <a:t> </a:t>
-            </a:r>
-            <a:r>
-              <a:rPr lang="it-IT" dirty="0" err="1" smtClean="0"/>
-              <a:t>specific</a:t>
-            </a:r>
-            <a:r>
-              <a:rPr lang="it-IT" dirty="0" smtClean="0"/>
-              <a:t> container </a:t>
-            </a:r>
-            <a:r>
-              <a:rPr lang="it-IT" dirty="0" err="1" smtClean="0"/>
-              <a:t>to</a:t>
-            </a:r>
-            <a:r>
-              <a:rPr lang="it-IT" dirty="0" smtClean="0"/>
-              <a:t> face </a:t>
-            </a:r>
-            <a:r>
-              <a:rPr lang="it-IT" dirty="0" err="1" smtClean="0"/>
-              <a:t>different</a:t>
-            </a:r>
-            <a:r>
-              <a:rPr lang="it-IT" dirty="0" smtClean="0"/>
-              <a:t> bug fixing or non </a:t>
-            </a:r>
-            <a:r>
-              <a:rPr lang="it-IT" dirty="0" err="1" smtClean="0"/>
-              <a:t>regression</a:t>
-            </a:r>
-            <a:r>
-              <a:rPr lang="it-IT" dirty="0" smtClean="0"/>
-              <a:t> </a:t>
-            </a:r>
-            <a:r>
-              <a:rPr lang="it-IT" dirty="0" err="1" smtClean="0"/>
-              <a:t>scenarios</a:t>
-            </a:r>
-            <a:endParaRPr lang="it-IT" dirty="0" smtClean="0"/>
-          </a:p>
-          <a:p>
-            <a:pPr lvl="2"/>
-            <a:r>
-              <a:rPr lang="it-IT" dirty="0" smtClean="0"/>
-              <a:t> </a:t>
-            </a:r>
-            <a:endParaRPr lang="it-IT" dirty="0" smtClean="0"/>
           </a:p>
           <a:p>
             <a:endParaRPr lang="it-IT" dirty="0"/>
@@ -8815,7 +9640,7 @@
     </p:spTree>
     <p:extLst>
       <p:ext uri="{BB962C8B-B14F-4D97-AF65-F5344CB8AC3E}">
-        <p14:creationId xmlns:p14="http://schemas.microsoft.com/office/powerpoint/2010/main" xmlns="" val="880952961"/>
+        <p14:creationId xmlns:p14="http://schemas.microsoft.com/office/powerpoint/2010/main" val="3161300423"/>
       </p:ext>
     </p:extLst>
   </p:cSld>
@@ -8892,17 +9717,248 @@
               <a:rPr lang="it-IT" dirty="0" err="1" smtClean="0"/>
               <a:t>Docker</a:t>
             </a:r>
-            <a:r>
-              <a:rPr lang="it-IT" dirty="0" smtClean="0"/>
-              <a:t> Hub</a:t>
-            </a:r>
+            <a:endParaRPr lang="it-IT" dirty="0" smtClean="0"/>
           </a:p>
           <a:p>
-            <a:r>
-              <a:rPr lang="it-IT" smtClean="0"/>
-              <a:t>Jenkins@openshift </a:t>
+            <a:pPr lvl="1"/>
+            <a:r>
+              <a:rPr lang="it-IT" dirty="0" err="1" smtClean="0"/>
+              <a:t>Description</a:t>
             </a:r>
             <a:endParaRPr lang="it-IT" dirty="0" smtClean="0"/>
+          </a:p>
+          <a:p>
+            <a:pPr lvl="1"/>
+            <a:r>
+              <a:rPr lang="it-IT" dirty="0" err="1" smtClean="0"/>
+              <a:t>Images</a:t>
+            </a:r>
+            <a:endParaRPr lang="it-IT" dirty="0" smtClean="0"/>
+          </a:p>
+          <a:p>
+            <a:pPr lvl="1"/>
+            <a:r>
+              <a:rPr lang="it-IT" dirty="0" smtClean="0"/>
+              <a:t>Container</a:t>
+            </a:r>
+          </a:p>
+          <a:p>
+            <a:pPr lvl="1"/>
+            <a:r>
+              <a:rPr lang="it-IT" dirty="0" err="1" smtClean="0"/>
+              <a:t>Porpouse</a:t>
+            </a:r>
+            <a:endParaRPr lang="it-IT" dirty="0" smtClean="0"/>
+          </a:p>
+          <a:p>
+            <a:pPr lvl="2"/>
+            <a:r>
+              <a:rPr lang="it-IT" dirty="0" err="1" smtClean="0"/>
+              <a:t>Specific</a:t>
+            </a:r>
+            <a:r>
+              <a:rPr lang="it-IT" dirty="0" smtClean="0"/>
+              <a:t> database </a:t>
+            </a:r>
+            <a:r>
+              <a:rPr lang="it-IT" dirty="0" err="1" smtClean="0"/>
+              <a:t>images</a:t>
+            </a:r>
+            <a:r>
+              <a:rPr lang="it-IT" dirty="0" smtClean="0"/>
+              <a:t> </a:t>
+            </a:r>
+            <a:r>
+              <a:rPr lang="it-IT" dirty="0" err="1" smtClean="0"/>
+              <a:t>with</a:t>
+            </a:r>
+            <a:r>
+              <a:rPr lang="it-IT" dirty="0" smtClean="0"/>
+              <a:t> data </a:t>
+            </a:r>
+            <a:r>
+              <a:rPr lang="it-IT" dirty="0" err="1" smtClean="0"/>
+              <a:t>ready</a:t>
+            </a:r>
+            <a:r>
+              <a:rPr lang="it-IT" dirty="0" smtClean="0"/>
+              <a:t> </a:t>
+            </a:r>
+            <a:r>
+              <a:rPr lang="it-IT" dirty="0" err="1" smtClean="0"/>
+              <a:t>to</a:t>
+            </a:r>
+            <a:r>
+              <a:rPr lang="it-IT" dirty="0" smtClean="0"/>
+              <a:t> </a:t>
+            </a:r>
+            <a:r>
+              <a:rPr lang="it-IT" dirty="0" err="1" smtClean="0"/>
+              <a:t>be</a:t>
+            </a:r>
+            <a:r>
+              <a:rPr lang="it-IT" dirty="0" smtClean="0"/>
+              <a:t> </a:t>
+            </a:r>
+            <a:r>
+              <a:rPr lang="it-IT" dirty="0" err="1" smtClean="0"/>
+              <a:t>used</a:t>
+            </a:r>
+            <a:r>
+              <a:rPr lang="it-IT" dirty="0" smtClean="0"/>
+              <a:t> </a:t>
+            </a:r>
+            <a:r>
+              <a:rPr lang="it-IT" dirty="0" err="1" smtClean="0"/>
+              <a:t>for</a:t>
+            </a:r>
+            <a:r>
+              <a:rPr lang="it-IT" dirty="0" smtClean="0"/>
+              <a:t> </a:t>
+            </a:r>
+            <a:r>
+              <a:rPr lang="it-IT" dirty="0" err="1" smtClean="0"/>
+              <a:t>specific</a:t>
+            </a:r>
+            <a:r>
+              <a:rPr lang="it-IT" dirty="0" smtClean="0"/>
+              <a:t> </a:t>
+            </a:r>
+            <a:r>
+              <a:rPr lang="it-IT" dirty="0" err="1" smtClean="0"/>
+              <a:t>unit</a:t>
+            </a:r>
+            <a:r>
+              <a:rPr lang="it-IT" dirty="0" smtClean="0"/>
+              <a:t> or </a:t>
+            </a:r>
+            <a:r>
+              <a:rPr lang="it-IT" dirty="0" err="1" smtClean="0"/>
+              <a:t>integration</a:t>
+            </a:r>
+            <a:r>
+              <a:rPr lang="it-IT" dirty="0" smtClean="0"/>
+              <a:t> </a:t>
+            </a:r>
+            <a:r>
+              <a:rPr lang="it-IT" dirty="0" err="1" smtClean="0"/>
+              <a:t>tests</a:t>
+            </a:r>
+            <a:endParaRPr lang="it-IT" dirty="0" smtClean="0"/>
+          </a:p>
+          <a:p>
+            <a:pPr lvl="2"/>
+            <a:r>
+              <a:rPr lang="it-IT" dirty="0" err="1" smtClean="0"/>
+              <a:t>Improve</a:t>
+            </a:r>
+            <a:r>
+              <a:rPr lang="it-IT" dirty="0" smtClean="0"/>
+              <a:t> the </a:t>
+            </a:r>
+            <a:r>
+              <a:rPr lang="it-IT" dirty="0" err="1" smtClean="0"/>
+              <a:t>response</a:t>
+            </a:r>
+            <a:r>
+              <a:rPr lang="it-IT" dirty="0" smtClean="0"/>
+              <a:t> </a:t>
+            </a:r>
+            <a:r>
+              <a:rPr lang="it-IT" dirty="0" err="1" smtClean="0"/>
+              <a:t>to</a:t>
+            </a:r>
+            <a:r>
+              <a:rPr lang="it-IT" dirty="0" smtClean="0"/>
+              <a:t> </a:t>
+            </a:r>
+            <a:r>
+              <a:rPr lang="it-IT" dirty="0" err="1" smtClean="0"/>
+              <a:t>critic</a:t>
+            </a:r>
+            <a:r>
+              <a:rPr lang="it-IT" dirty="0" smtClean="0"/>
+              <a:t> bug fixing and </a:t>
+            </a:r>
+            <a:r>
+              <a:rPr lang="it-IT" dirty="0" err="1" smtClean="0"/>
+              <a:t>realize</a:t>
+            </a:r>
+            <a:r>
+              <a:rPr lang="it-IT" dirty="0" smtClean="0"/>
+              <a:t> a </a:t>
+            </a:r>
+            <a:r>
+              <a:rPr lang="it-IT" dirty="0" err="1" smtClean="0"/>
+              <a:t>faster</a:t>
+            </a:r>
+            <a:r>
+              <a:rPr lang="it-IT" dirty="0" smtClean="0"/>
+              <a:t> fixing</a:t>
+            </a:r>
+          </a:p>
+          <a:p>
+            <a:pPr lvl="2"/>
+            <a:r>
+              <a:rPr lang="it-IT" dirty="0" err="1" smtClean="0"/>
+              <a:t>Collection</a:t>
+            </a:r>
+            <a:r>
+              <a:rPr lang="it-IT" dirty="0" smtClean="0"/>
+              <a:t> </a:t>
+            </a:r>
+            <a:r>
+              <a:rPr lang="it-IT" dirty="0" err="1" smtClean="0"/>
+              <a:t>of</a:t>
+            </a:r>
+            <a:r>
+              <a:rPr lang="it-IT" dirty="0" smtClean="0"/>
+              <a:t> </a:t>
+            </a:r>
+            <a:r>
+              <a:rPr lang="it-IT" dirty="0" err="1" smtClean="0"/>
+              <a:t>specific</a:t>
+            </a:r>
+            <a:r>
+              <a:rPr lang="it-IT" dirty="0" smtClean="0"/>
+              <a:t> container </a:t>
+            </a:r>
+            <a:r>
+              <a:rPr lang="it-IT" dirty="0" err="1" smtClean="0"/>
+              <a:t>to</a:t>
+            </a:r>
+            <a:r>
+              <a:rPr lang="it-IT" dirty="0" smtClean="0"/>
+              <a:t> face </a:t>
+            </a:r>
+            <a:r>
+              <a:rPr lang="it-IT" dirty="0" err="1" smtClean="0"/>
+              <a:t>different</a:t>
+            </a:r>
+            <a:r>
+              <a:rPr lang="it-IT" dirty="0" smtClean="0"/>
+              <a:t> bug fixing or non </a:t>
+            </a:r>
+            <a:r>
+              <a:rPr lang="it-IT" dirty="0" err="1" smtClean="0"/>
+              <a:t>regression</a:t>
+            </a:r>
+            <a:r>
+              <a:rPr lang="it-IT" dirty="0" smtClean="0"/>
+              <a:t> </a:t>
+            </a:r>
+            <a:r>
+              <a:rPr lang="it-IT" dirty="0" err="1" smtClean="0"/>
+              <a:t>scenarios</a:t>
+            </a:r>
+            <a:endParaRPr lang="it-IT" dirty="0" smtClean="0"/>
+          </a:p>
+          <a:p>
+            <a:pPr lvl="2"/>
+            <a:r>
+              <a:rPr lang="it-IT" dirty="0" smtClean="0"/>
+              <a:t> </a:t>
+            </a:r>
           </a:p>
           <a:p>
             <a:endParaRPr lang="it-IT" dirty="0"/>
@@ -8912,7 +9968,7 @@
     </p:spTree>
     <p:extLst>
       <p:ext uri="{BB962C8B-B14F-4D97-AF65-F5344CB8AC3E}">
-        <p14:creationId xmlns:p14="http://schemas.microsoft.com/office/powerpoint/2010/main" xmlns="" val="3205254146"/>
+        <p14:creationId xmlns:p14="http://schemas.microsoft.com/office/powerpoint/2010/main" val="880952961"/>
       </p:ext>
     </p:extLst>
   </p:cSld>
@@ -8964,7 +10020,7 @@
           <a:p>
             <a:r>
               <a:rPr lang="it-IT" dirty="0" smtClean="0"/>
-              <a:t>PRODUCTION</a:t>
+              <a:t>QUALITY ASSURANCE</a:t>
             </a:r>
             <a:endParaRPr lang="it-IT" dirty="0"/>
           </a:p>
@@ -8987,28 +10043,18 @@
           <a:p>
             <a:r>
               <a:rPr lang="it-IT" dirty="0" err="1" smtClean="0"/>
-              <a:t>Pivotal</a:t>
+              <a:t>Docker</a:t>
             </a:r>
             <a:r>
               <a:rPr lang="it-IT" dirty="0" smtClean="0"/>
-              <a:t> Web Services</a:t>
+              <a:t> Hub</a:t>
             </a:r>
           </a:p>
           <a:p>
             <a:r>
-              <a:rPr lang="it-IT" dirty="0" smtClean="0"/>
-              <a:t>Database </a:t>
-            </a:r>
-            <a:r>
-              <a:rPr lang="it-IT" dirty="0" err="1" smtClean="0"/>
-              <a:t>as</a:t>
-            </a:r>
-            <a:r>
-              <a:rPr lang="it-IT" dirty="0" smtClean="0"/>
-              <a:t> a Service Pattern</a:t>
-            </a:r>
-          </a:p>
-          <a:p>
+              <a:rPr lang="it-IT" smtClean="0"/>
+              <a:t>Jenkins@openshift </a:t>
+            </a:r>
             <a:endParaRPr lang="it-IT" dirty="0" smtClean="0"/>
           </a:p>
           <a:p>
@@ -9019,7 +10065,7 @@
     </p:spTree>
     <p:extLst>
       <p:ext uri="{BB962C8B-B14F-4D97-AF65-F5344CB8AC3E}">
-        <p14:creationId xmlns:p14="http://schemas.microsoft.com/office/powerpoint/2010/main" xmlns="" val="2130358231"/>
+        <p14:creationId xmlns:p14="http://schemas.microsoft.com/office/powerpoint/2010/main" val="3205254146"/>
       </p:ext>
     </p:extLst>
   </p:cSld>
@@ -9147,7 +10193,11 @@
           <a:bodyPr/>
           <a:lstStyle/>
           <a:p>
-            <a:endParaRPr lang="it-IT"/>
+            <a:r>
+              <a:rPr lang="it-IT" dirty="0" smtClean="0"/>
+              <a:t>PRODUCTION</a:t>
+            </a:r>
+            <a:endParaRPr lang="it-IT" dirty="0"/>
           </a:p>
         </p:txBody>
       </p:sp>
@@ -9166,14 +10216,41 @@
           <a:bodyPr/>
           <a:lstStyle/>
           <a:p>
-            <a:endParaRPr lang="it-IT"/>
+            <a:r>
+              <a:rPr lang="it-IT" dirty="0" err="1" smtClean="0"/>
+              <a:t>Pivotal</a:t>
+            </a:r>
+            <a:r>
+              <a:rPr lang="it-IT" dirty="0" smtClean="0"/>
+              <a:t> Web Services</a:t>
+            </a:r>
+          </a:p>
+          <a:p>
+            <a:r>
+              <a:rPr lang="it-IT" dirty="0" smtClean="0"/>
+              <a:t>Database </a:t>
+            </a:r>
+            <a:r>
+              <a:rPr lang="it-IT" dirty="0" err="1" smtClean="0"/>
+              <a:t>as</a:t>
+            </a:r>
+            <a:r>
+              <a:rPr lang="it-IT" dirty="0" smtClean="0"/>
+              <a:t> a Service Pattern</a:t>
+            </a:r>
+          </a:p>
+          <a:p>
+            <a:endParaRPr lang="it-IT" dirty="0" smtClean="0"/>
+          </a:p>
+          <a:p>
+            <a:endParaRPr lang="it-IT" dirty="0"/>
           </a:p>
         </p:txBody>
       </p:sp>
     </p:spTree>
     <p:extLst>
       <p:ext uri="{BB962C8B-B14F-4D97-AF65-F5344CB8AC3E}">
-        <p14:creationId xmlns:p14="http://schemas.microsoft.com/office/powerpoint/2010/main" xmlns="" val="2730314115"/>
+        <p14:creationId xmlns:p14="http://schemas.microsoft.com/office/powerpoint/2010/main" val="2130358231"/>
       </p:ext>
     </p:extLst>
   </p:cSld>
@@ -9223,6 +10300,82 @@
           <a:bodyPr/>
           <a:lstStyle/>
           <a:p>
+            <a:endParaRPr lang="it-IT"/>
+          </a:p>
+        </p:txBody>
+      </p:sp>
+      <p:sp>
+        <p:nvSpPr>
+          <p:cNvPr id="3" name="Segnaposto contenuto 2"/>
+          <p:cNvSpPr>
+            <a:spLocks noGrp="1"/>
+          </p:cNvSpPr>
+          <p:nvPr>
+            <p:ph idx="1"/>
+          </p:nvPr>
+        </p:nvSpPr>
+        <p:spPr/>
+        <p:txBody>
+          <a:bodyPr/>
+          <a:lstStyle/>
+          <a:p>
+            <a:endParaRPr lang="it-IT"/>
+          </a:p>
+        </p:txBody>
+      </p:sp>
+    </p:spTree>
+    <p:extLst>
+      <p:ext uri="{BB962C8B-B14F-4D97-AF65-F5344CB8AC3E}">
+        <p14:creationId xmlns:p14="http://schemas.microsoft.com/office/powerpoint/2010/main" val="2730314115"/>
+      </p:ext>
+    </p:extLst>
+  </p:cSld>
+  <p:clrMapOvr>
+    <a:masterClrMapping/>
+  </p:clrMapOvr>
+  <p:transition/>
+  <p:timing>
+    <p:tnLst>
+      <p:par>
+        <p:cTn id="1" dur="indefinite" restart="never" nodeType="tmRoot"/>
+      </p:par>
+    </p:tnLst>
+  </p:timing>
+</p:sld>
+</file>
+
+<file path=ppt/slides/slide22.xml><?xml version="1.0" encoding="utf-8"?>
+<p:sld xmlns:a="http://schemas.openxmlformats.org/drawingml/2006/main" xmlns:r="http://schemas.openxmlformats.org/officeDocument/2006/relationships" xmlns:p="http://schemas.openxmlformats.org/presentationml/2006/main">
+  <p:cSld>
+    <p:spTree>
+      <p:nvGrpSpPr>
+        <p:cNvPr id="1" name=""/>
+        <p:cNvGrpSpPr/>
+        <p:nvPr/>
+      </p:nvGrpSpPr>
+      <p:grpSpPr>
+        <a:xfrm>
+          <a:off x="0" y="0"/>
+          <a:ext cx="0" cy="0"/>
+          <a:chOff x="0" y="0"/>
+          <a:chExt cx="0" cy="0"/>
+        </a:xfrm>
+      </p:grpSpPr>
+      <p:sp>
+        <p:nvSpPr>
+          <p:cNvPr id="2" name="Titolo 1"/>
+          <p:cNvSpPr>
+            <a:spLocks noGrp="1"/>
+          </p:cNvSpPr>
+          <p:nvPr>
+            <p:ph type="title"/>
+          </p:nvPr>
+        </p:nvSpPr>
+        <p:spPr/>
+        <p:txBody>
+          <a:bodyPr/>
+          <a:lstStyle/>
+          <a:p>
             <a:r>
               <a:rPr lang="it-IT" dirty="0" err="1" smtClean="0"/>
               <a:t>Event</a:t>
@@ -9311,7 +10464,7 @@
     </p:spTree>
     <p:extLst>
       <p:ext uri="{BB962C8B-B14F-4D97-AF65-F5344CB8AC3E}">
-        <p14:creationId xmlns:p14="http://schemas.microsoft.com/office/powerpoint/2010/main" xmlns="" val="1198612420"/>
+        <p14:creationId xmlns:p14="http://schemas.microsoft.com/office/powerpoint/2010/main" val="1198612420"/>
       </p:ext>
     </p:extLst>
   </p:cSld>
@@ -9329,7 +10482,7 @@
 </p:sld>
 </file>
 
-<file path=ppt/slides/slide22.xml><?xml version="1.0" encoding="utf-8"?>
+<file path=ppt/slides/slide23.xml><?xml version="1.0" encoding="utf-8"?>
 <p:sld xmlns:a="http://schemas.openxmlformats.org/drawingml/2006/main" xmlns:r="http://schemas.openxmlformats.org/officeDocument/2006/relationships" xmlns:p="http://schemas.openxmlformats.org/presentationml/2006/main">
   <p:cSld>
     <p:spTree>
@@ -9433,7 +10586,7 @@
             <a:effectLst/>
             <a:extLst>
               <a:ext uri="{AF507438-7753-43E0-B8FC-AC1667EBCBE1}">
-                <a14:hiddenEffects xmlns:a14="http://schemas.microsoft.com/office/drawing/2010/main" xmlns="">
+                <a14:hiddenEffects xmlns:a14="http://schemas.microsoft.com/office/drawing/2010/main">
                   <a:effectLst>
                     <a:outerShdw blurRad="63500" dist="38099" dir="2700000" algn="ctr" rotWithShape="0">
                       <a:schemeClr val="bg2">
@@ -9517,7 +10670,7 @@
             <a:effectLst/>
             <a:extLst>
               <a:ext uri="{AF507438-7753-43E0-B8FC-AC1667EBCBE1}">
-                <a14:hiddenEffects xmlns:a14="http://schemas.microsoft.com/office/drawing/2010/main" xmlns="">
+                <a14:hiddenEffects xmlns:a14="http://schemas.microsoft.com/office/drawing/2010/main">
                   <a:effectLst>
                     <a:outerShdw blurRad="63500" dist="38099" dir="2700000" algn="ctr" rotWithShape="0">
                       <a:schemeClr val="bg2">
@@ -9606,7 +10759,7 @@
             <a:effectLst/>
             <a:extLst>
               <a:ext uri="{AF507438-7753-43E0-B8FC-AC1667EBCBE1}">
-                <a14:hiddenEffects xmlns:a14="http://schemas.microsoft.com/office/drawing/2010/main" xmlns="">
+                <a14:hiddenEffects xmlns:a14="http://schemas.microsoft.com/office/drawing/2010/main">
                   <a:effectLst>
                     <a:outerShdw blurRad="63500" dist="38099" dir="2700000" algn="ctr" rotWithShape="0">
                       <a:schemeClr val="bg2">
@@ -9697,7 +10850,7 @@
             <a:effectLst/>
             <a:extLst>
               <a:ext uri="{AF507438-7753-43E0-B8FC-AC1667EBCBE1}">
-                <a14:hiddenEffects xmlns:a14="http://schemas.microsoft.com/office/drawing/2010/main" xmlns="">
+                <a14:hiddenEffects xmlns:a14="http://schemas.microsoft.com/office/drawing/2010/main">
                   <a:effectLst>
                     <a:outerShdw blurRad="63500" dist="38099" dir="2700000" algn="ctr" rotWithShape="0">
                       <a:schemeClr val="bg2">
@@ -9781,7 +10934,7 @@
             <a:effectLst/>
             <a:extLst>
               <a:ext uri="{AF507438-7753-43E0-B8FC-AC1667EBCBE1}">
-                <a14:hiddenEffects xmlns:a14="http://schemas.microsoft.com/office/drawing/2010/main" xmlns="">
+                <a14:hiddenEffects xmlns:a14="http://schemas.microsoft.com/office/drawing/2010/main">
                   <a:effectLst>
                     <a:outerShdw blurRad="63500" dist="38099" dir="2700000" algn="ctr" rotWithShape="0">
                       <a:schemeClr val="bg2">
@@ -9865,7 +11018,7 @@
             <a:effectLst/>
             <a:extLst>
               <a:ext uri="{AF507438-7753-43E0-B8FC-AC1667EBCBE1}">
-                <a14:hiddenEffects xmlns:a14="http://schemas.microsoft.com/office/drawing/2010/main" xmlns="">
+                <a14:hiddenEffects xmlns:a14="http://schemas.microsoft.com/office/drawing/2010/main">
                   <a:effectLst>
                     <a:outerShdw blurRad="63500" dist="38099" dir="2700000" algn="ctr" rotWithShape="0">
                       <a:schemeClr val="bg2">
@@ -9949,7 +11102,7 @@
             <a:effectLst/>
             <a:extLst>
               <a:ext uri="{AF507438-7753-43E0-B8FC-AC1667EBCBE1}">
-                <a14:hiddenEffects xmlns:a14="http://schemas.microsoft.com/office/drawing/2010/main" xmlns="">
+                <a14:hiddenEffects xmlns:a14="http://schemas.microsoft.com/office/drawing/2010/main">
                   <a:effectLst>
                     <a:outerShdw blurRad="63500" dist="38099" dir="2700000" algn="ctr" rotWithShape="0">
                       <a:schemeClr val="bg2">
@@ -9987,7 +11140,7 @@
           </a:ln>
           <a:extLst>
             <a:ext uri="{91240B29-F687-4F45-9708-019B960494DF}">
-              <a14:hiddenLine xmlns:a14="http://schemas.microsoft.com/office/drawing/2010/main" xmlns="" w="25400" algn="ctr">
+              <a14:hiddenLine xmlns:a14="http://schemas.microsoft.com/office/drawing/2010/main" w="25400" algn="ctr">
                 <a:solidFill>
                   <a:srgbClr val="000000"/>
                 </a:solidFill>
@@ -10031,7 +11184,7 @@
           </a:ln>
           <a:extLst>
             <a:ext uri="{91240B29-F687-4F45-9708-019B960494DF}">
-              <a14:hiddenLine xmlns:a14="http://schemas.microsoft.com/office/drawing/2010/main" xmlns="" w="25400" algn="ctr">
+              <a14:hiddenLine xmlns:a14="http://schemas.microsoft.com/office/drawing/2010/main" w="25400" algn="ctr">
                 <a:solidFill>
                   <a:srgbClr val="000000"/>
                 </a:solidFill>
@@ -10075,7 +11228,7 @@
           </a:ln>
           <a:extLst>
             <a:ext uri="{91240B29-F687-4F45-9708-019B960494DF}">
-              <a14:hiddenLine xmlns:a14="http://schemas.microsoft.com/office/drawing/2010/main" xmlns="" w="25400" algn="ctr">
+              <a14:hiddenLine xmlns:a14="http://schemas.microsoft.com/office/drawing/2010/main" w="25400" algn="ctr">
                 <a:solidFill>
                   <a:srgbClr val="000000"/>
                 </a:solidFill>
@@ -10119,7 +11272,7 @@
           </a:ln>
           <a:extLst>
             <a:ext uri="{91240B29-F687-4F45-9708-019B960494DF}">
-              <a14:hiddenLine xmlns:a14="http://schemas.microsoft.com/office/drawing/2010/main" xmlns="" w="25400" algn="ctr">
+              <a14:hiddenLine xmlns:a14="http://schemas.microsoft.com/office/drawing/2010/main" w="25400" algn="ctr">
                 <a:solidFill>
                   <a:srgbClr val="000000"/>
                 </a:solidFill>
@@ -10166,7 +11319,7 @@
           </a:ln>
           <a:extLst>
             <a:ext uri="{91240B29-F687-4F45-9708-019B960494DF}">
-              <a14:hiddenLine xmlns:a14="http://schemas.microsoft.com/office/drawing/2010/main" xmlns="" w="25400" algn="ctr">
+              <a14:hiddenLine xmlns:a14="http://schemas.microsoft.com/office/drawing/2010/main" w="25400" algn="ctr">
                 <a:solidFill>
                   <a:srgbClr val="000000"/>
                 </a:solidFill>
@@ -10210,7 +11363,7 @@
           </a:ln>
           <a:extLst>
             <a:ext uri="{91240B29-F687-4F45-9708-019B960494DF}">
-              <a14:hiddenLine xmlns:a14="http://schemas.microsoft.com/office/drawing/2010/main" xmlns="" w="25400" algn="ctr">
+              <a14:hiddenLine xmlns:a14="http://schemas.microsoft.com/office/drawing/2010/main" w="25400" algn="ctr">
                 <a:solidFill>
                   <a:srgbClr val="000000"/>
                 </a:solidFill>
@@ -10273,7 +11426,7 @@
             </a:ln>
             <a:extLst>
               <a:ext uri="{91240B29-F687-4F45-9708-019B960494DF}">
-                <a14:hiddenLine xmlns:a14="http://schemas.microsoft.com/office/drawing/2010/main" xmlns="" w="25400" algn="ctr">
+                <a14:hiddenLine xmlns:a14="http://schemas.microsoft.com/office/drawing/2010/main" w="25400" algn="ctr">
                   <a:solidFill>
                     <a:srgbClr val="000000"/>
                   </a:solidFill>
@@ -10315,14 +11468,14 @@
             </a:ln>
             <a:extLst>
               <a:ext uri="{909E8E84-426E-40DD-AFC4-6F175D3DCCD1}">
-                <a14:hiddenFill xmlns:a14="http://schemas.microsoft.com/office/drawing/2010/main" xmlns="">
+                <a14:hiddenFill xmlns:a14="http://schemas.microsoft.com/office/drawing/2010/main">
                   <a:solidFill>
                     <a:srgbClr val="FFFFFF"/>
                   </a:solidFill>
                 </a14:hiddenFill>
               </a:ext>
               <a:ext uri="{91240B29-F687-4F45-9708-019B960494DF}">
-                <a14:hiddenLine xmlns:a14="http://schemas.microsoft.com/office/drawing/2010/main" xmlns="" w="9525">
+                <a14:hiddenLine xmlns:a14="http://schemas.microsoft.com/office/drawing/2010/main" w="9525">
                   <a:solidFill>
                     <a:srgbClr val="000000"/>
                   </a:solidFill>
@@ -10505,7 +11658,7 @@
             </a:ln>
             <a:extLst>
               <a:ext uri="{91240B29-F687-4F45-9708-019B960494DF}">
-                <a14:hiddenLine xmlns:a14="http://schemas.microsoft.com/office/drawing/2010/main" xmlns="" w="25400" algn="ctr">
+                <a14:hiddenLine xmlns:a14="http://schemas.microsoft.com/office/drawing/2010/main" w="25400" algn="ctr">
                   <a:solidFill>
                     <a:srgbClr val="000000"/>
                   </a:solidFill>
@@ -10547,14 +11700,14 @@
             </a:ln>
             <a:extLst>
               <a:ext uri="{909E8E84-426E-40DD-AFC4-6F175D3DCCD1}">
-                <a14:hiddenFill xmlns:a14="http://schemas.microsoft.com/office/drawing/2010/main" xmlns="">
+                <a14:hiddenFill xmlns:a14="http://schemas.microsoft.com/office/drawing/2010/main">
                   <a:solidFill>
                     <a:srgbClr val="FFFFFF"/>
                   </a:solidFill>
                 </a14:hiddenFill>
               </a:ext>
               <a:ext uri="{91240B29-F687-4F45-9708-019B960494DF}">
-                <a14:hiddenLine xmlns:a14="http://schemas.microsoft.com/office/drawing/2010/main" xmlns="" w="9525">
+                <a14:hiddenLine xmlns:a14="http://schemas.microsoft.com/office/drawing/2010/main" w="9525">
                   <a:solidFill>
                     <a:srgbClr val="000000"/>
                   </a:solidFill>
@@ -10743,7 +11896,7 @@
             </a:ln>
             <a:extLst>
               <a:ext uri="{91240B29-F687-4F45-9708-019B960494DF}">
-                <a14:hiddenLine xmlns:a14="http://schemas.microsoft.com/office/drawing/2010/main" xmlns="" w="25400" algn="ctr">
+                <a14:hiddenLine xmlns:a14="http://schemas.microsoft.com/office/drawing/2010/main" w="25400" algn="ctr">
                   <a:solidFill>
                     <a:srgbClr val="000000"/>
                   </a:solidFill>
@@ -10785,14 +11938,14 @@
             </a:ln>
             <a:extLst>
               <a:ext uri="{909E8E84-426E-40DD-AFC4-6F175D3DCCD1}">
-                <a14:hiddenFill xmlns:a14="http://schemas.microsoft.com/office/drawing/2010/main" xmlns="">
+                <a14:hiddenFill xmlns:a14="http://schemas.microsoft.com/office/drawing/2010/main">
                   <a:solidFill>
                     <a:srgbClr val="FFFFFF"/>
                   </a:solidFill>
                 </a14:hiddenFill>
               </a:ext>
               <a:ext uri="{91240B29-F687-4F45-9708-019B960494DF}">
-                <a14:hiddenLine xmlns:a14="http://schemas.microsoft.com/office/drawing/2010/main" xmlns="" w="9525">
+                <a14:hiddenLine xmlns:a14="http://schemas.microsoft.com/office/drawing/2010/main" w="9525">
                   <a:solidFill>
                     <a:srgbClr val="000000"/>
                   </a:solidFill>
@@ -10975,7 +12128,7 @@
             </a:ln>
             <a:extLst>
               <a:ext uri="{91240B29-F687-4F45-9708-019B960494DF}">
-                <a14:hiddenLine xmlns:a14="http://schemas.microsoft.com/office/drawing/2010/main" xmlns="" w="25400" algn="ctr">
+                <a14:hiddenLine xmlns:a14="http://schemas.microsoft.com/office/drawing/2010/main" w="25400" algn="ctr">
                   <a:solidFill>
                     <a:srgbClr val="000000"/>
                   </a:solidFill>
@@ -11017,14 +12170,14 @@
             </a:ln>
             <a:extLst>
               <a:ext uri="{909E8E84-426E-40DD-AFC4-6F175D3DCCD1}">
-                <a14:hiddenFill xmlns:a14="http://schemas.microsoft.com/office/drawing/2010/main" xmlns="">
+                <a14:hiddenFill xmlns:a14="http://schemas.microsoft.com/office/drawing/2010/main">
                   <a:solidFill>
                     <a:srgbClr val="FFFFFF"/>
                   </a:solidFill>
                 </a14:hiddenFill>
               </a:ext>
               <a:ext uri="{91240B29-F687-4F45-9708-019B960494DF}">
-                <a14:hiddenLine xmlns:a14="http://schemas.microsoft.com/office/drawing/2010/main" xmlns="" w="9525">
+                <a14:hiddenLine xmlns:a14="http://schemas.microsoft.com/office/drawing/2010/main" w="9525">
                   <a:solidFill>
                     <a:srgbClr val="000000"/>
                   </a:solidFill>
@@ -11186,14 +12339,14 @@
           </a:ln>
           <a:extLst>
             <a:ext uri="{909E8E84-426E-40DD-AFC4-6F175D3DCCD1}">
-              <a14:hiddenFill xmlns:a14="http://schemas.microsoft.com/office/drawing/2010/main" xmlns="">
+              <a14:hiddenFill xmlns:a14="http://schemas.microsoft.com/office/drawing/2010/main">
                 <a:solidFill>
                   <a:srgbClr val="FFFFFF"/>
                 </a:solidFill>
               </a14:hiddenFill>
             </a:ext>
             <a:ext uri="{91240B29-F687-4F45-9708-019B960494DF}">
-              <a14:hiddenLine xmlns:a14="http://schemas.microsoft.com/office/drawing/2010/main" xmlns="" w="9525">
+              <a14:hiddenLine xmlns:a14="http://schemas.microsoft.com/office/drawing/2010/main" w="9525">
                 <a:solidFill>
                   <a:srgbClr val="000000"/>
                 </a:solidFill>
@@ -11356,7 +12509,7 @@
           </a:ln>
           <a:extLst>
             <a:ext uri="{91240B29-F687-4F45-9708-019B960494DF}">
-              <a14:hiddenLine xmlns:a14="http://schemas.microsoft.com/office/drawing/2010/main" xmlns="" w="25400" algn="ctr">
+              <a14:hiddenLine xmlns:a14="http://schemas.microsoft.com/office/drawing/2010/main" w="25400" algn="ctr">
                 <a:solidFill>
                   <a:srgbClr val="000000"/>
                 </a:solidFill>
@@ -11419,7 +12572,7 @@
             </a:ln>
             <a:extLst>
               <a:ext uri="{91240B29-F687-4F45-9708-019B960494DF}">
-                <a14:hiddenLine xmlns:a14="http://schemas.microsoft.com/office/drawing/2010/main" xmlns="" w="25400" algn="ctr">
+                <a14:hiddenLine xmlns:a14="http://schemas.microsoft.com/office/drawing/2010/main" w="25400" algn="ctr">
                   <a:solidFill>
                     <a:srgbClr val="000000"/>
                   </a:solidFill>
@@ -11461,14 +12614,14 @@
             </a:ln>
             <a:extLst>
               <a:ext uri="{909E8E84-426E-40DD-AFC4-6F175D3DCCD1}">
-                <a14:hiddenFill xmlns:a14="http://schemas.microsoft.com/office/drawing/2010/main" xmlns="">
+                <a14:hiddenFill xmlns:a14="http://schemas.microsoft.com/office/drawing/2010/main">
                   <a:solidFill>
                     <a:srgbClr val="FFFFFF"/>
                   </a:solidFill>
                 </a14:hiddenFill>
               </a:ext>
               <a:ext uri="{91240B29-F687-4F45-9708-019B960494DF}">
-                <a14:hiddenLine xmlns:a14="http://schemas.microsoft.com/office/drawing/2010/main" xmlns="" w="9525">
+                <a14:hiddenLine xmlns:a14="http://schemas.microsoft.com/office/drawing/2010/main" w="9525">
                   <a:solidFill>
                     <a:srgbClr val="000000"/>
                   </a:solidFill>
@@ -11632,7 +12785,7 @@
           </a:ln>
           <a:extLst>
             <a:ext uri="{91240B29-F687-4F45-9708-019B960494DF}">
-              <a14:hiddenLine xmlns:a14="http://schemas.microsoft.com/office/drawing/2010/main" xmlns="" w="25400" algn="ctr">
+              <a14:hiddenLine xmlns:a14="http://schemas.microsoft.com/office/drawing/2010/main" w="25400" algn="ctr">
                 <a:solidFill>
                   <a:srgbClr val="000000"/>
                 </a:solidFill>
@@ -11695,7 +12848,7 @@
             </a:ln>
             <a:extLst>
               <a:ext uri="{91240B29-F687-4F45-9708-019B960494DF}">
-                <a14:hiddenLine xmlns:a14="http://schemas.microsoft.com/office/drawing/2010/main" xmlns="" w="25400" algn="ctr">
+                <a14:hiddenLine xmlns:a14="http://schemas.microsoft.com/office/drawing/2010/main" w="25400" algn="ctr">
                   <a:solidFill>
                     <a:srgbClr val="000000"/>
                   </a:solidFill>
@@ -11737,14 +12890,14 @@
             </a:ln>
             <a:extLst>
               <a:ext uri="{909E8E84-426E-40DD-AFC4-6F175D3DCCD1}">
-                <a14:hiddenFill xmlns:a14="http://schemas.microsoft.com/office/drawing/2010/main" xmlns="">
+                <a14:hiddenFill xmlns:a14="http://schemas.microsoft.com/office/drawing/2010/main">
                   <a:solidFill>
                     <a:srgbClr val="FFFFFF"/>
                   </a:solidFill>
                 </a14:hiddenFill>
               </a:ext>
               <a:ext uri="{91240B29-F687-4F45-9708-019B960494DF}">
-                <a14:hiddenLine xmlns:a14="http://schemas.microsoft.com/office/drawing/2010/main" xmlns="" w="9525">
+                <a14:hiddenLine xmlns:a14="http://schemas.microsoft.com/office/drawing/2010/main" w="9525">
                   <a:solidFill>
                     <a:srgbClr val="000000"/>
                   </a:solidFill>
@@ -11927,7 +13080,7 @@
             </a:ln>
             <a:extLst>
               <a:ext uri="{91240B29-F687-4F45-9708-019B960494DF}">
-                <a14:hiddenLine xmlns:a14="http://schemas.microsoft.com/office/drawing/2010/main" xmlns="" w="25400" algn="ctr">
+                <a14:hiddenLine xmlns:a14="http://schemas.microsoft.com/office/drawing/2010/main" w="25400" algn="ctr">
                   <a:solidFill>
                     <a:srgbClr val="000000"/>
                   </a:solidFill>
@@ -11969,14 +13122,14 @@
             </a:ln>
             <a:extLst>
               <a:ext uri="{909E8E84-426E-40DD-AFC4-6F175D3DCCD1}">
-                <a14:hiddenFill xmlns:a14="http://schemas.microsoft.com/office/drawing/2010/main" xmlns="">
+                <a14:hiddenFill xmlns:a14="http://schemas.microsoft.com/office/drawing/2010/main">
                   <a:solidFill>
                     <a:srgbClr val="FFFFFF"/>
                   </a:solidFill>
                 </a14:hiddenFill>
               </a:ext>
               <a:ext uri="{91240B29-F687-4F45-9708-019B960494DF}">
-                <a14:hiddenLine xmlns:a14="http://schemas.microsoft.com/office/drawing/2010/main" xmlns="" w="9525">
+                <a14:hiddenLine xmlns:a14="http://schemas.microsoft.com/office/drawing/2010/main" w="9525">
                   <a:solidFill>
                     <a:srgbClr val="000000"/>
                   </a:solidFill>
@@ -12159,7 +13312,7 @@
             </a:ln>
             <a:extLst>
               <a:ext uri="{91240B29-F687-4F45-9708-019B960494DF}">
-                <a14:hiddenLine xmlns:a14="http://schemas.microsoft.com/office/drawing/2010/main" xmlns="" w="25400" algn="ctr">
+                <a14:hiddenLine xmlns:a14="http://schemas.microsoft.com/office/drawing/2010/main" w="25400" algn="ctr">
                   <a:solidFill>
                     <a:srgbClr val="000000"/>
                   </a:solidFill>
@@ -12201,14 +13354,14 @@
             </a:ln>
             <a:extLst>
               <a:ext uri="{909E8E84-426E-40DD-AFC4-6F175D3DCCD1}">
-                <a14:hiddenFill xmlns:a14="http://schemas.microsoft.com/office/drawing/2010/main" xmlns="">
+                <a14:hiddenFill xmlns:a14="http://schemas.microsoft.com/office/drawing/2010/main">
                   <a:solidFill>
                     <a:srgbClr val="FFFFFF"/>
                   </a:solidFill>
                 </a14:hiddenFill>
               </a:ext>
               <a:ext uri="{91240B29-F687-4F45-9708-019B960494DF}">
-                <a14:hiddenLine xmlns:a14="http://schemas.microsoft.com/office/drawing/2010/main" xmlns="" w="9525">
+                <a14:hiddenLine xmlns:a14="http://schemas.microsoft.com/office/drawing/2010/main" w="9525">
                   <a:solidFill>
                     <a:srgbClr val="000000"/>
                   </a:solidFill>
@@ -12372,7 +13525,7 @@
           </a:ln>
           <a:extLst>
             <a:ext uri="{91240B29-F687-4F45-9708-019B960494DF}">
-              <a14:hiddenLine xmlns:a14="http://schemas.microsoft.com/office/drawing/2010/main" xmlns="" w="25400" algn="ctr">
+              <a14:hiddenLine xmlns:a14="http://schemas.microsoft.com/office/drawing/2010/main" w="25400" algn="ctr">
                 <a:solidFill>
                   <a:srgbClr val="000000"/>
                 </a:solidFill>
@@ -12435,7 +13588,7 @@
             </a:ln>
             <a:extLst>
               <a:ext uri="{91240B29-F687-4F45-9708-019B960494DF}">
-                <a14:hiddenLine xmlns:a14="http://schemas.microsoft.com/office/drawing/2010/main" xmlns="" w="25400" algn="ctr">
+                <a14:hiddenLine xmlns:a14="http://schemas.microsoft.com/office/drawing/2010/main" w="25400" algn="ctr">
                   <a:solidFill>
                     <a:srgbClr val="000000"/>
                   </a:solidFill>
@@ -12477,14 +13630,14 @@
             </a:ln>
             <a:extLst>
               <a:ext uri="{909E8E84-426E-40DD-AFC4-6F175D3DCCD1}">
-                <a14:hiddenFill xmlns:a14="http://schemas.microsoft.com/office/drawing/2010/main" xmlns="">
+                <a14:hiddenFill xmlns:a14="http://schemas.microsoft.com/office/drawing/2010/main">
                   <a:solidFill>
                     <a:srgbClr val="FFFFFF"/>
                   </a:solidFill>
                 </a14:hiddenFill>
               </a:ext>
               <a:ext uri="{91240B29-F687-4F45-9708-019B960494DF}">
-                <a14:hiddenLine xmlns:a14="http://schemas.microsoft.com/office/drawing/2010/main" xmlns="" w="9525">
+                <a14:hiddenLine xmlns:a14="http://schemas.microsoft.com/office/drawing/2010/main" w="9525">
                   <a:solidFill>
                     <a:srgbClr val="000000"/>
                   </a:solidFill>
@@ -12662,14 +13815,14 @@
             </a:ln>
             <a:extLst>
               <a:ext uri="{909E8E84-426E-40DD-AFC4-6F175D3DCCD1}">
-                <a14:hiddenFill xmlns:a14="http://schemas.microsoft.com/office/drawing/2010/main" xmlns="">
+                <a14:hiddenFill xmlns:a14="http://schemas.microsoft.com/office/drawing/2010/main">
                   <a:solidFill>
                     <a:srgbClr val="FFFFFF"/>
                   </a:solidFill>
                 </a14:hiddenFill>
               </a:ext>
               <a:ext uri="{91240B29-F687-4F45-9708-019B960494DF}">
-                <a14:hiddenLine xmlns:a14="http://schemas.microsoft.com/office/drawing/2010/main" xmlns="" w="9525">
+                <a14:hiddenLine xmlns:a14="http://schemas.microsoft.com/office/drawing/2010/main" w="9525">
                   <a:solidFill>
                     <a:srgbClr val="000000"/>
                   </a:solidFill>
@@ -12835,7 +13988,7 @@
             </a:ln>
             <a:extLst>
               <a:ext uri="{91240B29-F687-4F45-9708-019B960494DF}">
-                <a14:hiddenLine xmlns:a14="http://schemas.microsoft.com/office/drawing/2010/main" xmlns="" w="25400" algn="ctr">
+                <a14:hiddenLine xmlns:a14="http://schemas.microsoft.com/office/drawing/2010/main" w="25400" algn="ctr">
                   <a:solidFill>
                     <a:srgbClr val="000000"/>
                   </a:solidFill>
@@ -12899,7 +14052,7 @@
             </a:ln>
             <a:extLst>
               <a:ext uri="{91240B29-F687-4F45-9708-019B960494DF}">
-                <a14:hiddenLine xmlns:a14="http://schemas.microsoft.com/office/drawing/2010/main" xmlns="" w="25400" algn="ctr">
+                <a14:hiddenLine xmlns:a14="http://schemas.microsoft.com/office/drawing/2010/main" w="25400" algn="ctr">
                   <a:solidFill>
                     <a:srgbClr val="000000"/>
                   </a:solidFill>
@@ -12941,14 +14094,14 @@
             </a:ln>
             <a:extLst>
               <a:ext uri="{909E8E84-426E-40DD-AFC4-6F175D3DCCD1}">
-                <a14:hiddenFill xmlns:a14="http://schemas.microsoft.com/office/drawing/2010/main" xmlns="">
+                <a14:hiddenFill xmlns:a14="http://schemas.microsoft.com/office/drawing/2010/main">
                   <a:solidFill>
                     <a:srgbClr val="FFFFFF"/>
                   </a:solidFill>
                 </a14:hiddenFill>
               </a:ext>
               <a:ext uri="{91240B29-F687-4F45-9708-019B960494DF}">
-                <a14:hiddenLine xmlns:a14="http://schemas.microsoft.com/office/drawing/2010/main" xmlns="" w="9525">
+                <a14:hiddenLine xmlns:a14="http://schemas.microsoft.com/office/drawing/2010/main" w="9525">
                   <a:solidFill>
                     <a:srgbClr val="000000"/>
                   </a:solidFill>
@@ -13221,7 +14374,7 @@
 </p:sld>
 </file>
 
-<file path=ppt/slides/slide23.xml><?xml version="1.0" encoding="utf-8"?>
+<file path=ppt/slides/slide24.xml><?xml version="1.0" encoding="utf-8"?>
 <p:sld xmlns:a="http://schemas.openxmlformats.org/drawingml/2006/main" xmlns:r="http://schemas.openxmlformats.org/officeDocument/2006/relationships" xmlns:p="http://schemas.openxmlformats.org/presentationml/2006/main">
   <p:cSld>
     <p:spTree>
@@ -13332,7 +14485,7 @@
             <a:effectLst/>
             <a:extLst>
               <a:ext uri="{AF507438-7753-43E0-B8FC-AC1667EBCBE1}">
-                <a14:hiddenEffects xmlns:a14="http://schemas.microsoft.com/office/drawing/2010/main" xmlns="">
+                <a14:hiddenEffects xmlns:a14="http://schemas.microsoft.com/office/drawing/2010/main">
                   <a:effectLst>
                     <a:outerShdw blurRad="63500" dist="38099" dir="2700000" algn="ctr" rotWithShape="0">
                       <a:schemeClr val="bg2">
@@ -13423,7 +14576,7 @@
             <a:effectLst/>
             <a:extLst>
               <a:ext uri="{AF507438-7753-43E0-B8FC-AC1667EBCBE1}">
-                <a14:hiddenEffects xmlns:a14="http://schemas.microsoft.com/office/drawing/2010/main" xmlns="">
+                <a14:hiddenEffects xmlns:a14="http://schemas.microsoft.com/office/drawing/2010/main">
                   <a:effectLst>
                     <a:outerShdw blurRad="63500" dist="38099" dir="2700000" algn="ctr" rotWithShape="0">
                       <a:schemeClr val="bg2">
@@ -13514,7 +14667,7 @@
             <a:effectLst/>
             <a:extLst>
               <a:ext uri="{AF507438-7753-43E0-B8FC-AC1667EBCBE1}">
-                <a14:hiddenEffects xmlns:a14="http://schemas.microsoft.com/office/drawing/2010/main" xmlns="">
+                <a14:hiddenEffects xmlns:a14="http://schemas.microsoft.com/office/drawing/2010/main">
                   <a:effectLst>
                     <a:outerShdw blurRad="63500" dist="38099" dir="2700000" algn="ctr" rotWithShape="0">
                       <a:schemeClr val="bg2">
@@ -13598,7 +14751,7 @@
             <a:effectLst/>
             <a:extLst>
               <a:ext uri="{AF507438-7753-43E0-B8FC-AC1667EBCBE1}">
-                <a14:hiddenEffects xmlns:a14="http://schemas.microsoft.com/office/drawing/2010/main" xmlns="">
+                <a14:hiddenEffects xmlns:a14="http://schemas.microsoft.com/office/drawing/2010/main">
                   <a:effectLst>
                     <a:outerShdw blurRad="63500" dist="38099" dir="2700000" algn="ctr" rotWithShape="0">
                       <a:schemeClr val="bg2">
@@ -13682,7 +14835,7 @@
             <a:effectLst/>
             <a:extLst>
               <a:ext uri="{AF507438-7753-43E0-B8FC-AC1667EBCBE1}">
-                <a14:hiddenEffects xmlns:a14="http://schemas.microsoft.com/office/drawing/2010/main" xmlns="">
+                <a14:hiddenEffects xmlns:a14="http://schemas.microsoft.com/office/drawing/2010/main">
                   <a:effectLst>
                     <a:outerShdw blurRad="63500" dist="38099" dir="2700000" algn="ctr" rotWithShape="0">
                       <a:schemeClr val="bg2">
@@ -13766,7 +14919,7 @@
             <a:effectLst/>
             <a:extLst>
               <a:ext uri="{AF507438-7753-43E0-B8FC-AC1667EBCBE1}">
-                <a14:hiddenEffects xmlns:a14="http://schemas.microsoft.com/office/drawing/2010/main" xmlns="">
+                <a14:hiddenEffects xmlns:a14="http://schemas.microsoft.com/office/drawing/2010/main">
                   <a:effectLst>
                     <a:outerShdw blurRad="63500" dist="38099" dir="2700000" algn="ctr" rotWithShape="0">
                       <a:schemeClr val="bg2">
@@ -13804,7 +14957,7 @@
           </a:ln>
           <a:extLst>
             <a:ext uri="{91240B29-F687-4F45-9708-019B960494DF}">
-              <a14:hiddenLine xmlns:a14="http://schemas.microsoft.com/office/drawing/2010/main" xmlns="" w="25400" algn="ctr">
+              <a14:hiddenLine xmlns:a14="http://schemas.microsoft.com/office/drawing/2010/main" w="25400" algn="ctr">
                 <a:solidFill>
                   <a:srgbClr val="000000"/>
                 </a:solidFill>
@@ -13851,7 +15004,7 @@
           </a:ln>
           <a:extLst>
             <a:ext uri="{91240B29-F687-4F45-9708-019B960494DF}">
-              <a14:hiddenLine xmlns:a14="http://schemas.microsoft.com/office/drawing/2010/main" xmlns="" w="25400" algn="ctr">
+              <a14:hiddenLine xmlns:a14="http://schemas.microsoft.com/office/drawing/2010/main" w="25400" algn="ctr">
                 <a:solidFill>
                   <a:srgbClr val="000000"/>
                 </a:solidFill>
@@ -13893,14 +15046,14 @@
           </a:ln>
           <a:extLst>
             <a:ext uri="{909E8E84-426E-40DD-AFC4-6F175D3DCCD1}">
-              <a14:hiddenFill xmlns:a14="http://schemas.microsoft.com/office/drawing/2010/main" xmlns="">
+              <a14:hiddenFill xmlns:a14="http://schemas.microsoft.com/office/drawing/2010/main">
                 <a:solidFill>
                   <a:srgbClr val="FFFFFF"/>
                 </a:solidFill>
               </a14:hiddenFill>
             </a:ext>
             <a:ext uri="{91240B29-F687-4F45-9708-019B960494DF}">
-              <a14:hiddenLine xmlns:a14="http://schemas.microsoft.com/office/drawing/2010/main" xmlns="" w="9525">
+              <a14:hiddenLine xmlns:a14="http://schemas.microsoft.com/office/drawing/2010/main" w="9525">
                 <a:solidFill>
                   <a:srgbClr val="000000"/>
                 </a:solidFill>
@@ -14067,7 +15220,7 @@
           </a:ln>
           <a:extLst>
             <a:ext uri="{91240B29-F687-4F45-9708-019B960494DF}">
-              <a14:hiddenLine xmlns:a14="http://schemas.microsoft.com/office/drawing/2010/main" xmlns="" w="9525">
+              <a14:hiddenLine xmlns:a14="http://schemas.microsoft.com/office/drawing/2010/main" w="9525">
                 <a:solidFill>
                   <a:srgbClr val="000000"/>
                 </a:solidFill>
@@ -14109,14 +15262,14 @@
           </a:ln>
           <a:extLst>
             <a:ext uri="{909E8E84-426E-40DD-AFC4-6F175D3DCCD1}">
-              <a14:hiddenFill xmlns:a14="http://schemas.microsoft.com/office/drawing/2010/main" xmlns="">
+              <a14:hiddenFill xmlns:a14="http://schemas.microsoft.com/office/drawing/2010/main">
                 <a:solidFill>
                   <a:srgbClr val="FFFFFF"/>
                 </a:solidFill>
               </a14:hiddenFill>
             </a:ext>
             <a:ext uri="{91240B29-F687-4F45-9708-019B960494DF}">
-              <a14:hiddenLine xmlns:a14="http://schemas.microsoft.com/office/drawing/2010/main" xmlns="" w="9525">
+              <a14:hiddenLine xmlns:a14="http://schemas.microsoft.com/office/drawing/2010/main" w="9525">
                 <a:solidFill>
                   <a:srgbClr val="000000"/>
                 </a:solidFill>
@@ -14279,7 +15432,7 @@
           </a:ln>
           <a:extLst>
             <a:ext uri="{91240B29-F687-4F45-9708-019B960494DF}">
-              <a14:hiddenLine xmlns:a14="http://schemas.microsoft.com/office/drawing/2010/main" xmlns="" w="25400" algn="ctr">
+              <a14:hiddenLine xmlns:a14="http://schemas.microsoft.com/office/drawing/2010/main" w="25400" algn="ctr">
                 <a:solidFill>
                   <a:srgbClr val="000000"/>
                 </a:solidFill>
@@ -14323,7 +15476,7 @@
           </a:ln>
           <a:extLst>
             <a:ext uri="{91240B29-F687-4F45-9708-019B960494DF}">
-              <a14:hiddenLine xmlns:a14="http://schemas.microsoft.com/office/drawing/2010/main" xmlns="" w="25400" algn="ctr">
+              <a14:hiddenLine xmlns:a14="http://schemas.microsoft.com/office/drawing/2010/main" w="25400" algn="ctr">
                 <a:solidFill>
                   <a:srgbClr val="000000"/>
                 </a:solidFill>
@@ -14370,7 +15523,7 @@
           </a:ln>
           <a:extLst>
             <a:ext uri="{91240B29-F687-4F45-9708-019B960494DF}">
-              <a14:hiddenLine xmlns:a14="http://schemas.microsoft.com/office/drawing/2010/main" xmlns="" w="9525">
+              <a14:hiddenLine xmlns:a14="http://schemas.microsoft.com/office/drawing/2010/main" w="9525">
                 <a:solidFill>
                   <a:srgbClr val="000000"/>
                 </a:solidFill>
@@ -14412,14 +15565,14 @@
           </a:ln>
           <a:extLst>
             <a:ext uri="{909E8E84-426E-40DD-AFC4-6F175D3DCCD1}">
-              <a14:hiddenFill xmlns:a14="http://schemas.microsoft.com/office/drawing/2010/main" xmlns="">
+              <a14:hiddenFill xmlns:a14="http://schemas.microsoft.com/office/drawing/2010/main">
                 <a:solidFill>
                   <a:srgbClr val="FFFFFF"/>
                 </a:solidFill>
               </a14:hiddenFill>
             </a:ext>
             <a:ext uri="{91240B29-F687-4F45-9708-019B960494DF}">
-              <a14:hiddenLine xmlns:a14="http://schemas.microsoft.com/office/drawing/2010/main" xmlns="" w="9525">
+              <a14:hiddenLine xmlns:a14="http://schemas.microsoft.com/office/drawing/2010/main" w="9525">
                 <a:solidFill>
                   <a:srgbClr val="000000"/>
                 </a:solidFill>
@@ -14582,7 +15735,7 @@
           </a:ln>
           <a:extLst>
             <a:ext uri="{91240B29-F687-4F45-9708-019B960494DF}">
-              <a14:hiddenLine xmlns:a14="http://schemas.microsoft.com/office/drawing/2010/main" xmlns="" w="25400" algn="ctr">
+              <a14:hiddenLine xmlns:a14="http://schemas.microsoft.com/office/drawing/2010/main" w="25400" algn="ctr">
                 <a:solidFill>
                   <a:srgbClr val="000000"/>
                 </a:solidFill>
@@ -14629,7 +15782,7 @@
           </a:ln>
           <a:extLst>
             <a:ext uri="{91240B29-F687-4F45-9708-019B960494DF}">
-              <a14:hiddenLine xmlns:a14="http://schemas.microsoft.com/office/drawing/2010/main" xmlns="" w="25400" algn="ctr">
+              <a14:hiddenLine xmlns:a14="http://schemas.microsoft.com/office/drawing/2010/main" w="25400" algn="ctr">
                 <a:solidFill>
                   <a:srgbClr val="000000"/>
                 </a:solidFill>
@@ -14671,14 +15824,14 @@
           </a:ln>
           <a:extLst>
             <a:ext uri="{909E8E84-426E-40DD-AFC4-6F175D3DCCD1}">
-              <a14:hiddenFill xmlns:a14="http://schemas.microsoft.com/office/drawing/2010/main" xmlns="">
+              <a14:hiddenFill xmlns:a14="http://schemas.microsoft.com/office/drawing/2010/main">
                 <a:solidFill>
                   <a:srgbClr val="FFFFFF"/>
                 </a:solidFill>
               </a14:hiddenFill>
             </a:ext>
             <a:ext uri="{91240B29-F687-4F45-9708-019B960494DF}">
-              <a14:hiddenLine xmlns:a14="http://schemas.microsoft.com/office/drawing/2010/main" xmlns="" w="9525">
+              <a14:hiddenLine xmlns:a14="http://schemas.microsoft.com/office/drawing/2010/main" w="9525">
                 <a:solidFill>
                   <a:srgbClr val="000000"/>
                 </a:solidFill>
@@ -14842,7 +15995,7 @@
           </a:ln>
           <a:extLst>
             <a:ext uri="{91240B29-F687-4F45-9708-019B960494DF}">
-              <a14:hiddenLine xmlns:a14="http://schemas.microsoft.com/office/drawing/2010/main" xmlns="" w="25400" algn="ctr">
+              <a14:hiddenLine xmlns:a14="http://schemas.microsoft.com/office/drawing/2010/main" w="25400" algn="ctr">
                 <a:solidFill>
                   <a:srgbClr val="000000"/>
                 </a:solidFill>
@@ -14889,7 +16042,7 @@
           </a:ln>
           <a:extLst>
             <a:ext uri="{91240B29-F687-4F45-9708-019B960494DF}">
-              <a14:hiddenLine xmlns:a14="http://schemas.microsoft.com/office/drawing/2010/main" xmlns="" w="9525">
+              <a14:hiddenLine xmlns:a14="http://schemas.microsoft.com/office/drawing/2010/main" w="9525">
                 <a:solidFill>
                   <a:srgbClr val="000000"/>
                 </a:solidFill>
@@ -14931,14 +16084,14 @@
           </a:ln>
           <a:extLst>
             <a:ext uri="{909E8E84-426E-40DD-AFC4-6F175D3DCCD1}">
-              <a14:hiddenFill xmlns:a14="http://schemas.microsoft.com/office/drawing/2010/main" xmlns="">
+              <a14:hiddenFill xmlns:a14="http://schemas.microsoft.com/office/drawing/2010/main">
                 <a:solidFill>
                   <a:srgbClr val="FFFFFF"/>
                 </a:solidFill>
               </a14:hiddenFill>
             </a:ext>
             <a:ext uri="{91240B29-F687-4F45-9708-019B960494DF}">
-              <a14:hiddenLine xmlns:a14="http://schemas.microsoft.com/office/drawing/2010/main" xmlns="" w="9525">
+              <a14:hiddenLine xmlns:a14="http://schemas.microsoft.com/office/drawing/2010/main" w="9525">
                 <a:solidFill>
                   <a:srgbClr val="000000"/>
                 </a:solidFill>
@@ -15101,7 +16254,7 @@
           </a:ln>
           <a:extLst>
             <a:ext uri="{91240B29-F687-4F45-9708-019B960494DF}">
-              <a14:hiddenLine xmlns:a14="http://schemas.microsoft.com/office/drawing/2010/main" xmlns="" w="25400" algn="ctr">
+              <a14:hiddenLine xmlns:a14="http://schemas.microsoft.com/office/drawing/2010/main" w="25400" algn="ctr">
                 <a:solidFill>
                   <a:srgbClr val="000000"/>
                 </a:solidFill>
@@ -15145,7 +16298,7 @@
           </a:ln>
           <a:extLst>
             <a:ext uri="{91240B29-F687-4F45-9708-019B960494DF}">
-              <a14:hiddenLine xmlns:a14="http://schemas.microsoft.com/office/drawing/2010/main" xmlns="" w="25400" algn="ctr">
+              <a14:hiddenLine xmlns:a14="http://schemas.microsoft.com/office/drawing/2010/main" w="25400" algn="ctr">
                 <a:solidFill>
                   <a:srgbClr val="000000"/>
                 </a:solidFill>
@@ -15187,14 +16340,14 @@
           </a:ln>
           <a:extLst>
             <a:ext uri="{909E8E84-426E-40DD-AFC4-6F175D3DCCD1}">
-              <a14:hiddenFill xmlns:a14="http://schemas.microsoft.com/office/drawing/2010/main" xmlns="">
+              <a14:hiddenFill xmlns:a14="http://schemas.microsoft.com/office/drawing/2010/main">
                 <a:solidFill>
                   <a:srgbClr val="FFFFFF"/>
                 </a:solidFill>
               </a14:hiddenFill>
             </a:ext>
             <a:ext uri="{91240B29-F687-4F45-9708-019B960494DF}">
-              <a14:hiddenLine xmlns:a14="http://schemas.microsoft.com/office/drawing/2010/main" xmlns="" w="9525">
+              <a14:hiddenLine xmlns:a14="http://schemas.microsoft.com/office/drawing/2010/main" w="9525">
                 <a:solidFill>
                   <a:srgbClr val="000000"/>
                 </a:solidFill>
@@ -15357,7 +16510,7 @@
           </a:ln>
           <a:extLst>
             <a:ext uri="{91240B29-F687-4F45-9708-019B960494DF}">
-              <a14:hiddenLine xmlns:a14="http://schemas.microsoft.com/office/drawing/2010/main" xmlns="" w="25400" algn="ctr">
+              <a14:hiddenLine xmlns:a14="http://schemas.microsoft.com/office/drawing/2010/main" w="25400" algn="ctr">
                 <a:solidFill>
                   <a:srgbClr val="000000"/>
                 </a:solidFill>
@@ -15399,14 +16552,14 @@
           </a:ln>
           <a:extLst>
             <a:ext uri="{909E8E84-426E-40DD-AFC4-6F175D3DCCD1}">
-              <a14:hiddenFill xmlns:a14="http://schemas.microsoft.com/office/drawing/2010/main" xmlns="">
+              <a14:hiddenFill xmlns:a14="http://schemas.microsoft.com/office/drawing/2010/main">
                 <a:solidFill>
                   <a:srgbClr val="FFFFFF"/>
                 </a:solidFill>
               </a14:hiddenFill>
             </a:ext>
             <a:ext uri="{91240B29-F687-4F45-9708-019B960494DF}">
-              <a14:hiddenLine xmlns:a14="http://schemas.microsoft.com/office/drawing/2010/main" xmlns="" w="9525">
+              <a14:hiddenLine xmlns:a14="http://schemas.microsoft.com/office/drawing/2010/main" w="9525">
                 <a:solidFill>
                   <a:srgbClr val="000000"/>
                 </a:solidFill>
@@ -15570,7 +16723,7 @@
           </a:ln>
           <a:extLst>
             <a:ext uri="{91240B29-F687-4F45-9708-019B960494DF}">
-              <a14:hiddenLine xmlns:a14="http://schemas.microsoft.com/office/drawing/2010/main" xmlns="" w="25400" algn="ctr">
+              <a14:hiddenLine xmlns:a14="http://schemas.microsoft.com/office/drawing/2010/main" w="25400" algn="ctr">
                 <a:solidFill>
                   <a:srgbClr val="000000"/>
                 </a:solidFill>
@@ -15612,14 +16765,14 @@
           </a:ln>
           <a:extLst>
             <a:ext uri="{909E8E84-426E-40DD-AFC4-6F175D3DCCD1}">
-              <a14:hiddenFill xmlns:a14="http://schemas.microsoft.com/office/drawing/2010/main" xmlns="">
+              <a14:hiddenFill xmlns:a14="http://schemas.microsoft.com/office/drawing/2010/main">
                 <a:solidFill>
                   <a:srgbClr val="FFFFFF"/>
                 </a:solidFill>
               </a14:hiddenFill>
             </a:ext>
             <a:ext uri="{91240B29-F687-4F45-9708-019B960494DF}">
-              <a14:hiddenLine xmlns:a14="http://schemas.microsoft.com/office/drawing/2010/main" xmlns="" w="9525">
+              <a14:hiddenLine xmlns:a14="http://schemas.microsoft.com/office/drawing/2010/main" w="9525">
                 <a:solidFill>
                   <a:srgbClr val="000000"/>
                 </a:solidFill>
@@ -15785,7 +16938,7 @@
           </a:ln>
           <a:extLst>
             <a:ext uri="{91240B29-F687-4F45-9708-019B960494DF}">
-              <a14:hiddenLine xmlns:a14="http://schemas.microsoft.com/office/drawing/2010/main" xmlns="" w="9525">
+              <a14:hiddenLine xmlns:a14="http://schemas.microsoft.com/office/drawing/2010/main" w="9525">
                 <a:solidFill>
                   <a:srgbClr val="000000"/>
                 </a:solidFill>
@@ -15829,7 +16982,7 @@
           </a:ln>
           <a:extLst>
             <a:ext uri="{91240B29-F687-4F45-9708-019B960494DF}">
-              <a14:hiddenLine xmlns:a14="http://schemas.microsoft.com/office/drawing/2010/main" xmlns="" w="25400" algn="ctr">
+              <a14:hiddenLine xmlns:a14="http://schemas.microsoft.com/office/drawing/2010/main" w="25400" algn="ctr">
                 <a:solidFill>
                   <a:srgbClr val="000000"/>
                 </a:solidFill>
@@ -15871,14 +17024,14 @@
           </a:ln>
           <a:extLst>
             <a:ext uri="{909E8E84-426E-40DD-AFC4-6F175D3DCCD1}">
-              <a14:hiddenFill xmlns:a14="http://schemas.microsoft.com/office/drawing/2010/main" xmlns="">
+              <a14:hiddenFill xmlns:a14="http://schemas.microsoft.com/office/drawing/2010/main">
                 <a:solidFill>
                   <a:srgbClr val="FFFFFF"/>
                 </a:solidFill>
               </a14:hiddenFill>
             </a:ext>
             <a:ext uri="{91240B29-F687-4F45-9708-019B960494DF}">
-              <a14:hiddenLine xmlns:a14="http://schemas.microsoft.com/office/drawing/2010/main" xmlns="" w="9525">
+              <a14:hiddenLine xmlns:a14="http://schemas.microsoft.com/office/drawing/2010/main" w="9525">
                 <a:solidFill>
                   <a:srgbClr val="000000"/>
                 </a:solidFill>
@@ -16065,7 +17218,7 @@
             </a:ln>
             <a:extLst>
               <a:ext uri="{91240B29-F687-4F45-9708-019B960494DF}">
-                <a14:hiddenLine xmlns:a14="http://schemas.microsoft.com/office/drawing/2010/main" xmlns="" w="9525">
+                <a14:hiddenLine xmlns:a14="http://schemas.microsoft.com/office/drawing/2010/main" w="9525">
                   <a:solidFill>
                     <a:srgbClr val="000000"/>
                   </a:solidFill>
@@ -16112,7 +17265,7 @@
             </a:ln>
             <a:extLst>
               <a:ext uri="{91240B29-F687-4F45-9708-019B960494DF}">
-                <a14:hiddenLine xmlns:a14="http://schemas.microsoft.com/office/drawing/2010/main" xmlns="" w="9525">
+                <a14:hiddenLine xmlns:a14="http://schemas.microsoft.com/office/drawing/2010/main" w="9525">
                   <a:solidFill>
                     <a:srgbClr val="000000"/>
                   </a:solidFill>
@@ -16181,7 +17334,7 @@
             </a:ln>
             <a:extLst>
               <a:ext uri="{91240B29-F687-4F45-9708-019B960494DF}">
-                <a14:hiddenLine xmlns:a14="http://schemas.microsoft.com/office/drawing/2010/main" xmlns="" w="9525">
+                <a14:hiddenLine xmlns:a14="http://schemas.microsoft.com/office/drawing/2010/main" w="9525">
                   <a:solidFill>
                     <a:srgbClr val="000000"/>
                   </a:solidFill>
@@ -16228,7 +17381,7 @@
             </a:ln>
             <a:extLst>
               <a:ext uri="{91240B29-F687-4F45-9708-019B960494DF}">
-                <a14:hiddenLine xmlns:a14="http://schemas.microsoft.com/office/drawing/2010/main" xmlns="" w="9525">
+                <a14:hiddenLine xmlns:a14="http://schemas.microsoft.com/office/drawing/2010/main" w="9525">
                   <a:solidFill>
                     <a:srgbClr val="000000"/>
                   </a:solidFill>
@@ -16297,7 +17450,7 @@
             </a:ln>
             <a:extLst>
               <a:ext uri="{91240B29-F687-4F45-9708-019B960494DF}">
-                <a14:hiddenLine xmlns:a14="http://schemas.microsoft.com/office/drawing/2010/main" xmlns="" w="9525">
+                <a14:hiddenLine xmlns:a14="http://schemas.microsoft.com/office/drawing/2010/main" w="9525">
                   <a:solidFill>
                     <a:srgbClr val="000000"/>
                   </a:solidFill>
@@ -16344,7 +17497,7 @@
             </a:ln>
             <a:extLst>
               <a:ext uri="{91240B29-F687-4F45-9708-019B960494DF}">
-                <a14:hiddenLine xmlns:a14="http://schemas.microsoft.com/office/drawing/2010/main" xmlns="" w="25400" algn="ctr">
+                <a14:hiddenLine xmlns:a14="http://schemas.microsoft.com/office/drawing/2010/main" w="25400" algn="ctr">
                   <a:solidFill>
                     <a:srgbClr val="000000"/>
                   </a:solidFill>
@@ -16381,7 +17534,7 @@
 </p:sld>
 </file>
 
-<file path=ppt/slides/slide24.xml><?xml version="1.0" encoding="utf-8"?>
+<file path=ppt/slides/slide25.xml><?xml version="1.0" encoding="utf-8"?>
 <p:sld xmlns:a="http://schemas.openxmlformats.org/drawingml/2006/main" xmlns:r="http://schemas.openxmlformats.org/officeDocument/2006/relationships" xmlns:p="http://schemas.openxmlformats.org/presentationml/2006/main">
   <p:cSld>
     <p:spTree>
@@ -16470,7 +17623,7 @@
           <a:effectLst/>
           <a:extLst>
             <a:ext uri="{AF507438-7753-43E0-B8FC-AC1667EBCBE1}">
-              <a14:hiddenEffects xmlns:a14="http://schemas.microsoft.com/office/drawing/2010/main" xmlns="">
+              <a14:hiddenEffects xmlns:a14="http://schemas.microsoft.com/office/drawing/2010/main">
                 <a:effectLst>
                   <a:outerShdw blurRad="63500" dist="38099" dir="2700000" algn="ctr" rotWithShape="0">
                     <a:schemeClr val="bg2">
@@ -16681,7 +17834,7 @@
             <a:effectLst/>
             <a:extLst>
               <a:ext uri="{AF507438-7753-43E0-B8FC-AC1667EBCBE1}">
-                <a14:hiddenEffects xmlns:a14="http://schemas.microsoft.com/office/drawing/2010/main" xmlns="">
+                <a14:hiddenEffects xmlns:a14="http://schemas.microsoft.com/office/drawing/2010/main">
                   <a:effectLst>
                     <a:outerShdw blurRad="63500" dist="38099" dir="2700000" algn="ctr" rotWithShape="0">
                       <a:schemeClr val="bg2">
@@ -16726,7 +17879,7 @@
             <a:effectLst/>
             <a:extLst>
               <a:ext uri="{AF507438-7753-43E0-B8FC-AC1667EBCBE1}">
-                <a14:hiddenEffects xmlns:a14="http://schemas.microsoft.com/office/drawing/2010/main" xmlns="">
+                <a14:hiddenEffects xmlns:a14="http://schemas.microsoft.com/office/drawing/2010/main">
                   <a:effectLst>
                     <a:outerShdw blurRad="63500" dist="38099" dir="2700000" algn="ctr" rotWithShape="0">
                       <a:schemeClr val="bg2">
@@ -17007,7 +18160,7 @@
             <a:effectLst/>
             <a:extLst>
               <a:ext uri="{AF507438-7753-43E0-B8FC-AC1667EBCBE1}">
-                <a14:hiddenEffects xmlns:a14="http://schemas.microsoft.com/office/drawing/2010/main" xmlns="">
+                <a14:hiddenEffects xmlns:a14="http://schemas.microsoft.com/office/drawing/2010/main">
                   <a:effectLst>
                     <a:outerShdw blurRad="63500" dist="38099" dir="2700000" algn="ctr" rotWithShape="0">
                       <a:schemeClr val="bg2">
@@ -17052,7 +18205,7 @@
             <a:effectLst/>
             <a:extLst>
               <a:ext uri="{AF507438-7753-43E0-B8FC-AC1667EBCBE1}">
-                <a14:hiddenEffects xmlns:a14="http://schemas.microsoft.com/office/drawing/2010/main" xmlns="">
+                <a14:hiddenEffects xmlns:a14="http://schemas.microsoft.com/office/drawing/2010/main">
                   <a:effectLst>
                     <a:outerShdw blurRad="63500" dist="38099" dir="2700000" algn="ctr" rotWithShape="0">
                       <a:schemeClr val="bg2">
@@ -17333,7 +18486,7 @@
             <a:effectLst/>
             <a:extLst>
               <a:ext uri="{AF507438-7753-43E0-B8FC-AC1667EBCBE1}">
-                <a14:hiddenEffects xmlns:a14="http://schemas.microsoft.com/office/drawing/2010/main" xmlns="">
+                <a14:hiddenEffects xmlns:a14="http://schemas.microsoft.com/office/drawing/2010/main">
                   <a:effectLst>
                     <a:outerShdw blurRad="63500" dist="38099" dir="2700000" algn="ctr" rotWithShape="0">
                       <a:schemeClr val="bg2">
@@ -17378,7 +18531,7 @@
             <a:effectLst/>
             <a:extLst>
               <a:ext uri="{AF507438-7753-43E0-B8FC-AC1667EBCBE1}">
-                <a14:hiddenEffects xmlns:a14="http://schemas.microsoft.com/office/drawing/2010/main" xmlns="">
+                <a14:hiddenEffects xmlns:a14="http://schemas.microsoft.com/office/drawing/2010/main">
                   <a:effectLst>
                     <a:outerShdw blurRad="63500" dist="38099" dir="2700000" algn="ctr" rotWithShape="0">
                       <a:schemeClr val="bg2">
@@ -17597,7 +18750,7 @@
           <a:effectLst/>
           <a:extLst>
             <a:ext uri="{AF507438-7753-43E0-B8FC-AC1667EBCBE1}">
-              <a14:hiddenEffects xmlns:a14="http://schemas.microsoft.com/office/drawing/2010/main" xmlns="">
+              <a14:hiddenEffects xmlns:a14="http://schemas.microsoft.com/office/drawing/2010/main">
                 <a:effectLst>
                   <a:outerShdw blurRad="63500" dist="38099" dir="2700000" algn="ctr" rotWithShape="0">
                     <a:schemeClr val="bg2">
@@ -17642,7 +18795,7 @@
           <a:effectLst/>
           <a:extLst>
             <a:ext uri="{AF507438-7753-43E0-B8FC-AC1667EBCBE1}">
-              <a14:hiddenEffects xmlns:a14="http://schemas.microsoft.com/office/drawing/2010/main" xmlns="">
+              <a14:hiddenEffects xmlns:a14="http://schemas.microsoft.com/office/drawing/2010/main">
                 <a:effectLst>
                   <a:outerShdw blurRad="63500" dist="38099" dir="2700000" algn="ctr" rotWithShape="0">
                     <a:schemeClr val="bg2">
@@ -17687,7 +18840,7 @@
           <a:effectLst/>
           <a:extLst>
             <a:ext uri="{AF507438-7753-43E0-B8FC-AC1667EBCBE1}">
-              <a14:hiddenEffects xmlns:a14="http://schemas.microsoft.com/office/drawing/2010/main" xmlns="">
+              <a14:hiddenEffects xmlns:a14="http://schemas.microsoft.com/office/drawing/2010/main">
                 <a:effectLst>
                   <a:outerShdw blurRad="63500" dist="38099" dir="2700000" algn="ctr" rotWithShape="0">
                     <a:schemeClr val="bg2">
@@ -17735,7 +18888,7 @@
     </p:spTree>
     <p:extLst>
       <p:ext uri="{BB962C8B-B14F-4D97-AF65-F5344CB8AC3E}">
-        <p14:creationId xmlns:p14="http://schemas.microsoft.com/office/powerpoint/2010/main" xmlns="" val="1008352687"/>
+        <p14:creationId xmlns:p14="http://schemas.microsoft.com/office/powerpoint/2010/main" val="1008352687"/>
       </p:ext>
     </p:extLst>
   </p:cSld>
@@ -17753,7 +18906,7 @@
 </p:sld>
 </file>
 
-<file path=ppt/slides/slide25.xml><?xml version="1.0" encoding="utf-8"?>
+<file path=ppt/slides/slide26.xml><?xml version="1.0" encoding="utf-8"?>
 <p:sld xmlns:a="http://schemas.openxmlformats.org/drawingml/2006/main" xmlns:r="http://schemas.openxmlformats.org/officeDocument/2006/relationships" xmlns:p="http://schemas.openxmlformats.org/presentationml/2006/main">
   <p:cSld>
     <p:spTree>
@@ -17842,7 +18995,7 @@
           <a:effectLst/>
           <a:extLst>
             <a:ext uri="{AF507438-7753-43E0-B8FC-AC1667EBCBE1}">
-              <a14:hiddenEffects xmlns:a14="http://schemas.microsoft.com/office/drawing/2010/main" xmlns="">
+              <a14:hiddenEffects xmlns:a14="http://schemas.microsoft.com/office/drawing/2010/main">
                 <a:effectLst>
                   <a:outerShdw blurRad="63500" dist="38099" dir="2700000" algn="ctr" rotWithShape="0">
                     <a:schemeClr val="bg2">
@@ -18053,7 +19206,7 @@
             <a:effectLst/>
             <a:extLst>
               <a:ext uri="{AF507438-7753-43E0-B8FC-AC1667EBCBE1}">
-                <a14:hiddenEffects xmlns:a14="http://schemas.microsoft.com/office/drawing/2010/main" xmlns="">
+                <a14:hiddenEffects xmlns:a14="http://schemas.microsoft.com/office/drawing/2010/main">
                   <a:effectLst>
                     <a:outerShdw blurRad="63500" dist="38099" dir="2700000" algn="ctr" rotWithShape="0">
                       <a:schemeClr val="bg2">
@@ -18098,7 +19251,7 @@
             <a:effectLst/>
             <a:extLst>
               <a:ext uri="{AF507438-7753-43E0-B8FC-AC1667EBCBE1}">
-                <a14:hiddenEffects xmlns:a14="http://schemas.microsoft.com/office/drawing/2010/main" xmlns="">
+                <a14:hiddenEffects xmlns:a14="http://schemas.microsoft.com/office/drawing/2010/main">
                   <a:effectLst>
                     <a:outerShdw blurRad="63500" dist="38099" dir="2700000" algn="ctr" rotWithShape="0">
                       <a:schemeClr val="bg2">
@@ -18379,7 +19532,7 @@
             <a:effectLst/>
             <a:extLst>
               <a:ext uri="{AF507438-7753-43E0-B8FC-AC1667EBCBE1}">
-                <a14:hiddenEffects xmlns:a14="http://schemas.microsoft.com/office/drawing/2010/main" xmlns="">
+                <a14:hiddenEffects xmlns:a14="http://schemas.microsoft.com/office/drawing/2010/main">
                   <a:effectLst>
                     <a:outerShdw blurRad="63500" dist="38099" dir="2700000" algn="ctr" rotWithShape="0">
                       <a:schemeClr val="bg2">
@@ -18424,7 +19577,7 @@
             <a:effectLst/>
             <a:extLst>
               <a:ext uri="{AF507438-7753-43E0-B8FC-AC1667EBCBE1}">
-                <a14:hiddenEffects xmlns:a14="http://schemas.microsoft.com/office/drawing/2010/main" xmlns="">
+                <a14:hiddenEffects xmlns:a14="http://schemas.microsoft.com/office/drawing/2010/main">
                   <a:effectLst>
                     <a:outerShdw blurRad="63500" dist="38099" dir="2700000" algn="ctr" rotWithShape="0">
                       <a:schemeClr val="bg2">
@@ -18705,7 +19858,7 @@
             <a:effectLst/>
             <a:extLst>
               <a:ext uri="{AF507438-7753-43E0-B8FC-AC1667EBCBE1}">
-                <a14:hiddenEffects xmlns:a14="http://schemas.microsoft.com/office/drawing/2010/main" xmlns="">
+                <a14:hiddenEffects xmlns:a14="http://schemas.microsoft.com/office/drawing/2010/main">
                   <a:effectLst>
                     <a:outerShdw blurRad="63500" dist="38099" dir="2700000" algn="ctr" rotWithShape="0">
                       <a:schemeClr val="bg2">
@@ -18750,7 +19903,7 @@
             <a:effectLst/>
             <a:extLst>
               <a:ext uri="{AF507438-7753-43E0-B8FC-AC1667EBCBE1}">
-                <a14:hiddenEffects xmlns:a14="http://schemas.microsoft.com/office/drawing/2010/main" xmlns="">
+                <a14:hiddenEffects xmlns:a14="http://schemas.microsoft.com/office/drawing/2010/main">
                   <a:effectLst>
                     <a:outerShdw blurRad="63500" dist="38099" dir="2700000" algn="ctr" rotWithShape="0">
                       <a:schemeClr val="bg2">
@@ -18879,7 +20032,7 @@
             <a:effectLst/>
             <a:extLst>
               <a:ext uri="{AF507438-7753-43E0-B8FC-AC1667EBCBE1}">
-                <a14:hiddenEffects xmlns:a14="http://schemas.microsoft.com/office/drawing/2010/main" xmlns="">
+                <a14:hiddenEffects xmlns:a14="http://schemas.microsoft.com/office/drawing/2010/main">
                   <a:effectLst>
                     <a:outerShdw blurRad="63500" dist="38099" dir="2700000" algn="ctr" rotWithShape="0">
                       <a:schemeClr val="bg2">
@@ -18924,7 +20077,7 @@
             <a:effectLst/>
             <a:extLst>
               <a:ext uri="{AF507438-7753-43E0-B8FC-AC1667EBCBE1}">
-                <a14:hiddenEffects xmlns:a14="http://schemas.microsoft.com/office/drawing/2010/main" xmlns="">
+                <a14:hiddenEffects xmlns:a14="http://schemas.microsoft.com/office/drawing/2010/main">
                   <a:effectLst>
                     <a:outerShdw blurRad="63500" dist="38099" dir="2700000" algn="ctr" rotWithShape="0">
                       <a:schemeClr val="bg2">
@@ -18969,7 +20122,7 @@
             <a:effectLst/>
             <a:extLst>
               <a:ext uri="{AF507438-7753-43E0-B8FC-AC1667EBCBE1}">
-                <a14:hiddenEffects xmlns:a14="http://schemas.microsoft.com/office/drawing/2010/main" xmlns="">
+                <a14:hiddenEffects xmlns:a14="http://schemas.microsoft.com/office/drawing/2010/main">
                   <a:effectLst>
                     <a:outerShdw blurRad="63500" dist="38099" dir="2700000" algn="ctr" rotWithShape="0">
                       <a:schemeClr val="bg2">
@@ -19112,7 +20265,7 @@
             <a:effectLst/>
             <a:extLst>
               <a:ext uri="{AF507438-7753-43E0-B8FC-AC1667EBCBE1}">
-                <a14:hiddenEffects xmlns:a14="http://schemas.microsoft.com/office/drawing/2010/main" xmlns="">
+                <a14:hiddenEffects xmlns:a14="http://schemas.microsoft.com/office/drawing/2010/main">
                   <a:effectLst>
                     <a:outerShdw blurRad="63500" dist="38099" dir="2700000" algn="ctr" rotWithShape="0">
                       <a:schemeClr val="bg2">
@@ -19295,7 +20448,7 @@
             <a:effectLst/>
             <a:extLst>
               <a:ext uri="{AF507438-7753-43E0-B8FC-AC1667EBCBE1}">
-                <a14:hiddenEffects xmlns:a14="http://schemas.microsoft.com/office/drawing/2010/main" xmlns="">
+                <a14:hiddenEffects xmlns:a14="http://schemas.microsoft.com/office/drawing/2010/main">
                   <a:effectLst>
                     <a:outerShdw blurRad="63500" dist="38099" dir="2700000" algn="ctr" rotWithShape="0">
                       <a:schemeClr val="bg2">
@@ -19627,7 +20780,7 @@
             <a:effectLst/>
             <a:extLst>
               <a:ext uri="{AF507438-7753-43E0-B8FC-AC1667EBCBE1}">
-                <a14:hiddenEffects xmlns:a14="http://schemas.microsoft.com/office/drawing/2010/main" xmlns="">
+                <a14:hiddenEffects xmlns:a14="http://schemas.microsoft.com/office/drawing/2010/main">
                   <a:effectLst>
                     <a:outerShdw blurRad="63500" dist="38099" dir="2700000" algn="ctr" rotWithShape="0">
                       <a:schemeClr val="bg2">
@@ -19669,7 +20822,7 @@
             <a:effectLst/>
             <a:extLst>
               <a:ext uri="{AF507438-7753-43E0-B8FC-AC1667EBCBE1}">
-                <a14:hiddenEffects xmlns:a14="http://schemas.microsoft.com/office/drawing/2010/main" xmlns="">
+                <a14:hiddenEffects xmlns:a14="http://schemas.microsoft.com/office/drawing/2010/main">
                   <a:effectLst>
                     <a:outerShdw blurRad="63500" dist="38099" dir="2700000" algn="ctr" rotWithShape="0">
                       <a:schemeClr val="bg2">
@@ -19718,7 +20871,7 @@
     </p:spTree>
     <p:extLst>
       <p:ext uri="{BB962C8B-B14F-4D97-AF65-F5344CB8AC3E}">
-        <p14:creationId xmlns:p14="http://schemas.microsoft.com/office/powerpoint/2010/main" xmlns="" val="2320115777"/>
+        <p14:creationId xmlns:p14="http://schemas.microsoft.com/office/powerpoint/2010/main" val="2320115777"/>
       </p:ext>
     </p:extLst>
   </p:cSld>
@@ -19943,7 +21096,7 @@
 </p:sld>
 </file>
 
-<file path=ppt/slides/slide26.xml><?xml version="1.0" encoding="utf-8"?>
+<file path=ppt/slides/slide27.xml><?xml version="1.0" encoding="utf-8"?>
 <p:sld xmlns:a="http://schemas.openxmlformats.org/drawingml/2006/main" xmlns:r="http://schemas.openxmlformats.org/officeDocument/2006/relationships" xmlns:p="http://schemas.openxmlformats.org/presentationml/2006/main">
   <p:cSld>
     <p:spTree>
@@ -19989,7 +21142,7 @@
           <a:effectLst/>
           <a:extLst>
             <a:ext uri="{AF507438-7753-43E0-B8FC-AC1667EBCBE1}">
-              <a14:hiddenEffects xmlns:a14="http://schemas.microsoft.com/office/drawing/2010/main" xmlns="">
+              <a14:hiddenEffects xmlns:a14="http://schemas.microsoft.com/office/drawing/2010/main">
                 <a:effectLst>
                   <a:outerShdw blurRad="63500" dist="38099" dir="2700000" algn="ctr" rotWithShape="0">
                     <a:schemeClr val="bg2">
@@ -20074,7 +21227,7 @@
           <a:effectLst/>
           <a:extLst>
             <a:ext uri="{AF507438-7753-43E0-B8FC-AC1667EBCBE1}">
-              <a14:hiddenEffects xmlns:a14="http://schemas.microsoft.com/office/drawing/2010/main" xmlns="">
+              <a14:hiddenEffects xmlns:a14="http://schemas.microsoft.com/office/drawing/2010/main">
                 <a:effectLst>
                   <a:outerShdw blurRad="63500" dist="38099" dir="2700000" algn="ctr" rotWithShape="0">
                     <a:schemeClr val="bg2">
@@ -20285,7 +21438,7 @@
             <a:effectLst/>
             <a:extLst>
               <a:ext uri="{AF507438-7753-43E0-B8FC-AC1667EBCBE1}">
-                <a14:hiddenEffects xmlns:a14="http://schemas.microsoft.com/office/drawing/2010/main" xmlns="">
+                <a14:hiddenEffects xmlns:a14="http://schemas.microsoft.com/office/drawing/2010/main">
                   <a:effectLst>
                     <a:outerShdw blurRad="63500" dist="38099" dir="2700000" algn="ctr" rotWithShape="0">
                       <a:schemeClr val="bg2">
@@ -20330,7 +21483,7 @@
             <a:effectLst/>
             <a:extLst>
               <a:ext uri="{AF507438-7753-43E0-B8FC-AC1667EBCBE1}">
-                <a14:hiddenEffects xmlns:a14="http://schemas.microsoft.com/office/drawing/2010/main" xmlns="">
+                <a14:hiddenEffects xmlns:a14="http://schemas.microsoft.com/office/drawing/2010/main">
                   <a:effectLst>
                     <a:outerShdw blurRad="63500" dist="38099" dir="2700000" algn="ctr" rotWithShape="0">
                       <a:schemeClr val="bg2">
@@ -20611,7 +21764,7 @@
             <a:effectLst/>
             <a:extLst>
               <a:ext uri="{AF507438-7753-43E0-B8FC-AC1667EBCBE1}">
-                <a14:hiddenEffects xmlns:a14="http://schemas.microsoft.com/office/drawing/2010/main" xmlns="">
+                <a14:hiddenEffects xmlns:a14="http://schemas.microsoft.com/office/drawing/2010/main">
                   <a:effectLst>
                     <a:outerShdw blurRad="63500" dist="38099" dir="2700000" algn="ctr" rotWithShape="0">
                       <a:schemeClr val="bg2">
@@ -20656,7 +21809,7 @@
             <a:effectLst/>
             <a:extLst>
               <a:ext uri="{AF507438-7753-43E0-B8FC-AC1667EBCBE1}">
-                <a14:hiddenEffects xmlns:a14="http://schemas.microsoft.com/office/drawing/2010/main" xmlns="">
+                <a14:hiddenEffects xmlns:a14="http://schemas.microsoft.com/office/drawing/2010/main">
                   <a:effectLst>
                     <a:outerShdw blurRad="63500" dist="38099" dir="2700000" algn="ctr" rotWithShape="0">
                       <a:schemeClr val="bg2">
@@ -20771,7 +21924,7 @@
           <a:effectLst/>
           <a:extLst>
             <a:ext uri="{AF507438-7753-43E0-B8FC-AC1667EBCBE1}">
-              <a14:hiddenEffects xmlns:a14="http://schemas.microsoft.com/office/drawing/2010/main" xmlns="">
+              <a14:hiddenEffects xmlns:a14="http://schemas.microsoft.com/office/drawing/2010/main">
                 <a:effectLst>
                   <a:outerShdw blurRad="63500" dist="38099" dir="2700000" algn="ctr" rotWithShape="0">
                     <a:schemeClr val="bg2">
@@ -20816,7 +21969,7 @@
           <a:effectLst/>
           <a:extLst>
             <a:ext uri="{AF507438-7753-43E0-B8FC-AC1667EBCBE1}">
-              <a14:hiddenEffects xmlns:a14="http://schemas.microsoft.com/office/drawing/2010/main" xmlns="">
+              <a14:hiddenEffects xmlns:a14="http://schemas.microsoft.com/office/drawing/2010/main">
                 <a:effectLst>
                   <a:outerShdw blurRad="63500" dist="38099" dir="2700000" algn="ctr" rotWithShape="0">
                     <a:schemeClr val="bg2">
@@ -20861,7 +22014,7 @@
           <a:effectLst/>
           <a:extLst>
             <a:ext uri="{AF507438-7753-43E0-B8FC-AC1667EBCBE1}">
-              <a14:hiddenEffects xmlns:a14="http://schemas.microsoft.com/office/drawing/2010/main" xmlns="">
+              <a14:hiddenEffects xmlns:a14="http://schemas.microsoft.com/office/drawing/2010/main">
                 <a:effectLst>
                   <a:outerShdw blurRad="63500" dist="38099" dir="2700000" algn="ctr" rotWithShape="0">
                     <a:schemeClr val="bg2">
@@ -21003,7 +22156,7 @@
             <a:effectLst/>
             <a:extLst>
               <a:ext uri="{AF507438-7753-43E0-B8FC-AC1667EBCBE1}">
-                <a14:hiddenEffects xmlns:a14="http://schemas.microsoft.com/office/drawing/2010/main" xmlns="">
+                <a14:hiddenEffects xmlns:a14="http://schemas.microsoft.com/office/drawing/2010/main">
                   <a:effectLst>
                     <a:outerShdw blurRad="63500" dist="38099" dir="2700000" algn="ctr" rotWithShape="0">
                       <a:schemeClr val="bg2">
@@ -21186,7 +22339,7 @@
             <a:effectLst/>
             <a:extLst>
               <a:ext uri="{AF507438-7753-43E0-B8FC-AC1667EBCBE1}">
-                <a14:hiddenEffects xmlns:a14="http://schemas.microsoft.com/office/drawing/2010/main" xmlns="">
+                <a14:hiddenEffects xmlns:a14="http://schemas.microsoft.com/office/drawing/2010/main">
                   <a:effectLst>
                     <a:outerShdw blurRad="63500" dist="38099" dir="2700000" algn="ctr" rotWithShape="0">
                       <a:schemeClr val="bg2">
@@ -21504,7 +22657,7 @@
           <a:effectLst/>
           <a:extLst>
             <a:ext uri="{AF507438-7753-43E0-B8FC-AC1667EBCBE1}">
-              <a14:hiddenEffects xmlns:a14="http://schemas.microsoft.com/office/drawing/2010/main" xmlns="">
+              <a14:hiddenEffects xmlns:a14="http://schemas.microsoft.com/office/drawing/2010/main">
                 <a:effectLst>
                   <a:outerShdw blurRad="63500" dist="38099" dir="2700000" algn="ctr" rotWithShape="0">
                     <a:schemeClr val="bg2">
@@ -21715,7 +22868,7 @@
             <a:effectLst/>
             <a:extLst>
               <a:ext uri="{AF507438-7753-43E0-B8FC-AC1667EBCBE1}">
-                <a14:hiddenEffects xmlns:a14="http://schemas.microsoft.com/office/drawing/2010/main" xmlns="">
+                <a14:hiddenEffects xmlns:a14="http://schemas.microsoft.com/office/drawing/2010/main">
                   <a:effectLst>
                     <a:outerShdw blurRad="63500" dist="38099" dir="2700000" algn="ctr" rotWithShape="0">
                       <a:schemeClr val="bg2">
@@ -21760,7 +22913,7 @@
             <a:effectLst/>
             <a:extLst>
               <a:ext uri="{AF507438-7753-43E0-B8FC-AC1667EBCBE1}">
-                <a14:hiddenEffects xmlns:a14="http://schemas.microsoft.com/office/drawing/2010/main" xmlns="">
+                <a14:hiddenEffects xmlns:a14="http://schemas.microsoft.com/office/drawing/2010/main">
                   <a:effectLst>
                     <a:outerShdw blurRad="63500" dist="38099" dir="2700000" algn="ctr" rotWithShape="0">
                       <a:schemeClr val="bg2">
@@ -22071,7 +23224,7 @@
             <a:effectLst/>
             <a:extLst>
               <a:ext uri="{AF507438-7753-43E0-B8FC-AC1667EBCBE1}">
-                <a14:hiddenEffects xmlns:a14="http://schemas.microsoft.com/office/drawing/2010/main" xmlns="">
+                <a14:hiddenEffects xmlns:a14="http://schemas.microsoft.com/office/drawing/2010/main">
                   <a:effectLst>
                     <a:outerShdw blurRad="63500" dist="38099" dir="2700000" algn="ctr" rotWithShape="0">
                       <a:schemeClr val="bg2">
@@ -22116,7 +23269,7 @@
             <a:effectLst/>
             <a:extLst>
               <a:ext uri="{AF507438-7753-43E0-B8FC-AC1667EBCBE1}">
-                <a14:hiddenEffects xmlns:a14="http://schemas.microsoft.com/office/drawing/2010/main" xmlns="">
+                <a14:hiddenEffects xmlns:a14="http://schemas.microsoft.com/office/drawing/2010/main">
                   <a:effectLst>
                     <a:outerShdw blurRad="63500" dist="38099" dir="2700000" algn="ctr" rotWithShape="0">
                       <a:schemeClr val="bg2">
@@ -22427,7 +23580,7 @@
             <a:effectLst/>
             <a:extLst>
               <a:ext uri="{AF507438-7753-43E0-B8FC-AC1667EBCBE1}">
-                <a14:hiddenEffects xmlns:a14="http://schemas.microsoft.com/office/drawing/2010/main" xmlns="">
+                <a14:hiddenEffects xmlns:a14="http://schemas.microsoft.com/office/drawing/2010/main">
                   <a:effectLst>
                     <a:outerShdw blurRad="63500" dist="38099" dir="2700000" algn="ctr" rotWithShape="0">
                       <a:schemeClr val="bg2">
@@ -22472,7 +23625,7 @@
             <a:effectLst/>
             <a:extLst>
               <a:ext uri="{AF507438-7753-43E0-B8FC-AC1667EBCBE1}">
-                <a14:hiddenEffects xmlns:a14="http://schemas.microsoft.com/office/drawing/2010/main" xmlns="">
+                <a14:hiddenEffects xmlns:a14="http://schemas.microsoft.com/office/drawing/2010/main">
                   <a:effectLst>
                     <a:outerShdw blurRad="63500" dist="38099" dir="2700000" algn="ctr" rotWithShape="0">
                       <a:schemeClr val="bg2">
@@ -22616,7 +23769,7 @@
           <a:effectLst/>
           <a:extLst>
             <a:ext uri="{AF507438-7753-43E0-B8FC-AC1667EBCBE1}">
-              <a14:hiddenEffects xmlns:a14="http://schemas.microsoft.com/office/drawing/2010/main" xmlns="">
+              <a14:hiddenEffects xmlns:a14="http://schemas.microsoft.com/office/drawing/2010/main">
                 <a:effectLst>
                   <a:outerShdw blurRad="63500" dist="38099" dir="2700000" algn="ctr" rotWithShape="0">
                     <a:schemeClr val="bg2">
@@ -22661,7 +23814,7 @@
           <a:effectLst/>
           <a:extLst>
             <a:ext uri="{AF507438-7753-43E0-B8FC-AC1667EBCBE1}">
-              <a14:hiddenEffects xmlns:a14="http://schemas.microsoft.com/office/drawing/2010/main" xmlns="">
+              <a14:hiddenEffects xmlns:a14="http://schemas.microsoft.com/office/drawing/2010/main">
                 <a:effectLst>
                   <a:outerShdw blurRad="63500" dist="38099" dir="2700000" algn="ctr" rotWithShape="0">
                     <a:schemeClr val="bg2">
@@ -22709,146 +23862,7 @@
     </p:spTree>
     <p:extLst>
       <p:ext uri="{BB962C8B-B14F-4D97-AF65-F5344CB8AC3E}">
-        <p14:creationId xmlns:p14="http://schemas.microsoft.com/office/powerpoint/2010/main" xmlns="" val="3941702573"/>
-      </p:ext>
-    </p:extLst>
-  </p:cSld>
-  <p:clrMapOvr>
-    <a:masterClrMapping/>
-  </p:clrMapOvr>
-  <p:transition/>
-  <p:timing>
-    <p:tnLst>
-      <p:par>
-        <p:cTn id="1" dur="indefinite" restart="never" nodeType="tmRoot"/>
-      </p:par>
-    </p:tnLst>
-  </p:timing>
-</p:sld>
-</file>
-
-<file path=ppt/slides/slide27.xml><?xml version="1.0" encoding="utf-8"?>
-<p:sld xmlns:a="http://schemas.openxmlformats.org/drawingml/2006/main" xmlns:r="http://schemas.openxmlformats.org/officeDocument/2006/relationships" xmlns:p="http://schemas.openxmlformats.org/presentationml/2006/main">
-  <p:cSld>
-    <p:spTree>
-      <p:nvGrpSpPr>
-        <p:cNvPr id="1" name=""/>
-        <p:cNvGrpSpPr/>
-        <p:nvPr/>
-      </p:nvGrpSpPr>
-      <p:grpSpPr>
-        <a:xfrm>
-          <a:off x="0" y="0"/>
-          <a:ext cx="0" cy="0"/>
-          <a:chOff x="0" y="0"/>
-          <a:chExt cx="0" cy="0"/>
-        </a:xfrm>
-      </p:grpSpPr>
-      <p:sp>
-        <p:nvSpPr>
-          <p:cNvPr id="2" name="Titolo 1"/>
-          <p:cNvSpPr>
-            <a:spLocks noGrp="1"/>
-          </p:cNvSpPr>
-          <p:nvPr>
-            <p:ph type="title"/>
-          </p:nvPr>
-        </p:nvSpPr>
-        <p:spPr/>
-        <p:txBody>
-          <a:bodyPr/>
-          <a:lstStyle/>
-          <a:p>
-            <a:r>
-              <a:rPr lang="it-IT" dirty="0" err="1" smtClean="0"/>
-              <a:t>Wiring</a:t>
-            </a:r>
-            <a:r>
-              <a:rPr lang="it-IT" dirty="0" smtClean="0"/>
-              <a:t> </a:t>
-            </a:r>
-            <a:r>
-              <a:rPr lang="it-IT" dirty="0" err="1" smtClean="0"/>
-              <a:t>microservice</a:t>
-            </a:r>
-            <a:r>
-              <a:rPr lang="it-IT" dirty="0" smtClean="0"/>
-              <a:t>: Service </a:t>
-            </a:r>
-            <a:r>
-              <a:rPr lang="it-IT" dirty="0" err="1" smtClean="0"/>
-              <a:t>Discovery</a:t>
-            </a:r>
-            <a:r>
-              <a:rPr lang="it-IT" dirty="0" smtClean="0"/>
-              <a:t> </a:t>
-            </a:r>
-            <a:endParaRPr lang="it-IT" dirty="0"/>
-          </a:p>
-        </p:txBody>
-      </p:sp>
-      <p:sp>
-        <p:nvSpPr>
-          <p:cNvPr id="3" name="Segnaposto contenuto 2"/>
-          <p:cNvSpPr>
-            <a:spLocks noGrp="1"/>
-          </p:cNvSpPr>
-          <p:nvPr>
-            <p:ph idx="1"/>
-          </p:nvPr>
-        </p:nvSpPr>
-        <p:spPr/>
-        <p:txBody>
-          <a:bodyPr/>
-          <a:lstStyle/>
-          <a:p>
-            <a:r>
-              <a:rPr lang="it-IT" dirty="0" smtClean="0"/>
-              <a:t>PROBLEM</a:t>
-            </a:r>
-            <a:r>
-              <a:rPr lang="it-IT" dirty="0" smtClean="0"/>
-              <a:t>: DECOUPLIG REALIZED ALSO WITH SERVICE DISCOVERY WITHOUT P2P WIRING</a:t>
-            </a:r>
-            <a:endParaRPr lang="it-IT" dirty="0" smtClean="0"/>
-          </a:p>
-          <a:p>
-            <a:r>
-              <a:rPr lang="it-IT" dirty="0" smtClean="0"/>
-              <a:t>Go </a:t>
-            </a:r>
-            <a:r>
-              <a:rPr lang="it-IT" dirty="0" err="1" smtClean="0"/>
-              <a:t>ahead</a:t>
-            </a:r>
-            <a:r>
-              <a:rPr lang="it-IT" dirty="0" smtClean="0"/>
-              <a:t> p2p </a:t>
-            </a:r>
-            <a:r>
-              <a:rPr lang="it-IT" dirty="0" err="1" smtClean="0"/>
-              <a:t>wiring</a:t>
-            </a:r>
-            <a:r>
-              <a:rPr lang="it-IT" dirty="0" smtClean="0"/>
-              <a:t> :EUREKA</a:t>
-            </a:r>
-            <a:r>
-              <a:rPr lang="it-IT" dirty="0" smtClean="0"/>
-              <a:t>: </a:t>
-            </a:r>
-            <a:r>
-              <a:rPr lang="it-IT" dirty="0" smtClean="0"/>
-              <a:t>DEFINITION</a:t>
-            </a:r>
-            <a:endParaRPr lang="it-IT" dirty="0"/>
-          </a:p>
-        </p:txBody>
-      </p:sp>
-    </p:spTree>
-    <p:extLst>
-      <p:ext uri="{BB962C8B-B14F-4D97-AF65-F5344CB8AC3E}">
-        <p14:creationId xmlns:p14="http://schemas.microsoft.com/office/powerpoint/2010/main" xmlns="" val="2540019730"/>
+        <p14:creationId xmlns:p14="http://schemas.microsoft.com/office/powerpoint/2010/main" val="3941702573"/>
       </p:ext>
     </p:extLst>
   </p:cSld>
@@ -22900,6 +23914,132 @@
           <a:p>
             <a:r>
               <a:rPr lang="it-IT" dirty="0" err="1" smtClean="0"/>
+              <a:t>Wiring</a:t>
+            </a:r>
+            <a:r>
+              <a:rPr lang="it-IT" dirty="0" smtClean="0"/>
+              <a:t> </a:t>
+            </a:r>
+            <a:r>
+              <a:rPr lang="it-IT" dirty="0" err="1" smtClean="0"/>
+              <a:t>microservice</a:t>
+            </a:r>
+            <a:r>
+              <a:rPr lang="it-IT" dirty="0" smtClean="0"/>
+              <a:t>: Service </a:t>
+            </a:r>
+            <a:r>
+              <a:rPr lang="it-IT" dirty="0" err="1" smtClean="0"/>
+              <a:t>Discovery</a:t>
+            </a:r>
+            <a:r>
+              <a:rPr lang="it-IT" dirty="0" smtClean="0"/>
+              <a:t> </a:t>
+            </a:r>
+            <a:endParaRPr lang="it-IT" dirty="0"/>
+          </a:p>
+        </p:txBody>
+      </p:sp>
+      <p:sp>
+        <p:nvSpPr>
+          <p:cNvPr id="3" name="Segnaposto contenuto 2"/>
+          <p:cNvSpPr>
+            <a:spLocks noGrp="1"/>
+          </p:cNvSpPr>
+          <p:nvPr>
+            <p:ph idx="1"/>
+          </p:nvPr>
+        </p:nvSpPr>
+        <p:spPr/>
+        <p:txBody>
+          <a:bodyPr/>
+          <a:lstStyle/>
+          <a:p>
+            <a:r>
+              <a:rPr lang="it-IT" dirty="0" smtClean="0"/>
+              <a:t>PROBLEM: DECOUPLIG REALIZED ALSO WITH SERVICE DISCOVERY WITHOUT P2P WIRING</a:t>
+            </a:r>
+          </a:p>
+          <a:p>
+            <a:r>
+              <a:rPr lang="it-IT" dirty="0" smtClean="0"/>
+              <a:t>Go </a:t>
+            </a:r>
+            <a:r>
+              <a:rPr lang="it-IT" dirty="0" err="1" smtClean="0"/>
+              <a:t>ahead</a:t>
+            </a:r>
+            <a:r>
+              <a:rPr lang="it-IT" dirty="0" smtClean="0"/>
+              <a:t> p2p </a:t>
+            </a:r>
+            <a:r>
+              <a:rPr lang="it-IT" dirty="0" err="1" smtClean="0"/>
+              <a:t>wiring</a:t>
+            </a:r>
+            <a:r>
+              <a:rPr lang="it-IT" dirty="0" smtClean="0"/>
+              <a:t> :EUREKA: DEFINITION</a:t>
+            </a:r>
+            <a:endParaRPr lang="it-IT" dirty="0"/>
+          </a:p>
+        </p:txBody>
+      </p:sp>
+    </p:spTree>
+    <p:extLst>
+      <p:ext uri="{BB962C8B-B14F-4D97-AF65-F5344CB8AC3E}">
+        <p14:creationId xmlns:p14="http://schemas.microsoft.com/office/powerpoint/2010/main" val="2540019730"/>
+      </p:ext>
+    </p:extLst>
+  </p:cSld>
+  <p:clrMapOvr>
+    <a:masterClrMapping/>
+  </p:clrMapOvr>
+  <p:transition/>
+  <p:timing>
+    <p:tnLst>
+      <p:par>
+        <p:cTn id="1" dur="indefinite" restart="never" nodeType="tmRoot"/>
+      </p:par>
+    </p:tnLst>
+  </p:timing>
+</p:sld>
+</file>
+
+<file path=ppt/slides/slide29.xml><?xml version="1.0" encoding="utf-8"?>
+<p:sld xmlns:a="http://schemas.openxmlformats.org/drawingml/2006/main" xmlns:r="http://schemas.openxmlformats.org/officeDocument/2006/relationships" xmlns:p="http://schemas.openxmlformats.org/presentationml/2006/main">
+  <p:cSld>
+    <p:spTree>
+      <p:nvGrpSpPr>
+        <p:cNvPr id="1" name=""/>
+        <p:cNvGrpSpPr/>
+        <p:nvPr/>
+      </p:nvGrpSpPr>
+      <p:grpSpPr>
+        <a:xfrm>
+          <a:off x="0" y="0"/>
+          <a:ext cx="0" cy="0"/>
+          <a:chOff x="0" y="0"/>
+          <a:chExt cx="0" cy="0"/>
+        </a:xfrm>
+      </p:grpSpPr>
+      <p:sp>
+        <p:nvSpPr>
+          <p:cNvPr id="2" name="Titolo 1"/>
+          <p:cNvSpPr>
+            <a:spLocks noGrp="1"/>
+          </p:cNvSpPr>
+          <p:nvPr>
+            <p:ph type="title"/>
+          </p:nvPr>
+        </p:nvSpPr>
+        <p:spPr/>
+        <p:txBody>
+          <a:bodyPr/>
+          <a:lstStyle/>
+          <a:p>
+            <a:r>
+              <a:rPr lang="it-IT" dirty="0" err="1" smtClean="0"/>
               <a:t>Load</a:t>
             </a:r>
             <a:r>
@@ -22940,7 +24080,7 @@
     </p:spTree>
     <p:extLst>
       <p:ext uri="{BB962C8B-B14F-4D97-AF65-F5344CB8AC3E}">
-        <p14:creationId xmlns:p14="http://schemas.microsoft.com/office/powerpoint/2010/main" xmlns="" val="1006668081"/>
+        <p14:creationId xmlns:p14="http://schemas.microsoft.com/office/powerpoint/2010/main" val="1006668081"/>
       </p:ext>
     </p:extLst>
   </p:cSld>
@@ -22958,13 +24098,13 @@
 </p:sld>
 </file>
 
-<file path=ppt/slides/slide29.xml><?xml version="1.0" encoding="utf-8"?>
+<file path=ppt/slides/slide3.xml><?xml version="1.0" encoding="utf-8"?>
 <p:sld xmlns:a="http://schemas.openxmlformats.org/drawingml/2006/main" xmlns:r="http://schemas.openxmlformats.org/officeDocument/2006/relationships" xmlns:p="http://schemas.openxmlformats.org/presentationml/2006/main">
   <p:cSld>
     <p:bg>
       <p:bgPr>
         <a:solidFill>
-          <a:schemeClr val="bg1"/>
+          <a:srgbClr val="000000"/>
         </a:solidFill>
         <a:effectLst/>
       </p:bgPr>
@@ -22999,13 +24139,13 @@
 </p:sld>
 </file>
 
-<file path=ppt/slides/slide3.xml><?xml version="1.0" encoding="utf-8"?>
+<file path=ppt/slides/slide30.xml><?xml version="1.0" encoding="utf-8"?>
 <p:sld xmlns:a="http://schemas.openxmlformats.org/drawingml/2006/main" xmlns:r="http://schemas.openxmlformats.org/officeDocument/2006/relationships" xmlns:p="http://schemas.openxmlformats.org/presentationml/2006/main">
   <p:cSld>
     <p:bg>
       <p:bgPr>
         <a:solidFill>
-          <a:srgbClr val="000000"/>
+          <a:schemeClr val="bg1"/>
         </a:solidFill>
         <a:effectLst/>
       </p:bgPr>
@@ -23197,7 +24337,7 @@
     </p:spTree>
     <p:extLst>
       <p:ext uri="{BB962C8B-B14F-4D97-AF65-F5344CB8AC3E}">
-        <p14:creationId xmlns:p14="http://schemas.microsoft.com/office/powerpoint/2010/main" xmlns="" val="1421563975"/>
+        <p14:creationId xmlns:p14="http://schemas.microsoft.com/office/powerpoint/2010/main" val="1421563975"/>
       </p:ext>
     </p:extLst>
   </p:cSld>
@@ -23281,7 +24421,7 @@
     </p:spTree>
     <p:extLst>
       <p:ext uri="{BB962C8B-B14F-4D97-AF65-F5344CB8AC3E}">
-        <p14:creationId xmlns:p14="http://schemas.microsoft.com/office/powerpoint/2010/main" xmlns="" val="2375553756"/>
+        <p14:creationId xmlns:p14="http://schemas.microsoft.com/office/powerpoint/2010/main" val="2375553756"/>
       </p:ext>
     </p:extLst>
   </p:cSld>
@@ -23802,7 +24942,86 @@
           <a:p>
             <a:pPr lvl="2" eaLnBrk="1" hangingPunct="1"/>
             <a:r>
+              <a:rPr lang="it-IT" sz="2800" dirty="0" err="1" smtClean="0"/>
+              <a:t>Deliver</a:t>
+            </a:r>
+            <a:r>
+              <a:rPr lang="it-IT" sz="2800" dirty="0" smtClean="0"/>
+              <a:t> software </a:t>
+            </a:r>
+            <a:r>
+              <a:rPr lang="it-IT" sz="2800" dirty="0" err="1" smtClean="0"/>
+              <a:t>faster</a:t>
+            </a:r>
+            <a:r>
+              <a:rPr lang="it-IT" sz="2800" dirty="0" smtClean="0"/>
+              <a:t> </a:t>
+            </a:r>
+          </a:p>
+          <a:p>
+            <a:pPr lvl="2" eaLnBrk="1" hangingPunct="1"/>
+            <a:r>
+              <a:rPr lang="it-IT" sz="2800" dirty="0" err="1" smtClean="0"/>
+              <a:t>Eventually</a:t>
+            </a:r>
+            <a:r>
+              <a:rPr lang="it-IT" sz="2800" dirty="0" smtClean="0"/>
+              <a:t> </a:t>
+            </a:r>
+            <a:r>
+              <a:rPr lang="it-IT" sz="2800" dirty="0" err="1" smtClean="0"/>
+              <a:t>embrace</a:t>
+            </a:r>
+            <a:r>
+              <a:rPr lang="it-IT" sz="2800" dirty="0" smtClean="0"/>
+              <a:t> new </a:t>
+            </a:r>
+            <a:r>
+              <a:rPr lang="it-IT" sz="2800" dirty="0" err="1" smtClean="0"/>
+              <a:t>technology</a:t>
+            </a:r>
+            <a:r>
+              <a:rPr lang="it-IT" sz="2800" dirty="0" smtClean="0"/>
+              <a:t> </a:t>
+            </a:r>
+            <a:r>
+              <a:rPr lang="it-IT" sz="2800" dirty="0" err="1" smtClean="0"/>
+              <a:t>adopting</a:t>
+            </a:r>
+            <a:r>
+              <a:rPr lang="it-IT" sz="2800" dirty="0" smtClean="0"/>
+              <a:t> </a:t>
+            </a:r>
+            <a:r>
+              <a:rPr lang="it-IT" sz="2800" dirty="0" err="1" smtClean="0"/>
+              <a:t>them</a:t>
+            </a:r>
+            <a:r>
+              <a:rPr lang="it-IT" sz="2800" dirty="0" smtClean="0"/>
+              <a:t> </a:t>
+            </a:r>
+            <a:r>
+              <a:rPr lang="it-IT" sz="2800" dirty="0" err="1" smtClean="0"/>
+              <a:t>quickly</a:t>
+            </a:r>
+            <a:r>
               <a:rPr lang="it-IT" sz="2800" dirty="0"/>
+              <a:t> </a:t>
+            </a:r>
+            <a:r>
+              <a:rPr lang="it-IT" sz="2800" dirty="0" smtClean="0"/>
+              <a:t>with the minimum impact to the </a:t>
+            </a:r>
+            <a:r>
+              <a:rPr lang="it-IT" sz="2800" dirty="0" err="1" smtClean="0"/>
+              <a:t>system</a:t>
+            </a:r>
+            <a:endParaRPr lang="it-IT" sz="2800" dirty="0" smtClean="0"/>
+          </a:p>
+          <a:p>
+            <a:pPr lvl="2" eaLnBrk="1" hangingPunct="1"/>
+            <a:r>
+              <a:rPr lang="it-IT" sz="2800" dirty="0" smtClean="0"/>
               <a:t>Teams </a:t>
             </a:r>
             <a:r>
@@ -23927,7 +25146,7 @@
     </p:spTree>
     <p:extLst>
       <p:ext uri="{BB962C8B-B14F-4D97-AF65-F5344CB8AC3E}">
-        <p14:creationId xmlns:p14="http://schemas.microsoft.com/office/powerpoint/2010/main" xmlns="" val="3177257595"/>
+        <p14:creationId xmlns:p14="http://schemas.microsoft.com/office/powerpoint/2010/main" val="3177257595"/>
       </p:ext>
     </p:extLst>
   </p:cSld>
@@ -24012,57 +25231,63 @@
           <a:bodyPr/>
           <a:lstStyle/>
           <a:p>
+            <a:r>
+              <a:rPr lang="it-IT" dirty="0"/>
+              <a:t>MICROSERVICE: OVERVIEW</a:t>
+            </a:r>
+          </a:p>
+          <a:p>
             <a:pPr lvl="1" eaLnBrk="1" hangingPunct="1"/>
             <a:r>
-              <a:rPr lang="it-IT" dirty="0" smtClean="0"/>
+              <a:rPr lang="it-IT" sz="2800" dirty="0" smtClean="0"/>
               <a:t>How </a:t>
             </a:r>
             <a:r>
-              <a:rPr lang="it-IT" dirty="0" err="1" smtClean="0"/>
+              <a:rPr lang="it-IT" sz="2800" dirty="0" err="1" smtClean="0"/>
               <a:t>all</a:t>
             </a:r>
             <a:r>
-              <a:rPr lang="it-IT" dirty="0" smtClean="0"/>
+              <a:rPr lang="it-IT" sz="2800" dirty="0" smtClean="0"/>
               <a:t> </a:t>
             </a:r>
             <a:r>
-              <a:rPr lang="it-IT" dirty="0" err="1" smtClean="0"/>
+              <a:rPr lang="it-IT" sz="2800" dirty="0" err="1" smtClean="0"/>
               <a:t>these</a:t>
             </a:r>
             <a:r>
-              <a:rPr lang="it-IT" dirty="0" smtClean="0"/>
+              <a:rPr lang="it-IT" sz="2800" dirty="0" smtClean="0"/>
               <a:t> </a:t>
             </a:r>
             <a:r>
-              <a:rPr lang="it-IT" dirty="0" err="1" smtClean="0"/>
+              <a:rPr lang="it-IT" sz="2800" dirty="0" err="1" smtClean="0"/>
               <a:t>requirements</a:t>
             </a:r>
             <a:r>
-              <a:rPr lang="it-IT" dirty="0" smtClean="0"/>
+              <a:rPr lang="it-IT" sz="2800" dirty="0" smtClean="0"/>
               <a:t> </a:t>
             </a:r>
             <a:r>
-              <a:rPr lang="it-IT" dirty="0" err="1" smtClean="0"/>
+              <a:rPr lang="it-IT" sz="2800" dirty="0" err="1" smtClean="0"/>
               <a:t>could</a:t>
             </a:r>
             <a:r>
-              <a:rPr lang="it-IT" dirty="0" smtClean="0"/>
+              <a:rPr lang="it-IT" sz="2800" dirty="0" smtClean="0"/>
               <a:t> be </a:t>
             </a:r>
             <a:r>
-              <a:rPr lang="it-IT" dirty="0" err="1" smtClean="0"/>
+              <a:rPr lang="it-IT" sz="2800" dirty="0" err="1" smtClean="0"/>
               <a:t>accomplished</a:t>
             </a:r>
             <a:r>
-              <a:rPr lang="it-IT" dirty="0" smtClean="0"/>
+              <a:rPr lang="it-IT" sz="2800" dirty="0" smtClean="0"/>
               <a:t> </a:t>
             </a:r>
             <a:r>
-              <a:rPr lang="it-IT" dirty="0" err="1" smtClean="0"/>
+              <a:rPr lang="it-IT" sz="2800" dirty="0" err="1" smtClean="0"/>
               <a:t>defining</a:t>
             </a:r>
             <a:r>
-              <a:rPr lang="it-IT" dirty="0" smtClean="0"/>
+              <a:rPr lang="it-IT" sz="2800" dirty="0" smtClean="0"/>
               <a:t> the right </a:t>
             </a:r>
           </a:p>
@@ -24071,9 +25296,806 @@
               <a:buNone/>
             </a:pPr>
             <a:r>
-              <a:rPr lang="it-IT" dirty="0" smtClean="0"/>
-              <a:t>Microservices Database per service</a:t>
-            </a:r>
+              <a:rPr lang="it-IT" sz="2800" dirty="0" smtClean="0"/>
+              <a:t>Microservices </a:t>
+            </a:r>
+            <a:endParaRPr lang="it-IT" sz="2800" dirty="0" smtClean="0"/>
+          </a:p>
+          <a:p>
+            <a:pPr marL="876300" lvl="2" indent="0" eaLnBrk="1" hangingPunct="1">
+              <a:buNone/>
+            </a:pPr>
+            <a:r>
+              <a:rPr lang="it-IT" sz="2800" dirty="0"/>
+              <a:t>	</a:t>
+            </a:r>
+            <a:r>
+              <a:rPr lang="it-IT" sz="2800" dirty="0" smtClean="0"/>
+              <a:t>build a </a:t>
+            </a:r>
+            <a:r>
+              <a:rPr lang="it-IT" sz="2800" dirty="0" err="1" smtClean="0"/>
+              <a:t>system</a:t>
+            </a:r>
+            <a:r>
+              <a:rPr lang="it-IT" sz="2800" dirty="0" smtClean="0"/>
+              <a:t> </a:t>
+            </a:r>
+            <a:r>
+              <a:rPr lang="it-IT" sz="2800" dirty="0" err="1" smtClean="0"/>
+              <a:t>based</a:t>
+            </a:r>
+            <a:r>
+              <a:rPr lang="it-IT" sz="2800" dirty="0" smtClean="0"/>
+              <a:t> on microservices </a:t>
+            </a:r>
+            <a:r>
+              <a:rPr lang="it-IT" sz="2800" dirty="0" err="1" smtClean="0"/>
+              <a:t>architecture</a:t>
+            </a:r>
+            <a:r>
+              <a:rPr lang="it-IT" sz="2800" dirty="0" smtClean="0"/>
+              <a:t> </a:t>
+            </a:r>
+            <a:r>
+              <a:rPr lang="it-IT" sz="2800" dirty="0" err="1" smtClean="0"/>
+              <a:t>could</a:t>
+            </a:r>
+            <a:r>
+              <a:rPr lang="it-IT" sz="2800" dirty="0" smtClean="0"/>
+              <a:t> </a:t>
+            </a:r>
+            <a:r>
+              <a:rPr lang="it-IT" sz="2800" dirty="0" err="1" smtClean="0"/>
+              <a:t>lead</a:t>
+            </a:r>
+            <a:endParaRPr lang="it-IT" sz="2800" dirty="0" smtClean="0"/>
+          </a:p>
+          <a:p>
+            <a:pPr marL="876300" lvl="2" indent="0" eaLnBrk="1" hangingPunct="1">
+              <a:buNone/>
+            </a:pPr>
+            <a:r>
+              <a:rPr lang="it-IT" sz="2800" dirty="0" smtClean="0"/>
+              <a:t>Use of </a:t>
+            </a:r>
+            <a:r>
+              <a:rPr lang="it-IT" sz="2800" dirty="0" err="1" smtClean="0"/>
+              <a:t>different</a:t>
+            </a:r>
+            <a:r>
+              <a:rPr lang="it-IT" sz="2800" dirty="0" smtClean="0"/>
+              <a:t> </a:t>
+            </a:r>
+            <a:r>
+              <a:rPr lang="it-IT" sz="2800" dirty="0" err="1" smtClean="0"/>
+              <a:t>technology</a:t>
+            </a:r>
+            <a:r>
+              <a:rPr lang="it-IT" sz="2800" dirty="0" smtClean="0"/>
+              <a:t> inside </a:t>
+            </a:r>
+            <a:r>
+              <a:rPr lang="it-IT" sz="2800" dirty="0" err="1" smtClean="0"/>
+              <a:t>each</a:t>
+            </a:r>
+            <a:r>
+              <a:rPr lang="it-IT" sz="2800" dirty="0" smtClean="0"/>
+              <a:t> service i.e. database </a:t>
+            </a:r>
+            <a:r>
+              <a:rPr lang="it-IT" sz="2800" dirty="0" err="1" smtClean="0"/>
+              <a:t>engine</a:t>
+            </a:r>
+            <a:r>
+              <a:rPr lang="it-IT" sz="2800" dirty="0" smtClean="0"/>
+              <a:t> (neo4j; </a:t>
+            </a:r>
+            <a:r>
+              <a:rPr lang="it-IT" sz="2800" dirty="0" err="1" smtClean="0"/>
+              <a:t>relational</a:t>
+            </a:r>
+            <a:r>
+              <a:rPr lang="it-IT" sz="2800" dirty="0" smtClean="0"/>
+              <a:t>, no sql)</a:t>
+            </a:r>
+          </a:p>
+          <a:p>
+            <a:pPr marL="876300" lvl="2" indent="0" eaLnBrk="1" hangingPunct="1">
+              <a:buNone/>
+            </a:pPr>
+            <a:r>
+              <a:rPr lang="it-IT" sz="2800" dirty="0" err="1" smtClean="0"/>
+              <a:t>If</a:t>
+            </a:r>
+            <a:r>
+              <a:rPr lang="it-IT" sz="2800" dirty="0" smtClean="0"/>
+              <a:t> </a:t>
+            </a:r>
+            <a:r>
+              <a:rPr lang="it-IT" sz="2800" dirty="0" err="1" smtClean="0"/>
+              <a:t>one</a:t>
+            </a:r>
+            <a:r>
+              <a:rPr lang="it-IT" sz="2800" dirty="0" smtClean="0"/>
+              <a:t> of the part of the </a:t>
+            </a:r>
+            <a:r>
+              <a:rPr lang="it-IT" sz="2800" dirty="0" err="1" smtClean="0"/>
+              <a:t>system</a:t>
+            </a:r>
+            <a:r>
+              <a:rPr lang="it-IT" sz="2800" dirty="0" smtClean="0"/>
+              <a:t> </a:t>
+            </a:r>
+            <a:r>
+              <a:rPr lang="it-IT" sz="2800" dirty="0" err="1" smtClean="0"/>
+              <a:t>need</a:t>
+            </a:r>
+            <a:r>
+              <a:rPr lang="it-IT" sz="2800" dirty="0" smtClean="0"/>
+              <a:t> to </a:t>
+            </a:r>
+            <a:r>
+              <a:rPr lang="it-IT" sz="2800" dirty="0" err="1" smtClean="0"/>
+              <a:t>improve</a:t>
+            </a:r>
+            <a:r>
+              <a:rPr lang="it-IT" sz="2800" dirty="0" smtClean="0"/>
+              <a:t> or scale up </a:t>
+            </a:r>
+            <a:r>
+              <a:rPr lang="it-IT" sz="2800" dirty="0" err="1" smtClean="0"/>
+              <a:t>we</a:t>
+            </a:r>
+            <a:r>
+              <a:rPr lang="it-IT" sz="2800" dirty="0" smtClean="0"/>
+              <a:t> can decide to use a </a:t>
+            </a:r>
+            <a:r>
+              <a:rPr lang="it-IT" sz="2800" dirty="0" err="1" smtClean="0"/>
+              <a:t>different</a:t>
+            </a:r>
+            <a:r>
+              <a:rPr lang="it-IT" sz="2800" dirty="0" smtClean="0"/>
+              <a:t> </a:t>
+            </a:r>
+            <a:r>
+              <a:rPr lang="it-IT" sz="2800" dirty="0" err="1" smtClean="0"/>
+              <a:t>technological</a:t>
+            </a:r>
+            <a:r>
+              <a:rPr lang="it-IT" sz="2800" dirty="0" smtClean="0"/>
+              <a:t> </a:t>
+            </a:r>
+            <a:r>
+              <a:rPr lang="it-IT" sz="2800" dirty="0" err="1" smtClean="0"/>
+              <a:t>stack</a:t>
+            </a:r>
+            <a:r>
+              <a:rPr lang="it-IT" sz="2800" dirty="0" smtClean="0"/>
+              <a:t> </a:t>
+            </a:r>
+            <a:r>
+              <a:rPr lang="it-IT" sz="2800" dirty="0" err="1" smtClean="0"/>
+              <a:t>without</a:t>
+            </a:r>
+            <a:r>
+              <a:rPr lang="it-IT" sz="2800" dirty="0" smtClean="0"/>
+              <a:t> </a:t>
+            </a:r>
+            <a:r>
+              <a:rPr lang="it-IT" sz="2800" dirty="0" err="1" smtClean="0"/>
+              <a:t>impacts</a:t>
+            </a:r>
+            <a:r>
+              <a:rPr lang="it-IT" sz="2800" dirty="0" smtClean="0"/>
+              <a:t> on the </a:t>
+            </a:r>
+            <a:r>
+              <a:rPr lang="it-IT" sz="2800" dirty="0" err="1" smtClean="0"/>
+              <a:t>system</a:t>
+            </a:r>
+            <a:endParaRPr lang="it-IT" sz="2800" dirty="0" smtClean="0"/>
+          </a:p>
+          <a:p>
+            <a:pPr marL="876300" lvl="2" indent="0" eaLnBrk="1" hangingPunct="1">
+              <a:buNone/>
+            </a:pPr>
+            <a:r>
+              <a:rPr lang="it-IT" sz="2800" dirty="0" smtClean="0"/>
+              <a:t>In a </a:t>
+            </a:r>
+            <a:r>
+              <a:rPr lang="it-IT" sz="2800" dirty="0" err="1" smtClean="0"/>
+              <a:t>context</a:t>
+            </a:r>
+            <a:r>
+              <a:rPr lang="it-IT" sz="2800" dirty="0" smtClean="0"/>
+              <a:t> of on-demand provisioning </a:t>
+            </a:r>
+            <a:r>
+              <a:rPr lang="it-IT" sz="2800" dirty="0" err="1" smtClean="0"/>
+              <a:t>system</a:t>
+            </a:r>
+            <a:r>
+              <a:rPr lang="it-IT" sz="2800" dirty="0" smtClean="0"/>
+              <a:t> (PWS) </a:t>
+            </a:r>
+            <a:r>
+              <a:rPr lang="it-IT" sz="2800" dirty="0" err="1" smtClean="0"/>
+              <a:t>it</a:t>
+            </a:r>
+            <a:r>
+              <a:rPr lang="it-IT" sz="2800" dirty="0" smtClean="0"/>
+              <a:t> </a:t>
+            </a:r>
+            <a:r>
+              <a:rPr lang="it-IT" sz="2800" dirty="0" err="1" smtClean="0"/>
+              <a:t>is</a:t>
+            </a:r>
+            <a:r>
+              <a:rPr lang="it-IT" sz="2800" dirty="0" smtClean="0"/>
+              <a:t> </a:t>
+            </a:r>
+            <a:r>
+              <a:rPr lang="it-IT" sz="2800" dirty="0" err="1" smtClean="0"/>
+              <a:t>possible</a:t>
+            </a:r>
+            <a:r>
+              <a:rPr lang="it-IT" sz="2800" dirty="0" smtClean="0"/>
+              <a:t> to </a:t>
+            </a:r>
+            <a:r>
+              <a:rPr lang="it-IT" sz="2800" dirty="0" err="1" smtClean="0"/>
+              <a:t>apply</a:t>
+            </a:r>
+            <a:r>
+              <a:rPr lang="it-IT" sz="2800" dirty="0" smtClean="0"/>
+              <a:t> </a:t>
+            </a:r>
+            <a:r>
+              <a:rPr lang="it-IT" sz="2800" dirty="0" err="1" smtClean="0"/>
+              <a:t>this</a:t>
+            </a:r>
+            <a:r>
+              <a:rPr lang="it-IT" sz="2800" dirty="0" smtClean="0"/>
+              <a:t> </a:t>
+            </a:r>
+            <a:r>
+              <a:rPr lang="it-IT" sz="2800" dirty="0" err="1" smtClean="0"/>
+              <a:t>scaling</a:t>
+            </a:r>
+            <a:r>
+              <a:rPr lang="it-IT" sz="2800" dirty="0" smtClean="0"/>
+              <a:t> </a:t>
+            </a:r>
+            <a:r>
+              <a:rPr lang="it-IT" sz="2800" dirty="0" err="1" smtClean="0"/>
+              <a:t>only</a:t>
+            </a:r>
+            <a:r>
+              <a:rPr lang="it-IT" sz="2800" dirty="0" smtClean="0"/>
+              <a:t> for </a:t>
+            </a:r>
+            <a:r>
+              <a:rPr lang="it-IT" sz="2800" dirty="0" err="1" smtClean="0"/>
+              <a:t>those</a:t>
+            </a:r>
+            <a:r>
+              <a:rPr lang="it-IT" sz="2800" dirty="0" smtClean="0"/>
+              <a:t> </a:t>
+            </a:r>
+            <a:r>
+              <a:rPr lang="it-IT" sz="2800" dirty="0" err="1" smtClean="0"/>
+              <a:t>services</a:t>
+            </a:r>
+            <a:r>
+              <a:rPr lang="it-IT" sz="2800" dirty="0" smtClean="0"/>
+              <a:t> </a:t>
+            </a:r>
+            <a:r>
+              <a:rPr lang="it-IT" sz="2800" dirty="0" err="1" smtClean="0"/>
+              <a:t>that</a:t>
+            </a:r>
+            <a:r>
+              <a:rPr lang="it-IT" sz="2800" dirty="0" smtClean="0"/>
+              <a:t> </a:t>
+            </a:r>
+            <a:r>
+              <a:rPr lang="it-IT" sz="2800" dirty="0" err="1" smtClean="0"/>
+              <a:t>need</a:t>
+            </a:r>
+            <a:r>
+              <a:rPr lang="it-IT" sz="2800" dirty="0" smtClean="0"/>
+              <a:t> </a:t>
+            </a:r>
+            <a:r>
+              <a:rPr lang="it-IT" sz="2800" dirty="0" err="1" smtClean="0"/>
+              <a:t>it</a:t>
+            </a:r>
+            <a:r>
+              <a:rPr lang="it-IT" sz="2800" dirty="0" smtClean="0"/>
+              <a:t> with a more </a:t>
+            </a:r>
+            <a:r>
+              <a:rPr lang="it-IT" sz="2800" dirty="0" err="1" smtClean="0"/>
+              <a:t>efficient</a:t>
+            </a:r>
+            <a:r>
+              <a:rPr lang="it-IT" sz="2800" dirty="0" smtClean="0"/>
+              <a:t> control of the </a:t>
+            </a:r>
+            <a:r>
+              <a:rPr lang="it-IT" sz="2800" dirty="0" err="1" smtClean="0"/>
+              <a:t>costs</a:t>
+            </a:r>
+            <a:r>
+              <a:rPr lang="it-IT" sz="2800" dirty="0" smtClean="0"/>
+              <a:t> </a:t>
+            </a:r>
+          </a:p>
+          <a:p>
+            <a:pPr marL="876300" lvl="2" indent="0" eaLnBrk="1" hangingPunct="1">
+              <a:buNone/>
+            </a:pPr>
+            <a:r>
+              <a:rPr lang="it-IT" sz="2800" dirty="0" smtClean="0"/>
+              <a:t>In the </a:t>
+            </a:r>
+            <a:r>
+              <a:rPr lang="it-IT" sz="2800" dirty="0" err="1" smtClean="0"/>
+              <a:t>wors</a:t>
+            </a:r>
+            <a:r>
+              <a:rPr lang="it-IT" sz="2800" dirty="0" smtClean="0"/>
+              <a:t> of «</a:t>
+            </a:r>
+            <a:r>
+              <a:rPr lang="it-IT" sz="2800" dirty="0" err="1" smtClean="0"/>
+              <a:t>it’s</a:t>
+            </a:r>
+            <a:r>
+              <a:rPr lang="it-IT" sz="2800" dirty="0" smtClean="0"/>
+              <a:t> </a:t>
+            </a:r>
+            <a:r>
+              <a:rPr lang="it-IT" sz="2800" dirty="0" err="1" smtClean="0"/>
+              <a:t>not</a:t>
+            </a:r>
+            <a:r>
+              <a:rPr lang="it-IT" sz="2800" dirty="0" smtClean="0"/>
+              <a:t> </a:t>
+            </a:r>
+            <a:r>
+              <a:rPr lang="it-IT" sz="2800" dirty="0" err="1" smtClean="0"/>
+              <a:t>often</a:t>
+            </a:r>
+            <a:r>
+              <a:rPr lang="it-IT" sz="2800" dirty="0" smtClean="0"/>
+              <a:t> </a:t>
+            </a:r>
+            <a:r>
+              <a:rPr lang="it-IT" sz="2800" dirty="0" err="1" smtClean="0"/>
+              <a:t>thata</a:t>
+            </a:r>
+            <a:r>
+              <a:rPr lang="it-IT" sz="2800" dirty="0" smtClean="0"/>
+              <a:t> an </a:t>
+            </a:r>
+            <a:r>
+              <a:rPr lang="it-IT" sz="2800" dirty="0" err="1" smtClean="0"/>
+              <a:t>architectural</a:t>
+            </a:r>
+            <a:r>
+              <a:rPr lang="it-IT" sz="2800" dirty="0" smtClean="0"/>
+              <a:t> </a:t>
+            </a:r>
+            <a:r>
+              <a:rPr lang="it-IT" sz="2800" dirty="0" err="1" smtClean="0"/>
+              <a:t>approach</a:t>
+            </a:r>
+            <a:r>
+              <a:rPr lang="it-IT" sz="2800" dirty="0" smtClean="0"/>
+              <a:t> can be </a:t>
+            </a:r>
+            <a:r>
+              <a:rPr lang="it-IT" sz="2800" dirty="0" err="1" smtClean="0"/>
+              <a:t>closely</a:t>
+            </a:r>
+            <a:r>
+              <a:rPr lang="it-IT" sz="2800" dirty="0" smtClean="0"/>
+              <a:t> </a:t>
+            </a:r>
+            <a:r>
+              <a:rPr lang="it-IT" sz="2800" dirty="0" err="1" smtClean="0"/>
+              <a:t>correlated</a:t>
+            </a:r>
+            <a:r>
+              <a:rPr lang="it-IT" sz="2800" dirty="0" smtClean="0"/>
+              <a:t> to an </a:t>
+            </a:r>
+            <a:r>
+              <a:rPr lang="it-IT" sz="2800" dirty="0" err="1" smtClean="0"/>
+              <a:t>almost</a:t>
+            </a:r>
+            <a:r>
+              <a:rPr lang="it-IT" sz="2800" dirty="0" smtClean="0"/>
+              <a:t> immediate </a:t>
+            </a:r>
+            <a:r>
+              <a:rPr lang="it-IT" sz="2800" dirty="0" err="1" smtClean="0"/>
+              <a:t>cost</a:t>
+            </a:r>
+            <a:r>
+              <a:rPr lang="it-IT" sz="2800" dirty="0" smtClean="0"/>
+              <a:t> </a:t>
+            </a:r>
+            <a:r>
+              <a:rPr lang="it-IT" sz="2800" dirty="0" err="1" smtClean="0"/>
+              <a:t>saving</a:t>
+            </a:r>
+            <a:r>
+              <a:rPr lang="it-IT" sz="2800" dirty="0" smtClean="0"/>
+              <a:t>»</a:t>
+            </a:r>
+          </a:p>
+          <a:p>
+            <a:pPr marL="876300" lvl="2" indent="0" eaLnBrk="1" hangingPunct="1">
+              <a:buNone/>
+            </a:pPr>
+            <a:r>
+              <a:rPr lang="it-IT" sz="2800" dirty="0" err="1" smtClean="0"/>
+              <a:t>Ease</a:t>
+            </a:r>
+            <a:r>
+              <a:rPr lang="it-IT" sz="2800" dirty="0" smtClean="0"/>
+              <a:t> of deployment vs </a:t>
+            </a:r>
+            <a:r>
+              <a:rPr lang="it-IT" sz="2800" dirty="0" err="1" smtClean="0"/>
+              <a:t>monolitic</a:t>
+            </a:r>
+            <a:r>
+              <a:rPr lang="it-IT" sz="2800" dirty="0" smtClean="0"/>
+              <a:t> </a:t>
+            </a:r>
+            <a:r>
+              <a:rPr lang="it-IT" sz="2800" dirty="0" err="1" smtClean="0"/>
+              <a:t>architecture</a:t>
+            </a:r>
+            <a:r>
+              <a:rPr lang="it-IT" sz="2800" dirty="0" smtClean="0"/>
+              <a:t> </a:t>
+            </a:r>
+            <a:r>
+              <a:rPr lang="it-IT" sz="2800" dirty="0" err="1" smtClean="0"/>
+              <a:t>that</a:t>
+            </a:r>
+            <a:r>
+              <a:rPr lang="it-IT" sz="2800" dirty="0" smtClean="0"/>
+              <a:t> </a:t>
+            </a:r>
+            <a:r>
+              <a:rPr lang="it-IT" sz="2800" dirty="0" err="1" smtClean="0"/>
+              <a:t>require</a:t>
+            </a:r>
+            <a:r>
+              <a:rPr lang="it-IT" sz="2800" dirty="0" smtClean="0"/>
+              <a:t> the </a:t>
+            </a:r>
+            <a:r>
+              <a:rPr lang="it-IT" sz="2800" dirty="0" err="1" smtClean="0"/>
+              <a:t>whole</a:t>
+            </a:r>
+            <a:r>
+              <a:rPr lang="it-IT" sz="2800" dirty="0" smtClean="0"/>
+              <a:t> </a:t>
+            </a:r>
+            <a:r>
+              <a:rPr lang="it-IT" sz="2800" dirty="0" err="1" smtClean="0"/>
+              <a:t>application</a:t>
+            </a:r>
+            <a:r>
+              <a:rPr lang="it-IT" sz="2800" dirty="0" smtClean="0"/>
+              <a:t> to be </a:t>
+            </a:r>
+            <a:r>
+              <a:rPr lang="it-IT" sz="2800" dirty="0" err="1" smtClean="0"/>
+              <a:t>deployed</a:t>
+            </a:r>
+            <a:r>
+              <a:rPr lang="it-IT" sz="2800" dirty="0"/>
+              <a:t> </a:t>
+            </a:r>
+            <a:r>
+              <a:rPr lang="it-IT" sz="2800" dirty="0" smtClean="0"/>
+              <a:t>in </a:t>
+            </a:r>
+            <a:r>
+              <a:rPr lang="it-IT" sz="2800" dirty="0" err="1" smtClean="0"/>
+              <a:t>order</a:t>
+            </a:r>
+            <a:r>
+              <a:rPr lang="it-IT" sz="2800" dirty="0" smtClean="0"/>
+              <a:t> to release </a:t>
+            </a:r>
+            <a:r>
+              <a:rPr lang="it-IT" sz="2800" dirty="0" err="1" smtClean="0"/>
+              <a:t>change</a:t>
+            </a:r>
+            <a:r>
+              <a:rPr lang="it-IT" sz="2800" dirty="0" smtClean="0"/>
+              <a:t> (</a:t>
+            </a:r>
+            <a:r>
+              <a:rPr lang="it-IT" sz="2800" dirty="0" err="1" smtClean="0"/>
+              <a:t>it</a:t>
+            </a:r>
+            <a:r>
+              <a:rPr lang="it-IT" sz="2800" dirty="0" smtClean="0"/>
+              <a:t> </a:t>
+            </a:r>
+            <a:r>
+              <a:rPr lang="it-IT" sz="2800" dirty="0" err="1" smtClean="0"/>
+              <a:t>doesn’t</a:t>
+            </a:r>
+            <a:r>
+              <a:rPr lang="it-IT" sz="2800" dirty="0" smtClean="0"/>
+              <a:t> </a:t>
+            </a:r>
+            <a:r>
+              <a:rPr lang="it-IT" sz="2800" dirty="0" err="1" smtClean="0"/>
+              <a:t>matter</a:t>
+            </a:r>
+            <a:r>
+              <a:rPr lang="it-IT" sz="2800" dirty="0" smtClean="0"/>
+              <a:t> </a:t>
+            </a:r>
+            <a:r>
+              <a:rPr lang="it-IT" sz="2800" dirty="0" err="1" smtClean="0"/>
+              <a:t>how</a:t>
+            </a:r>
+            <a:r>
+              <a:rPr lang="it-IT" sz="2800" dirty="0" smtClean="0"/>
+              <a:t> wide are the </a:t>
+            </a:r>
+            <a:r>
+              <a:rPr lang="it-IT" sz="2800" dirty="0" err="1" smtClean="0"/>
+              <a:t>changes</a:t>
+            </a:r>
+            <a:r>
+              <a:rPr lang="it-IT" sz="2800" dirty="0" smtClean="0"/>
+              <a:t>) scenario </a:t>
+            </a:r>
+            <a:r>
+              <a:rPr lang="it-IT" sz="2800" dirty="0" err="1" smtClean="0"/>
+              <a:t>that</a:t>
+            </a:r>
+            <a:r>
+              <a:rPr lang="it-IT" sz="2800" dirty="0" smtClean="0"/>
+              <a:t> </a:t>
+            </a:r>
+            <a:r>
+              <a:rPr lang="it-IT" sz="2800" dirty="0" err="1" smtClean="0"/>
+              <a:t>could</a:t>
+            </a:r>
+            <a:r>
+              <a:rPr lang="it-IT" sz="2800" dirty="0" smtClean="0"/>
+              <a:t> be large impact (time for </a:t>
+            </a:r>
+            <a:r>
+              <a:rPr lang="it-IT" sz="2800" dirty="0" err="1" smtClean="0"/>
+              <a:t>repuplish</a:t>
+            </a:r>
+            <a:r>
+              <a:rPr lang="it-IT" sz="2800" dirty="0" smtClean="0"/>
+              <a:t> a service)</a:t>
+            </a:r>
+            <a:r>
+              <a:rPr lang="it-IT" sz="2800" dirty="0"/>
+              <a:t> </a:t>
+            </a:r>
+            <a:r>
+              <a:rPr lang="it-IT" sz="2800" dirty="0" smtClean="0"/>
+              <a:t>and high </a:t>
+            </a:r>
+            <a:r>
+              <a:rPr lang="it-IT" sz="2800" dirty="0" err="1" smtClean="0"/>
+              <a:t>risk</a:t>
+            </a:r>
+            <a:r>
+              <a:rPr lang="it-IT" sz="2800" dirty="0" smtClean="0"/>
+              <a:t> </a:t>
+            </a:r>
+          </a:p>
+          <a:p>
+            <a:pPr marL="876300" lvl="2" indent="0" eaLnBrk="1" hangingPunct="1">
+              <a:buNone/>
+            </a:pPr>
+            <a:r>
+              <a:rPr lang="it-IT" sz="2800" dirty="0" smtClean="0"/>
+              <a:t>Microservice </a:t>
+            </a:r>
+            <a:r>
+              <a:rPr lang="it-IT" sz="2800" dirty="0" err="1" smtClean="0"/>
+              <a:t>enable</a:t>
+            </a:r>
+            <a:r>
+              <a:rPr lang="it-IT" sz="2800" dirty="0" smtClean="0"/>
+              <a:t> </a:t>
+            </a:r>
+            <a:r>
+              <a:rPr lang="it-IT" sz="2800" dirty="0" err="1" smtClean="0"/>
+              <a:t>that</a:t>
+            </a:r>
+            <a:r>
+              <a:rPr lang="it-IT" sz="2800" dirty="0" smtClean="0"/>
+              <a:t> a </a:t>
+            </a:r>
+            <a:r>
+              <a:rPr lang="it-IT" sz="2800" dirty="0" err="1" smtClean="0"/>
+              <a:t>change</a:t>
+            </a:r>
+            <a:r>
+              <a:rPr lang="it-IT" sz="2800" dirty="0" smtClean="0"/>
+              <a:t> to a single service </a:t>
+            </a:r>
+            <a:r>
+              <a:rPr lang="it-IT" sz="2800" dirty="0" err="1" smtClean="0"/>
+              <a:t>colud</a:t>
+            </a:r>
+            <a:r>
+              <a:rPr lang="it-IT" sz="2800" dirty="0" smtClean="0"/>
+              <a:t> be </a:t>
+            </a:r>
+            <a:r>
+              <a:rPr lang="it-IT" sz="2800" dirty="0" err="1" smtClean="0"/>
+              <a:t>immediatly</a:t>
+            </a:r>
+            <a:r>
+              <a:rPr lang="it-IT" sz="2800" dirty="0" smtClean="0"/>
+              <a:t> </a:t>
+            </a:r>
+            <a:r>
+              <a:rPr lang="it-IT" sz="2800" dirty="0" err="1" smtClean="0"/>
+              <a:t>deployed</a:t>
+            </a:r>
+            <a:r>
+              <a:rPr lang="it-IT" sz="2800" dirty="0" smtClean="0"/>
+              <a:t> </a:t>
+            </a:r>
+            <a:r>
+              <a:rPr lang="it-IT" sz="2800" dirty="0" err="1" smtClean="0"/>
+              <a:t>isolated</a:t>
+            </a:r>
+            <a:r>
+              <a:rPr lang="it-IT" sz="2800" dirty="0" smtClean="0"/>
+              <a:t> from the </a:t>
+            </a:r>
+            <a:r>
+              <a:rPr lang="it-IT" sz="2800" dirty="0" err="1" smtClean="0"/>
+              <a:t>rest</a:t>
+            </a:r>
+            <a:r>
+              <a:rPr lang="it-IT" sz="2800" dirty="0" smtClean="0"/>
+              <a:t> of the </a:t>
+            </a:r>
+            <a:r>
+              <a:rPr lang="it-IT" sz="2800" dirty="0" err="1" smtClean="0"/>
+              <a:t>system</a:t>
+            </a:r>
+            <a:r>
+              <a:rPr lang="it-IT" sz="2800" dirty="0" smtClean="0"/>
+              <a:t> and fast </a:t>
+            </a:r>
+            <a:r>
+              <a:rPr lang="it-IT" sz="2800" dirty="0" err="1" smtClean="0"/>
+              <a:t>rollbacked</a:t>
+            </a:r>
+            <a:endParaRPr lang="it-IT" sz="2800" dirty="0"/>
+          </a:p>
+          <a:p>
+            <a:pPr marL="876300" lvl="2" indent="0" eaLnBrk="1" hangingPunct="1">
+              <a:buNone/>
+            </a:pPr>
+            <a:endParaRPr lang="it-IT" sz="2800" dirty="0" smtClean="0"/>
+          </a:p>
+          <a:p>
+            <a:pPr marL="876300" lvl="2" indent="0" eaLnBrk="1" hangingPunct="1">
+              <a:buNone/>
+            </a:pPr>
+            <a:endParaRPr lang="it-IT" sz="2800" dirty="0"/>
+          </a:p>
+          <a:p>
+            <a:pPr marL="876300" lvl="2" indent="0" eaLnBrk="1" hangingPunct="1">
+              <a:buNone/>
+            </a:pPr>
+            <a:r>
+              <a:rPr lang="it-IT" sz="2800" dirty="0" err="1" smtClean="0"/>
+              <a:t>It</a:t>
+            </a:r>
+            <a:r>
+              <a:rPr lang="it-IT" sz="2800" dirty="0" smtClean="0"/>
+              <a:t> </a:t>
+            </a:r>
+            <a:r>
+              <a:rPr lang="it-IT" sz="2800" dirty="0" err="1" smtClean="0"/>
+              <a:t>is</a:t>
+            </a:r>
+            <a:r>
+              <a:rPr lang="it-IT" sz="2800" dirty="0" smtClean="0"/>
+              <a:t> </a:t>
+            </a:r>
+            <a:r>
+              <a:rPr lang="it-IT" sz="2800" dirty="0" err="1" smtClean="0"/>
+              <a:t>not</a:t>
+            </a:r>
+            <a:r>
+              <a:rPr lang="it-IT" sz="2800" dirty="0" smtClean="0"/>
+              <a:t> a silver </a:t>
+            </a:r>
+            <a:r>
+              <a:rPr lang="it-IT" sz="2800" dirty="0" err="1" smtClean="0"/>
+              <a:t>bullet</a:t>
+            </a:r>
+            <a:r>
+              <a:rPr lang="it-IT" sz="2800" dirty="0" smtClean="0"/>
+              <a:t> or a free lunch</a:t>
+            </a:r>
+          </a:p>
+          <a:p>
+            <a:pPr marL="876300" lvl="2" indent="0" eaLnBrk="1" hangingPunct="1">
+              <a:buNone/>
+            </a:pPr>
+            <a:r>
+              <a:rPr lang="it-IT" sz="2800" dirty="0"/>
+              <a:t>	</a:t>
+            </a:r>
+            <a:r>
+              <a:rPr lang="it-IT" sz="2800" dirty="0" smtClean="0"/>
+              <a:t>	gestione di </a:t>
+            </a:r>
+            <a:r>
+              <a:rPr lang="it-IT" sz="2800" dirty="0" err="1" smtClean="0"/>
+              <a:t>puù</a:t>
+            </a:r>
+            <a:r>
+              <a:rPr lang="it-IT" sz="2800" dirty="0" smtClean="0"/>
+              <a:t> sistemi middleware (overhead in management) </a:t>
+            </a:r>
+          </a:p>
+          <a:p>
+            <a:pPr marL="876300" lvl="2" indent="0" eaLnBrk="1" hangingPunct="1">
+              <a:buNone/>
+            </a:pPr>
+            <a:r>
+              <a:rPr lang="it-IT" sz="2800" dirty="0"/>
+              <a:t>	</a:t>
+            </a:r>
+            <a:r>
+              <a:rPr lang="it-IT" sz="2800" dirty="0" smtClean="0"/>
+              <a:t>	gestione della transazionalità in modo applicativo (overhead in </a:t>
+            </a:r>
+            <a:r>
+              <a:rPr lang="it-IT" sz="2800" dirty="0" err="1" smtClean="0"/>
+              <a:t>coding</a:t>
+            </a:r>
+            <a:r>
+              <a:rPr lang="it-IT" sz="2800" dirty="0" smtClean="0"/>
+              <a:t> )</a:t>
+            </a:r>
+            <a:endParaRPr lang="it-IT" sz="2800" dirty="0"/>
+          </a:p>
+          <a:p>
+            <a:pPr marL="876300" lvl="2" indent="0" eaLnBrk="1" hangingPunct="1">
+              <a:buNone/>
+            </a:pPr>
+            <a:r>
+              <a:rPr lang="it-IT" sz="2800" dirty="0" smtClean="0"/>
+              <a:t> </a:t>
+            </a:r>
+            <a:endParaRPr lang="it-IT" sz="2800" dirty="0" smtClean="0"/>
           </a:p>
           <a:p>
             <a:pPr lvl="2" eaLnBrk="1" hangingPunct="1"/>
@@ -24088,7 +26110,7 @@
     </p:spTree>
     <p:extLst>
       <p:ext uri="{BB962C8B-B14F-4D97-AF65-F5344CB8AC3E}">
-        <p14:creationId xmlns:p14="http://schemas.microsoft.com/office/powerpoint/2010/main" xmlns="" val="4158961700"/>
+        <p14:creationId xmlns:p14="http://schemas.microsoft.com/office/powerpoint/2010/main" val="4158961700"/>
       </p:ext>
     </p:extLst>
   </p:cSld>
@@ -24352,7 +26374,7 @@
         <a:effectLst/>
         <a:extLst>
           <a:ext uri="{AF507438-7753-43E0-B8FC-AC1667EBCBE1}">
-            <a14:hiddenEffects xmlns:a14="http://schemas.microsoft.com/office/drawing/2010/main" xmlns="">
+            <a14:hiddenEffects xmlns:a14="http://schemas.microsoft.com/office/drawing/2010/main">
               <a:effectLst>
                 <a:outerShdw blurRad="63500" dist="38099" dir="2700000" algn="ctr" rotWithShape="0">
                   <a:schemeClr val="bg2">
@@ -24430,7 +26452,7 @@
         <a:effectLst/>
         <a:extLst>
           <a:ext uri="{AF507438-7753-43E0-B8FC-AC1667EBCBE1}">
-            <a14:hiddenEffects xmlns:a14="http://schemas.microsoft.com/office/drawing/2010/main" xmlns="">
+            <a14:hiddenEffects xmlns:a14="http://schemas.microsoft.com/office/drawing/2010/main">
               <a:effectLst>
                 <a:outerShdw blurRad="63500" dist="38099" dir="2700000" algn="ctr" rotWithShape="0">
                   <a:schemeClr val="bg2">
@@ -24772,7 +26794,7 @@
         <a:effectLst/>
         <a:extLst>
           <a:ext uri="{AF507438-7753-43E0-B8FC-AC1667EBCBE1}">
-            <a14:hiddenEffects xmlns:a14="http://schemas.microsoft.com/office/drawing/2010/main" xmlns="">
+            <a14:hiddenEffects xmlns:a14="http://schemas.microsoft.com/office/drawing/2010/main">
               <a:effectLst>
                 <a:outerShdw blurRad="63500" dist="38099" dir="2700000" algn="ctr" rotWithShape="0">
                   <a:schemeClr val="bg2">
@@ -24850,7 +26872,7 @@
         <a:effectLst/>
         <a:extLst>
           <a:ext uri="{AF507438-7753-43E0-B8FC-AC1667EBCBE1}">
-            <a14:hiddenEffects xmlns:a14="http://schemas.microsoft.com/office/drawing/2010/main" xmlns="">
+            <a14:hiddenEffects xmlns:a14="http://schemas.microsoft.com/office/drawing/2010/main">
               <a:effectLst>
                 <a:outerShdw blurRad="63500" dist="38099" dir="2700000" algn="ctr" rotWithShape="0">
                   <a:schemeClr val="bg2">
@@ -25192,7 +27214,7 @@
         <a:effectLst/>
         <a:extLst>
           <a:ext uri="{AF507438-7753-43E0-B8FC-AC1667EBCBE1}">
-            <a14:hiddenEffects xmlns:a14="http://schemas.microsoft.com/office/drawing/2010/main" xmlns="">
+            <a14:hiddenEffects xmlns:a14="http://schemas.microsoft.com/office/drawing/2010/main">
               <a:effectLst>
                 <a:outerShdw blurRad="63500" dist="38099" dir="2700000" algn="ctr" rotWithShape="0">
                   <a:schemeClr val="bg2">
@@ -25270,7 +27292,7 @@
         <a:effectLst/>
         <a:extLst>
           <a:ext uri="{AF507438-7753-43E0-B8FC-AC1667EBCBE1}">
-            <a14:hiddenEffects xmlns:a14="http://schemas.microsoft.com/office/drawing/2010/main" xmlns="">
+            <a14:hiddenEffects xmlns:a14="http://schemas.microsoft.com/office/drawing/2010/main">
               <a:effectLst>
                 <a:outerShdw blurRad="63500" dist="38099" dir="2700000" algn="ctr" rotWithShape="0">
                   <a:schemeClr val="bg2">
@@ -25612,7 +27634,7 @@
         <a:effectLst/>
         <a:extLst>
           <a:ext uri="{AF507438-7753-43E0-B8FC-AC1667EBCBE1}">
-            <a14:hiddenEffects xmlns:a14="http://schemas.microsoft.com/office/drawing/2010/main" xmlns="">
+            <a14:hiddenEffects xmlns:a14="http://schemas.microsoft.com/office/drawing/2010/main">
               <a:effectLst>
                 <a:outerShdw blurRad="63500" dist="38099" dir="2700000" algn="ctr" rotWithShape="0">
                   <a:schemeClr val="bg2">
@@ -25690,7 +27712,7 @@
         <a:effectLst/>
         <a:extLst>
           <a:ext uri="{AF507438-7753-43E0-B8FC-AC1667EBCBE1}">
-            <a14:hiddenEffects xmlns:a14="http://schemas.microsoft.com/office/drawing/2010/main" xmlns="">
+            <a14:hiddenEffects xmlns:a14="http://schemas.microsoft.com/office/drawing/2010/main">
               <a:effectLst>
                 <a:outerShdw blurRad="63500" dist="38099" dir="2700000" algn="ctr" rotWithShape="0">
                   <a:schemeClr val="bg2">

--- a/luigiBennardisMicroservices.pptx
+++ b/luigiBennardisMicroservices.pptx
@@ -18,26 +18,27 @@
     <p:sldId id="284" r:id="rId12"/>
     <p:sldId id="285" r:id="rId13"/>
     <p:sldId id="273" r:id="rId14"/>
-    <p:sldId id="289" r:id="rId15"/>
-    <p:sldId id="287" r:id="rId16"/>
-    <p:sldId id="266" r:id="rId17"/>
-    <p:sldId id="267" r:id="rId18"/>
-    <p:sldId id="274" r:id="rId19"/>
-    <p:sldId id="278" r:id="rId20"/>
-    <p:sldId id="279" r:id="rId21"/>
-    <p:sldId id="280" r:id="rId22"/>
-    <p:sldId id="283" r:id="rId23"/>
-    <p:sldId id="282" r:id="rId24"/>
-    <p:sldId id="281" r:id="rId25"/>
-    <p:sldId id="275" r:id="rId26"/>
-    <p:sldId id="268" r:id="rId27"/>
-    <p:sldId id="269" r:id="rId28"/>
-    <p:sldId id="271" r:id="rId29"/>
-    <p:sldId id="270" r:id="rId30"/>
-    <p:sldId id="286" r:id="rId31"/>
-    <p:sldId id="276" r:id="rId32"/>
-    <p:sldId id="277" r:id="rId33"/>
-    <p:sldId id="265" r:id="rId34"/>
+    <p:sldId id="290" r:id="rId15"/>
+    <p:sldId id="289" r:id="rId16"/>
+    <p:sldId id="287" r:id="rId17"/>
+    <p:sldId id="266" r:id="rId18"/>
+    <p:sldId id="267" r:id="rId19"/>
+    <p:sldId id="274" r:id="rId20"/>
+    <p:sldId id="278" r:id="rId21"/>
+    <p:sldId id="279" r:id="rId22"/>
+    <p:sldId id="280" r:id="rId23"/>
+    <p:sldId id="283" r:id="rId24"/>
+    <p:sldId id="282" r:id="rId25"/>
+    <p:sldId id="281" r:id="rId26"/>
+    <p:sldId id="275" r:id="rId27"/>
+    <p:sldId id="268" r:id="rId28"/>
+    <p:sldId id="269" r:id="rId29"/>
+    <p:sldId id="271" r:id="rId30"/>
+    <p:sldId id="270" r:id="rId31"/>
+    <p:sldId id="286" r:id="rId32"/>
+    <p:sldId id="276" r:id="rId33"/>
+    <p:sldId id="277" r:id="rId34"/>
+    <p:sldId id="265" r:id="rId35"/>
   </p:sldIdLst>
   <p:sldSz cx="24384000" cy="13716000"/>
   <p:notesSz cx="6858000" cy="9144000"/>
@@ -3369,1137 +3370,556 @@
           <a:lstStyle/>
           <a:p>
             <a:r>
-              <a:rPr lang="it-IT" sz="2000" dirty="0" err="1" smtClean="0"/>
+              <a:rPr lang="it-IT" sz="1800" dirty="0" err="1" smtClean="0"/>
               <a:t>Which</a:t>
             </a:r>
             <a:r>
-              <a:rPr lang="it-IT" sz="2000" dirty="0" smtClean="0"/>
+              <a:rPr lang="it-IT" sz="1800" dirty="0" smtClean="0"/>
               <a:t> database </a:t>
             </a:r>
             <a:r>
-              <a:rPr lang="it-IT" sz="2000" dirty="0" err="1" smtClean="0"/>
+              <a:rPr lang="it-IT" sz="1800" dirty="0" err="1" smtClean="0"/>
               <a:t>architecture</a:t>
             </a:r>
             <a:r>
-              <a:rPr lang="it-IT" sz="2000" dirty="0" smtClean="0"/>
+              <a:rPr lang="it-IT" sz="1800" dirty="0" smtClean="0"/>
               <a:t> for a microservice design pattern: DATABASE </a:t>
             </a:r>
             <a:r>
-              <a:rPr lang="it-IT" sz="2000" dirty="0" smtClean="0"/>
+              <a:rPr lang="it-IT" sz="1800" dirty="0" smtClean="0"/>
               <a:t>PER SERVICE PATTERN</a:t>
             </a:r>
           </a:p>
           <a:p>
             <a:pPr lvl="1"/>
             <a:r>
-              <a:rPr lang="it-IT" sz="2000" dirty="0" err="1" smtClean="0"/>
+              <a:rPr lang="it-IT" sz="1800" dirty="0" err="1" smtClean="0"/>
               <a:t>We</a:t>
             </a:r>
             <a:r>
-              <a:rPr lang="it-IT" sz="2000" dirty="0" smtClean="0"/>
+              <a:rPr lang="it-IT" sz="1800" dirty="0" smtClean="0"/>
               <a:t> </a:t>
             </a:r>
             <a:r>
-              <a:rPr lang="it-IT" sz="2000" dirty="0" err="1" smtClean="0"/>
+              <a:rPr lang="it-IT" sz="1800" dirty="0" err="1" smtClean="0"/>
               <a:t>want</a:t>
             </a:r>
             <a:r>
-              <a:rPr lang="it-IT" sz="2000" dirty="0" smtClean="0"/>
+              <a:rPr lang="it-IT" sz="1800" dirty="0" smtClean="0"/>
               <a:t> to </a:t>
             </a:r>
             <a:r>
-              <a:rPr lang="it-IT" sz="2000" dirty="0" err="1" smtClean="0"/>
+              <a:rPr lang="it-IT" sz="1800" dirty="0" err="1" smtClean="0"/>
               <a:t>realize</a:t>
             </a:r>
             <a:r>
-              <a:rPr lang="it-IT" sz="2000" dirty="0" smtClean="0"/>
+              <a:rPr lang="it-IT" sz="1800" dirty="0" smtClean="0"/>
               <a:t>:</a:t>
             </a:r>
           </a:p>
           <a:p>
             <a:pPr lvl="2"/>
             <a:r>
-              <a:rPr lang="it-IT" sz="2000" dirty="0" smtClean="0"/>
+              <a:rPr lang="it-IT" sz="1800" dirty="0" smtClean="0"/>
               <a:t>Services </a:t>
             </a:r>
             <a:r>
-              <a:rPr lang="it-IT" sz="2000" dirty="0" err="1" smtClean="0"/>
+              <a:rPr lang="it-IT" sz="1800" dirty="0" err="1" smtClean="0"/>
               <a:t>loosely</a:t>
             </a:r>
             <a:r>
-              <a:rPr lang="it-IT" sz="2000" dirty="0" smtClean="0"/>
+              <a:rPr lang="it-IT" sz="1800" dirty="0" smtClean="0"/>
               <a:t> </a:t>
             </a:r>
             <a:r>
-              <a:rPr lang="it-IT" sz="2000" dirty="0" err="1" smtClean="0"/>
+              <a:rPr lang="it-IT" sz="1800" dirty="0" err="1" smtClean="0"/>
               <a:t>coupled</a:t>
             </a:r>
             <a:r>
-              <a:rPr lang="it-IT" sz="2000" dirty="0" smtClean="0"/>
+              <a:rPr lang="it-IT" sz="1800" dirty="0" smtClean="0"/>
               <a:t> </a:t>
             </a:r>
             <a:r>
-              <a:rPr lang="it-IT" sz="2000" dirty="0" err="1" smtClean="0"/>
+              <a:rPr lang="it-IT" sz="1800" dirty="0" err="1" smtClean="0"/>
               <a:t>that</a:t>
             </a:r>
             <a:r>
-              <a:rPr lang="it-IT" sz="2000" dirty="0" smtClean="0"/>
+              <a:rPr lang="it-IT" sz="1800" dirty="0" smtClean="0"/>
               <a:t> can </a:t>
             </a:r>
             <a:r>
-              <a:rPr lang="it-IT" sz="2000" dirty="0" err="1" smtClean="0"/>
+              <a:rPr lang="it-IT" sz="1800" dirty="0" err="1" smtClean="0"/>
               <a:t>develop</a:t>
             </a:r>
             <a:r>
-              <a:rPr lang="it-IT" sz="2000" dirty="0" smtClean="0"/>
+              <a:rPr lang="it-IT" sz="1800" dirty="0" smtClean="0"/>
               <a:t>, </a:t>
             </a:r>
             <a:r>
-              <a:rPr lang="it-IT" sz="2000" dirty="0" err="1" smtClean="0"/>
+              <a:rPr lang="it-IT" sz="1800" dirty="0" err="1" smtClean="0"/>
               <a:t>deployed</a:t>
             </a:r>
             <a:r>
-              <a:rPr lang="it-IT" sz="2000" dirty="0" smtClean="0"/>
+              <a:rPr lang="it-IT" sz="1800" dirty="0" smtClean="0"/>
               <a:t> and </a:t>
             </a:r>
             <a:r>
-              <a:rPr lang="it-IT" sz="2000" dirty="0" err="1" smtClean="0"/>
+              <a:rPr lang="it-IT" sz="1800" dirty="0" err="1" smtClean="0"/>
               <a:t>scaled</a:t>
             </a:r>
             <a:r>
-              <a:rPr lang="it-IT" sz="2000" dirty="0" smtClean="0"/>
+              <a:rPr lang="it-IT" sz="1800" dirty="0" smtClean="0"/>
               <a:t> </a:t>
             </a:r>
             <a:r>
-              <a:rPr lang="it-IT" sz="2000" dirty="0" err="1" smtClean="0"/>
+              <a:rPr lang="it-IT" sz="1800" dirty="0" err="1" smtClean="0"/>
               <a:t>indipendently</a:t>
             </a:r>
             <a:r>
-              <a:rPr lang="it-IT" sz="2000" dirty="0" smtClean="0"/>
+              <a:rPr lang="it-IT" sz="1800" dirty="0" smtClean="0"/>
               <a:t> </a:t>
             </a:r>
           </a:p>
           <a:p>
             <a:pPr lvl="2"/>
             <a:r>
-              <a:rPr lang="it-IT" sz="2000" dirty="0" smtClean="0"/>
+              <a:rPr lang="it-IT" sz="1800" dirty="0" smtClean="0"/>
               <a:t>Business </a:t>
             </a:r>
             <a:r>
-              <a:rPr lang="it-IT" sz="2000" dirty="0" err="1" smtClean="0"/>
+              <a:rPr lang="it-IT" sz="1800" dirty="0" err="1" smtClean="0"/>
               <a:t>transactions</a:t>
             </a:r>
             <a:r>
-              <a:rPr lang="it-IT" sz="2000" dirty="0" smtClean="0"/>
+              <a:rPr lang="it-IT" sz="1800" dirty="0" smtClean="0"/>
               <a:t> </a:t>
             </a:r>
             <a:r>
-              <a:rPr lang="it-IT" sz="2000" dirty="0" err="1" smtClean="0"/>
+              <a:rPr lang="it-IT" sz="1800" dirty="0" err="1" smtClean="0"/>
               <a:t>that</a:t>
             </a:r>
             <a:r>
-              <a:rPr lang="it-IT" sz="2000" dirty="0" smtClean="0"/>
+              <a:rPr lang="it-IT" sz="1800" dirty="0" smtClean="0"/>
               <a:t> </a:t>
             </a:r>
             <a:r>
-              <a:rPr lang="it-IT" sz="2000" dirty="0" err="1" smtClean="0"/>
+              <a:rPr lang="it-IT" sz="1800" dirty="0" err="1" smtClean="0"/>
               <a:t>need</a:t>
             </a:r>
             <a:r>
-              <a:rPr lang="it-IT" sz="2000" dirty="0" smtClean="0"/>
+              <a:rPr lang="it-IT" sz="1800" dirty="0" smtClean="0"/>
               <a:t> to update data </a:t>
             </a:r>
             <a:r>
-              <a:rPr lang="it-IT" sz="2000" dirty="0" err="1" smtClean="0"/>
+              <a:rPr lang="it-IT" sz="1800" dirty="0" err="1" smtClean="0"/>
               <a:t>ownd</a:t>
             </a:r>
             <a:r>
-              <a:rPr lang="it-IT" sz="2000" dirty="0" smtClean="0"/>
+              <a:rPr lang="it-IT" sz="1800" dirty="0" smtClean="0"/>
               <a:t> by multiple </a:t>
             </a:r>
             <a:r>
-              <a:rPr lang="it-IT" sz="2000" dirty="0" err="1" smtClean="0"/>
+              <a:rPr lang="it-IT" sz="1800" dirty="0" err="1" smtClean="0"/>
               <a:t>services</a:t>
             </a:r>
-            <a:endParaRPr lang="it-IT" sz="2000" dirty="0" smtClean="0"/>
+            <a:endParaRPr lang="it-IT" sz="1800" dirty="0" smtClean="0"/>
           </a:p>
           <a:p>
             <a:pPr lvl="2"/>
             <a:r>
-              <a:rPr lang="it-IT" sz="2000" dirty="0" smtClean="0"/>
+              <a:rPr lang="it-IT" sz="1800" dirty="0" smtClean="0"/>
               <a:t>Some </a:t>
             </a:r>
             <a:r>
-              <a:rPr lang="it-IT" sz="2000" dirty="0" err="1" smtClean="0"/>
+              <a:rPr lang="it-IT" sz="1800" dirty="0" err="1" smtClean="0"/>
               <a:t>queries</a:t>
             </a:r>
             <a:r>
-              <a:rPr lang="it-IT" sz="2000" dirty="0" err="1" smtClean="0"/>
+              <a:rPr lang="it-IT" sz="1800" dirty="0" err="1" smtClean="0"/>
               <a:t>must</a:t>
             </a:r>
             <a:r>
-              <a:rPr lang="it-IT" sz="2000" dirty="0" smtClean="0"/>
+              <a:rPr lang="it-IT" sz="1800" dirty="0" smtClean="0"/>
               <a:t> join data </a:t>
             </a:r>
             <a:r>
-              <a:rPr lang="it-IT" sz="2000" dirty="0" err="1" smtClean="0"/>
+              <a:rPr lang="it-IT" sz="1800" dirty="0" err="1" smtClean="0"/>
               <a:t>owned</a:t>
             </a:r>
             <a:r>
-              <a:rPr lang="it-IT" sz="2000" dirty="0" smtClean="0"/>
+              <a:rPr lang="it-IT" sz="1800" dirty="0" smtClean="0"/>
               <a:t> by multiple </a:t>
             </a:r>
             <a:r>
-              <a:rPr lang="it-IT" sz="2000" dirty="0" err="1" smtClean="0"/>
+              <a:rPr lang="it-IT" sz="1800" dirty="0" err="1" smtClean="0"/>
               <a:t>services</a:t>
             </a:r>
-            <a:endParaRPr lang="it-IT" sz="2000" dirty="0" smtClean="0"/>
+            <a:endParaRPr lang="it-IT" sz="1800" dirty="0" smtClean="0"/>
           </a:p>
           <a:p>
             <a:pPr lvl="2"/>
             <a:r>
-              <a:rPr lang="it-IT" sz="2000" dirty="0" err="1" smtClean="0"/>
+              <a:rPr lang="it-IT" sz="1800" dirty="0" err="1" smtClean="0"/>
               <a:t>Different</a:t>
             </a:r>
             <a:r>
-              <a:rPr lang="it-IT" sz="2000" dirty="0" smtClean="0"/>
+              <a:rPr lang="it-IT" sz="1800" dirty="0" smtClean="0"/>
               <a:t> service </a:t>
             </a:r>
             <a:r>
-              <a:rPr lang="it-IT" sz="2000" dirty="0" err="1" smtClean="0"/>
+              <a:rPr lang="it-IT" sz="1800" dirty="0" err="1" smtClean="0"/>
               <a:t>have</a:t>
             </a:r>
             <a:r>
-              <a:rPr lang="it-IT" sz="2000" dirty="0" smtClean="0"/>
+              <a:rPr lang="it-IT" sz="1800" dirty="0" smtClean="0"/>
               <a:t> </a:t>
             </a:r>
             <a:r>
-              <a:rPr lang="it-IT" sz="2000" dirty="0" err="1" smtClean="0"/>
+              <a:rPr lang="it-IT" sz="1800" dirty="0" err="1" smtClean="0"/>
               <a:t>different</a:t>
             </a:r>
             <a:r>
-              <a:rPr lang="it-IT" sz="2000" dirty="0" smtClean="0"/>
+              <a:rPr lang="it-IT" sz="1800" dirty="0" smtClean="0"/>
               <a:t> data </a:t>
             </a:r>
             <a:r>
-              <a:rPr lang="it-IT" sz="2000" dirty="0" err="1" smtClean="0"/>
+              <a:rPr lang="it-IT" sz="1800" dirty="0" err="1" smtClean="0"/>
               <a:t>store</a:t>
             </a:r>
             <a:r>
-              <a:rPr lang="it-IT" sz="2000" dirty="0" smtClean="0"/>
+              <a:rPr lang="it-IT" sz="1800" dirty="0" smtClean="0"/>
               <a:t> </a:t>
             </a:r>
             <a:r>
-              <a:rPr lang="it-IT" sz="2000" dirty="0" err="1" smtClean="0"/>
+              <a:rPr lang="it-IT" sz="1800" dirty="0" err="1" smtClean="0"/>
               <a:t>requirements</a:t>
             </a:r>
-            <a:endParaRPr lang="it-IT" sz="2000" dirty="0" smtClean="0"/>
+            <a:endParaRPr lang="it-IT" sz="1800" dirty="0" smtClean="0"/>
           </a:p>
           <a:p>
             <a:pPr lvl="1"/>
             <a:r>
-              <a:rPr lang="it-IT" sz="2000" dirty="0" smtClean="0"/>
+              <a:rPr lang="it-IT" sz="1800" dirty="0" smtClean="0"/>
               <a:t>With a Database per service pattern </a:t>
             </a:r>
             <a:r>
-              <a:rPr lang="it-IT" sz="2000" dirty="0" err="1" smtClean="0"/>
+              <a:rPr lang="it-IT" sz="1800" dirty="0" err="1" smtClean="0"/>
               <a:t>it</a:t>
             </a:r>
             <a:r>
-              <a:rPr lang="it-IT" sz="2000" dirty="0" smtClean="0"/>
+              <a:rPr lang="it-IT" sz="1800" dirty="0" smtClean="0"/>
               <a:t> </a:t>
             </a:r>
             <a:r>
-              <a:rPr lang="it-IT" sz="2000" dirty="0" err="1" smtClean="0"/>
+              <a:rPr lang="it-IT" sz="1800" dirty="0" err="1" smtClean="0"/>
               <a:t>is</a:t>
             </a:r>
             <a:r>
-              <a:rPr lang="it-IT" sz="2000" dirty="0" smtClean="0"/>
+              <a:rPr lang="it-IT" sz="1800" dirty="0" smtClean="0"/>
               <a:t> </a:t>
             </a:r>
             <a:r>
-              <a:rPr lang="it-IT" sz="2000" dirty="0" err="1" smtClean="0"/>
+              <a:rPr lang="it-IT" sz="1800" dirty="0" err="1" smtClean="0"/>
               <a:t>possible</a:t>
             </a:r>
             <a:r>
-              <a:rPr lang="it-IT" sz="2000" dirty="0" smtClean="0"/>
+              <a:rPr lang="it-IT" sz="1800" dirty="0" smtClean="0"/>
               <a:t> to </a:t>
             </a:r>
             <a:r>
-              <a:rPr lang="it-IT" sz="2000" dirty="0" err="1" smtClean="0"/>
+              <a:rPr lang="it-IT" sz="1800" dirty="0" err="1" smtClean="0"/>
               <a:t>achieve</a:t>
             </a:r>
             <a:r>
-              <a:rPr lang="it-IT" sz="2000" dirty="0" smtClean="0"/>
+              <a:rPr lang="it-IT" sz="1800" dirty="0" smtClean="0"/>
               <a:t>:</a:t>
             </a:r>
           </a:p>
           <a:p>
             <a:pPr lvl="2"/>
             <a:r>
-              <a:rPr lang="it-IT" sz="2000" dirty="0" err="1" smtClean="0"/>
+              <a:rPr lang="it-IT" sz="1800" dirty="0" err="1" smtClean="0"/>
               <a:t>Each</a:t>
             </a:r>
             <a:r>
-              <a:rPr lang="it-IT" sz="2000" dirty="0" smtClean="0"/>
+              <a:rPr lang="it-IT" sz="1800" dirty="0" smtClean="0"/>
               <a:t> </a:t>
             </a:r>
             <a:r>
-              <a:rPr lang="it-IT" sz="2000" dirty="0" err="1" smtClean="0"/>
+              <a:rPr lang="it-IT" sz="1800" dirty="0" err="1" smtClean="0"/>
               <a:t>microservice’s</a:t>
             </a:r>
             <a:r>
-              <a:rPr lang="it-IT" sz="2000" dirty="0" smtClean="0"/>
+              <a:rPr lang="it-IT" sz="1800" dirty="0" smtClean="0"/>
               <a:t> </a:t>
             </a:r>
             <a:r>
-              <a:rPr lang="it-IT" sz="2000" dirty="0" err="1" smtClean="0"/>
+              <a:rPr lang="it-IT" sz="1800" dirty="0" err="1" smtClean="0"/>
               <a:t>persistence</a:t>
             </a:r>
             <a:r>
-              <a:rPr lang="it-IT" sz="2000" dirty="0" smtClean="0"/>
+              <a:rPr lang="it-IT" sz="1800" dirty="0" smtClean="0"/>
               <a:t> data private to </a:t>
             </a:r>
             <a:r>
-              <a:rPr lang="it-IT" sz="2000" dirty="0" err="1" smtClean="0"/>
+              <a:rPr lang="it-IT" sz="1800" dirty="0" err="1" smtClean="0"/>
               <a:t>that</a:t>
             </a:r>
             <a:r>
-              <a:rPr lang="it-IT" sz="2000" dirty="0" smtClean="0"/>
+              <a:rPr lang="it-IT" sz="1800" dirty="0" smtClean="0"/>
               <a:t> service </a:t>
             </a:r>
             <a:r>
-              <a:rPr lang="it-IT" sz="2000" dirty="0" err="1" smtClean="0"/>
+              <a:rPr lang="it-IT" sz="1800" dirty="0" err="1" smtClean="0"/>
               <a:t>accessible</a:t>
             </a:r>
             <a:r>
-              <a:rPr lang="it-IT" sz="2000" dirty="0" smtClean="0"/>
+              <a:rPr lang="it-IT" sz="1800" dirty="0" smtClean="0"/>
               <a:t> </a:t>
             </a:r>
             <a:r>
-              <a:rPr lang="it-IT" sz="2000" dirty="0" err="1" smtClean="0"/>
+              <a:rPr lang="it-IT" sz="1800" dirty="0" err="1" smtClean="0"/>
               <a:t>only</a:t>
             </a:r>
             <a:r>
-              <a:rPr lang="it-IT" sz="2000" dirty="0" smtClean="0"/>
+              <a:rPr lang="it-IT" sz="1800" dirty="0" smtClean="0"/>
               <a:t> via </a:t>
             </a:r>
             <a:r>
-              <a:rPr lang="it-IT" sz="2000" dirty="0" err="1" smtClean="0"/>
+              <a:rPr lang="it-IT" sz="1800" dirty="0" err="1" smtClean="0"/>
               <a:t>its</a:t>
             </a:r>
             <a:r>
-              <a:rPr lang="it-IT" sz="2000" dirty="0" smtClean="0"/>
+              <a:rPr lang="it-IT" sz="1800" dirty="0" smtClean="0"/>
               <a:t> API</a:t>
             </a:r>
           </a:p>
           <a:p>
             <a:pPr lvl="3"/>
             <a:r>
-              <a:rPr lang="it-IT" sz="2000" dirty="0" smtClean="0"/>
+              <a:rPr lang="it-IT" sz="1800" dirty="0" smtClean="0"/>
               <a:t>To </a:t>
             </a:r>
             <a:r>
-              <a:rPr lang="it-IT" sz="2000" dirty="0" err="1" smtClean="0"/>
+              <a:rPr lang="it-IT" sz="1800" dirty="0" err="1" smtClean="0"/>
               <a:t>keep</a:t>
             </a:r>
             <a:r>
-              <a:rPr lang="it-IT" sz="2000" dirty="0" smtClean="0"/>
+              <a:rPr lang="it-IT" sz="1800" dirty="0" smtClean="0"/>
               <a:t> data private in case of </a:t>
             </a:r>
             <a:r>
-              <a:rPr lang="it-IT" sz="2000" dirty="0" err="1" smtClean="0"/>
+              <a:rPr lang="it-IT" sz="1800" dirty="0" err="1" smtClean="0"/>
               <a:t>relational</a:t>
             </a:r>
             <a:r>
-              <a:rPr lang="it-IT" sz="2000" dirty="0" smtClean="0"/>
+              <a:rPr lang="it-IT" sz="1800" dirty="0" smtClean="0"/>
               <a:t> database </a:t>
             </a:r>
             <a:r>
-              <a:rPr lang="it-IT" sz="2000" dirty="0" err="1" smtClean="0"/>
+              <a:rPr lang="it-IT" sz="1800" dirty="0" err="1" smtClean="0"/>
               <a:t>such</a:t>
             </a:r>
             <a:r>
-              <a:rPr lang="it-IT" sz="2000" dirty="0" smtClean="0"/>
+              <a:rPr lang="it-IT" sz="1800" dirty="0" smtClean="0"/>
               <a:t> are the option:</a:t>
             </a:r>
           </a:p>
           <a:p>
             <a:pPr lvl="4"/>
             <a:r>
-              <a:rPr lang="it-IT" sz="2000" dirty="0" smtClean="0"/>
+              <a:rPr lang="it-IT" sz="1800" dirty="0" smtClean="0"/>
               <a:t>Private-</a:t>
             </a:r>
             <a:r>
-              <a:rPr lang="it-IT" sz="2000" dirty="0" err="1" smtClean="0"/>
+              <a:rPr lang="it-IT" sz="1800" dirty="0" err="1" smtClean="0"/>
               <a:t>table</a:t>
             </a:r>
             <a:r>
-              <a:rPr lang="it-IT" sz="2000" dirty="0" smtClean="0"/>
+              <a:rPr lang="it-IT" sz="1800" dirty="0" smtClean="0"/>
               <a:t>-per service (</a:t>
             </a:r>
             <a:r>
-              <a:rPr lang="it-IT" sz="2000" dirty="0" err="1" smtClean="0"/>
+              <a:rPr lang="it-IT" sz="1800" dirty="0" err="1" smtClean="0"/>
               <a:t>lowest</a:t>
             </a:r>
             <a:r>
-              <a:rPr lang="it-IT" sz="2000" dirty="0" smtClean="0"/>
+              <a:rPr lang="it-IT" sz="1800" dirty="0" smtClean="0"/>
               <a:t> overhead)</a:t>
             </a:r>
           </a:p>
           <a:p>
             <a:pPr lvl="4"/>
             <a:r>
-              <a:rPr lang="it-IT" sz="2000" dirty="0" smtClean="0"/>
+              <a:rPr lang="it-IT" sz="1800" dirty="0" smtClean="0"/>
               <a:t>Schema-</a:t>
             </a:r>
             <a:r>
-              <a:rPr lang="it-IT" sz="2000" dirty="0" err="1" smtClean="0"/>
+              <a:rPr lang="it-IT" sz="1800" dirty="0" err="1" smtClean="0"/>
               <a:t>per_service</a:t>
             </a:r>
             <a:r>
-              <a:rPr lang="it-IT" sz="2000" dirty="0" smtClean="0"/>
+              <a:rPr lang="it-IT" sz="1800" dirty="0" smtClean="0"/>
               <a:t> (</a:t>
             </a:r>
             <a:r>
-              <a:rPr lang="it-IT" sz="2000" dirty="0" err="1" smtClean="0"/>
+              <a:rPr lang="it-IT" sz="1800" dirty="0" err="1" smtClean="0"/>
               <a:t>makes</a:t>
             </a:r>
             <a:r>
-              <a:rPr lang="it-IT" sz="2000" dirty="0" smtClean="0"/>
+              <a:rPr lang="it-IT" sz="1800" dirty="0" smtClean="0"/>
               <a:t> </a:t>
             </a:r>
             <a:r>
-              <a:rPr lang="it-IT" sz="2000" dirty="0" err="1" smtClean="0"/>
+              <a:rPr lang="it-IT" sz="1800" dirty="0" err="1" smtClean="0"/>
               <a:t>clear</a:t>
             </a:r>
             <a:r>
-              <a:rPr lang="it-IT" sz="2000" dirty="0" smtClean="0"/>
+              <a:rPr lang="it-IT" sz="1800" dirty="0" smtClean="0"/>
               <a:t> </a:t>
             </a:r>
             <a:r>
-              <a:rPr lang="it-IT" sz="2000" dirty="0" err="1" smtClean="0"/>
+              <a:rPr lang="it-IT" sz="1800" dirty="0" err="1" smtClean="0"/>
               <a:t>ownership</a:t>
             </a:r>
             <a:r>
-              <a:rPr lang="it-IT" sz="2000" dirty="0" smtClean="0"/>
+              <a:rPr lang="it-IT" sz="1800" dirty="0" smtClean="0"/>
               <a:t>)</a:t>
             </a:r>
           </a:p>
           <a:p>
             <a:pPr lvl="4"/>
             <a:r>
-              <a:rPr lang="it-IT" sz="2000" dirty="0" smtClean="0"/>
+              <a:rPr lang="it-IT" sz="1800" dirty="0" smtClean="0"/>
               <a:t>Database-server-per-service (for </a:t>
             </a:r>
             <a:r>
-              <a:rPr lang="it-IT" sz="2000" dirty="0" err="1" smtClean="0"/>
+              <a:rPr lang="it-IT" sz="1800" dirty="0" err="1" smtClean="0"/>
               <a:t>highly</a:t>
             </a:r>
             <a:r>
-              <a:rPr lang="it-IT" sz="2000" dirty="0" smtClean="0"/>
+              <a:rPr lang="it-IT" sz="1800" dirty="0" smtClean="0"/>
               <a:t> </a:t>
             </a:r>
             <a:r>
-              <a:rPr lang="it-IT" sz="2000" dirty="0" err="1" smtClean="0"/>
+              <a:rPr lang="it-IT" sz="1800" dirty="0" err="1" smtClean="0"/>
               <a:t>throughput</a:t>
             </a:r>
             <a:r>
-              <a:rPr lang="it-IT" sz="2000" dirty="0" smtClean="0"/>
-              <a:t> service – </a:t>
-            </a:r>
-            <a:r>
-              <a:rPr lang="it-IT" sz="2000" dirty="0" err="1" smtClean="0"/>
-              <a:t>nee</a:t>
-            </a:r>
-            <a:endParaRPr lang="it-IT" sz="2000" dirty="0" smtClean="0"/>
+              <a:rPr lang="it-IT" sz="1800" dirty="0" smtClean="0"/>
+              <a:t> service – neo4j) </a:t>
+            </a:r>
           </a:p>
           <a:p>
             <a:pPr lvl="3"/>
             <a:r>
-              <a:rPr lang="it-IT" sz="2000" dirty="0" smtClean="0"/>
+              <a:rPr lang="it-IT" sz="1800" dirty="0" smtClean="0"/>
               <a:t>To </a:t>
             </a:r>
             <a:r>
-              <a:rPr lang="it-IT" sz="2000" dirty="0" err="1" smtClean="0"/>
+              <a:rPr lang="it-IT" sz="1800" dirty="0" err="1" smtClean="0"/>
               <a:t>enforce</a:t>
             </a:r>
             <a:r>
-              <a:rPr lang="it-IT" sz="2000" dirty="0" smtClean="0"/>
+              <a:rPr lang="it-IT" sz="1800" dirty="0" smtClean="0"/>
               <a:t> </a:t>
             </a:r>
             <a:r>
-              <a:rPr lang="it-IT" sz="2000" dirty="0" err="1" smtClean="0"/>
+              <a:rPr lang="it-IT" sz="1800" dirty="0" err="1" smtClean="0"/>
               <a:t>encapsulation</a:t>
             </a:r>
             <a:r>
-              <a:rPr lang="it-IT" sz="2000" dirty="0" smtClean="0"/>
+              <a:rPr lang="it-IT" sz="1800" dirty="0" smtClean="0"/>
               <a:t> with </a:t>
             </a:r>
             <a:r>
-              <a:rPr lang="it-IT" sz="2000" dirty="0" err="1" smtClean="0"/>
+              <a:rPr lang="it-IT" sz="1800" dirty="0" err="1" smtClean="0"/>
               <a:t>different</a:t>
             </a:r>
             <a:r>
-              <a:rPr lang="it-IT" sz="2000" dirty="0" smtClean="0"/>
+              <a:rPr lang="it-IT" sz="1800" dirty="0" smtClean="0"/>
               <a:t> database </a:t>
             </a:r>
             <a:r>
-              <a:rPr lang="it-IT" sz="2000" dirty="0" err="1" smtClean="0"/>
+              <a:rPr lang="it-IT" sz="1800" dirty="0" err="1" smtClean="0"/>
               <a:t>user</a:t>
             </a:r>
             <a:r>
-              <a:rPr lang="it-IT" sz="2000" dirty="0" smtClean="0"/>
+              <a:rPr lang="it-IT" sz="1800" dirty="0" smtClean="0"/>
               <a:t> id to </a:t>
             </a:r>
             <a:r>
-              <a:rPr lang="it-IT" sz="2000" dirty="0" err="1" smtClean="0"/>
+              <a:rPr lang="it-IT" sz="1800" dirty="0" err="1" smtClean="0"/>
               <a:t>each</a:t>
             </a:r>
             <a:r>
-              <a:rPr lang="it-IT" sz="2000" dirty="0" smtClean="0"/>
+              <a:rPr lang="it-IT" sz="1800" dirty="0" smtClean="0"/>
               <a:t> service so </a:t>
             </a:r>
             <a:r>
-              <a:rPr lang="it-IT" sz="2000" dirty="0" err="1" smtClean="0"/>
+              <a:rPr lang="it-IT" sz="1800" dirty="0" err="1" smtClean="0"/>
               <a:t>developers</a:t>
             </a:r>
             <a:r>
-              <a:rPr lang="it-IT" sz="2000" dirty="0" smtClean="0"/>
+              <a:rPr lang="it-IT" sz="1800" dirty="0" smtClean="0"/>
               <a:t> </a:t>
             </a:r>
             <a:r>
-              <a:rPr lang="it-IT" sz="2000" dirty="0" err="1" smtClean="0"/>
+              <a:rPr lang="it-IT" sz="1800" dirty="0" err="1" smtClean="0"/>
               <a:t>wil</a:t>
             </a:r>
             <a:r>
-              <a:rPr lang="it-IT" sz="2000" dirty="0" smtClean="0"/>
+              <a:rPr lang="it-IT" sz="1800" dirty="0" smtClean="0"/>
               <a:t> </a:t>
             </a:r>
             <a:r>
-              <a:rPr lang="it-IT" sz="2000" dirty="0" err="1" smtClean="0"/>
+              <a:rPr lang="it-IT" sz="1800" dirty="0" err="1" smtClean="0"/>
               <a:t>not</a:t>
             </a:r>
             <a:r>
-              <a:rPr lang="it-IT" sz="2000" dirty="0" smtClean="0"/>
+              <a:rPr lang="it-IT" sz="1800" dirty="0" smtClean="0"/>
               <a:t> </a:t>
             </a:r>
             <a:r>
-              <a:rPr lang="it-IT" sz="2000" dirty="0" err="1" smtClean="0"/>
+              <a:rPr lang="it-IT" sz="1800" dirty="0" err="1" smtClean="0"/>
               <a:t>temped</a:t>
             </a:r>
             <a:r>
-              <a:rPr lang="it-IT" sz="2000" dirty="0" smtClean="0"/>
+              <a:rPr lang="it-IT" sz="1800" dirty="0" smtClean="0"/>
               <a:t> to bypass a service api and </a:t>
             </a:r>
             <a:r>
-              <a:rPr lang="it-IT" sz="2000" dirty="0" err="1" smtClean="0"/>
+              <a:rPr lang="it-IT" sz="1800" dirty="0" err="1" smtClean="0"/>
               <a:t>access</a:t>
             </a:r>
             <a:r>
-              <a:rPr lang="it-IT" sz="2000" dirty="0" smtClean="0"/>
+              <a:rPr lang="it-IT" sz="1800" dirty="0" smtClean="0"/>
               <a:t> </a:t>
             </a:r>
             <a:r>
-              <a:rPr lang="it-IT" sz="2000" dirty="0" err="1" smtClean="0"/>
+              <a:rPr lang="it-IT" sz="1800" dirty="0" err="1" smtClean="0"/>
               <a:t>it’s</a:t>
             </a:r>
             <a:r>
-              <a:rPr lang="it-IT" sz="2000" dirty="0" smtClean="0"/>
+              <a:rPr lang="it-IT" sz="1800" dirty="0" smtClean="0"/>
               <a:t> data </a:t>
             </a:r>
             <a:r>
-              <a:rPr lang="it-IT" sz="2000" dirty="0" err="1" smtClean="0"/>
+              <a:rPr lang="it-IT" sz="1800" dirty="0" err="1" smtClean="0"/>
               <a:t>directly</a:t>
             </a:r>
-            <a:endParaRPr lang="it-IT" sz="2000" dirty="0" smtClean="0"/>
+            <a:endParaRPr lang="it-IT" sz="1800" dirty="0" smtClean="0"/>
           </a:p>
           <a:p>
             <a:pPr lvl="3"/>
-            <a:endParaRPr lang="it-IT" sz="2000" dirty="0"/>
+            <a:endParaRPr lang="it-IT" sz="1800" dirty="0"/>
           </a:p>
           <a:p>
             <a:pPr lvl="2"/>
             <a:r>
-              <a:rPr lang="it-IT" sz="2000" dirty="0" smtClean="0"/>
-              <a:t>Benefits of </a:t>
-            </a:r>
-            <a:r>
-              <a:rPr lang="it-IT" sz="2000" dirty="0" err="1" smtClean="0"/>
-              <a:t>this</a:t>
-            </a:r>
-            <a:r>
-              <a:rPr lang="it-IT" sz="2000" dirty="0" smtClean="0"/>
-              <a:t> pattern</a:t>
-            </a:r>
-          </a:p>
-          <a:p>
-            <a:pPr lvl="3"/>
-            <a:r>
-              <a:rPr lang="it-IT" sz="2000" dirty="0" err="1" smtClean="0"/>
-              <a:t>Ensure</a:t>
-            </a:r>
-            <a:r>
-              <a:rPr lang="it-IT" sz="2000" dirty="0" smtClean="0"/>
+              <a:rPr lang="it-IT" sz="1800" dirty="0" smtClean="0"/>
               <a:t> </a:t>
             </a:r>
-            <a:r>
-              <a:rPr lang="it-IT" sz="2000" dirty="0" err="1" smtClean="0"/>
-              <a:t>that</a:t>
-            </a:r>
-            <a:r>
-              <a:rPr lang="it-IT" sz="2000" dirty="0" smtClean="0"/>
-              <a:t> the </a:t>
-            </a:r>
-            <a:r>
-              <a:rPr lang="it-IT" sz="2000" dirty="0" err="1" smtClean="0"/>
-              <a:t>servicesa</a:t>
-            </a:r>
-            <a:r>
-              <a:rPr lang="it-IT" sz="2000" dirty="0" smtClean="0"/>
-              <a:t> are </a:t>
-            </a:r>
-            <a:r>
-              <a:rPr lang="it-IT" sz="2000" dirty="0" err="1" smtClean="0"/>
-              <a:t>loosely</a:t>
-            </a:r>
-            <a:r>
-              <a:rPr lang="it-IT" sz="2000" dirty="0" smtClean="0"/>
-              <a:t> </a:t>
-            </a:r>
-            <a:r>
-              <a:rPr lang="it-IT" sz="2000" dirty="0" err="1" smtClean="0"/>
-              <a:t>couples</a:t>
-            </a:r>
-            <a:r>
-              <a:rPr lang="it-IT" sz="2000" dirty="0" smtClean="0"/>
-              <a:t> </a:t>
-            </a:r>
-            <a:r>
-              <a:rPr lang="it-IT" sz="2000" dirty="0" err="1" smtClean="0"/>
-              <a:t>changes</a:t>
-            </a:r>
-            <a:r>
-              <a:rPr lang="it-IT" sz="2000" dirty="0" smtClean="0"/>
-              <a:t> to </a:t>
-            </a:r>
-            <a:r>
-              <a:rPr lang="it-IT" sz="2000" dirty="0" err="1" smtClean="0"/>
-              <a:t>one</a:t>
-            </a:r>
-            <a:r>
-              <a:rPr lang="it-IT" sz="2000" dirty="0" smtClean="0"/>
-              <a:t> </a:t>
-            </a:r>
-            <a:r>
-              <a:rPr lang="it-IT" sz="2000" dirty="0" err="1" smtClean="0"/>
-              <a:t>service’s</a:t>
-            </a:r>
-            <a:r>
-              <a:rPr lang="it-IT" sz="2000" dirty="0" smtClean="0"/>
-              <a:t> database </a:t>
-            </a:r>
-            <a:r>
-              <a:rPr lang="it-IT" sz="2000" dirty="0" err="1" smtClean="0"/>
-              <a:t>dos</a:t>
-            </a:r>
-            <a:r>
-              <a:rPr lang="it-IT" sz="2000" dirty="0" smtClean="0"/>
-              <a:t> </a:t>
-            </a:r>
-            <a:r>
-              <a:rPr lang="it-IT" sz="2000" dirty="0" err="1" smtClean="0"/>
-              <a:t>not</a:t>
-            </a:r>
-            <a:r>
-              <a:rPr lang="it-IT" sz="2000" dirty="0" smtClean="0"/>
-              <a:t> impact </a:t>
-            </a:r>
-            <a:r>
-              <a:rPr lang="it-IT" sz="2000" dirty="0" err="1" smtClean="0"/>
-              <a:t>any</a:t>
-            </a:r>
-            <a:r>
-              <a:rPr lang="it-IT" sz="2000" dirty="0" smtClean="0"/>
-              <a:t> </a:t>
-            </a:r>
-            <a:r>
-              <a:rPr lang="it-IT" sz="2000" dirty="0" err="1" smtClean="0"/>
-              <a:t>other</a:t>
-            </a:r>
-            <a:r>
-              <a:rPr lang="it-IT" sz="2000" dirty="0" smtClean="0"/>
-              <a:t> </a:t>
-            </a:r>
-            <a:r>
-              <a:rPr lang="it-IT" sz="2000" dirty="0" err="1" smtClean="0"/>
-              <a:t>services</a:t>
-            </a:r>
-            <a:endParaRPr lang="it-IT" sz="2000" dirty="0" smtClean="0"/>
-          </a:p>
-          <a:p>
-            <a:pPr lvl="3"/>
-            <a:r>
-              <a:rPr lang="it-IT" sz="2000" dirty="0" err="1" smtClean="0"/>
-              <a:t>Each</a:t>
-            </a:r>
-            <a:r>
-              <a:rPr lang="it-IT" sz="2000" dirty="0" smtClean="0"/>
-              <a:t> service can use the </a:t>
-            </a:r>
-            <a:r>
-              <a:rPr lang="it-IT" sz="2000" dirty="0" err="1" smtClean="0"/>
-              <a:t>type</a:t>
-            </a:r>
-            <a:r>
-              <a:rPr lang="it-IT" sz="2000" dirty="0" smtClean="0"/>
-              <a:t> of database </a:t>
-            </a:r>
-            <a:r>
-              <a:rPr lang="it-IT" sz="2000" dirty="0" err="1" smtClean="0"/>
-              <a:t>that</a:t>
-            </a:r>
-            <a:r>
-              <a:rPr lang="it-IT" sz="2000" dirty="0" smtClean="0"/>
-              <a:t> </a:t>
-            </a:r>
-            <a:r>
-              <a:rPr lang="it-IT" sz="2000" dirty="0" err="1" smtClean="0"/>
-              <a:t>is</a:t>
-            </a:r>
-            <a:r>
-              <a:rPr lang="it-IT" sz="2000" dirty="0" smtClean="0"/>
-              <a:t> best </a:t>
-            </a:r>
-            <a:r>
-              <a:rPr lang="it-IT" sz="2000" dirty="0" err="1" smtClean="0"/>
-              <a:t>suited</a:t>
-            </a:r>
-            <a:r>
-              <a:rPr lang="it-IT" sz="2000" dirty="0" smtClean="0"/>
-              <a:t> to </a:t>
-            </a:r>
-            <a:r>
-              <a:rPr lang="it-IT" sz="2000" dirty="0" err="1" smtClean="0"/>
-              <a:t>its</a:t>
-            </a:r>
-            <a:r>
-              <a:rPr lang="it-IT" sz="2000" dirty="0" smtClean="0"/>
-              <a:t> </a:t>
-            </a:r>
-            <a:r>
-              <a:rPr lang="it-IT" sz="2000" dirty="0" err="1" smtClean="0"/>
-              <a:t>need</a:t>
-            </a:r>
-            <a:r>
-              <a:rPr lang="it-IT" sz="2000" dirty="0" smtClean="0"/>
-              <a:t> (neo4j social </a:t>
-            </a:r>
-            <a:r>
-              <a:rPr lang="it-IT" sz="2000" dirty="0" err="1" smtClean="0"/>
-              <a:t>graph</a:t>
-            </a:r>
-            <a:r>
-              <a:rPr lang="it-IT" sz="2000" dirty="0" smtClean="0"/>
-              <a:t>, </a:t>
-            </a:r>
-            <a:r>
-              <a:rPr lang="it-IT" sz="2000" dirty="0" err="1" smtClean="0"/>
-              <a:t>elasticsearch</a:t>
-            </a:r>
-            <a:r>
-              <a:rPr lang="it-IT" sz="2000" dirty="0" smtClean="0"/>
-              <a:t> for text </a:t>
-            </a:r>
-            <a:r>
-              <a:rPr lang="it-IT" sz="2000" dirty="0" err="1" smtClean="0"/>
-              <a:t>serches,etc</a:t>
-            </a:r>
-            <a:r>
-              <a:rPr lang="it-IT" sz="2000" dirty="0" smtClean="0"/>
-              <a:t>)</a:t>
-            </a:r>
-          </a:p>
-          <a:p>
-            <a:pPr lvl="2"/>
-            <a:r>
-              <a:rPr lang="it-IT" sz="2000" dirty="0" err="1" smtClean="0"/>
-              <a:t>Drawbacks</a:t>
-            </a:r>
-            <a:endParaRPr lang="it-IT" sz="2000" dirty="0" smtClean="0"/>
-          </a:p>
-          <a:p>
-            <a:pPr lvl="3"/>
-            <a:r>
-              <a:rPr lang="it-IT" sz="2000" dirty="0" smtClean="0"/>
-              <a:t>Distributed business </a:t>
-            </a:r>
-            <a:r>
-              <a:rPr lang="it-IT" sz="2000" dirty="0" err="1" smtClean="0"/>
-              <a:t>transaction</a:t>
-            </a:r>
-            <a:r>
-              <a:rPr lang="it-IT" sz="2000" dirty="0" smtClean="0"/>
-              <a:t> </a:t>
-            </a:r>
-            <a:r>
-              <a:rPr lang="it-IT" sz="2000" dirty="0" err="1" smtClean="0"/>
-              <a:t>that</a:t>
-            </a:r>
-            <a:r>
-              <a:rPr lang="it-IT" sz="2000" dirty="0" smtClean="0"/>
-              <a:t> </a:t>
-            </a:r>
-            <a:r>
-              <a:rPr lang="it-IT" sz="2000" dirty="0" err="1" smtClean="0"/>
-              <a:t>span</a:t>
-            </a:r>
-            <a:r>
-              <a:rPr lang="it-IT" sz="2000" dirty="0" smtClean="0"/>
-              <a:t> multiple </a:t>
-            </a:r>
-            <a:r>
-              <a:rPr lang="it-IT" sz="2000" dirty="0" err="1" smtClean="0"/>
-              <a:t>services</a:t>
-            </a:r>
-            <a:r>
-              <a:rPr lang="it-IT" sz="2000" dirty="0" smtClean="0"/>
-              <a:t> </a:t>
-            </a:r>
-            <a:r>
-              <a:rPr lang="it-IT" sz="2000" dirty="0" err="1" smtClean="0"/>
-              <a:t>could</a:t>
-            </a:r>
-            <a:r>
-              <a:rPr lang="it-IT" sz="2000" dirty="0" smtClean="0"/>
-              <a:t> be </a:t>
-            </a:r>
-            <a:r>
-              <a:rPr lang="it-IT" sz="2000" dirty="0" err="1" smtClean="0"/>
-              <a:t>not</a:t>
-            </a:r>
-            <a:r>
-              <a:rPr lang="it-IT" sz="2000" dirty="0" smtClean="0"/>
-              <a:t> </a:t>
-            </a:r>
-            <a:r>
-              <a:rPr lang="it-IT" sz="2000" dirty="0" err="1" smtClean="0"/>
-              <a:t>implemented</a:t>
-            </a:r>
-            <a:r>
-              <a:rPr lang="it-IT" sz="2000" dirty="0" smtClean="0"/>
-              <a:t> (CAP </a:t>
-            </a:r>
-            <a:r>
-              <a:rPr lang="it-IT" sz="2000" dirty="0" err="1" smtClean="0"/>
-              <a:t>theorem</a:t>
-            </a:r>
-            <a:r>
-              <a:rPr lang="it-IT" sz="2000" dirty="0" smtClean="0"/>
-              <a:t> and </a:t>
-            </a:r>
-            <a:r>
-              <a:rPr lang="it-IT" sz="2000" dirty="0" err="1" smtClean="0"/>
-              <a:t>many</a:t>
-            </a:r>
-            <a:r>
-              <a:rPr lang="it-IT" sz="2000" dirty="0" smtClean="0"/>
-              <a:t> </a:t>
-            </a:r>
-            <a:r>
-              <a:rPr lang="it-IT" sz="2000" dirty="0" err="1" smtClean="0"/>
-              <a:t>modern</a:t>
-            </a:r>
-            <a:r>
-              <a:rPr lang="it-IT" sz="2000" dirty="0" smtClean="0"/>
-              <a:t> database </a:t>
-            </a:r>
-            <a:r>
-              <a:rPr lang="it-IT" sz="2000" dirty="0" err="1" smtClean="0"/>
-              <a:t>does</a:t>
-            </a:r>
-            <a:r>
-              <a:rPr lang="it-IT" sz="2000" dirty="0" smtClean="0"/>
-              <a:t> </a:t>
-            </a:r>
-            <a:r>
-              <a:rPr lang="it-IT" sz="2000" dirty="0" err="1" smtClean="0"/>
-              <a:t>not</a:t>
-            </a:r>
-            <a:r>
-              <a:rPr lang="it-IT" sz="2000" dirty="0" smtClean="0"/>
-              <a:t> </a:t>
-            </a:r>
-            <a:r>
-              <a:rPr lang="it-IT" sz="2000" dirty="0" err="1" smtClean="0"/>
-              <a:t>support</a:t>
-            </a:r>
-            <a:r>
-              <a:rPr lang="it-IT" sz="2000" dirty="0" smtClean="0"/>
-              <a:t> </a:t>
-            </a:r>
-            <a:r>
-              <a:rPr lang="it-IT" sz="2000" dirty="0" err="1" smtClean="0"/>
-              <a:t>them</a:t>
-            </a:r>
-            <a:r>
-              <a:rPr lang="it-IT" sz="2000" dirty="0" smtClean="0"/>
-              <a:t> </a:t>
-            </a:r>
-            <a:r>
-              <a:rPr lang="it-IT" sz="2000" dirty="0" err="1" smtClean="0"/>
-              <a:t>NoSql</a:t>
-            </a:r>
-            <a:r>
-              <a:rPr lang="it-IT" sz="2000" dirty="0" smtClean="0"/>
-              <a:t>)</a:t>
-            </a:r>
-          </a:p>
-          <a:p>
-            <a:pPr lvl="3"/>
-            <a:r>
-              <a:rPr lang="it-IT" sz="2000" dirty="0" err="1" smtClean="0"/>
-              <a:t>Implementing</a:t>
-            </a:r>
-            <a:r>
-              <a:rPr lang="it-IT" sz="2000" dirty="0" smtClean="0"/>
-              <a:t> </a:t>
-            </a:r>
-            <a:r>
-              <a:rPr lang="it-IT" sz="2000" dirty="0" err="1" smtClean="0"/>
-              <a:t>queries</a:t>
-            </a:r>
-            <a:r>
-              <a:rPr lang="it-IT" sz="2000" dirty="0" smtClean="0"/>
-              <a:t> </a:t>
-            </a:r>
-            <a:r>
-              <a:rPr lang="it-IT" sz="2000" dirty="0" err="1" smtClean="0"/>
-              <a:t>that</a:t>
-            </a:r>
-            <a:r>
-              <a:rPr lang="it-IT" sz="2000" dirty="0" smtClean="0"/>
-              <a:t> join data </a:t>
-            </a:r>
-            <a:r>
-              <a:rPr lang="it-IT" sz="2000" dirty="0" err="1" smtClean="0"/>
-              <a:t>that</a:t>
-            </a:r>
-            <a:r>
-              <a:rPr lang="it-IT" sz="2000" dirty="0" smtClean="0"/>
-              <a:t> are </a:t>
-            </a:r>
-            <a:r>
-              <a:rPr lang="it-IT" sz="2000" dirty="0" err="1" smtClean="0"/>
-              <a:t>now</a:t>
-            </a:r>
-            <a:r>
-              <a:rPr lang="it-IT" sz="2000" dirty="0" smtClean="0"/>
-              <a:t> in multiple </a:t>
-            </a:r>
-            <a:r>
-              <a:rPr lang="it-IT" sz="2000" dirty="0" err="1" smtClean="0"/>
-              <a:t>datanìbase</a:t>
-            </a:r>
-            <a:r>
-              <a:rPr lang="it-IT" sz="2000" dirty="0" smtClean="0"/>
-              <a:t> </a:t>
-            </a:r>
-            <a:r>
-              <a:rPr lang="it-IT" sz="2000" dirty="0" err="1" smtClean="0"/>
-              <a:t>is</a:t>
-            </a:r>
-            <a:r>
-              <a:rPr lang="it-IT" sz="2000" dirty="0" smtClean="0"/>
-              <a:t> </a:t>
-            </a:r>
-            <a:r>
-              <a:rPr lang="it-IT" sz="2000" dirty="0" err="1" smtClean="0"/>
-              <a:t>challenging</a:t>
-            </a:r>
-            <a:r>
-              <a:rPr lang="it-IT" sz="2000" dirty="0" smtClean="0"/>
-              <a:t> </a:t>
-            </a:r>
-          </a:p>
-          <a:p>
-            <a:pPr lvl="2"/>
-            <a:r>
-              <a:rPr lang="it-IT" sz="2000" dirty="0" smtClean="0"/>
-              <a:t>Solution to </a:t>
-            </a:r>
-            <a:r>
-              <a:rPr lang="it-IT" sz="2000" dirty="0" err="1" smtClean="0"/>
-              <a:t>drawbacks</a:t>
-            </a:r>
-            <a:r>
-              <a:rPr lang="it-IT" sz="2000" dirty="0" smtClean="0"/>
-              <a:t>:</a:t>
-            </a:r>
-          </a:p>
-          <a:p>
-            <a:pPr lvl="3"/>
-            <a:r>
-              <a:rPr lang="it-IT" sz="2000" dirty="0" smtClean="0"/>
-              <a:t>Distributed </a:t>
-            </a:r>
-            <a:r>
-              <a:rPr lang="it-IT" sz="2000" dirty="0" err="1" smtClean="0"/>
-              <a:t>transaction</a:t>
-            </a:r>
-            <a:r>
-              <a:rPr lang="it-IT" sz="2000" dirty="0" smtClean="0"/>
-              <a:t> </a:t>
-            </a:r>
-            <a:r>
-              <a:rPr lang="it-IT" sz="2000" dirty="0" err="1" smtClean="0"/>
-              <a:t>could</a:t>
-            </a:r>
-            <a:r>
-              <a:rPr lang="it-IT" sz="2000" dirty="0" smtClean="0"/>
-              <a:t> be </a:t>
-            </a:r>
-            <a:r>
-              <a:rPr lang="it-IT" sz="2000" dirty="0" err="1" smtClean="0"/>
-              <a:t>realized</a:t>
-            </a:r>
-            <a:r>
-              <a:rPr lang="it-IT" sz="2000" dirty="0" smtClean="0"/>
-              <a:t> </a:t>
-            </a:r>
-            <a:r>
-              <a:rPr lang="it-IT" sz="2000" dirty="0" err="1" smtClean="0"/>
-              <a:t>witha</a:t>
-            </a:r>
-            <a:r>
-              <a:rPr lang="it-IT" sz="2000" dirty="0" smtClean="0"/>
-              <a:t> </a:t>
-            </a:r>
-            <a:r>
-              <a:rPr lang="it-IT" sz="2000" dirty="0" err="1" smtClean="0"/>
-              <a:t>Event</a:t>
-            </a:r>
-            <a:r>
-              <a:rPr lang="it-IT" sz="2000" dirty="0" smtClean="0"/>
-              <a:t> </a:t>
-            </a:r>
-            <a:r>
-              <a:rPr lang="it-IT" sz="2000" dirty="0" err="1" smtClean="0"/>
-              <a:t>Driven</a:t>
-            </a:r>
-            <a:r>
-              <a:rPr lang="it-IT" sz="2000" dirty="0" smtClean="0"/>
-              <a:t> Architecture with </a:t>
-            </a:r>
-            <a:r>
-              <a:rPr lang="it-IT" sz="2000" dirty="0" err="1" smtClean="0"/>
-              <a:t>services</a:t>
-            </a:r>
-            <a:r>
-              <a:rPr lang="it-IT" sz="2000" dirty="0" smtClean="0"/>
-              <a:t> </a:t>
-            </a:r>
-            <a:r>
-              <a:rPr lang="it-IT" sz="2000" dirty="0" err="1" smtClean="0"/>
-              <a:t>that</a:t>
-            </a:r>
-            <a:r>
-              <a:rPr lang="it-IT" sz="2000" dirty="0" smtClean="0"/>
-              <a:t> </a:t>
-            </a:r>
-            <a:r>
-              <a:rPr lang="it-IT" sz="2000" dirty="0" err="1" smtClean="0"/>
-              <a:t>publish</a:t>
-            </a:r>
-            <a:r>
-              <a:rPr lang="it-IT" sz="2000" dirty="0" smtClean="0"/>
-              <a:t> </a:t>
-            </a:r>
-            <a:r>
-              <a:rPr lang="it-IT" sz="2000" dirty="0" err="1" smtClean="0"/>
-              <a:t>events</a:t>
-            </a:r>
-            <a:r>
-              <a:rPr lang="it-IT" sz="2000" dirty="0" smtClean="0"/>
-              <a:t> </a:t>
-            </a:r>
-            <a:r>
-              <a:rPr lang="it-IT" sz="2000" dirty="0" err="1" smtClean="0"/>
-              <a:t>when</a:t>
-            </a:r>
-            <a:r>
-              <a:rPr lang="it-IT" sz="2000" dirty="0" smtClean="0"/>
-              <a:t> update </a:t>
-            </a:r>
-            <a:r>
-              <a:rPr lang="it-IT" sz="2000" dirty="0" err="1" smtClean="0"/>
-              <a:t>their</a:t>
-            </a:r>
-            <a:r>
-              <a:rPr lang="it-IT" sz="2000" dirty="0" smtClean="0"/>
-              <a:t> data and </a:t>
-            </a:r>
-            <a:r>
-              <a:rPr lang="it-IT" sz="2000" dirty="0" err="1" smtClean="0"/>
-              <a:t>other</a:t>
-            </a:r>
-            <a:r>
-              <a:rPr lang="it-IT" sz="2000" dirty="0" smtClean="0"/>
-              <a:t> </a:t>
-            </a:r>
-            <a:r>
-              <a:rPr lang="it-IT" sz="2000" dirty="0" err="1" smtClean="0"/>
-              <a:t>services</a:t>
-            </a:r>
-            <a:r>
-              <a:rPr lang="it-IT" sz="2000" dirty="0" smtClean="0"/>
-              <a:t> </a:t>
-            </a:r>
-            <a:r>
-              <a:rPr lang="it-IT" sz="2000" dirty="0" err="1" smtClean="0"/>
-              <a:t>that</a:t>
-            </a:r>
-            <a:r>
-              <a:rPr lang="it-IT" sz="2000" dirty="0" smtClean="0"/>
-              <a:t> update </a:t>
-            </a:r>
-            <a:r>
-              <a:rPr lang="it-IT" sz="2000" dirty="0" err="1" smtClean="0"/>
-              <a:t>their</a:t>
-            </a:r>
-            <a:r>
-              <a:rPr lang="it-IT" sz="2000" dirty="0" smtClean="0"/>
-              <a:t> </a:t>
-            </a:r>
-            <a:r>
-              <a:rPr lang="it-IT" sz="2000" dirty="0" err="1" smtClean="0"/>
-              <a:t>own</a:t>
-            </a:r>
-            <a:r>
-              <a:rPr lang="it-IT" sz="2000" dirty="0" smtClean="0"/>
-              <a:t> data </a:t>
-            </a:r>
-            <a:r>
-              <a:rPr lang="it-IT" sz="2000" dirty="0" err="1" smtClean="0"/>
-              <a:t>isubscribing</a:t>
-            </a:r>
-            <a:r>
-              <a:rPr lang="it-IT" sz="2000" dirty="0" smtClean="0"/>
-              <a:t> </a:t>
-            </a:r>
-            <a:r>
-              <a:rPr lang="it-IT" sz="2000" dirty="0" err="1" smtClean="0"/>
-              <a:t>these</a:t>
-            </a:r>
-            <a:r>
-              <a:rPr lang="it-IT" sz="2000" dirty="0" smtClean="0"/>
-              <a:t> </a:t>
-            </a:r>
-            <a:r>
-              <a:rPr lang="it-IT" sz="2000" dirty="0" err="1" smtClean="0"/>
-              <a:t>events</a:t>
-            </a:r>
-            <a:endParaRPr lang="it-IT" sz="2000" smtClean="0"/>
           </a:p>
           <a:p>
             <a:pPr lvl="3"/>
@@ -4568,6 +3988,1057 @@
           <a:bodyPr/>
           <a:lstStyle/>
           <a:p>
+            <a:r>
+              <a:rPr lang="it-IT" sz="5400" dirty="0" smtClean="0"/>
+              <a:t>Pattern: Database per service /MICROSERVICE : IMPLEMENTING THE DATABASE PER SERVICE PATTERN</a:t>
+            </a:r>
+            <a:endParaRPr lang="it-IT" sz="5400" dirty="0"/>
+          </a:p>
+        </p:txBody>
+      </p:sp>
+      <p:sp>
+        <p:nvSpPr>
+          <p:cNvPr id="3" name="Segnaposto contenuto 2"/>
+          <p:cNvSpPr>
+            <a:spLocks noGrp="1"/>
+          </p:cNvSpPr>
+          <p:nvPr>
+            <p:ph idx="1"/>
+          </p:nvPr>
+        </p:nvSpPr>
+        <p:spPr/>
+        <p:txBody>
+          <a:bodyPr/>
+          <a:lstStyle/>
+          <a:p>
+            <a:pPr lvl="3"/>
+            <a:endParaRPr lang="it-IT" sz="1800" dirty="0"/>
+          </a:p>
+          <a:p>
+            <a:pPr lvl="2"/>
+            <a:r>
+              <a:rPr lang="it-IT" sz="1800" dirty="0" smtClean="0"/>
+              <a:t>Benefits of </a:t>
+            </a:r>
+            <a:r>
+              <a:rPr lang="it-IT" sz="1800" dirty="0" err="1" smtClean="0"/>
+              <a:t>this</a:t>
+            </a:r>
+            <a:r>
+              <a:rPr lang="it-IT" sz="1800" dirty="0" smtClean="0"/>
+              <a:t> pattern</a:t>
+            </a:r>
+          </a:p>
+          <a:p>
+            <a:pPr lvl="3"/>
+            <a:r>
+              <a:rPr lang="it-IT" sz="1800" dirty="0" err="1" smtClean="0"/>
+              <a:t>Ensure</a:t>
+            </a:r>
+            <a:r>
+              <a:rPr lang="it-IT" sz="1800" dirty="0" smtClean="0"/>
+              <a:t> </a:t>
+            </a:r>
+            <a:r>
+              <a:rPr lang="it-IT" sz="1800" dirty="0" err="1" smtClean="0"/>
+              <a:t>that</a:t>
+            </a:r>
+            <a:r>
+              <a:rPr lang="it-IT" sz="1800" dirty="0" smtClean="0"/>
+              <a:t> the </a:t>
+            </a:r>
+            <a:r>
+              <a:rPr lang="it-IT" sz="1800" dirty="0" err="1" smtClean="0"/>
+              <a:t>servicesa</a:t>
+            </a:r>
+            <a:r>
+              <a:rPr lang="it-IT" sz="1800" dirty="0" smtClean="0"/>
+              <a:t> are </a:t>
+            </a:r>
+            <a:r>
+              <a:rPr lang="it-IT" sz="1800" dirty="0" err="1" smtClean="0"/>
+              <a:t>loosely</a:t>
+            </a:r>
+            <a:r>
+              <a:rPr lang="it-IT" sz="1800" dirty="0" smtClean="0"/>
+              <a:t> </a:t>
+            </a:r>
+            <a:r>
+              <a:rPr lang="it-IT" sz="1800" dirty="0" err="1" smtClean="0"/>
+              <a:t>couples</a:t>
+            </a:r>
+            <a:r>
+              <a:rPr lang="it-IT" sz="1800" dirty="0" smtClean="0"/>
+              <a:t> </a:t>
+            </a:r>
+            <a:r>
+              <a:rPr lang="it-IT" sz="1800" dirty="0" err="1" smtClean="0"/>
+              <a:t>changes</a:t>
+            </a:r>
+            <a:r>
+              <a:rPr lang="it-IT" sz="1800" dirty="0" smtClean="0"/>
+              <a:t> to </a:t>
+            </a:r>
+            <a:r>
+              <a:rPr lang="it-IT" sz="1800" dirty="0" err="1" smtClean="0"/>
+              <a:t>one</a:t>
+            </a:r>
+            <a:r>
+              <a:rPr lang="it-IT" sz="1800" dirty="0" smtClean="0"/>
+              <a:t> </a:t>
+            </a:r>
+            <a:r>
+              <a:rPr lang="it-IT" sz="1800" dirty="0" err="1" smtClean="0"/>
+              <a:t>service’s</a:t>
+            </a:r>
+            <a:r>
+              <a:rPr lang="it-IT" sz="1800" dirty="0" smtClean="0"/>
+              <a:t> database </a:t>
+            </a:r>
+            <a:r>
+              <a:rPr lang="it-IT" sz="1800" dirty="0" err="1" smtClean="0"/>
+              <a:t>dos</a:t>
+            </a:r>
+            <a:r>
+              <a:rPr lang="it-IT" sz="1800" dirty="0" smtClean="0"/>
+              <a:t> </a:t>
+            </a:r>
+            <a:r>
+              <a:rPr lang="it-IT" sz="1800" dirty="0" err="1" smtClean="0"/>
+              <a:t>not</a:t>
+            </a:r>
+            <a:r>
+              <a:rPr lang="it-IT" sz="1800" dirty="0" smtClean="0"/>
+              <a:t> impact </a:t>
+            </a:r>
+            <a:r>
+              <a:rPr lang="it-IT" sz="1800" dirty="0" err="1" smtClean="0"/>
+              <a:t>any</a:t>
+            </a:r>
+            <a:r>
+              <a:rPr lang="it-IT" sz="1800" dirty="0" smtClean="0"/>
+              <a:t> </a:t>
+            </a:r>
+            <a:r>
+              <a:rPr lang="it-IT" sz="1800" dirty="0" err="1" smtClean="0"/>
+              <a:t>other</a:t>
+            </a:r>
+            <a:r>
+              <a:rPr lang="it-IT" sz="1800" dirty="0" smtClean="0"/>
+              <a:t> </a:t>
+            </a:r>
+            <a:r>
+              <a:rPr lang="it-IT" sz="1800" dirty="0" err="1" smtClean="0"/>
+              <a:t>services</a:t>
+            </a:r>
+            <a:endParaRPr lang="it-IT" sz="1800" dirty="0" smtClean="0"/>
+          </a:p>
+          <a:p>
+            <a:pPr lvl="3"/>
+            <a:r>
+              <a:rPr lang="it-IT" sz="1800" dirty="0" err="1" smtClean="0"/>
+              <a:t>Each</a:t>
+            </a:r>
+            <a:r>
+              <a:rPr lang="it-IT" sz="1800" dirty="0" smtClean="0"/>
+              <a:t> service can use the </a:t>
+            </a:r>
+            <a:r>
+              <a:rPr lang="it-IT" sz="1800" dirty="0" err="1" smtClean="0"/>
+              <a:t>type</a:t>
+            </a:r>
+            <a:r>
+              <a:rPr lang="it-IT" sz="1800" dirty="0" smtClean="0"/>
+              <a:t> of database </a:t>
+            </a:r>
+            <a:r>
+              <a:rPr lang="it-IT" sz="1800" dirty="0" err="1" smtClean="0"/>
+              <a:t>that</a:t>
+            </a:r>
+            <a:r>
+              <a:rPr lang="it-IT" sz="1800" dirty="0" smtClean="0"/>
+              <a:t> </a:t>
+            </a:r>
+            <a:r>
+              <a:rPr lang="it-IT" sz="1800" dirty="0" err="1" smtClean="0"/>
+              <a:t>is</a:t>
+            </a:r>
+            <a:r>
+              <a:rPr lang="it-IT" sz="1800" dirty="0" smtClean="0"/>
+              <a:t> best </a:t>
+            </a:r>
+            <a:r>
+              <a:rPr lang="it-IT" sz="1800" dirty="0" err="1" smtClean="0"/>
+              <a:t>suited</a:t>
+            </a:r>
+            <a:r>
+              <a:rPr lang="it-IT" sz="1800" dirty="0" smtClean="0"/>
+              <a:t> to </a:t>
+            </a:r>
+            <a:r>
+              <a:rPr lang="it-IT" sz="1800" dirty="0" err="1" smtClean="0"/>
+              <a:t>its</a:t>
+            </a:r>
+            <a:r>
+              <a:rPr lang="it-IT" sz="1800" dirty="0" smtClean="0"/>
+              <a:t> </a:t>
+            </a:r>
+            <a:r>
+              <a:rPr lang="it-IT" sz="1800" dirty="0" err="1" smtClean="0"/>
+              <a:t>need</a:t>
+            </a:r>
+            <a:r>
+              <a:rPr lang="it-IT" sz="1800" dirty="0" smtClean="0"/>
+              <a:t> (neo4j social </a:t>
+            </a:r>
+            <a:r>
+              <a:rPr lang="it-IT" sz="1800" dirty="0" err="1" smtClean="0"/>
+              <a:t>graph</a:t>
+            </a:r>
+            <a:r>
+              <a:rPr lang="it-IT" sz="1800" dirty="0" smtClean="0"/>
+              <a:t>, </a:t>
+            </a:r>
+            <a:r>
+              <a:rPr lang="it-IT" sz="1800" dirty="0" err="1" smtClean="0"/>
+              <a:t>elasticsearch</a:t>
+            </a:r>
+            <a:r>
+              <a:rPr lang="it-IT" sz="1800" dirty="0" smtClean="0"/>
+              <a:t> for text </a:t>
+            </a:r>
+            <a:r>
+              <a:rPr lang="it-IT" sz="1800" dirty="0" err="1" smtClean="0"/>
+              <a:t>serches,etc</a:t>
+            </a:r>
+            <a:r>
+              <a:rPr lang="it-IT" sz="1800" dirty="0" smtClean="0"/>
+              <a:t>)</a:t>
+            </a:r>
+          </a:p>
+          <a:p>
+            <a:pPr lvl="2"/>
+            <a:r>
+              <a:rPr lang="it-IT" sz="1800" dirty="0" err="1" smtClean="0"/>
+              <a:t>Drawbacks</a:t>
+            </a:r>
+            <a:endParaRPr lang="it-IT" sz="1800" dirty="0" smtClean="0"/>
+          </a:p>
+          <a:p>
+            <a:pPr lvl="3"/>
+            <a:r>
+              <a:rPr lang="it-IT" sz="1800" dirty="0" smtClean="0"/>
+              <a:t>Distributed business </a:t>
+            </a:r>
+            <a:r>
+              <a:rPr lang="it-IT" sz="1800" dirty="0" err="1" smtClean="0"/>
+              <a:t>transaction</a:t>
+            </a:r>
+            <a:r>
+              <a:rPr lang="it-IT" sz="1800" dirty="0" smtClean="0"/>
+              <a:t> </a:t>
+            </a:r>
+            <a:r>
+              <a:rPr lang="it-IT" sz="1800" dirty="0" err="1" smtClean="0"/>
+              <a:t>that</a:t>
+            </a:r>
+            <a:r>
+              <a:rPr lang="it-IT" sz="1800" dirty="0" smtClean="0"/>
+              <a:t> </a:t>
+            </a:r>
+            <a:r>
+              <a:rPr lang="it-IT" sz="1800" dirty="0" err="1" smtClean="0"/>
+              <a:t>span</a:t>
+            </a:r>
+            <a:r>
+              <a:rPr lang="it-IT" sz="1800" dirty="0" smtClean="0"/>
+              <a:t> multiple </a:t>
+            </a:r>
+            <a:r>
+              <a:rPr lang="it-IT" sz="1800" dirty="0" err="1" smtClean="0"/>
+              <a:t>services</a:t>
+            </a:r>
+            <a:r>
+              <a:rPr lang="it-IT" sz="1800" dirty="0" smtClean="0"/>
+              <a:t> </a:t>
+            </a:r>
+            <a:r>
+              <a:rPr lang="it-IT" sz="1800" dirty="0" err="1" smtClean="0"/>
+              <a:t>could</a:t>
+            </a:r>
+            <a:r>
+              <a:rPr lang="it-IT" sz="1800" dirty="0" smtClean="0"/>
+              <a:t> be </a:t>
+            </a:r>
+            <a:r>
+              <a:rPr lang="it-IT" sz="1800" dirty="0" err="1" smtClean="0"/>
+              <a:t>not</a:t>
+            </a:r>
+            <a:r>
+              <a:rPr lang="it-IT" sz="1800" dirty="0" smtClean="0"/>
+              <a:t> </a:t>
+            </a:r>
+            <a:r>
+              <a:rPr lang="it-IT" sz="1800" dirty="0" err="1" smtClean="0"/>
+              <a:t>implemented</a:t>
+            </a:r>
+            <a:r>
+              <a:rPr lang="it-IT" sz="1800" dirty="0" smtClean="0"/>
+              <a:t> (CAP </a:t>
+            </a:r>
+            <a:r>
+              <a:rPr lang="it-IT" sz="1800" dirty="0" err="1" smtClean="0"/>
+              <a:t>theorem</a:t>
+            </a:r>
+            <a:r>
+              <a:rPr lang="it-IT" sz="1800" dirty="0" smtClean="0"/>
+              <a:t> and </a:t>
+            </a:r>
+            <a:r>
+              <a:rPr lang="it-IT" sz="1800" dirty="0" err="1" smtClean="0"/>
+              <a:t>many</a:t>
+            </a:r>
+            <a:r>
+              <a:rPr lang="it-IT" sz="1800" dirty="0" smtClean="0"/>
+              <a:t> </a:t>
+            </a:r>
+            <a:r>
+              <a:rPr lang="it-IT" sz="1800" dirty="0" err="1" smtClean="0"/>
+              <a:t>modern</a:t>
+            </a:r>
+            <a:r>
+              <a:rPr lang="it-IT" sz="1800" dirty="0" smtClean="0"/>
+              <a:t> database </a:t>
+            </a:r>
+            <a:r>
+              <a:rPr lang="it-IT" sz="1800" dirty="0" err="1" smtClean="0"/>
+              <a:t>does</a:t>
+            </a:r>
+            <a:r>
+              <a:rPr lang="it-IT" sz="1800" dirty="0" smtClean="0"/>
+              <a:t> </a:t>
+            </a:r>
+            <a:r>
+              <a:rPr lang="it-IT" sz="1800" dirty="0" err="1" smtClean="0"/>
+              <a:t>not</a:t>
+            </a:r>
+            <a:r>
+              <a:rPr lang="it-IT" sz="1800" dirty="0" smtClean="0"/>
+              <a:t> </a:t>
+            </a:r>
+            <a:r>
+              <a:rPr lang="it-IT" sz="1800" dirty="0" err="1" smtClean="0"/>
+              <a:t>support</a:t>
+            </a:r>
+            <a:r>
+              <a:rPr lang="it-IT" sz="1800" dirty="0" smtClean="0"/>
+              <a:t> </a:t>
+            </a:r>
+            <a:r>
+              <a:rPr lang="it-IT" sz="1800" dirty="0" err="1" smtClean="0"/>
+              <a:t>them</a:t>
+            </a:r>
+            <a:r>
+              <a:rPr lang="it-IT" sz="1800" dirty="0" smtClean="0"/>
+              <a:t> </a:t>
+            </a:r>
+            <a:r>
+              <a:rPr lang="it-IT" sz="1800" dirty="0" err="1" smtClean="0"/>
+              <a:t>NoSql</a:t>
+            </a:r>
+            <a:r>
+              <a:rPr lang="it-IT" sz="1800" dirty="0" smtClean="0"/>
+              <a:t>)</a:t>
+            </a:r>
+          </a:p>
+          <a:p>
+            <a:pPr lvl="3"/>
+            <a:r>
+              <a:rPr lang="it-IT" sz="1800" dirty="0" err="1" smtClean="0"/>
+              <a:t>Implementing</a:t>
+            </a:r>
+            <a:r>
+              <a:rPr lang="it-IT" sz="1800" dirty="0" smtClean="0"/>
+              <a:t> </a:t>
+            </a:r>
+            <a:r>
+              <a:rPr lang="it-IT" sz="1800" dirty="0" err="1" smtClean="0"/>
+              <a:t>queries</a:t>
+            </a:r>
+            <a:r>
+              <a:rPr lang="it-IT" sz="1800" dirty="0" smtClean="0"/>
+              <a:t> </a:t>
+            </a:r>
+            <a:r>
+              <a:rPr lang="it-IT" sz="1800" dirty="0" err="1" smtClean="0"/>
+              <a:t>that</a:t>
+            </a:r>
+            <a:r>
+              <a:rPr lang="it-IT" sz="1800" dirty="0" smtClean="0"/>
+              <a:t> join data </a:t>
+            </a:r>
+            <a:r>
+              <a:rPr lang="it-IT" sz="1800" dirty="0" err="1" smtClean="0"/>
+              <a:t>that</a:t>
+            </a:r>
+            <a:r>
+              <a:rPr lang="it-IT" sz="1800" dirty="0" smtClean="0"/>
+              <a:t> are </a:t>
+            </a:r>
+            <a:r>
+              <a:rPr lang="it-IT" sz="1800" dirty="0" err="1" smtClean="0"/>
+              <a:t>now</a:t>
+            </a:r>
+            <a:r>
+              <a:rPr lang="it-IT" sz="1800" dirty="0" smtClean="0"/>
+              <a:t> in multiple </a:t>
+            </a:r>
+            <a:r>
+              <a:rPr lang="it-IT" sz="1800" dirty="0" err="1" smtClean="0"/>
+              <a:t>datanìbase</a:t>
+            </a:r>
+            <a:r>
+              <a:rPr lang="it-IT" sz="1800" dirty="0" smtClean="0"/>
+              <a:t> </a:t>
+            </a:r>
+            <a:r>
+              <a:rPr lang="it-IT" sz="1800" dirty="0" err="1" smtClean="0"/>
+              <a:t>is</a:t>
+            </a:r>
+            <a:r>
+              <a:rPr lang="it-IT" sz="1800" dirty="0" smtClean="0"/>
+              <a:t> </a:t>
+            </a:r>
+            <a:r>
+              <a:rPr lang="it-IT" sz="1800" dirty="0" err="1" smtClean="0"/>
+              <a:t>challenging</a:t>
+            </a:r>
+            <a:r>
+              <a:rPr lang="it-IT" sz="1800" dirty="0" smtClean="0"/>
+              <a:t> </a:t>
+            </a:r>
+          </a:p>
+          <a:p>
+            <a:pPr lvl="3"/>
+            <a:r>
+              <a:rPr lang="it-IT" sz="1800" dirty="0" smtClean="0"/>
+              <a:t>An </a:t>
+            </a:r>
+            <a:r>
+              <a:rPr lang="it-IT" sz="1800" dirty="0" err="1" smtClean="0"/>
+              <a:t>overall</a:t>
+            </a:r>
+            <a:r>
+              <a:rPr lang="it-IT" sz="1800" dirty="0" smtClean="0"/>
+              <a:t> more </a:t>
+            </a:r>
+            <a:r>
+              <a:rPr lang="it-IT" sz="1800" dirty="0" err="1" smtClean="0"/>
+              <a:t>complex</a:t>
+            </a:r>
+            <a:r>
+              <a:rPr lang="it-IT" sz="1800" dirty="0" smtClean="0"/>
+              <a:t> </a:t>
+            </a:r>
+            <a:r>
+              <a:rPr lang="it-IT" sz="1800" dirty="0" err="1" smtClean="0"/>
+              <a:t>programming</a:t>
+            </a:r>
+            <a:r>
+              <a:rPr lang="it-IT" sz="1800" dirty="0" smtClean="0"/>
+              <a:t> model</a:t>
+            </a:r>
+          </a:p>
+          <a:p>
+            <a:pPr lvl="2"/>
+            <a:r>
+              <a:rPr lang="it-IT" sz="1800" dirty="0" smtClean="0"/>
+              <a:t>Solution to </a:t>
+            </a:r>
+            <a:r>
+              <a:rPr lang="it-IT" sz="1800" dirty="0" err="1" smtClean="0"/>
+              <a:t>drawbacks</a:t>
+            </a:r>
+            <a:r>
+              <a:rPr lang="it-IT" sz="1800" dirty="0" smtClean="0"/>
+              <a:t>:</a:t>
+            </a:r>
+          </a:p>
+          <a:p>
+            <a:pPr lvl="3"/>
+            <a:r>
+              <a:rPr lang="it-IT" sz="1800" dirty="0" smtClean="0"/>
+              <a:t>Data </a:t>
+            </a:r>
+            <a:r>
+              <a:rPr lang="it-IT" sz="1800" dirty="0" err="1" smtClean="0"/>
+              <a:t>consistency</a:t>
+            </a:r>
+            <a:r>
+              <a:rPr lang="it-IT" sz="1800" dirty="0" smtClean="0"/>
+              <a:t> </a:t>
+            </a:r>
+            <a:r>
+              <a:rPr lang="it-IT" sz="1800" dirty="0" err="1" smtClean="0"/>
+              <a:t>across</a:t>
+            </a:r>
+            <a:r>
+              <a:rPr lang="it-IT" sz="1800" dirty="0"/>
+              <a:t> </a:t>
+            </a:r>
+            <a:r>
+              <a:rPr lang="it-IT" sz="1800" dirty="0" smtClean="0"/>
+              <a:t>multiple </a:t>
+            </a:r>
+            <a:r>
+              <a:rPr lang="it-IT" sz="1800" dirty="0" err="1" smtClean="0"/>
+              <a:t>services</a:t>
+            </a:r>
+            <a:r>
+              <a:rPr lang="it-IT" sz="1800" dirty="0" smtClean="0"/>
+              <a:t> </a:t>
+            </a:r>
+            <a:r>
+              <a:rPr lang="it-IT" sz="1800" dirty="0" err="1" smtClean="0"/>
+              <a:t>could</a:t>
+            </a:r>
+            <a:r>
+              <a:rPr lang="it-IT" sz="1800" dirty="0" smtClean="0"/>
+              <a:t> be </a:t>
+            </a:r>
+            <a:r>
+              <a:rPr lang="it-IT" sz="1800" dirty="0" err="1" smtClean="0"/>
+              <a:t>enabled</a:t>
+            </a:r>
+            <a:r>
+              <a:rPr lang="it-IT" sz="1800" dirty="0" smtClean="0"/>
+              <a:t> </a:t>
+            </a:r>
+            <a:r>
+              <a:rPr lang="it-IT" sz="1800" dirty="0" err="1" smtClean="0"/>
+              <a:t>without</a:t>
+            </a:r>
+            <a:r>
+              <a:rPr lang="it-IT" sz="1800" dirty="0" smtClean="0"/>
+              <a:t> </a:t>
+            </a:r>
+            <a:r>
+              <a:rPr lang="it-IT" sz="1800" dirty="0" err="1" smtClean="0"/>
+              <a:t>distributed</a:t>
+            </a:r>
+            <a:r>
+              <a:rPr lang="it-IT" sz="1800" dirty="0" smtClean="0"/>
+              <a:t> </a:t>
+            </a:r>
+            <a:r>
+              <a:rPr lang="it-IT" sz="1800" dirty="0" err="1" smtClean="0"/>
+              <a:t>transaction</a:t>
+            </a:r>
+            <a:r>
+              <a:rPr lang="it-IT" sz="1800" dirty="0" smtClean="0"/>
+              <a:t> with a </a:t>
+            </a:r>
+            <a:r>
+              <a:rPr lang="it-IT" sz="1800" dirty="0" err="1" smtClean="0"/>
+              <a:t>Event</a:t>
+            </a:r>
+            <a:r>
+              <a:rPr lang="it-IT" sz="1800" dirty="0" smtClean="0"/>
+              <a:t> </a:t>
+            </a:r>
+            <a:r>
+              <a:rPr lang="it-IT" sz="1800" dirty="0" err="1" smtClean="0"/>
+              <a:t>Driven</a:t>
+            </a:r>
+            <a:r>
+              <a:rPr lang="it-IT" sz="1800" dirty="0" smtClean="0"/>
+              <a:t> Architecture with </a:t>
+            </a:r>
+            <a:r>
+              <a:rPr lang="it-IT" sz="1800" dirty="0" err="1" smtClean="0"/>
+              <a:t>services</a:t>
+            </a:r>
+            <a:r>
+              <a:rPr lang="it-IT" sz="1800" dirty="0" smtClean="0"/>
+              <a:t> </a:t>
+            </a:r>
+            <a:r>
+              <a:rPr lang="it-IT" sz="1800" dirty="0" err="1" smtClean="0"/>
+              <a:t>that</a:t>
+            </a:r>
+            <a:r>
+              <a:rPr lang="it-IT" sz="1800" dirty="0" smtClean="0"/>
+              <a:t> </a:t>
+            </a:r>
+            <a:r>
+              <a:rPr lang="it-IT" sz="1800" dirty="0" err="1" smtClean="0"/>
+              <a:t>publish</a:t>
+            </a:r>
+            <a:r>
+              <a:rPr lang="it-IT" sz="1800" dirty="0" smtClean="0"/>
+              <a:t> </a:t>
+            </a:r>
+            <a:r>
+              <a:rPr lang="it-IT" sz="1800" dirty="0" err="1" smtClean="0"/>
+              <a:t>events</a:t>
+            </a:r>
+            <a:r>
+              <a:rPr lang="it-IT" sz="1800" dirty="0" smtClean="0"/>
+              <a:t> </a:t>
+            </a:r>
+            <a:r>
+              <a:rPr lang="it-IT" sz="1800" dirty="0" err="1" smtClean="0"/>
+              <a:t>when</a:t>
+            </a:r>
+            <a:r>
+              <a:rPr lang="it-IT" sz="1800" dirty="0" smtClean="0"/>
+              <a:t> update </a:t>
+            </a:r>
+            <a:r>
+              <a:rPr lang="it-IT" sz="1800" dirty="0" err="1" smtClean="0"/>
+              <a:t>their</a:t>
+            </a:r>
+            <a:r>
+              <a:rPr lang="it-IT" sz="1800" dirty="0" smtClean="0"/>
+              <a:t> data and </a:t>
+            </a:r>
+            <a:r>
+              <a:rPr lang="it-IT" sz="1800" dirty="0" err="1" smtClean="0"/>
+              <a:t>other</a:t>
+            </a:r>
+            <a:r>
+              <a:rPr lang="it-IT" sz="1800" dirty="0" smtClean="0"/>
+              <a:t> </a:t>
+            </a:r>
+            <a:r>
+              <a:rPr lang="it-IT" sz="1800" dirty="0" err="1" smtClean="0"/>
+              <a:t>services</a:t>
+            </a:r>
+            <a:r>
+              <a:rPr lang="it-IT" sz="1800" dirty="0" smtClean="0"/>
+              <a:t> </a:t>
+            </a:r>
+            <a:r>
+              <a:rPr lang="it-IT" sz="1800" dirty="0" err="1" smtClean="0"/>
+              <a:t>that</a:t>
+            </a:r>
+            <a:r>
+              <a:rPr lang="it-IT" sz="1800" dirty="0" smtClean="0"/>
+              <a:t> update </a:t>
+            </a:r>
+            <a:r>
+              <a:rPr lang="it-IT" sz="1800" dirty="0" err="1" smtClean="0"/>
+              <a:t>their</a:t>
+            </a:r>
+            <a:r>
+              <a:rPr lang="it-IT" sz="1800" dirty="0" smtClean="0"/>
+              <a:t> </a:t>
+            </a:r>
+            <a:r>
+              <a:rPr lang="it-IT" sz="1800" dirty="0" err="1" smtClean="0"/>
+              <a:t>own</a:t>
+            </a:r>
+            <a:r>
+              <a:rPr lang="it-IT" sz="1800" dirty="0" smtClean="0"/>
+              <a:t> data </a:t>
+            </a:r>
+            <a:r>
+              <a:rPr lang="it-IT" sz="1800" dirty="0" err="1" smtClean="0"/>
+              <a:t>subscribing</a:t>
+            </a:r>
+            <a:r>
+              <a:rPr lang="it-IT" sz="1800" dirty="0" smtClean="0"/>
+              <a:t> </a:t>
+            </a:r>
+            <a:r>
+              <a:rPr lang="it-IT" sz="1800" dirty="0" err="1" smtClean="0"/>
+              <a:t>these</a:t>
+            </a:r>
+            <a:r>
+              <a:rPr lang="it-IT" sz="1800" dirty="0" smtClean="0"/>
+              <a:t> </a:t>
+            </a:r>
+            <a:r>
+              <a:rPr lang="it-IT" sz="1800" dirty="0" err="1" smtClean="0"/>
+              <a:t>events</a:t>
+            </a:r>
+            <a:endParaRPr lang="it-IT" sz="1800" dirty="0" smtClean="0"/>
+          </a:p>
+          <a:p>
+            <a:pPr lvl="3"/>
+            <a:r>
+              <a:rPr lang="it-IT" sz="1800" dirty="0" smtClean="0"/>
+              <a:t>Application side join (</a:t>
+            </a:r>
+            <a:r>
+              <a:rPr lang="it-IT" sz="1800" dirty="0" err="1" smtClean="0"/>
+              <a:t>tha</a:t>
+            </a:r>
+            <a:r>
+              <a:rPr lang="it-IT" sz="1800" dirty="0" smtClean="0"/>
+              <a:t> </a:t>
+            </a:r>
+            <a:r>
+              <a:rPr lang="it-IT" sz="1800" dirty="0" err="1" smtClean="0"/>
+              <a:t>applicatyion</a:t>
+            </a:r>
+            <a:r>
+              <a:rPr lang="it-IT" sz="1800" dirty="0" smtClean="0"/>
+              <a:t> </a:t>
+            </a:r>
+            <a:r>
+              <a:rPr lang="it-IT" sz="1800" dirty="0" err="1" smtClean="0"/>
+              <a:t>perform</a:t>
+            </a:r>
+            <a:r>
+              <a:rPr lang="it-IT" sz="1800" dirty="0" smtClean="0"/>
+              <a:t> the join </a:t>
+            </a:r>
+            <a:r>
+              <a:rPr lang="it-IT" sz="1800" dirty="0" err="1" smtClean="0"/>
+              <a:t>rather</a:t>
+            </a:r>
+            <a:r>
+              <a:rPr lang="it-IT" sz="1800" dirty="0" smtClean="0"/>
+              <a:t> </a:t>
+            </a:r>
+            <a:r>
+              <a:rPr lang="it-IT" sz="1800" dirty="0" err="1" smtClean="0"/>
+              <a:t>than</a:t>
+            </a:r>
+            <a:r>
+              <a:rPr lang="it-IT" sz="1800" dirty="0" smtClean="0"/>
+              <a:t> database) CQRS </a:t>
+            </a:r>
+            <a:r>
+              <a:rPr lang="it-IT" sz="1800" dirty="0" err="1" smtClean="0"/>
+              <a:t>maintaining</a:t>
+            </a:r>
+            <a:r>
+              <a:rPr lang="it-IT" sz="1800" dirty="0" smtClean="0"/>
+              <a:t> </a:t>
+            </a:r>
+            <a:r>
+              <a:rPr lang="it-IT" sz="1800" dirty="0" err="1" smtClean="0"/>
+              <a:t>one</a:t>
+            </a:r>
+            <a:r>
+              <a:rPr lang="it-IT" sz="1800" dirty="0" smtClean="0"/>
+              <a:t> or more </a:t>
+            </a:r>
+            <a:r>
+              <a:rPr lang="it-IT" sz="1800" dirty="0" err="1" smtClean="0"/>
+              <a:t>materialized</a:t>
+            </a:r>
+            <a:r>
+              <a:rPr lang="it-IT" sz="1800" dirty="0" smtClean="0"/>
+              <a:t> </a:t>
+            </a:r>
+            <a:r>
+              <a:rPr lang="it-IT" sz="1800" dirty="0" err="1" smtClean="0"/>
+              <a:t>views</a:t>
+            </a:r>
+            <a:r>
+              <a:rPr lang="it-IT" sz="1800" dirty="0" smtClean="0"/>
+              <a:t> </a:t>
+            </a:r>
+            <a:r>
+              <a:rPr lang="it-IT" sz="1800" dirty="0" err="1" smtClean="0"/>
+              <a:t>that</a:t>
+            </a:r>
+            <a:r>
+              <a:rPr lang="it-IT" sz="1800" dirty="0" smtClean="0"/>
+              <a:t> </a:t>
+            </a:r>
+            <a:r>
+              <a:rPr lang="it-IT" sz="1800" dirty="0" err="1" smtClean="0"/>
+              <a:t>contain</a:t>
+            </a:r>
+            <a:r>
+              <a:rPr lang="it-IT" sz="1800" dirty="0" smtClean="0"/>
+              <a:t> data from multiple </a:t>
+            </a:r>
+            <a:r>
+              <a:rPr lang="it-IT" sz="1800" dirty="0" err="1" smtClean="0"/>
+              <a:t>services</a:t>
+            </a:r>
+            <a:r>
+              <a:rPr lang="it-IT" sz="1800" dirty="0" smtClean="0"/>
+              <a:t> </a:t>
+            </a:r>
+            <a:r>
+              <a:rPr lang="it-IT" sz="1800" dirty="0" err="1" smtClean="0"/>
+              <a:t>these</a:t>
+            </a:r>
+            <a:r>
+              <a:rPr lang="it-IT" sz="1800" dirty="0" smtClean="0"/>
+              <a:t> </a:t>
+            </a:r>
+            <a:r>
+              <a:rPr lang="it-IT" sz="1800" dirty="0" err="1" smtClean="0"/>
+              <a:t>views</a:t>
+            </a:r>
+            <a:r>
+              <a:rPr lang="it-IT" sz="1800" dirty="0" smtClean="0"/>
+              <a:t> are </a:t>
+            </a:r>
+            <a:r>
+              <a:rPr lang="it-IT" sz="1800" dirty="0" err="1" smtClean="0"/>
+              <a:t>kept</a:t>
+            </a:r>
+            <a:r>
+              <a:rPr lang="it-IT" sz="1800" dirty="0" smtClean="0"/>
+              <a:t> by </a:t>
+            </a:r>
+            <a:r>
+              <a:rPr lang="it-IT" sz="1800" dirty="0" err="1" smtClean="0"/>
+              <a:t>services</a:t>
+            </a:r>
+            <a:r>
+              <a:rPr lang="it-IT" sz="1800" dirty="0" smtClean="0"/>
+              <a:t>  </a:t>
+            </a:r>
+            <a:r>
+              <a:rPr lang="it-IT" sz="1800" dirty="0" err="1" smtClean="0"/>
+              <a:t>that</a:t>
+            </a:r>
+            <a:r>
+              <a:rPr lang="it-IT" sz="1800" dirty="0" smtClean="0"/>
+              <a:t> </a:t>
+            </a:r>
+            <a:r>
+              <a:rPr lang="it-IT" sz="1800" dirty="0" err="1" smtClean="0"/>
+              <a:t>subscribes</a:t>
+            </a:r>
+            <a:r>
+              <a:rPr lang="it-IT" sz="1800" dirty="0" smtClean="0"/>
+              <a:t> to </a:t>
+            </a:r>
+            <a:r>
+              <a:rPr lang="it-IT" sz="1800" dirty="0" err="1" smtClean="0"/>
+              <a:t>events</a:t>
+            </a:r>
+            <a:r>
+              <a:rPr lang="it-IT" sz="1800" dirty="0" smtClean="0"/>
+              <a:t> </a:t>
+            </a:r>
+            <a:r>
+              <a:rPr lang="it-IT" sz="1800" dirty="0" err="1" smtClean="0"/>
+              <a:t>that</a:t>
+            </a:r>
+            <a:r>
+              <a:rPr lang="it-IT" sz="1800" dirty="0" smtClean="0"/>
+              <a:t> </a:t>
+            </a:r>
+            <a:r>
+              <a:rPr lang="it-IT" sz="1800" dirty="0" err="1" smtClean="0"/>
+              <a:t>each</a:t>
+            </a:r>
+            <a:r>
+              <a:rPr lang="it-IT" sz="1800" dirty="0" smtClean="0"/>
+              <a:t> service </a:t>
+            </a:r>
+            <a:r>
+              <a:rPr lang="it-IT" sz="1800" dirty="0" err="1" smtClean="0"/>
+              <a:t>publish</a:t>
+            </a:r>
+            <a:r>
+              <a:rPr lang="it-IT" sz="1800" dirty="0" smtClean="0"/>
+              <a:t> </a:t>
+            </a:r>
+            <a:r>
+              <a:rPr lang="it-IT" sz="1800" dirty="0" err="1" smtClean="0"/>
+              <a:t>wheh</a:t>
+            </a:r>
+            <a:r>
+              <a:rPr lang="it-IT" sz="1800" dirty="0" smtClean="0"/>
+              <a:t> </a:t>
+            </a:r>
+            <a:r>
+              <a:rPr lang="it-IT" sz="1800" dirty="0" err="1" smtClean="0"/>
+              <a:t>it</a:t>
+            </a:r>
+            <a:r>
+              <a:rPr lang="it-IT" sz="1800" dirty="0" smtClean="0"/>
+              <a:t> update </a:t>
+            </a:r>
+            <a:r>
+              <a:rPr lang="it-IT" sz="1800" dirty="0" err="1" smtClean="0"/>
+              <a:t>its</a:t>
+            </a:r>
+            <a:r>
+              <a:rPr lang="it-IT" sz="1800" dirty="0" smtClean="0"/>
+              <a:t> data.</a:t>
+            </a:r>
+          </a:p>
+          <a:p>
+            <a:pPr lvl="2"/>
+            <a:r>
+              <a:rPr lang="it-IT" sz="1800" dirty="0" err="1" smtClean="0"/>
+              <a:t>Related</a:t>
+            </a:r>
+            <a:r>
+              <a:rPr lang="it-IT" sz="1800" dirty="0" smtClean="0"/>
+              <a:t> </a:t>
+            </a:r>
+            <a:r>
+              <a:rPr lang="it-IT" sz="1800" dirty="0" err="1" smtClean="0"/>
+              <a:t>patterns</a:t>
+            </a:r>
+            <a:r>
+              <a:rPr lang="it-IT" sz="1800" dirty="0" smtClean="0"/>
+              <a:t> </a:t>
+            </a:r>
+            <a:r>
+              <a:rPr lang="it-IT" sz="1800" dirty="0" err="1" smtClean="0"/>
+              <a:t>as</a:t>
+            </a:r>
+            <a:r>
+              <a:rPr lang="it-IT" sz="1800" dirty="0" smtClean="0"/>
+              <a:t> way to </a:t>
+            </a:r>
+            <a:r>
+              <a:rPr lang="it-IT" sz="1800" dirty="0" err="1" smtClean="0"/>
+              <a:t>atomically</a:t>
+            </a:r>
+            <a:r>
+              <a:rPr lang="it-IT" sz="1800" dirty="0" smtClean="0"/>
+              <a:t> update state and </a:t>
+            </a:r>
+            <a:r>
+              <a:rPr lang="it-IT" sz="1800" dirty="0" err="1" smtClean="0"/>
+              <a:t>publish</a:t>
+            </a:r>
+            <a:r>
+              <a:rPr lang="it-IT" sz="1800" dirty="0" smtClean="0"/>
+              <a:t> </a:t>
+            </a:r>
+            <a:r>
+              <a:rPr lang="it-IT" sz="1800" dirty="0" err="1" smtClean="0"/>
+              <a:t>event</a:t>
+            </a:r>
+            <a:r>
+              <a:rPr lang="it-IT" sz="1800" dirty="0" smtClean="0"/>
+              <a:t>.</a:t>
+            </a:r>
+          </a:p>
+          <a:p>
+            <a:pPr lvl="3"/>
+            <a:r>
+              <a:rPr lang="it-IT" sz="1800" dirty="0" err="1" smtClean="0"/>
+              <a:t>Event</a:t>
+            </a:r>
+            <a:r>
+              <a:rPr lang="it-IT" sz="1800" dirty="0" smtClean="0"/>
+              <a:t> </a:t>
+            </a:r>
+            <a:r>
+              <a:rPr lang="it-IT" sz="1800" dirty="0" err="1" smtClean="0"/>
+              <a:t>sourcing</a:t>
+            </a:r>
+            <a:r>
+              <a:rPr lang="it-IT" sz="1800" dirty="0" smtClean="0"/>
+              <a:t> </a:t>
+            </a:r>
+          </a:p>
+          <a:p>
+            <a:pPr lvl="3"/>
+            <a:r>
+              <a:rPr lang="it-IT" sz="1800" dirty="0" smtClean="0"/>
+              <a:t>Database </a:t>
+            </a:r>
+            <a:r>
+              <a:rPr lang="it-IT" sz="1800" dirty="0" err="1" smtClean="0"/>
+              <a:t>triggers</a:t>
+            </a:r>
+            <a:endParaRPr lang="it-IT" sz="1800" dirty="0" smtClean="0"/>
+          </a:p>
+          <a:p>
+            <a:pPr lvl="3"/>
+            <a:r>
+              <a:rPr lang="it-IT" sz="1800" dirty="0" err="1" smtClean="0"/>
+              <a:t>Transaction</a:t>
+            </a:r>
+            <a:r>
+              <a:rPr lang="it-IT" sz="1800" dirty="0" smtClean="0"/>
+              <a:t> log </a:t>
+            </a:r>
+            <a:r>
+              <a:rPr lang="it-IT" sz="1800" smtClean="0"/>
+              <a:t>tailing</a:t>
+            </a:r>
+            <a:r>
+              <a:rPr lang="it-IT" sz="1800" dirty="0" smtClean="0"/>
+              <a:t>	</a:t>
+            </a:r>
+          </a:p>
+          <a:p>
+            <a:pPr lvl="3"/>
+            <a:endParaRPr lang="it-IT" sz="2000" dirty="0" smtClean="0"/>
+          </a:p>
+          <a:p>
+            <a:pPr lvl="2"/>
+            <a:endParaRPr lang="it-IT" sz="2400" dirty="0"/>
+          </a:p>
+          <a:p>
+            <a:pPr lvl="3"/>
+            <a:endParaRPr lang="it-IT" sz="2400" dirty="0"/>
+          </a:p>
+        </p:txBody>
+      </p:sp>
+    </p:spTree>
+    <p:extLst>
+      <p:ext uri="{BB962C8B-B14F-4D97-AF65-F5344CB8AC3E}">
+        <p14:creationId xmlns:p14="http://schemas.microsoft.com/office/powerpoint/2010/main" val="4031211916"/>
+      </p:ext>
+    </p:extLst>
+  </p:cSld>
+  <p:clrMapOvr>
+    <a:masterClrMapping/>
+  </p:clrMapOvr>
+  <p:transition/>
+  <p:timing>
+    <p:tnLst>
+      <p:par>
+        <p:cTn id="1" dur="indefinite" restart="never" nodeType="tmRoot"/>
+      </p:par>
+    </p:tnLst>
+  </p:timing>
+</p:sld>
+</file>
+
+<file path=ppt/slides/slide12.xml><?xml version="1.0" encoding="utf-8"?>
+<p:sld xmlns:a="http://schemas.openxmlformats.org/drawingml/2006/main" xmlns:r="http://schemas.openxmlformats.org/officeDocument/2006/relationships" xmlns:p="http://schemas.openxmlformats.org/presentationml/2006/main">
+  <p:cSld>
+    <p:spTree>
+      <p:nvGrpSpPr>
+        <p:cNvPr id="1" name=""/>
+        <p:cNvGrpSpPr/>
+        <p:nvPr/>
+      </p:nvGrpSpPr>
+      <p:grpSpPr>
+        <a:xfrm>
+          <a:off x="0" y="0"/>
+          <a:ext cx="0" cy="0"/>
+          <a:chOff x="0" y="0"/>
+          <a:chExt cx="0" cy="0"/>
+        </a:xfrm>
+      </p:grpSpPr>
+      <p:sp>
+        <p:nvSpPr>
+          <p:cNvPr id="2" name="Titolo 1"/>
+          <p:cNvSpPr>
+            <a:spLocks noGrp="1"/>
+          </p:cNvSpPr>
+          <p:nvPr>
+            <p:ph type="title"/>
+          </p:nvPr>
+        </p:nvSpPr>
+        <p:spPr/>
+        <p:txBody>
+          <a:bodyPr/>
+          <a:lstStyle/>
+          <a:p>
             <a:endParaRPr lang="it-IT"/>
           </a:p>
         </p:txBody>
@@ -4605,7 +5076,7 @@
 </p:sld>
 </file>
 
-<file path=ppt/slides/slide12.xml><?xml version="1.0" encoding="utf-8"?>
+<file path=ppt/slides/slide13.xml><?xml version="1.0" encoding="utf-8"?>
 <p:sld xmlns:a="http://schemas.openxmlformats.org/drawingml/2006/main" xmlns:r="http://schemas.openxmlformats.org/officeDocument/2006/relationships" xmlns:p="http://schemas.openxmlformats.org/presentationml/2006/main">
   <p:cSld>
     <p:spTree>
@@ -5166,7 +5637,7 @@
 </p:sld>
 </file>
 
-<file path=ppt/slides/slide13.xml><?xml version="1.0" encoding="utf-8"?>
+<file path=ppt/slides/slide14.xml><?xml version="1.0" encoding="utf-8"?>
 <p:sld xmlns:a="http://schemas.openxmlformats.org/drawingml/2006/main" xmlns:r="http://schemas.openxmlformats.org/officeDocument/2006/relationships" xmlns:p="http://schemas.openxmlformats.org/presentationml/2006/main">
   <p:cSld>
     <p:spTree>
@@ -5872,7 +6343,7 @@
 </p:sld>
 </file>
 
-<file path=ppt/slides/slide14.xml><?xml version="1.0" encoding="utf-8"?>
+<file path=ppt/slides/slide15.xml><?xml version="1.0" encoding="utf-8"?>
 <p:sld xmlns:a="http://schemas.openxmlformats.org/drawingml/2006/main" xmlns:r="http://schemas.openxmlformats.org/officeDocument/2006/relationships" xmlns:p="http://schemas.openxmlformats.org/presentationml/2006/main">
   <p:cSld>
     <p:spTree>
@@ -9374,118 +9845,6 @@
 </p:sld>
 </file>
 
-<file path=ppt/slides/slide15.xml><?xml version="1.0" encoding="utf-8"?>
-<p:sld xmlns:a="http://schemas.openxmlformats.org/drawingml/2006/main" xmlns:r="http://schemas.openxmlformats.org/officeDocument/2006/relationships" xmlns:p="http://schemas.openxmlformats.org/presentationml/2006/main">
-  <p:cSld>
-    <p:spTree>
-      <p:nvGrpSpPr>
-        <p:cNvPr id="1" name=""/>
-        <p:cNvGrpSpPr/>
-        <p:nvPr/>
-      </p:nvGrpSpPr>
-      <p:grpSpPr>
-        <a:xfrm>
-          <a:off x="0" y="0"/>
-          <a:ext cx="0" cy="0"/>
-          <a:chOff x="0" y="0"/>
-          <a:chExt cx="0" cy="0"/>
-        </a:xfrm>
-      </p:grpSpPr>
-      <p:sp>
-        <p:nvSpPr>
-          <p:cNvPr id="2" name="Titolo 1"/>
-          <p:cNvSpPr>
-            <a:spLocks noGrp="1"/>
-          </p:cNvSpPr>
-          <p:nvPr>
-            <p:ph type="title"/>
-          </p:nvPr>
-        </p:nvSpPr>
-        <p:spPr/>
-        <p:txBody>
-          <a:bodyPr/>
-          <a:lstStyle/>
-          <a:p>
-            <a:r>
-              <a:rPr lang="it-IT" dirty="0" err="1" smtClean="0"/>
-              <a:t>Lifecycle</a:t>
-            </a:r>
-            <a:r>
-              <a:rPr lang="it-IT" dirty="0" smtClean="0"/>
-              <a:t> </a:t>
-            </a:r>
-            <a:r>
-              <a:rPr lang="it-IT" dirty="0" err="1" smtClean="0"/>
-              <a:t>process</a:t>
-            </a:r>
-            <a:endParaRPr lang="it-IT" dirty="0"/>
-          </a:p>
-        </p:txBody>
-      </p:sp>
-      <p:sp>
-        <p:nvSpPr>
-          <p:cNvPr id="3" name="Segnaposto contenuto 2"/>
-          <p:cNvSpPr>
-            <a:spLocks noGrp="1"/>
-          </p:cNvSpPr>
-          <p:nvPr>
-            <p:ph idx="1"/>
-          </p:nvPr>
-        </p:nvSpPr>
-        <p:spPr/>
-        <p:txBody>
-          <a:bodyPr/>
-          <a:lstStyle/>
-          <a:p>
-            <a:r>
-              <a:rPr lang="it-IT" dirty="0" smtClean="0"/>
-              <a:t>DEVELOPMENT / UNIT TEST</a:t>
-            </a:r>
-          </a:p>
-          <a:p>
-            <a:r>
-              <a:rPr lang="it-IT" dirty="0" smtClean="0"/>
-              <a:t>INTEGRATION TEST</a:t>
-            </a:r>
-          </a:p>
-          <a:p>
-            <a:r>
-              <a:rPr lang="it-IT" dirty="0" smtClean="0"/>
-              <a:t>QUALITY ASSURANCE</a:t>
-            </a:r>
-          </a:p>
-          <a:p>
-            <a:r>
-              <a:rPr lang="it-IT" dirty="0" smtClean="0"/>
-              <a:t>PRODUCTION</a:t>
-            </a:r>
-          </a:p>
-          <a:p>
-            <a:endParaRPr lang="it-IT" dirty="0"/>
-          </a:p>
-        </p:txBody>
-      </p:sp>
-    </p:spTree>
-    <p:extLst>
-      <p:ext uri="{BB962C8B-B14F-4D97-AF65-F5344CB8AC3E}">
-        <p14:creationId xmlns:p14="http://schemas.microsoft.com/office/powerpoint/2010/main" val="2936166252"/>
-      </p:ext>
-    </p:extLst>
-  </p:cSld>
-  <p:clrMapOvr>
-    <a:masterClrMapping/>
-  </p:clrMapOvr>
-  <p:transition/>
-  <p:timing>
-    <p:tnLst>
-      <p:par>
-        <p:cTn id="1" dur="indefinite" restart="never" nodeType="tmRoot"/>
-      </p:par>
-    </p:tnLst>
-  </p:timing>
-</p:sld>
-</file>
-
 <file path=ppt/slides/slide16.xml><?xml version="1.0" encoding="utf-8"?>
 <p:sld xmlns:a="http://schemas.openxmlformats.org/drawingml/2006/main" xmlns:r="http://schemas.openxmlformats.org/officeDocument/2006/relationships" xmlns:p="http://schemas.openxmlformats.org/presentationml/2006/main">
   <p:cSld>
@@ -9519,8 +9878,16 @@
           <a:lstStyle/>
           <a:p>
             <a:r>
+              <a:rPr lang="it-IT" dirty="0" err="1" smtClean="0"/>
+              <a:t>Lifecycle</a:t>
+            </a:r>
+            <a:r>
               <a:rPr lang="it-IT" dirty="0" smtClean="0"/>
-              <a:t>DEVELOPMENT / UNIT TEST</a:t>
+              <a:t> </a:t>
+            </a:r>
+            <a:r>
+              <a:rPr lang="it-IT" dirty="0" err="1" smtClean="0"/>
+              <a:t>process</a:t>
             </a:r>
             <a:endParaRPr lang="it-IT" dirty="0"/>
           </a:p>
@@ -9543,7 +9910,25 @@
           <a:p>
             <a:r>
               <a:rPr lang="it-IT" dirty="0" smtClean="0"/>
-              <a:t> </a:t>
+              <a:t>DEVELOPMENT / UNIT TEST</a:t>
+            </a:r>
+          </a:p>
+          <a:p>
+            <a:r>
+              <a:rPr lang="it-IT" dirty="0" smtClean="0"/>
+              <a:t>INTEGRATION TEST</a:t>
+            </a:r>
+          </a:p>
+          <a:p>
+            <a:r>
+              <a:rPr lang="it-IT" dirty="0" smtClean="0"/>
+              <a:t>QUALITY ASSURANCE</a:t>
+            </a:r>
+          </a:p>
+          <a:p>
+            <a:r>
+              <a:rPr lang="it-IT" dirty="0" smtClean="0"/>
+              <a:t>PRODUCTION</a:t>
             </a:r>
           </a:p>
           <a:p>
@@ -9554,7 +9939,7 @@
     </p:spTree>
     <p:extLst>
       <p:ext uri="{BB962C8B-B14F-4D97-AF65-F5344CB8AC3E}">
-        <p14:creationId xmlns:p14="http://schemas.microsoft.com/office/powerpoint/2010/main" val="2341997884"/>
+        <p14:creationId xmlns:p14="http://schemas.microsoft.com/office/powerpoint/2010/main" val="2936166252"/>
       </p:ext>
     </p:extLst>
   </p:cSld>
@@ -9606,7 +9991,7 @@
           <a:p>
             <a:r>
               <a:rPr lang="it-IT" dirty="0" smtClean="0"/>
-              <a:t>INTEGRATION TEST</a:t>
+              <a:t>DEVELOPMENT / UNIT TEST</a:t>
             </a:r>
             <a:endParaRPr lang="it-IT" dirty="0"/>
           </a:p>
@@ -9640,7 +10025,7 @@
     </p:spTree>
     <p:extLst>
       <p:ext uri="{BB962C8B-B14F-4D97-AF65-F5344CB8AC3E}">
-        <p14:creationId xmlns:p14="http://schemas.microsoft.com/office/powerpoint/2010/main" val="3161300423"/>
+        <p14:creationId xmlns:p14="http://schemas.microsoft.com/office/powerpoint/2010/main" val="2341997884"/>
       </p:ext>
     </p:extLst>
   </p:cSld>
@@ -9692,7 +10077,7 @@
           <a:p>
             <a:r>
               <a:rPr lang="it-IT" dirty="0" smtClean="0"/>
-              <a:t>QUALITY ASSURANCE</a:t>
+              <a:t>INTEGRATION TEST</a:t>
             </a:r>
             <a:endParaRPr lang="it-IT" dirty="0"/>
           </a:p>
@@ -9714,248 +10099,6 @@
           <a:lstStyle/>
           <a:p>
             <a:r>
-              <a:rPr lang="it-IT" dirty="0" err="1" smtClean="0"/>
-              <a:t>Docker</a:t>
-            </a:r>
-            <a:endParaRPr lang="it-IT" dirty="0" smtClean="0"/>
-          </a:p>
-          <a:p>
-            <a:pPr lvl="1"/>
-            <a:r>
-              <a:rPr lang="it-IT" dirty="0" err="1" smtClean="0"/>
-              <a:t>Description</a:t>
-            </a:r>
-            <a:endParaRPr lang="it-IT" dirty="0" smtClean="0"/>
-          </a:p>
-          <a:p>
-            <a:pPr lvl="1"/>
-            <a:r>
-              <a:rPr lang="it-IT" dirty="0" err="1" smtClean="0"/>
-              <a:t>Images</a:t>
-            </a:r>
-            <a:endParaRPr lang="it-IT" dirty="0" smtClean="0"/>
-          </a:p>
-          <a:p>
-            <a:pPr lvl="1"/>
-            <a:r>
-              <a:rPr lang="it-IT" dirty="0" smtClean="0"/>
-              <a:t>Container</a:t>
-            </a:r>
-          </a:p>
-          <a:p>
-            <a:pPr lvl="1"/>
-            <a:r>
-              <a:rPr lang="it-IT" dirty="0" err="1" smtClean="0"/>
-              <a:t>Porpouse</a:t>
-            </a:r>
-            <a:endParaRPr lang="it-IT" dirty="0" smtClean="0"/>
-          </a:p>
-          <a:p>
-            <a:pPr lvl="2"/>
-            <a:r>
-              <a:rPr lang="it-IT" dirty="0" err="1" smtClean="0"/>
-              <a:t>Specific</a:t>
-            </a:r>
-            <a:r>
-              <a:rPr lang="it-IT" dirty="0" smtClean="0"/>
-              <a:t> database </a:t>
-            </a:r>
-            <a:r>
-              <a:rPr lang="it-IT" dirty="0" err="1" smtClean="0"/>
-              <a:t>images</a:t>
-            </a:r>
-            <a:r>
-              <a:rPr lang="it-IT" dirty="0" smtClean="0"/>
-              <a:t> </a:t>
-            </a:r>
-            <a:r>
-              <a:rPr lang="it-IT" dirty="0" err="1" smtClean="0"/>
-              <a:t>with</a:t>
-            </a:r>
-            <a:r>
-              <a:rPr lang="it-IT" dirty="0" smtClean="0"/>
-              <a:t> data </a:t>
-            </a:r>
-            <a:r>
-              <a:rPr lang="it-IT" dirty="0" err="1" smtClean="0"/>
-              <a:t>ready</a:t>
-            </a:r>
-            <a:r>
-              <a:rPr lang="it-IT" dirty="0" smtClean="0"/>
-              <a:t> </a:t>
-            </a:r>
-            <a:r>
-              <a:rPr lang="it-IT" dirty="0" err="1" smtClean="0"/>
-              <a:t>to</a:t>
-            </a:r>
-            <a:r>
-              <a:rPr lang="it-IT" dirty="0" smtClean="0"/>
-              <a:t> </a:t>
-            </a:r>
-            <a:r>
-              <a:rPr lang="it-IT" dirty="0" err="1" smtClean="0"/>
-              <a:t>be</a:t>
-            </a:r>
-            <a:r>
-              <a:rPr lang="it-IT" dirty="0" smtClean="0"/>
-              <a:t> </a:t>
-            </a:r>
-            <a:r>
-              <a:rPr lang="it-IT" dirty="0" err="1" smtClean="0"/>
-              <a:t>used</a:t>
-            </a:r>
-            <a:r>
-              <a:rPr lang="it-IT" dirty="0" smtClean="0"/>
-              <a:t> </a:t>
-            </a:r>
-            <a:r>
-              <a:rPr lang="it-IT" dirty="0" err="1" smtClean="0"/>
-              <a:t>for</a:t>
-            </a:r>
-            <a:r>
-              <a:rPr lang="it-IT" dirty="0" smtClean="0"/>
-              <a:t> </a:t>
-            </a:r>
-            <a:r>
-              <a:rPr lang="it-IT" dirty="0" err="1" smtClean="0"/>
-              <a:t>specific</a:t>
-            </a:r>
-            <a:r>
-              <a:rPr lang="it-IT" dirty="0" smtClean="0"/>
-              <a:t> </a:t>
-            </a:r>
-            <a:r>
-              <a:rPr lang="it-IT" dirty="0" err="1" smtClean="0"/>
-              <a:t>unit</a:t>
-            </a:r>
-            <a:r>
-              <a:rPr lang="it-IT" dirty="0" smtClean="0"/>
-              <a:t> or </a:t>
-            </a:r>
-            <a:r>
-              <a:rPr lang="it-IT" dirty="0" err="1" smtClean="0"/>
-              <a:t>integration</a:t>
-            </a:r>
-            <a:r>
-              <a:rPr lang="it-IT" dirty="0" smtClean="0"/>
-              <a:t> </a:t>
-            </a:r>
-            <a:r>
-              <a:rPr lang="it-IT" dirty="0" err="1" smtClean="0"/>
-              <a:t>tests</a:t>
-            </a:r>
-            <a:endParaRPr lang="it-IT" dirty="0" smtClean="0"/>
-          </a:p>
-          <a:p>
-            <a:pPr lvl="2"/>
-            <a:r>
-              <a:rPr lang="it-IT" dirty="0" err="1" smtClean="0"/>
-              <a:t>Improve</a:t>
-            </a:r>
-            <a:r>
-              <a:rPr lang="it-IT" dirty="0" smtClean="0"/>
-              <a:t> the </a:t>
-            </a:r>
-            <a:r>
-              <a:rPr lang="it-IT" dirty="0" err="1" smtClean="0"/>
-              <a:t>response</a:t>
-            </a:r>
-            <a:r>
-              <a:rPr lang="it-IT" dirty="0" smtClean="0"/>
-              <a:t> </a:t>
-            </a:r>
-            <a:r>
-              <a:rPr lang="it-IT" dirty="0" err="1" smtClean="0"/>
-              <a:t>to</a:t>
-            </a:r>
-            <a:r>
-              <a:rPr lang="it-IT" dirty="0" smtClean="0"/>
-              <a:t> </a:t>
-            </a:r>
-            <a:r>
-              <a:rPr lang="it-IT" dirty="0" err="1" smtClean="0"/>
-              <a:t>critic</a:t>
-            </a:r>
-            <a:r>
-              <a:rPr lang="it-IT" dirty="0" smtClean="0"/>
-              <a:t> bug fixing and </a:t>
-            </a:r>
-            <a:r>
-              <a:rPr lang="it-IT" dirty="0" err="1" smtClean="0"/>
-              <a:t>realize</a:t>
-            </a:r>
-            <a:r>
-              <a:rPr lang="it-IT" dirty="0" smtClean="0"/>
-              <a:t> a </a:t>
-            </a:r>
-            <a:r>
-              <a:rPr lang="it-IT" dirty="0" err="1" smtClean="0"/>
-              <a:t>faster</a:t>
-            </a:r>
-            <a:r>
-              <a:rPr lang="it-IT" dirty="0" smtClean="0"/>
-              <a:t> fixing</a:t>
-            </a:r>
-          </a:p>
-          <a:p>
-            <a:pPr lvl="2"/>
-            <a:r>
-              <a:rPr lang="it-IT" dirty="0" err="1" smtClean="0"/>
-              <a:t>Collection</a:t>
-            </a:r>
-            <a:r>
-              <a:rPr lang="it-IT" dirty="0" smtClean="0"/>
-              <a:t> </a:t>
-            </a:r>
-            <a:r>
-              <a:rPr lang="it-IT" dirty="0" err="1" smtClean="0"/>
-              <a:t>of</a:t>
-            </a:r>
-            <a:r>
-              <a:rPr lang="it-IT" dirty="0" smtClean="0"/>
-              <a:t> </a:t>
-            </a:r>
-            <a:r>
-              <a:rPr lang="it-IT" dirty="0" err="1" smtClean="0"/>
-              <a:t>specific</a:t>
-            </a:r>
-            <a:r>
-              <a:rPr lang="it-IT" dirty="0" smtClean="0"/>
-              <a:t> container </a:t>
-            </a:r>
-            <a:r>
-              <a:rPr lang="it-IT" dirty="0" err="1" smtClean="0"/>
-              <a:t>to</a:t>
-            </a:r>
-            <a:r>
-              <a:rPr lang="it-IT" dirty="0" smtClean="0"/>
-              <a:t> face </a:t>
-            </a:r>
-            <a:r>
-              <a:rPr lang="it-IT" dirty="0" err="1" smtClean="0"/>
-              <a:t>different</a:t>
-            </a:r>
-            <a:r>
-              <a:rPr lang="it-IT" dirty="0" smtClean="0"/>
-              <a:t> bug fixing or non </a:t>
-            </a:r>
-            <a:r>
-              <a:rPr lang="it-IT" dirty="0" err="1" smtClean="0"/>
-              <a:t>regression</a:t>
-            </a:r>
-            <a:r>
-              <a:rPr lang="it-IT" dirty="0" smtClean="0"/>
-              <a:t> </a:t>
-            </a:r>
-            <a:r>
-              <a:rPr lang="it-IT" dirty="0" err="1" smtClean="0"/>
-              <a:t>scenarios</a:t>
-            </a:r>
-            <a:endParaRPr lang="it-IT" dirty="0" smtClean="0"/>
-          </a:p>
-          <a:p>
-            <a:pPr lvl="2"/>
-            <a:r>
               <a:rPr lang="it-IT" dirty="0" smtClean="0"/>
               <a:t> </a:t>
             </a:r>
@@ -9968,7 +10111,7 @@
     </p:spTree>
     <p:extLst>
       <p:ext uri="{BB962C8B-B14F-4D97-AF65-F5344CB8AC3E}">
-        <p14:creationId xmlns:p14="http://schemas.microsoft.com/office/powerpoint/2010/main" val="880952961"/>
+        <p14:creationId xmlns:p14="http://schemas.microsoft.com/office/powerpoint/2010/main" val="3161300423"/>
       </p:ext>
     </p:extLst>
   </p:cSld>
@@ -10045,17 +10188,248 @@
               <a:rPr lang="it-IT" dirty="0" err="1" smtClean="0"/>
               <a:t>Docker</a:t>
             </a:r>
-            <a:r>
-              <a:rPr lang="it-IT" dirty="0" smtClean="0"/>
-              <a:t> Hub</a:t>
-            </a:r>
+            <a:endParaRPr lang="it-IT" dirty="0" smtClean="0"/>
           </a:p>
           <a:p>
-            <a:r>
-              <a:rPr lang="it-IT" smtClean="0"/>
-              <a:t>Jenkins@openshift </a:t>
+            <a:pPr lvl="1"/>
+            <a:r>
+              <a:rPr lang="it-IT" dirty="0" err="1" smtClean="0"/>
+              <a:t>Description</a:t>
             </a:r>
             <a:endParaRPr lang="it-IT" dirty="0" smtClean="0"/>
+          </a:p>
+          <a:p>
+            <a:pPr lvl="1"/>
+            <a:r>
+              <a:rPr lang="it-IT" dirty="0" err="1" smtClean="0"/>
+              <a:t>Images</a:t>
+            </a:r>
+            <a:endParaRPr lang="it-IT" dirty="0" smtClean="0"/>
+          </a:p>
+          <a:p>
+            <a:pPr lvl="1"/>
+            <a:r>
+              <a:rPr lang="it-IT" dirty="0" smtClean="0"/>
+              <a:t>Container</a:t>
+            </a:r>
+          </a:p>
+          <a:p>
+            <a:pPr lvl="1"/>
+            <a:r>
+              <a:rPr lang="it-IT" dirty="0" err="1" smtClean="0"/>
+              <a:t>Porpouse</a:t>
+            </a:r>
+            <a:endParaRPr lang="it-IT" dirty="0" smtClean="0"/>
+          </a:p>
+          <a:p>
+            <a:pPr lvl="2"/>
+            <a:r>
+              <a:rPr lang="it-IT" dirty="0" err="1" smtClean="0"/>
+              <a:t>Specific</a:t>
+            </a:r>
+            <a:r>
+              <a:rPr lang="it-IT" dirty="0" smtClean="0"/>
+              <a:t> database </a:t>
+            </a:r>
+            <a:r>
+              <a:rPr lang="it-IT" dirty="0" err="1" smtClean="0"/>
+              <a:t>images</a:t>
+            </a:r>
+            <a:r>
+              <a:rPr lang="it-IT" dirty="0" smtClean="0"/>
+              <a:t> </a:t>
+            </a:r>
+            <a:r>
+              <a:rPr lang="it-IT" dirty="0" err="1" smtClean="0"/>
+              <a:t>with</a:t>
+            </a:r>
+            <a:r>
+              <a:rPr lang="it-IT" dirty="0" smtClean="0"/>
+              <a:t> data </a:t>
+            </a:r>
+            <a:r>
+              <a:rPr lang="it-IT" dirty="0" err="1" smtClean="0"/>
+              <a:t>ready</a:t>
+            </a:r>
+            <a:r>
+              <a:rPr lang="it-IT" dirty="0" smtClean="0"/>
+              <a:t> </a:t>
+            </a:r>
+            <a:r>
+              <a:rPr lang="it-IT" dirty="0" err="1" smtClean="0"/>
+              <a:t>to</a:t>
+            </a:r>
+            <a:r>
+              <a:rPr lang="it-IT" dirty="0" smtClean="0"/>
+              <a:t> </a:t>
+            </a:r>
+            <a:r>
+              <a:rPr lang="it-IT" dirty="0" err="1" smtClean="0"/>
+              <a:t>be</a:t>
+            </a:r>
+            <a:r>
+              <a:rPr lang="it-IT" dirty="0" smtClean="0"/>
+              <a:t> </a:t>
+            </a:r>
+            <a:r>
+              <a:rPr lang="it-IT" dirty="0" err="1" smtClean="0"/>
+              <a:t>used</a:t>
+            </a:r>
+            <a:r>
+              <a:rPr lang="it-IT" dirty="0" smtClean="0"/>
+              <a:t> </a:t>
+            </a:r>
+            <a:r>
+              <a:rPr lang="it-IT" dirty="0" err="1" smtClean="0"/>
+              <a:t>for</a:t>
+            </a:r>
+            <a:r>
+              <a:rPr lang="it-IT" dirty="0" smtClean="0"/>
+              <a:t> </a:t>
+            </a:r>
+            <a:r>
+              <a:rPr lang="it-IT" dirty="0" err="1" smtClean="0"/>
+              <a:t>specific</a:t>
+            </a:r>
+            <a:r>
+              <a:rPr lang="it-IT" dirty="0" smtClean="0"/>
+              <a:t> </a:t>
+            </a:r>
+            <a:r>
+              <a:rPr lang="it-IT" dirty="0" err="1" smtClean="0"/>
+              <a:t>unit</a:t>
+            </a:r>
+            <a:r>
+              <a:rPr lang="it-IT" dirty="0" smtClean="0"/>
+              <a:t> or </a:t>
+            </a:r>
+            <a:r>
+              <a:rPr lang="it-IT" dirty="0" err="1" smtClean="0"/>
+              <a:t>integration</a:t>
+            </a:r>
+            <a:r>
+              <a:rPr lang="it-IT" dirty="0" smtClean="0"/>
+              <a:t> </a:t>
+            </a:r>
+            <a:r>
+              <a:rPr lang="it-IT" dirty="0" err="1" smtClean="0"/>
+              <a:t>tests</a:t>
+            </a:r>
+            <a:endParaRPr lang="it-IT" dirty="0" smtClean="0"/>
+          </a:p>
+          <a:p>
+            <a:pPr lvl="2"/>
+            <a:r>
+              <a:rPr lang="it-IT" dirty="0" err="1" smtClean="0"/>
+              <a:t>Improve</a:t>
+            </a:r>
+            <a:r>
+              <a:rPr lang="it-IT" dirty="0" smtClean="0"/>
+              <a:t> the </a:t>
+            </a:r>
+            <a:r>
+              <a:rPr lang="it-IT" dirty="0" err="1" smtClean="0"/>
+              <a:t>response</a:t>
+            </a:r>
+            <a:r>
+              <a:rPr lang="it-IT" dirty="0" smtClean="0"/>
+              <a:t> </a:t>
+            </a:r>
+            <a:r>
+              <a:rPr lang="it-IT" dirty="0" err="1" smtClean="0"/>
+              <a:t>to</a:t>
+            </a:r>
+            <a:r>
+              <a:rPr lang="it-IT" dirty="0" smtClean="0"/>
+              <a:t> </a:t>
+            </a:r>
+            <a:r>
+              <a:rPr lang="it-IT" dirty="0" err="1" smtClean="0"/>
+              <a:t>critic</a:t>
+            </a:r>
+            <a:r>
+              <a:rPr lang="it-IT" dirty="0" smtClean="0"/>
+              <a:t> bug fixing and </a:t>
+            </a:r>
+            <a:r>
+              <a:rPr lang="it-IT" dirty="0" err="1" smtClean="0"/>
+              <a:t>realize</a:t>
+            </a:r>
+            <a:r>
+              <a:rPr lang="it-IT" dirty="0" smtClean="0"/>
+              <a:t> a </a:t>
+            </a:r>
+            <a:r>
+              <a:rPr lang="it-IT" dirty="0" err="1" smtClean="0"/>
+              <a:t>faster</a:t>
+            </a:r>
+            <a:r>
+              <a:rPr lang="it-IT" dirty="0" smtClean="0"/>
+              <a:t> fixing</a:t>
+            </a:r>
+          </a:p>
+          <a:p>
+            <a:pPr lvl="2"/>
+            <a:r>
+              <a:rPr lang="it-IT" dirty="0" err="1" smtClean="0"/>
+              <a:t>Collection</a:t>
+            </a:r>
+            <a:r>
+              <a:rPr lang="it-IT" dirty="0" smtClean="0"/>
+              <a:t> </a:t>
+            </a:r>
+            <a:r>
+              <a:rPr lang="it-IT" dirty="0" err="1" smtClean="0"/>
+              <a:t>of</a:t>
+            </a:r>
+            <a:r>
+              <a:rPr lang="it-IT" dirty="0" smtClean="0"/>
+              <a:t> </a:t>
+            </a:r>
+            <a:r>
+              <a:rPr lang="it-IT" dirty="0" err="1" smtClean="0"/>
+              <a:t>specific</a:t>
+            </a:r>
+            <a:r>
+              <a:rPr lang="it-IT" dirty="0" smtClean="0"/>
+              <a:t> container </a:t>
+            </a:r>
+            <a:r>
+              <a:rPr lang="it-IT" dirty="0" err="1" smtClean="0"/>
+              <a:t>to</a:t>
+            </a:r>
+            <a:r>
+              <a:rPr lang="it-IT" dirty="0" smtClean="0"/>
+              <a:t> face </a:t>
+            </a:r>
+            <a:r>
+              <a:rPr lang="it-IT" dirty="0" err="1" smtClean="0"/>
+              <a:t>different</a:t>
+            </a:r>
+            <a:r>
+              <a:rPr lang="it-IT" dirty="0" smtClean="0"/>
+              <a:t> bug fixing or non </a:t>
+            </a:r>
+            <a:r>
+              <a:rPr lang="it-IT" dirty="0" err="1" smtClean="0"/>
+              <a:t>regression</a:t>
+            </a:r>
+            <a:r>
+              <a:rPr lang="it-IT" dirty="0" smtClean="0"/>
+              <a:t> </a:t>
+            </a:r>
+            <a:r>
+              <a:rPr lang="it-IT" dirty="0" err="1" smtClean="0"/>
+              <a:t>scenarios</a:t>
+            </a:r>
+            <a:endParaRPr lang="it-IT" dirty="0" smtClean="0"/>
+          </a:p>
+          <a:p>
+            <a:pPr lvl="2"/>
+            <a:r>
+              <a:rPr lang="it-IT" dirty="0" smtClean="0"/>
+              <a:t> </a:t>
+            </a:r>
           </a:p>
           <a:p>
             <a:endParaRPr lang="it-IT" dirty="0"/>
@@ -10065,7 +10439,7 @@
     </p:spTree>
     <p:extLst>
       <p:ext uri="{BB962C8B-B14F-4D97-AF65-F5344CB8AC3E}">
-        <p14:creationId xmlns:p14="http://schemas.microsoft.com/office/powerpoint/2010/main" val="3205254146"/>
+        <p14:creationId xmlns:p14="http://schemas.microsoft.com/office/powerpoint/2010/main" val="880952961"/>
       </p:ext>
     </p:extLst>
   </p:cSld>
@@ -10195,6 +10569,103 @@
           <a:p>
             <a:r>
               <a:rPr lang="it-IT" dirty="0" smtClean="0"/>
+              <a:t>QUALITY ASSURANCE</a:t>
+            </a:r>
+            <a:endParaRPr lang="it-IT" dirty="0"/>
+          </a:p>
+        </p:txBody>
+      </p:sp>
+      <p:sp>
+        <p:nvSpPr>
+          <p:cNvPr id="3" name="Segnaposto contenuto 2"/>
+          <p:cNvSpPr>
+            <a:spLocks noGrp="1"/>
+          </p:cNvSpPr>
+          <p:nvPr>
+            <p:ph idx="1"/>
+          </p:nvPr>
+        </p:nvSpPr>
+        <p:spPr/>
+        <p:txBody>
+          <a:bodyPr/>
+          <a:lstStyle/>
+          <a:p>
+            <a:r>
+              <a:rPr lang="it-IT" dirty="0" err="1" smtClean="0"/>
+              <a:t>Docker</a:t>
+            </a:r>
+            <a:r>
+              <a:rPr lang="it-IT" dirty="0" smtClean="0"/>
+              <a:t> Hub</a:t>
+            </a:r>
+          </a:p>
+          <a:p>
+            <a:r>
+              <a:rPr lang="it-IT" smtClean="0"/>
+              <a:t>Jenkins@openshift </a:t>
+            </a:r>
+            <a:endParaRPr lang="it-IT" dirty="0" smtClean="0"/>
+          </a:p>
+          <a:p>
+            <a:endParaRPr lang="it-IT" dirty="0"/>
+          </a:p>
+        </p:txBody>
+      </p:sp>
+    </p:spTree>
+    <p:extLst>
+      <p:ext uri="{BB962C8B-B14F-4D97-AF65-F5344CB8AC3E}">
+        <p14:creationId xmlns:p14="http://schemas.microsoft.com/office/powerpoint/2010/main" val="3205254146"/>
+      </p:ext>
+    </p:extLst>
+  </p:cSld>
+  <p:clrMapOvr>
+    <a:masterClrMapping/>
+  </p:clrMapOvr>
+  <p:transition/>
+  <p:timing>
+    <p:tnLst>
+      <p:par>
+        <p:cTn id="1" dur="indefinite" restart="never" nodeType="tmRoot"/>
+      </p:par>
+    </p:tnLst>
+  </p:timing>
+</p:sld>
+</file>
+
+<file path=ppt/slides/slide21.xml><?xml version="1.0" encoding="utf-8"?>
+<p:sld xmlns:a="http://schemas.openxmlformats.org/drawingml/2006/main" xmlns:r="http://schemas.openxmlformats.org/officeDocument/2006/relationships" xmlns:p="http://schemas.openxmlformats.org/presentationml/2006/main">
+  <p:cSld>
+    <p:spTree>
+      <p:nvGrpSpPr>
+        <p:cNvPr id="1" name=""/>
+        <p:cNvGrpSpPr/>
+        <p:nvPr/>
+      </p:nvGrpSpPr>
+      <p:grpSpPr>
+        <a:xfrm>
+          <a:off x="0" y="0"/>
+          <a:ext cx="0" cy="0"/>
+          <a:chOff x="0" y="0"/>
+          <a:chExt cx="0" cy="0"/>
+        </a:xfrm>
+      </p:grpSpPr>
+      <p:sp>
+        <p:nvSpPr>
+          <p:cNvPr id="2" name="Titolo 1"/>
+          <p:cNvSpPr>
+            <a:spLocks noGrp="1"/>
+          </p:cNvSpPr>
+          <p:nvPr>
+            <p:ph type="title"/>
+          </p:nvPr>
+        </p:nvSpPr>
+        <p:spPr/>
+        <p:txBody>
+          <a:bodyPr/>
+          <a:lstStyle/>
+          <a:p>
+            <a:r>
+              <a:rPr lang="it-IT" dirty="0" smtClean="0"/>
               <a:t>PRODUCTION</a:t>
             </a:r>
             <a:endParaRPr lang="it-IT" dirty="0"/>
@@ -10268,7 +10739,7 @@
 </p:sld>
 </file>
 
-<file path=ppt/slides/slide21.xml><?xml version="1.0" encoding="utf-8"?>
+<file path=ppt/slides/slide22.xml><?xml version="1.0" encoding="utf-8"?>
 <p:sld xmlns:a="http://schemas.openxmlformats.org/drawingml/2006/main" xmlns:r="http://schemas.openxmlformats.org/officeDocument/2006/relationships" xmlns:p="http://schemas.openxmlformats.org/presentationml/2006/main">
   <p:cSld>
     <p:spTree>
@@ -10344,7 +10815,7 @@
 </p:sld>
 </file>
 
-<file path=ppt/slides/slide22.xml><?xml version="1.0" encoding="utf-8"?>
+<file path=ppt/slides/slide23.xml><?xml version="1.0" encoding="utf-8"?>
 <p:sld xmlns:a="http://schemas.openxmlformats.org/drawingml/2006/main" xmlns:r="http://schemas.openxmlformats.org/officeDocument/2006/relationships" xmlns:p="http://schemas.openxmlformats.org/presentationml/2006/main">
   <p:cSld>
     <p:spTree>
@@ -10482,7 +10953,7 @@
 </p:sld>
 </file>
 
-<file path=ppt/slides/slide23.xml><?xml version="1.0" encoding="utf-8"?>
+<file path=ppt/slides/slide24.xml><?xml version="1.0" encoding="utf-8"?>
 <p:sld xmlns:a="http://schemas.openxmlformats.org/drawingml/2006/main" xmlns:r="http://schemas.openxmlformats.org/officeDocument/2006/relationships" xmlns:p="http://schemas.openxmlformats.org/presentationml/2006/main">
   <p:cSld>
     <p:spTree>
@@ -14374,7 +14845,7 @@
 </p:sld>
 </file>
 
-<file path=ppt/slides/slide24.xml><?xml version="1.0" encoding="utf-8"?>
+<file path=ppt/slides/slide25.xml><?xml version="1.0" encoding="utf-8"?>
 <p:sld xmlns:a="http://schemas.openxmlformats.org/drawingml/2006/main" xmlns:r="http://schemas.openxmlformats.org/officeDocument/2006/relationships" xmlns:p="http://schemas.openxmlformats.org/presentationml/2006/main">
   <p:cSld>
     <p:spTree>
@@ -17534,7 +18005,7 @@
 </p:sld>
 </file>
 
-<file path=ppt/slides/slide25.xml><?xml version="1.0" encoding="utf-8"?>
+<file path=ppt/slides/slide26.xml><?xml version="1.0" encoding="utf-8"?>
 <p:sld xmlns:a="http://schemas.openxmlformats.org/drawingml/2006/main" xmlns:r="http://schemas.openxmlformats.org/officeDocument/2006/relationships" xmlns:p="http://schemas.openxmlformats.org/presentationml/2006/main">
   <p:cSld>
     <p:spTree>
@@ -18906,7 +19377,7 @@
 </p:sld>
 </file>
 
-<file path=ppt/slides/slide26.xml><?xml version="1.0" encoding="utf-8"?>
+<file path=ppt/slides/slide27.xml><?xml version="1.0" encoding="utf-8"?>
 <p:sld xmlns:a="http://schemas.openxmlformats.org/drawingml/2006/main" xmlns:r="http://schemas.openxmlformats.org/officeDocument/2006/relationships" xmlns:p="http://schemas.openxmlformats.org/presentationml/2006/main">
   <p:cSld>
     <p:spTree>
@@ -21096,7 +21567,7 @@
 </p:sld>
 </file>
 
-<file path=ppt/slides/slide27.xml><?xml version="1.0" encoding="utf-8"?>
+<file path=ppt/slides/slide28.xml><?xml version="1.0" encoding="utf-8"?>
 <p:sld xmlns:a="http://schemas.openxmlformats.org/drawingml/2006/main" xmlns:r="http://schemas.openxmlformats.org/officeDocument/2006/relationships" xmlns:p="http://schemas.openxmlformats.org/presentationml/2006/main">
   <p:cSld>
     <p:spTree>
@@ -23880,132 +24351,6 @@
 </p:sld>
 </file>
 
-<file path=ppt/slides/slide28.xml><?xml version="1.0" encoding="utf-8"?>
-<p:sld xmlns:a="http://schemas.openxmlformats.org/drawingml/2006/main" xmlns:r="http://schemas.openxmlformats.org/officeDocument/2006/relationships" xmlns:p="http://schemas.openxmlformats.org/presentationml/2006/main">
-  <p:cSld>
-    <p:spTree>
-      <p:nvGrpSpPr>
-        <p:cNvPr id="1" name=""/>
-        <p:cNvGrpSpPr/>
-        <p:nvPr/>
-      </p:nvGrpSpPr>
-      <p:grpSpPr>
-        <a:xfrm>
-          <a:off x="0" y="0"/>
-          <a:ext cx="0" cy="0"/>
-          <a:chOff x="0" y="0"/>
-          <a:chExt cx="0" cy="0"/>
-        </a:xfrm>
-      </p:grpSpPr>
-      <p:sp>
-        <p:nvSpPr>
-          <p:cNvPr id="2" name="Titolo 1"/>
-          <p:cNvSpPr>
-            <a:spLocks noGrp="1"/>
-          </p:cNvSpPr>
-          <p:nvPr>
-            <p:ph type="title"/>
-          </p:nvPr>
-        </p:nvSpPr>
-        <p:spPr/>
-        <p:txBody>
-          <a:bodyPr/>
-          <a:lstStyle/>
-          <a:p>
-            <a:r>
-              <a:rPr lang="it-IT" dirty="0" err="1" smtClean="0"/>
-              <a:t>Wiring</a:t>
-            </a:r>
-            <a:r>
-              <a:rPr lang="it-IT" dirty="0" smtClean="0"/>
-              <a:t> </a:t>
-            </a:r>
-            <a:r>
-              <a:rPr lang="it-IT" dirty="0" err="1" smtClean="0"/>
-              <a:t>microservice</a:t>
-            </a:r>
-            <a:r>
-              <a:rPr lang="it-IT" dirty="0" smtClean="0"/>
-              <a:t>: Service </a:t>
-            </a:r>
-            <a:r>
-              <a:rPr lang="it-IT" dirty="0" err="1" smtClean="0"/>
-              <a:t>Discovery</a:t>
-            </a:r>
-            <a:r>
-              <a:rPr lang="it-IT" dirty="0" smtClean="0"/>
-              <a:t> </a:t>
-            </a:r>
-            <a:endParaRPr lang="it-IT" dirty="0"/>
-          </a:p>
-        </p:txBody>
-      </p:sp>
-      <p:sp>
-        <p:nvSpPr>
-          <p:cNvPr id="3" name="Segnaposto contenuto 2"/>
-          <p:cNvSpPr>
-            <a:spLocks noGrp="1"/>
-          </p:cNvSpPr>
-          <p:nvPr>
-            <p:ph idx="1"/>
-          </p:nvPr>
-        </p:nvSpPr>
-        <p:spPr/>
-        <p:txBody>
-          <a:bodyPr/>
-          <a:lstStyle/>
-          <a:p>
-            <a:r>
-              <a:rPr lang="it-IT" dirty="0" smtClean="0"/>
-              <a:t>PROBLEM: DECOUPLIG REALIZED ALSO WITH SERVICE DISCOVERY WITHOUT P2P WIRING</a:t>
-            </a:r>
-          </a:p>
-          <a:p>
-            <a:r>
-              <a:rPr lang="it-IT" dirty="0" smtClean="0"/>
-              <a:t>Go </a:t>
-            </a:r>
-            <a:r>
-              <a:rPr lang="it-IT" dirty="0" err="1" smtClean="0"/>
-              <a:t>ahead</a:t>
-            </a:r>
-            <a:r>
-              <a:rPr lang="it-IT" dirty="0" smtClean="0"/>
-              <a:t> p2p </a:t>
-            </a:r>
-            <a:r>
-              <a:rPr lang="it-IT" dirty="0" err="1" smtClean="0"/>
-              <a:t>wiring</a:t>
-            </a:r>
-            <a:r>
-              <a:rPr lang="it-IT" dirty="0" smtClean="0"/>
-              <a:t> :EUREKA: DEFINITION</a:t>
-            </a:r>
-            <a:endParaRPr lang="it-IT" dirty="0"/>
-          </a:p>
-        </p:txBody>
-      </p:sp>
-    </p:spTree>
-    <p:extLst>
-      <p:ext uri="{BB962C8B-B14F-4D97-AF65-F5344CB8AC3E}">
-        <p14:creationId xmlns:p14="http://schemas.microsoft.com/office/powerpoint/2010/main" val="2540019730"/>
-      </p:ext>
-    </p:extLst>
-  </p:cSld>
-  <p:clrMapOvr>
-    <a:masterClrMapping/>
-  </p:clrMapOvr>
-  <p:transition/>
-  <p:timing>
-    <p:tnLst>
-      <p:par>
-        <p:cTn id="1" dur="indefinite" restart="never" nodeType="tmRoot"/>
-      </p:par>
-    </p:tnLst>
-  </p:timing>
-</p:sld>
-</file>
-
 <file path=ppt/slides/slide29.xml><?xml version="1.0" encoding="utf-8"?>
 <p:sld xmlns:a="http://schemas.openxmlformats.org/drawingml/2006/main" xmlns:r="http://schemas.openxmlformats.org/officeDocument/2006/relationships" xmlns:p="http://schemas.openxmlformats.org/presentationml/2006/main">
   <p:cSld>
@@ -24040,7 +24385,7 @@
           <a:p>
             <a:r>
               <a:rPr lang="it-IT" dirty="0" err="1" smtClean="0"/>
-              <a:t>Load</a:t>
+              <a:t>Wiring</a:t>
             </a:r>
             <a:r>
               <a:rPr lang="it-IT" dirty="0" smtClean="0"/>
@@ -24048,7 +24393,15 @@
             </a:r>
             <a:r>
               <a:rPr lang="it-IT" dirty="0" err="1" smtClean="0"/>
-              <a:t>Balancing</a:t>
+              <a:t>microservice</a:t>
+            </a:r>
+            <a:r>
+              <a:rPr lang="it-IT" dirty="0" smtClean="0"/>
+              <a:t>: Service </a:t>
+            </a:r>
+            <a:r>
+              <a:rPr lang="it-IT" dirty="0" err="1" smtClean="0"/>
+              <a:t>Discovery</a:t>
             </a:r>
             <a:r>
               <a:rPr lang="it-IT" dirty="0" smtClean="0"/>
@@ -24073,6 +24426,32 @@
           <a:bodyPr/>
           <a:lstStyle/>
           <a:p>
+            <a:r>
+              <a:rPr lang="it-IT" dirty="0" smtClean="0"/>
+              <a:t>PROBLEM: DECOUPLIG REALIZED ALSO WITH SERVICE DISCOVERY WITHOUT P2P WIRING</a:t>
+            </a:r>
+          </a:p>
+          <a:p>
+            <a:r>
+              <a:rPr lang="it-IT" dirty="0" smtClean="0"/>
+              <a:t>Go </a:t>
+            </a:r>
+            <a:r>
+              <a:rPr lang="it-IT" dirty="0" err="1" smtClean="0"/>
+              <a:t>ahead</a:t>
+            </a:r>
+            <a:r>
+              <a:rPr lang="it-IT" dirty="0" smtClean="0"/>
+              <a:t> p2p </a:t>
+            </a:r>
+            <a:r>
+              <a:rPr lang="it-IT" dirty="0" err="1" smtClean="0"/>
+              <a:t>wiring</a:t>
+            </a:r>
+            <a:r>
+              <a:rPr lang="it-IT" dirty="0" smtClean="0"/>
+              <a:t> :EUREKA: DEFINITION</a:t>
+            </a:r>
             <a:endParaRPr lang="it-IT" dirty="0"/>
           </a:p>
         </p:txBody>
@@ -24080,7 +24459,7 @@
     </p:spTree>
     <p:extLst>
       <p:ext uri="{BB962C8B-B14F-4D97-AF65-F5344CB8AC3E}">
-        <p14:creationId xmlns:p14="http://schemas.microsoft.com/office/powerpoint/2010/main" val="1006668081"/>
+        <p14:creationId xmlns:p14="http://schemas.microsoft.com/office/powerpoint/2010/main" val="2540019730"/>
       </p:ext>
     </p:extLst>
   </p:cSld>
@@ -24140,6 +24519,98 @@
 </file>
 
 <file path=ppt/slides/slide30.xml><?xml version="1.0" encoding="utf-8"?>
+<p:sld xmlns:a="http://schemas.openxmlformats.org/drawingml/2006/main" xmlns:r="http://schemas.openxmlformats.org/officeDocument/2006/relationships" xmlns:p="http://schemas.openxmlformats.org/presentationml/2006/main">
+  <p:cSld>
+    <p:spTree>
+      <p:nvGrpSpPr>
+        <p:cNvPr id="1" name=""/>
+        <p:cNvGrpSpPr/>
+        <p:nvPr/>
+      </p:nvGrpSpPr>
+      <p:grpSpPr>
+        <a:xfrm>
+          <a:off x="0" y="0"/>
+          <a:ext cx="0" cy="0"/>
+          <a:chOff x="0" y="0"/>
+          <a:chExt cx="0" cy="0"/>
+        </a:xfrm>
+      </p:grpSpPr>
+      <p:sp>
+        <p:nvSpPr>
+          <p:cNvPr id="2" name="Titolo 1"/>
+          <p:cNvSpPr>
+            <a:spLocks noGrp="1"/>
+          </p:cNvSpPr>
+          <p:nvPr>
+            <p:ph type="title"/>
+          </p:nvPr>
+        </p:nvSpPr>
+        <p:spPr/>
+        <p:txBody>
+          <a:bodyPr/>
+          <a:lstStyle/>
+          <a:p>
+            <a:r>
+              <a:rPr lang="it-IT" dirty="0" err="1" smtClean="0"/>
+              <a:t>Load</a:t>
+            </a:r>
+            <a:r>
+              <a:rPr lang="it-IT" dirty="0" smtClean="0"/>
+              <a:t> </a:t>
+            </a:r>
+            <a:r>
+              <a:rPr lang="it-IT" dirty="0" err="1" smtClean="0"/>
+              <a:t>Balancing</a:t>
+            </a:r>
+            <a:r>
+              <a:rPr lang="it-IT" dirty="0" smtClean="0"/>
+              <a:t> </a:t>
+            </a:r>
+            <a:endParaRPr lang="it-IT" dirty="0"/>
+          </a:p>
+        </p:txBody>
+      </p:sp>
+      <p:sp>
+        <p:nvSpPr>
+          <p:cNvPr id="3" name="Segnaposto contenuto 2"/>
+          <p:cNvSpPr>
+            <a:spLocks noGrp="1"/>
+          </p:cNvSpPr>
+          <p:nvPr>
+            <p:ph idx="1"/>
+          </p:nvPr>
+        </p:nvSpPr>
+        <p:spPr/>
+        <p:txBody>
+          <a:bodyPr/>
+          <a:lstStyle/>
+          <a:p>
+            <a:endParaRPr lang="it-IT" dirty="0"/>
+          </a:p>
+        </p:txBody>
+      </p:sp>
+    </p:spTree>
+    <p:extLst>
+      <p:ext uri="{BB962C8B-B14F-4D97-AF65-F5344CB8AC3E}">
+        <p14:creationId xmlns:p14="http://schemas.microsoft.com/office/powerpoint/2010/main" val="1006668081"/>
+      </p:ext>
+    </p:extLst>
+  </p:cSld>
+  <p:clrMapOvr>
+    <a:masterClrMapping/>
+  </p:clrMapOvr>
+  <p:transition/>
+  <p:timing>
+    <p:tnLst>
+      <p:par>
+        <p:cTn id="1" dur="indefinite" restart="never" nodeType="tmRoot"/>
+      </p:par>
+    </p:tnLst>
+  </p:timing>
+</p:sld>
+</file>
+
+<file path=ppt/slides/slide31.xml><?xml version="1.0" encoding="utf-8"?>
 <p:sld xmlns:a="http://schemas.openxmlformats.org/drawingml/2006/main" xmlns:r="http://schemas.openxmlformats.org/officeDocument/2006/relationships" xmlns:p="http://schemas.openxmlformats.org/presentationml/2006/main">
   <p:cSld>
     <p:bg>

--- a/luigiBennardisMicroservices.pptx
+++ b/luigiBennardisMicroservices.pptx
@@ -4964,7 +4964,7 @@
               <a:t> log </a:t>
             </a:r>
             <a:r>
-              <a:rPr lang="it-IT" sz="1800" smtClean="0"/>
+              <a:rPr lang="it-IT" sz="1800" dirty="0" err="1" smtClean="0"/>
               <a:t>tailing</a:t>
             </a:r>
             <a:r>

--- a/luigiBennardisMicroservices.pptx
+++ b/luigiBennardisMicroservices.pptx
@@ -36,9 +36,10 @@
     <p:sldId id="271" r:id="rId30"/>
     <p:sldId id="270" r:id="rId31"/>
     <p:sldId id="286" r:id="rId32"/>
-    <p:sldId id="276" r:id="rId33"/>
-    <p:sldId id="277" r:id="rId34"/>
-    <p:sldId id="265" r:id="rId35"/>
+    <p:sldId id="291" r:id="rId33"/>
+    <p:sldId id="276" r:id="rId34"/>
+    <p:sldId id="277" r:id="rId35"/>
+    <p:sldId id="265" r:id="rId36"/>
   </p:sldIdLst>
   <p:sldSz cx="24384000" cy="13716000"/>
   <p:notesSz cx="6858000" cy="9144000"/>
@@ -274,7 +275,7 @@
     </p:spTree>
     <p:extLst>
       <p:ext uri="{BB962C8B-B14F-4D97-AF65-F5344CB8AC3E}">
-        <p14:creationId xmlns:p14="http://schemas.microsoft.com/office/powerpoint/2010/main" val="1488138082"/>
+        <p14:creationId xmlns:p14="http://schemas.microsoft.com/office/powerpoint/2010/main" xmlns="" val="1488138082"/>
       </p:ext>
     </p:extLst>
   </p:cSld>
@@ -420,7 +421,7 @@
     </p:spTree>
     <p:extLst>
       <p:ext uri="{BB962C8B-B14F-4D97-AF65-F5344CB8AC3E}">
-        <p14:creationId xmlns:p14="http://schemas.microsoft.com/office/powerpoint/2010/main" val="4014933588"/>
+        <p14:creationId xmlns:p14="http://schemas.microsoft.com/office/powerpoint/2010/main" xmlns="" val="4014933588"/>
       </p:ext>
     </p:extLst>
   </p:cSld>
@@ -526,7 +527,7 @@
     </p:spTree>
     <p:extLst>
       <p:ext uri="{BB962C8B-B14F-4D97-AF65-F5344CB8AC3E}">
-        <p14:creationId xmlns:p14="http://schemas.microsoft.com/office/powerpoint/2010/main" val="2935278078"/>
+        <p14:creationId xmlns:p14="http://schemas.microsoft.com/office/powerpoint/2010/main" xmlns="" val="2935278078"/>
       </p:ext>
     </p:extLst>
   </p:cSld>
@@ -632,7 +633,7 @@
     </p:spTree>
     <p:extLst>
       <p:ext uri="{BB962C8B-B14F-4D97-AF65-F5344CB8AC3E}">
-        <p14:creationId xmlns:p14="http://schemas.microsoft.com/office/powerpoint/2010/main" val="2257783360"/>
+        <p14:creationId xmlns:p14="http://schemas.microsoft.com/office/powerpoint/2010/main" xmlns="" val="2257783360"/>
       </p:ext>
     </p:extLst>
   </p:cSld>
@@ -696,14 +697,14 @@
           </a:ln>
           <a:extLst>
             <a:ext uri="{909E8E84-426E-40DD-AFC4-6F175D3DCCD1}">
-              <a14:hiddenFill xmlns:a14="http://schemas.microsoft.com/office/drawing/2010/main">
+              <a14:hiddenFill xmlns:a14="http://schemas.microsoft.com/office/drawing/2010/main" xmlns="">
                 <a:solidFill>
                   <a:srgbClr val="FFFFFF"/>
                 </a:solidFill>
               </a14:hiddenFill>
             </a:ext>
             <a:ext uri="{91240B29-F687-4F45-9708-019B960494DF}">
-              <a14:hiddenLine xmlns:a14="http://schemas.microsoft.com/office/drawing/2010/main" w="9525">
+              <a14:hiddenLine xmlns:a14="http://schemas.microsoft.com/office/drawing/2010/main" xmlns="" w="9525">
                 <a:solidFill>
                   <a:srgbClr val="000000"/>
                 </a:solidFill>
@@ -756,14 +757,14 @@
           </a:ln>
           <a:extLst>
             <a:ext uri="{909E8E84-426E-40DD-AFC4-6F175D3DCCD1}">
-              <a14:hiddenFill xmlns:a14="http://schemas.microsoft.com/office/drawing/2010/main">
+              <a14:hiddenFill xmlns:a14="http://schemas.microsoft.com/office/drawing/2010/main" xmlns="">
                 <a:solidFill>
                   <a:srgbClr val="FFFFFF"/>
                 </a:solidFill>
               </a14:hiddenFill>
             </a:ext>
             <a:ext uri="{91240B29-F687-4F45-9708-019B960494DF}">
-              <a14:hiddenLine xmlns:a14="http://schemas.microsoft.com/office/drawing/2010/main" w="9525">
+              <a14:hiddenLine xmlns:a14="http://schemas.microsoft.com/office/drawing/2010/main" xmlns="" w="9525">
                 <a:solidFill>
                   <a:srgbClr val="000000"/>
                 </a:solidFill>
@@ -1330,14 +1331,14 @@
           </a:ln>
           <a:extLst>
             <a:ext uri="{909E8E84-426E-40DD-AFC4-6F175D3DCCD1}">
-              <a14:hiddenFill xmlns:a14="http://schemas.microsoft.com/office/drawing/2010/main">
+              <a14:hiddenFill xmlns:a14="http://schemas.microsoft.com/office/drawing/2010/main" xmlns="">
                 <a:solidFill>
                   <a:srgbClr val="FFFFFF"/>
                 </a:solidFill>
               </a14:hiddenFill>
             </a:ext>
             <a:ext uri="{91240B29-F687-4F45-9708-019B960494DF}">
-              <a14:hiddenLine xmlns:a14="http://schemas.microsoft.com/office/drawing/2010/main" w="9525">
+              <a14:hiddenLine xmlns:a14="http://schemas.microsoft.com/office/drawing/2010/main" xmlns="" w="9525">
                 <a:solidFill>
                   <a:srgbClr val="000000"/>
                 </a:solidFill>
@@ -1390,14 +1391,14 @@
           </a:ln>
           <a:extLst>
             <a:ext uri="{909E8E84-426E-40DD-AFC4-6F175D3DCCD1}">
-              <a14:hiddenFill xmlns:a14="http://schemas.microsoft.com/office/drawing/2010/main">
+              <a14:hiddenFill xmlns:a14="http://schemas.microsoft.com/office/drawing/2010/main" xmlns="">
                 <a:solidFill>
                   <a:srgbClr val="FFFFFF"/>
                 </a:solidFill>
               </a14:hiddenFill>
             </a:ext>
             <a:ext uri="{91240B29-F687-4F45-9708-019B960494DF}">
-              <a14:hiddenLine xmlns:a14="http://schemas.microsoft.com/office/drawing/2010/main" w="9525">
+              <a14:hiddenLine xmlns:a14="http://schemas.microsoft.com/office/drawing/2010/main" xmlns="" w="9525">
                 <a:solidFill>
                   <a:srgbClr val="000000"/>
                 </a:solidFill>
@@ -1986,14 +1987,14 @@
           </a:ln>
           <a:extLst>
             <a:ext uri="{909E8E84-426E-40DD-AFC4-6F175D3DCCD1}">
-              <a14:hiddenFill xmlns:a14="http://schemas.microsoft.com/office/drawing/2010/main">
+              <a14:hiddenFill xmlns:a14="http://schemas.microsoft.com/office/drawing/2010/main" xmlns="">
                 <a:solidFill>
                   <a:srgbClr val="FFFFFF"/>
                 </a:solidFill>
               </a14:hiddenFill>
             </a:ext>
             <a:ext uri="{91240B29-F687-4F45-9708-019B960494DF}">
-              <a14:hiddenLine xmlns:a14="http://schemas.microsoft.com/office/drawing/2010/main" w="9525">
+              <a14:hiddenLine xmlns:a14="http://schemas.microsoft.com/office/drawing/2010/main" xmlns="" w="9525">
                 <a:solidFill>
                   <a:srgbClr val="000000"/>
                 </a:solidFill>
@@ -2046,14 +2047,14 @@
           </a:ln>
           <a:extLst>
             <a:ext uri="{909E8E84-426E-40DD-AFC4-6F175D3DCCD1}">
-              <a14:hiddenFill xmlns:a14="http://schemas.microsoft.com/office/drawing/2010/main">
+              <a14:hiddenFill xmlns:a14="http://schemas.microsoft.com/office/drawing/2010/main" xmlns="">
                 <a:solidFill>
                   <a:srgbClr val="FFFFFF"/>
                 </a:solidFill>
               </a14:hiddenFill>
             </a:ext>
             <a:ext uri="{91240B29-F687-4F45-9708-019B960494DF}">
-              <a14:hiddenLine xmlns:a14="http://schemas.microsoft.com/office/drawing/2010/main" w="9525">
+              <a14:hiddenLine xmlns:a14="http://schemas.microsoft.com/office/drawing/2010/main" xmlns="" w="9525">
                 <a:solidFill>
                   <a:srgbClr val="000000"/>
                 </a:solidFill>
@@ -2620,14 +2621,14 @@
           </a:ln>
           <a:extLst>
             <a:ext uri="{909E8E84-426E-40DD-AFC4-6F175D3DCCD1}">
-              <a14:hiddenFill xmlns:a14="http://schemas.microsoft.com/office/drawing/2010/main">
+              <a14:hiddenFill xmlns:a14="http://schemas.microsoft.com/office/drawing/2010/main" xmlns="">
                 <a:solidFill>
                   <a:srgbClr val="FFFFFF"/>
                 </a:solidFill>
               </a14:hiddenFill>
             </a:ext>
             <a:ext uri="{91240B29-F687-4F45-9708-019B960494DF}">
-              <a14:hiddenLine xmlns:a14="http://schemas.microsoft.com/office/drawing/2010/main" w="9525">
+              <a14:hiddenLine xmlns:a14="http://schemas.microsoft.com/office/drawing/2010/main" xmlns="" w="9525">
                 <a:solidFill>
                   <a:srgbClr val="000000"/>
                 </a:solidFill>
@@ -2680,14 +2681,14 @@
           </a:ln>
           <a:extLst>
             <a:ext uri="{909E8E84-426E-40DD-AFC4-6F175D3DCCD1}">
-              <a14:hiddenFill xmlns:a14="http://schemas.microsoft.com/office/drawing/2010/main">
+              <a14:hiddenFill xmlns:a14="http://schemas.microsoft.com/office/drawing/2010/main" xmlns="">
                 <a:solidFill>
                   <a:srgbClr val="FFFFFF"/>
                 </a:solidFill>
               </a14:hiddenFill>
             </a:ext>
             <a:ext uri="{91240B29-F687-4F45-9708-019B960494DF}">
-              <a14:hiddenLine xmlns:a14="http://schemas.microsoft.com/office/drawing/2010/main" w="9525">
+              <a14:hiddenLine xmlns:a14="http://schemas.microsoft.com/office/drawing/2010/main" xmlns="" w="9525">
                 <a:solidFill>
                   <a:srgbClr val="000000"/>
                 </a:solidFill>
@@ -3383,11 +3384,7 @@
             </a:r>
             <a:r>
               <a:rPr lang="it-IT" sz="1800" dirty="0" smtClean="0"/>
-              <a:t> for a microservice design pattern: DATABASE </a:t>
-            </a:r>
-            <a:r>
-              <a:rPr lang="it-IT" sz="1800" dirty="0" smtClean="0"/>
-              <a:t>PER SERVICE PATTERN</a:t>
+              <a:t> for a microservice design pattern: DATABASE PER SERVICE PATTERN</a:t>
             </a:r>
           </a:p>
           <a:p>
@@ -3532,11 +3529,7 @@
             </a:r>
             <a:r>
               <a:rPr lang="it-IT" sz="1800" dirty="0" err="1" smtClean="0"/>
-              <a:t>queries</a:t>
-            </a:r>
-            <a:r>
-              <a:rPr lang="it-IT" sz="1800" dirty="0" err="1" smtClean="0"/>
-              <a:t>must</a:t>
+              <a:t>queriesmust</a:t>
             </a:r>
             <a:r>
               <a:rPr lang="it-IT" sz="1800" dirty="0" smtClean="0"/>
@@ -3938,7 +3931,7 @@
     </p:spTree>
     <p:extLst>
       <p:ext uri="{BB962C8B-B14F-4D97-AF65-F5344CB8AC3E}">
-        <p14:creationId xmlns:p14="http://schemas.microsoft.com/office/powerpoint/2010/main" val="3233602758"/>
+        <p14:creationId xmlns:p14="http://schemas.microsoft.com/office/powerpoint/2010/main" xmlns="" val="3233602758"/>
       </p:ext>
     </p:extLst>
   </p:cSld>
@@ -4989,7 +4982,7 @@
     </p:spTree>
     <p:extLst>
       <p:ext uri="{BB962C8B-B14F-4D97-AF65-F5344CB8AC3E}">
-        <p14:creationId xmlns:p14="http://schemas.microsoft.com/office/powerpoint/2010/main" val="4031211916"/>
+        <p14:creationId xmlns:p14="http://schemas.microsoft.com/office/powerpoint/2010/main" xmlns="" val="4031211916"/>
       </p:ext>
     </p:extLst>
   </p:cSld>
@@ -5065,7 +5058,7 @@
     </p:spTree>
     <p:extLst>
       <p:ext uri="{BB962C8B-B14F-4D97-AF65-F5344CB8AC3E}">
-        <p14:creationId xmlns:p14="http://schemas.microsoft.com/office/powerpoint/2010/main" val="1554925972"/>
+        <p14:creationId xmlns:p14="http://schemas.microsoft.com/office/powerpoint/2010/main" xmlns="" val="1554925972"/>
       </p:ext>
     </p:extLst>
   </p:cSld>
@@ -5457,7 +5450,7 @@
               <a:effectLst/>
               <a:extLst>
                 <a:ext uri="{AF507438-7753-43E0-B8FC-AC1667EBCBE1}">
-                  <a14:hiddenEffects xmlns:a14="http://schemas.microsoft.com/office/drawing/2010/main">
+                  <a14:hiddenEffects xmlns:a14="http://schemas.microsoft.com/office/drawing/2010/main" xmlns="">
                     <a:effectLst>
                       <a:outerShdw blurRad="63500" dist="38099" dir="2700000" algn="ctr" rotWithShape="0">
                         <a:schemeClr val="bg2">
@@ -5502,7 +5495,7 @@
               <a:effectLst/>
               <a:extLst>
                 <a:ext uri="{AF507438-7753-43E0-B8FC-AC1667EBCBE1}">
-                  <a14:hiddenEffects xmlns:a14="http://schemas.microsoft.com/office/drawing/2010/main">
+                  <a14:hiddenEffects xmlns:a14="http://schemas.microsoft.com/office/drawing/2010/main" xmlns="">
                     <a:effectLst>
                       <a:outerShdw blurRad="63500" dist="38099" dir="2700000" algn="ctr" rotWithShape="0">
                         <a:schemeClr val="bg2">
@@ -5619,7 +5612,7 @@
     </p:spTree>
     <p:extLst>
       <p:ext uri="{BB962C8B-B14F-4D97-AF65-F5344CB8AC3E}">
-        <p14:creationId xmlns:p14="http://schemas.microsoft.com/office/powerpoint/2010/main" val="3932113593"/>
+        <p14:creationId xmlns:p14="http://schemas.microsoft.com/office/powerpoint/2010/main" xmlns="" val="3932113593"/>
       </p:ext>
     </p:extLst>
   </p:cSld>
@@ -5663,7 +5656,7 @@
           <p:nvPr>
             <p:extLst>
               <p:ext uri="{D42A27DB-BD31-4B8C-83A1-F6EECF244321}">
-                <p14:modId xmlns:p14="http://schemas.microsoft.com/office/powerpoint/2010/main" val="1958196305"/>
+                <p14:modId xmlns:p14="http://schemas.microsoft.com/office/powerpoint/2010/main" xmlns="" val="1958196305"/>
               </p:ext>
             </p:extLst>
           </p:nvPr>
@@ -6401,7 +6394,7 @@
             </a:ln>
             <a:extLst>
               <a:ext uri="{909E8E84-426E-40DD-AFC4-6F175D3DCCD1}">
-                <a14:hiddenFill xmlns:a14="http://schemas.microsoft.com/office/drawing/2010/main">
+                <a14:hiddenFill xmlns:a14="http://schemas.microsoft.com/office/drawing/2010/main" xmlns="">
                   <a:noFill/>
                 </a14:hiddenFill>
               </a:ext>
@@ -6435,7 +6428,7 @@
             </a:ln>
             <a:extLst>
               <a:ext uri="{909E8E84-426E-40DD-AFC4-6F175D3DCCD1}">
-                <a14:hiddenFill xmlns:a14="http://schemas.microsoft.com/office/drawing/2010/main">
+                <a14:hiddenFill xmlns:a14="http://schemas.microsoft.com/office/drawing/2010/main" xmlns="">
                   <a:noFill/>
                 </a14:hiddenFill>
               </a:ext>
@@ -6469,7 +6462,7 @@
             </a:ln>
             <a:extLst>
               <a:ext uri="{909E8E84-426E-40DD-AFC4-6F175D3DCCD1}">
-                <a14:hiddenFill xmlns:a14="http://schemas.microsoft.com/office/drawing/2010/main">
+                <a14:hiddenFill xmlns:a14="http://schemas.microsoft.com/office/drawing/2010/main" xmlns="">
                   <a:noFill/>
                 </a14:hiddenFill>
               </a:ext>
@@ -6503,7 +6496,7 @@
             </a:ln>
             <a:extLst>
               <a:ext uri="{909E8E84-426E-40DD-AFC4-6F175D3DCCD1}">
-                <a14:hiddenFill xmlns:a14="http://schemas.microsoft.com/office/drawing/2010/main">
+                <a14:hiddenFill xmlns:a14="http://schemas.microsoft.com/office/drawing/2010/main" xmlns="">
                   <a:noFill/>
                 </a14:hiddenFill>
               </a:ext>
@@ -6537,7 +6530,7 @@
             </a:ln>
             <a:extLst>
               <a:ext uri="{909E8E84-426E-40DD-AFC4-6F175D3DCCD1}">
-                <a14:hiddenFill xmlns:a14="http://schemas.microsoft.com/office/drawing/2010/main">
+                <a14:hiddenFill xmlns:a14="http://schemas.microsoft.com/office/drawing/2010/main" xmlns="">
                   <a:noFill/>
                 </a14:hiddenFill>
               </a:ext>
@@ -6571,7 +6564,7 @@
             </a:ln>
             <a:extLst>
               <a:ext uri="{909E8E84-426E-40DD-AFC4-6F175D3DCCD1}">
-                <a14:hiddenFill xmlns:a14="http://schemas.microsoft.com/office/drawing/2010/main">
+                <a14:hiddenFill xmlns:a14="http://schemas.microsoft.com/office/drawing/2010/main" xmlns="">
                   <a:noFill/>
                 </a14:hiddenFill>
               </a:ext>
@@ -6605,7 +6598,7 @@
             </a:ln>
             <a:extLst>
               <a:ext uri="{909E8E84-426E-40DD-AFC4-6F175D3DCCD1}">
-                <a14:hiddenFill xmlns:a14="http://schemas.microsoft.com/office/drawing/2010/main">
+                <a14:hiddenFill xmlns:a14="http://schemas.microsoft.com/office/drawing/2010/main" xmlns="">
                   <a:noFill/>
                 </a14:hiddenFill>
               </a:ext>
@@ -6634,14 +6627,14 @@
             </a:ln>
             <a:extLst>
               <a:ext uri="{909E8E84-426E-40DD-AFC4-6F175D3DCCD1}">
-                <a14:hiddenFill xmlns:a14="http://schemas.microsoft.com/office/drawing/2010/main">
+                <a14:hiddenFill xmlns:a14="http://schemas.microsoft.com/office/drawing/2010/main" xmlns="">
                   <a:solidFill>
                     <a:srgbClr val="FFFFFF"/>
                   </a:solidFill>
                 </a14:hiddenFill>
               </a:ext>
               <a:ext uri="{91240B29-F687-4F45-9708-019B960494DF}">
-                <a14:hiddenLine xmlns:a14="http://schemas.microsoft.com/office/drawing/2010/main" w="9525">
+                <a14:hiddenLine xmlns:a14="http://schemas.microsoft.com/office/drawing/2010/main" xmlns="" w="9525">
                   <a:solidFill>
                     <a:srgbClr val="000000"/>
                   </a:solidFill>
@@ -6802,14 +6795,14 @@
             </a:ln>
             <a:extLst>
               <a:ext uri="{909E8E84-426E-40DD-AFC4-6F175D3DCCD1}">
-                <a14:hiddenFill xmlns:a14="http://schemas.microsoft.com/office/drawing/2010/main">
+                <a14:hiddenFill xmlns:a14="http://schemas.microsoft.com/office/drawing/2010/main" xmlns="">
                   <a:solidFill>
                     <a:srgbClr val="FFFFFF"/>
                   </a:solidFill>
                 </a14:hiddenFill>
               </a:ext>
               <a:ext uri="{91240B29-F687-4F45-9708-019B960494DF}">
-                <a14:hiddenLine xmlns:a14="http://schemas.microsoft.com/office/drawing/2010/main" w="9525">
+                <a14:hiddenLine xmlns:a14="http://schemas.microsoft.com/office/drawing/2010/main" xmlns="" w="9525">
                   <a:solidFill>
                     <a:srgbClr val="000000"/>
                   </a:solidFill>
@@ -6974,14 +6967,14 @@
             </a:ln>
             <a:extLst>
               <a:ext uri="{909E8E84-426E-40DD-AFC4-6F175D3DCCD1}">
-                <a14:hiddenFill xmlns:a14="http://schemas.microsoft.com/office/drawing/2010/main">
+                <a14:hiddenFill xmlns:a14="http://schemas.microsoft.com/office/drawing/2010/main" xmlns="">
                   <a:solidFill>
                     <a:srgbClr val="FFFFFF"/>
                   </a:solidFill>
                 </a14:hiddenFill>
               </a:ext>
               <a:ext uri="{91240B29-F687-4F45-9708-019B960494DF}">
-                <a14:hiddenLine xmlns:a14="http://schemas.microsoft.com/office/drawing/2010/main" w="9525">
+                <a14:hiddenLine xmlns:a14="http://schemas.microsoft.com/office/drawing/2010/main" xmlns="" w="9525">
                   <a:solidFill>
                     <a:srgbClr val="000000"/>
                   </a:solidFill>
@@ -7148,14 +7141,14 @@
             </a:ln>
             <a:extLst>
               <a:ext uri="{909E8E84-426E-40DD-AFC4-6F175D3DCCD1}">
-                <a14:hiddenFill xmlns:a14="http://schemas.microsoft.com/office/drawing/2010/main">
+                <a14:hiddenFill xmlns:a14="http://schemas.microsoft.com/office/drawing/2010/main" xmlns="">
                   <a:solidFill>
                     <a:srgbClr val="FFFFFF"/>
                   </a:solidFill>
                 </a14:hiddenFill>
               </a:ext>
               <a:ext uri="{91240B29-F687-4F45-9708-019B960494DF}">
-                <a14:hiddenLine xmlns:a14="http://schemas.microsoft.com/office/drawing/2010/main" w="9525">
+                <a14:hiddenLine xmlns:a14="http://schemas.microsoft.com/office/drawing/2010/main" xmlns="" w="9525">
                   <a:solidFill>
                     <a:srgbClr val="000000"/>
                   </a:solidFill>
@@ -7324,14 +7317,14 @@
             </a:ln>
             <a:extLst>
               <a:ext uri="{909E8E84-426E-40DD-AFC4-6F175D3DCCD1}">
-                <a14:hiddenFill xmlns:a14="http://schemas.microsoft.com/office/drawing/2010/main">
+                <a14:hiddenFill xmlns:a14="http://schemas.microsoft.com/office/drawing/2010/main" xmlns="">
                   <a:solidFill>
                     <a:srgbClr val="FFFFFF"/>
                   </a:solidFill>
                 </a14:hiddenFill>
               </a:ext>
               <a:ext uri="{91240B29-F687-4F45-9708-019B960494DF}">
-                <a14:hiddenLine xmlns:a14="http://schemas.microsoft.com/office/drawing/2010/main" w="9525">
+                <a14:hiddenLine xmlns:a14="http://schemas.microsoft.com/office/drawing/2010/main" xmlns="" w="9525">
                   <a:solidFill>
                     <a:srgbClr val="000000"/>
                   </a:solidFill>
@@ -7506,14 +7499,14 @@
             </a:ln>
             <a:extLst>
               <a:ext uri="{909E8E84-426E-40DD-AFC4-6F175D3DCCD1}">
-                <a14:hiddenFill xmlns:a14="http://schemas.microsoft.com/office/drawing/2010/main">
+                <a14:hiddenFill xmlns:a14="http://schemas.microsoft.com/office/drawing/2010/main" xmlns="">
                   <a:solidFill>
                     <a:srgbClr val="FFFFFF"/>
                   </a:solidFill>
                 </a14:hiddenFill>
               </a:ext>
               <a:ext uri="{91240B29-F687-4F45-9708-019B960494DF}">
-                <a14:hiddenLine xmlns:a14="http://schemas.microsoft.com/office/drawing/2010/main" w="9525">
+                <a14:hiddenLine xmlns:a14="http://schemas.microsoft.com/office/drawing/2010/main" xmlns="" w="9525">
                   <a:solidFill>
                     <a:srgbClr val="000000"/>
                   </a:solidFill>
@@ -7685,7 +7678,7 @@
             </a:ln>
             <a:extLst>
               <a:ext uri="{909E8E84-426E-40DD-AFC4-6F175D3DCCD1}">
-                <a14:hiddenFill xmlns:a14="http://schemas.microsoft.com/office/drawing/2010/main">
+                <a14:hiddenFill xmlns:a14="http://schemas.microsoft.com/office/drawing/2010/main" xmlns="">
                   <a:noFill/>
                 </a14:hiddenFill>
               </a:ext>
@@ -7714,14 +7707,14 @@
             </a:ln>
             <a:extLst>
               <a:ext uri="{909E8E84-426E-40DD-AFC4-6F175D3DCCD1}">
-                <a14:hiddenFill xmlns:a14="http://schemas.microsoft.com/office/drawing/2010/main">
+                <a14:hiddenFill xmlns:a14="http://schemas.microsoft.com/office/drawing/2010/main" xmlns="">
                   <a:solidFill>
                     <a:srgbClr val="FFFFFF"/>
                   </a:solidFill>
                 </a14:hiddenFill>
               </a:ext>
               <a:ext uri="{91240B29-F687-4F45-9708-019B960494DF}">
-                <a14:hiddenLine xmlns:a14="http://schemas.microsoft.com/office/drawing/2010/main" w="9525">
+                <a14:hiddenLine xmlns:a14="http://schemas.microsoft.com/office/drawing/2010/main" xmlns="" w="9525">
                   <a:solidFill>
                     <a:srgbClr val="000000"/>
                   </a:solidFill>
@@ -7893,7 +7886,7 @@
             </a:ln>
             <a:extLst>
               <a:ext uri="{909E8E84-426E-40DD-AFC4-6F175D3DCCD1}">
-                <a14:hiddenFill xmlns:a14="http://schemas.microsoft.com/office/drawing/2010/main">
+                <a14:hiddenFill xmlns:a14="http://schemas.microsoft.com/office/drawing/2010/main" xmlns="">
                   <a:noFill/>
                 </a14:hiddenFill>
               </a:ext>
@@ -7922,14 +7915,14 @@
             </a:ln>
             <a:extLst>
               <a:ext uri="{909E8E84-426E-40DD-AFC4-6F175D3DCCD1}">
-                <a14:hiddenFill xmlns:a14="http://schemas.microsoft.com/office/drawing/2010/main">
+                <a14:hiddenFill xmlns:a14="http://schemas.microsoft.com/office/drawing/2010/main" xmlns="">
                   <a:solidFill>
                     <a:srgbClr val="FFFFFF"/>
                   </a:solidFill>
                 </a14:hiddenFill>
               </a:ext>
               <a:ext uri="{91240B29-F687-4F45-9708-019B960494DF}">
-                <a14:hiddenLine xmlns:a14="http://schemas.microsoft.com/office/drawing/2010/main" w="9525">
+                <a14:hiddenLine xmlns:a14="http://schemas.microsoft.com/office/drawing/2010/main" xmlns="" w="9525">
                   <a:solidFill>
                     <a:srgbClr val="000000"/>
                   </a:solidFill>
@@ -8101,7 +8094,7 @@
             </a:ln>
             <a:extLst>
               <a:ext uri="{909E8E84-426E-40DD-AFC4-6F175D3DCCD1}">
-                <a14:hiddenFill xmlns:a14="http://schemas.microsoft.com/office/drawing/2010/main">
+                <a14:hiddenFill xmlns:a14="http://schemas.microsoft.com/office/drawing/2010/main" xmlns="">
                   <a:noFill/>
                 </a14:hiddenFill>
               </a:ext>
@@ -8130,14 +8123,14 @@
             </a:ln>
             <a:extLst>
               <a:ext uri="{909E8E84-426E-40DD-AFC4-6F175D3DCCD1}">
-                <a14:hiddenFill xmlns:a14="http://schemas.microsoft.com/office/drawing/2010/main">
+                <a14:hiddenFill xmlns:a14="http://schemas.microsoft.com/office/drawing/2010/main" xmlns="">
                   <a:solidFill>
                     <a:srgbClr val="FFFFFF"/>
                   </a:solidFill>
                 </a14:hiddenFill>
               </a:ext>
               <a:ext uri="{91240B29-F687-4F45-9708-019B960494DF}">
-                <a14:hiddenLine xmlns:a14="http://schemas.microsoft.com/office/drawing/2010/main" w="9525">
+                <a14:hiddenLine xmlns:a14="http://schemas.microsoft.com/office/drawing/2010/main" xmlns="" w="9525">
                   <a:solidFill>
                     <a:srgbClr val="000000"/>
                   </a:solidFill>
@@ -8309,7 +8302,7 @@
             </a:ln>
             <a:extLst>
               <a:ext uri="{909E8E84-426E-40DD-AFC4-6F175D3DCCD1}">
-                <a14:hiddenFill xmlns:a14="http://schemas.microsoft.com/office/drawing/2010/main">
+                <a14:hiddenFill xmlns:a14="http://schemas.microsoft.com/office/drawing/2010/main" xmlns="">
                   <a:noFill/>
                 </a14:hiddenFill>
               </a:ext>
@@ -8343,7 +8336,7 @@
             </a:ln>
             <a:extLst>
               <a:ext uri="{909E8E84-426E-40DD-AFC4-6F175D3DCCD1}">
-                <a14:hiddenFill xmlns:a14="http://schemas.microsoft.com/office/drawing/2010/main">
+                <a14:hiddenFill xmlns:a14="http://schemas.microsoft.com/office/drawing/2010/main" xmlns="">
                   <a:noFill/>
                 </a14:hiddenFill>
               </a:ext>
@@ -8372,14 +8365,14 @@
             </a:ln>
             <a:extLst>
               <a:ext uri="{909E8E84-426E-40DD-AFC4-6F175D3DCCD1}">
-                <a14:hiddenFill xmlns:a14="http://schemas.microsoft.com/office/drawing/2010/main">
+                <a14:hiddenFill xmlns:a14="http://schemas.microsoft.com/office/drawing/2010/main" xmlns="">
                   <a:solidFill>
                     <a:srgbClr val="FFFFFF"/>
                   </a:solidFill>
                 </a14:hiddenFill>
               </a:ext>
               <a:ext uri="{91240B29-F687-4F45-9708-019B960494DF}">
-                <a14:hiddenLine xmlns:a14="http://schemas.microsoft.com/office/drawing/2010/main" w="9525">
+                <a14:hiddenLine xmlns:a14="http://schemas.microsoft.com/office/drawing/2010/main" xmlns="" w="9525">
                   <a:solidFill>
                     <a:srgbClr val="000000"/>
                   </a:solidFill>
@@ -8540,14 +8533,14 @@
             </a:ln>
             <a:extLst>
               <a:ext uri="{909E8E84-426E-40DD-AFC4-6F175D3DCCD1}">
-                <a14:hiddenFill xmlns:a14="http://schemas.microsoft.com/office/drawing/2010/main">
+                <a14:hiddenFill xmlns:a14="http://schemas.microsoft.com/office/drawing/2010/main" xmlns="">
                   <a:solidFill>
                     <a:srgbClr val="FFFFFF"/>
                   </a:solidFill>
                 </a14:hiddenFill>
               </a:ext>
               <a:ext uri="{91240B29-F687-4F45-9708-019B960494DF}">
-                <a14:hiddenLine xmlns:a14="http://schemas.microsoft.com/office/drawing/2010/main" w="9525">
+                <a14:hiddenLine xmlns:a14="http://schemas.microsoft.com/office/drawing/2010/main" xmlns="" w="9525">
                   <a:solidFill>
                     <a:srgbClr val="000000"/>
                   </a:solidFill>
@@ -8793,7 +8786,7 @@
             </a:ln>
             <a:extLst>
               <a:ext uri="{909E8E84-426E-40DD-AFC4-6F175D3DCCD1}">
-                <a14:hiddenFill xmlns:a14="http://schemas.microsoft.com/office/drawing/2010/main">
+                <a14:hiddenFill xmlns:a14="http://schemas.microsoft.com/office/drawing/2010/main" xmlns="">
                   <a:noFill/>
                 </a14:hiddenFill>
               </a:ext>
@@ -8827,7 +8820,7 @@
             </a:ln>
             <a:extLst>
               <a:ext uri="{909E8E84-426E-40DD-AFC4-6F175D3DCCD1}">
-                <a14:hiddenFill xmlns:a14="http://schemas.microsoft.com/office/drawing/2010/main">
+                <a14:hiddenFill xmlns:a14="http://schemas.microsoft.com/office/drawing/2010/main" xmlns="">
                   <a:noFill/>
                 </a14:hiddenFill>
               </a:ext>
@@ -9939,7 +9932,7 @@
     </p:spTree>
     <p:extLst>
       <p:ext uri="{BB962C8B-B14F-4D97-AF65-F5344CB8AC3E}">
-        <p14:creationId xmlns:p14="http://schemas.microsoft.com/office/powerpoint/2010/main" val="2936166252"/>
+        <p14:creationId xmlns:p14="http://schemas.microsoft.com/office/powerpoint/2010/main" xmlns="" val="2936166252"/>
       </p:ext>
     </p:extLst>
   </p:cSld>
@@ -10025,7 +10018,7 @@
     </p:spTree>
     <p:extLst>
       <p:ext uri="{BB962C8B-B14F-4D97-AF65-F5344CB8AC3E}">
-        <p14:creationId xmlns:p14="http://schemas.microsoft.com/office/powerpoint/2010/main" val="2341997884"/>
+        <p14:creationId xmlns:p14="http://schemas.microsoft.com/office/powerpoint/2010/main" xmlns="" val="2341997884"/>
       </p:ext>
     </p:extLst>
   </p:cSld>
@@ -10111,7 +10104,7 @@
     </p:spTree>
     <p:extLst>
       <p:ext uri="{BB962C8B-B14F-4D97-AF65-F5344CB8AC3E}">
-        <p14:creationId xmlns:p14="http://schemas.microsoft.com/office/powerpoint/2010/main" val="3161300423"/>
+        <p14:creationId xmlns:p14="http://schemas.microsoft.com/office/powerpoint/2010/main" xmlns="" val="3161300423"/>
       </p:ext>
     </p:extLst>
   </p:cSld>
@@ -10439,7 +10432,7 @@
     </p:spTree>
     <p:extLst>
       <p:ext uri="{BB962C8B-B14F-4D97-AF65-F5344CB8AC3E}">
-        <p14:creationId xmlns:p14="http://schemas.microsoft.com/office/powerpoint/2010/main" val="880952961"/>
+        <p14:creationId xmlns:p14="http://schemas.microsoft.com/office/powerpoint/2010/main" xmlns="" val="880952961"/>
       </p:ext>
     </p:extLst>
   </p:cSld>
@@ -10614,7 +10607,7 @@
     </p:spTree>
     <p:extLst>
       <p:ext uri="{BB962C8B-B14F-4D97-AF65-F5344CB8AC3E}">
-        <p14:creationId xmlns:p14="http://schemas.microsoft.com/office/powerpoint/2010/main" val="3205254146"/>
+        <p14:creationId xmlns:p14="http://schemas.microsoft.com/office/powerpoint/2010/main" xmlns="" val="3205254146"/>
       </p:ext>
     </p:extLst>
   </p:cSld>
@@ -10721,7 +10714,7 @@
     </p:spTree>
     <p:extLst>
       <p:ext uri="{BB962C8B-B14F-4D97-AF65-F5344CB8AC3E}">
-        <p14:creationId xmlns:p14="http://schemas.microsoft.com/office/powerpoint/2010/main" val="2130358231"/>
+        <p14:creationId xmlns:p14="http://schemas.microsoft.com/office/powerpoint/2010/main" xmlns="" val="2130358231"/>
       </p:ext>
     </p:extLst>
   </p:cSld>
@@ -10797,7 +10790,7 @@
     </p:spTree>
     <p:extLst>
       <p:ext uri="{BB962C8B-B14F-4D97-AF65-F5344CB8AC3E}">
-        <p14:creationId xmlns:p14="http://schemas.microsoft.com/office/powerpoint/2010/main" val="2730314115"/>
+        <p14:creationId xmlns:p14="http://schemas.microsoft.com/office/powerpoint/2010/main" xmlns="" val="2730314115"/>
       </p:ext>
     </p:extLst>
   </p:cSld>
@@ -10935,7 +10928,7 @@
     </p:spTree>
     <p:extLst>
       <p:ext uri="{BB962C8B-B14F-4D97-AF65-F5344CB8AC3E}">
-        <p14:creationId xmlns:p14="http://schemas.microsoft.com/office/powerpoint/2010/main" val="1198612420"/>
+        <p14:creationId xmlns:p14="http://schemas.microsoft.com/office/powerpoint/2010/main" xmlns="" val="1198612420"/>
       </p:ext>
     </p:extLst>
   </p:cSld>
@@ -11057,7 +11050,7 @@
             <a:effectLst/>
             <a:extLst>
               <a:ext uri="{AF507438-7753-43E0-B8FC-AC1667EBCBE1}">
-                <a14:hiddenEffects xmlns:a14="http://schemas.microsoft.com/office/drawing/2010/main">
+                <a14:hiddenEffects xmlns:a14="http://schemas.microsoft.com/office/drawing/2010/main" xmlns="">
                   <a:effectLst>
                     <a:outerShdw blurRad="63500" dist="38099" dir="2700000" algn="ctr" rotWithShape="0">
                       <a:schemeClr val="bg2">
@@ -11141,7 +11134,7 @@
             <a:effectLst/>
             <a:extLst>
               <a:ext uri="{AF507438-7753-43E0-B8FC-AC1667EBCBE1}">
-                <a14:hiddenEffects xmlns:a14="http://schemas.microsoft.com/office/drawing/2010/main">
+                <a14:hiddenEffects xmlns:a14="http://schemas.microsoft.com/office/drawing/2010/main" xmlns="">
                   <a:effectLst>
                     <a:outerShdw blurRad="63500" dist="38099" dir="2700000" algn="ctr" rotWithShape="0">
                       <a:schemeClr val="bg2">
@@ -11230,7 +11223,7 @@
             <a:effectLst/>
             <a:extLst>
               <a:ext uri="{AF507438-7753-43E0-B8FC-AC1667EBCBE1}">
-                <a14:hiddenEffects xmlns:a14="http://schemas.microsoft.com/office/drawing/2010/main">
+                <a14:hiddenEffects xmlns:a14="http://schemas.microsoft.com/office/drawing/2010/main" xmlns="">
                   <a:effectLst>
                     <a:outerShdw blurRad="63500" dist="38099" dir="2700000" algn="ctr" rotWithShape="0">
                       <a:schemeClr val="bg2">
@@ -11321,7 +11314,7 @@
             <a:effectLst/>
             <a:extLst>
               <a:ext uri="{AF507438-7753-43E0-B8FC-AC1667EBCBE1}">
-                <a14:hiddenEffects xmlns:a14="http://schemas.microsoft.com/office/drawing/2010/main">
+                <a14:hiddenEffects xmlns:a14="http://schemas.microsoft.com/office/drawing/2010/main" xmlns="">
                   <a:effectLst>
                     <a:outerShdw blurRad="63500" dist="38099" dir="2700000" algn="ctr" rotWithShape="0">
                       <a:schemeClr val="bg2">
@@ -11405,7 +11398,7 @@
             <a:effectLst/>
             <a:extLst>
               <a:ext uri="{AF507438-7753-43E0-B8FC-AC1667EBCBE1}">
-                <a14:hiddenEffects xmlns:a14="http://schemas.microsoft.com/office/drawing/2010/main">
+                <a14:hiddenEffects xmlns:a14="http://schemas.microsoft.com/office/drawing/2010/main" xmlns="">
                   <a:effectLst>
                     <a:outerShdw blurRad="63500" dist="38099" dir="2700000" algn="ctr" rotWithShape="0">
                       <a:schemeClr val="bg2">
@@ -11489,7 +11482,7 @@
             <a:effectLst/>
             <a:extLst>
               <a:ext uri="{AF507438-7753-43E0-B8FC-AC1667EBCBE1}">
-                <a14:hiddenEffects xmlns:a14="http://schemas.microsoft.com/office/drawing/2010/main">
+                <a14:hiddenEffects xmlns:a14="http://schemas.microsoft.com/office/drawing/2010/main" xmlns="">
                   <a:effectLst>
                     <a:outerShdw blurRad="63500" dist="38099" dir="2700000" algn="ctr" rotWithShape="0">
                       <a:schemeClr val="bg2">
@@ -11573,7 +11566,7 @@
             <a:effectLst/>
             <a:extLst>
               <a:ext uri="{AF507438-7753-43E0-B8FC-AC1667EBCBE1}">
-                <a14:hiddenEffects xmlns:a14="http://schemas.microsoft.com/office/drawing/2010/main">
+                <a14:hiddenEffects xmlns:a14="http://schemas.microsoft.com/office/drawing/2010/main" xmlns="">
                   <a:effectLst>
                     <a:outerShdw blurRad="63500" dist="38099" dir="2700000" algn="ctr" rotWithShape="0">
                       <a:schemeClr val="bg2">
@@ -11611,7 +11604,7 @@
           </a:ln>
           <a:extLst>
             <a:ext uri="{91240B29-F687-4F45-9708-019B960494DF}">
-              <a14:hiddenLine xmlns:a14="http://schemas.microsoft.com/office/drawing/2010/main" w="25400" algn="ctr">
+              <a14:hiddenLine xmlns:a14="http://schemas.microsoft.com/office/drawing/2010/main" xmlns="" w="25400" algn="ctr">
                 <a:solidFill>
                   <a:srgbClr val="000000"/>
                 </a:solidFill>
@@ -11655,7 +11648,7 @@
           </a:ln>
           <a:extLst>
             <a:ext uri="{91240B29-F687-4F45-9708-019B960494DF}">
-              <a14:hiddenLine xmlns:a14="http://schemas.microsoft.com/office/drawing/2010/main" w="25400" algn="ctr">
+              <a14:hiddenLine xmlns:a14="http://schemas.microsoft.com/office/drawing/2010/main" xmlns="" w="25400" algn="ctr">
                 <a:solidFill>
                   <a:srgbClr val="000000"/>
                 </a:solidFill>
@@ -11699,7 +11692,7 @@
           </a:ln>
           <a:extLst>
             <a:ext uri="{91240B29-F687-4F45-9708-019B960494DF}">
-              <a14:hiddenLine xmlns:a14="http://schemas.microsoft.com/office/drawing/2010/main" w="25400" algn="ctr">
+              <a14:hiddenLine xmlns:a14="http://schemas.microsoft.com/office/drawing/2010/main" xmlns="" w="25400" algn="ctr">
                 <a:solidFill>
                   <a:srgbClr val="000000"/>
                 </a:solidFill>
@@ -11743,7 +11736,7 @@
           </a:ln>
           <a:extLst>
             <a:ext uri="{91240B29-F687-4F45-9708-019B960494DF}">
-              <a14:hiddenLine xmlns:a14="http://schemas.microsoft.com/office/drawing/2010/main" w="25400" algn="ctr">
+              <a14:hiddenLine xmlns:a14="http://schemas.microsoft.com/office/drawing/2010/main" xmlns="" w="25400" algn="ctr">
                 <a:solidFill>
                   <a:srgbClr val="000000"/>
                 </a:solidFill>
@@ -11790,7 +11783,7 @@
           </a:ln>
           <a:extLst>
             <a:ext uri="{91240B29-F687-4F45-9708-019B960494DF}">
-              <a14:hiddenLine xmlns:a14="http://schemas.microsoft.com/office/drawing/2010/main" w="25400" algn="ctr">
+              <a14:hiddenLine xmlns:a14="http://schemas.microsoft.com/office/drawing/2010/main" xmlns="" w="25400" algn="ctr">
                 <a:solidFill>
                   <a:srgbClr val="000000"/>
                 </a:solidFill>
@@ -11834,7 +11827,7 @@
           </a:ln>
           <a:extLst>
             <a:ext uri="{91240B29-F687-4F45-9708-019B960494DF}">
-              <a14:hiddenLine xmlns:a14="http://schemas.microsoft.com/office/drawing/2010/main" w="25400" algn="ctr">
+              <a14:hiddenLine xmlns:a14="http://schemas.microsoft.com/office/drawing/2010/main" xmlns="" w="25400" algn="ctr">
                 <a:solidFill>
                   <a:srgbClr val="000000"/>
                 </a:solidFill>
@@ -11897,7 +11890,7 @@
             </a:ln>
             <a:extLst>
               <a:ext uri="{91240B29-F687-4F45-9708-019B960494DF}">
-                <a14:hiddenLine xmlns:a14="http://schemas.microsoft.com/office/drawing/2010/main" w="25400" algn="ctr">
+                <a14:hiddenLine xmlns:a14="http://schemas.microsoft.com/office/drawing/2010/main" xmlns="" w="25400" algn="ctr">
                   <a:solidFill>
                     <a:srgbClr val="000000"/>
                   </a:solidFill>
@@ -11939,14 +11932,14 @@
             </a:ln>
             <a:extLst>
               <a:ext uri="{909E8E84-426E-40DD-AFC4-6F175D3DCCD1}">
-                <a14:hiddenFill xmlns:a14="http://schemas.microsoft.com/office/drawing/2010/main">
+                <a14:hiddenFill xmlns:a14="http://schemas.microsoft.com/office/drawing/2010/main" xmlns="">
                   <a:solidFill>
                     <a:srgbClr val="FFFFFF"/>
                   </a:solidFill>
                 </a14:hiddenFill>
               </a:ext>
               <a:ext uri="{91240B29-F687-4F45-9708-019B960494DF}">
-                <a14:hiddenLine xmlns:a14="http://schemas.microsoft.com/office/drawing/2010/main" w="9525">
+                <a14:hiddenLine xmlns:a14="http://schemas.microsoft.com/office/drawing/2010/main" xmlns="" w="9525">
                   <a:solidFill>
                     <a:srgbClr val="000000"/>
                   </a:solidFill>
@@ -12129,7 +12122,7 @@
             </a:ln>
             <a:extLst>
               <a:ext uri="{91240B29-F687-4F45-9708-019B960494DF}">
-                <a14:hiddenLine xmlns:a14="http://schemas.microsoft.com/office/drawing/2010/main" w="25400" algn="ctr">
+                <a14:hiddenLine xmlns:a14="http://schemas.microsoft.com/office/drawing/2010/main" xmlns="" w="25400" algn="ctr">
                   <a:solidFill>
                     <a:srgbClr val="000000"/>
                   </a:solidFill>
@@ -12171,14 +12164,14 @@
             </a:ln>
             <a:extLst>
               <a:ext uri="{909E8E84-426E-40DD-AFC4-6F175D3DCCD1}">
-                <a14:hiddenFill xmlns:a14="http://schemas.microsoft.com/office/drawing/2010/main">
+                <a14:hiddenFill xmlns:a14="http://schemas.microsoft.com/office/drawing/2010/main" xmlns="">
                   <a:solidFill>
                     <a:srgbClr val="FFFFFF"/>
                   </a:solidFill>
                 </a14:hiddenFill>
               </a:ext>
               <a:ext uri="{91240B29-F687-4F45-9708-019B960494DF}">
-                <a14:hiddenLine xmlns:a14="http://schemas.microsoft.com/office/drawing/2010/main" w="9525">
+                <a14:hiddenLine xmlns:a14="http://schemas.microsoft.com/office/drawing/2010/main" xmlns="" w="9525">
                   <a:solidFill>
                     <a:srgbClr val="000000"/>
                   </a:solidFill>
@@ -12367,7 +12360,7 @@
             </a:ln>
             <a:extLst>
               <a:ext uri="{91240B29-F687-4F45-9708-019B960494DF}">
-                <a14:hiddenLine xmlns:a14="http://schemas.microsoft.com/office/drawing/2010/main" w="25400" algn="ctr">
+                <a14:hiddenLine xmlns:a14="http://schemas.microsoft.com/office/drawing/2010/main" xmlns="" w="25400" algn="ctr">
                   <a:solidFill>
                     <a:srgbClr val="000000"/>
                   </a:solidFill>
@@ -12409,14 +12402,14 @@
             </a:ln>
             <a:extLst>
               <a:ext uri="{909E8E84-426E-40DD-AFC4-6F175D3DCCD1}">
-                <a14:hiddenFill xmlns:a14="http://schemas.microsoft.com/office/drawing/2010/main">
+                <a14:hiddenFill xmlns:a14="http://schemas.microsoft.com/office/drawing/2010/main" xmlns="">
                   <a:solidFill>
                     <a:srgbClr val="FFFFFF"/>
                   </a:solidFill>
                 </a14:hiddenFill>
               </a:ext>
               <a:ext uri="{91240B29-F687-4F45-9708-019B960494DF}">
-                <a14:hiddenLine xmlns:a14="http://schemas.microsoft.com/office/drawing/2010/main" w="9525">
+                <a14:hiddenLine xmlns:a14="http://schemas.microsoft.com/office/drawing/2010/main" xmlns="" w="9525">
                   <a:solidFill>
                     <a:srgbClr val="000000"/>
                   </a:solidFill>
@@ -12599,7 +12592,7 @@
             </a:ln>
             <a:extLst>
               <a:ext uri="{91240B29-F687-4F45-9708-019B960494DF}">
-                <a14:hiddenLine xmlns:a14="http://schemas.microsoft.com/office/drawing/2010/main" w="25400" algn="ctr">
+                <a14:hiddenLine xmlns:a14="http://schemas.microsoft.com/office/drawing/2010/main" xmlns="" w="25400" algn="ctr">
                   <a:solidFill>
                     <a:srgbClr val="000000"/>
                   </a:solidFill>
@@ -12641,14 +12634,14 @@
             </a:ln>
             <a:extLst>
               <a:ext uri="{909E8E84-426E-40DD-AFC4-6F175D3DCCD1}">
-                <a14:hiddenFill xmlns:a14="http://schemas.microsoft.com/office/drawing/2010/main">
+                <a14:hiddenFill xmlns:a14="http://schemas.microsoft.com/office/drawing/2010/main" xmlns="">
                   <a:solidFill>
                     <a:srgbClr val="FFFFFF"/>
                   </a:solidFill>
                 </a14:hiddenFill>
               </a:ext>
               <a:ext uri="{91240B29-F687-4F45-9708-019B960494DF}">
-                <a14:hiddenLine xmlns:a14="http://schemas.microsoft.com/office/drawing/2010/main" w="9525">
+                <a14:hiddenLine xmlns:a14="http://schemas.microsoft.com/office/drawing/2010/main" xmlns="" w="9525">
                   <a:solidFill>
                     <a:srgbClr val="000000"/>
                   </a:solidFill>
@@ -12810,14 +12803,14 @@
           </a:ln>
           <a:extLst>
             <a:ext uri="{909E8E84-426E-40DD-AFC4-6F175D3DCCD1}">
-              <a14:hiddenFill xmlns:a14="http://schemas.microsoft.com/office/drawing/2010/main">
+              <a14:hiddenFill xmlns:a14="http://schemas.microsoft.com/office/drawing/2010/main" xmlns="">
                 <a:solidFill>
                   <a:srgbClr val="FFFFFF"/>
                 </a:solidFill>
               </a14:hiddenFill>
             </a:ext>
             <a:ext uri="{91240B29-F687-4F45-9708-019B960494DF}">
-              <a14:hiddenLine xmlns:a14="http://schemas.microsoft.com/office/drawing/2010/main" w="9525">
+              <a14:hiddenLine xmlns:a14="http://schemas.microsoft.com/office/drawing/2010/main" xmlns="" w="9525">
                 <a:solidFill>
                   <a:srgbClr val="000000"/>
                 </a:solidFill>
@@ -12980,7 +12973,7 @@
           </a:ln>
           <a:extLst>
             <a:ext uri="{91240B29-F687-4F45-9708-019B960494DF}">
-              <a14:hiddenLine xmlns:a14="http://schemas.microsoft.com/office/drawing/2010/main" w="25400" algn="ctr">
+              <a14:hiddenLine xmlns:a14="http://schemas.microsoft.com/office/drawing/2010/main" xmlns="" w="25400" algn="ctr">
                 <a:solidFill>
                   <a:srgbClr val="000000"/>
                 </a:solidFill>
@@ -13043,7 +13036,7 @@
             </a:ln>
             <a:extLst>
               <a:ext uri="{91240B29-F687-4F45-9708-019B960494DF}">
-                <a14:hiddenLine xmlns:a14="http://schemas.microsoft.com/office/drawing/2010/main" w="25400" algn="ctr">
+                <a14:hiddenLine xmlns:a14="http://schemas.microsoft.com/office/drawing/2010/main" xmlns="" w="25400" algn="ctr">
                   <a:solidFill>
                     <a:srgbClr val="000000"/>
                   </a:solidFill>
@@ -13085,14 +13078,14 @@
             </a:ln>
             <a:extLst>
               <a:ext uri="{909E8E84-426E-40DD-AFC4-6F175D3DCCD1}">
-                <a14:hiddenFill xmlns:a14="http://schemas.microsoft.com/office/drawing/2010/main">
+                <a14:hiddenFill xmlns:a14="http://schemas.microsoft.com/office/drawing/2010/main" xmlns="">
                   <a:solidFill>
                     <a:srgbClr val="FFFFFF"/>
                   </a:solidFill>
                 </a14:hiddenFill>
               </a:ext>
               <a:ext uri="{91240B29-F687-4F45-9708-019B960494DF}">
-                <a14:hiddenLine xmlns:a14="http://schemas.microsoft.com/office/drawing/2010/main" w="9525">
+                <a14:hiddenLine xmlns:a14="http://schemas.microsoft.com/office/drawing/2010/main" xmlns="" w="9525">
                   <a:solidFill>
                     <a:srgbClr val="000000"/>
                   </a:solidFill>
@@ -13256,7 +13249,7 @@
           </a:ln>
           <a:extLst>
             <a:ext uri="{91240B29-F687-4F45-9708-019B960494DF}">
-              <a14:hiddenLine xmlns:a14="http://schemas.microsoft.com/office/drawing/2010/main" w="25400" algn="ctr">
+              <a14:hiddenLine xmlns:a14="http://schemas.microsoft.com/office/drawing/2010/main" xmlns="" w="25400" algn="ctr">
                 <a:solidFill>
                   <a:srgbClr val="000000"/>
                 </a:solidFill>
@@ -13319,7 +13312,7 @@
             </a:ln>
             <a:extLst>
               <a:ext uri="{91240B29-F687-4F45-9708-019B960494DF}">
-                <a14:hiddenLine xmlns:a14="http://schemas.microsoft.com/office/drawing/2010/main" w="25400" algn="ctr">
+                <a14:hiddenLine xmlns:a14="http://schemas.microsoft.com/office/drawing/2010/main" xmlns="" w="25400" algn="ctr">
                   <a:solidFill>
                     <a:srgbClr val="000000"/>
                   </a:solidFill>
@@ -13361,14 +13354,14 @@
             </a:ln>
             <a:extLst>
               <a:ext uri="{909E8E84-426E-40DD-AFC4-6F175D3DCCD1}">
-                <a14:hiddenFill xmlns:a14="http://schemas.microsoft.com/office/drawing/2010/main">
+                <a14:hiddenFill xmlns:a14="http://schemas.microsoft.com/office/drawing/2010/main" xmlns="">
                   <a:solidFill>
                     <a:srgbClr val="FFFFFF"/>
                   </a:solidFill>
                 </a14:hiddenFill>
               </a:ext>
               <a:ext uri="{91240B29-F687-4F45-9708-019B960494DF}">
-                <a14:hiddenLine xmlns:a14="http://schemas.microsoft.com/office/drawing/2010/main" w="9525">
+                <a14:hiddenLine xmlns:a14="http://schemas.microsoft.com/office/drawing/2010/main" xmlns="" w="9525">
                   <a:solidFill>
                     <a:srgbClr val="000000"/>
                   </a:solidFill>
@@ -13551,7 +13544,7 @@
             </a:ln>
             <a:extLst>
               <a:ext uri="{91240B29-F687-4F45-9708-019B960494DF}">
-                <a14:hiddenLine xmlns:a14="http://schemas.microsoft.com/office/drawing/2010/main" w="25400" algn="ctr">
+                <a14:hiddenLine xmlns:a14="http://schemas.microsoft.com/office/drawing/2010/main" xmlns="" w="25400" algn="ctr">
                   <a:solidFill>
                     <a:srgbClr val="000000"/>
                   </a:solidFill>
@@ -13593,14 +13586,14 @@
             </a:ln>
             <a:extLst>
               <a:ext uri="{909E8E84-426E-40DD-AFC4-6F175D3DCCD1}">
-                <a14:hiddenFill xmlns:a14="http://schemas.microsoft.com/office/drawing/2010/main">
+                <a14:hiddenFill xmlns:a14="http://schemas.microsoft.com/office/drawing/2010/main" xmlns="">
                   <a:solidFill>
                     <a:srgbClr val="FFFFFF"/>
                   </a:solidFill>
                 </a14:hiddenFill>
               </a:ext>
               <a:ext uri="{91240B29-F687-4F45-9708-019B960494DF}">
-                <a14:hiddenLine xmlns:a14="http://schemas.microsoft.com/office/drawing/2010/main" w="9525">
+                <a14:hiddenLine xmlns:a14="http://schemas.microsoft.com/office/drawing/2010/main" xmlns="" w="9525">
                   <a:solidFill>
                     <a:srgbClr val="000000"/>
                   </a:solidFill>
@@ -13783,7 +13776,7 @@
             </a:ln>
             <a:extLst>
               <a:ext uri="{91240B29-F687-4F45-9708-019B960494DF}">
-                <a14:hiddenLine xmlns:a14="http://schemas.microsoft.com/office/drawing/2010/main" w="25400" algn="ctr">
+                <a14:hiddenLine xmlns:a14="http://schemas.microsoft.com/office/drawing/2010/main" xmlns="" w="25400" algn="ctr">
                   <a:solidFill>
                     <a:srgbClr val="000000"/>
                   </a:solidFill>
@@ -13825,14 +13818,14 @@
             </a:ln>
             <a:extLst>
               <a:ext uri="{909E8E84-426E-40DD-AFC4-6F175D3DCCD1}">
-                <a14:hiddenFill xmlns:a14="http://schemas.microsoft.com/office/drawing/2010/main">
+                <a14:hiddenFill xmlns:a14="http://schemas.microsoft.com/office/drawing/2010/main" xmlns="">
                   <a:solidFill>
                     <a:srgbClr val="FFFFFF"/>
                   </a:solidFill>
                 </a14:hiddenFill>
               </a:ext>
               <a:ext uri="{91240B29-F687-4F45-9708-019B960494DF}">
-                <a14:hiddenLine xmlns:a14="http://schemas.microsoft.com/office/drawing/2010/main" w="9525">
+                <a14:hiddenLine xmlns:a14="http://schemas.microsoft.com/office/drawing/2010/main" xmlns="" w="9525">
                   <a:solidFill>
                     <a:srgbClr val="000000"/>
                   </a:solidFill>
@@ -13996,7 +13989,7 @@
           </a:ln>
           <a:extLst>
             <a:ext uri="{91240B29-F687-4F45-9708-019B960494DF}">
-              <a14:hiddenLine xmlns:a14="http://schemas.microsoft.com/office/drawing/2010/main" w="25400" algn="ctr">
+              <a14:hiddenLine xmlns:a14="http://schemas.microsoft.com/office/drawing/2010/main" xmlns="" w="25400" algn="ctr">
                 <a:solidFill>
                   <a:srgbClr val="000000"/>
                 </a:solidFill>
@@ -14059,7 +14052,7 @@
             </a:ln>
             <a:extLst>
               <a:ext uri="{91240B29-F687-4F45-9708-019B960494DF}">
-                <a14:hiddenLine xmlns:a14="http://schemas.microsoft.com/office/drawing/2010/main" w="25400" algn="ctr">
+                <a14:hiddenLine xmlns:a14="http://schemas.microsoft.com/office/drawing/2010/main" xmlns="" w="25400" algn="ctr">
                   <a:solidFill>
                     <a:srgbClr val="000000"/>
                   </a:solidFill>
@@ -14101,14 +14094,14 @@
             </a:ln>
             <a:extLst>
               <a:ext uri="{909E8E84-426E-40DD-AFC4-6F175D3DCCD1}">
-                <a14:hiddenFill xmlns:a14="http://schemas.microsoft.com/office/drawing/2010/main">
+                <a14:hiddenFill xmlns:a14="http://schemas.microsoft.com/office/drawing/2010/main" xmlns="">
                   <a:solidFill>
                     <a:srgbClr val="FFFFFF"/>
                   </a:solidFill>
                 </a14:hiddenFill>
               </a:ext>
               <a:ext uri="{91240B29-F687-4F45-9708-019B960494DF}">
-                <a14:hiddenLine xmlns:a14="http://schemas.microsoft.com/office/drawing/2010/main" w="9525">
+                <a14:hiddenLine xmlns:a14="http://schemas.microsoft.com/office/drawing/2010/main" xmlns="" w="9525">
                   <a:solidFill>
                     <a:srgbClr val="000000"/>
                   </a:solidFill>
@@ -14286,14 +14279,14 @@
             </a:ln>
             <a:extLst>
               <a:ext uri="{909E8E84-426E-40DD-AFC4-6F175D3DCCD1}">
-                <a14:hiddenFill xmlns:a14="http://schemas.microsoft.com/office/drawing/2010/main">
+                <a14:hiddenFill xmlns:a14="http://schemas.microsoft.com/office/drawing/2010/main" xmlns="">
                   <a:solidFill>
                     <a:srgbClr val="FFFFFF"/>
                   </a:solidFill>
                 </a14:hiddenFill>
               </a:ext>
               <a:ext uri="{91240B29-F687-4F45-9708-019B960494DF}">
-                <a14:hiddenLine xmlns:a14="http://schemas.microsoft.com/office/drawing/2010/main" w="9525">
+                <a14:hiddenLine xmlns:a14="http://schemas.microsoft.com/office/drawing/2010/main" xmlns="" w="9525">
                   <a:solidFill>
                     <a:srgbClr val="000000"/>
                   </a:solidFill>
@@ -14459,7 +14452,7 @@
             </a:ln>
             <a:extLst>
               <a:ext uri="{91240B29-F687-4F45-9708-019B960494DF}">
-                <a14:hiddenLine xmlns:a14="http://schemas.microsoft.com/office/drawing/2010/main" w="25400" algn="ctr">
+                <a14:hiddenLine xmlns:a14="http://schemas.microsoft.com/office/drawing/2010/main" xmlns="" w="25400" algn="ctr">
                   <a:solidFill>
                     <a:srgbClr val="000000"/>
                   </a:solidFill>
@@ -14523,7 +14516,7 @@
             </a:ln>
             <a:extLst>
               <a:ext uri="{91240B29-F687-4F45-9708-019B960494DF}">
-                <a14:hiddenLine xmlns:a14="http://schemas.microsoft.com/office/drawing/2010/main" w="25400" algn="ctr">
+                <a14:hiddenLine xmlns:a14="http://schemas.microsoft.com/office/drawing/2010/main" xmlns="" w="25400" algn="ctr">
                   <a:solidFill>
                     <a:srgbClr val="000000"/>
                   </a:solidFill>
@@ -14565,14 +14558,14 @@
             </a:ln>
             <a:extLst>
               <a:ext uri="{909E8E84-426E-40DD-AFC4-6F175D3DCCD1}">
-                <a14:hiddenFill xmlns:a14="http://schemas.microsoft.com/office/drawing/2010/main">
+                <a14:hiddenFill xmlns:a14="http://schemas.microsoft.com/office/drawing/2010/main" xmlns="">
                   <a:solidFill>
                     <a:srgbClr val="FFFFFF"/>
                   </a:solidFill>
                 </a14:hiddenFill>
               </a:ext>
               <a:ext uri="{91240B29-F687-4F45-9708-019B960494DF}">
-                <a14:hiddenLine xmlns:a14="http://schemas.microsoft.com/office/drawing/2010/main" w="9525">
+                <a14:hiddenLine xmlns:a14="http://schemas.microsoft.com/office/drawing/2010/main" xmlns="" w="9525">
                   <a:solidFill>
                     <a:srgbClr val="000000"/>
                   </a:solidFill>
@@ -14956,7 +14949,7 @@
             <a:effectLst/>
             <a:extLst>
               <a:ext uri="{AF507438-7753-43E0-B8FC-AC1667EBCBE1}">
-                <a14:hiddenEffects xmlns:a14="http://schemas.microsoft.com/office/drawing/2010/main">
+                <a14:hiddenEffects xmlns:a14="http://schemas.microsoft.com/office/drawing/2010/main" xmlns="">
                   <a:effectLst>
                     <a:outerShdw blurRad="63500" dist="38099" dir="2700000" algn="ctr" rotWithShape="0">
                       <a:schemeClr val="bg2">
@@ -15047,7 +15040,7 @@
             <a:effectLst/>
             <a:extLst>
               <a:ext uri="{AF507438-7753-43E0-B8FC-AC1667EBCBE1}">
-                <a14:hiddenEffects xmlns:a14="http://schemas.microsoft.com/office/drawing/2010/main">
+                <a14:hiddenEffects xmlns:a14="http://schemas.microsoft.com/office/drawing/2010/main" xmlns="">
                   <a:effectLst>
                     <a:outerShdw blurRad="63500" dist="38099" dir="2700000" algn="ctr" rotWithShape="0">
                       <a:schemeClr val="bg2">
@@ -15138,7 +15131,7 @@
             <a:effectLst/>
             <a:extLst>
               <a:ext uri="{AF507438-7753-43E0-B8FC-AC1667EBCBE1}">
-                <a14:hiddenEffects xmlns:a14="http://schemas.microsoft.com/office/drawing/2010/main">
+                <a14:hiddenEffects xmlns:a14="http://schemas.microsoft.com/office/drawing/2010/main" xmlns="">
                   <a:effectLst>
                     <a:outerShdw blurRad="63500" dist="38099" dir="2700000" algn="ctr" rotWithShape="0">
                       <a:schemeClr val="bg2">
@@ -15222,7 +15215,7 @@
             <a:effectLst/>
             <a:extLst>
               <a:ext uri="{AF507438-7753-43E0-B8FC-AC1667EBCBE1}">
-                <a14:hiddenEffects xmlns:a14="http://schemas.microsoft.com/office/drawing/2010/main">
+                <a14:hiddenEffects xmlns:a14="http://schemas.microsoft.com/office/drawing/2010/main" xmlns="">
                   <a:effectLst>
                     <a:outerShdw blurRad="63500" dist="38099" dir="2700000" algn="ctr" rotWithShape="0">
                       <a:schemeClr val="bg2">
@@ -15306,7 +15299,7 @@
             <a:effectLst/>
             <a:extLst>
               <a:ext uri="{AF507438-7753-43E0-B8FC-AC1667EBCBE1}">
-                <a14:hiddenEffects xmlns:a14="http://schemas.microsoft.com/office/drawing/2010/main">
+                <a14:hiddenEffects xmlns:a14="http://schemas.microsoft.com/office/drawing/2010/main" xmlns="">
                   <a:effectLst>
                     <a:outerShdw blurRad="63500" dist="38099" dir="2700000" algn="ctr" rotWithShape="0">
                       <a:schemeClr val="bg2">
@@ -15390,7 +15383,7 @@
             <a:effectLst/>
             <a:extLst>
               <a:ext uri="{AF507438-7753-43E0-B8FC-AC1667EBCBE1}">
-                <a14:hiddenEffects xmlns:a14="http://schemas.microsoft.com/office/drawing/2010/main">
+                <a14:hiddenEffects xmlns:a14="http://schemas.microsoft.com/office/drawing/2010/main" xmlns="">
                   <a:effectLst>
                     <a:outerShdw blurRad="63500" dist="38099" dir="2700000" algn="ctr" rotWithShape="0">
                       <a:schemeClr val="bg2">
@@ -15428,7 +15421,7 @@
           </a:ln>
           <a:extLst>
             <a:ext uri="{91240B29-F687-4F45-9708-019B960494DF}">
-              <a14:hiddenLine xmlns:a14="http://schemas.microsoft.com/office/drawing/2010/main" w="25400" algn="ctr">
+              <a14:hiddenLine xmlns:a14="http://schemas.microsoft.com/office/drawing/2010/main" xmlns="" w="25400" algn="ctr">
                 <a:solidFill>
                   <a:srgbClr val="000000"/>
                 </a:solidFill>
@@ -15475,7 +15468,7 @@
           </a:ln>
           <a:extLst>
             <a:ext uri="{91240B29-F687-4F45-9708-019B960494DF}">
-              <a14:hiddenLine xmlns:a14="http://schemas.microsoft.com/office/drawing/2010/main" w="25400" algn="ctr">
+              <a14:hiddenLine xmlns:a14="http://schemas.microsoft.com/office/drawing/2010/main" xmlns="" w="25400" algn="ctr">
                 <a:solidFill>
                   <a:srgbClr val="000000"/>
                 </a:solidFill>
@@ -15517,14 +15510,14 @@
           </a:ln>
           <a:extLst>
             <a:ext uri="{909E8E84-426E-40DD-AFC4-6F175D3DCCD1}">
-              <a14:hiddenFill xmlns:a14="http://schemas.microsoft.com/office/drawing/2010/main">
+              <a14:hiddenFill xmlns:a14="http://schemas.microsoft.com/office/drawing/2010/main" xmlns="">
                 <a:solidFill>
                   <a:srgbClr val="FFFFFF"/>
                 </a:solidFill>
               </a14:hiddenFill>
             </a:ext>
             <a:ext uri="{91240B29-F687-4F45-9708-019B960494DF}">
-              <a14:hiddenLine xmlns:a14="http://schemas.microsoft.com/office/drawing/2010/main" w="9525">
+              <a14:hiddenLine xmlns:a14="http://schemas.microsoft.com/office/drawing/2010/main" xmlns="" w="9525">
                 <a:solidFill>
                   <a:srgbClr val="000000"/>
                 </a:solidFill>
@@ -15691,7 +15684,7 @@
           </a:ln>
           <a:extLst>
             <a:ext uri="{91240B29-F687-4F45-9708-019B960494DF}">
-              <a14:hiddenLine xmlns:a14="http://schemas.microsoft.com/office/drawing/2010/main" w="9525">
+              <a14:hiddenLine xmlns:a14="http://schemas.microsoft.com/office/drawing/2010/main" xmlns="" w="9525">
                 <a:solidFill>
                   <a:srgbClr val="000000"/>
                 </a:solidFill>
@@ -15733,14 +15726,14 @@
           </a:ln>
           <a:extLst>
             <a:ext uri="{909E8E84-426E-40DD-AFC4-6F175D3DCCD1}">
-              <a14:hiddenFill xmlns:a14="http://schemas.microsoft.com/office/drawing/2010/main">
+              <a14:hiddenFill xmlns:a14="http://schemas.microsoft.com/office/drawing/2010/main" xmlns="">
                 <a:solidFill>
                   <a:srgbClr val="FFFFFF"/>
                 </a:solidFill>
               </a14:hiddenFill>
             </a:ext>
             <a:ext uri="{91240B29-F687-4F45-9708-019B960494DF}">
-              <a14:hiddenLine xmlns:a14="http://schemas.microsoft.com/office/drawing/2010/main" w="9525">
+              <a14:hiddenLine xmlns:a14="http://schemas.microsoft.com/office/drawing/2010/main" xmlns="" w="9525">
                 <a:solidFill>
                   <a:srgbClr val="000000"/>
                 </a:solidFill>
@@ -15903,7 +15896,7 @@
           </a:ln>
           <a:extLst>
             <a:ext uri="{91240B29-F687-4F45-9708-019B960494DF}">
-              <a14:hiddenLine xmlns:a14="http://schemas.microsoft.com/office/drawing/2010/main" w="25400" algn="ctr">
+              <a14:hiddenLine xmlns:a14="http://schemas.microsoft.com/office/drawing/2010/main" xmlns="" w="25400" algn="ctr">
                 <a:solidFill>
                   <a:srgbClr val="000000"/>
                 </a:solidFill>
@@ -15947,7 +15940,7 @@
           </a:ln>
           <a:extLst>
             <a:ext uri="{91240B29-F687-4F45-9708-019B960494DF}">
-              <a14:hiddenLine xmlns:a14="http://schemas.microsoft.com/office/drawing/2010/main" w="25400" algn="ctr">
+              <a14:hiddenLine xmlns:a14="http://schemas.microsoft.com/office/drawing/2010/main" xmlns="" w="25400" algn="ctr">
                 <a:solidFill>
                   <a:srgbClr val="000000"/>
                 </a:solidFill>
@@ -15994,7 +15987,7 @@
           </a:ln>
           <a:extLst>
             <a:ext uri="{91240B29-F687-4F45-9708-019B960494DF}">
-              <a14:hiddenLine xmlns:a14="http://schemas.microsoft.com/office/drawing/2010/main" w="9525">
+              <a14:hiddenLine xmlns:a14="http://schemas.microsoft.com/office/drawing/2010/main" xmlns="" w="9525">
                 <a:solidFill>
                   <a:srgbClr val="000000"/>
                 </a:solidFill>
@@ -16036,14 +16029,14 @@
           </a:ln>
           <a:extLst>
             <a:ext uri="{909E8E84-426E-40DD-AFC4-6F175D3DCCD1}">
-              <a14:hiddenFill xmlns:a14="http://schemas.microsoft.com/office/drawing/2010/main">
+              <a14:hiddenFill xmlns:a14="http://schemas.microsoft.com/office/drawing/2010/main" xmlns="">
                 <a:solidFill>
                   <a:srgbClr val="FFFFFF"/>
                 </a:solidFill>
               </a14:hiddenFill>
             </a:ext>
             <a:ext uri="{91240B29-F687-4F45-9708-019B960494DF}">
-              <a14:hiddenLine xmlns:a14="http://schemas.microsoft.com/office/drawing/2010/main" w="9525">
+              <a14:hiddenLine xmlns:a14="http://schemas.microsoft.com/office/drawing/2010/main" xmlns="" w="9525">
                 <a:solidFill>
                   <a:srgbClr val="000000"/>
                 </a:solidFill>
@@ -16206,7 +16199,7 @@
           </a:ln>
           <a:extLst>
             <a:ext uri="{91240B29-F687-4F45-9708-019B960494DF}">
-              <a14:hiddenLine xmlns:a14="http://schemas.microsoft.com/office/drawing/2010/main" w="25400" algn="ctr">
+              <a14:hiddenLine xmlns:a14="http://schemas.microsoft.com/office/drawing/2010/main" xmlns="" w="25400" algn="ctr">
                 <a:solidFill>
                   <a:srgbClr val="000000"/>
                 </a:solidFill>
@@ -16253,7 +16246,7 @@
           </a:ln>
           <a:extLst>
             <a:ext uri="{91240B29-F687-4F45-9708-019B960494DF}">
-              <a14:hiddenLine xmlns:a14="http://schemas.microsoft.com/office/drawing/2010/main" w="25400" algn="ctr">
+              <a14:hiddenLine xmlns:a14="http://schemas.microsoft.com/office/drawing/2010/main" xmlns="" w="25400" algn="ctr">
                 <a:solidFill>
                   <a:srgbClr val="000000"/>
                 </a:solidFill>
@@ -16295,14 +16288,14 @@
           </a:ln>
           <a:extLst>
             <a:ext uri="{909E8E84-426E-40DD-AFC4-6F175D3DCCD1}">
-              <a14:hiddenFill xmlns:a14="http://schemas.microsoft.com/office/drawing/2010/main">
+              <a14:hiddenFill xmlns:a14="http://schemas.microsoft.com/office/drawing/2010/main" xmlns="">
                 <a:solidFill>
                   <a:srgbClr val="FFFFFF"/>
                 </a:solidFill>
               </a14:hiddenFill>
             </a:ext>
             <a:ext uri="{91240B29-F687-4F45-9708-019B960494DF}">
-              <a14:hiddenLine xmlns:a14="http://schemas.microsoft.com/office/drawing/2010/main" w="9525">
+              <a14:hiddenLine xmlns:a14="http://schemas.microsoft.com/office/drawing/2010/main" xmlns="" w="9525">
                 <a:solidFill>
                   <a:srgbClr val="000000"/>
                 </a:solidFill>
@@ -16466,7 +16459,7 @@
           </a:ln>
           <a:extLst>
             <a:ext uri="{91240B29-F687-4F45-9708-019B960494DF}">
-              <a14:hiddenLine xmlns:a14="http://schemas.microsoft.com/office/drawing/2010/main" w="25400" algn="ctr">
+              <a14:hiddenLine xmlns:a14="http://schemas.microsoft.com/office/drawing/2010/main" xmlns="" w="25400" algn="ctr">
                 <a:solidFill>
                   <a:srgbClr val="000000"/>
                 </a:solidFill>
@@ -16513,7 +16506,7 @@
           </a:ln>
           <a:extLst>
             <a:ext uri="{91240B29-F687-4F45-9708-019B960494DF}">
-              <a14:hiddenLine xmlns:a14="http://schemas.microsoft.com/office/drawing/2010/main" w="9525">
+              <a14:hiddenLine xmlns:a14="http://schemas.microsoft.com/office/drawing/2010/main" xmlns="" w="9525">
                 <a:solidFill>
                   <a:srgbClr val="000000"/>
                 </a:solidFill>
@@ -16555,14 +16548,14 @@
           </a:ln>
           <a:extLst>
             <a:ext uri="{909E8E84-426E-40DD-AFC4-6F175D3DCCD1}">
-              <a14:hiddenFill xmlns:a14="http://schemas.microsoft.com/office/drawing/2010/main">
+              <a14:hiddenFill xmlns:a14="http://schemas.microsoft.com/office/drawing/2010/main" xmlns="">
                 <a:solidFill>
                   <a:srgbClr val="FFFFFF"/>
                 </a:solidFill>
               </a14:hiddenFill>
             </a:ext>
             <a:ext uri="{91240B29-F687-4F45-9708-019B960494DF}">
-              <a14:hiddenLine xmlns:a14="http://schemas.microsoft.com/office/drawing/2010/main" w="9525">
+              <a14:hiddenLine xmlns:a14="http://schemas.microsoft.com/office/drawing/2010/main" xmlns="" w="9525">
                 <a:solidFill>
                   <a:srgbClr val="000000"/>
                 </a:solidFill>
@@ -16725,7 +16718,7 @@
           </a:ln>
           <a:extLst>
             <a:ext uri="{91240B29-F687-4F45-9708-019B960494DF}">
-              <a14:hiddenLine xmlns:a14="http://schemas.microsoft.com/office/drawing/2010/main" w="25400" algn="ctr">
+              <a14:hiddenLine xmlns:a14="http://schemas.microsoft.com/office/drawing/2010/main" xmlns="" w="25400" algn="ctr">
                 <a:solidFill>
                   <a:srgbClr val="000000"/>
                 </a:solidFill>
@@ -16769,7 +16762,7 @@
           </a:ln>
           <a:extLst>
             <a:ext uri="{91240B29-F687-4F45-9708-019B960494DF}">
-              <a14:hiddenLine xmlns:a14="http://schemas.microsoft.com/office/drawing/2010/main" w="25400" algn="ctr">
+              <a14:hiddenLine xmlns:a14="http://schemas.microsoft.com/office/drawing/2010/main" xmlns="" w="25400" algn="ctr">
                 <a:solidFill>
                   <a:srgbClr val="000000"/>
                 </a:solidFill>
@@ -16811,14 +16804,14 @@
           </a:ln>
           <a:extLst>
             <a:ext uri="{909E8E84-426E-40DD-AFC4-6F175D3DCCD1}">
-              <a14:hiddenFill xmlns:a14="http://schemas.microsoft.com/office/drawing/2010/main">
+              <a14:hiddenFill xmlns:a14="http://schemas.microsoft.com/office/drawing/2010/main" xmlns="">
                 <a:solidFill>
                   <a:srgbClr val="FFFFFF"/>
                 </a:solidFill>
               </a14:hiddenFill>
             </a:ext>
             <a:ext uri="{91240B29-F687-4F45-9708-019B960494DF}">
-              <a14:hiddenLine xmlns:a14="http://schemas.microsoft.com/office/drawing/2010/main" w="9525">
+              <a14:hiddenLine xmlns:a14="http://schemas.microsoft.com/office/drawing/2010/main" xmlns="" w="9525">
                 <a:solidFill>
                   <a:srgbClr val="000000"/>
                 </a:solidFill>
@@ -16981,7 +16974,7 @@
           </a:ln>
           <a:extLst>
             <a:ext uri="{91240B29-F687-4F45-9708-019B960494DF}">
-              <a14:hiddenLine xmlns:a14="http://schemas.microsoft.com/office/drawing/2010/main" w="25400" algn="ctr">
+              <a14:hiddenLine xmlns:a14="http://schemas.microsoft.com/office/drawing/2010/main" xmlns="" w="25400" algn="ctr">
                 <a:solidFill>
                   <a:srgbClr val="000000"/>
                 </a:solidFill>
@@ -17023,14 +17016,14 @@
           </a:ln>
           <a:extLst>
             <a:ext uri="{909E8E84-426E-40DD-AFC4-6F175D3DCCD1}">
-              <a14:hiddenFill xmlns:a14="http://schemas.microsoft.com/office/drawing/2010/main">
+              <a14:hiddenFill xmlns:a14="http://schemas.microsoft.com/office/drawing/2010/main" xmlns="">
                 <a:solidFill>
                   <a:srgbClr val="FFFFFF"/>
                 </a:solidFill>
               </a14:hiddenFill>
             </a:ext>
             <a:ext uri="{91240B29-F687-4F45-9708-019B960494DF}">
-              <a14:hiddenLine xmlns:a14="http://schemas.microsoft.com/office/drawing/2010/main" w="9525">
+              <a14:hiddenLine xmlns:a14="http://schemas.microsoft.com/office/drawing/2010/main" xmlns="" w="9525">
                 <a:solidFill>
                   <a:srgbClr val="000000"/>
                 </a:solidFill>
@@ -17194,7 +17187,7 @@
           </a:ln>
           <a:extLst>
             <a:ext uri="{91240B29-F687-4F45-9708-019B960494DF}">
-              <a14:hiddenLine xmlns:a14="http://schemas.microsoft.com/office/drawing/2010/main" w="25400" algn="ctr">
+              <a14:hiddenLine xmlns:a14="http://schemas.microsoft.com/office/drawing/2010/main" xmlns="" w="25400" algn="ctr">
                 <a:solidFill>
                   <a:srgbClr val="000000"/>
                 </a:solidFill>
@@ -17236,14 +17229,14 @@
           </a:ln>
           <a:extLst>
             <a:ext uri="{909E8E84-426E-40DD-AFC4-6F175D3DCCD1}">
-              <a14:hiddenFill xmlns:a14="http://schemas.microsoft.com/office/drawing/2010/main">
+              <a14:hiddenFill xmlns:a14="http://schemas.microsoft.com/office/drawing/2010/main" xmlns="">
                 <a:solidFill>
                   <a:srgbClr val="FFFFFF"/>
                 </a:solidFill>
               </a14:hiddenFill>
             </a:ext>
             <a:ext uri="{91240B29-F687-4F45-9708-019B960494DF}">
-              <a14:hiddenLine xmlns:a14="http://schemas.microsoft.com/office/drawing/2010/main" w="9525">
+              <a14:hiddenLine xmlns:a14="http://schemas.microsoft.com/office/drawing/2010/main" xmlns="" w="9525">
                 <a:solidFill>
                   <a:srgbClr val="000000"/>
                 </a:solidFill>
@@ -17409,7 +17402,7 @@
           </a:ln>
           <a:extLst>
             <a:ext uri="{91240B29-F687-4F45-9708-019B960494DF}">
-              <a14:hiddenLine xmlns:a14="http://schemas.microsoft.com/office/drawing/2010/main" w="9525">
+              <a14:hiddenLine xmlns:a14="http://schemas.microsoft.com/office/drawing/2010/main" xmlns="" w="9525">
                 <a:solidFill>
                   <a:srgbClr val="000000"/>
                 </a:solidFill>
@@ -17453,7 +17446,7 @@
           </a:ln>
           <a:extLst>
             <a:ext uri="{91240B29-F687-4F45-9708-019B960494DF}">
-              <a14:hiddenLine xmlns:a14="http://schemas.microsoft.com/office/drawing/2010/main" w="25400" algn="ctr">
+              <a14:hiddenLine xmlns:a14="http://schemas.microsoft.com/office/drawing/2010/main" xmlns="" w="25400" algn="ctr">
                 <a:solidFill>
                   <a:srgbClr val="000000"/>
                 </a:solidFill>
@@ -17495,14 +17488,14 @@
           </a:ln>
           <a:extLst>
             <a:ext uri="{909E8E84-426E-40DD-AFC4-6F175D3DCCD1}">
-              <a14:hiddenFill xmlns:a14="http://schemas.microsoft.com/office/drawing/2010/main">
+              <a14:hiddenFill xmlns:a14="http://schemas.microsoft.com/office/drawing/2010/main" xmlns="">
                 <a:solidFill>
                   <a:srgbClr val="FFFFFF"/>
                 </a:solidFill>
               </a14:hiddenFill>
             </a:ext>
             <a:ext uri="{91240B29-F687-4F45-9708-019B960494DF}">
-              <a14:hiddenLine xmlns:a14="http://schemas.microsoft.com/office/drawing/2010/main" w="9525">
+              <a14:hiddenLine xmlns:a14="http://schemas.microsoft.com/office/drawing/2010/main" xmlns="" w="9525">
                 <a:solidFill>
                   <a:srgbClr val="000000"/>
                 </a:solidFill>
@@ -17689,7 +17682,7 @@
             </a:ln>
             <a:extLst>
               <a:ext uri="{91240B29-F687-4F45-9708-019B960494DF}">
-                <a14:hiddenLine xmlns:a14="http://schemas.microsoft.com/office/drawing/2010/main" w="9525">
+                <a14:hiddenLine xmlns:a14="http://schemas.microsoft.com/office/drawing/2010/main" xmlns="" w="9525">
                   <a:solidFill>
                     <a:srgbClr val="000000"/>
                   </a:solidFill>
@@ -17736,7 +17729,7 @@
             </a:ln>
             <a:extLst>
               <a:ext uri="{91240B29-F687-4F45-9708-019B960494DF}">
-                <a14:hiddenLine xmlns:a14="http://schemas.microsoft.com/office/drawing/2010/main" w="9525">
+                <a14:hiddenLine xmlns:a14="http://schemas.microsoft.com/office/drawing/2010/main" xmlns="" w="9525">
                   <a:solidFill>
                     <a:srgbClr val="000000"/>
                   </a:solidFill>
@@ -17805,7 +17798,7 @@
             </a:ln>
             <a:extLst>
               <a:ext uri="{91240B29-F687-4F45-9708-019B960494DF}">
-                <a14:hiddenLine xmlns:a14="http://schemas.microsoft.com/office/drawing/2010/main" w="9525">
+                <a14:hiddenLine xmlns:a14="http://schemas.microsoft.com/office/drawing/2010/main" xmlns="" w="9525">
                   <a:solidFill>
                     <a:srgbClr val="000000"/>
                   </a:solidFill>
@@ -17852,7 +17845,7 @@
             </a:ln>
             <a:extLst>
               <a:ext uri="{91240B29-F687-4F45-9708-019B960494DF}">
-                <a14:hiddenLine xmlns:a14="http://schemas.microsoft.com/office/drawing/2010/main" w="9525">
+                <a14:hiddenLine xmlns:a14="http://schemas.microsoft.com/office/drawing/2010/main" xmlns="" w="9525">
                   <a:solidFill>
                     <a:srgbClr val="000000"/>
                   </a:solidFill>
@@ -17921,7 +17914,7 @@
             </a:ln>
             <a:extLst>
               <a:ext uri="{91240B29-F687-4F45-9708-019B960494DF}">
-                <a14:hiddenLine xmlns:a14="http://schemas.microsoft.com/office/drawing/2010/main" w="9525">
+                <a14:hiddenLine xmlns:a14="http://schemas.microsoft.com/office/drawing/2010/main" xmlns="" w="9525">
                   <a:solidFill>
                     <a:srgbClr val="000000"/>
                   </a:solidFill>
@@ -17968,7 +17961,7 @@
             </a:ln>
             <a:extLst>
               <a:ext uri="{91240B29-F687-4F45-9708-019B960494DF}">
-                <a14:hiddenLine xmlns:a14="http://schemas.microsoft.com/office/drawing/2010/main" w="25400" algn="ctr">
+                <a14:hiddenLine xmlns:a14="http://schemas.microsoft.com/office/drawing/2010/main" xmlns="" w="25400" algn="ctr">
                   <a:solidFill>
                     <a:srgbClr val="000000"/>
                   </a:solidFill>
@@ -18094,7 +18087,7 @@
           <a:effectLst/>
           <a:extLst>
             <a:ext uri="{AF507438-7753-43E0-B8FC-AC1667EBCBE1}">
-              <a14:hiddenEffects xmlns:a14="http://schemas.microsoft.com/office/drawing/2010/main">
+              <a14:hiddenEffects xmlns:a14="http://schemas.microsoft.com/office/drawing/2010/main" xmlns="">
                 <a:effectLst>
                   <a:outerShdw blurRad="63500" dist="38099" dir="2700000" algn="ctr" rotWithShape="0">
                     <a:schemeClr val="bg2">
@@ -18305,7 +18298,7 @@
             <a:effectLst/>
             <a:extLst>
               <a:ext uri="{AF507438-7753-43E0-B8FC-AC1667EBCBE1}">
-                <a14:hiddenEffects xmlns:a14="http://schemas.microsoft.com/office/drawing/2010/main">
+                <a14:hiddenEffects xmlns:a14="http://schemas.microsoft.com/office/drawing/2010/main" xmlns="">
                   <a:effectLst>
                     <a:outerShdw blurRad="63500" dist="38099" dir="2700000" algn="ctr" rotWithShape="0">
                       <a:schemeClr val="bg2">
@@ -18350,7 +18343,7 @@
             <a:effectLst/>
             <a:extLst>
               <a:ext uri="{AF507438-7753-43E0-B8FC-AC1667EBCBE1}">
-                <a14:hiddenEffects xmlns:a14="http://schemas.microsoft.com/office/drawing/2010/main">
+                <a14:hiddenEffects xmlns:a14="http://schemas.microsoft.com/office/drawing/2010/main" xmlns="">
                   <a:effectLst>
                     <a:outerShdw blurRad="63500" dist="38099" dir="2700000" algn="ctr" rotWithShape="0">
                       <a:schemeClr val="bg2">
@@ -18631,7 +18624,7 @@
             <a:effectLst/>
             <a:extLst>
               <a:ext uri="{AF507438-7753-43E0-B8FC-AC1667EBCBE1}">
-                <a14:hiddenEffects xmlns:a14="http://schemas.microsoft.com/office/drawing/2010/main">
+                <a14:hiddenEffects xmlns:a14="http://schemas.microsoft.com/office/drawing/2010/main" xmlns="">
                   <a:effectLst>
                     <a:outerShdw blurRad="63500" dist="38099" dir="2700000" algn="ctr" rotWithShape="0">
                       <a:schemeClr val="bg2">
@@ -18676,7 +18669,7 @@
             <a:effectLst/>
             <a:extLst>
               <a:ext uri="{AF507438-7753-43E0-B8FC-AC1667EBCBE1}">
-                <a14:hiddenEffects xmlns:a14="http://schemas.microsoft.com/office/drawing/2010/main">
+                <a14:hiddenEffects xmlns:a14="http://schemas.microsoft.com/office/drawing/2010/main" xmlns="">
                   <a:effectLst>
                     <a:outerShdw blurRad="63500" dist="38099" dir="2700000" algn="ctr" rotWithShape="0">
                       <a:schemeClr val="bg2">
@@ -18957,7 +18950,7 @@
             <a:effectLst/>
             <a:extLst>
               <a:ext uri="{AF507438-7753-43E0-B8FC-AC1667EBCBE1}">
-                <a14:hiddenEffects xmlns:a14="http://schemas.microsoft.com/office/drawing/2010/main">
+                <a14:hiddenEffects xmlns:a14="http://schemas.microsoft.com/office/drawing/2010/main" xmlns="">
                   <a:effectLst>
                     <a:outerShdw blurRad="63500" dist="38099" dir="2700000" algn="ctr" rotWithShape="0">
                       <a:schemeClr val="bg2">
@@ -19002,7 +18995,7 @@
             <a:effectLst/>
             <a:extLst>
               <a:ext uri="{AF507438-7753-43E0-B8FC-AC1667EBCBE1}">
-                <a14:hiddenEffects xmlns:a14="http://schemas.microsoft.com/office/drawing/2010/main">
+                <a14:hiddenEffects xmlns:a14="http://schemas.microsoft.com/office/drawing/2010/main" xmlns="">
                   <a:effectLst>
                     <a:outerShdw blurRad="63500" dist="38099" dir="2700000" algn="ctr" rotWithShape="0">
                       <a:schemeClr val="bg2">
@@ -19221,7 +19214,7 @@
           <a:effectLst/>
           <a:extLst>
             <a:ext uri="{AF507438-7753-43E0-B8FC-AC1667EBCBE1}">
-              <a14:hiddenEffects xmlns:a14="http://schemas.microsoft.com/office/drawing/2010/main">
+              <a14:hiddenEffects xmlns:a14="http://schemas.microsoft.com/office/drawing/2010/main" xmlns="">
                 <a:effectLst>
                   <a:outerShdw blurRad="63500" dist="38099" dir="2700000" algn="ctr" rotWithShape="0">
                     <a:schemeClr val="bg2">
@@ -19266,7 +19259,7 @@
           <a:effectLst/>
           <a:extLst>
             <a:ext uri="{AF507438-7753-43E0-B8FC-AC1667EBCBE1}">
-              <a14:hiddenEffects xmlns:a14="http://schemas.microsoft.com/office/drawing/2010/main">
+              <a14:hiddenEffects xmlns:a14="http://schemas.microsoft.com/office/drawing/2010/main" xmlns="">
                 <a:effectLst>
                   <a:outerShdw blurRad="63500" dist="38099" dir="2700000" algn="ctr" rotWithShape="0">
                     <a:schemeClr val="bg2">
@@ -19311,7 +19304,7 @@
           <a:effectLst/>
           <a:extLst>
             <a:ext uri="{AF507438-7753-43E0-B8FC-AC1667EBCBE1}">
-              <a14:hiddenEffects xmlns:a14="http://schemas.microsoft.com/office/drawing/2010/main">
+              <a14:hiddenEffects xmlns:a14="http://schemas.microsoft.com/office/drawing/2010/main" xmlns="">
                 <a:effectLst>
                   <a:outerShdw blurRad="63500" dist="38099" dir="2700000" algn="ctr" rotWithShape="0">
                     <a:schemeClr val="bg2">
@@ -19359,7 +19352,7 @@
     </p:spTree>
     <p:extLst>
       <p:ext uri="{BB962C8B-B14F-4D97-AF65-F5344CB8AC3E}">
-        <p14:creationId xmlns:p14="http://schemas.microsoft.com/office/powerpoint/2010/main" val="1008352687"/>
+        <p14:creationId xmlns:p14="http://schemas.microsoft.com/office/powerpoint/2010/main" xmlns="" val="1008352687"/>
       </p:ext>
     </p:extLst>
   </p:cSld>
@@ -19466,7 +19459,7 @@
           <a:effectLst/>
           <a:extLst>
             <a:ext uri="{AF507438-7753-43E0-B8FC-AC1667EBCBE1}">
-              <a14:hiddenEffects xmlns:a14="http://schemas.microsoft.com/office/drawing/2010/main">
+              <a14:hiddenEffects xmlns:a14="http://schemas.microsoft.com/office/drawing/2010/main" xmlns="">
                 <a:effectLst>
                   <a:outerShdw blurRad="63500" dist="38099" dir="2700000" algn="ctr" rotWithShape="0">
                     <a:schemeClr val="bg2">
@@ -19677,7 +19670,7 @@
             <a:effectLst/>
             <a:extLst>
               <a:ext uri="{AF507438-7753-43E0-B8FC-AC1667EBCBE1}">
-                <a14:hiddenEffects xmlns:a14="http://schemas.microsoft.com/office/drawing/2010/main">
+                <a14:hiddenEffects xmlns:a14="http://schemas.microsoft.com/office/drawing/2010/main" xmlns="">
                   <a:effectLst>
                     <a:outerShdw blurRad="63500" dist="38099" dir="2700000" algn="ctr" rotWithShape="0">
                       <a:schemeClr val="bg2">
@@ -19722,7 +19715,7 @@
             <a:effectLst/>
             <a:extLst>
               <a:ext uri="{AF507438-7753-43E0-B8FC-AC1667EBCBE1}">
-                <a14:hiddenEffects xmlns:a14="http://schemas.microsoft.com/office/drawing/2010/main">
+                <a14:hiddenEffects xmlns:a14="http://schemas.microsoft.com/office/drawing/2010/main" xmlns="">
                   <a:effectLst>
                     <a:outerShdw blurRad="63500" dist="38099" dir="2700000" algn="ctr" rotWithShape="0">
                       <a:schemeClr val="bg2">
@@ -20003,7 +19996,7 @@
             <a:effectLst/>
             <a:extLst>
               <a:ext uri="{AF507438-7753-43E0-B8FC-AC1667EBCBE1}">
-                <a14:hiddenEffects xmlns:a14="http://schemas.microsoft.com/office/drawing/2010/main">
+                <a14:hiddenEffects xmlns:a14="http://schemas.microsoft.com/office/drawing/2010/main" xmlns="">
                   <a:effectLst>
                     <a:outerShdw blurRad="63500" dist="38099" dir="2700000" algn="ctr" rotWithShape="0">
                       <a:schemeClr val="bg2">
@@ -20048,7 +20041,7 @@
             <a:effectLst/>
             <a:extLst>
               <a:ext uri="{AF507438-7753-43E0-B8FC-AC1667EBCBE1}">
-                <a14:hiddenEffects xmlns:a14="http://schemas.microsoft.com/office/drawing/2010/main">
+                <a14:hiddenEffects xmlns:a14="http://schemas.microsoft.com/office/drawing/2010/main" xmlns="">
                   <a:effectLst>
                     <a:outerShdw blurRad="63500" dist="38099" dir="2700000" algn="ctr" rotWithShape="0">
                       <a:schemeClr val="bg2">
@@ -20329,7 +20322,7 @@
             <a:effectLst/>
             <a:extLst>
               <a:ext uri="{AF507438-7753-43E0-B8FC-AC1667EBCBE1}">
-                <a14:hiddenEffects xmlns:a14="http://schemas.microsoft.com/office/drawing/2010/main">
+                <a14:hiddenEffects xmlns:a14="http://schemas.microsoft.com/office/drawing/2010/main" xmlns="">
                   <a:effectLst>
                     <a:outerShdw blurRad="63500" dist="38099" dir="2700000" algn="ctr" rotWithShape="0">
                       <a:schemeClr val="bg2">
@@ -20374,7 +20367,7 @@
             <a:effectLst/>
             <a:extLst>
               <a:ext uri="{AF507438-7753-43E0-B8FC-AC1667EBCBE1}">
-                <a14:hiddenEffects xmlns:a14="http://schemas.microsoft.com/office/drawing/2010/main">
+                <a14:hiddenEffects xmlns:a14="http://schemas.microsoft.com/office/drawing/2010/main" xmlns="">
                   <a:effectLst>
                     <a:outerShdw blurRad="63500" dist="38099" dir="2700000" algn="ctr" rotWithShape="0">
                       <a:schemeClr val="bg2">
@@ -20503,7 +20496,7 @@
             <a:effectLst/>
             <a:extLst>
               <a:ext uri="{AF507438-7753-43E0-B8FC-AC1667EBCBE1}">
-                <a14:hiddenEffects xmlns:a14="http://schemas.microsoft.com/office/drawing/2010/main">
+                <a14:hiddenEffects xmlns:a14="http://schemas.microsoft.com/office/drawing/2010/main" xmlns="">
                   <a:effectLst>
                     <a:outerShdw blurRad="63500" dist="38099" dir="2700000" algn="ctr" rotWithShape="0">
                       <a:schemeClr val="bg2">
@@ -20548,7 +20541,7 @@
             <a:effectLst/>
             <a:extLst>
               <a:ext uri="{AF507438-7753-43E0-B8FC-AC1667EBCBE1}">
-                <a14:hiddenEffects xmlns:a14="http://schemas.microsoft.com/office/drawing/2010/main">
+                <a14:hiddenEffects xmlns:a14="http://schemas.microsoft.com/office/drawing/2010/main" xmlns="">
                   <a:effectLst>
                     <a:outerShdw blurRad="63500" dist="38099" dir="2700000" algn="ctr" rotWithShape="0">
                       <a:schemeClr val="bg2">
@@ -20593,7 +20586,7 @@
             <a:effectLst/>
             <a:extLst>
               <a:ext uri="{AF507438-7753-43E0-B8FC-AC1667EBCBE1}">
-                <a14:hiddenEffects xmlns:a14="http://schemas.microsoft.com/office/drawing/2010/main">
+                <a14:hiddenEffects xmlns:a14="http://schemas.microsoft.com/office/drawing/2010/main" xmlns="">
                   <a:effectLst>
                     <a:outerShdw blurRad="63500" dist="38099" dir="2700000" algn="ctr" rotWithShape="0">
                       <a:schemeClr val="bg2">
@@ -20736,7 +20729,7 @@
             <a:effectLst/>
             <a:extLst>
               <a:ext uri="{AF507438-7753-43E0-B8FC-AC1667EBCBE1}">
-                <a14:hiddenEffects xmlns:a14="http://schemas.microsoft.com/office/drawing/2010/main">
+                <a14:hiddenEffects xmlns:a14="http://schemas.microsoft.com/office/drawing/2010/main" xmlns="">
                   <a:effectLst>
                     <a:outerShdw blurRad="63500" dist="38099" dir="2700000" algn="ctr" rotWithShape="0">
                       <a:schemeClr val="bg2">
@@ -20919,7 +20912,7 @@
             <a:effectLst/>
             <a:extLst>
               <a:ext uri="{AF507438-7753-43E0-B8FC-AC1667EBCBE1}">
-                <a14:hiddenEffects xmlns:a14="http://schemas.microsoft.com/office/drawing/2010/main">
+                <a14:hiddenEffects xmlns:a14="http://schemas.microsoft.com/office/drawing/2010/main" xmlns="">
                   <a:effectLst>
                     <a:outerShdw blurRad="63500" dist="38099" dir="2700000" algn="ctr" rotWithShape="0">
                       <a:schemeClr val="bg2">
@@ -21251,7 +21244,7 @@
             <a:effectLst/>
             <a:extLst>
               <a:ext uri="{AF507438-7753-43E0-B8FC-AC1667EBCBE1}">
-                <a14:hiddenEffects xmlns:a14="http://schemas.microsoft.com/office/drawing/2010/main">
+                <a14:hiddenEffects xmlns:a14="http://schemas.microsoft.com/office/drawing/2010/main" xmlns="">
                   <a:effectLst>
                     <a:outerShdw blurRad="63500" dist="38099" dir="2700000" algn="ctr" rotWithShape="0">
                       <a:schemeClr val="bg2">
@@ -21293,7 +21286,7 @@
             <a:effectLst/>
             <a:extLst>
               <a:ext uri="{AF507438-7753-43E0-B8FC-AC1667EBCBE1}">
-                <a14:hiddenEffects xmlns:a14="http://schemas.microsoft.com/office/drawing/2010/main">
+                <a14:hiddenEffects xmlns:a14="http://schemas.microsoft.com/office/drawing/2010/main" xmlns="">
                   <a:effectLst>
                     <a:outerShdw blurRad="63500" dist="38099" dir="2700000" algn="ctr" rotWithShape="0">
                       <a:schemeClr val="bg2">
@@ -21342,7 +21335,7 @@
     </p:spTree>
     <p:extLst>
       <p:ext uri="{BB962C8B-B14F-4D97-AF65-F5344CB8AC3E}">
-        <p14:creationId xmlns:p14="http://schemas.microsoft.com/office/powerpoint/2010/main" val="2320115777"/>
+        <p14:creationId xmlns:p14="http://schemas.microsoft.com/office/powerpoint/2010/main" xmlns="" val="2320115777"/>
       </p:ext>
     </p:extLst>
   </p:cSld>
@@ -21591,9 +21584,9 @@
           <p:nvPr/>
         </p:nvCxnSpPr>
         <p:spPr bwMode="auto">
-          <a:xfrm flipH="1">
-            <a:off x="1815965" y="6869115"/>
-            <a:ext cx="18187613" cy="0"/>
+          <a:xfrm rot="10800000" flipV="1">
+            <a:off x="1815966" y="6857999"/>
+            <a:ext cx="19305784" cy="11115"/>
           </a:xfrm>
           <a:prstGeom prst="straightConnector1">
             <a:avLst/>
@@ -21613,7 +21606,7 @@
           <a:effectLst/>
           <a:extLst>
             <a:ext uri="{AF507438-7753-43E0-B8FC-AC1667EBCBE1}">
-              <a14:hiddenEffects xmlns:a14="http://schemas.microsoft.com/office/drawing/2010/main">
+              <a14:hiddenEffects xmlns:a14="http://schemas.microsoft.com/office/drawing/2010/main" xmlns="">
                 <a:effectLst>
                   <a:outerShdw blurRad="63500" dist="38099" dir="2700000" algn="ctr" rotWithShape="0">
                     <a:schemeClr val="bg2">
@@ -21698,7 +21691,7 @@
           <a:effectLst/>
           <a:extLst>
             <a:ext uri="{AF507438-7753-43E0-B8FC-AC1667EBCBE1}">
-              <a14:hiddenEffects xmlns:a14="http://schemas.microsoft.com/office/drawing/2010/main">
+              <a14:hiddenEffects xmlns:a14="http://schemas.microsoft.com/office/drawing/2010/main" xmlns="">
                 <a:effectLst>
                   <a:outerShdw blurRad="63500" dist="38099" dir="2700000" algn="ctr" rotWithShape="0">
                     <a:schemeClr val="bg2">
@@ -21909,7 +21902,7 @@
             <a:effectLst/>
             <a:extLst>
               <a:ext uri="{AF507438-7753-43E0-B8FC-AC1667EBCBE1}">
-                <a14:hiddenEffects xmlns:a14="http://schemas.microsoft.com/office/drawing/2010/main">
+                <a14:hiddenEffects xmlns:a14="http://schemas.microsoft.com/office/drawing/2010/main" xmlns="">
                   <a:effectLst>
                     <a:outerShdw blurRad="63500" dist="38099" dir="2700000" algn="ctr" rotWithShape="0">
                       <a:schemeClr val="bg2">
@@ -21954,7 +21947,7 @@
             <a:effectLst/>
             <a:extLst>
               <a:ext uri="{AF507438-7753-43E0-B8FC-AC1667EBCBE1}">
-                <a14:hiddenEffects xmlns:a14="http://schemas.microsoft.com/office/drawing/2010/main">
+                <a14:hiddenEffects xmlns:a14="http://schemas.microsoft.com/office/drawing/2010/main" xmlns="">
                   <a:effectLst>
                     <a:outerShdw blurRad="63500" dist="38099" dir="2700000" algn="ctr" rotWithShape="0">
                       <a:schemeClr val="bg2">
@@ -22235,7 +22228,7 @@
             <a:effectLst/>
             <a:extLst>
               <a:ext uri="{AF507438-7753-43E0-B8FC-AC1667EBCBE1}">
-                <a14:hiddenEffects xmlns:a14="http://schemas.microsoft.com/office/drawing/2010/main">
+                <a14:hiddenEffects xmlns:a14="http://schemas.microsoft.com/office/drawing/2010/main" xmlns="">
                   <a:effectLst>
                     <a:outerShdw blurRad="63500" dist="38099" dir="2700000" algn="ctr" rotWithShape="0">
                       <a:schemeClr val="bg2">
@@ -22280,7 +22273,7 @@
             <a:effectLst/>
             <a:extLst>
               <a:ext uri="{AF507438-7753-43E0-B8FC-AC1667EBCBE1}">
-                <a14:hiddenEffects xmlns:a14="http://schemas.microsoft.com/office/drawing/2010/main">
+                <a14:hiddenEffects xmlns:a14="http://schemas.microsoft.com/office/drawing/2010/main" xmlns="">
                   <a:effectLst>
                     <a:outerShdw blurRad="63500" dist="38099" dir="2700000" algn="ctr" rotWithShape="0">
                       <a:schemeClr val="bg2">
@@ -22395,7 +22388,7 @@
           <a:effectLst/>
           <a:extLst>
             <a:ext uri="{AF507438-7753-43E0-B8FC-AC1667EBCBE1}">
-              <a14:hiddenEffects xmlns:a14="http://schemas.microsoft.com/office/drawing/2010/main">
+              <a14:hiddenEffects xmlns:a14="http://schemas.microsoft.com/office/drawing/2010/main" xmlns="">
                 <a:effectLst>
                   <a:outerShdw blurRad="63500" dist="38099" dir="2700000" algn="ctr" rotWithShape="0">
                     <a:schemeClr val="bg2">
@@ -22440,7 +22433,7 @@
           <a:effectLst/>
           <a:extLst>
             <a:ext uri="{AF507438-7753-43E0-B8FC-AC1667EBCBE1}">
-              <a14:hiddenEffects xmlns:a14="http://schemas.microsoft.com/office/drawing/2010/main">
+              <a14:hiddenEffects xmlns:a14="http://schemas.microsoft.com/office/drawing/2010/main" xmlns="">
                 <a:effectLst>
                   <a:outerShdw blurRad="63500" dist="38099" dir="2700000" algn="ctr" rotWithShape="0">
                     <a:schemeClr val="bg2">
@@ -22485,7 +22478,7 @@
           <a:effectLst/>
           <a:extLst>
             <a:ext uri="{AF507438-7753-43E0-B8FC-AC1667EBCBE1}">
-              <a14:hiddenEffects xmlns:a14="http://schemas.microsoft.com/office/drawing/2010/main">
+              <a14:hiddenEffects xmlns:a14="http://schemas.microsoft.com/office/drawing/2010/main" xmlns="">
                 <a:effectLst>
                   <a:outerShdw blurRad="63500" dist="38099" dir="2700000" algn="ctr" rotWithShape="0">
                     <a:schemeClr val="bg2">
@@ -22627,7 +22620,7 @@
             <a:effectLst/>
             <a:extLst>
               <a:ext uri="{AF507438-7753-43E0-B8FC-AC1667EBCBE1}">
-                <a14:hiddenEffects xmlns:a14="http://schemas.microsoft.com/office/drawing/2010/main">
+                <a14:hiddenEffects xmlns:a14="http://schemas.microsoft.com/office/drawing/2010/main" xmlns="">
                   <a:effectLst>
                     <a:outerShdw blurRad="63500" dist="38099" dir="2700000" algn="ctr" rotWithShape="0">
                       <a:schemeClr val="bg2">
@@ -22810,7 +22803,7 @@
             <a:effectLst/>
             <a:extLst>
               <a:ext uri="{AF507438-7753-43E0-B8FC-AC1667EBCBE1}">
-                <a14:hiddenEffects xmlns:a14="http://schemas.microsoft.com/office/drawing/2010/main">
+                <a14:hiddenEffects xmlns:a14="http://schemas.microsoft.com/office/drawing/2010/main" xmlns="">
                   <a:effectLst>
                     <a:outerShdw blurRad="63500" dist="38099" dir="2700000" algn="ctr" rotWithShape="0">
                       <a:schemeClr val="bg2">
@@ -23106,9 +23099,9 @@
           <p:nvPr/>
         </p:nvCxnSpPr>
         <p:spPr bwMode="auto">
-          <a:xfrm flipH="1">
-            <a:off x="1825260" y="3592854"/>
-            <a:ext cx="18178318" cy="0"/>
+          <a:xfrm rot="10800000" flipV="1">
+            <a:off x="1825260" y="3571852"/>
+            <a:ext cx="19225052" cy="21002"/>
           </a:xfrm>
           <a:prstGeom prst="straightConnector1">
             <a:avLst/>
@@ -23128,7 +23121,7 @@
           <a:effectLst/>
           <a:extLst>
             <a:ext uri="{AF507438-7753-43E0-B8FC-AC1667EBCBE1}">
-              <a14:hiddenEffects xmlns:a14="http://schemas.microsoft.com/office/drawing/2010/main">
+              <a14:hiddenEffects xmlns:a14="http://schemas.microsoft.com/office/drawing/2010/main" xmlns="">
                 <a:effectLst>
                   <a:outerShdw blurRad="63500" dist="38099" dir="2700000" algn="ctr" rotWithShape="0">
                     <a:schemeClr val="bg2">
@@ -23339,7 +23332,7 @@
             <a:effectLst/>
             <a:extLst>
               <a:ext uri="{AF507438-7753-43E0-B8FC-AC1667EBCBE1}">
-                <a14:hiddenEffects xmlns:a14="http://schemas.microsoft.com/office/drawing/2010/main">
+                <a14:hiddenEffects xmlns:a14="http://schemas.microsoft.com/office/drawing/2010/main" xmlns="">
                   <a:effectLst>
                     <a:outerShdw blurRad="63500" dist="38099" dir="2700000" algn="ctr" rotWithShape="0">
                       <a:schemeClr val="bg2">
@@ -23384,7 +23377,7 @@
             <a:effectLst/>
             <a:extLst>
               <a:ext uri="{AF507438-7753-43E0-B8FC-AC1667EBCBE1}">
-                <a14:hiddenEffects xmlns:a14="http://schemas.microsoft.com/office/drawing/2010/main">
+                <a14:hiddenEffects xmlns:a14="http://schemas.microsoft.com/office/drawing/2010/main" xmlns="">
                   <a:effectLst>
                     <a:outerShdw blurRad="63500" dist="38099" dir="2700000" algn="ctr" rotWithShape="0">
                       <a:schemeClr val="bg2">
@@ -23695,7 +23688,7 @@
             <a:effectLst/>
             <a:extLst>
               <a:ext uri="{AF507438-7753-43E0-B8FC-AC1667EBCBE1}">
-                <a14:hiddenEffects xmlns:a14="http://schemas.microsoft.com/office/drawing/2010/main">
+                <a14:hiddenEffects xmlns:a14="http://schemas.microsoft.com/office/drawing/2010/main" xmlns="">
                   <a:effectLst>
                     <a:outerShdw blurRad="63500" dist="38099" dir="2700000" algn="ctr" rotWithShape="0">
                       <a:schemeClr val="bg2">
@@ -23740,7 +23733,7 @@
             <a:effectLst/>
             <a:extLst>
               <a:ext uri="{AF507438-7753-43E0-B8FC-AC1667EBCBE1}">
-                <a14:hiddenEffects xmlns:a14="http://schemas.microsoft.com/office/drawing/2010/main">
+                <a14:hiddenEffects xmlns:a14="http://schemas.microsoft.com/office/drawing/2010/main" xmlns="">
                   <a:effectLst>
                     <a:outerShdw blurRad="63500" dist="38099" dir="2700000" algn="ctr" rotWithShape="0">
                       <a:schemeClr val="bg2">
@@ -24051,7 +24044,7 @@
             <a:effectLst/>
             <a:extLst>
               <a:ext uri="{AF507438-7753-43E0-B8FC-AC1667EBCBE1}">
-                <a14:hiddenEffects xmlns:a14="http://schemas.microsoft.com/office/drawing/2010/main">
+                <a14:hiddenEffects xmlns:a14="http://schemas.microsoft.com/office/drawing/2010/main" xmlns="">
                   <a:effectLst>
                     <a:outerShdw blurRad="63500" dist="38099" dir="2700000" algn="ctr" rotWithShape="0">
                       <a:schemeClr val="bg2">
@@ -24096,7 +24089,7 @@
             <a:effectLst/>
             <a:extLst>
               <a:ext uri="{AF507438-7753-43E0-B8FC-AC1667EBCBE1}">
-                <a14:hiddenEffects xmlns:a14="http://schemas.microsoft.com/office/drawing/2010/main">
+                <a14:hiddenEffects xmlns:a14="http://schemas.microsoft.com/office/drawing/2010/main" xmlns="">
                   <a:effectLst>
                     <a:outerShdw blurRad="63500" dist="38099" dir="2700000" algn="ctr" rotWithShape="0">
                       <a:schemeClr val="bg2">
@@ -24240,7 +24233,7 @@
           <a:effectLst/>
           <a:extLst>
             <a:ext uri="{AF507438-7753-43E0-B8FC-AC1667EBCBE1}">
-              <a14:hiddenEffects xmlns:a14="http://schemas.microsoft.com/office/drawing/2010/main">
+              <a14:hiddenEffects xmlns:a14="http://schemas.microsoft.com/office/drawing/2010/main" xmlns="">
                 <a:effectLst>
                   <a:outerShdw blurRad="63500" dist="38099" dir="2700000" algn="ctr" rotWithShape="0">
                     <a:schemeClr val="bg2">
@@ -24285,7 +24278,7 @@
           <a:effectLst/>
           <a:extLst>
             <a:ext uri="{AF507438-7753-43E0-B8FC-AC1667EBCBE1}">
-              <a14:hiddenEffects xmlns:a14="http://schemas.microsoft.com/office/drawing/2010/main">
+              <a14:hiddenEffects xmlns:a14="http://schemas.microsoft.com/office/drawing/2010/main" xmlns="">
                 <a:effectLst>
                   <a:outerShdw blurRad="63500" dist="38099" dir="2700000" algn="ctr" rotWithShape="0">
                     <a:schemeClr val="bg2">
@@ -24333,7 +24326,7 @@
     </p:spTree>
     <p:extLst>
       <p:ext uri="{BB962C8B-B14F-4D97-AF65-F5344CB8AC3E}">
-        <p14:creationId xmlns:p14="http://schemas.microsoft.com/office/powerpoint/2010/main" val="3941702573"/>
+        <p14:creationId xmlns:p14="http://schemas.microsoft.com/office/powerpoint/2010/main" xmlns="" val="3941702573"/>
       </p:ext>
     </p:extLst>
   </p:cSld>
@@ -24368,9 +24361,2549 @@
           <a:chExt cx="0" cy="0"/>
         </a:xfrm>
       </p:grpSpPr>
+      <p:cxnSp>
+        <p:nvCxnSpPr>
+          <p:cNvPr id="132" name="Connettore 2 131"/>
+          <p:cNvCxnSpPr/>
+          <p:nvPr/>
+        </p:nvCxnSpPr>
+        <p:spPr bwMode="auto">
+          <a:xfrm rot="10800000" flipV="1">
+            <a:off x="1815966" y="6857999"/>
+            <a:ext cx="19305784" cy="11115"/>
+          </a:xfrm>
+          <a:prstGeom prst="straightConnector1">
+            <a:avLst/>
+          </a:prstGeom>
+          <a:solidFill>
+            <a:srgbClr val="BBE0E3"/>
+          </a:solidFill>
+          <a:ln w="38100" cap="flat" cmpd="sng" algn="ctr">
+            <a:solidFill>
+              <a:srgbClr val="000000"/>
+            </a:solidFill>
+            <a:prstDash val="dash"/>
+            <a:round/>
+            <a:headEnd type="none" w="med" len="med"/>
+            <a:tailEnd type="none"/>
+          </a:ln>
+          <a:effectLst/>
+          <a:extLst>
+            <a:ext uri="{AF507438-7753-43E0-B8FC-AC1667EBCBE1}">
+              <a14:hiddenEffects xmlns:a14="http://schemas.microsoft.com/office/drawing/2010/main" xmlns="">
+                <a:effectLst>
+                  <a:outerShdw blurRad="63500" dist="38099" dir="2700000" algn="ctr" rotWithShape="0">
+                    <a:schemeClr val="bg2">
+                      <a:alpha val="74998"/>
+                    </a:schemeClr>
+                  </a:outerShdw>
+                </a:effectLst>
+              </a14:hiddenEffects>
+            </a:ext>
+          </a:extLst>
+        </p:spPr>
+      </p:cxnSp>
+      <p:grpSp>
+        <p:nvGrpSpPr>
+          <p:cNvPr id="5" name="Gruppo 68"/>
+          <p:cNvGrpSpPr/>
+          <p:nvPr/>
+        </p:nvGrpSpPr>
+        <p:grpSpPr>
+          <a:xfrm>
+            <a:off x="13450378" y="7321215"/>
+            <a:ext cx="3294062" cy="2898379"/>
+            <a:chOff x="19126200" y="3177638"/>
+            <a:chExt cx="3294062" cy="2898379"/>
+          </a:xfrm>
+        </p:grpSpPr>
+        <p:sp>
+          <p:nvSpPr>
+            <p:cNvPr id="70" name="Rettangolo arrotondato 69"/>
+            <p:cNvSpPr/>
+            <p:nvPr/>
+          </p:nvSpPr>
+          <p:spPr bwMode="auto">
+            <a:xfrm>
+              <a:off x="19126200" y="3830544"/>
+              <a:ext cx="3294062" cy="914400"/>
+            </a:xfrm>
+            <a:prstGeom prst="roundRect">
+              <a:avLst/>
+            </a:prstGeom>
+            <a:solidFill>
+              <a:srgbClr val="0070C0"/>
+            </a:solidFill>
+            <a:ln w="25400" cap="flat" cmpd="sng" algn="ctr">
+              <a:solidFill>
+                <a:srgbClr val="000000"/>
+              </a:solidFill>
+              <a:prstDash val="solid"/>
+              <a:round/>
+              <a:headEnd type="none" w="med" len="med"/>
+              <a:tailEnd type="none" w="med" len="med"/>
+            </a:ln>
+            <a:effectLst/>
+            <a:extLst/>
+          </p:spPr>
+          <p:txBody>
+            <a:bodyPr vert="horz" wrap="square" lIns="91440" tIns="45720" rIns="91440" bIns="45720" numCol="1" rtlCol="0" anchor="ctr" anchorCtr="0" compatLnSpc="1">
+              <a:prstTxWarp prst="textNoShape">
+                <a:avLst/>
+              </a:prstTxWarp>
+            </a:bodyPr>
+            <a:lstStyle/>
+            <a:p>
+              <a:pPr algn="ctr" eaLnBrk="1" hangingPunct="1"/>
+              <a:r>
+                <a:rPr lang="it-IT" sz="2800" dirty="0" smtClean="0">
+                  <a:ln w="18415" cmpd="sng">
+                    <a:solidFill>
+                      <a:srgbClr val="FFFFFF"/>
+                    </a:solidFill>
+                    <a:prstDash val="solid"/>
+                  </a:ln>
+                  <a:solidFill>
+                    <a:srgbClr val="FFFFFF"/>
+                  </a:solidFill>
+                  <a:effectLst>
+                    <a:outerShdw blurRad="63500" dir="3600000" algn="tl" rotWithShape="0">
+                      <a:srgbClr val="000000">
+                        <a:alpha val="70000"/>
+                      </a:srgbClr>
+                    </a:outerShdw>
+                  </a:effectLst>
+                </a:rPr>
+                <a:t>MANAGEMENT</a:t>
+              </a:r>
+              <a:endParaRPr kumimoji="0" lang="it-IT" sz="2800" i="0" u="none" strike="noStrike" normalizeH="0" baseline="0" dirty="0">
+                <a:ln w="18415" cmpd="sng">
+                  <a:solidFill>
+                    <a:srgbClr val="FFFFFF"/>
+                  </a:solidFill>
+                  <a:prstDash val="solid"/>
+                </a:ln>
+                <a:solidFill>
+                  <a:srgbClr val="FFFFFF"/>
+                </a:solidFill>
+                <a:effectLst>
+                  <a:outerShdw blurRad="63500" dir="3600000" algn="tl" rotWithShape="0">
+                    <a:srgbClr val="000000">
+                      <a:alpha val="70000"/>
+                    </a:srgbClr>
+                  </a:outerShdw>
+                </a:effectLst>
+                <a:ea typeface="ヒラギノ角ゴ ProN W3" charset="0"/>
+                <a:cs typeface="ヒラギノ角ゴ ProN W3" charset="0"/>
+                <a:sym typeface="Gill Sans" charset="0"/>
+              </a:endParaRPr>
+            </a:p>
+          </p:txBody>
+        </p:sp>
+        <p:sp>
+          <p:nvSpPr>
+            <p:cNvPr id="71" name="Cilindro 70"/>
+            <p:cNvSpPr/>
+            <p:nvPr/>
+          </p:nvSpPr>
+          <p:spPr bwMode="auto">
+            <a:xfrm>
+              <a:off x="20316031" y="5226704"/>
+              <a:ext cx="914400" cy="849313"/>
+            </a:xfrm>
+            <a:prstGeom prst="can">
+              <a:avLst/>
+            </a:prstGeom>
+            <a:solidFill>
+              <a:srgbClr val="0070C0"/>
+            </a:solidFill>
+            <a:ln w="25400" cap="flat" cmpd="sng" algn="ctr">
+              <a:solidFill>
+                <a:srgbClr val="000000"/>
+              </a:solidFill>
+              <a:prstDash val="solid"/>
+              <a:round/>
+              <a:headEnd type="none" w="med" len="med"/>
+              <a:tailEnd type="none" w="med" len="med"/>
+            </a:ln>
+            <a:effectLst/>
+            <a:extLst/>
+          </p:spPr>
+          <p:txBody>
+            <a:bodyPr vert="horz" wrap="square" lIns="91440" tIns="45720" rIns="91440" bIns="45720" numCol="1" rtlCol="0" anchor="t" anchorCtr="0" compatLnSpc="1">
+              <a:prstTxWarp prst="textNoShape">
+                <a:avLst/>
+              </a:prstTxWarp>
+            </a:bodyPr>
+            <a:lstStyle/>
+            <a:p>
+              <a:pPr marL="0" marR="0" indent="0" algn="ctr" defTabSz="914400" rtl="0" eaLnBrk="1" fontAlgn="base" latinLnBrk="0" hangingPunct="1">
+                <a:lnSpc>
+                  <a:spcPct val="100000"/>
+                </a:lnSpc>
+                <a:spcBef>
+                  <a:spcPct val="0"/>
+                </a:spcBef>
+                <a:spcAft>
+                  <a:spcPct val="0"/>
+                </a:spcAft>
+                <a:buClrTx/>
+                <a:buSzTx/>
+                <a:buFontTx/>
+                <a:buNone/>
+                <a:tabLst/>
+              </a:pPr>
+              <a:endParaRPr kumimoji="0" lang="it-IT" sz="11200" b="0" i="0" u="none" strike="noStrike" cap="none" normalizeH="0" baseline="0">
+                <a:ln>
+                  <a:noFill/>
+                </a:ln>
+                <a:solidFill>
+                  <a:srgbClr val="000000"/>
+                </a:solidFill>
+                <a:effectLst/>
+                <a:latin typeface="Gill Sans" charset="0"/>
+                <a:ea typeface="ヒラギノ角ゴ ProN W3" charset="0"/>
+                <a:cs typeface="ヒラギノ角ゴ ProN W3" charset="0"/>
+                <a:sym typeface="Gill Sans" charset="0"/>
+              </a:endParaRPr>
+            </a:p>
+          </p:txBody>
+        </p:sp>
+        <p:cxnSp>
+          <p:nvCxnSpPr>
+            <p:cNvPr id="73" name="Connettore 2 72"/>
+            <p:cNvCxnSpPr>
+              <a:stCxn id="70" idx="2"/>
+              <a:endCxn id="71" idx="1"/>
+            </p:cNvCxnSpPr>
+            <p:nvPr/>
+          </p:nvCxnSpPr>
+          <p:spPr bwMode="auto">
+            <a:xfrm>
+              <a:off x="20773231" y="4744944"/>
+              <a:ext cx="0" cy="481760"/>
+            </a:xfrm>
+            <a:prstGeom prst="straightConnector1">
+              <a:avLst/>
+            </a:prstGeom>
+            <a:solidFill>
+              <a:srgbClr val="BBE0E3"/>
+            </a:solidFill>
+            <a:ln w="50800" cap="flat" cmpd="sng" algn="ctr">
+              <a:solidFill>
+                <a:srgbClr val="000000"/>
+              </a:solidFill>
+              <a:prstDash val="solid"/>
+              <a:round/>
+              <a:headEnd type="none" w="med" len="med"/>
+              <a:tailEnd type="arrow"/>
+            </a:ln>
+            <a:effectLst/>
+            <a:extLst>
+              <a:ext uri="{AF507438-7753-43E0-B8FC-AC1667EBCBE1}">
+                <a14:hiddenEffects xmlns:a14="http://schemas.microsoft.com/office/drawing/2010/main" xmlns="">
+                  <a:effectLst>
+                    <a:outerShdw blurRad="63500" dist="38099" dir="2700000" algn="ctr" rotWithShape="0">
+                      <a:schemeClr val="bg2">
+                        <a:alpha val="74998"/>
+                      </a:schemeClr>
+                    </a:outerShdw>
+                  </a:effectLst>
+                </a14:hiddenEffects>
+              </a:ext>
+            </a:extLst>
+          </p:spPr>
+        </p:cxnSp>
+        <p:cxnSp>
+          <p:nvCxnSpPr>
+            <p:cNvPr id="74" name="Connettore 2 73"/>
+            <p:cNvCxnSpPr>
+              <a:stCxn id="70" idx="0"/>
+              <a:endCxn id="75" idx="4"/>
+            </p:cNvCxnSpPr>
+            <p:nvPr/>
+          </p:nvCxnSpPr>
+          <p:spPr bwMode="auto">
+            <a:xfrm flipH="1" flipV="1">
+              <a:off x="20773230" y="3438781"/>
+              <a:ext cx="1" cy="391763"/>
+            </a:xfrm>
+            <a:prstGeom prst="straightConnector1">
+              <a:avLst/>
+            </a:prstGeom>
+            <a:solidFill>
+              <a:srgbClr val="BBE0E3"/>
+            </a:solidFill>
+            <a:ln w="50800" cap="flat" cmpd="sng" algn="ctr">
+              <a:solidFill>
+                <a:srgbClr val="000000"/>
+              </a:solidFill>
+              <a:prstDash val="solid"/>
+              <a:round/>
+              <a:headEnd type="none" w="med" len="med"/>
+              <a:tailEnd type="none"/>
+            </a:ln>
+            <a:effectLst/>
+            <a:extLst>
+              <a:ext uri="{AF507438-7753-43E0-B8FC-AC1667EBCBE1}">
+                <a14:hiddenEffects xmlns:a14="http://schemas.microsoft.com/office/drawing/2010/main" xmlns="">
+                  <a:effectLst>
+                    <a:outerShdw blurRad="63500" dist="38099" dir="2700000" algn="ctr" rotWithShape="0">
+                      <a:schemeClr val="bg2">
+                        <a:alpha val="74998"/>
+                      </a:schemeClr>
+                    </a:outerShdw>
+                  </a:effectLst>
+                </a14:hiddenEffects>
+              </a:ext>
+            </a:extLst>
+          </p:spPr>
+        </p:cxnSp>
+        <p:sp>
+          <p:nvSpPr>
+            <p:cNvPr id="75" name="Ovale 74"/>
+            <p:cNvSpPr/>
+            <p:nvPr/>
+          </p:nvSpPr>
+          <p:spPr bwMode="auto">
+            <a:xfrm flipH="1">
+              <a:off x="20637499" y="3177638"/>
+              <a:ext cx="271463" cy="261143"/>
+            </a:xfrm>
+            <a:prstGeom prst="ellipse">
+              <a:avLst/>
+            </a:prstGeom>
+            <a:solidFill>
+              <a:schemeClr val="tx1"/>
+            </a:solidFill>
+            <a:ln w="25400" cap="flat" cmpd="sng" algn="ctr">
+              <a:solidFill>
+                <a:srgbClr val="000000"/>
+              </a:solidFill>
+              <a:prstDash val="solid"/>
+              <a:round/>
+              <a:headEnd type="none" w="med" len="med"/>
+              <a:tailEnd type="none" w="med" len="med"/>
+            </a:ln>
+            <a:effectLst/>
+            <a:extLst/>
+          </p:spPr>
+          <p:txBody>
+            <a:bodyPr vert="horz" wrap="square" lIns="91440" tIns="45720" rIns="91440" bIns="45720" numCol="1" rtlCol="0" anchor="t" anchorCtr="0" compatLnSpc="1">
+              <a:prstTxWarp prst="textNoShape">
+                <a:avLst/>
+              </a:prstTxWarp>
+            </a:bodyPr>
+            <a:lstStyle/>
+            <a:p>
+              <a:pPr marL="0" marR="0" indent="0" algn="ctr" defTabSz="914400" rtl="0" eaLnBrk="1" fontAlgn="base" latinLnBrk="0" hangingPunct="1">
+                <a:lnSpc>
+                  <a:spcPct val="100000"/>
+                </a:lnSpc>
+                <a:spcBef>
+                  <a:spcPct val="0"/>
+                </a:spcBef>
+                <a:spcAft>
+                  <a:spcPct val="0"/>
+                </a:spcAft>
+                <a:buClrTx/>
+                <a:buSzTx/>
+                <a:buFontTx/>
+                <a:buNone/>
+                <a:tabLst/>
+              </a:pPr>
+              <a:endParaRPr kumimoji="0" lang="it-IT" sz="11200" b="0" i="0" u="none" strike="noStrike" cap="none" normalizeH="0" baseline="0">
+                <a:ln>
+                  <a:noFill/>
+                </a:ln>
+                <a:solidFill>
+                  <a:srgbClr val="000000"/>
+                </a:solidFill>
+                <a:effectLst/>
+                <a:latin typeface="Gill Sans" charset="0"/>
+                <a:ea typeface="ヒラギノ角ゴ ProN W3" charset="0"/>
+                <a:cs typeface="ヒラギノ角ゴ ProN W3" charset="0"/>
+                <a:sym typeface="Gill Sans" charset="0"/>
+              </a:endParaRPr>
+            </a:p>
+          </p:txBody>
+        </p:sp>
+      </p:grpSp>
+      <p:grpSp>
+        <p:nvGrpSpPr>
+          <p:cNvPr id="8" name="Gruppo 76"/>
+          <p:cNvGrpSpPr/>
+          <p:nvPr/>
+        </p:nvGrpSpPr>
+        <p:grpSpPr>
+          <a:xfrm>
+            <a:off x="17412778" y="7307126"/>
+            <a:ext cx="3294062" cy="2898379"/>
+            <a:chOff x="19126200" y="3177638"/>
+            <a:chExt cx="3294062" cy="2898379"/>
+          </a:xfrm>
+        </p:grpSpPr>
+        <p:sp>
+          <p:nvSpPr>
+            <p:cNvPr id="78" name="Rettangolo arrotondato 77"/>
+            <p:cNvSpPr/>
+            <p:nvPr/>
+          </p:nvSpPr>
+          <p:spPr bwMode="auto">
+            <a:xfrm>
+              <a:off x="19126200" y="3830544"/>
+              <a:ext cx="3294062" cy="914400"/>
+            </a:xfrm>
+            <a:prstGeom prst="roundRect">
+              <a:avLst/>
+            </a:prstGeom>
+            <a:solidFill>
+              <a:srgbClr val="0070C0"/>
+            </a:solidFill>
+            <a:ln w="25400" cap="flat" cmpd="sng" algn="ctr">
+              <a:solidFill>
+                <a:srgbClr val="000000"/>
+              </a:solidFill>
+              <a:prstDash val="solid"/>
+              <a:round/>
+              <a:headEnd type="none" w="med" len="med"/>
+              <a:tailEnd type="none" w="med" len="med"/>
+            </a:ln>
+            <a:effectLst/>
+            <a:extLst/>
+          </p:spPr>
+          <p:txBody>
+            <a:bodyPr vert="horz" wrap="square" lIns="91440" tIns="45720" rIns="91440" bIns="45720" numCol="1" rtlCol="0" anchor="ctr" anchorCtr="0" compatLnSpc="1">
+              <a:prstTxWarp prst="textNoShape">
+                <a:avLst/>
+              </a:prstTxWarp>
+            </a:bodyPr>
+            <a:lstStyle/>
+            <a:p>
+              <a:pPr algn="ctr" eaLnBrk="1" hangingPunct="1"/>
+              <a:r>
+                <a:rPr lang="it-IT" sz="2800" dirty="0" smtClean="0">
+                  <a:ln w="18415" cmpd="sng">
+                    <a:solidFill>
+                      <a:srgbClr val="FFFFFF"/>
+                    </a:solidFill>
+                    <a:prstDash val="solid"/>
+                  </a:ln>
+                  <a:solidFill>
+                    <a:srgbClr val="FFFFFF"/>
+                  </a:solidFill>
+                  <a:effectLst>
+                    <a:outerShdw blurRad="63500" dir="3600000" algn="tl" rotWithShape="0">
+                      <a:srgbClr val="000000">
+                        <a:alpha val="70000"/>
+                      </a:srgbClr>
+                    </a:outerShdw>
+                  </a:effectLst>
+                </a:rPr>
+                <a:t>MATERIALIZED VIEW</a:t>
+              </a:r>
+              <a:endParaRPr kumimoji="0" lang="it-IT" sz="2800" i="0" u="none" strike="noStrike" normalizeH="0" baseline="0" dirty="0">
+                <a:ln w="18415" cmpd="sng">
+                  <a:solidFill>
+                    <a:srgbClr val="FFFFFF"/>
+                  </a:solidFill>
+                  <a:prstDash val="solid"/>
+                </a:ln>
+                <a:solidFill>
+                  <a:srgbClr val="FFFFFF"/>
+                </a:solidFill>
+                <a:effectLst>
+                  <a:outerShdw blurRad="63500" dir="3600000" algn="tl" rotWithShape="0">
+                    <a:srgbClr val="000000">
+                      <a:alpha val="70000"/>
+                    </a:srgbClr>
+                  </a:outerShdw>
+                </a:effectLst>
+                <a:ea typeface="ヒラギノ角ゴ ProN W3" charset="0"/>
+                <a:cs typeface="ヒラギノ角ゴ ProN W3" charset="0"/>
+                <a:sym typeface="Gill Sans" charset="0"/>
+              </a:endParaRPr>
+            </a:p>
+          </p:txBody>
+        </p:sp>
+        <p:sp>
+          <p:nvSpPr>
+            <p:cNvPr id="79" name="Cilindro 78"/>
+            <p:cNvSpPr/>
+            <p:nvPr/>
+          </p:nvSpPr>
+          <p:spPr bwMode="auto">
+            <a:xfrm>
+              <a:off x="20316031" y="5226704"/>
+              <a:ext cx="914400" cy="849313"/>
+            </a:xfrm>
+            <a:prstGeom prst="can">
+              <a:avLst/>
+            </a:prstGeom>
+            <a:solidFill>
+              <a:srgbClr val="0070C0"/>
+            </a:solidFill>
+            <a:ln w="25400" cap="flat" cmpd="sng" algn="ctr">
+              <a:solidFill>
+                <a:srgbClr val="000000"/>
+              </a:solidFill>
+              <a:prstDash val="solid"/>
+              <a:round/>
+              <a:headEnd type="none" w="med" len="med"/>
+              <a:tailEnd type="none" w="med" len="med"/>
+            </a:ln>
+            <a:effectLst/>
+            <a:extLst/>
+          </p:spPr>
+          <p:txBody>
+            <a:bodyPr vert="horz" wrap="square" lIns="91440" tIns="45720" rIns="91440" bIns="45720" numCol="1" rtlCol="0" anchor="t" anchorCtr="0" compatLnSpc="1">
+              <a:prstTxWarp prst="textNoShape">
+                <a:avLst/>
+              </a:prstTxWarp>
+            </a:bodyPr>
+            <a:lstStyle/>
+            <a:p>
+              <a:pPr marL="0" marR="0" indent="0" algn="ctr" defTabSz="914400" rtl="0" eaLnBrk="1" fontAlgn="base" latinLnBrk="0" hangingPunct="1">
+                <a:lnSpc>
+                  <a:spcPct val="100000"/>
+                </a:lnSpc>
+                <a:spcBef>
+                  <a:spcPct val="0"/>
+                </a:spcBef>
+                <a:spcAft>
+                  <a:spcPct val="0"/>
+                </a:spcAft>
+                <a:buClrTx/>
+                <a:buSzTx/>
+                <a:buFontTx/>
+                <a:buNone/>
+                <a:tabLst/>
+              </a:pPr>
+              <a:endParaRPr kumimoji="0" lang="it-IT" sz="11200" b="0" i="0" u="none" strike="noStrike" cap="none" normalizeH="0" baseline="0">
+                <a:ln>
+                  <a:noFill/>
+                </a:ln>
+                <a:solidFill>
+                  <a:srgbClr val="000000"/>
+                </a:solidFill>
+                <a:effectLst/>
+                <a:latin typeface="Gill Sans" charset="0"/>
+                <a:ea typeface="ヒラギノ角ゴ ProN W3" charset="0"/>
+                <a:cs typeface="ヒラギノ角ゴ ProN W3" charset="0"/>
+                <a:sym typeface="Gill Sans" charset="0"/>
+              </a:endParaRPr>
+            </a:p>
+          </p:txBody>
+        </p:sp>
+        <p:cxnSp>
+          <p:nvCxnSpPr>
+            <p:cNvPr id="80" name="Connettore 2 79"/>
+            <p:cNvCxnSpPr>
+              <a:stCxn id="78" idx="2"/>
+              <a:endCxn id="79" idx="1"/>
+            </p:cNvCxnSpPr>
+            <p:nvPr/>
+          </p:nvCxnSpPr>
+          <p:spPr bwMode="auto">
+            <a:xfrm>
+              <a:off x="20773231" y="4744944"/>
+              <a:ext cx="0" cy="481760"/>
+            </a:xfrm>
+            <a:prstGeom prst="straightConnector1">
+              <a:avLst/>
+            </a:prstGeom>
+            <a:solidFill>
+              <a:srgbClr val="BBE0E3"/>
+            </a:solidFill>
+            <a:ln w="50800" cap="flat" cmpd="sng" algn="ctr">
+              <a:solidFill>
+                <a:srgbClr val="000000"/>
+              </a:solidFill>
+              <a:prstDash val="solid"/>
+              <a:round/>
+              <a:headEnd type="none" w="med" len="med"/>
+              <a:tailEnd type="arrow"/>
+            </a:ln>
+            <a:effectLst/>
+            <a:extLst>
+              <a:ext uri="{AF507438-7753-43E0-B8FC-AC1667EBCBE1}">
+                <a14:hiddenEffects xmlns:a14="http://schemas.microsoft.com/office/drawing/2010/main" xmlns="">
+                  <a:effectLst>
+                    <a:outerShdw blurRad="63500" dist="38099" dir="2700000" algn="ctr" rotWithShape="0">
+                      <a:schemeClr val="bg2">
+                        <a:alpha val="74998"/>
+                      </a:schemeClr>
+                    </a:outerShdw>
+                  </a:effectLst>
+                </a14:hiddenEffects>
+              </a:ext>
+            </a:extLst>
+          </p:spPr>
+        </p:cxnSp>
+        <p:cxnSp>
+          <p:nvCxnSpPr>
+            <p:cNvPr id="81" name="Connettore 2 80"/>
+            <p:cNvCxnSpPr>
+              <a:stCxn id="78" idx="0"/>
+              <a:endCxn id="82" idx="4"/>
+            </p:cNvCxnSpPr>
+            <p:nvPr/>
+          </p:nvCxnSpPr>
+          <p:spPr bwMode="auto">
+            <a:xfrm flipH="1" flipV="1">
+              <a:off x="20773230" y="3438781"/>
+              <a:ext cx="1" cy="391763"/>
+            </a:xfrm>
+            <a:prstGeom prst="straightConnector1">
+              <a:avLst/>
+            </a:prstGeom>
+            <a:solidFill>
+              <a:srgbClr val="BBE0E3"/>
+            </a:solidFill>
+            <a:ln w="50800" cap="flat" cmpd="sng" algn="ctr">
+              <a:solidFill>
+                <a:srgbClr val="000000"/>
+              </a:solidFill>
+              <a:prstDash val="solid"/>
+              <a:round/>
+              <a:headEnd type="none" w="med" len="med"/>
+              <a:tailEnd type="none"/>
+            </a:ln>
+            <a:effectLst/>
+            <a:extLst>
+              <a:ext uri="{AF507438-7753-43E0-B8FC-AC1667EBCBE1}">
+                <a14:hiddenEffects xmlns:a14="http://schemas.microsoft.com/office/drawing/2010/main" xmlns="">
+                  <a:effectLst>
+                    <a:outerShdw blurRad="63500" dist="38099" dir="2700000" algn="ctr" rotWithShape="0">
+                      <a:schemeClr val="bg2">
+                        <a:alpha val="74998"/>
+                      </a:schemeClr>
+                    </a:outerShdw>
+                  </a:effectLst>
+                </a14:hiddenEffects>
+              </a:ext>
+            </a:extLst>
+          </p:spPr>
+        </p:cxnSp>
+        <p:sp>
+          <p:nvSpPr>
+            <p:cNvPr id="82" name="Ovale 81"/>
+            <p:cNvSpPr/>
+            <p:nvPr/>
+          </p:nvSpPr>
+          <p:spPr bwMode="auto">
+            <a:xfrm flipH="1">
+              <a:off x="20637499" y="3177638"/>
+              <a:ext cx="271463" cy="261143"/>
+            </a:xfrm>
+            <a:prstGeom prst="ellipse">
+              <a:avLst/>
+            </a:prstGeom>
+            <a:solidFill>
+              <a:schemeClr val="tx1"/>
+            </a:solidFill>
+            <a:ln w="25400" cap="flat" cmpd="sng" algn="ctr">
+              <a:solidFill>
+                <a:srgbClr val="000000"/>
+              </a:solidFill>
+              <a:prstDash val="solid"/>
+              <a:round/>
+              <a:headEnd type="none" w="med" len="med"/>
+              <a:tailEnd type="none" w="med" len="med"/>
+            </a:ln>
+            <a:effectLst/>
+            <a:extLst/>
+          </p:spPr>
+          <p:txBody>
+            <a:bodyPr vert="horz" wrap="square" lIns="91440" tIns="45720" rIns="91440" bIns="45720" numCol="1" rtlCol="0" anchor="t" anchorCtr="0" compatLnSpc="1">
+              <a:prstTxWarp prst="textNoShape">
+                <a:avLst/>
+              </a:prstTxWarp>
+            </a:bodyPr>
+            <a:lstStyle/>
+            <a:p>
+              <a:pPr marL="0" marR="0" indent="0" algn="ctr" defTabSz="914400" rtl="0" eaLnBrk="1" fontAlgn="base" latinLnBrk="0" hangingPunct="1">
+                <a:lnSpc>
+                  <a:spcPct val="100000"/>
+                </a:lnSpc>
+                <a:spcBef>
+                  <a:spcPct val="0"/>
+                </a:spcBef>
+                <a:spcAft>
+                  <a:spcPct val="0"/>
+                </a:spcAft>
+                <a:buClrTx/>
+                <a:buSzTx/>
+                <a:buFontTx/>
+                <a:buNone/>
+                <a:tabLst/>
+              </a:pPr>
+              <a:endParaRPr kumimoji="0" lang="it-IT" sz="11200" b="0" i="0" u="none" strike="noStrike" cap="none" normalizeH="0" baseline="0">
+                <a:ln>
+                  <a:noFill/>
+                </a:ln>
+                <a:solidFill>
+                  <a:srgbClr val="000000"/>
+                </a:solidFill>
+                <a:effectLst/>
+                <a:latin typeface="Gill Sans" charset="0"/>
+                <a:ea typeface="ヒラギノ角ゴ ProN W3" charset="0"/>
+                <a:cs typeface="ヒラギノ角ゴ ProN W3" charset="0"/>
+                <a:sym typeface="Gill Sans" charset="0"/>
+              </a:endParaRPr>
+            </a:p>
+          </p:txBody>
+        </p:sp>
+      </p:grpSp>
+      <p:cxnSp>
+        <p:nvCxnSpPr>
+          <p:cNvPr id="89" name="Connettore 2 88"/>
+          <p:cNvCxnSpPr>
+            <a:stCxn id="84" idx="2"/>
+            <a:endCxn id="11" idx="1"/>
+          </p:cNvCxnSpPr>
+          <p:nvPr/>
+        </p:nvCxnSpPr>
+        <p:spPr bwMode="auto">
+          <a:xfrm rot="5400000">
+            <a:off x="3119299" y="6267877"/>
+            <a:ext cx="1746965" cy="615371"/>
+          </a:xfrm>
+          <a:prstGeom prst="straightConnector1">
+            <a:avLst/>
+          </a:prstGeom>
+          <a:solidFill>
+            <a:srgbClr val="BBE0E3"/>
+          </a:solidFill>
+          <a:ln w="50800" cap="flat" cmpd="sng" algn="ctr">
+            <a:solidFill>
+              <a:srgbClr val="00B050"/>
+            </a:solidFill>
+            <a:prstDash val="solid"/>
+            <a:round/>
+            <a:headEnd type="none" w="med" len="med"/>
+            <a:tailEnd type="arrow"/>
+          </a:ln>
+          <a:effectLst/>
+          <a:extLst>
+            <a:ext uri="{AF507438-7753-43E0-B8FC-AC1667EBCBE1}">
+              <a14:hiddenEffects xmlns:a14="http://schemas.microsoft.com/office/drawing/2010/main" xmlns="">
+                <a:effectLst>
+                  <a:outerShdw blurRad="63500" dist="38099" dir="2700000" algn="ctr" rotWithShape="0">
+                    <a:schemeClr val="bg2">
+                      <a:alpha val="74998"/>
+                    </a:schemeClr>
+                  </a:outerShdw>
+                </a:effectLst>
+              </a14:hiddenEffects>
+            </a:ext>
+          </a:extLst>
+        </p:spPr>
+      </p:cxnSp>
+      <p:grpSp>
+        <p:nvGrpSpPr>
+          <p:cNvPr id="9" name="Gruppo 35"/>
+          <p:cNvGrpSpPr/>
+          <p:nvPr/>
+        </p:nvGrpSpPr>
+        <p:grpSpPr>
+          <a:xfrm>
+            <a:off x="1976366" y="3643290"/>
+            <a:ext cx="6199254" cy="2058790"/>
+            <a:chOff x="14935200" y="3122826"/>
+            <a:chExt cx="6199254" cy="2058790"/>
+          </a:xfrm>
+        </p:grpSpPr>
+        <p:sp>
+          <p:nvSpPr>
+            <p:cNvPr id="84" name="Rettangolo arrotondato 83"/>
+            <p:cNvSpPr/>
+            <p:nvPr/>
+          </p:nvSpPr>
+          <p:spPr bwMode="auto">
+            <a:xfrm>
+              <a:off x="14935200" y="3775732"/>
+              <a:ext cx="4648200" cy="1405884"/>
+            </a:xfrm>
+            <a:prstGeom prst="roundRect">
+              <a:avLst/>
+            </a:prstGeom>
+            <a:solidFill>
+              <a:srgbClr val="0070C0"/>
+            </a:solidFill>
+            <a:ln w="25400" cap="flat" cmpd="sng" algn="ctr">
+              <a:solidFill>
+                <a:srgbClr val="000000"/>
+              </a:solidFill>
+              <a:prstDash val="solid"/>
+              <a:round/>
+              <a:headEnd type="none" w="med" len="med"/>
+              <a:tailEnd type="none" w="med" len="med"/>
+            </a:ln>
+            <a:effectLst/>
+            <a:extLst/>
+          </p:spPr>
+          <p:txBody>
+            <a:bodyPr vert="horz" wrap="square" lIns="91440" tIns="45720" rIns="91440" bIns="45720" numCol="1" rtlCol="0" anchor="t" anchorCtr="0" compatLnSpc="1">
+              <a:prstTxWarp prst="textNoShape">
+                <a:avLst/>
+              </a:prstTxWarp>
+            </a:bodyPr>
+            <a:lstStyle/>
+            <a:p>
+              <a:pPr algn="ctr" eaLnBrk="1" hangingPunct="1"/>
+              <a:r>
+                <a:rPr lang="it-IT" sz="2800" dirty="0" smtClean="0">
+                  <a:ln w="18415" cmpd="sng">
+                    <a:solidFill>
+                      <a:srgbClr val="FFFFFF"/>
+                    </a:solidFill>
+                    <a:prstDash val="solid"/>
+                  </a:ln>
+                  <a:solidFill>
+                    <a:srgbClr val="FFFFFF"/>
+                  </a:solidFill>
+                  <a:effectLst>
+                    <a:outerShdw blurRad="63500" dir="3600000" algn="tl" rotWithShape="0">
+                      <a:srgbClr val="000000">
+                        <a:alpha val="70000"/>
+                      </a:srgbClr>
+                    </a:outerShdw>
+                  </a:effectLst>
+                </a:rPr>
+                <a:t>&lt;SERVICE CONSUMER&gt;</a:t>
+              </a:r>
+              <a:endParaRPr kumimoji="0" lang="it-IT" sz="2800" i="0" u="none" strike="noStrike" normalizeH="0" baseline="0" dirty="0">
+                <a:ln w="18415" cmpd="sng">
+                  <a:solidFill>
+                    <a:srgbClr val="FFFFFF"/>
+                  </a:solidFill>
+                  <a:prstDash val="solid"/>
+                </a:ln>
+                <a:solidFill>
+                  <a:srgbClr val="FFFFFF"/>
+                </a:solidFill>
+                <a:effectLst>
+                  <a:outerShdw blurRad="63500" dir="3600000" algn="tl" rotWithShape="0">
+                    <a:srgbClr val="000000">
+                      <a:alpha val="70000"/>
+                    </a:srgbClr>
+                  </a:outerShdw>
+                </a:effectLst>
+                <a:ea typeface="ヒラギノ角ゴ ProN W3" charset="0"/>
+                <a:cs typeface="ヒラギノ角ゴ ProN W3" charset="0"/>
+                <a:sym typeface="Gill Sans" charset="0"/>
+              </a:endParaRPr>
+            </a:p>
+          </p:txBody>
+        </p:sp>
+        <p:cxnSp>
+          <p:nvCxnSpPr>
+            <p:cNvPr id="87" name="Connettore 2 86"/>
+            <p:cNvCxnSpPr>
+              <a:stCxn id="84" idx="0"/>
+              <a:endCxn id="88" idx="4"/>
+            </p:cNvCxnSpPr>
+            <p:nvPr/>
+          </p:nvCxnSpPr>
+          <p:spPr bwMode="auto">
+            <a:xfrm flipH="1" flipV="1">
+              <a:off x="17259299" y="3383969"/>
+              <a:ext cx="1" cy="391763"/>
+            </a:xfrm>
+            <a:prstGeom prst="straightConnector1">
+              <a:avLst/>
+            </a:prstGeom>
+            <a:solidFill>
+              <a:srgbClr val="BBE0E3"/>
+            </a:solidFill>
+            <a:ln w="50800" cap="flat" cmpd="sng" algn="ctr">
+              <a:solidFill>
+                <a:srgbClr val="000000"/>
+              </a:solidFill>
+              <a:prstDash val="solid"/>
+              <a:round/>
+              <a:headEnd type="none" w="med" len="med"/>
+              <a:tailEnd type="none"/>
+            </a:ln>
+            <a:effectLst/>
+            <a:extLst>
+              <a:ext uri="{AF507438-7753-43E0-B8FC-AC1667EBCBE1}">
+                <a14:hiddenEffects xmlns:a14="http://schemas.microsoft.com/office/drawing/2010/main" xmlns="">
+                  <a:effectLst>
+                    <a:outerShdw blurRad="63500" dist="38099" dir="2700000" algn="ctr" rotWithShape="0">
+                      <a:schemeClr val="bg2">
+                        <a:alpha val="74998"/>
+                      </a:schemeClr>
+                    </a:outerShdw>
+                  </a:effectLst>
+                </a14:hiddenEffects>
+              </a:ext>
+            </a:extLst>
+          </p:spPr>
+        </p:cxnSp>
+        <p:sp>
+          <p:nvSpPr>
+            <p:cNvPr id="88" name="Ovale 87"/>
+            <p:cNvSpPr/>
+            <p:nvPr/>
+          </p:nvSpPr>
+          <p:spPr bwMode="auto">
+            <a:xfrm flipH="1">
+              <a:off x="17123568" y="3122826"/>
+              <a:ext cx="271463" cy="261143"/>
+            </a:xfrm>
+            <a:prstGeom prst="ellipse">
+              <a:avLst/>
+            </a:prstGeom>
+            <a:solidFill>
+              <a:schemeClr val="tx1"/>
+            </a:solidFill>
+            <a:ln w="25400" cap="flat" cmpd="sng" algn="ctr">
+              <a:solidFill>
+                <a:srgbClr val="000000"/>
+              </a:solidFill>
+              <a:prstDash val="solid"/>
+              <a:round/>
+              <a:headEnd type="none" w="med" len="med"/>
+              <a:tailEnd type="none" w="med" len="med"/>
+            </a:ln>
+            <a:effectLst/>
+            <a:extLst/>
+          </p:spPr>
+          <p:txBody>
+            <a:bodyPr vert="horz" wrap="square" lIns="91440" tIns="45720" rIns="91440" bIns="45720" numCol="1" rtlCol="0" anchor="t" anchorCtr="0" compatLnSpc="1">
+              <a:prstTxWarp prst="textNoShape">
+                <a:avLst/>
+              </a:prstTxWarp>
+            </a:bodyPr>
+            <a:lstStyle/>
+            <a:p>
+              <a:pPr marL="0" marR="0" indent="0" algn="ctr" defTabSz="914400" rtl="0" eaLnBrk="1" fontAlgn="base" latinLnBrk="0" hangingPunct="1">
+                <a:lnSpc>
+                  <a:spcPct val="100000"/>
+                </a:lnSpc>
+                <a:spcBef>
+                  <a:spcPct val="0"/>
+                </a:spcBef>
+                <a:spcAft>
+                  <a:spcPct val="0"/>
+                </a:spcAft>
+                <a:buClrTx/>
+                <a:buSzTx/>
+                <a:buFontTx/>
+                <a:buNone/>
+                <a:tabLst/>
+              </a:pPr>
+              <a:endParaRPr kumimoji="0" lang="it-IT" sz="11200" b="0" i="0" u="none" strike="noStrike" cap="none" normalizeH="0" baseline="0">
+                <a:ln>
+                  <a:noFill/>
+                </a:ln>
+                <a:solidFill>
+                  <a:srgbClr val="000000"/>
+                </a:solidFill>
+                <a:effectLst/>
+                <a:latin typeface="Gill Sans" charset="0"/>
+                <a:ea typeface="ヒラギノ角ゴ ProN W3" charset="0"/>
+                <a:cs typeface="ヒラギノ角ゴ ProN W3" charset="0"/>
+                <a:sym typeface="Gill Sans" charset="0"/>
+              </a:endParaRPr>
+            </a:p>
+          </p:txBody>
+        </p:sp>
+        <p:sp>
+          <p:nvSpPr>
+            <p:cNvPr id="97" name="Cilindro 96"/>
+            <p:cNvSpPr/>
+            <p:nvPr/>
+          </p:nvSpPr>
+          <p:spPr bwMode="auto">
+            <a:xfrm>
+              <a:off x="20220054" y="4063378"/>
+              <a:ext cx="914400" cy="849313"/>
+            </a:xfrm>
+            <a:prstGeom prst="can">
+              <a:avLst/>
+            </a:prstGeom>
+            <a:solidFill>
+              <a:srgbClr val="0070C0"/>
+            </a:solidFill>
+            <a:ln w="25400" cap="flat" cmpd="sng" algn="ctr">
+              <a:solidFill>
+                <a:srgbClr val="000000"/>
+              </a:solidFill>
+              <a:prstDash val="solid"/>
+              <a:round/>
+              <a:headEnd type="none" w="med" len="med"/>
+              <a:tailEnd type="none" w="med" len="med"/>
+            </a:ln>
+            <a:effectLst/>
+            <a:extLst/>
+          </p:spPr>
+          <p:txBody>
+            <a:bodyPr vert="horz" wrap="square" lIns="91440" tIns="45720" rIns="91440" bIns="45720" numCol="1" rtlCol="0" anchor="t" anchorCtr="0" compatLnSpc="1">
+              <a:prstTxWarp prst="textNoShape">
+                <a:avLst/>
+              </a:prstTxWarp>
+            </a:bodyPr>
+            <a:lstStyle/>
+            <a:p>
+              <a:pPr marL="0" marR="0" indent="0" algn="ctr" defTabSz="914400" rtl="0" eaLnBrk="1" fontAlgn="base" latinLnBrk="0" hangingPunct="1">
+                <a:lnSpc>
+                  <a:spcPct val="100000"/>
+                </a:lnSpc>
+                <a:spcBef>
+                  <a:spcPct val="0"/>
+                </a:spcBef>
+                <a:spcAft>
+                  <a:spcPct val="0"/>
+                </a:spcAft>
+                <a:buClrTx/>
+                <a:buSzTx/>
+                <a:buFontTx/>
+                <a:buNone/>
+                <a:tabLst/>
+              </a:pPr>
+              <a:endParaRPr kumimoji="0" lang="it-IT" sz="11200" b="0" i="0" u="none" strike="noStrike" cap="none" normalizeH="0" baseline="0">
+                <a:ln>
+                  <a:noFill/>
+                </a:ln>
+                <a:solidFill>
+                  <a:srgbClr val="000000"/>
+                </a:solidFill>
+                <a:effectLst/>
+                <a:latin typeface="Gill Sans" charset="0"/>
+                <a:ea typeface="ヒラギノ角ゴ ProN W3" charset="0"/>
+                <a:cs typeface="ヒラギノ角ゴ ProN W3" charset="0"/>
+                <a:sym typeface="Gill Sans" charset="0"/>
+              </a:endParaRPr>
+            </a:p>
+          </p:txBody>
+        </p:sp>
+        <p:cxnSp>
+          <p:nvCxnSpPr>
+            <p:cNvPr id="98" name="Connettore 2 97"/>
+            <p:cNvCxnSpPr>
+              <a:stCxn id="84" idx="3"/>
+              <a:endCxn id="97" idx="2"/>
+            </p:cNvCxnSpPr>
+            <p:nvPr/>
+          </p:nvCxnSpPr>
+          <p:spPr bwMode="auto">
+            <a:xfrm>
+              <a:off x="19583400" y="4478674"/>
+              <a:ext cx="636654" cy="9361"/>
+            </a:xfrm>
+            <a:prstGeom prst="straightConnector1">
+              <a:avLst/>
+            </a:prstGeom>
+            <a:solidFill>
+              <a:srgbClr val="BBE0E3"/>
+            </a:solidFill>
+            <a:ln w="50800" cap="flat" cmpd="sng" algn="ctr">
+              <a:solidFill>
+                <a:srgbClr val="000000"/>
+              </a:solidFill>
+              <a:prstDash val="solid"/>
+              <a:round/>
+              <a:headEnd type="none" w="med" len="med"/>
+              <a:tailEnd type="arrow"/>
+            </a:ln>
+            <a:effectLst/>
+            <a:extLst>
+              <a:ext uri="{AF507438-7753-43E0-B8FC-AC1667EBCBE1}">
+                <a14:hiddenEffects xmlns:a14="http://schemas.microsoft.com/office/drawing/2010/main" xmlns="">
+                  <a:effectLst>
+                    <a:outerShdw blurRad="63500" dist="38099" dir="2700000" algn="ctr" rotWithShape="0">
+                      <a:schemeClr val="bg2">
+                        <a:alpha val="74998"/>
+                      </a:schemeClr>
+                    </a:outerShdw>
+                  </a:effectLst>
+                </a14:hiddenEffects>
+              </a:ext>
+            </a:extLst>
+          </p:spPr>
+        </p:cxnSp>
+      </p:grpSp>
       <p:sp>
         <p:nvSpPr>
-          <p:cNvPr id="2" name="Titolo 1"/>
+          <p:cNvPr id="12328" name="Fumetto 2 12327"/>
+          <p:cNvSpPr/>
+          <p:nvPr/>
+        </p:nvSpPr>
+        <p:spPr bwMode="auto">
+          <a:xfrm>
+            <a:off x="3339469" y="2169475"/>
+            <a:ext cx="3294062" cy="919146"/>
+          </a:xfrm>
+          <a:prstGeom prst="wedgeRoundRectCallout">
+            <a:avLst>
+              <a:gd name="adj1" fmla="val -20833"/>
+              <a:gd name="adj2" fmla="val 89809"/>
+              <a:gd name="adj3" fmla="val 16667"/>
+            </a:avLst>
+          </a:prstGeom>
+          <a:solidFill>
+            <a:srgbClr val="FFC000"/>
+          </a:solidFill>
+          <a:ln w="25400" cap="flat" cmpd="sng" algn="ctr">
+            <a:solidFill>
+              <a:srgbClr val="000000"/>
+            </a:solidFill>
+            <a:prstDash val="solid"/>
+            <a:round/>
+            <a:headEnd type="none" w="med" len="med"/>
+            <a:tailEnd type="none" w="med" len="med"/>
+          </a:ln>
+          <a:effectLst/>
+          <a:extLst/>
+        </p:spPr>
+        <p:txBody>
+          <a:bodyPr vert="horz" wrap="square" lIns="91440" tIns="45720" rIns="91440" bIns="45720" numCol="1" rtlCol="0" anchor="t" anchorCtr="0" compatLnSpc="1">
+            <a:prstTxWarp prst="textNoShape">
+              <a:avLst/>
+            </a:prstTxWarp>
+          </a:bodyPr>
+          <a:lstStyle/>
+          <a:p>
+            <a:pPr marL="0" marR="0" indent="0" algn="ctr" defTabSz="914400" rtl="0" eaLnBrk="1" fontAlgn="base" latinLnBrk="0" hangingPunct="1">
+              <a:lnSpc>
+                <a:spcPct val="100000"/>
+              </a:lnSpc>
+              <a:spcBef>
+                <a:spcPct val="0"/>
+              </a:spcBef>
+              <a:spcAft>
+                <a:spcPct val="0"/>
+              </a:spcAft>
+              <a:buClrTx/>
+              <a:buSzTx/>
+              <a:buFontTx/>
+              <a:buNone/>
+              <a:tabLst/>
+            </a:pPr>
+            <a:r>
+              <a:rPr kumimoji="0" lang="it-IT" sz="4400" b="0" i="0" u="none" strike="noStrike" cap="none" normalizeH="0" baseline="0" dirty="0" smtClean="0">
+                <a:ln>
+                  <a:noFill/>
+                </a:ln>
+                <a:solidFill>
+                  <a:srgbClr val="000000"/>
+                </a:solidFill>
+                <a:effectLst/>
+                <a:latin typeface="Gill Sans" charset="0"/>
+                <a:ea typeface="ヒラギノ角ゴ ProN W3" charset="0"/>
+                <a:cs typeface="ヒラギノ角ゴ ProN W3" charset="0"/>
+                <a:sym typeface="Gill Sans" charset="0"/>
+              </a:rPr>
+              <a:t>http/</a:t>
+            </a:r>
+            <a:r>
+              <a:rPr kumimoji="0" lang="it-IT" sz="4400" b="0" i="0" u="none" strike="noStrike" cap="none" normalizeH="0" baseline="0" dirty="0" err="1" smtClean="0">
+                <a:ln>
+                  <a:noFill/>
+                </a:ln>
+                <a:solidFill>
+                  <a:srgbClr val="000000"/>
+                </a:solidFill>
+                <a:effectLst/>
+                <a:latin typeface="Gill Sans" charset="0"/>
+                <a:ea typeface="ヒラギノ角ゴ ProN W3" charset="0"/>
+                <a:cs typeface="ヒラギノ角ゴ ProN W3" charset="0"/>
+                <a:sym typeface="Gill Sans" charset="0"/>
+              </a:rPr>
+              <a:t>rest</a:t>
+            </a:r>
+            <a:endParaRPr kumimoji="0" lang="it-IT" sz="4400" b="0" i="0" u="none" strike="noStrike" cap="none" normalizeH="0" baseline="0" dirty="0">
+              <a:ln>
+                <a:noFill/>
+              </a:ln>
+              <a:solidFill>
+                <a:srgbClr val="000000"/>
+              </a:solidFill>
+              <a:effectLst/>
+              <a:latin typeface="Gill Sans" charset="0"/>
+              <a:ea typeface="ヒラギノ角ゴ ProN W3" charset="0"/>
+              <a:cs typeface="ヒラギノ角ゴ ProN W3" charset="0"/>
+              <a:sym typeface="Gill Sans" charset="0"/>
+            </a:endParaRPr>
+          </a:p>
+        </p:txBody>
+      </p:sp>
+      <p:sp>
+        <p:nvSpPr>
+          <p:cNvPr id="130" name="Rettangolo arrotondato 129"/>
+          <p:cNvSpPr/>
+          <p:nvPr/>
+        </p:nvSpPr>
+        <p:spPr bwMode="auto">
+          <a:xfrm>
+            <a:off x="2932437" y="4940080"/>
+            <a:ext cx="2736055" cy="632400"/>
+          </a:xfrm>
+          <a:prstGeom prst="roundRect">
+            <a:avLst>
+              <a:gd name="adj" fmla="val 50000"/>
+            </a:avLst>
+          </a:prstGeom>
+          <a:solidFill>
+            <a:srgbClr val="00B050"/>
+          </a:solidFill>
+          <a:ln w="25400" cap="flat" cmpd="sng" algn="ctr">
+            <a:solidFill>
+              <a:srgbClr val="000000"/>
+            </a:solidFill>
+            <a:prstDash val="solid"/>
+            <a:round/>
+            <a:headEnd type="none" w="med" len="med"/>
+            <a:tailEnd type="none" w="med" len="med"/>
+          </a:ln>
+          <a:effectLst/>
+          <a:extLst/>
+        </p:spPr>
+        <p:txBody>
+          <a:bodyPr vert="horz" wrap="square" lIns="91440" tIns="45720" rIns="91440" bIns="45720" numCol="1" rtlCol="0" anchor="ctr" anchorCtr="0" compatLnSpc="1">
+            <a:prstTxWarp prst="textNoShape">
+              <a:avLst/>
+            </a:prstTxWarp>
+          </a:bodyPr>
+          <a:lstStyle/>
+          <a:p>
+            <a:pPr algn="ctr" eaLnBrk="1" hangingPunct="1"/>
+            <a:r>
+              <a:rPr lang="it-IT" sz="2800" dirty="0" smtClean="0">
+                <a:ln w="18415" cmpd="sng">
+                  <a:solidFill>
+                    <a:srgbClr val="FFFFFF"/>
+                  </a:solidFill>
+                  <a:prstDash val="solid"/>
+                </a:ln>
+                <a:solidFill>
+                  <a:srgbClr val="FFFFFF"/>
+                </a:solidFill>
+                <a:effectLst>
+                  <a:outerShdw blurRad="63500" dir="3600000" algn="tl" rotWithShape="0">
+                    <a:srgbClr val="000000">
+                      <a:alpha val="70000"/>
+                    </a:srgbClr>
+                  </a:outerShdw>
+                </a:effectLst>
+              </a:rPr>
+              <a:t>RIBBON</a:t>
+            </a:r>
+            <a:endParaRPr kumimoji="0" lang="it-IT" sz="2800" i="0" u="none" strike="noStrike" normalizeH="0" baseline="0" dirty="0">
+              <a:ln w="18415" cmpd="sng">
+                <a:solidFill>
+                  <a:srgbClr val="FFFFFF"/>
+                </a:solidFill>
+                <a:prstDash val="solid"/>
+              </a:ln>
+              <a:solidFill>
+                <a:srgbClr val="FFFFFF"/>
+              </a:solidFill>
+              <a:effectLst>
+                <a:outerShdw blurRad="63500" dir="3600000" algn="tl" rotWithShape="0">
+                  <a:srgbClr val="000000">
+                    <a:alpha val="70000"/>
+                  </a:srgbClr>
+                </a:outerShdw>
+              </a:effectLst>
+              <a:ea typeface="ヒラギノ角ゴ ProN W3" charset="0"/>
+              <a:cs typeface="ヒラギノ角ゴ ProN W3" charset="0"/>
+              <a:sym typeface="Gill Sans" charset="0"/>
+            </a:endParaRPr>
+          </a:p>
+        </p:txBody>
+      </p:sp>
+      <p:sp>
+        <p:nvSpPr>
+          <p:cNvPr id="131" name="Rettangolo arrotondato 130"/>
+          <p:cNvSpPr/>
+          <p:nvPr/>
+        </p:nvSpPr>
+        <p:spPr bwMode="auto">
+          <a:xfrm rot="16200000">
+            <a:off x="-2416307" y="6493691"/>
+            <a:ext cx="7633990" cy="830552"/>
+          </a:xfrm>
+          <a:prstGeom prst="roundRect">
+            <a:avLst>
+              <a:gd name="adj" fmla="val 50000"/>
+            </a:avLst>
+          </a:prstGeom>
+          <a:solidFill>
+            <a:srgbClr val="00B050"/>
+          </a:solidFill>
+          <a:ln w="25400" cap="flat" cmpd="sng" algn="ctr">
+            <a:solidFill>
+              <a:srgbClr val="000000"/>
+            </a:solidFill>
+            <a:prstDash val="solid"/>
+            <a:round/>
+            <a:headEnd type="none" w="med" len="med"/>
+            <a:tailEnd type="none" w="med" len="med"/>
+          </a:ln>
+          <a:effectLst/>
+          <a:extLst/>
+        </p:spPr>
+        <p:txBody>
+          <a:bodyPr vert="horz" wrap="square" lIns="91440" tIns="45720" rIns="91440" bIns="45720" numCol="1" rtlCol="0" anchor="ctr" anchorCtr="0" compatLnSpc="1">
+            <a:prstTxWarp prst="textNoShape">
+              <a:avLst/>
+            </a:prstTxWarp>
+          </a:bodyPr>
+          <a:lstStyle/>
+          <a:p>
+            <a:pPr algn="ctr" eaLnBrk="1" hangingPunct="1"/>
+            <a:r>
+              <a:rPr lang="it-IT" sz="2800" dirty="0" smtClean="0">
+                <a:ln w="18415" cmpd="sng">
+                  <a:solidFill>
+                    <a:srgbClr val="FFFFFF"/>
+                  </a:solidFill>
+                  <a:prstDash val="solid"/>
+                </a:ln>
+                <a:solidFill>
+                  <a:srgbClr val="FFFFFF"/>
+                </a:solidFill>
+                <a:effectLst>
+                  <a:outerShdw blurRad="63500" dir="3600000" algn="tl" rotWithShape="0">
+                    <a:srgbClr val="000000">
+                      <a:alpha val="70000"/>
+                    </a:srgbClr>
+                  </a:outerShdw>
+                </a:effectLst>
+              </a:rPr>
+              <a:t>EUREKA</a:t>
+            </a:r>
+            <a:endParaRPr kumimoji="0" lang="it-IT" sz="2800" i="0" u="none" strike="noStrike" normalizeH="0" baseline="0" dirty="0">
+              <a:ln w="18415" cmpd="sng">
+                <a:solidFill>
+                  <a:srgbClr val="FFFFFF"/>
+                </a:solidFill>
+                <a:prstDash val="solid"/>
+              </a:ln>
+              <a:solidFill>
+                <a:srgbClr val="FFFFFF"/>
+              </a:solidFill>
+              <a:effectLst>
+                <a:outerShdw blurRad="63500" dir="3600000" algn="tl" rotWithShape="0">
+                  <a:srgbClr val="000000">
+                    <a:alpha val="70000"/>
+                  </a:srgbClr>
+                </a:outerShdw>
+              </a:effectLst>
+              <a:ea typeface="ヒラギノ角ゴ ProN W3" charset="0"/>
+              <a:cs typeface="ヒラギノ角ゴ ProN W3" charset="0"/>
+              <a:sym typeface="Gill Sans" charset="0"/>
+            </a:endParaRPr>
+          </a:p>
+        </p:txBody>
+      </p:sp>
+      <p:cxnSp>
+        <p:nvCxnSpPr>
+          <p:cNvPr id="137" name="Connettore 2 136"/>
+          <p:cNvCxnSpPr/>
+          <p:nvPr/>
+        </p:nvCxnSpPr>
+        <p:spPr bwMode="auto">
+          <a:xfrm rot="10800000" flipV="1">
+            <a:off x="1825260" y="3571852"/>
+            <a:ext cx="19225052" cy="21002"/>
+          </a:xfrm>
+          <a:prstGeom prst="straightConnector1">
+            <a:avLst/>
+          </a:prstGeom>
+          <a:solidFill>
+            <a:srgbClr val="BBE0E3"/>
+          </a:solidFill>
+          <a:ln w="38100" cap="flat" cmpd="sng" algn="ctr">
+            <a:solidFill>
+              <a:srgbClr val="000000"/>
+            </a:solidFill>
+            <a:prstDash val="dash"/>
+            <a:round/>
+            <a:headEnd type="none" w="med" len="med"/>
+            <a:tailEnd type="none"/>
+          </a:ln>
+          <a:effectLst/>
+          <a:extLst>
+            <a:ext uri="{AF507438-7753-43E0-B8FC-AC1667EBCBE1}">
+              <a14:hiddenEffects xmlns:a14="http://schemas.microsoft.com/office/drawing/2010/main" xmlns="">
+                <a:effectLst>
+                  <a:outerShdw blurRad="63500" dist="38099" dir="2700000" algn="ctr" rotWithShape="0">
+                    <a:schemeClr val="bg2">
+                      <a:alpha val="74998"/>
+                    </a:schemeClr>
+                  </a:outerShdw>
+                </a:effectLst>
+              </a14:hiddenEffects>
+            </a:ext>
+          </a:extLst>
+        </p:spPr>
+      </p:cxnSp>
+      <p:grpSp>
+        <p:nvGrpSpPr>
+          <p:cNvPr id="10" name="Gruppo 7"/>
+          <p:cNvGrpSpPr/>
+          <p:nvPr/>
+        </p:nvGrpSpPr>
+        <p:grpSpPr>
+          <a:xfrm>
+            <a:off x="1942088" y="7410802"/>
+            <a:ext cx="3746248" cy="2898379"/>
+            <a:chOff x="6520659" y="7716486"/>
+            <a:chExt cx="3746248" cy="2898379"/>
+          </a:xfrm>
+        </p:grpSpPr>
+        <p:sp>
+          <p:nvSpPr>
+            <p:cNvPr id="2" name="Rettangolo arrotondato 1"/>
+            <p:cNvSpPr/>
+            <p:nvPr/>
+          </p:nvSpPr>
+          <p:spPr bwMode="auto">
+            <a:xfrm>
+              <a:off x="6520659" y="8369392"/>
+              <a:ext cx="3294062" cy="914400"/>
+            </a:xfrm>
+            <a:prstGeom prst="roundRect">
+              <a:avLst/>
+            </a:prstGeom>
+            <a:solidFill>
+              <a:srgbClr val="0070C0"/>
+            </a:solidFill>
+            <a:ln w="25400" cap="flat" cmpd="sng" algn="ctr">
+              <a:solidFill>
+                <a:srgbClr val="000000"/>
+              </a:solidFill>
+              <a:prstDash val="solid"/>
+              <a:round/>
+              <a:headEnd type="none" w="med" len="med"/>
+              <a:tailEnd type="none" w="med" len="med"/>
+            </a:ln>
+            <a:effectLst/>
+            <a:extLst/>
+          </p:spPr>
+          <p:txBody>
+            <a:bodyPr vert="horz" wrap="square" lIns="91440" tIns="45720" rIns="91440" bIns="45720" numCol="1" rtlCol="0" anchor="ctr" anchorCtr="0" compatLnSpc="1">
+              <a:prstTxWarp prst="textNoShape">
+                <a:avLst/>
+              </a:prstTxWarp>
+            </a:bodyPr>
+            <a:lstStyle/>
+            <a:p>
+              <a:pPr algn="ctr" eaLnBrk="1" hangingPunct="1"/>
+              <a:r>
+                <a:rPr lang="it-IT" sz="2800" dirty="0" smtClean="0">
+                  <a:ln w="18415" cmpd="sng">
+                    <a:solidFill>
+                      <a:srgbClr val="FFFFFF"/>
+                    </a:solidFill>
+                    <a:prstDash val="solid"/>
+                  </a:ln>
+                  <a:solidFill>
+                    <a:srgbClr val="FFFFFF"/>
+                  </a:solidFill>
+                  <a:effectLst>
+                    <a:outerShdw blurRad="63500" dir="3600000" algn="tl" rotWithShape="0">
+                      <a:srgbClr val="000000">
+                        <a:alpha val="70000"/>
+                      </a:srgbClr>
+                    </a:outerShdw>
+                  </a:effectLst>
+                </a:rPr>
+                <a:t>BOOKING</a:t>
+              </a:r>
+              <a:endParaRPr kumimoji="0" lang="it-IT" sz="2800" i="0" u="none" strike="noStrike" normalizeH="0" baseline="0" dirty="0">
+                <a:ln w="18415" cmpd="sng">
+                  <a:solidFill>
+                    <a:srgbClr val="FFFFFF"/>
+                  </a:solidFill>
+                  <a:prstDash val="solid"/>
+                </a:ln>
+                <a:solidFill>
+                  <a:srgbClr val="FFFFFF"/>
+                </a:solidFill>
+                <a:effectLst>
+                  <a:outerShdw blurRad="63500" dir="3600000" algn="tl" rotWithShape="0">
+                    <a:srgbClr val="000000">
+                      <a:alpha val="70000"/>
+                    </a:srgbClr>
+                  </a:outerShdw>
+                </a:effectLst>
+                <a:ea typeface="ヒラギノ角ゴ ProN W3" charset="0"/>
+                <a:cs typeface="ヒラギノ角ゴ ProN W3" charset="0"/>
+                <a:sym typeface="Gill Sans" charset="0"/>
+              </a:endParaRPr>
+            </a:p>
+          </p:txBody>
+        </p:sp>
+        <p:sp>
+          <p:nvSpPr>
+            <p:cNvPr id="3" name="Cilindro 2"/>
+            <p:cNvSpPr/>
+            <p:nvPr/>
+          </p:nvSpPr>
+          <p:spPr bwMode="auto">
+            <a:xfrm>
+              <a:off x="7710490" y="9765552"/>
+              <a:ext cx="914400" cy="849313"/>
+            </a:xfrm>
+            <a:prstGeom prst="can">
+              <a:avLst/>
+            </a:prstGeom>
+            <a:solidFill>
+              <a:srgbClr val="0070C0"/>
+            </a:solidFill>
+            <a:ln w="25400" cap="flat" cmpd="sng" algn="ctr">
+              <a:solidFill>
+                <a:srgbClr val="000000"/>
+              </a:solidFill>
+              <a:prstDash val="solid"/>
+              <a:round/>
+              <a:headEnd type="none" w="med" len="med"/>
+              <a:tailEnd type="none" w="med" len="med"/>
+            </a:ln>
+            <a:effectLst/>
+            <a:extLst/>
+          </p:spPr>
+          <p:txBody>
+            <a:bodyPr vert="horz" wrap="square" lIns="91440" tIns="45720" rIns="91440" bIns="45720" numCol="1" rtlCol="0" anchor="t" anchorCtr="0" compatLnSpc="1">
+              <a:prstTxWarp prst="textNoShape">
+                <a:avLst/>
+              </a:prstTxWarp>
+            </a:bodyPr>
+            <a:lstStyle/>
+            <a:p>
+              <a:pPr marL="0" marR="0" indent="0" algn="ctr" defTabSz="914400" rtl="0" eaLnBrk="1" fontAlgn="base" latinLnBrk="0" hangingPunct="1">
+                <a:lnSpc>
+                  <a:spcPct val="100000"/>
+                </a:lnSpc>
+                <a:spcBef>
+                  <a:spcPct val="0"/>
+                </a:spcBef>
+                <a:spcAft>
+                  <a:spcPct val="0"/>
+                </a:spcAft>
+                <a:buClrTx/>
+                <a:buSzTx/>
+                <a:buFontTx/>
+                <a:buNone/>
+                <a:tabLst/>
+              </a:pPr>
+              <a:endParaRPr kumimoji="0" lang="it-IT" sz="11200" b="0" i="0" u="none" strike="noStrike" cap="none" normalizeH="0" baseline="0">
+                <a:ln>
+                  <a:noFill/>
+                </a:ln>
+                <a:solidFill>
+                  <a:srgbClr val="000000"/>
+                </a:solidFill>
+                <a:effectLst/>
+                <a:latin typeface="Gill Sans" charset="0"/>
+                <a:ea typeface="ヒラギノ角ゴ ProN W3" charset="0"/>
+                <a:cs typeface="ヒラギノ角ゴ ProN W3" charset="0"/>
+                <a:sym typeface="Gill Sans" charset="0"/>
+              </a:endParaRPr>
+            </a:p>
+          </p:txBody>
+        </p:sp>
+        <p:cxnSp>
+          <p:nvCxnSpPr>
+            <p:cNvPr id="6" name="Connettore 2 5"/>
+            <p:cNvCxnSpPr>
+              <a:stCxn id="2" idx="2"/>
+              <a:endCxn id="3" idx="1"/>
+            </p:cNvCxnSpPr>
+            <p:nvPr/>
+          </p:nvCxnSpPr>
+          <p:spPr bwMode="auto">
+            <a:xfrm>
+              <a:off x="8167690" y="9283792"/>
+              <a:ext cx="0" cy="481760"/>
+            </a:xfrm>
+            <a:prstGeom prst="straightConnector1">
+              <a:avLst/>
+            </a:prstGeom>
+            <a:solidFill>
+              <a:srgbClr val="BBE0E3"/>
+            </a:solidFill>
+            <a:ln w="50800" cap="flat" cmpd="sng" algn="ctr">
+              <a:solidFill>
+                <a:srgbClr val="000000"/>
+              </a:solidFill>
+              <a:prstDash val="solid"/>
+              <a:round/>
+              <a:headEnd type="none" w="med" len="med"/>
+              <a:tailEnd type="arrow"/>
+            </a:ln>
+            <a:effectLst/>
+            <a:extLst>
+              <a:ext uri="{AF507438-7753-43E0-B8FC-AC1667EBCBE1}">
+                <a14:hiddenEffects xmlns:a14="http://schemas.microsoft.com/office/drawing/2010/main" xmlns="">
+                  <a:effectLst>
+                    <a:outerShdw blurRad="63500" dist="38099" dir="2700000" algn="ctr" rotWithShape="0">
+                      <a:schemeClr val="bg2">
+                        <a:alpha val="74998"/>
+                      </a:schemeClr>
+                    </a:outerShdw>
+                  </a:effectLst>
+                </a14:hiddenEffects>
+              </a:ext>
+            </a:extLst>
+          </p:spPr>
+        </p:cxnSp>
+        <p:cxnSp>
+          <p:nvCxnSpPr>
+            <p:cNvPr id="55" name="Connettore 2 54"/>
+            <p:cNvCxnSpPr>
+              <a:stCxn id="2" idx="0"/>
+              <a:endCxn id="11" idx="4"/>
+            </p:cNvCxnSpPr>
+            <p:nvPr/>
+          </p:nvCxnSpPr>
+          <p:spPr bwMode="auto">
+            <a:xfrm flipH="1" flipV="1">
+              <a:off x="8167689" y="7977629"/>
+              <a:ext cx="1" cy="391763"/>
+            </a:xfrm>
+            <a:prstGeom prst="straightConnector1">
+              <a:avLst/>
+            </a:prstGeom>
+            <a:solidFill>
+              <a:srgbClr val="BBE0E3"/>
+            </a:solidFill>
+            <a:ln w="50800" cap="flat" cmpd="sng" algn="ctr">
+              <a:solidFill>
+                <a:srgbClr val="000000"/>
+              </a:solidFill>
+              <a:prstDash val="solid"/>
+              <a:round/>
+              <a:headEnd type="none" w="med" len="med"/>
+              <a:tailEnd type="none"/>
+            </a:ln>
+            <a:effectLst/>
+            <a:extLst>
+              <a:ext uri="{AF507438-7753-43E0-B8FC-AC1667EBCBE1}">
+                <a14:hiddenEffects xmlns:a14="http://schemas.microsoft.com/office/drawing/2010/main" xmlns="">
+                  <a:effectLst>
+                    <a:outerShdw blurRad="63500" dist="38099" dir="2700000" algn="ctr" rotWithShape="0">
+                      <a:schemeClr val="bg2">
+                        <a:alpha val="74998"/>
+                      </a:schemeClr>
+                    </a:outerShdw>
+                  </a:effectLst>
+                </a14:hiddenEffects>
+              </a:ext>
+            </a:extLst>
+          </p:spPr>
+        </p:cxnSp>
+        <p:sp>
+          <p:nvSpPr>
+            <p:cNvPr id="11" name="Ovale 10"/>
+            <p:cNvSpPr/>
+            <p:nvPr/>
+          </p:nvSpPr>
+          <p:spPr bwMode="auto">
+            <a:xfrm flipH="1">
+              <a:off x="8031958" y="7716486"/>
+              <a:ext cx="271463" cy="261143"/>
+            </a:xfrm>
+            <a:prstGeom prst="ellipse">
+              <a:avLst/>
+            </a:prstGeom>
+            <a:solidFill>
+              <a:schemeClr val="tx1"/>
+            </a:solidFill>
+            <a:ln w="25400" cap="flat" cmpd="sng" algn="ctr">
+              <a:solidFill>
+                <a:srgbClr val="000000"/>
+              </a:solidFill>
+              <a:prstDash val="solid"/>
+              <a:round/>
+              <a:headEnd type="none" w="med" len="med"/>
+              <a:tailEnd type="none" w="med" len="med"/>
+            </a:ln>
+            <a:effectLst/>
+            <a:extLst/>
+          </p:spPr>
+          <p:txBody>
+            <a:bodyPr vert="horz" wrap="square" lIns="91440" tIns="45720" rIns="91440" bIns="45720" numCol="1" rtlCol="0" anchor="t" anchorCtr="0" compatLnSpc="1">
+              <a:prstTxWarp prst="textNoShape">
+                <a:avLst/>
+              </a:prstTxWarp>
+            </a:bodyPr>
+            <a:lstStyle/>
+            <a:p>
+              <a:pPr marL="0" marR="0" indent="0" algn="ctr" defTabSz="914400" rtl="0" eaLnBrk="1" fontAlgn="base" latinLnBrk="0" hangingPunct="1">
+                <a:lnSpc>
+                  <a:spcPct val="100000"/>
+                </a:lnSpc>
+                <a:spcBef>
+                  <a:spcPct val="0"/>
+                </a:spcBef>
+                <a:spcAft>
+                  <a:spcPct val="0"/>
+                </a:spcAft>
+                <a:buClrTx/>
+                <a:buSzTx/>
+                <a:buFontTx/>
+                <a:buNone/>
+                <a:tabLst/>
+              </a:pPr>
+              <a:endParaRPr kumimoji="0" lang="it-IT" sz="11200" b="0" i="0" u="none" strike="noStrike" cap="none" normalizeH="0" baseline="0">
+                <a:ln>
+                  <a:noFill/>
+                </a:ln>
+                <a:solidFill>
+                  <a:srgbClr val="000000"/>
+                </a:solidFill>
+                <a:effectLst/>
+                <a:latin typeface="Gill Sans" charset="0"/>
+                <a:ea typeface="ヒラギノ角ゴ ProN W3" charset="0"/>
+                <a:cs typeface="ヒラギノ角ゴ ProN W3" charset="0"/>
+                <a:sym typeface="Gill Sans" charset="0"/>
+              </a:endParaRPr>
+            </a:p>
+          </p:txBody>
+        </p:sp>
+        <p:sp>
+          <p:nvSpPr>
+            <p:cNvPr id="7" name="CasellaDiTesto 6"/>
+            <p:cNvSpPr txBox="1"/>
+            <p:nvPr/>
+          </p:nvSpPr>
+          <p:spPr>
+            <a:xfrm>
+              <a:off x="8303421" y="7771003"/>
+              <a:ext cx="1963486" cy="523220"/>
+            </a:xfrm>
+            <a:prstGeom prst="rect">
+              <a:avLst/>
+            </a:prstGeom>
+            <a:noFill/>
+          </p:spPr>
+          <p:txBody>
+            <a:bodyPr wrap="none" rtlCol="0">
+              <a:spAutoFit/>
+            </a:bodyPr>
+            <a:lstStyle/>
+            <a:p>
+              <a:r>
+                <a:rPr lang="it-IT" sz="2800" b="1" dirty="0" smtClean="0"/>
+                <a:t>HTTP 7111</a:t>
+              </a:r>
+              <a:endParaRPr lang="it-IT" sz="2800" b="1" dirty="0"/>
+            </a:p>
+          </p:txBody>
+        </p:sp>
+      </p:grpSp>
+      <p:grpSp>
+        <p:nvGrpSpPr>
+          <p:cNvPr id="12" name="Gruppo 40"/>
+          <p:cNvGrpSpPr/>
+          <p:nvPr/>
+        </p:nvGrpSpPr>
+        <p:grpSpPr>
+          <a:xfrm>
+            <a:off x="5556717" y="7378573"/>
+            <a:ext cx="3779784" cy="2898379"/>
+            <a:chOff x="6520659" y="7716486"/>
+            <a:chExt cx="3779784" cy="2898379"/>
+          </a:xfrm>
+        </p:grpSpPr>
+        <p:sp>
+          <p:nvSpPr>
+            <p:cNvPr id="42" name="Rettangolo arrotondato 41"/>
+            <p:cNvSpPr/>
+            <p:nvPr/>
+          </p:nvSpPr>
+          <p:spPr bwMode="auto">
+            <a:xfrm>
+              <a:off x="6520659" y="8369392"/>
+              <a:ext cx="3294062" cy="914400"/>
+            </a:xfrm>
+            <a:prstGeom prst="roundRect">
+              <a:avLst/>
+            </a:prstGeom>
+            <a:solidFill>
+              <a:srgbClr val="0070C0"/>
+            </a:solidFill>
+            <a:ln w="25400" cap="flat" cmpd="sng" algn="ctr">
+              <a:solidFill>
+                <a:srgbClr val="000000"/>
+              </a:solidFill>
+              <a:prstDash val="solid"/>
+              <a:round/>
+              <a:headEnd type="none" w="med" len="med"/>
+              <a:tailEnd type="none" w="med" len="med"/>
+            </a:ln>
+            <a:effectLst/>
+            <a:extLst/>
+          </p:spPr>
+          <p:txBody>
+            <a:bodyPr vert="horz" wrap="square" lIns="91440" tIns="45720" rIns="91440" bIns="45720" numCol="1" rtlCol="0" anchor="ctr" anchorCtr="0" compatLnSpc="1">
+              <a:prstTxWarp prst="textNoShape">
+                <a:avLst/>
+              </a:prstTxWarp>
+            </a:bodyPr>
+            <a:lstStyle/>
+            <a:p>
+              <a:pPr algn="ctr" eaLnBrk="1" hangingPunct="1"/>
+              <a:r>
+                <a:rPr lang="it-IT" sz="2800" dirty="0" smtClean="0">
+                  <a:ln w="18415" cmpd="sng">
+                    <a:solidFill>
+                      <a:srgbClr val="FFFFFF"/>
+                    </a:solidFill>
+                    <a:prstDash val="solid"/>
+                  </a:ln>
+                  <a:solidFill>
+                    <a:srgbClr val="FFFFFF"/>
+                  </a:solidFill>
+                  <a:effectLst>
+                    <a:outerShdw blurRad="63500" dir="3600000" algn="tl" rotWithShape="0">
+                      <a:srgbClr val="000000">
+                        <a:alpha val="70000"/>
+                      </a:srgbClr>
+                    </a:outerShdw>
+                  </a:effectLst>
+                </a:rPr>
+                <a:t>BOOKING</a:t>
+              </a:r>
+              <a:endParaRPr kumimoji="0" lang="it-IT" sz="2800" i="0" u="none" strike="noStrike" normalizeH="0" baseline="0" dirty="0">
+                <a:ln w="18415" cmpd="sng">
+                  <a:solidFill>
+                    <a:srgbClr val="FFFFFF"/>
+                  </a:solidFill>
+                  <a:prstDash val="solid"/>
+                </a:ln>
+                <a:solidFill>
+                  <a:srgbClr val="FFFFFF"/>
+                </a:solidFill>
+                <a:effectLst>
+                  <a:outerShdw blurRad="63500" dir="3600000" algn="tl" rotWithShape="0">
+                    <a:srgbClr val="000000">
+                      <a:alpha val="70000"/>
+                    </a:srgbClr>
+                  </a:outerShdw>
+                </a:effectLst>
+                <a:ea typeface="ヒラギノ角ゴ ProN W3" charset="0"/>
+                <a:cs typeface="ヒラギノ角ゴ ProN W3" charset="0"/>
+                <a:sym typeface="Gill Sans" charset="0"/>
+              </a:endParaRPr>
+            </a:p>
+          </p:txBody>
+        </p:sp>
+        <p:sp>
+          <p:nvSpPr>
+            <p:cNvPr id="43" name="Cilindro 42"/>
+            <p:cNvSpPr/>
+            <p:nvPr/>
+          </p:nvSpPr>
+          <p:spPr bwMode="auto">
+            <a:xfrm>
+              <a:off x="7710490" y="9765552"/>
+              <a:ext cx="914400" cy="849313"/>
+            </a:xfrm>
+            <a:prstGeom prst="can">
+              <a:avLst/>
+            </a:prstGeom>
+            <a:solidFill>
+              <a:srgbClr val="0070C0"/>
+            </a:solidFill>
+            <a:ln w="25400" cap="flat" cmpd="sng" algn="ctr">
+              <a:solidFill>
+                <a:srgbClr val="000000"/>
+              </a:solidFill>
+              <a:prstDash val="solid"/>
+              <a:round/>
+              <a:headEnd type="none" w="med" len="med"/>
+              <a:tailEnd type="none" w="med" len="med"/>
+            </a:ln>
+            <a:effectLst/>
+            <a:extLst/>
+          </p:spPr>
+          <p:txBody>
+            <a:bodyPr vert="horz" wrap="square" lIns="91440" tIns="45720" rIns="91440" bIns="45720" numCol="1" rtlCol="0" anchor="t" anchorCtr="0" compatLnSpc="1">
+              <a:prstTxWarp prst="textNoShape">
+                <a:avLst/>
+              </a:prstTxWarp>
+            </a:bodyPr>
+            <a:lstStyle/>
+            <a:p>
+              <a:pPr marL="0" marR="0" indent="0" algn="ctr" defTabSz="914400" rtl="0" eaLnBrk="1" fontAlgn="base" latinLnBrk="0" hangingPunct="1">
+                <a:lnSpc>
+                  <a:spcPct val="100000"/>
+                </a:lnSpc>
+                <a:spcBef>
+                  <a:spcPct val="0"/>
+                </a:spcBef>
+                <a:spcAft>
+                  <a:spcPct val="0"/>
+                </a:spcAft>
+                <a:buClrTx/>
+                <a:buSzTx/>
+                <a:buFontTx/>
+                <a:buNone/>
+                <a:tabLst/>
+              </a:pPr>
+              <a:endParaRPr kumimoji="0" lang="it-IT" sz="11200" b="0" i="0" u="none" strike="noStrike" cap="none" normalizeH="0" baseline="0">
+                <a:ln>
+                  <a:noFill/>
+                </a:ln>
+                <a:solidFill>
+                  <a:srgbClr val="000000"/>
+                </a:solidFill>
+                <a:effectLst/>
+                <a:latin typeface="Gill Sans" charset="0"/>
+                <a:ea typeface="ヒラギノ角ゴ ProN W3" charset="0"/>
+                <a:cs typeface="ヒラギノ角ゴ ProN W3" charset="0"/>
+                <a:sym typeface="Gill Sans" charset="0"/>
+              </a:endParaRPr>
+            </a:p>
+          </p:txBody>
+        </p:sp>
+        <p:cxnSp>
+          <p:nvCxnSpPr>
+            <p:cNvPr id="44" name="Connettore 2 43"/>
+            <p:cNvCxnSpPr>
+              <a:stCxn id="42" idx="2"/>
+              <a:endCxn id="43" idx="1"/>
+            </p:cNvCxnSpPr>
+            <p:nvPr/>
+          </p:nvCxnSpPr>
+          <p:spPr bwMode="auto">
+            <a:xfrm>
+              <a:off x="8167690" y="9283792"/>
+              <a:ext cx="0" cy="481760"/>
+            </a:xfrm>
+            <a:prstGeom prst="straightConnector1">
+              <a:avLst/>
+            </a:prstGeom>
+            <a:solidFill>
+              <a:srgbClr val="BBE0E3"/>
+            </a:solidFill>
+            <a:ln w="50800" cap="flat" cmpd="sng" algn="ctr">
+              <a:solidFill>
+                <a:srgbClr val="000000"/>
+              </a:solidFill>
+              <a:prstDash val="solid"/>
+              <a:round/>
+              <a:headEnd type="none" w="med" len="med"/>
+              <a:tailEnd type="arrow"/>
+            </a:ln>
+            <a:effectLst/>
+            <a:extLst>
+              <a:ext uri="{AF507438-7753-43E0-B8FC-AC1667EBCBE1}">
+                <a14:hiddenEffects xmlns:a14="http://schemas.microsoft.com/office/drawing/2010/main" xmlns="">
+                  <a:effectLst>
+                    <a:outerShdw blurRad="63500" dist="38099" dir="2700000" algn="ctr" rotWithShape="0">
+                      <a:schemeClr val="bg2">
+                        <a:alpha val="74998"/>
+                      </a:schemeClr>
+                    </a:outerShdw>
+                  </a:effectLst>
+                </a14:hiddenEffects>
+              </a:ext>
+            </a:extLst>
+          </p:spPr>
+        </p:cxnSp>
+        <p:cxnSp>
+          <p:nvCxnSpPr>
+            <p:cNvPr id="45" name="Connettore 2 44"/>
+            <p:cNvCxnSpPr>
+              <a:stCxn id="42" idx="0"/>
+              <a:endCxn id="46" idx="4"/>
+            </p:cNvCxnSpPr>
+            <p:nvPr/>
+          </p:nvCxnSpPr>
+          <p:spPr bwMode="auto">
+            <a:xfrm flipH="1" flipV="1">
+              <a:off x="8167689" y="7977629"/>
+              <a:ext cx="1" cy="391763"/>
+            </a:xfrm>
+            <a:prstGeom prst="straightConnector1">
+              <a:avLst/>
+            </a:prstGeom>
+            <a:solidFill>
+              <a:srgbClr val="BBE0E3"/>
+            </a:solidFill>
+            <a:ln w="50800" cap="flat" cmpd="sng" algn="ctr">
+              <a:solidFill>
+                <a:srgbClr val="000000"/>
+              </a:solidFill>
+              <a:prstDash val="solid"/>
+              <a:round/>
+              <a:headEnd type="none" w="med" len="med"/>
+              <a:tailEnd type="none"/>
+            </a:ln>
+            <a:effectLst/>
+            <a:extLst>
+              <a:ext uri="{AF507438-7753-43E0-B8FC-AC1667EBCBE1}">
+                <a14:hiddenEffects xmlns:a14="http://schemas.microsoft.com/office/drawing/2010/main" xmlns="">
+                  <a:effectLst>
+                    <a:outerShdw blurRad="63500" dist="38099" dir="2700000" algn="ctr" rotWithShape="0">
+                      <a:schemeClr val="bg2">
+                        <a:alpha val="74998"/>
+                      </a:schemeClr>
+                    </a:outerShdw>
+                  </a:effectLst>
+                </a14:hiddenEffects>
+              </a:ext>
+            </a:extLst>
+          </p:spPr>
+        </p:cxnSp>
+        <p:sp>
+          <p:nvSpPr>
+            <p:cNvPr id="46" name="Ovale 45"/>
+            <p:cNvSpPr/>
+            <p:nvPr/>
+          </p:nvSpPr>
+          <p:spPr bwMode="auto">
+            <a:xfrm flipH="1">
+              <a:off x="8031958" y="7716486"/>
+              <a:ext cx="271463" cy="261143"/>
+            </a:xfrm>
+            <a:prstGeom prst="ellipse">
+              <a:avLst/>
+            </a:prstGeom>
+            <a:solidFill>
+              <a:schemeClr val="tx1"/>
+            </a:solidFill>
+            <a:ln w="25400" cap="flat" cmpd="sng" algn="ctr">
+              <a:solidFill>
+                <a:srgbClr val="000000"/>
+              </a:solidFill>
+              <a:prstDash val="solid"/>
+              <a:round/>
+              <a:headEnd type="none" w="med" len="med"/>
+              <a:tailEnd type="none" w="med" len="med"/>
+            </a:ln>
+            <a:effectLst/>
+            <a:extLst/>
+          </p:spPr>
+          <p:txBody>
+            <a:bodyPr vert="horz" wrap="square" lIns="91440" tIns="45720" rIns="91440" bIns="45720" numCol="1" rtlCol="0" anchor="t" anchorCtr="0" compatLnSpc="1">
+              <a:prstTxWarp prst="textNoShape">
+                <a:avLst/>
+              </a:prstTxWarp>
+            </a:bodyPr>
+            <a:lstStyle/>
+            <a:p>
+              <a:pPr marL="0" marR="0" indent="0" algn="ctr" defTabSz="914400" rtl="0" eaLnBrk="1" fontAlgn="base" latinLnBrk="0" hangingPunct="1">
+                <a:lnSpc>
+                  <a:spcPct val="100000"/>
+                </a:lnSpc>
+                <a:spcBef>
+                  <a:spcPct val="0"/>
+                </a:spcBef>
+                <a:spcAft>
+                  <a:spcPct val="0"/>
+                </a:spcAft>
+                <a:buClrTx/>
+                <a:buSzTx/>
+                <a:buFontTx/>
+                <a:buNone/>
+                <a:tabLst/>
+              </a:pPr>
+              <a:endParaRPr kumimoji="0" lang="it-IT" sz="11200" b="0" i="0" u="none" strike="noStrike" cap="none" normalizeH="0" baseline="0">
+                <a:ln>
+                  <a:noFill/>
+                </a:ln>
+                <a:solidFill>
+                  <a:srgbClr val="000000"/>
+                </a:solidFill>
+                <a:effectLst/>
+                <a:latin typeface="Gill Sans" charset="0"/>
+                <a:ea typeface="ヒラギノ角ゴ ProN W3" charset="0"/>
+                <a:cs typeface="ヒラギノ角ゴ ProN W3" charset="0"/>
+                <a:sym typeface="Gill Sans" charset="0"/>
+              </a:endParaRPr>
+            </a:p>
+          </p:txBody>
+        </p:sp>
+        <p:sp>
+          <p:nvSpPr>
+            <p:cNvPr id="47" name="CasellaDiTesto 46"/>
+            <p:cNvSpPr txBox="1"/>
+            <p:nvPr/>
+          </p:nvSpPr>
+          <p:spPr>
+            <a:xfrm>
+              <a:off x="8303421" y="7771003"/>
+              <a:ext cx="1997022" cy="523220"/>
+            </a:xfrm>
+            <a:prstGeom prst="rect">
+              <a:avLst/>
+            </a:prstGeom>
+            <a:noFill/>
+          </p:spPr>
+          <p:txBody>
+            <a:bodyPr wrap="none" rtlCol="0">
+              <a:spAutoFit/>
+            </a:bodyPr>
+            <a:lstStyle/>
+            <a:p>
+              <a:r>
+                <a:rPr lang="it-IT" sz="2800" b="1" dirty="0" smtClean="0"/>
+                <a:t>HTTP 7113</a:t>
+              </a:r>
+              <a:endParaRPr lang="it-IT" sz="2800" b="1" dirty="0"/>
+            </a:p>
+          </p:txBody>
+        </p:sp>
+      </p:grpSp>
+      <p:grpSp>
+        <p:nvGrpSpPr>
+          <p:cNvPr id="13" name="Gruppo 47"/>
+          <p:cNvGrpSpPr/>
+          <p:nvPr/>
+        </p:nvGrpSpPr>
+        <p:grpSpPr>
+          <a:xfrm>
+            <a:off x="9483380" y="7352314"/>
+            <a:ext cx="3746248" cy="2898379"/>
+            <a:chOff x="6520659" y="7716486"/>
+            <a:chExt cx="3746248" cy="2898379"/>
+          </a:xfrm>
+        </p:grpSpPr>
+        <p:sp>
+          <p:nvSpPr>
+            <p:cNvPr id="49" name="Rettangolo arrotondato 48"/>
+            <p:cNvSpPr/>
+            <p:nvPr/>
+          </p:nvSpPr>
+          <p:spPr bwMode="auto">
+            <a:xfrm>
+              <a:off x="6520659" y="8369392"/>
+              <a:ext cx="3294062" cy="914400"/>
+            </a:xfrm>
+            <a:prstGeom prst="roundRect">
+              <a:avLst/>
+            </a:prstGeom>
+            <a:solidFill>
+              <a:srgbClr val="0070C0"/>
+            </a:solidFill>
+            <a:ln w="25400" cap="flat" cmpd="sng" algn="ctr">
+              <a:solidFill>
+                <a:srgbClr val="000000"/>
+              </a:solidFill>
+              <a:prstDash val="solid"/>
+              <a:round/>
+              <a:headEnd type="none" w="med" len="med"/>
+              <a:tailEnd type="none" w="med" len="med"/>
+            </a:ln>
+            <a:effectLst/>
+            <a:extLst/>
+          </p:spPr>
+          <p:txBody>
+            <a:bodyPr vert="horz" wrap="square" lIns="91440" tIns="45720" rIns="91440" bIns="45720" numCol="1" rtlCol="0" anchor="ctr" anchorCtr="0" compatLnSpc="1">
+              <a:prstTxWarp prst="textNoShape">
+                <a:avLst/>
+              </a:prstTxWarp>
+            </a:bodyPr>
+            <a:lstStyle/>
+            <a:p>
+              <a:pPr algn="ctr" eaLnBrk="1" hangingPunct="1"/>
+              <a:r>
+                <a:rPr lang="it-IT" sz="2800" dirty="0" smtClean="0">
+                  <a:ln w="18415" cmpd="sng">
+                    <a:solidFill>
+                      <a:srgbClr val="FFFFFF"/>
+                    </a:solidFill>
+                    <a:prstDash val="solid"/>
+                  </a:ln>
+                  <a:solidFill>
+                    <a:srgbClr val="FFFFFF"/>
+                  </a:solidFill>
+                  <a:effectLst>
+                    <a:outerShdw blurRad="63500" dir="3600000" algn="tl" rotWithShape="0">
+                      <a:srgbClr val="000000">
+                        <a:alpha val="70000"/>
+                      </a:srgbClr>
+                    </a:outerShdw>
+                  </a:effectLst>
+                </a:rPr>
+                <a:t>BOOKING</a:t>
+              </a:r>
+              <a:endParaRPr kumimoji="0" lang="it-IT" sz="2800" i="0" u="none" strike="noStrike" normalizeH="0" baseline="0" dirty="0">
+                <a:ln w="18415" cmpd="sng">
+                  <a:solidFill>
+                    <a:srgbClr val="FFFFFF"/>
+                  </a:solidFill>
+                  <a:prstDash val="solid"/>
+                </a:ln>
+                <a:solidFill>
+                  <a:srgbClr val="FFFFFF"/>
+                </a:solidFill>
+                <a:effectLst>
+                  <a:outerShdw blurRad="63500" dir="3600000" algn="tl" rotWithShape="0">
+                    <a:srgbClr val="000000">
+                      <a:alpha val="70000"/>
+                    </a:srgbClr>
+                  </a:outerShdw>
+                </a:effectLst>
+                <a:ea typeface="ヒラギノ角ゴ ProN W3" charset="0"/>
+                <a:cs typeface="ヒラギノ角ゴ ProN W3" charset="0"/>
+                <a:sym typeface="Gill Sans" charset="0"/>
+              </a:endParaRPr>
+            </a:p>
+          </p:txBody>
+        </p:sp>
+        <p:sp>
+          <p:nvSpPr>
+            <p:cNvPr id="50" name="Cilindro 49"/>
+            <p:cNvSpPr/>
+            <p:nvPr/>
+          </p:nvSpPr>
+          <p:spPr bwMode="auto">
+            <a:xfrm>
+              <a:off x="7710490" y="9765552"/>
+              <a:ext cx="914400" cy="849313"/>
+            </a:xfrm>
+            <a:prstGeom prst="can">
+              <a:avLst/>
+            </a:prstGeom>
+            <a:solidFill>
+              <a:srgbClr val="0070C0"/>
+            </a:solidFill>
+            <a:ln w="25400" cap="flat" cmpd="sng" algn="ctr">
+              <a:solidFill>
+                <a:srgbClr val="000000"/>
+              </a:solidFill>
+              <a:prstDash val="solid"/>
+              <a:round/>
+              <a:headEnd type="none" w="med" len="med"/>
+              <a:tailEnd type="none" w="med" len="med"/>
+            </a:ln>
+            <a:effectLst/>
+            <a:extLst/>
+          </p:spPr>
+          <p:txBody>
+            <a:bodyPr vert="horz" wrap="square" lIns="91440" tIns="45720" rIns="91440" bIns="45720" numCol="1" rtlCol="0" anchor="t" anchorCtr="0" compatLnSpc="1">
+              <a:prstTxWarp prst="textNoShape">
+                <a:avLst/>
+              </a:prstTxWarp>
+            </a:bodyPr>
+            <a:lstStyle/>
+            <a:p>
+              <a:pPr marL="0" marR="0" indent="0" algn="ctr" defTabSz="914400" rtl="0" eaLnBrk="1" fontAlgn="base" latinLnBrk="0" hangingPunct="1">
+                <a:lnSpc>
+                  <a:spcPct val="100000"/>
+                </a:lnSpc>
+                <a:spcBef>
+                  <a:spcPct val="0"/>
+                </a:spcBef>
+                <a:spcAft>
+                  <a:spcPct val="0"/>
+                </a:spcAft>
+                <a:buClrTx/>
+                <a:buSzTx/>
+                <a:buFontTx/>
+                <a:buNone/>
+                <a:tabLst/>
+              </a:pPr>
+              <a:endParaRPr kumimoji="0" lang="it-IT" sz="11200" b="0" i="0" u="none" strike="noStrike" cap="none" normalizeH="0" baseline="0">
+                <a:ln>
+                  <a:noFill/>
+                </a:ln>
+                <a:solidFill>
+                  <a:srgbClr val="000000"/>
+                </a:solidFill>
+                <a:effectLst/>
+                <a:latin typeface="Gill Sans" charset="0"/>
+                <a:ea typeface="ヒラギノ角ゴ ProN W3" charset="0"/>
+                <a:cs typeface="ヒラギノ角ゴ ProN W3" charset="0"/>
+                <a:sym typeface="Gill Sans" charset="0"/>
+              </a:endParaRPr>
+            </a:p>
+          </p:txBody>
+        </p:sp>
+        <p:cxnSp>
+          <p:nvCxnSpPr>
+            <p:cNvPr id="51" name="Connettore 2 50"/>
+            <p:cNvCxnSpPr>
+              <a:stCxn id="49" idx="2"/>
+              <a:endCxn id="50" idx="1"/>
+            </p:cNvCxnSpPr>
+            <p:nvPr/>
+          </p:nvCxnSpPr>
+          <p:spPr bwMode="auto">
+            <a:xfrm>
+              <a:off x="8167690" y="9283792"/>
+              <a:ext cx="0" cy="481760"/>
+            </a:xfrm>
+            <a:prstGeom prst="straightConnector1">
+              <a:avLst/>
+            </a:prstGeom>
+            <a:solidFill>
+              <a:srgbClr val="BBE0E3"/>
+            </a:solidFill>
+            <a:ln w="50800" cap="flat" cmpd="sng" algn="ctr">
+              <a:solidFill>
+                <a:srgbClr val="000000"/>
+              </a:solidFill>
+              <a:prstDash val="solid"/>
+              <a:round/>
+              <a:headEnd type="none" w="med" len="med"/>
+              <a:tailEnd type="arrow"/>
+            </a:ln>
+            <a:effectLst/>
+            <a:extLst>
+              <a:ext uri="{AF507438-7753-43E0-B8FC-AC1667EBCBE1}">
+                <a14:hiddenEffects xmlns:a14="http://schemas.microsoft.com/office/drawing/2010/main" xmlns="">
+                  <a:effectLst>
+                    <a:outerShdw blurRad="63500" dist="38099" dir="2700000" algn="ctr" rotWithShape="0">
+                      <a:schemeClr val="bg2">
+                        <a:alpha val="74998"/>
+                      </a:schemeClr>
+                    </a:outerShdw>
+                  </a:effectLst>
+                </a14:hiddenEffects>
+              </a:ext>
+            </a:extLst>
+          </p:spPr>
+        </p:cxnSp>
+        <p:cxnSp>
+          <p:nvCxnSpPr>
+            <p:cNvPr id="52" name="Connettore 2 51"/>
+            <p:cNvCxnSpPr>
+              <a:stCxn id="49" idx="0"/>
+              <a:endCxn id="53" idx="4"/>
+            </p:cNvCxnSpPr>
+            <p:nvPr/>
+          </p:nvCxnSpPr>
+          <p:spPr bwMode="auto">
+            <a:xfrm flipH="1" flipV="1">
+              <a:off x="8167689" y="7977629"/>
+              <a:ext cx="1" cy="391763"/>
+            </a:xfrm>
+            <a:prstGeom prst="straightConnector1">
+              <a:avLst/>
+            </a:prstGeom>
+            <a:solidFill>
+              <a:srgbClr val="BBE0E3"/>
+            </a:solidFill>
+            <a:ln w="50800" cap="flat" cmpd="sng" algn="ctr">
+              <a:solidFill>
+                <a:srgbClr val="000000"/>
+              </a:solidFill>
+              <a:prstDash val="solid"/>
+              <a:round/>
+              <a:headEnd type="none" w="med" len="med"/>
+              <a:tailEnd type="none"/>
+            </a:ln>
+            <a:effectLst/>
+            <a:extLst>
+              <a:ext uri="{AF507438-7753-43E0-B8FC-AC1667EBCBE1}">
+                <a14:hiddenEffects xmlns:a14="http://schemas.microsoft.com/office/drawing/2010/main" xmlns="">
+                  <a:effectLst>
+                    <a:outerShdw blurRad="63500" dist="38099" dir="2700000" algn="ctr" rotWithShape="0">
+                      <a:schemeClr val="bg2">
+                        <a:alpha val="74998"/>
+                      </a:schemeClr>
+                    </a:outerShdw>
+                  </a:effectLst>
+                </a14:hiddenEffects>
+              </a:ext>
+            </a:extLst>
+          </p:spPr>
+        </p:cxnSp>
+        <p:sp>
+          <p:nvSpPr>
+            <p:cNvPr id="53" name="Ovale 52"/>
+            <p:cNvSpPr/>
+            <p:nvPr/>
+          </p:nvSpPr>
+          <p:spPr bwMode="auto">
+            <a:xfrm flipH="1">
+              <a:off x="8031958" y="7716486"/>
+              <a:ext cx="271463" cy="261143"/>
+            </a:xfrm>
+            <a:prstGeom prst="ellipse">
+              <a:avLst/>
+            </a:prstGeom>
+            <a:solidFill>
+              <a:schemeClr val="tx1"/>
+            </a:solidFill>
+            <a:ln w="25400" cap="flat" cmpd="sng" algn="ctr">
+              <a:solidFill>
+                <a:srgbClr val="000000"/>
+              </a:solidFill>
+              <a:prstDash val="solid"/>
+              <a:round/>
+              <a:headEnd type="none" w="med" len="med"/>
+              <a:tailEnd type="none" w="med" len="med"/>
+            </a:ln>
+            <a:effectLst/>
+            <a:extLst/>
+          </p:spPr>
+          <p:txBody>
+            <a:bodyPr vert="horz" wrap="square" lIns="91440" tIns="45720" rIns="91440" bIns="45720" numCol="1" rtlCol="0" anchor="t" anchorCtr="0" compatLnSpc="1">
+              <a:prstTxWarp prst="textNoShape">
+                <a:avLst/>
+              </a:prstTxWarp>
+            </a:bodyPr>
+            <a:lstStyle/>
+            <a:p>
+              <a:pPr marL="0" marR="0" indent="0" algn="ctr" defTabSz="914400" rtl="0" eaLnBrk="1" fontAlgn="base" latinLnBrk="0" hangingPunct="1">
+                <a:lnSpc>
+                  <a:spcPct val="100000"/>
+                </a:lnSpc>
+                <a:spcBef>
+                  <a:spcPct val="0"/>
+                </a:spcBef>
+                <a:spcAft>
+                  <a:spcPct val="0"/>
+                </a:spcAft>
+                <a:buClrTx/>
+                <a:buSzTx/>
+                <a:buFontTx/>
+                <a:buNone/>
+                <a:tabLst/>
+              </a:pPr>
+              <a:endParaRPr kumimoji="0" lang="it-IT" sz="11200" b="0" i="0" u="none" strike="noStrike" cap="none" normalizeH="0" baseline="0">
+                <a:ln>
+                  <a:noFill/>
+                </a:ln>
+                <a:solidFill>
+                  <a:srgbClr val="000000"/>
+                </a:solidFill>
+                <a:effectLst/>
+                <a:latin typeface="Gill Sans" charset="0"/>
+                <a:ea typeface="ヒラギノ角ゴ ProN W3" charset="0"/>
+                <a:cs typeface="ヒラギノ角ゴ ProN W3" charset="0"/>
+                <a:sym typeface="Gill Sans" charset="0"/>
+              </a:endParaRPr>
+            </a:p>
+          </p:txBody>
+        </p:sp>
+        <p:sp>
+          <p:nvSpPr>
+            <p:cNvPr id="54" name="CasellaDiTesto 53"/>
+            <p:cNvSpPr txBox="1"/>
+            <p:nvPr/>
+          </p:nvSpPr>
+          <p:spPr>
+            <a:xfrm>
+              <a:off x="8303421" y="7771003"/>
+              <a:ext cx="1963486" cy="523220"/>
+            </a:xfrm>
+            <a:prstGeom prst="rect">
+              <a:avLst/>
+            </a:prstGeom>
+            <a:noFill/>
+          </p:spPr>
+          <p:txBody>
+            <a:bodyPr wrap="none" rtlCol="0">
+              <a:spAutoFit/>
+            </a:bodyPr>
+            <a:lstStyle/>
+            <a:p>
+              <a:r>
+                <a:rPr lang="it-IT" sz="2800" b="1" dirty="0" smtClean="0"/>
+                <a:t>HTTP 7111</a:t>
+              </a:r>
+              <a:endParaRPr lang="it-IT" sz="2800" b="1" dirty="0"/>
+            </a:p>
+          </p:txBody>
+        </p:sp>
+      </p:grpSp>
+      <p:cxnSp>
+        <p:nvCxnSpPr>
+          <p:cNvPr id="56" name="Connettore 2 55"/>
+          <p:cNvCxnSpPr>
+            <a:stCxn id="84" idx="2"/>
+            <a:endCxn id="46" idx="7"/>
+          </p:cNvCxnSpPr>
+          <p:nvPr/>
+        </p:nvCxnSpPr>
+        <p:spPr bwMode="auto">
+          <a:xfrm rot="16200000" flipH="1">
+            <a:off x="4846750" y="5155795"/>
+            <a:ext cx="1714736" cy="2807305"/>
+          </a:xfrm>
+          <a:prstGeom prst="straightConnector1">
+            <a:avLst/>
+          </a:prstGeom>
+          <a:solidFill>
+            <a:srgbClr val="BBE0E3"/>
+          </a:solidFill>
+          <a:ln w="50800" cap="flat" cmpd="sng" algn="ctr">
+            <a:solidFill>
+              <a:srgbClr val="00B050"/>
+            </a:solidFill>
+            <a:prstDash val="solid"/>
+            <a:round/>
+            <a:headEnd type="none" w="med" len="med"/>
+            <a:tailEnd type="arrow"/>
+          </a:ln>
+          <a:effectLst/>
+          <a:extLst>
+            <a:ext uri="{AF507438-7753-43E0-B8FC-AC1667EBCBE1}">
+              <a14:hiddenEffects xmlns:a14="http://schemas.microsoft.com/office/drawing/2010/main" xmlns="">
+                <a:effectLst>
+                  <a:outerShdw blurRad="63500" dist="38099" dir="2700000" algn="ctr" rotWithShape="0">
+                    <a:schemeClr val="bg2">
+                      <a:alpha val="74998"/>
+                    </a:schemeClr>
+                  </a:outerShdw>
+                </a:effectLst>
+              </a14:hiddenEffects>
+            </a:ext>
+          </a:extLst>
+        </p:spPr>
+      </p:cxnSp>
+      <p:cxnSp>
+        <p:nvCxnSpPr>
+          <p:cNvPr id="58" name="Connettore 2 57"/>
+          <p:cNvCxnSpPr>
+            <a:stCxn id="84" idx="2"/>
+            <a:endCxn id="53" idx="7"/>
+          </p:cNvCxnSpPr>
+          <p:nvPr/>
+        </p:nvCxnSpPr>
+        <p:spPr bwMode="auto">
+          <a:xfrm rot="16200000" flipH="1">
+            <a:off x="6823212" y="3179334"/>
+            <a:ext cx="1688477" cy="6733968"/>
+          </a:xfrm>
+          <a:prstGeom prst="straightConnector1">
+            <a:avLst/>
+          </a:prstGeom>
+          <a:solidFill>
+            <a:srgbClr val="BBE0E3"/>
+          </a:solidFill>
+          <a:ln w="50800" cap="flat" cmpd="sng" algn="ctr">
+            <a:solidFill>
+              <a:srgbClr val="00B050"/>
+            </a:solidFill>
+            <a:prstDash val="solid"/>
+            <a:round/>
+            <a:headEnd type="none" w="med" len="med"/>
+            <a:tailEnd type="arrow"/>
+          </a:ln>
+          <a:effectLst/>
+          <a:extLst>
+            <a:ext uri="{AF507438-7753-43E0-B8FC-AC1667EBCBE1}">
+              <a14:hiddenEffects xmlns:a14="http://schemas.microsoft.com/office/drawing/2010/main" xmlns="">
+                <a:effectLst>
+                  <a:outerShdw blurRad="63500" dist="38099" dir="2700000" algn="ctr" rotWithShape="0">
+                    <a:schemeClr val="bg2">
+                      <a:alpha val="74998"/>
+                    </a:schemeClr>
+                  </a:outerShdw>
+                </a:effectLst>
+              </a14:hiddenEffects>
+            </a:ext>
+          </a:extLst>
+        </p:spPr>
+      </p:cxnSp>
+      <p:sp>
+        <p:nvSpPr>
+          <p:cNvPr id="57" name="Titolo 1"/>
           <p:cNvSpPr>
             <a:spLocks noGrp="1"/>
           </p:cNvSpPr>
@@ -24378,79 +26911,23 @@
             <p:ph type="title"/>
           </p:nvPr>
         </p:nvSpPr>
-        <p:spPr/>
+        <p:spPr>
+          <a:xfrm>
+            <a:off x="617538" y="241300"/>
+            <a:ext cx="23134637" cy="1358900"/>
+          </a:xfrm>
+        </p:spPr>
         <p:txBody>
           <a:bodyPr/>
           <a:lstStyle/>
           <a:p>
             <a:r>
+              <a:rPr lang="it-IT" dirty="0" smtClean="0"/>
+              <a:t>System </a:t>
+            </a:r>
+            <a:r>
               <a:rPr lang="it-IT" dirty="0" err="1" smtClean="0"/>
-              <a:t>Wiring</a:t>
-            </a:r>
-            <a:r>
-              <a:rPr lang="it-IT" dirty="0" smtClean="0"/>
-              <a:t> </a:t>
-            </a:r>
-            <a:r>
-              <a:rPr lang="it-IT" dirty="0" err="1" smtClean="0"/>
-              <a:t>microservice</a:t>
-            </a:r>
-            <a:r>
-              <a:rPr lang="it-IT" dirty="0" smtClean="0"/>
-              <a:t>: Service </a:t>
-            </a:r>
-            <a:r>
-              <a:rPr lang="it-IT" dirty="0" err="1" smtClean="0"/>
-              <a:t>Discovery</a:t>
-            </a:r>
-            <a:r>
-              <a:rPr lang="it-IT" dirty="0" smtClean="0"/>
-              <a:t> </a:t>
-            </a:r>
-            <a:endParaRPr lang="it-IT" dirty="0"/>
-          </a:p>
-        </p:txBody>
-      </p:sp>
-      <p:sp>
-        <p:nvSpPr>
-          <p:cNvPr id="3" name="Segnaposto contenuto 2"/>
-          <p:cNvSpPr>
-            <a:spLocks noGrp="1"/>
-          </p:cNvSpPr>
-          <p:nvPr>
-            <p:ph idx="1"/>
-          </p:nvPr>
-        </p:nvSpPr>
-        <p:spPr/>
-        <p:txBody>
-          <a:bodyPr/>
-          <a:lstStyle/>
-          <a:p>
-            <a:r>
-              <a:rPr lang="it-IT" dirty="0" smtClean="0"/>
-              <a:t>PROBLEM: DECOUPLIG REALIZED ALSO WITH SERVICE DISCOVERY WITHOUT P2P WIRING</a:t>
-            </a:r>
-          </a:p>
-          <a:p>
-            <a:r>
-              <a:rPr lang="it-IT" dirty="0" smtClean="0"/>
-              <a:t>Go </a:t>
-            </a:r>
-            <a:r>
-              <a:rPr lang="it-IT" dirty="0" err="1" smtClean="0"/>
-              <a:t>ahead</a:t>
-            </a:r>
-            <a:r>
-              <a:rPr lang="it-IT" dirty="0" smtClean="0"/>
-              <a:t> p2p </a:t>
-            </a:r>
-            <a:r>
-              <a:rPr lang="it-IT" dirty="0" err="1" smtClean="0"/>
-              <a:t>wiring</a:t>
-            </a:r>
-            <a:r>
-              <a:rPr lang="it-IT" dirty="0" smtClean="0"/>
-              <a:t> :EUREKA: DEFINITION</a:t>
+              <a:t>landscape</a:t>
             </a:r>
             <a:endParaRPr lang="it-IT" dirty="0"/>
           </a:p>
@@ -24459,7 +26936,7 @@
     </p:spTree>
     <p:extLst>
       <p:ext uri="{BB962C8B-B14F-4D97-AF65-F5344CB8AC3E}">
-        <p14:creationId xmlns:p14="http://schemas.microsoft.com/office/powerpoint/2010/main" val="2540019730"/>
+        <p14:creationId xmlns:p14="http://schemas.microsoft.com/office/powerpoint/2010/main" xmlns="" val="3941702573"/>
       </p:ext>
     </p:extLst>
   </p:cSld>
@@ -24552,6 +27029,132 @@
           <a:p>
             <a:r>
               <a:rPr lang="it-IT" dirty="0" err="1" smtClean="0"/>
+              <a:t>Wiring</a:t>
+            </a:r>
+            <a:r>
+              <a:rPr lang="it-IT" dirty="0" smtClean="0"/>
+              <a:t> </a:t>
+            </a:r>
+            <a:r>
+              <a:rPr lang="it-IT" dirty="0" err="1" smtClean="0"/>
+              <a:t>microservice</a:t>
+            </a:r>
+            <a:r>
+              <a:rPr lang="it-IT" dirty="0" smtClean="0"/>
+              <a:t>: Service </a:t>
+            </a:r>
+            <a:r>
+              <a:rPr lang="it-IT" dirty="0" err="1" smtClean="0"/>
+              <a:t>Discovery</a:t>
+            </a:r>
+            <a:r>
+              <a:rPr lang="it-IT" dirty="0" smtClean="0"/>
+              <a:t> </a:t>
+            </a:r>
+            <a:endParaRPr lang="it-IT" dirty="0"/>
+          </a:p>
+        </p:txBody>
+      </p:sp>
+      <p:sp>
+        <p:nvSpPr>
+          <p:cNvPr id="3" name="Segnaposto contenuto 2"/>
+          <p:cNvSpPr>
+            <a:spLocks noGrp="1"/>
+          </p:cNvSpPr>
+          <p:nvPr>
+            <p:ph idx="1"/>
+          </p:nvPr>
+        </p:nvSpPr>
+        <p:spPr/>
+        <p:txBody>
+          <a:bodyPr/>
+          <a:lstStyle/>
+          <a:p>
+            <a:r>
+              <a:rPr lang="it-IT" dirty="0" smtClean="0"/>
+              <a:t>PROBLEM: DECOUPLIG REALIZED ALSO WITH SERVICE DISCOVERY WITHOUT P2P WIRING</a:t>
+            </a:r>
+          </a:p>
+          <a:p>
+            <a:r>
+              <a:rPr lang="it-IT" dirty="0" smtClean="0"/>
+              <a:t>Go </a:t>
+            </a:r>
+            <a:r>
+              <a:rPr lang="it-IT" dirty="0" err="1" smtClean="0"/>
+              <a:t>ahead</a:t>
+            </a:r>
+            <a:r>
+              <a:rPr lang="it-IT" dirty="0" smtClean="0"/>
+              <a:t> p2p </a:t>
+            </a:r>
+            <a:r>
+              <a:rPr lang="it-IT" dirty="0" err="1" smtClean="0"/>
+              <a:t>wiring</a:t>
+            </a:r>
+            <a:r>
+              <a:rPr lang="it-IT" dirty="0" smtClean="0"/>
+              <a:t> :EUREKA: DEFINITION</a:t>
+            </a:r>
+            <a:endParaRPr lang="it-IT" dirty="0"/>
+          </a:p>
+        </p:txBody>
+      </p:sp>
+    </p:spTree>
+    <p:extLst>
+      <p:ext uri="{BB962C8B-B14F-4D97-AF65-F5344CB8AC3E}">
+        <p14:creationId xmlns:p14="http://schemas.microsoft.com/office/powerpoint/2010/main" xmlns="" val="2540019730"/>
+      </p:ext>
+    </p:extLst>
+  </p:cSld>
+  <p:clrMapOvr>
+    <a:masterClrMapping/>
+  </p:clrMapOvr>
+  <p:transition/>
+  <p:timing>
+    <p:tnLst>
+      <p:par>
+        <p:cTn id="1" dur="indefinite" restart="never" nodeType="tmRoot"/>
+      </p:par>
+    </p:tnLst>
+  </p:timing>
+</p:sld>
+</file>
+
+<file path=ppt/slides/slide31.xml><?xml version="1.0" encoding="utf-8"?>
+<p:sld xmlns:a="http://schemas.openxmlformats.org/drawingml/2006/main" xmlns:r="http://schemas.openxmlformats.org/officeDocument/2006/relationships" xmlns:p="http://schemas.openxmlformats.org/presentationml/2006/main">
+  <p:cSld>
+    <p:spTree>
+      <p:nvGrpSpPr>
+        <p:cNvPr id="1" name=""/>
+        <p:cNvGrpSpPr/>
+        <p:nvPr/>
+      </p:nvGrpSpPr>
+      <p:grpSpPr>
+        <a:xfrm>
+          <a:off x="0" y="0"/>
+          <a:ext cx="0" cy="0"/>
+          <a:chOff x="0" y="0"/>
+          <a:chExt cx="0" cy="0"/>
+        </a:xfrm>
+      </p:grpSpPr>
+      <p:sp>
+        <p:nvSpPr>
+          <p:cNvPr id="2" name="Titolo 1"/>
+          <p:cNvSpPr>
+            <a:spLocks noGrp="1"/>
+          </p:cNvSpPr>
+          <p:nvPr>
+            <p:ph type="title"/>
+          </p:nvPr>
+        </p:nvSpPr>
+        <p:spPr/>
+        <p:txBody>
+          <a:bodyPr/>
+          <a:lstStyle/>
+          <a:p>
+            <a:r>
+              <a:rPr lang="it-IT" dirty="0" err="1" smtClean="0"/>
               <a:t>Load</a:t>
             </a:r>
             <a:r>
@@ -24592,7 +27195,7 @@
     </p:spTree>
     <p:extLst>
       <p:ext uri="{BB962C8B-B14F-4D97-AF65-F5344CB8AC3E}">
-        <p14:creationId xmlns:p14="http://schemas.microsoft.com/office/powerpoint/2010/main" val="1006668081"/>
+        <p14:creationId xmlns:p14="http://schemas.microsoft.com/office/powerpoint/2010/main" xmlns="" val="1006668081"/>
       </p:ext>
     </p:extLst>
   </p:cSld>
@@ -24610,7 +27213,7 @@
 </p:sld>
 </file>
 
-<file path=ppt/slides/slide31.xml><?xml version="1.0" encoding="utf-8"?>
+<file path=ppt/slides/slide32.xml><?xml version="1.0" encoding="utf-8"?>
 <p:sld xmlns:a="http://schemas.openxmlformats.org/drawingml/2006/main" xmlns:r="http://schemas.openxmlformats.org/officeDocument/2006/relationships" xmlns:p="http://schemas.openxmlformats.org/presentationml/2006/main">
   <p:cSld>
     <p:bg>
@@ -24808,7 +27411,7 @@
     </p:spTree>
     <p:extLst>
       <p:ext uri="{BB962C8B-B14F-4D97-AF65-F5344CB8AC3E}">
-        <p14:creationId xmlns:p14="http://schemas.microsoft.com/office/powerpoint/2010/main" val="1421563975"/>
+        <p14:creationId xmlns:p14="http://schemas.microsoft.com/office/powerpoint/2010/main" xmlns="" val="1421563975"/>
       </p:ext>
     </p:extLst>
   </p:cSld>
@@ -24892,7 +27495,7 @@
     </p:spTree>
     <p:extLst>
       <p:ext uri="{BB962C8B-B14F-4D97-AF65-F5344CB8AC3E}">
-        <p14:creationId xmlns:p14="http://schemas.microsoft.com/office/powerpoint/2010/main" val="2375553756"/>
+        <p14:creationId xmlns:p14="http://schemas.microsoft.com/office/powerpoint/2010/main" xmlns="" val="2375553756"/>
       </p:ext>
     </p:extLst>
   </p:cSld>
@@ -25617,7 +28220,7 @@
     </p:spTree>
     <p:extLst>
       <p:ext uri="{BB962C8B-B14F-4D97-AF65-F5344CB8AC3E}">
-        <p14:creationId xmlns:p14="http://schemas.microsoft.com/office/powerpoint/2010/main" val="3177257595"/>
+        <p14:creationId xmlns:p14="http://schemas.microsoft.com/office/powerpoint/2010/main" xmlns="" val="3177257595"/>
       </p:ext>
     </p:extLst>
   </p:cSld>
@@ -25770,7 +28373,6 @@
               <a:rPr lang="it-IT" sz="2800" dirty="0" smtClean="0"/>
               <a:t>Microservices </a:t>
             </a:r>
-            <a:endParaRPr lang="it-IT" sz="2800" dirty="0" smtClean="0"/>
           </a:p>
           <a:p>
             <a:pPr marL="876300" lvl="2" indent="0" eaLnBrk="1" hangingPunct="1">
@@ -26566,7 +29168,6 @@
               <a:rPr lang="it-IT" sz="2800" dirty="0" smtClean="0"/>
               <a:t> </a:t>
             </a:r>
-            <a:endParaRPr lang="it-IT" sz="2800" dirty="0" smtClean="0"/>
           </a:p>
           <a:p>
             <a:pPr lvl="2" eaLnBrk="1" hangingPunct="1"/>
@@ -26581,7 +29182,7 @@
     </p:spTree>
     <p:extLst>
       <p:ext uri="{BB962C8B-B14F-4D97-AF65-F5344CB8AC3E}">
-        <p14:creationId xmlns:p14="http://schemas.microsoft.com/office/powerpoint/2010/main" val="4158961700"/>
+        <p14:creationId xmlns:p14="http://schemas.microsoft.com/office/powerpoint/2010/main" xmlns="" val="4158961700"/>
       </p:ext>
     </p:extLst>
   </p:cSld>
@@ -26845,7 +29446,7 @@
         <a:effectLst/>
         <a:extLst>
           <a:ext uri="{AF507438-7753-43E0-B8FC-AC1667EBCBE1}">
-            <a14:hiddenEffects xmlns:a14="http://schemas.microsoft.com/office/drawing/2010/main">
+            <a14:hiddenEffects xmlns:a14="http://schemas.microsoft.com/office/drawing/2010/main" xmlns="">
               <a:effectLst>
                 <a:outerShdw blurRad="63500" dist="38099" dir="2700000" algn="ctr" rotWithShape="0">
                   <a:schemeClr val="bg2">
@@ -26923,7 +29524,7 @@
         <a:effectLst/>
         <a:extLst>
           <a:ext uri="{AF507438-7753-43E0-B8FC-AC1667EBCBE1}">
-            <a14:hiddenEffects xmlns:a14="http://schemas.microsoft.com/office/drawing/2010/main">
+            <a14:hiddenEffects xmlns:a14="http://schemas.microsoft.com/office/drawing/2010/main" xmlns="">
               <a:effectLst>
                 <a:outerShdw blurRad="63500" dist="38099" dir="2700000" algn="ctr" rotWithShape="0">
                   <a:schemeClr val="bg2">
@@ -27265,7 +29866,7 @@
         <a:effectLst/>
         <a:extLst>
           <a:ext uri="{AF507438-7753-43E0-B8FC-AC1667EBCBE1}">
-            <a14:hiddenEffects xmlns:a14="http://schemas.microsoft.com/office/drawing/2010/main">
+            <a14:hiddenEffects xmlns:a14="http://schemas.microsoft.com/office/drawing/2010/main" xmlns="">
               <a:effectLst>
                 <a:outerShdw blurRad="63500" dist="38099" dir="2700000" algn="ctr" rotWithShape="0">
                   <a:schemeClr val="bg2">
@@ -27343,7 +29944,7 @@
         <a:effectLst/>
         <a:extLst>
           <a:ext uri="{AF507438-7753-43E0-B8FC-AC1667EBCBE1}">
-            <a14:hiddenEffects xmlns:a14="http://schemas.microsoft.com/office/drawing/2010/main">
+            <a14:hiddenEffects xmlns:a14="http://schemas.microsoft.com/office/drawing/2010/main" xmlns="">
               <a:effectLst>
                 <a:outerShdw blurRad="63500" dist="38099" dir="2700000" algn="ctr" rotWithShape="0">
                   <a:schemeClr val="bg2">
@@ -27685,7 +30286,7 @@
         <a:effectLst/>
         <a:extLst>
           <a:ext uri="{AF507438-7753-43E0-B8FC-AC1667EBCBE1}">
-            <a14:hiddenEffects xmlns:a14="http://schemas.microsoft.com/office/drawing/2010/main">
+            <a14:hiddenEffects xmlns:a14="http://schemas.microsoft.com/office/drawing/2010/main" xmlns="">
               <a:effectLst>
                 <a:outerShdw blurRad="63500" dist="38099" dir="2700000" algn="ctr" rotWithShape="0">
                   <a:schemeClr val="bg2">
@@ -27763,7 +30364,7 @@
         <a:effectLst/>
         <a:extLst>
           <a:ext uri="{AF507438-7753-43E0-B8FC-AC1667EBCBE1}">
-            <a14:hiddenEffects xmlns:a14="http://schemas.microsoft.com/office/drawing/2010/main">
+            <a14:hiddenEffects xmlns:a14="http://schemas.microsoft.com/office/drawing/2010/main" xmlns="">
               <a:effectLst>
                 <a:outerShdw blurRad="63500" dist="38099" dir="2700000" algn="ctr" rotWithShape="0">
                   <a:schemeClr val="bg2">
@@ -28105,7 +30706,7 @@
         <a:effectLst/>
         <a:extLst>
           <a:ext uri="{AF507438-7753-43E0-B8FC-AC1667EBCBE1}">
-            <a14:hiddenEffects xmlns:a14="http://schemas.microsoft.com/office/drawing/2010/main">
+            <a14:hiddenEffects xmlns:a14="http://schemas.microsoft.com/office/drawing/2010/main" xmlns="">
               <a:effectLst>
                 <a:outerShdw blurRad="63500" dist="38099" dir="2700000" algn="ctr" rotWithShape="0">
                   <a:schemeClr val="bg2">
@@ -28183,7 +30784,7 @@
         <a:effectLst/>
         <a:extLst>
           <a:ext uri="{AF507438-7753-43E0-B8FC-AC1667EBCBE1}">
-            <a14:hiddenEffects xmlns:a14="http://schemas.microsoft.com/office/drawing/2010/main">
+            <a14:hiddenEffects xmlns:a14="http://schemas.microsoft.com/office/drawing/2010/main" xmlns="">
               <a:effectLst>
                 <a:outerShdw blurRad="63500" dist="38099" dir="2700000" algn="ctr" rotWithShape="0">
                   <a:schemeClr val="bg2">

--- a/luigiBennardisMicroservices.pptx
+++ b/luigiBennardisMicroservices.pptx
@@ -22,24 +22,30 @@
     <p:sldId id="289" r:id="rId16"/>
     <p:sldId id="287" r:id="rId17"/>
     <p:sldId id="266" r:id="rId18"/>
-    <p:sldId id="267" r:id="rId19"/>
-    <p:sldId id="274" r:id="rId20"/>
-    <p:sldId id="278" r:id="rId21"/>
-    <p:sldId id="279" r:id="rId22"/>
-    <p:sldId id="280" r:id="rId23"/>
-    <p:sldId id="283" r:id="rId24"/>
-    <p:sldId id="282" r:id="rId25"/>
-    <p:sldId id="281" r:id="rId26"/>
-    <p:sldId id="275" r:id="rId27"/>
-    <p:sldId id="268" r:id="rId28"/>
-    <p:sldId id="269" r:id="rId29"/>
-    <p:sldId id="271" r:id="rId30"/>
-    <p:sldId id="270" r:id="rId31"/>
-    <p:sldId id="286" r:id="rId32"/>
-    <p:sldId id="291" r:id="rId33"/>
-    <p:sldId id="276" r:id="rId34"/>
-    <p:sldId id="277" r:id="rId35"/>
-    <p:sldId id="265" r:id="rId36"/>
+    <p:sldId id="274" r:id="rId19"/>
+    <p:sldId id="267" r:id="rId20"/>
+    <p:sldId id="293" r:id="rId21"/>
+    <p:sldId id="278" r:id="rId22"/>
+    <p:sldId id="279" r:id="rId23"/>
+    <p:sldId id="294" r:id="rId24"/>
+    <p:sldId id="295" r:id="rId25"/>
+    <p:sldId id="296" r:id="rId26"/>
+    <p:sldId id="297" r:id="rId27"/>
+    <p:sldId id="280" r:id="rId28"/>
+    <p:sldId id="283" r:id="rId29"/>
+    <p:sldId id="282" r:id="rId30"/>
+    <p:sldId id="281" r:id="rId31"/>
+    <p:sldId id="275" r:id="rId32"/>
+    <p:sldId id="292" r:id="rId33"/>
+    <p:sldId id="268" r:id="rId34"/>
+    <p:sldId id="269" r:id="rId35"/>
+    <p:sldId id="271" r:id="rId36"/>
+    <p:sldId id="270" r:id="rId37"/>
+    <p:sldId id="286" r:id="rId38"/>
+    <p:sldId id="291" r:id="rId39"/>
+    <p:sldId id="276" r:id="rId40"/>
+    <p:sldId id="277" r:id="rId41"/>
+    <p:sldId id="265" r:id="rId42"/>
   </p:sldIdLst>
   <p:sldSz cx="24384000" cy="13716000"/>
   <p:notesSz cx="6858000" cy="9144000"/>
@@ -275,7 +281,7 @@
     </p:spTree>
     <p:extLst>
       <p:ext uri="{BB962C8B-B14F-4D97-AF65-F5344CB8AC3E}">
-        <p14:creationId xmlns:p14="http://schemas.microsoft.com/office/powerpoint/2010/main" xmlns="" val="1488138082"/>
+        <p14:creationId xmlns:p14="http://schemas.microsoft.com/office/powerpoint/2010/main" val="1488138082"/>
       </p:ext>
     </p:extLst>
   </p:cSld>
@@ -421,7 +427,7 @@
     </p:spTree>
     <p:extLst>
       <p:ext uri="{BB962C8B-B14F-4D97-AF65-F5344CB8AC3E}">
-        <p14:creationId xmlns:p14="http://schemas.microsoft.com/office/powerpoint/2010/main" xmlns="" val="4014933588"/>
+        <p14:creationId xmlns:p14="http://schemas.microsoft.com/office/powerpoint/2010/main" val="4014933588"/>
       </p:ext>
     </p:extLst>
   </p:cSld>
@@ -527,7 +533,7 @@
     </p:spTree>
     <p:extLst>
       <p:ext uri="{BB962C8B-B14F-4D97-AF65-F5344CB8AC3E}">
-        <p14:creationId xmlns:p14="http://schemas.microsoft.com/office/powerpoint/2010/main" xmlns="" val="2935278078"/>
+        <p14:creationId xmlns:p14="http://schemas.microsoft.com/office/powerpoint/2010/main" val="2935278078"/>
       </p:ext>
     </p:extLst>
   </p:cSld>
@@ -633,7 +639,7 @@
     </p:spTree>
     <p:extLst>
       <p:ext uri="{BB962C8B-B14F-4D97-AF65-F5344CB8AC3E}">
-        <p14:creationId xmlns:p14="http://schemas.microsoft.com/office/powerpoint/2010/main" xmlns="" val="2257783360"/>
+        <p14:creationId xmlns:p14="http://schemas.microsoft.com/office/powerpoint/2010/main" val="2257783360"/>
       </p:ext>
     </p:extLst>
   </p:cSld>
@@ -697,14 +703,14 @@
           </a:ln>
           <a:extLst>
             <a:ext uri="{909E8E84-426E-40DD-AFC4-6F175D3DCCD1}">
-              <a14:hiddenFill xmlns:a14="http://schemas.microsoft.com/office/drawing/2010/main" xmlns="">
+              <a14:hiddenFill xmlns:a14="http://schemas.microsoft.com/office/drawing/2010/main">
                 <a:solidFill>
                   <a:srgbClr val="FFFFFF"/>
                 </a:solidFill>
               </a14:hiddenFill>
             </a:ext>
             <a:ext uri="{91240B29-F687-4F45-9708-019B960494DF}">
-              <a14:hiddenLine xmlns:a14="http://schemas.microsoft.com/office/drawing/2010/main" xmlns="" w="9525">
+              <a14:hiddenLine xmlns:a14="http://schemas.microsoft.com/office/drawing/2010/main" w="9525">
                 <a:solidFill>
                   <a:srgbClr val="000000"/>
                 </a:solidFill>
@@ -757,14 +763,14 @@
           </a:ln>
           <a:extLst>
             <a:ext uri="{909E8E84-426E-40DD-AFC4-6F175D3DCCD1}">
-              <a14:hiddenFill xmlns:a14="http://schemas.microsoft.com/office/drawing/2010/main" xmlns="">
+              <a14:hiddenFill xmlns:a14="http://schemas.microsoft.com/office/drawing/2010/main">
                 <a:solidFill>
                   <a:srgbClr val="FFFFFF"/>
                 </a:solidFill>
               </a14:hiddenFill>
             </a:ext>
             <a:ext uri="{91240B29-F687-4F45-9708-019B960494DF}">
-              <a14:hiddenLine xmlns:a14="http://schemas.microsoft.com/office/drawing/2010/main" xmlns="" w="9525">
+              <a14:hiddenLine xmlns:a14="http://schemas.microsoft.com/office/drawing/2010/main" w="9525">
                 <a:solidFill>
                   <a:srgbClr val="000000"/>
                 </a:solidFill>
@@ -1331,14 +1337,14 @@
           </a:ln>
           <a:extLst>
             <a:ext uri="{909E8E84-426E-40DD-AFC4-6F175D3DCCD1}">
-              <a14:hiddenFill xmlns:a14="http://schemas.microsoft.com/office/drawing/2010/main" xmlns="">
+              <a14:hiddenFill xmlns:a14="http://schemas.microsoft.com/office/drawing/2010/main">
                 <a:solidFill>
                   <a:srgbClr val="FFFFFF"/>
                 </a:solidFill>
               </a14:hiddenFill>
             </a:ext>
             <a:ext uri="{91240B29-F687-4F45-9708-019B960494DF}">
-              <a14:hiddenLine xmlns:a14="http://schemas.microsoft.com/office/drawing/2010/main" xmlns="" w="9525">
+              <a14:hiddenLine xmlns:a14="http://schemas.microsoft.com/office/drawing/2010/main" w="9525">
                 <a:solidFill>
                   <a:srgbClr val="000000"/>
                 </a:solidFill>
@@ -1391,14 +1397,14 @@
           </a:ln>
           <a:extLst>
             <a:ext uri="{909E8E84-426E-40DD-AFC4-6F175D3DCCD1}">
-              <a14:hiddenFill xmlns:a14="http://schemas.microsoft.com/office/drawing/2010/main" xmlns="">
+              <a14:hiddenFill xmlns:a14="http://schemas.microsoft.com/office/drawing/2010/main">
                 <a:solidFill>
                   <a:srgbClr val="FFFFFF"/>
                 </a:solidFill>
               </a14:hiddenFill>
             </a:ext>
             <a:ext uri="{91240B29-F687-4F45-9708-019B960494DF}">
-              <a14:hiddenLine xmlns:a14="http://schemas.microsoft.com/office/drawing/2010/main" xmlns="" w="9525">
+              <a14:hiddenLine xmlns:a14="http://schemas.microsoft.com/office/drawing/2010/main" w="9525">
                 <a:solidFill>
                   <a:srgbClr val="000000"/>
                 </a:solidFill>
@@ -1987,14 +1993,14 @@
           </a:ln>
           <a:extLst>
             <a:ext uri="{909E8E84-426E-40DD-AFC4-6F175D3DCCD1}">
-              <a14:hiddenFill xmlns:a14="http://schemas.microsoft.com/office/drawing/2010/main" xmlns="">
+              <a14:hiddenFill xmlns:a14="http://schemas.microsoft.com/office/drawing/2010/main">
                 <a:solidFill>
                   <a:srgbClr val="FFFFFF"/>
                 </a:solidFill>
               </a14:hiddenFill>
             </a:ext>
             <a:ext uri="{91240B29-F687-4F45-9708-019B960494DF}">
-              <a14:hiddenLine xmlns:a14="http://schemas.microsoft.com/office/drawing/2010/main" xmlns="" w="9525">
+              <a14:hiddenLine xmlns:a14="http://schemas.microsoft.com/office/drawing/2010/main" w="9525">
                 <a:solidFill>
                   <a:srgbClr val="000000"/>
                 </a:solidFill>
@@ -2047,14 +2053,14 @@
           </a:ln>
           <a:extLst>
             <a:ext uri="{909E8E84-426E-40DD-AFC4-6F175D3DCCD1}">
-              <a14:hiddenFill xmlns:a14="http://schemas.microsoft.com/office/drawing/2010/main" xmlns="">
+              <a14:hiddenFill xmlns:a14="http://schemas.microsoft.com/office/drawing/2010/main">
                 <a:solidFill>
                   <a:srgbClr val="FFFFFF"/>
                 </a:solidFill>
               </a14:hiddenFill>
             </a:ext>
             <a:ext uri="{91240B29-F687-4F45-9708-019B960494DF}">
-              <a14:hiddenLine xmlns:a14="http://schemas.microsoft.com/office/drawing/2010/main" xmlns="" w="9525">
+              <a14:hiddenLine xmlns:a14="http://schemas.microsoft.com/office/drawing/2010/main" w="9525">
                 <a:solidFill>
                   <a:srgbClr val="000000"/>
                 </a:solidFill>
@@ -2621,14 +2627,14 @@
           </a:ln>
           <a:extLst>
             <a:ext uri="{909E8E84-426E-40DD-AFC4-6F175D3DCCD1}">
-              <a14:hiddenFill xmlns:a14="http://schemas.microsoft.com/office/drawing/2010/main" xmlns="">
+              <a14:hiddenFill xmlns:a14="http://schemas.microsoft.com/office/drawing/2010/main">
                 <a:solidFill>
                   <a:srgbClr val="FFFFFF"/>
                 </a:solidFill>
               </a14:hiddenFill>
             </a:ext>
             <a:ext uri="{91240B29-F687-4F45-9708-019B960494DF}">
-              <a14:hiddenLine xmlns:a14="http://schemas.microsoft.com/office/drawing/2010/main" xmlns="" w="9525">
+              <a14:hiddenLine xmlns:a14="http://schemas.microsoft.com/office/drawing/2010/main" w="9525">
                 <a:solidFill>
                   <a:srgbClr val="000000"/>
                 </a:solidFill>
@@ -2681,14 +2687,14 @@
           </a:ln>
           <a:extLst>
             <a:ext uri="{909E8E84-426E-40DD-AFC4-6F175D3DCCD1}">
-              <a14:hiddenFill xmlns:a14="http://schemas.microsoft.com/office/drawing/2010/main" xmlns="">
+              <a14:hiddenFill xmlns:a14="http://schemas.microsoft.com/office/drawing/2010/main">
                 <a:solidFill>
                   <a:srgbClr val="FFFFFF"/>
                 </a:solidFill>
               </a14:hiddenFill>
             </a:ext>
             <a:ext uri="{91240B29-F687-4F45-9708-019B960494DF}">
-              <a14:hiddenLine xmlns:a14="http://schemas.microsoft.com/office/drawing/2010/main" xmlns="" w="9525">
+              <a14:hiddenLine xmlns:a14="http://schemas.microsoft.com/office/drawing/2010/main" w="9525">
                 <a:solidFill>
                   <a:srgbClr val="000000"/>
                 </a:solidFill>
@@ -3931,7 +3937,7 @@
     </p:spTree>
     <p:extLst>
       <p:ext uri="{BB962C8B-B14F-4D97-AF65-F5344CB8AC3E}">
-        <p14:creationId xmlns:p14="http://schemas.microsoft.com/office/powerpoint/2010/main" xmlns="" val="3233602758"/>
+        <p14:creationId xmlns:p14="http://schemas.microsoft.com/office/powerpoint/2010/main" val="3233602758"/>
       </p:ext>
     </p:extLst>
   </p:cSld>
@@ -4982,7 +4988,7 @@
     </p:spTree>
     <p:extLst>
       <p:ext uri="{BB962C8B-B14F-4D97-AF65-F5344CB8AC3E}">
-        <p14:creationId xmlns:p14="http://schemas.microsoft.com/office/powerpoint/2010/main" xmlns="" val="4031211916"/>
+        <p14:creationId xmlns:p14="http://schemas.microsoft.com/office/powerpoint/2010/main" val="4031211916"/>
       </p:ext>
     </p:extLst>
   </p:cSld>
@@ -5058,7 +5064,7 @@
     </p:spTree>
     <p:extLst>
       <p:ext uri="{BB962C8B-B14F-4D97-AF65-F5344CB8AC3E}">
-        <p14:creationId xmlns:p14="http://schemas.microsoft.com/office/powerpoint/2010/main" xmlns="" val="1554925972"/>
+        <p14:creationId xmlns:p14="http://schemas.microsoft.com/office/powerpoint/2010/main" val="1554925972"/>
       </p:ext>
     </p:extLst>
   </p:cSld>
@@ -5450,7 +5456,7 @@
               <a:effectLst/>
               <a:extLst>
                 <a:ext uri="{AF507438-7753-43E0-B8FC-AC1667EBCBE1}">
-                  <a14:hiddenEffects xmlns:a14="http://schemas.microsoft.com/office/drawing/2010/main" xmlns="">
+                  <a14:hiddenEffects xmlns:a14="http://schemas.microsoft.com/office/drawing/2010/main">
                     <a:effectLst>
                       <a:outerShdw blurRad="63500" dist="38099" dir="2700000" algn="ctr" rotWithShape="0">
                         <a:schemeClr val="bg2">
@@ -5495,7 +5501,7 @@
               <a:effectLst/>
               <a:extLst>
                 <a:ext uri="{AF507438-7753-43E0-B8FC-AC1667EBCBE1}">
-                  <a14:hiddenEffects xmlns:a14="http://schemas.microsoft.com/office/drawing/2010/main" xmlns="">
+                  <a14:hiddenEffects xmlns:a14="http://schemas.microsoft.com/office/drawing/2010/main">
                     <a:effectLst>
                       <a:outerShdw blurRad="63500" dist="38099" dir="2700000" algn="ctr" rotWithShape="0">
                         <a:schemeClr val="bg2">
@@ -5612,7 +5618,7 @@
     </p:spTree>
     <p:extLst>
       <p:ext uri="{BB962C8B-B14F-4D97-AF65-F5344CB8AC3E}">
-        <p14:creationId xmlns:p14="http://schemas.microsoft.com/office/powerpoint/2010/main" xmlns="" val="3932113593"/>
+        <p14:creationId xmlns:p14="http://schemas.microsoft.com/office/powerpoint/2010/main" val="3932113593"/>
       </p:ext>
     </p:extLst>
   </p:cSld>
@@ -5656,7 +5662,7 @@
           <p:nvPr>
             <p:extLst>
               <p:ext uri="{D42A27DB-BD31-4B8C-83A1-F6EECF244321}">
-                <p14:modId xmlns:p14="http://schemas.microsoft.com/office/powerpoint/2010/main" xmlns="" val="1958196305"/>
+                <p14:modId xmlns:p14="http://schemas.microsoft.com/office/powerpoint/2010/main" val="1958196305"/>
               </p:ext>
             </p:extLst>
           </p:nvPr>
@@ -6353,6 +6359,312 @@
           <a:chExt cx="0" cy="0"/>
         </a:xfrm>
       </p:grpSpPr>
+      <p:sp>
+        <p:nvSpPr>
+          <p:cNvPr id="2" name="Titolo 1"/>
+          <p:cNvSpPr>
+            <a:spLocks noGrp="1"/>
+          </p:cNvSpPr>
+          <p:nvPr>
+            <p:ph type="title"/>
+          </p:nvPr>
+        </p:nvSpPr>
+        <p:spPr/>
+        <p:txBody>
+          <a:bodyPr/>
+          <a:lstStyle/>
+          <a:p>
+            <a:r>
+              <a:rPr lang="it-IT" dirty="0" smtClean="0"/>
+              <a:t>Technology </a:t>
+            </a:r>
+            <a:r>
+              <a:rPr lang="it-IT" dirty="0" err="1" smtClean="0"/>
+              <a:t>stack</a:t>
+            </a:r>
+            <a:endParaRPr lang="it-IT" dirty="0"/>
+          </a:p>
+        </p:txBody>
+      </p:sp>
+      <p:sp>
+        <p:nvSpPr>
+          <p:cNvPr id="3" name="Segnaposto contenuto 2"/>
+          <p:cNvSpPr>
+            <a:spLocks noGrp="1"/>
+          </p:cNvSpPr>
+          <p:nvPr>
+            <p:ph idx="1"/>
+          </p:nvPr>
+        </p:nvSpPr>
+        <p:spPr/>
+        <p:txBody>
+          <a:bodyPr/>
+          <a:lstStyle/>
+          <a:p>
+            <a:r>
+              <a:rPr lang="it-IT" dirty="0" smtClean="0"/>
+              <a:t> Spring </a:t>
+            </a:r>
+            <a:r>
+              <a:rPr lang="it-IT" dirty="0" err="1" smtClean="0"/>
+              <a:t>boot</a:t>
+            </a:r>
+            <a:endParaRPr lang="it-IT" dirty="0" smtClean="0"/>
+          </a:p>
+          <a:p>
+            <a:pPr marL="0" indent="0">
+              <a:buNone/>
+            </a:pPr>
+            <a:r>
+              <a:rPr lang="en-US" sz="2000" dirty="0"/>
+              <a:t>One technology that lets you focus on getting things done is one of the newer members of the Spring</a:t>
+            </a:r>
+          </a:p>
+          <a:p>
+            <a:pPr marL="0" indent="0">
+              <a:buNone/>
+            </a:pPr>
+            <a:r>
+              <a:rPr lang="en-US" sz="2000" dirty="0"/>
+              <a:t>ecosystem: the Spring Boot project. This project has two main benefits. The first benefit is that Spring Boot</a:t>
+            </a:r>
+          </a:p>
+          <a:p>
+            <a:pPr marL="0" indent="0">
+              <a:buNone/>
+            </a:pPr>
+            <a:r>
+              <a:rPr lang="en-US" sz="2000" dirty="0"/>
+              <a:t>dramatically simplifies application configuration by taking Convention over Configuration (</a:t>
+            </a:r>
+            <a:r>
+              <a:rPr lang="en-US" sz="2000" dirty="0" err="1"/>
+              <a:t>CoC</a:t>
+            </a:r>
+            <a:r>
+              <a:rPr lang="en-US" sz="2000" dirty="0"/>
+              <a:t>) in Spring</a:t>
+            </a:r>
+          </a:p>
+          <a:p>
+            <a:pPr marL="0" indent="0">
+              <a:buNone/>
+            </a:pPr>
+            <a:r>
+              <a:rPr lang="en-US" sz="2000" dirty="0"/>
+              <a:t>applications to a whole new level. Spring Boot has a feature called auto-configuration that intelligently</a:t>
+            </a:r>
+          </a:p>
+          <a:p>
+            <a:pPr marL="0" indent="0">
+              <a:buNone/>
+            </a:pPr>
+            <a:r>
+              <a:rPr lang="en-US" sz="2000" dirty="0"/>
+              <a:t>provides a set of default behaviors that are driven by what jars are on the </a:t>
+            </a:r>
+            <a:r>
+              <a:rPr lang="en-US" sz="2000" dirty="0" err="1"/>
+              <a:t>classpath</a:t>
+            </a:r>
+            <a:r>
+              <a:rPr lang="en-US" sz="2000" dirty="0"/>
+              <a:t>. For example, if you</a:t>
+            </a:r>
+          </a:p>
+          <a:p>
+            <a:pPr marL="0" indent="0">
+              <a:buNone/>
+            </a:pPr>
+            <a:r>
+              <a:rPr lang="en-US" sz="2000" dirty="0"/>
+              <a:t>include database jars on the </a:t>
+            </a:r>
+            <a:r>
+              <a:rPr lang="en-US" sz="2000" dirty="0" err="1"/>
+              <a:t>classpath</a:t>
+            </a:r>
+            <a:r>
+              <a:rPr lang="en-US" sz="2000" dirty="0"/>
+              <a:t> then Spring Boot will define </a:t>
+            </a:r>
+            <a:r>
+              <a:rPr lang="en-US" sz="2000" dirty="0" err="1"/>
+              <a:t>DataSource</a:t>
+            </a:r>
+            <a:r>
+              <a:rPr lang="en-US" sz="2000" dirty="0"/>
+              <a:t> and </a:t>
+            </a:r>
+            <a:r>
+              <a:rPr lang="en-US" sz="2000" dirty="0" err="1"/>
+              <a:t>JdbcTemplate</a:t>
+            </a:r>
+            <a:r>
+              <a:rPr lang="en-US" sz="2000" dirty="0"/>
+              <a:t> beans</a:t>
+            </a:r>
+          </a:p>
+          <a:p>
+            <a:pPr marL="0" indent="0">
+              <a:buNone/>
+            </a:pPr>
+            <a:r>
+              <a:rPr lang="en-US" sz="2000" dirty="0"/>
+              <a:t>unless you have already defined them. As a result, it’s remarkably easy to get a new micro-service up and</a:t>
+            </a:r>
+          </a:p>
+          <a:p>
+            <a:pPr marL="0" indent="0">
+              <a:buNone/>
+            </a:pPr>
+            <a:r>
+              <a:rPr lang="en-US" sz="2000" dirty="0"/>
+              <a:t>running with little or no configuration while preserving the ability to customize your application.</a:t>
+            </a:r>
+          </a:p>
+          <a:p>
+            <a:pPr marL="0" indent="0">
+              <a:buNone/>
+            </a:pPr>
+            <a:r>
+              <a:rPr lang="en-US" sz="2000" dirty="0"/>
+              <a:t>The second benefit of Spring Boot is that it simplifies deployment by letting you package your application as</a:t>
+            </a:r>
+          </a:p>
+          <a:p>
+            <a:pPr marL="0" indent="0">
+              <a:buNone/>
+            </a:pPr>
+            <a:r>
+              <a:rPr lang="en-US" sz="2000" dirty="0"/>
+              <a:t>an executable jar containing a pre-configured embedded web container (Tomcat or Jetty). This eliminates the</a:t>
+            </a:r>
+          </a:p>
+          <a:p>
+            <a:pPr marL="0" indent="0">
+              <a:buNone/>
+            </a:pPr>
+            <a:r>
+              <a:rPr lang="en-US" sz="2000" dirty="0"/>
+              <a:t>need to install and configure Tomcat or Jetty on your servers. Instead, to run your micro-service you simply</a:t>
+            </a:r>
+          </a:p>
+          <a:p>
+            <a:pPr marL="0" indent="0">
+              <a:buNone/>
+            </a:pPr>
+            <a:r>
+              <a:rPr lang="en-US" sz="2000" dirty="0"/>
+              <a:t>need to have Java installed. Moreover, the executable jar format provides uniform and self-contained way of</a:t>
+            </a:r>
+          </a:p>
+          <a:p>
+            <a:pPr marL="0" indent="0">
+              <a:buNone/>
+            </a:pPr>
+            <a:r>
+              <a:rPr lang="en-US" sz="2000" dirty="0"/>
+              <a:t>packaging and running JVM applications regardless of type, which simplifies operations. If necessary, you can,</a:t>
+            </a:r>
+          </a:p>
+          <a:p>
+            <a:pPr marL="0" indent="0">
+              <a:buNone/>
+            </a:pPr>
+            <a:r>
+              <a:rPr lang="en-US" sz="2000" dirty="0"/>
+              <a:t>however, configure Spring Boot to build a war file. Let’s illustrate these features by developing a Spring Boot</a:t>
+            </a:r>
+          </a:p>
+          <a:p>
+            <a:pPr marL="0" indent="0">
+              <a:buNone/>
+            </a:pPr>
+            <a:r>
+              <a:rPr lang="en-US" sz="2000" dirty="0"/>
+              <a:t>version of the user registration microservice</a:t>
+            </a:r>
+            <a:r>
+              <a:rPr lang="en-US" sz="2000" dirty="0" smtClean="0"/>
+              <a:t>.</a:t>
+            </a:r>
+          </a:p>
+          <a:p>
+            <a:endParaRPr lang="en-US" dirty="0"/>
+          </a:p>
+          <a:p>
+            <a:r>
+              <a:rPr lang="it-IT" dirty="0" smtClean="0"/>
+              <a:t>Spring </a:t>
+            </a:r>
+            <a:r>
+              <a:rPr lang="it-IT" dirty="0" err="1" smtClean="0"/>
+              <a:t>Clolud</a:t>
+            </a:r>
+            <a:r>
+              <a:rPr lang="it-IT" dirty="0" smtClean="0"/>
+              <a:t> </a:t>
+            </a:r>
+            <a:r>
+              <a:rPr lang="it-IT" dirty="0" err="1" smtClean="0"/>
+              <a:t>stream</a:t>
+            </a:r>
+            <a:r>
+              <a:rPr lang="it-IT" dirty="0" smtClean="0"/>
+              <a:t>	</a:t>
+            </a:r>
+          </a:p>
+          <a:p>
+            <a:pPr lvl="1"/>
+            <a:endParaRPr lang="it-IT" dirty="0" smtClean="0"/>
+          </a:p>
+          <a:p>
+            <a:endParaRPr lang="it-IT" dirty="0" smtClean="0"/>
+          </a:p>
+          <a:p>
+            <a:endParaRPr lang="it-IT" dirty="0"/>
+          </a:p>
+        </p:txBody>
+      </p:sp>
+    </p:spTree>
+    <p:extLst>
+      <p:ext uri="{BB962C8B-B14F-4D97-AF65-F5344CB8AC3E}">
+        <p14:creationId xmlns:p14="http://schemas.microsoft.com/office/powerpoint/2010/main" val="2936166252"/>
+      </p:ext>
+    </p:extLst>
+  </p:cSld>
+  <p:clrMapOvr>
+    <a:masterClrMapping/>
+  </p:clrMapOvr>
+  <p:transition/>
+  <p:timing>
+    <p:tnLst>
+      <p:par>
+        <p:cTn id="1" dur="indefinite" restart="never" nodeType="tmRoot"/>
+      </p:par>
+    </p:tnLst>
+  </p:timing>
+</p:sld>
+</file>
+
+<file path=ppt/slides/slide16.xml><?xml version="1.0" encoding="utf-8"?>
+<p:sld xmlns:a="http://schemas.openxmlformats.org/drawingml/2006/main" xmlns:r="http://schemas.openxmlformats.org/officeDocument/2006/relationships" xmlns:p="http://schemas.openxmlformats.org/presentationml/2006/main">
+  <p:cSld>
+    <p:spTree>
+      <p:nvGrpSpPr>
+        <p:cNvPr id="1" name=""/>
+        <p:cNvGrpSpPr/>
+        <p:nvPr/>
+      </p:nvGrpSpPr>
+      <p:grpSpPr>
+        <a:xfrm>
+          <a:off x="0" y="0"/>
+          <a:ext cx="0" cy="0"/>
+          <a:chOff x="0" y="0"/>
+          <a:chExt cx="0" cy="0"/>
+        </a:xfrm>
+      </p:grpSpPr>
       <p:grpSp>
         <p:nvGrpSpPr>
           <p:cNvPr id="8" name="Gruppo 7"/>
@@ -6394,7 +6706,7 @@
             </a:ln>
             <a:extLst>
               <a:ext uri="{909E8E84-426E-40DD-AFC4-6F175D3DCCD1}">
-                <a14:hiddenFill xmlns:a14="http://schemas.microsoft.com/office/drawing/2010/main" xmlns="">
+                <a14:hiddenFill xmlns:a14="http://schemas.microsoft.com/office/drawing/2010/main">
                   <a:noFill/>
                 </a14:hiddenFill>
               </a:ext>
@@ -6428,7 +6740,7 @@
             </a:ln>
             <a:extLst>
               <a:ext uri="{909E8E84-426E-40DD-AFC4-6F175D3DCCD1}">
-                <a14:hiddenFill xmlns:a14="http://schemas.microsoft.com/office/drawing/2010/main" xmlns="">
+                <a14:hiddenFill xmlns:a14="http://schemas.microsoft.com/office/drawing/2010/main">
                   <a:noFill/>
                 </a14:hiddenFill>
               </a:ext>
@@ -6462,7 +6774,7 @@
             </a:ln>
             <a:extLst>
               <a:ext uri="{909E8E84-426E-40DD-AFC4-6F175D3DCCD1}">
-                <a14:hiddenFill xmlns:a14="http://schemas.microsoft.com/office/drawing/2010/main" xmlns="">
+                <a14:hiddenFill xmlns:a14="http://schemas.microsoft.com/office/drawing/2010/main">
                   <a:noFill/>
                 </a14:hiddenFill>
               </a:ext>
@@ -6496,7 +6808,7 @@
             </a:ln>
             <a:extLst>
               <a:ext uri="{909E8E84-426E-40DD-AFC4-6F175D3DCCD1}">
-                <a14:hiddenFill xmlns:a14="http://schemas.microsoft.com/office/drawing/2010/main" xmlns="">
+                <a14:hiddenFill xmlns:a14="http://schemas.microsoft.com/office/drawing/2010/main">
                   <a:noFill/>
                 </a14:hiddenFill>
               </a:ext>
@@ -6530,7 +6842,7 @@
             </a:ln>
             <a:extLst>
               <a:ext uri="{909E8E84-426E-40DD-AFC4-6F175D3DCCD1}">
-                <a14:hiddenFill xmlns:a14="http://schemas.microsoft.com/office/drawing/2010/main" xmlns="">
+                <a14:hiddenFill xmlns:a14="http://schemas.microsoft.com/office/drawing/2010/main">
                   <a:noFill/>
                 </a14:hiddenFill>
               </a:ext>
@@ -6564,7 +6876,7 @@
             </a:ln>
             <a:extLst>
               <a:ext uri="{909E8E84-426E-40DD-AFC4-6F175D3DCCD1}">
-                <a14:hiddenFill xmlns:a14="http://schemas.microsoft.com/office/drawing/2010/main" xmlns="">
+                <a14:hiddenFill xmlns:a14="http://schemas.microsoft.com/office/drawing/2010/main">
                   <a:noFill/>
                 </a14:hiddenFill>
               </a:ext>
@@ -6598,7 +6910,7 @@
             </a:ln>
             <a:extLst>
               <a:ext uri="{909E8E84-426E-40DD-AFC4-6F175D3DCCD1}">
-                <a14:hiddenFill xmlns:a14="http://schemas.microsoft.com/office/drawing/2010/main" xmlns="">
+                <a14:hiddenFill xmlns:a14="http://schemas.microsoft.com/office/drawing/2010/main">
                   <a:noFill/>
                 </a14:hiddenFill>
               </a:ext>
@@ -6627,14 +6939,14 @@
             </a:ln>
             <a:extLst>
               <a:ext uri="{909E8E84-426E-40DD-AFC4-6F175D3DCCD1}">
-                <a14:hiddenFill xmlns:a14="http://schemas.microsoft.com/office/drawing/2010/main" xmlns="">
+                <a14:hiddenFill xmlns:a14="http://schemas.microsoft.com/office/drawing/2010/main">
                   <a:solidFill>
                     <a:srgbClr val="FFFFFF"/>
                   </a:solidFill>
                 </a14:hiddenFill>
               </a:ext>
               <a:ext uri="{91240B29-F687-4F45-9708-019B960494DF}">
-                <a14:hiddenLine xmlns:a14="http://schemas.microsoft.com/office/drawing/2010/main" xmlns="" w="9525">
+                <a14:hiddenLine xmlns:a14="http://schemas.microsoft.com/office/drawing/2010/main" w="9525">
                   <a:solidFill>
                     <a:srgbClr val="000000"/>
                   </a:solidFill>
@@ -6795,14 +7107,14 @@
             </a:ln>
             <a:extLst>
               <a:ext uri="{909E8E84-426E-40DD-AFC4-6F175D3DCCD1}">
-                <a14:hiddenFill xmlns:a14="http://schemas.microsoft.com/office/drawing/2010/main" xmlns="">
+                <a14:hiddenFill xmlns:a14="http://schemas.microsoft.com/office/drawing/2010/main">
                   <a:solidFill>
                     <a:srgbClr val="FFFFFF"/>
                   </a:solidFill>
                 </a14:hiddenFill>
               </a:ext>
               <a:ext uri="{91240B29-F687-4F45-9708-019B960494DF}">
-                <a14:hiddenLine xmlns:a14="http://schemas.microsoft.com/office/drawing/2010/main" xmlns="" w="9525">
+                <a14:hiddenLine xmlns:a14="http://schemas.microsoft.com/office/drawing/2010/main" w="9525">
                   <a:solidFill>
                     <a:srgbClr val="000000"/>
                   </a:solidFill>
@@ -6967,14 +7279,14 @@
             </a:ln>
             <a:extLst>
               <a:ext uri="{909E8E84-426E-40DD-AFC4-6F175D3DCCD1}">
-                <a14:hiddenFill xmlns:a14="http://schemas.microsoft.com/office/drawing/2010/main" xmlns="">
+                <a14:hiddenFill xmlns:a14="http://schemas.microsoft.com/office/drawing/2010/main">
                   <a:solidFill>
                     <a:srgbClr val="FFFFFF"/>
                   </a:solidFill>
                 </a14:hiddenFill>
               </a:ext>
               <a:ext uri="{91240B29-F687-4F45-9708-019B960494DF}">
-                <a14:hiddenLine xmlns:a14="http://schemas.microsoft.com/office/drawing/2010/main" xmlns="" w="9525">
+                <a14:hiddenLine xmlns:a14="http://schemas.microsoft.com/office/drawing/2010/main" w="9525">
                   <a:solidFill>
                     <a:srgbClr val="000000"/>
                   </a:solidFill>
@@ -7141,14 +7453,14 @@
             </a:ln>
             <a:extLst>
               <a:ext uri="{909E8E84-426E-40DD-AFC4-6F175D3DCCD1}">
-                <a14:hiddenFill xmlns:a14="http://schemas.microsoft.com/office/drawing/2010/main" xmlns="">
+                <a14:hiddenFill xmlns:a14="http://schemas.microsoft.com/office/drawing/2010/main">
                   <a:solidFill>
                     <a:srgbClr val="FFFFFF"/>
                   </a:solidFill>
                 </a14:hiddenFill>
               </a:ext>
               <a:ext uri="{91240B29-F687-4F45-9708-019B960494DF}">
-                <a14:hiddenLine xmlns:a14="http://schemas.microsoft.com/office/drawing/2010/main" xmlns="" w="9525">
+                <a14:hiddenLine xmlns:a14="http://schemas.microsoft.com/office/drawing/2010/main" w="9525">
                   <a:solidFill>
                     <a:srgbClr val="000000"/>
                   </a:solidFill>
@@ -7317,14 +7629,14 @@
             </a:ln>
             <a:extLst>
               <a:ext uri="{909E8E84-426E-40DD-AFC4-6F175D3DCCD1}">
-                <a14:hiddenFill xmlns:a14="http://schemas.microsoft.com/office/drawing/2010/main" xmlns="">
+                <a14:hiddenFill xmlns:a14="http://schemas.microsoft.com/office/drawing/2010/main">
                   <a:solidFill>
                     <a:srgbClr val="FFFFFF"/>
                   </a:solidFill>
                 </a14:hiddenFill>
               </a:ext>
               <a:ext uri="{91240B29-F687-4F45-9708-019B960494DF}">
-                <a14:hiddenLine xmlns:a14="http://schemas.microsoft.com/office/drawing/2010/main" xmlns="" w="9525">
+                <a14:hiddenLine xmlns:a14="http://schemas.microsoft.com/office/drawing/2010/main" w="9525">
                   <a:solidFill>
                     <a:srgbClr val="000000"/>
                   </a:solidFill>
@@ -7499,14 +7811,14 @@
             </a:ln>
             <a:extLst>
               <a:ext uri="{909E8E84-426E-40DD-AFC4-6F175D3DCCD1}">
-                <a14:hiddenFill xmlns:a14="http://schemas.microsoft.com/office/drawing/2010/main" xmlns="">
+                <a14:hiddenFill xmlns:a14="http://schemas.microsoft.com/office/drawing/2010/main">
                   <a:solidFill>
                     <a:srgbClr val="FFFFFF"/>
                   </a:solidFill>
                 </a14:hiddenFill>
               </a:ext>
               <a:ext uri="{91240B29-F687-4F45-9708-019B960494DF}">
-                <a14:hiddenLine xmlns:a14="http://schemas.microsoft.com/office/drawing/2010/main" xmlns="" w="9525">
+                <a14:hiddenLine xmlns:a14="http://schemas.microsoft.com/office/drawing/2010/main" w="9525">
                   <a:solidFill>
                     <a:srgbClr val="000000"/>
                   </a:solidFill>
@@ -7678,7 +7990,7 @@
             </a:ln>
             <a:extLst>
               <a:ext uri="{909E8E84-426E-40DD-AFC4-6F175D3DCCD1}">
-                <a14:hiddenFill xmlns:a14="http://schemas.microsoft.com/office/drawing/2010/main" xmlns="">
+                <a14:hiddenFill xmlns:a14="http://schemas.microsoft.com/office/drawing/2010/main">
                   <a:noFill/>
                 </a14:hiddenFill>
               </a:ext>
@@ -7707,14 +8019,14 @@
             </a:ln>
             <a:extLst>
               <a:ext uri="{909E8E84-426E-40DD-AFC4-6F175D3DCCD1}">
-                <a14:hiddenFill xmlns:a14="http://schemas.microsoft.com/office/drawing/2010/main" xmlns="">
+                <a14:hiddenFill xmlns:a14="http://schemas.microsoft.com/office/drawing/2010/main">
                   <a:solidFill>
                     <a:srgbClr val="FFFFFF"/>
                   </a:solidFill>
                 </a14:hiddenFill>
               </a:ext>
               <a:ext uri="{91240B29-F687-4F45-9708-019B960494DF}">
-                <a14:hiddenLine xmlns:a14="http://schemas.microsoft.com/office/drawing/2010/main" xmlns="" w="9525">
+                <a14:hiddenLine xmlns:a14="http://schemas.microsoft.com/office/drawing/2010/main" w="9525">
                   <a:solidFill>
                     <a:srgbClr val="000000"/>
                   </a:solidFill>
@@ -7886,7 +8198,7 @@
             </a:ln>
             <a:extLst>
               <a:ext uri="{909E8E84-426E-40DD-AFC4-6F175D3DCCD1}">
-                <a14:hiddenFill xmlns:a14="http://schemas.microsoft.com/office/drawing/2010/main" xmlns="">
+                <a14:hiddenFill xmlns:a14="http://schemas.microsoft.com/office/drawing/2010/main">
                   <a:noFill/>
                 </a14:hiddenFill>
               </a:ext>
@@ -7915,14 +8227,14 @@
             </a:ln>
             <a:extLst>
               <a:ext uri="{909E8E84-426E-40DD-AFC4-6F175D3DCCD1}">
-                <a14:hiddenFill xmlns:a14="http://schemas.microsoft.com/office/drawing/2010/main" xmlns="">
+                <a14:hiddenFill xmlns:a14="http://schemas.microsoft.com/office/drawing/2010/main">
                   <a:solidFill>
                     <a:srgbClr val="FFFFFF"/>
                   </a:solidFill>
                 </a14:hiddenFill>
               </a:ext>
               <a:ext uri="{91240B29-F687-4F45-9708-019B960494DF}">
-                <a14:hiddenLine xmlns:a14="http://schemas.microsoft.com/office/drawing/2010/main" xmlns="" w="9525">
+                <a14:hiddenLine xmlns:a14="http://schemas.microsoft.com/office/drawing/2010/main" w="9525">
                   <a:solidFill>
                     <a:srgbClr val="000000"/>
                   </a:solidFill>
@@ -8094,7 +8406,7 @@
             </a:ln>
             <a:extLst>
               <a:ext uri="{909E8E84-426E-40DD-AFC4-6F175D3DCCD1}">
-                <a14:hiddenFill xmlns:a14="http://schemas.microsoft.com/office/drawing/2010/main" xmlns="">
+                <a14:hiddenFill xmlns:a14="http://schemas.microsoft.com/office/drawing/2010/main">
                   <a:noFill/>
                 </a14:hiddenFill>
               </a:ext>
@@ -8123,14 +8435,14 @@
             </a:ln>
             <a:extLst>
               <a:ext uri="{909E8E84-426E-40DD-AFC4-6F175D3DCCD1}">
-                <a14:hiddenFill xmlns:a14="http://schemas.microsoft.com/office/drawing/2010/main" xmlns="">
+                <a14:hiddenFill xmlns:a14="http://schemas.microsoft.com/office/drawing/2010/main">
                   <a:solidFill>
                     <a:srgbClr val="FFFFFF"/>
                   </a:solidFill>
                 </a14:hiddenFill>
               </a:ext>
               <a:ext uri="{91240B29-F687-4F45-9708-019B960494DF}">
-                <a14:hiddenLine xmlns:a14="http://schemas.microsoft.com/office/drawing/2010/main" xmlns="" w="9525">
+                <a14:hiddenLine xmlns:a14="http://schemas.microsoft.com/office/drawing/2010/main" w="9525">
                   <a:solidFill>
                     <a:srgbClr val="000000"/>
                   </a:solidFill>
@@ -8302,7 +8614,7 @@
             </a:ln>
             <a:extLst>
               <a:ext uri="{909E8E84-426E-40DD-AFC4-6F175D3DCCD1}">
-                <a14:hiddenFill xmlns:a14="http://schemas.microsoft.com/office/drawing/2010/main" xmlns="">
+                <a14:hiddenFill xmlns:a14="http://schemas.microsoft.com/office/drawing/2010/main">
                   <a:noFill/>
                 </a14:hiddenFill>
               </a:ext>
@@ -8336,7 +8648,7 @@
             </a:ln>
             <a:extLst>
               <a:ext uri="{909E8E84-426E-40DD-AFC4-6F175D3DCCD1}">
-                <a14:hiddenFill xmlns:a14="http://schemas.microsoft.com/office/drawing/2010/main" xmlns="">
+                <a14:hiddenFill xmlns:a14="http://schemas.microsoft.com/office/drawing/2010/main">
                   <a:noFill/>
                 </a14:hiddenFill>
               </a:ext>
@@ -8365,14 +8677,14 @@
             </a:ln>
             <a:extLst>
               <a:ext uri="{909E8E84-426E-40DD-AFC4-6F175D3DCCD1}">
-                <a14:hiddenFill xmlns:a14="http://schemas.microsoft.com/office/drawing/2010/main" xmlns="">
+                <a14:hiddenFill xmlns:a14="http://schemas.microsoft.com/office/drawing/2010/main">
                   <a:solidFill>
                     <a:srgbClr val="FFFFFF"/>
                   </a:solidFill>
                 </a14:hiddenFill>
               </a:ext>
               <a:ext uri="{91240B29-F687-4F45-9708-019B960494DF}">
-                <a14:hiddenLine xmlns:a14="http://schemas.microsoft.com/office/drawing/2010/main" xmlns="" w="9525">
+                <a14:hiddenLine xmlns:a14="http://schemas.microsoft.com/office/drawing/2010/main" w="9525">
                   <a:solidFill>
                     <a:srgbClr val="000000"/>
                   </a:solidFill>
@@ -8533,14 +8845,14 @@
             </a:ln>
             <a:extLst>
               <a:ext uri="{909E8E84-426E-40DD-AFC4-6F175D3DCCD1}">
-                <a14:hiddenFill xmlns:a14="http://schemas.microsoft.com/office/drawing/2010/main" xmlns="">
+                <a14:hiddenFill xmlns:a14="http://schemas.microsoft.com/office/drawing/2010/main">
                   <a:solidFill>
                     <a:srgbClr val="FFFFFF"/>
                   </a:solidFill>
                 </a14:hiddenFill>
               </a:ext>
               <a:ext uri="{91240B29-F687-4F45-9708-019B960494DF}">
-                <a14:hiddenLine xmlns:a14="http://schemas.microsoft.com/office/drawing/2010/main" xmlns="" w="9525">
+                <a14:hiddenLine xmlns:a14="http://schemas.microsoft.com/office/drawing/2010/main" w="9525">
                   <a:solidFill>
                     <a:srgbClr val="000000"/>
                   </a:solidFill>
@@ -8786,7 +9098,7 @@
             </a:ln>
             <a:extLst>
               <a:ext uri="{909E8E84-426E-40DD-AFC4-6F175D3DCCD1}">
-                <a14:hiddenFill xmlns:a14="http://schemas.microsoft.com/office/drawing/2010/main" xmlns="">
+                <a14:hiddenFill xmlns:a14="http://schemas.microsoft.com/office/drawing/2010/main">
                   <a:noFill/>
                 </a14:hiddenFill>
               </a:ext>
@@ -8820,7 +9132,7 @@
             </a:ln>
             <a:extLst>
               <a:ext uri="{909E8E84-426E-40DD-AFC4-6F175D3DCCD1}">
-                <a14:hiddenFill xmlns:a14="http://schemas.microsoft.com/office/drawing/2010/main" xmlns="">
+                <a14:hiddenFill xmlns:a14="http://schemas.microsoft.com/office/drawing/2010/main">
                   <a:noFill/>
                 </a14:hiddenFill>
               </a:ext>
@@ -9838,118 +10150,6 @@
 </p:sld>
 </file>
 
-<file path=ppt/slides/slide16.xml><?xml version="1.0" encoding="utf-8"?>
-<p:sld xmlns:a="http://schemas.openxmlformats.org/drawingml/2006/main" xmlns:r="http://schemas.openxmlformats.org/officeDocument/2006/relationships" xmlns:p="http://schemas.openxmlformats.org/presentationml/2006/main">
-  <p:cSld>
-    <p:spTree>
-      <p:nvGrpSpPr>
-        <p:cNvPr id="1" name=""/>
-        <p:cNvGrpSpPr/>
-        <p:nvPr/>
-      </p:nvGrpSpPr>
-      <p:grpSpPr>
-        <a:xfrm>
-          <a:off x="0" y="0"/>
-          <a:ext cx="0" cy="0"/>
-          <a:chOff x="0" y="0"/>
-          <a:chExt cx="0" cy="0"/>
-        </a:xfrm>
-      </p:grpSpPr>
-      <p:sp>
-        <p:nvSpPr>
-          <p:cNvPr id="2" name="Titolo 1"/>
-          <p:cNvSpPr>
-            <a:spLocks noGrp="1"/>
-          </p:cNvSpPr>
-          <p:nvPr>
-            <p:ph type="title"/>
-          </p:nvPr>
-        </p:nvSpPr>
-        <p:spPr/>
-        <p:txBody>
-          <a:bodyPr/>
-          <a:lstStyle/>
-          <a:p>
-            <a:r>
-              <a:rPr lang="it-IT" dirty="0" err="1" smtClean="0"/>
-              <a:t>Lifecycle</a:t>
-            </a:r>
-            <a:r>
-              <a:rPr lang="it-IT" dirty="0" smtClean="0"/>
-              <a:t> </a:t>
-            </a:r>
-            <a:r>
-              <a:rPr lang="it-IT" dirty="0" err="1" smtClean="0"/>
-              <a:t>process</a:t>
-            </a:r>
-            <a:endParaRPr lang="it-IT" dirty="0"/>
-          </a:p>
-        </p:txBody>
-      </p:sp>
-      <p:sp>
-        <p:nvSpPr>
-          <p:cNvPr id="3" name="Segnaposto contenuto 2"/>
-          <p:cNvSpPr>
-            <a:spLocks noGrp="1"/>
-          </p:cNvSpPr>
-          <p:nvPr>
-            <p:ph idx="1"/>
-          </p:nvPr>
-        </p:nvSpPr>
-        <p:spPr/>
-        <p:txBody>
-          <a:bodyPr/>
-          <a:lstStyle/>
-          <a:p>
-            <a:r>
-              <a:rPr lang="it-IT" dirty="0" smtClean="0"/>
-              <a:t>DEVELOPMENT / UNIT TEST</a:t>
-            </a:r>
-          </a:p>
-          <a:p>
-            <a:r>
-              <a:rPr lang="it-IT" dirty="0" smtClean="0"/>
-              <a:t>INTEGRATION TEST</a:t>
-            </a:r>
-          </a:p>
-          <a:p>
-            <a:r>
-              <a:rPr lang="it-IT" dirty="0" smtClean="0"/>
-              <a:t>QUALITY ASSURANCE</a:t>
-            </a:r>
-          </a:p>
-          <a:p>
-            <a:r>
-              <a:rPr lang="it-IT" dirty="0" smtClean="0"/>
-              <a:t>PRODUCTION</a:t>
-            </a:r>
-          </a:p>
-          <a:p>
-            <a:endParaRPr lang="it-IT" dirty="0"/>
-          </a:p>
-        </p:txBody>
-      </p:sp>
-    </p:spTree>
-    <p:extLst>
-      <p:ext uri="{BB962C8B-B14F-4D97-AF65-F5344CB8AC3E}">
-        <p14:creationId xmlns:p14="http://schemas.microsoft.com/office/powerpoint/2010/main" xmlns="" val="2936166252"/>
-      </p:ext>
-    </p:extLst>
-  </p:cSld>
-  <p:clrMapOvr>
-    <a:masterClrMapping/>
-  </p:clrMapOvr>
-  <p:transition/>
-  <p:timing>
-    <p:tnLst>
-      <p:par>
-        <p:cTn id="1" dur="indefinite" restart="never" nodeType="tmRoot"/>
-      </p:par>
-    </p:tnLst>
-  </p:timing>
-</p:sld>
-</file>
-
 <file path=ppt/slides/slide17.xml><?xml version="1.0" encoding="utf-8"?>
 <p:sld xmlns:a="http://schemas.openxmlformats.org/drawingml/2006/main" xmlns:r="http://schemas.openxmlformats.org/officeDocument/2006/relationships" xmlns:p="http://schemas.openxmlformats.org/presentationml/2006/main">
   <p:cSld>
@@ -9983,8 +10183,16 @@
           <a:lstStyle/>
           <a:p>
             <a:r>
+              <a:rPr lang="it-IT" dirty="0" err="1" smtClean="0"/>
+              <a:t>Lifecycle</a:t>
+            </a:r>
+            <a:r>
               <a:rPr lang="it-IT" dirty="0" smtClean="0"/>
-              <a:t>DEVELOPMENT / UNIT TEST</a:t>
+              <a:t> </a:t>
+            </a:r>
+            <a:r>
+              <a:rPr lang="it-IT" dirty="0" err="1" smtClean="0"/>
+              <a:t>process</a:t>
             </a:r>
             <a:endParaRPr lang="it-IT" dirty="0"/>
           </a:p>
@@ -10007,7 +10215,25 @@
           <a:p>
             <a:r>
               <a:rPr lang="it-IT" dirty="0" smtClean="0"/>
-              <a:t> </a:t>
+              <a:t>DEVELOPMENT / UNIT TEST</a:t>
+            </a:r>
+          </a:p>
+          <a:p>
+            <a:r>
+              <a:rPr lang="it-IT" dirty="0" smtClean="0"/>
+              <a:t>INTEGRATION TEST</a:t>
+            </a:r>
+          </a:p>
+          <a:p>
+            <a:r>
+              <a:rPr lang="it-IT" dirty="0" smtClean="0"/>
+              <a:t>QUALITY ASSURANCE</a:t>
+            </a:r>
+          </a:p>
+          <a:p>
+            <a:r>
+              <a:rPr lang="it-IT" dirty="0" smtClean="0"/>
+              <a:t>PRODUCTION</a:t>
             </a:r>
           </a:p>
           <a:p>
@@ -10018,7 +10244,7 @@
     </p:spTree>
     <p:extLst>
       <p:ext uri="{BB962C8B-B14F-4D97-AF65-F5344CB8AC3E}">
-        <p14:creationId xmlns:p14="http://schemas.microsoft.com/office/powerpoint/2010/main" xmlns="" val="2341997884"/>
+        <p14:creationId xmlns:p14="http://schemas.microsoft.com/office/powerpoint/2010/main" val="1651925056"/>
       </p:ext>
     </p:extLst>
   </p:cSld>
@@ -10070,7 +10296,7 @@
           <a:p>
             <a:r>
               <a:rPr lang="it-IT" dirty="0" smtClean="0"/>
-              <a:t>INTEGRATION TEST</a:t>
+              <a:t>DEVELOPMENT / UNIT TEST</a:t>
             </a:r>
             <a:endParaRPr lang="it-IT" dirty="0"/>
           </a:p>
@@ -10104,7 +10330,7 @@
     </p:spTree>
     <p:extLst>
       <p:ext uri="{BB962C8B-B14F-4D97-AF65-F5344CB8AC3E}">
-        <p14:creationId xmlns:p14="http://schemas.microsoft.com/office/powerpoint/2010/main" xmlns="" val="3161300423"/>
+        <p14:creationId xmlns:p14="http://schemas.microsoft.com/office/powerpoint/2010/main" val="2341997884"/>
       </p:ext>
     </p:extLst>
   </p:cSld>
@@ -10156,7 +10382,7 @@
           <a:p>
             <a:r>
               <a:rPr lang="it-IT" dirty="0" smtClean="0"/>
-              <a:t>QUALITY ASSURANCE</a:t>
+              <a:t>INTEGRATION TEST</a:t>
             </a:r>
             <a:endParaRPr lang="it-IT" dirty="0"/>
           </a:p>
@@ -10178,248 +10404,6 @@
           <a:lstStyle/>
           <a:p>
             <a:r>
-              <a:rPr lang="it-IT" dirty="0" err="1" smtClean="0"/>
-              <a:t>Docker</a:t>
-            </a:r>
-            <a:endParaRPr lang="it-IT" dirty="0" smtClean="0"/>
-          </a:p>
-          <a:p>
-            <a:pPr lvl="1"/>
-            <a:r>
-              <a:rPr lang="it-IT" dirty="0" err="1" smtClean="0"/>
-              <a:t>Description</a:t>
-            </a:r>
-            <a:endParaRPr lang="it-IT" dirty="0" smtClean="0"/>
-          </a:p>
-          <a:p>
-            <a:pPr lvl="1"/>
-            <a:r>
-              <a:rPr lang="it-IT" dirty="0" err="1" smtClean="0"/>
-              <a:t>Images</a:t>
-            </a:r>
-            <a:endParaRPr lang="it-IT" dirty="0" smtClean="0"/>
-          </a:p>
-          <a:p>
-            <a:pPr lvl="1"/>
-            <a:r>
-              <a:rPr lang="it-IT" dirty="0" smtClean="0"/>
-              <a:t>Container</a:t>
-            </a:r>
-          </a:p>
-          <a:p>
-            <a:pPr lvl="1"/>
-            <a:r>
-              <a:rPr lang="it-IT" dirty="0" err="1" smtClean="0"/>
-              <a:t>Porpouse</a:t>
-            </a:r>
-            <a:endParaRPr lang="it-IT" dirty="0" smtClean="0"/>
-          </a:p>
-          <a:p>
-            <a:pPr lvl="2"/>
-            <a:r>
-              <a:rPr lang="it-IT" dirty="0" err="1" smtClean="0"/>
-              <a:t>Specific</a:t>
-            </a:r>
-            <a:r>
-              <a:rPr lang="it-IT" dirty="0" smtClean="0"/>
-              <a:t> database </a:t>
-            </a:r>
-            <a:r>
-              <a:rPr lang="it-IT" dirty="0" err="1" smtClean="0"/>
-              <a:t>images</a:t>
-            </a:r>
-            <a:r>
-              <a:rPr lang="it-IT" dirty="0" smtClean="0"/>
-              <a:t> </a:t>
-            </a:r>
-            <a:r>
-              <a:rPr lang="it-IT" dirty="0" err="1" smtClean="0"/>
-              <a:t>with</a:t>
-            </a:r>
-            <a:r>
-              <a:rPr lang="it-IT" dirty="0" smtClean="0"/>
-              <a:t> data </a:t>
-            </a:r>
-            <a:r>
-              <a:rPr lang="it-IT" dirty="0" err="1" smtClean="0"/>
-              <a:t>ready</a:t>
-            </a:r>
-            <a:r>
-              <a:rPr lang="it-IT" dirty="0" smtClean="0"/>
-              <a:t> </a:t>
-            </a:r>
-            <a:r>
-              <a:rPr lang="it-IT" dirty="0" err="1" smtClean="0"/>
-              <a:t>to</a:t>
-            </a:r>
-            <a:r>
-              <a:rPr lang="it-IT" dirty="0" smtClean="0"/>
-              <a:t> </a:t>
-            </a:r>
-            <a:r>
-              <a:rPr lang="it-IT" dirty="0" err="1" smtClean="0"/>
-              <a:t>be</a:t>
-            </a:r>
-            <a:r>
-              <a:rPr lang="it-IT" dirty="0" smtClean="0"/>
-              <a:t> </a:t>
-            </a:r>
-            <a:r>
-              <a:rPr lang="it-IT" dirty="0" err="1" smtClean="0"/>
-              <a:t>used</a:t>
-            </a:r>
-            <a:r>
-              <a:rPr lang="it-IT" dirty="0" smtClean="0"/>
-              <a:t> </a:t>
-            </a:r>
-            <a:r>
-              <a:rPr lang="it-IT" dirty="0" err="1" smtClean="0"/>
-              <a:t>for</a:t>
-            </a:r>
-            <a:r>
-              <a:rPr lang="it-IT" dirty="0" smtClean="0"/>
-              <a:t> </a:t>
-            </a:r>
-            <a:r>
-              <a:rPr lang="it-IT" dirty="0" err="1" smtClean="0"/>
-              <a:t>specific</a:t>
-            </a:r>
-            <a:r>
-              <a:rPr lang="it-IT" dirty="0" smtClean="0"/>
-              <a:t> </a:t>
-            </a:r>
-            <a:r>
-              <a:rPr lang="it-IT" dirty="0" err="1" smtClean="0"/>
-              <a:t>unit</a:t>
-            </a:r>
-            <a:r>
-              <a:rPr lang="it-IT" dirty="0" smtClean="0"/>
-              <a:t> or </a:t>
-            </a:r>
-            <a:r>
-              <a:rPr lang="it-IT" dirty="0" err="1" smtClean="0"/>
-              <a:t>integration</a:t>
-            </a:r>
-            <a:r>
-              <a:rPr lang="it-IT" dirty="0" smtClean="0"/>
-              <a:t> </a:t>
-            </a:r>
-            <a:r>
-              <a:rPr lang="it-IT" dirty="0" err="1" smtClean="0"/>
-              <a:t>tests</a:t>
-            </a:r>
-            <a:endParaRPr lang="it-IT" dirty="0" smtClean="0"/>
-          </a:p>
-          <a:p>
-            <a:pPr lvl="2"/>
-            <a:r>
-              <a:rPr lang="it-IT" dirty="0" err="1" smtClean="0"/>
-              <a:t>Improve</a:t>
-            </a:r>
-            <a:r>
-              <a:rPr lang="it-IT" dirty="0" smtClean="0"/>
-              <a:t> the </a:t>
-            </a:r>
-            <a:r>
-              <a:rPr lang="it-IT" dirty="0" err="1" smtClean="0"/>
-              <a:t>response</a:t>
-            </a:r>
-            <a:r>
-              <a:rPr lang="it-IT" dirty="0" smtClean="0"/>
-              <a:t> </a:t>
-            </a:r>
-            <a:r>
-              <a:rPr lang="it-IT" dirty="0" err="1" smtClean="0"/>
-              <a:t>to</a:t>
-            </a:r>
-            <a:r>
-              <a:rPr lang="it-IT" dirty="0" smtClean="0"/>
-              <a:t> </a:t>
-            </a:r>
-            <a:r>
-              <a:rPr lang="it-IT" dirty="0" err="1" smtClean="0"/>
-              <a:t>critic</a:t>
-            </a:r>
-            <a:r>
-              <a:rPr lang="it-IT" dirty="0" smtClean="0"/>
-              <a:t> bug fixing and </a:t>
-            </a:r>
-            <a:r>
-              <a:rPr lang="it-IT" dirty="0" err="1" smtClean="0"/>
-              <a:t>realize</a:t>
-            </a:r>
-            <a:r>
-              <a:rPr lang="it-IT" dirty="0" smtClean="0"/>
-              <a:t> a </a:t>
-            </a:r>
-            <a:r>
-              <a:rPr lang="it-IT" dirty="0" err="1" smtClean="0"/>
-              <a:t>faster</a:t>
-            </a:r>
-            <a:r>
-              <a:rPr lang="it-IT" dirty="0" smtClean="0"/>
-              <a:t> fixing</a:t>
-            </a:r>
-          </a:p>
-          <a:p>
-            <a:pPr lvl="2"/>
-            <a:r>
-              <a:rPr lang="it-IT" dirty="0" err="1" smtClean="0"/>
-              <a:t>Collection</a:t>
-            </a:r>
-            <a:r>
-              <a:rPr lang="it-IT" dirty="0" smtClean="0"/>
-              <a:t> </a:t>
-            </a:r>
-            <a:r>
-              <a:rPr lang="it-IT" dirty="0" err="1" smtClean="0"/>
-              <a:t>of</a:t>
-            </a:r>
-            <a:r>
-              <a:rPr lang="it-IT" dirty="0" smtClean="0"/>
-              <a:t> </a:t>
-            </a:r>
-            <a:r>
-              <a:rPr lang="it-IT" dirty="0" err="1" smtClean="0"/>
-              <a:t>specific</a:t>
-            </a:r>
-            <a:r>
-              <a:rPr lang="it-IT" dirty="0" smtClean="0"/>
-              <a:t> container </a:t>
-            </a:r>
-            <a:r>
-              <a:rPr lang="it-IT" dirty="0" err="1" smtClean="0"/>
-              <a:t>to</a:t>
-            </a:r>
-            <a:r>
-              <a:rPr lang="it-IT" dirty="0" smtClean="0"/>
-              <a:t> face </a:t>
-            </a:r>
-            <a:r>
-              <a:rPr lang="it-IT" dirty="0" err="1" smtClean="0"/>
-              <a:t>different</a:t>
-            </a:r>
-            <a:r>
-              <a:rPr lang="it-IT" dirty="0" smtClean="0"/>
-              <a:t> bug fixing or non </a:t>
-            </a:r>
-            <a:r>
-              <a:rPr lang="it-IT" dirty="0" err="1" smtClean="0"/>
-              <a:t>regression</a:t>
-            </a:r>
-            <a:r>
-              <a:rPr lang="it-IT" dirty="0" smtClean="0"/>
-              <a:t> </a:t>
-            </a:r>
-            <a:r>
-              <a:rPr lang="it-IT" dirty="0" err="1" smtClean="0"/>
-              <a:t>scenarios</a:t>
-            </a:r>
-            <a:endParaRPr lang="it-IT" dirty="0" smtClean="0"/>
-          </a:p>
-          <a:p>
-            <a:pPr lvl="2"/>
-            <a:r>
               <a:rPr lang="it-IT" dirty="0" smtClean="0"/>
               <a:t> </a:t>
             </a:r>
@@ -10432,7 +10416,7 @@
     </p:spTree>
     <p:extLst>
       <p:ext uri="{BB962C8B-B14F-4D97-AF65-F5344CB8AC3E}">
-        <p14:creationId xmlns:p14="http://schemas.microsoft.com/office/powerpoint/2010/main" xmlns="" val="880952961"/>
+        <p14:creationId xmlns:p14="http://schemas.microsoft.com/office/powerpoint/2010/main" val="3161300423"/>
       </p:ext>
     </p:extLst>
   </p:cSld>
@@ -10561,8 +10545,8 @@
           <a:lstStyle/>
           <a:p>
             <a:r>
-              <a:rPr lang="it-IT" dirty="0" smtClean="0"/>
-              <a:t>QUALITY ASSURANCE</a:t>
+              <a:rPr lang="it-IT" dirty="0" err="1" smtClean="0"/>
+              <a:t>Docker</a:t>
             </a:r>
             <a:endParaRPr lang="it-IT" dirty="0"/>
           </a:p>
@@ -10584,30 +10568,255 @@
           <a:lstStyle/>
           <a:p>
             <a:r>
-              <a:rPr lang="it-IT" dirty="0" err="1" smtClean="0"/>
+              <a:rPr lang="it-IT" sz="2800" dirty="0" smtClean="0"/>
+              <a:t> </a:t>
+            </a:r>
+            <a:r>
+              <a:rPr lang="it-IT" sz="2800" dirty="0" err="1"/>
+              <a:t>Introduction</a:t>
+            </a:r>
+            <a:r>
+              <a:rPr lang="it-IT" sz="2800" dirty="0"/>
+              <a:t> to </a:t>
+            </a:r>
+            <a:r>
+              <a:rPr lang="it-IT" sz="2800" dirty="0" err="1"/>
               <a:t>Docker</a:t>
             </a:r>
-            <a:r>
-              <a:rPr lang="it-IT" dirty="0" smtClean="0"/>
-              <a:t> Hub</a:t>
-            </a:r>
-          </a:p>
-          <a:p>
-            <a:r>
-              <a:rPr lang="it-IT" smtClean="0"/>
-              <a:t>Jenkins@openshift </a:t>
-            </a:r>
-            <a:endParaRPr lang="it-IT" dirty="0" smtClean="0"/>
-          </a:p>
-          <a:p>
-            <a:endParaRPr lang="it-IT" dirty="0"/>
+            <a:endParaRPr lang="it-IT" sz="2800" dirty="0"/>
+          </a:p>
+          <a:p>
+            <a:pPr marL="0" indent="0">
+              <a:buNone/>
+            </a:pPr>
+            <a:r>
+              <a:rPr lang="en-US" sz="2800" dirty="0" err="1"/>
+              <a:t>Docker</a:t>
+            </a:r>
+            <a:r>
+              <a:rPr lang="en-US" sz="2800" dirty="0"/>
+              <a:t> is a new way to containerize applications that is becomingly increasingly popular. It allows you to</a:t>
+            </a:r>
+          </a:p>
+          <a:p>
+            <a:pPr marL="0" indent="0">
+              <a:buNone/>
+            </a:pPr>
+            <a:r>
+              <a:rPr lang="en-US" sz="2800" dirty="0"/>
+              <a:t>package a microservice in a standardized portable format that’s independent of the technology used to</a:t>
+            </a:r>
+          </a:p>
+          <a:p>
+            <a:pPr marL="0" indent="0">
+              <a:buNone/>
+            </a:pPr>
+            <a:r>
+              <a:rPr lang="en-US" sz="2800" dirty="0"/>
+              <a:t>implement the service. At runtime it provides a high degree of isolation between different services. However,</a:t>
+            </a:r>
+          </a:p>
+          <a:p>
+            <a:pPr marL="0" indent="0">
+              <a:buNone/>
+            </a:pPr>
+            <a:r>
+              <a:rPr lang="en-US" sz="2800" dirty="0"/>
+              <a:t>unlike virtual machines, </a:t>
+            </a:r>
+            <a:r>
+              <a:rPr lang="en-US" sz="2800" dirty="0" err="1"/>
+              <a:t>Docker</a:t>
+            </a:r>
+            <a:r>
+              <a:rPr lang="en-US" sz="2800" dirty="0"/>
+              <a:t> containers are extremely lightweight and as a result can be built and started</a:t>
+            </a:r>
+          </a:p>
+          <a:p>
+            <a:pPr marL="0" indent="0">
+              <a:buNone/>
+            </a:pPr>
+            <a:r>
+              <a:rPr lang="en-US" sz="2800" dirty="0"/>
+              <a:t>extremely quickly. A container can typically be built in just a few seconds and starting a container simply</a:t>
+            </a:r>
+          </a:p>
+          <a:p>
+            <a:pPr marL="0" indent="0">
+              <a:buNone/>
+            </a:pPr>
+            <a:r>
+              <a:rPr lang="en-US" sz="2800" dirty="0"/>
+              <a:t>consists of starting the service’s process(</a:t>
+            </a:r>
+            <a:r>
+              <a:rPr lang="en-US" sz="2800" dirty="0" err="1"/>
+              <a:t>es</a:t>
+            </a:r>
+            <a:r>
+              <a:rPr lang="en-US" sz="2800" dirty="0"/>
+              <a:t>).</a:t>
+            </a:r>
+          </a:p>
+          <a:p>
+            <a:pPr marL="0" indent="0">
+              <a:buNone/>
+            </a:pPr>
+            <a:r>
+              <a:rPr lang="en-US" sz="2800" dirty="0" err="1"/>
+              <a:t>Docker</a:t>
+            </a:r>
+            <a:r>
+              <a:rPr lang="en-US" sz="2800" dirty="0"/>
+              <a:t> runs on a variety of platforms. It runs natively on Linux. You can also run </a:t>
+            </a:r>
+            <a:r>
+              <a:rPr lang="en-US" sz="2800" dirty="0" err="1"/>
+              <a:t>Docker</a:t>
+            </a:r>
+            <a:r>
+              <a:rPr lang="en-US" sz="2800" dirty="0"/>
+              <a:t> on Windows and Mac</a:t>
+            </a:r>
+          </a:p>
+          <a:p>
+            <a:pPr marL="0" indent="0">
+              <a:buNone/>
+            </a:pPr>
+            <a:r>
+              <a:rPr lang="en-US" sz="2800" dirty="0"/>
+              <a:t>OSX using Boot2Docker, which runs the </a:t>
+            </a:r>
+            <a:r>
+              <a:rPr lang="en-US" sz="2800" dirty="0" err="1"/>
+              <a:t>Docker</a:t>
+            </a:r>
+            <a:r>
+              <a:rPr lang="en-US" sz="2800" dirty="0"/>
+              <a:t> daemon in a </a:t>
+            </a:r>
+            <a:r>
+              <a:rPr lang="en-US" sz="2800" dirty="0" err="1"/>
+              <a:t>VirtualBox</a:t>
+            </a:r>
+            <a:r>
+              <a:rPr lang="en-US" sz="2800" dirty="0"/>
+              <a:t> VM. Some clouds also have added</a:t>
+            </a:r>
+          </a:p>
+          <a:p>
+            <a:pPr marL="0" indent="0">
+              <a:buNone/>
+            </a:pPr>
+            <a:r>
+              <a:rPr lang="en-US" sz="2800" dirty="0"/>
+              <a:t>extra support for </a:t>
+            </a:r>
+            <a:r>
+              <a:rPr lang="en-US" sz="2800" dirty="0" err="1"/>
+              <a:t>Docker</a:t>
+            </a:r>
+            <a:r>
+              <a:rPr lang="en-US" sz="2800" dirty="0"/>
+              <a:t>. For example, not only can you run </a:t>
+            </a:r>
+            <a:r>
+              <a:rPr lang="en-US" sz="2800" dirty="0" err="1"/>
+              <a:t>Docker</a:t>
+            </a:r>
+            <a:r>
+              <a:rPr lang="en-US" sz="2800" dirty="0"/>
+              <a:t> inside your EC2 instances but you can also</a:t>
+            </a:r>
+          </a:p>
+          <a:p>
+            <a:pPr marL="0" indent="0">
+              <a:buNone/>
+            </a:pPr>
+            <a:r>
+              <a:rPr lang="en-US" sz="2800" dirty="0"/>
+              <a:t>use Elastic Beanstalk to run </a:t>
+            </a:r>
+            <a:r>
+              <a:rPr lang="en-US" sz="2800" dirty="0" err="1"/>
+              <a:t>Docker</a:t>
+            </a:r>
+            <a:r>
+              <a:rPr lang="en-US" sz="2800" dirty="0"/>
+              <a:t> containers. Amazon also recently announced the Amazon EC2 Container</a:t>
+            </a:r>
+          </a:p>
+          <a:p>
+            <a:pPr marL="0" indent="0">
+              <a:buNone/>
+            </a:pPr>
+            <a:r>
+              <a:rPr lang="en-US" sz="2800" dirty="0"/>
+              <a:t>Service, which is a hosted </a:t>
+            </a:r>
+            <a:r>
+              <a:rPr lang="en-US" sz="2800" dirty="0" err="1"/>
+              <a:t>Docker</a:t>
+            </a:r>
+            <a:r>
+              <a:rPr lang="en-US" sz="2800" dirty="0"/>
+              <a:t> container management service. Google Cloud also has support for </a:t>
+            </a:r>
+            <a:r>
+              <a:rPr lang="en-US" sz="2800" dirty="0" err="1"/>
+              <a:t>Docker</a:t>
+            </a:r>
+            <a:r>
+              <a:rPr lang="en-US" sz="2800" dirty="0"/>
+              <a:t>.</a:t>
+            </a:r>
+          </a:p>
+          <a:p>
+            <a:pPr marL="0" indent="0">
+              <a:buNone/>
+            </a:pPr>
+            <a:r>
+              <a:rPr lang="en-US" sz="2800" dirty="0"/>
+              <a:t>The two main </a:t>
+            </a:r>
+            <a:r>
+              <a:rPr lang="en-US" sz="2800" dirty="0" err="1"/>
+              <a:t>Docker</a:t>
+            </a:r>
+            <a:r>
+              <a:rPr lang="en-US" sz="2800" dirty="0"/>
+              <a:t> concepts are image, which is a portable application packaging format, and container,</a:t>
+            </a:r>
+          </a:p>
+          <a:p>
+            <a:pPr marL="0" indent="0">
+              <a:buNone/>
+            </a:pPr>
+            <a:r>
+              <a:rPr lang="en-US" sz="2800" dirty="0"/>
+              <a:t>which is a running image and consists of one or more sandboxed processes. Let’s first look at how images</a:t>
+            </a:r>
+          </a:p>
+          <a:p>
+            <a:pPr marL="0" indent="0">
+              <a:buNone/>
+            </a:pPr>
+            <a:r>
+              <a:rPr lang="it-IT" sz="2800" dirty="0"/>
+              <a:t>work.</a:t>
+            </a:r>
+            <a:endParaRPr lang="it-IT" sz="2800" dirty="0" smtClean="0"/>
+          </a:p>
+          <a:p>
+            <a:endParaRPr lang="it-IT" sz="2800" dirty="0"/>
           </a:p>
         </p:txBody>
       </p:sp>
     </p:spTree>
     <p:extLst>
       <p:ext uri="{BB962C8B-B14F-4D97-AF65-F5344CB8AC3E}">
-        <p14:creationId xmlns:p14="http://schemas.microsoft.com/office/powerpoint/2010/main" xmlns="" val="3205254146"/>
+        <p14:creationId xmlns:p14="http://schemas.microsoft.com/office/powerpoint/2010/main" val="1828915050"/>
       </p:ext>
     </p:extLst>
   </p:cSld>
@@ -10658,8 +10867,8 @@
           <a:lstStyle/>
           <a:p>
             <a:r>
-              <a:rPr lang="it-IT" dirty="0" smtClean="0"/>
-              <a:t>PRODUCTION</a:t>
+              <a:rPr lang="it-IT" dirty="0" err="1" smtClean="0"/>
+              <a:t>Docker</a:t>
             </a:r>
             <a:endParaRPr lang="it-IT" dirty="0"/>
           </a:p>
@@ -10681,40 +10890,255 @@
           <a:lstStyle/>
           <a:p>
             <a:r>
-              <a:rPr lang="it-IT" dirty="0" err="1" smtClean="0"/>
-              <a:t>Pivotal</a:t>
-            </a:r>
-            <a:r>
-              <a:rPr lang="it-IT" dirty="0" smtClean="0"/>
-              <a:t> Web Services</a:t>
-            </a:r>
-          </a:p>
-          <a:p>
-            <a:r>
-              <a:rPr lang="it-IT" dirty="0" smtClean="0"/>
-              <a:t>Database </a:t>
-            </a:r>
-            <a:r>
-              <a:rPr lang="it-IT" dirty="0" err="1" smtClean="0"/>
-              <a:t>as</a:t>
-            </a:r>
-            <a:r>
-              <a:rPr lang="it-IT" dirty="0" smtClean="0"/>
-              <a:t> a Service Pattern</a:t>
-            </a:r>
-          </a:p>
-          <a:p>
-            <a:endParaRPr lang="it-IT" dirty="0" smtClean="0"/>
-          </a:p>
-          <a:p>
-            <a:endParaRPr lang="it-IT" dirty="0"/>
+              <a:rPr lang="it-IT" sz="2800" dirty="0" err="1" smtClean="0"/>
+              <a:t>Docker</a:t>
+            </a:r>
+            <a:r>
+              <a:rPr lang="it-IT" sz="2800" dirty="0" smtClean="0"/>
+              <a:t> image</a:t>
+            </a:r>
+          </a:p>
+          <a:p>
+            <a:pPr marL="0" indent="0">
+              <a:buNone/>
+            </a:pPr>
+            <a:r>
+              <a:rPr lang="en-US" sz="1800" dirty="0" smtClean="0"/>
+              <a:t>A </a:t>
+            </a:r>
+            <a:r>
+              <a:rPr lang="en-US" sz="1800" dirty="0" err="1"/>
+              <a:t>Docker</a:t>
+            </a:r>
+            <a:r>
+              <a:rPr lang="en-US" sz="1800" dirty="0"/>
+              <a:t> image is read-only file system image of an operating system and an application. It’s analogous to an</a:t>
+            </a:r>
+          </a:p>
+          <a:p>
+            <a:pPr marL="0" indent="0">
+              <a:buNone/>
+            </a:pPr>
+            <a:r>
+              <a:rPr lang="en-US" sz="1800" dirty="0"/>
+              <a:t>AWS EC2 AMI. An image is self-contained and will run on any </a:t>
+            </a:r>
+            <a:r>
+              <a:rPr lang="en-US" sz="1800" dirty="0" err="1"/>
+              <a:t>Docker</a:t>
+            </a:r>
+            <a:r>
+              <a:rPr lang="en-US" sz="1800" dirty="0"/>
+              <a:t> installation. You can create an image</a:t>
+            </a:r>
+          </a:p>
+          <a:p>
+            <a:pPr marL="0" indent="0">
+              <a:buNone/>
+            </a:pPr>
+            <a:r>
+              <a:rPr lang="en-US" sz="1800" dirty="0"/>
+              <a:t>from scratch but normally an image is created by starting a container from existing base image, installing</a:t>
+            </a:r>
+          </a:p>
+          <a:p>
+            <a:pPr marL="0" indent="0">
+              <a:buNone/>
+            </a:pPr>
+            <a:r>
+              <a:rPr lang="en-US" sz="1800" dirty="0"/>
+              <a:t>applications by executing the same kinds of commands you would use when configuring a regular machine,</a:t>
+            </a:r>
+          </a:p>
+          <a:p>
+            <a:pPr marL="0" indent="0">
+              <a:buNone/>
+            </a:pPr>
+            <a:r>
+              <a:rPr lang="en-US" sz="1800" dirty="0"/>
+              <a:t>such as apt-get install –y and then saving the container as a new image. For example, to create an image</a:t>
+            </a:r>
+          </a:p>
+          <a:p>
+            <a:pPr marL="0" indent="0">
+              <a:buNone/>
+            </a:pPr>
+            <a:r>
+              <a:rPr lang="en-US" sz="1800" dirty="0"/>
+              <a:t>containing a Spring Boot based application, you could start from a vanilla Ubuntu image, install the JDK and</a:t>
+            </a:r>
+          </a:p>
+          <a:p>
+            <a:pPr marL="0" indent="0">
+              <a:buNone/>
+            </a:pPr>
+            <a:r>
+              <a:rPr lang="en-US" sz="1800" dirty="0" smtClean="0"/>
+              <a:t>then </a:t>
+            </a:r>
+            <a:r>
+              <a:rPr lang="en-US" sz="1800" dirty="0"/>
+              <a:t>install the executable JAR.</a:t>
+            </a:r>
+          </a:p>
+          <a:p>
+            <a:pPr marL="0" indent="0">
+              <a:buNone/>
+            </a:pPr>
+            <a:r>
+              <a:rPr lang="en-US" sz="1800" dirty="0"/>
+              <a:t>In many ways, building a </a:t>
+            </a:r>
+            <a:r>
+              <a:rPr lang="en-US" sz="1800" dirty="0" err="1"/>
+              <a:t>Docker</a:t>
+            </a:r>
+            <a:r>
+              <a:rPr lang="en-US" sz="1800" dirty="0"/>
+              <a:t> image is similar to building an AMI. However, while an AMI is a blob of bits,</a:t>
+            </a:r>
+          </a:p>
+          <a:p>
+            <a:pPr marL="0" indent="0">
+              <a:buNone/>
+            </a:pPr>
+            <a:r>
+              <a:rPr lang="en-US" sz="1800" dirty="0"/>
+              <a:t>a </a:t>
+            </a:r>
+            <a:r>
+              <a:rPr lang="en-US" sz="1800" dirty="0" err="1"/>
+              <a:t>Docker</a:t>
+            </a:r>
+            <a:r>
+              <a:rPr lang="en-US" sz="1800" dirty="0"/>
+              <a:t> image has a layered structure that dramatically reduces the amount of time needed to build and</a:t>
+            </a:r>
+          </a:p>
+          <a:p>
+            <a:pPr marL="0" indent="0">
+              <a:buNone/>
+            </a:pPr>
+            <a:r>
+              <a:rPr lang="en-US" sz="1800" dirty="0"/>
+              <a:t>deploy a </a:t>
+            </a:r>
+            <a:r>
+              <a:rPr lang="en-US" sz="1800" dirty="0" err="1"/>
+              <a:t>Docker</a:t>
+            </a:r>
+            <a:r>
+              <a:rPr lang="en-US" sz="1800" dirty="0"/>
+              <a:t> image. An image consists of a sequence of layers. When building an image, each command</a:t>
+            </a:r>
+          </a:p>
+          <a:p>
+            <a:pPr marL="0" indent="0">
+              <a:buNone/>
+            </a:pPr>
+            <a:r>
+              <a:rPr lang="en-US" sz="1800" dirty="0"/>
+              <a:t>that changes the file system (e.g. </a:t>
+            </a:r>
+            <a:r>
+              <a:rPr lang="en-US" sz="1800" i="1" dirty="0"/>
+              <a:t>apt-get install</a:t>
+            </a:r>
+            <a:r>
+              <a:rPr lang="en-US" sz="1800" dirty="0"/>
+              <a:t>) create a new layer that references it’s parent layer.</a:t>
+            </a:r>
+          </a:p>
+          <a:p>
+            <a:pPr marL="0" indent="0">
+              <a:buNone/>
+            </a:pPr>
+            <a:r>
+              <a:rPr lang="en-US" sz="1800" dirty="0"/>
+              <a:t>This layered structure has two important benefits. First it enables of sharing of layers between images, which</a:t>
+            </a:r>
+          </a:p>
+          <a:p>
+            <a:pPr marL="0" indent="0">
+              <a:buNone/>
+            </a:pPr>
+            <a:r>
+              <a:rPr lang="en-US" sz="1800" dirty="0"/>
+              <a:t>means that </a:t>
+            </a:r>
+            <a:r>
+              <a:rPr lang="en-US" sz="1800" dirty="0" err="1"/>
+              <a:t>Docker</a:t>
+            </a:r>
+            <a:r>
+              <a:rPr lang="en-US" sz="1800" dirty="0"/>
+              <a:t> does not need to move an entire image over the network. Only those layers that don’t exist</a:t>
+            </a:r>
+          </a:p>
+          <a:p>
+            <a:pPr marL="0" indent="0">
+              <a:buNone/>
+            </a:pPr>
+            <a:r>
+              <a:rPr lang="en-US" sz="1800" dirty="0"/>
+              <a:t>on the destination machine need to be copied, which usually results in a dramatic speedup. Another important</a:t>
+            </a:r>
+          </a:p>
+          <a:p>
+            <a:pPr marL="0" indent="0">
+              <a:buNone/>
+            </a:pPr>
+            <a:r>
+              <a:rPr lang="en-US" sz="1800" dirty="0"/>
+              <a:t>benefit of the layered structure is that </a:t>
+            </a:r>
+            <a:r>
+              <a:rPr lang="en-US" sz="1800" dirty="0" err="1"/>
+              <a:t>Docker</a:t>
+            </a:r>
+            <a:r>
+              <a:rPr lang="en-US" sz="1800" dirty="0"/>
+              <a:t> aggressively caches layers when building an image. When </a:t>
+            </a:r>
+            <a:r>
+              <a:rPr lang="en-US" sz="1800" dirty="0" err="1"/>
+              <a:t>reexecuting</a:t>
+            </a:r>
+            <a:endParaRPr lang="en-US" sz="1800" dirty="0"/>
+          </a:p>
+          <a:p>
+            <a:pPr marL="0" indent="0">
+              <a:buNone/>
+            </a:pPr>
+            <a:r>
+              <a:rPr lang="en-US" sz="1800" dirty="0"/>
+              <a:t>a command against an input layer </a:t>
+            </a:r>
+            <a:r>
+              <a:rPr lang="en-US" sz="1800" dirty="0" err="1"/>
+              <a:t>Docker</a:t>
+            </a:r>
+            <a:r>
+              <a:rPr lang="en-US" sz="1800" dirty="0"/>
+              <a:t> tries to skip executing the command and instead reuses</a:t>
+            </a:r>
+          </a:p>
+          <a:p>
+            <a:pPr marL="0" indent="0">
+              <a:buNone/>
+            </a:pPr>
+            <a:r>
+              <a:rPr lang="en-US" sz="1800" dirty="0"/>
+              <a:t>the already built output layer. As a result, building an image is usually extremely fast.</a:t>
+            </a:r>
+            <a:endParaRPr lang="it-IT" sz="1800" dirty="0"/>
           </a:p>
         </p:txBody>
       </p:sp>
     </p:spTree>
     <p:extLst>
       <p:ext uri="{BB962C8B-B14F-4D97-AF65-F5344CB8AC3E}">
-        <p14:creationId xmlns:p14="http://schemas.microsoft.com/office/powerpoint/2010/main" xmlns="" val="2130358231"/>
+        <p14:creationId xmlns:p14="http://schemas.microsoft.com/office/powerpoint/2010/main" val="194358966"/>
       </p:ext>
     </p:extLst>
   </p:cSld>
@@ -10764,7 +11188,11 @@
           <a:bodyPr/>
           <a:lstStyle/>
           <a:p>
-            <a:endParaRPr lang="it-IT"/>
+            <a:r>
+              <a:rPr lang="it-IT" dirty="0" err="1" smtClean="0"/>
+              <a:t>Docker</a:t>
+            </a:r>
+            <a:endParaRPr lang="it-IT" dirty="0"/>
           </a:p>
         </p:txBody>
       </p:sp>
@@ -10783,14 +11211,285 @@
           <a:bodyPr/>
           <a:lstStyle/>
           <a:p>
-            <a:endParaRPr lang="it-IT"/>
+            <a:r>
+              <a:rPr lang="it-IT" sz="2800" dirty="0" err="1" smtClean="0"/>
+              <a:t>Docker</a:t>
+            </a:r>
+            <a:r>
+              <a:rPr lang="it-IT" sz="2800" dirty="0" smtClean="0"/>
+              <a:t> container</a:t>
+            </a:r>
+          </a:p>
+          <a:p>
+            <a:pPr marL="0" indent="0">
+              <a:buNone/>
+            </a:pPr>
+            <a:r>
+              <a:rPr lang="en-US" sz="1800" dirty="0" smtClean="0"/>
+              <a:t> </a:t>
+            </a:r>
+            <a:r>
+              <a:rPr lang="en-US" sz="1800" dirty="0"/>
+              <a:t>A </a:t>
+            </a:r>
+            <a:r>
+              <a:rPr lang="en-US" sz="1800" dirty="0" err="1"/>
+              <a:t>Docker</a:t>
+            </a:r>
+            <a:r>
+              <a:rPr lang="en-US" sz="1800" dirty="0"/>
+              <a:t> container is a running image consisting of one or more sandboxed processes. </a:t>
+            </a:r>
+            <a:r>
+              <a:rPr lang="en-US" sz="1800" dirty="0" err="1"/>
+              <a:t>Docker</a:t>
+            </a:r>
+            <a:r>
+              <a:rPr lang="en-US" sz="1800" dirty="0"/>
+              <a:t> isolates a</a:t>
+            </a:r>
+          </a:p>
+          <a:p>
+            <a:pPr marL="0" indent="0">
+              <a:buNone/>
+            </a:pPr>
+            <a:r>
+              <a:rPr lang="en-US" sz="1800" dirty="0"/>
+              <a:t>container’s processes using a variety of mechanisms including relatively mature OS-level virtualization</a:t>
+            </a:r>
+          </a:p>
+          <a:p>
+            <a:pPr marL="0" indent="0">
+              <a:buNone/>
+            </a:pPr>
+            <a:r>
+              <a:rPr lang="en-US" sz="1800" dirty="0"/>
+              <a:t>mechanisms such as control groups and namespaces. Each process group has its own root file-system. Process</a:t>
+            </a:r>
+          </a:p>
+          <a:p>
+            <a:pPr marL="0" indent="0">
+              <a:buNone/>
+            </a:pPr>
+            <a:r>
+              <a:rPr lang="en-US" sz="1800" dirty="0"/>
+              <a:t>groups can be assigned resource limits, e.g. CPU and memory limits. In the same way that a hypervisor divides</a:t>
+            </a:r>
+          </a:p>
+          <a:p>
+            <a:pPr marL="0" indent="0">
+              <a:buNone/>
+            </a:pPr>
+            <a:r>
+              <a:rPr lang="en-US" sz="1800" dirty="0"/>
+              <a:t>up the hardware amongst virtual machines, this mechanism divides up the OS between process groups. Each</a:t>
+            </a:r>
+          </a:p>
+          <a:p>
+            <a:pPr marL="0" indent="0">
+              <a:buNone/>
+            </a:pPr>
+            <a:r>
+              <a:rPr lang="en-US" sz="1800" dirty="0" err="1"/>
+              <a:t>Docker</a:t>
+            </a:r>
+            <a:r>
+              <a:rPr lang="en-US" sz="1800" dirty="0"/>
+              <a:t> container is a process group.</a:t>
+            </a:r>
+          </a:p>
+          <a:p>
+            <a:pPr marL="0" indent="0">
+              <a:buNone/>
+            </a:pPr>
+            <a:r>
+              <a:rPr lang="en-US" sz="1800" dirty="0" err="1"/>
+              <a:t>Docker</a:t>
+            </a:r>
+            <a:r>
+              <a:rPr lang="en-US" sz="1800" dirty="0"/>
+              <a:t> also isolates the networking portion of each container. When </a:t>
+            </a:r>
+            <a:r>
+              <a:rPr lang="en-US" sz="1800" dirty="0" err="1"/>
+              <a:t>Docker</a:t>
+            </a:r>
+            <a:r>
+              <a:rPr lang="en-US" sz="1800" dirty="0"/>
+              <a:t> is installed, it creates a virtual</a:t>
+            </a:r>
+          </a:p>
+          <a:p>
+            <a:pPr marL="0" indent="0">
+              <a:buNone/>
+            </a:pPr>
+            <a:r>
+              <a:rPr lang="en-US" sz="1800" dirty="0"/>
+              <a:t>interface called docker0 on the host and sets up subnet. Each container is given it’s own virtual interface called</a:t>
+            </a:r>
+          </a:p>
+          <a:p>
+            <a:pPr marL="0" indent="0">
+              <a:buNone/>
+            </a:pPr>
+            <a:r>
+              <a:rPr lang="en-US" sz="1800" dirty="0"/>
+              <a:t>eth0 (within the container’s namespace), which is assigned an available IP address from the </a:t>
+            </a:r>
+            <a:r>
+              <a:rPr lang="en-US" sz="1800" dirty="0" err="1"/>
+              <a:t>Docker</a:t>
+            </a:r>
+            <a:r>
+              <a:rPr lang="en-US" sz="1800" dirty="0"/>
+              <a:t> subnet.</a:t>
+            </a:r>
+          </a:p>
+          <a:p>
+            <a:pPr marL="0" indent="0">
+              <a:buNone/>
+            </a:pPr>
+            <a:r>
+              <a:rPr lang="en-US" sz="1800" dirty="0"/>
+              <a:t>This means, for example, that a Spring Boot application running in a container listens on port 8080 of the</a:t>
+            </a:r>
+          </a:p>
+          <a:p>
+            <a:pPr marL="0" indent="0">
+              <a:buNone/>
+            </a:pPr>
+            <a:r>
+              <a:rPr lang="en-US" sz="1800" dirty="0"/>
+              <a:t>virtual interface that’s specific to its container. Later on we will look how you can enable a service to be</a:t>
+            </a:r>
+          </a:p>
+          <a:p>
+            <a:pPr marL="0" indent="0">
+              <a:buNone/>
+            </a:pPr>
+            <a:r>
+              <a:rPr lang="en-US" sz="1800" dirty="0"/>
+              <a:t>accessed from outside its container by setting up a port mapping that associates a host port with a container</a:t>
+            </a:r>
+          </a:p>
+          <a:p>
+            <a:pPr marL="0" indent="0">
+              <a:buNone/>
+            </a:pPr>
+            <a:r>
+              <a:rPr lang="it-IT" sz="1800" dirty="0" err="1"/>
+              <a:t>port</a:t>
+            </a:r>
+            <a:r>
+              <a:rPr lang="it-IT" sz="1800" dirty="0"/>
+              <a:t>.</a:t>
+            </a:r>
+          </a:p>
+          <a:p>
+            <a:pPr marL="0" indent="0">
+              <a:buNone/>
+            </a:pPr>
+            <a:r>
+              <a:rPr lang="en-US" sz="1800" dirty="0"/>
+              <a:t>It’s important to remember that even though an image contains an entire OS a </a:t>
+            </a:r>
+            <a:r>
+              <a:rPr lang="en-US" sz="1800" dirty="0" err="1"/>
+              <a:t>Docker</a:t>
+            </a:r>
+            <a:r>
+              <a:rPr lang="en-US" sz="1800" dirty="0"/>
+              <a:t> container often only</a:t>
+            </a:r>
+          </a:p>
+          <a:p>
+            <a:pPr marL="0" indent="0">
+              <a:buNone/>
+            </a:pPr>
+            <a:r>
+              <a:rPr lang="en-US" sz="1800" dirty="0"/>
+              <a:t>consists of the application’s processes. You often don’t need to start any of the typical OS processes such as</a:t>
+            </a:r>
+          </a:p>
+          <a:p>
+            <a:pPr marL="0" indent="0">
+              <a:buNone/>
+            </a:pPr>
+            <a:r>
+              <a:rPr lang="en-US" sz="1800" dirty="0" err="1"/>
+              <a:t>initd</a:t>
+            </a:r>
+            <a:r>
+              <a:rPr lang="en-US" sz="1800" dirty="0"/>
+              <a:t>. For example, a </a:t>
+            </a:r>
+            <a:r>
+              <a:rPr lang="en-US" sz="1800" dirty="0" err="1"/>
+              <a:t>Docker</a:t>
+            </a:r>
+            <a:r>
+              <a:rPr lang="en-US" sz="1800" dirty="0"/>
+              <a:t> container that runs a Spring Boot application might only start Java. As a result, a</a:t>
+            </a:r>
+          </a:p>
+          <a:p>
+            <a:pPr marL="0" indent="0">
+              <a:buNone/>
+            </a:pPr>
+            <a:r>
+              <a:rPr lang="en-US" sz="1800" dirty="0" err="1"/>
+              <a:t>Docker</a:t>
+            </a:r>
+            <a:r>
+              <a:rPr lang="en-US" sz="1800" dirty="0"/>
+              <a:t> container has a minimal runtime overhead and its startup time is the startup time of your application.</a:t>
+            </a:r>
+          </a:p>
+          <a:p>
+            <a:pPr marL="0" indent="0">
+              <a:buNone/>
+            </a:pPr>
+            <a:r>
+              <a:rPr lang="en-US" sz="1800" dirty="0"/>
+              <a:t>Now that we have looked at basic </a:t>
+            </a:r>
+            <a:r>
+              <a:rPr lang="en-US" sz="1800" dirty="0" err="1"/>
+              <a:t>Docker</a:t>
+            </a:r>
+            <a:r>
+              <a:rPr lang="en-US" sz="1800" dirty="0"/>
+              <a:t> concepts let’s look at using </a:t>
+            </a:r>
+            <a:r>
+              <a:rPr lang="en-US" sz="1800" dirty="0" err="1"/>
+              <a:t>Docker</a:t>
+            </a:r>
+            <a:r>
+              <a:rPr lang="en-US" sz="1800" dirty="0"/>
+              <a:t> to package Spring Boot</a:t>
+            </a:r>
+          </a:p>
+          <a:p>
+            <a:pPr marL="0" indent="0">
+              <a:buNone/>
+            </a:pPr>
+            <a:r>
+              <a:rPr lang="it-IT" sz="1800" dirty="0" err="1"/>
+              <a:t>applications</a:t>
+            </a:r>
+            <a:r>
+              <a:rPr lang="it-IT" sz="1800" dirty="0"/>
+              <a:t>.</a:t>
+            </a:r>
+            <a:endParaRPr lang="it-IT" sz="1800" dirty="0"/>
           </a:p>
         </p:txBody>
       </p:sp>
     </p:spTree>
     <p:extLst>
       <p:ext uri="{BB962C8B-B14F-4D97-AF65-F5344CB8AC3E}">
-        <p14:creationId xmlns:p14="http://schemas.microsoft.com/office/powerpoint/2010/main" xmlns="" val="2730314115"/>
+        <p14:creationId xmlns:p14="http://schemas.microsoft.com/office/powerpoint/2010/main" val="2606718274"/>
       </p:ext>
     </p:extLst>
   </p:cSld>
@@ -10842,39 +11541,7 @@
           <a:p>
             <a:r>
               <a:rPr lang="it-IT" dirty="0" err="1" smtClean="0"/>
-              <a:t>Event</a:t>
-            </a:r>
-            <a:r>
-              <a:rPr lang="it-IT" dirty="0" smtClean="0"/>
-              <a:t> </a:t>
-            </a:r>
-            <a:r>
-              <a:rPr lang="it-IT" dirty="0" err="1" smtClean="0"/>
-              <a:t>driven</a:t>
-            </a:r>
-            <a:r>
-              <a:rPr lang="it-IT" dirty="0" smtClean="0"/>
-              <a:t> </a:t>
-            </a:r>
-            <a:r>
-              <a:rPr lang="it-IT" dirty="0" err="1" smtClean="0"/>
-              <a:t>architecture</a:t>
-            </a:r>
-            <a:r>
-              <a:rPr lang="it-IT" dirty="0" smtClean="0"/>
-              <a:t>: </a:t>
-            </a:r>
-            <a:r>
-              <a:rPr lang="it-IT" dirty="0" err="1" smtClean="0"/>
-              <a:t>transaction</a:t>
-            </a:r>
-            <a:r>
-              <a:rPr lang="it-IT" dirty="0" smtClean="0"/>
-              <a:t> </a:t>
-            </a:r>
-            <a:r>
-              <a:rPr lang="it-IT" dirty="0" err="1" smtClean="0"/>
-              <a:t>issues</a:t>
+              <a:t>Docker</a:t>
             </a:r>
             <a:endParaRPr lang="it-IT" dirty="0"/>
           </a:p>
@@ -10896,39 +11563,254 @@
           <a:lstStyle/>
           <a:p>
             <a:r>
-              <a:rPr lang="it-IT" dirty="0" err="1" smtClean="0"/>
-              <a:t>Transaction</a:t>
-            </a:r>
-            <a:r>
-              <a:rPr lang="it-IT" dirty="0" smtClean="0"/>
-              <a:t> model: </a:t>
-            </a:r>
-            <a:r>
-              <a:rPr lang="it-IT" dirty="0" err="1" smtClean="0"/>
-              <a:t>example</a:t>
-            </a:r>
-            <a:r>
-              <a:rPr lang="it-IT" dirty="0" smtClean="0"/>
-              <a:t> of base model</a:t>
-            </a:r>
-          </a:p>
-          <a:p>
-            <a:pPr lvl="1"/>
-            <a:r>
-              <a:rPr lang="it-IT" dirty="0" smtClean="0"/>
-              <a:t>High Reliability of message broker</a:t>
-            </a:r>
-          </a:p>
-          <a:p>
-            <a:pPr lvl="1"/>
-            <a:endParaRPr lang="it-IT" dirty="0"/>
+              <a:rPr lang="it-IT" sz="1800" b="1" dirty="0"/>
+              <a:t>Spring </a:t>
+            </a:r>
+            <a:r>
+              <a:rPr lang="it-IT" sz="1800" b="1" dirty="0" err="1"/>
+              <a:t>Boot</a:t>
+            </a:r>
+            <a:r>
+              <a:rPr lang="it-IT" sz="1800" b="1" dirty="0"/>
+              <a:t> and </a:t>
+            </a:r>
+            <a:r>
+              <a:rPr lang="it-IT" sz="1800" b="1" dirty="0" err="1"/>
+              <a:t>Docker</a:t>
+            </a:r>
+            <a:endParaRPr lang="it-IT" sz="1800" b="1" dirty="0"/>
+          </a:p>
+          <a:p>
+            <a:pPr marL="0" indent="0">
+              <a:buNone/>
+            </a:pPr>
+            <a:r>
+              <a:rPr lang="en-US" sz="1800" dirty="0"/>
+              <a:t>Let’s now build a </a:t>
+            </a:r>
+            <a:r>
+              <a:rPr lang="en-US" sz="1800" dirty="0" err="1"/>
+              <a:t>Docker</a:t>
+            </a:r>
+            <a:r>
+              <a:rPr lang="en-US" sz="1800" dirty="0"/>
+              <a:t> image that runs the Spring Boot application. Because Spring Boot packages the</a:t>
+            </a:r>
+          </a:p>
+          <a:p>
+            <a:pPr marL="0" indent="0">
+              <a:buNone/>
+            </a:pPr>
+            <a:r>
+              <a:rPr lang="en-US" sz="1800" dirty="0"/>
+              <a:t>application as a self-contained executable JAR, we just need to build an image containing that JAR file and</a:t>
+            </a:r>
+          </a:p>
+          <a:p>
+            <a:pPr marL="0" indent="0">
+              <a:buNone/>
+            </a:pPr>
+            <a:r>
+              <a:rPr lang="en-US" sz="1800" dirty="0"/>
+              <a:t>Java. One option is to take a vanilla Ubuntu </a:t>
+            </a:r>
+            <a:r>
+              <a:rPr lang="en-US" sz="1800" dirty="0" err="1"/>
+              <a:t>Docker</a:t>
+            </a:r>
+            <a:r>
+              <a:rPr lang="en-US" sz="1800" dirty="0"/>
+              <a:t> image, install Java and install the JAR. Fortunately, we</a:t>
+            </a:r>
+          </a:p>
+          <a:p>
+            <a:pPr marL="0" indent="0">
+              <a:buNone/>
+            </a:pPr>
+            <a:r>
+              <a:rPr lang="en-US" sz="1800" dirty="0"/>
+              <a:t>can skip the first step because it’s already been done. One of the great features of the </a:t>
+            </a:r>
+            <a:r>
+              <a:rPr lang="en-US" sz="1800" dirty="0" err="1"/>
+              <a:t>Docker</a:t>
+            </a:r>
+            <a:r>
+              <a:rPr lang="en-US" sz="1800" dirty="0"/>
+              <a:t> ecosystem is</a:t>
+            </a:r>
+          </a:p>
+          <a:p>
+            <a:pPr marL="0" indent="0">
+              <a:buNone/>
+            </a:pPr>
+            <a:r>
+              <a:rPr lang="en-US" sz="1800" dirty="0"/>
+              <a:t>https://hub.docker.com, which is a website where the community shares </a:t>
+            </a:r>
+            <a:r>
+              <a:rPr lang="en-US" sz="1800" dirty="0" err="1"/>
+              <a:t>Docker</a:t>
+            </a:r>
+            <a:r>
+              <a:rPr lang="en-US" sz="1800" dirty="0"/>
+              <a:t> images. There are a huge</a:t>
+            </a:r>
+          </a:p>
+          <a:p>
+            <a:pPr marL="0" indent="0">
+              <a:buNone/>
+            </a:pPr>
+            <a:r>
+              <a:rPr lang="en-US" sz="1800" dirty="0"/>
+              <a:t>number of images available including </a:t>
+            </a:r>
+            <a:r>
+              <a:rPr lang="en-US" sz="1800" dirty="0" err="1"/>
+              <a:t>dockerfile</a:t>
+            </a:r>
+            <a:r>
+              <a:rPr lang="en-US" sz="1800" dirty="0"/>
+              <a:t>/java, which provides Java images for Oracle and </a:t>
+            </a:r>
+            <a:r>
+              <a:rPr lang="en-US" sz="1800" dirty="0" err="1"/>
+              <a:t>OpenJDK</a:t>
+            </a:r>
+            <a:endParaRPr lang="en-US" sz="1800" dirty="0"/>
+          </a:p>
+          <a:p>
+            <a:pPr marL="0" indent="0">
+              <a:buNone/>
+            </a:pPr>
+            <a:r>
+              <a:rPr lang="en-US" sz="1800" dirty="0"/>
+              <a:t>versions 6, 7, and 8.</a:t>
+            </a:r>
+          </a:p>
+          <a:p>
+            <a:pPr marL="0" indent="0">
+              <a:buNone/>
+            </a:pPr>
+            <a:r>
+              <a:rPr lang="en-US" sz="1800" dirty="0"/>
+              <a:t>19/7/2016 Deploying Spring Boot-based microservices with </a:t>
+            </a:r>
+            <a:r>
+              <a:rPr lang="en-US" sz="1800" dirty="0" err="1"/>
+              <a:t>Docker</a:t>
+            </a:r>
+            <a:r>
+              <a:rPr lang="en-US" sz="1800" dirty="0"/>
+              <a:t> – part 3 | plain old objects</a:t>
+            </a:r>
+          </a:p>
+          <a:p>
+            <a:pPr marL="0" indent="0">
+              <a:buNone/>
+            </a:pPr>
+            <a:r>
+              <a:rPr lang="it-IT" sz="1800" dirty="0"/>
+              <a:t>https://webcache.googleusercontent.com/search?q=cache:KnDIpt3s9lsJ:https://plainoldobjects.com/2014/11/16/deploying-spring-boot-based-microservices… 4/7</a:t>
+            </a:r>
+          </a:p>
+          <a:p>
+            <a:pPr marL="0" indent="0">
+              <a:buNone/>
+            </a:pPr>
+            <a:r>
+              <a:rPr lang="en-US" sz="1800" dirty="0"/>
+              <a:t>Once we have identified a suitable base image the next step is to build a new image that runs the Spring Boot</a:t>
+            </a:r>
+          </a:p>
+          <a:p>
+            <a:pPr marL="0" indent="0">
+              <a:buNone/>
+            </a:pPr>
+            <a:r>
+              <a:rPr lang="en-US" sz="1800" dirty="0"/>
+              <a:t>application. You could build an image manually by launching the base image and entering shell commands in</a:t>
+            </a:r>
+          </a:p>
+          <a:p>
+            <a:pPr marL="0" indent="0">
+              <a:buNone/>
+            </a:pPr>
+            <a:r>
+              <a:rPr lang="en-US" sz="1800" dirty="0"/>
+              <a:t>pretty much the same way that you would configure a regular OS. However, it’s much better to automate</a:t>
+            </a:r>
+          </a:p>
+          <a:p>
+            <a:pPr marL="0" indent="0">
+              <a:buNone/>
+            </a:pPr>
+            <a:r>
+              <a:rPr lang="en-US" sz="1800" dirty="0"/>
+              <a:t>image creation. To do that we need to create a </a:t>
+            </a:r>
+            <a:r>
+              <a:rPr lang="en-US" sz="1800" dirty="0" err="1"/>
+              <a:t>Dockerfile</a:t>
+            </a:r>
+            <a:r>
+              <a:rPr lang="en-US" sz="1800" dirty="0"/>
+              <a:t>, which is a text file containing series of commands</a:t>
+            </a:r>
+          </a:p>
+          <a:p>
+            <a:pPr marL="0" indent="0">
+              <a:buNone/>
+            </a:pPr>
+            <a:r>
+              <a:rPr lang="en-US" sz="1800" dirty="0"/>
+              <a:t>that tell </a:t>
+            </a:r>
+            <a:r>
+              <a:rPr lang="en-US" sz="1800" dirty="0" err="1"/>
+              <a:t>Docker</a:t>
+            </a:r>
+            <a:r>
+              <a:rPr lang="en-US" sz="1800" dirty="0"/>
+              <a:t> how to build an image. Once we have written a </a:t>
+            </a:r>
+            <a:r>
+              <a:rPr lang="en-US" sz="1800" dirty="0" err="1"/>
+              <a:t>Dockerfile</a:t>
+            </a:r>
+            <a:r>
+              <a:rPr lang="en-US" sz="1800" dirty="0"/>
+              <a:t>, we can then repeatedly build an</a:t>
+            </a:r>
+          </a:p>
+          <a:p>
+            <a:pPr marL="0" indent="0">
+              <a:buNone/>
+            </a:pPr>
+            <a:r>
+              <a:rPr lang="en-US" sz="1800" dirty="0"/>
+              <a:t>image by running </a:t>
+            </a:r>
+            <a:r>
+              <a:rPr lang="en-US" sz="1800" i="1" dirty="0" err="1"/>
+              <a:t>docker</a:t>
+            </a:r>
+            <a:r>
+              <a:rPr lang="en-US" sz="1800" i="1" dirty="0"/>
+              <a:t> build</a:t>
+            </a:r>
+            <a:r>
+              <a:rPr lang="en-US" sz="1800" dirty="0"/>
+              <a:t>.</a:t>
+            </a:r>
+            <a:endParaRPr lang="it-IT" sz="1800" dirty="0"/>
           </a:p>
         </p:txBody>
       </p:sp>
     </p:spTree>
     <p:extLst>
       <p:ext uri="{BB962C8B-B14F-4D97-AF65-F5344CB8AC3E}">
-        <p14:creationId xmlns:p14="http://schemas.microsoft.com/office/powerpoint/2010/main" xmlns="" val="1198612420"/>
+        <p14:creationId xmlns:p14="http://schemas.microsoft.com/office/powerpoint/2010/main" val="2018202416"/>
       </p:ext>
     </p:extLst>
   </p:cSld>
@@ -10947,6 +11829,2332 @@
 </file>
 
 <file path=ppt/slides/slide24.xml><?xml version="1.0" encoding="utf-8"?>
+<p:sld xmlns:a="http://schemas.openxmlformats.org/drawingml/2006/main" xmlns:r="http://schemas.openxmlformats.org/officeDocument/2006/relationships" xmlns:p="http://schemas.openxmlformats.org/presentationml/2006/main">
+  <p:cSld>
+    <p:spTree>
+      <p:nvGrpSpPr>
+        <p:cNvPr id="1" name=""/>
+        <p:cNvGrpSpPr/>
+        <p:nvPr/>
+      </p:nvGrpSpPr>
+      <p:grpSpPr>
+        <a:xfrm>
+          <a:off x="0" y="0"/>
+          <a:ext cx="0" cy="0"/>
+          <a:chOff x="0" y="0"/>
+          <a:chExt cx="0" cy="0"/>
+        </a:xfrm>
+      </p:grpSpPr>
+      <p:sp>
+        <p:nvSpPr>
+          <p:cNvPr id="2" name="Titolo 1"/>
+          <p:cNvSpPr>
+            <a:spLocks noGrp="1"/>
+          </p:cNvSpPr>
+          <p:nvPr>
+            <p:ph type="title"/>
+          </p:nvPr>
+        </p:nvSpPr>
+        <p:spPr/>
+        <p:txBody>
+          <a:bodyPr/>
+          <a:lstStyle/>
+          <a:p>
+            <a:r>
+              <a:rPr lang="it-IT" dirty="0" smtClean="0"/>
+              <a:t>QUALITY ASSURANCE</a:t>
+            </a:r>
+            <a:endParaRPr lang="it-IT" dirty="0"/>
+          </a:p>
+        </p:txBody>
+      </p:sp>
+      <p:sp>
+        <p:nvSpPr>
+          <p:cNvPr id="3" name="Segnaposto contenuto 2"/>
+          <p:cNvSpPr>
+            <a:spLocks noGrp="1"/>
+          </p:cNvSpPr>
+          <p:nvPr>
+            <p:ph idx="1"/>
+          </p:nvPr>
+        </p:nvSpPr>
+        <p:spPr/>
+        <p:txBody>
+          <a:bodyPr/>
+          <a:lstStyle/>
+          <a:p>
+            <a:r>
+              <a:rPr lang="it-IT" dirty="0" err="1" smtClean="0"/>
+              <a:t>Docker</a:t>
+            </a:r>
+            <a:endParaRPr lang="it-IT" dirty="0" smtClean="0"/>
+          </a:p>
+          <a:p>
+            <a:pPr lvl="1"/>
+            <a:r>
+              <a:rPr lang="it-IT" dirty="0" err="1" smtClean="0"/>
+              <a:t>Description</a:t>
+            </a:r>
+            <a:endParaRPr lang="it-IT" dirty="0" smtClean="0"/>
+          </a:p>
+          <a:p>
+            <a:pPr lvl="1"/>
+            <a:r>
+              <a:rPr lang="it-IT" dirty="0" err="1" smtClean="0"/>
+              <a:t>Images</a:t>
+            </a:r>
+            <a:endParaRPr lang="it-IT" dirty="0" smtClean="0"/>
+          </a:p>
+          <a:p>
+            <a:pPr lvl="1"/>
+            <a:r>
+              <a:rPr lang="it-IT" dirty="0" smtClean="0"/>
+              <a:t>Container</a:t>
+            </a:r>
+          </a:p>
+          <a:p>
+            <a:pPr lvl="1"/>
+            <a:r>
+              <a:rPr lang="it-IT" dirty="0" err="1" smtClean="0"/>
+              <a:t>Porpouse</a:t>
+            </a:r>
+            <a:endParaRPr lang="it-IT" dirty="0" smtClean="0"/>
+          </a:p>
+          <a:p>
+            <a:pPr lvl="2"/>
+            <a:r>
+              <a:rPr lang="it-IT" dirty="0" err="1" smtClean="0"/>
+              <a:t>Specific</a:t>
+            </a:r>
+            <a:r>
+              <a:rPr lang="it-IT" dirty="0" smtClean="0"/>
+              <a:t> database </a:t>
+            </a:r>
+            <a:r>
+              <a:rPr lang="it-IT" dirty="0" err="1" smtClean="0"/>
+              <a:t>images</a:t>
+            </a:r>
+            <a:r>
+              <a:rPr lang="it-IT" dirty="0" smtClean="0"/>
+              <a:t> </a:t>
+            </a:r>
+            <a:r>
+              <a:rPr lang="it-IT" dirty="0" err="1" smtClean="0"/>
+              <a:t>with</a:t>
+            </a:r>
+            <a:r>
+              <a:rPr lang="it-IT" dirty="0" smtClean="0"/>
+              <a:t> data </a:t>
+            </a:r>
+            <a:r>
+              <a:rPr lang="it-IT" dirty="0" err="1" smtClean="0"/>
+              <a:t>ready</a:t>
+            </a:r>
+            <a:r>
+              <a:rPr lang="it-IT" dirty="0" smtClean="0"/>
+              <a:t> </a:t>
+            </a:r>
+            <a:r>
+              <a:rPr lang="it-IT" dirty="0" err="1" smtClean="0"/>
+              <a:t>to</a:t>
+            </a:r>
+            <a:r>
+              <a:rPr lang="it-IT" dirty="0" smtClean="0"/>
+              <a:t> </a:t>
+            </a:r>
+            <a:r>
+              <a:rPr lang="it-IT" dirty="0" err="1" smtClean="0"/>
+              <a:t>be</a:t>
+            </a:r>
+            <a:r>
+              <a:rPr lang="it-IT" dirty="0" smtClean="0"/>
+              <a:t> </a:t>
+            </a:r>
+            <a:r>
+              <a:rPr lang="it-IT" dirty="0" err="1" smtClean="0"/>
+              <a:t>used</a:t>
+            </a:r>
+            <a:r>
+              <a:rPr lang="it-IT" dirty="0" smtClean="0"/>
+              <a:t> </a:t>
+            </a:r>
+            <a:r>
+              <a:rPr lang="it-IT" dirty="0" err="1" smtClean="0"/>
+              <a:t>for</a:t>
+            </a:r>
+            <a:r>
+              <a:rPr lang="it-IT" dirty="0" smtClean="0"/>
+              <a:t> </a:t>
+            </a:r>
+            <a:r>
+              <a:rPr lang="it-IT" dirty="0" err="1" smtClean="0"/>
+              <a:t>specific</a:t>
+            </a:r>
+            <a:r>
+              <a:rPr lang="it-IT" dirty="0" smtClean="0"/>
+              <a:t> </a:t>
+            </a:r>
+            <a:r>
+              <a:rPr lang="it-IT" dirty="0" err="1" smtClean="0"/>
+              <a:t>unit</a:t>
+            </a:r>
+            <a:r>
+              <a:rPr lang="it-IT" dirty="0" smtClean="0"/>
+              <a:t> or </a:t>
+            </a:r>
+            <a:r>
+              <a:rPr lang="it-IT" dirty="0" err="1" smtClean="0"/>
+              <a:t>integration</a:t>
+            </a:r>
+            <a:r>
+              <a:rPr lang="it-IT" dirty="0" smtClean="0"/>
+              <a:t> </a:t>
+            </a:r>
+            <a:r>
+              <a:rPr lang="it-IT" dirty="0" err="1" smtClean="0"/>
+              <a:t>tests</a:t>
+            </a:r>
+            <a:endParaRPr lang="it-IT" dirty="0" smtClean="0"/>
+          </a:p>
+          <a:p>
+            <a:pPr lvl="2"/>
+            <a:r>
+              <a:rPr lang="it-IT" dirty="0" err="1" smtClean="0"/>
+              <a:t>Improve</a:t>
+            </a:r>
+            <a:r>
+              <a:rPr lang="it-IT" dirty="0" smtClean="0"/>
+              <a:t> the </a:t>
+            </a:r>
+            <a:r>
+              <a:rPr lang="it-IT" dirty="0" err="1" smtClean="0"/>
+              <a:t>response</a:t>
+            </a:r>
+            <a:r>
+              <a:rPr lang="it-IT" dirty="0" smtClean="0"/>
+              <a:t> </a:t>
+            </a:r>
+            <a:r>
+              <a:rPr lang="it-IT" dirty="0" err="1" smtClean="0"/>
+              <a:t>to</a:t>
+            </a:r>
+            <a:r>
+              <a:rPr lang="it-IT" dirty="0" smtClean="0"/>
+              <a:t> </a:t>
+            </a:r>
+            <a:r>
+              <a:rPr lang="it-IT" dirty="0" err="1" smtClean="0"/>
+              <a:t>critic</a:t>
+            </a:r>
+            <a:r>
+              <a:rPr lang="it-IT" dirty="0" smtClean="0"/>
+              <a:t> bug fixing and </a:t>
+            </a:r>
+            <a:r>
+              <a:rPr lang="it-IT" dirty="0" err="1" smtClean="0"/>
+              <a:t>realize</a:t>
+            </a:r>
+            <a:r>
+              <a:rPr lang="it-IT" dirty="0" smtClean="0"/>
+              <a:t> a </a:t>
+            </a:r>
+            <a:r>
+              <a:rPr lang="it-IT" dirty="0" err="1" smtClean="0"/>
+              <a:t>faster</a:t>
+            </a:r>
+            <a:r>
+              <a:rPr lang="it-IT" dirty="0" smtClean="0"/>
+              <a:t> fixing</a:t>
+            </a:r>
+          </a:p>
+          <a:p>
+            <a:pPr lvl="2"/>
+            <a:r>
+              <a:rPr lang="it-IT" dirty="0" err="1" smtClean="0"/>
+              <a:t>Collection</a:t>
+            </a:r>
+            <a:r>
+              <a:rPr lang="it-IT" dirty="0" smtClean="0"/>
+              <a:t> </a:t>
+            </a:r>
+            <a:r>
+              <a:rPr lang="it-IT" dirty="0" err="1" smtClean="0"/>
+              <a:t>of</a:t>
+            </a:r>
+            <a:r>
+              <a:rPr lang="it-IT" dirty="0" smtClean="0"/>
+              <a:t> </a:t>
+            </a:r>
+            <a:r>
+              <a:rPr lang="it-IT" dirty="0" err="1" smtClean="0"/>
+              <a:t>specific</a:t>
+            </a:r>
+            <a:r>
+              <a:rPr lang="it-IT" dirty="0" smtClean="0"/>
+              <a:t> container </a:t>
+            </a:r>
+            <a:r>
+              <a:rPr lang="it-IT" dirty="0" err="1" smtClean="0"/>
+              <a:t>to</a:t>
+            </a:r>
+            <a:r>
+              <a:rPr lang="it-IT" dirty="0" smtClean="0"/>
+              <a:t> face </a:t>
+            </a:r>
+            <a:r>
+              <a:rPr lang="it-IT" dirty="0" err="1" smtClean="0"/>
+              <a:t>different</a:t>
+            </a:r>
+            <a:r>
+              <a:rPr lang="it-IT" dirty="0" smtClean="0"/>
+              <a:t> bug fixing or non </a:t>
+            </a:r>
+            <a:r>
+              <a:rPr lang="it-IT" dirty="0" err="1" smtClean="0"/>
+              <a:t>regression</a:t>
+            </a:r>
+            <a:r>
+              <a:rPr lang="it-IT" dirty="0" smtClean="0"/>
+              <a:t> </a:t>
+            </a:r>
+            <a:r>
+              <a:rPr lang="it-IT" dirty="0" err="1" smtClean="0"/>
+              <a:t>scenarios</a:t>
+            </a:r>
+            <a:endParaRPr lang="it-IT" dirty="0" smtClean="0"/>
+          </a:p>
+          <a:p>
+            <a:pPr lvl="2"/>
+            <a:r>
+              <a:rPr lang="it-IT" dirty="0" smtClean="0"/>
+              <a:t> </a:t>
+            </a:r>
+          </a:p>
+          <a:p>
+            <a:endParaRPr lang="it-IT" dirty="0"/>
+          </a:p>
+        </p:txBody>
+      </p:sp>
+    </p:spTree>
+    <p:extLst>
+      <p:ext uri="{BB962C8B-B14F-4D97-AF65-F5344CB8AC3E}">
+        <p14:creationId xmlns:p14="http://schemas.microsoft.com/office/powerpoint/2010/main" val="880952961"/>
+      </p:ext>
+    </p:extLst>
+  </p:cSld>
+  <p:clrMapOvr>
+    <a:masterClrMapping/>
+  </p:clrMapOvr>
+  <p:transition/>
+  <p:timing>
+    <p:tnLst>
+      <p:par>
+        <p:cTn id="1" dur="indefinite" restart="never" nodeType="tmRoot"/>
+      </p:par>
+    </p:tnLst>
+  </p:timing>
+</p:sld>
+</file>
+
+<file path=ppt/slides/slide25.xml><?xml version="1.0" encoding="utf-8"?>
+<p:sld xmlns:a="http://schemas.openxmlformats.org/drawingml/2006/main" xmlns:r="http://schemas.openxmlformats.org/officeDocument/2006/relationships" xmlns:p="http://schemas.openxmlformats.org/presentationml/2006/main">
+  <p:cSld>
+    <p:spTree>
+      <p:nvGrpSpPr>
+        <p:cNvPr id="1" name=""/>
+        <p:cNvGrpSpPr/>
+        <p:nvPr/>
+      </p:nvGrpSpPr>
+      <p:grpSpPr>
+        <a:xfrm>
+          <a:off x="0" y="0"/>
+          <a:ext cx="0" cy="0"/>
+          <a:chOff x="0" y="0"/>
+          <a:chExt cx="0" cy="0"/>
+        </a:xfrm>
+      </p:grpSpPr>
+      <p:sp>
+        <p:nvSpPr>
+          <p:cNvPr id="2" name="Titolo 1"/>
+          <p:cNvSpPr>
+            <a:spLocks noGrp="1"/>
+          </p:cNvSpPr>
+          <p:nvPr>
+            <p:ph type="title"/>
+          </p:nvPr>
+        </p:nvSpPr>
+        <p:spPr/>
+        <p:txBody>
+          <a:bodyPr/>
+          <a:lstStyle/>
+          <a:p>
+            <a:r>
+              <a:rPr lang="it-IT" dirty="0" smtClean="0"/>
+              <a:t>QUALITY ASSURANCE</a:t>
+            </a:r>
+            <a:endParaRPr lang="it-IT" dirty="0"/>
+          </a:p>
+        </p:txBody>
+      </p:sp>
+      <p:sp>
+        <p:nvSpPr>
+          <p:cNvPr id="3" name="Segnaposto contenuto 2"/>
+          <p:cNvSpPr>
+            <a:spLocks noGrp="1"/>
+          </p:cNvSpPr>
+          <p:nvPr>
+            <p:ph idx="1"/>
+          </p:nvPr>
+        </p:nvSpPr>
+        <p:spPr/>
+        <p:txBody>
+          <a:bodyPr/>
+          <a:lstStyle/>
+          <a:p>
+            <a:r>
+              <a:rPr lang="it-IT" dirty="0" err="1" smtClean="0"/>
+              <a:t>Docker</a:t>
+            </a:r>
+            <a:r>
+              <a:rPr lang="it-IT" dirty="0" smtClean="0"/>
+              <a:t> Hub</a:t>
+            </a:r>
+          </a:p>
+          <a:p>
+            <a:r>
+              <a:rPr lang="it-IT" smtClean="0"/>
+              <a:t>Jenkins@openshift </a:t>
+            </a:r>
+            <a:endParaRPr lang="it-IT" dirty="0" smtClean="0"/>
+          </a:p>
+          <a:p>
+            <a:endParaRPr lang="it-IT" dirty="0"/>
+          </a:p>
+        </p:txBody>
+      </p:sp>
+    </p:spTree>
+    <p:extLst>
+      <p:ext uri="{BB962C8B-B14F-4D97-AF65-F5344CB8AC3E}">
+        <p14:creationId xmlns:p14="http://schemas.microsoft.com/office/powerpoint/2010/main" val="3205254146"/>
+      </p:ext>
+    </p:extLst>
+  </p:cSld>
+  <p:clrMapOvr>
+    <a:masterClrMapping/>
+  </p:clrMapOvr>
+  <p:transition/>
+  <p:timing>
+    <p:tnLst>
+      <p:par>
+        <p:cTn id="1" dur="indefinite" restart="never" nodeType="tmRoot"/>
+      </p:par>
+    </p:tnLst>
+  </p:timing>
+</p:sld>
+</file>
+
+<file path=ppt/slides/slide26.xml><?xml version="1.0" encoding="utf-8"?>
+<p:sld xmlns:a="http://schemas.openxmlformats.org/drawingml/2006/main" xmlns:r="http://schemas.openxmlformats.org/officeDocument/2006/relationships" xmlns:p="http://schemas.openxmlformats.org/presentationml/2006/main">
+  <p:cSld>
+    <p:spTree>
+      <p:nvGrpSpPr>
+        <p:cNvPr id="1" name=""/>
+        <p:cNvGrpSpPr/>
+        <p:nvPr/>
+      </p:nvGrpSpPr>
+      <p:grpSpPr>
+        <a:xfrm>
+          <a:off x="0" y="0"/>
+          <a:ext cx="0" cy="0"/>
+          <a:chOff x="0" y="0"/>
+          <a:chExt cx="0" cy="0"/>
+        </a:xfrm>
+      </p:grpSpPr>
+      <p:sp>
+        <p:nvSpPr>
+          <p:cNvPr id="2" name="Titolo 1"/>
+          <p:cNvSpPr>
+            <a:spLocks noGrp="1"/>
+          </p:cNvSpPr>
+          <p:nvPr>
+            <p:ph type="title"/>
+          </p:nvPr>
+        </p:nvSpPr>
+        <p:spPr/>
+        <p:txBody>
+          <a:bodyPr/>
+          <a:lstStyle/>
+          <a:p>
+            <a:r>
+              <a:rPr lang="it-IT" dirty="0" smtClean="0"/>
+              <a:t>PRODUCTION</a:t>
+            </a:r>
+            <a:endParaRPr lang="it-IT" dirty="0"/>
+          </a:p>
+        </p:txBody>
+      </p:sp>
+      <p:sp>
+        <p:nvSpPr>
+          <p:cNvPr id="3" name="Segnaposto contenuto 2"/>
+          <p:cNvSpPr>
+            <a:spLocks noGrp="1"/>
+          </p:cNvSpPr>
+          <p:nvPr>
+            <p:ph idx="1"/>
+          </p:nvPr>
+        </p:nvSpPr>
+        <p:spPr/>
+        <p:txBody>
+          <a:bodyPr/>
+          <a:lstStyle/>
+          <a:p>
+            <a:r>
+              <a:rPr lang="it-IT" dirty="0" err="1" smtClean="0"/>
+              <a:t>Pivotal</a:t>
+            </a:r>
+            <a:r>
+              <a:rPr lang="it-IT" dirty="0" smtClean="0"/>
+              <a:t> Web Services</a:t>
+            </a:r>
+          </a:p>
+          <a:p>
+            <a:r>
+              <a:rPr lang="it-IT" dirty="0" smtClean="0"/>
+              <a:t>Database </a:t>
+            </a:r>
+            <a:r>
+              <a:rPr lang="it-IT" dirty="0" err="1" smtClean="0"/>
+              <a:t>as</a:t>
+            </a:r>
+            <a:r>
+              <a:rPr lang="it-IT" dirty="0" smtClean="0"/>
+              <a:t> a Service Pattern</a:t>
+            </a:r>
+          </a:p>
+          <a:p>
+            <a:endParaRPr lang="it-IT" dirty="0" smtClean="0"/>
+          </a:p>
+          <a:p>
+            <a:endParaRPr lang="it-IT" dirty="0"/>
+          </a:p>
+        </p:txBody>
+      </p:sp>
+    </p:spTree>
+    <p:extLst>
+      <p:ext uri="{BB962C8B-B14F-4D97-AF65-F5344CB8AC3E}">
+        <p14:creationId xmlns:p14="http://schemas.microsoft.com/office/powerpoint/2010/main" val="2130358231"/>
+      </p:ext>
+    </p:extLst>
+  </p:cSld>
+  <p:clrMapOvr>
+    <a:masterClrMapping/>
+  </p:clrMapOvr>
+  <p:transition/>
+  <p:timing>
+    <p:tnLst>
+      <p:par>
+        <p:cTn id="1" dur="indefinite" restart="never" nodeType="tmRoot"/>
+      </p:par>
+    </p:tnLst>
+  </p:timing>
+</p:sld>
+</file>
+
+<file path=ppt/slides/slide27.xml><?xml version="1.0" encoding="utf-8"?>
+<p:sld xmlns:a="http://schemas.openxmlformats.org/drawingml/2006/main" xmlns:r="http://schemas.openxmlformats.org/officeDocument/2006/relationships" xmlns:p="http://schemas.openxmlformats.org/presentationml/2006/main">
+  <p:cSld>
+    <p:spTree>
+      <p:nvGrpSpPr>
+        <p:cNvPr id="1" name=""/>
+        <p:cNvGrpSpPr/>
+        <p:nvPr/>
+      </p:nvGrpSpPr>
+      <p:grpSpPr>
+        <a:xfrm>
+          <a:off x="0" y="0"/>
+          <a:ext cx="0" cy="0"/>
+          <a:chOff x="0" y="0"/>
+          <a:chExt cx="0" cy="0"/>
+        </a:xfrm>
+      </p:grpSpPr>
+      <p:sp>
+        <p:nvSpPr>
+          <p:cNvPr id="2" name="Titolo 1"/>
+          <p:cNvSpPr>
+            <a:spLocks noGrp="1"/>
+          </p:cNvSpPr>
+          <p:nvPr>
+            <p:ph type="title"/>
+          </p:nvPr>
+        </p:nvSpPr>
+        <p:spPr/>
+        <p:txBody>
+          <a:bodyPr/>
+          <a:lstStyle/>
+          <a:p>
+            <a:endParaRPr lang="it-IT"/>
+          </a:p>
+        </p:txBody>
+      </p:sp>
+      <p:sp>
+        <p:nvSpPr>
+          <p:cNvPr id="3" name="Segnaposto contenuto 2"/>
+          <p:cNvSpPr>
+            <a:spLocks noGrp="1"/>
+          </p:cNvSpPr>
+          <p:nvPr>
+            <p:ph idx="1"/>
+          </p:nvPr>
+        </p:nvSpPr>
+        <p:spPr/>
+        <p:txBody>
+          <a:bodyPr/>
+          <a:lstStyle/>
+          <a:p>
+            <a:endParaRPr lang="it-IT"/>
+          </a:p>
+        </p:txBody>
+      </p:sp>
+    </p:spTree>
+    <p:extLst>
+      <p:ext uri="{BB962C8B-B14F-4D97-AF65-F5344CB8AC3E}">
+        <p14:creationId xmlns:p14="http://schemas.microsoft.com/office/powerpoint/2010/main" val="2730314115"/>
+      </p:ext>
+    </p:extLst>
+  </p:cSld>
+  <p:clrMapOvr>
+    <a:masterClrMapping/>
+  </p:clrMapOvr>
+  <p:transition/>
+  <p:timing>
+    <p:tnLst>
+      <p:par>
+        <p:cTn id="1" dur="indefinite" restart="never" nodeType="tmRoot"/>
+      </p:par>
+    </p:tnLst>
+  </p:timing>
+</p:sld>
+</file>
+
+<file path=ppt/slides/slide28.xml><?xml version="1.0" encoding="utf-8"?>
+<p:sld xmlns:a="http://schemas.openxmlformats.org/drawingml/2006/main" xmlns:r="http://schemas.openxmlformats.org/officeDocument/2006/relationships" xmlns:p="http://schemas.openxmlformats.org/presentationml/2006/main">
+  <p:cSld>
+    <p:spTree>
+      <p:nvGrpSpPr>
+        <p:cNvPr id="1" name=""/>
+        <p:cNvGrpSpPr/>
+        <p:nvPr/>
+      </p:nvGrpSpPr>
+      <p:grpSpPr>
+        <a:xfrm>
+          <a:off x="0" y="0"/>
+          <a:ext cx="0" cy="0"/>
+          <a:chOff x="0" y="0"/>
+          <a:chExt cx="0" cy="0"/>
+        </a:xfrm>
+      </p:grpSpPr>
+      <p:sp>
+        <p:nvSpPr>
+          <p:cNvPr id="2" name="Titolo 1"/>
+          <p:cNvSpPr>
+            <a:spLocks noGrp="1"/>
+          </p:cNvSpPr>
+          <p:nvPr>
+            <p:ph type="title"/>
+          </p:nvPr>
+        </p:nvSpPr>
+        <p:spPr/>
+        <p:txBody>
+          <a:bodyPr/>
+          <a:lstStyle/>
+          <a:p>
+            <a:r>
+              <a:rPr lang="it-IT" dirty="0" err="1" smtClean="0"/>
+              <a:t>Event</a:t>
+            </a:r>
+            <a:r>
+              <a:rPr lang="it-IT" dirty="0" smtClean="0"/>
+              <a:t> </a:t>
+            </a:r>
+            <a:r>
+              <a:rPr lang="it-IT" dirty="0" err="1" smtClean="0"/>
+              <a:t>driven</a:t>
+            </a:r>
+            <a:r>
+              <a:rPr lang="it-IT" dirty="0" smtClean="0"/>
+              <a:t> </a:t>
+            </a:r>
+            <a:r>
+              <a:rPr lang="it-IT" dirty="0" err="1" smtClean="0"/>
+              <a:t>architecture</a:t>
+            </a:r>
+            <a:r>
+              <a:rPr lang="it-IT" dirty="0" smtClean="0"/>
+              <a:t>: </a:t>
+            </a:r>
+            <a:r>
+              <a:rPr lang="it-IT" dirty="0" err="1" smtClean="0"/>
+              <a:t>transaction</a:t>
+            </a:r>
+            <a:r>
+              <a:rPr lang="it-IT" dirty="0" smtClean="0"/>
+              <a:t> </a:t>
+            </a:r>
+            <a:r>
+              <a:rPr lang="it-IT" dirty="0" err="1" smtClean="0"/>
+              <a:t>issues</a:t>
+            </a:r>
+            <a:endParaRPr lang="it-IT" dirty="0"/>
+          </a:p>
+        </p:txBody>
+      </p:sp>
+      <p:sp>
+        <p:nvSpPr>
+          <p:cNvPr id="3" name="Segnaposto contenuto 2"/>
+          <p:cNvSpPr>
+            <a:spLocks noGrp="1"/>
+          </p:cNvSpPr>
+          <p:nvPr>
+            <p:ph idx="1"/>
+          </p:nvPr>
+        </p:nvSpPr>
+        <p:spPr/>
+        <p:txBody>
+          <a:bodyPr/>
+          <a:lstStyle/>
+          <a:p>
+            <a:r>
+              <a:rPr lang="it-IT" dirty="0" err="1" smtClean="0"/>
+              <a:t>Transaction</a:t>
+            </a:r>
+            <a:r>
+              <a:rPr lang="it-IT" dirty="0" smtClean="0"/>
+              <a:t> model: </a:t>
+            </a:r>
+            <a:r>
+              <a:rPr lang="it-IT" dirty="0" err="1" smtClean="0"/>
+              <a:t>example</a:t>
+            </a:r>
+            <a:r>
+              <a:rPr lang="it-IT" dirty="0" smtClean="0"/>
+              <a:t> of base model</a:t>
+            </a:r>
+          </a:p>
+          <a:p>
+            <a:pPr lvl="1"/>
+            <a:r>
+              <a:rPr lang="it-IT" dirty="0" smtClean="0"/>
+              <a:t>High Reliability of message broker</a:t>
+            </a:r>
+          </a:p>
+          <a:p>
+            <a:pPr lvl="1"/>
+            <a:endParaRPr lang="it-IT" dirty="0"/>
+          </a:p>
+        </p:txBody>
+      </p:sp>
+    </p:spTree>
+    <p:extLst>
+      <p:ext uri="{BB962C8B-B14F-4D97-AF65-F5344CB8AC3E}">
+        <p14:creationId xmlns:p14="http://schemas.microsoft.com/office/powerpoint/2010/main" val="1198612420"/>
+      </p:ext>
+    </p:extLst>
+  </p:cSld>
+  <p:clrMapOvr>
+    <a:masterClrMapping/>
+  </p:clrMapOvr>
+  <p:transition/>
+  <p:timing>
+    <p:tnLst>
+      <p:par>
+        <p:cTn id="1" dur="indefinite" restart="never" nodeType="tmRoot"/>
+      </p:par>
+    </p:tnLst>
+  </p:timing>
+</p:sld>
+</file>
+
+<file path=ppt/slides/slide29.xml><?xml version="1.0" encoding="utf-8"?>
+<p:sld xmlns:a="http://schemas.openxmlformats.org/drawingml/2006/main" xmlns:r="http://schemas.openxmlformats.org/officeDocument/2006/relationships" xmlns:p="http://schemas.openxmlformats.org/presentationml/2006/main">
+  <p:cSld>
+    <p:spTree>
+      <p:nvGrpSpPr>
+        <p:cNvPr id="1" name=""/>
+        <p:cNvGrpSpPr/>
+        <p:nvPr/>
+      </p:nvGrpSpPr>
+      <p:grpSpPr>
+        <a:xfrm>
+          <a:off x="0" y="0"/>
+          <a:ext cx="0" cy="0"/>
+          <a:chOff x="0" y="0"/>
+          <a:chExt cx="0" cy="0"/>
+        </a:xfrm>
+      </p:grpSpPr>
+      <p:sp>
+        <p:nvSpPr>
+          <p:cNvPr id="2" name="Titolo 1"/>
+          <p:cNvSpPr>
+            <a:spLocks noGrp="1"/>
+          </p:cNvSpPr>
+          <p:nvPr>
+            <p:ph type="title"/>
+          </p:nvPr>
+        </p:nvSpPr>
+        <p:spPr/>
+        <p:txBody>
+          <a:bodyPr/>
+          <a:lstStyle/>
+          <a:p>
+            <a:r>
+              <a:rPr lang="it-IT" dirty="0" smtClean="0"/>
+              <a:t>Apache Kafka</a:t>
+            </a:r>
+            <a:endParaRPr lang="it-IT" dirty="0"/>
+          </a:p>
+        </p:txBody>
+      </p:sp>
+      <p:sp>
+        <p:nvSpPr>
+          <p:cNvPr id="3" name="Segnaposto contenuto 2"/>
+          <p:cNvSpPr>
+            <a:spLocks noGrp="1"/>
+          </p:cNvSpPr>
+          <p:nvPr>
+            <p:ph idx="1"/>
+          </p:nvPr>
+        </p:nvSpPr>
+        <p:spPr/>
+        <p:txBody>
+          <a:bodyPr/>
+          <a:lstStyle/>
+          <a:p>
+            <a:r>
+              <a:rPr lang="en-US" sz="2800" dirty="0"/>
+              <a:t>The project aims to provide a unified, high-throughput, low-latency platform for handling real-time data feeds. The design is heavily influenced by transaction logs. It is a messaging system, similar to traditional messaging systems like </a:t>
+            </a:r>
+            <a:r>
+              <a:rPr lang="en-US" sz="2800" dirty="0" err="1"/>
+              <a:t>RabbitMQ</a:t>
+            </a:r>
+            <a:r>
+              <a:rPr lang="en-US" sz="2800" dirty="0"/>
+              <a:t>, </a:t>
+            </a:r>
+            <a:r>
+              <a:rPr lang="en-US" sz="2800" dirty="0" err="1"/>
+              <a:t>ActiveMQ</a:t>
+            </a:r>
+            <a:r>
+              <a:rPr lang="en-US" sz="2800" dirty="0"/>
+              <a:t>, </a:t>
+            </a:r>
+            <a:r>
+              <a:rPr lang="en-US" sz="2800" dirty="0" err="1"/>
+              <a:t>MQSeries</a:t>
+            </a:r>
+            <a:r>
+              <a:rPr lang="en-US" sz="2800" dirty="0"/>
+              <a:t>, but it’s ideal for log aggregation, persistent messaging, fast (_hundreds_ of megabytes per second!) reads and writes, and can accommodate numerous </a:t>
+            </a:r>
+            <a:r>
+              <a:rPr lang="en-US" sz="2800" dirty="0" smtClean="0"/>
+              <a:t>clients</a:t>
+            </a:r>
+          </a:p>
+          <a:p>
+            <a:r>
+              <a:rPr lang="it-IT" sz="2800" dirty="0"/>
+              <a:t>A Kafka </a:t>
+            </a:r>
+            <a:r>
+              <a:rPr lang="it-IT" sz="2800" i="1" dirty="0"/>
+              <a:t>broker</a:t>
+            </a:r>
+            <a:r>
+              <a:rPr lang="it-IT" sz="2800" dirty="0"/>
+              <a:t> cluster </a:t>
+            </a:r>
+            <a:r>
+              <a:rPr lang="it-IT" sz="2800" dirty="0" err="1"/>
+              <a:t>consists</a:t>
+            </a:r>
+            <a:r>
+              <a:rPr lang="it-IT" sz="2800" dirty="0"/>
+              <a:t> of </a:t>
+            </a:r>
+            <a:r>
+              <a:rPr lang="it-IT" sz="2800" dirty="0" err="1"/>
+              <a:t>one</a:t>
+            </a:r>
+            <a:r>
+              <a:rPr lang="it-IT" sz="2800" dirty="0"/>
+              <a:t> or more </a:t>
+            </a:r>
+            <a:r>
+              <a:rPr lang="it-IT" sz="2800" dirty="0" err="1"/>
+              <a:t>servers</a:t>
+            </a:r>
+            <a:r>
+              <a:rPr lang="it-IT" sz="2800" dirty="0"/>
+              <a:t> </a:t>
+            </a:r>
+            <a:r>
+              <a:rPr lang="it-IT" sz="2800" dirty="0" err="1"/>
+              <a:t>where</a:t>
+            </a:r>
+            <a:r>
+              <a:rPr lang="it-IT" sz="2800" dirty="0"/>
+              <a:t> </a:t>
+            </a:r>
+            <a:r>
+              <a:rPr lang="it-IT" sz="2800" dirty="0" err="1"/>
+              <a:t>each</a:t>
+            </a:r>
+            <a:r>
+              <a:rPr lang="it-IT" sz="2800" dirty="0"/>
+              <a:t> </a:t>
+            </a:r>
+            <a:r>
+              <a:rPr lang="it-IT" sz="2800" dirty="0" err="1"/>
+              <a:t>may</a:t>
+            </a:r>
+            <a:r>
+              <a:rPr lang="it-IT" sz="2800" dirty="0"/>
+              <a:t> </a:t>
+            </a:r>
+            <a:r>
+              <a:rPr lang="it-IT" sz="2800" dirty="0" err="1"/>
+              <a:t>have</a:t>
+            </a:r>
+            <a:r>
+              <a:rPr lang="it-IT" sz="2800" dirty="0"/>
+              <a:t> </a:t>
+            </a:r>
+            <a:r>
+              <a:rPr lang="it-IT" sz="2800" dirty="0" err="1"/>
+              <a:t>one</a:t>
+            </a:r>
+            <a:r>
+              <a:rPr lang="it-IT" sz="2800" dirty="0"/>
+              <a:t> or more broker </a:t>
+            </a:r>
+            <a:r>
+              <a:rPr lang="it-IT" sz="2800" dirty="0" err="1"/>
+              <a:t>processes</a:t>
+            </a:r>
+            <a:r>
+              <a:rPr lang="it-IT" sz="2800" dirty="0"/>
+              <a:t> </a:t>
+            </a:r>
+            <a:r>
+              <a:rPr lang="it-IT" sz="2800" dirty="0" err="1"/>
+              <a:t>running</a:t>
+            </a:r>
+            <a:r>
+              <a:rPr lang="it-IT" sz="2800" dirty="0"/>
+              <a:t>. Apache Kafka </a:t>
+            </a:r>
+            <a:r>
+              <a:rPr lang="it-IT" sz="2800" dirty="0" err="1"/>
+              <a:t>is</a:t>
+            </a:r>
+            <a:r>
+              <a:rPr lang="it-IT" sz="2800" dirty="0"/>
+              <a:t> </a:t>
+            </a:r>
+            <a:r>
+              <a:rPr lang="it-IT" sz="2800" dirty="0" err="1"/>
+              <a:t>designed</a:t>
+            </a:r>
+            <a:r>
+              <a:rPr lang="it-IT" sz="2800" dirty="0"/>
+              <a:t> to be </a:t>
+            </a:r>
+            <a:r>
+              <a:rPr lang="it-IT" sz="2800" dirty="0" err="1"/>
+              <a:t>highly</a:t>
+            </a:r>
+            <a:r>
+              <a:rPr lang="it-IT" sz="2800" dirty="0"/>
+              <a:t> </a:t>
+            </a:r>
+            <a:r>
+              <a:rPr lang="it-IT" sz="2800" dirty="0" err="1"/>
+              <a:t>available</a:t>
+            </a:r>
+            <a:r>
+              <a:rPr lang="it-IT" sz="2800" dirty="0"/>
+              <a:t>; </a:t>
+            </a:r>
+            <a:r>
+              <a:rPr lang="it-IT" sz="2800" dirty="0" err="1"/>
+              <a:t>there</a:t>
+            </a:r>
+            <a:r>
+              <a:rPr lang="it-IT" sz="2800" dirty="0"/>
+              <a:t> are no </a:t>
+            </a:r>
+            <a:r>
+              <a:rPr lang="it-IT" sz="2800" i="1" dirty="0" err="1"/>
+              <a:t>master</a:t>
+            </a:r>
+            <a:r>
+              <a:rPr lang="it-IT" sz="2800" dirty="0" err="1"/>
+              <a:t>nodes</a:t>
+            </a:r>
+            <a:r>
+              <a:rPr lang="it-IT" sz="2800" dirty="0"/>
+              <a:t>. </a:t>
+            </a:r>
+            <a:r>
+              <a:rPr lang="it-IT" sz="2800" dirty="0" err="1"/>
+              <a:t>All</a:t>
+            </a:r>
+            <a:r>
+              <a:rPr lang="it-IT" sz="2800" dirty="0"/>
+              <a:t> </a:t>
+            </a:r>
+            <a:r>
+              <a:rPr lang="it-IT" sz="2800" dirty="0" err="1"/>
+              <a:t>nodes</a:t>
+            </a:r>
+            <a:r>
+              <a:rPr lang="it-IT" sz="2800" dirty="0"/>
+              <a:t> are </a:t>
+            </a:r>
+            <a:r>
+              <a:rPr lang="it-IT" sz="2800" dirty="0" err="1"/>
+              <a:t>interchangeable</a:t>
+            </a:r>
+            <a:r>
+              <a:rPr lang="it-IT" sz="2800" dirty="0"/>
+              <a:t>. Data </a:t>
+            </a:r>
+            <a:r>
+              <a:rPr lang="it-IT" sz="2800" dirty="0" err="1"/>
+              <a:t>is</a:t>
+            </a:r>
+            <a:r>
+              <a:rPr lang="it-IT" sz="2800" dirty="0"/>
+              <a:t> </a:t>
+            </a:r>
+            <a:r>
+              <a:rPr lang="it-IT" sz="2800" dirty="0" err="1"/>
+              <a:t>replicated</a:t>
+            </a:r>
+            <a:r>
+              <a:rPr lang="it-IT" sz="2800" dirty="0"/>
+              <a:t> from </a:t>
+            </a:r>
+            <a:r>
+              <a:rPr lang="it-IT" sz="2800" dirty="0" err="1"/>
+              <a:t>one</a:t>
+            </a:r>
+            <a:r>
+              <a:rPr lang="it-IT" sz="2800" dirty="0"/>
+              <a:t> </a:t>
+            </a:r>
+            <a:r>
+              <a:rPr lang="it-IT" sz="2800" dirty="0" err="1"/>
+              <a:t>node</a:t>
+            </a:r>
+            <a:r>
+              <a:rPr lang="it-IT" sz="2800" dirty="0"/>
+              <a:t> to </a:t>
+            </a:r>
+            <a:r>
+              <a:rPr lang="it-IT" sz="2800" dirty="0" err="1"/>
+              <a:t>another</a:t>
+            </a:r>
+            <a:r>
+              <a:rPr lang="it-IT" sz="2800" dirty="0"/>
+              <a:t> to </a:t>
+            </a:r>
+            <a:r>
+              <a:rPr lang="it-IT" sz="2800" dirty="0" err="1"/>
+              <a:t>ensure</a:t>
+            </a:r>
+            <a:r>
+              <a:rPr lang="it-IT" sz="2800" dirty="0"/>
+              <a:t> </a:t>
+            </a:r>
+            <a:r>
+              <a:rPr lang="it-IT" sz="2800" dirty="0" err="1"/>
+              <a:t>that</a:t>
+            </a:r>
+            <a:r>
+              <a:rPr lang="it-IT" sz="2800" dirty="0"/>
+              <a:t> </a:t>
+            </a:r>
+            <a:r>
+              <a:rPr lang="it-IT" sz="2800" dirty="0" err="1"/>
+              <a:t>it</a:t>
+            </a:r>
+            <a:r>
+              <a:rPr lang="it-IT" sz="2800" dirty="0"/>
+              <a:t> </a:t>
+            </a:r>
+            <a:r>
+              <a:rPr lang="it-IT" sz="2800" dirty="0" err="1"/>
+              <a:t>is</a:t>
+            </a:r>
+            <a:r>
+              <a:rPr lang="it-IT" sz="2800" dirty="0"/>
+              <a:t> </a:t>
+            </a:r>
+            <a:r>
+              <a:rPr lang="it-IT" sz="2800" dirty="0" err="1"/>
+              <a:t>still</a:t>
+            </a:r>
+            <a:r>
+              <a:rPr lang="it-IT" sz="2800" dirty="0"/>
+              <a:t> </a:t>
+            </a:r>
+            <a:r>
+              <a:rPr lang="it-IT" sz="2800" dirty="0" err="1"/>
+              <a:t>available</a:t>
+            </a:r>
+            <a:r>
+              <a:rPr lang="it-IT" sz="2800" dirty="0"/>
+              <a:t> in the </a:t>
+            </a:r>
+            <a:r>
+              <a:rPr lang="it-IT" sz="2800" dirty="0" err="1"/>
+              <a:t>event</a:t>
+            </a:r>
+            <a:r>
+              <a:rPr lang="it-IT" sz="2800" dirty="0"/>
+              <a:t> of a </a:t>
+            </a:r>
+            <a:r>
+              <a:rPr lang="it-IT" sz="2800" dirty="0" err="1"/>
+              <a:t>failure</a:t>
+            </a:r>
+            <a:r>
+              <a:rPr lang="it-IT" sz="2800" dirty="0"/>
+              <a:t>.</a:t>
+            </a:r>
+          </a:p>
+          <a:p>
+            <a:r>
+              <a:rPr lang="it-IT" sz="2800" dirty="0"/>
+              <a:t>In Kafka, a </a:t>
+            </a:r>
+            <a:r>
+              <a:rPr lang="it-IT" sz="2800" i="1" dirty="0" err="1"/>
+              <a:t>topic</a:t>
+            </a:r>
+            <a:r>
+              <a:rPr lang="it-IT" sz="2800" dirty="0"/>
+              <a:t> </a:t>
+            </a:r>
+            <a:r>
+              <a:rPr lang="it-IT" sz="2800" dirty="0" err="1"/>
+              <a:t>is</a:t>
+            </a:r>
+            <a:r>
+              <a:rPr lang="it-IT" sz="2800" dirty="0"/>
+              <a:t> a </a:t>
+            </a:r>
+            <a:r>
+              <a:rPr lang="it-IT" sz="2800" dirty="0" err="1"/>
+              <a:t>category</a:t>
+            </a:r>
+            <a:r>
+              <a:rPr lang="it-IT" sz="2800" dirty="0"/>
+              <a:t>, </a:t>
+            </a:r>
+            <a:r>
+              <a:rPr lang="it-IT" sz="2800" dirty="0" err="1"/>
+              <a:t>similar</a:t>
+            </a:r>
+            <a:r>
+              <a:rPr lang="it-IT" sz="2800" dirty="0"/>
+              <a:t> to a JMS </a:t>
+            </a:r>
+            <a:r>
+              <a:rPr lang="it-IT" sz="2800" dirty="0" err="1"/>
+              <a:t>destination</a:t>
+            </a:r>
+            <a:r>
+              <a:rPr lang="it-IT" sz="2800" dirty="0"/>
+              <a:t> or </a:t>
+            </a:r>
+            <a:r>
+              <a:rPr lang="it-IT" sz="2800" dirty="0" err="1"/>
+              <a:t>both</a:t>
+            </a:r>
+            <a:r>
+              <a:rPr lang="it-IT" sz="2800" dirty="0"/>
+              <a:t> an AMQP </a:t>
+            </a:r>
+            <a:r>
+              <a:rPr lang="it-IT" sz="2800" dirty="0" err="1"/>
+              <a:t>exchange</a:t>
+            </a:r>
+            <a:r>
+              <a:rPr lang="it-IT" sz="2800" dirty="0"/>
+              <a:t> and </a:t>
+            </a:r>
+            <a:r>
+              <a:rPr lang="it-IT" sz="2800" dirty="0" err="1"/>
+              <a:t>queue</a:t>
+            </a:r>
+            <a:r>
+              <a:rPr lang="it-IT" sz="2800" dirty="0"/>
+              <a:t>. </a:t>
+            </a:r>
+            <a:r>
+              <a:rPr lang="it-IT" sz="2800" dirty="0" err="1"/>
+              <a:t>Topics</a:t>
+            </a:r>
+            <a:r>
+              <a:rPr lang="it-IT" sz="2800" dirty="0"/>
+              <a:t> are </a:t>
+            </a:r>
+            <a:r>
+              <a:rPr lang="it-IT" sz="2800" dirty="0" err="1"/>
+              <a:t>partitioned</a:t>
+            </a:r>
+            <a:r>
+              <a:rPr lang="it-IT" sz="2800" dirty="0"/>
+              <a:t>, and the </a:t>
+            </a:r>
+            <a:r>
+              <a:rPr lang="it-IT" sz="2800" dirty="0" err="1"/>
+              <a:t>choice</a:t>
+            </a:r>
+            <a:r>
+              <a:rPr lang="it-IT" sz="2800" dirty="0"/>
+              <a:t> of </a:t>
+            </a:r>
+            <a:r>
+              <a:rPr lang="it-IT" sz="2800" dirty="0" err="1"/>
+              <a:t>which</a:t>
+            </a:r>
+            <a:r>
+              <a:rPr lang="it-IT" sz="2800" dirty="0"/>
+              <a:t> of a </a:t>
+            </a:r>
+            <a:r>
+              <a:rPr lang="it-IT" sz="2800" dirty="0" err="1"/>
+              <a:t>topic’s</a:t>
+            </a:r>
+            <a:r>
+              <a:rPr lang="it-IT" sz="2800" dirty="0"/>
+              <a:t> </a:t>
+            </a:r>
+            <a:r>
+              <a:rPr lang="it-IT" sz="2800" dirty="0" err="1"/>
+              <a:t>partition</a:t>
+            </a:r>
+            <a:r>
+              <a:rPr lang="it-IT" sz="2800" dirty="0"/>
+              <a:t> a message </a:t>
+            </a:r>
+            <a:r>
+              <a:rPr lang="it-IT" sz="2800" dirty="0" err="1"/>
+              <a:t>should</a:t>
+            </a:r>
+            <a:r>
+              <a:rPr lang="it-IT" sz="2800" dirty="0"/>
+              <a:t> be </a:t>
+            </a:r>
+            <a:r>
+              <a:rPr lang="it-IT" sz="2800" dirty="0" err="1"/>
+              <a:t>sent</a:t>
+            </a:r>
+            <a:r>
+              <a:rPr lang="it-IT" sz="2800" dirty="0"/>
+              <a:t> to </a:t>
+            </a:r>
+            <a:r>
+              <a:rPr lang="it-IT" sz="2800" dirty="0" err="1"/>
+              <a:t>is</a:t>
+            </a:r>
+            <a:r>
+              <a:rPr lang="it-IT" sz="2800" dirty="0"/>
+              <a:t> made by the message producer. </a:t>
+            </a:r>
+            <a:r>
+              <a:rPr lang="it-IT" sz="2800" dirty="0" err="1"/>
+              <a:t>Each</a:t>
+            </a:r>
+            <a:r>
+              <a:rPr lang="it-IT" sz="2800" dirty="0"/>
+              <a:t> message in the </a:t>
+            </a:r>
+            <a:r>
+              <a:rPr lang="it-IT" sz="2800" dirty="0" err="1"/>
+              <a:t>partition</a:t>
+            </a:r>
+            <a:r>
+              <a:rPr lang="it-IT" sz="2800" dirty="0"/>
+              <a:t> </a:t>
+            </a:r>
+            <a:r>
+              <a:rPr lang="it-IT" sz="2800" dirty="0" err="1"/>
+              <a:t>is</a:t>
+            </a:r>
+            <a:r>
+              <a:rPr lang="it-IT" sz="2800" dirty="0"/>
+              <a:t> </a:t>
+            </a:r>
+            <a:r>
+              <a:rPr lang="it-IT" sz="2800" dirty="0" err="1"/>
+              <a:t>assigned</a:t>
+            </a:r>
+            <a:r>
+              <a:rPr lang="it-IT" sz="2800" dirty="0"/>
+              <a:t> a </a:t>
+            </a:r>
+            <a:r>
+              <a:rPr lang="it-IT" sz="2800" dirty="0" err="1"/>
+              <a:t>unique</a:t>
+            </a:r>
+            <a:r>
+              <a:rPr lang="it-IT" sz="2800" dirty="0"/>
+              <a:t> </a:t>
+            </a:r>
+            <a:r>
+              <a:rPr lang="it-IT" sz="2800" dirty="0" err="1"/>
+              <a:t>sequenced</a:t>
+            </a:r>
+            <a:r>
+              <a:rPr lang="it-IT" sz="2800" dirty="0"/>
+              <a:t> ID, </a:t>
+            </a:r>
+            <a:r>
+              <a:rPr lang="it-IT" sz="2800" dirty="0" err="1"/>
+              <a:t>its</a:t>
+            </a:r>
+            <a:r>
+              <a:rPr lang="it-IT" sz="2800" dirty="0"/>
+              <a:t> </a:t>
+            </a:r>
+            <a:r>
+              <a:rPr lang="it-IT" sz="2800" i="1" dirty="0"/>
+              <a:t>offset</a:t>
+            </a:r>
+            <a:r>
+              <a:rPr lang="it-IT" sz="2800" dirty="0"/>
+              <a:t>. More </a:t>
+            </a:r>
+            <a:r>
+              <a:rPr lang="it-IT" sz="2800" dirty="0" err="1"/>
+              <a:t>partitions</a:t>
+            </a:r>
+            <a:r>
+              <a:rPr lang="it-IT" sz="2800" dirty="0"/>
+              <a:t> </a:t>
+            </a:r>
+            <a:r>
+              <a:rPr lang="it-IT" sz="2800" dirty="0" err="1"/>
+              <a:t>allow</a:t>
+            </a:r>
+            <a:r>
+              <a:rPr lang="it-IT" sz="2800" dirty="0"/>
+              <a:t> </a:t>
+            </a:r>
+            <a:r>
+              <a:rPr lang="it-IT" sz="2800" dirty="0" err="1"/>
+              <a:t>greater</a:t>
+            </a:r>
+            <a:r>
+              <a:rPr lang="it-IT" sz="2800" dirty="0"/>
+              <a:t> </a:t>
+            </a:r>
+            <a:r>
+              <a:rPr lang="it-IT" sz="2800" dirty="0" err="1"/>
+              <a:t>parallelism</a:t>
+            </a:r>
+            <a:r>
+              <a:rPr lang="it-IT" sz="2800" dirty="0"/>
+              <a:t> for </a:t>
+            </a:r>
+            <a:r>
+              <a:rPr lang="it-IT" sz="2800" dirty="0" err="1"/>
+              <a:t>consumption</a:t>
+            </a:r>
+            <a:r>
+              <a:rPr lang="it-IT" sz="2800" dirty="0"/>
+              <a:t>, </a:t>
+            </a:r>
+            <a:r>
+              <a:rPr lang="it-IT" sz="2800" dirty="0" err="1"/>
+              <a:t>but</a:t>
+            </a:r>
+            <a:r>
+              <a:rPr lang="it-IT" sz="2800" dirty="0"/>
+              <a:t> </a:t>
+            </a:r>
+            <a:r>
+              <a:rPr lang="it-IT" sz="2800" dirty="0" err="1"/>
+              <a:t>this</a:t>
+            </a:r>
+            <a:r>
+              <a:rPr lang="it-IT" sz="2800" dirty="0"/>
+              <a:t> </a:t>
+            </a:r>
+            <a:r>
+              <a:rPr lang="it-IT" sz="2800" dirty="0" err="1"/>
+              <a:t>will</a:t>
+            </a:r>
+            <a:r>
+              <a:rPr lang="it-IT" sz="2800" dirty="0"/>
+              <a:t> </a:t>
+            </a:r>
+            <a:r>
+              <a:rPr lang="it-IT" sz="2800" dirty="0" err="1"/>
+              <a:t>also</a:t>
+            </a:r>
+            <a:r>
+              <a:rPr lang="it-IT" sz="2800" dirty="0"/>
+              <a:t> </a:t>
+            </a:r>
+            <a:r>
+              <a:rPr lang="it-IT" sz="2800" dirty="0" err="1"/>
+              <a:t>result</a:t>
+            </a:r>
+            <a:r>
+              <a:rPr lang="it-IT" sz="2800" dirty="0"/>
+              <a:t> in more </a:t>
+            </a:r>
+            <a:r>
+              <a:rPr lang="it-IT" sz="2800" dirty="0" err="1"/>
+              <a:t>files</a:t>
+            </a:r>
+            <a:r>
+              <a:rPr lang="it-IT" sz="2800" dirty="0"/>
+              <a:t> </a:t>
+            </a:r>
+            <a:r>
+              <a:rPr lang="it-IT" sz="2800" dirty="0" err="1"/>
+              <a:t>across</a:t>
+            </a:r>
+            <a:r>
+              <a:rPr lang="it-IT" sz="2800" dirty="0"/>
+              <a:t> the brokers.</a:t>
+            </a:r>
+          </a:p>
+          <a:p>
+            <a:r>
+              <a:rPr lang="it-IT" sz="2800" i="1" dirty="0" err="1"/>
+              <a:t>Producers</a:t>
+            </a:r>
+            <a:r>
+              <a:rPr lang="it-IT" sz="2800" dirty="0"/>
+              <a:t> </a:t>
+            </a:r>
+            <a:r>
+              <a:rPr lang="it-IT" sz="2800" dirty="0" err="1"/>
+              <a:t>send</a:t>
+            </a:r>
+            <a:r>
+              <a:rPr lang="it-IT" sz="2800" dirty="0"/>
+              <a:t> </a:t>
+            </a:r>
+            <a:r>
+              <a:rPr lang="it-IT" sz="2800" dirty="0" err="1"/>
+              <a:t>messages</a:t>
+            </a:r>
+            <a:r>
+              <a:rPr lang="it-IT" sz="2800" dirty="0"/>
+              <a:t> to Apache Kafka broker </a:t>
+            </a:r>
+            <a:r>
+              <a:rPr lang="it-IT" sz="2800" dirty="0" err="1"/>
+              <a:t>topics</a:t>
+            </a:r>
+            <a:r>
+              <a:rPr lang="it-IT" sz="2800" dirty="0"/>
+              <a:t> and </a:t>
+            </a:r>
+            <a:r>
+              <a:rPr lang="it-IT" sz="2800" dirty="0" err="1"/>
+              <a:t>specify</a:t>
+            </a:r>
+            <a:r>
+              <a:rPr lang="it-IT" sz="2800" dirty="0"/>
+              <a:t> the </a:t>
+            </a:r>
+            <a:r>
+              <a:rPr lang="it-IT" sz="2800" dirty="0" err="1"/>
+              <a:t>partition</a:t>
+            </a:r>
+            <a:r>
+              <a:rPr lang="it-IT" sz="2800" dirty="0"/>
+              <a:t> to use for </a:t>
+            </a:r>
+            <a:r>
+              <a:rPr lang="it-IT" sz="2800" dirty="0" err="1"/>
+              <a:t>every</a:t>
+            </a:r>
+            <a:r>
+              <a:rPr lang="it-IT" sz="2800" dirty="0"/>
+              <a:t> message </a:t>
+            </a:r>
+            <a:r>
+              <a:rPr lang="it-IT" sz="2800" dirty="0" err="1"/>
+              <a:t>they</a:t>
+            </a:r>
+            <a:r>
+              <a:rPr lang="it-IT" sz="2800" dirty="0"/>
+              <a:t> produce. Message production </a:t>
+            </a:r>
+            <a:r>
+              <a:rPr lang="it-IT" sz="2800" dirty="0" err="1"/>
+              <a:t>may</a:t>
+            </a:r>
+            <a:r>
+              <a:rPr lang="it-IT" sz="2800" dirty="0"/>
+              <a:t> be </a:t>
+            </a:r>
+            <a:r>
+              <a:rPr lang="it-IT" sz="2800" dirty="0" err="1"/>
+              <a:t>synchronous</a:t>
+            </a:r>
+            <a:r>
+              <a:rPr lang="it-IT" sz="2800" dirty="0"/>
+              <a:t> or </a:t>
+            </a:r>
+            <a:r>
+              <a:rPr lang="it-IT" sz="2800" dirty="0" err="1"/>
+              <a:t>asynchronous</a:t>
+            </a:r>
+            <a:r>
+              <a:rPr lang="it-IT" sz="2800" dirty="0"/>
+              <a:t>. </a:t>
+            </a:r>
+            <a:r>
+              <a:rPr lang="it-IT" sz="2800" dirty="0" err="1"/>
+              <a:t>Producers</a:t>
+            </a:r>
+            <a:r>
+              <a:rPr lang="it-IT" sz="2800" dirty="0"/>
+              <a:t> </a:t>
+            </a:r>
+            <a:r>
+              <a:rPr lang="it-IT" sz="2800" dirty="0" err="1"/>
+              <a:t>also</a:t>
+            </a:r>
+            <a:r>
+              <a:rPr lang="it-IT" sz="2800" dirty="0"/>
+              <a:t> </a:t>
+            </a:r>
+            <a:r>
+              <a:rPr lang="it-IT" sz="2800" dirty="0" err="1"/>
+              <a:t>specify</a:t>
+            </a:r>
+            <a:r>
+              <a:rPr lang="it-IT" sz="2800" dirty="0"/>
+              <a:t> </a:t>
+            </a:r>
+            <a:r>
+              <a:rPr lang="it-IT" sz="2800" dirty="0" err="1"/>
+              <a:t>what</a:t>
+            </a:r>
+            <a:r>
+              <a:rPr lang="it-IT" sz="2800" dirty="0"/>
+              <a:t> </a:t>
+            </a:r>
+            <a:r>
+              <a:rPr lang="it-IT" sz="2800" dirty="0" err="1"/>
+              <a:t>sort</a:t>
+            </a:r>
+            <a:r>
+              <a:rPr lang="it-IT" sz="2800" dirty="0"/>
+              <a:t> of </a:t>
+            </a:r>
+            <a:r>
+              <a:rPr lang="it-IT" sz="2800" dirty="0" err="1"/>
+              <a:t>replication</a:t>
+            </a:r>
+            <a:r>
+              <a:rPr lang="it-IT" sz="2800" dirty="0"/>
+              <a:t> </a:t>
+            </a:r>
+            <a:r>
+              <a:rPr lang="it-IT" sz="2800" dirty="0" err="1"/>
+              <a:t>guarantees</a:t>
+            </a:r>
+            <a:r>
+              <a:rPr lang="it-IT" sz="2800" dirty="0"/>
+              <a:t> </a:t>
+            </a:r>
+            <a:r>
+              <a:rPr lang="it-IT" sz="2800" dirty="0" err="1"/>
+              <a:t>they</a:t>
+            </a:r>
+            <a:r>
+              <a:rPr lang="it-IT" sz="2800" dirty="0"/>
+              <a:t> </a:t>
+            </a:r>
+            <a:r>
+              <a:rPr lang="it-IT" sz="2800" dirty="0" err="1"/>
+              <a:t>want</a:t>
+            </a:r>
+            <a:r>
+              <a:rPr lang="it-IT" sz="2800" dirty="0"/>
+              <a:t>.</a:t>
+            </a:r>
+          </a:p>
+          <a:p>
+            <a:r>
+              <a:rPr lang="it-IT" sz="2800" i="1" dirty="0"/>
+              <a:t>Consumers</a:t>
+            </a:r>
+            <a:r>
+              <a:rPr lang="it-IT" sz="2800" dirty="0"/>
+              <a:t> </a:t>
+            </a:r>
+            <a:r>
+              <a:rPr lang="it-IT" sz="2800" dirty="0" err="1"/>
+              <a:t>listen</a:t>
+            </a:r>
+            <a:r>
+              <a:rPr lang="it-IT" sz="2800" dirty="0"/>
+              <a:t> for </a:t>
+            </a:r>
+            <a:r>
+              <a:rPr lang="it-IT" sz="2800" dirty="0" err="1"/>
+              <a:t>messages</a:t>
+            </a:r>
+            <a:r>
+              <a:rPr lang="it-IT" sz="2800" dirty="0"/>
+              <a:t> on </a:t>
+            </a:r>
+            <a:r>
+              <a:rPr lang="it-IT" sz="2800" dirty="0" err="1"/>
+              <a:t>topics</a:t>
+            </a:r>
+            <a:r>
+              <a:rPr lang="it-IT" sz="2800" dirty="0"/>
+              <a:t> and </a:t>
+            </a:r>
+            <a:r>
+              <a:rPr lang="it-IT" sz="2800" dirty="0" err="1"/>
+              <a:t>process</a:t>
+            </a:r>
+            <a:r>
+              <a:rPr lang="it-IT" sz="2800" dirty="0"/>
+              <a:t> the </a:t>
+            </a:r>
+            <a:r>
+              <a:rPr lang="it-IT" sz="2800" dirty="0" err="1"/>
+              <a:t>feed</a:t>
+            </a:r>
+            <a:r>
+              <a:rPr lang="it-IT" sz="2800" dirty="0"/>
+              <a:t> of </a:t>
+            </a:r>
+            <a:r>
+              <a:rPr lang="it-IT" sz="2800" dirty="0" err="1"/>
+              <a:t>published</a:t>
+            </a:r>
+            <a:r>
+              <a:rPr lang="it-IT" sz="2800" dirty="0"/>
+              <a:t> </a:t>
+            </a:r>
+            <a:r>
+              <a:rPr lang="it-IT" sz="2800" dirty="0" err="1"/>
+              <a:t>messages</a:t>
+            </a:r>
+            <a:r>
+              <a:rPr lang="it-IT" sz="2800" dirty="0"/>
+              <a:t>. </a:t>
+            </a:r>
+            <a:r>
+              <a:rPr lang="it-IT" sz="2800" dirty="0" err="1"/>
+              <a:t>As</a:t>
+            </a:r>
+            <a:r>
+              <a:rPr lang="it-IT" sz="2800" dirty="0"/>
+              <a:t> </a:t>
+            </a:r>
+            <a:r>
+              <a:rPr lang="it-IT" sz="2800" dirty="0" err="1"/>
+              <a:t>you’d</a:t>
+            </a:r>
+            <a:r>
+              <a:rPr lang="it-IT" sz="2800" dirty="0"/>
+              <a:t> </a:t>
+            </a:r>
+            <a:r>
+              <a:rPr lang="it-IT" sz="2800" dirty="0" err="1"/>
+              <a:t>expect</a:t>
+            </a:r>
+            <a:r>
+              <a:rPr lang="it-IT" sz="2800" dirty="0"/>
+              <a:t> </a:t>
+            </a:r>
+            <a:r>
+              <a:rPr lang="it-IT" sz="2800" dirty="0" err="1"/>
+              <a:t>if</a:t>
+            </a:r>
+            <a:r>
+              <a:rPr lang="it-IT" sz="2800" dirty="0"/>
+              <a:t> </a:t>
+            </a:r>
+            <a:r>
+              <a:rPr lang="it-IT" sz="2800" dirty="0" err="1"/>
+              <a:t>you’ve</a:t>
+            </a:r>
+            <a:r>
+              <a:rPr lang="it-IT" sz="2800" dirty="0"/>
+              <a:t> </a:t>
+            </a:r>
+            <a:r>
+              <a:rPr lang="it-IT" sz="2800" dirty="0" err="1"/>
+              <a:t>used</a:t>
+            </a:r>
+            <a:r>
+              <a:rPr lang="it-IT" sz="2800" dirty="0"/>
+              <a:t> </a:t>
+            </a:r>
+            <a:r>
+              <a:rPr lang="it-IT" sz="2800" dirty="0" err="1"/>
+              <a:t>other</a:t>
+            </a:r>
+            <a:r>
+              <a:rPr lang="it-IT" sz="2800" dirty="0"/>
+              <a:t> </a:t>
+            </a:r>
+            <a:r>
+              <a:rPr lang="it-IT" sz="2800" dirty="0" err="1"/>
+              <a:t>messaging</a:t>
+            </a:r>
+            <a:r>
+              <a:rPr lang="it-IT" sz="2800" dirty="0"/>
+              <a:t> </a:t>
+            </a:r>
+            <a:r>
+              <a:rPr lang="it-IT" sz="2800" dirty="0" err="1"/>
+              <a:t>systems</a:t>
+            </a:r>
+            <a:r>
+              <a:rPr lang="it-IT" sz="2800" dirty="0"/>
+              <a:t>, </a:t>
+            </a:r>
+            <a:r>
+              <a:rPr lang="it-IT" sz="2800" dirty="0" err="1"/>
+              <a:t>this</a:t>
+            </a:r>
+            <a:r>
+              <a:rPr lang="it-IT" sz="2800" dirty="0"/>
+              <a:t> </a:t>
+            </a:r>
+            <a:r>
+              <a:rPr lang="it-IT" sz="2800" dirty="0" err="1"/>
+              <a:t>is</a:t>
+            </a:r>
+            <a:r>
+              <a:rPr lang="it-IT" sz="2800" dirty="0"/>
+              <a:t> </a:t>
+            </a:r>
+            <a:r>
+              <a:rPr lang="it-IT" sz="2800" dirty="0" err="1"/>
+              <a:t>usually</a:t>
+            </a:r>
+            <a:r>
+              <a:rPr lang="it-IT" sz="2800" dirty="0"/>
+              <a:t> (and </a:t>
+            </a:r>
+            <a:r>
+              <a:rPr lang="it-IT" sz="2800" dirty="0" err="1"/>
+              <a:t>usefully</a:t>
+            </a:r>
+            <a:r>
+              <a:rPr lang="it-IT" sz="2800" dirty="0"/>
+              <a:t>!) </a:t>
+            </a:r>
+            <a:r>
+              <a:rPr lang="it-IT" sz="2800" dirty="0" err="1"/>
+              <a:t>asynchronous</a:t>
+            </a:r>
+            <a:r>
+              <a:rPr lang="it-IT" sz="2800" dirty="0" smtClean="0"/>
+              <a:t>.</a:t>
+            </a:r>
+          </a:p>
+          <a:p>
+            <a:r>
+              <a:rPr lang="it-IT" sz="2800" dirty="0"/>
+              <a:t>Like </a:t>
+            </a:r>
+            <a:r>
+              <a:rPr lang="it-IT" sz="2800" u="sng" dirty="0">
+                <a:hlinkClick r:id="rId2"/>
+              </a:rPr>
+              <a:t>Spring XD</a:t>
+            </a:r>
+            <a:r>
+              <a:rPr lang="it-IT" sz="2800" dirty="0"/>
+              <a:t> and </a:t>
+            </a:r>
+            <a:r>
+              <a:rPr lang="it-IT" sz="2800" dirty="0" err="1"/>
+              <a:t>numerous</a:t>
+            </a:r>
+            <a:r>
+              <a:rPr lang="it-IT" sz="2800" dirty="0"/>
+              <a:t> </a:t>
+            </a:r>
+            <a:r>
+              <a:rPr lang="it-IT" sz="2800" dirty="0" err="1"/>
+              <a:t>other</a:t>
+            </a:r>
+            <a:r>
+              <a:rPr lang="it-IT" sz="2800" dirty="0"/>
+              <a:t> </a:t>
+            </a:r>
+            <a:r>
+              <a:rPr lang="it-IT" sz="2800" dirty="0" err="1"/>
+              <a:t>distributed</a:t>
+            </a:r>
+            <a:r>
+              <a:rPr lang="it-IT" sz="2800" dirty="0"/>
+              <a:t> </a:t>
+            </a:r>
+            <a:r>
+              <a:rPr lang="it-IT" sz="2800" dirty="0" err="1"/>
+              <a:t>system</a:t>
+            </a:r>
+            <a:r>
+              <a:rPr lang="it-IT" sz="2800" dirty="0"/>
+              <a:t>, Apache Kafka </a:t>
+            </a:r>
+            <a:r>
+              <a:rPr lang="it-IT" sz="2800" dirty="0" err="1"/>
+              <a:t>uses</a:t>
+            </a:r>
+            <a:r>
+              <a:rPr lang="it-IT" sz="2800" dirty="0"/>
+              <a:t> Apache </a:t>
+            </a:r>
+            <a:r>
+              <a:rPr lang="it-IT" sz="2800" dirty="0" err="1"/>
+              <a:t>Zookeeper</a:t>
+            </a:r>
+            <a:r>
+              <a:rPr lang="it-IT" sz="2800" dirty="0"/>
+              <a:t> to coordinate cluster information. Apache </a:t>
+            </a:r>
+            <a:r>
+              <a:rPr lang="it-IT" sz="2800" dirty="0" err="1"/>
+              <a:t>Zookeeper</a:t>
+            </a:r>
+            <a:r>
+              <a:rPr lang="it-IT" sz="2800" dirty="0"/>
+              <a:t> </a:t>
+            </a:r>
+            <a:r>
+              <a:rPr lang="it-IT" sz="2800" dirty="0" err="1"/>
+              <a:t>provides</a:t>
+            </a:r>
+            <a:r>
+              <a:rPr lang="it-IT" sz="2800" dirty="0"/>
+              <a:t> a </a:t>
+            </a:r>
+            <a:r>
+              <a:rPr lang="it-IT" sz="2800" dirty="0" err="1"/>
+              <a:t>shared</a:t>
+            </a:r>
+            <a:r>
+              <a:rPr lang="it-IT" sz="2800" dirty="0"/>
+              <a:t> </a:t>
+            </a:r>
+            <a:r>
+              <a:rPr lang="it-IT" sz="2800" dirty="0" err="1"/>
+              <a:t>hierarchical</a:t>
+            </a:r>
+            <a:r>
+              <a:rPr lang="it-IT" sz="2800" dirty="0"/>
+              <a:t> </a:t>
+            </a:r>
+            <a:r>
+              <a:rPr lang="it-IT" sz="2800" dirty="0" err="1"/>
+              <a:t>namespace</a:t>
+            </a:r>
+            <a:r>
+              <a:rPr lang="it-IT" sz="2800" dirty="0"/>
+              <a:t> (</a:t>
+            </a:r>
+            <a:r>
+              <a:rPr lang="it-IT" sz="2800" dirty="0" err="1"/>
+              <a:t>called</a:t>
+            </a:r>
+            <a:r>
+              <a:rPr lang="it-IT" sz="2800" dirty="0"/>
+              <a:t> </a:t>
+            </a:r>
+            <a:r>
+              <a:rPr lang="it-IT" sz="2800" i="1" dirty="0" err="1"/>
+              <a:t>znodes</a:t>
+            </a:r>
+            <a:r>
+              <a:rPr lang="it-IT" sz="2800" dirty="0"/>
+              <a:t>) </a:t>
+            </a:r>
+            <a:r>
+              <a:rPr lang="it-IT" sz="2800" dirty="0" err="1"/>
+              <a:t>that</a:t>
+            </a:r>
+            <a:r>
+              <a:rPr lang="it-IT" sz="2800" dirty="0"/>
+              <a:t> </a:t>
+            </a:r>
+            <a:r>
+              <a:rPr lang="it-IT" sz="2800" dirty="0" err="1"/>
+              <a:t>nodes</a:t>
+            </a:r>
+            <a:r>
+              <a:rPr lang="it-IT" sz="2800" dirty="0"/>
+              <a:t> can share to </a:t>
+            </a:r>
+            <a:r>
+              <a:rPr lang="it-IT" sz="2800" dirty="0" err="1"/>
+              <a:t>understand</a:t>
+            </a:r>
+            <a:r>
+              <a:rPr lang="it-IT" sz="2800" dirty="0"/>
+              <a:t> cluster </a:t>
+            </a:r>
+            <a:r>
+              <a:rPr lang="it-IT" sz="2800" dirty="0" err="1"/>
+              <a:t>topology</a:t>
+            </a:r>
+            <a:r>
+              <a:rPr lang="it-IT" sz="2800" dirty="0"/>
+              <a:t> and </a:t>
+            </a:r>
+            <a:r>
+              <a:rPr lang="it-IT" sz="2800" dirty="0" err="1"/>
+              <a:t>availability</a:t>
+            </a:r>
+            <a:r>
+              <a:rPr lang="it-IT" sz="2800" dirty="0"/>
+              <a:t> (</a:t>
+            </a:r>
+            <a:r>
+              <a:rPr lang="it-IT" sz="2800" dirty="0" err="1"/>
+              <a:t>yet</a:t>
+            </a:r>
+            <a:r>
+              <a:rPr lang="it-IT" sz="2800" dirty="0"/>
+              <a:t> </a:t>
+            </a:r>
+            <a:r>
+              <a:rPr lang="it-IT" sz="2800" dirty="0" err="1"/>
+              <a:t>another</a:t>
+            </a:r>
+            <a:r>
+              <a:rPr lang="it-IT" sz="2800" dirty="0"/>
+              <a:t> </a:t>
+            </a:r>
+            <a:r>
+              <a:rPr lang="it-IT" sz="2800" dirty="0" err="1"/>
+              <a:t>reason</a:t>
+            </a:r>
+            <a:r>
+              <a:rPr lang="it-IT" sz="2800" dirty="0"/>
+              <a:t> </a:t>
+            </a:r>
+            <a:r>
+              <a:rPr lang="it-IT" sz="2800" dirty="0" err="1"/>
+              <a:t>that</a:t>
+            </a:r>
+            <a:r>
+              <a:rPr lang="it-IT" sz="2800" dirty="0"/>
+              <a:t> </a:t>
+            </a:r>
+            <a:r>
+              <a:rPr lang="it-IT" sz="2800" u="sng" dirty="0">
+                <a:hlinkClick r:id="rId3"/>
+              </a:rPr>
+              <a:t>Spring </a:t>
+            </a:r>
+            <a:r>
+              <a:rPr lang="it-IT" sz="2800" u="sng" dirty="0" err="1">
+                <a:hlinkClick r:id="rId3"/>
+              </a:rPr>
+              <a:t>Cloud</a:t>
+            </a:r>
+            <a:r>
+              <a:rPr lang="it-IT" sz="2800" dirty="0"/>
+              <a:t> </a:t>
+            </a:r>
+            <a:r>
+              <a:rPr lang="it-IT" sz="2800" dirty="0" err="1"/>
+              <a:t>has</a:t>
+            </a:r>
+            <a:r>
+              <a:rPr lang="it-IT" sz="2800" dirty="0"/>
+              <a:t> </a:t>
+            </a:r>
+            <a:r>
+              <a:rPr lang="it-IT" sz="2800" dirty="0" err="1"/>
+              <a:t>forthcoming</a:t>
+            </a:r>
+            <a:r>
+              <a:rPr lang="it-IT" sz="2800" dirty="0"/>
+              <a:t> </a:t>
+            </a:r>
+            <a:r>
+              <a:rPr lang="it-IT" sz="2800" dirty="0" err="1"/>
+              <a:t>support</a:t>
+            </a:r>
+            <a:r>
+              <a:rPr lang="it-IT" sz="2800" dirty="0"/>
+              <a:t> for </a:t>
+            </a:r>
+            <a:r>
+              <a:rPr lang="it-IT" sz="2800" dirty="0" err="1"/>
+              <a:t>it</a:t>
+            </a:r>
+            <a:r>
+              <a:rPr lang="it-IT" sz="2800" dirty="0"/>
+              <a:t>..).</a:t>
+            </a:r>
+          </a:p>
+          <a:p>
+            <a:r>
+              <a:rPr lang="it-IT" sz="2800" dirty="0" err="1"/>
+              <a:t>Zookeeper</a:t>
+            </a:r>
+            <a:r>
+              <a:rPr lang="it-IT" sz="2800" dirty="0"/>
+              <a:t> </a:t>
+            </a:r>
+            <a:r>
+              <a:rPr lang="it-IT" sz="2800" dirty="0" err="1"/>
+              <a:t>is</a:t>
+            </a:r>
+            <a:r>
+              <a:rPr lang="it-IT" sz="2800" dirty="0"/>
+              <a:t> </a:t>
+            </a:r>
+            <a:r>
+              <a:rPr lang="it-IT" sz="2800" dirty="0" err="1"/>
+              <a:t>very</a:t>
+            </a:r>
+            <a:r>
+              <a:rPr lang="it-IT" sz="2800" dirty="0"/>
+              <a:t> </a:t>
+            </a:r>
+            <a:r>
+              <a:rPr lang="it-IT" sz="2800" dirty="0" err="1"/>
+              <a:t>present</a:t>
+            </a:r>
+            <a:r>
+              <a:rPr lang="it-IT" sz="2800" dirty="0"/>
+              <a:t> in </a:t>
+            </a:r>
+            <a:r>
+              <a:rPr lang="it-IT" sz="2800" dirty="0" err="1"/>
+              <a:t>your</a:t>
+            </a:r>
+            <a:r>
+              <a:rPr lang="it-IT" sz="2800" dirty="0"/>
+              <a:t> </a:t>
+            </a:r>
+            <a:r>
+              <a:rPr lang="it-IT" sz="2800" dirty="0" err="1"/>
+              <a:t>interactions</a:t>
+            </a:r>
+            <a:r>
+              <a:rPr lang="it-IT" sz="2800" dirty="0"/>
+              <a:t> with Apache Kafka. Apache Kafka </a:t>
+            </a:r>
+            <a:r>
+              <a:rPr lang="it-IT" sz="2800" dirty="0" err="1"/>
+              <a:t>has</a:t>
+            </a:r>
+            <a:r>
+              <a:rPr lang="it-IT" sz="2800" dirty="0"/>
+              <a:t>, for </a:t>
+            </a:r>
+            <a:r>
+              <a:rPr lang="it-IT" sz="2800" dirty="0" err="1"/>
+              <a:t>example</a:t>
+            </a:r>
+            <a:r>
+              <a:rPr lang="it-IT" sz="2800" dirty="0"/>
+              <a:t>, </a:t>
+            </a:r>
+            <a:r>
+              <a:rPr lang="it-IT" sz="2800" dirty="0" err="1"/>
+              <a:t>two</a:t>
+            </a:r>
+            <a:r>
+              <a:rPr lang="it-IT" sz="2800" dirty="0"/>
+              <a:t> </a:t>
+            </a:r>
+            <a:r>
+              <a:rPr lang="it-IT" sz="2800" dirty="0" err="1"/>
+              <a:t>different</a:t>
+            </a:r>
+            <a:r>
+              <a:rPr lang="it-IT" sz="2800" dirty="0"/>
+              <a:t> </a:t>
+            </a:r>
+            <a:r>
+              <a:rPr lang="it-IT" sz="2800" dirty="0" err="1"/>
+              <a:t>APIs</a:t>
+            </a:r>
+            <a:r>
+              <a:rPr lang="it-IT" sz="2800" dirty="0"/>
+              <a:t> for </a:t>
+            </a:r>
+            <a:r>
+              <a:rPr lang="it-IT" sz="2800" dirty="0" err="1"/>
+              <a:t>acting</a:t>
+            </a:r>
+            <a:r>
+              <a:rPr lang="it-IT" sz="2800" dirty="0"/>
+              <a:t> </a:t>
+            </a:r>
+            <a:r>
+              <a:rPr lang="it-IT" sz="2800" dirty="0" err="1"/>
+              <a:t>as</a:t>
+            </a:r>
+            <a:r>
+              <a:rPr lang="it-IT" sz="2800" dirty="0"/>
+              <a:t> a consumer. The </a:t>
+            </a:r>
+            <a:r>
+              <a:rPr lang="it-IT" sz="2800" dirty="0" err="1"/>
+              <a:t>higher</a:t>
+            </a:r>
+            <a:r>
+              <a:rPr lang="it-IT" sz="2800" dirty="0"/>
+              <a:t> </a:t>
+            </a:r>
+            <a:r>
+              <a:rPr lang="it-IT" sz="2800" dirty="0" err="1"/>
+              <a:t>level</a:t>
+            </a:r>
+            <a:r>
+              <a:rPr lang="it-IT" sz="2800" dirty="0"/>
+              <a:t> API </a:t>
+            </a:r>
+            <a:r>
+              <a:rPr lang="it-IT" sz="2800" dirty="0" err="1"/>
+              <a:t>is</a:t>
+            </a:r>
+            <a:r>
+              <a:rPr lang="it-IT" sz="2800" dirty="0"/>
+              <a:t> </a:t>
+            </a:r>
+            <a:r>
+              <a:rPr lang="it-IT" sz="2800" dirty="0" err="1"/>
+              <a:t>simpler</a:t>
+            </a:r>
+            <a:r>
+              <a:rPr lang="it-IT" sz="2800" dirty="0"/>
+              <a:t> to </a:t>
+            </a:r>
+            <a:r>
+              <a:rPr lang="it-IT" sz="2800" dirty="0" err="1"/>
+              <a:t>get</a:t>
+            </a:r>
+            <a:r>
+              <a:rPr lang="it-IT" sz="2800" dirty="0"/>
+              <a:t> </a:t>
+            </a:r>
+            <a:r>
+              <a:rPr lang="it-IT" sz="2800" dirty="0" err="1"/>
+              <a:t>started</a:t>
+            </a:r>
+            <a:r>
+              <a:rPr lang="it-IT" sz="2800" dirty="0"/>
+              <a:t> with and </a:t>
+            </a:r>
+            <a:r>
+              <a:rPr lang="it-IT" sz="2800" dirty="0" err="1"/>
+              <a:t>it</a:t>
+            </a:r>
+            <a:r>
+              <a:rPr lang="it-IT" sz="2800" dirty="0"/>
+              <a:t> </a:t>
+            </a:r>
+            <a:r>
+              <a:rPr lang="it-IT" sz="2800" dirty="0" err="1"/>
+              <a:t>handles</a:t>
+            </a:r>
+            <a:r>
+              <a:rPr lang="it-IT" sz="2800" dirty="0"/>
+              <a:t> </a:t>
+            </a:r>
+            <a:r>
+              <a:rPr lang="it-IT" sz="2800" dirty="0" err="1"/>
+              <a:t>all</a:t>
+            </a:r>
+            <a:r>
+              <a:rPr lang="it-IT" sz="2800" dirty="0"/>
+              <a:t> the </a:t>
+            </a:r>
+            <a:r>
+              <a:rPr lang="it-IT" sz="2800" dirty="0" err="1"/>
+              <a:t>nuances</a:t>
+            </a:r>
+            <a:r>
+              <a:rPr lang="it-IT" sz="2800" dirty="0"/>
+              <a:t> of </a:t>
+            </a:r>
+            <a:r>
+              <a:rPr lang="it-IT" sz="2800" dirty="0" err="1"/>
+              <a:t>handling</a:t>
+            </a:r>
+            <a:r>
+              <a:rPr lang="it-IT" sz="2800" dirty="0"/>
+              <a:t> </a:t>
+            </a:r>
+            <a:r>
+              <a:rPr lang="it-IT" sz="2800" dirty="0" err="1"/>
+              <a:t>partitioning</a:t>
+            </a:r>
+            <a:r>
+              <a:rPr lang="it-IT" sz="2800" dirty="0"/>
+              <a:t> and so on. </a:t>
+            </a:r>
+            <a:r>
+              <a:rPr lang="it-IT" sz="2800" dirty="0" err="1"/>
+              <a:t>It</a:t>
+            </a:r>
+            <a:r>
+              <a:rPr lang="it-IT" sz="2800" dirty="0"/>
+              <a:t> </a:t>
+            </a:r>
+            <a:r>
+              <a:rPr lang="it-IT" sz="2800" dirty="0" err="1"/>
+              <a:t>will</a:t>
+            </a:r>
+            <a:r>
+              <a:rPr lang="it-IT" sz="2800" dirty="0"/>
+              <a:t> </a:t>
+            </a:r>
+            <a:r>
+              <a:rPr lang="it-IT" sz="2800" dirty="0" err="1"/>
+              <a:t>need</a:t>
+            </a:r>
+            <a:r>
+              <a:rPr lang="it-IT" sz="2800" dirty="0"/>
+              <a:t> a </a:t>
+            </a:r>
+            <a:r>
+              <a:rPr lang="it-IT" sz="2800" dirty="0" err="1"/>
+              <a:t>reference</a:t>
+            </a:r>
+            <a:r>
+              <a:rPr lang="it-IT" sz="2800" dirty="0"/>
+              <a:t> to a </a:t>
+            </a:r>
+            <a:r>
+              <a:rPr lang="it-IT" sz="2800" dirty="0" err="1"/>
+              <a:t>Zookeeper</a:t>
+            </a:r>
+            <a:r>
+              <a:rPr lang="it-IT" sz="2800" dirty="0"/>
+              <a:t> </a:t>
+            </a:r>
+            <a:r>
+              <a:rPr lang="it-IT" sz="2800" dirty="0" err="1"/>
+              <a:t>instance</a:t>
+            </a:r>
+            <a:r>
+              <a:rPr lang="it-IT" sz="2800" dirty="0"/>
+              <a:t> to </a:t>
+            </a:r>
+            <a:r>
+              <a:rPr lang="it-IT" sz="2800" dirty="0" err="1"/>
+              <a:t>keep</a:t>
+            </a:r>
+            <a:r>
+              <a:rPr lang="it-IT" sz="2800" dirty="0"/>
+              <a:t> the </a:t>
+            </a:r>
+            <a:r>
+              <a:rPr lang="it-IT" sz="2800" dirty="0" err="1"/>
+              <a:t>coordination</a:t>
+            </a:r>
+            <a:r>
+              <a:rPr lang="it-IT" sz="2800" dirty="0"/>
+              <a:t> state.</a:t>
+            </a:r>
+          </a:p>
+          <a:p>
+            <a:endParaRPr lang="it-IT" sz="2800" dirty="0"/>
+          </a:p>
+          <a:p>
+            <a:endParaRPr lang="it-IT" dirty="0"/>
+          </a:p>
+        </p:txBody>
+      </p:sp>
+    </p:spTree>
+    <p:extLst>
+      <p:ext uri="{BB962C8B-B14F-4D97-AF65-F5344CB8AC3E}">
+        <p14:creationId xmlns:p14="http://schemas.microsoft.com/office/powerpoint/2010/main" val="284078720"/>
+      </p:ext>
+    </p:extLst>
+  </p:cSld>
+  <p:clrMapOvr>
+    <a:masterClrMapping/>
+  </p:clrMapOvr>
+  <p:transition/>
+  <p:timing>
+    <p:tnLst>
+      <p:par>
+        <p:cTn id="1" dur="indefinite" restart="never" nodeType="tmRoot"/>
+      </p:par>
+    </p:tnLst>
+  </p:timing>
+</p:sld>
+</file>
+
+<file path=ppt/slides/slide3.xml><?xml version="1.0" encoding="utf-8"?>
+<p:sld xmlns:a="http://schemas.openxmlformats.org/drawingml/2006/main" xmlns:r="http://schemas.openxmlformats.org/officeDocument/2006/relationships" xmlns:p="http://schemas.openxmlformats.org/presentationml/2006/main">
+  <p:cSld>
+    <p:bg>
+      <p:bgPr>
+        <a:solidFill>
+          <a:srgbClr val="000000"/>
+        </a:solidFill>
+        <a:effectLst/>
+      </p:bgPr>
+    </p:bg>
+    <p:spTree>
+      <p:nvGrpSpPr>
+        <p:cNvPr id="1" name=""/>
+        <p:cNvGrpSpPr/>
+        <p:nvPr/>
+      </p:nvGrpSpPr>
+      <p:grpSpPr>
+        <a:xfrm>
+          <a:off x="0" y="0"/>
+          <a:ext cx="0" cy="0"/>
+          <a:chOff x="0" y="0"/>
+          <a:chExt cx="0" cy="0"/>
+        </a:xfrm>
+      </p:grpSpPr>
+    </p:spTree>
+  </p:cSld>
+  <p:clrMapOvr>
+    <a:masterClrMapping/>
+  </p:clrMapOvr>
+  <p:transition/>
+  <p:timing>
+    <p:tnLst>
+      <p:par>
+        <p:cTn id="1" dur="indefinite" restart="never" nodeType="tmRoot"/>
+      </p:par>
+    </p:tnLst>
+  </p:timing>
+</p:sld>
+</file>
+
+<file path=ppt/slides/slide30.xml><?xml version="1.0" encoding="utf-8"?>
 <p:sld xmlns:a="http://schemas.openxmlformats.org/drawingml/2006/main" xmlns:r="http://schemas.openxmlformats.org/officeDocument/2006/relationships" xmlns:p="http://schemas.openxmlformats.org/presentationml/2006/main">
   <p:cSld>
     <p:spTree>
@@ -11050,7 +14258,7 @@
             <a:effectLst/>
             <a:extLst>
               <a:ext uri="{AF507438-7753-43E0-B8FC-AC1667EBCBE1}">
-                <a14:hiddenEffects xmlns:a14="http://schemas.microsoft.com/office/drawing/2010/main" xmlns="">
+                <a14:hiddenEffects xmlns:a14="http://schemas.microsoft.com/office/drawing/2010/main">
                   <a:effectLst>
                     <a:outerShdw blurRad="63500" dist="38099" dir="2700000" algn="ctr" rotWithShape="0">
                       <a:schemeClr val="bg2">
@@ -11134,7 +14342,7 @@
             <a:effectLst/>
             <a:extLst>
               <a:ext uri="{AF507438-7753-43E0-B8FC-AC1667EBCBE1}">
-                <a14:hiddenEffects xmlns:a14="http://schemas.microsoft.com/office/drawing/2010/main" xmlns="">
+                <a14:hiddenEffects xmlns:a14="http://schemas.microsoft.com/office/drawing/2010/main">
                   <a:effectLst>
                     <a:outerShdw blurRad="63500" dist="38099" dir="2700000" algn="ctr" rotWithShape="0">
                       <a:schemeClr val="bg2">
@@ -11223,7 +14431,7 @@
             <a:effectLst/>
             <a:extLst>
               <a:ext uri="{AF507438-7753-43E0-B8FC-AC1667EBCBE1}">
-                <a14:hiddenEffects xmlns:a14="http://schemas.microsoft.com/office/drawing/2010/main" xmlns="">
+                <a14:hiddenEffects xmlns:a14="http://schemas.microsoft.com/office/drawing/2010/main">
                   <a:effectLst>
                     <a:outerShdw blurRad="63500" dist="38099" dir="2700000" algn="ctr" rotWithShape="0">
                       <a:schemeClr val="bg2">
@@ -11314,7 +14522,7 @@
             <a:effectLst/>
             <a:extLst>
               <a:ext uri="{AF507438-7753-43E0-B8FC-AC1667EBCBE1}">
-                <a14:hiddenEffects xmlns:a14="http://schemas.microsoft.com/office/drawing/2010/main" xmlns="">
+                <a14:hiddenEffects xmlns:a14="http://schemas.microsoft.com/office/drawing/2010/main">
                   <a:effectLst>
                     <a:outerShdw blurRad="63500" dist="38099" dir="2700000" algn="ctr" rotWithShape="0">
                       <a:schemeClr val="bg2">
@@ -11398,7 +14606,7 @@
             <a:effectLst/>
             <a:extLst>
               <a:ext uri="{AF507438-7753-43E0-B8FC-AC1667EBCBE1}">
-                <a14:hiddenEffects xmlns:a14="http://schemas.microsoft.com/office/drawing/2010/main" xmlns="">
+                <a14:hiddenEffects xmlns:a14="http://schemas.microsoft.com/office/drawing/2010/main">
                   <a:effectLst>
                     <a:outerShdw blurRad="63500" dist="38099" dir="2700000" algn="ctr" rotWithShape="0">
                       <a:schemeClr val="bg2">
@@ -11482,7 +14690,7 @@
             <a:effectLst/>
             <a:extLst>
               <a:ext uri="{AF507438-7753-43E0-B8FC-AC1667EBCBE1}">
-                <a14:hiddenEffects xmlns:a14="http://schemas.microsoft.com/office/drawing/2010/main" xmlns="">
+                <a14:hiddenEffects xmlns:a14="http://schemas.microsoft.com/office/drawing/2010/main">
                   <a:effectLst>
                     <a:outerShdw blurRad="63500" dist="38099" dir="2700000" algn="ctr" rotWithShape="0">
                       <a:schemeClr val="bg2">
@@ -11566,7 +14774,7 @@
             <a:effectLst/>
             <a:extLst>
               <a:ext uri="{AF507438-7753-43E0-B8FC-AC1667EBCBE1}">
-                <a14:hiddenEffects xmlns:a14="http://schemas.microsoft.com/office/drawing/2010/main" xmlns="">
+                <a14:hiddenEffects xmlns:a14="http://schemas.microsoft.com/office/drawing/2010/main">
                   <a:effectLst>
                     <a:outerShdw blurRad="63500" dist="38099" dir="2700000" algn="ctr" rotWithShape="0">
                       <a:schemeClr val="bg2">
@@ -11604,7 +14812,7 @@
           </a:ln>
           <a:extLst>
             <a:ext uri="{91240B29-F687-4F45-9708-019B960494DF}">
-              <a14:hiddenLine xmlns:a14="http://schemas.microsoft.com/office/drawing/2010/main" xmlns="" w="25400" algn="ctr">
+              <a14:hiddenLine xmlns:a14="http://schemas.microsoft.com/office/drawing/2010/main" w="25400" algn="ctr">
                 <a:solidFill>
                   <a:srgbClr val="000000"/>
                 </a:solidFill>
@@ -11648,7 +14856,7 @@
           </a:ln>
           <a:extLst>
             <a:ext uri="{91240B29-F687-4F45-9708-019B960494DF}">
-              <a14:hiddenLine xmlns:a14="http://schemas.microsoft.com/office/drawing/2010/main" xmlns="" w="25400" algn="ctr">
+              <a14:hiddenLine xmlns:a14="http://schemas.microsoft.com/office/drawing/2010/main" w="25400" algn="ctr">
                 <a:solidFill>
                   <a:srgbClr val="000000"/>
                 </a:solidFill>
@@ -11692,7 +14900,7 @@
           </a:ln>
           <a:extLst>
             <a:ext uri="{91240B29-F687-4F45-9708-019B960494DF}">
-              <a14:hiddenLine xmlns:a14="http://schemas.microsoft.com/office/drawing/2010/main" xmlns="" w="25400" algn="ctr">
+              <a14:hiddenLine xmlns:a14="http://schemas.microsoft.com/office/drawing/2010/main" w="25400" algn="ctr">
                 <a:solidFill>
                   <a:srgbClr val="000000"/>
                 </a:solidFill>
@@ -11736,7 +14944,7 @@
           </a:ln>
           <a:extLst>
             <a:ext uri="{91240B29-F687-4F45-9708-019B960494DF}">
-              <a14:hiddenLine xmlns:a14="http://schemas.microsoft.com/office/drawing/2010/main" xmlns="" w="25400" algn="ctr">
+              <a14:hiddenLine xmlns:a14="http://schemas.microsoft.com/office/drawing/2010/main" w="25400" algn="ctr">
                 <a:solidFill>
                   <a:srgbClr val="000000"/>
                 </a:solidFill>
@@ -11783,7 +14991,7 @@
           </a:ln>
           <a:extLst>
             <a:ext uri="{91240B29-F687-4F45-9708-019B960494DF}">
-              <a14:hiddenLine xmlns:a14="http://schemas.microsoft.com/office/drawing/2010/main" xmlns="" w="25400" algn="ctr">
+              <a14:hiddenLine xmlns:a14="http://schemas.microsoft.com/office/drawing/2010/main" w="25400" algn="ctr">
                 <a:solidFill>
                   <a:srgbClr val="000000"/>
                 </a:solidFill>
@@ -11827,7 +15035,7 @@
           </a:ln>
           <a:extLst>
             <a:ext uri="{91240B29-F687-4F45-9708-019B960494DF}">
-              <a14:hiddenLine xmlns:a14="http://schemas.microsoft.com/office/drawing/2010/main" xmlns="" w="25400" algn="ctr">
+              <a14:hiddenLine xmlns:a14="http://schemas.microsoft.com/office/drawing/2010/main" w="25400" algn="ctr">
                 <a:solidFill>
                   <a:srgbClr val="000000"/>
                 </a:solidFill>
@@ -11890,7 +15098,7 @@
             </a:ln>
             <a:extLst>
               <a:ext uri="{91240B29-F687-4F45-9708-019B960494DF}">
-                <a14:hiddenLine xmlns:a14="http://schemas.microsoft.com/office/drawing/2010/main" xmlns="" w="25400" algn="ctr">
+                <a14:hiddenLine xmlns:a14="http://schemas.microsoft.com/office/drawing/2010/main" w="25400" algn="ctr">
                   <a:solidFill>
                     <a:srgbClr val="000000"/>
                   </a:solidFill>
@@ -11932,14 +15140,14 @@
             </a:ln>
             <a:extLst>
               <a:ext uri="{909E8E84-426E-40DD-AFC4-6F175D3DCCD1}">
-                <a14:hiddenFill xmlns:a14="http://schemas.microsoft.com/office/drawing/2010/main" xmlns="">
+                <a14:hiddenFill xmlns:a14="http://schemas.microsoft.com/office/drawing/2010/main">
                   <a:solidFill>
                     <a:srgbClr val="FFFFFF"/>
                   </a:solidFill>
                 </a14:hiddenFill>
               </a:ext>
               <a:ext uri="{91240B29-F687-4F45-9708-019B960494DF}">
-                <a14:hiddenLine xmlns:a14="http://schemas.microsoft.com/office/drawing/2010/main" xmlns="" w="9525">
+                <a14:hiddenLine xmlns:a14="http://schemas.microsoft.com/office/drawing/2010/main" w="9525">
                   <a:solidFill>
                     <a:srgbClr val="000000"/>
                   </a:solidFill>
@@ -12122,7 +15330,7 @@
             </a:ln>
             <a:extLst>
               <a:ext uri="{91240B29-F687-4F45-9708-019B960494DF}">
-                <a14:hiddenLine xmlns:a14="http://schemas.microsoft.com/office/drawing/2010/main" xmlns="" w="25400" algn="ctr">
+                <a14:hiddenLine xmlns:a14="http://schemas.microsoft.com/office/drawing/2010/main" w="25400" algn="ctr">
                   <a:solidFill>
                     <a:srgbClr val="000000"/>
                   </a:solidFill>
@@ -12164,14 +15372,14 @@
             </a:ln>
             <a:extLst>
               <a:ext uri="{909E8E84-426E-40DD-AFC4-6F175D3DCCD1}">
-                <a14:hiddenFill xmlns:a14="http://schemas.microsoft.com/office/drawing/2010/main" xmlns="">
+                <a14:hiddenFill xmlns:a14="http://schemas.microsoft.com/office/drawing/2010/main">
                   <a:solidFill>
                     <a:srgbClr val="FFFFFF"/>
                   </a:solidFill>
                 </a14:hiddenFill>
               </a:ext>
               <a:ext uri="{91240B29-F687-4F45-9708-019B960494DF}">
-                <a14:hiddenLine xmlns:a14="http://schemas.microsoft.com/office/drawing/2010/main" xmlns="" w="9525">
+                <a14:hiddenLine xmlns:a14="http://schemas.microsoft.com/office/drawing/2010/main" w="9525">
                   <a:solidFill>
                     <a:srgbClr val="000000"/>
                   </a:solidFill>
@@ -12360,7 +15568,7 @@
             </a:ln>
             <a:extLst>
               <a:ext uri="{91240B29-F687-4F45-9708-019B960494DF}">
-                <a14:hiddenLine xmlns:a14="http://schemas.microsoft.com/office/drawing/2010/main" xmlns="" w="25400" algn="ctr">
+                <a14:hiddenLine xmlns:a14="http://schemas.microsoft.com/office/drawing/2010/main" w="25400" algn="ctr">
                   <a:solidFill>
                     <a:srgbClr val="000000"/>
                   </a:solidFill>
@@ -12402,14 +15610,14 @@
             </a:ln>
             <a:extLst>
               <a:ext uri="{909E8E84-426E-40DD-AFC4-6F175D3DCCD1}">
-                <a14:hiddenFill xmlns:a14="http://schemas.microsoft.com/office/drawing/2010/main" xmlns="">
+                <a14:hiddenFill xmlns:a14="http://schemas.microsoft.com/office/drawing/2010/main">
                   <a:solidFill>
                     <a:srgbClr val="FFFFFF"/>
                   </a:solidFill>
                 </a14:hiddenFill>
               </a:ext>
               <a:ext uri="{91240B29-F687-4F45-9708-019B960494DF}">
-                <a14:hiddenLine xmlns:a14="http://schemas.microsoft.com/office/drawing/2010/main" xmlns="" w="9525">
+                <a14:hiddenLine xmlns:a14="http://schemas.microsoft.com/office/drawing/2010/main" w="9525">
                   <a:solidFill>
                     <a:srgbClr val="000000"/>
                   </a:solidFill>
@@ -12592,7 +15800,7 @@
             </a:ln>
             <a:extLst>
               <a:ext uri="{91240B29-F687-4F45-9708-019B960494DF}">
-                <a14:hiddenLine xmlns:a14="http://schemas.microsoft.com/office/drawing/2010/main" xmlns="" w="25400" algn="ctr">
+                <a14:hiddenLine xmlns:a14="http://schemas.microsoft.com/office/drawing/2010/main" w="25400" algn="ctr">
                   <a:solidFill>
                     <a:srgbClr val="000000"/>
                   </a:solidFill>
@@ -12634,14 +15842,14 @@
             </a:ln>
             <a:extLst>
               <a:ext uri="{909E8E84-426E-40DD-AFC4-6F175D3DCCD1}">
-                <a14:hiddenFill xmlns:a14="http://schemas.microsoft.com/office/drawing/2010/main" xmlns="">
+                <a14:hiddenFill xmlns:a14="http://schemas.microsoft.com/office/drawing/2010/main">
                   <a:solidFill>
                     <a:srgbClr val="FFFFFF"/>
                   </a:solidFill>
                 </a14:hiddenFill>
               </a:ext>
               <a:ext uri="{91240B29-F687-4F45-9708-019B960494DF}">
-                <a14:hiddenLine xmlns:a14="http://schemas.microsoft.com/office/drawing/2010/main" xmlns="" w="9525">
+                <a14:hiddenLine xmlns:a14="http://schemas.microsoft.com/office/drawing/2010/main" w="9525">
                   <a:solidFill>
                     <a:srgbClr val="000000"/>
                   </a:solidFill>
@@ -12803,14 +16011,14 @@
           </a:ln>
           <a:extLst>
             <a:ext uri="{909E8E84-426E-40DD-AFC4-6F175D3DCCD1}">
-              <a14:hiddenFill xmlns:a14="http://schemas.microsoft.com/office/drawing/2010/main" xmlns="">
+              <a14:hiddenFill xmlns:a14="http://schemas.microsoft.com/office/drawing/2010/main">
                 <a:solidFill>
                   <a:srgbClr val="FFFFFF"/>
                 </a:solidFill>
               </a14:hiddenFill>
             </a:ext>
             <a:ext uri="{91240B29-F687-4F45-9708-019B960494DF}">
-              <a14:hiddenLine xmlns:a14="http://schemas.microsoft.com/office/drawing/2010/main" xmlns="" w="9525">
+              <a14:hiddenLine xmlns:a14="http://schemas.microsoft.com/office/drawing/2010/main" w="9525">
                 <a:solidFill>
                   <a:srgbClr val="000000"/>
                 </a:solidFill>
@@ -12973,7 +16181,7 @@
           </a:ln>
           <a:extLst>
             <a:ext uri="{91240B29-F687-4F45-9708-019B960494DF}">
-              <a14:hiddenLine xmlns:a14="http://schemas.microsoft.com/office/drawing/2010/main" xmlns="" w="25400" algn="ctr">
+              <a14:hiddenLine xmlns:a14="http://schemas.microsoft.com/office/drawing/2010/main" w="25400" algn="ctr">
                 <a:solidFill>
                   <a:srgbClr val="000000"/>
                 </a:solidFill>
@@ -13036,7 +16244,7 @@
             </a:ln>
             <a:extLst>
               <a:ext uri="{91240B29-F687-4F45-9708-019B960494DF}">
-                <a14:hiddenLine xmlns:a14="http://schemas.microsoft.com/office/drawing/2010/main" xmlns="" w="25400" algn="ctr">
+                <a14:hiddenLine xmlns:a14="http://schemas.microsoft.com/office/drawing/2010/main" w="25400" algn="ctr">
                   <a:solidFill>
                     <a:srgbClr val="000000"/>
                   </a:solidFill>
@@ -13078,14 +16286,14 @@
             </a:ln>
             <a:extLst>
               <a:ext uri="{909E8E84-426E-40DD-AFC4-6F175D3DCCD1}">
-                <a14:hiddenFill xmlns:a14="http://schemas.microsoft.com/office/drawing/2010/main" xmlns="">
+                <a14:hiddenFill xmlns:a14="http://schemas.microsoft.com/office/drawing/2010/main">
                   <a:solidFill>
                     <a:srgbClr val="FFFFFF"/>
                   </a:solidFill>
                 </a14:hiddenFill>
               </a:ext>
               <a:ext uri="{91240B29-F687-4F45-9708-019B960494DF}">
-                <a14:hiddenLine xmlns:a14="http://schemas.microsoft.com/office/drawing/2010/main" xmlns="" w="9525">
+                <a14:hiddenLine xmlns:a14="http://schemas.microsoft.com/office/drawing/2010/main" w="9525">
                   <a:solidFill>
                     <a:srgbClr val="000000"/>
                   </a:solidFill>
@@ -13249,7 +16457,7 @@
           </a:ln>
           <a:extLst>
             <a:ext uri="{91240B29-F687-4F45-9708-019B960494DF}">
-              <a14:hiddenLine xmlns:a14="http://schemas.microsoft.com/office/drawing/2010/main" xmlns="" w="25400" algn="ctr">
+              <a14:hiddenLine xmlns:a14="http://schemas.microsoft.com/office/drawing/2010/main" w="25400" algn="ctr">
                 <a:solidFill>
                   <a:srgbClr val="000000"/>
                 </a:solidFill>
@@ -13312,7 +16520,7 @@
             </a:ln>
             <a:extLst>
               <a:ext uri="{91240B29-F687-4F45-9708-019B960494DF}">
-                <a14:hiddenLine xmlns:a14="http://schemas.microsoft.com/office/drawing/2010/main" xmlns="" w="25400" algn="ctr">
+                <a14:hiddenLine xmlns:a14="http://schemas.microsoft.com/office/drawing/2010/main" w="25400" algn="ctr">
                   <a:solidFill>
                     <a:srgbClr val="000000"/>
                   </a:solidFill>
@@ -13354,14 +16562,14 @@
             </a:ln>
             <a:extLst>
               <a:ext uri="{909E8E84-426E-40DD-AFC4-6F175D3DCCD1}">
-                <a14:hiddenFill xmlns:a14="http://schemas.microsoft.com/office/drawing/2010/main" xmlns="">
+                <a14:hiddenFill xmlns:a14="http://schemas.microsoft.com/office/drawing/2010/main">
                   <a:solidFill>
                     <a:srgbClr val="FFFFFF"/>
                   </a:solidFill>
                 </a14:hiddenFill>
               </a:ext>
               <a:ext uri="{91240B29-F687-4F45-9708-019B960494DF}">
-                <a14:hiddenLine xmlns:a14="http://schemas.microsoft.com/office/drawing/2010/main" xmlns="" w="9525">
+                <a14:hiddenLine xmlns:a14="http://schemas.microsoft.com/office/drawing/2010/main" w="9525">
                   <a:solidFill>
                     <a:srgbClr val="000000"/>
                   </a:solidFill>
@@ -13544,7 +16752,7 @@
             </a:ln>
             <a:extLst>
               <a:ext uri="{91240B29-F687-4F45-9708-019B960494DF}">
-                <a14:hiddenLine xmlns:a14="http://schemas.microsoft.com/office/drawing/2010/main" xmlns="" w="25400" algn="ctr">
+                <a14:hiddenLine xmlns:a14="http://schemas.microsoft.com/office/drawing/2010/main" w="25400" algn="ctr">
                   <a:solidFill>
                     <a:srgbClr val="000000"/>
                   </a:solidFill>
@@ -13586,14 +16794,14 @@
             </a:ln>
             <a:extLst>
               <a:ext uri="{909E8E84-426E-40DD-AFC4-6F175D3DCCD1}">
-                <a14:hiddenFill xmlns:a14="http://schemas.microsoft.com/office/drawing/2010/main" xmlns="">
+                <a14:hiddenFill xmlns:a14="http://schemas.microsoft.com/office/drawing/2010/main">
                   <a:solidFill>
                     <a:srgbClr val="FFFFFF"/>
                   </a:solidFill>
                 </a14:hiddenFill>
               </a:ext>
               <a:ext uri="{91240B29-F687-4F45-9708-019B960494DF}">
-                <a14:hiddenLine xmlns:a14="http://schemas.microsoft.com/office/drawing/2010/main" xmlns="" w="9525">
+                <a14:hiddenLine xmlns:a14="http://schemas.microsoft.com/office/drawing/2010/main" w="9525">
                   <a:solidFill>
                     <a:srgbClr val="000000"/>
                   </a:solidFill>
@@ -13776,7 +16984,7 @@
             </a:ln>
             <a:extLst>
               <a:ext uri="{91240B29-F687-4F45-9708-019B960494DF}">
-                <a14:hiddenLine xmlns:a14="http://schemas.microsoft.com/office/drawing/2010/main" xmlns="" w="25400" algn="ctr">
+                <a14:hiddenLine xmlns:a14="http://schemas.microsoft.com/office/drawing/2010/main" w="25400" algn="ctr">
                   <a:solidFill>
                     <a:srgbClr val="000000"/>
                   </a:solidFill>
@@ -13818,14 +17026,14 @@
             </a:ln>
             <a:extLst>
               <a:ext uri="{909E8E84-426E-40DD-AFC4-6F175D3DCCD1}">
-                <a14:hiddenFill xmlns:a14="http://schemas.microsoft.com/office/drawing/2010/main" xmlns="">
+                <a14:hiddenFill xmlns:a14="http://schemas.microsoft.com/office/drawing/2010/main">
                   <a:solidFill>
                     <a:srgbClr val="FFFFFF"/>
                   </a:solidFill>
                 </a14:hiddenFill>
               </a:ext>
               <a:ext uri="{91240B29-F687-4F45-9708-019B960494DF}">
-                <a14:hiddenLine xmlns:a14="http://schemas.microsoft.com/office/drawing/2010/main" xmlns="" w="9525">
+                <a14:hiddenLine xmlns:a14="http://schemas.microsoft.com/office/drawing/2010/main" w="9525">
                   <a:solidFill>
                     <a:srgbClr val="000000"/>
                   </a:solidFill>
@@ -13989,7 +17197,7 @@
           </a:ln>
           <a:extLst>
             <a:ext uri="{91240B29-F687-4F45-9708-019B960494DF}">
-              <a14:hiddenLine xmlns:a14="http://schemas.microsoft.com/office/drawing/2010/main" xmlns="" w="25400" algn="ctr">
+              <a14:hiddenLine xmlns:a14="http://schemas.microsoft.com/office/drawing/2010/main" w="25400" algn="ctr">
                 <a:solidFill>
                   <a:srgbClr val="000000"/>
                 </a:solidFill>
@@ -14052,7 +17260,7 @@
             </a:ln>
             <a:extLst>
               <a:ext uri="{91240B29-F687-4F45-9708-019B960494DF}">
-                <a14:hiddenLine xmlns:a14="http://schemas.microsoft.com/office/drawing/2010/main" xmlns="" w="25400" algn="ctr">
+                <a14:hiddenLine xmlns:a14="http://schemas.microsoft.com/office/drawing/2010/main" w="25400" algn="ctr">
                   <a:solidFill>
                     <a:srgbClr val="000000"/>
                   </a:solidFill>
@@ -14094,14 +17302,14 @@
             </a:ln>
             <a:extLst>
               <a:ext uri="{909E8E84-426E-40DD-AFC4-6F175D3DCCD1}">
-                <a14:hiddenFill xmlns:a14="http://schemas.microsoft.com/office/drawing/2010/main" xmlns="">
+                <a14:hiddenFill xmlns:a14="http://schemas.microsoft.com/office/drawing/2010/main">
                   <a:solidFill>
                     <a:srgbClr val="FFFFFF"/>
                   </a:solidFill>
                 </a14:hiddenFill>
               </a:ext>
               <a:ext uri="{91240B29-F687-4F45-9708-019B960494DF}">
-                <a14:hiddenLine xmlns:a14="http://schemas.microsoft.com/office/drawing/2010/main" xmlns="" w="9525">
+                <a14:hiddenLine xmlns:a14="http://schemas.microsoft.com/office/drawing/2010/main" w="9525">
                   <a:solidFill>
                     <a:srgbClr val="000000"/>
                   </a:solidFill>
@@ -14279,14 +17487,14 @@
             </a:ln>
             <a:extLst>
               <a:ext uri="{909E8E84-426E-40DD-AFC4-6F175D3DCCD1}">
-                <a14:hiddenFill xmlns:a14="http://schemas.microsoft.com/office/drawing/2010/main" xmlns="">
+                <a14:hiddenFill xmlns:a14="http://schemas.microsoft.com/office/drawing/2010/main">
                   <a:solidFill>
                     <a:srgbClr val="FFFFFF"/>
                   </a:solidFill>
                 </a14:hiddenFill>
               </a:ext>
               <a:ext uri="{91240B29-F687-4F45-9708-019B960494DF}">
-                <a14:hiddenLine xmlns:a14="http://schemas.microsoft.com/office/drawing/2010/main" xmlns="" w="9525">
+                <a14:hiddenLine xmlns:a14="http://schemas.microsoft.com/office/drawing/2010/main" w="9525">
                   <a:solidFill>
                     <a:srgbClr val="000000"/>
                   </a:solidFill>
@@ -14452,7 +17660,7 @@
             </a:ln>
             <a:extLst>
               <a:ext uri="{91240B29-F687-4F45-9708-019B960494DF}">
-                <a14:hiddenLine xmlns:a14="http://schemas.microsoft.com/office/drawing/2010/main" xmlns="" w="25400" algn="ctr">
+                <a14:hiddenLine xmlns:a14="http://schemas.microsoft.com/office/drawing/2010/main" w="25400" algn="ctr">
                   <a:solidFill>
                     <a:srgbClr val="000000"/>
                   </a:solidFill>
@@ -14516,7 +17724,7 @@
             </a:ln>
             <a:extLst>
               <a:ext uri="{91240B29-F687-4F45-9708-019B960494DF}">
-                <a14:hiddenLine xmlns:a14="http://schemas.microsoft.com/office/drawing/2010/main" xmlns="" w="25400" algn="ctr">
+                <a14:hiddenLine xmlns:a14="http://schemas.microsoft.com/office/drawing/2010/main" w="25400" algn="ctr">
                   <a:solidFill>
                     <a:srgbClr val="000000"/>
                   </a:solidFill>
@@ -14558,14 +17766,14 @@
             </a:ln>
             <a:extLst>
               <a:ext uri="{909E8E84-426E-40DD-AFC4-6F175D3DCCD1}">
-                <a14:hiddenFill xmlns:a14="http://schemas.microsoft.com/office/drawing/2010/main" xmlns="">
+                <a14:hiddenFill xmlns:a14="http://schemas.microsoft.com/office/drawing/2010/main">
                   <a:solidFill>
                     <a:srgbClr val="FFFFFF"/>
                   </a:solidFill>
                 </a14:hiddenFill>
               </a:ext>
               <a:ext uri="{91240B29-F687-4F45-9708-019B960494DF}">
-                <a14:hiddenLine xmlns:a14="http://schemas.microsoft.com/office/drawing/2010/main" xmlns="" w="9525">
+                <a14:hiddenLine xmlns:a14="http://schemas.microsoft.com/office/drawing/2010/main" w="9525">
                   <a:solidFill>
                     <a:srgbClr val="000000"/>
                   </a:solidFill>
@@ -14838,7 +18046,7 @@
 </p:sld>
 </file>
 
-<file path=ppt/slides/slide25.xml><?xml version="1.0" encoding="utf-8"?>
+<file path=ppt/slides/slide31.xml><?xml version="1.0" encoding="utf-8"?>
 <p:sld xmlns:a="http://schemas.openxmlformats.org/drawingml/2006/main" xmlns:r="http://schemas.openxmlformats.org/officeDocument/2006/relationships" xmlns:p="http://schemas.openxmlformats.org/presentationml/2006/main">
   <p:cSld>
     <p:spTree>
@@ -14949,7 +18157,7 @@
             <a:effectLst/>
             <a:extLst>
               <a:ext uri="{AF507438-7753-43E0-B8FC-AC1667EBCBE1}">
-                <a14:hiddenEffects xmlns:a14="http://schemas.microsoft.com/office/drawing/2010/main" xmlns="">
+                <a14:hiddenEffects xmlns:a14="http://schemas.microsoft.com/office/drawing/2010/main">
                   <a:effectLst>
                     <a:outerShdw blurRad="63500" dist="38099" dir="2700000" algn="ctr" rotWithShape="0">
                       <a:schemeClr val="bg2">
@@ -15040,7 +18248,7 @@
             <a:effectLst/>
             <a:extLst>
               <a:ext uri="{AF507438-7753-43E0-B8FC-AC1667EBCBE1}">
-                <a14:hiddenEffects xmlns:a14="http://schemas.microsoft.com/office/drawing/2010/main" xmlns="">
+                <a14:hiddenEffects xmlns:a14="http://schemas.microsoft.com/office/drawing/2010/main">
                   <a:effectLst>
                     <a:outerShdw blurRad="63500" dist="38099" dir="2700000" algn="ctr" rotWithShape="0">
                       <a:schemeClr val="bg2">
@@ -15131,7 +18339,7 @@
             <a:effectLst/>
             <a:extLst>
               <a:ext uri="{AF507438-7753-43E0-B8FC-AC1667EBCBE1}">
-                <a14:hiddenEffects xmlns:a14="http://schemas.microsoft.com/office/drawing/2010/main" xmlns="">
+                <a14:hiddenEffects xmlns:a14="http://schemas.microsoft.com/office/drawing/2010/main">
                   <a:effectLst>
                     <a:outerShdw blurRad="63500" dist="38099" dir="2700000" algn="ctr" rotWithShape="0">
                       <a:schemeClr val="bg2">
@@ -15215,7 +18423,7 @@
             <a:effectLst/>
             <a:extLst>
               <a:ext uri="{AF507438-7753-43E0-B8FC-AC1667EBCBE1}">
-                <a14:hiddenEffects xmlns:a14="http://schemas.microsoft.com/office/drawing/2010/main" xmlns="">
+                <a14:hiddenEffects xmlns:a14="http://schemas.microsoft.com/office/drawing/2010/main">
                   <a:effectLst>
                     <a:outerShdw blurRad="63500" dist="38099" dir="2700000" algn="ctr" rotWithShape="0">
                       <a:schemeClr val="bg2">
@@ -15299,7 +18507,7 @@
             <a:effectLst/>
             <a:extLst>
               <a:ext uri="{AF507438-7753-43E0-B8FC-AC1667EBCBE1}">
-                <a14:hiddenEffects xmlns:a14="http://schemas.microsoft.com/office/drawing/2010/main" xmlns="">
+                <a14:hiddenEffects xmlns:a14="http://schemas.microsoft.com/office/drawing/2010/main">
                   <a:effectLst>
                     <a:outerShdw blurRad="63500" dist="38099" dir="2700000" algn="ctr" rotWithShape="0">
                       <a:schemeClr val="bg2">
@@ -15383,7 +18591,7 @@
             <a:effectLst/>
             <a:extLst>
               <a:ext uri="{AF507438-7753-43E0-B8FC-AC1667EBCBE1}">
-                <a14:hiddenEffects xmlns:a14="http://schemas.microsoft.com/office/drawing/2010/main" xmlns="">
+                <a14:hiddenEffects xmlns:a14="http://schemas.microsoft.com/office/drawing/2010/main">
                   <a:effectLst>
                     <a:outerShdw blurRad="63500" dist="38099" dir="2700000" algn="ctr" rotWithShape="0">
                       <a:schemeClr val="bg2">
@@ -15421,7 +18629,7 @@
           </a:ln>
           <a:extLst>
             <a:ext uri="{91240B29-F687-4F45-9708-019B960494DF}">
-              <a14:hiddenLine xmlns:a14="http://schemas.microsoft.com/office/drawing/2010/main" xmlns="" w="25400" algn="ctr">
+              <a14:hiddenLine xmlns:a14="http://schemas.microsoft.com/office/drawing/2010/main" w="25400" algn="ctr">
                 <a:solidFill>
                   <a:srgbClr val="000000"/>
                 </a:solidFill>
@@ -15468,7 +18676,7 @@
           </a:ln>
           <a:extLst>
             <a:ext uri="{91240B29-F687-4F45-9708-019B960494DF}">
-              <a14:hiddenLine xmlns:a14="http://schemas.microsoft.com/office/drawing/2010/main" xmlns="" w="25400" algn="ctr">
+              <a14:hiddenLine xmlns:a14="http://schemas.microsoft.com/office/drawing/2010/main" w="25400" algn="ctr">
                 <a:solidFill>
                   <a:srgbClr val="000000"/>
                 </a:solidFill>
@@ -15510,14 +18718,14 @@
           </a:ln>
           <a:extLst>
             <a:ext uri="{909E8E84-426E-40DD-AFC4-6F175D3DCCD1}">
-              <a14:hiddenFill xmlns:a14="http://schemas.microsoft.com/office/drawing/2010/main" xmlns="">
+              <a14:hiddenFill xmlns:a14="http://schemas.microsoft.com/office/drawing/2010/main">
                 <a:solidFill>
                   <a:srgbClr val="FFFFFF"/>
                 </a:solidFill>
               </a14:hiddenFill>
             </a:ext>
             <a:ext uri="{91240B29-F687-4F45-9708-019B960494DF}">
-              <a14:hiddenLine xmlns:a14="http://schemas.microsoft.com/office/drawing/2010/main" xmlns="" w="9525">
+              <a14:hiddenLine xmlns:a14="http://schemas.microsoft.com/office/drawing/2010/main" w="9525">
                 <a:solidFill>
                   <a:srgbClr val="000000"/>
                 </a:solidFill>
@@ -15684,7 +18892,7 @@
           </a:ln>
           <a:extLst>
             <a:ext uri="{91240B29-F687-4F45-9708-019B960494DF}">
-              <a14:hiddenLine xmlns:a14="http://schemas.microsoft.com/office/drawing/2010/main" xmlns="" w="9525">
+              <a14:hiddenLine xmlns:a14="http://schemas.microsoft.com/office/drawing/2010/main" w="9525">
                 <a:solidFill>
                   <a:srgbClr val="000000"/>
                 </a:solidFill>
@@ -15726,14 +18934,14 @@
           </a:ln>
           <a:extLst>
             <a:ext uri="{909E8E84-426E-40DD-AFC4-6F175D3DCCD1}">
-              <a14:hiddenFill xmlns:a14="http://schemas.microsoft.com/office/drawing/2010/main" xmlns="">
+              <a14:hiddenFill xmlns:a14="http://schemas.microsoft.com/office/drawing/2010/main">
                 <a:solidFill>
                   <a:srgbClr val="FFFFFF"/>
                 </a:solidFill>
               </a14:hiddenFill>
             </a:ext>
             <a:ext uri="{91240B29-F687-4F45-9708-019B960494DF}">
-              <a14:hiddenLine xmlns:a14="http://schemas.microsoft.com/office/drawing/2010/main" xmlns="" w="9525">
+              <a14:hiddenLine xmlns:a14="http://schemas.microsoft.com/office/drawing/2010/main" w="9525">
                 <a:solidFill>
                   <a:srgbClr val="000000"/>
                 </a:solidFill>
@@ -15896,7 +19104,7 @@
           </a:ln>
           <a:extLst>
             <a:ext uri="{91240B29-F687-4F45-9708-019B960494DF}">
-              <a14:hiddenLine xmlns:a14="http://schemas.microsoft.com/office/drawing/2010/main" xmlns="" w="25400" algn="ctr">
+              <a14:hiddenLine xmlns:a14="http://schemas.microsoft.com/office/drawing/2010/main" w="25400" algn="ctr">
                 <a:solidFill>
                   <a:srgbClr val="000000"/>
                 </a:solidFill>
@@ -15940,7 +19148,7 @@
           </a:ln>
           <a:extLst>
             <a:ext uri="{91240B29-F687-4F45-9708-019B960494DF}">
-              <a14:hiddenLine xmlns:a14="http://schemas.microsoft.com/office/drawing/2010/main" xmlns="" w="25400" algn="ctr">
+              <a14:hiddenLine xmlns:a14="http://schemas.microsoft.com/office/drawing/2010/main" w="25400" algn="ctr">
                 <a:solidFill>
                   <a:srgbClr val="000000"/>
                 </a:solidFill>
@@ -15987,7 +19195,7 @@
           </a:ln>
           <a:extLst>
             <a:ext uri="{91240B29-F687-4F45-9708-019B960494DF}">
-              <a14:hiddenLine xmlns:a14="http://schemas.microsoft.com/office/drawing/2010/main" xmlns="" w="9525">
+              <a14:hiddenLine xmlns:a14="http://schemas.microsoft.com/office/drawing/2010/main" w="9525">
                 <a:solidFill>
                   <a:srgbClr val="000000"/>
                 </a:solidFill>
@@ -16029,14 +19237,14 @@
           </a:ln>
           <a:extLst>
             <a:ext uri="{909E8E84-426E-40DD-AFC4-6F175D3DCCD1}">
-              <a14:hiddenFill xmlns:a14="http://schemas.microsoft.com/office/drawing/2010/main" xmlns="">
+              <a14:hiddenFill xmlns:a14="http://schemas.microsoft.com/office/drawing/2010/main">
                 <a:solidFill>
                   <a:srgbClr val="FFFFFF"/>
                 </a:solidFill>
               </a14:hiddenFill>
             </a:ext>
             <a:ext uri="{91240B29-F687-4F45-9708-019B960494DF}">
-              <a14:hiddenLine xmlns:a14="http://schemas.microsoft.com/office/drawing/2010/main" xmlns="" w="9525">
+              <a14:hiddenLine xmlns:a14="http://schemas.microsoft.com/office/drawing/2010/main" w="9525">
                 <a:solidFill>
                   <a:srgbClr val="000000"/>
                 </a:solidFill>
@@ -16199,7 +19407,7 @@
           </a:ln>
           <a:extLst>
             <a:ext uri="{91240B29-F687-4F45-9708-019B960494DF}">
-              <a14:hiddenLine xmlns:a14="http://schemas.microsoft.com/office/drawing/2010/main" xmlns="" w="25400" algn="ctr">
+              <a14:hiddenLine xmlns:a14="http://schemas.microsoft.com/office/drawing/2010/main" w="25400" algn="ctr">
                 <a:solidFill>
                   <a:srgbClr val="000000"/>
                 </a:solidFill>
@@ -16246,7 +19454,7 @@
           </a:ln>
           <a:extLst>
             <a:ext uri="{91240B29-F687-4F45-9708-019B960494DF}">
-              <a14:hiddenLine xmlns:a14="http://schemas.microsoft.com/office/drawing/2010/main" xmlns="" w="25400" algn="ctr">
+              <a14:hiddenLine xmlns:a14="http://schemas.microsoft.com/office/drawing/2010/main" w="25400" algn="ctr">
                 <a:solidFill>
                   <a:srgbClr val="000000"/>
                 </a:solidFill>
@@ -16288,14 +19496,14 @@
           </a:ln>
           <a:extLst>
             <a:ext uri="{909E8E84-426E-40DD-AFC4-6F175D3DCCD1}">
-              <a14:hiddenFill xmlns:a14="http://schemas.microsoft.com/office/drawing/2010/main" xmlns="">
+              <a14:hiddenFill xmlns:a14="http://schemas.microsoft.com/office/drawing/2010/main">
                 <a:solidFill>
                   <a:srgbClr val="FFFFFF"/>
                 </a:solidFill>
               </a14:hiddenFill>
             </a:ext>
             <a:ext uri="{91240B29-F687-4F45-9708-019B960494DF}">
-              <a14:hiddenLine xmlns:a14="http://schemas.microsoft.com/office/drawing/2010/main" xmlns="" w="9525">
+              <a14:hiddenLine xmlns:a14="http://schemas.microsoft.com/office/drawing/2010/main" w="9525">
                 <a:solidFill>
                   <a:srgbClr val="000000"/>
                 </a:solidFill>
@@ -16459,7 +19667,7 @@
           </a:ln>
           <a:extLst>
             <a:ext uri="{91240B29-F687-4F45-9708-019B960494DF}">
-              <a14:hiddenLine xmlns:a14="http://schemas.microsoft.com/office/drawing/2010/main" xmlns="" w="25400" algn="ctr">
+              <a14:hiddenLine xmlns:a14="http://schemas.microsoft.com/office/drawing/2010/main" w="25400" algn="ctr">
                 <a:solidFill>
                   <a:srgbClr val="000000"/>
                 </a:solidFill>
@@ -16506,7 +19714,7 @@
           </a:ln>
           <a:extLst>
             <a:ext uri="{91240B29-F687-4F45-9708-019B960494DF}">
-              <a14:hiddenLine xmlns:a14="http://schemas.microsoft.com/office/drawing/2010/main" xmlns="" w="9525">
+              <a14:hiddenLine xmlns:a14="http://schemas.microsoft.com/office/drawing/2010/main" w="9525">
                 <a:solidFill>
                   <a:srgbClr val="000000"/>
                 </a:solidFill>
@@ -16548,14 +19756,14 @@
           </a:ln>
           <a:extLst>
             <a:ext uri="{909E8E84-426E-40DD-AFC4-6F175D3DCCD1}">
-              <a14:hiddenFill xmlns:a14="http://schemas.microsoft.com/office/drawing/2010/main" xmlns="">
+              <a14:hiddenFill xmlns:a14="http://schemas.microsoft.com/office/drawing/2010/main">
                 <a:solidFill>
                   <a:srgbClr val="FFFFFF"/>
                 </a:solidFill>
               </a14:hiddenFill>
             </a:ext>
             <a:ext uri="{91240B29-F687-4F45-9708-019B960494DF}">
-              <a14:hiddenLine xmlns:a14="http://schemas.microsoft.com/office/drawing/2010/main" xmlns="" w="9525">
+              <a14:hiddenLine xmlns:a14="http://schemas.microsoft.com/office/drawing/2010/main" w="9525">
                 <a:solidFill>
                   <a:srgbClr val="000000"/>
                 </a:solidFill>
@@ -16718,7 +19926,7 @@
           </a:ln>
           <a:extLst>
             <a:ext uri="{91240B29-F687-4F45-9708-019B960494DF}">
-              <a14:hiddenLine xmlns:a14="http://schemas.microsoft.com/office/drawing/2010/main" xmlns="" w="25400" algn="ctr">
+              <a14:hiddenLine xmlns:a14="http://schemas.microsoft.com/office/drawing/2010/main" w="25400" algn="ctr">
                 <a:solidFill>
                   <a:srgbClr val="000000"/>
                 </a:solidFill>
@@ -16762,7 +19970,7 @@
           </a:ln>
           <a:extLst>
             <a:ext uri="{91240B29-F687-4F45-9708-019B960494DF}">
-              <a14:hiddenLine xmlns:a14="http://schemas.microsoft.com/office/drawing/2010/main" xmlns="" w="25400" algn="ctr">
+              <a14:hiddenLine xmlns:a14="http://schemas.microsoft.com/office/drawing/2010/main" w="25400" algn="ctr">
                 <a:solidFill>
                   <a:srgbClr val="000000"/>
                 </a:solidFill>
@@ -16804,14 +20012,14 @@
           </a:ln>
           <a:extLst>
             <a:ext uri="{909E8E84-426E-40DD-AFC4-6F175D3DCCD1}">
-              <a14:hiddenFill xmlns:a14="http://schemas.microsoft.com/office/drawing/2010/main" xmlns="">
+              <a14:hiddenFill xmlns:a14="http://schemas.microsoft.com/office/drawing/2010/main">
                 <a:solidFill>
                   <a:srgbClr val="FFFFFF"/>
                 </a:solidFill>
               </a14:hiddenFill>
             </a:ext>
             <a:ext uri="{91240B29-F687-4F45-9708-019B960494DF}">
-              <a14:hiddenLine xmlns:a14="http://schemas.microsoft.com/office/drawing/2010/main" xmlns="" w="9525">
+              <a14:hiddenLine xmlns:a14="http://schemas.microsoft.com/office/drawing/2010/main" w="9525">
                 <a:solidFill>
                   <a:srgbClr val="000000"/>
                 </a:solidFill>
@@ -16974,7 +20182,7 @@
           </a:ln>
           <a:extLst>
             <a:ext uri="{91240B29-F687-4F45-9708-019B960494DF}">
-              <a14:hiddenLine xmlns:a14="http://schemas.microsoft.com/office/drawing/2010/main" xmlns="" w="25400" algn="ctr">
+              <a14:hiddenLine xmlns:a14="http://schemas.microsoft.com/office/drawing/2010/main" w="25400" algn="ctr">
                 <a:solidFill>
                   <a:srgbClr val="000000"/>
                 </a:solidFill>
@@ -17016,14 +20224,14 @@
           </a:ln>
           <a:extLst>
             <a:ext uri="{909E8E84-426E-40DD-AFC4-6F175D3DCCD1}">
-              <a14:hiddenFill xmlns:a14="http://schemas.microsoft.com/office/drawing/2010/main" xmlns="">
+              <a14:hiddenFill xmlns:a14="http://schemas.microsoft.com/office/drawing/2010/main">
                 <a:solidFill>
                   <a:srgbClr val="FFFFFF"/>
                 </a:solidFill>
               </a14:hiddenFill>
             </a:ext>
             <a:ext uri="{91240B29-F687-4F45-9708-019B960494DF}">
-              <a14:hiddenLine xmlns:a14="http://schemas.microsoft.com/office/drawing/2010/main" xmlns="" w="9525">
+              <a14:hiddenLine xmlns:a14="http://schemas.microsoft.com/office/drawing/2010/main" w="9525">
                 <a:solidFill>
                   <a:srgbClr val="000000"/>
                 </a:solidFill>
@@ -17187,7 +20395,7 @@
           </a:ln>
           <a:extLst>
             <a:ext uri="{91240B29-F687-4F45-9708-019B960494DF}">
-              <a14:hiddenLine xmlns:a14="http://schemas.microsoft.com/office/drawing/2010/main" xmlns="" w="25400" algn="ctr">
+              <a14:hiddenLine xmlns:a14="http://schemas.microsoft.com/office/drawing/2010/main" w="25400" algn="ctr">
                 <a:solidFill>
                   <a:srgbClr val="000000"/>
                 </a:solidFill>
@@ -17229,14 +20437,14 @@
           </a:ln>
           <a:extLst>
             <a:ext uri="{909E8E84-426E-40DD-AFC4-6F175D3DCCD1}">
-              <a14:hiddenFill xmlns:a14="http://schemas.microsoft.com/office/drawing/2010/main" xmlns="">
+              <a14:hiddenFill xmlns:a14="http://schemas.microsoft.com/office/drawing/2010/main">
                 <a:solidFill>
                   <a:srgbClr val="FFFFFF"/>
                 </a:solidFill>
               </a14:hiddenFill>
             </a:ext>
             <a:ext uri="{91240B29-F687-4F45-9708-019B960494DF}">
-              <a14:hiddenLine xmlns:a14="http://schemas.microsoft.com/office/drawing/2010/main" xmlns="" w="9525">
+              <a14:hiddenLine xmlns:a14="http://schemas.microsoft.com/office/drawing/2010/main" w="9525">
                 <a:solidFill>
                   <a:srgbClr val="000000"/>
                 </a:solidFill>
@@ -17402,7 +20610,7 @@
           </a:ln>
           <a:extLst>
             <a:ext uri="{91240B29-F687-4F45-9708-019B960494DF}">
-              <a14:hiddenLine xmlns:a14="http://schemas.microsoft.com/office/drawing/2010/main" xmlns="" w="9525">
+              <a14:hiddenLine xmlns:a14="http://schemas.microsoft.com/office/drawing/2010/main" w="9525">
                 <a:solidFill>
                   <a:srgbClr val="000000"/>
                 </a:solidFill>
@@ -17446,7 +20654,7 @@
           </a:ln>
           <a:extLst>
             <a:ext uri="{91240B29-F687-4F45-9708-019B960494DF}">
-              <a14:hiddenLine xmlns:a14="http://schemas.microsoft.com/office/drawing/2010/main" xmlns="" w="25400" algn="ctr">
+              <a14:hiddenLine xmlns:a14="http://schemas.microsoft.com/office/drawing/2010/main" w="25400" algn="ctr">
                 <a:solidFill>
                   <a:srgbClr val="000000"/>
                 </a:solidFill>
@@ -17488,14 +20696,14 @@
           </a:ln>
           <a:extLst>
             <a:ext uri="{909E8E84-426E-40DD-AFC4-6F175D3DCCD1}">
-              <a14:hiddenFill xmlns:a14="http://schemas.microsoft.com/office/drawing/2010/main" xmlns="">
+              <a14:hiddenFill xmlns:a14="http://schemas.microsoft.com/office/drawing/2010/main">
                 <a:solidFill>
                   <a:srgbClr val="FFFFFF"/>
                 </a:solidFill>
               </a14:hiddenFill>
             </a:ext>
             <a:ext uri="{91240B29-F687-4F45-9708-019B960494DF}">
-              <a14:hiddenLine xmlns:a14="http://schemas.microsoft.com/office/drawing/2010/main" xmlns="" w="9525">
+              <a14:hiddenLine xmlns:a14="http://schemas.microsoft.com/office/drawing/2010/main" w="9525">
                 <a:solidFill>
                   <a:srgbClr val="000000"/>
                 </a:solidFill>
@@ -17682,7 +20890,7 @@
             </a:ln>
             <a:extLst>
               <a:ext uri="{91240B29-F687-4F45-9708-019B960494DF}">
-                <a14:hiddenLine xmlns:a14="http://schemas.microsoft.com/office/drawing/2010/main" xmlns="" w="9525">
+                <a14:hiddenLine xmlns:a14="http://schemas.microsoft.com/office/drawing/2010/main" w="9525">
                   <a:solidFill>
                     <a:srgbClr val="000000"/>
                   </a:solidFill>
@@ -17729,7 +20937,7 @@
             </a:ln>
             <a:extLst>
               <a:ext uri="{91240B29-F687-4F45-9708-019B960494DF}">
-                <a14:hiddenLine xmlns:a14="http://schemas.microsoft.com/office/drawing/2010/main" xmlns="" w="9525">
+                <a14:hiddenLine xmlns:a14="http://schemas.microsoft.com/office/drawing/2010/main" w="9525">
                   <a:solidFill>
                     <a:srgbClr val="000000"/>
                   </a:solidFill>
@@ -17798,7 +21006,7 @@
             </a:ln>
             <a:extLst>
               <a:ext uri="{91240B29-F687-4F45-9708-019B960494DF}">
-                <a14:hiddenLine xmlns:a14="http://schemas.microsoft.com/office/drawing/2010/main" xmlns="" w="9525">
+                <a14:hiddenLine xmlns:a14="http://schemas.microsoft.com/office/drawing/2010/main" w="9525">
                   <a:solidFill>
                     <a:srgbClr val="000000"/>
                   </a:solidFill>
@@ -17845,7 +21053,7 @@
             </a:ln>
             <a:extLst>
               <a:ext uri="{91240B29-F687-4F45-9708-019B960494DF}">
-                <a14:hiddenLine xmlns:a14="http://schemas.microsoft.com/office/drawing/2010/main" xmlns="" w="9525">
+                <a14:hiddenLine xmlns:a14="http://schemas.microsoft.com/office/drawing/2010/main" w="9525">
                   <a:solidFill>
                     <a:srgbClr val="000000"/>
                   </a:solidFill>
@@ -17914,7 +21122,7 @@
             </a:ln>
             <a:extLst>
               <a:ext uri="{91240B29-F687-4F45-9708-019B960494DF}">
-                <a14:hiddenLine xmlns:a14="http://schemas.microsoft.com/office/drawing/2010/main" xmlns="" w="9525">
+                <a14:hiddenLine xmlns:a14="http://schemas.microsoft.com/office/drawing/2010/main" w="9525">
                   <a:solidFill>
                     <a:srgbClr val="000000"/>
                   </a:solidFill>
@@ -17961,7 +21169,7 @@
             </a:ln>
             <a:extLst>
               <a:ext uri="{91240B29-F687-4F45-9708-019B960494DF}">
-                <a14:hiddenLine xmlns:a14="http://schemas.microsoft.com/office/drawing/2010/main" xmlns="" w="25400" algn="ctr">
+                <a14:hiddenLine xmlns:a14="http://schemas.microsoft.com/office/drawing/2010/main" w="25400" algn="ctr">
                   <a:solidFill>
                     <a:srgbClr val="000000"/>
                   </a:solidFill>
@@ -17998,7 +21206,7 @@
 </p:sld>
 </file>
 
-<file path=ppt/slides/slide26.xml><?xml version="1.0" encoding="utf-8"?>
+<file path=ppt/slides/slide32.xml><?xml version="1.0" encoding="utf-8"?>
 <p:sld xmlns:a="http://schemas.openxmlformats.org/drawingml/2006/main" xmlns:r="http://schemas.openxmlformats.org/officeDocument/2006/relationships" xmlns:p="http://schemas.openxmlformats.org/presentationml/2006/main">
   <p:cSld>
     <p:spTree>
@@ -18087,7 +21295,7 @@
           <a:effectLst/>
           <a:extLst>
             <a:ext uri="{AF507438-7753-43E0-B8FC-AC1667EBCBE1}">
-              <a14:hiddenEffects xmlns:a14="http://schemas.microsoft.com/office/drawing/2010/main" xmlns="">
+              <a14:hiddenEffects xmlns:a14="http://schemas.microsoft.com/office/drawing/2010/main">
                 <a:effectLst>
                   <a:outerShdw blurRad="63500" dist="38099" dir="2700000" algn="ctr" rotWithShape="0">
                     <a:schemeClr val="bg2">
@@ -18298,7 +21506,7 @@
             <a:effectLst/>
             <a:extLst>
               <a:ext uri="{AF507438-7753-43E0-B8FC-AC1667EBCBE1}">
-                <a14:hiddenEffects xmlns:a14="http://schemas.microsoft.com/office/drawing/2010/main" xmlns="">
+                <a14:hiddenEffects xmlns:a14="http://schemas.microsoft.com/office/drawing/2010/main">
                   <a:effectLst>
                     <a:outerShdw blurRad="63500" dist="38099" dir="2700000" algn="ctr" rotWithShape="0">
                       <a:schemeClr val="bg2">
@@ -18343,7 +21551,7 @@
             <a:effectLst/>
             <a:extLst>
               <a:ext uri="{AF507438-7753-43E0-B8FC-AC1667EBCBE1}">
-                <a14:hiddenEffects xmlns:a14="http://schemas.microsoft.com/office/drawing/2010/main" xmlns="">
+                <a14:hiddenEffects xmlns:a14="http://schemas.microsoft.com/office/drawing/2010/main">
                   <a:effectLst>
                     <a:outerShdw blurRad="63500" dist="38099" dir="2700000" algn="ctr" rotWithShape="0">
                       <a:schemeClr val="bg2">
@@ -18624,7 +21832,7 @@
             <a:effectLst/>
             <a:extLst>
               <a:ext uri="{AF507438-7753-43E0-B8FC-AC1667EBCBE1}">
-                <a14:hiddenEffects xmlns:a14="http://schemas.microsoft.com/office/drawing/2010/main" xmlns="">
+                <a14:hiddenEffects xmlns:a14="http://schemas.microsoft.com/office/drawing/2010/main">
                   <a:effectLst>
                     <a:outerShdw blurRad="63500" dist="38099" dir="2700000" algn="ctr" rotWithShape="0">
                       <a:schemeClr val="bg2">
@@ -18669,7 +21877,7 @@
             <a:effectLst/>
             <a:extLst>
               <a:ext uri="{AF507438-7753-43E0-B8FC-AC1667EBCBE1}">
-                <a14:hiddenEffects xmlns:a14="http://schemas.microsoft.com/office/drawing/2010/main" xmlns="">
+                <a14:hiddenEffects xmlns:a14="http://schemas.microsoft.com/office/drawing/2010/main">
                   <a:effectLst>
                     <a:outerShdw blurRad="63500" dist="38099" dir="2700000" algn="ctr" rotWithShape="0">
                       <a:schemeClr val="bg2">
@@ -18950,7 +22158,7 @@
             <a:effectLst/>
             <a:extLst>
               <a:ext uri="{AF507438-7753-43E0-B8FC-AC1667EBCBE1}">
-                <a14:hiddenEffects xmlns:a14="http://schemas.microsoft.com/office/drawing/2010/main" xmlns="">
+                <a14:hiddenEffects xmlns:a14="http://schemas.microsoft.com/office/drawing/2010/main">
                   <a:effectLst>
                     <a:outerShdw blurRad="63500" dist="38099" dir="2700000" algn="ctr" rotWithShape="0">
                       <a:schemeClr val="bg2">
@@ -18995,7 +22203,7 @@
             <a:effectLst/>
             <a:extLst>
               <a:ext uri="{AF507438-7753-43E0-B8FC-AC1667EBCBE1}">
-                <a14:hiddenEffects xmlns:a14="http://schemas.microsoft.com/office/drawing/2010/main" xmlns="">
+                <a14:hiddenEffects xmlns:a14="http://schemas.microsoft.com/office/drawing/2010/main">
                   <a:effectLst>
                     <a:outerShdw blurRad="63500" dist="38099" dir="2700000" algn="ctr" rotWithShape="0">
                       <a:schemeClr val="bg2">
@@ -19214,7 +22422,7 @@
           <a:effectLst/>
           <a:extLst>
             <a:ext uri="{AF507438-7753-43E0-B8FC-AC1667EBCBE1}">
-              <a14:hiddenEffects xmlns:a14="http://schemas.microsoft.com/office/drawing/2010/main" xmlns="">
+              <a14:hiddenEffects xmlns:a14="http://schemas.microsoft.com/office/drawing/2010/main">
                 <a:effectLst>
                   <a:outerShdw blurRad="63500" dist="38099" dir="2700000" algn="ctr" rotWithShape="0">
                     <a:schemeClr val="bg2">
@@ -19259,7 +22467,7 @@
           <a:effectLst/>
           <a:extLst>
             <a:ext uri="{AF507438-7753-43E0-B8FC-AC1667EBCBE1}">
-              <a14:hiddenEffects xmlns:a14="http://schemas.microsoft.com/office/drawing/2010/main" xmlns="">
+              <a14:hiddenEffects xmlns:a14="http://schemas.microsoft.com/office/drawing/2010/main">
                 <a:effectLst>
                   <a:outerShdw blurRad="63500" dist="38099" dir="2700000" algn="ctr" rotWithShape="0">
                     <a:schemeClr val="bg2">
@@ -19304,7 +22512,7 @@
           <a:effectLst/>
           <a:extLst>
             <a:ext uri="{AF507438-7753-43E0-B8FC-AC1667EBCBE1}">
-              <a14:hiddenEffects xmlns:a14="http://schemas.microsoft.com/office/drawing/2010/main" xmlns="">
+              <a14:hiddenEffects xmlns:a14="http://schemas.microsoft.com/office/drawing/2010/main">
                 <a:effectLst>
                   <a:outerShdw blurRad="63500" dist="38099" dir="2700000" algn="ctr" rotWithShape="0">
                     <a:schemeClr val="bg2">
@@ -19352,7 +22560,7 @@
     </p:spTree>
     <p:extLst>
       <p:ext uri="{BB962C8B-B14F-4D97-AF65-F5344CB8AC3E}">
-        <p14:creationId xmlns:p14="http://schemas.microsoft.com/office/powerpoint/2010/main" xmlns="" val="1008352687"/>
+        <p14:creationId xmlns:p14="http://schemas.microsoft.com/office/powerpoint/2010/main" val="1008352687"/>
       </p:ext>
     </p:extLst>
   </p:cSld>
@@ -19370,7 +22578,7 @@
 </p:sld>
 </file>
 
-<file path=ppt/slides/slide27.xml><?xml version="1.0" encoding="utf-8"?>
+<file path=ppt/slides/slide33.xml><?xml version="1.0" encoding="utf-8"?>
 <p:sld xmlns:a="http://schemas.openxmlformats.org/drawingml/2006/main" xmlns:r="http://schemas.openxmlformats.org/officeDocument/2006/relationships" xmlns:p="http://schemas.openxmlformats.org/presentationml/2006/main">
   <p:cSld>
     <p:spTree>
@@ -19459,7 +22667,7 @@
           <a:effectLst/>
           <a:extLst>
             <a:ext uri="{AF507438-7753-43E0-B8FC-AC1667EBCBE1}">
-              <a14:hiddenEffects xmlns:a14="http://schemas.microsoft.com/office/drawing/2010/main" xmlns="">
+              <a14:hiddenEffects xmlns:a14="http://schemas.microsoft.com/office/drawing/2010/main">
                 <a:effectLst>
                   <a:outerShdw blurRad="63500" dist="38099" dir="2700000" algn="ctr" rotWithShape="0">
                     <a:schemeClr val="bg2">
@@ -19670,7 +22878,7 @@
             <a:effectLst/>
             <a:extLst>
               <a:ext uri="{AF507438-7753-43E0-B8FC-AC1667EBCBE1}">
-                <a14:hiddenEffects xmlns:a14="http://schemas.microsoft.com/office/drawing/2010/main" xmlns="">
+                <a14:hiddenEffects xmlns:a14="http://schemas.microsoft.com/office/drawing/2010/main">
                   <a:effectLst>
                     <a:outerShdw blurRad="63500" dist="38099" dir="2700000" algn="ctr" rotWithShape="0">
                       <a:schemeClr val="bg2">
@@ -19715,7 +22923,7 @@
             <a:effectLst/>
             <a:extLst>
               <a:ext uri="{AF507438-7753-43E0-B8FC-AC1667EBCBE1}">
-                <a14:hiddenEffects xmlns:a14="http://schemas.microsoft.com/office/drawing/2010/main" xmlns="">
+                <a14:hiddenEffects xmlns:a14="http://schemas.microsoft.com/office/drawing/2010/main">
                   <a:effectLst>
                     <a:outerShdw blurRad="63500" dist="38099" dir="2700000" algn="ctr" rotWithShape="0">
                       <a:schemeClr val="bg2">
@@ -19996,7 +23204,7 @@
             <a:effectLst/>
             <a:extLst>
               <a:ext uri="{AF507438-7753-43E0-B8FC-AC1667EBCBE1}">
-                <a14:hiddenEffects xmlns:a14="http://schemas.microsoft.com/office/drawing/2010/main" xmlns="">
+                <a14:hiddenEffects xmlns:a14="http://schemas.microsoft.com/office/drawing/2010/main">
                   <a:effectLst>
                     <a:outerShdw blurRad="63500" dist="38099" dir="2700000" algn="ctr" rotWithShape="0">
                       <a:schemeClr val="bg2">
@@ -20041,7 +23249,7 @@
             <a:effectLst/>
             <a:extLst>
               <a:ext uri="{AF507438-7753-43E0-B8FC-AC1667EBCBE1}">
-                <a14:hiddenEffects xmlns:a14="http://schemas.microsoft.com/office/drawing/2010/main" xmlns="">
+                <a14:hiddenEffects xmlns:a14="http://schemas.microsoft.com/office/drawing/2010/main">
                   <a:effectLst>
                     <a:outerShdw blurRad="63500" dist="38099" dir="2700000" algn="ctr" rotWithShape="0">
                       <a:schemeClr val="bg2">
@@ -20322,7 +23530,7 @@
             <a:effectLst/>
             <a:extLst>
               <a:ext uri="{AF507438-7753-43E0-B8FC-AC1667EBCBE1}">
-                <a14:hiddenEffects xmlns:a14="http://schemas.microsoft.com/office/drawing/2010/main" xmlns="">
+                <a14:hiddenEffects xmlns:a14="http://schemas.microsoft.com/office/drawing/2010/main">
                   <a:effectLst>
                     <a:outerShdw blurRad="63500" dist="38099" dir="2700000" algn="ctr" rotWithShape="0">
                       <a:schemeClr val="bg2">
@@ -20367,7 +23575,7 @@
             <a:effectLst/>
             <a:extLst>
               <a:ext uri="{AF507438-7753-43E0-B8FC-AC1667EBCBE1}">
-                <a14:hiddenEffects xmlns:a14="http://schemas.microsoft.com/office/drawing/2010/main" xmlns="">
+                <a14:hiddenEffects xmlns:a14="http://schemas.microsoft.com/office/drawing/2010/main">
                   <a:effectLst>
                     <a:outerShdw blurRad="63500" dist="38099" dir="2700000" algn="ctr" rotWithShape="0">
                       <a:schemeClr val="bg2">
@@ -20496,7 +23704,7 @@
             <a:effectLst/>
             <a:extLst>
               <a:ext uri="{AF507438-7753-43E0-B8FC-AC1667EBCBE1}">
-                <a14:hiddenEffects xmlns:a14="http://schemas.microsoft.com/office/drawing/2010/main" xmlns="">
+                <a14:hiddenEffects xmlns:a14="http://schemas.microsoft.com/office/drawing/2010/main">
                   <a:effectLst>
                     <a:outerShdw blurRad="63500" dist="38099" dir="2700000" algn="ctr" rotWithShape="0">
                       <a:schemeClr val="bg2">
@@ -20541,7 +23749,7 @@
             <a:effectLst/>
             <a:extLst>
               <a:ext uri="{AF507438-7753-43E0-B8FC-AC1667EBCBE1}">
-                <a14:hiddenEffects xmlns:a14="http://schemas.microsoft.com/office/drawing/2010/main" xmlns="">
+                <a14:hiddenEffects xmlns:a14="http://schemas.microsoft.com/office/drawing/2010/main">
                   <a:effectLst>
                     <a:outerShdw blurRad="63500" dist="38099" dir="2700000" algn="ctr" rotWithShape="0">
                       <a:schemeClr val="bg2">
@@ -20586,7 +23794,7 @@
             <a:effectLst/>
             <a:extLst>
               <a:ext uri="{AF507438-7753-43E0-B8FC-AC1667EBCBE1}">
-                <a14:hiddenEffects xmlns:a14="http://schemas.microsoft.com/office/drawing/2010/main" xmlns="">
+                <a14:hiddenEffects xmlns:a14="http://schemas.microsoft.com/office/drawing/2010/main">
                   <a:effectLst>
                     <a:outerShdw blurRad="63500" dist="38099" dir="2700000" algn="ctr" rotWithShape="0">
                       <a:schemeClr val="bg2">
@@ -20729,7 +23937,7 @@
             <a:effectLst/>
             <a:extLst>
               <a:ext uri="{AF507438-7753-43E0-B8FC-AC1667EBCBE1}">
-                <a14:hiddenEffects xmlns:a14="http://schemas.microsoft.com/office/drawing/2010/main" xmlns="">
+                <a14:hiddenEffects xmlns:a14="http://schemas.microsoft.com/office/drawing/2010/main">
                   <a:effectLst>
                     <a:outerShdw blurRad="63500" dist="38099" dir="2700000" algn="ctr" rotWithShape="0">
                       <a:schemeClr val="bg2">
@@ -20912,7 +24120,7 @@
             <a:effectLst/>
             <a:extLst>
               <a:ext uri="{AF507438-7753-43E0-B8FC-AC1667EBCBE1}">
-                <a14:hiddenEffects xmlns:a14="http://schemas.microsoft.com/office/drawing/2010/main" xmlns="">
+                <a14:hiddenEffects xmlns:a14="http://schemas.microsoft.com/office/drawing/2010/main">
                   <a:effectLst>
                     <a:outerShdw blurRad="63500" dist="38099" dir="2700000" algn="ctr" rotWithShape="0">
                       <a:schemeClr val="bg2">
@@ -21244,7 +24452,7 @@
             <a:effectLst/>
             <a:extLst>
               <a:ext uri="{AF507438-7753-43E0-B8FC-AC1667EBCBE1}">
-                <a14:hiddenEffects xmlns:a14="http://schemas.microsoft.com/office/drawing/2010/main" xmlns="">
+                <a14:hiddenEffects xmlns:a14="http://schemas.microsoft.com/office/drawing/2010/main">
                   <a:effectLst>
                     <a:outerShdw blurRad="63500" dist="38099" dir="2700000" algn="ctr" rotWithShape="0">
                       <a:schemeClr val="bg2">
@@ -21286,7 +24494,7 @@
             <a:effectLst/>
             <a:extLst>
               <a:ext uri="{AF507438-7753-43E0-B8FC-AC1667EBCBE1}">
-                <a14:hiddenEffects xmlns:a14="http://schemas.microsoft.com/office/drawing/2010/main" xmlns="">
+                <a14:hiddenEffects xmlns:a14="http://schemas.microsoft.com/office/drawing/2010/main">
                   <a:effectLst>
                     <a:outerShdw blurRad="63500" dist="38099" dir="2700000" algn="ctr" rotWithShape="0">
                       <a:schemeClr val="bg2">
@@ -21335,7 +24543,7 @@
     </p:spTree>
     <p:extLst>
       <p:ext uri="{BB962C8B-B14F-4D97-AF65-F5344CB8AC3E}">
-        <p14:creationId xmlns:p14="http://schemas.microsoft.com/office/powerpoint/2010/main" xmlns="" val="2320115777"/>
+        <p14:creationId xmlns:p14="http://schemas.microsoft.com/office/powerpoint/2010/main" val="2320115777"/>
       </p:ext>
     </p:extLst>
   </p:cSld>
@@ -21560,7 +24768,7 @@
 </p:sld>
 </file>
 
-<file path=ppt/slides/slide28.xml><?xml version="1.0" encoding="utf-8"?>
+<file path=ppt/slides/slide34.xml><?xml version="1.0" encoding="utf-8"?>
 <p:sld xmlns:a="http://schemas.openxmlformats.org/drawingml/2006/main" xmlns:r="http://schemas.openxmlformats.org/officeDocument/2006/relationships" xmlns:p="http://schemas.openxmlformats.org/presentationml/2006/main">
   <p:cSld>
     <p:spTree>
@@ -21606,7 +24814,7 @@
           <a:effectLst/>
           <a:extLst>
             <a:ext uri="{AF507438-7753-43E0-B8FC-AC1667EBCBE1}">
-              <a14:hiddenEffects xmlns:a14="http://schemas.microsoft.com/office/drawing/2010/main" xmlns="">
+              <a14:hiddenEffects xmlns:a14="http://schemas.microsoft.com/office/drawing/2010/main">
                 <a:effectLst>
                   <a:outerShdw blurRad="63500" dist="38099" dir="2700000" algn="ctr" rotWithShape="0">
                     <a:schemeClr val="bg2">
@@ -21691,7 +24899,7 @@
           <a:effectLst/>
           <a:extLst>
             <a:ext uri="{AF507438-7753-43E0-B8FC-AC1667EBCBE1}">
-              <a14:hiddenEffects xmlns:a14="http://schemas.microsoft.com/office/drawing/2010/main" xmlns="">
+              <a14:hiddenEffects xmlns:a14="http://schemas.microsoft.com/office/drawing/2010/main">
                 <a:effectLst>
                   <a:outerShdw blurRad="63500" dist="38099" dir="2700000" algn="ctr" rotWithShape="0">
                     <a:schemeClr val="bg2">
@@ -21902,7 +25110,7 @@
             <a:effectLst/>
             <a:extLst>
               <a:ext uri="{AF507438-7753-43E0-B8FC-AC1667EBCBE1}">
-                <a14:hiddenEffects xmlns:a14="http://schemas.microsoft.com/office/drawing/2010/main" xmlns="">
+                <a14:hiddenEffects xmlns:a14="http://schemas.microsoft.com/office/drawing/2010/main">
                   <a:effectLst>
                     <a:outerShdw blurRad="63500" dist="38099" dir="2700000" algn="ctr" rotWithShape="0">
                       <a:schemeClr val="bg2">
@@ -21947,7 +25155,7 @@
             <a:effectLst/>
             <a:extLst>
               <a:ext uri="{AF507438-7753-43E0-B8FC-AC1667EBCBE1}">
-                <a14:hiddenEffects xmlns:a14="http://schemas.microsoft.com/office/drawing/2010/main" xmlns="">
+                <a14:hiddenEffects xmlns:a14="http://schemas.microsoft.com/office/drawing/2010/main">
                   <a:effectLst>
                     <a:outerShdw blurRad="63500" dist="38099" dir="2700000" algn="ctr" rotWithShape="0">
                       <a:schemeClr val="bg2">
@@ -22228,7 +25436,7 @@
             <a:effectLst/>
             <a:extLst>
               <a:ext uri="{AF507438-7753-43E0-B8FC-AC1667EBCBE1}">
-                <a14:hiddenEffects xmlns:a14="http://schemas.microsoft.com/office/drawing/2010/main" xmlns="">
+                <a14:hiddenEffects xmlns:a14="http://schemas.microsoft.com/office/drawing/2010/main">
                   <a:effectLst>
                     <a:outerShdw blurRad="63500" dist="38099" dir="2700000" algn="ctr" rotWithShape="0">
                       <a:schemeClr val="bg2">
@@ -22273,7 +25481,7 @@
             <a:effectLst/>
             <a:extLst>
               <a:ext uri="{AF507438-7753-43E0-B8FC-AC1667EBCBE1}">
-                <a14:hiddenEffects xmlns:a14="http://schemas.microsoft.com/office/drawing/2010/main" xmlns="">
+                <a14:hiddenEffects xmlns:a14="http://schemas.microsoft.com/office/drawing/2010/main">
                   <a:effectLst>
                     <a:outerShdw blurRad="63500" dist="38099" dir="2700000" algn="ctr" rotWithShape="0">
                       <a:schemeClr val="bg2">
@@ -22388,7 +25596,7 @@
           <a:effectLst/>
           <a:extLst>
             <a:ext uri="{AF507438-7753-43E0-B8FC-AC1667EBCBE1}">
-              <a14:hiddenEffects xmlns:a14="http://schemas.microsoft.com/office/drawing/2010/main" xmlns="">
+              <a14:hiddenEffects xmlns:a14="http://schemas.microsoft.com/office/drawing/2010/main">
                 <a:effectLst>
                   <a:outerShdw blurRad="63500" dist="38099" dir="2700000" algn="ctr" rotWithShape="0">
                     <a:schemeClr val="bg2">
@@ -22433,7 +25641,7 @@
           <a:effectLst/>
           <a:extLst>
             <a:ext uri="{AF507438-7753-43E0-B8FC-AC1667EBCBE1}">
-              <a14:hiddenEffects xmlns:a14="http://schemas.microsoft.com/office/drawing/2010/main" xmlns="">
+              <a14:hiddenEffects xmlns:a14="http://schemas.microsoft.com/office/drawing/2010/main">
                 <a:effectLst>
                   <a:outerShdw blurRad="63500" dist="38099" dir="2700000" algn="ctr" rotWithShape="0">
                     <a:schemeClr val="bg2">
@@ -22478,7 +25686,7 @@
           <a:effectLst/>
           <a:extLst>
             <a:ext uri="{AF507438-7753-43E0-B8FC-AC1667EBCBE1}">
-              <a14:hiddenEffects xmlns:a14="http://schemas.microsoft.com/office/drawing/2010/main" xmlns="">
+              <a14:hiddenEffects xmlns:a14="http://schemas.microsoft.com/office/drawing/2010/main">
                 <a:effectLst>
                   <a:outerShdw blurRad="63500" dist="38099" dir="2700000" algn="ctr" rotWithShape="0">
                     <a:schemeClr val="bg2">
@@ -22620,7 +25828,7 @@
             <a:effectLst/>
             <a:extLst>
               <a:ext uri="{AF507438-7753-43E0-B8FC-AC1667EBCBE1}">
-                <a14:hiddenEffects xmlns:a14="http://schemas.microsoft.com/office/drawing/2010/main" xmlns="">
+                <a14:hiddenEffects xmlns:a14="http://schemas.microsoft.com/office/drawing/2010/main">
                   <a:effectLst>
                     <a:outerShdw blurRad="63500" dist="38099" dir="2700000" algn="ctr" rotWithShape="0">
                       <a:schemeClr val="bg2">
@@ -22803,7 +26011,7 @@
             <a:effectLst/>
             <a:extLst>
               <a:ext uri="{AF507438-7753-43E0-B8FC-AC1667EBCBE1}">
-                <a14:hiddenEffects xmlns:a14="http://schemas.microsoft.com/office/drawing/2010/main" xmlns="">
+                <a14:hiddenEffects xmlns:a14="http://schemas.microsoft.com/office/drawing/2010/main">
                   <a:effectLst>
                     <a:outerShdw blurRad="63500" dist="38099" dir="2700000" algn="ctr" rotWithShape="0">
                       <a:schemeClr val="bg2">
@@ -23121,7 +26329,7 @@
           <a:effectLst/>
           <a:extLst>
             <a:ext uri="{AF507438-7753-43E0-B8FC-AC1667EBCBE1}">
-              <a14:hiddenEffects xmlns:a14="http://schemas.microsoft.com/office/drawing/2010/main" xmlns="">
+              <a14:hiddenEffects xmlns:a14="http://schemas.microsoft.com/office/drawing/2010/main">
                 <a:effectLst>
                   <a:outerShdw blurRad="63500" dist="38099" dir="2700000" algn="ctr" rotWithShape="0">
                     <a:schemeClr val="bg2">
@@ -23332,7 +26540,7 @@
             <a:effectLst/>
             <a:extLst>
               <a:ext uri="{AF507438-7753-43E0-B8FC-AC1667EBCBE1}">
-                <a14:hiddenEffects xmlns:a14="http://schemas.microsoft.com/office/drawing/2010/main" xmlns="">
+                <a14:hiddenEffects xmlns:a14="http://schemas.microsoft.com/office/drawing/2010/main">
                   <a:effectLst>
                     <a:outerShdw blurRad="63500" dist="38099" dir="2700000" algn="ctr" rotWithShape="0">
                       <a:schemeClr val="bg2">
@@ -23377,7 +26585,7 @@
             <a:effectLst/>
             <a:extLst>
               <a:ext uri="{AF507438-7753-43E0-B8FC-AC1667EBCBE1}">
-                <a14:hiddenEffects xmlns:a14="http://schemas.microsoft.com/office/drawing/2010/main" xmlns="">
+                <a14:hiddenEffects xmlns:a14="http://schemas.microsoft.com/office/drawing/2010/main">
                   <a:effectLst>
                     <a:outerShdw blurRad="63500" dist="38099" dir="2700000" algn="ctr" rotWithShape="0">
                       <a:schemeClr val="bg2">
@@ -23688,7 +26896,7 @@
             <a:effectLst/>
             <a:extLst>
               <a:ext uri="{AF507438-7753-43E0-B8FC-AC1667EBCBE1}">
-                <a14:hiddenEffects xmlns:a14="http://schemas.microsoft.com/office/drawing/2010/main" xmlns="">
+                <a14:hiddenEffects xmlns:a14="http://schemas.microsoft.com/office/drawing/2010/main">
                   <a:effectLst>
                     <a:outerShdw blurRad="63500" dist="38099" dir="2700000" algn="ctr" rotWithShape="0">
                       <a:schemeClr val="bg2">
@@ -23733,7 +26941,7 @@
             <a:effectLst/>
             <a:extLst>
               <a:ext uri="{AF507438-7753-43E0-B8FC-AC1667EBCBE1}">
-                <a14:hiddenEffects xmlns:a14="http://schemas.microsoft.com/office/drawing/2010/main" xmlns="">
+                <a14:hiddenEffects xmlns:a14="http://schemas.microsoft.com/office/drawing/2010/main">
                   <a:effectLst>
                     <a:outerShdw blurRad="63500" dist="38099" dir="2700000" algn="ctr" rotWithShape="0">
                       <a:schemeClr val="bg2">
@@ -24044,7 +27252,7 @@
             <a:effectLst/>
             <a:extLst>
               <a:ext uri="{AF507438-7753-43E0-B8FC-AC1667EBCBE1}">
-                <a14:hiddenEffects xmlns:a14="http://schemas.microsoft.com/office/drawing/2010/main" xmlns="">
+                <a14:hiddenEffects xmlns:a14="http://schemas.microsoft.com/office/drawing/2010/main">
                   <a:effectLst>
                     <a:outerShdw blurRad="63500" dist="38099" dir="2700000" algn="ctr" rotWithShape="0">
                       <a:schemeClr val="bg2">
@@ -24089,7 +27297,7 @@
             <a:effectLst/>
             <a:extLst>
               <a:ext uri="{AF507438-7753-43E0-B8FC-AC1667EBCBE1}">
-                <a14:hiddenEffects xmlns:a14="http://schemas.microsoft.com/office/drawing/2010/main" xmlns="">
+                <a14:hiddenEffects xmlns:a14="http://schemas.microsoft.com/office/drawing/2010/main">
                   <a:effectLst>
                     <a:outerShdw blurRad="63500" dist="38099" dir="2700000" algn="ctr" rotWithShape="0">
                       <a:schemeClr val="bg2">
@@ -24233,7 +27441,7 @@
           <a:effectLst/>
           <a:extLst>
             <a:ext uri="{AF507438-7753-43E0-B8FC-AC1667EBCBE1}">
-              <a14:hiddenEffects xmlns:a14="http://schemas.microsoft.com/office/drawing/2010/main" xmlns="">
+              <a14:hiddenEffects xmlns:a14="http://schemas.microsoft.com/office/drawing/2010/main">
                 <a:effectLst>
                   <a:outerShdw blurRad="63500" dist="38099" dir="2700000" algn="ctr" rotWithShape="0">
                     <a:schemeClr val="bg2">
@@ -24278,7 +27486,7 @@
           <a:effectLst/>
           <a:extLst>
             <a:ext uri="{AF507438-7753-43E0-B8FC-AC1667EBCBE1}">
-              <a14:hiddenEffects xmlns:a14="http://schemas.microsoft.com/office/drawing/2010/main" xmlns="">
+              <a14:hiddenEffects xmlns:a14="http://schemas.microsoft.com/office/drawing/2010/main">
                 <a:effectLst>
                   <a:outerShdw blurRad="63500" dist="38099" dir="2700000" algn="ctr" rotWithShape="0">
                     <a:schemeClr val="bg2">
@@ -24326,7 +27534,7 @@
     </p:spTree>
     <p:extLst>
       <p:ext uri="{BB962C8B-B14F-4D97-AF65-F5344CB8AC3E}">
-        <p14:creationId xmlns:p14="http://schemas.microsoft.com/office/powerpoint/2010/main" xmlns="" val="3941702573"/>
+        <p14:creationId xmlns:p14="http://schemas.microsoft.com/office/powerpoint/2010/main" val="3941702573"/>
       </p:ext>
     </p:extLst>
   </p:cSld>
@@ -24344,7 +27552,7 @@
 </p:sld>
 </file>
 
-<file path=ppt/slides/slide29.xml><?xml version="1.0" encoding="utf-8"?>
+<file path=ppt/slides/slide35.xml><?xml version="1.0" encoding="utf-8"?>
 <p:sld xmlns:a="http://schemas.openxmlformats.org/drawingml/2006/main" xmlns:r="http://schemas.openxmlformats.org/officeDocument/2006/relationships" xmlns:p="http://schemas.openxmlformats.org/presentationml/2006/main">
   <p:cSld>
     <p:spTree>
@@ -24390,7 +27598,7 @@
           <a:effectLst/>
           <a:extLst>
             <a:ext uri="{AF507438-7753-43E0-B8FC-AC1667EBCBE1}">
-              <a14:hiddenEffects xmlns:a14="http://schemas.microsoft.com/office/drawing/2010/main" xmlns="">
+              <a14:hiddenEffects xmlns:a14="http://schemas.microsoft.com/office/drawing/2010/main">
                 <a:effectLst>
                   <a:outerShdw blurRad="63500" dist="38099" dir="2700000" algn="ctr" rotWithShape="0">
                     <a:schemeClr val="bg2">
@@ -24601,7 +27809,7 @@
             <a:effectLst/>
             <a:extLst>
               <a:ext uri="{AF507438-7753-43E0-B8FC-AC1667EBCBE1}">
-                <a14:hiddenEffects xmlns:a14="http://schemas.microsoft.com/office/drawing/2010/main" xmlns="">
+                <a14:hiddenEffects xmlns:a14="http://schemas.microsoft.com/office/drawing/2010/main">
                   <a:effectLst>
                     <a:outerShdw blurRad="63500" dist="38099" dir="2700000" algn="ctr" rotWithShape="0">
                       <a:schemeClr val="bg2">
@@ -24646,7 +27854,7 @@
             <a:effectLst/>
             <a:extLst>
               <a:ext uri="{AF507438-7753-43E0-B8FC-AC1667EBCBE1}">
-                <a14:hiddenEffects xmlns:a14="http://schemas.microsoft.com/office/drawing/2010/main" xmlns="">
+                <a14:hiddenEffects xmlns:a14="http://schemas.microsoft.com/office/drawing/2010/main">
                   <a:effectLst>
                     <a:outerShdw blurRad="63500" dist="38099" dir="2700000" algn="ctr" rotWithShape="0">
                       <a:schemeClr val="bg2">
@@ -24927,7 +28135,7 @@
             <a:effectLst/>
             <a:extLst>
               <a:ext uri="{AF507438-7753-43E0-B8FC-AC1667EBCBE1}">
-                <a14:hiddenEffects xmlns:a14="http://schemas.microsoft.com/office/drawing/2010/main" xmlns="">
+                <a14:hiddenEffects xmlns:a14="http://schemas.microsoft.com/office/drawing/2010/main">
                   <a:effectLst>
                     <a:outerShdw blurRad="63500" dist="38099" dir="2700000" algn="ctr" rotWithShape="0">
                       <a:schemeClr val="bg2">
@@ -24972,7 +28180,7 @@
             <a:effectLst/>
             <a:extLst>
               <a:ext uri="{AF507438-7753-43E0-B8FC-AC1667EBCBE1}">
-                <a14:hiddenEffects xmlns:a14="http://schemas.microsoft.com/office/drawing/2010/main" xmlns="">
+                <a14:hiddenEffects xmlns:a14="http://schemas.microsoft.com/office/drawing/2010/main">
                   <a:effectLst>
                     <a:outerShdw blurRad="63500" dist="38099" dir="2700000" algn="ctr" rotWithShape="0">
                       <a:schemeClr val="bg2">
@@ -25087,7 +28295,7 @@
           <a:effectLst/>
           <a:extLst>
             <a:ext uri="{AF507438-7753-43E0-B8FC-AC1667EBCBE1}">
-              <a14:hiddenEffects xmlns:a14="http://schemas.microsoft.com/office/drawing/2010/main" xmlns="">
+              <a14:hiddenEffects xmlns:a14="http://schemas.microsoft.com/office/drawing/2010/main">
                 <a:effectLst>
                   <a:outerShdw blurRad="63500" dist="38099" dir="2700000" algn="ctr" rotWithShape="0">
                     <a:schemeClr val="bg2">
@@ -25229,7 +28437,7 @@
             <a:effectLst/>
             <a:extLst>
               <a:ext uri="{AF507438-7753-43E0-B8FC-AC1667EBCBE1}">
-                <a14:hiddenEffects xmlns:a14="http://schemas.microsoft.com/office/drawing/2010/main" xmlns="">
+                <a14:hiddenEffects xmlns:a14="http://schemas.microsoft.com/office/drawing/2010/main">
                   <a:effectLst>
                     <a:outerShdw blurRad="63500" dist="38099" dir="2700000" algn="ctr" rotWithShape="0">
                       <a:schemeClr val="bg2">
@@ -25412,7 +28620,7 @@
             <a:effectLst/>
             <a:extLst>
               <a:ext uri="{AF507438-7753-43E0-B8FC-AC1667EBCBE1}">
-                <a14:hiddenEffects xmlns:a14="http://schemas.microsoft.com/office/drawing/2010/main" xmlns="">
+                <a14:hiddenEffects xmlns:a14="http://schemas.microsoft.com/office/drawing/2010/main">
                   <a:effectLst>
                     <a:outerShdw blurRad="63500" dist="38099" dir="2700000" algn="ctr" rotWithShape="0">
                       <a:schemeClr val="bg2">
@@ -25730,7 +28938,7 @@
           <a:effectLst/>
           <a:extLst>
             <a:ext uri="{AF507438-7753-43E0-B8FC-AC1667EBCBE1}">
-              <a14:hiddenEffects xmlns:a14="http://schemas.microsoft.com/office/drawing/2010/main" xmlns="">
+              <a14:hiddenEffects xmlns:a14="http://schemas.microsoft.com/office/drawing/2010/main">
                 <a:effectLst>
                   <a:outerShdw blurRad="63500" dist="38099" dir="2700000" algn="ctr" rotWithShape="0">
                     <a:schemeClr val="bg2">
@@ -25941,7 +29149,7 @@
             <a:effectLst/>
             <a:extLst>
               <a:ext uri="{AF507438-7753-43E0-B8FC-AC1667EBCBE1}">
-                <a14:hiddenEffects xmlns:a14="http://schemas.microsoft.com/office/drawing/2010/main" xmlns="">
+                <a14:hiddenEffects xmlns:a14="http://schemas.microsoft.com/office/drawing/2010/main">
                   <a:effectLst>
                     <a:outerShdw blurRad="63500" dist="38099" dir="2700000" algn="ctr" rotWithShape="0">
                       <a:schemeClr val="bg2">
@@ -25986,7 +29194,7 @@
             <a:effectLst/>
             <a:extLst>
               <a:ext uri="{AF507438-7753-43E0-B8FC-AC1667EBCBE1}">
-                <a14:hiddenEffects xmlns:a14="http://schemas.microsoft.com/office/drawing/2010/main" xmlns="">
+                <a14:hiddenEffects xmlns:a14="http://schemas.microsoft.com/office/drawing/2010/main">
                   <a:effectLst>
                     <a:outerShdw blurRad="63500" dist="38099" dir="2700000" algn="ctr" rotWithShape="0">
                       <a:schemeClr val="bg2">
@@ -26297,7 +29505,7 @@
             <a:effectLst/>
             <a:extLst>
               <a:ext uri="{AF507438-7753-43E0-B8FC-AC1667EBCBE1}">
-                <a14:hiddenEffects xmlns:a14="http://schemas.microsoft.com/office/drawing/2010/main" xmlns="">
+                <a14:hiddenEffects xmlns:a14="http://schemas.microsoft.com/office/drawing/2010/main">
                   <a:effectLst>
                     <a:outerShdw blurRad="63500" dist="38099" dir="2700000" algn="ctr" rotWithShape="0">
                       <a:schemeClr val="bg2">
@@ -26342,7 +29550,7 @@
             <a:effectLst/>
             <a:extLst>
               <a:ext uri="{AF507438-7753-43E0-B8FC-AC1667EBCBE1}">
-                <a14:hiddenEffects xmlns:a14="http://schemas.microsoft.com/office/drawing/2010/main" xmlns="">
+                <a14:hiddenEffects xmlns:a14="http://schemas.microsoft.com/office/drawing/2010/main">
                   <a:effectLst>
                     <a:outerShdw blurRad="63500" dist="38099" dir="2700000" algn="ctr" rotWithShape="0">
                       <a:schemeClr val="bg2">
@@ -26653,7 +29861,7 @@
             <a:effectLst/>
             <a:extLst>
               <a:ext uri="{AF507438-7753-43E0-B8FC-AC1667EBCBE1}">
-                <a14:hiddenEffects xmlns:a14="http://schemas.microsoft.com/office/drawing/2010/main" xmlns="">
+                <a14:hiddenEffects xmlns:a14="http://schemas.microsoft.com/office/drawing/2010/main">
                   <a:effectLst>
                     <a:outerShdw blurRad="63500" dist="38099" dir="2700000" algn="ctr" rotWithShape="0">
                       <a:schemeClr val="bg2">
@@ -26698,7 +29906,7 @@
             <a:effectLst/>
             <a:extLst>
               <a:ext uri="{AF507438-7753-43E0-B8FC-AC1667EBCBE1}">
-                <a14:hiddenEffects xmlns:a14="http://schemas.microsoft.com/office/drawing/2010/main" xmlns="">
+                <a14:hiddenEffects xmlns:a14="http://schemas.microsoft.com/office/drawing/2010/main">
                   <a:effectLst>
                     <a:outerShdw blurRad="63500" dist="38099" dir="2700000" algn="ctr" rotWithShape="0">
                       <a:schemeClr val="bg2">
@@ -26843,7 +30051,7 @@
           <a:effectLst/>
           <a:extLst>
             <a:ext uri="{AF507438-7753-43E0-B8FC-AC1667EBCBE1}">
-              <a14:hiddenEffects xmlns:a14="http://schemas.microsoft.com/office/drawing/2010/main" xmlns="">
+              <a14:hiddenEffects xmlns:a14="http://schemas.microsoft.com/office/drawing/2010/main">
                 <a:effectLst>
                   <a:outerShdw blurRad="63500" dist="38099" dir="2700000" algn="ctr" rotWithShape="0">
                     <a:schemeClr val="bg2">
@@ -26888,7 +30096,7 @@
           <a:effectLst/>
           <a:extLst>
             <a:ext uri="{AF507438-7753-43E0-B8FC-AC1667EBCBE1}">
-              <a14:hiddenEffects xmlns:a14="http://schemas.microsoft.com/office/drawing/2010/main" xmlns="">
+              <a14:hiddenEffects xmlns:a14="http://schemas.microsoft.com/office/drawing/2010/main">
                 <a:effectLst>
                   <a:outerShdw blurRad="63500" dist="38099" dir="2700000" algn="ctr" rotWithShape="0">
                     <a:schemeClr val="bg2">
@@ -26936,7 +30144,7 @@
     </p:spTree>
     <p:extLst>
       <p:ext uri="{BB962C8B-B14F-4D97-AF65-F5344CB8AC3E}">
-        <p14:creationId xmlns:p14="http://schemas.microsoft.com/office/powerpoint/2010/main" xmlns="" val="3941702573"/>
+        <p14:creationId xmlns:p14="http://schemas.microsoft.com/office/powerpoint/2010/main" val="3941702573"/>
       </p:ext>
     </p:extLst>
   </p:cSld>
@@ -26954,48 +30162,7 @@
 </p:sld>
 </file>
 
-<file path=ppt/slides/slide3.xml><?xml version="1.0" encoding="utf-8"?>
-<p:sld xmlns:a="http://schemas.openxmlformats.org/drawingml/2006/main" xmlns:r="http://schemas.openxmlformats.org/officeDocument/2006/relationships" xmlns:p="http://schemas.openxmlformats.org/presentationml/2006/main">
-  <p:cSld>
-    <p:bg>
-      <p:bgPr>
-        <a:solidFill>
-          <a:srgbClr val="000000"/>
-        </a:solidFill>
-        <a:effectLst/>
-      </p:bgPr>
-    </p:bg>
-    <p:spTree>
-      <p:nvGrpSpPr>
-        <p:cNvPr id="1" name=""/>
-        <p:cNvGrpSpPr/>
-        <p:nvPr/>
-      </p:nvGrpSpPr>
-      <p:grpSpPr>
-        <a:xfrm>
-          <a:off x="0" y="0"/>
-          <a:ext cx="0" cy="0"/>
-          <a:chOff x="0" y="0"/>
-          <a:chExt cx="0" cy="0"/>
-        </a:xfrm>
-      </p:grpSpPr>
-    </p:spTree>
-  </p:cSld>
-  <p:clrMapOvr>
-    <a:masterClrMapping/>
-  </p:clrMapOvr>
-  <p:transition/>
-  <p:timing>
-    <p:tnLst>
-      <p:par>
-        <p:cTn id="1" dur="indefinite" restart="never" nodeType="tmRoot"/>
-      </p:par>
-    </p:tnLst>
-  </p:timing>
-</p:sld>
-</file>
-
-<file path=ppt/slides/slide30.xml><?xml version="1.0" encoding="utf-8"?>
+<file path=ppt/slides/slide36.xml><?xml version="1.0" encoding="utf-8"?>
 <p:sld xmlns:a="http://schemas.openxmlformats.org/drawingml/2006/main" xmlns:r="http://schemas.openxmlformats.org/officeDocument/2006/relationships" xmlns:p="http://schemas.openxmlformats.org/presentationml/2006/main">
   <p:cSld>
     <p:spTree>
@@ -27103,7 +30270,7 @@
     </p:spTree>
     <p:extLst>
       <p:ext uri="{BB962C8B-B14F-4D97-AF65-F5344CB8AC3E}">
-        <p14:creationId xmlns:p14="http://schemas.microsoft.com/office/powerpoint/2010/main" xmlns="" val="2540019730"/>
+        <p14:creationId xmlns:p14="http://schemas.microsoft.com/office/powerpoint/2010/main" val="2540019730"/>
       </p:ext>
     </p:extLst>
   </p:cSld>
@@ -27121,7 +30288,7 @@
 </p:sld>
 </file>
 
-<file path=ppt/slides/slide31.xml><?xml version="1.0" encoding="utf-8"?>
+<file path=ppt/slides/slide37.xml><?xml version="1.0" encoding="utf-8"?>
 <p:sld xmlns:a="http://schemas.openxmlformats.org/drawingml/2006/main" xmlns:r="http://schemas.openxmlformats.org/officeDocument/2006/relationships" xmlns:p="http://schemas.openxmlformats.org/presentationml/2006/main">
   <p:cSld>
     <p:spTree>
@@ -27195,7 +30362,7 @@
     </p:spTree>
     <p:extLst>
       <p:ext uri="{BB962C8B-B14F-4D97-AF65-F5344CB8AC3E}">
-        <p14:creationId xmlns:p14="http://schemas.microsoft.com/office/powerpoint/2010/main" xmlns="" val="1006668081"/>
+        <p14:creationId xmlns:p14="http://schemas.microsoft.com/office/powerpoint/2010/main" val="1006668081"/>
       </p:ext>
     </p:extLst>
   </p:cSld>
@@ -27213,7 +30380,7 @@
 </p:sld>
 </file>
 
-<file path=ppt/slides/slide32.xml><?xml version="1.0" encoding="utf-8"?>
+<file path=ppt/slides/slide38.xml><?xml version="1.0" encoding="utf-8"?>
 <p:sld xmlns:a="http://schemas.openxmlformats.org/drawingml/2006/main" xmlns:r="http://schemas.openxmlformats.org/officeDocument/2006/relationships" xmlns:p="http://schemas.openxmlformats.org/presentationml/2006/main">
   <p:cSld>
     <p:bg>
@@ -27411,7 +30578,7 @@
     </p:spTree>
     <p:extLst>
       <p:ext uri="{BB962C8B-B14F-4D97-AF65-F5344CB8AC3E}">
-        <p14:creationId xmlns:p14="http://schemas.microsoft.com/office/powerpoint/2010/main" xmlns="" val="1421563975"/>
+        <p14:creationId xmlns:p14="http://schemas.microsoft.com/office/powerpoint/2010/main" val="1421563975"/>
       </p:ext>
     </p:extLst>
   </p:cSld>
@@ -27495,7 +30662,7 @@
     </p:spTree>
     <p:extLst>
       <p:ext uri="{BB962C8B-B14F-4D97-AF65-F5344CB8AC3E}">
-        <p14:creationId xmlns:p14="http://schemas.microsoft.com/office/powerpoint/2010/main" xmlns="" val="2375553756"/>
+        <p14:creationId xmlns:p14="http://schemas.microsoft.com/office/powerpoint/2010/main" val="2375553756"/>
       </p:ext>
     </p:extLst>
   </p:cSld>
@@ -28220,7 +31387,7 @@
     </p:spTree>
     <p:extLst>
       <p:ext uri="{BB962C8B-B14F-4D97-AF65-F5344CB8AC3E}">
-        <p14:creationId xmlns:p14="http://schemas.microsoft.com/office/powerpoint/2010/main" xmlns="" val="3177257595"/>
+        <p14:creationId xmlns:p14="http://schemas.microsoft.com/office/powerpoint/2010/main" val="3177257595"/>
       </p:ext>
     </p:extLst>
   </p:cSld>
@@ -29182,7 +32349,7 @@
     </p:spTree>
     <p:extLst>
       <p:ext uri="{BB962C8B-B14F-4D97-AF65-F5344CB8AC3E}">
-        <p14:creationId xmlns:p14="http://schemas.microsoft.com/office/powerpoint/2010/main" xmlns="" val="4158961700"/>
+        <p14:creationId xmlns:p14="http://schemas.microsoft.com/office/powerpoint/2010/main" val="4158961700"/>
       </p:ext>
     </p:extLst>
   </p:cSld>
@@ -29446,7 +32613,7 @@
         <a:effectLst/>
         <a:extLst>
           <a:ext uri="{AF507438-7753-43E0-B8FC-AC1667EBCBE1}">
-            <a14:hiddenEffects xmlns:a14="http://schemas.microsoft.com/office/drawing/2010/main" xmlns="">
+            <a14:hiddenEffects xmlns:a14="http://schemas.microsoft.com/office/drawing/2010/main">
               <a:effectLst>
                 <a:outerShdw blurRad="63500" dist="38099" dir="2700000" algn="ctr" rotWithShape="0">
                   <a:schemeClr val="bg2">
@@ -29524,7 +32691,7 @@
         <a:effectLst/>
         <a:extLst>
           <a:ext uri="{AF507438-7753-43E0-B8FC-AC1667EBCBE1}">
-            <a14:hiddenEffects xmlns:a14="http://schemas.microsoft.com/office/drawing/2010/main" xmlns="">
+            <a14:hiddenEffects xmlns:a14="http://schemas.microsoft.com/office/drawing/2010/main">
               <a:effectLst>
                 <a:outerShdw blurRad="63500" dist="38099" dir="2700000" algn="ctr" rotWithShape="0">
                   <a:schemeClr val="bg2">
@@ -29866,7 +33033,7 @@
         <a:effectLst/>
         <a:extLst>
           <a:ext uri="{AF507438-7753-43E0-B8FC-AC1667EBCBE1}">
-            <a14:hiddenEffects xmlns:a14="http://schemas.microsoft.com/office/drawing/2010/main" xmlns="">
+            <a14:hiddenEffects xmlns:a14="http://schemas.microsoft.com/office/drawing/2010/main">
               <a:effectLst>
                 <a:outerShdw blurRad="63500" dist="38099" dir="2700000" algn="ctr" rotWithShape="0">
                   <a:schemeClr val="bg2">
@@ -29944,7 +33111,7 @@
         <a:effectLst/>
         <a:extLst>
           <a:ext uri="{AF507438-7753-43E0-B8FC-AC1667EBCBE1}">
-            <a14:hiddenEffects xmlns:a14="http://schemas.microsoft.com/office/drawing/2010/main" xmlns="">
+            <a14:hiddenEffects xmlns:a14="http://schemas.microsoft.com/office/drawing/2010/main">
               <a:effectLst>
                 <a:outerShdw blurRad="63500" dist="38099" dir="2700000" algn="ctr" rotWithShape="0">
                   <a:schemeClr val="bg2">
@@ -30286,7 +33453,7 @@
         <a:effectLst/>
         <a:extLst>
           <a:ext uri="{AF507438-7753-43E0-B8FC-AC1667EBCBE1}">
-            <a14:hiddenEffects xmlns:a14="http://schemas.microsoft.com/office/drawing/2010/main" xmlns="">
+            <a14:hiddenEffects xmlns:a14="http://schemas.microsoft.com/office/drawing/2010/main">
               <a:effectLst>
                 <a:outerShdw blurRad="63500" dist="38099" dir="2700000" algn="ctr" rotWithShape="0">
                   <a:schemeClr val="bg2">
@@ -30364,7 +33531,7 @@
         <a:effectLst/>
         <a:extLst>
           <a:ext uri="{AF507438-7753-43E0-B8FC-AC1667EBCBE1}">
-            <a14:hiddenEffects xmlns:a14="http://schemas.microsoft.com/office/drawing/2010/main" xmlns="">
+            <a14:hiddenEffects xmlns:a14="http://schemas.microsoft.com/office/drawing/2010/main">
               <a:effectLst>
                 <a:outerShdw blurRad="63500" dist="38099" dir="2700000" algn="ctr" rotWithShape="0">
                   <a:schemeClr val="bg2">
@@ -30706,7 +33873,7 @@
         <a:effectLst/>
         <a:extLst>
           <a:ext uri="{AF507438-7753-43E0-B8FC-AC1667EBCBE1}">
-            <a14:hiddenEffects xmlns:a14="http://schemas.microsoft.com/office/drawing/2010/main" xmlns="">
+            <a14:hiddenEffects xmlns:a14="http://schemas.microsoft.com/office/drawing/2010/main">
               <a:effectLst>
                 <a:outerShdw blurRad="63500" dist="38099" dir="2700000" algn="ctr" rotWithShape="0">
                   <a:schemeClr val="bg2">
@@ -30784,7 +33951,7 @@
         <a:effectLst/>
         <a:extLst>
           <a:ext uri="{AF507438-7753-43E0-B8FC-AC1667EBCBE1}">
-            <a14:hiddenEffects xmlns:a14="http://schemas.microsoft.com/office/drawing/2010/main" xmlns="">
+            <a14:hiddenEffects xmlns:a14="http://schemas.microsoft.com/office/drawing/2010/main">
               <a:effectLst>
                 <a:outerShdw blurRad="63500" dist="38099" dir="2700000" algn="ctr" rotWithShape="0">
                   <a:schemeClr val="bg2">

--- a/luigiBennardisMicroservices.pptx
+++ b/luigiBennardisMicroservices.pptx
@@ -23,14 +23,14 @@
     <p:sldId id="287" r:id="rId17"/>
     <p:sldId id="266" r:id="rId18"/>
     <p:sldId id="274" r:id="rId19"/>
-    <p:sldId id="267" r:id="rId20"/>
-    <p:sldId id="293" r:id="rId21"/>
-    <p:sldId id="278" r:id="rId22"/>
-    <p:sldId id="279" r:id="rId23"/>
-    <p:sldId id="294" r:id="rId24"/>
-    <p:sldId id="295" r:id="rId25"/>
-    <p:sldId id="296" r:id="rId26"/>
-    <p:sldId id="297" r:id="rId27"/>
+    <p:sldId id="302" r:id="rId20"/>
+    <p:sldId id="267" r:id="rId21"/>
+    <p:sldId id="293" r:id="rId22"/>
+    <p:sldId id="278" r:id="rId23"/>
+    <p:sldId id="279" r:id="rId24"/>
+    <p:sldId id="294" r:id="rId25"/>
+    <p:sldId id="295" r:id="rId26"/>
+    <p:sldId id="296" r:id="rId27"/>
     <p:sldId id="280" r:id="rId28"/>
     <p:sldId id="268" r:id="rId29"/>
     <p:sldId id="283" r:id="rId30"/>
@@ -40,15 +40,16 @@
     <p:sldId id="271" r:id="rId34"/>
     <p:sldId id="292" r:id="rId35"/>
     <p:sldId id="269" r:id="rId36"/>
-    <p:sldId id="301" r:id="rId37"/>
-    <p:sldId id="299" r:id="rId38"/>
-    <p:sldId id="298" r:id="rId39"/>
-    <p:sldId id="300" r:id="rId40"/>
-    <p:sldId id="276" r:id="rId41"/>
-    <p:sldId id="265" r:id="rId42"/>
-    <p:sldId id="291" r:id="rId43"/>
-    <p:sldId id="270" r:id="rId44"/>
-    <p:sldId id="286" r:id="rId45"/>
+    <p:sldId id="299" r:id="rId37"/>
+    <p:sldId id="301" r:id="rId38"/>
+    <p:sldId id="303" r:id="rId39"/>
+    <p:sldId id="298" r:id="rId40"/>
+    <p:sldId id="300" r:id="rId41"/>
+    <p:sldId id="276" r:id="rId42"/>
+    <p:sldId id="265" r:id="rId43"/>
+    <p:sldId id="291" r:id="rId44"/>
+    <p:sldId id="270" r:id="rId45"/>
+    <p:sldId id="286" r:id="rId46"/>
   </p:sldIdLst>
   <p:sldSz cx="24384000" cy="13716000"/>
   <p:notesSz cx="6858000" cy="9144000"/>
@@ -6659,6 +6660,172 @@
 </file>
 
 <file path=ppt/slides/slide16.xml><?xml version="1.0" encoding="utf-8"?>
+<p:sld xmlns:a="http://schemas.openxmlformats.org/drawingml/2006/main" xmlns:r="http://schemas.openxmlformats.org/officeDocument/2006/relationships" xmlns:p="http://schemas.openxmlformats.org/presentationml/2006/main">
+  <p:cSld>
+    <p:spTree>
+      <p:nvGrpSpPr>
+        <p:cNvPr id="1" name=""/>
+        <p:cNvGrpSpPr/>
+        <p:nvPr/>
+      </p:nvGrpSpPr>
+      <p:grpSpPr>
+        <a:xfrm>
+          <a:off x="0" y="0"/>
+          <a:ext cx="0" cy="0"/>
+          <a:chOff x="0" y="0"/>
+          <a:chExt cx="0" cy="0"/>
+        </a:xfrm>
+      </p:grpSpPr>
+      <p:sp>
+        <p:nvSpPr>
+          <p:cNvPr id="2" name="Titolo 1"/>
+          <p:cNvSpPr>
+            <a:spLocks noGrp="1"/>
+          </p:cNvSpPr>
+          <p:nvPr>
+            <p:ph type="title"/>
+          </p:nvPr>
+        </p:nvSpPr>
+        <p:spPr/>
+        <p:txBody>
+          <a:bodyPr/>
+          <a:lstStyle/>
+          <a:p>
+            <a:r>
+              <a:rPr lang="it-IT" dirty="0" smtClean="0"/>
+              <a:t>Technology </a:t>
+            </a:r>
+            <a:r>
+              <a:rPr lang="it-IT" dirty="0" err="1" smtClean="0"/>
+              <a:t>stack</a:t>
+            </a:r>
+            <a:endParaRPr lang="it-IT" dirty="0"/>
+          </a:p>
+        </p:txBody>
+      </p:sp>
+      <p:sp>
+        <p:nvSpPr>
+          <p:cNvPr id="3" name="Segnaposto contenuto 2"/>
+          <p:cNvSpPr>
+            <a:spLocks noGrp="1"/>
+          </p:cNvSpPr>
+          <p:nvPr>
+            <p:ph idx="1"/>
+          </p:nvPr>
+        </p:nvSpPr>
+        <p:spPr/>
+        <p:txBody>
+          <a:bodyPr/>
+          <a:lstStyle/>
+          <a:p>
+            <a:pPr eaLnBrk="1" fontAlgn="t" hangingPunct="1"/>
+            <a:r>
+              <a:rPr lang="it-IT" dirty="0" smtClean="0"/>
+              <a:t> </a:t>
+            </a:r>
+            <a:r>
+              <a:rPr lang="it-IT" b="1" dirty="0"/>
+              <a:t>SPRING BOOT</a:t>
+            </a:r>
+            <a:endParaRPr lang="it-IT" dirty="0"/>
+          </a:p>
+          <a:p>
+            <a:pPr eaLnBrk="1" fontAlgn="ctr" hangingPunct="1"/>
+            <a:r>
+              <a:rPr lang="it-IT" dirty="0"/>
+              <a:t>SPRING CLOUD STREAM</a:t>
+            </a:r>
+          </a:p>
+          <a:p>
+            <a:pPr eaLnBrk="1" fontAlgn="auto" hangingPunct="1"/>
+            <a:r>
+              <a:rPr lang="it-IT" dirty="0"/>
+              <a:t>SPRING CLOUD BATCH</a:t>
+            </a:r>
+          </a:p>
+          <a:p>
+            <a:pPr eaLnBrk="1" fontAlgn="t" hangingPunct="1"/>
+            <a:r>
+              <a:rPr lang="it-IT" dirty="0"/>
+              <a:t>SPRING BOOT REST</a:t>
+            </a:r>
+          </a:p>
+          <a:p>
+            <a:pPr eaLnBrk="1" fontAlgn="t" hangingPunct="1"/>
+            <a:r>
+              <a:rPr lang="it-IT" dirty="0"/>
+              <a:t>SPRING BOOT JPA</a:t>
+            </a:r>
+          </a:p>
+          <a:p>
+            <a:pPr eaLnBrk="1" fontAlgn="t" hangingPunct="1"/>
+            <a:r>
+              <a:rPr lang="it-IT" dirty="0"/>
+              <a:t>SPRING MONGO DB</a:t>
+            </a:r>
+          </a:p>
+          <a:p>
+            <a:pPr eaLnBrk="1" fontAlgn="t" hangingPunct="1"/>
+            <a:r>
+              <a:rPr lang="it-IT" dirty="0"/>
+              <a:t>SPRING CONFIG</a:t>
+            </a:r>
+          </a:p>
+          <a:p>
+            <a:pPr eaLnBrk="1" fontAlgn="t" hangingPunct="1"/>
+            <a:r>
+              <a:rPr lang="it-IT" dirty="0"/>
+              <a:t>SPRING CLOUD</a:t>
+            </a:r>
+          </a:p>
+          <a:p>
+            <a:pPr eaLnBrk="1" fontAlgn="t" hangingPunct="1"/>
+            <a:r>
+              <a:rPr lang="it-IT" dirty="0"/>
+              <a:t>NETFLIX EUREKA</a:t>
+            </a:r>
+          </a:p>
+          <a:p>
+            <a:pPr eaLnBrk="1" fontAlgn="t" hangingPunct="1"/>
+            <a:r>
+              <a:rPr lang="it-IT" dirty="0"/>
+              <a:t>NETFLIX RIBBON</a:t>
+            </a:r>
+          </a:p>
+          <a:p>
+            <a:pPr lvl="1"/>
+            <a:endParaRPr lang="it-IT" dirty="0" smtClean="0"/>
+          </a:p>
+          <a:p>
+            <a:endParaRPr lang="it-IT" dirty="0" smtClean="0"/>
+          </a:p>
+          <a:p>
+            <a:endParaRPr lang="it-IT" dirty="0"/>
+          </a:p>
+        </p:txBody>
+      </p:sp>
+    </p:spTree>
+    <p:extLst>
+      <p:ext uri="{BB962C8B-B14F-4D97-AF65-F5344CB8AC3E}">
+        <p14:creationId xmlns:p14="http://schemas.microsoft.com/office/powerpoint/2010/main" val="466159170"/>
+      </p:ext>
+    </p:extLst>
+  </p:cSld>
+  <p:clrMapOvr>
+    <a:masterClrMapping/>
+  </p:clrMapOvr>
+  <p:transition/>
+  <p:timing>
+    <p:tnLst>
+      <p:par>
+        <p:cTn id="1" dur="indefinite" restart="never" nodeType="tmRoot"/>
+      </p:par>
+    </p:tnLst>
+  </p:timing>
+</p:sld>
+</file>
+
+<file path=ppt/slides/slide17.xml><?xml version="1.0" encoding="utf-8"?>
 <p:sld xmlns:a="http://schemas.openxmlformats.org/drawingml/2006/main" xmlns:r="http://schemas.openxmlformats.org/officeDocument/2006/relationships" xmlns:p="http://schemas.openxmlformats.org/presentationml/2006/main">
   <p:cSld>
     <p:spTree>
@@ -9408,7 +9575,6 @@
                 <a:rPr lang="it-IT" sz="3600" dirty="0"/>
                 <a:t>MONGODB</a:t>
               </a:r>
-              <a:endParaRPr lang="it-IT" sz="3600" dirty="0"/>
             </a:p>
           </p:txBody>
         </p:sp>
@@ -10113,7 +10279,6 @@
               <a:rPr lang="it-IT" sz="3600" dirty="0"/>
               <a:t>ECLIPSE</a:t>
             </a:r>
-            <a:endParaRPr lang="it-IT" sz="3600" dirty="0"/>
           </a:p>
         </p:txBody>
       </p:sp>
@@ -10154,7 +10319,6 @@
               <a:rPr lang="it-IT" sz="3600" dirty="0"/>
               <a:t>ECLIPSE</a:t>
             </a:r>
-            <a:endParaRPr lang="it-IT" sz="3600" dirty="0"/>
           </a:p>
         </p:txBody>
       </p:sp>
@@ -10195,7 +10359,6 @@
               <a:rPr lang="it-IT" sz="3600" dirty="0"/>
               <a:t>H2 / MYSQL</a:t>
             </a:r>
-            <a:endParaRPr lang="it-IT" sz="3600" dirty="0"/>
           </a:p>
         </p:txBody>
       </p:sp>
@@ -10936,118 +11099,6 @@
 </p:sld>
 </file>
 
-<file path=ppt/slides/slide17.xml><?xml version="1.0" encoding="utf-8"?>
-<p:sld xmlns:a="http://schemas.openxmlformats.org/drawingml/2006/main" xmlns:r="http://schemas.openxmlformats.org/officeDocument/2006/relationships" xmlns:p="http://schemas.openxmlformats.org/presentationml/2006/main">
-  <p:cSld>
-    <p:spTree>
-      <p:nvGrpSpPr>
-        <p:cNvPr id="1" name=""/>
-        <p:cNvGrpSpPr/>
-        <p:nvPr/>
-      </p:nvGrpSpPr>
-      <p:grpSpPr>
-        <a:xfrm>
-          <a:off x="0" y="0"/>
-          <a:ext cx="0" cy="0"/>
-          <a:chOff x="0" y="0"/>
-          <a:chExt cx="0" cy="0"/>
-        </a:xfrm>
-      </p:grpSpPr>
-      <p:sp>
-        <p:nvSpPr>
-          <p:cNvPr id="2" name="Titolo 1"/>
-          <p:cNvSpPr>
-            <a:spLocks noGrp="1"/>
-          </p:cNvSpPr>
-          <p:nvPr>
-            <p:ph type="title"/>
-          </p:nvPr>
-        </p:nvSpPr>
-        <p:spPr/>
-        <p:txBody>
-          <a:bodyPr/>
-          <a:lstStyle/>
-          <a:p>
-            <a:r>
-              <a:rPr lang="it-IT" dirty="0" err="1" smtClean="0"/>
-              <a:t>Lifecycle</a:t>
-            </a:r>
-            <a:r>
-              <a:rPr lang="it-IT" dirty="0" smtClean="0"/>
-              <a:t> </a:t>
-            </a:r>
-            <a:r>
-              <a:rPr lang="it-IT" dirty="0" err="1" smtClean="0"/>
-              <a:t>process</a:t>
-            </a:r>
-            <a:endParaRPr lang="it-IT" dirty="0"/>
-          </a:p>
-        </p:txBody>
-      </p:sp>
-      <p:sp>
-        <p:nvSpPr>
-          <p:cNvPr id="3" name="Segnaposto contenuto 2"/>
-          <p:cNvSpPr>
-            <a:spLocks noGrp="1"/>
-          </p:cNvSpPr>
-          <p:nvPr>
-            <p:ph idx="1"/>
-          </p:nvPr>
-        </p:nvSpPr>
-        <p:spPr/>
-        <p:txBody>
-          <a:bodyPr/>
-          <a:lstStyle/>
-          <a:p>
-            <a:r>
-              <a:rPr lang="it-IT" dirty="0" smtClean="0"/>
-              <a:t>DEVELOPMENT / UNIT TEST</a:t>
-            </a:r>
-          </a:p>
-          <a:p>
-            <a:r>
-              <a:rPr lang="it-IT" dirty="0" smtClean="0"/>
-              <a:t>INTEGRATION TEST</a:t>
-            </a:r>
-          </a:p>
-          <a:p>
-            <a:r>
-              <a:rPr lang="it-IT" dirty="0" smtClean="0"/>
-              <a:t>QUALITY ASSURANCE</a:t>
-            </a:r>
-          </a:p>
-          <a:p>
-            <a:r>
-              <a:rPr lang="it-IT" dirty="0" smtClean="0"/>
-              <a:t>PRODUCTION</a:t>
-            </a:r>
-          </a:p>
-          <a:p>
-            <a:endParaRPr lang="it-IT" dirty="0"/>
-          </a:p>
-        </p:txBody>
-      </p:sp>
-    </p:spTree>
-    <p:extLst>
-      <p:ext uri="{BB962C8B-B14F-4D97-AF65-F5344CB8AC3E}">
-        <p14:creationId xmlns:p14="http://schemas.microsoft.com/office/powerpoint/2010/main" val="1651925056"/>
-      </p:ext>
-    </p:extLst>
-  </p:cSld>
-  <p:clrMapOvr>
-    <a:masterClrMapping/>
-  </p:clrMapOvr>
-  <p:transition/>
-  <p:timing>
-    <p:tnLst>
-      <p:par>
-        <p:cTn id="1" dur="indefinite" restart="never" nodeType="tmRoot"/>
-      </p:par>
-    </p:tnLst>
-  </p:timing>
-</p:sld>
-</file>
-
 <file path=ppt/slides/slide18.xml><?xml version="1.0" encoding="utf-8"?>
 <p:sld xmlns:a="http://schemas.openxmlformats.org/drawingml/2006/main" xmlns:r="http://schemas.openxmlformats.org/officeDocument/2006/relationships" xmlns:p="http://schemas.openxmlformats.org/presentationml/2006/main">
   <p:cSld>
@@ -11081,6 +11132,655 @@
           <a:lstStyle/>
           <a:p>
             <a:r>
+              <a:rPr lang="it-IT" dirty="0" err="1" smtClean="0"/>
+              <a:t>Lifecycle</a:t>
+            </a:r>
+            <a:r>
+              <a:rPr lang="it-IT" dirty="0" smtClean="0"/>
+              <a:t> </a:t>
+            </a:r>
+            <a:r>
+              <a:rPr lang="it-IT" dirty="0" err="1" smtClean="0"/>
+              <a:t>process</a:t>
+            </a:r>
+            <a:endParaRPr lang="it-IT" dirty="0"/>
+          </a:p>
+        </p:txBody>
+      </p:sp>
+      <p:sp>
+        <p:nvSpPr>
+          <p:cNvPr id="3" name="Segnaposto contenuto 2"/>
+          <p:cNvSpPr>
+            <a:spLocks noGrp="1"/>
+          </p:cNvSpPr>
+          <p:nvPr>
+            <p:ph idx="1"/>
+          </p:nvPr>
+        </p:nvSpPr>
+        <p:spPr/>
+        <p:txBody>
+          <a:bodyPr/>
+          <a:lstStyle/>
+          <a:p>
+            <a:r>
+              <a:rPr lang="it-IT" dirty="0" smtClean="0"/>
+              <a:t>DEVELOPMENT / UNIT TEST</a:t>
+            </a:r>
+          </a:p>
+          <a:p>
+            <a:r>
+              <a:rPr lang="it-IT" dirty="0" smtClean="0"/>
+              <a:t>INTEGRATION TEST</a:t>
+            </a:r>
+          </a:p>
+          <a:p>
+            <a:r>
+              <a:rPr lang="it-IT" dirty="0" smtClean="0"/>
+              <a:t>QUALITY ASSURANCE</a:t>
+            </a:r>
+          </a:p>
+          <a:p>
+            <a:r>
+              <a:rPr lang="it-IT" dirty="0" smtClean="0"/>
+              <a:t>PRODUCTION</a:t>
+            </a:r>
+          </a:p>
+          <a:p>
+            <a:endParaRPr lang="it-IT" dirty="0"/>
+          </a:p>
+        </p:txBody>
+      </p:sp>
+      <p:grpSp>
+        <p:nvGrpSpPr>
+          <p:cNvPr id="4" name="Gruppo 3"/>
+          <p:cNvGrpSpPr/>
+          <p:nvPr/>
+        </p:nvGrpSpPr>
+        <p:grpSpPr>
+          <a:xfrm>
+            <a:off x="5783288" y="3480681"/>
+            <a:ext cx="11307650" cy="5919102"/>
+            <a:chOff x="5783288" y="3480681"/>
+            <a:chExt cx="11307650" cy="5919102"/>
+          </a:xfrm>
+        </p:grpSpPr>
+        <p:grpSp>
+          <p:nvGrpSpPr>
+            <p:cNvPr id="8" name="Gruppo 7"/>
+            <p:cNvGrpSpPr/>
+            <p:nvPr/>
+          </p:nvGrpSpPr>
+          <p:grpSpPr>
+            <a:xfrm>
+              <a:off x="5783288" y="4950322"/>
+              <a:ext cx="11307650" cy="4449461"/>
+              <a:chOff x="1942087" y="7568268"/>
+              <a:chExt cx="11307650" cy="4449461"/>
+            </a:xfrm>
+          </p:grpSpPr>
+          <p:cxnSp>
+            <p:nvCxnSpPr>
+              <p:cNvPr id="9" name="Connettore 2 8"/>
+              <p:cNvCxnSpPr>
+                <a:stCxn id="11" idx="2"/>
+                <a:endCxn id="12" idx="1"/>
+              </p:cNvCxnSpPr>
+              <p:nvPr/>
+            </p:nvCxnSpPr>
+            <p:spPr bwMode="auto">
+              <a:xfrm>
+                <a:off x="7595912" y="10326979"/>
+                <a:ext cx="0" cy="841437"/>
+              </a:xfrm>
+              <a:prstGeom prst="straightConnector1">
+                <a:avLst/>
+              </a:prstGeom>
+              <a:solidFill>
+                <a:srgbClr val="BBE0E3"/>
+              </a:solidFill>
+              <a:ln w="50800" cap="flat" cmpd="sng" algn="ctr">
+                <a:solidFill>
+                  <a:srgbClr val="000000"/>
+                </a:solidFill>
+                <a:prstDash val="solid"/>
+                <a:round/>
+                <a:headEnd type="none" w="med" len="med"/>
+                <a:tailEnd type="arrow"/>
+              </a:ln>
+              <a:effectLst/>
+              <a:extLst>
+                <a:ext uri="{AF507438-7753-43E0-B8FC-AC1667EBCBE1}">
+                  <a14:hiddenEffects xmlns:a14="http://schemas.microsoft.com/office/drawing/2010/main">
+                    <a:effectLst>
+                      <a:outerShdw blurRad="63500" dist="38099" dir="2700000" algn="ctr" rotWithShape="0">
+                        <a:schemeClr val="bg2">
+                          <a:alpha val="74998"/>
+                        </a:schemeClr>
+                      </a:outerShdw>
+                    </a:effectLst>
+                  </a14:hiddenEffects>
+                </a:ext>
+              </a:extLst>
+            </p:spPr>
+          </p:cxnSp>
+          <p:cxnSp>
+            <p:nvCxnSpPr>
+              <p:cNvPr id="10" name="Connettore 2 9"/>
+              <p:cNvCxnSpPr>
+                <a:stCxn id="11" idx="0"/>
+                <a:endCxn id="13" idx="4"/>
+              </p:cNvCxnSpPr>
+              <p:nvPr/>
+            </p:nvCxnSpPr>
+            <p:spPr bwMode="auto">
+              <a:xfrm flipH="1" flipV="1">
+                <a:off x="7595911" y="7829411"/>
+                <a:ext cx="1" cy="338376"/>
+              </a:xfrm>
+              <a:prstGeom prst="straightConnector1">
+                <a:avLst/>
+              </a:prstGeom>
+              <a:solidFill>
+                <a:srgbClr val="BBE0E3"/>
+              </a:solidFill>
+              <a:ln w="50800" cap="flat" cmpd="sng" algn="ctr">
+                <a:solidFill>
+                  <a:srgbClr val="000000"/>
+                </a:solidFill>
+                <a:prstDash val="solid"/>
+                <a:round/>
+                <a:headEnd type="none" w="med" len="med"/>
+                <a:tailEnd type="none"/>
+              </a:ln>
+              <a:effectLst/>
+              <a:extLst>
+                <a:ext uri="{AF507438-7753-43E0-B8FC-AC1667EBCBE1}">
+                  <a14:hiddenEffects xmlns:a14="http://schemas.microsoft.com/office/drawing/2010/main">
+                    <a:effectLst>
+                      <a:outerShdw blurRad="63500" dist="38099" dir="2700000" algn="ctr" rotWithShape="0">
+                        <a:schemeClr val="bg2">
+                          <a:alpha val="74998"/>
+                        </a:schemeClr>
+                      </a:outerShdw>
+                    </a:effectLst>
+                  </a14:hiddenEffects>
+                </a:ext>
+              </a:extLst>
+            </p:spPr>
+          </p:cxnSp>
+          <p:sp>
+            <p:nvSpPr>
+              <p:cNvPr id="11" name="Rettangolo arrotondato 10"/>
+              <p:cNvSpPr/>
+              <p:nvPr/>
+            </p:nvSpPr>
+            <p:spPr bwMode="auto">
+              <a:xfrm>
+                <a:off x="1942087" y="8167787"/>
+                <a:ext cx="11307650" cy="2159192"/>
+              </a:xfrm>
+              <a:prstGeom prst="roundRect">
+                <a:avLst/>
+              </a:prstGeom>
+              <a:solidFill>
+                <a:srgbClr val="0070C0"/>
+              </a:solidFill>
+              <a:ln w="25400" cap="flat" cmpd="sng" algn="ctr">
+                <a:solidFill>
+                  <a:srgbClr val="000000"/>
+                </a:solidFill>
+                <a:prstDash val="solid"/>
+                <a:round/>
+                <a:headEnd type="none" w="med" len="med"/>
+                <a:tailEnd type="none" w="med" len="med"/>
+              </a:ln>
+              <a:effectLst/>
+              <a:extLst/>
+            </p:spPr>
+            <p:txBody>
+              <a:bodyPr vert="horz" wrap="square" lIns="91440" tIns="45720" rIns="91440" bIns="45720" numCol="1" rtlCol="0" anchor="b" anchorCtr="0" compatLnSpc="1">
+                <a:prstTxWarp prst="textNoShape">
+                  <a:avLst/>
+                </a:prstTxWarp>
+              </a:bodyPr>
+              <a:lstStyle/>
+              <a:p>
+                <a:pPr algn="ctr" eaLnBrk="1" hangingPunct="1"/>
+                <a:r>
+                  <a:rPr lang="it-IT" sz="2800" dirty="0" smtClean="0">
+                    <a:ln w="18415" cmpd="sng">
+                      <a:solidFill>
+                        <a:srgbClr val="FFFFFF"/>
+                      </a:solidFill>
+                      <a:prstDash val="solid"/>
+                    </a:ln>
+                    <a:solidFill>
+                      <a:srgbClr val="FFFFFF"/>
+                    </a:solidFill>
+                    <a:effectLst>
+                      <a:outerShdw blurRad="63500" dir="3600000" algn="tl" rotWithShape="0">
+                        <a:srgbClr val="000000">
+                          <a:alpha val="70000"/>
+                        </a:srgbClr>
+                      </a:outerShdw>
+                    </a:effectLst>
+                  </a:rPr>
+                  <a:t>BOOKING</a:t>
+                </a:r>
+              </a:p>
+            </p:txBody>
+          </p:sp>
+          <p:sp>
+            <p:nvSpPr>
+              <p:cNvPr id="12" name="Cilindro 11"/>
+              <p:cNvSpPr/>
+              <p:nvPr/>
+            </p:nvSpPr>
+            <p:spPr bwMode="auto">
+              <a:xfrm>
+                <a:off x="7138712" y="11168416"/>
+                <a:ext cx="914400" cy="849313"/>
+              </a:xfrm>
+              <a:prstGeom prst="can">
+                <a:avLst/>
+              </a:prstGeom>
+              <a:solidFill>
+                <a:srgbClr val="0070C0"/>
+              </a:solidFill>
+              <a:ln w="25400" cap="flat" cmpd="sng" algn="ctr">
+                <a:solidFill>
+                  <a:srgbClr val="000000"/>
+                </a:solidFill>
+                <a:prstDash val="solid"/>
+                <a:round/>
+                <a:headEnd type="none" w="med" len="med"/>
+                <a:tailEnd type="none" w="med" len="med"/>
+              </a:ln>
+              <a:effectLst/>
+              <a:extLst/>
+            </p:spPr>
+            <p:txBody>
+              <a:bodyPr vert="horz" wrap="square" lIns="91440" tIns="45720" rIns="91440" bIns="45720" numCol="1" rtlCol="0" anchor="t" anchorCtr="0" compatLnSpc="1">
+                <a:prstTxWarp prst="textNoShape">
+                  <a:avLst/>
+                </a:prstTxWarp>
+              </a:bodyPr>
+              <a:lstStyle/>
+              <a:p>
+                <a:pPr marL="0" marR="0" indent="0" algn="ctr" defTabSz="914400" rtl="0" eaLnBrk="1" fontAlgn="base" latinLnBrk="0" hangingPunct="1">
+                  <a:lnSpc>
+                    <a:spcPct val="100000"/>
+                  </a:lnSpc>
+                  <a:spcBef>
+                    <a:spcPct val="0"/>
+                  </a:spcBef>
+                  <a:spcAft>
+                    <a:spcPct val="0"/>
+                  </a:spcAft>
+                  <a:buClrTx/>
+                  <a:buSzTx/>
+                  <a:buFontTx/>
+                  <a:buNone/>
+                  <a:tabLst/>
+                </a:pPr>
+                <a:endParaRPr kumimoji="0" lang="it-IT" sz="11200" b="0" i="0" u="none" strike="noStrike" cap="none" normalizeH="0" baseline="0">
+                  <a:ln>
+                    <a:noFill/>
+                  </a:ln>
+                  <a:solidFill>
+                    <a:srgbClr val="000000"/>
+                  </a:solidFill>
+                  <a:effectLst/>
+                  <a:latin typeface="Gill Sans" charset="0"/>
+                  <a:ea typeface="ヒラギノ角ゴ ProN W3" charset="0"/>
+                  <a:cs typeface="ヒラギノ角ゴ ProN W3" charset="0"/>
+                  <a:sym typeface="Gill Sans" charset="0"/>
+                </a:endParaRPr>
+              </a:p>
+            </p:txBody>
+          </p:sp>
+          <p:sp>
+            <p:nvSpPr>
+              <p:cNvPr id="13" name="Ovale 12"/>
+              <p:cNvSpPr/>
+              <p:nvPr/>
+            </p:nvSpPr>
+            <p:spPr bwMode="auto">
+              <a:xfrm flipH="1">
+                <a:off x="7460180" y="7568268"/>
+                <a:ext cx="271463" cy="261143"/>
+              </a:xfrm>
+              <a:prstGeom prst="ellipse">
+                <a:avLst/>
+              </a:prstGeom>
+              <a:solidFill>
+                <a:schemeClr val="tx1"/>
+              </a:solidFill>
+              <a:ln w="25400" cap="flat" cmpd="sng" algn="ctr">
+                <a:solidFill>
+                  <a:srgbClr val="000000"/>
+                </a:solidFill>
+                <a:prstDash val="solid"/>
+                <a:round/>
+                <a:headEnd type="none" w="med" len="med"/>
+                <a:tailEnd type="none" w="med" len="med"/>
+              </a:ln>
+              <a:effectLst/>
+              <a:extLst/>
+            </p:spPr>
+            <p:txBody>
+              <a:bodyPr vert="horz" wrap="square" lIns="91440" tIns="45720" rIns="91440" bIns="45720" numCol="1" rtlCol="0" anchor="t" anchorCtr="0" compatLnSpc="1">
+                <a:prstTxWarp prst="textNoShape">
+                  <a:avLst/>
+                </a:prstTxWarp>
+              </a:bodyPr>
+              <a:lstStyle/>
+              <a:p>
+                <a:pPr marL="0" marR="0" indent="0" algn="ctr" defTabSz="914400" rtl="0" eaLnBrk="1" fontAlgn="base" latinLnBrk="0" hangingPunct="1">
+                  <a:lnSpc>
+                    <a:spcPct val="100000"/>
+                  </a:lnSpc>
+                  <a:spcBef>
+                    <a:spcPct val="0"/>
+                  </a:spcBef>
+                  <a:spcAft>
+                    <a:spcPct val="0"/>
+                  </a:spcAft>
+                  <a:buClrTx/>
+                  <a:buSzTx/>
+                  <a:buFontTx/>
+                  <a:buNone/>
+                  <a:tabLst/>
+                </a:pPr>
+                <a:endParaRPr kumimoji="0" lang="it-IT" sz="11200" b="0" i="0" u="none" strike="noStrike" cap="none" normalizeH="0" baseline="0">
+                  <a:ln>
+                    <a:noFill/>
+                  </a:ln>
+                  <a:solidFill>
+                    <a:srgbClr val="000000"/>
+                  </a:solidFill>
+                  <a:effectLst/>
+                  <a:latin typeface="Gill Sans" charset="0"/>
+                  <a:ea typeface="ヒラギノ角ゴ ProN W3" charset="0"/>
+                  <a:cs typeface="ヒラギノ角ゴ ProN W3" charset="0"/>
+                  <a:sym typeface="Gill Sans" charset="0"/>
+                </a:endParaRPr>
+              </a:p>
+            </p:txBody>
+          </p:sp>
+          <p:sp>
+            <p:nvSpPr>
+              <p:cNvPr id="14" name="Rettangolo arrotondato 13"/>
+              <p:cNvSpPr/>
+              <p:nvPr/>
+            </p:nvSpPr>
+            <p:spPr bwMode="auto">
+              <a:xfrm>
+                <a:off x="5872537" y="8457577"/>
+                <a:ext cx="3446749" cy="1006846"/>
+              </a:xfrm>
+              <a:prstGeom prst="roundRect">
+                <a:avLst>
+                  <a:gd name="adj" fmla="val 50000"/>
+                </a:avLst>
+              </a:prstGeom>
+              <a:solidFill>
+                <a:schemeClr val="tx2">
+                  <a:lumMod val="75000"/>
+                  <a:lumOff val="25000"/>
+                </a:schemeClr>
+              </a:solidFill>
+              <a:ln w="25400" cap="flat" cmpd="sng" algn="ctr">
+                <a:solidFill>
+                  <a:srgbClr val="000000"/>
+                </a:solidFill>
+                <a:prstDash val="solid"/>
+                <a:round/>
+                <a:headEnd type="none" w="med" len="med"/>
+                <a:tailEnd type="none" w="med" len="med"/>
+              </a:ln>
+              <a:effectLst/>
+              <a:extLst/>
+            </p:spPr>
+            <p:txBody>
+              <a:bodyPr vert="horz" wrap="square" lIns="91440" tIns="45720" rIns="91440" bIns="45720" numCol="1" rtlCol="0" anchor="ctr" anchorCtr="0" compatLnSpc="1">
+                <a:prstTxWarp prst="textNoShape">
+                  <a:avLst/>
+                </a:prstTxWarp>
+              </a:bodyPr>
+              <a:lstStyle/>
+              <a:p>
+                <a:pPr algn="ctr" eaLnBrk="1" hangingPunct="1"/>
+                <a:r>
+                  <a:rPr lang="it-IT" sz="2800" dirty="0" smtClean="0">
+                    <a:ln w="18415" cmpd="sng">
+                      <a:solidFill>
+                        <a:srgbClr val="FFFFFF"/>
+                      </a:solidFill>
+                      <a:prstDash val="solid"/>
+                    </a:ln>
+                    <a:solidFill>
+                      <a:srgbClr val="FFFFFF"/>
+                    </a:solidFill>
+                    <a:effectLst>
+                      <a:outerShdw blurRad="63500" dir="3600000" algn="tl" rotWithShape="0">
+                        <a:srgbClr val="000000">
+                          <a:alpha val="70000"/>
+                        </a:srgbClr>
+                      </a:outerShdw>
+                    </a:effectLst>
+                  </a:rPr>
+                  <a:t>INSTANCE #1 </a:t>
+                </a:r>
+              </a:p>
+              <a:p>
+                <a:pPr algn="ctr" eaLnBrk="1" hangingPunct="1"/>
+                <a:r>
+                  <a:rPr lang="it-IT" sz="2800" dirty="0" smtClean="0">
+                    <a:ln w="18415" cmpd="sng">
+                      <a:solidFill>
+                        <a:srgbClr val="FFFFFF"/>
+                      </a:solidFill>
+                      <a:prstDash val="solid"/>
+                    </a:ln>
+                    <a:solidFill>
+                      <a:srgbClr val="FFFFFF"/>
+                    </a:solidFill>
+                    <a:effectLst>
+                      <a:outerShdw blurRad="63500" dir="3600000" algn="tl" rotWithShape="0">
+                        <a:srgbClr val="000000">
+                          <a:alpha val="70000"/>
+                        </a:srgbClr>
+                      </a:outerShdw>
+                    </a:effectLst>
+                  </a:rPr>
+                  <a:t>@ HTTP 7111 </a:t>
+                </a:r>
+                <a:endParaRPr kumimoji="0" lang="it-IT" sz="2800" i="0" u="none" strike="noStrike" normalizeH="0" baseline="0" dirty="0">
+                  <a:ln w="18415" cmpd="sng">
+                    <a:solidFill>
+                      <a:srgbClr val="FFFFFF"/>
+                    </a:solidFill>
+                    <a:prstDash val="solid"/>
+                  </a:ln>
+                  <a:solidFill>
+                    <a:srgbClr val="FFFFFF"/>
+                  </a:solidFill>
+                  <a:effectLst>
+                    <a:outerShdw blurRad="63500" dir="3600000" algn="tl" rotWithShape="0">
+                      <a:srgbClr val="000000">
+                        <a:alpha val="70000"/>
+                      </a:srgbClr>
+                    </a:outerShdw>
+                  </a:effectLst>
+                  <a:ea typeface="ヒラギノ角ゴ ProN W3" charset="0"/>
+                  <a:cs typeface="ヒラギノ角ゴ ProN W3" charset="0"/>
+                  <a:sym typeface="Gill Sans" charset="0"/>
+                </a:endParaRPr>
+              </a:p>
+            </p:txBody>
+          </p:sp>
+        </p:grpSp>
+        <p:sp>
+          <p:nvSpPr>
+            <p:cNvPr id="15" name="Fumetto 2 14"/>
+            <p:cNvSpPr/>
+            <p:nvPr/>
+          </p:nvSpPr>
+          <p:spPr bwMode="auto">
+            <a:xfrm>
+              <a:off x="10535816" y="3480681"/>
+              <a:ext cx="3294062" cy="919146"/>
+            </a:xfrm>
+            <a:prstGeom prst="wedgeRoundRectCallout">
+              <a:avLst>
+                <a:gd name="adj1" fmla="val -20833"/>
+                <a:gd name="adj2" fmla="val 89809"/>
+                <a:gd name="adj3" fmla="val 16667"/>
+              </a:avLst>
+            </a:prstGeom>
+            <a:solidFill>
+              <a:srgbClr val="FFC000"/>
+            </a:solidFill>
+            <a:ln w="25400" cap="flat" cmpd="sng" algn="ctr">
+              <a:solidFill>
+                <a:srgbClr val="000000"/>
+              </a:solidFill>
+              <a:prstDash val="solid"/>
+              <a:round/>
+              <a:headEnd type="none" w="med" len="med"/>
+              <a:tailEnd type="none" w="med" len="med"/>
+            </a:ln>
+            <a:effectLst/>
+            <a:extLst/>
+          </p:spPr>
+          <p:txBody>
+            <a:bodyPr vert="horz" wrap="square" lIns="91440" tIns="45720" rIns="91440" bIns="45720" numCol="1" rtlCol="0" anchor="t" anchorCtr="0" compatLnSpc="1">
+              <a:prstTxWarp prst="textNoShape">
+                <a:avLst/>
+              </a:prstTxWarp>
+            </a:bodyPr>
+            <a:lstStyle/>
+            <a:p>
+              <a:pPr marL="0" marR="0" indent="0" algn="ctr" defTabSz="914400" rtl="0" eaLnBrk="1" fontAlgn="base" latinLnBrk="0" hangingPunct="1">
+                <a:lnSpc>
+                  <a:spcPct val="100000"/>
+                </a:lnSpc>
+                <a:spcBef>
+                  <a:spcPct val="0"/>
+                </a:spcBef>
+                <a:spcAft>
+                  <a:spcPct val="0"/>
+                </a:spcAft>
+                <a:buClrTx/>
+                <a:buSzTx/>
+                <a:buFontTx/>
+                <a:buNone/>
+                <a:tabLst/>
+              </a:pPr>
+              <a:r>
+                <a:rPr kumimoji="0" lang="it-IT" sz="4400" b="0" i="0" u="none" strike="noStrike" cap="none" normalizeH="0" baseline="0" dirty="0" smtClean="0">
+                  <a:ln>
+                    <a:noFill/>
+                  </a:ln>
+                  <a:solidFill>
+                    <a:srgbClr val="000000"/>
+                  </a:solidFill>
+                  <a:effectLst/>
+                  <a:latin typeface="Gill Sans" charset="0"/>
+                  <a:ea typeface="ヒラギノ角ゴ ProN W3" charset="0"/>
+                  <a:cs typeface="ヒラギノ角ゴ ProN W3" charset="0"/>
+                  <a:sym typeface="Gill Sans" charset="0"/>
+                </a:rPr>
+                <a:t>http/</a:t>
+              </a:r>
+              <a:r>
+                <a:rPr kumimoji="0" lang="it-IT" sz="4400" b="0" i="0" u="none" strike="noStrike" cap="none" normalizeH="0" baseline="0" dirty="0" err="1" smtClean="0">
+                  <a:ln>
+                    <a:noFill/>
+                  </a:ln>
+                  <a:solidFill>
+                    <a:srgbClr val="000000"/>
+                  </a:solidFill>
+                  <a:effectLst/>
+                  <a:latin typeface="Gill Sans" charset="0"/>
+                  <a:ea typeface="ヒラギノ角ゴ ProN W3" charset="0"/>
+                  <a:cs typeface="ヒラギノ角ゴ ProN W3" charset="0"/>
+                  <a:sym typeface="Gill Sans" charset="0"/>
+                </a:rPr>
+                <a:t>rest</a:t>
+              </a:r>
+              <a:endParaRPr kumimoji="0" lang="it-IT" sz="4400" b="0" i="0" u="none" strike="noStrike" cap="none" normalizeH="0" baseline="0" dirty="0">
+                <a:ln>
+                  <a:noFill/>
+                </a:ln>
+                <a:solidFill>
+                  <a:srgbClr val="000000"/>
+                </a:solidFill>
+                <a:effectLst/>
+                <a:latin typeface="Gill Sans" charset="0"/>
+                <a:ea typeface="ヒラギノ角ゴ ProN W3" charset="0"/>
+                <a:cs typeface="ヒラギノ角ゴ ProN W3" charset="0"/>
+                <a:sym typeface="Gill Sans" charset="0"/>
+              </a:endParaRPr>
+            </a:p>
+          </p:txBody>
+        </p:sp>
+      </p:grpSp>
+    </p:spTree>
+    <p:extLst>
+      <p:ext uri="{BB962C8B-B14F-4D97-AF65-F5344CB8AC3E}">
+        <p14:creationId xmlns:p14="http://schemas.microsoft.com/office/powerpoint/2010/main" val="1651925056"/>
+      </p:ext>
+    </p:extLst>
+  </p:cSld>
+  <p:clrMapOvr>
+    <a:masterClrMapping/>
+  </p:clrMapOvr>
+  <p:transition/>
+  <p:timing>
+    <p:tnLst>
+      <p:par>
+        <p:cTn id="1" dur="indefinite" restart="never" nodeType="tmRoot"/>
+      </p:par>
+    </p:tnLst>
+  </p:timing>
+</p:sld>
+</file>
+
+<file path=ppt/slides/slide19.xml><?xml version="1.0" encoding="utf-8"?>
+<p:sld xmlns:a="http://schemas.openxmlformats.org/drawingml/2006/main" xmlns:r="http://schemas.openxmlformats.org/officeDocument/2006/relationships" xmlns:p="http://schemas.openxmlformats.org/presentationml/2006/main">
+  <p:cSld>
+    <p:spTree>
+      <p:nvGrpSpPr>
+        <p:cNvPr id="1" name=""/>
+        <p:cNvGrpSpPr/>
+        <p:nvPr/>
+      </p:nvGrpSpPr>
+      <p:grpSpPr>
+        <a:xfrm>
+          <a:off x="0" y="0"/>
+          <a:ext cx="0" cy="0"/>
+          <a:chOff x="0" y="0"/>
+          <a:chExt cx="0" cy="0"/>
+        </a:xfrm>
+      </p:grpSpPr>
+      <p:sp>
+        <p:nvSpPr>
+          <p:cNvPr id="2" name="Titolo 1"/>
+          <p:cNvSpPr>
+            <a:spLocks noGrp="1"/>
+          </p:cNvSpPr>
+          <p:nvPr>
+            <p:ph type="title"/>
+          </p:nvPr>
+        </p:nvSpPr>
+        <p:spPr/>
+        <p:txBody>
+          <a:bodyPr/>
+          <a:lstStyle/>
+          <a:p>
+            <a:r>
               <a:rPr lang="it-IT" dirty="0" smtClean="0"/>
               <a:t>DEVELOPMENT / UNIT TEST</a:t>
             </a:r>
@@ -11120,11 +11820,40 @@
               <a:rPr lang="it-IT" dirty="0" err="1" smtClean="0"/>
               <a:t>services</a:t>
             </a:r>
+            <a:endParaRPr lang="it-IT" dirty="0" smtClean="0"/>
+          </a:p>
+          <a:p>
+            <a:r>
+              <a:rPr lang="it-IT" dirty="0" err="1" smtClean="0"/>
+              <a:t>Configuration</a:t>
+            </a:r>
+            <a:endParaRPr lang="it-IT" dirty="0" smtClean="0"/>
+          </a:p>
+          <a:p>
             <a:r>
               <a:rPr lang="it-IT" dirty="0" smtClean="0"/>
-              <a:t>  </a:t>
-            </a:r>
+              <a:t>H2 in </a:t>
+            </a:r>
+            <a:r>
+              <a:rPr lang="it-IT" dirty="0" err="1" smtClean="0"/>
+              <a:t>memry</a:t>
+            </a:r>
+            <a:r>
+              <a:rPr lang="it-IT" dirty="0" smtClean="0"/>
+              <a:t> database</a:t>
+            </a:r>
+          </a:p>
+          <a:p>
             <a:endParaRPr lang="it-IT" dirty="0" smtClean="0"/>
+          </a:p>
+          <a:p>
+            <a:endParaRPr lang="it-IT" dirty="0"/>
+          </a:p>
+          <a:p>
+            <a:r>
+              <a:rPr lang="it-IT" dirty="0" smtClean="0"/>
+              <a:t>Demo   </a:t>
+            </a:r>
           </a:p>
           <a:p>
             <a:endParaRPr lang="it-IT" dirty="0"/>
@@ -11303,7 +12032,85 @@
 </p:sld>
 </file>
 
-<file path=ppt/slides/slide19.xml><?xml version="1.0" encoding="utf-8"?>
+<file path=ppt/slides/slide2.xml><?xml version="1.0" encoding="utf-8"?>
+<p:sld xmlns:a="http://schemas.openxmlformats.org/drawingml/2006/main" xmlns:r="http://schemas.openxmlformats.org/officeDocument/2006/relationships" xmlns:p="http://schemas.openxmlformats.org/presentationml/2006/main">
+  <p:cSld>
+    <p:spTree>
+      <p:nvGrpSpPr>
+        <p:cNvPr id="1" name=""/>
+        <p:cNvGrpSpPr/>
+        <p:nvPr/>
+      </p:nvGrpSpPr>
+      <p:grpSpPr>
+        <a:xfrm>
+          <a:off x="0" y="0"/>
+          <a:ext cx="0" cy="0"/>
+          <a:chOff x="0" y="0"/>
+          <a:chExt cx="0" cy="0"/>
+        </a:xfrm>
+      </p:grpSpPr>
+      <p:sp>
+        <p:nvSpPr>
+          <p:cNvPr id="6146" name="Rectangle 1"/>
+          <p:cNvSpPr>
+            <a:spLocks noGrp="1" noChangeArrowheads="1"/>
+          </p:cNvSpPr>
+          <p:nvPr>
+            <p:ph type="title"/>
+          </p:nvPr>
+        </p:nvSpPr>
+        <p:spPr/>
+        <p:txBody>
+          <a:bodyPr/>
+          <a:lstStyle/>
+          <a:p>
+            <a:pPr eaLnBrk="1" hangingPunct="1"/>
+            <a:endParaRPr lang="it-IT" smtClean="0"/>
+          </a:p>
+        </p:txBody>
+      </p:sp>
+      <p:sp>
+        <p:nvSpPr>
+          <p:cNvPr id="6147" name="Rectangle 2"/>
+          <p:cNvSpPr>
+            <a:spLocks noGrp="1" noChangeArrowheads="1"/>
+          </p:cNvSpPr>
+          <p:nvPr>
+            <p:ph type="body" idx="1"/>
+          </p:nvPr>
+        </p:nvSpPr>
+        <p:spPr>
+          <a:xfrm>
+            <a:off x="617538" y="1676400"/>
+            <a:ext cx="23134637" cy="10591800"/>
+          </a:xfrm>
+        </p:spPr>
+        <p:txBody>
+          <a:bodyPr/>
+          <a:lstStyle/>
+          <a:p>
+            <a:pPr eaLnBrk="1" hangingPunct="1"/>
+            <a:endParaRPr lang="it-IT" smtClean="0"/>
+          </a:p>
+        </p:txBody>
+      </p:sp>
+    </p:spTree>
+  </p:cSld>
+  <p:clrMapOvr>
+    <a:masterClrMapping/>
+  </p:clrMapOvr>
+  <p:transition/>
+  <p:timing>
+    <p:tnLst>
+      <p:par>
+        <p:cTn id="1" dur="indefinite" restart="never" nodeType="tmRoot"/>
+      </p:par>
+    </p:tnLst>
+  </p:timing>
+</p:sld>
+</file>
+
+<file path=ppt/slides/slide20.xml><?xml version="1.0" encoding="utf-8"?>
 <p:sld xmlns:a="http://schemas.openxmlformats.org/drawingml/2006/main" xmlns:r="http://schemas.openxmlformats.org/officeDocument/2006/relationships" xmlns:p="http://schemas.openxmlformats.org/presentationml/2006/main">
   <p:cSld>
     <p:spTree>
@@ -11358,6 +12165,111 @@
           <a:bodyPr/>
           <a:lstStyle/>
           <a:p>
+            <a:r>
+              <a:rPr lang="it-IT" dirty="0" err="1" smtClean="0"/>
+              <a:t>Docker</a:t>
+            </a:r>
+            <a:r>
+              <a:rPr lang="it-IT" dirty="0" smtClean="0"/>
+              <a:t> </a:t>
+            </a:r>
+            <a:r>
+              <a:rPr lang="it-IT" dirty="0" err="1" smtClean="0"/>
+              <a:t>local</a:t>
+            </a:r>
+            <a:endParaRPr lang="it-IT" dirty="0" smtClean="0"/>
+          </a:p>
+          <a:p>
+            <a:pPr lvl="1"/>
+            <a:r>
+              <a:rPr lang="it-IT" dirty="0" smtClean="0"/>
+              <a:t>Special images with data </a:t>
+            </a:r>
+            <a:r>
+              <a:rPr lang="it-IT" dirty="0" err="1" smtClean="0"/>
+              <a:t>specific</a:t>
+            </a:r>
+            <a:r>
+              <a:rPr lang="it-IT" dirty="0" smtClean="0"/>
+              <a:t> for test </a:t>
+            </a:r>
+          </a:p>
+          <a:p>
+            <a:r>
+              <a:rPr lang="it-IT" dirty="0" err="1" smtClean="0"/>
+              <a:t>Mysql</a:t>
+            </a:r>
+            <a:r>
+              <a:rPr lang="it-IT" dirty="0" smtClean="0"/>
+              <a:t> introduce </a:t>
+            </a:r>
+            <a:r>
+              <a:rPr lang="it-IT" dirty="0" err="1" smtClean="0"/>
+              <a:t>configuration</a:t>
+            </a:r>
+            <a:r>
+              <a:rPr lang="it-IT" dirty="0" smtClean="0"/>
+              <a:t> </a:t>
+            </a:r>
+            <a:r>
+              <a:rPr lang="it-IT" dirty="0" err="1" smtClean="0"/>
+              <a:t>properties</a:t>
+            </a:r>
+            <a:endParaRPr lang="it-IT" dirty="0" smtClean="0"/>
+          </a:p>
+          <a:p>
+            <a:r>
+              <a:rPr lang="it-IT" dirty="0" err="1" smtClean="0"/>
+              <a:t>Docker</a:t>
+            </a:r>
+            <a:r>
+              <a:rPr lang="it-IT" dirty="0" smtClean="0"/>
+              <a:t> file </a:t>
+            </a:r>
+          </a:p>
+          <a:p>
+            <a:r>
+              <a:rPr lang="it-IT" dirty="0" err="1" smtClean="0"/>
+              <a:t>Maven</a:t>
+            </a:r>
+            <a:r>
+              <a:rPr lang="it-IT" dirty="0" smtClean="0"/>
+              <a:t> </a:t>
+            </a:r>
+            <a:r>
+              <a:rPr lang="it-IT" dirty="0" err="1" smtClean="0"/>
+              <a:t>directives</a:t>
+            </a:r>
+            <a:endParaRPr lang="it-IT" dirty="0" smtClean="0"/>
+          </a:p>
+          <a:p>
+            <a:r>
+              <a:rPr lang="it-IT" dirty="0" smtClean="0"/>
+              <a:t>Start </a:t>
+            </a:r>
+            <a:r>
+              <a:rPr lang="it-IT" dirty="0" err="1" smtClean="0"/>
+              <a:t>docker</a:t>
+            </a:r>
+            <a:r>
+              <a:rPr lang="it-IT" dirty="0" smtClean="0"/>
+              <a:t> </a:t>
+            </a:r>
+          </a:p>
+          <a:p>
+            <a:pPr lvl="1"/>
+            <a:r>
+              <a:rPr lang="it-IT" dirty="0" err="1" smtClean="0"/>
+              <a:t>Follow</a:t>
+            </a:r>
+            <a:r>
+              <a:rPr lang="it-IT" dirty="0" smtClean="0"/>
+              <a:t> demo </a:t>
+            </a:r>
+            <a:r>
+              <a:rPr lang="it-IT" dirty="0" err="1" smtClean="0"/>
+              <a:t>docker</a:t>
+            </a:r>
             <a:r>
               <a:rPr lang="it-IT" dirty="0" smtClean="0"/>
               <a:t> </a:t>
@@ -11540,406 +12452,6 @@
 </p:sld>
 </file>
 
-<file path=ppt/slides/slide2.xml><?xml version="1.0" encoding="utf-8"?>
-<p:sld xmlns:a="http://schemas.openxmlformats.org/drawingml/2006/main" xmlns:r="http://schemas.openxmlformats.org/officeDocument/2006/relationships" xmlns:p="http://schemas.openxmlformats.org/presentationml/2006/main">
-  <p:cSld>
-    <p:spTree>
-      <p:nvGrpSpPr>
-        <p:cNvPr id="1" name=""/>
-        <p:cNvGrpSpPr/>
-        <p:nvPr/>
-      </p:nvGrpSpPr>
-      <p:grpSpPr>
-        <a:xfrm>
-          <a:off x="0" y="0"/>
-          <a:ext cx="0" cy="0"/>
-          <a:chOff x="0" y="0"/>
-          <a:chExt cx="0" cy="0"/>
-        </a:xfrm>
-      </p:grpSpPr>
-      <p:sp>
-        <p:nvSpPr>
-          <p:cNvPr id="6146" name="Rectangle 1"/>
-          <p:cNvSpPr>
-            <a:spLocks noGrp="1" noChangeArrowheads="1"/>
-          </p:cNvSpPr>
-          <p:nvPr>
-            <p:ph type="title"/>
-          </p:nvPr>
-        </p:nvSpPr>
-        <p:spPr/>
-        <p:txBody>
-          <a:bodyPr/>
-          <a:lstStyle/>
-          <a:p>
-            <a:pPr eaLnBrk="1" hangingPunct="1"/>
-            <a:endParaRPr lang="it-IT" smtClean="0"/>
-          </a:p>
-        </p:txBody>
-      </p:sp>
-      <p:sp>
-        <p:nvSpPr>
-          <p:cNvPr id="6147" name="Rectangle 2"/>
-          <p:cNvSpPr>
-            <a:spLocks noGrp="1" noChangeArrowheads="1"/>
-          </p:cNvSpPr>
-          <p:nvPr>
-            <p:ph type="body" idx="1"/>
-          </p:nvPr>
-        </p:nvSpPr>
-        <p:spPr>
-          <a:xfrm>
-            <a:off x="617538" y="1676400"/>
-            <a:ext cx="23134637" cy="10591800"/>
-          </a:xfrm>
-        </p:spPr>
-        <p:txBody>
-          <a:bodyPr/>
-          <a:lstStyle/>
-          <a:p>
-            <a:pPr eaLnBrk="1" hangingPunct="1"/>
-            <a:endParaRPr lang="it-IT" smtClean="0"/>
-          </a:p>
-        </p:txBody>
-      </p:sp>
-    </p:spTree>
-  </p:cSld>
-  <p:clrMapOvr>
-    <a:masterClrMapping/>
-  </p:clrMapOvr>
-  <p:transition/>
-  <p:timing>
-    <p:tnLst>
-      <p:par>
-        <p:cTn id="1" dur="indefinite" restart="never" nodeType="tmRoot"/>
-      </p:par>
-    </p:tnLst>
-  </p:timing>
-</p:sld>
-</file>
-
-<file path=ppt/slides/slide20.xml><?xml version="1.0" encoding="utf-8"?>
-<p:sld xmlns:a="http://schemas.openxmlformats.org/drawingml/2006/main" xmlns:r="http://schemas.openxmlformats.org/officeDocument/2006/relationships" xmlns:p="http://schemas.openxmlformats.org/presentationml/2006/main">
-  <p:cSld>
-    <p:spTree>
-      <p:nvGrpSpPr>
-        <p:cNvPr id="1" name=""/>
-        <p:cNvGrpSpPr/>
-        <p:nvPr/>
-      </p:nvGrpSpPr>
-      <p:grpSpPr>
-        <a:xfrm>
-          <a:off x="0" y="0"/>
-          <a:ext cx="0" cy="0"/>
-          <a:chOff x="0" y="0"/>
-          <a:chExt cx="0" cy="0"/>
-        </a:xfrm>
-      </p:grpSpPr>
-      <p:sp>
-        <p:nvSpPr>
-          <p:cNvPr id="2" name="Titolo 1"/>
-          <p:cNvSpPr>
-            <a:spLocks noGrp="1"/>
-          </p:cNvSpPr>
-          <p:nvPr>
-            <p:ph type="title"/>
-          </p:nvPr>
-        </p:nvSpPr>
-        <p:spPr/>
-        <p:txBody>
-          <a:bodyPr/>
-          <a:lstStyle/>
-          <a:p>
-            <a:r>
-              <a:rPr lang="it-IT" dirty="0" err="1" smtClean="0"/>
-              <a:t>Docker</a:t>
-            </a:r>
-            <a:endParaRPr lang="it-IT" dirty="0"/>
-          </a:p>
-        </p:txBody>
-      </p:sp>
-      <p:sp>
-        <p:nvSpPr>
-          <p:cNvPr id="3" name="Segnaposto contenuto 2"/>
-          <p:cNvSpPr>
-            <a:spLocks noGrp="1"/>
-          </p:cNvSpPr>
-          <p:nvPr>
-            <p:ph idx="1"/>
-          </p:nvPr>
-        </p:nvSpPr>
-        <p:spPr/>
-        <p:txBody>
-          <a:bodyPr/>
-          <a:lstStyle/>
-          <a:p>
-            <a:r>
-              <a:rPr lang="it-IT" sz="2800" dirty="0" smtClean="0"/>
-              <a:t> </a:t>
-            </a:r>
-            <a:r>
-              <a:rPr lang="it-IT" sz="2800" dirty="0" err="1"/>
-              <a:t>Introduction</a:t>
-            </a:r>
-            <a:r>
-              <a:rPr lang="it-IT" sz="2800" dirty="0"/>
-              <a:t> to </a:t>
-            </a:r>
-            <a:r>
-              <a:rPr lang="it-IT" sz="2800" dirty="0" err="1"/>
-              <a:t>Docker</a:t>
-            </a:r>
-            <a:endParaRPr lang="it-IT" sz="2800" dirty="0"/>
-          </a:p>
-          <a:p>
-            <a:pPr marL="0" indent="0">
-              <a:buNone/>
-            </a:pPr>
-            <a:r>
-              <a:rPr lang="en-US" sz="2800" dirty="0" err="1"/>
-              <a:t>Docker</a:t>
-            </a:r>
-            <a:r>
-              <a:rPr lang="en-US" sz="2800" dirty="0"/>
-              <a:t> is a new way to containerize applications that is becomingly increasingly popular. It allows you to</a:t>
-            </a:r>
-          </a:p>
-          <a:p>
-            <a:pPr marL="0" indent="0">
-              <a:buNone/>
-            </a:pPr>
-            <a:r>
-              <a:rPr lang="en-US" sz="2800" dirty="0"/>
-              <a:t>package a microservice in a standardized portable format that’s independent of the technology used to</a:t>
-            </a:r>
-          </a:p>
-          <a:p>
-            <a:pPr marL="0" indent="0">
-              <a:buNone/>
-            </a:pPr>
-            <a:r>
-              <a:rPr lang="en-US" sz="2800" dirty="0"/>
-              <a:t>implement the service. At runtime it provides a high degree of isolation between different services. However,</a:t>
-            </a:r>
-          </a:p>
-          <a:p>
-            <a:pPr marL="0" indent="0">
-              <a:buNone/>
-            </a:pPr>
-            <a:r>
-              <a:rPr lang="en-US" sz="2800" dirty="0"/>
-              <a:t>unlike virtual machines, </a:t>
-            </a:r>
-            <a:r>
-              <a:rPr lang="en-US" sz="2800" dirty="0" err="1"/>
-              <a:t>Docker</a:t>
-            </a:r>
-            <a:r>
-              <a:rPr lang="en-US" sz="2800" dirty="0"/>
-              <a:t> containers are extremely lightweight and as a result can be built and started</a:t>
-            </a:r>
-          </a:p>
-          <a:p>
-            <a:pPr marL="0" indent="0">
-              <a:buNone/>
-            </a:pPr>
-            <a:r>
-              <a:rPr lang="en-US" sz="2800" dirty="0"/>
-              <a:t>extremely quickly. A container can typically be built in just a few seconds and starting a container simply</a:t>
-            </a:r>
-          </a:p>
-          <a:p>
-            <a:pPr marL="0" indent="0">
-              <a:buNone/>
-            </a:pPr>
-            <a:r>
-              <a:rPr lang="en-US" sz="2800" dirty="0"/>
-              <a:t>consists of starting the service’s process(</a:t>
-            </a:r>
-            <a:r>
-              <a:rPr lang="en-US" sz="2800" dirty="0" err="1"/>
-              <a:t>es</a:t>
-            </a:r>
-            <a:r>
-              <a:rPr lang="en-US" sz="2800" dirty="0"/>
-              <a:t>).</a:t>
-            </a:r>
-          </a:p>
-          <a:p>
-            <a:pPr marL="0" indent="0">
-              <a:buNone/>
-            </a:pPr>
-            <a:r>
-              <a:rPr lang="en-US" sz="2800" dirty="0" err="1"/>
-              <a:t>Docker</a:t>
-            </a:r>
-            <a:r>
-              <a:rPr lang="en-US" sz="2800" dirty="0"/>
-              <a:t> runs on a variety of platforms. It runs natively on Linux. You can also run </a:t>
-            </a:r>
-            <a:r>
-              <a:rPr lang="en-US" sz="2800" dirty="0" err="1"/>
-              <a:t>Docker</a:t>
-            </a:r>
-            <a:r>
-              <a:rPr lang="en-US" sz="2800" dirty="0"/>
-              <a:t> on Windows and Mac</a:t>
-            </a:r>
-          </a:p>
-          <a:p>
-            <a:pPr marL="0" indent="0">
-              <a:buNone/>
-            </a:pPr>
-            <a:r>
-              <a:rPr lang="en-US" sz="2800" dirty="0"/>
-              <a:t>OSX using Boot2Docker, which runs the </a:t>
-            </a:r>
-            <a:r>
-              <a:rPr lang="en-US" sz="2800" dirty="0" err="1"/>
-              <a:t>Docker</a:t>
-            </a:r>
-            <a:r>
-              <a:rPr lang="en-US" sz="2800" dirty="0"/>
-              <a:t> daemon in a </a:t>
-            </a:r>
-            <a:r>
-              <a:rPr lang="en-US" sz="2800" dirty="0" err="1"/>
-              <a:t>VirtualBox</a:t>
-            </a:r>
-            <a:r>
-              <a:rPr lang="en-US" sz="2800" dirty="0"/>
-              <a:t> VM. Some clouds also have added</a:t>
-            </a:r>
-          </a:p>
-          <a:p>
-            <a:pPr marL="0" indent="0">
-              <a:buNone/>
-            </a:pPr>
-            <a:r>
-              <a:rPr lang="en-US" sz="2800" dirty="0"/>
-              <a:t>extra support for </a:t>
-            </a:r>
-            <a:r>
-              <a:rPr lang="en-US" sz="2800" dirty="0" err="1"/>
-              <a:t>Docker</a:t>
-            </a:r>
-            <a:r>
-              <a:rPr lang="en-US" sz="2800" dirty="0"/>
-              <a:t>. For example, not only can you run </a:t>
-            </a:r>
-            <a:r>
-              <a:rPr lang="en-US" sz="2800" dirty="0" err="1"/>
-              <a:t>Docker</a:t>
-            </a:r>
-            <a:r>
-              <a:rPr lang="en-US" sz="2800" dirty="0"/>
-              <a:t> inside your EC2 instances but you can also</a:t>
-            </a:r>
-          </a:p>
-          <a:p>
-            <a:pPr marL="0" indent="0">
-              <a:buNone/>
-            </a:pPr>
-            <a:r>
-              <a:rPr lang="en-US" sz="2800" dirty="0"/>
-              <a:t>use Elastic Beanstalk to run </a:t>
-            </a:r>
-            <a:r>
-              <a:rPr lang="en-US" sz="2800" dirty="0" err="1"/>
-              <a:t>Docker</a:t>
-            </a:r>
-            <a:r>
-              <a:rPr lang="en-US" sz="2800" dirty="0"/>
-              <a:t> containers. Amazon also recently announced the Amazon EC2 Container</a:t>
-            </a:r>
-          </a:p>
-          <a:p>
-            <a:pPr marL="0" indent="0">
-              <a:buNone/>
-            </a:pPr>
-            <a:r>
-              <a:rPr lang="en-US" sz="2800" dirty="0"/>
-              <a:t>Service, which is a hosted </a:t>
-            </a:r>
-            <a:r>
-              <a:rPr lang="en-US" sz="2800" dirty="0" err="1"/>
-              <a:t>Docker</a:t>
-            </a:r>
-            <a:r>
-              <a:rPr lang="en-US" sz="2800" dirty="0"/>
-              <a:t> container management service. Google Cloud also has support for </a:t>
-            </a:r>
-            <a:r>
-              <a:rPr lang="en-US" sz="2800" dirty="0" err="1"/>
-              <a:t>Docker</a:t>
-            </a:r>
-            <a:r>
-              <a:rPr lang="en-US" sz="2800" dirty="0"/>
-              <a:t>.</a:t>
-            </a:r>
-          </a:p>
-          <a:p>
-            <a:pPr marL="0" indent="0">
-              <a:buNone/>
-            </a:pPr>
-            <a:r>
-              <a:rPr lang="en-US" sz="2800" dirty="0"/>
-              <a:t>The two main </a:t>
-            </a:r>
-            <a:r>
-              <a:rPr lang="en-US" sz="2800" dirty="0" err="1"/>
-              <a:t>Docker</a:t>
-            </a:r>
-            <a:r>
-              <a:rPr lang="en-US" sz="2800" dirty="0"/>
-              <a:t> concepts are image, which is a portable application packaging format, and container,</a:t>
-            </a:r>
-          </a:p>
-          <a:p>
-            <a:pPr marL="0" indent="0">
-              <a:buNone/>
-            </a:pPr>
-            <a:r>
-              <a:rPr lang="en-US" sz="2800" dirty="0"/>
-              <a:t>which is a running image and consists of one or more sandboxed processes. Let’s first look at how images</a:t>
-            </a:r>
-          </a:p>
-          <a:p>
-            <a:pPr marL="0" indent="0">
-              <a:buNone/>
-            </a:pPr>
-            <a:r>
-              <a:rPr lang="it-IT" sz="2800" dirty="0"/>
-              <a:t>work.</a:t>
-            </a:r>
-            <a:endParaRPr lang="it-IT" sz="2800" dirty="0" smtClean="0"/>
-          </a:p>
-          <a:p>
-            <a:endParaRPr lang="it-IT" sz="2800" dirty="0"/>
-          </a:p>
-        </p:txBody>
-      </p:sp>
-    </p:spTree>
-    <p:extLst>
-      <p:ext uri="{BB962C8B-B14F-4D97-AF65-F5344CB8AC3E}">
-        <p14:creationId xmlns:p14="http://schemas.microsoft.com/office/powerpoint/2010/main" val="1828915050"/>
-      </p:ext>
-    </p:extLst>
-  </p:cSld>
-  <p:clrMapOvr>
-    <a:masterClrMapping/>
-  </p:clrMapOvr>
-  <p:transition/>
-  <p:timing>
-    <p:tnLst>
-      <p:par>
-        <p:cTn id="1" dur="indefinite" restart="never" nodeType="tmRoot"/>
-      </p:par>
-    </p:tnLst>
-  </p:timing>
-</p:sld>
-</file>
-
 <file path=ppt/slides/slide21.xml><?xml version="1.0" encoding="utf-8"?>
 <p:sld xmlns:a="http://schemas.openxmlformats.org/drawingml/2006/main" xmlns:r="http://schemas.openxmlformats.org/officeDocument/2006/relationships" xmlns:p="http://schemas.openxmlformats.org/presentationml/2006/main">
   <p:cSld>
@@ -11996,29 +12508,34 @@
           <a:lstStyle/>
           <a:p>
             <a:r>
-              <a:rPr lang="it-IT" sz="2800" dirty="0" err="1" smtClean="0"/>
+              <a:rPr lang="it-IT" sz="2800" dirty="0" smtClean="0"/>
+              <a:t> </a:t>
+            </a:r>
+            <a:r>
+              <a:rPr lang="it-IT" sz="2800" b="1" dirty="0" err="1"/>
+              <a:t>Introduction</a:t>
+            </a:r>
+            <a:r>
+              <a:rPr lang="it-IT" sz="2800" b="1" dirty="0"/>
+              <a:t> to </a:t>
+            </a:r>
+            <a:r>
+              <a:rPr lang="it-IT" sz="2800" b="1" dirty="0" err="1"/>
               <a:t>Docker</a:t>
             </a:r>
-            <a:r>
-              <a:rPr lang="it-IT" sz="2800" dirty="0" smtClean="0"/>
-              <a:t> image</a:t>
-            </a:r>
+            <a:endParaRPr lang="it-IT" sz="2800" b="1" dirty="0"/>
           </a:p>
           <a:p>
             <a:pPr marL="0" indent="0">
               <a:buNone/>
             </a:pPr>
             <a:r>
-              <a:rPr lang="en-US" sz="1800" dirty="0" smtClean="0"/>
-              <a:t>A </a:t>
-            </a:r>
-            <a:r>
-              <a:rPr lang="en-US" sz="1800" dirty="0" err="1"/>
+              <a:rPr lang="en-US" sz="2800" dirty="0" err="1"/>
               <a:t>Docker</a:t>
             </a:r>
             <a:r>
-              <a:rPr lang="en-US" sz="1800" dirty="0"/>
-              <a:t> image is read-only file system image of an operating system and an application. It’s analogous to an</a:t>
+              <a:rPr lang="en-US" sz="2800" dirty="0"/>
+              <a:t> is a new way to containerize applications that is becomingly increasingly popular. It allows you to</a:t>
             </a:r>
           </a:p>
           <a:p>
@@ -12026,16 +12543,8 @@
               <a:buNone/>
             </a:pPr>
             <a:r>
-              <a:rPr lang="en-US" sz="1800" dirty="0"/>
-              <a:t>AWS EC2 AMI. An image is self-contained and will run on any </a:t>
-            </a:r>
-            <a:r>
-              <a:rPr lang="en-US" sz="1800" dirty="0" err="1"/>
-              <a:t>Docker</a:t>
-            </a:r>
-            <a:r>
-              <a:rPr lang="en-US" sz="1800" dirty="0"/>
-              <a:t> installation. You can create an image</a:t>
+              <a:rPr lang="en-US" sz="2800" dirty="0"/>
+              <a:t>package a microservice in a standardized portable format that’s independent of the technology used to</a:t>
             </a:r>
           </a:p>
           <a:p>
@@ -12043,8 +12552,8 @@
               <a:buNone/>
             </a:pPr>
             <a:r>
-              <a:rPr lang="en-US" sz="1800" dirty="0"/>
-              <a:t>from scratch but normally an image is created by starting a container from existing base image, installing</a:t>
+              <a:rPr lang="en-US" sz="2800" dirty="0"/>
+              <a:t>implement the service. At runtime it provides a high degree of isolation between different services. However,</a:t>
             </a:r>
           </a:p>
           <a:p>
@@ -12052,8 +12561,16 @@
               <a:buNone/>
             </a:pPr>
             <a:r>
-              <a:rPr lang="en-US" sz="1800" dirty="0"/>
-              <a:t>applications by executing the same kinds of commands you would use when configuring a regular machine,</a:t>
+              <a:rPr lang="en-US" sz="2800" dirty="0"/>
+              <a:t>unlike virtual machines, </a:t>
+            </a:r>
+            <a:r>
+              <a:rPr lang="en-US" sz="2800" dirty="0" err="1"/>
+              <a:t>Docker</a:t>
+            </a:r>
+            <a:r>
+              <a:rPr lang="en-US" sz="2800" dirty="0"/>
+              <a:t> containers are extremely lightweight and as a result can be built and started</a:t>
             </a:r>
           </a:p>
           <a:p>
@@ -12061,8 +12578,8 @@
               <a:buNone/>
             </a:pPr>
             <a:r>
-              <a:rPr lang="en-US" sz="1800" dirty="0"/>
-              <a:t>such as apt-get install –y and then saving the container as a new image. For example, to create an image</a:t>
+              <a:rPr lang="en-US" sz="2800" dirty="0"/>
+              <a:t>extremely quickly. A container can typically be built in just a few seconds and starting a container simply</a:t>
             </a:r>
           </a:p>
           <a:p>
@@ -12070,8 +12587,16 @@
               <a:buNone/>
             </a:pPr>
             <a:r>
-              <a:rPr lang="en-US" sz="1800" dirty="0"/>
-              <a:t>containing a Spring Boot based application, you could start from a vanilla Ubuntu image, install the JDK and</a:t>
+              <a:rPr lang="en-US" sz="2800" dirty="0"/>
+              <a:t>consists of starting the service’s process(</a:t>
+            </a:r>
+            <a:r>
+              <a:rPr lang="en-US" sz="2800" dirty="0" err="1"/>
+              <a:t>es</a:t>
+            </a:r>
+            <a:r>
+              <a:rPr lang="en-US" sz="2800" dirty="0"/>
+              <a:t>).</a:t>
             </a:r>
           </a:p>
           <a:p>
@@ -12079,12 +12604,20 @@
               <a:buNone/>
             </a:pPr>
             <a:r>
-              <a:rPr lang="en-US" sz="1800" dirty="0" smtClean="0"/>
-              <a:t>then </a:t>
-            </a:r>
-            <a:r>
-              <a:rPr lang="en-US" sz="1800" dirty="0"/>
-              <a:t>install the executable JAR.</a:t>
+              <a:rPr lang="en-US" sz="2800" dirty="0" err="1"/>
+              <a:t>Docker</a:t>
+            </a:r>
+            <a:r>
+              <a:rPr lang="en-US" sz="2800" dirty="0"/>
+              <a:t> runs on a variety of platforms. It runs natively on Linux. You can also run </a:t>
+            </a:r>
+            <a:r>
+              <a:rPr lang="en-US" sz="2800" dirty="0" err="1"/>
+              <a:t>Docker</a:t>
+            </a:r>
+            <a:r>
+              <a:rPr lang="en-US" sz="2800" dirty="0"/>
+              <a:t> on Windows and Mac</a:t>
             </a:r>
           </a:p>
           <a:p>
@@ -12092,16 +12625,24 @@
               <a:buNone/>
             </a:pPr>
             <a:r>
-              <a:rPr lang="en-US" sz="1800" dirty="0"/>
-              <a:t>In many ways, building a </a:t>
-            </a:r>
-            <a:r>
-              <a:rPr lang="en-US" sz="1800" dirty="0" err="1"/>
+              <a:rPr lang="en-US" sz="2800" dirty="0"/>
+              <a:t>OSX using Boot2Docker, which runs the </a:t>
+            </a:r>
+            <a:r>
+              <a:rPr lang="en-US" sz="2800" dirty="0" err="1"/>
               <a:t>Docker</a:t>
             </a:r>
             <a:r>
-              <a:rPr lang="en-US" sz="1800" dirty="0"/>
-              <a:t> image is similar to building an AMI. However, while an AMI is a blob of bits,</a:t>
+              <a:rPr lang="en-US" sz="2800" dirty="0"/>
+              <a:t> daemon in a </a:t>
+            </a:r>
+            <a:r>
+              <a:rPr lang="en-US" sz="2800" dirty="0" err="1"/>
+              <a:t>VirtualBox</a:t>
+            </a:r>
+            <a:r>
+              <a:rPr lang="en-US" sz="2800" dirty="0"/>
+              <a:t> VM. Some clouds also have added</a:t>
             </a:r>
           </a:p>
           <a:p>
@@ -12109,16 +12650,24 @@
               <a:buNone/>
             </a:pPr>
             <a:r>
-              <a:rPr lang="en-US" sz="1800" dirty="0"/>
-              <a:t>a </a:t>
-            </a:r>
-            <a:r>
-              <a:rPr lang="en-US" sz="1800" dirty="0" err="1"/>
+              <a:rPr lang="en-US" sz="2800" dirty="0"/>
+              <a:t>extra support for </a:t>
+            </a:r>
+            <a:r>
+              <a:rPr lang="en-US" sz="2800" dirty="0" err="1"/>
               <a:t>Docker</a:t>
             </a:r>
             <a:r>
-              <a:rPr lang="en-US" sz="1800" dirty="0"/>
-              <a:t> image has a layered structure that dramatically reduces the amount of time needed to build and</a:t>
+              <a:rPr lang="en-US" sz="2800" dirty="0"/>
+              <a:t>. For example, not only can you run </a:t>
+            </a:r>
+            <a:r>
+              <a:rPr lang="en-US" sz="2800" dirty="0" err="1"/>
+              <a:t>Docker</a:t>
+            </a:r>
+            <a:r>
+              <a:rPr lang="en-US" sz="2800" dirty="0"/>
+              <a:t> inside your EC2 instances but you can also</a:t>
             </a:r>
           </a:p>
           <a:p>
@@ -12126,16 +12675,16 @@
               <a:buNone/>
             </a:pPr>
             <a:r>
-              <a:rPr lang="en-US" sz="1800" dirty="0"/>
-              <a:t>deploy a </a:t>
-            </a:r>
-            <a:r>
-              <a:rPr lang="en-US" sz="1800" dirty="0" err="1"/>
+              <a:rPr lang="en-US" sz="2800" dirty="0"/>
+              <a:t>use Elastic Beanstalk to run </a:t>
+            </a:r>
+            <a:r>
+              <a:rPr lang="en-US" sz="2800" dirty="0" err="1"/>
               <a:t>Docker</a:t>
             </a:r>
             <a:r>
-              <a:rPr lang="en-US" sz="1800" dirty="0"/>
-              <a:t> image. An image consists of a sequence of layers. When building an image, each command</a:t>
+              <a:rPr lang="en-US" sz="2800" dirty="0"/>
+              <a:t> containers. Amazon also recently announced the Amazon EC2 Container</a:t>
             </a:r>
           </a:p>
           <a:p>
@@ -12143,16 +12692,24 @@
               <a:buNone/>
             </a:pPr>
             <a:r>
-              <a:rPr lang="en-US" sz="1800" dirty="0"/>
-              <a:t>that changes the file system (e.g. </a:t>
-            </a:r>
-            <a:r>
-              <a:rPr lang="en-US" sz="1800" i="1" dirty="0"/>
-              <a:t>apt-get install</a:t>
-            </a:r>
-            <a:r>
-              <a:rPr lang="en-US" sz="1800" dirty="0"/>
-              <a:t>) create a new layer that references it’s parent layer.</a:t>
+              <a:rPr lang="en-US" sz="2800" dirty="0"/>
+              <a:t>Service, which is a hosted </a:t>
+            </a:r>
+            <a:r>
+              <a:rPr lang="en-US" sz="2800" dirty="0" err="1"/>
+              <a:t>Docker</a:t>
+            </a:r>
+            <a:r>
+              <a:rPr lang="en-US" sz="2800" dirty="0"/>
+              <a:t> container management service. Google Cloud also has support for </a:t>
+            </a:r>
+            <a:r>
+              <a:rPr lang="en-US" sz="2800" dirty="0" err="1"/>
+              <a:t>Docker</a:t>
+            </a:r>
+            <a:r>
+              <a:rPr lang="en-US" sz="2800" dirty="0"/>
+              <a:t>.</a:t>
             </a:r>
           </a:p>
           <a:p>
@@ -12160,8 +12717,16 @@
               <a:buNone/>
             </a:pPr>
             <a:r>
-              <a:rPr lang="en-US" sz="1800" dirty="0"/>
-              <a:t>This layered structure has two important benefits. First it enables of sharing of layers between images, which</a:t>
+              <a:rPr lang="en-US" sz="2800" dirty="0"/>
+              <a:t>The two main </a:t>
+            </a:r>
+            <a:r>
+              <a:rPr lang="en-US" sz="2800" dirty="0" err="1"/>
+              <a:t>Docker</a:t>
+            </a:r>
+            <a:r>
+              <a:rPr lang="en-US" sz="2800" dirty="0"/>
+              <a:t> concepts are image, which is a portable application packaging format, and container,</a:t>
             </a:r>
           </a:p>
           <a:p>
@@ -12169,16 +12734,8 @@
               <a:buNone/>
             </a:pPr>
             <a:r>
-              <a:rPr lang="en-US" sz="1800" dirty="0"/>
-              <a:t>means that </a:t>
-            </a:r>
-            <a:r>
-              <a:rPr lang="en-US" sz="1800" dirty="0" err="1"/>
-              <a:t>Docker</a:t>
-            </a:r>
-            <a:r>
-              <a:rPr lang="en-US" sz="1800" dirty="0"/>
-              <a:t> does not need to move an entire image over the network. Only those layers that don’t exist</a:t>
+              <a:rPr lang="en-US" sz="2800" dirty="0"/>
+              <a:t>which is a running image and consists of one or more sandboxed processes. Let’s first look at how images</a:t>
             </a:r>
           </a:p>
           <a:p>
@@ -12186,65 +12743,20 @@
               <a:buNone/>
             </a:pPr>
             <a:r>
-              <a:rPr lang="en-US" sz="1800" dirty="0"/>
-              <a:t>on the destination machine need to be copied, which usually results in a dramatic speedup. Another important</a:t>
-            </a:r>
+              <a:rPr lang="it-IT" sz="2800" dirty="0"/>
+              <a:t>work.</a:t>
+            </a:r>
+            <a:endParaRPr lang="it-IT" sz="2800" dirty="0" smtClean="0"/>
           </a:p>
           <a:p>
-            <a:pPr marL="0" indent="0">
-              <a:buNone/>
-            </a:pPr>
-            <a:r>
-              <a:rPr lang="en-US" sz="1800" dirty="0"/>
-              <a:t>benefit of the layered structure is that </a:t>
-            </a:r>
-            <a:r>
-              <a:rPr lang="en-US" sz="1800" dirty="0" err="1"/>
-              <a:t>Docker</a:t>
-            </a:r>
-            <a:r>
-              <a:rPr lang="en-US" sz="1800" dirty="0"/>
-              <a:t> aggressively caches layers when building an image. When </a:t>
-            </a:r>
-            <a:r>
-              <a:rPr lang="en-US" sz="1800" dirty="0" err="1"/>
-              <a:t>reexecuting</a:t>
-            </a:r>
-            <a:endParaRPr lang="en-US" sz="1800" dirty="0"/>
-          </a:p>
-          <a:p>
-            <a:pPr marL="0" indent="0">
-              <a:buNone/>
-            </a:pPr>
-            <a:r>
-              <a:rPr lang="en-US" sz="1800" dirty="0"/>
-              <a:t>a command against an input layer </a:t>
-            </a:r>
-            <a:r>
-              <a:rPr lang="en-US" sz="1800" dirty="0" err="1"/>
-              <a:t>Docker</a:t>
-            </a:r>
-            <a:r>
-              <a:rPr lang="en-US" sz="1800" dirty="0"/>
-              <a:t> tries to skip executing the command and instead reuses</a:t>
-            </a:r>
-          </a:p>
-          <a:p>
-            <a:pPr marL="0" indent="0">
-              <a:buNone/>
-            </a:pPr>
-            <a:r>
-              <a:rPr lang="en-US" sz="1800" dirty="0"/>
-              <a:t>the already built output layer. As a result, building an image is usually extremely fast.</a:t>
-            </a:r>
-            <a:endParaRPr lang="it-IT" sz="1800" dirty="0"/>
+            <a:endParaRPr lang="it-IT" sz="2800" dirty="0"/>
           </a:p>
         </p:txBody>
       </p:sp>
     </p:spTree>
     <p:extLst>
       <p:ext uri="{BB962C8B-B14F-4D97-AF65-F5344CB8AC3E}">
-        <p14:creationId xmlns:p14="http://schemas.microsoft.com/office/powerpoint/2010/main" val="194358966"/>
+        <p14:creationId xmlns:p14="http://schemas.microsoft.com/office/powerpoint/2010/main" val="1828915050"/>
       </p:ext>
     </p:extLst>
   </p:cSld>
@@ -12318,12 +12830,12 @@
           <a:lstStyle/>
           <a:p>
             <a:r>
-              <a:rPr lang="it-IT" sz="2800" dirty="0" err="1" smtClean="0"/>
+              <a:rPr lang="it-IT" sz="2800" b="1" dirty="0" err="1" smtClean="0"/>
               <a:t>Docker</a:t>
             </a:r>
             <a:r>
-              <a:rPr lang="it-IT" sz="2800" dirty="0" smtClean="0"/>
-              <a:t> container</a:t>
+              <a:rPr lang="it-IT" sz="2800" b="1" dirty="0" smtClean="0"/>
+              <a:t> image</a:t>
             </a:r>
           </a:p>
           <a:p>
@@ -12332,10 +12844,6 @@
             </a:pPr>
             <a:r>
               <a:rPr lang="en-US" sz="1800" dirty="0" smtClean="0"/>
-              <a:t> </a:t>
-            </a:r>
-            <a:r>
-              <a:rPr lang="en-US" sz="1800" dirty="0"/>
               <a:t>A </a:t>
             </a:r>
             <a:r>
@@ -12344,15 +12852,7 @@
             </a:r>
             <a:r>
               <a:rPr lang="en-US" sz="1800" dirty="0"/>
-              <a:t> container is a running image consisting of one or more sandboxed processes. </a:t>
-            </a:r>
-            <a:r>
-              <a:rPr lang="en-US" sz="1800" dirty="0" err="1"/>
-              <a:t>Docker</a:t>
-            </a:r>
-            <a:r>
-              <a:rPr lang="en-US" sz="1800" dirty="0"/>
-              <a:t> isolates a</a:t>
+              <a:t> image is read-only file system image of an operating system and an application. It’s analogous to an</a:t>
             </a:r>
           </a:p>
           <a:p>
@@ -12361,7 +12861,15 @@
             </a:pPr>
             <a:r>
               <a:rPr lang="en-US" sz="1800" dirty="0"/>
-              <a:t>container’s processes using a variety of mechanisms including relatively mature OS-level virtualization</a:t>
+              <a:t>AWS EC2 AMI. An image is self-contained and will run on any </a:t>
+            </a:r>
+            <a:r>
+              <a:rPr lang="en-US" sz="1800" dirty="0" err="1"/>
+              <a:t>Docker</a:t>
+            </a:r>
+            <a:r>
+              <a:rPr lang="en-US" sz="1800" dirty="0"/>
+              <a:t> installation. You can create an image</a:t>
             </a:r>
           </a:p>
           <a:p>
@@ -12370,7 +12878,7 @@
             </a:pPr>
             <a:r>
               <a:rPr lang="en-US" sz="1800" dirty="0"/>
-              <a:t>mechanisms such as control groups and namespaces. Each process group has its own root file-system. Process</a:t>
+              <a:t>from scratch but normally an image is created by starting a container from existing base image, installing</a:t>
             </a:r>
           </a:p>
           <a:p>
@@ -12379,7 +12887,7 @@
             </a:pPr>
             <a:r>
               <a:rPr lang="en-US" sz="1800" dirty="0"/>
-              <a:t>groups can be assigned resource limits, e.g. CPU and memory limits. In the same way that a hypervisor divides</a:t>
+              <a:t>applications by executing the same kinds of commands you would use when configuring a regular machine,</a:t>
             </a:r>
           </a:p>
           <a:p>
@@ -12388,7 +12896,7 @@
             </a:pPr>
             <a:r>
               <a:rPr lang="en-US" sz="1800" dirty="0"/>
-              <a:t>up the hardware amongst virtual machines, this mechanism divides up the OS between process groups. Each</a:t>
+              <a:t>such as apt-get install –y and then saving the container as a new image. For example, to create an image</a:t>
             </a:r>
           </a:p>
           <a:p>
@@ -12396,12 +12904,8 @@
               <a:buNone/>
             </a:pPr>
             <a:r>
-              <a:rPr lang="en-US" sz="1800" dirty="0" err="1"/>
-              <a:t>Docker</a:t>
-            </a:r>
-            <a:r>
               <a:rPr lang="en-US" sz="1800" dirty="0"/>
-              <a:t> container is a process group.</a:t>
+              <a:t>containing a Spring Boot based application, you could start from a vanilla Ubuntu image, install the JDK and</a:t>
             </a:r>
           </a:p>
           <a:p>
@@ -12409,20 +12913,12 @@
               <a:buNone/>
             </a:pPr>
             <a:r>
-              <a:rPr lang="en-US" sz="1800" dirty="0" err="1"/>
-              <a:t>Docker</a:t>
+              <a:rPr lang="en-US" sz="1800" dirty="0" smtClean="0"/>
+              <a:t>then </a:t>
             </a:r>
             <a:r>
               <a:rPr lang="en-US" sz="1800" dirty="0"/>
-              <a:t> also isolates the networking portion of each container. When </a:t>
-            </a:r>
-            <a:r>
-              <a:rPr lang="en-US" sz="1800" dirty="0" err="1"/>
-              <a:t>Docker</a:t>
-            </a:r>
-            <a:r>
-              <a:rPr lang="en-US" sz="1800" dirty="0"/>
-              <a:t> is installed, it creates a virtual</a:t>
+              <a:t>install the executable JAR.</a:t>
             </a:r>
           </a:p>
           <a:p>
@@ -12431,7 +12927,15 @@
             </a:pPr>
             <a:r>
               <a:rPr lang="en-US" sz="1800" dirty="0"/>
-              <a:t>interface called docker0 on the host and sets up subnet. Each container is given it’s own virtual interface called</a:t>
+              <a:t>In many ways, building a </a:t>
+            </a:r>
+            <a:r>
+              <a:rPr lang="en-US" sz="1800" dirty="0" err="1"/>
+              <a:t>Docker</a:t>
+            </a:r>
+            <a:r>
+              <a:rPr lang="en-US" sz="1800" dirty="0"/>
+              <a:t> image is similar to building an AMI. However, while an AMI is a blob of bits,</a:t>
             </a:r>
           </a:p>
           <a:p>
@@ -12440,7 +12944,7 @@
             </a:pPr>
             <a:r>
               <a:rPr lang="en-US" sz="1800" dirty="0"/>
-              <a:t>eth0 (within the container’s namespace), which is assigned an available IP address from the </a:t>
+              <a:t>a </a:t>
             </a:r>
             <a:r>
               <a:rPr lang="en-US" sz="1800" dirty="0" err="1"/>
@@ -12448,7 +12952,7 @@
             </a:r>
             <a:r>
               <a:rPr lang="en-US" sz="1800" dirty="0"/>
-              <a:t> subnet.</a:t>
+              <a:t> image has a layered structure that dramatically reduces the amount of time needed to build and</a:t>
             </a:r>
           </a:p>
           <a:p>
@@ -12457,7 +12961,15 @@
             </a:pPr>
             <a:r>
               <a:rPr lang="en-US" sz="1800" dirty="0"/>
-              <a:t>This means, for example, that a Spring Boot application running in a container listens on port 8080 of the</a:t>
+              <a:t>deploy a </a:t>
+            </a:r>
+            <a:r>
+              <a:rPr lang="en-US" sz="1800" dirty="0" err="1"/>
+              <a:t>Docker</a:t>
+            </a:r>
+            <a:r>
+              <a:rPr lang="en-US" sz="1800" dirty="0"/>
+              <a:t> image. An image consists of a sequence of layers. When building an image, each command</a:t>
             </a:r>
           </a:p>
           <a:p>
@@ -12466,7 +12978,15 @@
             </a:pPr>
             <a:r>
               <a:rPr lang="en-US" sz="1800" dirty="0"/>
-              <a:t>virtual interface that’s specific to its container. Later on we will look how you can enable a service to be</a:t>
+              <a:t>that changes the file system (e.g. </a:t>
+            </a:r>
+            <a:r>
+              <a:rPr lang="en-US" sz="1800" i="1" dirty="0"/>
+              <a:t>apt-get install</a:t>
+            </a:r>
+            <a:r>
+              <a:rPr lang="en-US" sz="1800" dirty="0"/>
+              <a:t>) create a new layer that references it’s parent layer.</a:t>
             </a:r>
           </a:p>
           <a:p>
@@ -12475,7 +12995,7 @@
             </a:pPr>
             <a:r>
               <a:rPr lang="en-US" sz="1800" dirty="0"/>
-              <a:t>accessed from outside its container by setting up a port mapping that associates a host port with a container</a:t>
+              <a:t>This layered structure has two important benefits. First it enables of sharing of layers between images, which</a:t>
             </a:r>
           </a:p>
           <a:p>
@@ -12483,12 +13003,16 @@
               <a:buNone/>
             </a:pPr>
             <a:r>
-              <a:rPr lang="it-IT" sz="1800" dirty="0" err="1"/>
-              <a:t>port</a:t>
-            </a:r>
-            <a:r>
-              <a:rPr lang="it-IT" sz="1800" dirty="0"/>
-              <a:t>.</a:t>
+              <a:rPr lang="en-US" sz="1800" dirty="0"/>
+              <a:t>means that </a:t>
+            </a:r>
+            <a:r>
+              <a:rPr lang="en-US" sz="1800" dirty="0" err="1"/>
+              <a:t>Docker</a:t>
+            </a:r>
+            <a:r>
+              <a:rPr lang="en-US" sz="1800" dirty="0"/>
+              <a:t> does not need to move an entire image over the network. Only those layers that don’t exist</a:t>
             </a:r>
           </a:p>
           <a:p>
@@ -12497,15 +13021,7 @@
             </a:pPr>
             <a:r>
               <a:rPr lang="en-US" sz="1800" dirty="0"/>
-              <a:t>It’s important to remember that even though an image contains an entire OS a </a:t>
-            </a:r>
-            <a:r>
-              <a:rPr lang="en-US" sz="1800" dirty="0" err="1"/>
-              <a:t>Docker</a:t>
-            </a:r>
-            <a:r>
-              <a:rPr lang="en-US" sz="1800" dirty="0"/>
-              <a:t> container often only</a:t>
+              <a:t>on the destination machine need to be copied, which usually results in a dramatic speedup. Another important</a:t>
             </a:r>
           </a:p>
           <a:p>
@@ -12514,20 +13030,29 @@
             </a:pPr>
             <a:r>
               <a:rPr lang="en-US" sz="1800" dirty="0"/>
-              <a:t>consists of the application’s processes. You often don’t need to start any of the typical OS processes such as</a:t>
-            </a:r>
+              <a:t>benefit of the layered structure is that </a:t>
+            </a:r>
+            <a:r>
+              <a:rPr lang="en-US" sz="1800" dirty="0" err="1"/>
+              <a:t>Docker</a:t>
+            </a:r>
+            <a:r>
+              <a:rPr lang="en-US" sz="1800" dirty="0"/>
+              <a:t> aggressively caches layers when building an image. When </a:t>
+            </a:r>
+            <a:r>
+              <a:rPr lang="en-US" sz="1800" dirty="0" err="1"/>
+              <a:t>reexecuting</a:t>
+            </a:r>
+            <a:endParaRPr lang="en-US" sz="1800" dirty="0"/>
           </a:p>
           <a:p>
             <a:pPr marL="0" indent="0">
               <a:buNone/>
             </a:pPr>
             <a:r>
-              <a:rPr lang="en-US" sz="1800" dirty="0" err="1"/>
-              <a:t>initd</a:t>
-            </a:r>
-            <a:r>
               <a:rPr lang="en-US" sz="1800" dirty="0"/>
-              <a:t>. For example, a </a:t>
+              <a:t>a command against an input layer </a:t>
             </a:r>
             <a:r>
               <a:rPr lang="en-US" sz="1800" dirty="0" err="1"/>
@@ -12535,7 +13060,7 @@
             </a:r>
             <a:r>
               <a:rPr lang="en-US" sz="1800" dirty="0"/>
-              <a:t> container that runs a Spring Boot application might only start Java. As a result, a</a:t>
+              <a:t> tries to skip executing the command and instead reuses</a:t>
             </a:r>
           </a:p>
           <a:p>
@@ -12543,58 +13068,17 @@
               <a:buNone/>
             </a:pPr>
             <a:r>
-              <a:rPr lang="en-US" sz="1800" dirty="0" err="1"/>
-              <a:t>Docker</a:t>
-            </a:r>
-            <a:r>
               <a:rPr lang="en-US" sz="1800" dirty="0"/>
-              <a:t> container has a minimal runtime overhead and its startup time is the startup time of your application.</a:t>
-            </a:r>
-          </a:p>
-          <a:p>
-            <a:pPr marL="0" indent="0">
-              <a:buNone/>
-            </a:pPr>
-            <a:r>
-              <a:rPr lang="en-US" sz="1800" dirty="0"/>
-              <a:t>Now that we have looked at basic </a:t>
-            </a:r>
-            <a:r>
-              <a:rPr lang="en-US" sz="1800" dirty="0" err="1"/>
-              <a:t>Docker</a:t>
-            </a:r>
-            <a:r>
-              <a:rPr lang="en-US" sz="1800" dirty="0"/>
-              <a:t> concepts let’s look at using </a:t>
-            </a:r>
-            <a:r>
-              <a:rPr lang="en-US" sz="1800" dirty="0" err="1"/>
-              <a:t>Docker</a:t>
-            </a:r>
-            <a:r>
-              <a:rPr lang="en-US" sz="1800" dirty="0"/>
-              <a:t> to package Spring Boot</a:t>
-            </a:r>
-          </a:p>
-          <a:p>
-            <a:pPr marL="0" indent="0">
-              <a:buNone/>
-            </a:pPr>
-            <a:r>
-              <a:rPr lang="it-IT" sz="1800" dirty="0" err="1"/>
-              <a:t>applications</a:t>
-            </a:r>
-            <a:r>
-              <a:rPr lang="it-IT" sz="1800" dirty="0"/>
-              <a:t>.</a:t>
-            </a:r>
+              <a:t>the already built output layer. As a result, building an image is usually extremely fast.</a:t>
+            </a:r>
+            <a:endParaRPr lang="it-IT" sz="1800" dirty="0"/>
           </a:p>
         </p:txBody>
       </p:sp>
     </p:spTree>
     <p:extLst>
       <p:ext uri="{BB962C8B-B14F-4D97-AF65-F5344CB8AC3E}">
-        <p14:creationId xmlns:p14="http://schemas.microsoft.com/office/powerpoint/2010/main" val="2606718274"/>
+        <p14:creationId xmlns:p14="http://schemas.microsoft.com/office/powerpoint/2010/main" val="194358966"/>
       </p:ext>
     </p:extLst>
   </p:cSld>
@@ -12668,30 +13152,25 @@
           <a:lstStyle/>
           <a:p>
             <a:r>
-              <a:rPr lang="it-IT" sz="1800" b="1" dirty="0"/>
-              <a:t>Spring </a:t>
-            </a:r>
-            <a:r>
-              <a:rPr lang="it-IT" sz="1800" b="1" dirty="0" err="1"/>
-              <a:t>Boot</a:t>
-            </a:r>
-            <a:r>
-              <a:rPr lang="it-IT" sz="1800" b="1" dirty="0"/>
-              <a:t> and </a:t>
-            </a:r>
-            <a:r>
-              <a:rPr lang="it-IT" sz="1800" b="1" dirty="0" err="1"/>
+              <a:rPr lang="it-IT" sz="2800" b="1" dirty="0" err="1" smtClean="0"/>
               <a:t>Docker</a:t>
             </a:r>
-            <a:endParaRPr lang="it-IT" sz="1800" b="1" dirty="0"/>
+            <a:r>
+              <a:rPr lang="it-IT" sz="2800" b="1" dirty="0" smtClean="0"/>
+              <a:t> container</a:t>
+            </a:r>
           </a:p>
           <a:p>
             <a:pPr marL="0" indent="0">
               <a:buNone/>
             </a:pPr>
             <a:r>
+              <a:rPr lang="en-US" sz="1800" dirty="0" smtClean="0"/>
+              <a:t> </a:t>
+            </a:r>
+            <a:r>
               <a:rPr lang="en-US" sz="1800" dirty="0"/>
-              <a:t>Let’s now build a </a:t>
+              <a:t>A </a:t>
             </a:r>
             <a:r>
               <a:rPr lang="en-US" sz="1800" dirty="0" err="1"/>
@@ -12699,7 +13178,15 @@
             </a:r>
             <a:r>
               <a:rPr lang="en-US" sz="1800" dirty="0"/>
-              <a:t> image that runs the Spring Boot application. Because Spring Boot packages the</a:t>
+              <a:t> container is a running image consisting of one or more sandboxed processes. </a:t>
+            </a:r>
+            <a:r>
+              <a:rPr lang="en-US" sz="1800" dirty="0" err="1"/>
+              <a:t>Docker</a:t>
+            </a:r>
+            <a:r>
+              <a:rPr lang="en-US" sz="1800" dirty="0"/>
+              <a:t> isolates a</a:t>
             </a:r>
           </a:p>
           <a:p>
@@ -12708,7 +13195,7 @@
             </a:pPr>
             <a:r>
               <a:rPr lang="en-US" sz="1800" dirty="0"/>
-              <a:t>application as a self-contained executable JAR, we just need to build an image containing that JAR file and</a:t>
+              <a:t>container’s processes using a variety of mechanisms including relatively mature OS-level virtualization</a:t>
             </a:r>
           </a:p>
           <a:p>
@@ -12717,15 +13204,7 @@
             </a:pPr>
             <a:r>
               <a:rPr lang="en-US" sz="1800" dirty="0"/>
-              <a:t>Java. One option is to take a vanilla Ubuntu </a:t>
-            </a:r>
-            <a:r>
-              <a:rPr lang="en-US" sz="1800" dirty="0" err="1"/>
-              <a:t>Docker</a:t>
-            </a:r>
-            <a:r>
-              <a:rPr lang="en-US" sz="1800" dirty="0"/>
-              <a:t> image, install Java and install the JAR. Fortunately, we</a:t>
+              <a:t>mechanisms such as control groups and namespaces. Each process group has its own root file-system. Process</a:t>
             </a:r>
           </a:p>
           <a:p>
@@ -12734,15 +13213,7 @@
             </a:pPr>
             <a:r>
               <a:rPr lang="en-US" sz="1800" dirty="0"/>
-              <a:t>can skip the first step because it’s already been done. One of the great features of the </a:t>
-            </a:r>
-            <a:r>
-              <a:rPr lang="en-US" sz="1800" dirty="0" err="1"/>
-              <a:t>Docker</a:t>
-            </a:r>
-            <a:r>
-              <a:rPr lang="en-US" sz="1800" dirty="0"/>
-              <a:t> ecosystem is</a:t>
+              <a:t>groups can be assigned resource limits, e.g. CPU and memory limits. In the same way that a hypervisor divides</a:t>
             </a:r>
           </a:p>
           <a:p>
@@ -12751,15 +13222,7 @@
             </a:pPr>
             <a:r>
               <a:rPr lang="en-US" sz="1800" dirty="0"/>
-              <a:t>https://hub.docker.com, which is a website where the community shares </a:t>
-            </a:r>
-            <a:r>
-              <a:rPr lang="en-US" sz="1800" dirty="0" err="1"/>
-              <a:t>Docker</a:t>
-            </a:r>
-            <a:r>
-              <a:rPr lang="en-US" sz="1800" dirty="0"/>
-              <a:t> images. There are a huge</a:t>
+              <a:t>up the hardware amongst virtual machines, this mechanism divides up the OS between process groups. Each</a:t>
             </a:r>
           </a:p>
           <a:p>
@@ -12767,30 +13230,33 @@
               <a:buNone/>
             </a:pPr>
             <a:r>
+              <a:rPr lang="en-US" sz="1800" dirty="0" err="1"/>
+              <a:t>Docker</a:t>
+            </a:r>
+            <a:r>
               <a:rPr lang="en-US" sz="1800" dirty="0"/>
-              <a:t>number of images available including </a:t>
-            </a:r>
-            <a:r>
-              <a:rPr lang="en-US" sz="1800" dirty="0" err="1"/>
-              <a:t>dockerfile</a:t>
-            </a:r>
-            <a:r>
-              <a:rPr lang="en-US" sz="1800" dirty="0"/>
-              <a:t>/java, which provides Java images for Oracle and </a:t>
-            </a:r>
-            <a:r>
-              <a:rPr lang="en-US" sz="1800" dirty="0" err="1"/>
-              <a:t>OpenJDK</a:t>
-            </a:r>
-            <a:endParaRPr lang="en-US" sz="1800" dirty="0"/>
+              <a:t> container is a process group.</a:t>
+            </a:r>
           </a:p>
           <a:p>
             <a:pPr marL="0" indent="0">
               <a:buNone/>
             </a:pPr>
             <a:r>
+              <a:rPr lang="en-US" sz="1800" dirty="0" err="1"/>
+              <a:t>Docker</a:t>
+            </a:r>
+            <a:r>
               <a:rPr lang="en-US" sz="1800" dirty="0"/>
-              <a:t>versions 6, 7, and 8.</a:t>
+              <a:t> also isolates the networking portion of each container. When </a:t>
+            </a:r>
+            <a:r>
+              <a:rPr lang="en-US" sz="1800" dirty="0" err="1"/>
+              <a:t>Docker</a:t>
+            </a:r>
+            <a:r>
+              <a:rPr lang="en-US" sz="1800" dirty="0"/>
+              <a:t> is installed, it creates a virtual</a:t>
             </a:r>
           </a:p>
           <a:p>
@@ -12799,15 +13265,7 @@
             </a:pPr>
             <a:r>
               <a:rPr lang="en-US" sz="1800" dirty="0"/>
-              <a:t>19/7/2016 Deploying Spring Boot-based microservices with </a:t>
-            </a:r>
-            <a:r>
-              <a:rPr lang="en-US" sz="1800" dirty="0" err="1"/>
-              <a:t>Docker</a:t>
-            </a:r>
-            <a:r>
-              <a:rPr lang="en-US" sz="1800" dirty="0"/>
-              <a:t> – part 3 | plain old objects</a:t>
+              <a:t>interface called docker0 on the host and sets up subnet. Each container is given it’s own virtual interface called</a:t>
             </a:r>
           </a:p>
           <a:p>
@@ -12815,8 +13273,16 @@
               <a:buNone/>
             </a:pPr>
             <a:r>
-              <a:rPr lang="it-IT" sz="1800" dirty="0"/>
-              <a:t>https://webcache.googleusercontent.com/search?q=cache:KnDIpt3s9lsJ:https://plainoldobjects.com/2014/11/16/deploying-spring-boot-based-microservices… 4/7</a:t>
+              <a:rPr lang="en-US" sz="1800" dirty="0"/>
+              <a:t>eth0 (within the container’s namespace), which is assigned an available IP address from the </a:t>
+            </a:r>
+            <a:r>
+              <a:rPr lang="en-US" sz="1800" dirty="0" err="1"/>
+              <a:t>Docker</a:t>
+            </a:r>
+            <a:r>
+              <a:rPr lang="en-US" sz="1800" dirty="0"/>
+              <a:t> subnet.</a:t>
             </a:r>
           </a:p>
           <a:p>
@@ -12825,7 +13291,7 @@
             </a:pPr>
             <a:r>
               <a:rPr lang="en-US" sz="1800" dirty="0"/>
-              <a:t>Once we have identified a suitable base image the next step is to build a new image that runs the Spring Boot</a:t>
+              <a:t>This means, for example, that a Spring Boot application running in a container listens on port 8080 of the</a:t>
             </a:r>
           </a:p>
           <a:p>
@@ -12834,7 +13300,7 @@
             </a:pPr>
             <a:r>
               <a:rPr lang="en-US" sz="1800" dirty="0"/>
-              <a:t>application. You could build an image manually by launching the base image and entering shell commands in</a:t>
+              <a:t>virtual interface that’s specific to its container. Later on we will look how you can enable a service to be</a:t>
             </a:r>
           </a:p>
           <a:p>
@@ -12843,7 +13309,7 @@
             </a:pPr>
             <a:r>
               <a:rPr lang="en-US" sz="1800" dirty="0"/>
-              <a:t>pretty much the same way that you would configure a regular OS. However, it’s much better to automate</a:t>
+              <a:t>accessed from outside its container by setting up a port mapping that associates a host port with a container</a:t>
             </a:r>
           </a:p>
           <a:p>
@@ -12851,16 +13317,12 @@
               <a:buNone/>
             </a:pPr>
             <a:r>
-              <a:rPr lang="en-US" sz="1800" dirty="0"/>
-              <a:t>image creation. To do that we need to create a </a:t>
-            </a:r>
-            <a:r>
-              <a:rPr lang="en-US" sz="1800" dirty="0" err="1"/>
-              <a:t>Dockerfile</a:t>
-            </a:r>
-            <a:r>
-              <a:rPr lang="en-US" sz="1800" dirty="0"/>
-              <a:t>, which is a text file containing series of commands</a:t>
+              <a:rPr lang="it-IT" sz="1800" dirty="0" err="1"/>
+              <a:t>port</a:t>
+            </a:r>
+            <a:r>
+              <a:rPr lang="it-IT" sz="1800" dirty="0"/>
+              <a:t>.</a:t>
             </a:r>
           </a:p>
           <a:p>
@@ -12869,7 +13331,7 @@
             </a:pPr>
             <a:r>
               <a:rPr lang="en-US" sz="1800" dirty="0"/>
-              <a:t>that tell </a:t>
+              <a:t>It’s important to remember that even though an image contains an entire OS a </a:t>
             </a:r>
             <a:r>
               <a:rPr lang="en-US" sz="1800" dirty="0" err="1"/>
@@ -12877,15 +13339,7 @@
             </a:r>
             <a:r>
               <a:rPr lang="en-US" sz="1800" dirty="0"/>
-              <a:t> how to build an image. Once we have written a </a:t>
-            </a:r>
-            <a:r>
-              <a:rPr lang="en-US" sz="1800" dirty="0" err="1"/>
-              <a:t>Dockerfile</a:t>
-            </a:r>
-            <a:r>
-              <a:rPr lang="en-US" sz="1800" dirty="0"/>
-              <a:t>, we can then repeatedly build an</a:t>
+              <a:t> container often only</a:t>
             </a:r>
           </a:p>
           <a:p>
@@ -12894,28 +13348,87 @@
             </a:pPr>
             <a:r>
               <a:rPr lang="en-US" sz="1800" dirty="0"/>
-              <a:t>image by running </a:t>
-            </a:r>
-            <a:r>
-              <a:rPr lang="en-US" sz="1800" i="1" dirty="0" err="1"/>
-              <a:t>docker</a:t>
-            </a:r>
-            <a:r>
-              <a:rPr lang="en-US" sz="1800" i="1" dirty="0"/>
-              <a:t> build</a:t>
+              <a:t>consists of the application’s processes. You often don’t need to start any of the typical OS processes such as</a:t>
+            </a:r>
+          </a:p>
+          <a:p>
+            <a:pPr marL="0" indent="0">
+              <a:buNone/>
+            </a:pPr>
+            <a:r>
+              <a:rPr lang="en-US" sz="1800" dirty="0" err="1"/>
+              <a:t>initd</a:t>
             </a:r>
             <a:r>
               <a:rPr lang="en-US" sz="1800" dirty="0"/>
+              <a:t>. For example, a </a:t>
+            </a:r>
+            <a:r>
+              <a:rPr lang="en-US" sz="1800" dirty="0" err="1"/>
+              <a:t>Docker</a:t>
+            </a:r>
+            <a:r>
+              <a:rPr lang="en-US" sz="1800" dirty="0"/>
+              <a:t> container that runs a Spring Boot application might only start Java. As a result, a</a:t>
+            </a:r>
+          </a:p>
+          <a:p>
+            <a:pPr marL="0" indent="0">
+              <a:buNone/>
+            </a:pPr>
+            <a:r>
+              <a:rPr lang="en-US" sz="1800" dirty="0" err="1"/>
+              <a:t>Docker</a:t>
+            </a:r>
+            <a:r>
+              <a:rPr lang="en-US" sz="1800" dirty="0"/>
+              <a:t> container has a minimal runtime overhead and its startup time is the startup time of your application.</a:t>
+            </a:r>
+          </a:p>
+          <a:p>
+            <a:pPr marL="0" indent="0">
+              <a:buNone/>
+            </a:pPr>
+            <a:r>
+              <a:rPr lang="en-US" sz="1800" dirty="0"/>
+              <a:t>Now that we have looked at basic </a:t>
+            </a:r>
+            <a:r>
+              <a:rPr lang="en-US" sz="1800" dirty="0" err="1"/>
+              <a:t>Docker</a:t>
+            </a:r>
+            <a:r>
+              <a:rPr lang="en-US" sz="1800" dirty="0"/>
+              <a:t> concepts let’s look at using </a:t>
+            </a:r>
+            <a:r>
+              <a:rPr lang="en-US" sz="1800" dirty="0" err="1"/>
+              <a:t>Docker</a:t>
+            </a:r>
+            <a:r>
+              <a:rPr lang="en-US" sz="1800" dirty="0"/>
+              <a:t> to package Spring Boot</a:t>
+            </a:r>
+          </a:p>
+          <a:p>
+            <a:pPr marL="0" indent="0">
+              <a:buNone/>
+            </a:pPr>
+            <a:r>
+              <a:rPr lang="it-IT" sz="1800" dirty="0" err="1"/>
+              <a:t>applications</a:t>
+            </a:r>
+            <a:r>
+              <a:rPr lang="it-IT" sz="1800" dirty="0"/>
               <a:t>.</a:t>
             </a:r>
-            <a:endParaRPr lang="it-IT" sz="1800" dirty="0"/>
           </a:p>
         </p:txBody>
       </p:sp>
     </p:spTree>
     <p:extLst>
       <p:ext uri="{BB962C8B-B14F-4D97-AF65-F5344CB8AC3E}">
-        <p14:creationId xmlns:p14="http://schemas.microsoft.com/office/powerpoint/2010/main" val="2018202416"/>
+        <p14:creationId xmlns:p14="http://schemas.microsoft.com/office/powerpoint/2010/main" val="2606718274"/>
       </p:ext>
     </p:extLst>
   </p:cSld>
@@ -12983,7 +13496,12 @@
             <p:ph idx="1"/>
           </p:nvPr>
         </p:nvSpPr>
-        <p:spPr/>
+        <p:spPr>
+          <a:xfrm>
+            <a:off x="617539" y="1676400"/>
+            <a:ext cx="14238758" cy="10438184"/>
+          </a:xfrm>
+        </p:spPr>
         <p:txBody>
           <a:bodyPr/>
           <a:lstStyle/>
@@ -12992,29 +13510,45 @@
               <a:rPr lang="it-IT" dirty="0" err="1" smtClean="0"/>
               <a:t>Docker</a:t>
             </a:r>
+            <a:r>
+              <a:rPr lang="it-IT" dirty="0" smtClean="0"/>
+              <a:t> </a:t>
+            </a:r>
+            <a:r>
+              <a:rPr lang="it-IT" dirty="0" err="1" smtClean="0"/>
+              <a:t>hub</a:t>
+            </a:r>
             <a:endParaRPr lang="it-IT" dirty="0" smtClean="0"/>
           </a:p>
           <a:p>
             <a:pPr lvl="1"/>
             <a:r>
+              <a:rPr lang="it-IT" dirty="0" smtClean="0"/>
+              <a:t> </a:t>
+            </a:r>
+            <a:r>
               <a:rPr lang="it-IT" dirty="0" err="1" smtClean="0"/>
-              <a:t>Description</a:t>
-            </a:r>
-            <a:endParaRPr lang="it-IT" dirty="0" smtClean="0"/>
-          </a:p>
-          <a:p>
-            <a:pPr lvl="1"/>
+              <a:t>at</a:t>
+            </a:r>
+            <a:r>
+              <a:rPr lang="it-IT" dirty="0" smtClean="0"/>
+              <a:t> the end of </a:t>
+            </a:r>
             <a:r>
               <a:rPr lang="it-IT" dirty="0" err="1" smtClean="0"/>
-              <a:t>Images</a:t>
-            </a:r>
-            <a:endParaRPr lang="it-IT" dirty="0" smtClean="0"/>
-          </a:p>
-          <a:p>
-            <a:pPr lvl="1"/>
+              <a:t>integration</a:t>
+            </a:r>
             <a:r>
               <a:rPr lang="it-IT" dirty="0" smtClean="0"/>
-              <a:t>Container</a:t>
+              <a:t> </a:t>
+            </a:r>
+            <a:r>
+              <a:rPr lang="it-IT" dirty="0" err="1" smtClean="0"/>
+              <a:t>phase</a:t>
+            </a:r>
+            <a:r>
+              <a:rPr lang="it-IT" dirty="0" smtClean="0"/>
+              <a:t>….</a:t>
             </a:r>
           </a:p>
           <a:p>
@@ -17343,6 +17877,456 @@
           </p:txBody>
         </p:sp>
       </p:grpSp>
+      <p:sp>
+        <p:nvSpPr>
+          <p:cNvPr id="7" name="Fumetto 2 6"/>
+          <p:cNvSpPr/>
+          <p:nvPr/>
+        </p:nvSpPr>
+        <p:spPr bwMode="auto">
+          <a:xfrm flipH="1">
+            <a:off x="4114847" y="5265350"/>
+            <a:ext cx="3048054" cy="1704468"/>
+          </a:xfrm>
+          <a:prstGeom prst="wedgeRoundRectCallout">
+            <a:avLst>
+              <a:gd name="adj1" fmla="val -101661"/>
+              <a:gd name="adj2" fmla="val -54593"/>
+              <a:gd name="adj3" fmla="val 16667"/>
+            </a:avLst>
+          </a:prstGeom>
+          <a:solidFill>
+            <a:srgbClr val="92D050"/>
+          </a:solidFill>
+          <a:ln w="25400" cap="flat" cmpd="sng" algn="ctr">
+            <a:solidFill>
+              <a:srgbClr val="000000"/>
+            </a:solidFill>
+            <a:prstDash val="solid"/>
+            <a:round/>
+            <a:headEnd type="none" w="med" len="med"/>
+            <a:tailEnd type="none" w="med" len="med"/>
+          </a:ln>
+          <a:effectLst/>
+          <a:extLst/>
+        </p:spPr>
+        <p:txBody>
+          <a:bodyPr vert="horz" wrap="square" lIns="91440" tIns="45720" rIns="91440" bIns="45720" numCol="1" rtlCol="0" anchor="t" anchorCtr="0" compatLnSpc="1">
+            <a:prstTxWarp prst="textNoShape">
+              <a:avLst/>
+            </a:prstTxWarp>
+          </a:bodyPr>
+          <a:lstStyle/>
+          <a:p>
+            <a:pPr marL="0" marR="0" indent="0" algn="ctr" defTabSz="914400" rtl="0" eaLnBrk="1" fontAlgn="base" latinLnBrk="0" hangingPunct="1">
+              <a:lnSpc>
+                <a:spcPct val="100000"/>
+              </a:lnSpc>
+              <a:spcBef>
+                <a:spcPct val="0"/>
+              </a:spcBef>
+              <a:spcAft>
+                <a:spcPct val="0"/>
+              </a:spcAft>
+              <a:buClrTx/>
+              <a:buSzTx/>
+              <a:buFontTx/>
+              <a:buNone/>
+              <a:tabLst/>
+            </a:pPr>
+            <a:r>
+              <a:rPr kumimoji="0" lang="it-IT" sz="3200" b="0" i="0" u="none" strike="noStrike" cap="none" normalizeH="0" baseline="0" dirty="0" smtClean="0">
+                <a:ln>
+                  <a:noFill/>
+                </a:ln>
+                <a:solidFill>
+                  <a:srgbClr val="000000"/>
+                </a:solidFill>
+                <a:effectLst/>
+                <a:latin typeface="Gill Sans" charset="0"/>
+                <a:ea typeface="ヒラギノ角ゴ ProN W3" charset="0"/>
+                <a:cs typeface="ヒラギノ角ゴ ProN W3" charset="0"/>
+                <a:sym typeface="Gill Sans" charset="0"/>
+              </a:rPr>
+              <a:t>Integration Test:: </a:t>
+            </a:r>
+            <a:r>
+              <a:rPr kumimoji="0" lang="it-IT" sz="3200" b="1" i="0" u="none" strike="noStrike" cap="none" normalizeH="0" baseline="0" dirty="0" smtClean="0">
+                <a:ln>
+                  <a:noFill/>
+                </a:ln>
+                <a:solidFill>
+                  <a:srgbClr val="000000"/>
+                </a:solidFill>
+                <a:effectLst/>
+                <a:latin typeface="Gill Sans" charset="0"/>
+                <a:ea typeface="ヒラギノ角ゴ ProN W3" charset="0"/>
+                <a:cs typeface="ヒラギノ角ゴ ProN W3" charset="0"/>
+                <a:sym typeface="Gill Sans" charset="0"/>
+              </a:rPr>
+              <a:t>COMPLETED</a:t>
+            </a:r>
+            <a:endParaRPr kumimoji="0" lang="it-IT" sz="3200" b="1" i="0" u="none" strike="noStrike" cap="none" normalizeH="0" baseline="0" dirty="0">
+              <a:ln>
+                <a:noFill/>
+              </a:ln>
+              <a:solidFill>
+                <a:srgbClr val="000000"/>
+              </a:solidFill>
+              <a:effectLst/>
+              <a:latin typeface="Gill Sans" charset="0"/>
+              <a:ea typeface="ヒラギノ角ゴ ProN W3" charset="0"/>
+              <a:cs typeface="ヒラギノ角ゴ ProN W3" charset="0"/>
+              <a:sym typeface="Gill Sans" charset="0"/>
+            </a:endParaRPr>
+          </a:p>
+        </p:txBody>
+      </p:sp>
+      <p:sp>
+        <p:nvSpPr>
+          <p:cNvPr id="67" name="Fumetto 2 66"/>
+          <p:cNvSpPr/>
+          <p:nvPr/>
+        </p:nvSpPr>
+        <p:spPr bwMode="auto">
+          <a:xfrm flipH="1">
+            <a:off x="19032760" y="7062207"/>
+            <a:ext cx="3048054" cy="1704468"/>
+          </a:xfrm>
+          <a:prstGeom prst="wedgeRoundRectCallout">
+            <a:avLst>
+              <a:gd name="adj1" fmla="val 81148"/>
+              <a:gd name="adj2" fmla="val 180113"/>
+              <a:gd name="adj3" fmla="val 16667"/>
+            </a:avLst>
+          </a:prstGeom>
+          <a:solidFill>
+            <a:srgbClr val="92D050"/>
+          </a:solidFill>
+          <a:ln w="25400" cap="flat" cmpd="sng" algn="ctr">
+            <a:solidFill>
+              <a:srgbClr val="000000"/>
+            </a:solidFill>
+            <a:prstDash val="solid"/>
+            <a:round/>
+            <a:headEnd type="none" w="med" len="med"/>
+            <a:tailEnd type="none" w="med" len="med"/>
+          </a:ln>
+          <a:effectLst/>
+          <a:extLst/>
+        </p:spPr>
+        <p:txBody>
+          <a:bodyPr vert="horz" wrap="square" lIns="91440" tIns="45720" rIns="91440" bIns="45720" numCol="1" rtlCol="0" anchor="t" anchorCtr="0" compatLnSpc="1">
+            <a:prstTxWarp prst="textNoShape">
+              <a:avLst/>
+            </a:prstTxWarp>
+          </a:bodyPr>
+          <a:lstStyle/>
+          <a:p>
+            <a:pPr marL="0" marR="0" indent="0" algn="ctr" defTabSz="914400" rtl="0" eaLnBrk="1" fontAlgn="base" latinLnBrk="0" hangingPunct="1">
+              <a:lnSpc>
+                <a:spcPct val="100000"/>
+              </a:lnSpc>
+              <a:spcBef>
+                <a:spcPct val="0"/>
+              </a:spcBef>
+              <a:spcAft>
+                <a:spcPct val="0"/>
+              </a:spcAft>
+              <a:buClrTx/>
+              <a:buSzTx/>
+              <a:buFontTx/>
+              <a:buNone/>
+              <a:tabLst/>
+            </a:pPr>
+            <a:r>
+              <a:rPr kumimoji="0" lang="it-IT" sz="3200" b="0" i="0" u="none" strike="noStrike" cap="none" normalizeH="0" baseline="0" dirty="0" err="1" smtClean="0">
+                <a:ln>
+                  <a:noFill/>
+                </a:ln>
+                <a:solidFill>
+                  <a:srgbClr val="000000"/>
+                </a:solidFill>
+                <a:effectLst/>
+                <a:latin typeface="Gill Sans" charset="0"/>
+                <a:ea typeface="ヒラギノ角ゴ ProN W3" charset="0"/>
+                <a:cs typeface="ヒラギノ角ゴ ProN W3" charset="0"/>
+                <a:sym typeface="Gill Sans" charset="0"/>
+              </a:rPr>
+              <a:t>Docker</a:t>
+            </a:r>
+            <a:r>
+              <a:rPr kumimoji="0" lang="it-IT" sz="3200" b="0" i="0" u="none" strike="noStrike" cap="none" normalizeH="0" baseline="0" dirty="0" smtClean="0">
+                <a:ln>
+                  <a:noFill/>
+                </a:ln>
+                <a:solidFill>
+                  <a:srgbClr val="000000"/>
+                </a:solidFill>
+                <a:effectLst/>
+                <a:latin typeface="Gill Sans" charset="0"/>
+                <a:ea typeface="ヒラギノ角ゴ ProN W3" charset="0"/>
+                <a:cs typeface="ヒラギノ角ゴ ProN W3" charset="0"/>
+                <a:sym typeface="Gill Sans" charset="0"/>
+              </a:rPr>
+              <a:t> Image:: </a:t>
+            </a:r>
+            <a:r>
+              <a:rPr kumimoji="0" lang="it-IT" sz="3200" b="1" i="0" u="none" strike="noStrike" cap="none" normalizeH="0" baseline="0" dirty="0" smtClean="0">
+                <a:ln>
+                  <a:noFill/>
+                </a:ln>
+                <a:solidFill>
+                  <a:srgbClr val="000000"/>
+                </a:solidFill>
+                <a:effectLst/>
+                <a:latin typeface="Gill Sans" charset="0"/>
+                <a:ea typeface="ヒラギノ角ゴ ProN W3" charset="0"/>
+                <a:cs typeface="ヒラギノ角ゴ ProN W3" charset="0"/>
+                <a:sym typeface="Gill Sans" charset="0"/>
+              </a:rPr>
+              <a:t>AVAILABLE</a:t>
+            </a:r>
+            <a:endParaRPr kumimoji="0" lang="it-IT" sz="3200" b="1" i="0" u="none" strike="noStrike" cap="none" normalizeH="0" baseline="0" dirty="0">
+              <a:ln>
+                <a:noFill/>
+              </a:ln>
+              <a:solidFill>
+                <a:srgbClr val="000000"/>
+              </a:solidFill>
+              <a:effectLst/>
+              <a:latin typeface="Gill Sans" charset="0"/>
+              <a:ea typeface="ヒラギノ角ゴ ProN W3" charset="0"/>
+              <a:cs typeface="ヒラギノ角ゴ ProN W3" charset="0"/>
+              <a:sym typeface="Gill Sans" charset="0"/>
+            </a:endParaRPr>
+          </a:p>
+        </p:txBody>
+      </p:sp>
+      <p:sp>
+        <p:nvSpPr>
+          <p:cNvPr id="69" name="Fumetto 2 68"/>
+          <p:cNvSpPr/>
+          <p:nvPr/>
+        </p:nvSpPr>
+        <p:spPr bwMode="auto">
+          <a:xfrm flipH="1">
+            <a:off x="28378" y="3867630"/>
+            <a:ext cx="3048054" cy="1353214"/>
+          </a:xfrm>
+          <a:prstGeom prst="wedgeRoundRectCallout">
+            <a:avLst>
+              <a:gd name="adj1" fmla="val -37912"/>
+              <a:gd name="adj2" fmla="val -154889"/>
+              <a:gd name="adj3" fmla="val 16667"/>
+            </a:avLst>
+          </a:prstGeom>
+          <a:solidFill>
+            <a:srgbClr val="92D050"/>
+          </a:solidFill>
+          <a:ln w="25400" cap="flat" cmpd="sng" algn="ctr">
+            <a:solidFill>
+              <a:srgbClr val="000000"/>
+            </a:solidFill>
+            <a:prstDash val="solid"/>
+            <a:round/>
+            <a:headEnd type="none" w="med" len="med"/>
+            <a:tailEnd type="none" w="med" len="med"/>
+          </a:ln>
+          <a:effectLst/>
+          <a:extLst/>
+        </p:spPr>
+        <p:txBody>
+          <a:bodyPr vert="horz" wrap="square" lIns="91440" tIns="45720" rIns="91440" bIns="45720" numCol="1" rtlCol="0" anchor="t" anchorCtr="0" compatLnSpc="1">
+            <a:prstTxWarp prst="textNoShape">
+              <a:avLst/>
+            </a:prstTxWarp>
+          </a:bodyPr>
+          <a:lstStyle/>
+          <a:p>
+            <a:pPr marL="0" marR="0" indent="0" algn="ctr" defTabSz="914400" rtl="0" eaLnBrk="1" fontAlgn="base" latinLnBrk="0" hangingPunct="1">
+              <a:lnSpc>
+                <a:spcPct val="100000"/>
+              </a:lnSpc>
+              <a:spcBef>
+                <a:spcPct val="0"/>
+              </a:spcBef>
+              <a:spcAft>
+                <a:spcPct val="0"/>
+              </a:spcAft>
+              <a:buClrTx/>
+              <a:buSzTx/>
+              <a:buFontTx/>
+              <a:buNone/>
+              <a:tabLst/>
+            </a:pPr>
+            <a:r>
+              <a:rPr lang="it-IT" sz="3200" dirty="0" smtClean="0">
+                <a:ea typeface="ヒラギノ角ゴ ProN W3" charset="0"/>
+                <a:cs typeface="ヒラギノ角ゴ ProN W3" charset="0"/>
+              </a:rPr>
+              <a:t>Unit</a:t>
+            </a:r>
+            <a:r>
+              <a:rPr kumimoji="0" lang="it-IT" sz="3200" b="0" i="0" u="none" strike="noStrike" cap="none" normalizeH="0" baseline="0" dirty="0" smtClean="0">
+                <a:ln>
+                  <a:noFill/>
+                </a:ln>
+                <a:solidFill>
+                  <a:srgbClr val="000000"/>
+                </a:solidFill>
+                <a:effectLst/>
+                <a:latin typeface="Gill Sans" charset="0"/>
+                <a:ea typeface="ヒラギノ角ゴ ProN W3" charset="0"/>
+                <a:cs typeface="ヒラギノ角ゴ ProN W3" charset="0"/>
+                <a:sym typeface="Gill Sans" charset="0"/>
+              </a:rPr>
+              <a:t> Test:: </a:t>
+            </a:r>
+            <a:r>
+              <a:rPr kumimoji="0" lang="it-IT" sz="3200" b="1" i="0" u="none" strike="noStrike" cap="none" normalizeH="0" baseline="0" dirty="0" smtClean="0">
+                <a:ln>
+                  <a:noFill/>
+                </a:ln>
+                <a:solidFill>
+                  <a:srgbClr val="000000"/>
+                </a:solidFill>
+                <a:effectLst/>
+                <a:latin typeface="Gill Sans" charset="0"/>
+                <a:ea typeface="ヒラギノ角ゴ ProN W3" charset="0"/>
+                <a:cs typeface="ヒラギノ角ゴ ProN W3" charset="0"/>
+                <a:sym typeface="Gill Sans" charset="0"/>
+              </a:rPr>
+              <a:t>COMPLETED</a:t>
+            </a:r>
+            <a:endParaRPr kumimoji="0" lang="it-IT" sz="3200" b="1" i="0" u="none" strike="noStrike" cap="none" normalizeH="0" baseline="0" dirty="0">
+              <a:ln>
+                <a:noFill/>
+              </a:ln>
+              <a:solidFill>
+                <a:srgbClr val="000000"/>
+              </a:solidFill>
+              <a:effectLst/>
+              <a:latin typeface="Gill Sans" charset="0"/>
+              <a:ea typeface="ヒラギノ角ゴ ProN W3" charset="0"/>
+              <a:cs typeface="ヒラギノ角ゴ ProN W3" charset="0"/>
+              <a:sym typeface="Gill Sans" charset="0"/>
+            </a:endParaRPr>
+          </a:p>
+        </p:txBody>
+      </p:sp>
+      <p:sp>
+        <p:nvSpPr>
+          <p:cNvPr id="70" name="Fumetto 2 69"/>
+          <p:cNvSpPr/>
+          <p:nvPr/>
+        </p:nvSpPr>
+        <p:spPr bwMode="auto">
+          <a:xfrm flipH="1">
+            <a:off x="454696" y="6777709"/>
+            <a:ext cx="3048054" cy="1353214"/>
+          </a:xfrm>
+          <a:prstGeom prst="wedgeRoundRectCallout">
+            <a:avLst>
+              <a:gd name="adj1" fmla="val -117598"/>
+              <a:gd name="adj2" fmla="val -313262"/>
+              <a:gd name="adj3" fmla="val 16667"/>
+            </a:avLst>
+          </a:prstGeom>
+          <a:solidFill>
+            <a:srgbClr val="92D050"/>
+          </a:solidFill>
+          <a:ln w="25400" cap="flat" cmpd="sng" algn="ctr">
+            <a:solidFill>
+              <a:srgbClr val="000000"/>
+            </a:solidFill>
+            <a:prstDash val="solid"/>
+            <a:round/>
+            <a:headEnd type="none" w="med" len="med"/>
+            <a:tailEnd type="none" w="med" len="med"/>
+          </a:ln>
+          <a:effectLst/>
+          <a:extLst/>
+        </p:spPr>
+        <p:txBody>
+          <a:bodyPr vert="horz" wrap="square" lIns="91440" tIns="45720" rIns="91440" bIns="45720" numCol="1" rtlCol="0" anchor="t" anchorCtr="0" compatLnSpc="1">
+            <a:prstTxWarp prst="textNoShape">
+              <a:avLst/>
+            </a:prstTxWarp>
+          </a:bodyPr>
+          <a:lstStyle/>
+          <a:p>
+            <a:pPr marL="0" marR="0" indent="0" algn="ctr" defTabSz="914400" rtl="0" eaLnBrk="1" fontAlgn="base" latinLnBrk="0" hangingPunct="1">
+              <a:lnSpc>
+                <a:spcPct val="100000"/>
+              </a:lnSpc>
+              <a:spcBef>
+                <a:spcPct val="0"/>
+              </a:spcBef>
+              <a:spcAft>
+                <a:spcPct val="0"/>
+              </a:spcAft>
+              <a:buClrTx/>
+              <a:buSzTx/>
+              <a:buFontTx/>
+              <a:buNone/>
+              <a:tabLst/>
+            </a:pPr>
+            <a:r>
+              <a:rPr lang="it-IT" sz="3200" dirty="0" smtClean="0">
+                <a:ea typeface="ヒラギノ角ゴ ProN W3" charset="0"/>
+                <a:cs typeface="ヒラギノ角ゴ ProN W3" charset="0"/>
+              </a:rPr>
+              <a:t>Unit</a:t>
+            </a:r>
+            <a:r>
+              <a:rPr kumimoji="0" lang="it-IT" sz="3200" b="0" i="0" u="none" strike="noStrike" cap="none" normalizeH="0" baseline="0" dirty="0" smtClean="0">
+                <a:ln>
+                  <a:noFill/>
+                </a:ln>
+                <a:solidFill>
+                  <a:srgbClr val="000000"/>
+                </a:solidFill>
+                <a:effectLst/>
+                <a:latin typeface="Gill Sans" charset="0"/>
+                <a:ea typeface="ヒラギノ角ゴ ProN W3" charset="0"/>
+                <a:cs typeface="ヒラギノ角ゴ ProN W3" charset="0"/>
+                <a:sym typeface="Gill Sans" charset="0"/>
+              </a:rPr>
+              <a:t> Test:: </a:t>
+            </a:r>
+            <a:r>
+              <a:rPr kumimoji="0" lang="it-IT" sz="3200" b="1" i="0" u="none" strike="noStrike" cap="none" normalizeH="0" baseline="0" dirty="0" smtClean="0">
+                <a:ln>
+                  <a:noFill/>
+                </a:ln>
+                <a:solidFill>
+                  <a:srgbClr val="000000"/>
+                </a:solidFill>
+                <a:effectLst/>
+                <a:latin typeface="Gill Sans" charset="0"/>
+                <a:ea typeface="ヒラギノ角ゴ ProN W3" charset="0"/>
+                <a:cs typeface="ヒラギノ角ゴ ProN W3" charset="0"/>
+                <a:sym typeface="Gill Sans" charset="0"/>
+              </a:rPr>
+              <a:t>COMPLETED</a:t>
+            </a:r>
+            <a:endParaRPr kumimoji="0" lang="it-IT" sz="3200" b="1" i="0" u="none" strike="noStrike" cap="none" normalizeH="0" baseline="0" dirty="0">
+              <a:ln>
+                <a:noFill/>
+              </a:ln>
+              <a:solidFill>
+                <a:srgbClr val="000000"/>
+              </a:solidFill>
+              <a:effectLst/>
+              <a:latin typeface="Gill Sans" charset="0"/>
+              <a:ea typeface="ヒラギノ角ゴ ProN W3" charset="0"/>
+              <a:cs typeface="ヒラギノ角ゴ ProN W3" charset="0"/>
+              <a:sym typeface="Gill Sans" charset="0"/>
+            </a:endParaRPr>
+          </a:p>
+        </p:txBody>
+      </p:sp>
     </p:spTree>
   </p:cSld>
   <p:clrMapOvr>
@@ -17370,7 +18354,7 @@
                             </p:stCondLst>
                             <p:childTnLst>
                               <p:par>
-                                <p:cTn id="5" presetID="2" presetClass="entr" presetSubtype="4" fill="hold" grpId="0" nodeType="clickEffect">
+                                <p:cTn id="5" presetID="1" presetClass="entr" presetSubtype="0" fill="hold" grpId="0" nodeType="clickEffect">
                                   <p:stCondLst>
                                     <p:cond delay="0"/>
                                   </p:stCondLst>
@@ -17393,52 +18377,6 @@
                                         <p:strVal val="visible"/>
                                       </p:to>
                                     </p:set>
-                                    <p:anim calcmode="lin" valueType="num">
-                                      <p:cBhvr additive="base">
-                                        <p:cTn id="7" dur="500" fill="hold"/>
-                                        <p:tgtEl>
-                                          <p:spTgt spid="11267"/>
-                                        </p:tgtEl>
-                                        <p:attrNameLst>
-                                          <p:attrName>ppt_x</p:attrName>
-                                        </p:attrNameLst>
-                                      </p:cBhvr>
-                                      <p:tavLst>
-                                        <p:tav tm="0">
-                                          <p:val>
-                                            <p:strVal val="#ppt_x"/>
-                                          </p:val>
-                                        </p:tav>
-                                        <p:tav tm="100000">
-                                          <p:val>
-                                            <p:strVal val="#ppt_x"/>
-                                          </p:val>
-                                        </p:tav>
-                                      </p:tavLst>
-                                    </p:anim>
-                                    <p:anim calcmode="lin" valueType="num">
-                                      <p:cBhvr additive="base">
-                                        <p:cTn id="8" dur="500" fill="hold"/>
-                                        <p:tgtEl>
-                                          <p:spTgt spid="11267"/>
-                                        </p:tgtEl>
-                                        <p:attrNameLst>
-                                          <p:attrName>ppt_y</p:attrName>
-                                        </p:attrNameLst>
-                                      </p:cBhvr>
-                                      <p:tavLst>
-                                        <p:tav tm="0">
-                                          <p:val>
-                                            <p:strVal val="1+#ppt_h/2"/>
-                                          </p:val>
-                                        </p:tav>
-                                        <p:tav tm="100000">
-                                          <p:val>
-                                            <p:strVal val="#ppt_y"/>
-                                          </p:val>
-                                        </p:tav>
-                                      </p:tavLst>
-                                    </p:anim>
                                   </p:childTnLst>
                                 </p:cTn>
                               </p:par>
@@ -17449,26 +18387,71 @@
                     </p:cTn>
                   </p:par>
                   <p:par>
-                    <p:cTn id="9" fill="hold">
+                    <p:cTn id="7" fill="hold">
                       <p:stCondLst>
                         <p:cond delay="indefinite"/>
                       </p:stCondLst>
                       <p:childTnLst>
                         <p:par>
-                          <p:cTn id="10" fill="hold">
+                          <p:cTn id="8" fill="hold">
                             <p:stCondLst>
                               <p:cond delay="0"/>
                             </p:stCondLst>
                             <p:childTnLst>
                               <p:par>
-                                <p:cTn id="11" presetID="1" presetClass="entr" presetSubtype="0" fill="hold" nodeType="clickEffect">
+                                <p:cTn id="9" presetID="1" presetClass="entr" presetSubtype="0" fill="hold" grpId="0" nodeType="clickEffect">
                                   <p:stCondLst>
                                     <p:cond delay="0"/>
                                   </p:stCondLst>
                                   <p:childTnLst>
                                     <p:set>
                                       <p:cBhvr>
-                                        <p:cTn id="12" dur="1" fill="hold">
+                                        <p:cTn id="10" dur="1" fill="hold">
+                                          <p:stCondLst>
+                                            <p:cond delay="0"/>
+                                          </p:stCondLst>
+                                        </p:cTn>
+                                        <p:tgtEl>
+                                          <p:spTgt spid="69"/>
+                                        </p:tgtEl>
+                                        <p:attrNameLst>
+                                          <p:attrName>style.visibility</p:attrName>
+                                        </p:attrNameLst>
+                                      </p:cBhvr>
+                                      <p:to>
+                                        <p:strVal val="visible"/>
+                                      </p:to>
+                                    </p:set>
+                                  </p:childTnLst>
+                                </p:cTn>
+                              </p:par>
+                            </p:childTnLst>
+                          </p:cTn>
+                        </p:par>
+                      </p:childTnLst>
+                    </p:cTn>
+                  </p:par>
+                  <p:par>
+                    <p:cTn id="11" fill="hold">
+                      <p:stCondLst>
+                        <p:cond delay="indefinite"/>
+                      </p:stCondLst>
+                      <p:childTnLst>
+                        <p:par>
+                          <p:cTn id="12" fill="hold">
+                            <p:stCondLst>
+                              <p:cond delay="0"/>
+                            </p:stCondLst>
+                            <p:childTnLst>
+                              <p:par>
+                                <p:cTn id="13" presetID="1" presetClass="entr" presetSubtype="0" fill="hold" nodeType="clickEffect">
+                                  <p:stCondLst>
+                                    <p:cond delay="0"/>
+                                  </p:stCondLst>
+                                  <p:childTnLst>
+                                    <p:set>
+                                      <p:cBhvr>
+                                        <p:cTn id="14" dur="1" fill="hold">
                                           <p:stCondLst>
                                             <p:cond delay="0"/>
                                           </p:stCondLst>
@@ -17494,26 +18477,26 @@
                     </p:cTn>
                   </p:par>
                   <p:par>
-                    <p:cTn id="13" fill="hold">
+                    <p:cTn id="15" fill="hold">
                       <p:stCondLst>
                         <p:cond delay="indefinite"/>
                       </p:stCondLst>
                       <p:childTnLst>
                         <p:par>
-                          <p:cTn id="14" fill="hold">
+                          <p:cTn id="16" fill="hold">
                             <p:stCondLst>
                               <p:cond delay="0"/>
                             </p:stCondLst>
                             <p:childTnLst>
                               <p:par>
-                                <p:cTn id="15" presetID="1" presetClass="entr" presetSubtype="0" fill="hold" grpId="0" nodeType="clickEffect">
+                                <p:cTn id="17" presetID="1" presetClass="entr" presetSubtype="0" fill="hold" grpId="0" nodeType="clickEffect">
                                   <p:stCondLst>
                                     <p:cond delay="0"/>
                                   </p:stCondLst>
                                   <p:childTnLst>
                                     <p:set>
                                       <p:cBhvr>
-                                        <p:cTn id="16" dur="1" fill="hold">
+                                        <p:cTn id="18" dur="1" fill="hold">
                                           <p:stCondLst>
                                             <p:cond delay="0"/>
                                           </p:stCondLst>
@@ -17539,26 +18522,71 @@
                     </p:cTn>
                   </p:par>
                   <p:par>
-                    <p:cTn id="17" fill="hold">
+                    <p:cTn id="19" fill="hold">
                       <p:stCondLst>
                         <p:cond delay="indefinite"/>
                       </p:stCondLst>
                       <p:childTnLst>
                         <p:par>
-                          <p:cTn id="18" fill="hold">
+                          <p:cTn id="20" fill="hold">
                             <p:stCondLst>
                               <p:cond delay="0"/>
                             </p:stCondLst>
                             <p:childTnLst>
                               <p:par>
-                                <p:cTn id="19" presetID="1" presetClass="entr" presetSubtype="0" fill="hold" nodeType="clickEffect">
+                                <p:cTn id="21" presetID="1" presetClass="entr" presetSubtype="0" fill="hold" grpId="0" nodeType="clickEffect">
                                   <p:stCondLst>
                                     <p:cond delay="0"/>
                                   </p:stCondLst>
                                   <p:childTnLst>
                                     <p:set>
                                       <p:cBhvr>
-                                        <p:cTn id="20" dur="1" fill="hold">
+                                        <p:cTn id="22" dur="1" fill="hold">
+                                          <p:stCondLst>
+                                            <p:cond delay="0"/>
+                                          </p:stCondLst>
+                                        </p:cTn>
+                                        <p:tgtEl>
+                                          <p:spTgt spid="70"/>
+                                        </p:tgtEl>
+                                        <p:attrNameLst>
+                                          <p:attrName>style.visibility</p:attrName>
+                                        </p:attrNameLst>
+                                      </p:cBhvr>
+                                      <p:to>
+                                        <p:strVal val="visible"/>
+                                      </p:to>
+                                    </p:set>
+                                  </p:childTnLst>
+                                </p:cTn>
+                              </p:par>
+                            </p:childTnLst>
+                          </p:cTn>
+                        </p:par>
+                      </p:childTnLst>
+                    </p:cTn>
+                  </p:par>
+                  <p:par>
+                    <p:cTn id="23" fill="hold">
+                      <p:stCondLst>
+                        <p:cond delay="indefinite"/>
+                      </p:stCondLst>
+                      <p:childTnLst>
+                        <p:par>
+                          <p:cTn id="24" fill="hold">
+                            <p:stCondLst>
+                              <p:cond delay="0"/>
+                            </p:stCondLst>
+                            <p:childTnLst>
+                              <p:par>
+                                <p:cTn id="25" presetID="1" presetClass="entr" presetSubtype="0" fill="hold" nodeType="clickEffect">
+                                  <p:stCondLst>
+                                    <p:cond delay="0"/>
+                                  </p:stCondLst>
+                                  <p:childTnLst>
+                                    <p:set>
+                                      <p:cBhvr>
+                                        <p:cTn id="26" dur="1" fill="hold">
                                           <p:stCondLst>
                                             <p:cond delay="0"/>
                                           </p:stCondLst>
@@ -17584,26 +18612,26 @@
                     </p:cTn>
                   </p:par>
                   <p:par>
-                    <p:cTn id="21" fill="hold">
+                    <p:cTn id="27" fill="hold">
                       <p:stCondLst>
                         <p:cond delay="indefinite"/>
                       </p:stCondLst>
                       <p:childTnLst>
                         <p:par>
-                          <p:cTn id="22" fill="hold">
+                          <p:cTn id="28" fill="hold">
                             <p:stCondLst>
                               <p:cond delay="0"/>
                             </p:stCondLst>
                             <p:childTnLst>
                               <p:par>
-                                <p:cTn id="23" presetID="1" presetClass="entr" presetSubtype="0" fill="hold" nodeType="clickEffect">
+                                <p:cTn id="29" presetID="1" presetClass="entr" presetSubtype="0" fill="hold" nodeType="clickEffect">
                                   <p:stCondLst>
                                     <p:cond delay="0"/>
                                   </p:stCondLst>
                                   <p:childTnLst>
                                     <p:set>
                                       <p:cBhvr>
-                                        <p:cTn id="24" dur="1" fill="hold">
+                                        <p:cTn id="30" dur="1" fill="hold">
                                           <p:stCondLst>
                                             <p:cond delay="0"/>
                                           </p:stCondLst>
@@ -17629,26 +18657,71 @@
                     </p:cTn>
                   </p:par>
                   <p:par>
-                    <p:cTn id="25" fill="hold">
+                    <p:cTn id="31" fill="hold">
                       <p:stCondLst>
                         <p:cond delay="indefinite"/>
                       </p:stCondLst>
                       <p:childTnLst>
                         <p:par>
-                          <p:cTn id="26" fill="hold">
+                          <p:cTn id="32" fill="hold">
                             <p:stCondLst>
                               <p:cond delay="0"/>
                             </p:stCondLst>
                             <p:childTnLst>
                               <p:par>
-                                <p:cTn id="27" presetID="1" presetClass="entr" presetSubtype="0" fill="hold" nodeType="clickEffect">
+                                <p:cTn id="33" presetID="1" presetClass="entr" presetSubtype="0" fill="hold" grpId="0" nodeType="clickEffect">
                                   <p:stCondLst>
                                     <p:cond delay="0"/>
                                   </p:stCondLst>
                                   <p:childTnLst>
                                     <p:set>
                                       <p:cBhvr>
-                                        <p:cTn id="28" dur="1" fill="hold">
+                                        <p:cTn id="34" dur="1" fill="hold">
+                                          <p:stCondLst>
+                                            <p:cond delay="0"/>
+                                          </p:stCondLst>
+                                        </p:cTn>
+                                        <p:tgtEl>
+                                          <p:spTgt spid="7"/>
+                                        </p:tgtEl>
+                                        <p:attrNameLst>
+                                          <p:attrName>style.visibility</p:attrName>
+                                        </p:attrNameLst>
+                                      </p:cBhvr>
+                                      <p:to>
+                                        <p:strVal val="visible"/>
+                                      </p:to>
+                                    </p:set>
+                                  </p:childTnLst>
+                                </p:cTn>
+                              </p:par>
+                            </p:childTnLst>
+                          </p:cTn>
+                        </p:par>
+                      </p:childTnLst>
+                    </p:cTn>
+                  </p:par>
+                  <p:par>
+                    <p:cTn id="35" fill="hold">
+                      <p:stCondLst>
+                        <p:cond delay="indefinite"/>
+                      </p:stCondLst>
+                      <p:childTnLst>
+                        <p:par>
+                          <p:cTn id="36" fill="hold">
+                            <p:stCondLst>
+                              <p:cond delay="0"/>
+                            </p:stCondLst>
+                            <p:childTnLst>
+                              <p:par>
+                                <p:cTn id="37" presetID="1" presetClass="entr" presetSubtype="0" fill="hold" nodeType="clickEffect">
+                                  <p:stCondLst>
+                                    <p:cond delay="0"/>
+                                  </p:stCondLst>
+                                  <p:childTnLst>
+                                    <p:set>
+                                      <p:cBhvr>
+                                        <p:cTn id="38" dur="1" fill="hold">
                                           <p:stCondLst>
                                             <p:cond delay="0"/>
                                           </p:stCondLst>
@@ -17674,26 +18747,26 @@
                     </p:cTn>
                   </p:par>
                   <p:par>
-                    <p:cTn id="29" fill="hold">
+                    <p:cTn id="39" fill="hold">
                       <p:stCondLst>
                         <p:cond delay="indefinite"/>
                       </p:stCondLst>
                       <p:childTnLst>
                         <p:par>
-                          <p:cTn id="30" fill="hold">
+                          <p:cTn id="40" fill="hold">
                             <p:stCondLst>
                               <p:cond delay="0"/>
                             </p:stCondLst>
                             <p:childTnLst>
                               <p:par>
-                                <p:cTn id="31" presetID="1" presetClass="entr" presetSubtype="0" fill="hold" nodeType="clickEffect">
+                                <p:cTn id="41" presetID="1" presetClass="entr" presetSubtype="0" fill="hold" nodeType="clickEffect">
                                   <p:stCondLst>
                                     <p:cond delay="0"/>
                                   </p:stCondLst>
                                   <p:childTnLst>
                                     <p:set>
                                       <p:cBhvr>
-                                        <p:cTn id="32" dur="1" fill="hold">
+                                        <p:cTn id="42" dur="1" fill="hold">
                                           <p:stCondLst>
                                             <p:cond delay="0"/>
                                           </p:stCondLst>
@@ -17719,26 +18792,26 @@
                     </p:cTn>
                   </p:par>
                   <p:par>
-                    <p:cTn id="33" fill="hold">
+                    <p:cTn id="43" fill="hold">
                       <p:stCondLst>
                         <p:cond delay="indefinite"/>
                       </p:stCondLst>
                       <p:childTnLst>
                         <p:par>
-                          <p:cTn id="34" fill="hold">
+                          <p:cTn id="44" fill="hold">
                             <p:stCondLst>
                               <p:cond delay="0"/>
                             </p:stCondLst>
                             <p:childTnLst>
                               <p:par>
-                                <p:cTn id="35" presetID="1" presetClass="entr" presetSubtype="0" fill="hold" grpId="0" nodeType="clickEffect">
+                                <p:cTn id="45" presetID="1" presetClass="entr" presetSubtype="0" fill="hold" grpId="0" nodeType="clickEffect">
                                   <p:stCondLst>
                                     <p:cond delay="0"/>
                                   </p:stCondLst>
                                   <p:childTnLst>
                                     <p:set>
                                       <p:cBhvr>
-                                        <p:cTn id="36" dur="1" fill="hold">
+                                        <p:cTn id="46" dur="1" fill="hold">
                                           <p:stCondLst>
                                             <p:cond delay="0"/>
                                           </p:stCondLst>
@@ -17764,26 +18837,26 @@
                     </p:cTn>
                   </p:par>
                   <p:par>
-                    <p:cTn id="37" fill="hold">
+                    <p:cTn id="47" fill="hold">
                       <p:stCondLst>
                         <p:cond delay="indefinite"/>
                       </p:stCondLst>
                       <p:childTnLst>
                         <p:par>
-                          <p:cTn id="38" fill="hold">
+                          <p:cTn id="48" fill="hold">
                             <p:stCondLst>
                               <p:cond delay="0"/>
                             </p:stCondLst>
                             <p:childTnLst>
                               <p:par>
-                                <p:cTn id="39" presetID="1" presetClass="entr" presetSubtype="0" fill="hold" nodeType="clickEffect">
+                                <p:cTn id="49" presetID="1" presetClass="entr" presetSubtype="0" fill="hold" nodeType="clickEffect">
                                   <p:stCondLst>
                                     <p:cond delay="0"/>
                                   </p:stCondLst>
                                   <p:childTnLst>
                                     <p:set>
                                       <p:cBhvr>
-                                        <p:cTn id="40" dur="1" fill="hold">
+                                        <p:cTn id="50" dur="1" fill="hold">
                                           <p:stCondLst>
                                             <p:cond delay="0"/>
                                           </p:stCondLst>
@@ -17809,26 +18882,26 @@
                     </p:cTn>
                   </p:par>
                   <p:par>
-                    <p:cTn id="41" fill="hold">
+                    <p:cTn id="51" fill="hold">
                       <p:stCondLst>
                         <p:cond delay="indefinite"/>
                       </p:stCondLst>
                       <p:childTnLst>
                         <p:par>
-                          <p:cTn id="42" fill="hold">
+                          <p:cTn id="52" fill="hold">
                             <p:stCondLst>
                               <p:cond delay="0"/>
                             </p:stCondLst>
                             <p:childTnLst>
                               <p:par>
-                                <p:cTn id="43" presetID="1" presetClass="entr" presetSubtype="0" fill="hold" nodeType="clickEffect">
+                                <p:cTn id="53" presetID="1" presetClass="entr" presetSubtype="0" fill="hold" nodeType="clickEffect">
                                   <p:stCondLst>
                                     <p:cond delay="0"/>
                                   </p:stCondLst>
                                   <p:childTnLst>
                                     <p:set>
                                       <p:cBhvr>
-                                        <p:cTn id="44" dur="1" fill="hold">
+                                        <p:cTn id="54" dur="1" fill="hold">
                                           <p:stCondLst>
                                             <p:cond delay="0"/>
                                           </p:stCondLst>
@@ -17854,26 +18927,26 @@
                     </p:cTn>
                   </p:par>
                   <p:par>
-                    <p:cTn id="45" fill="hold">
+                    <p:cTn id="55" fill="hold">
                       <p:stCondLst>
                         <p:cond delay="indefinite"/>
                       </p:stCondLst>
                       <p:childTnLst>
                         <p:par>
-                          <p:cTn id="46" fill="hold">
+                          <p:cTn id="56" fill="hold">
                             <p:stCondLst>
                               <p:cond delay="0"/>
                             </p:stCondLst>
                             <p:childTnLst>
                               <p:par>
-                                <p:cTn id="47" presetID="1" presetClass="entr" presetSubtype="0" fill="hold" nodeType="clickEffect">
+                                <p:cTn id="57" presetID="1" presetClass="entr" presetSubtype="0" fill="hold" nodeType="clickEffect">
                                   <p:stCondLst>
                                     <p:cond delay="0"/>
                                   </p:stCondLst>
                                   <p:childTnLst>
                                     <p:set>
                                       <p:cBhvr>
-                                        <p:cTn id="48" dur="1" fill="hold">
+                                        <p:cTn id="58" dur="1" fill="hold">
                                           <p:stCondLst>
                                             <p:cond delay="0"/>
                                           </p:stCondLst>
@@ -17899,26 +18972,26 @@
                     </p:cTn>
                   </p:par>
                   <p:par>
-                    <p:cTn id="49" fill="hold">
+                    <p:cTn id="59" fill="hold">
                       <p:stCondLst>
                         <p:cond delay="indefinite"/>
                       </p:stCondLst>
                       <p:childTnLst>
                         <p:par>
-                          <p:cTn id="50" fill="hold">
+                          <p:cTn id="60" fill="hold">
                             <p:stCondLst>
                               <p:cond delay="0"/>
                             </p:stCondLst>
                             <p:childTnLst>
                               <p:par>
-                                <p:cTn id="51" presetID="1" presetClass="entr" presetSubtype="0" fill="hold" grpId="0" nodeType="clickEffect">
+                                <p:cTn id="61" presetID="1" presetClass="entr" presetSubtype="0" fill="hold" grpId="0" nodeType="clickEffect">
                                   <p:stCondLst>
                                     <p:cond delay="0"/>
                                   </p:stCondLst>
                                   <p:childTnLst>
                                     <p:set>
                                       <p:cBhvr>
-                                        <p:cTn id="52" dur="1" fill="hold">
+                                        <p:cTn id="62" dur="1" fill="hold">
                                           <p:stCondLst>
                                             <p:cond delay="0"/>
                                           </p:stCondLst>
@@ -17944,26 +19017,26 @@
                     </p:cTn>
                   </p:par>
                   <p:par>
-                    <p:cTn id="53" fill="hold">
+                    <p:cTn id="63" fill="hold">
                       <p:stCondLst>
                         <p:cond delay="indefinite"/>
                       </p:stCondLst>
                       <p:childTnLst>
                         <p:par>
-                          <p:cTn id="54" fill="hold">
+                          <p:cTn id="64" fill="hold">
                             <p:stCondLst>
                               <p:cond delay="0"/>
                             </p:stCondLst>
                             <p:childTnLst>
                               <p:par>
-                                <p:cTn id="55" presetID="1" presetClass="entr" presetSubtype="0" fill="hold" nodeType="clickEffect">
+                                <p:cTn id="65" presetID="1" presetClass="entr" presetSubtype="0" fill="hold" nodeType="clickEffect">
                                   <p:stCondLst>
                                     <p:cond delay="0"/>
                                   </p:stCondLst>
                                   <p:childTnLst>
                                     <p:set>
                                       <p:cBhvr>
-                                        <p:cTn id="56" dur="1" fill="hold">
+                                        <p:cTn id="66" dur="1" fill="hold">
                                           <p:stCondLst>
                                             <p:cond delay="0"/>
                                           </p:stCondLst>
@@ -17989,26 +19062,26 @@
                     </p:cTn>
                   </p:par>
                   <p:par>
-                    <p:cTn id="57" fill="hold">
+                    <p:cTn id="67" fill="hold">
                       <p:stCondLst>
                         <p:cond delay="indefinite"/>
                       </p:stCondLst>
                       <p:childTnLst>
                         <p:par>
-                          <p:cTn id="58" fill="hold">
+                          <p:cTn id="68" fill="hold">
                             <p:stCondLst>
                               <p:cond delay="0"/>
                             </p:stCondLst>
                             <p:childTnLst>
                               <p:par>
-                                <p:cTn id="59" presetID="1" presetClass="entr" presetSubtype="0" fill="hold" nodeType="clickEffect">
+                                <p:cTn id="69" presetID="1" presetClass="entr" presetSubtype="0" fill="hold" nodeType="clickEffect">
                                   <p:stCondLst>
                                     <p:cond delay="0"/>
                                   </p:stCondLst>
                                   <p:childTnLst>
                                     <p:set>
                                       <p:cBhvr>
-                                        <p:cTn id="60" dur="1" fill="hold">
+                                        <p:cTn id="70" dur="1" fill="hold">
                                           <p:stCondLst>
                                             <p:cond delay="0"/>
                                           </p:stCondLst>
@@ -18034,26 +19107,71 @@
                     </p:cTn>
                   </p:par>
                   <p:par>
-                    <p:cTn id="61" fill="hold">
+                    <p:cTn id="71" fill="hold">
                       <p:stCondLst>
                         <p:cond delay="indefinite"/>
                       </p:stCondLst>
                       <p:childTnLst>
                         <p:par>
-                          <p:cTn id="62" fill="hold">
+                          <p:cTn id="72" fill="hold">
                             <p:stCondLst>
                               <p:cond delay="0"/>
                             </p:stCondLst>
                             <p:childTnLst>
                               <p:par>
-                                <p:cTn id="63" presetID="1" presetClass="entr" presetSubtype="0" fill="hold" nodeType="clickEffect">
+                                <p:cTn id="73" presetID="1" presetClass="entr" presetSubtype="0" fill="hold" grpId="0" nodeType="clickEffect">
                                   <p:stCondLst>
                                     <p:cond delay="0"/>
                                   </p:stCondLst>
                                   <p:childTnLst>
                                     <p:set>
                                       <p:cBhvr>
-                                        <p:cTn id="64" dur="1" fill="hold">
+                                        <p:cTn id="74" dur="1" fill="hold">
+                                          <p:stCondLst>
+                                            <p:cond delay="0"/>
+                                          </p:stCondLst>
+                                        </p:cTn>
+                                        <p:tgtEl>
+                                          <p:spTgt spid="67"/>
+                                        </p:tgtEl>
+                                        <p:attrNameLst>
+                                          <p:attrName>style.visibility</p:attrName>
+                                        </p:attrNameLst>
+                                      </p:cBhvr>
+                                      <p:to>
+                                        <p:strVal val="visible"/>
+                                      </p:to>
+                                    </p:set>
+                                  </p:childTnLst>
+                                </p:cTn>
+                              </p:par>
+                            </p:childTnLst>
+                          </p:cTn>
+                        </p:par>
+                      </p:childTnLst>
+                    </p:cTn>
+                  </p:par>
+                  <p:par>
+                    <p:cTn id="75" fill="hold">
+                      <p:stCondLst>
+                        <p:cond delay="indefinite"/>
+                      </p:stCondLst>
+                      <p:childTnLst>
+                        <p:par>
+                          <p:cTn id="76" fill="hold">
+                            <p:stCondLst>
+                              <p:cond delay="0"/>
+                            </p:stCondLst>
+                            <p:childTnLst>
+                              <p:par>
+                                <p:cTn id="77" presetID="1" presetClass="entr" presetSubtype="0" fill="hold" nodeType="clickEffect">
+                                  <p:stCondLst>
+                                    <p:cond delay="0"/>
+                                  </p:stCondLst>
+                                  <p:childTnLst>
+                                    <p:set>
+                                      <p:cBhvr>
+                                        <p:cTn id="78" dur="1" fill="hold">
                                           <p:stCondLst>
                                             <p:cond delay="0"/>
                                           </p:stCondLst>
@@ -18079,26 +19197,26 @@
                     </p:cTn>
                   </p:par>
                   <p:par>
-                    <p:cTn id="65" fill="hold">
+                    <p:cTn id="79" fill="hold">
                       <p:stCondLst>
                         <p:cond delay="indefinite"/>
                       </p:stCondLst>
                       <p:childTnLst>
                         <p:par>
-                          <p:cTn id="66" fill="hold">
+                          <p:cTn id="80" fill="hold">
                             <p:stCondLst>
                               <p:cond delay="0"/>
                             </p:stCondLst>
                             <p:childTnLst>
                               <p:par>
-                                <p:cTn id="67" presetID="1" presetClass="entr" presetSubtype="0" fill="hold" grpId="0" nodeType="clickEffect">
+                                <p:cTn id="81" presetID="1" presetClass="entr" presetSubtype="0" fill="hold" grpId="0" nodeType="clickEffect">
                                   <p:stCondLst>
                                     <p:cond delay="0"/>
                                   </p:stCondLst>
                                   <p:childTnLst>
                                     <p:set>
                                       <p:cBhvr>
-                                        <p:cTn id="68" dur="1" fill="hold">
+                                        <p:cTn id="82" dur="1" fill="hold">
                                           <p:stCondLst>
                                             <p:cond delay="0"/>
                                           </p:stCondLst>
@@ -18124,26 +19242,26 @@
                     </p:cTn>
                   </p:par>
                   <p:par>
-                    <p:cTn id="69" fill="hold">
+                    <p:cTn id="83" fill="hold">
                       <p:stCondLst>
                         <p:cond delay="indefinite"/>
                       </p:stCondLst>
                       <p:childTnLst>
                         <p:par>
-                          <p:cTn id="70" fill="hold">
+                          <p:cTn id="84" fill="hold">
                             <p:stCondLst>
                               <p:cond delay="0"/>
                             </p:stCondLst>
                             <p:childTnLst>
                               <p:par>
-                                <p:cTn id="71" presetID="1" presetClass="entr" presetSubtype="0" fill="hold" nodeType="clickEffect">
+                                <p:cTn id="85" presetID="1" presetClass="entr" presetSubtype="0" fill="hold" nodeType="clickEffect">
                                   <p:stCondLst>
                                     <p:cond delay="0"/>
                                   </p:stCondLst>
                                   <p:childTnLst>
                                     <p:set>
                                       <p:cBhvr>
-                                        <p:cTn id="72" dur="1" fill="hold">
+                                        <p:cTn id="86" dur="1" fill="hold">
                                           <p:stCondLst>
                                             <p:cond delay="0"/>
                                           </p:stCondLst>
@@ -18195,6 +19313,10 @@
       <p:bldP spid="11281" grpId="0" animBg="1"/>
       <p:bldP spid="11285" grpId="0" animBg="1"/>
       <p:bldP spid="11268" grpId="0" animBg="1"/>
+      <p:bldP spid="7" grpId="0" animBg="1"/>
+      <p:bldP spid="67" grpId="0" animBg="1"/>
+      <p:bldP spid="69" grpId="0" animBg="1"/>
+      <p:bldP spid="70" grpId="0" animBg="1"/>
     </p:bldLst>
   </p:timing>
 </p:sld>
@@ -18511,6 +19633,65 @@
               <a:rPr lang="it-IT" dirty="0" smtClean="0"/>
               <a:t> Web Services</a:t>
             </a:r>
+          </a:p>
+          <a:p>
+            <a:pPr lvl="1"/>
+            <a:r>
+              <a:rPr lang="it-IT" dirty="0" err="1" smtClean="0"/>
+              <a:t>Backimg</a:t>
+            </a:r>
+            <a:r>
+              <a:rPr lang="it-IT" dirty="0" smtClean="0"/>
+              <a:t> </a:t>
+            </a:r>
+            <a:r>
+              <a:rPr lang="it-IT" dirty="0" err="1" smtClean="0"/>
+              <a:t>services</a:t>
+            </a:r>
+            <a:endParaRPr lang="it-IT" dirty="0" smtClean="0"/>
+          </a:p>
+          <a:p>
+            <a:pPr lvl="1"/>
+            <a:r>
+              <a:rPr lang="it-IT" dirty="0" err="1" smtClean="0"/>
+              <a:t>Yml</a:t>
+            </a:r>
+            <a:r>
+              <a:rPr lang="it-IT" dirty="0" smtClean="0"/>
+              <a:t> file</a:t>
+            </a:r>
+          </a:p>
+          <a:p>
+            <a:pPr lvl="1"/>
+            <a:r>
+              <a:rPr lang="it-IT" dirty="0" smtClean="0"/>
+              <a:t>Create from </a:t>
+            </a:r>
+            <a:r>
+              <a:rPr lang="it-IT" dirty="0" err="1" smtClean="0"/>
+              <a:t>interface</a:t>
+            </a:r>
+            <a:endParaRPr lang="it-IT" dirty="0" smtClean="0"/>
+          </a:p>
+          <a:p>
+            <a:pPr lvl="1"/>
+            <a:r>
+              <a:rPr lang="it-IT" dirty="0" smtClean="0"/>
+              <a:t>By </a:t>
+            </a:r>
+            <a:r>
+              <a:rPr lang="it-IT" dirty="0" err="1" smtClean="0"/>
+              <a:t>cf</a:t>
+            </a:r>
+            <a:r>
+              <a:rPr lang="it-IT" dirty="0" smtClean="0"/>
+              <a:t> </a:t>
+            </a:r>
+            <a:r>
+              <a:rPr lang="it-IT" dirty="0" err="1" smtClean="0"/>
+              <a:t>tool</a:t>
+            </a:r>
+            <a:endParaRPr lang="it-IT" dirty="0" smtClean="0"/>
           </a:p>
           <a:p>
             <a:r>
@@ -18898,11 +20079,7 @@
             </a:r>
             <a:r>
               <a:rPr lang="it-IT" dirty="0" smtClean="0"/>
-              <a:t> </a:t>
-            </a:r>
-            <a:r>
-              <a:rPr lang="it-IT" dirty="0" smtClean="0"/>
-              <a:t>broker</a:t>
+              <a:t> broker</a:t>
             </a:r>
           </a:p>
           <a:p>
@@ -26205,6 +27382,1468 @@
       </p:grpSpPr>
       <p:sp>
         <p:nvSpPr>
+          <p:cNvPr id="2" name="Titolo 1"/>
+          <p:cNvSpPr>
+            <a:spLocks noGrp="1"/>
+          </p:cNvSpPr>
+          <p:nvPr>
+            <p:ph type="title"/>
+          </p:nvPr>
+        </p:nvSpPr>
+        <p:spPr/>
+        <p:txBody>
+          <a:bodyPr/>
+          <a:lstStyle/>
+          <a:p>
+            <a:r>
+              <a:rPr lang="it-IT" dirty="0" err="1" smtClean="0"/>
+              <a:t>Microservice</a:t>
+            </a:r>
+            <a:r>
+              <a:rPr lang="it-IT" dirty="0" smtClean="0"/>
+              <a:t>: </a:t>
+            </a:r>
+            <a:r>
+              <a:rPr lang="it-IT" dirty="0" err="1" smtClean="0"/>
+              <a:t>Discovery</a:t>
+            </a:r>
+            <a:r>
+              <a:rPr lang="it-IT" dirty="0" smtClean="0"/>
+              <a:t> Service</a:t>
+            </a:r>
+            <a:endParaRPr lang="it-IT" dirty="0"/>
+          </a:p>
+        </p:txBody>
+      </p:sp>
+      <p:sp>
+        <p:nvSpPr>
+          <p:cNvPr id="3" name="Segnaposto contenuto 2"/>
+          <p:cNvSpPr>
+            <a:spLocks noGrp="1"/>
+          </p:cNvSpPr>
+          <p:nvPr>
+            <p:ph idx="1"/>
+          </p:nvPr>
+        </p:nvSpPr>
+        <p:spPr/>
+        <p:txBody>
+          <a:bodyPr/>
+          <a:lstStyle/>
+          <a:p>
+            <a:r>
+              <a:rPr lang="it-IT" dirty="0" err="1" smtClean="0"/>
+              <a:t>Discovery</a:t>
+            </a:r>
+            <a:r>
+              <a:rPr lang="it-IT" dirty="0" smtClean="0"/>
+              <a:t> </a:t>
+            </a:r>
+            <a:r>
+              <a:rPr lang="it-IT" dirty="0" err="1" smtClean="0"/>
+              <a:t>services</a:t>
+            </a:r>
+            <a:r>
+              <a:rPr lang="it-IT" dirty="0" smtClean="0"/>
+              <a:t> </a:t>
+            </a:r>
+            <a:r>
+              <a:rPr lang="it-IT" dirty="0" err="1" smtClean="0"/>
+              <a:t>provided</a:t>
+            </a:r>
+            <a:r>
+              <a:rPr lang="it-IT" dirty="0" smtClean="0"/>
+              <a:t> by Eureka</a:t>
+            </a:r>
+          </a:p>
+          <a:p>
+            <a:endParaRPr lang="it-IT" dirty="0" smtClean="0"/>
+          </a:p>
+          <a:p>
+            <a:endParaRPr lang="it-IT" dirty="0"/>
+          </a:p>
+        </p:txBody>
+      </p:sp>
+    </p:spTree>
+    <p:extLst>
+      <p:ext uri="{BB962C8B-B14F-4D97-AF65-F5344CB8AC3E}">
+        <p14:creationId xmlns:p14="http://schemas.microsoft.com/office/powerpoint/2010/main" val="337034025"/>
+      </p:ext>
+    </p:extLst>
+  </p:cSld>
+  <p:clrMapOvr>
+    <a:masterClrMapping/>
+  </p:clrMapOvr>
+  <p:transition/>
+  <p:timing>
+    <p:tnLst>
+      <p:par>
+        <p:cTn id="1" dur="indefinite" restart="never" nodeType="tmRoot"/>
+      </p:par>
+    </p:tnLst>
+  </p:timing>
+</p:sld>
+</file>
+
+<file path=ppt/slides/slide34.xml><?xml version="1.0" encoding="utf-8"?>
+<p:sld xmlns:a="http://schemas.openxmlformats.org/drawingml/2006/main" xmlns:r="http://schemas.openxmlformats.org/officeDocument/2006/relationships" xmlns:p="http://schemas.openxmlformats.org/presentationml/2006/main">
+  <p:cSld>
+    <p:spTree>
+      <p:nvGrpSpPr>
+        <p:cNvPr id="1" name=""/>
+        <p:cNvGrpSpPr/>
+        <p:nvPr/>
+      </p:nvGrpSpPr>
+      <p:grpSpPr>
+        <a:xfrm>
+          <a:off x="0" y="0"/>
+          <a:ext cx="0" cy="0"/>
+          <a:chOff x="0" y="0"/>
+          <a:chExt cx="0" cy="0"/>
+        </a:xfrm>
+      </p:grpSpPr>
+      <p:sp>
+        <p:nvSpPr>
+          <p:cNvPr id="131" name="Rettangolo arrotondato 130"/>
+          <p:cNvSpPr/>
+          <p:nvPr/>
+        </p:nvSpPr>
+        <p:spPr bwMode="auto">
+          <a:xfrm rot="16200000">
+            <a:off x="-853887" y="8193243"/>
+            <a:ext cx="4372018" cy="693420"/>
+          </a:xfrm>
+          <a:prstGeom prst="roundRect">
+            <a:avLst>
+              <a:gd name="adj" fmla="val 50000"/>
+            </a:avLst>
+          </a:prstGeom>
+          <a:solidFill>
+            <a:srgbClr val="00B050"/>
+          </a:solidFill>
+          <a:ln w="25400" cap="flat" cmpd="sng" algn="ctr">
+            <a:solidFill>
+              <a:srgbClr val="000000"/>
+            </a:solidFill>
+            <a:prstDash val="solid"/>
+            <a:round/>
+            <a:headEnd type="none" w="med" len="med"/>
+            <a:tailEnd type="none" w="med" len="med"/>
+          </a:ln>
+          <a:effectLst/>
+          <a:extLst/>
+        </p:spPr>
+        <p:txBody>
+          <a:bodyPr vert="horz" wrap="square" lIns="91440" tIns="45720" rIns="91440" bIns="45720" numCol="1" rtlCol="0" anchor="ctr" anchorCtr="0" compatLnSpc="1">
+            <a:prstTxWarp prst="textNoShape">
+              <a:avLst/>
+            </a:prstTxWarp>
+          </a:bodyPr>
+          <a:lstStyle/>
+          <a:p>
+            <a:pPr algn="ctr" eaLnBrk="1" hangingPunct="1"/>
+            <a:r>
+              <a:rPr lang="it-IT" sz="2800" dirty="0" smtClean="0">
+                <a:ln w="18415" cmpd="sng">
+                  <a:solidFill>
+                    <a:srgbClr val="FFFFFF"/>
+                  </a:solidFill>
+                  <a:prstDash val="solid"/>
+                </a:ln>
+                <a:solidFill>
+                  <a:srgbClr val="FFFFFF"/>
+                </a:solidFill>
+                <a:effectLst>
+                  <a:outerShdw blurRad="63500" dir="3600000" algn="tl" rotWithShape="0">
+                    <a:srgbClr val="000000">
+                      <a:alpha val="70000"/>
+                    </a:srgbClr>
+                  </a:outerShdw>
+                </a:effectLst>
+              </a:rPr>
+              <a:t>EUREKA</a:t>
+            </a:r>
+            <a:endParaRPr kumimoji="0" lang="it-IT" sz="2800" i="0" u="none" strike="noStrike" normalizeH="0" baseline="0" dirty="0">
+              <a:ln w="18415" cmpd="sng">
+                <a:solidFill>
+                  <a:srgbClr val="FFFFFF"/>
+                </a:solidFill>
+                <a:prstDash val="solid"/>
+              </a:ln>
+              <a:solidFill>
+                <a:srgbClr val="FFFFFF"/>
+              </a:solidFill>
+              <a:effectLst>
+                <a:outerShdw blurRad="63500" dir="3600000" algn="tl" rotWithShape="0">
+                  <a:srgbClr val="000000">
+                    <a:alpha val="70000"/>
+                  </a:srgbClr>
+                </a:outerShdw>
+              </a:effectLst>
+              <a:ea typeface="ヒラギノ角ゴ ProN W3" charset="0"/>
+              <a:cs typeface="ヒラギノ角ゴ ProN W3" charset="0"/>
+              <a:sym typeface="Gill Sans" charset="0"/>
+            </a:endParaRPr>
+          </a:p>
+        </p:txBody>
+      </p:sp>
+      <p:sp>
+        <p:nvSpPr>
+          <p:cNvPr id="12325" name="Rettangolo 1"/>
+          <p:cNvSpPr>
+            <a:spLocks noChangeArrowheads="1"/>
+          </p:cNvSpPr>
+          <p:nvPr/>
+        </p:nvSpPr>
+        <p:spPr bwMode="auto">
+          <a:xfrm>
+            <a:off x="-6248305" y="1295137"/>
+            <a:ext cx="2743285" cy="1219232"/>
+          </a:xfrm>
+          <a:prstGeom prst="rect">
+            <a:avLst/>
+          </a:prstGeom>
+          <a:solidFill>
+            <a:srgbClr val="00B0F0"/>
+          </a:solidFill>
+          <a:ln w="25400" algn="ctr">
+            <a:solidFill>
+              <a:srgbClr val="000000"/>
+            </a:solidFill>
+            <a:round/>
+            <a:headEnd/>
+            <a:tailEnd/>
+          </a:ln>
+        </p:spPr>
+        <p:txBody>
+          <a:bodyPr anchor="ctr"/>
+          <a:lstStyle/>
+          <a:p>
+            <a:pPr algn="ctr" eaLnBrk="1" hangingPunct="1"/>
+            <a:r>
+              <a:rPr lang="it-IT" sz="2400" dirty="0" smtClean="0"/>
+              <a:t> BOOKING </a:t>
+            </a:r>
+            <a:endParaRPr lang="it-IT" sz="2400" dirty="0"/>
+          </a:p>
+        </p:txBody>
+      </p:sp>
+      <p:cxnSp>
+        <p:nvCxnSpPr>
+          <p:cNvPr id="4" name="Connettore 2 3"/>
+          <p:cNvCxnSpPr>
+            <a:stCxn id="12325" idx="2"/>
+          </p:cNvCxnSpPr>
+          <p:nvPr/>
+        </p:nvCxnSpPr>
+        <p:spPr bwMode="auto">
+          <a:xfrm>
+            <a:off x="-4876705" y="2514616"/>
+            <a:ext cx="0" cy="9906000"/>
+          </a:xfrm>
+          <a:prstGeom prst="straightConnector1">
+            <a:avLst/>
+          </a:prstGeom>
+          <a:solidFill>
+            <a:srgbClr val="BBE0E3"/>
+          </a:solidFill>
+          <a:ln w="38100" cap="flat" cmpd="sng" algn="ctr">
+            <a:solidFill>
+              <a:schemeClr val="tx1"/>
+            </a:solidFill>
+            <a:prstDash val="solid"/>
+            <a:round/>
+            <a:headEnd type="none" w="med" len="med"/>
+            <a:tailEnd type="oval"/>
+          </a:ln>
+          <a:effectLst/>
+          <a:extLst>
+            <a:ext uri="{AF507438-7753-43E0-B8FC-AC1667EBCBE1}">
+              <a14:hiddenEffects xmlns:a14="http://schemas.microsoft.com/office/drawing/2010/main">
+                <a:effectLst>
+                  <a:outerShdw blurRad="63500" dist="38099" dir="2700000" algn="ctr" rotWithShape="0">
+                    <a:schemeClr val="bg2">
+                      <a:alpha val="74998"/>
+                    </a:schemeClr>
+                  </a:outerShdw>
+                </a:effectLst>
+              </a14:hiddenEffects>
+            </a:ext>
+          </a:extLst>
+        </p:spPr>
+      </p:cxnSp>
+      <p:grpSp>
+        <p:nvGrpSpPr>
+          <p:cNvPr id="36" name="Gruppo 35"/>
+          <p:cNvGrpSpPr/>
+          <p:nvPr/>
+        </p:nvGrpSpPr>
+        <p:grpSpPr>
+          <a:xfrm>
+            <a:off x="5268693" y="3646641"/>
+            <a:ext cx="6199254" cy="2058790"/>
+            <a:chOff x="14935200" y="3122826"/>
+            <a:chExt cx="6199254" cy="2058790"/>
+          </a:xfrm>
+        </p:grpSpPr>
+        <p:sp>
+          <p:nvSpPr>
+            <p:cNvPr id="84" name="Rettangolo arrotondato 83"/>
+            <p:cNvSpPr/>
+            <p:nvPr/>
+          </p:nvSpPr>
+          <p:spPr bwMode="auto">
+            <a:xfrm>
+              <a:off x="14935200" y="3775732"/>
+              <a:ext cx="4648200" cy="1405884"/>
+            </a:xfrm>
+            <a:prstGeom prst="roundRect">
+              <a:avLst/>
+            </a:prstGeom>
+            <a:solidFill>
+              <a:srgbClr val="0070C0"/>
+            </a:solidFill>
+            <a:ln w="25400" cap="flat" cmpd="sng" algn="ctr">
+              <a:solidFill>
+                <a:srgbClr val="000000"/>
+              </a:solidFill>
+              <a:prstDash val="solid"/>
+              <a:round/>
+              <a:headEnd type="none" w="med" len="med"/>
+              <a:tailEnd type="none" w="med" len="med"/>
+            </a:ln>
+            <a:effectLst/>
+            <a:extLst/>
+          </p:spPr>
+          <p:txBody>
+            <a:bodyPr vert="horz" wrap="square" lIns="91440" tIns="45720" rIns="91440" bIns="45720" numCol="1" rtlCol="0" anchor="ctr" anchorCtr="0" compatLnSpc="1">
+              <a:prstTxWarp prst="textNoShape">
+                <a:avLst/>
+              </a:prstTxWarp>
+            </a:bodyPr>
+            <a:lstStyle/>
+            <a:p>
+              <a:pPr algn="ctr" eaLnBrk="1" hangingPunct="1"/>
+              <a:r>
+                <a:rPr lang="it-IT" sz="2800" dirty="0" smtClean="0">
+                  <a:ln w="18415" cmpd="sng">
+                    <a:solidFill>
+                      <a:srgbClr val="FFFFFF"/>
+                    </a:solidFill>
+                    <a:prstDash val="solid"/>
+                  </a:ln>
+                  <a:solidFill>
+                    <a:srgbClr val="FFFFFF"/>
+                  </a:solidFill>
+                  <a:effectLst>
+                    <a:outerShdw blurRad="63500" dir="3600000" algn="tl" rotWithShape="0">
+                      <a:srgbClr val="000000">
+                        <a:alpha val="70000"/>
+                      </a:srgbClr>
+                    </a:outerShdw>
+                  </a:effectLst>
+                </a:rPr>
+                <a:t>&lt;SERVICE CONSUMER&gt;</a:t>
+              </a:r>
+              <a:endParaRPr kumimoji="0" lang="it-IT" sz="2800" i="0" u="none" strike="noStrike" normalizeH="0" baseline="0" dirty="0">
+                <a:ln w="18415" cmpd="sng">
+                  <a:solidFill>
+                    <a:srgbClr val="FFFFFF"/>
+                  </a:solidFill>
+                  <a:prstDash val="solid"/>
+                </a:ln>
+                <a:solidFill>
+                  <a:srgbClr val="FFFFFF"/>
+                </a:solidFill>
+                <a:effectLst>
+                  <a:outerShdw blurRad="63500" dir="3600000" algn="tl" rotWithShape="0">
+                    <a:srgbClr val="000000">
+                      <a:alpha val="70000"/>
+                    </a:srgbClr>
+                  </a:outerShdw>
+                </a:effectLst>
+                <a:ea typeface="ヒラギノ角ゴ ProN W3" charset="0"/>
+                <a:cs typeface="ヒラギノ角ゴ ProN W3" charset="0"/>
+                <a:sym typeface="Gill Sans" charset="0"/>
+              </a:endParaRPr>
+            </a:p>
+          </p:txBody>
+        </p:sp>
+        <p:cxnSp>
+          <p:nvCxnSpPr>
+            <p:cNvPr id="87" name="Connettore 2 86"/>
+            <p:cNvCxnSpPr>
+              <a:stCxn id="84" idx="0"/>
+              <a:endCxn id="88" idx="4"/>
+            </p:cNvCxnSpPr>
+            <p:nvPr/>
+          </p:nvCxnSpPr>
+          <p:spPr bwMode="auto">
+            <a:xfrm flipH="1" flipV="1">
+              <a:off x="17259299" y="3383969"/>
+              <a:ext cx="1" cy="391763"/>
+            </a:xfrm>
+            <a:prstGeom prst="straightConnector1">
+              <a:avLst/>
+            </a:prstGeom>
+            <a:solidFill>
+              <a:srgbClr val="BBE0E3"/>
+            </a:solidFill>
+            <a:ln w="50800" cap="flat" cmpd="sng" algn="ctr">
+              <a:solidFill>
+                <a:srgbClr val="000000"/>
+              </a:solidFill>
+              <a:prstDash val="solid"/>
+              <a:round/>
+              <a:headEnd type="none" w="med" len="med"/>
+              <a:tailEnd type="none"/>
+            </a:ln>
+            <a:effectLst/>
+            <a:extLst>
+              <a:ext uri="{AF507438-7753-43E0-B8FC-AC1667EBCBE1}">
+                <a14:hiddenEffects xmlns:a14="http://schemas.microsoft.com/office/drawing/2010/main">
+                  <a:effectLst>
+                    <a:outerShdw blurRad="63500" dist="38099" dir="2700000" algn="ctr" rotWithShape="0">
+                      <a:schemeClr val="bg2">
+                        <a:alpha val="74998"/>
+                      </a:schemeClr>
+                    </a:outerShdw>
+                  </a:effectLst>
+                </a14:hiddenEffects>
+              </a:ext>
+            </a:extLst>
+          </p:spPr>
+        </p:cxnSp>
+        <p:sp>
+          <p:nvSpPr>
+            <p:cNvPr id="88" name="Ovale 87"/>
+            <p:cNvSpPr/>
+            <p:nvPr/>
+          </p:nvSpPr>
+          <p:spPr bwMode="auto">
+            <a:xfrm flipH="1">
+              <a:off x="17123568" y="3122826"/>
+              <a:ext cx="271463" cy="261143"/>
+            </a:xfrm>
+            <a:prstGeom prst="ellipse">
+              <a:avLst/>
+            </a:prstGeom>
+            <a:solidFill>
+              <a:schemeClr val="tx1"/>
+            </a:solidFill>
+            <a:ln w="25400" cap="flat" cmpd="sng" algn="ctr">
+              <a:solidFill>
+                <a:srgbClr val="000000"/>
+              </a:solidFill>
+              <a:prstDash val="solid"/>
+              <a:round/>
+              <a:headEnd type="none" w="med" len="med"/>
+              <a:tailEnd type="none" w="med" len="med"/>
+            </a:ln>
+            <a:effectLst/>
+            <a:extLst/>
+          </p:spPr>
+          <p:txBody>
+            <a:bodyPr vert="horz" wrap="square" lIns="91440" tIns="45720" rIns="91440" bIns="45720" numCol="1" rtlCol="0" anchor="t" anchorCtr="0" compatLnSpc="1">
+              <a:prstTxWarp prst="textNoShape">
+                <a:avLst/>
+              </a:prstTxWarp>
+            </a:bodyPr>
+            <a:lstStyle/>
+            <a:p>
+              <a:pPr marL="0" marR="0" indent="0" algn="ctr" defTabSz="914400" rtl="0" eaLnBrk="1" fontAlgn="base" latinLnBrk="0" hangingPunct="1">
+                <a:lnSpc>
+                  <a:spcPct val="100000"/>
+                </a:lnSpc>
+                <a:spcBef>
+                  <a:spcPct val="0"/>
+                </a:spcBef>
+                <a:spcAft>
+                  <a:spcPct val="0"/>
+                </a:spcAft>
+                <a:buClrTx/>
+                <a:buSzTx/>
+                <a:buFontTx/>
+                <a:buNone/>
+                <a:tabLst/>
+              </a:pPr>
+              <a:endParaRPr kumimoji="0" lang="it-IT" sz="11200" b="0" i="0" u="none" strike="noStrike" cap="none" normalizeH="0" baseline="0">
+                <a:ln>
+                  <a:noFill/>
+                </a:ln>
+                <a:solidFill>
+                  <a:srgbClr val="000000"/>
+                </a:solidFill>
+                <a:effectLst/>
+                <a:latin typeface="Gill Sans" charset="0"/>
+                <a:ea typeface="ヒラギノ角ゴ ProN W3" charset="0"/>
+                <a:cs typeface="ヒラギノ角ゴ ProN W3" charset="0"/>
+                <a:sym typeface="Gill Sans" charset="0"/>
+              </a:endParaRPr>
+            </a:p>
+          </p:txBody>
+        </p:sp>
+        <p:sp>
+          <p:nvSpPr>
+            <p:cNvPr id="97" name="Cilindro 96"/>
+            <p:cNvSpPr/>
+            <p:nvPr/>
+          </p:nvSpPr>
+          <p:spPr bwMode="auto">
+            <a:xfrm>
+              <a:off x="20220054" y="4063378"/>
+              <a:ext cx="914400" cy="849313"/>
+            </a:xfrm>
+            <a:prstGeom prst="can">
+              <a:avLst/>
+            </a:prstGeom>
+            <a:solidFill>
+              <a:srgbClr val="0070C0"/>
+            </a:solidFill>
+            <a:ln w="25400" cap="flat" cmpd="sng" algn="ctr">
+              <a:solidFill>
+                <a:srgbClr val="000000"/>
+              </a:solidFill>
+              <a:prstDash val="solid"/>
+              <a:round/>
+              <a:headEnd type="none" w="med" len="med"/>
+              <a:tailEnd type="none" w="med" len="med"/>
+            </a:ln>
+            <a:effectLst/>
+            <a:extLst/>
+          </p:spPr>
+          <p:txBody>
+            <a:bodyPr vert="horz" wrap="square" lIns="91440" tIns="45720" rIns="91440" bIns="45720" numCol="1" rtlCol="0" anchor="t" anchorCtr="0" compatLnSpc="1">
+              <a:prstTxWarp prst="textNoShape">
+                <a:avLst/>
+              </a:prstTxWarp>
+            </a:bodyPr>
+            <a:lstStyle/>
+            <a:p>
+              <a:pPr marL="0" marR="0" indent="0" algn="ctr" defTabSz="914400" rtl="0" eaLnBrk="1" fontAlgn="base" latinLnBrk="0" hangingPunct="1">
+                <a:lnSpc>
+                  <a:spcPct val="100000"/>
+                </a:lnSpc>
+                <a:spcBef>
+                  <a:spcPct val="0"/>
+                </a:spcBef>
+                <a:spcAft>
+                  <a:spcPct val="0"/>
+                </a:spcAft>
+                <a:buClrTx/>
+                <a:buSzTx/>
+                <a:buFontTx/>
+                <a:buNone/>
+                <a:tabLst/>
+              </a:pPr>
+              <a:endParaRPr kumimoji="0" lang="it-IT" sz="11200" b="0" i="0" u="none" strike="noStrike" cap="none" normalizeH="0" baseline="0">
+                <a:ln>
+                  <a:noFill/>
+                </a:ln>
+                <a:solidFill>
+                  <a:srgbClr val="000000"/>
+                </a:solidFill>
+                <a:effectLst/>
+                <a:latin typeface="Gill Sans" charset="0"/>
+                <a:ea typeface="ヒラギノ角ゴ ProN W3" charset="0"/>
+                <a:cs typeface="ヒラギノ角ゴ ProN W3" charset="0"/>
+                <a:sym typeface="Gill Sans" charset="0"/>
+              </a:endParaRPr>
+            </a:p>
+          </p:txBody>
+        </p:sp>
+        <p:cxnSp>
+          <p:nvCxnSpPr>
+            <p:cNvPr id="98" name="Connettore 2 97"/>
+            <p:cNvCxnSpPr>
+              <a:stCxn id="84" idx="3"/>
+              <a:endCxn id="97" idx="2"/>
+            </p:cNvCxnSpPr>
+            <p:nvPr/>
+          </p:nvCxnSpPr>
+          <p:spPr bwMode="auto">
+            <a:xfrm>
+              <a:off x="19583400" y="4478674"/>
+              <a:ext cx="636654" cy="9361"/>
+            </a:xfrm>
+            <a:prstGeom prst="straightConnector1">
+              <a:avLst/>
+            </a:prstGeom>
+            <a:solidFill>
+              <a:srgbClr val="BBE0E3"/>
+            </a:solidFill>
+            <a:ln w="50800" cap="flat" cmpd="sng" algn="ctr">
+              <a:solidFill>
+                <a:srgbClr val="000000"/>
+              </a:solidFill>
+              <a:prstDash val="solid"/>
+              <a:round/>
+              <a:headEnd type="none" w="med" len="med"/>
+              <a:tailEnd type="arrow"/>
+            </a:ln>
+            <a:effectLst/>
+            <a:extLst>
+              <a:ext uri="{AF507438-7753-43E0-B8FC-AC1667EBCBE1}">
+                <a14:hiddenEffects xmlns:a14="http://schemas.microsoft.com/office/drawing/2010/main">
+                  <a:effectLst>
+                    <a:outerShdw blurRad="63500" dist="38099" dir="2700000" algn="ctr" rotWithShape="0">
+                      <a:schemeClr val="bg2">
+                        <a:alpha val="74998"/>
+                      </a:schemeClr>
+                    </a:outerShdw>
+                  </a:effectLst>
+                </a14:hiddenEffects>
+              </a:ext>
+            </a:extLst>
+          </p:spPr>
+        </p:cxnSp>
+      </p:grpSp>
+      <p:sp>
+        <p:nvSpPr>
+          <p:cNvPr id="12328" name="Fumetto 2 12327"/>
+          <p:cNvSpPr/>
+          <p:nvPr/>
+        </p:nvSpPr>
+        <p:spPr bwMode="auto">
+          <a:xfrm>
+            <a:off x="6631796" y="2172826"/>
+            <a:ext cx="3294062" cy="919146"/>
+          </a:xfrm>
+          <a:prstGeom prst="wedgeRoundRectCallout">
+            <a:avLst>
+              <a:gd name="adj1" fmla="val -20833"/>
+              <a:gd name="adj2" fmla="val 89809"/>
+              <a:gd name="adj3" fmla="val 16667"/>
+            </a:avLst>
+          </a:prstGeom>
+          <a:solidFill>
+            <a:srgbClr val="FFC000"/>
+          </a:solidFill>
+          <a:ln w="25400" cap="flat" cmpd="sng" algn="ctr">
+            <a:solidFill>
+              <a:srgbClr val="000000"/>
+            </a:solidFill>
+            <a:prstDash val="solid"/>
+            <a:round/>
+            <a:headEnd type="none" w="med" len="med"/>
+            <a:tailEnd type="none" w="med" len="med"/>
+          </a:ln>
+          <a:effectLst/>
+          <a:extLst/>
+        </p:spPr>
+        <p:txBody>
+          <a:bodyPr vert="horz" wrap="square" lIns="91440" tIns="45720" rIns="91440" bIns="45720" numCol="1" rtlCol="0" anchor="t" anchorCtr="0" compatLnSpc="1">
+            <a:prstTxWarp prst="textNoShape">
+              <a:avLst/>
+            </a:prstTxWarp>
+          </a:bodyPr>
+          <a:lstStyle/>
+          <a:p>
+            <a:pPr marL="0" marR="0" indent="0" algn="ctr" defTabSz="914400" rtl="0" eaLnBrk="1" fontAlgn="base" latinLnBrk="0" hangingPunct="1">
+              <a:lnSpc>
+                <a:spcPct val="100000"/>
+              </a:lnSpc>
+              <a:spcBef>
+                <a:spcPct val="0"/>
+              </a:spcBef>
+              <a:spcAft>
+                <a:spcPct val="0"/>
+              </a:spcAft>
+              <a:buClrTx/>
+              <a:buSzTx/>
+              <a:buFontTx/>
+              <a:buNone/>
+              <a:tabLst/>
+            </a:pPr>
+            <a:r>
+              <a:rPr kumimoji="0" lang="it-IT" sz="4400" b="0" i="0" u="none" strike="noStrike" cap="none" normalizeH="0" baseline="0" dirty="0" smtClean="0">
+                <a:ln>
+                  <a:noFill/>
+                </a:ln>
+                <a:solidFill>
+                  <a:srgbClr val="000000"/>
+                </a:solidFill>
+                <a:effectLst/>
+                <a:latin typeface="Gill Sans" charset="0"/>
+                <a:ea typeface="ヒラギノ角ゴ ProN W3" charset="0"/>
+                <a:cs typeface="ヒラギノ角ゴ ProN W3" charset="0"/>
+                <a:sym typeface="Gill Sans" charset="0"/>
+              </a:rPr>
+              <a:t>http/</a:t>
+            </a:r>
+            <a:r>
+              <a:rPr kumimoji="0" lang="it-IT" sz="4400" b="0" i="0" u="none" strike="noStrike" cap="none" normalizeH="0" baseline="0" dirty="0" err="1" smtClean="0">
+                <a:ln>
+                  <a:noFill/>
+                </a:ln>
+                <a:solidFill>
+                  <a:srgbClr val="000000"/>
+                </a:solidFill>
+                <a:effectLst/>
+                <a:latin typeface="Gill Sans" charset="0"/>
+                <a:ea typeface="ヒラギノ角ゴ ProN W3" charset="0"/>
+                <a:cs typeface="ヒラギノ角ゴ ProN W3" charset="0"/>
+                <a:sym typeface="Gill Sans" charset="0"/>
+              </a:rPr>
+              <a:t>rest</a:t>
+            </a:r>
+            <a:endParaRPr kumimoji="0" lang="it-IT" sz="4400" b="0" i="0" u="none" strike="noStrike" cap="none" normalizeH="0" baseline="0" dirty="0">
+              <a:ln>
+                <a:noFill/>
+              </a:ln>
+              <a:solidFill>
+                <a:srgbClr val="000000"/>
+              </a:solidFill>
+              <a:effectLst/>
+              <a:latin typeface="Gill Sans" charset="0"/>
+              <a:ea typeface="ヒラギノ角ゴ ProN W3" charset="0"/>
+              <a:cs typeface="ヒラギノ角ゴ ProN W3" charset="0"/>
+              <a:sym typeface="Gill Sans" charset="0"/>
+            </a:endParaRPr>
+          </a:p>
+        </p:txBody>
+      </p:sp>
+      <p:sp>
+        <p:nvSpPr>
+          <p:cNvPr id="57" name="Titolo 1"/>
+          <p:cNvSpPr>
+            <a:spLocks noGrp="1"/>
+          </p:cNvSpPr>
+          <p:nvPr>
+            <p:ph type="title"/>
+          </p:nvPr>
+        </p:nvSpPr>
+        <p:spPr>
+          <a:xfrm>
+            <a:off x="617538" y="241300"/>
+            <a:ext cx="23134637" cy="1358900"/>
+          </a:xfrm>
+        </p:spPr>
+        <p:txBody>
+          <a:bodyPr/>
+          <a:lstStyle/>
+          <a:p>
+            <a:r>
+              <a:rPr lang="it-IT" dirty="0" smtClean="0"/>
+              <a:t>System </a:t>
+            </a:r>
+            <a:r>
+              <a:rPr lang="it-IT" dirty="0" err="1" smtClean="0"/>
+              <a:t>landscape</a:t>
+            </a:r>
+            <a:r>
+              <a:rPr lang="it-IT" dirty="0" smtClean="0"/>
+              <a:t>  - </a:t>
+            </a:r>
+            <a:r>
+              <a:rPr lang="it-IT" dirty="0" err="1" smtClean="0"/>
+              <a:t>Discovery</a:t>
+            </a:r>
+            <a:r>
+              <a:rPr lang="it-IT" dirty="0" smtClean="0"/>
+              <a:t> </a:t>
+            </a:r>
+            <a:r>
+              <a:rPr lang="it-IT" dirty="0" err="1" smtClean="0"/>
+              <a:t>services</a:t>
+            </a:r>
+            <a:endParaRPr lang="it-IT" dirty="0"/>
+          </a:p>
+        </p:txBody>
+      </p:sp>
+      <p:grpSp>
+        <p:nvGrpSpPr>
+          <p:cNvPr id="8" name="Gruppo 7"/>
+          <p:cNvGrpSpPr/>
+          <p:nvPr/>
+        </p:nvGrpSpPr>
+        <p:grpSpPr>
+          <a:xfrm>
+            <a:off x="1942087" y="7568268"/>
+            <a:ext cx="11307650" cy="4449461"/>
+            <a:chOff x="1942087" y="7568268"/>
+            <a:chExt cx="11307650" cy="4449461"/>
+          </a:xfrm>
+        </p:grpSpPr>
+        <p:cxnSp>
+          <p:nvCxnSpPr>
+            <p:cNvPr id="6" name="Connettore 2 5"/>
+            <p:cNvCxnSpPr>
+              <a:stCxn id="2" idx="2"/>
+              <a:endCxn id="3" idx="1"/>
+            </p:cNvCxnSpPr>
+            <p:nvPr/>
+          </p:nvCxnSpPr>
+          <p:spPr bwMode="auto">
+            <a:xfrm>
+              <a:off x="7595912" y="10326979"/>
+              <a:ext cx="0" cy="841437"/>
+            </a:xfrm>
+            <a:prstGeom prst="straightConnector1">
+              <a:avLst/>
+            </a:prstGeom>
+            <a:solidFill>
+              <a:srgbClr val="BBE0E3"/>
+            </a:solidFill>
+            <a:ln w="50800" cap="flat" cmpd="sng" algn="ctr">
+              <a:solidFill>
+                <a:srgbClr val="000000"/>
+              </a:solidFill>
+              <a:prstDash val="solid"/>
+              <a:round/>
+              <a:headEnd type="none" w="med" len="med"/>
+              <a:tailEnd type="arrow"/>
+            </a:ln>
+            <a:effectLst/>
+            <a:extLst>
+              <a:ext uri="{AF507438-7753-43E0-B8FC-AC1667EBCBE1}">
+                <a14:hiddenEffects xmlns:a14="http://schemas.microsoft.com/office/drawing/2010/main">
+                  <a:effectLst>
+                    <a:outerShdw blurRad="63500" dist="38099" dir="2700000" algn="ctr" rotWithShape="0">
+                      <a:schemeClr val="bg2">
+                        <a:alpha val="74998"/>
+                      </a:schemeClr>
+                    </a:outerShdw>
+                  </a:effectLst>
+                </a14:hiddenEffects>
+              </a:ext>
+            </a:extLst>
+          </p:spPr>
+        </p:cxnSp>
+        <p:cxnSp>
+          <p:nvCxnSpPr>
+            <p:cNvPr id="55" name="Connettore 2 54"/>
+            <p:cNvCxnSpPr>
+              <a:stCxn id="2" idx="0"/>
+              <a:endCxn id="11" idx="4"/>
+            </p:cNvCxnSpPr>
+            <p:nvPr/>
+          </p:nvCxnSpPr>
+          <p:spPr bwMode="auto">
+            <a:xfrm flipH="1" flipV="1">
+              <a:off x="7595911" y="7829411"/>
+              <a:ext cx="1" cy="338376"/>
+            </a:xfrm>
+            <a:prstGeom prst="straightConnector1">
+              <a:avLst/>
+            </a:prstGeom>
+            <a:solidFill>
+              <a:srgbClr val="BBE0E3"/>
+            </a:solidFill>
+            <a:ln w="50800" cap="flat" cmpd="sng" algn="ctr">
+              <a:solidFill>
+                <a:srgbClr val="000000"/>
+              </a:solidFill>
+              <a:prstDash val="solid"/>
+              <a:round/>
+              <a:headEnd type="none" w="med" len="med"/>
+              <a:tailEnd type="none"/>
+            </a:ln>
+            <a:effectLst/>
+            <a:extLst>
+              <a:ext uri="{AF507438-7753-43E0-B8FC-AC1667EBCBE1}">
+                <a14:hiddenEffects xmlns:a14="http://schemas.microsoft.com/office/drawing/2010/main">
+                  <a:effectLst>
+                    <a:outerShdw blurRad="63500" dist="38099" dir="2700000" algn="ctr" rotWithShape="0">
+                      <a:schemeClr val="bg2">
+                        <a:alpha val="74998"/>
+                      </a:schemeClr>
+                    </a:outerShdw>
+                  </a:effectLst>
+                </a14:hiddenEffects>
+              </a:ext>
+            </a:extLst>
+          </p:spPr>
+        </p:cxnSp>
+        <p:sp>
+          <p:nvSpPr>
+            <p:cNvPr id="2" name="Rettangolo arrotondato 1"/>
+            <p:cNvSpPr/>
+            <p:nvPr/>
+          </p:nvSpPr>
+          <p:spPr bwMode="auto">
+            <a:xfrm>
+              <a:off x="1942087" y="8167787"/>
+              <a:ext cx="11307650" cy="2159192"/>
+            </a:xfrm>
+            <a:prstGeom prst="roundRect">
+              <a:avLst/>
+            </a:prstGeom>
+            <a:solidFill>
+              <a:srgbClr val="0070C0"/>
+            </a:solidFill>
+            <a:ln w="25400" cap="flat" cmpd="sng" algn="ctr">
+              <a:solidFill>
+                <a:srgbClr val="000000"/>
+              </a:solidFill>
+              <a:prstDash val="solid"/>
+              <a:round/>
+              <a:headEnd type="none" w="med" len="med"/>
+              <a:tailEnd type="none" w="med" len="med"/>
+            </a:ln>
+            <a:effectLst/>
+            <a:extLst/>
+          </p:spPr>
+          <p:txBody>
+            <a:bodyPr vert="horz" wrap="square" lIns="91440" tIns="45720" rIns="91440" bIns="45720" numCol="1" rtlCol="0" anchor="b" anchorCtr="0" compatLnSpc="1">
+              <a:prstTxWarp prst="textNoShape">
+                <a:avLst/>
+              </a:prstTxWarp>
+            </a:bodyPr>
+            <a:lstStyle/>
+            <a:p>
+              <a:pPr algn="ctr" eaLnBrk="1" hangingPunct="1"/>
+              <a:r>
+                <a:rPr lang="it-IT" sz="2800" dirty="0" smtClean="0">
+                  <a:ln w="18415" cmpd="sng">
+                    <a:solidFill>
+                      <a:srgbClr val="FFFFFF"/>
+                    </a:solidFill>
+                    <a:prstDash val="solid"/>
+                  </a:ln>
+                  <a:solidFill>
+                    <a:srgbClr val="FFFFFF"/>
+                  </a:solidFill>
+                  <a:effectLst>
+                    <a:outerShdw blurRad="63500" dir="3600000" algn="tl" rotWithShape="0">
+                      <a:srgbClr val="000000">
+                        <a:alpha val="70000"/>
+                      </a:srgbClr>
+                    </a:outerShdw>
+                  </a:effectLst>
+                </a:rPr>
+                <a:t>BOOKING</a:t>
+              </a:r>
+            </a:p>
+          </p:txBody>
+        </p:sp>
+        <p:sp>
+          <p:nvSpPr>
+            <p:cNvPr id="3" name="Cilindro 2"/>
+            <p:cNvSpPr/>
+            <p:nvPr/>
+          </p:nvSpPr>
+          <p:spPr bwMode="auto">
+            <a:xfrm>
+              <a:off x="7138712" y="11168416"/>
+              <a:ext cx="914400" cy="849313"/>
+            </a:xfrm>
+            <a:prstGeom prst="can">
+              <a:avLst/>
+            </a:prstGeom>
+            <a:solidFill>
+              <a:srgbClr val="0070C0"/>
+            </a:solidFill>
+            <a:ln w="25400" cap="flat" cmpd="sng" algn="ctr">
+              <a:solidFill>
+                <a:srgbClr val="000000"/>
+              </a:solidFill>
+              <a:prstDash val="solid"/>
+              <a:round/>
+              <a:headEnd type="none" w="med" len="med"/>
+              <a:tailEnd type="none" w="med" len="med"/>
+            </a:ln>
+            <a:effectLst/>
+            <a:extLst/>
+          </p:spPr>
+          <p:txBody>
+            <a:bodyPr vert="horz" wrap="square" lIns="91440" tIns="45720" rIns="91440" bIns="45720" numCol="1" rtlCol="0" anchor="t" anchorCtr="0" compatLnSpc="1">
+              <a:prstTxWarp prst="textNoShape">
+                <a:avLst/>
+              </a:prstTxWarp>
+            </a:bodyPr>
+            <a:lstStyle/>
+            <a:p>
+              <a:pPr marL="0" marR="0" indent="0" algn="ctr" defTabSz="914400" rtl="0" eaLnBrk="1" fontAlgn="base" latinLnBrk="0" hangingPunct="1">
+                <a:lnSpc>
+                  <a:spcPct val="100000"/>
+                </a:lnSpc>
+                <a:spcBef>
+                  <a:spcPct val="0"/>
+                </a:spcBef>
+                <a:spcAft>
+                  <a:spcPct val="0"/>
+                </a:spcAft>
+                <a:buClrTx/>
+                <a:buSzTx/>
+                <a:buFontTx/>
+                <a:buNone/>
+                <a:tabLst/>
+              </a:pPr>
+              <a:endParaRPr kumimoji="0" lang="it-IT" sz="11200" b="0" i="0" u="none" strike="noStrike" cap="none" normalizeH="0" baseline="0">
+                <a:ln>
+                  <a:noFill/>
+                </a:ln>
+                <a:solidFill>
+                  <a:srgbClr val="000000"/>
+                </a:solidFill>
+                <a:effectLst/>
+                <a:latin typeface="Gill Sans" charset="0"/>
+                <a:ea typeface="ヒラギノ角ゴ ProN W3" charset="0"/>
+                <a:cs typeface="ヒラギノ角ゴ ProN W3" charset="0"/>
+                <a:sym typeface="Gill Sans" charset="0"/>
+              </a:endParaRPr>
+            </a:p>
+          </p:txBody>
+        </p:sp>
+        <p:sp>
+          <p:nvSpPr>
+            <p:cNvPr id="11" name="Ovale 10"/>
+            <p:cNvSpPr/>
+            <p:nvPr/>
+          </p:nvSpPr>
+          <p:spPr bwMode="auto">
+            <a:xfrm flipH="1">
+              <a:off x="7460180" y="7568268"/>
+              <a:ext cx="271463" cy="261143"/>
+            </a:xfrm>
+            <a:prstGeom prst="ellipse">
+              <a:avLst/>
+            </a:prstGeom>
+            <a:solidFill>
+              <a:schemeClr val="tx1"/>
+            </a:solidFill>
+            <a:ln w="25400" cap="flat" cmpd="sng" algn="ctr">
+              <a:solidFill>
+                <a:srgbClr val="000000"/>
+              </a:solidFill>
+              <a:prstDash val="solid"/>
+              <a:round/>
+              <a:headEnd type="none" w="med" len="med"/>
+              <a:tailEnd type="none" w="med" len="med"/>
+            </a:ln>
+            <a:effectLst/>
+            <a:extLst/>
+          </p:spPr>
+          <p:txBody>
+            <a:bodyPr vert="horz" wrap="square" lIns="91440" tIns="45720" rIns="91440" bIns="45720" numCol="1" rtlCol="0" anchor="t" anchorCtr="0" compatLnSpc="1">
+              <a:prstTxWarp prst="textNoShape">
+                <a:avLst/>
+              </a:prstTxWarp>
+            </a:bodyPr>
+            <a:lstStyle/>
+            <a:p>
+              <a:pPr marL="0" marR="0" indent="0" algn="ctr" defTabSz="914400" rtl="0" eaLnBrk="1" fontAlgn="base" latinLnBrk="0" hangingPunct="1">
+                <a:lnSpc>
+                  <a:spcPct val="100000"/>
+                </a:lnSpc>
+                <a:spcBef>
+                  <a:spcPct val="0"/>
+                </a:spcBef>
+                <a:spcAft>
+                  <a:spcPct val="0"/>
+                </a:spcAft>
+                <a:buClrTx/>
+                <a:buSzTx/>
+                <a:buFontTx/>
+                <a:buNone/>
+                <a:tabLst/>
+              </a:pPr>
+              <a:endParaRPr kumimoji="0" lang="it-IT" sz="11200" b="0" i="0" u="none" strike="noStrike" cap="none" normalizeH="0" baseline="0">
+                <a:ln>
+                  <a:noFill/>
+                </a:ln>
+                <a:solidFill>
+                  <a:srgbClr val="000000"/>
+                </a:solidFill>
+                <a:effectLst/>
+                <a:latin typeface="Gill Sans" charset="0"/>
+                <a:ea typeface="ヒラギノ角ゴ ProN W3" charset="0"/>
+                <a:cs typeface="ヒラギノ角ゴ ProN W3" charset="0"/>
+                <a:sym typeface="Gill Sans" charset="0"/>
+              </a:endParaRPr>
+            </a:p>
+          </p:txBody>
+        </p:sp>
+        <p:sp>
+          <p:nvSpPr>
+            <p:cNvPr id="60" name="Rettangolo arrotondato 59"/>
+            <p:cNvSpPr/>
+            <p:nvPr/>
+          </p:nvSpPr>
+          <p:spPr bwMode="auto">
+            <a:xfrm>
+              <a:off x="5872537" y="8457577"/>
+              <a:ext cx="3446749" cy="1006846"/>
+            </a:xfrm>
+            <a:prstGeom prst="roundRect">
+              <a:avLst>
+                <a:gd name="adj" fmla="val 50000"/>
+              </a:avLst>
+            </a:prstGeom>
+            <a:solidFill>
+              <a:schemeClr val="tx2">
+                <a:lumMod val="75000"/>
+                <a:lumOff val="25000"/>
+              </a:schemeClr>
+            </a:solidFill>
+            <a:ln w="25400" cap="flat" cmpd="sng" algn="ctr">
+              <a:solidFill>
+                <a:srgbClr val="000000"/>
+              </a:solidFill>
+              <a:prstDash val="solid"/>
+              <a:round/>
+              <a:headEnd type="none" w="med" len="med"/>
+              <a:tailEnd type="none" w="med" len="med"/>
+            </a:ln>
+            <a:effectLst/>
+            <a:extLst/>
+          </p:spPr>
+          <p:txBody>
+            <a:bodyPr vert="horz" wrap="square" lIns="91440" tIns="45720" rIns="91440" bIns="45720" numCol="1" rtlCol="0" anchor="ctr" anchorCtr="0" compatLnSpc="1">
+              <a:prstTxWarp prst="textNoShape">
+                <a:avLst/>
+              </a:prstTxWarp>
+            </a:bodyPr>
+            <a:lstStyle/>
+            <a:p>
+              <a:pPr algn="ctr" eaLnBrk="1" hangingPunct="1"/>
+              <a:r>
+                <a:rPr lang="it-IT" sz="2800" dirty="0" smtClean="0">
+                  <a:ln w="18415" cmpd="sng">
+                    <a:solidFill>
+                      <a:srgbClr val="FFFFFF"/>
+                    </a:solidFill>
+                    <a:prstDash val="solid"/>
+                  </a:ln>
+                  <a:solidFill>
+                    <a:srgbClr val="FFFFFF"/>
+                  </a:solidFill>
+                  <a:effectLst>
+                    <a:outerShdw blurRad="63500" dir="3600000" algn="tl" rotWithShape="0">
+                      <a:srgbClr val="000000">
+                        <a:alpha val="70000"/>
+                      </a:srgbClr>
+                    </a:outerShdw>
+                  </a:effectLst>
+                </a:rPr>
+                <a:t>INSTANCE #1 </a:t>
+              </a:r>
+            </a:p>
+            <a:p>
+              <a:pPr algn="ctr" eaLnBrk="1" hangingPunct="1"/>
+              <a:r>
+                <a:rPr lang="it-IT" sz="2800" dirty="0" smtClean="0">
+                  <a:ln w="18415" cmpd="sng">
+                    <a:solidFill>
+                      <a:srgbClr val="FFFFFF"/>
+                    </a:solidFill>
+                    <a:prstDash val="solid"/>
+                  </a:ln>
+                  <a:solidFill>
+                    <a:srgbClr val="FFFFFF"/>
+                  </a:solidFill>
+                  <a:effectLst>
+                    <a:outerShdw blurRad="63500" dir="3600000" algn="tl" rotWithShape="0">
+                      <a:srgbClr val="000000">
+                        <a:alpha val="70000"/>
+                      </a:srgbClr>
+                    </a:outerShdw>
+                  </a:effectLst>
+                </a:rPr>
+                <a:t>@ HTTP 7111 </a:t>
+              </a:r>
+              <a:endParaRPr kumimoji="0" lang="it-IT" sz="2800" i="0" u="none" strike="noStrike" normalizeH="0" baseline="0" dirty="0">
+                <a:ln w="18415" cmpd="sng">
+                  <a:solidFill>
+                    <a:srgbClr val="FFFFFF"/>
+                  </a:solidFill>
+                  <a:prstDash val="solid"/>
+                </a:ln>
+                <a:solidFill>
+                  <a:srgbClr val="FFFFFF"/>
+                </a:solidFill>
+                <a:effectLst>
+                  <a:outerShdw blurRad="63500" dir="3600000" algn="tl" rotWithShape="0">
+                    <a:srgbClr val="000000">
+                      <a:alpha val="70000"/>
+                    </a:srgbClr>
+                  </a:outerShdw>
+                </a:effectLst>
+                <a:ea typeface="ヒラギノ角ゴ ProN W3" charset="0"/>
+                <a:cs typeface="ヒラギノ角ゴ ProN W3" charset="0"/>
+                <a:sym typeface="Gill Sans" charset="0"/>
+              </a:endParaRPr>
+            </a:p>
+          </p:txBody>
+        </p:sp>
+      </p:grpSp>
+      <p:cxnSp>
+        <p:nvCxnSpPr>
+          <p:cNvPr id="89" name="Connettore 2 88"/>
+          <p:cNvCxnSpPr>
+            <a:stCxn id="84" idx="2"/>
+            <a:endCxn id="11" idx="0"/>
+          </p:cNvCxnSpPr>
+          <p:nvPr/>
+        </p:nvCxnSpPr>
+        <p:spPr bwMode="auto">
+          <a:xfrm>
+            <a:off x="7592793" y="5705431"/>
+            <a:ext cx="3118" cy="1862837"/>
+          </a:xfrm>
+          <a:prstGeom prst="straightConnector1">
+            <a:avLst/>
+          </a:prstGeom>
+          <a:solidFill>
+            <a:srgbClr val="BBE0E3"/>
+          </a:solidFill>
+          <a:ln w="50800" cap="flat" cmpd="sng" algn="ctr">
+            <a:solidFill>
+              <a:srgbClr val="00B050"/>
+            </a:solidFill>
+            <a:prstDash val="solid"/>
+            <a:round/>
+            <a:headEnd type="none" w="med" len="med"/>
+            <a:tailEnd type="arrow"/>
+          </a:ln>
+          <a:effectLst/>
+          <a:extLst>
+            <a:ext uri="{AF507438-7753-43E0-B8FC-AC1667EBCBE1}">
+              <a14:hiddenEffects xmlns:a14="http://schemas.microsoft.com/office/drawing/2010/main">
+                <a:effectLst>
+                  <a:outerShdw blurRad="63500" dist="38099" dir="2700000" algn="ctr" rotWithShape="0">
+                    <a:schemeClr val="bg2">
+                      <a:alpha val="74998"/>
+                    </a:schemeClr>
+                  </a:outerShdw>
+                </a:effectLst>
+              </a14:hiddenEffects>
+            </a:ext>
+          </a:extLst>
+        </p:spPr>
+      </p:cxnSp>
+    </p:spTree>
+    <p:extLst>
+      <p:ext uri="{BB962C8B-B14F-4D97-AF65-F5344CB8AC3E}">
+        <p14:creationId xmlns:p14="http://schemas.microsoft.com/office/powerpoint/2010/main" val="3010827794"/>
+      </p:ext>
+    </p:extLst>
+  </p:cSld>
+  <p:clrMapOvr>
+    <a:masterClrMapping/>
+  </p:clrMapOvr>
+  <p:transition/>
+  <p:timing>
+    <p:tnLst>
+      <p:par>
+        <p:cTn id="1" dur="indefinite" restart="never" nodeType="tmRoot"/>
+      </p:par>
+    </p:tnLst>
+  </p:timing>
+</p:sld>
+</file>
+
+<file path=ppt/slides/slide35.xml><?xml version="1.0" encoding="utf-8"?>
+<p:sld xmlns:a="http://schemas.openxmlformats.org/drawingml/2006/main" xmlns:r="http://schemas.openxmlformats.org/officeDocument/2006/relationships" xmlns:p="http://schemas.openxmlformats.org/presentationml/2006/main">
+  <p:cSld>
+    <p:spTree>
+      <p:nvGrpSpPr>
+        <p:cNvPr id="1" name=""/>
+        <p:cNvGrpSpPr/>
+        <p:nvPr/>
+      </p:nvGrpSpPr>
+      <p:grpSpPr>
+        <a:xfrm>
+          <a:off x="0" y="0"/>
+          <a:ext cx="0" cy="0"/>
+          <a:chOff x="0" y="0"/>
+          <a:chExt cx="0" cy="0"/>
+        </a:xfrm>
+      </p:grpSpPr>
+      <p:sp>
+        <p:nvSpPr>
+          <p:cNvPr id="2" name="Titolo 1"/>
+          <p:cNvSpPr>
+            <a:spLocks noGrp="1"/>
+          </p:cNvSpPr>
+          <p:nvPr>
+            <p:ph type="title"/>
+          </p:nvPr>
+        </p:nvSpPr>
+        <p:spPr/>
+        <p:txBody>
+          <a:bodyPr/>
+          <a:lstStyle/>
+          <a:p>
+            <a:r>
+              <a:rPr lang="it-IT" dirty="0" err="1" smtClean="0"/>
+              <a:t>Microservice</a:t>
+            </a:r>
+            <a:r>
+              <a:rPr lang="it-IT" dirty="0" smtClean="0"/>
+              <a:t>: </a:t>
+            </a:r>
+            <a:r>
+              <a:rPr lang="it-IT" dirty="0" err="1" smtClean="0"/>
+              <a:t>Load</a:t>
+            </a:r>
+            <a:r>
+              <a:rPr lang="it-IT" dirty="0" smtClean="0"/>
+              <a:t> </a:t>
+            </a:r>
+            <a:r>
+              <a:rPr lang="it-IT" dirty="0" err="1" smtClean="0"/>
+              <a:t>Balancing</a:t>
+            </a:r>
+            <a:endParaRPr lang="it-IT" dirty="0"/>
+          </a:p>
+        </p:txBody>
+      </p:sp>
+      <p:sp>
+        <p:nvSpPr>
+          <p:cNvPr id="3" name="Segnaposto contenuto 2"/>
+          <p:cNvSpPr>
+            <a:spLocks noGrp="1"/>
+          </p:cNvSpPr>
+          <p:nvPr>
+            <p:ph idx="1"/>
+          </p:nvPr>
+        </p:nvSpPr>
+        <p:spPr/>
+        <p:txBody>
+          <a:bodyPr/>
+          <a:lstStyle/>
+          <a:p>
+            <a:r>
+              <a:rPr lang="it-IT" dirty="0" err="1" smtClean="0"/>
+              <a:t>Lod</a:t>
+            </a:r>
+            <a:r>
+              <a:rPr lang="it-IT" dirty="0" smtClean="0"/>
+              <a:t> </a:t>
+            </a:r>
+            <a:r>
+              <a:rPr lang="it-IT" dirty="0" err="1" smtClean="0"/>
+              <a:t>balancing</a:t>
+            </a:r>
+            <a:r>
+              <a:rPr lang="it-IT" dirty="0" smtClean="0"/>
+              <a:t> </a:t>
+            </a:r>
+            <a:r>
+              <a:rPr lang="it-IT" dirty="0" err="1" smtClean="0"/>
+              <a:t>without</a:t>
+            </a:r>
+            <a:r>
+              <a:rPr lang="it-IT" dirty="0" smtClean="0"/>
+              <a:t> </a:t>
+            </a:r>
+            <a:r>
+              <a:rPr lang="it-IT" dirty="0" err="1" smtClean="0"/>
+              <a:t>configuing</a:t>
+            </a:r>
+            <a:r>
+              <a:rPr lang="it-IT" dirty="0" smtClean="0"/>
+              <a:t> </a:t>
+            </a:r>
+            <a:r>
+              <a:rPr lang="it-IT" dirty="0" err="1" smtClean="0"/>
+              <a:t>load</a:t>
+            </a:r>
+            <a:r>
+              <a:rPr lang="it-IT" dirty="0" smtClean="0"/>
+              <a:t> </a:t>
+            </a:r>
+            <a:r>
+              <a:rPr lang="it-IT" dirty="0" err="1" smtClean="0"/>
+              <a:t>balancer</a:t>
+            </a:r>
+            <a:r>
+              <a:rPr lang="it-IT" dirty="0" smtClean="0"/>
+              <a:t> </a:t>
+            </a:r>
+            <a:r>
+              <a:rPr lang="it-IT" dirty="0" err="1" smtClean="0"/>
+              <a:t>adding</a:t>
+            </a:r>
+            <a:r>
+              <a:rPr lang="it-IT" dirty="0" smtClean="0"/>
+              <a:t> </a:t>
+            </a:r>
+            <a:r>
+              <a:rPr lang="it-IT" dirty="0" err="1" smtClean="0"/>
+              <a:t>reference</a:t>
+            </a:r>
+            <a:r>
+              <a:rPr lang="it-IT" dirty="0" smtClean="0"/>
+              <a:t> of the new </a:t>
+            </a:r>
+            <a:r>
+              <a:rPr lang="it-IT" dirty="0" err="1" smtClean="0"/>
+              <a:t>services</a:t>
+            </a:r>
+            <a:r>
+              <a:rPr lang="it-IT" dirty="0" smtClean="0"/>
+              <a:t> </a:t>
+            </a:r>
+          </a:p>
+          <a:p>
+            <a:r>
+              <a:rPr lang="it-IT" dirty="0" smtClean="0"/>
+              <a:t>Made </a:t>
+            </a:r>
+            <a:r>
+              <a:rPr lang="it-IT" dirty="0" err="1" smtClean="0"/>
+              <a:t>only</a:t>
+            </a:r>
+            <a:r>
+              <a:rPr lang="it-IT" dirty="0" smtClean="0"/>
+              <a:t> with the </a:t>
+            </a:r>
+            <a:r>
+              <a:rPr lang="it-IT" dirty="0" err="1" smtClean="0"/>
+              <a:t>deploy</a:t>
+            </a:r>
+            <a:r>
+              <a:rPr lang="it-IT" dirty="0" smtClean="0"/>
+              <a:t> of a new service</a:t>
+            </a:r>
+          </a:p>
+          <a:p>
+            <a:endParaRPr lang="it-IT" dirty="0"/>
+          </a:p>
+        </p:txBody>
+      </p:sp>
+    </p:spTree>
+    <p:extLst>
+      <p:ext uri="{BB962C8B-B14F-4D97-AF65-F5344CB8AC3E}">
+        <p14:creationId xmlns:p14="http://schemas.microsoft.com/office/powerpoint/2010/main" val="3487694733"/>
+      </p:ext>
+    </p:extLst>
+  </p:cSld>
+  <p:clrMapOvr>
+    <a:masterClrMapping/>
+  </p:clrMapOvr>
+  <p:transition/>
+  <p:timing>
+    <p:tnLst>
+      <p:par>
+        <p:cTn id="1" dur="indefinite" restart="never" nodeType="tmRoot"/>
+      </p:par>
+    </p:tnLst>
+  </p:timing>
+</p:sld>
+</file>
+
+<file path=ppt/slides/slide36.xml><?xml version="1.0" encoding="utf-8"?>
+<p:sld xmlns:a="http://schemas.openxmlformats.org/drawingml/2006/main" xmlns:r="http://schemas.openxmlformats.org/officeDocument/2006/relationships" xmlns:p="http://schemas.openxmlformats.org/presentationml/2006/main">
+  <p:cSld>
+    <p:spTree>
+      <p:nvGrpSpPr>
+        <p:cNvPr id="1" name=""/>
+        <p:cNvGrpSpPr/>
+        <p:nvPr/>
+      </p:nvGrpSpPr>
+      <p:grpSpPr>
+        <a:xfrm>
+          <a:off x="0" y="0"/>
+          <a:ext cx="0" cy="0"/>
+          <a:chOff x="0" y="0"/>
+          <a:chExt cx="0" cy="0"/>
+        </a:xfrm>
+      </p:grpSpPr>
+      <p:sp>
+        <p:nvSpPr>
           <p:cNvPr id="12325" name="Rettangolo 1"/>
           <p:cNvSpPr>
             <a:spLocks noChangeArrowheads="1"/>
@@ -26766,6 +29405,91 @@
       </p:sp>
       <p:sp>
         <p:nvSpPr>
+          <p:cNvPr id="130" name="Rettangolo arrotondato 129"/>
+          <p:cNvSpPr/>
+          <p:nvPr/>
+        </p:nvSpPr>
+        <p:spPr bwMode="auto">
+          <a:xfrm>
+            <a:off x="6224764" y="4943431"/>
+            <a:ext cx="2736055" cy="632400"/>
+          </a:xfrm>
+          <a:prstGeom prst="roundRect">
+            <a:avLst>
+              <a:gd name="adj" fmla="val 50000"/>
+            </a:avLst>
+          </a:prstGeom>
+          <a:solidFill>
+            <a:srgbClr val="00B050"/>
+          </a:solidFill>
+          <a:ln w="25400" cap="flat" cmpd="sng" algn="ctr">
+            <a:solidFill>
+              <a:srgbClr val="000000"/>
+            </a:solidFill>
+            <a:prstDash val="solid"/>
+            <a:round/>
+            <a:headEnd type="none" w="med" len="med"/>
+            <a:tailEnd type="none" w="med" len="med"/>
+          </a:ln>
+          <a:effectLst/>
+          <a:extLst/>
+        </p:spPr>
+        <p:txBody>
+          <a:bodyPr vert="horz" wrap="square" lIns="91440" tIns="45720" rIns="91440" bIns="45720" numCol="1" rtlCol="0" anchor="ctr" anchorCtr="0" compatLnSpc="1">
+            <a:prstTxWarp prst="textNoShape">
+              <a:avLst/>
+            </a:prstTxWarp>
+          </a:bodyPr>
+          <a:lstStyle/>
+          <a:p>
+            <a:pPr algn="ctr" eaLnBrk="1" hangingPunct="1"/>
+            <a:r>
+              <a:rPr lang="it-IT" sz="2800" dirty="0" smtClean="0">
+                <a:ln w="18415" cmpd="sng">
+                  <a:solidFill>
+                    <a:srgbClr val="FFFFFF"/>
+                  </a:solidFill>
+                  <a:prstDash val="solid"/>
+                </a:ln>
+                <a:solidFill>
+                  <a:srgbClr val="FFFFFF"/>
+                </a:solidFill>
+                <a:effectLst>
+                  <a:outerShdw blurRad="63500" dir="3600000" algn="tl" rotWithShape="0">
+                    <a:srgbClr val="000000">
+                      <a:alpha val="70000"/>
+                    </a:srgbClr>
+                  </a:outerShdw>
+                </a:effectLst>
+              </a:rPr>
+              <a:t>RIBBON</a:t>
+            </a:r>
+            <a:endParaRPr kumimoji="0" lang="it-IT" sz="2800" i="0" u="none" strike="noStrike" normalizeH="0" baseline="0" dirty="0">
+              <a:ln w="18415" cmpd="sng">
+                <a:solidFill>
+                  <a:srgbClr val="FFFFFF"/>
+                </a:solidFill>
+                <a:prstDash val="solid"/>
+              </a:ln>
+              <a:solidFill>
+                <a:srgbClr val="FFFFFF"/>
+              </a:solidFill>
+              <a:effectLst>
+                <a:outerShdw blurRad="63500" dir="3600000" algn="tl" rotWithShape="0">
+                  <a:srgbClr val="000000">
+                    <a:alpha val="70000"/>
+                  </a:srgbClr>
+                </a:outerShdw>
+              </a:effectLst>
+              <a:ea typeface="ヒラギノ角ゴ ProN W3" charset="0"/>
+              <a:cs typeface="ヒラギノ角ゴ ProN W3" charset="0"/>
+              <a:sym typeface="Gill Sans" charset="0"/>
+            </a:endParaRPr>
+          </a:p>
+        </p:txBody>
+      </p:sp>
+      <p:sp>
+        <p:nvSpPr>
           <p:cNvPr id="131" name="Rettangolo arrotondato 130"/>
           <p:cNvSpPr/>
           <p:nvPr/>
@@ -27173,1417 +29897,6 @@
             </a:r>
             <a:r>
               <a:rPr lang="it-IT" dirty="0" err="1" smtClean="0"/>
-              <a:t>Discovery</a:t>
-            </a:r>
-            <a:r>
-              <a:rPr lang="it-IT" dirty="0" smtClean="0"/>
-              <a:t> </a:t>
-            </a:r>
-            <a:r>
-              <a:rPr lang="it-IT" dirty="0" err="1" smtClean="0"/>
-              <a:t>services</a:t>
-            </a:r>
-            <a:endParaRPr lang="it-IT" dirty="0"/>
-          </a:p>
-        </p:txBody>
-      </p:sp>
-      <p:sp>
-        <p:nvSpPr>
-          <p:cNvPr id="60" name="Rettangolo arrotondato 59"/>
-          <p:cNvSpPr/>
-          <p:nvPr/>
-        </p:nvSpPr>
-        <p:spPr bwMode="auto">
-          <a:xfrm>
-            <a:off x="5872537" y="8457577"/>
-            <a:ext cx="3446749" cy="1006846"/>
-          </a:xfrm>
-          <a:prstGeom prst="roundRect">
-            <a:avLst>
-              <a:gd name="adj" fmla="val 50000"/>
-            </a:avLst>
-          </a:prstGeom>
-          <a:solidFill>
-            <a:schemeClr val="tx2">
-              <a:lumMod val="75000"/>
-              <a:lumOff val="25000"/>
-            </a:schemeClr>
-          </a:solidFill>
-          <a:ln w="25400" cap="flat" cmpd="sng" algn="ctr">
-            <a:solidFill>
-              <a:srgbClr val="000000"/>
-            </a:solidFill>
-            <a:prstDash val="solid"/>
-            <a:round/>
-            <a:headEnd type="none" w="med" len="med"/>
-            <a:tailEnd type="none" w="med" len="med"/>
-          </a:ln>
-          <a:effectLst/>
-          <a:extLst/>
-        </p:spPr>
-        <p:txBody>
-          <a:bodyPr vert="horz" wrap="square" lIns="91440" tIns="45720" rIns="91440" bIns="45720" numCol="1" rtlCol="0" anchor="ctr" anchorCtr="0" compatLnSpc="1">
-            <a:prstTxWarp prst="textNoShape">
-              <a:avLst/>
-            </a:prstTxWarp>
-          </a:bodyPr>
-          <a:lstStyle/>
-          <a:p>
-            <a:pPr algn="ctr" eaLnBrk="1" hangingPunct="1"/>
-            <a:r>
-              <a:rPr lang="it-IT" sz="2800" dirty="0" smtClean="0">
-                <a:ln w="18415" cmpd="sng">
-                  <a:solidFill>
-                    <a:srgbClr val="FFFFFF"/>
-                  </a:solidFill>
-                  <a:prstDash val="solid"/>
-                </a:ln>
-                <a:solidFill>
-                  <a:srgbClr val="FFFFFF"/>
-                </a:solidFill>
-                <a:effectLst>
-                  <a:outerShdw blurRad="63500" dir="3600000" algn="tl" rotWithShape="0">
-                    <a:srgbClr val="000000">
-                      <a:alpha val="70000"/>
-                    </a:srgbClr>
-                  </a:outerShdw>
-                </a:effectLst>
-              </a:rPr>
-              <a:t>INSTANCE #1 </a:t>
-            </a:r>
-          </a:p>
-          <a:p>
-            <a:pPr algn="ctr" eaLnBrk="1" hangingPunct="1"/>
-            <a:r>
-              <a:rPr lang="it-IT" sz="2800" dirty="0" smtClean="0">
-                <a:ln w="18415" cmpd="sng">
-                  <a:solidFill>
-                    <a:srgbClr val="FFFFFF"/>
-                  </a:solidFill>
-                  <a:prstDash val="solid"/>
-                </a:ln>
-                <a:solidFill>
-                  <a:srgbClr val="FFFFFF"/>
-                </a:solidFill>
-                <a:effectLst>
-                  <a:outerShdw blurRad="63500" dir="3600000" algn="tl" rotWithShape="0">
-                    <a:srgbClr val="000000">
-                      <a:alpha val="70000"/>
-                    </a:srgbClr>
-                  </a:outerShdw>
-                </a:effectLst>
-              </a:rPr>
-              <a:t>@ HTTP 7111 </a:t>
-            </a:r>
-            <a:endParaRPr kumimoji="0" lang="it-IT" sz="2800" i="0" u="none" strike="noStrike" normalizeH="0" baseline="0" dirty="0">
-              <a:ln w="18415" cmpd="sng">
-                <a:solidFill>
-                  <a:srgbClr val="FFFFFF"/>
-                </a:solidFill>
-                <a:prstDash val="solid"/>
-              </a:ln>
-              <a:solidFill>
-                <a:srgbClr val="FFFFFF"/>
-              </a:solidFill>
-              <a:effectLst>
-                <a:outerShdw blurRad="63500" dir="3600000" algn="tl" rotWithShape="0">
-                  <a:srgbClr val="000000">
-                    <a:alpha val="70000"/>
-                  </a:srgbClr>
-                </a:outerShdw>
-              </a:effectLst>
-              <a:ea typeface="ヒラギノ角ゴ ProN W3" charset="0"/>
-              <a:cs typeface="ヒラギノ角ゴ ProN W3" charset="0"/>
-              <a:sym typeface="Gill Sans" charset="0"/>
-            </a:endParaRPr>
-          </a:p>
-        </p:txBody>
-      </p:sp>
-    </p:spTree>
-    <p:extLst>
-      <p:ext uri="{BB962C8B-B14F-4D97-AF65-F5344CB8AC3E}">
-        <p14:creationId xmlns:p14="http://schemas.microsoft.com/office/powerpoint/2010/main" val="3010827794"/>
-      </p:ext>
-    </p:extLst>
-  </p:cSld>
-  <p:clrMapOvr>
-    <a:masterClrMapping/>
-  </p:clrMapOvr>
-  <p:transition/>
-  <p:timing>
-    <p:tnLst>
-      <p:par>
-        <p:cTn id="1" dur="indefinite" restart="never" nodeType="tmRoot"/>
-      </p:par>
-    </p:tnLst>
-  </p:timing>
-</p:sld>
-</file>
-
-<file path=ppt/slides/slide34.xml><?xml version="1.0" encoding="utf-8"?>
-<p:sld xmlns:a="http://schemas.openxmlformats.org/drawingml/2006/main" xmlns:r="http://schemas.openxmlformats.org/officeDocument/2006/relationships" xmlns:p="http://schemas.openxmlformats.org/presentationml/2006/main">
-  <p:cSld>
-    <p:spTree>
-      <p:nvGrpSpPr>
-        <p:cNvPr id="1" name=""/>
-        <p:cNvGrpSpPr/>
-        <p:nvPr/>
-      </p:nvGrpSpPr>
-      <p:grpSpPr>
-        <a:xfrm>
-          <a:off x="0" y="0"/>
-          <a:ext cx="0" cy="0"/>
-          <a:chOff x="0" y="0"/>
-          <a:chExt cx="0" cy="0"/>
-        </a:xfrm>
-      </p:grpSpPr>
-      <p:sp>
-        <p:nvSpPr>
-          <p:cNvPr id="2" name="Titolo 1"/>
-          <p:cNvSpPr>
-            <a:spLocks noGrp="1"/>
-          </p:cNvSpPr>
-          <p:nvPr>
-            <p:ph type="title"/>
-          </p:nvPr>
-        </p:nvSpPr>
-        <p:spPr/>
-        <p:txBody>
-          <a:bodyPr/>
-          <a:lstStyle/>
-          <a:p>
-            <a:r>
-              <a:rPr lang="it-IT" dirty="0" err="1" smtClean="0"/>
-              <a:t>Microservice</a:t>
-            </a:r>
-            <a:r>
-              <a:rPr lang="it-IT" dirty="0" smtClean="0"/>
-              <a:t>: </a:t>
-            </a:r>
-            <a:r>
-              <a:rPr lang="it-IT" dirty="0" err="1" smtClean="0"/>
-              <a:t>Load</a:t>
-            </a:r>
-            <a:r>
-              <a:rPr lang="it-IT" dirty="0" smtClean="0"/>
-              <a:t> </a:t>
-            </a:r>
-            <a:r>
-              <a:rPr lang="it-IT" dirty="0" err="1" smtClean="0"/>
-              <a:t>Balancing</a:t>
-            </a:r>
-            <a:endParaRPr lang="it-IT" dirty="0"/>
-          </a:p>
-        </p:txBody>
-      </p:sp>
-      <p:sp>
-        <p:nvSpPr>
-          <p:cNvPr id="3" name="Segnaposto contenuto 2"/>
-          <p:cNvSpPr>
-            <a:spLocks noGrp="1"/>
-          </p:cNvSpPr>
-          <p:nvPr>
-            <p:ph idx="1"/>
-          </p:nvPr>
-        </p:nvSpPr>
-        <p:spPr/>
-        <p:txBody>
-          <a:bodyPr/>
-          <a:lstStyle/>
-          <a:p>
-            <a:r>
-              <a:rPr lang="it-IT" dirty="0" err="1" smtClean="0"/>
-              <a:t>Lod</a:t>
-            </a:r>
-            <a:r>
-              <a:rPr lang="it-IT" dirty="0" smtClean="0"/>
-              <a:t> </a:t>
-            </a:r>
-            <a:r>
-              <a:rPr lang="it-IT" dirty="0" err="1" smtClean="0"/>
-              <a:t>balancing</a:t>
-            </a:r>
-            <a:r>
-              <a:rPr lang="it-IT" dirty="0" smtClean="0"/>
-              <a:t> </a:t>
-            </a:r>
-            <a:r>
-              <a:rPr lang="it-IT" dirty="0" err="1" smtClean="0"/>
-              <a:t>without</a:t>
-            </a:r>
-            <a:r>
-              <a:rPr lang="it-IT" dirty="0" smtClean="0"/>
-              <a:t> </a:t>
-            </a:r>
-            <a:r>
-              <a:rPr lang="it-IT" dirty="0" err="1" smtClean="0"/>
-              <a:t>configuing</a:t>
-            </a:r>
-            <a:r>
-              <a:rPr lang="it-IT" dirty="0" smtClean="0"/>
-              <a:t> </a:t>
-            </a:r>
-            <a:r>
-              <a:rPr lang="it-IT" dirty="0" err="1" smtClean="0"/>
-              <a:t>load</a:t>
-            </a:r>
-            <a:r>
-              <a:rPr lang="it-IT" dirty="0" smtClean="0"/>
-              <a:t> </a:t>
-            </a:r>
-            <a:r>
-              <a:rPr lang="it-IT" dirty="0" err="1" smtClean="0"/>
-              <a:t>balancer</a:t>
-            </a:r>
-            <a:r>
-              <a:rPr lang="it-IT" dirty="0" smtClean="0"/>
-              <a:t> </a:t>
-            </a:r>
-            <a:r>
-              <a:rPr lang="it-IT" dirty="0" err="1" smtClean="0"/>
-              <a:t>adding</a:t>
-            </a:r>
-            <a:r>
-              <a:rPr lang="it-IT" dirty="0" smtClean="0"/>
-              <a:t> </a:t>
-            </a:r>
-            <a:r>
-              <a:rPr lang="it-IT" dirty="0" err="1" smtClean="0"/>
-              <a:t>reference</a:t>
-            </a:r>
-            <a:r>
-              <a:rPr lang="it-IT" dirty="0" smtClean="0"/>
-              <a:t> of the new </a:t>
-            </a:r>
-            <a:r>
-              <a:rPr lang="it-IT" dirty="0" err="1" smtClean="0"/>
-              <a:t>services</a:t>
-            </a:r>
-            <a:r>
-              <a:rPr lang="it-IT" dirty="0" smtClean="0"/>
-              <a:t> </a:t>
-            </a:r>
-          </a:p>
-          <a:p>
-            <a:r>
-              <a:rPr lang="it-IT" dirty="0" smtClean="0"/>
-              <a:t>Made </a:t>
-            </a:r>
-            <a:r>
-              <a:rPr lang="it-IT" dirty="0" err="1" smtClean="0"/>
-              <a:t>only</a:t>
-            </a:r>
-            <a:r>
-              <a:rPr lang="it-IT" dirty="0" smtClean="0"/>
-              <a:t> with the </a:t>
-            </a:r>
-            <a:r>
-              <a:rPr lang="it-IT" dirty="0" err="1" smtClean="0"/>
-              <a:t>deploy</a:t>
-            </a:r>
-            <a:r>
-              <a:rPr lang="it-IT" dirty="0" smtClean="0"/>
-              <a:t> of a new service</a:t>
-            </a:r>
-          </a:p>
-          <a:p>
-            <a:endParaRPr lang="it-IT" dirty="0"/>
-          </a:p>
-        </p:txBody>
-      </p:sp>
-    </p:spTree>
-    <p:extLst>
-      <p:ext uri="{BB962C8B-B14F-4D97-AF65-F5344CB8AC3E}">
-        <p14:creationId xmlns:p14="http://schemas.microsoft.com/office/powerpoint/2010/main" val="337034025"/>
-      </p:ext>
-    </p:extLst>
-  </p:cSld>
-  <p:clrMapOvr>
-    <a:masterClrMapping/>
-  </p:clrMapOvr>
-  <p:transition/>
-  <p:timing>
-    <p:tnLst>
-      <p:par>
-        <p:cTn id="1" dur="indefinite" restart="never" nodeType="tmRoot"/>
-      </p:par>
-    </p:tnLst>
-  </p:timing>
-</p:sld>
-</file>
-
-<file path=ppt/slides/slide35.xml><?xml version="1.0" encoding="utf-8"?>
-<p:sld xmlns:a="http://schemas.openxmlformats.org/drawingml/2006/main" xmlns:r="http://schemas.openxmlformats.org/officeDocument/2006/relationships" xmlns:p="http://schemas.openxmlformats.org/presentationml/2006/main">
-  <p:cSld>
-    <p:spTree>
-      <p:nvGrpSpPr>
-        <p:cNvPr id="1" name=""/>
-        <p:cNvGrpSpPr/>
-        <p:nvPr/>
-      </p:nvGrpSpPr>
-      <p:grpSpPr>
-        <a:xfrm>
-          <a:off x="0" y="0"/>
-          <a:ext cx="0" cy="0"/>
-          <a:chOff x="0" y="0"/>
-          <a:chExt cx="0" cy="0"/>
-        </a:xfrm>
-      </p:grpSpPr>
-      <p:sp>
-        <p:nvSpPr>
-          <p:cNvPr id="12325" name="Rettangolo 1"/>
-          <p:cNvSpPr>
-            <a:spLocks noChangeArrowheads="1"/>
-          </p:cNvSpPr>
-          <p:nvPr/>
-        </p:nvSpPr>
-        <p:spPr bwMode="auto">
-          <a:xfrm>
-            <a:off x="-6248305" y="1295137"/>
-            <a:ext cx="2743285" cy="1219232"/>
-          </a:xfrm>
-          <a:prstGeom prst="rect">
-            <a:avLst/>
-          </a:prstGeom>
-          <a:solidFill>
-            <a:srgbClr val="00B0F0"/>
-          </a:solidFill>
-          <a:ln w="25400" algn="ctr">
-            <a:solidFill>
-              <a:srgbClr val="000000"/>
-            </a:solidFill>
-            <a:round/>
-            <a:headEnd/>
-            <a:tailEnd/>
-          </a:ln>
-        </p:spPr>
-        <p:txBody>
-          <a:bodyPr anchor="ctr"/>
-          <a:lstStyle/>
-          <a:p>
-            <a:pPr algn="ctr" eaLnBrk="1" hangingPunct="1"/>
-            <a:r>
-              <a:rPr lang="it-IT" sz="2400" dirty="0" smtClean="0"/>
-              <a:t> BOOKING </a:t>
-            </a:r>
-            <a:endParaRPr lang="it-IT" sz="2400" dirty="0"/>
-          </a:p>
-        </p:txBody>
-      </p:sp>
-      <p:cxnSp>
-        <p:nvCxnSpPr>
-          <p:cNvPr id="4" name="Connettore 2 3"/>
-          <p:cNvCxnSpPr>
-            <a:stCxn id="12325" idx="2"/>
-          </p:cNvCxnSpPr>
-          <p:nvPr/>
-        </p:nvCxnSpPr>
-        <p:spPr bwMode="auto">
-          <a:xfrm>
-            <a:off x="-4876705" y="2514616"/>
-            <a:ext cx="0" cy="9906000"/>
-          </a:xfrm>
-          <a:prstGeom prst="straightConnector1">
-            <a:avLst/>
-          </a:prstGeom>
-          <a:solidFill>
-            <a:srgbClr val="BBE0E3"/>
-          </a:solidFill>
-          <a:ln w="38100" cap="flat" cmpd="sng" algn="ctr">
-            <a:solidFill>
-              <a:schemeClr val="tx1"/>
-            </a:solidFill>
-            <a:prstDash val="solid"/>
-            <a:round/>
-            <a:headEnd type="none" w="med" len="med"/>
-            <a:tailEnd type="oval"/>
-          </a:ln>
-          <a:effectLst/>
-          <a:extLst>
-            <a:ext uri="{AF507438-7753-43E0-B8FC-AC1667EBCBE1}">
-              <a14:hiddenEffects xmlns:a14="http://schemas.microsoft.com/office/drawing/2010/main">
-                <a:effectLst>
-                  <a:outerShdw blurRad="63500" dist="38099" dir="2700000" algn="ctr" rotWithShape="0">
-                    <a:schemeClr val="bg2">
-                      <a:alpha val="74998"/>
-                    </a:schemeClr>
-                  </a:outerShdw>
-                </a:effectLst>
-              </a14:hiddenEffects>
-            </a:ext>
-          </a:extLst>
-        </p:spPr>
-      </p:cxnSp>
-      <p:cxnSp>
-        <p:nvCxnSpPr>
-          <p:cNvPr id="89" name="Connettore 2 88"/>
-          <p:cNvCxnSpPr>
-            <a:stCxn id="84" idx="2"/>
-            <a:endCxn id="11" idx="0"/>
-          </p:cNvCxnSpPr>
-          <p:nvPr/>
-        </p:nvCxnSpPr>
-        <p:spPr bwMode="auto">
-          <a:xfrm>
-            <a:off x="7592793" y="5705431"/>
-            <a:ext cx="3118" cy="1862837"/>
-          </a:xfrm>
-          <a:prstGeom prst="straightConnector1">
-            <a:avLst/>
-          </a:prstGeom>
-          <a:solidFill>
-            <a:srgbClr val="BBE0E3"/>
-          </a:solidFill>
-          <a:ln w="50800" cap="flat" cmpd="sng" algn="ctr">
-            <a:solidFill>
-              <a:srgbClr val="00B050"/>
-            </a:solidFill>
-            <a:prstDash val="solid"/>
-            <a:round/>
-            <a:headEnd type="none" w="med" len="med"/>
-            <a:tailEnd type="arrow"/>
-          </a:ln>
-          <a:effectLst/>
-          <a:extLst>
-            <a:ext uri="{AF507438-7753-43E0-B8FC-AC1667EBCBE1}">
-              <a14:hiddenEffects xmlns:a14="http://schemas.microsoft.com/office/drawing/2010/main">
-                <a:effectLst>
-                  <a:outerShdw blurRad="63500" dist="38099" dir="2700000" algn="ctr" rotWithShape="0">
-                    <a:schemeClr val="bg2">
-                      <a:alpha val="74998"/>
-                    </a:schemeClr>
-                  </a:outerShdw>
-                </a:effectLst>
-              </a14:hiddenEffects>
-            </a:ext>
-          </a:extLst>
-        </p:spPr>
-      </p:cxnSp>
-      <p:grpSp>
-        <p:nvGrpSpPr>
-          <p:cNvPr id="36" name="Gruppo 35"/>
-          <p:cNvGrpSpPr/>
-          <p:nvPr/>
-        </p:nvGrpSpPr>
-        <p:grpSpPr>
-          <a:xfrm>
-            <a:off x="5268693" y="3646641"/>
-            <a:ext cx="6199254" cy="2058790"/>
-            <a:chOff x="14935200" y="3122826"/>
-            <a:chExt cx="6199254" cy="2058790"/>
-          </a:xfrm>
-        </p:grpSpPr>
-        <p:sp>
-          <p:nvSpPr>
-            <p:cNvPr id="84" name="Rettangolo arrotondato 83"/>
-            <p:cNvSpPr/>
-            <p:nvPr/>
-          </p:nvSpPr>
-          <p:spPr bwMode="auto">
-            <a:xfrm>
-              <a:off x="14935200" y="3775732"/>
-              <a:ext cx="4648200" cy="1405884"/>
-            </a:xfrm>
-            <a:prstGeom prst="roundRect">
-              <a:avLst/>
-            </a:prstGeom>
-            <a:solidFill>
-              <a:srgbClr val="0070C0"/>
-            </a:solidFill>
-            <a:ln w="25400" cap="flat" cmpd="sng" algn="ctr">
-              <a:solidFill>
-                <a:srgbClr val="000000"/>
-              </a:solidFill>
-              <a:prstDash val="solid"/>
-              <a:round/>
-              <a:headEnd type="none" w="med" len="med"/>
-              <a:tailEnd type="none" w="med" len="med"/>
-            </a:ln>
-            <a:effectLst/>
-            <a:extLst/>
-          </p:spPr>
-          <p:txBody>
-            <a:bodyPr vert="horz" wrap="square" lIns="91440" tIns="45720" rIns="91440" bIns="45720" numCol="1" rtlCol="0" anchor="t" anchorCtr="0" compatLnSpc="1">
-              <a:prstTxWarp prst="textNoShape">
-                <a:avLst/>
-              </a:prstTxWarp>
-            </a:bodyPr>
-            <a:lstStyle/>
-            <a:p>
-              <a:pPr algn="ctr" eaLnBrk="1" hangingPunct="1"/>
-              <a:r>
-                <a:rPr lang="it-IT" sz="2800" dirty="0" smtClean="0">
-                  <a:ln w="18415" cmpd="sng">
-                    <a:solidFill>
-                      <a:srgbClr val="FFFFFF"/>
-                    </a:solidFill>
-                    <a:prstDash val="solid"/>
-                  </a:ln>
-                  <a:solidFill>
-                    <a:srgbClr val="FFFFFF"/>
-                  </a:solidFill>
-                  <a:effectLst>
-                    <a:outerShdw blurRad="63500" dir="3600000" algn="tl" rotWithShape="0">
-                      <a:srgbClr val="000000">
-                        <a:alpha val="70000"/>
-                      </a:srgbClr>
-                    </a:outerShdw>
-                  </a:effectLst>
-                </a:rPr>
-                <a:t>&lt;SERVICE CONSUMER&gt;</a:t>
-              </a:r>
-              <a:endParaRPr kumimoji="0" lang="it-IT" sz="2800" i="0" u="none" strike="noStrike" normalizeH="0" baseline="0" dirty="0">
-                <a:ln w="18415" cmpd="sng">
-                  <a:solidFill>
-                    <a:srgbClr val="FFFFFF"/>
-                  </a:solidFill>
-                  <a:prstDash val="solid"/>
-                </a:ln>
-                <a:solidFill>
-                  <a:srgbClr val="FFFFFF"/>
-                </a:solidFill>
-                <a:effectLst>
-                  <a:outerShdw blurRad="63500" dir="3600000" algn="tl" rotWithShape="0">
-                    <a:srgbClr val="000000">
-                      <a:alpha val="70000"/>
-                    </a:srgbClr>
-                  </a:outerShdw>
-                </a:effectLst>
-                <a:ea typeface="ヒラギノ角ゴ ProN W3" charset="0"/>
-                <a:cs typeface="ヒラギノ角ゴ ProN W3" charset="0"/>
-                <a:sym typeface="Gill Sans" charset="0"/>
-              </a:endParaRPr>
-            </a:p>
-          </p:txBody>
-        </p:sp>
-        <p:cxnSp>
-          <p:nvCxnSpPr>
-            <p:cNvPr id="87" name="Connettore 2 86"/>
-            <p:cNvCxnSpPr>
-              <a:stCxn id="84" idx="0"/>
-              <a:endCxn id="88" idx="4"/>
-            </p:cNvCxnSpPr>
-            <p:nvPr/>
-          </p:nvCxnSpPr>
-          <p:spPr bwMode="auto">
-            <a:xfrm flipH="1" flipV="1">
-              <a:off x="17259299" y="3383969"/>
-              <a:ext cx="1" cy="391763"/>
-            </a:xfrm>
-            <a:prstGeom prst="straightConnector1">
-              <a:avLst/>
-            </a:prstGeom>
-            <a:solidFill>
-              <a:srgbClr val="BBE0E3"/>
-            </a:solidFill>
-            <a:ln w="50800" cap="flat" cmpd="sng" algn="ctr">
-              <a:solidFill>
-                <a:srgbClr val="000000"/>
-              </a:solidFill>
-              <a:prstDash val="solid"/>
-              <a:round/>
-              <a:headEnd type="none" w="med" len="med"/>
-              <a:tailEnd type="none"/>
-            </a:ln>
-            <a:effectLst/>
-            <a:extLst>
-              <a:ext uri="{AF507438-7753-43E0-B8FC-AC1667EBCBE1}">
-                <a14:hiddenEffects xmlns:a14="http://schemas.microsoft.com/office/drawing/2010/main">
-                  <a:effectLst>
-                    <a:outerShdw blurRad="63500" dist="38099" dir="2700000" algn="ctr" rotWithShape="0">
-                      <a:schemeClr val="bg2">
-                        <a:alpha val="74998"/>
-                      </a:schemeClr>
-                    </a:outerShdw>
-                  </a:effectLst>
-                </a14:hiddenEffects>
-              </a:ext>
-            </a:extLst>
-          </p:spPr>
-        </p:cxnSp>
-        <p:sp>
-          <p:nvSpPr>
-            <p:cNvPr id="88" name="Ovale 87"/>
-            <p:cNvSpPr/>
-            <p:nvPr/>
-          </p:nvSpPr>
-          <p:spPr bwMode="auto">
-            <a:xfrm flipH="1">
-              <a:off x="17123568" y="3122826"/>
-              <a:ext cx="271463" cy="261143"/>
-            </a:xfrm>
-            <a:prstGeom prst="ellipse">
-              <a:avLst/>
-            </a:prstGeom>
-            <a:solidFill>
-              <a:schemeClr val="tx1"/>
-            </a:solidFill>
-            <a:ln w="25400" cap="flat" cmpd="sng" algn="ctr">
-              <a:solidFill>
-                <a:srgbClr val="000000"/>
-              </a:solidFill>
-              <a:prstDash val="solid"/>
-              <a:round/>
-              <a:headEnd type="none" w="med" len="med"/>
-              <a:tailEnd type="none" w="med" len="med"/>
-            </a:ln>
-            <a:effectLst/>
-            <a:extLst/>
-          </p:spPr>
-          <p:txBody>
-            <a:bodyPr vert="horz" wrap="square" lIns="91440" tIns="45720" rIns="91440" bIns="45720" numCol="1" rtlCol="0" anchor="t" anchorCtr="0" compatLnSpc="1">
-              <a:prstTxWarp prst="textNoShape">
-                <a:avLst/>
-              </a:prstTxWarp>
-            </a:bodyPr>
-            <a:lstStyle/>
-            <a:p>
-              <a:pPr marL="0" marR="0" indent="0" algn="ctr" defTabSz="914400" rtl="0" eaLnBrk="1" fontAlgn="base" latinLnBrk="0" hangingPunct="1">
-                <a:lnSpc>
-                  <a:spcPct val="100000"/>
-                </a:lnSpc>
-                <a:spcBef>
-                  <a:spcPct val="0"/>
-                </a:spcBef>
-                <a:spcAft>
-                  <a:spcPct val="0"/>
-                </a:spcAft>
-                <a:buClrTx/>
-                <a:buSzTx/>
-                <a:buFontTx/>
-                <a:buNone/>
-                <a:tabLst/>
-              </a:pPr>
-              <a:endParaRPr kumimoji="0" lang="it-IT" sz="11200" b="0" i="0" u="none" strike="noStrike" cap="none" normalizeH="0" baseline="0">
-                <a:ln>
-                  <a:noFill/>
-                </a:ln>
-                <a:solidFill>
-                  <a:srgbClr val="000000"/>
-                </a:solidFill>
-                <a:effectLst/>
-                <a:latin typeface="Gill Sans" charset="0"/>
-                <a:ea typeface="ヒラギノ角ゴ ProN W3" charset="0"/>
-                <a:cs typeface="ヒラギノ角ゴ ProN W3" charset="0"/>
-                <a:sym typeface="Gill Sans" charset="0"/>
-              </a:endParaRPr>
-            </a:p>
-          </p:txBody>
-        </p:sp>
-        <p:sp>
-          <p:nvSpPr>
-            <p:cNvPr id="97" name="Cilindro 96"/>
-            <p:cNvSpPr/>
-            <p:nvPr/>
-          </p:nvSpPr>
-          <p:spPr bwMode="auto">
-            <a:xfrm>
-              <a:off x="20220054" y="4063378"/>
-              <a:ext cx="914400" cy="849313"/>
-            </a:xfrm>
-            <a:prstGeom prst="can">
-              <a:avLst/>
-            </a:prstGeom>
-            <a:solidFill>
-              <a:srgbClr val="0070C0"/>
-            </a:solidFill>
-            <a:ln w="25400" cap="flat" cmpd="sng" algn="ctr">
-              <a:solidFill>
-                <a:srgbClr val="000000"/>
-              </a:solidFill>
-              <a:prstDash val="solid"/>
-              <a:round/>
-              <a:headEnd type="none" w="med" len="med"/>
-              <a:tailEnd type="none" w="med" len="med"/>
-            </a:ln>
-            <a:effectLst/>
-            <a:extLst/>
-          </p:spPr>
-          <p:txBody>
-            <a:bodyPr vert="horz" wrap="square" lIns="91440" tIns="45720" rIns="91440" bIns="45720" numCol="1" rtlCol="0" anchor="t" anchorCtr="0" compatLnSpc="1">
-              <a:prstTxWarp prst="textNoShape">
-                <a:avLst/>
-              </a:prstTxWarp>
-            </a:bodyPr>
-            <a:lstStyle/>
-            <a:p>
-              <a:pPr marL="0" marR="0" indent="0" algn="ctr" defTabSz="914400" rtl="0" eaLnBrk="1" fontAlgn="base" latinLnBrk="0" hangingPunct="1">
-                <a:lnSpc>
-                  <a:spcPct val="100000"/>
-                </a:lnSpc>
-                <a:spcBef>
-                  <a:spcPct val="0"/>
-                </a:spcBef>
-                <a:spcAft>
-                  <a:spcPct val="0"/>
-                </a:spcAft>
-                <a:buClrTx/>
-                <a:buSzTx/>
-                <a:buFontTx/>
-                <a:buNone/>
-                <a:tabLst/>
-              </a:pPr>
-              <a:endParaRPr kumimoji="0" lang="it-IT" sz="11200" b="0" i="0" u="none" strike="noStrike" cap="none" normalizeH="0" baseline="0">
-                <a:ln>
-                  <a:noFill/>
-                </a:ln>
-                <a:solidFill>
-                  <a:srgbClr val="000000"/>
-                </a:solidFill>
-                <a:effectLst/>
-                <a:latin typeface="Gill Sans" charset="0"/>
-                <a:ea typeface="ヒラギノ角ゴ ProN W3" charset="0"/>
-                <a:cs typeface="ヒラギノ角ゴ ProN W3" charset="0"/>
-                <a:sym typeface="Gill Sans" charset="0"/>
-              </a:endParaRPr>
-            </a:p>
-          </p:txBody>
-        </p:sp>
-        <p:cxnSp>
-          <p:nvCxnSpPr>
-            <p:cNvPr id="98" name="Connettore 2 97"/>
-            <p:cNvCxnSpPr>
-              <a:stCxn id="84" idx="3"/>
-              <a:endCxn id="97" idx="2"/>
-            </p:cNvCxnSpPr>
-            <p:nvPr/>
-          </p:nvCxnSpPr>
-          <p:spPr bwMode="auto">
-            <a:xfrm>
-              <a:off x="19583400" y="4478674"/>
-              <a:ext cx="636654" cy="9361"/>
-            </a:xfrm>
-            <a:prstGeom prst="straightConnector1">
-              <a:avLst/>
-            </a:prstGeom>
-            <a:solidFill>
-              <a:srgbClr val="BBE0E3"/>
-            </a:solidFill>
-            <a:ln w="50800" cap="flat" cmpd="sng" algn="ctr">
-              <a:solidFill>
-                <a:srgbClr val="000000"/>
-              </a:solidFill>
-              <a:prstDash val="solid"/>
-              <a:round/>
-              <a:headEnd type="none" w="med" len="med"/>
-              <a:tailEnd type="arrow"/>
-            </a:ln>
-            <a:effectLst/>
-            <a:extLst>
-              <a:ext uri="{AF507438-7753-43E0-B8FC-AC1667EBCBE1}">
-                <a14:hiddenEffects xmlns:a14="http://schemas.microsoft.com/office/drawing/2010/main">
-                  <a:effectLst>
-                    <a:outerShdw blurRad="63500" dist="38099" dir="2700000" algn="ctr" rotWithShape="0">
-                      <a:schemeClr val="bg2">
-                        <a:alpha val="74998"/>
-                      </a:schemeClr>
-                    </a:outerShdw>
-                  </a:effectLst>
-                </a14:hiddenEffects>
-              </a:ext>
-            </a:extLst>
-          </p:spPr>
-        </p:cxnSp>
-      </p:grpSp>
-      <p:sp>
-        <p:nvSpPr>
-          <p:cNvPr id="12328" name="Fumetto 2 12327"/>
-          <p:cNvSpPr/>
-          <p:nvPr/>
-        </p:nvSpPr>
-        <p:spPr bwMode="auto">
-          <a:xfrm>
-            <a:off x="6631796" y="2172826"/>
-            <a:ext cx="3294062" cy="919146"/>
-          </a:xfrm>
-          <a:prstGeom prst="wedgeRoundRectCallout">
-            <a:avLst>
-              <a:gd name="adj1" fmla="val -20833"/>
-              <a:gd name="adj2" fmla="val 89809"/>
-              <a:gd name="adj3" fmla="val 16667"/>
-            </a:avLst>
-          </a:prstGeom>
-          <a:solidFill>
-            <a:srgbClr val="FFC000"/>
-          </a:solidFill>
-          <a:ln w="25400" cap="flat" cmpd="sng" algn="ctr">
-            <a:solidFill>
-              <a:srgbClr val="000000"/>
-            </a:solidFill>
-            <a:prstDash val="solid"/>
-            <a:round/>
-            <a:headEnd type="none" w="med" len="med"/>
-            <a:tailEnd type="none" w="med" len="med"/>
-          </a:ln>
-          <a:effectLst/>
-          <a:extLst/>
-        </p:spPr>
-        <p:txBody>
-          <a:bodyPr vert="horz" wrap="square" lIns="91440" tIns="45720" rIns="91440" bIns="45720" numCol="1" rtlCol="0" anchor="t" anchorCtr="0" compatLnSpc="1">
-            <a:prstTxWarp prst="textNoShape">
-              <a:avLst/>
-            </a:prstTxWarp>
-          </a:bodyPr>
-          <a:lstStyle/>
-          <a:p>
-            <a:pPr marL="0" marR="0" indent="0" algn="ctr" defTabSz="914400" rtl="0" eaLnBrk="1" fontAlgn="base" latinLnBrk="0" hangingPunct="1">
-              <a:lnSpc>
-                <a:spcPct val="100000"/>
-              </a:lnSpc>
-              <a:spcBef>
-                <a:spcPct val="0"/>
-              </a:spcBef>
-              <a:spcAft>
-                <a:spcPct val="0"/>
-              </a:spcAft>
-              <a:buClrTx/>
-              <a:buSzTx/>
-              <a:buFontTx/>
-              <a:buNone/>
-              <a:tabLst/>
-            </a:pPr>
-            <a:r>
-              <a:rPr kumimoji="0" lang="it-IT" sz="4400" b="0" i="0" u="none" strike="noStrike" cap="none" normalizeH="0" baseline="0" dirty="0" smtClean="0">
-                <a:ln>
-                  <a:noFill/>
-                </a:ln>
-                <a:solidFill>
-                  <a:srgbClr val="000000"/>
-                </a:solidFill>
-                <a:effectLst/>
-                <a:latin typeface="Gill Sans" charset="0"/>
-                <a:ea typeface="ヒラギノ角ゴ ProN W3" charset="0"/>
-                <a:cs typeface="ヒラギノ角ゴ ProN W3" charset="0"/>
-                <a:sym typeface="Gill Sans" charset="0"/>
-              </a:rPr>
-              <a:t>http/</a:t>
-            </a:r>
-            <a:r>
-              <a:rPr kumimoji="0" lang="it-IT" sz="4400" b="0" i="0" u="none" strike="noStrike" cap="none" normalizeH="0" baseline="0" dirty="0" err="1" smtClean="0">
-                <a:ln>
-                  <a:noFill/>
-                </a:ln>
-                <a:solidFill>
-                  <a:srgbClr val="000000"/>
-                </a:solidFill>
-                <a:effectLst/>
-                <a:latin typeface="Gill Sans" charset="0"/>
-                <a:ea typeface="ヒラギノ角ゴ ProN W3" charset="0"/>
-                <a:cs typeface="ヒラギノ角ゴ ProN W3" charset="0"/>
-                <a:sym typeface="Gill Sans" charset="0"/>
-              </a:rPr>
-              <a:t>rest</a:t>
-            </a:r>
-            <a:endParaRPr kumimoji="0" lang="it-IT" sz="4400" b="0" i="0" u="none" strike="noStrike" cap="none" normalizeH="0" baseline="0" dirty="0">
-              <a:ln>
-                <a:noFill/>
-              </a:ln>
-              <a:solidFill>
-                <a:srgbClr val="000000"/>
-              </a:solidFill>
-              <a:effectLst/>
-              <a:latin typeface="Gill Sans" charset="0"/>
-              <a:ea typeface="ヒラギノ角ゴ ProN W3" charset="0"/>
-              <a:cs typeface="ヒラギノ角ゴ ProN W3" charset="0"/>
-              <a:sym typeface="Gill Sans" charset="0"/>
-            </a:endParaRPr>
-          </a:p>
-        </p:txBody>
-      </p:sp>
-      <p:sp>
-        <p:nvSpPr>
-          <p:cNvPr id="130" name="Rettangolo arrotondato 129"/>
-          <p:cNvSpPr/>
-          <p:nvPr/>
-        </p:nvSpPr>
-        <p:spPr bwMode="auto">
-          <a:xfrm>
-            <a:off x="6224764" y="4943431"/>
-            <a:ext cx="2736055" cy="632400"/>
-          </a:xfrm>
-          <a:prstGeom prst="roundRect">
-            <a:avLst>
-              <a:gd name="adj" fmla="val 50000"/>
-            </a:avLst>
-          </a:prstGeom>
-          <a:solidFill>
-            <a:srgbClr val="00B050"/>
-          </a:solidFill>
-          <a:ln w="25400" cap="flat" cmpd="sng" algn="ctr">
-            <a:solidFill>
-              <a:srgbClr val="000000"/>
-            </a:solidFill>
-            <a:prstDash val="solid"/>
-            <a:round/>
-            <a:headEnd type="none" w="med" len="med"/>
-            <a:tailEnd type="none" w="med" len="med"/>
-          </a:ln>
-          <a:effectLst/>
-          <a:extLst/>
-        </p:spPr>
-        <p:txBody>
-          <a:bodyPr vert="horz" wrap="square" lIns="91440" tIns="45720" rIns="91440" bIns="45720" numCol="1" rtlCol="0" anchor="ctr" anchorCtr="0" compatLnSpc="1">
-            <a:prstTxWarp prst="textNoShape">
-              <a:avLst/>
-            </a:prstTxWarp>
-          </a:bodyPr>
-          <a:lstStyle/>
-          <a:p>
-            <a:pPr algn="ctr" eaLnBrk="1" hangingPunct="1"/>
-            <a:r>
-              <a:rPr lang="it-IT" sz="2800" dirty="0" smtClean="0">
-                <a:ln w="18415" cmpd="sng">
-                  <a:solidFill>
-                    <a:srgbClr val="FFFFFF"/>
-                  </a:solidFill>
-                  <a:prstDash val="solid"/>
-                </a:ln>
-                <a:solidFill>
-                  <a:srgbClr val="FFFFFF"/>
-                </a:solidFill>
-                <a:effectLst>
-                  <a:outerShdw blurRad="63500" dir="3600000" algn="tl" rotWithShape="0">
-                    <a:srgbClr val="000000">
-                      <a:alpha val="70000"/>
-                    </a:srgbClr>
-                  </a:outerShdw>
-                </a:effectLst>
-              </a:rPr>
-              <a:t>RIBBON</a:t>
-            </a:r>
-            <a:endParaRPr kumimoji="0" lang="it-IT" sz="2800" i="0" u="none" strike="noStrike" normalizeH="0" baseline="0" dirty="0">
-              <a:ln w="18415" cmpd="sng">
-                <a:solidFill>
-                  <a:srgbClr val="FFFFFF"/>
-                </a:solidFill>
-                <a:prstDash val="solid"/>
-              </a:ln>
-              <a:solidFill>
-                <a:srgbClr val="FFFFFF"/>
-              </a:solidFill>
-              <a:effectLst>
-                <a:outerShdw blurRad="63500" dir="3600000" algn="tl" rotWithShape="0">
-                  <a:srgbClr val="000000">
-                    <a:alpha val="70000"/>
-                  </a:srgbClr>
-                </a:outerShdw>
-              </a:effectLst>
-              <a:ea typeface="ヒラギノ角ゴ ProN W3" charset="0"/>
-              <a:cs typeface="ヒラギノ角ゴ ProN W3" charset="0"/>
-              <a:sym typeface="Gill Sans" charset="0"/>
-            </a:endParaRPr>
-          </a:p>
-        </p:txBody>
-      </p:sp>
-      <p:sp>
-        <p:nvSpPr>
-          <p:cNvPr id="131" name="Rettangolo arrotondato 130"/>
-          <p:cNvSpPr/>
-          <p:nvPr/>
-        </p:nvSpPr>
-        <p:spPr bwMode="auto">
-          <a:xfrm rot="16200000">
-            <a:off x="-785321" y="8124677"/>
-            <a:ext cx="4372018" cy="830552"/>
-          </a:xfrm>
-          <a:prstGeom prst="roundRect">
-            <a:avLst>
-              <a:gd name="adj" fmla="val 50000"/>
-            </a:avLst>
-          </a:prstGeom>
-          <a:solidFill>
-            <a:srgbClr val="00B050"/>
-          </a:solidFill>
-          <a:ln w="25400" cap="flat" cmpd="sng" algn="ctr">
-            <a:solidFill>
-              <a:srgbClr val="000000"/>
-            </a:solidFill>
-            <a:prstDash val="solid"/>
-            <a:round/>
-            <a:headEnd type="none" w="med" len="med"/>
-            <a:tailEnd type="none" w="med" len="med"/>
-          </a:ln>
-          <a:effectLst/>
-          <a:extLst/>
-        </p:spPr>
-        <p:txBody>
-          <a:bodyPr vert="horz" wrap="square" lIns="91440" tIns="45720" rIns="91440" bIns="45720" numCol="1" rtlCol="0" anchor="ctr" anchorCtr="0" compatLnSpc="1">
-            <a:prstTxWarp prst="textNoShape">
-              <a:avLst/>
-            </a:prstTxWarp>
-          </a:bodyPr>
-          <a:lstStyle/>
-          <a:p>
-            <a:pPr algn="ctr" eaLnBrk="1" hangingPunct="1"/>
-            <a:r>
-              <a:rPr lang="it-IT" sz="2800" dirty="0" smtClean="0">
-                <a:ln w="18415" cmpd="sng">
-                  <a:solidFill>
-                    <a:srgbClr val="FFFFFF"/>
-                  </a:solidFill>
-                  <a:prstDash val="solid"/>
-                </a:ln>
-                <a:solidFill>
-                  <a:srgbClr val="FFFFFF"/>
-                </a:solidFill>
-                <a:effectLst>
-                  <a:outerShdw blurRad="63500" dir="3600000" algn="tl" rotWithShape="0">
-                    <a:srgbClr val="000000">
-                      <a:alpha val="70000"/>
-                    </a:srgbClr>
-                  </a:outerShdw>
-                </a:effectLst>
-              </a:rPr>
-              <a:t>EUREKA</a:t>
-            </a:r>
-            <a:endParaRPr kumimoji="0" lang="it-IT" sz="2800" i="0" u="none" strike="noStrike" normalizeH="0" baseline="0" dirty="0">
-              <a:ln w="18415" cmpd="sng">
-                <a:solidFill>
-                  <a:srgbClr val="FFFFFF"/>
-                </a:solidFill>
-                <a:prstDash val="solid"/>
-              </a:ln>
-              <a:solidFill>
-                <a:srgbClr val="FFFFFF"/>
-              </a:solidFill>
-              <a:effectLst>
-                <a:outerShdw blurRad="63500" dir="3600000" algn="tl" rotWithShape="0">
-                  <a:srgbClr val="000000">
-                    <a:alpha val="70000"/>
-                  </a:srgbClr>
-                </a:outerShdw>
-              </a:effectLst>
-              <a:ea typeface="ヒラギノ角ゴ ProN W3" charset="0"/>
-              <a:cs typeface="ヒラギノ角ゴ ProN W3" charset="0"/>
-              <a:sym typeface="Gill Sans" charset="0"/>
-            </a:endParaRPr>
-          </a:p>
-        </p:txBody>
-      </p:sp>
-      <p:sp>
-        <p:nvSpPr>
-          <p:cNvPr id="2" name="Rettangolo arrotondato 1"/>
-          <p:cNvSpPr/>
-          <p:nvPr/>
-        </p:nvSpPr>
-        <p:spPr bwMode="auto">
-          <a:xfrm>
-            <a:off x="1942087" y="8167787"/>
-            <a:ext cx="11307650" cy="2159192"/>
-          </a:xfrm>
-          <a:prstGeom prst="roundRect">
-            <a:avLst/>
-          </a:prstGeom>
-          <a:solidFill>
-            <a:srgbClr val="0070C0"/>
-          </a:solidFill>
-          <a:ln w="25400" cap="flat" cmpd="sng" algn="ctr">
-            <a:solidFill>
-              <a:srgbClr val="000000"/>
-            </a:solidFill>
-            <a:prstDash val="solid"/>
-            <a:round/>
-            <a:headEnd type="none" w="med" len="med"/>
-            <a:tailEnd type="none" w="med" len="med"/>
-          </a:ln>
-          <a:effectLst/>
-          <a:extLst/>
-        </p:spPr>
-        <p:txBody>
-          <a:bodyPr vert="horz" wrap="square" lIns="91440" tIns="45720" rIns="91440" bIns="45720" numCol="1" rtlCol="0" anchor="b" anchorCtr="0" compatLnSpc="1">
-            <a:prstTxWarp prst="textNoShape">
-              <a:avLst/>
-            </a:prstTxWarp>
-          </a:bodyPr>
-          <a:lstStyle/>
-          <a:p>
-            <a:pPr algn="ctr" eaLnBrk="1" hangingPunct="1"/>
-            <a:r>
-              <a:rPr lang="it-IT" sz="2800" dirty="0" smtClean="0">
-                <a:ln w="18415" cmpd="sng">
-                  <a:solidFill>
-                    <a:srgbClr val="FFFFFF"/>
-                  </a:solidFill>
-                  <a:prstDash val="solid"/>
-                </a:ln>
-                <a:solidFill>
-                  <a:srgbClr val="FFFFFF"/>
-                </a:solidFill>
-                <a:effectLst>
-                  <a:outerShdw blurRad="63500" dir="3600000" algn="tl" rotWithShape="0">
-                    <a:srgbClr val="000000">
-                      <a:alpha val="70000"/>
-                    </a:srgbClr>
-                  </a:outerShdw>
-                </a:effectLst>
-              </a:rPr>
-              <a:t>BOOKING</a:t>
-            </a:r>
-          </a:p>
-        </p:txBody>
-      </p:sp>
-      <p:sp>
-        <p:nvSpPr>
-          <p:cNvPr id="3" name="Cilindro 2"/>
-          <p:cNvSpPr/>
-          <p:nvPr/>
-        </p:nvSpPr>
-        <p:spPr bwMode="auto">
-          <a:xfrm>
-            <a:off x="7138712" y="11168416"/>
-            <a:ext cx="914400" cy="849313"/>
-          </a:xfrm>
-          <a:prstGeom prst="can">
-            <a:avLst/>
-          </a:prstGeom>
-          <a:solidFill>
-            <a:srgbClr val="0070C0"/>
-          </a:solidFill>
-          <a:ln w="25400" cap="flat" cmpd="sng" algn="ctr">
-            <a:solidFill>
-              <a:srgbClr val="000000"/>
-            </a:solidFill>
-            <a:prstDash val="solid"/>
-            <a:round/>
-            <a:headEnd type="none" w="med" len="med"/>
-            <a:tailEnd type="none" w="med" len="med"/>
-          </a:ln>
-          <a:effectLst/>
-          <a:extLst/>
-        </p:spPr>
-        <p:txBody>
-          <a:bodyPr vert="horz" wrap="square" lIns="91440" tIns="45720" rIns="91440" bIns="45720" numCol="1" rtlCol="0" anchor="t" anchorCtr="0" compatLnSpc="1">
-            <a:prstTxWarp prst="textNoShape">
-              <a:avLst/>
-            </a:prstTxWarp>
-          </a:bodyPr>
-          <a:lstStyle/>
-          <a:p>
-            <a:pPr marL="0" marR="0" indent="0" algn="ctr" defTabSz="914400" rtl="0" eaLnBrk="1" fontAlgn="base" latinLnBrk="0" hangingPunct="1">
-              <a:lnSpc>
-                <a:spcPct val="100000"/>
-              </a:lnSpc>
-              <a:spcBef>
-                <a:spcPct val="0"/>
-              </a:spcBef>
-              <a:spcAft>
-                <a:spcPct val="0"/>
-              </a:spcAft>
-              <a:buClrTx/>
-              <a:buSzTx/>
-              <a:buFontTx/>
-              <a:buNone/>
-              <a:tabLst/>
-            </a:pPr>
-            <a:endParaRPr kumimoji="0" lang="it-IT" sz="11200" b="0" i="0" u="none" strike="noStrike" cap="none" normalizeH="0" baseline="0">
-              <a:ln>
-                <a:noFill/>
-              </a:ln>
-              <a:solidFill>
-                <a:srgbClr val="000000"/>
-              </a:solidFill>
-              <a:effectLst/>
-              <a:latin typeface="Gill Sans" charset="0"/>
-              <a:ea typeface="ヒラギノ角ゴ ProN W3" charset="0"/>
-              <a:cs typeface="ヒラギノ角ゴ ProN W3" charset="0"/>
-              <a:sym typeface="Gill Sans" charset="0"/>
-            </a:endParaRPr>
-          </a:p>
-        </p:txBody>
-      </p:sp>
-      <p:cxnSp>
-        <p:nvCxnSpPr>
-          <p:cNvPr id="6" name="Connettore 2 5"/>
-          <p:cNvCxnSpPr>
-            <a:stCxn id="2" idx="2"/>
-            <a:endCxn id="3" idx="1"/>
-          </p:cNvCxnSpPr>
-          <p:nvPr/>
-        </p:nvCxnSpPr>
-        <p:spPr bwMode="auto">
-          <a:xfrm>
-            <a:off x="7595912" y="10326979"/>
-            <a:ext cx="0" cy="841437"/>
-          </a:xfrm>
-          <a:prstGeom prst="straightConnector1">
-            <a:avLst/>
-          </a:prstGeom>
-          <a:solidFill>
-            <a:srgbClr val="BBE0E3"/>
-          </a:solidFill>
-          <a:ln w="50800" cap="flat" cmpd="sng" algn="ctr">
-            <a:solidFill>
-              <a:srgbClr val="000000"/>
-            </a:solidFill>
-            <a:prstDash val="solid"/>
-            <a:round/>
-            <a:headEnd type="none" w="med" len="med"/>
-            <a:tailEnd type="arrow"/>
-          </a:ln>
-          <a:effectLst/>
-          <a:extLst>
-            <a:ext uri="{AF507438-7753-43E0-B8FC-AC1667EBCBE1}">
-              <a14:hiddenEffects xmlns:a14="http://schemas.microsoft.com/office/drawing/2010/main">
-                <a:effectLst>
-                  <a:outerShdw blurRad="63500" dist="38099" dir="2700000" algn="ctr" rotWithShape="0">
-                    <a:schemeClr val="bg2">
-                      <a:alpha val="74998"/>
-                    </a:schemeClr>
-                  </a:outerShdw>
-                </a:effectLst>
-              </a14:hiddenEffects>
-            </a:ext>
-          </a:extLst>
-        </p:spPr>
-      </p:cxnSp>
-      <p:cxnSp>
-        <p:nvCxnSpPr>
-          <p:cNvPr id="55" name="Connettore 2 54"/>
-          <p:cNvCxnSpPr>
-            <a:stCxn id="2" idx="0"/>
-            <a:endCxn id="11" idx="4"/>
-          </p:cNvCxnSpPr>
-          <p:nvPr/>
-        </p:nvCxnSpPr>
-        <p:spPr bwMode="auto">
-          <a:xfrm flipH="1" flipV="1">
-            <a:off x="7595911" y="7829411"/>
-            <a:ext cx="1" cy="338376"/>
-          </a:xfrm>
-          <a:prstGeom prst="straightConnector1">
-            <a:avLst/>
-          </a:prstGeom>
-          <a:solidFill>
-            <a:srgbClr val="BBE0E3"/>
-          </a:solidFill>
-          <a:ln w="50800" cap="flat" cmpd="sng" algn="ctr">
-            <a:solidFill>
-              <a:srgbClr val="000000"/>
-            </a:solidFill>
-            <a:prstDash val="solid"/>
-            <a:round/>
-            <a:headEnd type="none" w="med" len="med"/>
-            <a:tailEnd type="none"/>
-          </a:ln>
-          <a:effectLst/>
-          <a:extLst>
-            <a:ext uri="{AF507438-7753-43E0-B8FC-AC1667EBCBE1}">
-              <a14:hiddenEffects xmlns:a14="http://schemas.microsoft.com/office/drawing/2010/main">
-                <a:effectLst>
-                  <a:outerShdw blurRad="63500" dist="38099" dir="2700000" algn="ctr" rotWithShape="0">
-                    <a:schemeClr val="bg2">
-                      <a:alpha val="74998"/>
-                    </a:schemeClr>
-                  </a:outerShdw>
-                </a:effectLst>
-              </a14:hiddenEffects>
-            </a:ext>
-          </a:extLst>
-        </p:spPr>
-      </p:cxnSp>
-      <p:sp>
-        <p:nvSpPr>
-          <p:cNvPr id="11" name="Ovale 10"/>
-          <p:cNvSpPr/>
-          <p:nvPr/>
-        </p:nvSpPr>
-        <p:spPr bwMode="auto">
-          <a:xfrm flipH="1">
-            <a:off x="7460180" y="7568268"/>
-            <a:ext cx="271463" cy="261143"/>
-          </a:xfrm>
-          <a:prstGeom prst="ellipse">
-            <a:avLst/>
-          </a:prstGeom>
-          <a:solidFill>
-            <a:schemeClr val="tx1"/>
-          </a:solidFill>
-          <a:ln w="25400" cap="flat" cmpd="sng" algn="ctr">
-            <a:solidFill>
-              <a:srgbClr val="000000"/>
-            </a:solidFill>
-            <a:prstDash val="solid"/>
-            <a:round/>
-            <a:headEnd type="none" w="med" len="med"/>
-            <a:tailEnd type="none" w="med" len="med"/>
-          </a:ln>
-          <a:effectLst/>
-          <a:extLst/>
-        </p:spPr>
-        <p:txBody>
-          <a:bodyPr vert="horz" wrap="square" lIns="91440" tIns="45720" rIns="91440" bIns="45720" numCol="1" rtlCol="0" anchor="t" anchorCtr="0" compatLnSpc="1">
-            <a:prstTxWarp prst="textNoShape">
-              <a:avLst/>
-            </a:prstTxWarp>
-          </a:bodyPr>
-          <a:lstStyle/>
-          <a:p>
-            <a:pPr marL="0" marR="0" indent="0" algn="ctr" defTabSz="914400" rtl="0" eaLnBrk="1" fontAlgn="base" latinLnBrk="0" hangingPunct="1">
-              <a:lnSpc>
-                <a:spcPct val="100000"/>
-              </a:lnSpc>
-              <a:spcBef>
-                <a:spcPct val="0"/>
-              </a:spcBef>
-              <a:spcAft>
-                <a:spcPct val="0"/>
-              </a:spcAft>
-              <a:buClrTx/>
-              <a:buSzTx/>
-              <a:buFontTx/>
-              <a:buNone/>
-              <a:tabLst/>
-            </a:pPr>
-            <a:endParaRPr kumimoji="0" lang="it-IT" sz="11200" b="0" i="0" u="none" strike="noStrike" cap="none" normalizeH="0" baseline="0">
-              <a:ln>
-                <a:noFill/>
-              </a:ln>
-              <a:solidFill>
-                <a:srgbClr val="000000"/>
-              </a:solidFill>
-              <a:effectLst/>
-              <a:latin typeface="Gill Sans" charset="0"/>
-              <a:ea typeface="ヒラギノ角ゴ ProN W3" charset="0"/>
-              <a:cs typeface="ヒラギノ角ゴ ProN W3" charset="0"/>
-              <a:sym typeface="Gill Sans" charset="0"/>
-            </a:endParaRPr>
-          </a:p>
-        </p:txBody>
-      </p:sp>
-      <p:sp>
-        <p:nvSpPr>
-          <p:cNvPr id="57" name="Titolo 1"/>
-          <p:cNvSpPr>
-            <a:spLocks noGrp="1"/>
-          </p:cNvSpPr>
-          <p:nvPr>
-            <p:ph type="title"/>
-          </p:nvPr>
-        </p:nvSpPr>
-        <p:spPr>
-          <a:xfrm>
-            <a:off x="617538" y="241300"/>
-            <a:ext cx="23134637" cy="1358900"/>
-          </a:xfrm>
-        </p:spPr>
-        <p:txBody>
-          <a:bodyPr/>
-          <a:lstStyle/>
-          <a:p>
-            <a:r>
-              <a:rPr lang="it-IT" dirty="0" smtClean="0"/>
-              <a:t>System </a:t>
-            </a:r>
-            <a:r>
-              <a:rPr lang="it-IT" dirty="0" err="1" smtClean="0"/>
-              <a:t>landscape</a:t>
-            </a:r>
-            <a:r>
-              <a:rPr lang="it-IT" dirty="0" smtClean="0"/>
-              <a:t>  - </a:t>
-            </a:r>
-            <a:r>
-              <a:rPr lang="it-IT" dirty="0" err="1" smtClean="0"/>
               <a:t>Load</a:t>
             </a:r>
             <a:r>
@@ -28955,7 +30268,7 @@
 </p:sld>
 </file>
 
-<file path=ppt/slides/slide36.xml><?xml version="1.0" encoding="utf-8"?>
+<file path=ppt/slides/slide37.xml><?xml version="1.0" encoding="utf-8"?>
 <p:sld xmlns:a="http://schemas.openxmlformats.org/drawingml/2006/main" xmlns:r="http://schemas.openxmlformats.org/officeDocument/2006/relationships" xmlns:p="http://schemas.openxmlformats.org/presentationml/2006/main">
   <p:cSld>
     <p:spTree>
@@ -31995,7 +33308,7 @@
 </p:sld>
 </file>
 
-<file path=ppt/slides/slide37.xml><?xml version="1.0" encoding="utf-8"?>
+<file path=ppt/slides/slide38.xml><?xml version="1.0" encoding="utf-8"?>
 <p:sld xmlns:a="http://schemas.openxmlformats.org/drawingml/2006/main" xmlns:r="http://schemas.openxmlformats.org/officeDocument/2006/relationships" xmlns:p="http://schemas.openxmlformats.org/presentationml/2006/main">
   <p:cSld>
     <p:spTree>
@@ -32121,7 +33434,7 @@
 </p:sld>
 </file>
 
-<file path=ppt/slides/slide38.xml><?xml version="1.0" encoding="utf-8"?>
+<file path=ppt/slides/slide39.xml><?xml version="1.0" encoding="utf-8"?>
 <p:sld xmlns:a="http://schemas.openxmlformats.org/drawingml/2006/main" xmlns:r="http://schemas.openxmlformats.org/officeDocument/2006/relationships" xmlns:p="http://schemas.openxmlformats.org/presentationml/2006/main">
   <p:cSld>
     <p:bg>
@@ -32162,7 +33475,98 @@
 </p:sld>
 </file>
 
-<file path=ppt/slides/slide39.xml><?xml version="1.0" encoding="utf-8"?>
+<file path=ppt/slides/slide4.xml><?xml version="1.0" encoding="utf-8"?>
+<p:sld xmlns:a="http://schemas.openxmlformats.org/drawingml/2006/main" xmlns:r="http://schemas.openxmlformats.org/officeDocument/2006/relationships" xmlns:p="http://schemas.openxmlformats.org/presentationml/2006/main">
+  <p:cSld>
+    <p:spTree>
+      <p:nvGrpSpPr>
+        <p:cNvPr id="1" name=""/>
+        <p:cNvGrpSpPr/>
+        <p:nvPr/>
+      </p:nvGrpSpPr>
+      <p:grpSpPr>
+        <a:xfrm>
+          <a:off x="0" y="0"/>
+          <a:ext cx="0" cy="0"/>
+          <a:chOff x="0" y="0"/>
+          <a:chExt cx="0" cy="0"/>
+        </a:xfrm>
+      </p:grpSpPr>
+      <p:sp>
+        <p:nvSpPr>
+          <p:cNvPr id="7170" name="Rectangle 1"/>
+          <p:cNvSpPr>
+            <a:spLocks noGrp="1" noChangeArrowheads="1"/>
+          </p:cNvSpPr>
+          <p:nvPr>
+            <p:ph type="title"/>
+          </p:nvPr>
+        </p:nvSpPr>
+        <p:spPr/>
+        <p:txBody>
+          <a:bodyPr/>
+          <a:lstStyle/>
+          <a:p>
+            <a:pPr eaLnBrk="1" hangingPunct="1"/>
+            <a:r>
+              <a:rPr lang="en-US" sz="6600" b="0" dirty="0" smtClean="0"/>
+              <a:t>Full lifecycle of a microservice: how to realize a fault-tolerant and reliable architecture and deliver it as a </a:t>
+            </a:r>
+            <a:r>
+              <a:rPr lang="en-US" sz="6600" b="0" dirty="0" err="1" smtClean="0"/>
+              <a:t>Docker</a:t>
+            </a:r>
+            <a:r>
+              <a:rPr lang="en-US" sz="6600" b="0" dirty="0" smtClean="0"/>
+              <a:t> container or in a Cloud environment</a:t>
+            </a:r>
+            <a:endParaRPr lang="it-IT" sz="6600" dirty="0" smtClean="0"/>
+          </a:p>
+        </p:txBody>
+      </p:sp>
+      <p:sp>
+        <p:nvSpPr>
+          <p:cNvPr id="7171" name="Rectangle 2"/>
+          <p:cNvSpPr>
+            <a:spLocks noGrp="1" noChangeArrowheads="1"/>
+          </p:cNvSpPr>
+          <p:nvPr>
+            <p:ph type="body" idx="1"/>
+          </p:nvPr>
+        </p:nvSpPr>
+        <p:spPr/>
+        <p:txBody>
+          <a:bodyPr/>
+          <a:lstStyle/>
+          <a:p>
+            <a:pPr marL="914400" indent="-914400" eaLnBrk="1" hangingPunct="1">
+              <a:buFontTx/>
+              <a:buNone/>
+            </a:pPr>
+            <a:r>
+              <a:rPr lang="it-IT" smtClean="0"/>
+              <a:t>Luigi Bennardis</a:t>
+            </a:r>
+          </a:p>
+        </p:txBody>
+      </p:sp>
+    </p:spTree>
+  </p:cSld>
+  <p:clrMapOvr>
+    <a:masterClrMapping/>
+  </p:clrMapOvr>
+  <p:transition/>
+  <p:timing>
+    <p:tnLst>
+      <p:par>
+        <p:cTn id="1" dur="indefinite" restart="never" nodeType="tmRoot"/>
+      </p:par>
+    </p:tnLst>
+  </p:timing>
+</p:sld>
+</file>
+
+<file path=ppt/slides/slide40.xml><?xml version="1.0" encoding="utf-8"?>
 <p:sld xmlns:a="http://schemas.openxmlformats.org/drawingml/2006/main" xmlns:r="http://schemas.openxmlformats.org/officeDocument/2006/relationships" xmlns:p="http://schemas.openxmlformats.org/presentationml/2006/main">
   <p:cSld>
     <p:spTree>
@@ -34772,98 +36176,7 @@
 </p:sld>
 </file>
 
-<file path=ppt/slides/slide4.xml><?xml version="1.0" encoding="utf-8"?>
-<p:sld xmlns:a="http://schemas.openxmlformats.org/drawingml/2006/main" xmlns:r="http://schemas.openxmlformats.org/officeDocument/2006/relationships" xmlns:p="http://schemas.openxmlformats.org/presentationml/2006/main">
-  <p:cSld>
-    <p:spTree>
-      <p:nvGrpSpPr>
-        <p:cNvPr id="1" name=""/>
-        <p:cNvGrpSpPr/>
-        <p:nvPr/>
-      </p:nvGrpSpPr>
-      <p:grpSpPr>
-        <a:xfrm>
-          <a:off x="0" y="0"/>
-          <a:ext cx="0" cy="0"/>
-          <a:chOff x="0" y="0"/>
-          <a:chExt cx="0" cy="0"/>
-        </a:xfrm>
-      </p:grpSpPr>
-      <p:sp>
-        <p:nvSpPr>
-          <p:cNvPr id="7170" name="Rectangle 1"/>
-          <p:cNvSpPr>
-            <a:spLocks noGrp="1" noChangeArrowheads="1"/>
-          </p:cNvSpPr>
-          <p:nvPr>
-            <p:ph type="title"/>
-          </p:nvPr>
-        </p:nvSpPr>
-        <p:spPr/>
-        <p:txBody>
-          <a:bodyPr/>
-          <a:lstStyle/>
-          <a:p>
-            <a:pPr eaLnBrk="1" hangingPunct="1"/>
-            <a:r>
-              <a:rPr lang="en-US" sz="6600" b="0" dirty="0" smtClean="0"/>
-              <a:t>Full lifecycle of a microservice: how to realize a fault-tolerant and reliable architecture and deliver it as a </a:t>
-            </a:r>
-            <a:r>
-              <a:rPr lang="en-US" sz="6600" b="0" dirty="0" err="1" smtClean="0"/>
-              <a:t>Docker</a:t>
-            </a:r>
-            <a:r>
-              <a:rPr lang="en-US" sz="6600" b="0" dirty="0" smtClean="0"/>
-              <a:t> container or in a Cloud environment</a:t>
-            </a:r>
-            <a:endParaRPr lang="it-IT" sz="6600" dirty="0" smtClean="0"/>
-          </a:p>
-        </p:txBody>
-      </p:sp>
-      <p:sp>
-        <p:nvSpPr>
-          <p:cNvPr id="7171" name="Rectangle 2"/>
-          <p:cNvSpPr>
-            <a:spLocks noGrp="1" noChangeArrowheads="1"/>
-          </p:cNvSpPr>
-          <p:nvPr>
-            <p:ph type="body" idx="1"/>
-          </p:nvPr>
-        </p:nvSpPr>
-        <p:spPr/>
-        <p:txBody>
-          <a:bodyPr/>
-          <a:lstStyle/>
-          <a:p>
-            <a:pPr marL="914400" indent="-914400" eaLnBrk="1" hangingPunct="1">
-              <a:buFontTx/>
-              <a:buNone/>
-            </a:pPr>
-            <a:r>
-              <a:rPr lang="it-IT" smtClean="0"/>
-              <a:t>Luigi Bennardis</a:t>
-            </a:r>
-          </a:p>
-        </p:txBody>
-      </p:sp>
-    </p:spTree>
-  </p:cSld>
-  <p:clrMapOvr>
-    <a:masterClrMapping/>
-  </p:clrMapOvr>
-  <p:transition/>
-  <p:timing>
-    <p:tnLst>
-      <p:par>
-        <p:cTn id="1" dur="indefinite" restart="never" nodeType="tmRoot"/>
-      </p:par>
-    </p:tnLst>
-  </p:timing>
-</p:sld>
-</file>
-
-<file path=ppt/slides/slide40.xml><?xml version="1.0" encoding="utf-8"?>
+<file path=ppt/slides/slide41.xml><?xml version="1.0" encoding="utf-8"?>
 <p:sld xmlns:a="http://schemas.openxmlformats.org/drawingml/2006/main" xmlns:r="http://schemas.openxmlformats.org/officeDocument/2006/relationships" xmlns:p="http://schemas.openxmlformats.org/presentationml/2006/main">
   <p:cSld>
     <p:spTree>
@@ -37053,7 +38366,7 @@
 </p:sld>
 </file>
 
-<file path=ppt/slides/slide41.xml><?xml version="1.0" encoding="utf-8"?>
+<file path=ppt/slides/slide42.xml><?xml version="1.0" encoding="utf-8"?>
 <p:sld xmlns:a="http://schemas.openxmlformats.org/drawingml/2006/main" xmlns:r="http://schemas.openxmlformats.org/officeDocument/2006/relationships" xmlns:p="http://schemas.openxmlformats.org/presentationml/2006/main">
   <p:cSld>
     <p:spTree>
@@ -40530,8 +41843,13 @@
             <a:pPr lvl="1" eaLnBrk="1" hangingPunct="1"/>
             <a:r>
               <a:rPr lang="it-IT" dirty="0" smtClean="0"/>
-              <a:t>Project Management</a:t>
-            </a:r>
+              <a:t>Project Management </a:t>
+            </a:r>
+            <a:r>
+              <a:rPr lang="it-IT" dirty="0" err="1" smtClean="0"/>
+              <a:t>related</a:t>
+            </a:r>
+            <a:endParaRPr lang="it-IT" dirty="0" smtClean="0"/>
           </a:p>
           <a:p>
             <a:pPr lvl="2" eaLnBrk="1" hangingPunct="1"/>

--- a/luigiBennardisMicroservices.pptx
+++ b/luigiBennardisMicroservices.pptx
@@ -33,27 +33,29 @@
     <p:sldId id="295" r:id="rId27"/>
     <p:sldId id="280" r:id="rId28"/>
     <p:sldId id="296" r:id="rId29"/>
-    <p:sldId id="304" r:id="rId30"/>
-    <p:sldId id="268" r:id="rId31"/>
-    <p:sldId id="283" r:id="rId32"/>
-    <p:sldId id="282" r:id="rId33"/>
-    <p:sldId id="281" r:id="rId34"/>
-    <p:sldId id="275" r:id="rId35"/>
-    <p:sldId id="271" r:id="rId36"/>
-    <p:sldId id="292" r:id="rId37"/>
-    <p:sldId id="269" r:id="rId38"/>
-    <p:sldId id="299" r:id="rId39"/>
-    <p:sldId id="301" r:id="rId40"/>
-    <p:sldId id="307" r:id="rId41"/>
-    <p:sldId id="306" r:id="rId42"/>
-    <p:sldId id="298" r:id="rId43"/>
-    <p:sldId id="308" r:id="rId44"/>
-    <p:sldId id="265" r:id="rId45"/>
-    <p:sldId id="305" r:id="rId46"/>
-    <p:sldId id="300" r:id="rId47"/>
-    <p:sldId id="291" r:id="rId48"/>
-    <p:sldId id="270" r:id="rId49"/>
-    <p:sldId id="286" r:id="rId50"/>
+    <p:sldId id="310" r:id="rId30"/>
+    <p:sldId id="304" r:id="rId31"/>
+    <p:sldId id="268" r:id="rId32"/>
+    <p:sldId id="283" r:id="rId33"/>
+    <p:sldId id="282" r:id="rId34"/>
+    <p:sldId id="281" r:id="rId35"/>
+    <p:sldId id="275" r:id="rId36"/>
+    <p:sldId id="311" r:id="rId37"/>
+    <p:sldId id="271" r:id="rId38"/>
+    <p:sldId id="292" r:id="rId39"/>
+    <p:sldId id="269" r:id="rId40"/>
+    <p:sldId id="299" r:id="rId41"/>
+    <p:sldId id="301" r:id="rId42"/>
+    <p:sldId id="307" r:id="rId43"/>
+    <p:sldId id="306" r:id="rId44"/>
+    <p:sldId id="298" r:id="rId45"/>
+    <p:sldId id="308" r:id="rId46"/>
+    <p:sldId id="265" r:id="rId47"/>
+    <p:sldId id="305" r:id="rId48"/>
+    <p:sldId id="300" r:id="rId49"/>
+    <p:sldId id="291" r:id="rId50"/>
+    <p:sldId id="270" r:id="rId51"/>
+    <p:sldId id="286" r:id="rId52"/>
   </p:sldIdLst>
   <p:sldSz cx="24384000" cy="13716000"/>
   <p:notesSz cx="6858000" cy="9144000"/>
@@ -15843,16 +15845,11 @@
               <a:rPr lang="it-IT" dirty="0" smtClean="0"/>
               <a:t>DEVELOPMENT </a:t>
             </a:r>
-            <a:endParaRPr lang="it-IT" dirty="0" smtClean="0"/>
           </a:p>
           <a:p>
             <a:r>
               <a:rPr lang="it-IT" dirty="0" smtClean="0"/>
-              <a:t>UNIT </a:t>
-            </a:r>
-            <a:r>
-              <a:rPr lang="it-IT" dirty="0" smtClean="0"/>
-              <a:t>TEST</a:t>
+              <a:t>UNIT TEST</a:t>
             </a:r>
           </a:p>
           <a:p>
@@ -18674,36 +18671,193 @@
           <a:lstStyle/>
           <a:p>
             <a:r>
-              <a:rPr lang="it-IT" sz="2800" b="1" dirty="0" err="1" smtClean="0"/>
+              <a:rPr lang="en-US" sz="3600" dirty="0" err="1">
+                <a:hlinkClick r:id="rId2"/>
+              </a:rPr>
               <a:t>Docker</a:t>
             </a:r>
             <a:r>
-              <a:rPr lang="it-IT" sz="2800" b="1" dirty="0" smtClean="0"/>
+              <a:rPr lang="en-US" sz="3600" dirty="0">
+                <a:hlinkClick r:id="rId2"/>
+              </a:rPr>
+              <a:t> Hub</a:t>
+            </a:r>
+            <a:r>
+              <a:rPr lang="en-US" sz="3600" dirty="0"/>
+              <a:t> is a cloud-based registry service which allows you to link to code repositories, build your images and test them, stores manually pushed images, and links to </a:t>
+            </a:r>
+            <a:r>
+              <a:rPr lang="en-US" sz="3600" dirty="0" err="1">
+                <a:hlinkClick r:id="rId3"/>
+              </a:rPr>
+              <a:t>Docker</a:t>
+            </a:r>
+            <a:r>
+              <a:rPr lang="en-US" sz="3600" dirty="0">
+                <a:hlinkClick r:id="rId3"/>
+              </a:rPr>
+              <a:t> Cloud</a:t>
+            </a:r>
+            <a:r>
+              <a:rPr lang="en-US" sz="3600" dirty="0"/>
+              <a:t> so you can deploy images to your hosts. It provides a centralized resource for container image discovery, distribution and change </a:t>
+            </a:r>
+            <a:r>
+              <a:rPr lang="en-US" sz="3600" dirty="0" err="1"/>
+              <a:t>management,</a:t>
+            </a:r>
+            <a:r>
+              <a:rPr lang="en-US" sz="3600" dirty="0" err="1">
+                <a:hlinkClick r:id="rId4"/>
+              </a:rPr>
+              <a:t>user</a:t>
+            </a:r>
+            <a:r>
+              <a:rPr lang="en-US" sz="3600" dirty="0">
+                <a:hlinkClick r:id="rId4"/>
+              </a:rPr>
               <a:t> </a:t>
             </a:r>
-            <a:r>
-              <a:rPr lang="it-IT" sz="2800" b="1" dirty="0" err="1" smtClean="0"/>
-              <a:t>hub</a:t>
-            </a:r>
-            <a:r>
-              <a:rPr lang="it-IT" sz="2800" b="1" dirty="0" smtClean="0"/>
-              <a:t> </a:t>
-            </a:r>
-            <a:endParaRPr lang="it-IT" sz="2800" b="1" dirty="0" smtClean="0"/>
+            <a:endParaRPr lang="en-US" sz="3600" dirty="0" smtClean="0">
+              <a:hlinkClick r:id="rId4"/>
+            </a:endParaRPr>
+          </a:p>
+          <a:p>
+            <a:r>
+              <a:rPr lang="en-US" sz="3600" dirty="0" err="1"/>
+              <a:t>Docker</a:t>
+            </a:r>
+            <a:r>
+              <a:rPr lang="en-US" sz="3600" dirty="0"/>
+              <a:t> Hub provides the following major features:</a:t>
+            </a:r>
           </a:p>
           <a:p>
             <a:pPr marL="0" indent="0">
               <a:buNone/>
             </a:pPr>
             <a:r>
-              <a:rPr lang="en-US" sz="1800" dirty="0" smtClean="0"/>
+              <a:rPr lang="en-US" sz="3600" dirty="0">
+                <a:hlinkClick r:id="rId5"/>
+              </a:rPr>
+              <a:t>Image Repositories</a:t>
+            </a:r>
+            <a:r>
+              <a:rPr lang="en-US" sz="3600" dirty="0"/>
+              <a:t>: Find, manage, and push and pull images from community, official, and private image libraries.</a:t>
+            </a:r>
+          </a:p>
+          <a:p>
+            <a:pPr marL="0" indent="0">
+              <a:buNone/>
+            </a:pPr>
+            <a:r>
+              <a:rPr lang="en-US" sz="3600" dirty="0">
+                <a:hlinkClick r:id="rId6"/>
+              </a:rPr>
+              <a:t>Automated Builds</a:t>
+            </a:r>
+            <a:r>
+              <a:rPr lang="en-US" sz="3600" dirty="0"/>
+              <a:t>: Automatically create new images when you make changes to a source code repository.</a:t>
+            </a:r>
+          </a:p>
+          <a:p>
+            <a:pPr marL="0" indent="0">
+              <a:buNone/>
+            </a:pPr>
+            <a:r>
+              <a:rPr lang="en-US" sz="3600" dirty="0" err="1">
+                <a:hlinkClick r:id="rId7"/>
+              </a:rPr>
+              <a:t>Webhooks</a:t>
+            </a:r>
+            <a:r>
+              <a:rPr lang="en-US" sz="3600" dirty="0"/>
+              <a:t>: A feature of Automated Builds, </a:t>
+            </a:r>
+            <a:r>
+              <a:rPr lang="en-US" sz="3600" dirty="0" err="1"/>
+              <a:t>Webhooks</a:t>
+            </a:r>
+            <a:r>
+              <a:rPr lang="en-US" sz="3600" dirty="0"/>
+              <a:t> let you trigger actions after a successful push to a repository.</a:t>
+            </a:r>
+          </a:p>
+          <a:p>
+            <a:pPr marL="0" indent="0">
+              <a:buNone/>
+            </a:pPr>
+            <a:r>
+              <a:rPr lang="en-US" sz="3600" dirty="0">
+                <a:hlinkClick r:id="rId4"/>
+              </a:rPr>
+              <a:t>Organizations</a:t>
+            </a:r>
+            <a:r>
+              <a:rPr lang="en-US" sz="3600" dirty="0"/>
+              <a:t>: Create work groups to manage access to image repositories.</a:t>
+            </a:r>
+          </a:p>
+          <a:p>
+            <a:pPr marL="0" indent="0">
+              <a:buNone/>
+            </a:pPr>
+            <a:r>
+              <a:rPr lang="en-US" sz="3600" dirty="0" err="1"/>
+              <a:t>GitHub</a:t>
+            </a:r>
+            <a:r>
+              <a:rPr lang="en-US" sz="3600" dirty="0"/>
+              <a:t> and </a:t>
+            </a:r>
+            <a:r>
+              <a:rPr lang="en-US" sz="3600" dirty="0" err="1"/>
+              <a:t>Bitbucket</a:t>
+            </a:r>
+            <a:r>
+              <a:rPr lang="en-US" sz="3600" dirty="0"/>
+              <a:t> Integration: Add the Hub and your </a:t>
+            </a:r>
+            <a:r>
+              <a:rPr lang="en-US" sz="3600" dirty="0" err="1"/>
+              <a:t>Docker</a:t>
+            </a:r>
+            <a:r>
+              <a:rPr lang="en-US" sz="3600" dirty="0"/>
+              <a:t> Images to your current workflows.</a:t>
+            </a:r>
+          </a:p>
+          <a:p>
+            <a:pPr marL="0" indent="0">
+              <a:buNone/>
+            </a:pPr>
+            <a:r>
+              <a:rPr lang="en-US" sz="3600" dirty="0" smtClean="0">
+                <a:hlinkClick r:id="rId4"/>
+              </a:rPr>
+              <a:t>and </a:t>
+            </a:r>
+            <a:r>
+              <a:rPr lang="en-US" sz="3600" dirty="0">
+                <a:hlinkClick r:id="rId4"/>
+              </a:rPr>
+              <a:t>team collaboration</a:t>
+            </a:r>
+            <a:r>
+              <a:rPr lang="en-US" sz="3600" dirty="0"/>
+              <a:t>, and workflow automation throughout the development pipeline.</a:t>
+            </a:r>
+            <a:r>
+              <a:rPr lang="en-US" sz="3600" dirty="0" smtClean="0"/>
               <a:t> </a:t>
             </a:r>
             <a:r>
-              <a:rPr lang="it-IT" sz="1800" dirty="0" smtClean="0"/>
+              <a:rPr lang="it-IT" sz="3600" dirty="0" smtClean="0"/>
               <a:t> </a:t>
             </a:r>
-            <a:endParaRPr lang="it-IT" sz="1800" dirty="0"/>
+            <a:endParaRPr lang="it-IT" sz="3600" dirty="0"/>
           </a:p>
         </p:txBody>
       </p:sp>
@@ -18762,7 +18916,15 @@
           <a:p>
             <a:r>
               <a:rPr lang="it-IT" dirty="0" err="1" smtClean="0"/>
-              <a:t>Jenkins@Openshift</a:t>
+              <a:t>Docker</a:t>
+            </a:r>
+            <a:r>
+              <a:rPr lang="it-IT" dirty="0" smtClean="0"/>
+              <a:t> </a:t>
+            </a:r>
+            <a:r>
+              <a:rPr lang="it-IT" dirty="0" err="1" smtClean="0"/>
+              <a:t>Hub</a:t>
             </a:r>
             <a:endParaRPr lang="it-IT" dirty="0"/>
           </a:p>
@@ -18784,46 +18946,442 @@
           <a:lstStyle/>
           <a:p>
             <a:r>
-              <a:rPr lang="it-IT" sz="2800" b="1" dirty="0" err="1" smtClean="0"/>
-              <a:t>Openshif</a:t>
-            </a:r>
-            <a:r>
-              <a:rPr lang="it-IT" sz="2800" b="1" dirty="0" smtClean="0"/>
-              <a:t> </a:t>
-            </a:r>
-          </a:p>
-          <a:p>
-            <a:r>
-              <a:rPr lang="it-IT" sz="2800" b="1" dirty="0" err="1" smtClean="0"/>
-              <a:t>Jenkings</a:t>
-            </a:r>
-            <a:r>
-              <a:rPr lang="it-IT" sz="2800" b="1" dirty="0" smtClean="0"/>
-              <a:t> </a:t>
-            </a:r>
-            <a:r>
-              <a:rPr lang="it-IT" sz="2800" b="1" dirty="0" err="1" smtClean="0"/>
-              <a:t>gear</a:t>
-            </a:r>
-            <a:r>
-              <a:rPr lang="it-IT" sz="2800" b="1" dirty="0" smtClean="0"/>
-              <a:t> </a:t>
-            </a:r>
-            <a:endParaRPr lang="it-IT" sz="2800" b="1" dirty="0" smtClean="0"/>
+              <a:rPr lang="en-US" sz="3600" dirty="0"/>
+              <a:t>Use Official Repositories</a:t>
+            </a:r>
           </a:p>
           <a:p>
             <a:pPr marL="0" indent="0">
               <a:buNone/>
             </a:pPr>
             <a:r>
-              <a:rPr lang="en-US" sz="1800" dirty="0" smtClean="0"/>
+              <a:rPr lang="en-US" sz="3600" dirty="0" err="1"/>
+              <a:t>Docker</a:t>
+            </a:r>
+            <a:r>
+              <a:rPr lang="en-US" sz="3600" dirty="0"/>
+              <a:t> Hub contains a number of </a:t>
+            </a:r>
+            <a:r>
+              <a:rPr lang="en-US" sz="3600" dirty="0">
+                <a:hlinkClick r:id="rId2"/>
+              </a:rPr>
+              <a:t>Official Repositories</a:t>
+            </a:r>
+            <a:r>
+              <a:rPr lang="en-US" sz="3600" dirty="0"/>
+              <a:t>. These are public, certified repositories from vendors and contributors to </a:t>
+            </a:r>
+            <a:r>
+              <a:rPr lang="en-US" sz="3600" dirty="0" err="1"/>
+              <a:t>Docker</a:t>
+            </a:r>
+            <a:r>
+              <a:rPr lang="en-US" sz="3600" dirty="0"/>
+              <a:t>. They contain </a:t>
+            </a:r>
+            <a:r>
+              <a:rPr lang="en-US" sz="3600" dirty="0" err="1"/>
+              <a:t>Docker</a:t>
+            </a:r>
+            <a:r>
+              <a:rPr lang="en-US" sz="3600" dirty="0"/>
+              <a:t> images from vendors like Canonical, Oracle, and Red Hat that you can use as the basis to building your applications and services.</a:t>
+            </a:r>
+          </a:p>
+          <a:p>
+            <a:pPr marL="0" indent="0">
+              <a:buNone/>
+            </a:pPr>
+            <a:r>
+              <a:rPr lang="en-US" sz="3600" dirty="0"/>
+              <a:t>With Official Repositories you know you’re using an optimized and up-to-date image that was built by experts to power your applications.</a:t>
+            </a:r>
+          </a:p>
+          <a:p>
+            <a:r>
+              <a:rPr lang="en-US" sz="3600" dirty="0"/>
+              <a:t>Work with </a:t>
+            </a:r>
+            <a:r>
+              <a:rPr lang="en-US" sz="3600" dirty="0" err="1"/>
+              <a:t>Docker</a:t>
+            </a:r>
+            <a:r>
+              <a:rPr lang="en-US" sz="3600" dirty="0"/>
+              <a:t> Hub image repositories</a:t>
+            </a:r>
+          </a:p>
+          <a:p>
+            <a:pPr marL="0" indent="0">
+              <a:buNone/>
+            </a:pPr>
+            <a:r>
+              <a:rPr lang="en-US" sz="3600" dirty="0" err="1"/>
+              <a:t>Docker</a:t>
+            </a:r>
+            <a:r>
+              <a:rPr lang="en-US" sz="3600" dirty="0"/>
+              <a:t> Hub provides a place for you and your team to build and ship </a:t>
+            </a:r>
+            <a:r>
+              <a:rPr lang="en-US" sz="3600" dirty="0" err="1"/>
+              <a:t>Docker</a:t>
+            </a:r>
+            <a:r>
+              <a:rPr lang="en-US" sz="3600" dirty="0"/>
+              <a:t> images.</a:t>
+            </a:r>
+          </a:p>
+          <a:p>
+            <a:pPr marL="0" indent="0">
+              <a:buNone/>
+            </a:pPr>
+            <a:r>
+              <a:rPr lang="en-US" sz="3600" dirty="0"/>
+              <a:t>You can configure </a:t>
+            </a:r>
+            <a:r>
+              <a:rPr lang="en-US" sz="3600" dirty="0" err="1"/>
+              <a:t>Docker</a:t>
+            </a:r>
+            <a:r>
+              <a:rPr lang="en-US" sz="3600" dirty="0"/>
+              <a:t> Hub repositories in two ways:</a:t>
+            </a:r>
+          </a:p>
+          <a:p>
+            <a:pPr marL="0" indent="0">
+              <a:buNone/>
+            </a:pPr>
+            <a:r>
+              <a:rPr lang="en-US" sz="3600" dirty="0">
+                <a:hlinkClick r:id="rId3"/>
+              </a:rPr>
+              <a:t>Repositories</a:t>
+            </a:r>
+            <a:r>
+              <a:rPr lang="en-US" sz="3600" dirty="0"/>
+              <a:t>, which allow you to push images from a local </a:t>
+            </a:r>
+            <a:r>
+              <a:rPr lang="en-US" sz="3600" dirty="0" err="1"/>
+              <a:t>Docker</a:t>
+            </a:r>
+            <a:r>
+              <a:rPr lang="en-US" sz="3600" dirty="0"/>
+              <a:t> daemon to </a:t>
+            </a:r>
+            <a:r>
+              <a:rPr lang="en-US" sz="3600" dirty="0" err="1"/>
+              <a:t>Docker</a:t>
+            </a:r>
+            <a:r>
+              <a:rPr lang="en-US" sz="3600" dirty="0"/>
+              <a:t> Hub, and</a:t>
+            </a:r>
+          </a:p>
+          <a:p>
+            <a:pPr marL="0" indent="0">
+              <a:buNone/>
+            </a:pPr>
+            <a:r>
+              <a:rPr lang="en-US" sz="3600" dirty="0">
+                <a:hlinkClick r:id="rId4"/>
+              </a:rPr>
+              <a:t>Automated Builds</a:t>
+            </a:r>
+            <a:r>
+              <a:rPr lang="en-US" sz="3600" dirty="0"/>
+              <a:t>, which link to a source code repository and trigger an image rebuild process on </a:t>
+            </a:r>
+            <a:r>
+              <a:rPr lang="en-US" sz="3600" dirty="0" err="1"/>
+              <a:t>Docker</a:t>
+            </a:r>
+            <a:r>
+              <a:rPr lang="en-US" sz="3600" dirty="0"/>
+              <a:t> Hub when changes are detected in the source code.</a:t>
+            </a:r>
+          </a:p>
+          <a:p>
+            <a:pPr marL="0" indent="0">
+              <a:buNone/>
+            </a:pPr>
+            <a:r>
+              <a:rPr lang="en-US" sz="3600" dirty="0"/>
+              <a:t>You can create public repositories which can be accessed by any other Hub user, or you can create private repositories with limited access you control.</a:t>
+            </a:r>
+          </a:p>
+          <a:p>
+            <a:pPr marL="0" indent="0">
+              <a:buNone/>
+            </a:pPr>
+            <a:r>
+              <a:rPr lang="en-US" sz="3600" dirty="0" err="1"/>
+              <a:t>Docker</a:t>
+            </a:r>
+            <a:r>
+              <a:rPr lang="en-US" sz="3600" dirty="0"/>
+              <a:t> commands and </a:t>
+            </a:r>
+            <a:r>
+              <a:rPr lang="en-US" sz="3600" dirty="0" err="1"/>
+              <a:t>Docker</a:t>
+            </a:r>
+            <a:r>
+              <a:rPr lang="en-US" sz="3600" dirty="0"/>
+              <a:t> Hub</a:t>
+            </a:r>
+          </a:p>
+          <a:p>
+            <a:pPr marL="0" indent="0">
+              <a:buNone/>
+            </a:pPr>
+            <a:r>
+              <a:rPr lang="en-US" sz="3600" dirty="0" err="1"/>
+              <a:t>Docker</a:t>
+            </a:r>
+            <a:r>
+              <a:rPr lang="en-US" sz="3600" dirty="0"/>
+              <a:t> itself provides access to </a:t>
+            </a:r>
+            <a:r>
+              <a:rPr lang="en-US" sz="3600" dirty="0" err="1"/>
+              <a:t>Docker</a:t>
+            </a:r>
+            <a:r>
+              <a:rPr lang="en-US" sz="3600" dirty="0"/>
+              <a:t> Hub services via the </a:t>
+            </a:r>
+            <a:r>
+              <a:rPr lang="en-US" sz="3600" dirty="0" err="1">
+                <a:hlinkClick r:id="rId5"/>
+              </a:rPr>
+              <a:t>docker</a:t>
+            </a:r>
+            <a:r>
+              <a:rPr lang="en-US" sz="3600" dirty="0">
+                <a:hlinkClick r:id="rId5"/>
+              </a:rPr>
+              <a:t> search</a:t>
+            </a:r>
+            <a:r>
+              <a:rPr lang="en-US" sz="3600" dirty="0"/>
+              <a:t>, </a:t>
+            </a:r>
+            <a:r>
+              <a:rPr lang="en-US" sz="3600" dirty="0">
+                <a:hlinkClick r:id="rId6"/>
+              </a:rPr>
+              <a:t>pull</a:t>
+            </a:r>
+            <a:r>
+              <a:rPr lang="en-US" sz="3600" dirty="0"/>
+              <a:t>, </a:t>
+            </a:r>
+            <a:r>
+              <a:rPr lang="en-US" sz="3600" dirty="0">
+                <a:hlinkClick r:id="rId7"/>
+              </a:rPr>
+              <a:t>login</a:t>
+            </a:r>
+            <a:r>
+              <a:rPr lang="en-US" sz="3600" dirty="0"/>
+              <a:t>, and </a:t>
+            </a:r>
+            <a:r>
+              <a:rPr lang="en-US" sz="3600" dirty="0" err="1">
+                <a:hlinkClick r:id="rId8"/>
+              </a:rPr>
+              <a:t>push</a:t>
+            </a:r>
+            <a:r>
+              <a:rPr lang="en-US" sz="3600" dirty="0" err="1"/>
+              <a:t>commands</a:t>
+            </a:r>
+            <a:r>
+              <a:rPr lang="en-US" sz="3600" dirty="0"/>
+              <a:t>.</a:t>
+            </a:r>
+          </a:p>
+          <a:p>
+            <a:pPr marL="0" indent="0">
+              <a:buNone/>
+            </a:pPr>
+            <a:r>
+              <a:rPr lang="en-US" sz="3600" dirty="0" smtClean="0"/>
+              <a:t>.</a:t>
+            </a:r>
+            <a:r>
+              <a:rPr lang="en-US" sz="3600" dirty="0" smtClean="0"/>
               <a:t> </a:t>
             </a:r>
             <a:r>
-              <a:rPr lang="it-IT" sz="1800" dirty="0" smtClean="0"/>
+              <a:rPr lang="it-IT" sz="3600" dirty="0" smtClean="0"/>
               <a:t> </a:t>
             </a:r>
-            <a:endParaRPr lang="it-IT" sz="1800" dirty="0"/>
+            <a:endParaRPr lang="it-IT" sz="3600" dirty="0"/>
+          </a:p>
+        </p:txBody>
+      </p:sp>
+    </p:spTree>
+    <p:extLst>
+      <p:ext uri="{BB962C8B-B14F-4D97-AF65-F5344CB8AC3E}">
+        <p14:creationId xmlns:p14="http://schemas.microsoft.com/office/powerpoint/2010/main" val="4185224888"/>
+      </p:ext>
+    </p:extLst>
+  </p:cSld>
+  <p:clrMapOvr>
+    <a:masterClrMapping/>
+  </p:clrMapOvr>
+  <p:transition/>
+  <p:timing>
+    <p:tnLst>
+      <p:par>
+        <p:cTn id="1" dur="indefinite" restart="never" nodeType="tmRoot"/>
+      </p:par>
+    </p:tnLst>
+  </p:timing>
+</p:sld>
+</file>
+
+<file path=ppt/slides/slide27.xml><?xml version="1.0" encoding="utf-8"?>
+<p:sld xmlns:a="http://schemas.openxmlformats.org/drawingml/2006/main" xmlns:r="http://schemas.openxmlformats.org/officeDocument/2006/relationships" xmlns:p="http://schemas.openxmlformats.org/presentationml/2006/main">
+  <p:cSld>
+    <p:spTree>
+      <p:nvGrpSpPr>
+        <p:cNvPr id="1" name=""/>
+        <p:cNvGrpSpPr/>
+        <p:nvPr/>
+      </p:nvGrpSpPr>
+      <p:grpSpPr>
+        <a:xfrm>
+          <a:off x="0" y="0"/>
+          <a:ext cx="0" cy="0"/>
+          <a:chOff x="0" y="0"/>
+          <a:chExt cx="0" cy="0"/>
+        </a:xfrm>
+      </p:grpSpPr>
+      <p:sp>
+        <p:nvSpPr>
+          <p:cNvPr id="2" name="Titolo 1"/>
+          <p:cNvSpPr>
+            <a:spLocks noGrp="1"/>
+          </p:cNvSpPr>
+          <p:nvPr>
+            <p:ph type="title"/>
+          </p:nvPr>
+        </p:nvSpPr>
+        <p:spPr/>
+        <p:txBody>
+          <a:bodyPr/>
+          <a:lstStyle/>
+          <a:p>
+            <a:r>
+              <a:rPr lang="it-IT" dirty="0" err="1" smtClean="0"/>
+              <a:t>Jenkins@Openshift</a:t>
+            </a:r>
+            <a:endParaRPr lang="it-IT" dirty="0"/>
+          </a:p>
+        </p:txBody>
+      </p:sp>
+      <p:sp>
+        <p:nvSpPr>
+          <p:cNvPr id="3" name="Segnaposto contenuto 2"/>
+          <p:cNvSpPr>
+            <a:spLocks noGrp="1"/>
+          </p:cNvSpPr>
+          <p:nvPr>
+            <p:ph idx="1"/>
+          </p:nvPr>
+        </p:nvSpPr>
+        <p:spPr/>
+        <p:txBody>
+          <a:bodyPr/>
+          <a:lstStyle/>
+          <a:p>
+            <a:r>
+              <a:rPr lang="en-US" sz="2800" dirty="0"/>
+              <a:t>Red Hat </a:t>
+            </a:r>
+            <a:r>
+              <a:rPr lang="en-US" sz="2800" dirty="0" err="1"/>
+              <a:t>OpenShift</a:t>
+            </a:r>
+            <a:endParaRPr lang="en-US" sz="2800" dirty="0"/>
+          </a:p>
+          <a:p>
+            <a:pPr marL="0" indent="0">
+              <a:buNone/>
+            </a:pPr>
+            <a:r>
+              <a:rPr lang="en-US" sz="2800" dirty="0" err="1"/>
+              <a:t>OpenShift</a:t>
+            </a:r>
+            <a:r>
+              <a:rPr lang="en-US" sz="2800" dirty="0"/>
+              <a:t> is Red Hat's Platform-as-a-Service (</a:t>
+            </a:r>
+            <a:r>
+              <a:rPr lang="en-US" sz="2800" dirty="0" err="1"/>
+              <a:t>PaaS</a:t>
+            </a:r>
+            <a:r>
+              <a:rPr lang="en-US" sz="2800" dirty="0"/>
+              <a:t>) that allows developers to quickly develop, host, and scale applications in a cloud environment</a:t>
+            </a:r>
+            <a:r>
+              <a:rPr lang="en-US" sz="2800" dirty="0" smtClean="0"/>
+              <a:t>.</a:t>
+            </a:r>
+          </a:p>
+          <a:p>
+            <a:r>
+              <a:rPr lang="en-US" sz="2800" dirty="0"/>
+              <a:t>Continuous Integration with Jenkins</a:t>
+            </a:r>
+          </a:p>
+          <a:p>
+            <a:pPr marL="0" indent="0">
+              <a:buNone/>
+            </a:pPr>
+            <a:r>
+              <a:rPr lang="en-US" sz="2800" dirty="0">
+                <a:hlinkClick r:id="rId2"/>
+              </a:rPr>
+              <a:t>Jenkins</a:t>
+            </a:r>
+            <a:r>
+              <a:rPr lang="en-US" sz="2800" dirty="0"/>
+              <a:t> is a full featured continuous integration (CI) server that can run builds, tests, and other scheduled tasks and integrate with your </a:t>
+            </a:r>
+            <a:r>
+              <a:rPr lang="en-US" sz="2800" dirty="0" err="1" smtClean="0"/>
+              <a:t>dockerhub</a:t>
+            </a:r>
+            <a:r>
+              <a:rPr lang="en-US" sz="2800" dirty="0" smtClean="0"/>
+              <a:t> and </a:t>
+            </a:r>
+            <a:r>
+              <a:rPr lang="en-US" sz="2800" dirty="0" err="1" smtClean="0"/>
+              <a:t>github</a:t>
+            </a:r>
+            <a:r>
+              <a:rPr lang="en-US" sz="2800" dirty="0" smtClean="0"/>
+              <a:t> applications</a:t>
+            </a:r>
+            <a:r>
+              <a:rPr lang="en-US" sz="2800" dirty="0"/>
+              <a:t>.</a:t>
+            </a:r>
+          </a:p>
+          <a:p>
+            <a:pPr marL="0" indent="0">
+              <a:buNone/>
+            </a:pPr>
+            <a:endParaRPr lang="en-US" sz="2800" dirty="0"/>
           </a:p>
         </p:txBody>
       </p:sp>
@@ -18848,7 +19406,7 @@
 </p:sld>
 </file>
 
-<file path=ppt/slides/slide27.xml><?xml version="1.0" encoding="utf-8"?>
+<file path=ppt/slides/slide28.xml><?xml version="1.0" encoding="utf-8"?>
 <p:sld xmlns:a="http://schemas.openxmlformats.org/drawingml/2006/main" xmlns:r="http://schemas.openxmlformats.org/officeDocument/2006/relationships" xmlns:p="http://schemas.openxmlformats.org/presentationml/2006/main">
   <p:cSld>
     <p:spTree>
@@ -24224,7 +24782,7 @@
 </p:sld>
 </file>
 
-<file path=ppt/slides/slide28.xml><?xml version="1.0" encoding="utf-8"?>
+<file path=ppt/slides/slide29.xml><?xml version="1.0" encoding="utf-8"?>
 <p:sld xmlns:a="http://schemas.openxmlformats.org/drawingml/2006/main" xmlns:r="http://schemas.openxmlformats.org/officeDocument/2006/relationships" xmlns:p="http://schemas.openxmlformats.org/presentationml/2006/main">
   <p:cSld>
     <p:spTree>
@@ -24472,7 +25030,48 @@
 </p:sld>
 </file>
 
-<file path=ppt/slides/slide29.xml><?xml version="1.0" encoding="utf-8"?>
+<file path=ppt/slides/slide3.xml><?xml version="1.0" encoding="utf-8"?>
+<p:sld xmlns:a="http://schemas.openxmlformats.org/drawingml/2006/main" xmlns:r="http://schemas.openxmlformats.org/officeDocument/2006/relationships" xmlns:p="http://schemas.openxmlformats.org/presentationml/2006/main">
+  <p:cSld>
+    <p:bg>
+      <p:bgPr>
+        <a:solidFill>
+          <a:srgbClr val="000000"/>
+        </a:solidFill>
+        <a:effectLst/>
+      </p:bgPr>
+    </p:bg>
+    <p:spTree>
+      <p:nvGrpSpPr>
+        <p:cNvPr id="1" name=""/>
+        <p:cNvGrpSpPr/>
+        <p:nvPr/>
+      </p:nvGrpSpPr>
+      <p:grpSpPr>
+        <a:xfrm>
+          <a:off x="0" y="0"/>
+          <a:ext cx="0" cy="0"/>
+          <a:chOff x="0" y="0"/>
+          <a:chExt cx="0" cy="0"/>
+        </a:xfrm>
+      </p:grpSpPr>
+    </p:spTree>
+  </p:cSld>
+  <p:clrMapOvr>
+    <a:masterClrMapping/>
+  </p:clrMapOvr>
+  <p:transition/>
+  <p:timing>
+    <p:tnLst>
+      <p:par>
+        <p:cTn id="1" dur="indefinite" restart="never" nodeType="tmRoot"/>
+      </p:par>
+    </p:tnLst>
+  </p:timing>
+</p:sld>
+</file>
+
+<file path=ppt/slides/slide30.xml><?xml version="1.0" encoding="utf-8"?>
 <p:sld xmlns:a="http://schemas.openxmlformats.org/drawingml/2006/main" xmlns:r="http://schemas.openxmlformats.org/officeDocument/2006/relationships" xmlns:p="http://schemas.openxmlformats.org/presentationml/2006/main">
   <p:cSld>
     <p:spTree>
@@ -24789,48 +25388,7 @@
 </p:sld>
 </file>
 
-<file path=ppt/slides/slide3.xml><?xml version="1.0" encoding="utf-8"?>
-<p:sld xmlns:a="http://schemas.openxmlformats.org/drawingml/2006/main" xmlns:r="http://schemas.openxmlformats.org/officeDocument/2006/relationships" xmlns:p="http://schemas.openxmlformats.org/presentationml/2006/main">
-  <p:cSld>
-    <p:bg>
-      <p:bgPr>
-        <a:solidFill>
-          <a:srgbClr val="000000"/>
-        </a:solidFill>
-        <a:effectLst/>
-      </p:bgPr>
-    </p:bg>
-    <p:spTree>
-      <p:nvGrpSpPr>
-        <p:cNvPr id="1" name=""/>
-        <p:cNvGrpSpPr/>
-        <p:nvPr/>
-      </p:nvGrpSpPr>
-      <p:grpSpPr>
-        <a:xfrm>
-          <a:off x="0" y="0"/>
-          <a:ext cx="0" cy="0"/>
-          <a:chOff x="0" y="0"/>
-          <a:chExt cx="0" cy="0"/>
-        </a:xfrm>
-      </p:grpSpPr>
-    </p:spTree>
-  </p:cSld>
-  <p:clrMapOvr>
-    <a:masterClrMapping/>
-  </p:clrMapOvr>
-  <p:transition/>
-  <p:timing>
-    <p:tnLst>
-      <p:par>
-        <p:cTn id="1" dur="indefinite" restart="never" nodeType="tmRoot"/>
-      </p:par>
-    </p:tnLst>
-  </p:timing>
-</p:sld>
-</file>
-
-<file path=ppt/slides/slide30.xml><?xml version="1.0" encoding="utf-8"?>
+<file path=ppt/slides/slide31.xml><?xml version="1.0" encoding="utf-8"?>
 <p:sld xmlns:a="http://schemas.openxmlformats.org/drawingml/2006/main" xmlns:r="http://schemas.openxmlformats.org/officeDocument/2006/relationships" xmlns:p="http://schemas.openxmlformats.org/presentationml/2006/main">
   <p:cSld>
     <p:spTree>
@@ -24906,7 +25464,7 @@
 </p:sld>
 </file>
 
-<file path=ppt/slides/slide31.xml><?xml version="1.0" encoding="utf-8"?>
+<file path=ppt/slides/slide32.xml><?xml version="1.0" encoding="utf-8"?>
 <p:sld xmlns:a="http://schemas.openxmlformats.org/drawingml/2006/main" xmlns:r="http://schemas.openxmlformats.org/officeDocument/2006/relationships" xmlns:p="http://schemas.openxmlformats.org/presentationml/2006/main">
   <p:cSld>
     <p:spTree>
@@ -24994,12 +25552,695 @@
           <a:lstStyle/>
           <a:p>
             <a:r>
+              <a:rPr lang="it-IT" dirty="0" smtClean="0"/>
+              <a:t>Distributed data management</a:t>
+            </a:r>
+          </a:p>
+          <a:p>
+            <a:r>
+              <a:rPr lang="it-IT" dirty="0" smtClean="0"/>
+              <a:t>Data </a:t>
+            </a:r>
+            <a:r>
+              <a:rPr lang="it-IT" dirty="0" err="1" smtClean="0"/>
+              <a:t>access</a:t>
+            </a:r>
+            <a:r>
+              <a:rPr lang="it-IT" dirty="0" smtClean="0"/>
+              <a:t> </a:t>
+            </a:r>
+            <a:r>
+              <a:rPr lang="it-IT" dirty="0" err="1" smtClean="0"/>
+              <a:t>become</a:t>
+            </a:r>
+            <a:r>
+              <a:rPr lang="it-IT" dirty="0" smtClean="0"/>
+              <a:t> more </a:t>
+            </a:r>
+            <a:r>
+              <a:rPr lang="it-IT" dirty="0" err="1" smtClean="0"/>
+              <a:t>complex</a:t>
+            </a:r>
+            <a:r>
+              <a:rPr lang="it-IT" dirty="0" smtClean="0"/>
+              <a:t> </a:t>
+            </a:r>
+            <a:r>
+              <a:rPr lang="it-IT" dirty="0" err="1" smtClean="0"/>
+              <a:t>when</a:t>
+            </a:r>
+            <a:r>
+              <a:rPr lang="it-IT" dirty="0" smtClean="0"/>
+              <a:t> </a:t>
+            </a:r>
+            <a:r>
+              <a:rPr lang="it-IT" dirty="0" err="1" smtClean="0"/>
+              <a:t>we</a:t>
+            </a:r>
+            <a:r>
+              <a:rPr lang="it-IT" dirty="0" smtClean="0"/>
+              <a:t> </a:t>
+            </a:r>
+            <a:r>
+              <a:rPr lang="it-IT" dirty="0" err="1" smtClean="0"/>
+              <a:t>move</a:t>
+            </a:r>
+            <a:r>
+              <a:rPr lang="it-IT" dirty="0" smtClean="0"/>
+              <a:t> to a </a:t>
+            </a:r>
+            <a:r>
+              <a:rPr lang="it-IT" dirty="0" err="1" smtClean="0"/>
+              <a:t>microservice</a:t>
+            </a:r>
+            <a:r>
+              <a:rPr lang="it-IT" dirty="0" smtClean="0"/>
+              <a:t> </a:t>
+            </a:r>
+            <a:r>
+              <a:rPr lang="it-IT" dirty="0" err="1" smtClean="0"/>
+              <a:t>architecture</a:t>
+            </a:r>
+            <a:r>
+              <a:rPr lang="it-IT" dirty="0" smtClean="0"/>
+              <a:t> . </a:t>
+            </a:r>
+            <a:r>
+              <a:rPr lang="it-IT" dirty="0" err="1" smtClean="0"/>
+              <a:t>Not</a:t>
+            </a:r>
+            <a:r>
+              <a:rPr lang="it-IT" dirty="0" smtClean="0"/>
+              <a:t> </a:t>
+            </a:r>
+            <a:r>
+              <a:rPr lang="it-IT" dirty="0" err="1" smtClean="0"/>
+              <a:t>only</a:t>
+            </a:r>
+            <a:r>
+              <a:rPr lang="it-IT" dirty="0" smtClean="0"/>
+              <a:t> </a:t>
+            </a:r>
+            <a:r>
+              <a:rPr lang="it-IT" dirty="0" err="1" smtClean="0"/>
+              <a:t>because</a:t>
+            </a:r>
+            <a:r>
+              <a:rPr lang="it-IT" dirty="0" smtClean="0"/>
+              <a:t> the data </a:t>
+            </a:r>
+            <a:r>
+              <a:rPr lang="it-IT" dirty="0" err="1" smtClean="0"/>
+              <a:t>access</a:t>
+            </a:r>
+            <a:r>
+              <a:rPr lang="it-IT" dirty="0" smtClean="0"/>
+              <a:t> </a:t>
+            </a:r>
+            <a:r>
+              <a:rPr lang="it-IT" dirty="0" err="1" smtClean="0"/>
+              <a:t>is</a:t>
+            </a:r>
+            <a:r>
+              <a:rPr lang="it-IT" dirty="0" smtClean="0"/>
+              <a:t> private to </a:t>
+            </a:r>
+            <a:r>
+              <a:rPr lang="it-IT" dirty="0" err="1" smtClean="0"/>
+              <a:t>each</a:t>
+            </a:r>
+            <a:r>
+              <a:rPr lang="it-IT" dirty="0" smtClean="0"/>
+              <a:t> </a:t>
+            </a:r>
+            <a:r>
+              <a:rPr lang="it-IT" dirty="0" err="1" smtClean="0"/>
+              <a:t>microservice</a:t>
+            </a:r>
+            <a:r>
+              <a:rPr lang="it-IT" dirty="0" smtClean="0"/>
+              <a:t>(</a:t>
+            </a:r>
+            <a:r>
+              <a:rPr lang="it-IT" dirty="0" err="1" smtClean="0"/>
+              <a:t>encasulation</a:t>
+            </a:r>
+            <a:r>
+              <a:rPr lang="it-IT" dirty="0" smtClean="0"/>
+              <a:t>/</a:t>
+            </a:r>
+            <a:r>
+              <a:rPr lang="it-IT" dirty="0" err="1" smtClean="0"/>
+              <a:t>loosely</a:t>
+            </a:r>
+            <a:r>
+              <a:rPr lang="it-IT" dirty="0" smtClean="0"/>
+              <a:t> </a:t>
+            </a:r>
+            <a:r>
+              <a:rPr lang="it-IT" dirty="0" err="1" smtClean="0"/>
+              <a:t>coupled</a:t>
+            </a:r>
+            <a:r>
+              <a:rPr lang="it-IT" dirty="0" smtClean="0"/>
+              <a:t> -&gt; </a:t>
+            </a:r>
+            <a:r>
+              <a:rPr lang="it-IT" dirty="0" err="1" smtClean="0"/>
+              <a:t>indipendent</a:t>
+            </a:r>
+            <a:r>
+              <a:rPr lang="it-IT" dirty="0" smtClean="0"/>
+              <a:t> </a:t>
+            </a:r>
+            <a:r>
+              <a:rPr lang="it-IT" dirty="0" err="1" smtClean="0"/>
+              <a:t>evolution</a:t>
+            </a:r>
+            <a:r>
+              <a:rPr lang="it-IT" dirty="0" smtClean="0"/>
+              <a:t>) </a:t>
+            </a:r>
+            <a:r>
+              <a:rPr lang="it-IT" dirty="0" err="1" smtClean="0"/>
+              <a:t>but</a:t>
+            </a:r>
+            <a:r>
+              <a:rPr lang="it-IT" dirty="0" smtClean="0"/>
+              <a:t> </a:t>
+            </a:r>
+            <a:r>
+              <a:rPr lang="it-IT" dirty="0" err="1" smtClean="0"/>
+              <a:t>also</a:t>
+            </a:r>
+            <a:r>
+              <a:rPr lang="it-IT" dirty="0" smtClean="0"/>
+              <a:t> </a:t>
+            </a:r>
+            <a:r>
+              <a:rPr lang="it-IT" dirty="0" err="1" smtClean="0"/>
+              <a:t>because</a:t>
+            </a:r>
+            <a:r>
+              <a:rPr lang="it-IT" dirty="0" smtClean="0"/>
+              <a:t> of the use of </a:t>
+            </a:r>
+            <a:r>
+              <a:rPr lang="it-IT" dirty="0" err="1" smtClean="0"/>
+              <a:t>different</a:t>
+            </a:r>
+            <a:r>
+              <a:rPr lang="it-IT" dirty="0" smtClean="0"/>
+              <a:t> </a:t>
+            </a:r>
+            <a:r>
+              <a:rPr lang="it-IT" dirty="0" err="1" smtClean="0"/>
+              <a:t>dabase</a:t>
+            </a:r>
+            <a:r>
+              <a:rPr lang="it-IT" dirty="0" smtClean="0"/>
+              <a:t> </a:t>
+            </a:r>
+            <a:r>
+              <a:rPr lang="it-IT" dirty="0" err="1" smtClean="0"/>
+              <a:t>used</a:t>
+            </a:r>
+            <a:r>
+              <a:rPr lang="it-IT" dirty="0" smtClean="0"/>
+              <a:t> by </a:t>
+            </a:r>
+            <a:r>
+              <a:rPr lang="it-IT" dirty="0" err="1" smtClean="0"/>
+              <a:t>microservices</a:t>
+            </a:r>
+            <a:r>
+              <a:rPr lang="it-IT" dirty="0" smtClean="0"/>
+              <a:t>. A </a:t>
+            </a:r>
+            <a:r>
+              <a:rPr lang="it-IT" dirty="0" err="1" smtClean="0"/>
+              <a:t>microservice</a:t>
+            </a:r>
+            <a:r>
+              <a:rPr lang="it-IT" dirty="0" smtClean="0"/>
+              <a:t> </a:t>
+            </a:r>
+            <a:r>
+              <a:rPr lang="it-IT" dirty="0" err="1" smtClean="0"/>
+              <a:t>based</a:t>
+            </a:r>
+            <a:r>
+              <a:rPr lang="it-IT" dirty="0" smtClean="0"/>
+              <a:t> </a:t>
+            </a:r>
+            <a:r>
+              <a:rPr lang="it-IT" dirty="0" err="1" smtClean="0"/>
+              <a:t>architecture</a:t>
+            </a:r>
+            <a:r>
+              <a:rPr lang="it-IT" dirty="0" smtClean="0"/>
+              <a:t> </a:t>
+            </a:r>
+            <a:r>
+              <a:rPr lang="it-IT" dirty="0" err="1" smtClean="0"/>
+              <a:t>often</a:t>
+            </a:r>
+            <a:r>
+              <a:rPr lang="it-IT" dirty="0" smtClean="0"/>
+              <a:t> use a </a:t>
+            </a:r>
+            <a:r>
+              <a:rPr lang="it-IT" dirty="0" err="1" smtClean="0"/>
+              <a:t>mixture</a:t>
+            </a:r>
+            <a:r>
+              <a:rPr lang="it-IT" dirty="0" smtClean="0"/>
+              <a:t> of SQL and </a:t>
+            </a:r>
+            <a:r>
+              <a:rPr lang="it-IT" dirty="0" err="1" smtClean="0"/>
+              <a:t>NoSql</a:t>
+            </a:r>
+            <a:r>
+              <a:rPr lang="it-IT" dirty="0" smtClean="0"/>
+              <a:t> </a:t>
+            </a:r>
+            <a:r>
+              <a:rPr lang="it-IT" dirty="0" err="1" smtClean="0"/>
+              <a:t>Dataabse</a:t>
+            </a:r>
+            <a:r>
+              <a:rPr lang="it-IT" dirty="0" smtClean="0"/>
+              <a:t>  the so </a:t>
+            </a:r>
+            <a:r>
+              <a:rPr lang="it-IT" dirty="0" err="1" smtClean="0"/>
+              <a:t>called</a:t>
+            </a:r>
+            <a:r>
+              <a:rPr lang="it-IT" dirty="0" smtClean="0"/>
+              <a:t> </a:t>
+            </a:r>
+            <a:r>
+              <a:rPr lang="it-IT" dirty="0" err="1" smtClean="0"/>
+              <a:t>poliglot</a:t>
+            </a:r>
+            <a:r>
+              <a:rPr lang="it-IT" dirty="0" smtClean="0"/>
+              <a:t> </a:t>
+            </a:r>
+            <a:r>
+              <a:rPr lang="it-IT" dirty="0" err="1" smtClean="0"/>
+              <a:t>persistence</a:t>
+            </a:r>
+            <a:r>
+              <a:rPr lang="it-IT" dirty="0" smtClean="0"/>
+              <a:t> </a:t>
+            </a:r>
+            <a:r>
+              <a:rPr lang="it-IT" dirty="0" err="1" smtClean="0"/>
+              <a:t>approch</a:t>
+            </a:r>
+            <a:r>
+              <a:rPr lang="it-IT" dirty="0" smtClean="0"/>
+              <a:t>. </a:t>
+            </a:r>
+            <a:r>
+              <a:rPr lang="it-IT" dirty="0" err="1" smtClean="0"/>
+              <a:t>This</a:t>
+            </a:r>
+            <a:r>
+              <a:rPr lang="it-IT" dirty="0" smtClean="0"/>
+              <a:t> </a:t>
+            </a:r>
+            <a:r>
+              <a:rPr lang="it-IT" dirty="0" err="1" smtClean="0"/>
+              <a:t>has</a:t>
+            </a:r>
+            <a:r>
+              <a:rPr lang="it-IT" dirty="0" smtClean="0"/>
+              <a:t> </a:t>
+            </a:r>
+            <a:r>
+              <a:rPr lang="it-IT" dirty="0" err="1" smtClean="0"/>
+              <a:t>many</a:t>
+            </a:r>
+            <a:r>
+              <a:rPr lang="it-IT" dirty="0" smtClean="0"/>
+              <a:t> benefits: ,ore </a:t>
+            </a:r>
+            <a:r>
+              <a:rPr lang="it-IT" dirty="0" err="1" smtClean="0"/>
+              <a:t>convinent</a:t>
+            </a:r>
+            <a:r>
+              <a:rPr lang="it-IT" dirty="0" smtClean="0"/>
+              <a:t> </a:t>
+            </a:r>
+            <a:r>
+              <a:rPr lang="it-IT" dirty="0" err="1" smtClean="0"/>
+              <a:t>datamodel</a:t>
+            </a:r>
+            <a:r>
+              <a:rPr lang="it-IT" dirty="0" smtClean="0"/>
+              <a:t> </a:t>
+            </a:r>
+            <a:r>
+              <a:rPr lang="it-IT" dirty="0" err="1" smtClean="0"/>
+              <a:t>according</a:t>
+            </a:r>
+            <a:r>
+              <a:rPr lang="it-IT" dirty="0" smtClean="0"/>
+              <a:t> business </a:t>
+            </a:r>
+            <a:r>
+              <a:rPr lang="it-IT" dirty="0" err="1" smtClean="0"/>
+              <a:t>requirements</a:t>
+            </a:r>
+            <a:r>
+              <a:rPr lang="it-IT" dirty="0" smtClean="0"/>
+              <a:t> and </a:t>
+            </a:r>
+            <a:r>
+              <a:rPr lang="it-IT" dirty="0" err="1" smtClean="0"/>
+              <a:t>better</a:t>
+            </a:r>
+            <a:r>
+              <a:rPr lang="it-IT" dirty="0" smtClean="0"/>
+              <a:t> performance and </a:t>
+            </a:r>
+            <a:r>
+              <a:rPr lang="it-IT" dirty="0" err="1" smtClean="0"/>
+              <a:t>scalability</a:t>
+            </a:r>
+            <a:r>
+              <a:rPr lang="it-IT" dirty="0" smtClean="0"/>
+              <a:t> </a:t>
+            </a:r>
+            <a:r>
+              <a:rPr lang="it-IT" dirty="0" err="1" smtClean="0"/>
+              <a:t>but</a:t>
+            </a:r>
+            <a:r>
+              <a:rPr lang="it-IT" dirty="0" smtClean="0"/>
+              <a:t> introduce </a:t>
+            </a:r>
+            <a:r>
+              <a:rPr lang="it-IT" dirty="0" err="1" smtClean="0"/>
+              <a:t>distributed</a:t>
+            </a:r>
+            <a:r>
+              <a:rPr lang="it-IT" dirty="0" smtClean="0"/>
+              <a:t> data </a:t>
+            </a:r>
+            <a:r>
+              <a:rPr lang="it-IT" dirty="0" err="1" smtClean="0"/>
+              <a:t>transaction</a:t>
+            </a:r>
+            <a:r>
+              <a:rPr lang="it-IT" dirty="0" smtClean="0"/>
+              <a:t> </a:t>
+            </a:r>
+            <a:r>
+              <a:rPr lang="it-IT" dirty="0" err="1" smtClean="0"/>
+              <a:t>challenge</a:t>
+            </a:r>
+            <a:r>
+              <a:rPr lang="it-IT" dirty="0" smtClean="0"/>
+              <a:t>: </a:t>
+            </a:r>
+            <a:r>
+              <a:rPr lang="it-IT" dirty="0" err="1" smtClean="0"/>
+              <a:t>implement</a:t>
+            </a:r>
+            <a:r>
+              <a:rPr lang="it-IT" dirty="0" smtClean="0"/>
+              <a:t> business </a:t>
+            </a:r>
+            <a:r>
+              <a:rPr lang="it-IT" dirty="0" err="1" smtClean="0"/>
+              <a:t>transaction</a:t>
+            </a:r>
+            <a:r>
+              <a:rPr lang="it-IT" dirty="0" smtClean="0"/>
+              <a:t> </a:t>
+            </a:r>
+            <a:r>
+              <a:rPr lang="it-IT" dirty="0" err="1" smtClean="0"/>
+              <a:t>that</a:t>
+            </a:r>
+            <a:r>
+              <a:rPr lang="it-IT" dirty="0" smtClean="0"/>
+              <a:t> </a:t>
+            </a:r>
+            <a:r>
+              <a:rPr lang="it-IT" dirty="0" err="1" smtClean="0"/>
+              <a:t>maintain</a:t>
+            </a:r>
+            <a:r>
+              <a:rPr lang="it-IT" dirty="0" smtClean="0"/>
+              <a:t> </a:t>
+            </a:r>
+            <a:r>
+              <a:rPr lang="it-IT" dirty="0" err="1" smtClean="0"/>
+              <a:t>consistency</a:t>
+            </a:r>
+            <a:r>
+              <a:rPr lang="it-IT" dirty="0" smtClean="0"/>
+              <a:t> </a:t>
+            </a:r>
+            <a:r>
+              <a:rPr lang="it-IT" dirty="0" err="1" smtClean="0"/>
+              <a:t>acrosso</a:t>
+            </a:r>
+            <a:r>
+              <a:rPr lang="it-IT" dirty="0" smtClean="0"/>
+              <a:t> multiple </a:t>
+            </a:r>
+            <a:r>
+              <a:rPr lang="it-IT" dirty="0" err="1" smtClean="0"/>
+              <a:t>services</a:t>
+            </a:r>
+            <a:r>
+              <a:rPr lang="it-IT" dirty="0" smtClean="0"/>
+              <a:t>. And </a:t>
+            </a:r>
+            <a:r>
+              <a:rPr lang="it-IT" dirty="0" err="1" smtClean="0"/>
+              <a:t>implement</a:t>
+            </a:r>
+            <a:r>
+              <a:rPr lang="it-IT" dirty="0" smtClean="0"/>
+              <a:t> </a:t>
+            </a:r>
+            <a:r>
+              <a:rPr lang="it-IT" dirty="0" err="1" smtClean="0"/>
+              <a:t>queries</a:t>
+            </a:r>
+            <a:r>
+              <a:rPr lang="it-IT" dirty="0" smtClean="0"/>
+              <a:t> </a:t>
+            </a:r>
+            <a:r>
+              <a:rPr lang="it-IT" dirty="0" err="1" smtClean="0"/>
+              <a:t>that</a:t>
+            </a:r>
+            <a:r>
+              <a:rPr lang="it-IT" dirty="0" smtClean="0"/>
+              <a:t> </a:t>
+            </a:r>
+            <a:r>
+              <a:rPr lang="it-IT" dirty="0" err="1" smtClean="0"/>
+              <a:t>retrieve</a:t>
+            </a:r>
+            <a:r>
+              <a:rPr lang="it-IT" dirty="0" smtClean="0"/>
+              <a:t> data from multiple </a:t>
+            </a:r>
+            <a:r>
+              <a:rPr lang="it-IT" dirty="0" err="1" smtClean="0"/>
+              <a:t>services</a:t>
+            </a:r>
+            <a:r>
+              <a:rPr lang="it-IT" dirty="0" smtClean="0"/>
+              <a:t>.</a:t>
+            </a:r>
+            <a:endParaRPr lang="it-IT" dirty="0" smtClean="0"/>
+          </a:p>
+          <a:p>
+            <a:pPr marL="0" indent="0">
+              <a:buNone/>
+            </a:pPr>
+            <a:r>
+              <a:rPr lang="it-IT" dirty="0" err="1" smtClean="0"/>
+              <a:t>Maintain</a:t>
+            </a:r>
+            <a:r>
+              <a:rPr lang="it-IT" dirty="0" smtClean="0"/>
+              <a:t> data </a:t>
+            </a:r>
+            <a:r>
+              <a:rPr lang="it-IT" dirty="0" err="1" smtClean="0"/>
+              <a:t>consistency</a:t>
+            </a:r>
+            <a:r>
+              <a:rPr lang="it-IT" dirty="0" smtClean="0"/>
+              <a:t> </a:t>
+            </a:r>
+            <a:r>
+              <a:rPr lang="it-IT" dirty="0" err="1" smtClean="0"/>
+              <a:t>across</a:t>
+            </a:r>
+            <a:r>
+              <a:rPr lang="it-IT" dirty="0" smtClean="0"/>
+              <a:t> </a:t>
+            </a:r>
+            <a:r>
+              <a:rPr lang="it-IT" dirty="0" err="1" smtClean="0"/>
+              <a:t>microservices</a:t>
+            </a:r>
+            <a:r>
+              <a:rPr lang="it-IT" dirty="0" smtClean="0"/>
+              <a:t> (by </a:t>
+            </a:r>
+            <a:r>
+              <a:rPr lang="it-IT" dirty="0" err="1" smtClean="0"/>
+              <a:t>exchanging</a:t>
+            </a:r>
+            <a:r>
+              <a:rPr lang="it-IT" dirty="0" smtClean="0"/>
+              <a:t> </a:t>
+            </a:r>
+            <a:r>
+              <a:rPr lang="it-IT" dirty="0" err="1" smtClean="0"/>
+              <a:t>events</a:t>
+            </a:r>
+            <a:r>
+              <a:rPr lang="it-IT" dirty="0" smtClean="0"/>
+              <a:t>)</a:t>
+            </a:r>
+          </a:p>
+          <a:p>
+            <a:pPr marL="0" indent="0">
+              <a:buNone/>
+            </a:pPr>
+            <a:r>
+              <a:rPr lang="en-US" dirty="0" smtClean="0"/>
+              <a:t>Having applied the</a:t>
+            </a:r>
+            <a:r>
+              <a:rPr lang="en-US" dirty="0"/>
+              <a:t> </a:t>
+            </a:r>
+            <a:r>
+              <a:rPr lang="en-US" u="sng" dirty="0">
+                <a:hlinkClick r:id="rId2"/>
+              </a:rPr>
+              <a:t>Database per Service</a:t>
+            </a:r>
+            <a:r>
+              <a:rPr lang="en-US" dirty="0"/>
+              <a:t> pattern. Each service has its own database. Some business transactions, however, span multiple service so you need a mechanism to ensure data consistency across services</a:t>
+            </a:r>
+            <a:r>
+              <a:rPr lang="en-US" dirty="0" smtClean="0"/>
+              <a:t>.</a:t>
+            </a:r>
+          </a:p>
+          <a:p>
+            <a:r>
+              <a:rPr lang="en-US" dirty="0"/>
+              <a:t>Use an event-driven, eventually consistent approach. Each service publishes an event whenever it update it’s data. Other service subscribe to events. When an event is received, a service updates it’s </a:t>
+            </a:r>
+            <a:r>
+              <a:rPr lang="en-US" dirty="0" smtClean="0"/>
+              <a:t>data</a:t>
+            </a:r>
+            <a:endParaRPr lang="it-IT" b="1" dirty="0"/>
+          </a:p>
+          <a:p>
+            <a:r>
+              <a:rPr lang="en-US" dirty="0"/>
+              <a:t>This pattern has the following benefits:</a:t>
+            </a:r>
+            <a:endParaRPr lang="it-IT" sz="4800" dirty="0"/>
+          </a:p>
+          <a:p>
+            <a:pPr lvl="1"/>
+            <a:r>
+              <a:rPr lang="en-US" dirty="0"/>
+              <a:t>It enables an application to maintain data consistency across multiple services without using distributed transactions</a:t>
+            </a:r>
+            <a:endParaRPr lang="it-IT" sz="4400" dirty="0"/>
+          </a:p>
+          <a:p>
+            <a:r>
+              <a:rPr lang="en-US" dirty="0"/>
+              <a:t>This solution has the following drawbacks:</a:t>
+            </a:r>
+            <a:endParaRPr lang="it-IT" sz="4800" dirty="0"/>
+          </a:p>
+          <a:p>
+            <a:pPr lvl="1"/>
+            <a:r>
+              <a:rPr lang="en-US" dirty="0"/>
+              <a:t>The programming model is more </a:t>
+            </a:r>
+            <a:r>
+              <a:rPr lang="en-US" dirty="0" smtClean="0"/>
+              <a:t>complex</a:t>
+            </a:r>
+          </a:p>
+          <a:p>
+            <a:pPr lvl="1"/>
+            <a:r>
+              <a:rPr lang="en-US" sz="4400" dirty="0" smtClean="0"/>
+              <a:t>Introduction of a message broker (overhead of management)</a:t>
+            </a:r>
+            <a:endParaRPr lang="it-IT" sz="4400" dirty="0"/>
+          </a:p>
+          <a:p>
+            <a:pPr marL="0" indent="0">
+              <a:buNone/>
+            </a:pPr>
+            <a:endParaRPr lang="it-IT" dirty="0"/>
+          </a:p>
+          <a:p>
+            <a:pPr marL="0" indent="0">
+              <a:buNone/>
+            </a:pPr>
+            <a:endParaRPr lang="it-IT" dirty="0" smtClean="0"/>
+          </a:p>
+          <a:p>
+            <a:pPr marL="0" indent="0">
+              <a:buNone/>
+            </a:pPr>
+            <a:endParaRPr lang="it-IT" dirty="0"/>
+          </a:p>
+          <a:p>
+            <a:pPr marL="0" indent="0">
+              <a:buNone/>
+            </a:pPr>
+            <a:endParaRPr lang="it-IT" dirty="0" smtClean="0"/>
+          </a:p>
+          <a:p>
+            <a:endParaRPr lang="it-IT" dirty="0"/>
+          </a:p>
+          <a:p>
+            <a:endParaRPr lang="it-IT" dirty="0" smtClean="0"/>
+          </a:p>
+          <a:p>
+            <a:r>
               <a:rPr lang="it-IT" dirty="0" err="1" smtClean="0"/>
               <a:t>Transaction</a:t>
             </a:r>
             <a:r>
               <a:rPr lang="it-IT" dirty="0" smtClean="0"/>
-              <a:t> model: </a:t>
+              <a:t> </a:t>
+            </a:r>
+            <a:r>
+              <a:rPr lang="it-IT" dirty="0" smtClean="0"/>
+              <a:t>model: </a:t>
             </a:r>
             <a:r>
               <a:rPr lang="it-IT" dirty="0" err="1" smtClean="0"/>
@@ -25112,7 +26353,299 @@
 </p:sld>
 </file>
 
-<file path=ppt/slides/slide32.xml><?xml version="1.0" encoding="utf-8"?>
+<file path=ppt/slides/slide33.xml><?xml version="1.0" encoding="utf-8"?>
+<p:sld xmlns:a="http://schemas.openxmlformats.org/drawingml/2006/main" xmlns:r="http://schemas.openxmlformats.org/officeDocument/2006/relationships" xmlns:p="http://schemas.openxmlformats.org/presentationml/2006/main">
+  <p:cSld>
+    <p:spTree>
+      <p:nvGrpSpPr>
+        <p:cNvPr id="1" name=""/>
+        <p:cNvGrpSpPr/>
+        <p:nvPr/>
+      </p:nvGrpSpPr>
+      <p:grpSpPr>
+        <a:xfrm>
+          <a:off x="0" y="0"/>
+          <a:ext cx="0" cy="0"/>
+          <a:chOff x="0" y="0"/>
+          <a:chExt cx="0" cy="0"/>
+        </a:xfrm>
+      </p:grpSpPr>
+      <p:sp>
+        <p:nvSpPr>
+          <p:cNvPr id="2" name="Titolo 1"/>
+          <p:cNvSpPr>
+            <a:spLocks noGrp="1"/>
+          </p:cNvSpPr>
+          <p:nvPr>
+            <p:ph type="title"/>
+          </p:nvPr>
+        </p:nvSpPr>
+        <p:spPr/>
+        <p:txBody>
+          <a:bodyPr/>
+          <a:lstStyle/>
+          <a:p>
+            <a:r>
+              <a:rPr lang="it-IT" dirty="0" err="1" smtClean="0"/>
+              <a:t>Event</a:t>
+            </a:r>
+            <a:r>
+              <a:rPr lang="it-IT" dirty="0" smtClean="0"/>
+              <a:t> </a:t>
+            </a:r>
+            <a:r>
+              <a:rPr lang="it-IT" dirty="0" err="1" smtClean="0"/>
+              <a:t>driven</a:t>
+            </a:r>
+            <a:r>
+              <a:rPr lang="it-IT" dirty="0" smtClean="0"/>
+              <a:t> </a:t>
+            </a:r>
+            <a:r>
+              <a:rPr lang="it-IT" dirty="0" err="1" smtClean="0"/>
+              <a:t>architecture</a:t>
+            </a:r>
+            <a:r>
+              <a:rPr lang="it-IT" dirty="0" smtClean="0"/>
+              <a:t>: </a:t>
+            </a:r>
+            <a:r>
+              <a:rPr lang="it-IT" dirty="0" err="1" smtClean="0"/>
+              <a:t>transaction</a:t>
+            </a:r>
+            <a:r>
+              <a:rPr lang="it-IT" dirty="0" smtClean="0"/>
+              <a:t> </a:t>
+            </a:r>
+            <a:r>
+              <a:rPr lang="it-IT" dirty="0" err="1" smtClean="0"/>
+              <a:t>issues</a:t>
+            </a:r>
+            <a:endParaRPr lang="it-IT" dirty="0"/>
+          </a:p>
+        </p:txBody>
+      </p:sp>
+      <p:sp>
+        <p:nvSpPr>
+          <p:cNvPr id="3" name="Segnaposto contenuto 2"/>
+          <p:cNvSpPr>
+            <a:spLocks noGrp="1"/>
+          </p:cNvSpPr>
+          <p:nvPr>
+            <p:ph idx="1"/>
+          </p:nvPr>
+        </p:nvSpPr>
+        <p:spPr/>
+        <p:txBody>
+          <a:bodyPr/>
+          <a:lstStyle/>
+          <a:p>
+            <a:pPr marL="0" indent="0">
+              <a:buNone/>
+            </a:pPr>
+            <a:r>
+              <a:rPr lang="en-US" dirty="0" smtClean="0"/>
+              <a:t>Having applied the</a:t>
+            </a:r>
+            <a:r>
+              <a:rPr lang="en-US" dirty="0"/>
+              <a:t> </a:t>
+            </a:r>
+            <a:r>
+              <a:rPr lang="en-US" u="sng" dirty="0">
+                <a:hlinkClick r:id="rId2"/>
+              </a:rPr>
+              <a:t>Database per Service</a:t>
+            </a:r>
+            <a:r>
+              <a:rPr lang="en-US" dirty="0"/>
+              <a:t> pattern. Each service has its own database. Some business transactions, however, span multiple service so you need a mechanism to ensure data consistency across services</a:t>
+            </a:r>
+            <a:r>
+              <a:rPr lang="en-US" dirty="0" smtClean="0"/>
+              <a:t>.</a:t>
+            </a:r>
+          </a:p>
+          <a:p>
+            <a:r>
+              <a:rPr lang="en-US" dirty="0"/>
+              <a:t>Use an event-driven, eventually consistent approach. Each service publishes an event whenever it update it’s data. Other service subscribe to events. When an event is received, a service updates it’s </a:t>
+            </a:r>
+            <a:r>
+              <a:rPr lang="en-US" dirty="0" smtClean="0"/>
+              <a:t>data</a:t>
+            </a:r>
+            <a:endParaRPr lang="it-IT" b="1" dirty="0"/>
+          </a:p>
+          <a:p>
+            <a:r>
+              <a:rPr lang="en-US" dirty="0"/>
+              <a:t>This pattern has the following benefits:</a:t>
+            </a:r>
+            <a:endParaRPr lang="it-IT" sz="4800" dirty="0"/>
+          </a:p>
+          <a:p>
+            <a:pPr lvl="1"/>
+            <a:r>
+              <a:rPr lang="en-US" dirty="0"/>
+              <a:t>It enables an application to maintain data consistency across multiple services without using distributed transactions</a:t>
+            </a:r>
+            <a:endParaRPr lang="it-IT" sz="4400" dirty="0"/>
+          </a:p>
+          <a:p>
+            <a:r>
+              <a:rPr lang="en-US" dirty="0"/>
+              <a:t>This solution has the following drawbacks:</a:t>
+            </a:r>
+            <a:endParaRPr lang="it-IT" sz="4800" dirty="0"/>
+          </a:p>
+          <a:p>
+            <a:pPr lvl="1"/>
+            <a:r>
+              <a:rPr lang="en-US" dirty="0"/>
+              <a:t>The programming model is more </a:t>
+            </a:r>
+            <a:r>
+              <a:rPr lang="en-US" dirty="0" smtClean="0"/>
+              <a:t>complex</a:t>
+            </a:r>
+          </a:p>
+          <a:p>
+            <a:pPr lvl="1"/>
+            <a:r>
+              <a:rPr lang="en-US" sz="4400" dirty="0" smtClean="0"/>
+              <a:t>Introduction of a message broker (overhead of management)</a:t>
+            </a:r>
+            <a:endParaRPr lang="it-IT" dirty="0"/>
+          </a:p>
+          <a:p>
+            <a:endParaRPr lang="it-IT" dirty="0" smtClean="0"/>
+          </a:p>
+          <a:p>
+            <a:r>
+              <a:rPr lang="it-IT" dirty="0" err="1" smtClean="0"/>
+              <a:t>Transaction</a:t>
+            </a:r>
+            <a:r>
+              <a:rPr lang="it-IT" dirty="0" smtClean="0"/>
+              <a:t> </a:t>
+            </a:r>
+            <a:r>
+              <a:rPr lang="it-IT" dirty="0" smtClean="0"/>
+              <a:t>model: </a:t>
+            </a:r>
+            <a:r>
+              <a:rPr lang="it-IT" dirty="0" err="1" smtClean="0"/>
+              <a:t>example</a:t>
+            </a:r>
+            <a:r>
+              <a:rPr lang="it-IT" dirty="0" smtClean="0"/>
+              <a:t> of base model</a:t>
+            </a:r>
+          </a:p>
+          <a:p>
+            <a:pPr lvl="1"/>
+            <a:r>
+              <a:rPr lang="it-IT" dirty="0" smtClean="0"/>
+              <a:t>High Reliability of </a:t>
+            </a:r>
+            <a:r>
+              <a:rPr lang="it-IT" dirty="0" err="1" smtClean="0"/>
+              <a:t>message</a:t>
+            </a:r>
+            <a:r>
+              <a:rPr lang="it-IT" dirty="0" smtClean="0"/>
+              <a:t> broker</a:t>
+            </a:r>
+          </a:p>
+          <a:p>
+            <a:pPr lvl="1"/>
+            <a:endParaRPr lang="it-IT" dirty="0"/>
+          </a:p>
+          <a:p>
+            <a:pPr lvl="1"/>
+            <a:r>
+              <a:rPr lang="it-IT" dirty="0" err="1" smtClean="0"/>
+              <a:t>Scheduler</a:t>
+            </a:r>
+            <a:r>
+              <a:rPr lang="it-IT" dirty="0" smtClean="0"/>
+              <a:t> </a:t>
+            </a:r>
+            <a:r>
+              <a:rPr lang="it-IT" dirty="0" err="1" smtClean="0"/>
+              <a:t>definition</a:t>
+            </a:r>
+            <a:r>
+              <a:rPr lang="it-IT" dirty="0" smtClean="0"/>
+              <a:t> and </a:t>
+            </a:r>
+            <a:r>
+              <a:rPr lang="it-IT" dirty="0" err="1" smtClean="0"/>
+              <a:t>implementation</a:t>
+            </a:r>
+            <a:r>
+              <a:rPr lang="it-IT" dirty="0" smtClean="0"/>
+              <a:t> </a:t>
+            </a:r>
+            <a:r>
+              <a:rPr lang="it-IT" dirty="0" err="1" smtClean="0"/>
+              <a:t>details</a:t>
+            </a:r>
+            <a:endParaRPr lang="it-IT" dirty="0" smtClean="0"/>
+          </a:p>
+          <a:p>
+            <a:pPr lvl="1"/>
+            <a:r>
+              <a:rPr lang="it-IT" dirty="0" err="1" smtClean="0"/>
+              <a:t>poliglot</a:t>
+            </a:r>
+            <a:r>
+              <a:rPr lang="it-IT" dirty="0" smtClean="0"/>
+              <a:t> </a:t>
+            </a:r>
+            <a:r>
+              <a:rPr lang="it-IT" dirty="0" err="1" smtClean="0"/>
+              <a:t>persistance</a:t>
+            </a:r>
+            <a:r>
+              <a:rPr lang="it-IT" dirty="0" smtClean="0"/>
+              <a:t> pattern </a:t>
+            </a:r>
+            <a:r>
+              <a:rPr lang="it-IT" dirty="0" err="1" smtClean="0"/>
+              <a:t>implementation</a:t>
+            </a:r>
+            <a:endParaRPr lang="it-IT" dirty="0" smtClean="0"/>
+          </a:p>
+          <a:p>
+            <a:pPr lvl="1"/>
+            <a:endParaRPr lang="it-IT" dirty="0"/>
+          </a:p>
+        </p:txBody>
+      </p:sp>
+    </p:spTree>
+    <p:extLst>
+      <p:ext uri="{BB962C8B-B14F-4D97-AF65-F5344CB8AC3E}">
+        <p14:creationId xmlns:p14="http://schemas.microsoft.com/office/powerpoint/2010/main" val="1096932910"/>
+      </p:ext>
+    </p:extLst>
+  </p:cSld>
+  <p:clrMapOvr>
+    <a:masterClrMapping/>
+  </p:clrMapOvr>
+  <p:transition/>
+  <p:timing>
+    <p:tnLst>
+      <p:par>
+        <p:cTn id="1" dur="indefinite" restart="never" nodeType="tmRoot"/>
+      </p:par>
+    </p:tnLst>
+  </p:timing>
+</p:sld>
+</file>
+
+<file path=ppt/slides/slide34.xml><?xml version="1.0" encoding="utf-8"?>
 <p:sld xmlns:a="http://schemas.openxmlformats.org/drawingml/2006/main" xmlns:r="http://schemas.openxmlformats.org/officeDocument/2006/relationships" xmlns:p="http://schemas.openxmlformats.org/presentationml/2006/main">
   <p:cSld>
     <p:spTree>
@@ -26542,7 +28075,28 @@
                   </a:outerShdw>
                 </a:effectLst>
               </a:rPr>
-              <a:t>Message Broker</a:t>
+              <a:t>Message </a:t>
+            </a:r>
+            <a:r>
+              <a:rPr lang="it-IT" sz="2800" dirty="0" smtClean="0">
+                <a:ln w="18415" cmpd="sng">
+                  <a:solidFill>
+                    <a:srgbClr val="FFFFFF"/>
+                  </a:solidFill>
+                  <a:prstDash val="solid"/>
+                </a:ln>
+                <a:solidFill>
+                  <a:srgbClr val="FFFFFF"/>
+                </a:solidFill>
+                <a:effectLst>
+                  <a:outerShdw blurRad="63500" dir="3600000" algn="tl" rotWithShape="0">
+                    <a:srgbClr val="000000">
+                      <a:alpha val="70000"/>
+                    </a:srgbClr>
+                  </a:outerShdw>
+                </a:effectLst>
+              </a:rPr>
+              <a:t>Broker  - Apache Kafka</a:t>
             </a:r>
             <a:endParaRPr lang="it-IT" sz="2800" dirty="0">
               <a:ln w="18415" cmpd="sng">
@@ -27276,7 +28830,7 @@
 </p:sld>
 </file>
 
-<file path=ppt/slides/slide33.xml><?xml version="1.0" encoding="utf-8"?>
+<file path=ppt/slides/slide35.xml><?xml version="1.0" encoding="utf-8"?>
 <p:sld xmlns:a="http://schemas.openxmlformats.org/drawingml/2006/main" xmlns:r="http://schemas.openxmlformats.org/officeDocument/2006/relationships" xmlns:p="http://schemas.openxmlformats.org/presentationml/2006/main">
   <p:cSld>
     <p:spTree>
@@ -28815,7 +30369,7 @@
 </p:sld>
 </file>
 
-<file path=ppt/slides/slide34.xml><?xml version="1.0" encoding="utf-8"?>
+<file path=ppt/slides/slide36.xml><?xml version="1.0" encoding="utf-8"?>
 <p:sld xmlns:a="http://schemas.openxmlformats.org/drawingml/2006/main" xmlns:r="http://schemas.openxmlformats.org/officeDocument/2006/relationships" xmlns:p="http://schemas.openxmlformats.org/presentationml/2006/main">
   <p:cSld>
     <p:spTree>
@@ -32098,6 +33652,75 @@
           </p:sp>
         </p:grpSp>
       </p:grpSp>
+      <p:sp>
+        <p:nvSpPr>
+          <p:cNvPr id="57" name="Freccia a destra con strisce 56"/>
+          <p:cNvSpPr/>
+          <p:nvPr/>
+        </p:nvSpPr>
+        <p:spPr bwMode="auto">
+          <a:xfrm>
+            <a:off x="22201112" y="10748888"/>
+            <a:ext cx="1656184" cy="1077664"/>
+          </a:xfrm>
+          <a:prstGeom prst="stripedRightArrow">
+            <a:avLst/>
+          </a:prstGeom>
+          <a:solidFill>
+            <a:srgbClr val="FF0000">
+              <a:alpha val="61000"/>
+            </a:srgbClr>
+          </a:solidFill>
+          <a:ln w="25400" cap="flat" cmpd="sng" algn="ctr">
+            <a:noFill/>
+            <a:prstDash val="solid"/>
+            <a:round/>
+            <a:headEnd type="none" w="med" len="med"/>
+            <a:tailEnd type="none" w="med" len="med"/>
+          </a:ln>
+          <a:effectLst/>
+          <a:extLst/>
+        </p:spPr>
+        <p:txBody>
+          <a:bodyPr vert="horz" wrap="square" lIns="91440" tIns="45720" rIns="91440" bIns="45720" numCol="1" rtlCol="0" anchor="t" anchorCtr="0" compatLnSpc="1">
+            <a:prstTxWarp prst="textNoShape">
+              <a:avLst/>
+            </a:prstTxWarp>
+          </a:bodyPr>
+          <a:lstStyle/>
+          <a:p>
+            <a:pPr marL="0" marR="0" indent="0" algn="ctr" defTabSz="914400" rtl="0" eaLnBrk="1" fontAlgn="base" latinLnBrk="0" hangingPunct="1">
+              <a:lnSpc>
+                <a:spcPct val="100000"/>
+              </a:lnSpc>
+              <a:spcBef>
+                <a:spcPct val="0"/>
+              </a:spcBef>
+              <a:spcAft>
+                <a:spcPct val="0"/>
+              </a:spcAft>
+              <a:buClrTx/>
+              <a:buSzTx/>
+              <a:buFontTx/>
+              <a:buNone/>
+              <a:tabLst/>
+            </a:pPr>
+            <a:endParaRPr kumimoji="0" lang="it-IT" sz="11200" b="0" i="0" u="none" strike="noStrike" cap="none" normalizeH="0" baseline="0">
+              <a:ln>
+                <a:noFill/>
+              </a:ln>
+              <a:solidFill>
+                <a:srgbClr val="000000"/>
+              </a:solidFill>
+              <a:effectLst/>
+              <a:latin typeface="Gill Sans" charset="0"/>
+              <a:ea typeface="ヒラギノ角ゴ ProN W3" charset="0"/>
+              <a:cs typeface="ヒラギノ角ゴ ProN W3" charset="0"/>
+              <a:sym typeface="Gill Sans" charset="0"/>
+            </a:endParaRPr>
+          </a:p>
+        </p:txBody>
+      </p:sp>
     </p:spTree>
   </p:cSld>
   <p:clrMapOvr>
@@ -32994,6 +34617,59 @@
                       </p:childTnLst>
                     </p:cTn>
                   </p:par>
+                  <p:par>
+                    <p:cTn id="81" fill="hold">
+                      <p:stCondLst>
+                        <p:cond delay="indefinite"/>
+                      </p:stCondLst>
+                      <p:childTnLst>
+                        <p:par>
+                          <p:cTn id="82" fill="hold">
+                            <p:stCondLst>
+                              <p:cond delay="0"/>
+                            </p:stCondLst>
+                            <p:childTnLst>
+                              <p:par>
+                                <p:cTn id="83" presetID="10" presetClass="entr" presetSubtype="0" fill="hold" grpId="0" nodeType="clickEffect">
+                                  <p:stCondLst>
+                                    <p:cond delay="0"/>
+                                  </p:stCondLst>
+                                  <p:childTnLst>
+                                    <p:set>
+                                      <p:cBhvr>
+                                        <p:cTn id="84" dur="1" fill="hold">
+                                          <p:stCondLst>
+                                            <p:cond delay="0"/>
+                                          </p:stCondLst>
+                                        </p:cTn>
+                                        <p:tgtEl>
+                                          <p:spTgt spid="57"/>
+                                        </p:tgtEl>
+                                        <p:attrNameLst>
+                                          <p:attrName>style.visibility</p:attrName>
+                                        </p:attrNameLst>
+                                      </p:cBhvr>
+                                      <p:to>
+                                        <p:strVal val="visible"/>
+                                      </p:to>
+                                    </p:set>
+                                    <p:animEffect transition="in" filter="fade">
+                                      <p:cBhvr>
+                                        <p:cTn id="85" dur="500"/>
+                                        <p:tgtEl>
+                                          <p:spTgt spid="57"/>
+                                        </p:tgtEl>
+                                      </p:cBhvr>
+                                    </p:animEffect>
+                                  </p:childTnLst>
+                                </p:cTn>
+                              </p:par>
+                            </p:childTnLst>
+                          </p:cTn>
+                        </p:par>
+                      </p:childTnLst>
+                    </p:cTn>
+                  </p:par>
                 </p:childTnLst>
               </p:cTn>
               <p:prevCondLst>
@@ -33028,12 +34704,13 @@
       <p:bldP spid="12309" grpId="0" animBg="1"/>
       <p:bldP spid="12311" grpId="0" animBg="1"/>
       <p:bldP spid="12314" grpId="0" animBg="1"/>
+      <p:bldP spid="57" grpId="0" animBg="1"/>
     </p:bldLst>
   </p:timing>
 </p:sld>
 </file>
 
-<file path=ppt/slides/slide35.xml><?xml version="1.0" encoding="utf-8"?>
+<file path=ppt/slides/slide37.xml><?xml version="1.0" encoding="utf-8"?>
 <p:sld xmlns:a="http://schemas.openxmlformats.org/drawingml/2006/main" xmlns:r="http://schemas.openxmlformats.org/officeDocument/2006/relationships" xmlns:p="http://schemas.openxmlformats.org/presentationml/2006/main">
   <p:cSld>
     <p:spTree>
@@ -33130,11 +34807,7 @@
             </a:r>
             <a:r>
               <a:rPr lang="it-IT" dirty="0" smtClean="0"/>
-              <a:t> by </a:t>
-            </a:r>
-            <a:r>
-              <a:rPr lang="it-IT" dirty="0" smtClean="0"/>
-              <a:t>Eureka</a:t>
+              <a:t> by Eureka</a:t>
             </a:r>
           </a:p>
           <a:p>
@@ -33197,7 +34870,7 @@
 </p:sld>
 </file>
 
-<file path=ppt/slides/slide36.xml><?xml version="1.0" encoding="utf-8"?>
+<file path=ppt/slides/slide38.xml><?xml version="1.0" encoding="utf-8"?>
 <p:sld xmlns:a="http://schemas.openxmlformats.org/drawingml/2006/main" xmlns:r="http://schemas.openxmlformats.org/officeDocument/2006/relationships" xmlns:p="http://schemas.openxmlformats.org/presentationml/2006/main">
   <p:cSld>
     <p:spTree>
@@ -33859,7 +35532,6 @@
               <a:rPr lang="it-IT" dirty="0"/>
               <a:t> Service</a:t>
             </a:r>
-            <a:endParaRPr lang="it-IT" dirty="0"/>
           </a:p>
         </p:txBody>
       </p:sp>
@@ -34613,7 +36285,7 @@
 </p:sld>
 </file>
 
-<file path=ppt/slides/slide37.xml><?xml version="1.0" encoding="utf-8"?>
+<file path=ppt/slides/slide39.xml><?xml version="1.0" encoding="utf-8"?>
 <p:sld xmlns:a="http://schemas.openxmlformats.org/drawingml/2006/main" xmlns:r="http://schemas.openxmlformats.org/officeDocument/2006/relationships" xmlns:p="http://schemas.openxmlformats.org/presentationml/2006/main">
   <p:cSld>
     <p:spTree>
@@ -34651,7 +36323,98 @@
 </p:sld>
 </file>
 
-<file path=ppt/slides/slide38.xml><?xml version="1.0" encoding="utf-8"?>
+<file path=ppt/slides/slide4.xml><?xml version="1.0" encoding="utf-8"?>
+<p:sld xmlns:a="http://schemas.openxmlformats.org/drawingml/2006/main" xmlns:r="http://schemas.openxmlformats.org/officeDocument/2006/relationships" xmlns:p="http://schemas.openxmlformats.org/presentationml/2006/main">
+  <p:cSld>
+    <p:spTree>
+      <p:nvGrpSpPr>
+        <p:cNvPr id="1" name=""/>
+        <p:cNvGrpSpPr/>
+        <p:nvPr/>
+      </p:nvGrpSpPr>
+      <p:grpSpPr>
+        <a:xfrm>
+          <a:off x="0" y="0"/>
+          <a:ext cx="0" cy="0"/>
+          <a:chOff x="0" y="0"/>
+          <a:chExt cx="0" cy="0"/>
+        </a:xfrm>
+      </p:grpSpPr>
+      <p:sp>
+        <p:nvSpPr>
+          <p:cNvPr id="7170" name="Rectangle 1"/>
+          <p:cNvSpPr>
+            <a:spLocks noGrp="1" noChangeArrowheads="1"/>
+          </p:cNvSpPr>
+          <p:nvPr>
+            <p:ph type="title"/>
+          </p:nvPr>
+        </p:nvSpPr>
+        <p:spPr/>
+        <p:txBody>
+          <a:bodyPr/>
+          <a:lstStyle/>
+          <a:p>
+            <a:pPr eaLnBrk="1" hangingPunct="1"/>
+            <a:r>
+              <a:rPr lang="en-US" sz="6600" b="0" dirty="0" smtClean="0"/>
+              <a:t>Full lifecycle of a microservice: how to realize a fault-tolerant and reliable architecture and deliver it as a </a:t>
+            </a:r>
+            <a:r>
+              <a:rPr lang="en-US" sz="6600" b="0" dirty="0" err="1" smtClean="0"/>
+              <a:t>Docker</a:t>
+            </a:r>
+            <a:r>
+              <a:rPr lang="en-US" sz="6600" b="0" dirty="0" smtClean="0"/>
+              <a:t> container or in a Cloud environment</a:t>
+            </a:r>
+            <a:endParaRPr lang="it-IT" sz="6600" dirty="0" smtClean="0"/>
+          </a:p>
+        </p:txBody>
+      </p:sp>
+      <p:sp>
+        <p:nvSpPr>
+          <p:cNvPr id="7171" name="Rectangle 2"/>
+          <p:cNvSpPr>
+            <a:spLocks noGrp="1" noChangeArrowheads="1"/>
+          </p:cNvSpPr>
+          <p:nvPr>
+            <p:ph type="body" idx="1"/>
+          </p:nvPr>
+        </p:nvSpPr>
+        <p:spPr/>
+        <p:txBody>
+          <a:bodyPr/>
+          <a:lstStyle/>
+          <a:p>
+            <a:pPr marL="914400" indent="-914400" eaLnBrk="1" hangingPunct="1">
+              <a:buFontTx/>
+              <a:buNone/>
+            </a:pPr>
+            <a:r>
+              <a:rPr lang="it-IT" smtClean="0"/>
+              <a:t>Luigi Bennardis</a:t>
+            </a:r>
+          </a:p>
+        </p:txBody>
+      </p:sp>
+    </p:spTree>
+  </p:cSld>
+  <p:clrMapOvr>
+    <a:masterClrMapping/>
+  </p:clrMapOvr>
+  <p:transition/>
+  <p:timing>
+    <p:tnLst>
+      <p:par>
+        <p:cTn id="1" dur="indefinite" restart="never" nodeType="tmRoot"/>
+      </p:par>
+    </p:tnLst>
+  </p:timing>
+</p:sld>
+</file>
+
+<file path=ppt/slides/slide40.xml><?xml version="1.0" encoding="utf-8"?>
 <p:sld xmlns:a="http://schemas.openxmlformats.org/drawingml/2006/main" xmlns:r="http://schemas.openxmlformats.org/officeDocument/2006/relationships" xmlns:p="http://schemas.openxmlformats.org/presentationml/2006/main">
   <p:cSld>
     <p:spTree>
@@ -34821,11 +36584,7 @@
             </a:r>
             <a:r>
               <a:rPr lang="it-IT" dirty="0" smtClean="0"/>
-              <a:t> of a new </a:t>
-            </a:r>
-            <a:r>
-              <a:rPr lang="it-IT" dirty="0" smtClean="0"/>
-              <a:t>service</a:t>
+              <a:t> of a new service</a:t>
             </a:r>
           </a:p>
           <a:p>
@@ -34872,7 +36631,7 @@
 </p:sld>
 </file>
 
-<file path=ppt/slides/slide39.xml><?xml version="1.0" encoding="utf-8"?>
+<file path=ppt/slides/slide41.xml><?xml version="1.0" encoding="utf-8"?>
 <p:sld xmlns:a="http://schemas.openxmlformats.org/drawingml/2006/main" xmlns:r="http://schemas.openxmlformats.org/officeDocument/2006/relationships" xmlns:p="http://schemas.openxmlformats.org/presentationml/2006/main">
   <p:cSld>
     <p:spTree>
@@ -34982,7 +36741,7 @@
         </p:nvGrpSpPr>
         <p:grpSpPr>
           <a:xfrm>
-            <a:off x="8960819" y="3647832"/>
+            <a:off x="8960819" y="3247782"/>
             <a:ext cx="6199254" cy="2058790"/>
             <a:chOff x="14935200" y="3122826"/>
             <a:chExt cx="6199254" cy="2058790"/>
@@ -35308,7 +37067,7 @@
         </p:nvSpPr>
         <p:spPr bwMode="auto">
           <a:xfrm>
-            <a:off x="10323922" y="2174017"/>
+            <a:off x="10323922" y="1773967"/>
             <a:ext cx="3294062" cy="919146"/>
           </a:xfrm>
           <a:prstGeom prst="wedgeRoundRectCallout">
@@ -35413,10 +37172,10 @@
         </p:nvGrpSpPr>
         <p:grpSpPr>
           <a:xfrm>
-            <a:off x="9916890" y="4944622"/>
-            <a:ext cx="2736055" cy="2624837"/>
-            <a:chOff x="6224764" y="4943431"/>
-            <a:chExt cx="2736055" cy="2624837"/>
+            <a:off x="9916890" y="4573147"/>
+            <a:ext cx="2736055" cy="1881887"/>
+            <a:chOff x="6224764" y="4571956"/>
+            <a:chExt cx="2736055" cy="1881887"/>
           </a:xfrm>
         </p:grpSpPr>
         <p:cxnSp>
@@ -35430,8 +37189,8 @@
           </p:nvCxnSpPr>
           <p:spPr bwMode="auto">
             <a:xfrm>
-              <a:off x="7592793" y="5705431"/>
-              <a:ext cx="3118" cy="1862837"/>
+              <a:off x="7592793" y="5305381"/>
+              <a:ext cx="3118" cy="1148462"/>
             </a:xfrm>
             <a:prstGeom prst="straightConnector1">
               <a:avLst/>
@@ -35472,7 +37231,7 @@
           </p:nvSpPr>
           <p:spPr bwMode="auto">
             <a:xfrm>
-              <a:off x="6224764" y="4943431"/>
+              <a:off x="6224764" y="4571956"/>
               <a:ext cx="2736055" cy="632400"/>
             </a:xfrm>
             <a:prstGeom prst="roundRect">
@@ -35643,8 +37402,8 @@
         </p:nvSpPr>
         <p:spPr bwMode="auto">
           <a:xfrm>
-            <a:off x="5634213" y="8168978"/>
-            <a:ext cx="11307650" cy="2159192"/>
+            <a:off x="5634213" y="7200821"/>
+            <a:ext cx="11307650" cy="3127349"/>
           </a:xfrm>
           <a:prstGeom prst="roundRect">
             <a:avLst/>
@@ -35822,8 +37581,8 @@
         </p:nvCxnSpPr>
         <p:spPr bwMode="auto">
           <a:xfrm flipH="1" flipV="1">
-            <a:off x="11288037" y="7830602"/>
-            <a:ext cx="1" cy="338376"/>
+            <a:off x="11288037" y="6716177"/>
+            <a:ext cx="1" cy="484644"/>
           </a:xfrm>
           <a:prstGeom prst="straightConnector1">
             <a:avLst/>
@@ -35864,7 +37623,7 @@
         </p:nvSpPr>
         <p:spPr bwMode="auto">
           <a:xfrm flipH="1">
-            <a:off x="11152306" y="7569459"/>
+            <a:off x="11152306" y="6455034"/>
             <a:ext cx="271463" cy="261143"/>
           </a:xfrm>
           <a:prstGeom prst="ellipse">
@@ -35946,18 +37705,6 @@
           <a:lstStyle/>
           <a:p>
             <a:r>
-              <a:rPr lang="it-IT" dirty="0" smtClean="0"/>
-              <a:t>System </a:t>
-            </a:r>
-            <a:r>
-              <a:rPr lang="it-IT" dirty="0" err="1" smtClean="0"/>
-              <a:t>landscape</a:t>
-            </a:r>
-            <a:r>
-              <a:rPr lang="it-IT" dirty="0" smtClean="0"/>
-              <a:t>  - </a:t>
-            </a:r>
-            <a:r>
               <a:rPr lang="it-IT" dirty="0" err="1" smtClean="0"/>
               <a:t>Load</a:t>
             </a:r>
@@ -35968,6 +37715,30 @@
             <a:r>
               <a:rPr lang="it-IT" dirty="0" err="1" smtClean="0"/>
               <a:t>balancing</a:t>
+            </a:r>
+            <a:r>
+              <a:rPr lang="it-IT" dirty="0" smtClean="0"/>
+              <a:t>:</a:t>
+            </a:r>
+            <a:r>
+              <a:rPr lang="it-IT" dirty="0" smtClean="0"/>
+              <a:t> </a:t>
+            </a:r>
+            <a:r>
+              <a:rPr lang="it-IT" dirty="0" err="1" smtClean="0"/>
+              <a:t>system</a:t>
+            </a:r>
+            <a:r>
+              <a:rPr lang="it-IT" dirty="0" smtClean="0"/>
+              <a:t> </a:t>
+            </a:r>
+            <a:r>
+              <a:rPr lang="it-IT" dirty="0" err="1"/>
+              <a:t>landscape</a:t>
+            </a:r>
+            <a:r>
+              <a:rPr lang="it-IT" dirty="0"/>
+              <a:t> </a:t>
             </a:r>
             <a:endParaRPr lang="it-IT" dirty="0"/>
           </a:p>
@@ -36035,8 +37806,11 @@
                   </a:outerShdw>
                 </a:effectLst>
               </a:rPr>
-              <a:t>INSTANCE </a:t>
-            </a:r>
+              <a:t>INSTANCE #2 </a:t>
+            </a:r>
+          </a:p>
+          <a:p>
+            <a:pPr algn="ctr" eaLnBrk="1" hangingPunct="1"/>
             <a:r>
               <a:rPr lang="it-IT" sz="2800" dirty="0" smtClean="0">
                 <a:ln w="18415" cmpd="sng">
@@ -36056,70 +37830,7 @@
                   </a:outerShdw>
                 </a:effectLst>
               </a:rPr>
-              <a:t>#2 </a:t>
-            </a:r>
-            <a:endParaRPr lang="it-IT" sz="2800" dirty="0" smtClean="0">
-              <a:ln w="18415" cmpd="sng">
-                <a:solidFill>
-                  <a:srgbClr val="FFFFFF"/>
-                </a:solidFill>
-                <a:prstDash val="solid"/>
-              </a:ln>
-              <a:solidFill>
-                <a:srgbClr val="FFFFFF"/>
-              </a:solidFill>
-              <a:effectLst>
-                <a:outerShdw blurRad="63500" dir="3600000" algn="tl" rotWithShape="0">
-                  <a:srgbClr val="000000">
-                    <a:alpha val="70000"/>
-                  </a:srgbClr>
-                </a:outerShdw>
-              </a:effectLst>
-            </a:endParaRPr>
-          </a:p>
-          <a:p>
-            <a:pPr algn="ctr" eaLnBrk="1" hangingPunct="1"/>
-            <a:r>
-              <a:rPr lang="it-IT" sz="2800" dirty="0" smtClean="0">
-                <a:ln w="18415" cmpd="sng">
-                  <a:solidFill>
-                    <a:srgbClr val="FFFFFF"/>
-                  </a:solidFill>
-                  <a:prstDash val="solid"/>
-                </a:ln>
-                <a:solidFill>
-                  <a:srgbClr val="FFFFFF"/>
-                </a:solidFill>
-                <a:effectLst>
-                  <a:outerShdw blurRad="63500" dir="3600000" algn="tl" rotWithShape="0">
-                    <a:srgbClr val="000000">
-                      <a:alpha val="70000"/>
-                    </a:srgbClr>
-                  </a:outerShdw>
-                </a:effectLst>
-              </a:rPr>
-              <a:t>@ HTTP </a:t>
-            </a:r>
-            <a:r>
-              <a:rPr lang="it-IT" sz="2800" dirty="0" smtClean="0">
-                <a:ln w="18415" cmpd="sng">
-                  <a:solidFill>
-                    <a:srgbClr val="FFFFFF"/>
-                  </a:solidFill>
-                  <a:prstDash val="solid"/>
-                </a:ln>
-                <a:solidFill>
-                  <a:srgbClr val="FFFFFF"/>
-                </a:solidFill>
-                <a:effectLst>
-                  <a:outerShdw blurRad="63500" dir="3600000" algn="tl" rotWithShape="0">
-                    <a:srgbClr val="000000">
-                      <a:alpha val="70000"/>
-                    </a:srgbClr>
-                  </a:outerShdw>
-                </a:effectLst>
-              </a:rPr>
-              <a:t>7113 </a:t>
+              <a:t>@ HTTP 7113 </a:t>
             </a:r>
             <a:endParaRPr kumimoji="0" lang="it-IT" sz="2800" i="0" u="none" strike="noStrike" normalizeH="0" baseline="0" dirty="0">
               <a:ln w="18415" cmpd="sng">
@@ -36207,8 +37918,11 @@
                   </a:outerShdw>
                 </a:effectLst>
               </a:rPr>
-              <a:t>INSTANCE </a:t>
-            </a:r>
+              <a:t>INSTANCE #1 </a:t>
+            </a:r>
+          </a:p>
+          <a:p>
+            <a:pPr algn="ctr" eaLnBrk="1" hangingPunct="1"/>
             <a:r>
               <a:rPr lang="it-IT" sz="2800" dirty="0" smtClean="0">
                 <a:ln w="18415" cmpd="sng">
@@ -36228,70 +37942,7 @@
                   </a:outerShdw>
                 </a:effectLst>
               </a:rPr>
-              <a:t>#1 </a:t>
-            </a:r>
-            <a:endParaRPr lang="it-IT" sz="2800" dirty="0" smtClean="0">
-              <a:ln w="18415" cmpd="sng">
-                <a:solidFill>
-                  <a:srgbClr val="FFFFFF"/>
-                </a:solidFill>
-                <a:prstDash val="solid"/>
-              </a:ln>
-              <a:solidFill>
-                <a:srgbClr val="FFFFFF"/>
-              </a:solidFill>
-              <a:effectLst>
-                <a:outerShdw blurRad="63500" dir="3600000" algn="tl" rotWithShape="0">
-                  <a:srgbClr val="000000">
-                    <a:alpha val="70000"/>
-                  </a:srgbClr>
-                </a:outerShdw>
-              </a:effectLst>
-            </a:endParaRPr>
-          </a:p>
-          <a:p>
-            <a:pPr algn="ctr" eaLnBrk="1" hangingPunct="1"/>
-            <a:r>
-              <a:rPr lang="it-IT" sz="2800" dirty="0" smtClean="0">
-                <a:ln w="18415" cmpd="sng">
-                  <a:solidFill>
-                    <a:srgbClr val="FFFFFF"/>
-                  </a:solidFill>
-                  <a:prstDash val="solid"/>
-                </a:ln>
-                <a:solidFill>
-                  <a:srgbClr val="FFFFFF"/>
-                </a:solidFill>
-                <a:effectLst>
-                  <a:outerShdw blurRad="63500" dir="3600000" algn="tl" rotWithShape="0">
-                    <a:srgbClr val="000000">
-                      <a:alpha val="70000"/>
-                    </a:srgbClr>
-                  </a:outerShdw>
-                </a:effectLst>
-              </a:rPr>
-              <a:t>@ HTTP </a:t>
-            </a:r>
-            <a:r>
-              <a:rPr lang="it-IT" sz="2800" dirty="0" smtClean="0">
-                <a:ln w="18415" cmpd="sng">
-                  <a:solidFill>
-                    <a:srgbClr val="FFFFFF"/>
-                  </a:solidFill>
-                  <a:prstDash val="solid"/>
-                </a:ln>
-                <a:solidFill>
-                  <a:srgbClr val="FFFFFF"/>
-                </a:solidFill>
-                <a:effectLst>
-                  <a:outerShdw blurRad="63500" dir="3600000" algn="tl" rotWithShape="0">
-                    <a:srgbClr val="000000">
-                      <a:alpha val="70000"/>
-                    </a:srgbClr>
-                  </a:outerShdw>
-                </a:effectLst>
-              </a:rPr>
-              <a:t>7111 </a:t>
+              <a:t>@ HTTP 7111 </a:t>
             </a:r>
             <a:endParaRPr kumimoji="0" lang="it-IT" sz="2800" i="0" u="none" strike="noStrike" normalizeH="0" baseline="0" dirty="0">
               <a:ln w="18415" cmpd="sng">
@@ -36498,6 +38149,138 @@
           </a:p>
         </p:txBody>
       </p:sp>
+      <p:cxnSp>
+        <p:nvCxnSpPr>
+          <p:cNvPr id="33" name="Connettore 2 32"/>
+          <p:cNvCxnSpPr/>
+          <p:nvPr/>
+        </p:nvCxnSpPr>
+        <p:spPr bwMode="auto">
+          <a:xfrm flipH="1">
+            <a:off x="7464006" y="7200821"/>
+            <a:ext cx="3801216" cy="1544330"/>
+          </a:xfrm>
+          <a:prstGeom prst="straightConnector1">
+            <a:avLst/>
+          </a:prstGeom>
+          <a:solidFill>
+            <a:srgbClr val="BBE0E3"/>
+          </a:solidFill>
+          <a:ln w="76200" cap="flat" cmpd="sng" algn="ctr">
+            <a:solidFill>
+              <a:srgbClr val="00B050"/>
+            </a:solidFill>
+            <a:prstDash val="solid"/>
+            <a:round/>
+            <a:headEnd type="none" w="med" len="med"/>
+            <a:tailEnd type="arrow"/>
+          </a:ln>
+          <a:effectLst/>
+          <a:extLst>
+            <a:ext uri="{AF507438-7753-43E0-B8FC-AC1667EBCBE1}">
+              <a14:hiddenEffects xmlns:a14="http://schemas.microsoft.com/office/drawing/2010/main">
+                <a:effectLst>
+                  <a:outerShdw blurRad="63500" dist="38099" dir="2700000" algn="ctr" rotWithShape="0">
+                    <a:schemeClr val="bg2">
+                      <a:alpha val="74998"/>
+                    </a:schemeClr>
+                  </a:outerShdw>
+                </a:effectLst>
+              </a14:hiddenEffects>
+            </a:ext>
+          </a:extLst>
+        </p:spPr>
+      </p:cxnSp>
+      <p:cxnSp>
+        <p:nvCxnSpPr>
+          <p:cNvPr id="35" name="Connettore 2 34"/>
+          <p:cNvCxnSpPr>
+            <a:stCxn id="2" idx="0"/>
+            <a:endCxn id="62" idx="0"/>
+          </p:cNvCxnSpPr>
+          <p:nvPr/>
+        </p:nvCxnSpPr>
+        <p:spPr bwMode="auto">
+          <a:xfrm flipH="1">
+            <a:off x="11227769" y="7200821"/>
+            <a:ext cx="60269" cy="1283473"/>
+          </a:xfrm>
+          <a:prstGeom prst="straightConnector1">
+            <a:avLst/>
+          </a:prstGeom>
+          <a:solidFill>
+            <a:srgbClr val="BBE0E3"/>
+          </a:solidFill>
+          <a:ln w="76200" cap="flat" cmpd="sng" algn="ctr">
+            <a:solidFill>
+              <a:srgbClr val="00B050"/>
+            </a:solidFill>
+            <a:prstDash val="solid"/>
+            <a:round/>
+            <a:headEnd type="none" w="med" len="med"/>
+            <a:tailEnd type="arrow"/>
+          </a:ln>
+          <a:effectLst/>
+          <a:extLst>
+            <a:ext uri="{AF507438-7753-43E0-B8FC-AC1667EBCBE1}">
+              <a14:hiddenEffects xmlns:a14="http://schemas.microsoft.com/office/drawing/2010/main">
+                <a:effectLst>
+                  <a:outerShdw blurRad="63500" dist="38099" dir="2700000" algn="ctr" rotWithShape="0">
+                    <a:schemeClr val="bg2">
+                      <a:alpha val="74998"/>
+                    </a:schemeClr>
+                  </a:outerShdw>
+                </a:effectLst>
+              </a14:hiddenEffects>
+            </a:ext>
+          </a:extLst>
+        </p:spPr>
+      </p:cxnSp>
+      <p:cxnSp>
+        <p:nvCxnSpPr>
+          <p:cNvPr id="39" name="Connettore 2 38"/>
+          <p:cNvCxnSpPr>
+            <a:stCxn id="2" idx="0"/>
+            <a:endCxn id="65" idx="0"/>
+          </p:cNvCxnSpPr>
+          <p:nvPr/>
+        </p:nvCxnSpPr>
+        <p:spPr bwMode="auto">
+          <a:xfrm>
+            <a:off x="11288038" y="7200821"/>
+            <a:ext cx="3583159" cy="1544330"/>
+          </a:xfrm>
+          <a:prstGeom prst="straightConnector1">
+            <a:avLst/>
+          </a:prstGeom>
+          <a:solidFill>
+            <a:srgbClr val="BBE0E3"/>
+          </a:solidFill>
+          <a:ln w="76200" cap="flat" cmpd="sng" algn="ctr">
+            <a:solidFill>
+              <a:srgbClr val="00B050"/>
+            </a:solidFill>
+            <a:prstDash val="solid"/>
+            <a:round/>
+            <a:headEnd type="none" w="med" len="med"/>
+            <a:tailEnd type="arrow"/>
+          </a:ln>
+          <a:effectLst/>
+          <a:extLst>
+            <a:ext uri="{AF507438-7753-43E0-B8FC-AC1667EBCBE1}">
+              <a14:hiddenEffects xmlns:a14="http://schemas.microsoft.com/office/drawing/2010/main">
+                <a:effectLst>
+                  <a:outerShdw blurRad="63500" dist="38099" dir="2700000" algn="ctr" rotWithShape="0">
+                    <a:schemeClr val="bg2">
+                      <a:alpha val="74998"/>
+                    </a:schemeClr>
+                  </a:outerShdw>
+                </a:effectLst>
+              </a14:hiddenEffects>
+            </a:ext>
+          </a:extLst>
+        </p:spPr>
+      </p:cxnSp>
     </p:spTree>
     <p:extLst>
       <p:ext uri="{BB962C8B-B14F-4D97-AF65-F5344CB8AC3E}">
@@ -36530,7 +38313,7 @@
                             </p:stCondLst>
                             <p:childTnLst>
                               <p:par>
-                                <p:cTn id="5" presetID="1" presetClass="entr" presetSubtype="0" fill="hold" nodeType="clickEffect">
+                                <p:cTn id="5" presetID="1" presetClass="entr" presetSubtype="0" fill="hold" grpId="0" nodeType="clickEffect">
                                   <p:stCondLst>
                                     <p:cond delay="0"/>
                                   </p:stCondLst>
@@ -36543,7 +38326,7 @@
                                           </p:stCondLst>
                                         </p:cTn>
                                         <p:tgtEl>
-                                          <p:spTgt spid="36"/>
+                                          <p:spTgt spid="131"/>
                                         </p:tgtEl>
                                         <p:attrNameLst>
                                           <p:attrName>style.visibility</p:attrName>
@@ -36575,7 +38358,7 @@
                             </p:stCondLst>
                             <p:childTnLst>
                               <p:par>
-                                <p:cTn id="9" presetID="1" presetClass="entr" presetSubtype="0" fill="hold" grpId="0" nodeType="clickEffect">
+                                <p:cTn id="9" presetID="1" presetClass="entr" presetSubtype="0" fill="hold" nodeType="clickEffect">
                                   <p:stCondLst>
                                     <p:cond delay="0"/>
                                   </p:stCondLst>
@@ -36588,7 +38371,7 @@
                                           </p:stCondLst>
                                         </p:cTn>
                                         <p:tgtEl>
-                                          <p:spTgt spid="131"/>
+                                          <p:spTgt spid="5"/>
                                         </p:tgtEl>
                                         <p:attrNameLst>
                                           <p:attrName>style.visibility</p:attrName>
@@ -36620,7 +38403,7 @@
                             </p:stCondLst>
                             <p:childTnLst>
                               <p:par>
-                                <p:cTn id="13" presetID="1" presetClass="entr" presetSubtype="0" fill="hold" grpId="0" nodeType="clickEffect">
+                                <p:cTn id="13" presetID="1" presetClass="entr" presetSubtype="0" fill="hold" nodeType="clickEffect">
                                   <p:stCondLst>
                                     <p:cond delay="0"/>
                                   </p:stCondLst>
@@ -36633,7 +38416,7 @@
                                           </p:stCondLst>
                                         </p:cTn>
                                         <p:tgtEl>
-                                          <p:spTgt spid="12328"/>
+                                          <p:spTgt spid="35"/>
                                         </p:tgtEl>
                                         <p:attrNameLst>
                                           <p:attrName>style.visibility</p:attrName>
@@ -36665,7 +38448,7 @@
                             </p:stCondLst>
                             <p:childTnLst>
                               <p:par>
-                                <p:cTn id="17" presetID="1" presetClass="entr" presetSubtype="0" fill="hold" nodeType="clickEffect">
+                                <p:cTn id="17" presetID="1" presetClass="entr" presetSubtype="0" fill="hold" grpId="0" nodeType="clickEffect">
                                   <p:stCondLst>
                                     <p:cond delay="0"/>
                                   </p:stCondLst>
@@ -36678,7 +38461,7 @@
                                           </p:stCondLst>
                                         </p:cTn>
                                         <p:tgtEl>
-                                          <p:spTgt spid="5"/>
+                                          <p:spTgt spid="12328"/>
                                         </p:tgtEl>
                                         <p:attrNameLst>
                                           <p:attrName>style.visibility</p:attrName>
@@ -36755,7 +38538,7 @@
                             </p:stCondLst>
                             <p:childTnLst>
                               <p:par>
-                                <p:cTn id="25" presetID="1" presetClass="entr" presetSubtype="0" fill="hold" grpId="0" nodeType="clickEffect">
+                                <p:cTn id="25" presetID="1" presetClass="entr" presetSubtype="0" fill="hold" nodeType="clickEffect">
                                   <p:stCondLst>
                                     <p:cond delay="0"/>
                                   </p:stCondLst>
@@ -36768,7 +38551,7 @@
                                           </p:stCondLst>
                                         </p:cTn>
                                         <p:tgtEl>
-                                          <p:spTgt spid="65"/>
+                                          <p:spTgt spid="33"/>
                                         </p:tgtEl>
                                         <p:attrNameLst>
                                           <p:attrName>style.visibility</p:attrName>
@@ -36800,7 +38583,7 @@
                             </p:stCondLst>
                             <p:childTnLst>
                               <p:par>
-                                <p:cTn id="29" presetID="10" presetClass="entr" presetSubtype="0" fill="hold" grpId="0" nodeType="clickEffect">
+                                <p:cTn id="29" presetID="1" presetClass="entr" presetSubtype="0" fill="hold" grpId="0" nodeType="clickEffect">
                                   <p:stCondLst>
                                     <p:cond delay="0"/>
                                   </p:stCondLst>
@@ -36808,6 +38591,96 @@
                                     <p:set>
                                       <p:cBhvr>
                                         <p:cTn id="30" dur="1" fill="hold">
+                                          <p:stCondLst>
+                                            <p:cond delay="0"/>
+                                          </p:stCondLst>
+                                        </p:cTn>
+                                        <p:tgtEl>
+                                          <p:spTgt spid="65"/>
+                                        </p:tgtEl>
+                                        <p:attrNameLst>
+                                          <p:attrName>style.visibility</p:attrName>
+                                        </p:attrNameLst>
+                                      </p:cBhvr>
+                                      <p:to>
+                                        <p:strVal val="visible"/>
+                                      </p:to>
+                                    </p:set>
+                                  </p:childTnLst>
+                                </p:cTn>
+                              </p:par>
+                            </p:childTnLst>
+                          </p:cTn>
+                        </p:par>
+                      </p:childTnLst>
+                    </p:cTn>
+                  </p:par>
+                  <p:par>
+                    <p:cTn id="31" fill="hold">
+                      <p:stCondLst>
+                        <p:cond delay="indefinite"/>
+                      </p:stCondLst>
+                      <p:childTnLst>
+                        <p:par>
+                          <p:cTn id="32" fill="hold">
+                            <p:stCondLst>
+                              <p:cond delay="0"/>
+                            </p:stCondLst>
+                            <p:childTnLst>
+                              <p:par>
+                                <p:cTn id="33" presetID="1" presetClass="entr" presetSubtype="0" fill="hold" nodeType="clickEffect">
+                                  <p:stCondLst>
+                                    <p:cond delay="0"/>
+                                  </p:stCondLst>
+                                  <p:childTnLst>
+                                    <p:set>
+                                      <p:cBhvr>
+                                        <p:cTn id="34" dur="1" fill="hold">
+                                          <p:stCondLst>
+                                            <p:cond delay="0"/>
+                                          </p:stCondLst>
+                                        </p:cTn>
+                                        <p:tgtEl>
+                                          <p:spTgt spid="39"/>
+                                        </p:tgtEl>
+                                        <p:attrNameLst>
+                                          <p:attrName>style.visibility</p:attrName>
+                                        </p:attrNameLst>
+                                      </p:cBhvr>
+                                      <p:to>
+                                        <p:strVal val="visible"/>
+                                      </p:to>
+                                    </p:set>
+                                  </p:childTnLst>
+                                </p:cTn>
+                              </p:par>
+                            </p:childTnLst>
+                          </p:cTn>
+                        </p:par>
+                      </p:childTnLst>
+                    </p:cTn>
+                  </p:par>
+                  <p:par>
+                    <p:cTn id="35" fill="hold">
+                      <p:stCondLst>
+                        <p:cond delay="indefinite"/>
+                      </p:stCondLst>
+                      <p:childTnLst>
+                        <p:par>
+                          <p:cTn id="36" fill="hold">
+                            <p:stCondLst>
+                              <p:cond delay="0"/>
+                            </p:stCondLst>
+                            <p:childTnLst>
+                              <p:par>
+                                <p:cTn id="37" presetID="10" presetClass="entr" presetSubtype="0" fill="hold" grpId="0" nodeType="clickEffect">
+                                  <p:stCondLst>
+                                    <p:cond delay="0"/>
+                                  </p:stCondLst>
+                                  <p:childTnLst>
+                                    <p:set>
+                                      <p:cBhvr>
+                                        <p:cTn id="38" dur="1" fill="hold">
                                           <p:stCondLst>
                                             <p:cond delay="0"/>
                                           </p:stCondLst>
@@ -36825,7 +38698,7 @@
                                     </p:set>
                                     <p:animEffect transition="in" filter="fade">
                                       <p:cBhvr>
-                                        <p:cTn id="31" dur="500"/>
+                                        <p:cTn id="39" dur="500"/>
                                         <p:tgtEl>
                                           <p:spTgt spid="8"/>
                                         </p:tgtEl>
@@ -36872,98 +38745,7 @@
 </p:sld>
 </file>
 
-<file path=ppt/slides/slide4.xml><?xml version="1.0" encoding="utf-8"?>
-<p:sld xmlns:a="http://schemas.openxmlformats.org/drawingml/2006/main" xmlns:r="http://schemas.openxmlformats.org/officeDocument/2006/relationships" xmlns:p="http://schemas.openxmlformats.org/presentationml/2006/main">
-  <p:cSld>
-    <p:spTree>
-      <p:nvGrpSpPr>
-        <p:cNvPr id="1" name=""/>
-        <p:cNvGrpSpPr/>
-        <p:nvPr/>
-      </p:nvGrpSpPr>
-      <p:grpSpPr>
-        <a:xfrm>
-          <a:off x="0" y="0"/>
-          <a:ext cx="0" cy="0"/>
-          <a:chOff x="0" y="0"/>
-          <a:chExt cx="0" cy="0"/>
-        </a:xfrm>
-      </p:grpSpPr>
-      <p:sp>
-        <p:nvSpPr>
-          <p:cNvPr id="7170" name="Rectangle 1"/>
-          <p:cNvSpPr>
-            <a:spLocks noGrp="1" noChangeArrowheads="1"/>
-          </p:cNvSpPr>
-          <p:nvPr>
-            <p:ph type="title"/>
-          </p:nvPr>
-        </p:nvSpPr>
-        <p:spPr/>
-        <p:txBody>
-          <a:bodyPr/>
-          <a:lstStyle/>
-          <a:p>
-            <a:pPr eaLnBrk="1" hangingPunct="1"/>
-            <a:r>
-              <a:rPr lang="en-US" sz="6600" b="0" dirty="0" smtClean="0"/>
-              <a:t>Full lifecycle of a microservice: how to realize a fault-tolerant and reliable architecture and deliver it as a </a:t>
-            </a:r>
-            <a:r>
-              <a:rPr lang="en-US" sz="6600" b="0" dirty="0" err="1" smtClean="0"/>
-              <a:t>Docker</a:t>
-            </a:r>
-            <a:r>
-              <a:rPr lang="en-US" sz="6600" b="0" dirty="0" smtClean="0"/>
-              <a:t> container or in a Cloud environment</a:t>
-            </a:r>
-            <a:endParaRPr lang="it-IT" sz="6600" dirty="0" smtClean="0"/>
-          </a:p>
-        </p:txBody>
-      </p:sp>
-      <p:sp>
-        <p:nvSpPr>
-          <p:cNvPr id="7171" name="Rectangle 2"/>
-          <p:cNvSpPr>
-            <a:spLocks noGrp="1" noChangeArrowheads="1"/>
-          </p:cNvSpPr>
-          <p:nvPr>
-            <p:ph type="body" idx="1"/>
-          </p:nvPr>
-        </p:nvSpPr>
-        <p:spPr/>
-        <p:txBody>
-          <a:bodyPr/>
-          <a:lstStyle/>
-          <a:p>
-            <a:pPr marL="914400" indent="-914400" eaLnBrk="1" hangingPunct="1">
-              <a:buFontTx/>
-              <a:buNone/>
-            </a:pPr>
-            <a:r>
-              <a:rPr lang="it-IT" smtClean="0"/>
-              <a:t>Luigi Bennardis</a:t>
-            </a:r>
-          </a:p>
-        </p:txBody>
-      </p:sp>
-    </p:spTree>
-  </p:cSld>
-  <p:clrMapOvr>
-    <a:masterClrMapping/>
-  </p:clrMapOvr>
-  <p:transition/>
-  <p:timing>
-    <p:tnLst>
-      <p:par>
-        <p:cTn id="1" dur="indefinite" restart="never" nodeType="tmRoot"/>
-      </p:par>
-    </p:tnLst>
-  </p:timing>
-</p:sld>
-</file>
-
-<file path=ppt/slides/slide40.xml><?xml version="1.0" encoding="utf-8"?>
+<file path=ppt/slides/slide42.xml><?xml version="1.0" encoding="utf-8"?>
 <p:sld xmlns:a="http://schemas.openxmlformats.org/drawingml/2006/main" xmlns:r="http://schemas.openxmlformats.org/officeDocument/2006/relationships" xmlns:p="http://schemas.openxmlformats.org/presentationml/2006/main">
   <p:cSld>
     <p:spTree>
@@ -37001,7 +38783,7 @@
 </p:sld>
 </file>
 
-<file path=ppt/slides/slide41.xml><?xml version="1.0" encoding="utf-8"?>
+<file path=ppt/slides/slide43.xml><?xml version="1.0" encoding="utf-8"?>
 <p:sld xmlns:a="http://schemas.openxmlformats.org/drawingml/2006/main" xmlns:r="http://schemas.openxmlformats.org/officeDocument/2006/relationships" xmlns:p="http://schemas.openxmlformats.org/presentationml/2006/main">
   <p:cSld>
     <p:bg>
@@ -37042,7 +38824,7 @@
 </p:sld>
 </file>
 
-<file path=ppt/slides/slide42.xml><?xml version="1.0" encoding="utf-8"?>
+<file path=ppt/slides/slide44.xml><?xml version="1.0" encoding="utf-8"?>
 <p:sld xmlns:a="http://schemas.openxmlformats.org/drawingml/2006/main" xmlns:r="http://schemas.openxmlformats.org/officeDocument/2006/relationships" xmlns:p="http://schemas.openxmlformats.org/presentationml/2006/main">
   <p:cSld>
     <p:bg>
@@ -37088,7 +38870,7 @@
 </p:sld>
 </file>
 
-<file path=ppt/slides/slide43.xml><?xml version="1.0" encoding="utf-8"?>
+<file path=ppt/slides/slide45.xml><?xml version="1.0" encoding="utf-8"?>
 <p:sld xmlns:a="http://schemas.openxmlformats.org/drawingml/2006/main" xmlns:r="http://schemas.openxmlformats.org/officeDocument/2006/relationships" xmlns:p="http://schemas.openxmlformats.org/presentationml/2006/main">
   <p:cSld>
     <p:spTree>
@@ -40128,7 +41910,7 @@
 </p:sld>
 </file>
 
-<file path=ppt/slides/slide44.xml><?xml version="1.0" encoding="utf-8"?>
+<file path=ppt/slides/slide46.xml><?xml version="1.0" encoding="utf-8"?>
 <p:sld xmlns:a="http://schemas.openxmlformats.org/drawingml/2006/main" xmlns:r="http://schemas.openxmlformats.org/officeDocument/2006/relationships" xmlns:p="http://schemas.openxmlformats.org/presentationml/2006/main">
   <p:cSld>
     <p:spTree>
@@ -42738,7 +44520,7 @@
 </p:sld>
 </file>
 
-<file path=ppt/slides/slide45.xml><?xml version="1.0" encoding="utf-8"?>
+<file path=ppt/slides/slide47.xml><?xml version="1.0" encoding="utf-8"?>
 <p:sld xmlns:a="http://schemas.openxmlformats.org/drawingml/2006/main" xmlns:r="http://schemas.openxmlformats.org/officeDocument/2006/relationships" xmlns:p="http://schemas.openxmlformats.org/presentationml/2006/main">
   <p:cSld>
     <p:spTree>
@@ -44928,7 +46710,7 @@
 </p:sld>
 </file>
 
-<file path=ppt/slides/slide46.xml><?xml version="1.0" encoding="utf-8"?>
+<file path=ppt/slides/slide48.xml><?xml version="1.0" encoding="utf-8"?>
 <p:sld xmlns:a="http://schemas.openxmlformats.org/drawingml/2006/main" xmlns:r="http://schemas.openxmlformats.org/officeDocument/2006/relationships" xmlns:p="http://schemas.openxmlformats.org/presentationml/2006/main">
   <p:cSld>
     <p:spTree>

--- a/luigiBennardisMicroservices.pptx
+++ b/luigiBennardisMicroservices.pptx
@@ -41,21 +41,22 @@
     <p:sldId id="281" r:id="rId35"/>
     <p:sldId id="275" r:id="rId36"/>
     <p:sldId id="311" r:id="rId37"/>
-    <p:sldId id="271" r:id="rId38"/>
-    <p:sldId id="292" r:id="rId39"/>
-    <p:sldId id="269" r:id="rId40"/>
-    <p:sldId id="299" r:id="rId41"/>
-    <p:sldId id="301" r:id="rId42"/>
-    <p:sldId id="307" r:id="rId43"/>
-    <p:sldId id="306" r:id="rId44"/>
-    <p:sldId id="298" r:id="rId45"/>
-    <p:sldId id="308" r:id="rId46"/>
-    <p:sldId id="265" r:id="rId47"/>
-    <p:sldId id="305" r:id="rId48"/>
-    <p:sldId id="300" r:id="rId49"/>
-    <p:sldId id="291" r:id="rId50"/>
-    <p:sldId id="270" r:id="rId51"/>
-    <p:sldId id="286" r:id="rId52"/>
+    <p:sldId id="312" r:id="rId38"/>
+    <p:sldId id="271" r:id="rId39"/>
+    <p:sldId id="292" r:id="rId40"/>
+    <p:sldId id="269" r:id="rId41"/>
+    <p:sldId id="299" r:id="rId42"/>
+    <p:sldId id="301" r:id="rId43"/>
+    <p:sldId id="307" r:id="rId44"/>
+    <p:sldId id="306" r:id="rId45"/>
+    <p:sldId id="298" r:id="rId46"/>
+    <p:sldId id="308" r:id="rId47"/>
+    <p:sldId id="265" r:id="rId48"/>
+    <p:sldId id="305" r:id="rId49"/>
+    <p:sldId id="300" r:id="rId50"/>
+    <p:sldId id="291" r:id="rId51"/>
+    <p:sldId id="270" r:id="rId52"/>
+    <p:sldId id="286" r:id="rId53"/>
   </p:sldIdLst>
   <p:sldSz cx="24384000" cy="13716000"/>
   <p:notesSz cx="6858000" cy="9144000"/>
@@ -19211,11 +19212,7 @@
             </a:pPr>
             <a:r>
               <a:rPr lang="en-US" sz="3600" dirty="0" smtClean="0"/>
-              <a:t>.</a:t>
-            </a:r>
-            <a:r>
-              <a:rPr lang="en-US" sz="3600" dirty="0" smtClean="0"/>
-              <a:t> </a:t>
+              <a:t>. </a:t>
             </a:r>
             <a:r>
               <a:rPr lang="it-IT" sz="3600" dirty="0" smtClean="0"/>
@@ -26065,7 +26062,6 @@
               <a:rPr lang="it-IT" dirty="0" smtClean="0"/>
               <a:t>.</a:t>
             </a:r>
-            <a:endParaRPr lang="it-IT" dirty="0" smtClean="0"/>
           </a:p>
           <a:p>
             <a:pPr marL="0" indent="0">
@@ -26236,11 +26232,7 @@
             </a:r>
             <a:r>
               <a:rPr lang="it-IT" dirty="0" smtClean="0"/>
-              <a:t> </a:t>
-            </a:r>
-            <a:r>
-              <a:rPr lang="it-IT" dirty="0" smtClean="0"/>
-              <a:t>model: </a:t>
+              <a:t> model: </a:t>
             </a:r>
             <a:r>
               <a:rPr lang="it-IT" dirty="0" err="1" smtClean="0"/>
@@ -26444,179 +26436,176 @@
               <a:buNone/>
             </a:pPr>
             <a:r>
-              <a:rPr lang="en-US" dirty="0" smtClean="0"/>
+              <a:rPr lang="en-US" sz="3200" dirty="0" smtClean="0"/>
               <a:t>Having applied the</a:t>
             </a:r>
             <a:r>
-              <a:rPr lang="en-US" dirty="0"/>
+              <a:rPr lang="en-US" sz="3200" dirty="0"/>
               <a:t> </a:t>
             </a:r>
             <a:r>
-              <a:rPr lang="en-US" u="sng" dirty="0">
+              <a:rPr lang="en-US" sz="3200" u="sng" dirty="0">
                 <a:hlinkClick r:id="rId2"/>
               </a:rPr>
               <a:t>Database per Service</a:t>
             </a:r>
             <a:r>
-              <a:rPr lang="en-US" dirty="0"/>
+              <a:rPr lang="en-US" sz="3200" dirty="0"/>
               <a:t> pattern. Each service has its own database. Some business transactions, however, span multiple service so you need a mechanism to ensure data consistency across services</a:t>
             </a:r>
             <a:r>
-              <a:rPr lang="en-US" dirty="0" smtClean="0"/>
+              <a:rPr lang="en-US" sz="3200" dirty="0" smtClean="0"/>
               <a:t>.</a:t>
             </a:r>
           </a:p>
           <a:p>
             <a:r>
-              <a:rPr lang="en-US" dirty="0"/>
+              <a:rPr lang="en-US" sz="3200" dirty="0"/>
               <a:t>Use an event-driven, eventually consistent approach. Each service publishes an event whenever it update it’s data. Other service subscribe to events. When an event is received, a service updates it’s </a:t>
             </a:r>
             <a:r>
-              <a:rPr lang="en-US" dirty="0" smtClean="0"/>
+              <a:rPr lang="en-US" sz="3200" dirty="0" smtClean="0"/>
               <a:t>data</a:t>
             </a:r>
-            <a:endParaRPr lang="it-IT" b="1" dirty="0"/>
+            <a:endParaRPr lang="it-IT" sz="3200" b="1" dirty="0"/>
           </a:p>
           <a:p>
             <a:r>
-              <a:rPr lang="en-US" dirty="0"/>
+              <a:rPr lang="en-US" sz="3200" dirty="0"/>
               <a:t>This pattern has the following benefits:</a:t>
             </a:r>
-            <a:endParaRPr lang="it-IT" sz="4800" dirty="0"/>
+            <a:endParaRPr lang="it-IT" sz="3200" dirty="0"/>
           </a:p>
           <a:p>
             <a:pPr lvl="1"/>
             <a:r>
-              <a:rPr lang="en-US" dirty="0"/>
+              <a:rPr lang="en-US" sz="3200" dirty="0"/>
               <a:t>It enables an application to maintain data consistency across multiple services without using distributed transactions</a:t>
             </a:r>
-            <a:endParaRPr lang="it-IT" sz="4400" dirty="0"/>
+            <a:endParaRPr lang="it-IT" sz="3200" dirty="0"/>
           </a:p>
           <a:p>
             <a:r>
-              <a:rPr lang="en-US" dirty="0"/>
+              <a:rPr lang="en-US" sz="3200" dirty="0"/>
               <a:t>This solution has the following drawbacks:</a:t>
             </a:r>
-            <a:endParaRPr lang="it-IT" sz="4800" dirty="0"/>
+            <a:endParaRPr lang="it-IT" sz="3200" dirty="0"/>
           </a:p>
           <a:p>
             <a:pPr lvl="1"/>
             <a:r>
-              <a:rPr lang="en-US" dirty="0"/>
+              <a:rPr lang="en-US" sz="3200" dirty="0"/>
               <a:t>The programming model is more </a:t>
             </a:r>
             <a:r>
-              <a:rPr lang="en-US" dirty="0" smtClean="0"/>
+              <a:rPr lang="en-US" sz="3200" dirty="0" smtClean="0"/>
               <a:t>complex</a:t>
             </a:r>
           </a:p>
           <a:p>
             <a:pPr lvl="1"/>
             <a:r>
-              <a:rPr lang="en-US" sz="4400" dirty="0" smtClean="0"/>
-              <a:t>Introduction of a message broker (overhead of management)</a:t>
-            </a:r>
-            <a:endParaRPr lang="it-IT" dirty="0"/>
+              <a:rPr lang="en-US" sz="3200" dirty="0" smtClean="0"/>
+              <a:t>Introduction of a message broker (overhead of management</a:t>
+            </a:r>
+            <a:r>
+              <a:rPr lang="en-US" sz="3200" dirty="0" smtClean="0"/>
+              <a:t>)</a:t>
+            </a:r>
+            <a:endParaRPr lang="it-IT" sz="3200" dirty="0" smtClean="0"/>
           </a:p>
           <a:p>
-            <a:endParaRPr lang="it-IT" dirty="0" smtClean="0"/>
-          </a:p>
-          <a:p>
-            <a:r>
-              <a:rPr lang="it-IT" dirty="0" err="1" smtClean="0"/>
+            <a:r>
+              <a:rPr lang="it-IT" sz="3200" dirty="0" err="1" smtClean="0"/>
               <a:t>Transaction</a:t>
             </a:r>
             <a:r>
-              <a:rPr lang="it-IT" dirty="0" smtClean="0"/>
-              <a:t> </a:t>
-            </a:r>
-            <a:r>
-              <a:rPr lang="it-IT" dirty="0" smtClean="0"/>
-              <a:t>model: </a:t>
-            </a:r>
-            <a:r>
-              <a:rPr lang="it-IT" dirty="0" err="1" smtClean="0"/>
+              <a:rPr lang="it-IT" sz="3200" dirty="0" smtClean="0"/>
+              <a:t> model: </a:t>
+            </a:r>
+            <a:r>
+              <a:rPr lang="it-IT" sz="3200" dirty="0" err="1" smtClean="0"/>
               <a:t>example</a:t>
             </a:r>
             <a:r>
-              <a:rPr lang="it-IT" dirty="0" smtClean="0"/>
+              <a:rPr lang="it-IT" sz="3200" dirty="0" smtClean="0"/>
               <a:t> of base model</a:t>
             </a:r>
           </a:p>
           <a:p>
             <a:pPr lvl="1"/>
             <a:r>
-              <a:rPr lang="it-IT" dirty="0" smtClean="0"/>
+              <a:rPr lang="it-IT" sz="3200" dirty="0" smtClean="0"/>
               <a:t>High Reliability of </a:t>
             </a:r>
             <a:r>
-              <a:rPr lang="it-IT" dirty="0" err="1" smtClean="0"/>
+              <a:rPr lang="it-IT" sz="3200" dirty="0" err="1" smtClean="0"/>
               <a:t>message</a:t>
             </a:r>
             <a:r>
-              <a:rPr lang="it-IT" dirty="0" smtClean="0"/>
+              <a:rPr lang="it-IT" sz="3200" dirty="0" smtClean="0"/>
               <a:t> broker</a:t>
             </a:r>
           </a:p>
           <a:p>
             <a:pPr lvl="1"/>
-            <a:endParaRPr lang="it-IT" dirty="0"/>
+            <a:endParaRPr lang="it-IT" sz="3200" dirty="0"/>
           </a:p>
           <a:p>
             <a:pPr lvl="1"/>
             <a:r>
-              <a:rPr lang="it-IT" dirty="0" err="1" smtClean="0"/>
+              <a:rPr lang="it-IT" sz="3200" dirty="0" err="1" smtClean="0"/>
               <a:t>Scheduler</a:t>
             </a:r>
             <a:r>
-              <a:rPr lang="it-IT" dirty="0" smtClean="0"/>
+              <a:rPr lang="it-IT" sz="3200" dirty="0" smtClean="0"/>
               <a:t> </a:t>
             </a:r>
             <a:r>
-              <a:rPr lang="it-IT" dirty="0" err="1" smtClean="0"/>
+              <a:rPr lang="it-IT" sz="3200" dirty="0" err="1" smtClean="0"/>
               <a:t>definition</a:t>
             </a:r>
             <a:r>
-              <a:rPr lang="it-IT" dirty="0" smtClean="0"/>
+              <a:rPr lang="it-IT" sz="3200" dirty="0" smtClean="0"/>
               <a:t> and </a:t>
             </a:r>
             <a:r>
-              <a:rPr lang="it-IT" dirty="0" err="1" smtClean="0"/>
+              <a:rPr lang="it-IT" sz="3200" dirty="0" err="1" smtClean="0"/>
               <a:t>implementation</a:t>
             </a:r>
             <a:r>
-              <a:rPr lang="it-IT" dirty="0" smtClean="0"/>
+              <a:rPr lang="it-IT" sz="3200" dirty="0" smtClean="0"/>
               <a:t> </a:t>
             </a:r>
             <a:r>
-              <a:rPr lang="it-IT" dirty="0" err="1" smtClean="0"/>
+              <a:rPr lang="it-IT" sz="3200" dirty="0" err="1" smtClean="0"/>
               <a:t>details</a:t>
             </a:r>
-            <a:endParaRPr lang="it-IT" dirty="0" smtClean="0"/>
+            <a:endParaRPr lang="it-IT" sz="3200" dirty="0" smtClean="0"/>
           </a:p>
           <a:p>
             <a:pPr lvl="1"/>
             <a:r>
-              <a:rPr lang="it-IT" dirty="0" err="1" smtClean="0"/>
+              <a:rPr lang="it-IT" sz="3200" dirty="0" err="1" smtClean="0"/>
               <a:t>poliglot</a:t>
             </a:r>
             <a:r>
-              <a:rPr lang="it-IT" dirty="0" smtClean="0"/>
+              <a:rPr lang="it-IT" sz="3200" dirty="0" smtClean="0"/>
               <a:t> </a:t>
             </a:r>
             <a:r>
-              <a:rPr lang="it-IT" dirty="0" err="1" smtClean="0"/>
+              <a:rPr lang="it-IT" sz="3200" dirty="0" err="1" smtClean="0"/>
               <a:t>persistance</a:t>
             </a:r>
             <a:r>
-              <a:rPr lang="it-IT" dirty="0" smtClean="0"/>
+              <a:rPr lang="it-IT" sz="3200" dirty="0" smtClean="0"/>
               <a:t> pattern </a:t>
             </a:r>
             <a:r>
-              <a:rPr lang="it-IT" dirty="0" err="1" smtClean="0"/>
+              <a:rPr lang="it-IT" sz="3200" dirty="0" err="1" smtClean="0"/>
               <a:t>implementation</a:t>
             </a:r>
-            <a:endParaRPr lang="it-IT" dirty="0" smtClean="0"/>
+            <a:endParaRPr lang="it-IT" sz="3200" dirty="0" smtClean="0"/>
           </a:p>
           <a:p>
             <a:pPr lvl="1"/>
@@ -26646,6 +26635,682 @@
 </file>
 
 <file path=ppt/slides/slide34.xml><?xml version="1.0" encoding="utf-8"?>
+<p:sld xmlns:a="http://schemas.openxmlformats.org/drawingml/2006/main" xmlns:r="http://schemas.openxmlformats.org/officeDocument/2006/relationships" xmlns:p="http://schemas.openxmlformats.org/presentationml/2006/main">
+  <p:cSld>
+    <p:spTree>
+      <p:nvGrpSpPr>
+        <p:cNvPr id="1" name=""/>
+        <p:cNvGrpSpPr/>
+        <p:nvPr/>
+      </p:nvGrpSpPr>
+      <p:grpSpPr>
+        <a:xfrm>
+          <a:off x="0" y="0"/>
+          <a:ext cx="0" cy="0"/>
+          <a:chOff x="0" y="0"/>
+          <a:chExt cx="0" cy="0"/>
+        </a:xfrm>
+      </p:grpSpPr>
+      <p:sp>
+        <p:nvSpPr>
+          <p:cNvPr id="2" name="Titolo 1"/>
+          <p:cNvSpPr>
+            <a:spLocks noGrp="1"/>
+          </p:cNvSpPr>
+          <p:nvPr>
+            <p:ph type="title"/>
+          </p:nvPr>
+        </p:nvSpPr>
+        <p:spPr/>
+        <p:txBody>
+          <a:bodyPr/>
+          <a:lstStyle/>
+          <a:p>
+            <a:r>
+              <a:rPr lang="it-IT" dirty="0" err="1" smtClean="0"/>
+              <a:t>Event</a:t>
+            </a:r>
+            <a:r>
+              <a:rPr lang="it-IT" dirty="0" smtClean="0"/>
+              <a:t> </a:t>
+            </a:r>
+            <a:r>
+              <a:rPr lang="it-IT" dirty="0" err="1" smtClean="0"/>
+              <a:t>driven</a:t>
+            </a:r>
+            <a:r>
+              <a:rPr lang="it-IT" dirty="0" smtClean="0"/>
+              <a:t> </a:t>
+            </a:r>
+            <a:r>
+              <a:rPr lang="it-IT" dirty="0" err="1" smtClean="0"/>
+              <a:t>architecture</a:t>
+            </a:r>
+            <a:r>
+              <a:rPr lang="it-IT" dirty="0" smtClean="0"/>
+              <a:t>: </a:t>
+            </a:r>
+            <a:r>
+              <a:rPr lang="it-IT" dirty="0" err="1" smtClean="0"/>
+              <a:t>transaction</a:t>
+            </a:r>
+            <a:r>
+              <a:rPr lang="it-IT" dirty="0" smtClean="0"/>
+              <a:t> </a:t>
+            </a:r>
+            <a:r>
+              <a:rPr lang="it-IT" dirty="0" err="1" smtClean="0"/>
+              <a:t>issues</a:t>
+            </a:r>
+            <a:endParaRPr lang="it-IT" dirty="0"/>
+          </a:p>
+        </p:txBody>
+      </p:sp>
+      <p:sp>
+        <p:nvSpPr>
+          <p:cNvPr id="3" name="Segnaposto contenuto 2"/>
+          <p:cNvSpPr>
+            <a:spLocks noGrp="1"/>
+          </p:cNvSpPr>
+          <p:nvPr>
+            <p:ph idx="1"/>
+          </p:nvPr>
+        </p:nvSpPr>
+        <p:spPr/>
+        <p:txBody>
+          <a:bodyPr/>
+          <a:lstStyle/>
+          <a:p>
+            <a:endParaRPr lang="it-IT" dirty="0" smtClean="0"/>
+          </a:p>
+          <a:p>
+            <a:r>
+              <a:rPr lang="it-IT" dirty="0" err="1" smtClean="0"/>
+              <a:t>Transaction</a:t>
+            </a:r>
+            <a:r>
+              <a:rPr lang="it-IT" dirty="0" smtClean="0"/>
+              <a:t> model: </a:t>
+            </a:r>
+            <a:r>
+              <a:rPr lang="it-IT" dirty="0" err="1" smtClean="0"/>
+              <a:t>example</a:t>
+            </a:r>
+            <a:r>
+              <a:rPr lang="it-IT" dirty="0" smtClean="0"/>
+              <a:t> of base model</a:t>
+            </a:r>
+          </a:p>
+          <a:p>
+            <a:pPr lvl="1"/>
+            <a:r>
+              <a:rPr lang="it-IT" dirty="0" err="1" smtClean="0"/>
+              <a:t>Each</a:t>
+            </a:r>
+            <a:r>
+              <a:rPr lang="it-IT" dirty="0" smtClean="0"/>
+              <a:t> business </a:t>
+            </a:r>
+            <a:r>
+              <a:rPr lang="it-IT" dirty="0" err="1" smtClean="0"/>
+              <a:t>transaction</a:t>
+            </a:r>
+            <a:r>
+              <a:rPr lang="it-IT" dirty="0" smtClean="0"/>
+              <a:t> </a:t>
+            </a:r>
+            <a:r>
+              <a:rPr lang="it-IT" dirty="0" err="1" smtClean="0"/>
+              <a:t>will</a:t>
+            </a:r>
+            <a:r>
+              <a:rPr lang="it-IT" dirty="0" smtClean="0"/>
+              <a:t> </a:t>
+            </a:r>
+            <a:r>
+              <a:rPr lang="it-IT" dirty="0" err="1" smtClean="0"/>
+              <a:t>consist</a:t>
+            </a:r>
+            <a:r>
+              <a:rPr lang="it-IT" dirty="0" smtClean="0"/>
+              <a:t> of a </a:t>
+            </a:r>
+            <a:r>
+              <a:rPr lang="it-IT" dirty="0" err="1" smtClean="0"/>
+              <a:t>series</a:t>
+            </a:r>
+            <a:r>
+              <a:rPr lang="it-IT" dirty="0" smtClean="0"/>
+              <a:t> of </a:t>
+            </a:r>
+            <a:r>
+              <a:rPr lang="it-IT" dirty="0" err="1" smtClean="0"/>
+              <a:t>steps</a:t>
+            </a:r>
+            <a:r>
+              <a:rPr lang="it-IT" dirty="0" smtClean="0"/>
+              <a:t> </a:t>
+            </a:r>
+            <a:r>
+              <a:rPr lang="it-IT" dirty="0" err="1" smtClean="0"/>
+              <a:t>each</a:t>
+            </a:r>
+            <a:r>
+              <a:rPr lang="it-IT" dirty="0" smtClean="0"/>
+              <a:t> of </a:t>
+            </a:r>
+            <a:r>
+              <a:rPr lang="it-IT" dirty="0" err="1" smtClean="0"/>
+              <a:t>these</a:t>
+            </a:r>
+            <a:r>
+              <a:rPr lang="it-IT" dirty="0" smtClean="0"/>
+              <a:t> </a:t>
+            </a:r>
+            <a:r>
+              <a:rPr lang="it-IT" dirty="0" err="1" smtClean="0"/>
+              <a:t>cocnsists</a:t>
+            </a:r>
+            <a:r>
+              <a:rPr lang="it-IT" dirty="0" smtClean="0"/>
+              <a:t> of a </a:t>
+            </a:r>
+            <a:r>
+              <a:rPr lang="it-IT" dirty="0" err="1" smtClean="0"/>
+              <a:t>microservice</a:t>
+            </a:r>
+            <a:r>
+              <a:rPr lang="it-IT" dirty="0" smtClean="0"/>
+              <a:t> </a:t>
+            </a:r>
+            <a:r>
+              <a:rPr lang="it-IT" dirty="0" err="1" smtClean="0"/>
+              <a:t>updating</a:t>
+            </a:r>
+            <a:r>
+              <a:rPr lang="it-IT" dirty="0" smtClean="0"/>
+              <a:t> a business </a:t>
+            </a:r>
+            <a:r>
+              <a:rPr lang="it-IT" dirty="0" err="1" smtClean="0"/>
+              <a:t>entity</a:t>
+            </a:r>
+            <a:r>
+              <a:rPr lang="it-IT" dirty="0" smtClean="0"/>
+              <a:t> and </a:t>
+            </a:r>
+            <a:r>
+              <a:rPr lang="it-IT" dirty="0" err="1" smtClean="0"/>
+              <a:t>publishing</a:t>
+            </a:r>
+            <a:r>
+              <a:rPr lang="it-IT" dirty="0" smtClean="0"/>
+              <a:t> an </a:t>
+            </a:r>
+            <a:r>
+              <a:rPr lang="it-IT" dirty="0" err="1" smtClean="0"/>
+              <a:t>event</a:t>
+            </a:r>
+            <a:r>
+              <a:rPr lang="it-IT" dirty="0" smtClean="0"/>
+              <a:t> </a:t>
+            </a:r>
+            <a:r>
+              <a:rPr lang="it-IT" dirty="0" err="1" smtClean="0"/>
+              <a:t>yhat</a:t>
+            </a:r>
+            <a:r>
+              <a:rPr lang="it-IT" dirty="0" smtClean="0"/>
+              <a:t> trigger the </a:t>
+            </a:r>
+            <a:r>
+              <a:rPr lang="it-IT" dirty="0" err="1" smtClean="0"/>
+              <a:t>next</a:t>
+            </a:r>
+            <a:r>
+              <a:rPr lang="it-IT" dirty="0" smtClean="0"/>
+              <a:t> </a:t>
+            </a:r>
+            <a:r>
+              <a:rPr lang="it-IT" dirty="0" err="1" smtClean="0"/>
+              <a:t>step</a:t>
+            </a:r>
+            <a:r>
+              <a:rPr lang="it-IT" dirty="0" smtClean="0"/>
+              <a:t>. </a:t>
+            </a:r>
+          </a:p>
+          <a:p>
+            <a:pPr lvl="1"/>
+            <a:r>
+              <a:rPr lang="it-IT" dirty="0" smtClean="0"/>
+              <a:t>The </a:t>
+            </a:r>
+            <a:r>
+              <a:rPr lang="it-IT" dirty="0" err="1" smtClean="0"/>
+              <a:t>message</a:t>
+            </a:r>
+            <a:r>
+              <a:rPr lang="it-IT" dirty="0" smtClean="0"/>
+              <a:t> </a:t>
+            </a:r>
+            <a:r>
+              <a:rPr lang="it-IT" dirty="0" err="1" smtClean="0"/>
+              <a:t>brojer</a:t>
+            </a:r>
+            <a:r>
+              <a:rPr lang="it-IT" dirty="0" smtClean="0"/>
+              <a:t> </a:t>
+            </a:r>
+            <a:r>
+              <a:rPr lang="it-IT" dirty="0" err="1" smtClean="0"/>
+              <a:t>guarantees</a:t>
+            </a:r>
+            <a:r>
+              <a:rPr lang="it-IT" dirty="0" smtClean="0"/>
+              <a:t> </a:t>
+            </a:r>
+            <a:r>
+              <a:rPr lang="it-IT" dirty="0" err="1" smtClean="0"/>
+              <a:t>that</a:t>
+            </a:r>
+            <a:r>
+              <a:rPr lang="it-IT" dirty="0" smtClean="0"/>
+              <a:t> </a:t>
+            </a:r>
+            <a:r>
+              <a:rPr lang="it-IT" dirty="0" err="1" smtClean="0"/>
+              <a:t>ebìvents</a:t>
+            </a:r>
+            <a:r>
+              <a:rPr lang="it-IT" dirty="0" smtClean="0"/>
+              <a:t> are </a:t>
+            </a:r>
+            <a:r>
+              <a:rPr lang="it-IT" dirty="0" err="1" smtClean="0"/>
+              <a:t>delivered</a:t>
+            </a:r>
+            <a:r>
+              <a:rPr lang="it-IT" dirty="0" smtClean="0"/>
+              <a:t> </a:t>
+            </a:r>
+            <a:r>
+              <a:rPr lang="it-IT" dirty="0" err="1" smtClean="0"/>
+              <a:t>at</a:t>
+            </a:r>
+            <a:r>
+              <a:rPr lang="it-IT" dirty="0" smtClean="0"/>
+              <a:t> </a:t>
+            </a:r>
+            <a:r>
+              <a:rPr lang="it-IT" dirty="0" err="1" smtClean="0"/>
+              <a:t>least</a:t>
+            </a:r>
+            <a:r>
+              <a:rPr lang="it-IT" dirty="0" smtClean="0"/>
+              <a:t> once</a:t>
+            </a:r>
+          </a:p>
+          <a:p>
+            <a:pPr lvl="1"/>
+            <a:r>
+              <a:rPr lang="it-IT" dirty="0" err="1" smtClean="0"/>
+              <a:t>Events</a:t>
+            </a:r>
+            <a:r>
+              <a:rPr lang="it-IT" dirty="0" smtClean="0"/>
+              <a:t> </a:t>
+            </a:r>
+            <a:r>
+              <a:rPr lang="it-IT" dirty="0" err="1" smtClean="0"/>
+              <a:t>will</a:t>
+            </a:r>
+            <a:r>
+              <a:rPr lang="it-IT" dirty="0" smtClean="0"/>
+              <a:t> be </a:t>
+            </a:r>
+            <a:r>
+              <a:rPr lang="it-IT" dirty="0" err="1" smtClean="0"/>
+              <a:t>used</a:t>
+            </a:r>
+            <a:r>
+              <a:rPr lang="it-IT" dirty="0" smtClean="0"/>
+              <a:t> alo to </a:t>
+            </a:r>
+            <a:r>
+              <a:rPr lang="it-IT" dirty="0" err="1" smtClean="0"/>
+              <a:t>maintain</a:t>
+            </a:r>
+            <a:r>
+              <a:rPr lang="it-IT" dirty="0" smtClean="0"/>
+              <a:t> </a:t>
+            </a:r>
+            <a:r>
+              <a:rPr lang="it-IT" dirty="0" err="1" smtClean="0"/>
+              <a:t>materialized</a:t>
+            </a:r>
+            <a:r>
+              <a:rPr lang="it-IT" dirty="0" smtClean="0"/>
+              <a:t> </a:t>
+            </a:r>
+            <a:r>
+              <a:rPr lang="it-IT" dirty="0" err="1" smtClean="0"/>
+              <a:t>views</a:t>
+            </a:r>
+            <a:r>
+              <a:rPr lang="it-IT" dirty="0" smtClean="0"/>
+              <a:t> </a:t>
+            </a:r>
+            <a:r>
+              <a:rPr lang="it-IT" dirty="0" err="1" smtClean="0"/>
+              <a:t>that</a:t>
+            </a:r>
+            <a:r>
+              <a:rPr lang="it-IT" dirty="0" smtClean="0"/>
+              <a:t> </a:t>
+            </a:r>
+            <a:r>
+              <a:rPr lang="it-IT" dirty="0" err="1" smtClean="0"/>
+              <a:t>joins</a:t>
+            </a:r>
+            <a:r>
+              <a:rPr lang="it-IT" dirty="0" smtClean="0"/>
+              <a:t> data </a:t>
+            </a:r>
+            <a:r>
+              <a:rPr lang="it-IT" dirty="0" err="1" smtClean="0"/>
+              <a:t>owned</a:t>
+            </a:r>
+            <a:r>
+              <a:rPr lang="it-IT" dirty="0" smtClean="0"/>
+              <a:t> by </a:t>
+            </a:r>
+            <a:r>
+              <a:rPr lang="it-IT" dirty="0" err="1" smtClean="0"/>
+              <a:t>different</a:t>
+            </a:r>
+            <a:r>
+              <a:rPr lang="it-IT" dirty="0" smtClean="0"/>
+              <a:t> </a:t>
+            </a:r>
+            <a:r>
+              <a:rPr lang="it-IT" dirty="0" err="1" smtClean="0"/>
+              <a:t>services</a:t>
+            </a:r>
+            <a:r>
+              <a:rPr lang="it-IT" dirty="0" smtClean="0"/>
+              <a:t>.</a:t>
+            </a:r>
+          </a:p>
+          <a:p>
+            <a:pPr lvl="1"/>
+            <a:endParaRPr lang="it-IT" dirty="0" smtClean="0"/>
+          </a:p>
+          <a:p>
+            <a:pPr lvl="1"/>
+            <a:r>
+              <a:rPr lang="it-IT" dirty="0" err="1" smtClean="0"/>
+              <a:t>Drawbacks</a:t>
+            </a:r>
+            <a:r>
+              <a:rPr lang="it-IT" dirty="0" smtClean="0"/>
+              <a:t> of </a:t>
+            </a:r>
+            <a:r>
+              <a:rPr lang="it-IT" dirty="0" err="1" smtClean="0"/>
+              <a:t>this</a:t>
+            </a:r>
+            <a:r>
+              <a:rPr lang="it-IT" dirty="0" smtClean="0"/>
+              <a:t> </a:t>
+            </a:r>
+            <a:r>
+              <a:rPr lang="it-IT" dirty="0" err="1" smtClean="0"/>
+              <a:t>approch</a:t>
+            </a:r>
+            <a:r>
+              <a:rPr lang="it-IT" dirty="0" smtClean="0"/>
+              <a:t>:</a:t>
+            </a:r>
+          </a:p>
+          <a:p>
+            <a:pPr lvl="2"/>
+            <a:r>
+              <a:rPr lang="it-IT" dirty="0" smtClean="0"/>
+              <a:t>Programming model more </a:t>
+            </a:r>
+            <a:r>
+              <a:rPr lang="it-IT" dirty="0" err="1" smtClean="0"/>
+              <a:t>complex</a:t>
+            </a:r>
+            <a:endParaRPr lang="it-IT" dirty="0" smtClean="0"/>
+          </a:p>
+          <a:p>
+            <a:pPr lvl="2"/>
+            <a:r>
+              <a:rPr lang="it-IT" dirty="0" smtClean="0"/>
+              <a:t>The </a:t>
+            </a:r>
+            <a:r>
+              <a:rPr lang="it-IT" dirty="0" err="1" smtClean="0"/>
+              <a:t>need</a:t>
+            </a:r>
+            <a:r>
+              <a:rPr lang="it-IT" dirty="0" smtClean="0"/>
+              <a:t> of </a:t>
+            </a:r>
+            <a:r>
+              <a:rPr lang="it-IT" dirty="0" err="1" smtClean="0"/>
+              <a:t>implementing</a:t>
+            </a:r>
+            <a:r>
+              <a:rPr lang="it-IT" dirty="0" smtClean="0"/>
+              <a:t> </a:t>
+            </a:r>
+            <a:r>
+              <a:rPr lang="it-IT" dirty="0" err="1" smtClean="0"/>
+              <a:t>compansating</a:t>
+            </a:r>
+            <a:r>
+              <a:rPr lang="it-IT" dirty="0" smtClean="0"/>
+              <a:t> </a:t>
+            </a:r>
+            <a:r>
+              <a:rPr lang="it-IT" dirty="0" err="1" smtClean="0"/>
+              <a:t>transaction</a:t>
+            </a:r>
+            <a:r>
+              <a:rPr lang="it-IT" dirty="0" smtClean="0"/>
+              <a:t> to </a:t>
+            </a:r>
+            <a:r>
+              <a:rPr lang="it-IT" dirty="0" err="1" smtClean="0"/>
+              <a:t>recover</a:t>
+            </a:r>
+            <a:r>
+              <a:rPr lang="it-IT" dirty="0" smtClean="0"/>
+              <a:t> from </a:t>
+            </a:r>
+            <a:r>
+              <a:rPr lang="it-IT" dirty="0" err="1" smtClean="0"/>
+              <a:t>application</a:t>
+            </a:r>
+            <a:r>
+              <a:rPr lang="it-IT" dirty="0" smtClean="0"/>
+              <a:t>/</a:t>
+            </a:r>
+            <a:r>
+              <a:rPr lang="it-IT" dirty="0" err="1" smtClean="0"/>
+              <a:t>infrastructure</a:t>
+            </a:r>
+            <a:r>
+              <a:rPr lang="it-IT" dirty="0" smtClean="0"/>
+              <a:t> </a:t>
+            </a:r>
+            <a:r>
+              <a:rPr lang="it-IT" dirty="0" err="1" smtClean="0"/>
+              <a:t>failures</a:t>
+            </a:r>
+            <a:r>
+              <a:rPr lang="it-IT" dirty="0"/>
+              <a:t>	</a:t>
+            </a:r>
+          </a:p>
+          <a:p>
+            <a:pPr lvl="1"/>
+            <a:r>
+              <a:rPr lang="it-IT" dirty="0" err="1" smtClean="0"/>
+              <a:t>Ato</a:t>
+            </a:r>
+            <a:r>
+              <a:rPr lang="it-IT" dirty="0" smtClean="0"/>
+              <a:t> mitigate </a:t>
+            </a:r>
+            <a:r>
+              <a:rPr lang="it-IT" dirty="0" err="1" smtClean="0"/>
+              <a:t>infrastructure</a:t>
+            </a:r>
+            <a:r>
+              <a:rPr lang="it-IT" dirty="0" smtClean="0"/>
+              <a:t> </a:t>
+            </a:r>
+            <a:r>
+              <a:rPr lang="it-IT" dirty="0" err="1" smtClean="0"/>
+              <a:t>failure</a:t>
+            </a:r>
+            <a:r>
+              <a:rPr lang="it-IT" dirty="0" smtClean="0"/>
+              <a:t> </a:t>
+            </a:r>
+            <a:r>
+              <a:rPr lang="it-IT" dirty="0" err="1" smtClean="0"/>
+              <a:t>coming</a:t>
+            </a:r>
+            <a:r>
+              <a:rPr lang="it-IT" dirty="0" smtClean="0"/>
+              <a:t> from </a:t>
+            </a:r>
+            <a:r>
+              <a:rPr lang="it-IT" dirty="0" err="1" smtClean="0"/>
+              <a:t>message</a:t>
+            </a:r>
+            <a:r>
+              <a:rPr lang="it-IT" smtClean="0"/>
+              <a:t> broker:  </a:t>
+            </a:r>
+            <a:r>
+              <a:rPr lang="it-IT" dirty="0" err="1" smtClean="0"/>
+              <a:t>mitigating</a:t>
+            </a:r>
+            <a:r>
+              <a:rPr lang="it-IT" dirty="0" smtClean="0"/>
+              <a:t> High </a:t>
+            </a:r>
+            <a:r>
+              <a:rPr lang="it-IT" dirty="0" smtClean="0"/>
+              <a:t>Reliability of </a:t>
+            </a:r>
+            <a:r>
+              <a:rPr lang="it-IT" dirty="0" err="1" smtClean="0"/>
+              <a:t>message</a:t>
+            </a:r>
+            <a:r>
+              <a:rPr lang="it-IT" dirty="0" smtClean="0"/>
+              <a:t> broker</a:t>
+            </a:r>
+          </a:p>
+          <a:p>
+            <a:pPr lvl="1"/>
+            <a:endParaRPr lang="it-IT" dirty="0"/>
+          </a:p>
+          <a:p>
+            <a:pPr lvl="1"/>
+            <a:r>
+              <a:rPr lang="it-IT" dirty="0" err="1" smtClean="0"/>
+              <a:t>Scheduler</a:t>
+            </a:r>
+            <a:r>
+              <a:rPr lang="it-IT" dirty="0" smtClean="0"/>
+              <a:t> </a:t>
+            </a:r>
+            <a:r>
+              <a:rPr lang="it-IT" dirty="0" err="1" smtClean="0"/>
+              <a:t>definition</a:t>
+            </a:r>
+            <a:r>
+              <a:rPr lang="it-IT" dirty="0" smtClean="0"/>
+              <a:t> and </a:t>
+            </a:r>
+            <a:r>
+              <a:rPr lang="it-IT" dirty="0" err="1" smtClean="0"/>
+              <a:t>implementation</a:t>
+            </a:r>
+            <a:r>
+              <a:rPr lang="it-IT" dirty="0" smtClean="0"/>
+              <a:t> </a:t>
+            </a:r>
+            <a:r>
+              <a:rPr lang="it-IT" dirty="0" err="1" smtClean="0"/>
+              <a:t>details</a:t>
+            </a:r>
+            <a:endParaRPr lang="it-IT" dirty="0" smtClean="0"/>
+          </a:p>
+          <a:p>
+            <a:pPr lvl="1"/>
+            <a:r>
+              <a:rPr lang="it-IT" dirty="0" err="1" smtClean="0"/>
+              <a:t>poliglot</a:t>
+            </a:r>
+            <a:r>
+              <a:rPr lang="it-IT" dirty="0" smtClean="0"/>
+              <a:t> </a:t>
+            </a:r>
+            <a:r>
+              <a:rPr lang="it-IT" dirty="0" err="1" smtClean="0"/>
+              <a:t>persistance</a:t>
+            </a:r>
+            <a:r>
+              <a:rPr lang="it-IT" dirty="0" smtClean="0"/>
+              <a:t> pattern </a:t>
+            </a:r>
+            <a:r>
+              <a:rPr lang="it-IT" dirty="0" err="1" smtClean="0"/>
+              <a:t>implementation</a:t>
+            </a:r>
+            <a:endParaRPr lang="it-IT" dirty="0" smtClean="0"/>
+          </a:p>
+          <a:p>
+            <a:pPr lvl="1"/>
+            <a:endParaRPr lang="it-IT" dirty="0" smtClean="0"/>
+          </a:p>
+          <a:p>
+            <a:pPr lvl="1"/>
+            <a:endParaRPr lang="it-IT" dirty="0"/>
+          </a:p>
+        </p:txBody>
+      </p:sp>
+    </p:spTree>
+    <p:extLst>
+      <p:ext uri="{BB962C8B-B14F-4D97-AF65-F5344CB8AC3E}">
+        <p14:creationId xmlns:p14="http://schemas.microsoft.com/office/powerpoint/2010/main" val="3274309917"/>
+      </p:ext>
+    </p:extLst>
+  </p:cSld>
+  <p:clrMapOvr>
+    <a:masterClrMapping/>
+  </p:clrMapOvr>
+  <p:transition/>
+  <p:timing>
+    <p:tnLst>
+      <p:par>
+        <p:cTn id="1" dur="indefinite" restart="never" nodeType="tmRoot"/>
+      </p:par>
+    </p:tnLst>
+  </p:timing>
+</p:sld>
+</file>
+
+<file path=ppt/slides/slide35.xml><?xml version="1.0" encoding="utf-8"?>
 <p:sld xmlns:a="http://schemas.openxmlformats.org/drawingml/2006/main" xmlns:r="http://schemas.openxmlformats.org/officeDocument/2006/relationships" xmlns:p="http://schemas.openxmlformats.org/presentationml/2006/main">
   <p:cSld>
     <p:spTree>
@@ -28830,7 +29495,7 @@
 </p:sld>
 </file>
 
-<file path=ppt/slides/slide35.xml><?xml version="1.0" encoding="utf-8"?>
+<file path=ppt/slides/slide36.xml><?xml version="1.0" encoding="utf-8"?>
 <p:sld xmlns:a="http://schemas.openxmlformats.org/drawingml/2006/main" xmlns:r="http://schemas.openxmlformats.org/officeDocument/2006/relationships" xmlns:p="http://schemas.openxmlformats.org/presentationml/2006/main">
   <p:cSld>
     <p:spTree>
@@ -30369,7 +31034,7 @@
 </p:sld>
 </file>
 
-<file path=ppt/slides/slide36.xml><?xml version="1.0" encoding="utf-8"?>
+<file path=ppt/slides/slide37.xml><?xml version="1.0" encoding="utf-8"?>
 <p:sld xmlns:a="http://schemas.openxmlformats.org/drawingml/2006/main" xmlns:r="http://schemas.openxmlformats.org/officeDocument/2006/relationships" xmlns:p="http://schemas.openxmlformats.org/presentationml/2006/main">
   <p:cSld>
     <p:spTree>
@@ -34710,7 +35375,7 @@
 </p:sld>
 </file>
 
-<file path=ppt/slides/slide37.xml><?xml version="1.0" encoding="utf-8"?>
+<file path=ppt/slides/slide38.xml><?xml version="1.0" encoding="utf-8"?>
 <p:sld xmlns:a="http://schemas.openxmlformats.org/drawingml/2006/main" xmlns:r="http://schemas.openxmlformats.org/officeDocument/2006/relationships" xmlns:p="http://schemas.openxmlformats.org/presentationml/2006/main">
   <p:cSld>
     <p:spTree>
@@ -34870,7 +35535,7 @@
 </p:sld>
 </file>
 
-<file path=ppt/slides/slide38.xml><?xml version="1.0" encoding="utf-8"?>
+<file path=ppt/slides/slide39.xml><?xml version="1.0" encoding="utf-8"?>
 <p:sld xmlns:a="http://schemas.openxmlformats.org/drawingml/2006/main" xmlns:r="http://schemas.openxmlformats.org/officeDocument/2006/relationships" xmlns:p="http://schemas.openxmlformats.org/presentationml/2006/main">
   <p:cSld>
     <p:spTree>
@@ -36285,7 +36950,98 @@
 </p:sld>
 </file>
 
-<file path=ppt/slides/slide39.xml><?xml version="1.0" encoding="utf-8"?>
+<file path=ppt/slides/slide4.xml><?xml version="1.0" encoding="utf-8"?>
+<p:sld xmlns:a="http://schemas.openxmlformats.org/drawingml/2006/main" xmlns:r="http://schemas.openxmlformats.org/officeDocument/2006/relationships" xmlns:p="http://schemas.openxmlformats.org/presentationml/2006/main">
+  <p:cSld>
+    <p:spTree>
+      <p:nvGrpSpPr>
+        <p:cNvPr id="1" name=""/>
+        <p:cNvGrpSpPr/>
+        <p:nvPr/>
+      </p:nvGrpSpPr>
+      <p:grpSpPr>
+        <a:xfrm>
+          <a:off x="0" y="0"/>
+          <a:ext cx="0" cy="0"/>
+          <a:chOff x="0" y="0"/>
+          <a:chExt cx="0" cy="0"/>
+        </a:xfrm>
+      </p:grpSpPr>
+      <p:sp>
+        <p:nvSpPr>
+          <p:cNvPr id="7170" name="Rectangle 1"/>
+          <p:cNvSpPr>
+            <a:spLocks noGrp="1" noChangeArrowheads="1"/>
+          </p:cNvSpPr>
+          <p:nvPr>
+            <p:ph type="title"/>
+          </p:nvPr>
+        </p:nvSpPr>
+        <p:spPr/>
+        <p:txBody>
+          <a:bodyPr/>
+          <a:lstStyle/>
+          <a:p>
+            <a:pPr eaLnBrk="1" hangingPunct="1"/>
+            <a:r>
+              <a:rPr lang="en-US" sz="6600" b="0" dirty="0" smtClean="0"/>
+              <a:t>Full lifecycle of a microservice: how to realize a fault-tolerant and reliable architecture and deliver it as a </a:t>
+            </a:r>
+            <a:r>
+              <a:rPr lang="en-US" sz="6600" b="0" dirty="0" err="1" smtClean="0"/>
+              <a:t>Docker</a:t>
+            </a:r>
+            <a:r>
+              <a:rPr lang="en-US" sz="6600" b="0" dirty="0" smtClean="0"/>
+              <a:t> container or in a Cloud environment</a:t>
+            </a:r>
+            <a:endParaRPr lang="it-IT" sz="6600" dirty="0" smtClean="0"/>
+          </a:p>
+        </p:txBody>
+      </p:sp>
+      <p:sp>
+        <p:nvSpPr>
+          <p:cNvPr id="7171" name="Rectangle 2"/>
+          <p:cNvSpPr>
+            <a:spLocks noGrp="1" noChangeArrowheads="1"/>
+          </p:cNvSpPr>
+          <p:nvPr>
+            <p:ph type="body" idx="1"/>
+          </p:nvPr>
+        </p:nvSpPr>
+        <p:spPr/>
+        <p:txBody>
+          <a:bodyPr/>
+          <a:lstStyle/>
+          <a:p>
+            <a:pPr marL="914400" indent="-914400" eaLnBrk="1" hangingPunct="1">
+              <a:buFontTx/>
+              <a:buNone/>
+            </a:pPr>
+            <a:r>
+              <a:rPr lang="it-IT" smtClean="0"/>
+              <a:t>Luigi Bennardis</a:t>
+            </a:r>
+          </a:p>
+        </p:txBody>
+      </p:sp>
+    </p:spTree>
+  </p:cSld>
+  <p:clrMapOvr>
+    <a:masterClrMapping/>
+  </p:clrMapOvr>
+  <p:transition/>
+  <p:timing>
+    <p:tnLst>
+      <p:par>
+        <p:cTn id="1" dur="indefinite" restart="never" nodeType="tmRoot"/>
+      </p:par>
+    </p:tnLst>
+  </p:timing>
+</p:sld>
+</file>
+
+<file path=ppt/slides/slide40.xml><?xml version="1.0" encoding="utf-8"?>
 <p:sld xmlns:a="http://schemas.openxmlformats.org/drawingml/2006/main" xmlns:r="http://schemas.openxmlformats.org/officeDocument/2006/relationships" xmlns:p="http://schemas.openxmlformats.org/presentationml/2006/main">
   <p:cSld>
     <p:spTree>
@@ -36323,98 +37079,7 @@
 </p:sld>
 </file>
 
-<file path=ppt/slides/slide4.xml><?xml version="1.0" encoding="utf-8"?>
-<p:sld xmlns:a="http://schemas.openxmlformats.org/drawingml/2006/main" xmlns:r="http://schemas.openxmlformats.org/officeDocument/2006/relationships" xmlns:p="http://schemas.openxmlformats.org/presentationml/2006/main">
-  <p:cSld>
-    <p:spTree>
-      <p:nvGrpSpPr>
-        <p:cNvPr id="1" name=""/>
-        <p:cNvGrpSpPr/>
-        <p:nvPr/>
-      </p:nvGrpSpPr>
-      <p:grpSpPr>
-        <a:xfrm>
-          <a:off x="0" y="0"/>
-          <a:ext cx="0" cy="0"/>
-          <a:chOff x="0" y="0"/>
-          <a:chExt cx="0" cy="0"/>
-        </a:xfrm>
-      </p:grpSpPr>
-      <p:sp>
-        <p:nvSpPr>
-          <p:cNvPr id="7170" name="Rectangle 1"/>
-          <p:cNvSpPr>
-            <a:spLocks noGrp="1" noChangeArrowheads="1"/>
-          </p:cNvSpPr>
-          <p:nvPr>
-            <p:ph type="title"/>
-          </p:nvPr>
-        </p:nvSpPr>
-        <p:spPr/>
-        <p:txBody>
-          <a:bodyPr/>
-          <a:lstStyle/>
-          <a:p>
-            <a:pPr eaLnBrk="1" hangingPunct="1"/>
-            <a:r>
-              <a:rPr lang="en-US" sz="6600" b="0" dirty="0" smtClean="0"/>
-              <a:t>Full lifecycle of a microservice: how to realize a fault-tolerant and reliable architecture and deliver it as a </a:t>
-            </a:r>
-            <a:r>
-              <a:rPr lang="en-US" sz="6600" b="0" dirty="0" err="1" smtClean="0"/>
-              <a:t>Docker</a:t>
-            </a:r>
-            <a:r>
-              <a:rPr lang="en-US" sz="6600" b="0" dirty="0" smtClean="0"/>
-              <a:t> container or in a Cloud environment</a:t>
-            </a:r>
-            <a:endParaRPr lang="it-IT" sz="6600" dirty="0" smtClean="0"/>
-          </a:p>
-        </p:txBody>
-      </p:sp>
-      <p:sp>
-        <p:nvSpPr>
-          <p:cNvPr id="7171" name="Rectangle 2"/>
-          <p:cNvSpPr>
-            <a:spLocks noGrp="1" noChangeArrowheads="1"/>
-          </p:cNvSpPr>
-          <p:nvPr>
-            <p:ph type="body" idx="1"/>
-          </p:nvPr>
-        </p:nvSpPr>
-        <p:spPr/>
-        <p:txBody>
-          <a:bodyPr/>
-          <a:lstStyle/>
-          <a:p>
-            <a:pPr marL="914400" indent="-914400" eaLnBrk="1" hangingPunct="1">
-              <a:buFontTx/>
-              <a:buNone/>
-            </a:pPr>
-            <a:r>
-              <a:rPr lang="it-IT" smtClean="0"/>
-              <a:t>Luigi Bennardis</a:t>
-            </a:r>
-          </a:p>
-        </p:txBody>
-      </p:sp>
-    </p:spTree>
-  </p:cSld>
-  <p:clrMapOvr>
-    <a:masterClrMapping/>
-  </p:clrMapOvr>
-  <p:transition/>
-  <p:timing>
-    <p:tnLst>
-      <p:par>
-        <p:cTn id="1" dur="indefinite" restart="never" nodeType="tmRoot"/>
-      </p:par>
-    </p:tnLst>
-  </p:timing>
-</p:sld>
-</file>
-
-<file path=ppt/slides/slide40.xml><?xml version="1.0" encoding="utf-8"?>
+<file path=ppt/slides/slide41.xml><?xml version="1.0" encoding="utf-8"?>
 <p:sld xmlns:a="http://schemas.openxmlformats.org/drawingml/2006/main" xmlns:r="http://schemas.openxmlformats.org/officeDocument/2006/relationships" xmlns:p="http://schemas.openxmlformats.org/presentationml/2006/main">
   <p:cSld>
     <p:spTree>
@@ -36631,7 +37296,7 @@
 </p:sld>
 </file>
 
-<file path=ppt/slides/slide41.xml><?xml version="1.0" encoding="utf-8"?>
+<file path=ppt/slides/slide42.xml><?xml version="1.0" encoding="utf-8"?>
 <p:sld xmlns:a="http://schemas.openxmlformats.org/drawingml/2006/main" xmlns:r="http://schemas.openxmlformats.org/officeDocument/2006/relationships" xmlns:p="http://schemas.openxmlformats.org/presentationml/2006/main">
   <p:cSld>
     <p:spTree>
@@ -37718,21 +38383,17 @@
             </a:r>
             <a:r>
               <a:rPr lang="it-IT" dirty="0" smtClean="0"/>
-              <a:t>:</a:t>
+              <a:t>: </a:t>
+            </a:r>
+            <a:r>
+              <a:rPr lang="it-IT" dirty="0" err="1" smtClean="0"/>
+              <a:t>system</a:t>
             </a:r>
             <a:r>
               <a:rPr lang="it-IT" dirty="0" smtClean="0"/>
               <a:t> </a:t>
             </a:r>
             <a:r>
-              <a:rPr lang="it-IT" dirty="0" err="1" smtClean="0"/>
-              <a:t>system</a:t>
-            </a:r>
-            <a:r>
-              <a:rPr lang="it-IT" dirty="0" smtClean="0"/>
-              <a:t> </a:t>
-            </a:r>
-            <a:r>
               <a:rPr lang="it-IT" dirty="0" err="1"/>
               <a:t>landscape</a:t>
             </a:r>
@@ -37740,7 +38401,6 @@
               <a:rPr lang="it-IT" dirty="0"/>
               <a:t> </a:t>
             </a:r>
-            <a:endParaRPr lang="it-IT" dirty="0"/>
           </a:p>
         </p:txBody>
       </p:sp>
@@ -38745,7 +39405,7 @@
 </p:sld>
 </file>
 
-<file path=ppt/slides/slide42.xml><?xml version="1.0" encoding="utf-8"?>
+<file path=ppt/slides/slide43.xml><?xml version="1.0" encoding="utf-8"?>
 <p:sld xmlns:a="http://schemas.openxmlformats.org/drawingml/2006/main" xmlns:r="http://schemas.openxmlformats.org/officeDocument/2006/relationships" xmlns:p="http://schemas.openxmlformats.org/presentationml/2006/main">
   <p:cSld>
     <p:spTree>
@@ -38783,7 +39443,7 @@
 </p:sld>
 </file>
 
-<file path=ppt/slides/slide43.xml><?xml version="1.0" encoding="utf-8"?>
+<file path=ppt/slides/slide44.xml><?xml version="1.0" encoding="utf-8"?>
 <p:sld xmlns:a="http://schemas.openxmlformats.org/drawingml/2006/main" xmlns:r="http://schemas.openxmlformats.org/officeDocument/2006/relationships" xmlns:p="http://schemas.openxmlformats.org/presentationml/2006/main">
   <p:cSld>
     <p:bg>
@@ -38824,7 +39484,7 @@
 </p:sld>
 </file>
 
-<file path=ppt/slides/slide44.xml><?xml version="1.0" encoding="utf-8"?>
+<file path=ppt/slides/slide45.xml><?xml version="1.0" encoding="utf-8"?>
 <p:sld xmlns:a="http://schemas.openxmlformats.org/drawingml/2006/main" xmlns:r="http://schemas.openxmlformats.org/officeDocument/2006/relationships" xmlns:p="http://schemas.openxmlformats.org/presentationml/2006/main">
   <p:cSld>
     <p:bg>
@@ -38870,7 +39530,7 @@
 </p:sld>
 </file>
 
-<file path=ppt/slides/slide45.xml><?xml version="1.0" encoding="utf-8"?>
+<file path=ppt/slides/slide46.xml><?xml version="1.0" encoding="utf-8"?>
 <p:sld xmlns:a="http://schemas.openxmlformats.org/drawingml/2006/main" xmlns:r="http://schemas.openxmlformats.org/officeDocument/2006/relationships" xmlns:p="http://schemas.openxmlformats.org/presentationml/2006/main">
   <p:cSld>
     <p:spTree>
@@ -41910,7 +42570,7 @@
 </p:sld>
 </file>
 
-<file path=ppt/slides/slide46.xml><?xml version="1.0" encoding="utf-8"?>
+<file path=ppt/slides/slide47.xml><?xml version="1.0" encoding="utf-8"?>
 <p:sld xmlns:a="http://schemas.openxmlformats.org/drawingml/2006/main" xmlns:r="http://schemas.openxmlformats.org/officeDocument/2006/relationships" xmlns:p="http://schemas.openxmlformats.org/presentationml/2006/main">
   <p:cSld>
     <p:spTree>
@@ -44520,7 +45180,7 @@
 </p:sld>
 </file>
 
-<file path=ppt/slides/slide47.xml><?xml version="1.0" encoding="utf-8"?>
+<file path=ppt/slides/slide48.xml><?xml version="1.0" encoding="utf-8"?>
 <p:sld xmlns:a="http://schemas.openxmlformats.org/drawingml/2006/main" xmlns:r="http://schemas.openxmlformats.org/officeDocument/2006/relationships" xmlns:p="http://schemas.openxmlformats.org/presentationml/2006/main">
   <p:cSld>
     <p:spTree>
@@ -46710,7 +47370,7 @@
 </p:sld>
 </file>
 
-<file path=ppt/slides/slide48.xml><?xml version="1.0" encoding="utf-8"?>
+<file path=ppt/slides/slide49.xml><?xml version="1.0" encoding="utf-8"?>
 <p:sld xmlns:a="http://schemas.openxmlformats.org/drawingml/2006/main" xmlns:r="http://schemas.openxmlformats.org/officeDocument/2006/relationships" xmlns:p="http://schemas.openxmlformats.org/presentationml/2006/main">
   <p:cSld>
     <p:spTree>
